--- a/论文插图.pptx
+++ b/论文插图.pptx
@@ -13,11 +13,14 @@
     <p:sldId id="259" r:id="rId8"/>
     <p:sldId id="261" r:id="rId9"/>
     <p:sldId id="262" r:id="rId10"/>
+    <p:sldId id="270" r:id="rId11"/>
+    <p:sldId id="273" r:id="rId12"/>
+    <p:sldId id="272" r:id="rId13"/>
   </p:sldIdLst>
   <p:sldSz cx="12192000" cy="6858000"/>
   <p:notesSz cx="6858000" cy="9144000"/>
   <p:custDataLst>
-    <p:tags r:id="rId14"/>
+    <p:tags r:id="rId17"/>
   </p:custDataLst>
   <p:defaultTextStyle>
     <a:defPPr>
@@ -5026,6 +5029,1295 @@
 </p:sld>
 </file>
 
+<file path=ppt/slides/slide10.xml><?xml version="1.0" encoding="utf-8"?>
+<p:sld xmlns:a="http://schemas.openxmlformats.org/drawingml/2006/main" xmlns:r="http://schemas.openxmlformats.org/officeDocument/2006/relationships" xmlns:p="http://schemas.openxmlformats.org/presentationml/2006/main">
+  <p:cSld>
+    <p:spTree>
+      <p:nvGrpSpPr>
+        <p:cNvPr id="1" name=""/>
+        <p:cNvGrpSpPr/>
+        <p:nvPr/>
+      </p:nvGrpSpPr>
+      <p:grpSpPr/>
+      <p:sp>
+        <p:nvSpPr>
+          <p:cNvPr id="2" name="文本框 1"/>
+          <p:cNvSpPr txBox="1"/>
+          <p:nvPr/>
+        </p:nvSpPr>
+        <p:spPr>
+          <a:xfrm>
+            <a:off x="4890135" y="5138420"/>
+            <a:ext cx="2552065" cy="368300"/>
+          </a:xfrm>
+          <a:prstGeom prst="rect">
+            <a:avLst/>
+          </a:prstGeom>
+          <a:solidFill>
+            <a:schemeClr val="accent4">
+              <a:lumMod val="40000"/>
+              <a:lumOff val="60000"/>
+            </a:schemeClr>
+          </a:solidFill>
+        </p:spPr>
+        <p:txBody>
+          <a:bodyPr wrap="square">
+            <a:spAutoFit/>
+            <a:extLst>
+              <a:ext uri="{4A0BC546-FE56-4ADE-93B0-CB8AF2F6F144}">
+                <wpsdc:textFrameExt xmlns:wpsdc="http://www.wps.cn/officeDocument/2022/drawingmlCustomData" type="text"/>
+              </a:ext>
+            </a:extLst>
+          </a:bodyPr>
+          <a:p>
+            <a:pPr algn="ctr"/>
+            <a:r>
+              <a:rPr lang="en-US" altLang="zh-CN" sz="1800">
+                <a:latin typeface="Arial" panose="020B0604020202020204" pitchFamily="34" charset="0"/>
+                <a:ea typeface="微软雅黑" panose="020B0503020204020204" charset="-122"/>
+              </a:rPr>
+              <a:t>C</a:t>
+            </a:r>
+            <a:r>
+              <a:rPr lang="en-US" altLang="zh-CN" sz="1800">
+                <a:latin typeface="Arial" panose="020B0604020202020204" pitchFamily="34" charset="0"/>
+                <a:ea typeface="微软雅黑" panose="020B0503020204020204" charset="-122"/>
+              </a:rPr>
+              <a:t>hannel Independence</a:t>
+            </a:r>
+            <a:endParaRPr lang="en-US" altLang="zh-CN" sz="1800">
+              <a:latin typeface="Arial" panose="020B0604020202020204" pitchFamily="34" charset="0"/>
+              <a:ea typeface="微软雅黑" panose="020B0503020204020204" charset="-122"/>
+            </a:endParaRPr>
+          </a:p>
+        </p:txBody>
+      </p:sp>
+      <p:sp>
+        <p:nvSpPr>
+          <p:cNvPr id="5" name="文本框 4"/>
+          <p:cNvSpPr txBox="1"/>
+          <p:nvPr/>
+        </p:nvSpPr>
+        <p:spPr>
+          <a:xfrm>
+            <a:off x="4890135" y="4432300"/>
+            <a:ext cx="2552065" cy="368300"/>
+          </a:xfrm>
+          <a:prstGeom prst="rect">
+            <a:avLst/>
+          </a:prstGeom>
+          <a:solidFill>
+            <a:schemeClr val="accent2">
+              <a:lumMod val="60000"/>
+              <a:lumOff val="40000"/>
+            </a:schemeClr>
+          </a:solidFill>
+        </p:spPr>
+        <p:txBody>
+          <a:bodyPr wrap="square">
+            <a:spAutoFit/>
+            <a:extLst>
+              <a:ext uri="{4A0BC546-FE56-4ADE-93B0-CB8AF2F6F144}">
+                <wpsdc:textFrameExt xmlns:wpsdc="http://www.wps.cn/officeDocument/2022/drawingmlCustomData" type="text"/>
+              </a:ext>
+            </a:extLst>
+          </a:bodyPr>
+          <a:p>
+            <a:pPr algn="ctr"/>
+            <a:r>
+              <a:rPr lang="en-US" altLang="zh-CN" sz="1800">
+                <a:latin typeface="Arial" panose="020B0604020202020204" pitchFamily="34" charset="0"/>
+                <a:ea typeface="微软雅黑" panose="020B0503020204020204" charset="-122"/>
+              </a:rPr>
+              <a:t>FTT</a:t>
+            </a:r>
+            <a:endParaRPr lang="en-US" altLang="zh-CN" sz="1800">
+              <a:latin typeface="Arial" panose="020B0604020202020204" pitchFamily="34" charset="0"/>
+              <a:ea typeface="微软雅黑" panose="020B0503020204020204" charset="-122"/>
+            </a:endParaRPr>
+          </a:p>
+        </p:txBody>
+      </p:sp>
+      <p:sp>
+        <p:nvSpPr>
+          <p:cNvPr id="6" name="文本框 5"/>
+          <p:cNvSpPr txBox="1"/>
+          <p:nvPr/>
+        </p:nvSpPr>
+        <p:spPr>
+          <a:xfrm>
+            <a:off x="4903470" y="3726180"/>
+            <a:ext cx="2552065" cy="368300"/>
+          </a:xfrm>
+          <a:prstGeom prst="rect">
+            <a:avLst/>
+          </a:prstGeom>
+          <a:solidFill>
+            <a:schemeClr val="accent5">
+              <a:lumMod val="60000"/>
+              <a:lumOff val="40000"/>
+            </a:schemeClr>
+          </a:solidFill>
+        </p:spPr>
+        <p:txBody>
+          <a:bodyPr wrap="square">
+            <a:spAutoFit/>
+            <a:extLst>
+              <a:ext uri="{4A0BC546-FE56-4ADE-93B0-CB8AF2F6F144}">
+                <wpsdc:textFrameExt xmlns:wpsdc="http://www.wps.cn/officeDocument/2022/drawingmlCustomData" type="text"/>
+              </a:ext>
+            </a:extLst>
+          </a:bodyPr>
+          <a:p>
+            <a:pPr algn="ctr"/>
+            <a:r>
+              <a:rPr lang="en-US" altLang="zh-CN" sz="1800">
+                <a:latin typeface="Arial" panose="020B0604020202020204" pitchFamily="34" charset="0"/>
+                <a:ea typeface="微软雅黑" panose="020B0503020204020204" charset="-122"/>
+              </a:rPr>
+              <a:t>Mask Dominant Period</a:t>
+            </a:r>
+            <a:endParaRPr lang="en-US" altLang="zh-CN" sz="1800">
+              <a:latin typeface="Arial" panose="020B0604020202020204" pitchFamily="34" charset="0"/>
+              <a:ea typeface="微软雅黑" panose="020B0503020204020204" charset="-122"/>
+            </a:endParaRPr>
+          </a:p>
+        </p:txBody>
+      </p:sp>
+      <p:sp>
+        <p:nvSpPr>
+          <p:cNvPr id="7" name="文本框 6"/>
+          <p:cNvSpPr txBox="1"/>
+          <p:nvPr/>
+        </p:nvSpPr>
+        <p:spPr>
+          <a:xfrm>
+            <a:off x="4890135" y="3020060"/>
+            <a:ext cx="2552065" cy="368300"/>
+          </a:xfrm>
+          <a:prstGeom prst="rect">
+            <a:avLst/>
+          </a:prstGeom>
+          <a:solidFill>
+            <a:schemeClr val="accent6">
+              <a:lumMod val="60000"/>
+              <a:lumOff val="40000"/>
+            </a:schemeClr>
+          </a:solidFill>
+        </p:spPr>
+        <p:txBody>
+          <a:bodyPr wrap="square">
+            <a:spAutoFit/>
+            <a:extLst>
+              <a:ext uri="{4A0BC546-FE56-4ADE-93B0-CB8AF2F6F144}">
+                <wpsdc:textFrameExt xmlns:wpsdc="http://www.wps.cn/officeDocument/2022/drawingmlCustomData" type="text"/>
+              </a:ext>
+            </a:extLst>
+          </a:bodyPr>
+          <a:p>
+            <a:pPr algn="ctr"/>
+            <a:r>
+              <a:rPr lang="en-US" altLang="zh-CN" sz="1800">
+                <a:latin typeface="Arial" panose="020B0604020202020204" pitchFamily="34" charset="0"/>
+                <a:ea typeface="微软雅黑" panose="020B0503020204020204" charset="-122"/>
+              </a:rPr>
+              <a:t>Multi-Scale Patching</a:t>
+            </a:r>
+            <a:endParaRPr lang="en-US" altLang="zh-CN" sz="1800">
+              <a:latin typeface="Arial" panose="020B0604020202020204" pitchFamily="34" charset="0"/>
+              <a:ea typeface="微软雅黑" panose="020B0503020204020204" charset="-122"/>
+            </a:endParaRPr>
+          </a:p>
+        </p:txBody>
+      </p:sp>
+      <p:sp>
+        <p:nvSpPr>
+          <p:cNvPr id="44" name="文本框 43"/>
+          <p:cNvSpPr txBox="1"/>
+          <p:nvPr/>
+        </p:nvSpPr>
+        <p:spPr>
+          <a:xfrm>
+            <a:off x="6304280" y="3387090"/>
+            <a:ext cx="1391285" cy="340360"/>
+          </a:xfrm>
+          <a:prstGeom prst="rect">
+            <a:avLst/>
+          </a:prstGeom>
+          <a:solidFill>
+            <a:schemeClr val="bg1"/>
+          </a:solidFill>
+        </p:spPr>
+        <p:txBody>
+          <a:bodyPr wrap="square">
+            <a:noAutofit/>
+            <a:extLst>
+              <a:ext uri="{4A0BC546-FE56-4ADE-93B0-CB8AF2F6F144}">
+                <wpsdc:textFrameExt xmlns:wpsdc="http://www.wps.cn/officeDocument/2022/drawingmlCustomData" type="text"/>
+              </a:ext>
+            </a:extLst>
+          </a:bodyPr>
+          <a:p>
+            <a:pPr algn="ctr"/>
+            <a:r>
+              <a:rPr lang="en-US" altLang="zh-CN" sz="1800">
+                <a:latin typeface="Arial" panose="020B0604020202020204" pitchFamily="34" charset="0"/>
+                <a:ea typeface="微软雅黑" panose="020B0503020204020204" charset="-122"/>
+              </a:rPr>
+              <a:t>Embedding</a:t>
+            </a:r>
+            <a:endParaRPr lang="en-US" altLang="zh-CN" sz="1800">
+              <a:latin typeface="Arial" panose="020B0604020202020204" pitchFamily="34" charset="0"/>
+              <a:ea typeface="微软雅黑" panose="020B0503020204020204" charset="-122"/>
+            </a:endParaRPr>
+          </a:p>
+        </p:txBody>
+      </p:sp>
+      <p:sp>
+        <p:nvSpPr>
+          <p:cNvPr id="45" name="文本框 44"/>
+          <p:cNvSpPr txBox="1"/>
+          <p:nvPr/>
+        </p:nvSpPr>
+        <p:spPr>
+          <a:xfrm>
+            <a:off x="4890135" y="2313940"/>
+            <a:ext cx="2552065" cy="368300"/>
+          </a:xfrm>
+          <a:prstGeom prst="rect">
+            <a:avLst/>
+          </a:prstGeom>
+          <a:solidFill>
+            <a:schemeClr val="bg2">
+              <a:lumMod val="75000"/>
+            </a:schemeClr>
+          </a:solidFill>
+        </p:spPr>
+        <p:txBody>
+          <a:bodyPr wrap="square">
+            <a:spAutoFit/>
+            <a:extLst>
+              <a:ext uri="{4A0BC546-FE56-4ADE-93B0-CB8AF2F6F144}">
+                <wpsdc:textFrameExt xmlns:wpsdc="http://www.wps.cn/officeDocument/2022/drawingmlCustomData" type="text"/>
+              </a:ext>
+            </a:extLst>
+          </a:bodyPr>
+          <a:p>
+            <a:pPr algn="ctr"/>
+            <a:r>
+              <a:rPr lang="en-US" altLang="zh-CN">
+                <a:latin typeface="Arial" panose="020B0604020202020204" pitchFamily="34" charset="0"/>
+                <a:ea typeface="微软雅黑" panose="020B0503020204020204" charset="-122"/>
+                <a:sym typeface="+mn-ea"/>
+              </a:rPr>
+              <a:t>Multi-Scale Encoder</a:t>
+            </a:r>
+            <a:endParaRPr lang="en-US" altLang="zh-CN" sz="1800">
+              <a:latin typeface="Arial" panose="020B0604020202020204" pitchFamily="34" charset="0"/>
+              <a:ea typeface="微软雅黑" panose="020B0503020204020204" charset="-122"/>
+            </a:endParaRPr>
+          </a:p>
+        </p:txBody>
+      </p:sp>
+      <p:sp>
+        <p:nvSpPr>
+          <p:cNvPr id="46" name="文本框 45"/>
+          <p:cNvSpPr txBox="1"/>
+          <p:nvPr/>
+        </p:nvSpPr>
+        <p:spPr>
+          <a:xfrm>
+            <a:off x="4808855" y="347980"/>
+            <a:ext cx="2552065" cy="368300"/>
+          </a:xfrm>
+          <a:prstGeom prst="rect">
+            <a:avLst/>
+          </a:prstGeom>
+          <a:solidFill>
+            <a:schemeClr val="accent6">
+              <a:lumMod val="75000"/>
+            </a:schemeClr>
+          </a:solidFill>
+        </p:spPr>
+        <p:txBody>
+          <a:bodyPr wrap="square">
+            <a:spAutoFit/>
+            <a:extLst>
+              <a:ext uri="{4A0BC546-FE56-4ADE-93B0-CB8AF2F6F144}">
+                <wpsdc:textFrameExt xmlns:wpsdc="http://www.wps.cn/officeDocument/2022/drawingmlCustomData" type="text"/>
+              </a:ext>
+            </a:extLst>
+          </a:bodyPr>
+          <a:p>
+            <a:pPr algn="ctr"/>
+            <a:r>
+              <a:rPr lang="en-US" altLang="zh-CN" sz="1800">
+                <a:latin typeface="Arial" panose="020B0604020202020204" pitchFamily="34" charset="0"/>
+                <a:ea typeface="微软雅黑" panose="020B0503020204020204" charset="-122"/>
+              </a:rPr>
+              <a:t>Anomaly Prediction</a:t>
+            </a:r>
+            <a:endParaRPr lang="en-US" altLang="zh-CN" sz="1800">
+              <a:latin typeface="Arial" panose="020B0604020202020204" pitchFamily="34" charset="0"/>
+              <a:ea typeface="微软雅黑" panose="020B0503020204020204" charset="-122"/>
+            </a:endParaRPr>
+          </a:p>
+        </p:txBody>
+      </p:sp>
+      <p:sp>
+        <p:nvSpPr>
+          <p:cNvPr id="47" name="文本框 46"/>
+          <p:cNvSpPr txBox="1"/>
+          <p:nvPr/>
+        </p:nvSpPr>
+        <p:spPr>
+          <a:xfrm>
+            <a:off x="3004185" y="1330960"/>
+            <a:ext cx="2552065" cy="645160"/>
+          </a:xfrm>
+          <a:prstGeom prst="rect">
+            <a:avLst/>
+          </a:prstGeom>
+          <a:solidFill>
+            <a:srgbClr val="00B0F0"/>
+          </a:solidFill>
+        </p:spPr>
+        <p:txBody>
+          <a:bodyPr wrap="square">
+            <a:spAutoFit/>
+            <a:extLst>
+              <a:ext uri="{4A0BC546-FE56-4ADE-93B0-CB8AF2F6F144}">
+                <wpsdc:textFrameExt xmlns:wpsdc="http://www.wps.cn/officeDocument/2022/drawingmlCustomData" type="text"/>
+              </a:ext>
+            </a:extLst>
+          </a:bodyPr>
+          <a:p>
+            <a:pPr algn="ctr"/>
+            <a:r>
+              <a:rPr lang="en-US" altLang="zh-CN" sz="1800">
+                <a:latin typeface="Arial" panose="020B0604020202020204" pitchFamily="34" charset="0"/>
+                <a:ea typeface="微软雅黑" panose="020B0503020204020204" charset="-122"/>
+              </a:rPr>
+              <a:t>MLP-based Reconstruction</a:t>
+            </a:r>
+            <a:endParaRPr lang="en-US" altLang="zh-CN" sz="1800">
+              <a:latin typeface="Arial" panose="020B0604020202020204" pitchFamily="34" charset="0"/>
+              <a:ea typeface="微软雅黑" panose="020B0503020204020204" charset="-122"/>
+            </a:endParaRPr>
+          </a:p>
+        </p:txBody>
+      </p:sp>
+      <p:sp>
+        <p:nvSpPr>
+          <p:cNvPr id="48" name="文本框 47"/>
+          <p:cNvSpPr txBox="1"/>
+          <p:nvPr/>
+        </p:nvSpPr>
+        <p:spPr>
+          <a:xfrm>
+            <a:off x="6691630" y="1330960"/>
+            <a:ext cx="3156585" cy="645160"/>
+          </a:xfrm>
+          <a:prstGeom prst="rect">
+            <a:avLst/>
+          </a:prstGeom>
+          <a:solidFill>
+            <a:srgbClr val="00B0F0"/>
+          </a:solidFill>
+        </p:spPr>
+        <p:txBody>
+          <a:bodyPr wrap="square">
+            <a:spAutoFit/>
+            <a:extLst>
+              <a:ext uri="{4A0BC546-FE56-4ADE-93B0-CB8AF2F6F144}">
+                <wpsdc:textFrameExt xmlns:wpsdc="http://www.wps.cn/officeDocument/2022/drawingmlCustomData" type="text"/>
+              </a:ext>
+            </a:extLst>
+          </a:bodyPr>
+          <a:p>
+            <a:pPr algn="ctr"/>
+            <a:r>
+              <a:rPr lang="en-US" altLang="zh-CN" sz="1800">
+                <a:latin typeface="Arial" panose="020B0604020202020204" pitchFamily="34" charset="0"/>
+                <a:ea typeface="微软雅黑" panose="020B0503020204020204" charset="-122"/>
+              </a:rPr>
+              <a:t>Similarities Between Multi-Scale Features</a:t>
+            </a:r>
+            <a:endParaRPr lang="en-US" altLang="zh-CN" sz="1800">
+              <a:latin typeface="Arial" panose="020B0604020202020204" pitchFamily="34" charset="0"/>
+              <a:ea typeface="微软雅黑" panose="020B0503020204020204" charset="-122"/>
+            </a:endParaRPr>
+          </a:p>
+        </p:txBody>
+      </p:sp>
+      <p:pic>
+        <p:nvPicPr>
+          <p:cNvPr id="3" name="图片 2"/>
+          <p:cNvPicPr>
+            <a:picLocks noChangeAspect="1"/>
+          </p:cNvPicPr>
+          <p:nvPr/>
+        </p:nvPicPr>
+        <p:blipFill>
+          <a:blip r:embed="rId1"/>
+          <a:stretch>
+            <a:fillRect/>
+          </a:stretch>
+        </p:blipFill>
+        <p:spPr>
+          <a:xfrm>
+            <a:off x="1015365" y="2797810"/>
+            <a:ext cx="2199640" cy="1031240"/>
+          </a:xfrm>
+          <a:prstGeom prst="rect">
+            <a:avLst/>
+          </a:prstGeom>
+        </p:spPr>
+      </p:pic>
+      <p:pic>
+        <p:nvPicPr>
+          <p:cNvPr id="4" name="图片 3"/>
+          <p:cNvPicPr>
+            <a:picLocks noChangeAspect="1"/>
+          </p:cNvPicPr>
+          <p:nvPr/>
+        </p:nvPicPr>
+        <p:blipFill>
+          <a:blip r:embed="rId2"/>
+          <a:stretch>
+            <a:fillRect/>
+          </a:stretch>
+        </p:blipFill>
+        <p:spPr>
+          <a:xfrm>
+            <a:off x="1015365" y="4999990"/>
+            <a:ext cx="2199640" cy="417195"/>
+          </a:xfrm>
+          <a:prstGeom prst="rect">
+            <a:avLst/>
+          </a:prstGeom>
+        </p:spPr>
+      </p:pic>
+      <p:pic>
+        <p:nvPicPr>
+          <p:cNvPr id="14" name="图片 13"/>
+          <p:cNvPicPr>
+            <a:picLocks noChangeAspect="1"/>
+          </p:cNvPicPr>
+          <p:nvPr/>
+        </p:nvPicPr>
+        <p:blipFill>
+          <a:blip r:embed="rId3"/>
+          <a:stretch>
+            <a:fillRect/>
+          </a:stretch>
+        </p:blipFill>
+        <p:spPr>
+          <a:xfrm>
+            <a:off x="4831080" y="5821045"/>
+            <a:ext cx="2529840" cy="769620"/>
+          </a:xfrm>
+          <a:prstGeom prst="rect">
+            <a:avLst/>
+          </a:prstGeom>
+        </p:spPr>
+      </p:pic>
+      <p:cxnSp>
+        <p:nvCxnSpPr>
+          <p:cNvPr id="16" name="直接箭头连接符 15"/>
+          <p:cNvCxnSpPr>
+            <a:stCxn id="2" idx="0"/>
+            <a:endCxn id="5" idx="2"/>
+          </p:cNvCxnSpPr>
+          <p:nvPr/>
+        </p:nvCxnSpPr>
+        <p:spPr>
+          <a:xfrm flipV="1">
+            <a:off x="6166485" y="4800600"/>
+            <a:ext cx="0" cy="337820"/>
+          </a:xfrm>
+          <a:prstGeom prst="straightConnector1">
+            <a:avLst/>
+          </a:prstGeom>
+          <a:ln w="31750" cap="rnd">
+            <a:solidFill>
+              <a:schemeClr val="accent2"/>
+            </a:solidFill>
+            <a:round/>
+            <a:tailEnd type="arrow" w="med" len="med"/>
+          </a:ln>
+        </p:spPr>
+        <p:style>
+          <a:lnRef idx="0">
+            <a:srgbClr val="FFFFFF"/>
+          </a:lnRef>
+          <a:fillRef idx="0">
+            <a:srgbClr val="FFFFFF"/>
+          </a:fillRef>
+          <a:effectRef idx="0">
+            <a:srgbClr val="FFFFFF"/>
+          </a:effectRef>
+          <a:fontRef idx="minor">
+            <a:schemeClr val="tx1"/>
+          </a:fontRef>
+        </p:style>
+      </p:cxnSp>
+      <p:cxnSp>
+        <p:nvCxnSpPr>
+          <p:cNvPr id="17" name="直接箭头连接符 16"/>
+          <p:cNvCxnSpPr/>
+          <p:nvPr/>
+        </p:nvCxnSpPr>
+        <p:spPr>
+          <a:xfrm flipV="1">
+            <a:off x="6166485" y="4082415"/>
+            <a:ext cx="0" cy="337820"/>
+          </a:xfrm>
+          <a:prstGeom prst="straightConnector1">
+            <a:avLst/>
+          </a:prstGeom>
+          <a:ln w="31750" cap="rnd">
+            <a:solidFill>
+              <a:schemeClr val="accent2"/>
+            </a:solidFill>
+            <a:round/>
+            <a:tailEnd type="arrow" w="med" len="med"/>
+          </a:ln>
+        </p:spPr>
+        <p:style>
+          <a:lnRef idx="0">
+            <a:srgbClr val="FFFFFF"/>
+          </a:lnRef>
+          <a:fillRef idx="0">
+            <a:srgbClr val="FFFFFF"/>
+          </a:fillRef>
+          <a:effectRef idx="0">
+            <a:srgbClr val="FFFFFF"/>
+          </a:effectRef>
+          <a:fontRef idx="minor">
+            <a:schemeClr val="tx1"/>
+          </a:fontRef>
+        </p:style>
+      </p:cxnSp>
+      <p:cxnSp>
+        <p:nvCxnSpPr>
+          <p:cNvPr id="18" name="直接箭头连接符 17"/>
+          <p:cNvCxnSpPr/>
+          <p:nvPr/>
+        </p:nvCxnSpPr>
+        <p:spPr>
+          <a:xfrm flipV="1">
+            <a:off x="6166485" y="3388360"/>
+            <a:ext cx="0" cy="337820"/>
+          </a:xfrm>
+          <a:prstGeom prst="straightConnector1">
+            <a:avLst/>
+          </a:prstGeom>
+          <a:ln w="31750" cap="rnd">
+            <a:solidFill>
+              <a:schemeClr val="accent2"/>
+            </a:solidFill>
+            <a:round/>
+            <a:tailEnd type="arrow" w="med" len="med"/>
+          </a:ln>
+        </p:spPr>
+        <p:style>
+          <a:lnRef idx="0">
+            <a:srgbClr val="FFFFFF"/>
+          </a:lnRef>
+          <a:fillRef idx="0">
+            <a:srgbClr val="FFFFFF"/>
+          </a:fillRef>
+          <a:effectRef idx="0">
+            <a:srgbClr val="FFFFFF"/>
+          </a:effectRef>
+          <a:fontRef idx="minor">
+            <a:schemeClr val="tx1"/>
+          </a:fontRef>
+        </p:style>
+      </p:cxnSp>
+      <p:cxnSp>
+        <p:nvCxnSpPr>
+          <p:cNvPr id="19" name="直接箭头连接符 18"/>
+          <p:cNvCxnSpPr/>
+          <p:nvPr/>
+        </p:nvCxnSpPr>
+        <p:spPr>
+          <a:xfrm flipV="1">
+            <a:off x="6166485" y="2682240"/>
+            <a:ext cx="0" cy="337820"/>
+          </a:xfrm>
+          <a:prstGeom prst="straightConnector1">
+            <a:avLst/>
+          </a:prstGeom>
+          <a:ln w="31750" cap="rnd">
+            <a:solidFill>
+              <a:schemeClr val="accent2"/>
+            </a:solidFill>
+            <a:round/>
+            <a:tailEnd type="arrow" w="med" len="med"/>
+          </a:ln>
+        </p:spPr>
+        <p:style>
+          <a:lnRef idx="0">
+            <a:srgbClr val="FFFFFF"/>
+          </a:lnRef>
+          <a:fillRef idx="0">
+            <a:srgbClr val="FFFFFF"/>
+          </a:fillRef>
+          <a:effectRef idx="0">
+            <a:srgbClr val="FFFFFF"/>
+          </a:effectRef>
+          <a:fontRef idx="minor">
+            <a:schemeClr val="tx1"/>
+          </a:fontRef>
+        </p:style>
+      </p:cxnSp>
+      <p:cxnSp>
+        <p:nvCxnSpPr>
+          <p:cNvPr id="21" name="直接箭头连接符 20"/>
+          <p:cNvCxnSpPr/>
+          <p:nvPr/>
+        </p:nvCxnSpPr>
+        <p:spPr>
+          <a:xfrm flipH="1" flipV="1">
+            <a:off x="7198995" y="1988185"/>
+            <a:ext cx="1905" cy="230505"/>
+          </a:xfrm>
+          <a:prstGeom prst="straightConnector1">
+            <a:avLst/>
+          </a:prstGeom>
+          <a:ln w="31750" cap="rnd">
+            <a:solidFill>
+              <a:schemeClr val="accent2"/>
+            </a:solidFill>
+            <a:round/>
+            <a:tailEnd type="arrow" w="med" len="med"/>
+          </a:ln>
+        </p:spPr>
+        <p:style>
+          <a:lnRef idx="0">
+            <a:srgbClr val="FFFFFF"/>
+          </a:lnRef>
+          <a:fillRef idx="0">
+            <a:srgbClr val="FFFFFF"/>
+          </a:fillRef>
+          <a:effectRef idx="0">
+            <a:srgbClr val="FFFFFF"/>
+          </a:effectRef>
+          <a:fontRef idx="minor">
+            <a:schemeClr val="tx1"/>
+          </a:fontRef>
+        </p:style>
+      </p:cxnSp>
+      <p:cxnSp>
+        <p:nvCxnSpPr>
+          <p:cNvPr id="22" name="直接箭头连接符 21"/>
+          <p:cNvCxnSpPr/>
+          <p:nvPr/>
+        </p:nvCxnSpPr>
+        <p:spPr>
+          <a:xfrm flipV="1">
+            <a:off x="5207000" y="854710"/>
+            <a:ext cx="0" cy="337820"/>
+          </a:xfrm>
+          <a:prstGeom prst="straightConnector1">
+            <a:avLst/>
+          </a:prstGeom>
+          <a:ln w="31750" cap="rnd">
+            <a:solidFill>
+              <a:schemeClr val="accent2"/>
+            </a:solidFill>
+            <a:round/>
+            <a:tailEnd type="arrow" w="med" len="med"/>
+          </a:ln>
+        </p:spPr>
+        <p:style>
+          <a:lnRef idx="0">
+            <a:srgbClr val="FFFFFF"/>
+          </a:lnRef>
+          <a:fillRef idx="0">
+            <a:srgbClr val="FFFFFF"/>
+          </a:fillRef>
+          <a:effectRef idx="0">
+            <a:srgbClr val="FFFFFF"/>
+          </a:effectRef>
+          <a:fontRef idx="minor">
+            <a:schemeClr val="tx1"/>
+          </a:fontRef>
+        </p:style>
+      </p:cxnSp>
+      <p:cxnSp>
+        <p:nvCxnSpPr>
+          <p:cNvPr id="23" name="直接箭头连接符 22"/>
+          <p:cNvCxnSpPr/>
+          <p:nvPr/>
+        </p:nvCxnSpPr>
+        <p:spPr>
+          <a:xfrm flipV="1">
+            <a:off x="7198995" y="854710"/>
+            <a:ext cx="0" cy="337820"/>
+          </a:xfrm>
+          <a:prstGeom prst="straightConnector1">
+            <a:avLst/>
+          </a:prstGeom>
+          <a:ln w="31750" cap="rnd">
+            <a:solidFill>
+              <a:schemeClr val="accent2"/>
+            </a:solidFill>
+            <a:round/>
+            <a:tailEnd type="arrow" w="med" len="med"/>
+          </a:ln>
+        </p:spPr>
+        <p:style>
+          <a:lnRef idx="0">
+            <a:srgbClr val="FFFFFF"/>
+          </a:lnRef>
+          <a:fillRef idx="0">
+            <a:srgbClr val="FFFFFF"/>
+          </a:fillRef>
+          <a:effectRef idx="0">
+            <a:srgbClr val="FFFFFF"/>
+          </a:effectRef>
+          <a:fontRef idx="minor">
+            <a:schemeClr val="tx1"/>
+          </a:fontRef>
+        </p:style>
+      </p:cxnSp>
+      <p:cxnSp>
+        <p:nvCxnSpPr>
+          <p:cNvPr id="27" name="直接箭头连接符 26"/>
+          <p:cNvCxnSpPr/>
+          <p:nvPr/>
+        </p:nvCxnSpPr>
+        <p:spPr>
+          <a:xfrm flipH="1" flipV="1">
+            <a:off x="5207000" y="1988185"/>
+            <a:ext cx="1905" cy="230505"/>
+          </a:xfrm>
+          <a:prstGeom prst="straightConnector1">
+            <a:avLst/>
+          </a:prstGeom>
+          <a:ln w="31750" cap="rnd">
+            <a:solidFill>
+              <a:schemeClr val="accent2"/>
+            </a:solidFill>
+            <a:round/>
+            <a:tailEnd type="arrow" w="med" len="med"/>
+          </a:ln>
+        </p:spPr>
+        <p:style>
+          <a:lnRef idx="0">
+            <a:srgbClr val="FFFFFF"/>
+          </a:lnRef>
+          <a:fillRef idx="0">
+            <a:srgbClr val="FFFFFF"/>
+          </a:fillRef>
+          <a:effectRef idx="0">
+            <a:srgbClr val="FFFFFF"/>
+          </a:effectRef>
+          <a:fontRef idx="minor">
+            <a:schemeClr val="tx1"/>
+          </a:fontRef>
+        </p:style>
+      </p:cxnSp>
+      <p:sp>
+        <p:nvSpPr>
+          <p:cNvPr id="28" name="文本框 27"/>
+          <p:cNvSpPr txBox="1"/>
+          <p:nvPr/>
+        </p:nvSpPr>
+        <p:spPr>
+          <a:xfrm>
+            <a:off x="3360420" y="6021705"/>
+            <a:ext cx="1353820" cy="368300"/>
+          </a:xfrm>
+          <a:prstGeom prst="rect">
+            <a:avLst/>
+          </a:prstGeom>
+          <a:solidFill>
+            <a:schemeClr val="bg1"/>
+          </a:solidFill>
+        </p:spPr>
+        <p:txBody>
+          <a:bodyPr wrap="square">
+            <a:spAutoFit/>
+            <a:extLst>
+              <a:ext uri="{4A0BC546-FE56-4ADE-93B0-CB8AF2F6F144}">
+                <wpsdc:textFrameExt xmlns:wpsdc="http://www.wps.cn/officeDocument/2022/drawingmlCustomData" type="text"/>
+              </a:ext>
+            </a:extLst>
+          </a:bodyPr>
+          <a:p>
+            <a:pPr algn="ctr"/>
+            <a:r>
+              <a:rPr lang="en-US" altLang="zh-CN" sz="1800">
+                <a:latin typeface="Arial" panose="020B0604020202020204" pitchFamily="34" charset="0"/>
+                <a:ea typeface="微软雅黑" panose="020B0503020204020204" charset="-122"/>
+              </a:rPr>
+              <a:t>Input MTS</a:t>
+            </a:r>
+            <a:endParaRPr lang="en-US" altLang="zh-CN" sz="1800">
+              <a:latin typeface="Arial" panose="020B0604020202020204" pitchFamily="34" charset="0"/>
+              <a:ea typeface="微软雅黑" panose="020B0503020204020204" charset="-122"/>
+            </a:endParaRPr>
+          </a:p>
+        </p:txBody>
+      </p:sp>
+      <p:sp>
+        <p:nvSpPr>
+          <p:cNvPr id="43" name="文本框 42"/>
+          <p:cNvSpPr txBox="1"/>
+          <p:nvPr/>
+        </p:nvSpPr>
+        <p:spPr>
+          <a:xfrm>
+            <a:off x="6304280" y="4081780"/>
+            <a:ext cx="2081530" cy="340360"/>
+          </a:xfrm>
+          <a:prstGeom prst="rect">
+            <a:avLst/>
+          </a:prstGeom>
+          <a:solidFill>
+            <a:schemeClr val="bg1"/>
+          </a:solidFill>
+        </p:spPr>
+        <p:txBody>
+          <a:bodyPr wrap="square">
+            <a:noAutofit/>
+            <a:extLst>
+              <a:ext uri="{4A0BC546-FE56-4ADE-93B0-CB8AF2F6F144}">
+                <wpsdc:textFrameExt xmlns:wpsdc="http://www.wps.cn/officeDocument/2022/drawingmlCustomData" type="text"/>
+              </a:ext>
+            </a:extLst>
+          </a:bodyPr>
+          <a:p>
+            <a:pPr algn="ctr"/>
+            <a:r>
+              <a:rPr lang="en-US" altLang="zh-CN" sz="1800">
+                <a:latin typeface="Arial" panose="020B0604020202020204" pitchFamily="34" charset="0"/>
+                <a:ea typeface="微软雅黑" panose="020B0503020204020204" charset="-122"/>
+              </a:rPr>
+              <a:t>TopK Frequencies</a:t>
+            </a:r>
+            <a:endParaRPr lang="en-US" altLang="zh-CN" sz="1800">
+              <a:latin typeface="Arial" panose="020B0604020202020204" pitchFamily="34" charset="0"/>
+              <a:ea typeface="微软雅黑" panose="020B0503020204020204" charset="-122"/>
+            </a:endParaRPr>
+          </a:p>
+        </p:txBody>
+      </p:sp>
+      <p:cxnSp>
+        <p:nvCxnSpPr>
+          <p:cNvPr id="49" name="直接箭头连接符 48"/>
+          <p:cNvCxnSpPr>
+            <a:stCxn id="6" idx="1"/>
+            <a:endCxn id="4" idx="3"/>
+          </p:cNvCxnSpPr>
+          <p:nvPr/>
+        </p:nvCxnSpPr>
+        <p:spPr>
+          <a:xfrm flipH="1">
+            <a:off x="3215005" y="3910330"/>
+            <a:ext cx="1688465" cy="1298575"/>
+          </a:xfrm>
+          <a:prstGeom prst="straightConnector1">
+            <a:avLst/>
+          </a:prstGeom>
+          <a:ln w="12700" cap="flat" cmpd="sng" algn="ctr">
+            <a:solidFill>
+              <a:schemeClr val="accent2"/>
+            </a:solidFill>
+            <a:prstDash val="dash"/>
+            <a:miter lim="800000"/>
+            <a:tailEnd type="arrow" w="med" len="med"/>
+          </a:ln>
+        </p:spPr>
+        <p:style>
+          <a:lnRef idx="0">
+            <a:schemeClr val="accent1"/>
+          </a:lnRef>
+          <a:fillRef idx="0">
+            <a:srgbClr val="FFFFFF"/>
+          </a:fillRef>
+          <a:effectRef idx="0">
+            <a:srgbClr val="FFFFFF"/>
+          </a:effectRef>
+          <a:fontRef idx="minor">
+            <a:schemeClr val="tx1"/>
+          </a:fontRef>
+        </p:style>
+      </p:cxnSp>
+      <p:cxnSp>
+        <p:nvCxnSpPr>
+          <p:cNvPr id="50" name="直接箭头连接符 49"/>
+          <p:cNvCxnSpPr>
+            <a:stCxn id="7" idx="1"/>
+            <a:endCxn id="3" idx="3"/>
+          </p:cNvCxnSpPr>
+          <p:nvPr/>
+        </p:nvCxnSpPr>
+        <p:spPr>
+          <a:xfrm flipH="1">
+            <a:off x="3215005" y="3204210"/>
+            <a:ext cx="1675130" cy="109220"/>
+          </a:xfrm>
+          <a:prstGeom prst="straightConnector1">
+            <a:avLst/>
+          </a:prstGeom>
+          <a:ln w="12700" cap="flat" cmpd="sng" algn="ctr">
+            <a:solidFill>
+              <a:schemeClr val="accent2"/>
+            </a:solidFill>
+            <a:prstDash val="dash"/>
+            <a:miter lim="800000"/>
+            <a:tailEnd type="arrow" w="med" len="med"/>
+          </a:ln>
+        </p:spPr>
+        <p:style>
+          <a:lnRef idx="0">
+            <a:schemeClr val="accent1"/>
+          </a:lnRef>
+          <a:fillRef idx="0">
+            <a:srgbClr val="FFFFFF"/>
+          </a:fillRef>
+          <a:effectRef idx="0">
+            <a:srgbClr val="FFFFFF"/>
+          </a:effectRef>
+          <a:fontRef idx="minor">
+            <a:schemeClr val="tx1"/>
+          </a:fontRef>
+        </p:style>
+      </p:cxnSp>
+      <p:sp>
+        <p:nvSpPr>
+          <p:cNvPr id="51" name="文本框 50"/>
+          <p:cNvSpPr txBox="1"/>
+          <p:nvPr/>
+        </p:nvSpPr>
+        <p:spPr>
+          <a:xfrm>
+            <a:off x="7442200" y="901700"/>
+            <a:ext cx="2339975" cy="368300"/>
+          </a:xfrm>
+          <a:prstGeom prst="rect">
+            <a:avLst/>
+          </a:prstGeom>
+          <a:noFill/>
+        </p:spPr>
+        <p:txBody>
+          <a:bodyPr wrap="square" rtlCol="0" anchor="t">
+            <a:spAutoFit/>
+          </a:bodyPr>
+          <a:p>
+            <a:r>
+              <a:rPr lang="en-US" altLang="zh-CN">
+                <a:latin typeface="Arial" panose="020B0604020202020204" pitchFamily="34" charset="0"/>
+                <a:ea typeface="微软雅黑" panose="020B0503020204020204" charset="-122"/>
+                <a:sym typeface="+mn-ea"/>
+              </a:rPr>
+              <a:t>Euclidean Distance</a:t>
+            </a:r>
+            <a:endParaRPr lang="en-US" altLang="zh-CN">
+              <a:latin typeface="Arial" panose="020B0604020202020204" pitchFamily="34" charset="0"/>
+              <a:ea typeface="微软雅黑" panose="020B0503020204020204" charset="-122"/>
+              <a:sym typeface="+mn-ea"/>
+            </a:endParaRPr>
+          </a:p>
+        </p:txBody>
+      </p:sp>
+      <p:sp>
+        <p:nvSpPr>
+          <p:cNvPr id="52" name="文本框 51"/>
+          <p:cNvSpPr txBox="1"/>
+          <p:nvPr/>
+        </p:nvSpPr>
+        <p:spPr>
+          <a:xfrm>
+            <a:off x="2691765" y="901700"/>
+            <a:ext cx="2299970" cy="368300"/>
+          </a:xfrm>
+          <a:prstGeom prst="rect">
+            <a:avLst/>
+          </a:prstGeom>
+          <a:noFill/>
+        </p:spPr>
+        <p:txBody>
+          <a:bodyPr wrap="square" rtlCol="0" anchor="t">
+            <a:spAutoFit/>
+          </a:bodyPr>
+          <a:p>
+            <a:pPr algn="ctr"/>
+            <a:r>
+              <a:rPr lang="en-US" altLang="zh-CN">
+                <a:latin typeface="Arial" panose="020B0604020202020204" pitchFamily="34" charset="0"/>
+                <a:ea typeface="微软雅黑" panose="020B0503020204020204" charset="-122"/>
+                <a:sym typeface="+mn-ea"/>
+              </a:rPr>
+              <a:t>Reconstruction Error</a:t>
+            </a:r>
+            <a:endParaRPr lang="en-US" altLang="zh-CN">
+              <a:latin typeface="Arial" panose="020B0604020202020204" pitchFamily="34" charset="0"/>
+              <a:ea typeface="微软雅黑" panose="020B0503020204020204" charset="-122"/>
+              <a:sym typeface="+mn-ea"/>
+            </a:endParaRPr>
+          </a:p>
+        </p:txBody>
+      </p:sp>
+      <p:pic>
+        <p:nvPicPr>
+          <p:cNvPr id="53" name="图片 52"/>
+          <p:cNvPicPr>
+            <a:picLocks noChangeAspect="1"/>
+          </p:cNvPicPr>
+          <p:nvPr/>
+        </p:nvPicPr>
+        <p:blipFill>
+          <a:blip r:embed="rId4"/>
+          <a:stretch>
+            <a:fillRect/>
+          </a:stretch>
+        </p:blipFill>
+        <p:spPr>
+          <a:xfrm>
+            <a:off x="8121015" y="2463165"/>
+            <a:ext cx="3775710" cy="1263015"/>
+          </a:xfrm>
+          <a:prstGeom prst="rect">
+            <a:avLst/>
+          </a:prstGeom>
+        </p:spPr>
+      </p:pic>
+      <p:cxnSp>
+        <p:nvCxnSpPr>
+          <p:cNvPr id="54" name="直接箭头连接符 53"/>
+          <p:cNvCxnSpPr>
+            <a:stCxn id="45" idx="3"/>
+            <a:endCxn id="53" idx="1"/>
+          </p:cNvCxnSpPr>
+          <p:nvPr/>
+        </p:nvCxnSpPr>
+        <p:spPr>
+          <a:xfrm>
+            <a:off x="7442200" y="2498090"/>
+            <a:ext cx="678815" cy="596900"/>
+          </a:xfrm>
+          <a:prstGeom prst="straightConnector1">
+            <a:avLst/>
+          </a:prstGeom>
+          <a:ln w="12700" cap="flat" cmpd="sng" algn="ctr">
+            <a:solidFill>
+              <a:schemeClr val="accent2"/>
+            </a:solidFill>
+            <a:prstDash val="dash"/>
+            <a:miter lim="800000"/>
+            <a:tailEnd type="arrow" w="med" len="med"/>
+          </a:ln>
+        </p:spPr>
+        <p:style>
+          <a:lnRef idx="0">
+            <a:schemeClr val="accent1"/>
+          </a:lnRef>
+          <a:fillRef idx="0">
+            <a:srgbClr val="FFFFFF"/>
+          </a:fillRef>
+          <a:effectRef idx="0">
+            <a:srgbClr val="FFFFFF"/>
+          </a:effectRef>
+          <a:fontRef idx="minor">
+            <a:schemeClr val="tx1"/>
+          </a:fontRef>
+        </p:style>
+      </p:cxnSp>
+      <p:sp>
+        <p:nvSpPr>
+          <p:cNvPr id="55" name="文本框 54"/>
+          <p:cNvSpPr txBox="1"/>
+          <p:nvPr/>
+        </p:nvSpPr>
+        <p:spPr>
+          <a:xfrm>
+            <a:off x="9401175" y="3829050"/>
+            <a:ext cx="1353820" cy="368300"/>
+          </a:xfrm>
+          <a:prstGeom prst="rect">
+            <a:avLst/>
+          </a:prstGeom>
+          <a:solidFill>
+            <a:schemeClr val="bg1"/>
+          </a:solidFill>
+        </p:spPr>
+        <p:txBody>
+          <a:bodyPr wrap="square">
+            <a:spAutoFit/>
+            <a:extLst>
+              <a:ext uri="{4A0BC546-FE56-4ADE-93B0-CB8AF2F6F144}">
+                <wpsdc:textFrameExt xmlns:wpsdc="http://www.wps.cn/officeDocument/2022/drawingmlCustomData" type="text"/>
+              </a:ext>
+            </a:extLst>
+          </a:bodyPr>
+          <a:p>
+            <a:pPr algn="ctr"/>
+            <a:r>
+              <a:rPr lang="en-US" altLang="zh-CN" sz="1800">
+                <a:latin typeface="Arial" panose="020B0604020202020204" pitchFamily="34" charset="0"/>
+                <a:ea typeface="微软雅黑" panose="020B0503020204020204" charset="-122"/>
+              </a:rPr>
+              <a:t>Nx</a:t>
+            </a:r>
+            <a:endParaRPr lang="en-US" altLang="zh-CN" sz="1800">
+              <a:latin typeface="Arial" panose="020B0604020202020204" pitchFamily="34" charset="0"/>
+              <a:ea typeface="微软雅黑" panose="020B0503020204020204" charset="-122"/>
+            </a:endParaRPr>
+          </a:p>
+        </p:txBody>
+      </p:sp>
+    </p:spTree>
+  </p:cSld>
+  <p:clrMapOvr>
+    <a:masterClrMapping/>
+  </p:clrMapOvr>
+</p:sld>
+</file>
+
+<file path=ppt/slides/slide11.xml><?xml version="1.0" encoding="utf-8"?>
+<p:sld xmlns:a="http://schemas.openxmlformats.org/drawingml/2006/main" xmlns:r="http://schemas.openxmlformats.org/officeDocument/2006/relationships" xmlns:p="http://schemas.openxmlformats.org/presentationml/2006/main">
+  <p:cSld>
+    <p:spTree>
+      <p:nvGrpSpPr>
+        <p:cNvPr id="1" name=""/>
+        <p:cNvGrpSpPr/>
+        <p:nvPr/>
+      </p:nvGrpSpPr>
+      <p:grpSpPr/>
+      <p:pic>
+        <p:nvPicPr>
+          <p:cNvPr id="2" name="图片 1"/>
+          <p:cNvPicPr>
+            <a:picLocks noChangeAspect="1"/>
+          </p:cNvPicPr>
+          <p:nvPr/>
+        </p:nvPicPr>
+        <p:blipFill>
+          <a:blip r:embed="rId1"/>
+          <a:stretch>
+            <a:fillRect/>
+          </a:stretch>
+        </p:blipFill>
+        <p:spPr>
+          <a:xfrm>
+            <a:off x="1079500" y="203835"/>
+            <a:ext cx="2453640" cy="1150620"/>
+          </a:xfrm>
+          <a:prstGeom prst="rect">
+            <a:avLst/>
+          </a:prstGeom>
+        </p:spPr>
+      </p:pic>
+      <p:pic>
+        <p:nvPicPr>
+          <p:cNvPr id="4" name="图片 3"/>
+          <p:cNvPicPr>
+            <a:picLocks noChangeAspect="1"/>
+          </p:cNvPicPr>
+          <p:nvPr/>
+        </p:nvPicPr>
+        <p:blipFill>
+          <a:blip r:embed="rId2"/>
+          <a:stretch>
+            <a:fillRect/>
+          </a:stretch>
+        </p:blipFill>
+        <p:spPr>
+          <a:xfrm>
+            <a:off x="288290" y="2800350"/>
+            <a:ext cx="3028950" cy="419100"/>
+          </a:xfrm>
+          <a:prstGeom prst="rect">
+            <a:avLst/>
+          </a:prstGeom>
+        </p:spPr>
+      </p:pic>
+      <p:pic>
+        <p:nvPicPr>
+          <p:cNvPr id="5" name="图片 4"/>
+          <p:cNvPicPr>
+            <a:picLocks noChangeAspect="1"/>
+          </p:cNvPicPr>
+          <p:nvPr/>
+        </p:nvPicPr>
+        <p:blipFill>
+          <a:blip r:embed="rId3"/>
+          <a:stretch>
+            <a:fillRect/>
+          </a:stretch>
+        </p:blipFill>
+        <p:spPr>
+          <a:xfrm>
+            <a:off x="537845" y="4500880"/>
+            <a:ext cx="2529840" cy="769620"/>
+          </a:xfrm>
+          <a:prstGeom prst="rect">
+            <a:avLst/>
+          </a:prstGeom>
+        </p:spPr>
+      </p:pic>
+      <p:pic>
+        <p:nvPicPr>
+          <p:cNvPr id="6" name="图片 5"/>
+          <p:cNvPicPr>
+            <a:picLocks noChangeAspect="1"/>
+          </p:cNvPicPr>
+          <p:nvPr/>
+        </p:nvPicPr>
+        <p:blipFill>
+          <a:blip r:embed="rId4"/>
+          <a:stretch>
+            <a:fillRect/>
+          </a:stretch>
+        </p:blipFill>
+        <p:spPr>
+          <a:xfrm>
+            <a:off x="6077585" y="262890"/>
+            <a:ext cx="4006215" cy="2851150"/>
+          </a:xfrm>
+          <a:prstGeom prst="rect">
+            <a:avLst/>
+          </a:prstGeom>
+        </p:spPr>
+      </p:pic>
+      <p:pic>
+        <p:nvPicPr>
+          <p:cNvPr id="7" name="图片 6"/>
+          <p:cNvPicPr>
+            <a:picLocks noChangeAspect="1"/>
+          </p:cNvPicPr>
+          <p:nvPr/>
+        </p:nvPicPr>
+        <p:blipFill>
+          <a:blip r:embed="rId5"/>
+          <a:stretch>
+            <a:fillRect/>
+          </a:stretch>
+        </p:blipFill>
+        <p:spPr>
+          <a:xfrm>
+            <a:off x="6019165" y="3702050"/>
+            <a:ext cx="4754245" cy="2727960"/>
+          </a:xfrm>
+          <a:prstGeom prst="rect">
+            <a:avLst/>
+          </a:prstGeom>
+        </p:spPr>
+      </p:pic>
+    </p:spTree>
+  </p:cSld>
+  <p:clrMapOvr>
+    <a:masterClrMapping/>
+  </p:clrMapOvr>
+</p:sld>
+</file>
+
 <file path=ppt/slides/slide2.xml><?xml version="1.0" encoding="utf-8"?>
 <p:sld xmlns:a="http://schemas.openxmlformats.org/drawingml/2006/main" xmlns:r="http://schemas.openxmlformats.org/officeDocument/2006/relationships" xmlns:p="http://schemas.openxmlformats.org/presentationml/2006/main">
   <p:cSld>
@@ -15531,13 +16823,5075 @@
         <p:spPr>
           <a:xfrm>
             <a:off x="1032510" y="782320"/>
-            <a:ext cx="9684385" cy="4769485"/>
+            <a:ext cx="10412730" cy="5128260"/>
           </a:xfrm>
           <a:prstGeom prst="rect">
             <a:avLst/>
           </a:prstGeom>
         </p:spPr>
       </p:pic>
+    </p:spTree>
+  </p:cSld>
+  <p:clrMapOvr>
+    <a:masterClrMapping/>
+  </p:clrMapOvr>
+</p:sld>
+</file>
+
+<file path=ppt/slides/slide9.xml><?xml version="1.0" encoding="utf-8"?>
+<p:sld xmlns:a="http://schemas.openxmlformats.org/drawingml/2006/main" xmlns:r="http://schemas.openxmlformats.org/officeDocument/2006/relationships" xmlns:p="http://schemas.openxmlformats.org/presentationml/2006/main">
+  <p:cSld>
+    <p:spTree>
+      <p:nvGrpSpPr>
+        <p:cNvPr id="1" name=""/>
+        <p:cNvGrpSpPr/>
+        <p:nvPr/>
+      </p:nvGrpSpPr>
+      <p:grpSpPr/>
+      <p:sp>
+        <p:nvSpPr>
+          <p:cNvPr id="26" name="矩形 25"/>
+          <p:cNvSpPr/>
+          <p:nvPr/>
+        </p:nvSpPr>
+        <p:spPr>
+          <a:xfrm>
+            <a:off x="801370" y="2978785"/>
+            <a:ext cx="1463040" cy="368935"/>
+          </a:xfrm>
+          <a:prstGeom prst="rect">
+            <a:avLst/>
+          </a:prstGeom>
+          <a:solidFill>
+            <a:schemeClr val="bg1"/>
+          </a:solidFill>
+          <a:ln w="28575">
+            <a:solidFill>
+              <a:schemeClr val="accent1">
+                <a:lumMod val="75000"/>
+              </a:schemeClr>
+            </a:solidFill>
+          </a:ln>
+        </p:spPr>
+        <p:style>
+          <a:lnRef idx="2">
+            <a:schemeClr val="accent1">
+              <a:lumMod val="75000"/>
+            </a:schemeClr>
+          </a:lnRef>
+          <a:fillRef idx="1">
+            <a:schemeClr val="accent1"/>
+          </a:fillRef>
+          <a:effectRef idx="0">
+            <a:srgbClr val="FFFFFF"/>
+          </a:effectRef>
+          <a:fontRef idx="minor">
+            <a:schemeClr val="lt1"/>
+          </a:fontRef>
+        </p:style>
+        <p:txBody>
+          <a:bodyPr rtlCol="0" anchor="ctr"/>
+          <a:p>
+            <a:pPr algn="ctr"/>
+            <a:endParaRPr lang="zh-CN" altLang="en-US"/>
+          </a:p>
+        </p:txBody>
+      </p:sp>
+      <p:sp>
+        <p:nvSpPr>
+          <p:cNvPr id="11" name="矩形 10"/>
+          <p:cNvSpPr/>
+          <p:nvPr/>
+        </p:nvSpPr>
+        <p:spPr>
+          <a:xfrm>
+            <a:off x="2264410" y="4892040"/>
+            <a:ext cx="1463040" cy="368935"/>
+          </a:xfrm>
+          <a:prstGeom prst="rect">
+            <a:avLst/>
+          </a:prstGeom>
+          <a:solidFill>
+            <a:schemeClr val="accent6">
+              <a:lumMod val="40000"/>
+              <a:lumOff val="60000"/>
+            </a:schemeClr>
+          </a:solidFill>
+          <a:ln w="28575">
+            <a:solidFill>
+              <a:schemeClr val="accent1">
+                <a:lumMod val="75000"/>
+              </a:schemeClr>
+            </a:solidFill>
+          </a:ln>
+        </p:spPr>
+        <p:style>
+          <a:lnRef idx="2">
+            <a:schemeClr val="accent1">
+              <a:lumMod val="75000"/>
+            </a:schemeClr>
+          </a:lnRef>
+          <a:fillRef idx="1">
+            <a:schemeClr val="accent1"/>
+          </a:fillRef>
+          <a:effectRef idx="0">
+            <a:srgbClr val="FFFFFF"/>
+          </a:effectRef>
+          <a:fontRef idx="minor">
+            <a:schemeClr val="lt1"/>
+          </a:fontRef>
+        </p:style>
+        <p:txBody>
+          <a:bodyPr rtlCol="0" anchor="ctr"/>
+          <a:p>
+            <a:pPr algn="ctr"/>
+            <a:endParaRPr lang="zh-CN" altLang="en-US"/>
+          </a:p>
+        </p:txBody>
+      </p:sp>
+      <p:sp>
+        <p:nvSpPr>
+          <p:cNvPr id="8" name="任意多边形 7"/>
+          <p:cNvSpPr/>
+          <p:nvPr/>
+        </p:nvSpPr>
+        <p:spPr>
+          <a:xfrm>
+            <a:off x="4636135" y="5602605"/>
+            <a:ext cx="3060065" cy="210185"/>
+          </a:xfrm>
+          <a:custGeom>
+            <a:avLst/>
+            <a:gdLst>
+              <a:gd name="connisteX0" fmla="*/ 0 w 3022600"/>
+              <a:gd name="connsiteY0" fmla="*/ 201339 h 201339"/>
+              <a:gd name="connisteX1" fmla="*/ 38100 w 3022600"/>
+              <a:gd name="connsiteY1" fmla="*/ 135299 h 201339"/>
+              <a:gd name="connisteX2" fmla="*/ 75565 w 3022600"/>
+              <a:gd name="connsiteY2" fmla="*/ 69259 h 201339"/>
+              <a:gd name="connisteX3" fmla="*/ 141605 w 3022600"/>
+              <a:gd name="connsiteY3" fmla="*/ 21634 h 201339"/>
+              <a:gd name="connisteX4" fmla="*/ 207645 w 3022600"/>
+              <a:gd name="connsiteY4" fmla="*/ 69259 h 201339"/>
+              <a:gd name="connisteX5" fmla="*/ 273685 w 3022600"/>
+              <a:gd name="connsiteY5" fmla="*/ 135299 h 201339"/>
+              <a:gd name="connisteX6" fmla="*/ 340360 w 3022600"/>
+              <a:gd name="connsiteY6" fmla="*/ 191814 h 201339"/>
+              <a:gd name="connisteX7" fmla="*/ 387350 w 3022600"/>
+              <a:gd name="connsiteY7" fmla="*/ 125774 h 201339"/>
+              <a:gd name="connisteX8" fmla="*/ 453390 w 3022600"/>
+              <a:gd name="connsiteY8" fmla="*/ 78784 h 201339"/>
+              <a:gd name="connisteX9" fmla="*/ 519430 w 3022600"/>
+              <a:gd name="connsiteY9" fmla="*/ 116249 h 201339"/>
+              <a:gd name="connisteX10" fmla="*/ 585470 w 3022600"/>
+              <a:gd name="connsiteY10" fmla="*/ 144824 h 201339"/>
+              <a:gd name="connisteX11" fmla="*/ 652145 w 3022600"/>
+              <a:gd name="connsiteY11" fmla="*/ 172764 h 201339"/>
+              <a:gd name="connisteX12" fmla="*/ 718185 w 3022600"/>
+              <a:gd name="connsiteY12" fmla="*/ 163239 h 201339"/>
+              <a:gd name="connisteX13" fmla="*/ 774700 w 3022600"/>
+              <a:gd name="connsiteY13" fmla="*/ 97199 h 201339"/>
+              <a:gd name="connisteX14" fmla="*/ 840740 w 3022600"/>
+              <a:gd name="connsiteY14" fmla="*/ 69259 h 201339"/>
+              <a:gd name="connisteX15" fmla="*/ 906780 w 3022600"/>
+              <a:gd name="connsiteY15" fmla="*/ 40684 h 201339"/>
+              <a:gd name="connisteX16" fmla="*/ 972820 w 3022600"/>
+              <a:gd name="connsiteY16" fmla="*/ 40684 h 201339"/>
+              <a:gd name="connisteX17" fmla="*/ 1038860 w 3022600"/>
+              <a:gd name="connsiteY17" fmla="*/ 59734 h 201339"/>
+              <a:gd name="connisteX18" fmla="*/ 1105535 w 3022600"/>
+              <a:gd name="connsiteY18" fmla="*/ 69259 h 201339"/>
+              <a:gd name="connisteX19" fmla="*/ 1133475 w 3022600"/>
+              <a:gd name="connsiteY19" fmla="*/ 135299 h 201339"/>
+              <a:gd name="connisteX20" fmla="*/ 1209040 w 3022600"/>
+              <a:gd name="connsiteY20" fmla="*/ 144824 h 201339"/>
+              <a:gd name="connisteX21" fmla="*/ 1275080 w 3022600"/>
+              <a:gd name="connsiteY21" fmla="*/ 106724 h 201339"/>
+              <a:gd name="connisteX22" fmla="*/ 1350645 w 3022600"/>
+              <a:gd name="connsiteY22" fmla="*/ 50209 h 201339"/>
+              <a:gd name="connisteX23" fmla="*/ 1416685 w 3022600"/>
+              <a:gd name="connsiteY23" fmla="*/ 40684 h 201339"/>
+              <a:gd name="connisteX24" fmla="*/ 1483360 w 3022600"/>
+              <a:gd name="connsiteY24" fmla="*/ 3219 h 201339"/>
+              <a:gd name="connisteX25" fmla="*/ 1549400 w 3022600"/>
+              <a:gd name="connsiteY25" fmla="*/ 12109 h 201339"/>
+              <a:gd name="connisteX26" fmla="*/ 1615440 w 3022600"/>
+              <a:gd name="connsiteY26" fmla="*/ 69259 h 201339"/>
+              <a:gd name="connisteX27" fmla="*/ 1681480 w 3022600"/>
+              <a:gd name="connsiteY27" fmla="*/ 125774 h 201339"/>
+              <a:gd name="connisteX28" fmla="*/ 1747520 w 3022600"/>
+              <a:gd name="connsiteY28" fmla="*/ 163239 h 201339"/>
+              <a:gd name="connisteX29" fmla="*/ 1813560 w 3022600"/>
+              <a:gd name="connsiteY29" fmla="*/ 172764 h 201339"/>
+              <a:gd name="connisteX30" fmla="*/ 1851660 w 3022600"/>
+              <a:gd name="connsiteY30" fmla="*/ 106724 h 201339"/>
+              <a:gd name="connisteX31" fmla="*/ 1917700 w 3022600"/>
+              <a:gd name="connsiteY31" fmla="*/ 97199 h 201339"/>
+              <a:gd name="connisteX32" fmla="*/ 1983740 w 3022600"/>
+              <a:gd name="connsiteY32" fmla="*/ 87674 h 201339"/>
+              <a:gd name="connisteX33" fmla="*/ 2049780 w 3022600"/>
+              <a:gd name="connsiteY33" fmla="*/ 78784 h 201339"/>
+              <a:gd name="connisteX34" fmla="*/ 2097405 w 3022600"/>
+              <a:gd name="connsiteY34" fmla="*/ 12109 h 201339"/>
+              <a:gd name="connisteX35" fmla="*/ 2163445 w 3022600"/>
+              <a:gd name="connsiteY35" fmla="*/ 50209 h 201339"/>
+              <a:gd name="connisteX36" fmla="*/ 2229485 w 3022600"/>
+              <a:gd name="connsiteY36" fmla="*/ 59734 h 201339"/>
+              <a:gd name="connisteX37" fmla="*/ 2295525 w 3022600"/>
+              <a:gd name="connsiteY37" fmla="*/ 69259 h 201339"/>
+              <a:gd name="connisteX38" fmla="*/ 2361565 w 3022600"/>
+              <a:gd name="connsiteY38" fmla="*/ 125774 h 201339"/>
+              <a:gd name="connisteX39" fmla="*/ 2427605 w 3022600"/>
+              <a:gd name="connsiteY39" fmla="*/ 163239 h 201339"/>
+              <a:gd name="connisteX40" fmla="*/ 2493645 w 3022600"/>
+              <a:gd name="connsiteY40" fmla="*/ 163239 h 201339"/>
+              <a:gd name="connisteX41" fmla="*/ 2559685 w 3022600"/>
+              <a:gd name="connsiteY41" fmla="*/ 154349 h 201339"/>
+              <a:gd name="connisteX42" fmla="*/ 2626360 w 3022600"/>
+              <a:gd name="connsiteY42" fmla="*/ 106724 h 201339"/>
+              <a:gd name="connisteX43" fmla="*/ 2692400 w 3022600"/>
+              <a:gd name="connsiteY43" fmla="*/ 78784 h 201339"/>
+              <a:gd name="connisteX44" fmla="*/ 2758440 w 3022600"/>
+              <a:gd name="connsiteY44" fmla="*/ 69259 h 201339"/>
+              <a:gd name="connisteX45" fmla="*/ 2824480 w 3022600"/>
+              <a:gd name="connsiteY45" fmla="*/ 125774 h 201339"/>
+              <a:gd name="connisteX46" fmla="*/ 2890520 w 3022600"/>
+              <a:gd name="connsiteY46" fmla="*/ 135299 h 201339"/>
+              <a:gd name="connisteX47" fmla="*/ 2956560 w 3022600"/>
+              <a:gd name="connsiteY47" fmla="*/ 106724 h 201339"/>
+              <a:gd name="connisteX48" fmla="*/ 3022600 w 3022600"/>
+              <a:gd name="connsiteY48" fmla="*/ 78784 h 201339"/>
+            </a:gdLst>
+            <a:ahLst/>
+            <a:cxnLst>
+              <a:cxn ang="0">
+                <a:pos x="connisteX0" y="connsiteY0"/>
+              </a:cxn>
+              <a:cxn ang="0">
+                <a:pos x="connisteX1" y="connsiteY1"/>
+              </a:cxn>
+              <a:cxn ang="0">
+                <a:pos x="connisteX2" y="connsiteY2"/>
+              </a:cxn>
+              <a:cxn ang="0">
+                <a:pos x="connisteX3" y="connsiteY3"/>
+              </a:cxn>
+              <a:cxn ang="0">
+                <a:pos x="connisteX4" y="connsiteY4"/>
+              </a:cxn>
+              <a:cxn ang="0">
+                <a:pos x="connisteX5" y="connsiteY5"/>
+              </a:cxn>
+              <a:cxn ang="0">
+                <a:pos x="connisteX6" y="connsiteY6"/>
+              </a:cxn>
+              <a:cxn ang="0">
+                <a:pos x="connisteX7" y="connsiteY7"/>
+              </a:cxn>
+              <a:cxn ang="0">
+                <a:pos x="connisteX8" y="connsiteY8"/>
+              </a:cxn>
+              <a:cxn ang="0">
+                <a:pos x="connisteX9" y="connsiteY9"/>
+              </a:cxn>
+              <a:cxn ang="0">
+                <a:pos x="connisteX10" y="connsiteY10"/>
+              </a:cxn>
+              <a:cxn ang="0">
+                <a:pos x="connisteX11" y="connsiteY11"/>
+              </a:cxn>
+              <a:cxn ang="0">
+                <a:pos x="connisteX12" y="connsiteY12"/>
+              </a:cxn>
+              <a:cxn ang="0">
+                <a:pos x="connisteX13" y="connsiteY13"/>
+              </a:cxn>
+              <a:cxn ang="0">
+                <a:pos x="connisteX14" y="connsiteY14"/>
+              </a:cxn>
+              <a:cxn ang="0">
+                <a:pos x="connisteX15" y="connsiteY15"/>
+              </a:cxn>
+              <a:cxn ang="0">
+                <a:pos x="connisteX16" y="connsiteY16"/>
+              </a:cxn>
+              <a:cxn ang="0">
+                <a:pos x="connisteX17" y="connsiteY17"/>
+              </a:cxn>
+              <a:cxn ang="0">
+                <a:pos x="connisteX18" y="connsiteY18"/>
+              </a:cxn>
+              <a:cxn ang="0">
+                <a:pos x="connisteX19" y="connsiteY19"/>
+              </a:cxn>
+              <a:cxn ang="0">
+                <a:pos x="connisteX20" y="connsiteY20"/>
+              </a:cxn>
+              <a:cxn ang="0">
+                <a:pos x="connisteX21" y="connsiteY21"/>
+              </a:cxn>
+              <a:cxn ang="0">
+                <a:pos x="connisteX22" y="connsiteY22"/>
+              </a:cxn>
+              <a:cxn ang="0">
+                <a:pos x="connisteX23" y="connsiteY23"/>
+              </a:cxn>
+              <a:cxn ang="0">
+                <a:pos x="connisteX24" y="connsiteY24"/>
+              </a:cxn>
+              <a:cxn ang="0">
+                <a:pos x="connisteX25" y="connsiteY25"/>
+              </a:cxn>
+              <a:cxn ang="0">
+                <a:pos x="connisteX26" y="connsiteY26"/>
+              </a:cxn>
+              <a:cxn ang="0">
+                <a:pos x="connisteX27" y="connsiteY27"/>
+              </a:cxn>
+              <a:cxn ang="0">
+                <a:pos x="connisteX28" y="connsiteY28"/>
+              </a:cxn>
+              <a:cxn ang="0">
+                <a:pos x="connisteX29" y="connsiteY29"/>
+              </a:cxn>
+              <a:cxn ang="0">
+                <a:pos x="connisteX30" y="connsiteY30"/>
+              </a:cxn>
+              <a:cxn ang="0">
+                <a:pos x="connisteX31" y="connsiteY31"/>
+              </a:cxn>
+              <a:cxn ang="0">
+                <a:pos x="connisteX32" y="connsiteY32"/>
+              </a:cxn>
+              <a:cxn ang="0">
+                <a:pos x="connisteX33" y="connsiteY33"/>
+              </a:cxn>
+              <a:cxn ang="0">
+                <a:pos x="connisteX34" y="connsiteY34"/>
+              </a:cxn>
+              <a:cxn ang="0">
+                <a:pos x="connisteX35" y="connsiteY35"/>
+              </a:cxn>
+              <a:cxn ang="0">
+                <a:pos x="connisteX36" y="connsiteY36"/>
+              </a:cxn>
+              <a:cxn ang="0">
+                <a:pos x="connisteX37" y="connsiteY37"/>
+              </a:cxn>
+              <a:cxn ang="0">
+                <a:pos x="connisteX38" y="connsiteY38"/>
+              </a:cxn>
+              <a:cxn ang="0">
+                <a:pos x="connisteX39" y="connsiteY39"/>
+              </a:cxn>
+              <a:cxn ang="0">
+                <a:pos x="connisteX40" y="connsiteY40"/>
+              </a:cxn>
+              <a:cxn ang="0">
+                <a:pos x="connisteX41" y="connsiteY41"/>
+              </a:cxn>
+              <a:cxn ang="0">
+                <a:pos x="connisteX42" y="connsiteY42"/>
+              </a:cxn>
+              <a:cxn ang="0">
+                <a:pos x="connisteX43" y="connsiteY43"/>
+              </a:cxn>
+              <a:cxn ang="0">
+                <a:pos x="connisteX44" y="connsiteY44"/>
+              </a:cxn>
+              <a:cxn ang="0">
+                <a:pos x="connisteX45" y="connsiteY45"/>
+              </a:cxn>
+              <a:cxn ang="0">
+                <a:pos x="connisteX46" y="connsiteY46"/>
+              </a:cxn>
+              <a:cxn ang="0">
+                <a:pos x="connisteX47" y="connsiteY47"/>
+              </a:cxn>
+              <a:cxn ang="0">
+                <a:pos x="connisteX48" y="connsiteY48"/>
+              </a:cxn>
+            </a:cxnLst>
+            <a:rect l="l" t="t" r="r" b="b"/>
+            <a:pathLst>
+              <a:path w="3022600" h="201339">
+                <a:moveTo>
+                  <a:pt x="0" y="201339"/>
+                </a:moveTo>
+                <a:cubicBezTo>
+                  <a:pt x="6985" y="189274"/>
+                  <a:pt x="22860" y="161969"/>
+                  <a:pt x="38100" y="135299"/>
+                </a:cubicBezTo>
+                <a:cubicBezTo>
+                  <a:pt x="53340" y="108629"/>
+                  <a:pt x="54610" y="92119"/>
+                  <a:pt x="75565" y="69259"/>
+                </a:cubicBezTo>
+                <a:cubicBezTo>
+                  <a:pt x="96520" y="46399"/>
+                  <a:pt x="114935" y="21634"/>
+                  <a:pt x="141605" y="21634"/>
+                </a:cubicBezTo>
+                <a:cubicBezTo>
+                  <a:pt x="168275" y="21634"/>
+                  <a:pt x="180975" y="46399"/>
+                  <a:pt x="207645" y="69259"/>
+                </a:cubicBezTo>
+                <a:cubicBezTo>
+                  <a:pt x="234315" y="92119"/>
+                  <a:pt x="247015" y="110534"/>
+                  <a:pt x="273685" y="135299"/>
+                </a:cubicBezTo>
+                <a:cubicBezTo>
+                  <a:pt x="300355" y="160064"/>
+                  <a:pt x="317500" y="193719"/>
+                  <a:pt x="340360" y="191814"/>
+                </a:cubicBezTo>
+                <a:cubicBezTo>
+                  <a:pt x="363220" y="189909"/>
+                  <a:pt x="364490" y="148634"/>
+                  <a:pt x="387350" y="125774"/>
+                </a:cubicBezTo>
+                <a:cubicBezTo>
+                  <a:pt x="410210" y="102914"/>
+                  <a:pt x="426720" y="80689"/>
+                  <a:pt x="453390" y="78784"/>
+                </a:cubicBezTo>
+                <a:cubicBezTo>
+                  <a:pt x="480060" y="76879"/>
+                  <a:pt x="492760" y="102914"/>
+                  <a:pt x="519430" y="116249"/>
+                </a:cubicBezTo>
+                <a:cubicBezTo>
+                  <a:pt x="546100" y="129584"/>
+                  <a:pt x="558800" y="133394"/>
+                  <a:pt x="585470" y="144824"/>
+                </a:cubicBezTo>
+                <a:cubicBezTo>
+                  <a:pt x="612140" y="156254"/>
+                  <a:pt x="625475" y="168954"/>
+                  <a:pt x="652145" y="172764"/>
+                </a:cubicBezTo>
+                <a:cubicBezTo>
+                  <a:pt x="678815" y="176574"/>
+                  <a:pt x="693420" y="178479"/>
+                  <a:pt x="718185" y="163239"/>
+                </a:cubicBezTo>
+                <a:cubicBezTo>
+                  <a:pt x="742950" y="147999"/>
+                  <a:pt x="749935" y="116249"/>
+                  <a:pt x="774700" y="97199"/>
+                </a:cubicBezTo>
+                <a:cubicBezTo>
+                  <a:pt x="799465" y="78149"/>
+                  <a:pt x="814070" y="80689"/>
+                  <a:pt x="840740" y="69259"/>
+                </a:cubicBezTo>
+                <a:cubicBezTo>
+                  <a:pt x="867410" y="57829"/>
+                  <a:pt x="880110" y="46399"/>
+                  <a:pt x="906780" y="40684"/>
+                </a:cubicBezTo>
+                <a:cubicBezTo>
+                  <a:pt x="933450" y="34969"/>
+                  <a:pt x="946150" y="36874"/>
+                  <a:pt x="972820" y="40684"/>
+                </a:cubicBezTo>
+                <a:cubicBezTo>
+                  <a:pt x="999490" y="44494"/>
+                  <a:pt x="1012190" y="54019"/>
+                  <a:pt x="1038860" y="59734"/>
+                </a:cubicBezTo>
+                <a:cubicBezTo>
+                  <a:pt x="1065530" y="65449"/>
+                  <a:pt x="1086485" y="54019"/>
+                  <a:pt x="1105535" y="69259"/>
+                </a:cubicBezTo>
+                <a:cubicBezTo>
+                  <a:pt x="1124585" y="84499"/>
+                  <a:pt x="1112520" y="120059"/>
+                  <a:pt x="1133475" y="135299"/>
+                </a:cubicBezTo>
+                <a:cubicBezTo>
+                  <a:pt x="1154430" y="150539"/>
+                  <a:pt x="1180465" y="150539"/>
+                  <a:pt x="1209040" y="144824"/>
+                </a:cubicBezTo>
+                <a:cubicBezTo>
+                  <a:pt x="1237615" y="139109"/>
+                  <a:pt x="1246505" y="125774"/>
+                  <a:pt x="1275080" y="106724"/>
+                </a:cubicBezTo>
+                <a:cubicBezTo>
+                  <a:pt x="1303655" y="87674"/>
+                  <a:pt x="1322070" y="63544"/>
+                  <a:pt x="1350645" y="50209"/>
+                </a:cubicBezTo>
+                <a:cubicBezTo>
+                  <a:pt x="1379220" y="36874"/>
+                  <a:pt x="1390015" y="50209"/>
+                  <a:pt x="1416685" y="40684"/>
+                </a:cubicBezTo>
+                <a:cubicBezTo>
+                  <a:pt x="1443355" y="31159"/>
+                  <a:pt x="1456690" y="8934"/>
+                  <a:pt x="1483360" y="3219"/>
+                </a:cubicBezTo>
+                <a:cubicBezTo>
+                  <a:pt x="1510030" y="-2496"/>
+                  <a:pt x="1522730" y="-1226"/>
+                  <a:pt x="1549400" y="12109"/>
+                </a:cubicBezTo>
+                <a:cubicBezTo>
+                  <a:pt x="1576070" y="25444"/>
+                  <a:pt x="1588770" y="46399"/>
+                  <a:pt x="1615440" y="69259"/>
+                </a:cubicBezTo>
+                <a:cubicBezTo>
+                  <a:pt x="1642110" y="92119"/>
+                  <a:pt x="1654810" y="106724"/>
+                  <a:pt x="1681480" y="125774"/>
+                </a:cubicBezTo>
+                <a:cubicBezTo>
+                  <a:pt x="1708150" y="144824"/>
+                  <a:pt x="1720850" y="153714"/>
+                  <a:pt x="1747520" y="163239"/>
+                </a:cubicBezTo>
+                <a:cubicBezTo>
+                  <a:pt x="1774190" y="172764"/>
+                  <a:pt x="1792605" y="184194"/>
+                  <a:pt x="1813560" y="172764"/>
+                </a:cubicBezTo>
+                <a:cubicBezTo>
+                  <a:pt x="1834515" y="161334"/>
+                  <a:pt x="1830705" y="121964"/>
+                  <a:pt x="1851660" y="106724"/>
+                </a:cubicBezTo>
+                <a:cubicBezTo>
+                  <a:pt x="1872615" y="91484"/>
+                  <a:pt x="1891030" y="101009"/>
+                  <a:pt x="1917700" y="97199"/>
+                </a:cubicBezTo>
+                <a:cubicBezTo>
+                  <a:pt x="1944370" y="93389"/>
+                  <a:pt x="1957070" y="91484"/>
+                  <a:pt x="1983740" y="87674"/>
+                </a:cubicBezTo>
+                <a:cubicBezTo>
+                  <a:pt x="2010410" y="83864"/>
+                  <a:pt x="2026920" y="94024"/>
+                  <a:pt x="2049780" y="78784"/>
+                </a:cubicBezTo>
+                <a:cubicBezTo>
+                  <a:pt x="2072640" y="63544"/>
+                  <a:pt x="2074545" y="17824"/>
+                  <a:pt x="2097405" y="12109"/>
+                </a:cubicBezTo>
+                <a:cubicBezTo>
+                  <a:pt x="2120265" y="6394"/>
+                  <a:pt x="2136775" y="40684"/>
+                  <a:pt x="2163445" y="50209"/>
+                </a:cubicBezTo>
+                <a:cubicBezTo>
+                  <a:pt x="2190115" y="59734"/>
+                  <a:pt x="2202815" y="55924"/>
+                  <a:pt x="2229485" y="59734"/>
+                </a:cubicBezTo>
+                <a:cubicBezTo>
+                  <a:pt x="2256155" y="63544"/>
+                  <a:pt x="2268855" y="55924"/>
+                  <a:pt x="2295525" y="69259"/>
+                </a:cubicBezTo>
+                <a:cubicBezTo>
+                  <a:pt x="2322195" y="82594"/>
+                  <a:pt x="2334895" y="106724"/>
+                  <a:pt x="2361565" y="125774"/>
+                </a:cubicBezTo>
+                <a:cubicBezTo>
+                  <a:pt x="2388235" y="144824"/>
+                  <a:pt x="2400935" y="155619"/>
+                  <a:pt x="2427605" y="163239"/>
+                </a:cubicBezTo>
+                <a:cubicBezTo>
+                  <a:pt x="2454275" y="170859"/>
+                  <a:pt x="2466975" y="165144"/>
+                  <a:pt x="2493645" y="163239"/>
+                </a:cubicBezTo>
+                <a:cubicBezTo>
+                  <a:pt x="2520315" y="161334"/>
+                  <a:pt x="2533015" y="165779"/>
+                  <a:pt x="2559685" y="154349"/>
+                </a:cubicBezTo>
+                <a:cubicBezTo>
+                  <a:pt x="2586355" y="142919"/>
+                  <a:pt x="2599690" y="121964"/>
+                  <a:pt x="2626360" y="106724"/>
+                </a:cubicBezTo>
+                <a:cubicBezTo>
+                  <a:pt x="2653030" y="91484"/>
+                  <a:pt x="2665730" y="86404"/>
+                  <a:pt x="2692400" y="78784"/>
+                </a:cubicBezTo>
+                <a:cubicBezTo>
+                  <a:pt x="2719070" y="71164"/>
+                  <a:pt x="2731770" y="59734"/>
+                  <a:pt x="2758440" y="69259"/>
+                </a:cubicBezTo>
+                <a:cubicBezTo>
+                  <a:pt x="2785110" y="78784"/>
+                  <a:pt x="2797810" y="112439"/>
+                  <a:pt x="2824480" y="125774"/>
+                </a:cubicBezTo>
+                <a:cubicBezTo>
+                  <a:pt x="2851150" y="139109"/>
+                  <a:pt x="2863850" y="139109"/>
+                  <a:pt x="2890520" y="135299"/>
+                </a:cubicBezTo>
+                <a:cubicBezTo>
+                  <a:pt x="2917190" y="131489"/>
+                  <a:pt x="2929890" y="118154"/>
+                  <a:pt x="2956560" y="106724"/>
+                </a:cubicBezTo>
+                <a:cubicBezTo>
+                  <a:pt x="2983230" y="95294"/>
+                  <a:pt x="3010535" y="83864"/>
+                  <a:pt x="3022600" y="78784"/>
+                </a:cubicBezTo>
+              </a:path>
+            </a:pathLst>
+          </a:custGeom>
+        </p:spPr>
+        <p:style>
+          <a:lnRef idx="3">
+            <a:schemeClr val="accent1"/>
+          </a:lnRef>
+          <a:fillRef idx="0">
+            <a:srgbClr val="FFFFFF"/>
+          </a:fillRef>
+          <a:effectRef idx="0">
+            <a:srgbClr val="FFFFFF"/>
+          </a:effectRef>
+          <a:fontRef idx="minor">
+            <a:schemeClr val="tx1"/>
+          </a:fontRef>
+        </p:style>
+        <p:txBody>
+          <a:bodyPr rtlCol="0" anchor="ctr"/>
+          <a:p>
+            <a:pPr algn="ctr"/>
+            <a:endParaRPr lang="zh-CN" altLang="en-US"/>
+          </a:p>
+        </p:txBody>
+      </p:sp>
+      <p:sp>
+        <p:nvSpPr>
+          <p:cNvPr id="10" name="任意多边形 9"/>
+          <p:cNvSpPr/>
+          <p:nvPr/>
+        </p:nvSpPr>
+        <p:spPr>
+          <a:xfrm>
+            <a:off x="4672965" y="5821045"/>
+            <a:ext cx="3023235" cy="259080"/>
+          </a:xfrm>
+          <a:custGeom>
+            <a:avLst/>
+            <a:gdLst>
+              <a:gd name="connisteX0" fmla="*/ 0 w 3023235"/>
+              <a:gd name="connsiteY0" fmla="*/ 237024 h 258993"/>
+              <a:gd name="connisteX1" fmla="*/ 66040 w 3023235"/>
+              <a:gd name="connsiteY1" fmla="*/ 179874 h 258993"/>
+              <a:gd name="connisteX2" fmla="*/ 132715 w 3023235"/>
+              <a:gd name="connsiteY2" fmla="*/ 132884 h 258993"/>
+              <a:gd name="connisteX3" fmla="*/ 208280 w 3023235"/>
+              <a:gd name="connsiteY3" fmla="*/ 104309 h 258993"/>
+              <a:gd name="connisteX4" fmla="*/ 274320 w 3023235"/>
+              <a:gd name="connsiteY4" fmla="*/ 66844 h 258993"/>
+              <a:gd name="connisteX5" fmla="*/ 340360 w 3023235"/>
+              <a:gd name="connsiteY5" fmla="*/ 19219 h 258993"/>
+              <a:gd name="connisteX6" fmla="*/ 396875 w 3023235"/>
+              <a:gd name="connsiteY6" fmla="*/ 85894 h 258993"/>
+              <a:gd name="connisteX7" fmla="*/ 462915 w 3023235"/>
+              <a:gd name="connsiteY7" fmla="*/ 104309 h 258993"/>
+              <a:gd name="connisteX8" fmla="*/ 528955 w 3023235"/>
+              <a:gd name="connsiteY8" fmla="*/ 113834 h 258993"/>
+              <a:gd name="connisteX9" fmla="*/ 594995 w 3023235"/>
+              <a:gd name="connsiteY9" fmla="*/ 94784 h 258993"/>
+              <a:gd name="connisteX10" fmla="*/ 661670 w 3023235"/>
+              <a:gd name="connsiteY10" fmla="*/ 47794 h 258993"/>
+              <a:gd name="connisteX11" fmla="*/ 727710 w 3023235"/>
+              <a:gd name="connsiteY11" fmla="*/ 28744 h 258993"/>
+              <a:gd name="connisteX12" fmla="*/ 793750 w 3023235"/>
+              <a:gd name="connsiteY12" fmla="*/ 38269 h 258993"/>
+              <a:gd name="connisteX13" fmla="*/ 850265 w 3023235"/>
+              <a:gd name="connsiteY13" fmla="*/ 104309 h 258993"/>
+              <a:gd name="connisteX14" fmla="*/ 888365 w 3023235"/>
+              <a:gd name="connsiteY14" fmla="*/ 170349 h 258993"/>
+              <a:gd name="connisteX15" fmla="*/ 954405 w 3023235"/>
+              <a:gd name="connsiteY15" fmla="*/ 217974 h 258993"/>
+              <a:gd name="connisteX16" fmla="*/ 1020445 w 3023235"/>
+              <a:gd name="connsiteY16" fmla="*/ 170349 h 258993"/>
+              <a:gd name="connisteX17" fmla="*/ 1086485 w 3023235"/>
+              <a:gd name="connsiteY17" fmla="*/ 113834 h 258993"/>
+              <a:gd name="connisteX18" fmla="*/ 1152525 w 3023235"/>
+              <a:gd name="connsiteY18" fmla="*/ 66844 h 258993"/>
+              <a:gd name="connisteX19" fmla="*/ 1218565 w 3023235"/>
+              <a:gd name="connsiteY19" fmla="*/ 66844 h 258993"/>
+              <a:gd name="connisteX20" fmla="*/ 1284605 w 3023235"/>
+              <a:gd name="connsiteY20" fmla="*/ 66844 h 258993"/>
+              <a:gd name="connisteX21" fmla="*/ 1351280 w 3023235"/>
+              <a:gd name="connsiteY21" fmla="*/ 85894 h 258993"/>
+              <a:gd name="connisteX22" fmla="*/ 1417320 w 3023235"/>
+              <a:gd name="connsiteY22" fmla="*/ 104309 h 258993"/>
+              <a:gd name="connisteX23" fmla="*/ 1483360 w 3023235"/>
+              <a:gd name="connsiteY23" fmla="*/ 104309 h 258993"/>
+              <a:gd name="connisteX24" fmla="*/ 1549400 w 3023235"/>
+              <a:gd name="connsiteY24" fmla="*/ 104309 h 258993"/>
+              <a:gd name="connisteX25" fmla="*/ 1615440 w 3023235"/>
+              <a:gd name="connsiteY25" fmla="*/ 104309 h 258993"/>
+              <a:gd name="connisteX26" fmla="*/ 1662430 w 3023235"/>
+              <a:gd name="connsiteY26" fmla="*/ 170349 h 258993"/>
+              <a:gd name="connisteX27" fmla="*/ 1710055 w 3023235"/>
+              <a:gd name="connsiteY27" fmla="*/ 237024 h 258993"/>
+              <a:gd name="connisteX28" fmla="*/ 1776095 w 3023235"/>
+              <a:gd name="connsiteY28" fmla="*/ 255439 h 258993"/>
+              <a:gd name="connisteX29" fmla="*/ 1823085 w 3023235"/>
+              <a:gd name="connsiteY29" fmla="*/ 189399 h 258993"/>
+              <a:gd name="connisteX30" fmla="*/ 1889760 w 3023235"/>
+              <a:gd name="connsiteY30" fmla="*/ 123359 h 258993"/>
+              <a:gd name="connisteX31" fmla="*/ 1955800 w 3023235"/>
+              <a:gd name="connsiteY31" fmla="*/ 66844 h 258993"/>
+              <a:gd name="connisteX32" fmla="*/ 2012315 w 3023235"/>
+              <a:gd name="connsiteY32" fmla="*/ 804 h 258993"/>
+              <a:gd name="connisteX33" fmla="*/ 2078355 w 3023235"/>
+              <a:gd name="connsiteY33" fmla="*/ 38269 h 258993"/>
+              <a:gd name="connisteX34" fmla="*/ 2144395 w 3023235"/>
+              <a:gd name="connsiteY34" fmla="*/ 85894 h 258993"/>
+              <a:gd name="connisteX35" fmla="*/ 2153920 w 3023235"/>
+              <a:gd name="connsiteY35" fmla="*/ 151934 h 258993"/>
+              <a:gd name="connisteX36" fmla="*/ 2219960 w 3023235"/>
+              <a:gd name="connsiteY36" fmla="*/ 179874 h 258993"/>
+              <a:gd name="connisteX37" fmla="*/ 2286000 w 3023235"/>
+              <a:gd name="connsiteY37" fmla="*/ 170349 h 258993"/>
+              <a:gd name="connisteX38" fmla="*/ 2314575 w 3023235"/>
+              <a:gd name="connsiteY38" fmla="*/ 104309 h 258993"/>
+              <a:gd name="connisteX39" fmla="*/ 2380615 w 3023235"/>
+              <a:gd name="connsiteY39" fmla="*/ 66844 h 258993"/>
+              <a:gd name="connisteX40" fmla="*/ 2446655 w 3023235"/>
+              <a:gd name="connsiteY40" fmla="*/ 57319 h 258993"/>
+              <a:gd name="connisteX41" fmla="*/ 2512695 w 3023235"/>
+              <a:gd name="connsiteY41" fmla="*/ 28744 h 258993"/>
+              <a:gd name="connisteX42" fmla="*/ 2550795 w 3023235"/>
+              <a:gd name="connsiteY42" fmla="*/ 94784 h 258993"/>
+              <a:gd name="connisteX43" fmla="*/ 2550795 w 3023235"/>
+              <a:gd name="connsiteY43" fmla="*/ 161459 h 258993"/>
+              <a:gd name="connisteX44" fmla="*/ 2560320 w 3023235"/>
+              <a:gd name="connsiteY44" fmla="*/ 227499 h 258993"/>
+              <a:gd name="connisteX45" fmla="*/ 2626360 w 3023235"/>
+              <a:gd name="connsiteY45" fmla="*/ 189399 h 258993"/>
+              <a:gd name="connisteX46" fmla="*/ 2663825 w 3023235"/>
+              <a:gd name="connsiteY46" fmla="*/ 123359 h 258993"/>
+              <a:gd name="connisteX47" fmla="*/ 2701925 w 3023235"/>
+              <a:gd name="connsiteY47" fmla="*/ 57319 h 258993"/>
+              <a:gd name="connisteX48" fmla="*/ 2767965 w 3023235"/>
+              <a:gd name="connsiteY48" fmla="*/ 57319 h 258993"/>
+              <a:gd name="connisteX49" fmla="*/ 2834005 w 3023235"/>
+              <a:gd name="connsiteY49" fmla="*/ 85894 h 258993"/>
+              <a:gd name="connisteX50" fmla="*/ 2900045 w 3023235"/>
+              <a:gd name="connsiteY50" fmla="*/ 151934 h 258993"/>
+              <a:gd name="connisteX51" fmla="*/ 2966085 w 3023235"/>
+              <a:gd name="connsiteY51" fmla="*/ 113834 h 258993"/>
+              <a:gd name="connisteX52" fmla="*/ 3023235 w 3023235"/>
+              <a:gd name="connsiteY52" fmla="*/ 47794 h 258993"/>
+            </a:gdLst>
+            <a:ahLst/>
+            <a:cxnLst>
+              <a:cxn ang="0">
+                <a:pos x="connisteX0" y="connsiteY0"/>
+              </a:cxn>
+              <a:cxn ang="0">
+                <a:pos x="connisteX1" y="connsiteY1"/>
+              </a:cxn>
+              <a:cxn ang="0">
+                <a:pos x="connisteX2" y="connsiteY2"/>
+              </a:cxn>
+              <a:cxn ang="0">
+                <a:pos x="connisteX3" y="connsiteY3"/>
+              </a:cxn>
+              <a:cxn ang="0">
+                <a:pos x="connisteX4" y="connsiteY4"/>
+              </a:cxn>
+              <a:cxn ang="0">
+                <a:pos x="connisteX5" y="connsiteY5"/>
+              </a:cxn>
+              <a:cxn ang="0">
+                <a:pos x="connisteX6" y="connsiteY6"/>
+              </a:cxn>
+              <a:cxn ang="0">
+                <a:pos x="connisteX7" y="connsiteY7"/>
+              </a:cxn>
+              <a:cxn ang="0">
+                <a:pos x="connisteX8" y="connsiteY8"/>
+              </a:cxn>
+              <a:cxn ang="0">
+                <a:pos x="connisteX9" y="connsiteY9"/>
+              </a:cxn>
+              <a:cxn ang="0">
+                <a:pos x="connisteX10" y="connsiteY10"/>
+              </a:cxn>
+              <a:cxn ang="0">
+                <a:pos x="connisteX11" y="connsiteY11"/>
+              </a:cxn>
+              <a:cxn ang="0">
+                <a:pos x="connisteX12" y="connsiteY12"/>
+              </a:cxn>
+              <a:cxn ang="0">
+                <a:pos x="connisteX13" y="connsiteY13"/>
+              </a:cxn>
+              <a:cxn ang="0">
+                <a:pos x="connisteX14" y="connsiteY14"/>
+              </a:cxn>
+              <a:cxn ang="0">
+                <a:pos x="connisteX15" y="connsiteY15"/>
+              </a:cxn>
+              <a:cxn ang="0">
+                <a:pos x="connisteX16" y="connsiteY16"/>
+              </a:cxn>
+              <a:cxn ang="0">
+                <a:pos x="connisteX17" y="connsiteY17"/>
+              </a:cxn>
+              <a:cxn ang="0">
+                <a:pos x="connisteX18" y="connsiteY18"/>
+              </a:cxn>
+              <a:cxn ang="0">
+                <a:pos x="connisteX19" y="connsiteY19"/>
+              </a:cxn>
+              <a:cxn ang="0">
+                <a:pos x="connisteX20" y="connsiteY20"/>
+              </a:cxn>
+              <a:cxn ang="0">
+                <a:pos x="connisteX21" y="connsiteY21"/>
+              </a:cxn>
+              <a:cxn ang="0">
+                <a:pos x="connisteX22" y="connsiteY22"/>
+              </a:cxn>
+              <a:cxn ang="0">
+                <a:pos x="connisteX23" y="connsiteY23"/>
+              </a:cxn>
+              <a:cxn ang="0">
+                <a:pos x="connisteX24" y="connsiteY24"/>
+              </a:cxn>
+              <a:cxn ang="0">
+                <a:pos x="connisteX25" y="connsiteY25"/>
+              </a:cxn>
+              <a:cxn ang="0">
+                <a:pos x="connisteX26" y="connsiteY26"/>
+              </a:cxn>
+              <a:cxn ang="0">
+                <a:pos x="connisteX27" y="connsiteY27"/>
+              </a:cxn>
+              <a:cxn ang="0">
+                <a:pos x="connisteX28" y="connsiteY28"/>
+              </a:cxn>
+              <a:cxn ang="0">
+                <a:pos x="connisteX29" y="connsiteY29"/>
+              </a:cxn>
+              <a:cxn ang="0">
+                <a:pos x="connisteX30" y="connsiteY30"/>
+              </a:cxn>
+              <a:cxn ang="0">
+                <a:pos x="connisteX31" y="connsiteY31"/>
+              </a:cxn>
+              <a:cxn ang="0">
+                <a:pos x="connisteX32" y="connsiteY32"/>
+              </a:cxn>
+              <a:cxn ang="0">
+                <a:pos x="connisteX33" y="connsiteY33"/>
+              </a:cxn>
+              <a:cxn ang="0">
+                <a:pos x="connisteX34" y="connsiteY34"/>
+              </a:cxn>
+              <a:cxn ang="0">
+                <a:pos x="connisteX35" y="connsiteY35"/>
+              </a:cxn>
+              <a:cxn ang="0">
+                <a:pos x="connisteX36" y="connsiteY36"/>
+              </a:cxn>
+              <a:cxn ang="0">
+                <a:pos x="connisteX37" y="connsiteY37"/>
+              </a:cxn>
+              <a:cxn ang="0">
+                <a:pos x="connisteX38" y="connsiteY38"/>
+              </a:cxn>
+              <a:cxn ang="0">
+                <a:pos x="connisteX39" y="connsiteY39"/>
+              </a:cxn>
+              <a:cxn ang="0">
+                <a:pos x="connisteX40" y="connsiteY40"/>
+              </a:cxn>
+              <a:cxn ang="0">
+                <a:pos x="connisteX41" y="connsiteY41"/>
+              </a:cxn>
+              <a:cxn ang="0">
+                <a:pos x="connisteX42" y="connsiteY42"/>
+              </a:cxn>
+              <a:cxn ang="0">
+                <a:pos x="connisteX43" y="connsiteY43"/>
+              </a:cxn>
+              <a:cxn ang="0">
+                <a:pos x="connisteX44" y="connsiteY44"/>
+              </a:cxn>
+              <a:cxn ang="0">
+                <a:pos x="connisteX45" y="connsiteY45"/>
+              </a:cxn>
+              <a:cxn ang="0">
+                <a:pos x="connisteX46" y="connsiteY46"/>
+              </a:cxn>
+              <a:cxn ang="0">
+                <a:pos x="connisteX47" y="connsiteY47"/>
+              </a:cxn>
+              <a:cxn ang="0">
+                <a:pos x="connisteX48" y="connsiteY48"/>
+              </a:cxn>
+              <a:cxn ang="0">
+                <a:pos x="connisteX49" y="connsiteY49"/>
+              </a:cxn>
+              <a:cxn ang="0">
+                <a:pos x="connisteX50" y="connsiteY50"/>
+              </a:cxn>
+              <a:cxn ang="0">
+                <a:pos x="connisteX51" y="connsiteY51"/>
+              </a:cxn>
+              <a:cxn ang="0">
+                <a:pos x="connisteX52" y="connsiteY52"/>
+              </a:cxn>
+            </a:cxnLst>
+            <a:rect l="l" t="t" r="r" b="b"/>
+            <a:pathLst>
+              <a:path w="3023235" h="258994">
+                <a:moveTo>
+                  <a:pt x="0" y="237024"/>
+                </a:moveTo>
+                <a:cubicBezTo>
+                  <a:pt x="12065" y="226229"/>
+                  <a:pt x="39370" y="200829"/>
+                  <a:pt x="66040" y="179874"/>
+                </a:cubicBezTo>
+                <a:cubicBezTo>
+                  <a:pt x="92710" y="158919"/>
+                  <a:pt x="104140" y="148124"/>
+                  <a:pt x="132715" y="132884"/>
+                </a:cubicBezTo>
+                <a:cubicBezTo>
+                  <a:pt x="161290" y="117644"/>
+                  <a:pt x="179705" y="117644"/>
+                  <a:pt x="208280" y="104309"/>
+                </a:cubicBezTo>
+                <a:cubicBezTo>
+                  <a:pt x="236855" y="90974"/>
+                  <a:pt x="247650" y="83989"/>
+                  <a:pt x="274320" y="66844"/>
+                </a:cubicBezTo>
+                <a:cubicBezTo>
+                  <a:pt x="300990" y="49699"/>
+                  <a:pt x="315595" y="15409"/>
+                  <a:pt x="340360" y="19219"/>
+                </a:cubicBezTo>
+                <a:cubicBezTo>
+                  <a:pt x="365125" y="23029"/>
+                  <a:pt x="372110" y="68749"/>
+                  <a:pt x="396875" y="85894"/>
+                </a:cubicBezTo>
+                <a:cubicBezTo>
+                  <a:pt x="421640" y="103039"/>
+                  <a:pt x="436245" y="98594"/>
+                  <a:pt x="462915" y="104309"/>
+                </a:cubicBezTo>
+                <a:cubicBezTo>
+                  <a:pt x="489585" y="110024"/>
+                  <a:pt x="502285" y="115739"/>
+                  <a:pt x="528955" y="113834"/>
+                </a:cubicBezTo>
+                <a:cubicBezTo>
+                  <a:pt x="555625" y="111929"/>
+                  <a:pt x="568325" y="108119"/>
+                  <a:pt x="594995" y="94784"/>
+                </a:cubicBezTo>
+                <a:cubicBezTo>
+                  <a:pt x="621665" y="81449"/>
+                  <a:pt x="635000" y="61129"/>
+                  <a:pt x="661670" y="47794"/>
+                </a:cubicBezTo>
+                <a:cubicBezTo>
+                  <a:pt x="688340" y="34459"/>
+                  <a:pt x="701040" y="30649"/>
+                  <a:pt x="727710" y="28744"/>
+                </a:cubicBezTo>
+                <a:cubicBezTo>
+                  <a:pt x="754380" y="26839"/>
+                  <a:pt x="768985" y="23029"/>
+                  <a:pt x="793750" y="38269"/>
+                </a:cubicBezTo>
+                <a:cubicBezTo>
+                  <a:pt x="818515" y="53509"/>
+                  <a:pt x="831215" y="77639"/>
+                  <a:pt x="850265" y="104309"/>
+                </a:cubicBezTo>
+                <a:cubicBezTo>
+                  <a:pt x="869315" y="130979"/>
+                  <a:pt x="867410" y="147489"/>
+                  <a:pt x="888365" y="170349"/>
+                </a:cubicBezTo>
+                <a:cubicBezTo>
+                  <a:pt x="909320" y="193209"/>
+                  <a:pt x="927735" y="217974"/>
+                  <a:pt x="954405" y="217974"/>
+                </a:cubicBezTo>
+                <a:cubicBezTo>
+                  <a:pt x="981075" y="217974"/>
+                  <a:pt x="993775" y="191304"/>
+                  <a:pt x="1020445" y="170349"/>
+                </a:cubicBezTo>
+                <a:cubicBezTo>
+                  <a:pt x="1047115" y="149394"/>
+                  <a:pt x="1059815" y="134789"/>
+                  <a:pt x="1086485" y="113834"/>
+                </a:cubicBezTo>
+                <a:cubicBezTo>
+                  <a:pt x="1113155" y="92879"/>
+                  <a:pt x="1125855" y="76369"/>
+                  <a:pt x="1152525" y="66844"/>
+                </a:cubicBezTo>
+                <a:cubicBezTo>
+                  <a:pt x="1179195" y="57319"/>
+                  <a:pt x="1191895" y="66844"/>
+                  <a:pt x="1218565" y="66844"/>
+                </a:cubicBezTo>
+                <a:cubicBezTo>
+                  <a:pt x="1245235" y="66844"/>
+                  <a:pt x="1257935" y="63034"/>
+                  <a:pt x="1284605" y="66844"/>
+                </a:cubicBezTo>
+                <a:cubicBezTo>
+                  <a:pt x="1311275" y="70654"/>
+                  <a:pt x="1324610" y="78274"/>
+                  <a:pt x="1351280" y="85894"/>
+                </a:cubicBezTo>
+                <a:cubicBezTo>
+                  <a:pt x="1377950" y="93514"/>
+                  <a:pt x="1390650" y="100499"/>
+                  <a:pt x="1417320" y="104309"/>
+                </a:cubicBezTo>
+                <a:cubicBezTo>
+                  <a:pt x="1443990" y="108119"/>
+                  <a:pt x="1456690" y="104309"/>
+                  <a:pt x="1483360" y="104309"/>
+                </a:cubicBezTo>
+                <a:cubicBezTo>
+                  <a:pt x="1510030" y="104309"/>
+                  <a:pt x="1522730" y="104309"/>
+                  <a:pt x="1549400" y="104309"/>
+                </a:cubicBezTo>
+                <a:cubicBezTo>
+                  <a:pt x="1576070" y="104309"/>
+                  <a:pt x="1592580" y="90974"/>
+                  <a:pt x="1615440" y="104309"/>
+                </a:cubicBezTo>
+                <a:cubicBezTo>
+                  <a:pt x="1638300" y="117644"/>
+                  <a:pt x="1643380" y="143679"/>
+                  <a:pt x="1662430" y="170349"/>
+                </a:cubicBezTo>
+                <a:cubicBezTo>
+                  <a:pt x="1681480" y="197019"/>
+                  <a:pt x="1687195" y="219879"/>
+                  <a:pt x="1710055" y="237024"/>
+                </a:cubicBezTo>
+                <a:cubicBezTo>
+                  <a:pt x="1732915" y="254169"/>
+                  <a:pt x="1753235" y="264964"/>
+                  <a:pt x="1776095" y="255439"/>
+                </a:cubicBezTo>
+                <a:cubicBezTo>
+                  <a:pt x="1798955" y="245914"/>
+                  <a:pt x="1800225" y="216069"/>
+                  <a:pt x="1823085" y="189399"/>
+                </a:cubicBezTo>
+                <a:cubicBezTo>
+                  <a:pt x="1845945" y="162729"/>
+                  <a:pt x="1863090" y="148124"/>
+                  <a:pt x="1889760" y="123359"/>
+                </a:cubicBezTo>
+                <a:cubicBezTo>
+                  <a:pt x="1916430" y="98594"/>
+                  <a:pt x="1931035" y="91609"/>
+                  <a:pt x="1955800" y="66844"/>
+                </a:cubicBezTo>
+                <a:cubicBezTo>
+                  <a:pt x="1980565" y="42079"/>
+                  <a:pt x="1987550" y="6519"/>
+                  <a:pt x="2012315" y="804"/>
+                </a:cubicBezTo>
+                <a:cubicBezTo>
+                  <a:pt x="2037080" y="-4911"/>
+                  <a:pt x="2051685" y="21124"/>
+                  <a:pt x="2078355" y="38269"/>
+                </a:cubicBezTo>
+                <a:cubicBezTo>
+                  <a:pt x="2105025" y="55414"/>
+                  <a:pt x="2129155" y="63034"/>
+                  <a:pt x="2144395" y="85894"/>
+                </a:cubicBezTo>
+                <a:cubicBezTo>
+                  <a:pt x="2159635" y="108754"/>
+                  <a:pt x="2138680" y="132884"/>
+                  <a:pt x="2153920" y="151934"/>
+                </a:cubicBezTo>
+                <a:cubicBezTo>
+                  <a:pt x="2169160" y="170984"/>
+                  <a:pt x="2193290" y="176064"/>
+                  <a:pt x="2219960" y="179874"/>
+                </a:cubicBezTo>
+                <a:cubicBezTo>
+                  <a:pt x="2246630" y="183684"/>
+                  <a:pt x="2266950" y="185589"/>
+                  <a:pt x="2286000" y="170349"/>
+                </a:cubicBezTo>
+                <a:cubicBezTo>
+                  <a:pt x="2305050" y="155109"/>
+                  <a:pt x="2295525" y="125264"/>
+                  <a:pt x="2314575" y="104309"/>
+                </a:cubicBezTo>
+                <a:cubicBezTo>
+                  <a:pt x="2333625" y="83354"/>
+                  <a:pt x="2353945" y="76369"/>
+                  <a:pt x="2380615" y="66844"/>
+                </a:cubicBezTo>
+                <a:cubicBezTo>
+                  <a:pt x="2407285" y="57319"/>
+                  <a:pt x="2419985" y="64939"/>
+                  <a:pt x="2446655" y="57319"/>
+                </a:cubicBezTo>
+                <a:cubicBezTo>
+                  <a:pt x="2473325" y="49699"/>
+                  <a:pt x="2491740" y="21124"/>
+                  <a:pt x="2512695" y="28744"/>
+                </a:cubicBezTo>
+                <a:cubicBezTo>
+                  <a:pt x="2533650" y="36364"/>
+                  <a:pt x="2543175" y="68114"/>
+                  <a:pt x="2550795" y="94784"/>
+                </a:cubicBezTo>
+                <a:cubicBezTo>
+                  <a:pt x="2558415" y="121454"/>
+                  <a:pt x="2548890" y="134789"/>
+                  <a:pt x="2550795" y="161459"/>
+                </a:cubicBezTo>
+                <a:cubicBezTo>
+                  <a:pt x="2552700" y="188129"/>
+                  <a:pt x="2545080" y="221784"/>
+                  <a:pt x="2560320" y="227499"/>
+                </a:cubicBezTo>
+                <a:cubicBezTo>
+                  <a:pt x="2575560" y="233214"/>
+                  <a:pt x="2605405" y="210354"/>
+                  <a:pt x="2626360" y="189399"/>
+                </a:cubicBezTo>
+                <a:cubicBezTo>
+                  <a:pt x="2647315" y="168444"/>
+                  <a:pt x="2648585" y="150029"/>
+                  <a:pt x="2663825" y="123359"/>
+                </a:cubicBezTo>
+                <a:cubicBezTo>
+                  <a:pt x="2679065" y="96689"/>
+                  <a:pt x="2680970" y="70654"/>
+                  <a:pt x="2701925" y="57319"/>
+                </a:cubicBezTo>
+                <a:cubicBezTo>
+                  <a:pt x="2722880" y="43984"/>
+                  <a:pt x="2741295" y="51604"/>
+                  <a:pt x="2767965" y="57319"/>
+                </a:cubicBezTo>
+                <a:cubicBezTo>
+                  <a:pt x="2794635" y="63034"/>
+                  <a:pt x="2807335" y="66844"/>
+                  <a:pt x="2834005" y="85894"/>
+                </a:cubicBezTo>
+                <a:cubicBezTo>
+                  <a:pt x="2860675" y="104944"/>
+                  <a:pt x="2873375" y="146219"/>
+                  <a:pt x="2900045" y="151934"/>
+                </a:cubicBezTo>
+                <a:cubicBezTo>
+                  <a:pt x="2926715" y="157649"/>
+                  <a:pt x="2941320" y="134789"/>
+                  <a:pt x="2966085" y="113834"/>
+                </a:cubicBezTo>
+                <a:cubicBezTo>
+                  <a:pt x="2990850" y="92879"/>
+                  <a:pt x="3013075" y="60494"/>
+                  <a:pt x="3023235" y="47794"/>
+                </a:cubicBezTo>
+              </a:path>
+            </a:pathLst>
+          </a:custGeom>
+        </p:spPr>
+        <p:style>
+          <a:lnRef idx="3">
+            <a:schemeClr val="accent2"/>
+          </a:lnRef>
+          <a:fillRef idx="0">
+            <a:srgbClr val="FFFFFF"/>
+          </a:fillRef>
+          <a:effectRef idx="0">
+            <a:srgbClr val="FFFFFF"/>
+          </a:effectRef>
+          <a:fontRef idx="minor">
+            <a:schemeClr val="tx1"/>
+          </a:fontRef>
+        </p:style>
+        <p:txBody>
+          <a:bodyPr rtlCol="0" anchor="ctr"/>
+          <a:p>
+            <a:pPr algn="ctr"/>
+            <a:endParaRPr lang="zh-CN" altLang="en-US"/>
+          </a:p>
+        </p:txBody>
+      </p:sp>
+      <p:sp>
+        <p:nvSpPr>
+          <p:cNvPr id="12" name="任意多边形 11"/>
+          <p:cNvSpPr/>
+          <p:nvPr/>
+        </p:nvSpPr>
+        <p:spPr>
+          <a:xfrm>
+            <a:off x="4672965" y="6080125"/>
+            <a:ext cx="3060700" cy="377825"/>
+          </a:xfrm>
+          <a:custGeom>
+            <a:avLst/>
+            <a:gdLst>
+              <a:gd name="connisteX0" fmla="*/ 0 w 3060700"/>
+              <a:gd name="connsiteY0" fmla="*/ 198817 h 377887"/>
+              <a:gd name="connisteX1" fmla="*/ 66675 w 3060700"/>
+              <a:gd name="connsiteY1" fmla="*/ 132777 h 377887"/>
+              <a:gd name="connisteX2" fmla="*/ 123190 w 3060700"/>
+              <a:gd name="connsiteY2" fmla="*/ 66737 h 377887"/>
+              <a:gd name="connisteX3" fmla="*/ 179705 w 3060700"/>
+              <a:gd name="connsiteY3" fmla="*/ 62 h 377887"/>
+              <a:gd name="connisteX4" fmla="*/ 226695 w 3060700"/>
+              <a:gd name="connsiteY4" fmla="*/ 66737 h 377887"/>
+              <a:gd name="connisteX5" fmla="*/ 264795 w 3060700"/>
+              <a:gd name="connsiteY5" fmla="*/ 142302 h 377887"/>
+              <a:gd name="connisteX6" fmla="*/ 302260 w 3060700"/>
+              <a:gd name="connsiteY6" fmla="*/ 208342 h 377887"/>
+              <a:gd name="connisteX7" fmla="*/ 321310 w 3060700"/>
+              <a:gd name="connsiteY7" fmla="*/ 142302 h 377887"/>
+              <a:gd name="connisteX8" fmla="*/ 330835 w 3060700"/>
+              <a:gd name="connsiteY8" fmla="*/ 75627 h 377887"/>
+              <a:gd name="connisteX9" fmla="*/ 359410 w 3060700"/>
+              <a:gd name="connsiteY9" fmla="*/ 9587 h 377887"/>
+              <a:gd name="connisteX10" fmla="*/ 425450 w 3060700"/>
+              <a:gd name="connsiteY10" fmla="*/ 75627 h 377887"/>
+              <a:gd name="connisteX11" fmla="*/ 462915 w 3060700"/>
+              <a:gd name="connsiteY11" fmla="*/ 142302 h 377887"/>
+              <a:gd name="connisteX12" fmla="*/ 501015 w 3060700"/>
+              <a:gd name="connsiteY12" fmla="*/ 208342 h 377887"/>
+              <a:gd name="connisteX13" fmla="*/ 538480 w 3060700"/>
+              <a:gd name="connsiteY13" fmla="*/ 132777 h 377887"/>
+              <a:gd name="connisteX14" fmla="*/ 576580 w 3060700"/>
+              <a:gd name="connsiteY14" fmla="*/ 66737 h 377887"/>
+              <a:gd name="connisteX15" fmla="*/ 633095 w 3060700"/>
+              <a:gd name="connsiteY15" fmla="*/ 62 h 377887"/>
+              <a:gd name="connisteX16" fmla="*/ 661670 w 3060700"/>
+              <a:gd name="connsiteY16" fmla="*/ 75627 h 377887"/>
+              <a:gd name="connisteX17" fmla="*/ 699135 w 3060700"/>
+              <a:gd name="connsiteY17" fmla="*/ 142302 h 377887"/>
+              <a:gd name="connisteX18" fmla="*/ 765175 w 3060700"/>
+              <a:gd name="connsiteY18" fmla="*/ 85152 h 377887"/>
+              <a:gd name="connisteX19" fmla="*/ 803275 w 3060700"/>
+              <a:gd name="connsiteY19" fmla="*/ 19112 h 377887"/>
+              <a:gd name="connisteX20" fmla="*/ 869315 w 3060700"/>
+              <a:gd name="connsiteY20" fmla="*/ 94677 h 377887"/>
+              <a:gd name="connisteX21" fmla="*/ 897890 w 3060700"/>
+              <a:gd name="connsiteY21" fmla="*/ 160717 h 377887"/>
+              <a:gd name="connisteX22" fmla="*/ 954405 w 3060700"/>
+              <a:gd name="connsiteY22" fmla="*/ 94677 h 377887"/>
+              <a:gd name="connisteX23" fmla="*/ 991870 w 3060700"/>
+              <a:gd name="connsiteY23" fmla="*/ 28637 h 377887"/>
+              <a:gd name="connisteX24" fmla="*/ 1049020 w 3060700"/>
+              <a:gd name="connsiteY24" fmla="*/ 94677 h 377887"/>
+              <a:gd name="connisteX25" fmla="*/ 1076960 w 3060700"/>
+              <a:gd name="connsiteY25" fmla="*/ 160717 h 377887"/>
+              <a:gd name="connisteX26" fmla="*/ 1105535 w 3060700"/>
+              <a:gd name="connsiteY26" fmla="*/ 236282 h 377887"/>
+              <a:gd name="connisteX27" fmla="*/ 1134110 w 3060700"/>
+              <a:gd name="connsiteY27" fmla="*/ 302322 h 377887"/>
+              <a:gd name="connisteX28" fmla="*/ 1162050 w 3060700"/>
+              <a:gd name="connsiteY28" fmla="*/ 236282 h 377887"/>
+              <a:gd name="connisteX29" fmla="*/ 1200150 w 3060700"/>
+              <a:gd name="connsiteY29" fmla="*/ 170242 h 377887"/>
+              <a:gd name="connisteX30" fmla="*/ 1256665 w 3060700"/>
+              <a:gd name="connsiteY30" fmla="*/ 104202 h 377887"/>
+              <a:gd name="connisteX31" fmla="*/ 1303655 w 3060700"/>
+              <a:gd name="connsiteY31" fmla="*/ 38162 h 377887"/>
+              <a:gd name="connisteX32" fmla="*/ 1369695 w 3060700"/>
+              <a:gd name="connsiteY32" fmla="*/ 38162 h 377887"/>
+              <a:gd name="connisteX33" fmla="*/ 1436370 w 3060700"/>
+              <a:gd name="connsiteY33" fmla="*/ 38162 h 377887"/>
+              <a:gd name="connisteX34" fmla="*/ 1502410 w 3060700"/>
+              <a:gd name="connsiteY34" fmla="*/ 38162 h 377887"/>
+              <a:gd name="connisteX35" fmla="*/ 1558925 w 3060700"/>
+              <a:gd name="connsiteY35" fmla="*/ 104202 h 377887"/>
+              <a:gd name="connisteX36" fmla="*/ 1596390 w 3060700"/>
+              <a:gd name="connsiteY36" fmla="*/ 170242 h 377887"/>
+              <a:gd name="connisteX37" fmla="*/ 1644015 w 3060700"/>
+              <a:gd name="connsiteY37" fmla="*/ 236282 h 377887"/>
+              <a:gd name="connisteX38" fmla="*/ 1671955 w 3060700"/>
+              <a:gd name="connsiteY38" fmla="*/ 170242 h 377887"/>
+              <a:gd name="connisteX39" fmla="*/ 1681480 w 3060700"/>
+              <a:gd name="connsiteY39" fmla="*/ 104202 h 377887"/>
+              <a:gd name="connisteX40" fmla="*/ 1729105 w 3060700"/>
+              <a:gd name="connsiteY40" fmla="*/ 170242 h 377887"/>
+              <a:gd name="connisteX41" fmla="*/ 1785620 w 3060700"/>
+              <a:gd name="connsiteY41" fmla="*/ 236282 h 377887"/>
+              <a:gd name="connisteX42" fmla="*/ 1814195 w 3060700"/>
+              <a:gd name="connsiteY42" fmla="*/ 311847 h 377887"/>
+              <a:gd name="connisteX43" fmla="*/ 1842135 w 3060700"/>
+              <a:gd name="connsiteY43" fmla="*/ 377887 h 377887"/>
+              <a:gd name="connisteX44" fmla="*/ 1851660 w 3060700"/>
+              <a:gd name="connsiteY44" fmla="*/ 311847 h 377887"/>
+              <a:gd name="connisteX45" fmla="*/ 1861185 w 3060700"/>
+              <a:gd name="connsiteY45" fmla="*/ 245807 h 377887"/>
+              <a:gd name="connisteX46" fmla="*/ 1861185 w 3060700"/>
+              <a:gd name="connsiteY46" fmla="*/ 179767 h 377887"/>
+              <a:gd name="connisteX47" fmla="*/ 1861185 w 3060700"/>
+              <a:gd name="connsiteY47" fmla="*/ 113727 h 377887"/>
+              <a:gd name="connisteX48" fmla="*/ 1927225 w 3060700"/>
+              <a:gd name="connsiteY48" fmla="*/ 57212 h 377887"/>
+              <a:gd name="connisteX49" fmla="*/ 1993265 w 3060700"/>
+              <a:gd name="connsiteY49" fmla="*/ 66737 h 377887"/>
+              <a:gd name="connisteX50" fmla="*/ 2059305 w 3060700"/>
+              <a:gd name="connsiteY50" fmla="*/ 75627 h 377887"/>
+              <a:gd name="connisteX51" fmla="*/ 2116455 w 3060700"/>
+              <a:gd name="connsiteY51" fmla="*/ 142302 h 377887"/>
+              <a:gd name="connisteX52" fmla="*/ 2182495 w 3060700"/>
+              <a:gd name="connsiteY52" fmla="*/ 132777 h 377887"/>
+              <a:gd name="connisteX53" fmla="*/ 2239010 w 3060700"/>
+              <a:gd name="connsiteY53" fmla="*/ 66737 h 377887"/>
+              <a:gd name="connisteX54" fmla="*/ 2305050 w 3060700"/>
+              <a:gd name="connsiteY54" fmla="*/ 85152 h 377887"/>
+              <a:gd name="connisteX55" fmla="*/ 2371090 w 3060700"/>
+              <a:gd name="connsiteY55" fmla="*/ 151192 h 377887"/>
+              <a:gd name="connisteX56" fmla="*/ 2437130 w 3060700"/>
+              <a:gd name="connsiteY56" fmla="*/ 151192 h 377887"/>
+              <a:gd name="connisteX57" fmla="*/ 2503805 w 3060700"/>
+              <a:gd name="connsiteY57" fmla="*/ 132777 h 377887"/>
+              <a:gd name="connisteX58" fmla="*/ 2569845 w 3060700"/>
+              <a:gd name="connsiteY58" fmla="*/ 94677 h 377887"/>
+              <a:gd name="connisteX59" fmla="*/ 2635885 w 3060700"/>
+              <a:gd name="connsiteY59" fmla="*/ 66737 h 377887"/>
+              <a:gd name="connisteX60" fmla="*/ 2701925 w 3060700"/>
+              <a:gd name="connsiteY60" fmla="*/ 66737 h 377887"/>
+              <a:gd name="connisteX61" fmla="*/ 2767965 w 3060700"/>
+              <a:gd name="connsiteY61" fmla="*/ 132777 h 377887"/>
+              <a:gd name="connisteX62" fmla="*/ 2814955 w 3060700"/>
+              <a:gd name="connsiteY62" fmla="*/ 198817 h 377887"/>
+              <a:gd name="connisteX63" fmla="*/ 2881630 w 3060700"/>
+              <a:gd name="connsiteY63" fmla="*/ 217867 h 377887"/>
+              <a:gd name="connisteX64" fmla="*/ 2947670 w 3060700"/>
+              <a:gd name="connsiteY64" fmla="*/ 160717 h 377887"/>
+              <a:gd name="connisteX65" fmla="*/ 3013710 w 3060700"/>
+              <a:gd name="connsiteY65" fmla="*/ 170242 h 377887"/>
+              <a:gd name="connisteX66" fmla="*/ 3060700 w 3060700"/>
+              <a:gd name="connsiteY66" fmla="*/ 236282 h 377887"/>
+            </a:gdLst>
+            <a:ahLst/>
+            <a:cxnLst>
+              <a:cxn ang="0">
+                <a:pos x="connisteX0" y="connsiteY0"/>
+              </a:cxn>
+              <a:cxn ang="0">
+                <a:pos x="connisteX1" y="connsiteY1"/>
+              </a:cxn>
+              <a:cxn ang="0">
+                <a:pos x="connisteX2" y="connsiteY2"/>
+              </a:cxn>
+              <a:cxn ang="0">
+                <a:pos x="connisteX3" y="connsiteY3"/>
+              </a:cxn>
+              <a:cxn ang="0">
+                <a:pos x="connisteX4" y="connsiteY4"/>
+              </a:cxn>
+              <a:cxn ang="0">
+                <a:pos x="connisteX5" y="connsiteY5"/>
+              </a:cxn>
+              <a:cxn ang="0">
+                <a:pos x="connisteX6" y="connsiteY6"/>
+              </a:cxn>
+              <a:cxn ang="0">
+                <a:pos x="connisteX7" y="connsiteY7"/>
+              </a:cxn>
+              <a:cxn ang="0">
+                <a:pos x="connisteX8" y="connsiteY8"/>
+              </a:cxn>
+              <a:cxn ang="0">
+                <a:pos x="connisteX9" y="connsiteY9"/>
+              </a:cxn>
+              <a:cxn ang="0">
+                <a:pos x="connisteX10" y="connsiteY10"/>
+              </a:cxn>
+              <a:cxn ang="0">
+                <a:pos x="connisteX11" y="connsiteY11"/>
+              </a:cxn>
+              <a:cxn ang="0">
+                <a:pos x="connisteX12" y="connsiteY12"/>
+              </a:cxn>
+              <a:cxn ang="0">
+                <a:pos x="connisteX13" y="connsiteY13"/>
+              </a:cxn>
+              <a:cxn ang="0">
+                <a:pos x="connisteX14" y="connsiteY14"/>
+              </a:cxn>
+              <a:cxn ang="0">
+                <a:pos x="connisteX15" y="connsiteY15"/>
+              </a:cxn>
+              <a:cxn ang="0">
+                <a:pos x="connisteX16" y="connsiteY16"/>
+              </a:cxn>
+              <a:cxn ang="0">
+                <a:pos x="connisteX17" y="connsiteY17"/>
+              </a:cxn>
+              <a:cxn ang="0">
+                <a:pos x="connisteX18" y="connsiteY18"/>
+              </a:cxn>
+              <a:cxn ang="0">
+                <a:pos x="connisteX19" y="connsiteY19"/>
+              </a:cxn>
+              <a:cxn ang="0">
+                <a:pos x="connisteX20" y="connsiteY20"/>
+              </a:cxn>
+              <a:cxn ang="0">
+                <a:pos x="connisteX21" y="connsiteY21"/>
+              </a:cxn>
+              <a:cxn ang="0">
+                <a:pos x="connisteX22" y="connsiteY22"/>
+              </a:cxn>
+              <a:cxn ang="0">
+                <a:pos x="connisteX23" y="connsiteY23"/>
+              </a:cxn>
+              <a:cxn ang="0">
+                <a:pos x="connisteX24" y="connsiteY24"/>
+              </a:cxn>
+              <a:cxn ang="0">
+                <a:pos x="connisteX25" y="connsiteY25"/>
+              </a:cxn>
+              <a:cxn ang="0">
+                <a:pos x="connisteX26" y="connsiteY26"/>
+              </a:cxn>
+              <a:cxn ang="0">
+                <a:pos x="connisteX27" y="connsiteY27"/>
+              </a:cxn>
+              <a:cxn ang="0">
+                <a:pos x="connisteX28" y="connsiteY28"/>
+              </a:cxn>
+              <a:cxn ang="0">
+                <a:pos x="connisteX29" y="connsiteY29"/>
+              </a:cxn>
+              <a:cxn ang="0">
+                <a:pos x="connisteX30" y="connsiteY30"/>
+              </a:cxn>
+              <a:cxn ang="0">
+                <a:pos x="connisteX31" y="connsiteY31"/>
+              </a:cxn>
+              <a:cxn ang="0">
+                <a:pos x="connisteX32" y="connsiteY32"/>
+              </a:cxn>
+              <a:cxn ang="0">
+                <a:pos x="connisteX33" y="connsiteY33"/>
+              </a:cxn>
+              <a:cxn ang="0">
+                <a:pos x="connisteX34" y="connsiteY34"/>
+              </a:cxn>
+              <a:cxn ang="0">
+                <a:pos x="connisteX35" y="connsiteY35"/>
+              </a:cxn>
+              <a:cxn ang="0">
+                <a:pos x="connisteX36" y="connsiteY36"/>
+              </a:cxn>
+              <a:cxn ang="0">
+                <a:pos x="connisteX37" y="connsiteY37"/>
+              </a:cxn>
+              <a:cxn ang="0">
+                <a:pos x="connisteX38" y="connsiteY38"/>
+              </a:cxn>
+              <a:cxn ang="0">
+                <a:pos x="connisteX39" y="connsiteY39"/>
+              </a:cxn>
+              <a:cxn ang="0">
+                <a:pos x="connisteX40" y="connsiteY40"/>
+              </a:cxn>
+              <a:cxn ang="0">
+                <a:pos x="connisteX41" y="connsiteY41"/>
+              </a:cxn>
+              <a:cxn ang="0">
+                <a:pos x="connisteX42" y="connsiteY42"/>
+              </a:cxn>
+              <a:cxn ang="0">
+                <a:pos x="connisteX43" y="connsiteY43"/>
+              </a:cxn>
+              <a:cxn ang="0">
+                <a:pos x="connisteX44" y="connsiteY44"/>
+              </a:cxn>
+              <a:cxn ang="0">
+                <a:pos x="connisteX45" y="connsiteY45"/>
+              </a:cxn>
+              <a:cxn ang="0">
+                <a:pos x="connisteX46" y="connsiteY46"/>
+              </a:cxn>
+              <a:cxn ang="0">
+                <a:pos x="connisteX47" y="connsiteY47"/>
+              </a:cxn>
+              <a:cxn ang="0">
+                <a:pos x="connisteX48" y="connsiteY48"/>
+              </a:cxn>
+              <a:cxn ang="0">
+                <a:pos x="connisteX49" y="connsiteY49"/>
+              </a:cxn>
+              <a:cxn ang="0">
+                <a:pos x="connisteX50" y="connsiteY50"/>
+              </a:cxn>
+              <a:cxn ang="0">
+                <a:pos x="connisteX51" y="connsiteY51"/>
+              </a:cxn>
+              <a:cxn ang="0">
+                <a:pos x="connisteX52" y="connsiteY52"/>
+              </a:cxn>
+              <a:cxn ang="0">
+                <a:pos x="connisteX53" y="connsiteY53"/>
+              </a:cxn>
+              <a:cxn ang="0">
+                <a:pos x="connisteX54" y="connsiteY54"/>
+              </a:cxn>
+              <a:cxn ang="0">
+                <a:pos x="connisteX55" y="connsiteY55"/>
+              </a:cxn>
+              <a:cxn ang="0">
+                <a:pos x="connisteX56" y="connsiteY56"/>
+              </a:cxn>
+              <a:cxn ang="0">
+                <a:pos x="connisteX57" y="connsiteY57"/>
+              </a:cxn>
+              <a:cxn ang="0">
+                <a:pos x="connisteX58" y="connsiteY58"/>
+              </a:cxn>
+              <a:cxn ang="0">
+                <a:pos x="connisteX59" y="connsiteY59"/>
+              </a:cxn>
+              <a:cxn ang="0">
+                <a:pos x="connisteX60" y="connsiteY60"/>
+              </a:cxn>
+              <a:cxn ang="0">
+                <a:pos x="connisteX61" y="connsiteY61"/>
+              </a:cxn>
+              <a:cxn ang="0">
+                <a:pos x="connisteX62" y="connsiteY62"/>
+              </a:cxn>
+              <a:cxn ang="0">
+                <a:pos x="connisteX63" y="connsiteY63"/>
+              </a:cxn>
+              <a:cxn ang="0">
+                <a:pos x="connisteX64" y="connsiteY64"/>
+              </a:cxn>
+              <a:cxn ang="0">
+                <a:pos x="connisteX65" y="connsiteY65"/>
+              </a:cxn>
+              <a:cxn ang="0">
+                <a:pos x="connisteX66" y="connsiteY66"/>
+              </a:cxn>
+            </a:cxnLst>
+            <a:rect l="l" t="t" r="r" b="b"/>
+            <a:pathLst>
+              <a:path w="3060700" h="377888">
+                <a:moveTo>
+                  <a:pt x="0" y="198818"/>
+                </a:moveTo>
+                <a:cubicBezTo>
+                  <a:pt x="12065" y="186753"/>
+                  <a:pt x="41910" y="159448"/>
+                  <a:pt x="66675" y="132778"/>
+                </a:cubicBezTo>
+                <a:cubicBezTo>
+                  <a:pt x="91440" y="106108"/>
+                  <a:pt x="100330" y="93408"/>
+                  <a:pt x="123190" y="66738"/>
+                </a:cubicBezTo>
+                <a:cubicBezTo>
+                  <a:pt x="146050" y="40068"/>
+                  <a:pt x="158750" y="63"/>
+                  <a:pt x="179705" y="63"/>
+                </a:cubicBezTo>
+                <a:cubicBezTo>
+                  <a:pt x="200660" y="63"/>
+                  <a:pt x="209550" y="38163"/>
+                  <a:pt x="226695" y="66738"/>
+                </a:cubicBezTo>
+                <a:cubicBezTo>
+                  <a:pt x="243840" y="95313"/>
+                  <a:pt x="249555" y="113728"/>
+                  <a:pt x="264795" y="142303"/>
+                </a:cubicBezTo>
+                <a:cubicBezTo>
+                  <a:pt x="280035" y="170878"/>
+                  <a:pt x="290830" y="208343"/>
+                  <a:pt x="302260" y="208343"/>
+                </a:cubicBezTo>
+                <a:cubicBezTo>
+                  <a:pt x="313690" y="208343"/>
+                  <a:pt x="315595" y="168973"/>
+                  <a:pt x="321310" y="142303"/>
+                </a:cubicBezTo>
+                <a:cubicBezTo>
+                  <a:pt x="327025" y="115633"/>
+                  <a:pt x="323215" y="102298"/>
+                  <a:pt x="330835" y="75628"/>
+                </a:cubicBezTo>
+                <a:cubicBezTo>
+                  <a:pt x="338455" y="48958"/>
+                  <a:pt x="340360" y="9588"/>
+                  <a:pt x="359410" y="9588"/>
+                </a:cubicBezTo>
+                <a:cubicBezTo>
+                  <a:pt x="378460" y="9588"/>
+                  <a:pt x="404495" y="48958"/>
+                  <a:pt x="425450" y="75628"/>
+                </a:cubicBezTo>
+                <a:cubicBezTo>
+                  <a:pt x="446405" y="102298"/>
+                  <a:pt x="447675" y="115633"/>
+                  <a:pt x="462915" y="142303"/>
+                </a:cubicBezTo>
+                <a:cubicBezTo>
+                  <a:pt x="478155" y="168973"/>
+                  <a:pt x="485775" y="210248"/>
+                  <a:pt x="501015" y="208343"/>
+                </a:cubicBezTo>
+                <a:cubicBezTo>
+                  <a:pt x="516255" y="206438"/>
+                  <a:pt x="523240" y="161353"/>
+                  <a:pt x="538480" y="132778"/>
+                </a:cubicBezTo>
+                <a:cubicBezTo>
+                  <a:pt x="553720" y="104203"/>
+                  <a:pt x="557530" y="93408"/>
+                  <a:pt x="576580" y="66738"/>
+                </a:cubicBezTo>
+                <a:cubicBezTo>
+                  <a:pt x="595630" y="40068"/>
+                  <a:pt x="615950" y="-1842"/>
+                  <a:pt x="633095" y="63"/>
+                </a:cubicBezTo>
+                <a:cubicBezTo>
+                  <a:pt x="650240" y="1968"/>
+                  <a:pt x="648335" y="47053"/>
+                  <a:pt x="661670" y="75628"/>
+                </a:cubicBezTo>
+                <a:cubicBezTo>
+                  <a:pt x="675005" y="104203"/>
+                  <a:pt x="678180" y="140398"/>
+                  <a:pt x="699135" y="142303"/>
+                </a:cubicBezTo>
+                <a:cubicBezTo>
+                  <a:pt x="720090" y="144208"/>
+                  <a:pt x="744220" y="109918"/>
+                  <a:pt x="765175" y="85153"/>
+                </a:cubicBezTo>
+                <a:cubicBezTo>
+                  <a:pt x="786130" y="60388"/>
+                  <a:pt x="782320" y="17208"/>
+                  <a:pt x="803275" y="19113"/>
+                </a:cubicBezTo>
+                <a:cubicBezTo>
+                  <a:pt x="824230" y="21018"/>
+                  <a:pt x="850265" y="66103"/>
+                  <a:pt x="869315" y="94678"/>
+                </a:cubicBezTo>
+                <a:cubicBezTo>
+                  <a:pt x="888365" y="123253"/>
+                  <a:pt x="880745" y="160718"/>
+                  <a:pt x="897890" y="160718"/>
+                </a:cubicBezTo>
+                <a:cubicBezTo>
+                  <a:pt x="915035" y="160718"/>
+                  <a:pt x="935355" y="121348"/>
+                  <a:pt x="954405" y="94678"/>
+                </a:cubicBezTo>
+                <a:cubicBezTo>
+                  <a:pt x="973455" y="68008"/>
+                  <a:pt x="972820" y="28638"/>
+                  <a:pt x="991870" y="28638"/>
+                </a:cubicBezTo>
+                <a:cubicBezTo>
+                  <a:pt x="1010920" y="28638"/>
+                  <a:pt x="1031875" y="68008"/>
+                  <a:pt x="1049020" y="94678"/>
+                </a:cubicBezTo>
+                <a:cubicBezTo>
+                  <a:pt x="1066165" y="121348"/>
+                  <a:pt x="1065530" y="132143"/>
+                  <a:pt x="1076960" y="160718"/>
+                </a:cubicBezTo>
+                <a:cubicBezTo>
+                  <a:pt x="1088390" y="189293"/>
+                  <a:pt x="1094105" y="207708"/>
+                  <a:pt x="1105535" y="236283"/>
+                </a:cubicBezTo>
+                <a:cubicBezTo>
+                  <a:pt x="1116965" y="264858"/>
+                  <a:pt x="1122680" y="302323"/>
+                  <a:pt x="1134110" y="302323"/>
+                </a:cubicBezTo>
+                <a:cubicBezTo>
+                  <a:pt x="1145540" y="302323"/>
+                  <a:pt x="1148715" y="262953"/>
+                  <a:pt x="1162050" y="236283"/>
+                </a:cubicBezTo>
+                <a:cubicBezTo>
+                  <a:pt x="1175385" y="209613"/>
+                  <a:pt x="1181100" y="196913"/>
+                  <a:pt x="1200150" y="170243"/>
+                </a:cubicBezTo>
+                <a:cubicBezTo>
+                  <a:pt x="1219200" y="143573"/>
+                  <a:pt x="1235710" y="130873"/>
+                  <a:pt x="1256665" y="104203"/>
+                </a:cubicBezTo>
+                <a:cubicBezTo>
+                  <a:pt x="1277620" y="77533"/>
+                  <a:pt x="1280795" y="51498"/>
+                  <a:pt x="1303655" y="38163"/>
+                </a:cubicBezTo>
+                <a:cubicBezTo>
+                  <a:pt x="1326515" y="24828"/>
+                  <a:pt x="1343025" y="38163"/>
+                  <a:pt x="1369695" y="38163"/>
+                </a:cubicBezTo>
+                <a:cubicBezTo>
+                  <a:pt x="1396365" y="38163"/>
+                  <a:pt x="1409700" y="38163"/>
+                  <a:pt x="1436370" y="38163"/>
+                </a:cubicBezTo>
+                <a:cubicBezTo>
+                  <a:pt x="1463040" y="38163"/>
+                  <a:pt x="1477645" y="24828"/>
+                  <a:pt x="1502410" y="38163"/>
+                </a:cubicBezTo>
+                <a:cubicBezTo>
+                  <a:pt x="1527175" y="51498"/>
+                  <a:pt x="1539875" y="77533"/>
+                  <a:pt x="1558925" y="104203"/>
+                </a:cubicBezTo>
+                <a:cubicBezTo>
+                  <a:pt x="1577975" y="130873"/>
+                  <a:pt x="1579245" y="143573"/>
+                  <a:pt x="1596390" y="170243"/>
+                </a:cubicBezTo>
+                <a:cubicBezTo>
+                  <a:pt x="1613535" y="196913"/>
+                  <a:pt x="1628775" y="236283"/>
+                  <a:pt x="1644015" y="236283"/>
+                </a:cubicBezTo>
+                <a:cubicBezTo>
+                  <a:pt x="1659255" y="236283"/>
+                  <a:pt x="1664335" y="196913"/>
+                  <a:pt x="1671955" y="170243"/>
+                </a:cubicBezTo>
+                <a:cubicBezTo>
+                  <a:pt x="1679575" y="143573"/>
+                  <a:pt x="1670050" y="104203"/>
+                  <a:pt x="1681480" y="104203"/>
+                </a:cubicBezTo>
+                <a:cubicBezTo>
+                  <a:pt x="1692910" y="104203"/>
+                  <a:pt x="1708150" y="143573"/>
+                  <a:pt x="1729105" y="170243"/>
+                </a:cubicBezTo>
+                <a:cubicBezTo>
+                  <a:pt x="1750060" y="196913"/>
+                  <a:pt x="1768475" y="207708"/>
+                  <a:pt x="1785620" y="236283"/>
+                </a:cubicBezTo>
+                <a:cubicBezTo>
+                  <a:pt x="1802765" y="264858"/>
+                  <a:pt x="1802765" y="283273"/>
+                  <a:pt x="1814195" y="311848"/>
+                </a:cubicBezTo>
+                <a:cubicBezTo>
+                  <a:pt x="1825625" y="340423"/>
+                  <a:pt x="1834515" y="377888"/>
+                  <a:pt x="1842135" y="377888"/>
+                </a:cubicBezTo>
+                <a:cubicBezTo>
+                  <a:pt x="1849755" y="377888"/>
+                  <a:pt x="1847850" y="338518"/>
+                  <a:pt x="1851660" y="311848"/>
+                </a:cubicBezTo>
+                <a:cubicBezTo>
+                  <a:pt x="1855470" y="285178"/>
+                  <a:pt x="1859280" y="272478"/>
+                  <a:pt x="1861185" y="245808"/>
+                </a:cubicBezTo>
+                <a:cubicBezTo>
+                  <a:pt x="1863090" y="219138"/>
+                  <a:pt x="1861185" y="206438"/>
+                  <a:pt x="1861185" y="179768"/>
+                </a:cubicBezTo>
+                <a:cubicBezTo>
+                  <a:pt x="1861185" y="153098"/>
+                  <a:pt x="1847850" y="138493"/>
+                  <a:pt x="1861185" y="113728"/>
+                </a:cubicBezTo>
+                <a:cubicBezTo>
+                  <a:pt x="1874520" y="88963"/>
+                  <a:pt x="1900555" y="66738"/>
+                  <a:pt x="1927225" y="57213"/>
+                </a:cubicBezTo>
+                <a:cubicBezTo>
+                  <a:pt x="1953895" y="47688"/>
+                  <a:pt x="1966595" y="62928"/>
+                  <a:pt x="1993265" y="66738"/>
+                </a:cubicBezTo>
+                <a:cubicBezTo>
+                  <a:pt x="2019935" y="70548"/>
+                  <a:pt x="2034540" y="60388"/>
+                  <a:pt x="2059305" y="75628"/>
+                </a:cubicBezTo>
+                <a:cubicBezTo>
+                  <a:pt x="2084070" y="90868"/>
+                  <a:pt x="2091690" y="130873"/>
+                  <a:pt x="2116455" y="142303"/>
+                </a:cubicBezTo>
+                <a:cubicBezTo>
+                  <a:pt x="2141220" y="153733"/>
+                  <a:pt x="2157730" y="148018"/>
+                  <a:pt x="2182495" y="132778"/>
+                </a:cubicBezTo>
+                <a:cubicBezTo>
+                  <a:pt x="2207260" y="117538"/>
+                  <a:pt x="2214245" y="76263"/>
+                  <a:pt x="2239010" y="66738"/>
+                </a:cubicBezTo>
+                <a:cubicBezTo>
+                  <a:pt x="2263775" y="57213"/>
+                  <a:pt x="2278380" y="68008"/>
+                  <a:pt x="2305050" y="85153"/>
+                </a:cubicBezTo>
+                <a:cubicBezTo>
+                  <a:pt x="2331720" y="102298"/>
+                  <a:pt x="2344420" y="137858"/>
+                  <a:pt x="2371090" y="151193"/>
+                </a:cubicBezTo>
+                <a:cubicBezTo>
+                  <a:pt x="2397760" y="164528"/>
+                  <a:pt x="2410460" y="155003"/>
+                  <a:pt x="2437130" y="151193"/>
+                </a:cubicBezTo>
+                <a:cubicBezTo>
+                  <a:pt x="2463800" y="147383"/>
+                  <a:pt x="2477135" y="144208"/>
+                  <a:pt x="2503805" y="132778"/>
+                </a:cubicBezTo>
+                <a:cubicBezTo>
+                  <a:pt x="2530475" y="121348"/>
+                  <a:pt x="2543175" y="108013"/>
+                  <a:pt x="2569845" y="94678"/>
+                </a:cubicBezTo>
+                <a:cubicBezTo>
+                  <a:pt x="2596515" y="81343"/>
+                  <a:pt x="2609215" y="72453"/>
+                  <a:pt x="2635885" y="66738"/>
+                </a:cubicBezTo>
+                <a:cubicBezTo>
+                  <a:pt x="2662555" y="61023"/>
+                  <a:pt x="2675255" y="53403"/>
+                  <a:pt x="2701925" y="66738"/>
+                </a:cubicBezTo>
+                <a:cubicBezTo>
+                  <a:pt x="2728595" y="80073"/>
+                  <a:pt x="2745105" y="106108"/>
+                  <a:pt x="2767965" y="132778"/>
+                </a:cubicBezTo>
+                <a:cubicBezTo>
+                  <a:pt x="2790825" y="159448"/>
+                  <a:pt x="2792095" y="181673"/>
+                  <a:pt x="2814955" y="198818"/>
+                </a:cubicBezTo>
+                <a:cubicBezTo>
+                  <a:pt x="2837815" y="215963"/>
+                  <a:pt x="2854960" y="225488"/>
+                  <a:pt x="2881630" y="217868"/>
+                </a:cubicBezTo>
+                <a:cubicBezTo>
+                  <a:pt x="2908300" y="210248"/>
+                  <a:pt x="2921000" y="170243"/>
+                  <a:pt x="2947670" y="160718"/>
+                </a:cubicBezTo>
+                <a:cubicBezTo>
+                  <a:pt x="2974340" y="151193"/>
+                  <a:pt x="2990850" y="155003"/>
+                  <a:pt x="3013710" y="170243"/>
+                </a:cubicBezTo>
+                <a:cubicBezTo>
+                  <a:pt x="3036570" y="185483"/>
+                  <a:pt x="3052445" y="222948"/>
+                  <a:pt x="3060700" y="236283"/>
+                </a:cubicBezTo>
+              </a:path>
+            </a:pathLst>
+          </a:custGeom>
+        </p:spPr>
+        <p:style>
+          <a:lnRef idx="3">
+            <a:schemeClr val="accent4"/>
+          </a:lnRef>
+          <a:fillRef idx="0">
+            <a:srgbClr val="FFFFFF"/>
+          </a:fillRef>
+          <a:effectRef idx="0">
+            <a:srgbClr val="FFFFFF"/>
+          </a:effectRef>
+          <a:fontRef idx="minor">
+            <a:schemeClr val="tx1"/>
+          </a:fontRef>
+        </p:style>
+        <p:txBody>
+          <a:bodyPr rtlCol="0" anchor="ctr"/>
+          <a:p>
+            <a:pPr algn="ctr"/>
+            <a:endParaRPr lang="zh-CN" altLang="en-US"/>
+          </a:p>
+        </p:txBody>
+      </p:sp>
+      <p:sp>
+        <p:nvSpPr>
+          <p:cNvPr id="2" name="文本框 1"/>
+          <p:cNvSpPr txBox="1"/>
+          <p:nvPr/>
+        </p:nvSpPr>
+        <p:spPr>
+          <a:xfrm>
+            <a:off x="4890135" y="4966970"/>
+            <a:ext cx="2552065" cy="368300"/>
+          </a:xfrm>
+          <a:prstGeom prst="rect">
+            <a:avLst/>
+          </a:prstGeom>
+          <a:solidFill>
+            <a:schemeClr val="accent4">
+              <a:lumMod val="40000"/>
+              <a:lumOff val="60000"/>
+            </a:schemeClr>
+          </a:solidFill>
+        </p:spPr>
+        <p:txBody>
+          <a:bodyPr wrap="square">
+            <a:spAutoFit/>
+            <a:extLst>
+              <a:ext uri="{4A0BC546-FE56-4ADE-93B0-CB8AF2F6F144}">
+                <wpsdc:textFrameExt xmlns:wpsdc="http://www.wps.cn/officeDocument/2022/drawingmlCustomData" type="text"/>
+              </a:ext>
+            </a:extLst>
+          </a:bodyPr>
+          <a:p>
+            <a:pPr algn="ctr"/>
+            <a:r>
+              <a:rPr lang="en-US" altLang="zh-CN" sz="1800">
+                <a:latin typeface="Arial" panose="020B0604020202020204" pitchFamily="34" charset="0"/>
+                <a:ea typeface="微软雅黑" panose="020B0503020204020204" charset="-122"/>
+              </a:rPr>
+              <a:t>C</a:t>
+            </a:r>
+            <a:r>
+              <a:rPr lang="en-US" altLang="zh-CN" sz="1800">
+                <a:latin typeface="Arial" panose="020B0604020202020204" pitchFamily="34" charset="0"/>
+                <a:ea typeface="微软雅黑" panose="020B0503020204020204" charset="-122"/>
+              </a:rPr>
+              <a:t>hannel Independence</a:t>
+            </a:r>
+            <a:endParaRPr lang="en-US" altLang="zh-CN" sz="1800">
+              <a:latin typeface="Arial" panose="020B0604020202020204" pitchFamily="34" charset="0"/>
+              <a:ea typeface="微软雅黑" panose="020B0503020204020204" charset="-122"/>
+            </a:endParaRPr>
+          </a:p>
+        </p:txBody>
+      </p:sp>
+      <p:sp>
+        <p:nvSpPr>
+          <p:cNvPr id="5" name="文本框 4"/>
+          <p:cNvSpPr txBox="1"/>
+          <p:nvPr/>
+        </p:nvSpPr>
+        <p:spPr>
+          <a:xfrm>
+            <a:off x="4890135" y="4215765"/>
+            <a:ext cx="2552065" cy="368300"/>
+          </a:xfrm>
+          <a:prstGeom prst="rect">
+            <a:avLst/>
+          </a:prstGeom>
+          <a:solidFill>
+            <a:schemeClr val="accent4">
+              <a:lumMod val="40000"/>
+              <a:lumOff val="60000"/>
+            </a:schemeClr>
+          </a:solidFill>
+        </p:spPr>
+        <p:txBody>
+          <a:bodyPr wrap="square">
+            <a:spAutoFit/>
+            <a:extLst>
+              <a:ext uri="{4A0BC546-FE56-4ADE-93B0-CB8AF2F6F144}">
+                <wpsdc:textFrameExt xmlns:wpsdc="http://www.wps.cn/officeDocument/2022/drawingmlCustomData" type="text"/>
+              </a:ext>
+            </a:extLst>
+          </a:bodyPr>
+          <a:p>
+            <a:pPr algn="ctr"/>
+            <a:r>
+              <a:rPr lang="en-US" altLang="zh-CN" sz="1800">
+                <a:latin typeface="Arial" panose="020B0604020202020204" pitchFamily="34" charset="0"/>
+                <a:ea typeface="微软雅黑" panose="020B0503020204020204" charset="-122"/>
+              </a:rPr>
+              <a:t>FTT</a:t>
+            </a:r>
+            <a:endParaRPr lang="en-US" altLang="zh-CN" sz="1800">
+              <a:latin typeface="Arial" panose="020B0604020202020204" pitchFamily="34" charset="0"/>
+              <a:ea typeface="微软雅黑" panose="020B0503020204020204" charset="-122"/>
+            </a:endParaRPr>
+          </a:p>
+        </p:txBody>
+      </p:sp>
+      <p:sp>
+        <p:nvSpPr>
+          <p:cNvPr id="6" name="文本框 5"/>
+          <p:cNvSpPr txBox="1"/>
+          <p:nvPr/>
+        </p:nvSpPr>
+        <p:spPr>
+          <a:xfrm>
+            <a:off x="4903470" y="3448685"/>
+            <a:ext cx="2552065" cy="368300"/>
+          </a:xfrm>
+          <a:prstGeom prst="rect">
+            <a:avLst/>
+          </a:prstGeom>
+          <a:solidFill>
+            <a:schemeClr val="accent4">
+              <a:lumMod val="40000"/>
+              <a:lumOff val="60000"/>
+            </a:schemeClr>
+          </a:solidFill>
+        </p:spPr>
+        <p:txBody>
+          <a:bodyPr wrap="square">
+            <a:spAutoFit/>
+            <a:extLst>
+              <a:ext uri="{4A0BC546-FE56-4ADE-93B0-CB8AF2F6F144}">
+                <wpsdc:textFrameExt xmlns:wpsdc="http://www.wps.cn/officeDocument/2022/drawingmlCustomData" type="text"/>
+              </a:ext>
+            </a:extLst>
+          </a:bodyPr>
+          <a:p>
+            <a:pPr algn="ctr"/>
+            <a:r>
+              <a:rPr lang="en-US" altLang="zh-CN" sz="1800">
+                <a:latin typeface="Arial" panose="020B0604020202020204" pitchFamily="34" charset="0"/>
+                <a:ea typeface="微软雅黑" panose="020B0503020204020204" charset="-122"/>
+              </a:rPr>
+              <a:t>Mask Dominant Period</a:t>
+            </a:r>
+            <a:endParaRPr lang="en-US" altLang="zh-CN" sz="1800">
+              <a:latin typeface="Arial" panose="020B0604020202020204" pitchFamily="34" charset="0"/>
+              <a:ea typeface="微软雅黑" panose="020B0503020204020204" charset="-122"/>
+            </a:endParaRPr>
+          </a:p>
+        </p:txBody>
+      </p:sp>
+      <p:sp>
+        <p:nvSpPr>
+          <p:cNvPr id="7" name="文本框 6"/>
+          <p:cNvSpPr txBox="1"/>
+          <p:nvPr/>
+        </p:nvSpPr>
+        <p:spPr>
+          <a:xfrm>
+            <a:off x="4903470" y="2610485"/>
+            <a:ext cx="2552065" cy="368300"/>
+          </a:xfrm>
+          <a:prstGeom prst="rect">
+            <a:avLst/>
+          </a:prstGeom>
+          <a:solidFill>
+            <a:schemeClr val="accent4">
+              <a:lumMod val="40000"/>
+              <a:lumOff val="60000"/>
+            </a:schemeClr>
+          </a:solidFill>
+        </p:spPr>
+        <p:txBody>
+          <a:bodyPr wrap="square">
+            <a:spAutoFit/>
+            <a:extLst>
+              <a:ext uri="{4A0BC546-FE56-4ADE-93B0-CB8AF2F6F144}">
+                <wpsdc:textFrameExt xmlns:wpsdc="http://www.wps.cn/officeDocument/2022/drawingmlCustomData" type="text"/>
+              </a:ext>
+            </a:extLst>
+          </a:bodyPr>
+          <a:p>
+            <a:pPr algn="ctr"/>
+            <a:r>
+              <a:rPr lang="en-US" altLang="zh-CN" sz="1800">
+                <a:latin typeface="Arial" panose="020B0604020202020204" pitchFamily="34" charset="0"/>
+                <a:ea typeface="微软雅黑" panose="020B0503020204020204" charset="-122"/>
+              </a:rPr>
+              <a:t>Multi-Scale Patching</a:t>
+            </a:r>
+            <a:endParaRPr lang="en-US" altLang="zh-CN" sz="1800">
+              <a:latin typeface="Arial" panose="020B0604020202020204" pitchFamily="34" charset="0"/>
+              <a:ea typeface="微软雅黑" panose="020B0503020204020204" charset="-122"/>
+            </a:endParaRPr>
+          </a:p>
+        </p:txBody>
+      </p:sp>
+      <p:sp>
+        <p:nvSpPr>
+          <p:cNvPr id="9" name="任意多边形 8"/>
+          <p:cNvSpPr/>
+          <p:nvPr/>
+        </p:nvSpPr>
+        <p:spPr>
+          <a:xfrm>
+            <a:off x="802005" y="4966970"/>
+            <a:ext cx="2925445" cy="219710"/>
+          </a:xfrm>
+          <a:custGeom>
+            <a:avLst/>
+            <a:gdLst>
+              <a:gd name="connisteX0" fmla="*/ 0 w 3022600"/>
+              <a:gd name="connsiteY0" fmla="*/ 201339 h 201339"/>
+              <a:gd name="connisteX1" fmla="*/ 38100 w 3022600"/>
+              <a:gd name="connsiteY1" fmla="*/ 135299 h 201339"/>
+              <a:gd name="connisteX2" fmla="*/ 75565 w 3022600"/>
+              <a:gd name="connsiteY2" fmla="*/ 69259 h 201339"/>
+              <a:gd name="connisteX3" fmla="*/ 141605 w 3022600"/>
+              <a:gd name="connsiteY3" fmla="*/ 21634 h 201339"/>
+              <a:gd name="connisteX4" fmla="*/ 207645 w 3022600"/>
+              <a:gd name="connsiteY4" fmla="*/ 69259 h 201339"/>
+              <a:gd name="connisteX5" fmla="*/ 273685 w 3022600"/>
+              <a:gd name="connsiteY5" fmla="*/ 135299 h 201339"/>
+              <a:gd name="connisteX6" fmla="*/ 340360 w 3022600"/>
+              <a:gd name="connsiteY6" fmla="*/ 191814 h 201339"/>
+              <a:gd name="connisteX7" fmla="*/ 387350 w 3022600"/>
+              <a:gd name="connsiteY7" fmla="*/ 125774 h 201339"/>
+              <a:gd name="connisteX8" fmla="*/ 453390 w 3022600"/>
+              <a:gd name="connsiteY8" fmla="*/ 78784 h 201339"/>
+              <a:gd name="connisteX9" fmla="*/ 519430 w 3022600"/>
+              <a:gd name="connsiteY9" fmla="*/ 116249 h 201339"/>
+              <a:gd name="connisteX10" fmla="*/ 585470 w 3022600"/>
+              <a:gd name="connsiteY10" fmla="*/ 144824 h 201339"/>
+              <a:gd name="connisteX11" fmla="*/ 652145 w 3022600"/>
+              <a:gd name="connsiteY11" fmla="*/ 172764 h 201339"/>
+              <a:gd name="connisteX12" fmla="*/ 718185 w 3022600"/>
+              <a:gd name="connsiteY12" fmla="*/ 163239 h 201339"/>
+              <a:gd name="connisteX13" fmla="*/ 774700 w 3022600"/>
+              <a:gd name="connsiteY13" fmla="*/ 97199 h 201339"/>
+              <a:gd name="connisteX14" fmla="*/ 840740 w 3022600"/>
+              <a:gd name="connsiteY14" fmla="*/ 69259 h 201339"/>
+              <a:gd name="connisteX15" fmla="*/ 906780 w 3022600"/>
+              <a:gd name="connsiteY15" fmla="*/ 40684 h 201339"/>
+              <a:gd name="connisteX16" fmla="*/ 972820 w 3022600"/>
+              <a:gd name="connsiteY16" fmla="*/ 40684 h 201339"/>
+              <a:gd name="connisteX17" fmla="*/ 1038860 w 3022600"/>
+              <a:gd name="connsiteY17" fmla="*/ 59734 h 201339"/>
+              <a:gd name="connisteX18" fmla="*/ 1105535 w 3022600"/>
+              <a:gd name="connsiteY18" fmla="*/ 69259 h 201339"/>
+              <a:gd name="connisteX19" fmla="*/ 1133475 w 3022600"/>
+              <a:gd name="connsiteY19" fmla="*/ 135299 h 201339"/>
+              <a:gd name="connisteX20" fmla="*/ 1209040 w 3022600"/>
+              <a:gd name="connsiteY20" fmla="*/ 144824 h 201339"/>
+              <a:gd name="connisteX21" fmla="*/ 1275080 w 3022600"/>
+              <a:gd name="connsiteY21" fmla="*/ 106724 h 201339"/>
+              <a:gd name="connisteX22" fmla="*/ 1350645 w 3022600"/>
+              <a:gd name="connsiteY22" fmla="*/ 50209 h 201339"/>
+              <a:gd name="connisteX23" fmla="*/ 1416685 w 3022600"/>
+              <a:gd name="connsiteY23" fmla="*/ 40684 h 201339"/>
+              <a:gd name="connisteX24" fmla="*/ 1483360 w 3022600"/>
+              <a:gd name="connsiteY24" fmla="*/ 3219 h 201339"/>
+              <a:gd name="connisteX25" fmla="*/ 1549400 w 3022600"/>
+              <a:gd name="connsiteY25" fmla="*/ 12109 h 201339"/>
+              <a:gd name="connisteX26" fmla="*/ 1615440 w 3022600"/>
+              <a:gd name="connsiteY26" fmla="*/ 69259 h 201339"/>
+              <a:gd name="connisteX27" fmla="*/ 1681480 w 3022600"/>
+              <a:gd name="connsiteY27" fmla="*/ 125774 h 201339"/>
+              <a:gd name="connisteX28" fmla="*/ 1747520 w 3022600"/>
+              <a:gd name="connsiteY28" fmla="*/ 163239 h 201339"/>
+              <a:gd name="connisteX29" fmla="*/ 1813560 w 3022600"/>
+              <a:gd name="connsiteY29" fmla="*/ 172764 h 201339"/>
+              <a:gd name="connisteX30" fmla="*/ 1851660 w 3022600"/>
+              <a:gd name="connsiteY30" fmla="*/ 106724 h 201339"/>
+              <a:gd name="connisteX31" fmla="*/ 1917700 w 3022600"/>
+              <a:gd name="connsiteY31" fmla="*/ 97199 h 201339"/>
+              <a:gd name="connisteX32" fmla="*/ 1983740 w 3022600"/>
+              <a:gd name="connsiteY32" fmla="*/ 87674 h 201339"/>
+              <a:gd name="connisteX33" fmla="*/ 2049780 w 3022600"/>
+              <a:gd name="connsiteY33" fmla="*/ 78784 h 201339"/>
+              <a:gd name="connisteX34" fmla="*/ 2097405 w 3022600"/>
+              <a:gd name="connsiteY34" fmla="*/ 12109 h 201339"/>
+              <a:gd name="connisteX35" fmla="*/ 2163445 w 3022600"/>
+              <a:gd name="connsiteY35" fmla="*/ 50209 h 201339"/>
+              <a:gd name="connisteX36" fmla="*/ 2229485 w 3022600"/>
+              <a:gd name="connsiteY36" fmla="*/ 59734 h 201339"/>
+              <a:gd name="connisteX37" fmla="*/ 2295525 w 3022600"/>
+              <a:gd name="connsiteY37" fmla="*/ 69259 h 201339"/>
+              <a:gd name="connisteX38" fmla="*/ 2361565 w 3022600"/>
+              <a:gd name="connsiteY38" fmla="*/ 125774 h 201339"/>
+              <a:gd name="connisteX39" fmla="*/ 2427605 w 3022600"/>
+              <a:gd name="connsiteY39" fmla="*/ 163239 h 201339"/>
+              <a:gd name="connisteX40" fmla="*/ 2493645 w 3022600"/>
+              <a:gd name="connsiteY40" fmla="*/ 163239 h 201339"/>
+              <a:gd name="connisteX41" fmla="*/ 2559685 w 3022600"/>
+              <a:gd name="connsiteY41" fmla="*/ 154349 h 201339"/>
+              <a:gd name="connisteX42" fmla="*/ 2626360 w 3022600"/>
+              <a:gd name="connsiteY42" fmla="*/ 106724 h 201339"/>
+              <a:gd name="connisteX43" fmla="*/ 2692400 w 3022600"/>
+              <a:gd name="connsiteY43" fmla="*/ 78784 h 201339"/>
+              <a:gd name="connisteX44" fmla="*/ 2758440 w 3022600"/>
+              <a:gd name="connsiteY44" fmla="*/ 69259 h 201339"/>
+              <a:gd name="connisteX45" fmla="*/ 2824480 w 3022600"/>
+              <a:gd name="connsiteY45" fmla="*/ 125774 h 201339"/>
+              <a:gd name="connisteX46" fmla="*/ 2890520 w 3022600"/>
+              <a:gd name="connsiteY46" fmla="*/ 135299 h 201339"/>
+              <a:gd name="connisteX47" fmla="*/ 2956560 w 3022600"/>
+              <a:gd name="connsiteY47" fmla="*/ 106724 h 201339"/>
+              <a:gd name="connisteX48" fmla="*/ 3022600 w 3022600"/>
+              <a:gd name="connsiteY48" fmla="*/ 78784 h 201339"/>
+            </a:gdLst>
+            <a:ahLst/>
+            <a:cxnLst>
+              <a:cxn ang="0">
+                <a:pos x="connisteX0" y="connsiteY0"/>
+              </a:cxn>
+              <a:cxn ang="0">
+                <a:pos x="connisteX1" y="connsiteY1"/>
+              </a:cxn>
+              <a:cxn ang="0">
+                <a:pos x="connisteX2" y="connsiteY2"/>
+              </a:cxn>
+              <a:cxn ang="0">
+                <a:pos x="connisteX3" y="connsiteY3"/>
+              </a:cxn>
+              <a:cxn ang="0">
+                <a:pos x="connisteX4" y="connsiteY4"/>
+              </a:cxn>
+              <a:cxn ang="0">
+                <a:pos x="connisteX5" y="connsiteY5"/>
+              </a:cxn>
+              <a:cxn ang="0">
+                <a:pos x="connisteX6" y="connsiteY6"/>
+              </a:cxn>
+              <a:cxn ang="0">
+                <a:pos x="connisteX7" y="connsiteY7"/>
+              </a:cxn>
+              <a:cxn ang="0">
+                <a:pos x="connisteX8" y="connsiteY8"/>
+              </a:cxn>
+              <a:cxn ang="0">
+                <a:pos x="connisteX9" y="connsiteY9"/>
+              </a:cxn>
+              <a:cxn ang="0">
+                <a:pos x="connisteX10" y="connsiteY10"/>
+              </a:cxn>
+              <a:cxn ang="0">
+                <a:pos x="connisteX11" y="connsiteY11"/>
+              </a:cxn>
+              <a:cxn ang="0">
+                <a:pos x="connisteX12" y="connsiteY12"/>
+              </a:cxn>
+              <a:cxn ang="0">
+                <a:pos x="connisteX13" y="connsiteY13"/>
+              </a:cxn>
+              <a:cxn ang="0">
+                <a:pos x="connisteX14" y="connsiteY14"/>
+              </a:cxn>
+              <a:cxn ang="0">
+                <a:pos x="connisteX15" y="connsiteY15"/>
+              </a:cxn>
+              <a:cxn ang="0">
+                <a:pos x="connisteX16" y="connsiteY16"/>
+              </a:cxn>
+              <a:cxn ang="0">
+                <a:pos x="connisteX17" y="connsiteY17"/>
+              </a:cxn>
+              <a:cxn ang="0">
+                <a:pos x="connisteX18" y="connsiteY18"/>
+              </a:cxn>
+              <a:cxn ang="0">
+                <a:pos x="connisteX19" y="connsiteY19"/>
+              </a:cxn>
+              <a:cxn ang="0">
+                <a:pos x="connisteX20" y="connsiteY20"/>
+              </a:cxn>
+              <a:cxn ang="0">
+                <a:pos x="connisteX21" y="connsiteY21"/>
+              </a:cxn>
+              <a:cxn ang="0">
+                <a:pos x="connisteX22" y="connsiteY22"/>
+              </a:cxn>
+              <a:cxn ang="0">
+                <a:pos x="connisteX23" y="connsiteY23"/>
+              </a:cxn>
+              <a:cxn ang="0">
+                <a:pos x="connisteX24" y="connsiteY24"/>
+              </a:cxn>
+              <a:cxn ang="0">
+                <a:pos x="connisteX25" y="connsiteY25"/>
+              </a:cxn>
+              <a:cxn ang="0">
+                <a:pos x="connisteX26" y="connsiteY26"/>
+              </a:cxn>
+              <a:cxn ang="0">
+                <a:pos x="connisteX27" y="connsiteY27"/>
+              </a:cxn>
+              <a:cxn ang="0">
+                <a:pos x="connisteX28" y="connsiteY28"/>
+              </a:cxn>
+              <a:cxn ang="0">
+                <a:pos x="connisteX29" y="connsiteY29"/>
+              </a:cxn>
+              <a:cxn ang="0">
+                <a:pos x="connisteX30" y="connsiteY30"/>
+              </a:cxn>
+              <a:cxn ang="0">
+                <a:pos x="connisteX31" y="connsiteY31"/>
+              </a:cxn>
+              <a:cxn ang="0">
+                <a:pos x="connisteX32" y="connsiteY32"/>
+              </a:cxn>
+              <a:cxn ang="0">
+                <a:pos x="connisteX33" y="connsiteY33"/>
+              </a:cxn>
+              <a:cxn ang="0">
+                <a:pos x="connisteX34" y="connsiteY34"/>
+              </a:cxn>
+              <a:cxn ang="0">
+                <a:pos x="connisteX35" y="connsiteY35"/>
+              </a:cxn>
+              <a:cxn ang="0">
+                <a:pos x="connisteX36" y="connsiteY36"/>
+              </a:cxn>
+              <a:cxn ang="0">
+                <a:pos x="connisteX37" y="connsiteY37"/>
+              </a:cxn>
+              <a:cxn ang="0">
+                <a:pos x="connisteX38" y="connsiteY38"/>
+              </a:cxn>
+              <a:cxn ang="0">
+                <a:pos x="connisteX39" y="connsiteY39"/>
+              </a:cxn>
+              <a:cxn ang="0">
+                <a:pos x="connisteX40" y="connsiteY40"/>
+              </a:cxn>
+              <a:cxn ang="0">
+                <a:pos x="connisteX41" y="connsiteY41"/>
+              </a:cxn>
+              <a:cxn ang="0">
+                <a:pos x="connisteX42" y="connsiteY42"/>
+              </a:cxn>
+              <a:cxn ang="0">
+                <a:pos x="connisteX43" y="connsiteY43"/>
+              </a:cxn>
+              <a:cxn ang="0">
+                <a:pos x="connisteX44" y="connsiteY44"/>
+              </a:cxn>
+              <a:cxn ang="0">
+                <a:pos x="connisteX45" y="connsiteY45"/>
+              </a:cxn>
+              <a:cxn ang="0">
+                <a:pos x="connisteX46" y="connsiteY46"/>
+              </a:cxn>
+              <a:cxn ang="0">
+                <a:pos x="connisteX47" y="connsiteY47"/>
+              </a:cxn>
+              <a:cxn ang="0">
+                <a:pos x="connisteX48" y="connsiteY48"/>
+              </a:cxn>
+            </a:cxnLst>
+            <a:rect l="l" t="t" r="r" b="b"/>
+            <a:pathLst>
+              <a:path w="3022600" h="201339">
+                <a:moveTo>
+                  <a:pt x="0" y="201339"/>
+                </a:moveTo>
+                <a:cubicBezTo>
+                  <a:pt x="6985" y="189274"/>
+                  <a:pt x="22860" y="161969"/>
+                  <a:pt x="38100" y="135299"/>
+                </a:cubicBezTo>
+                <a:cubicBezTo>
+                  <a:pt x="53340" y="108629"/>
+                  <a:pt x="54610" y="92119"/>
+                  <a:pt x="75565" y="69259"/>
+                </a:cubicBezTo>
+                <a:cubicBezTo>
+                  <a:pt x="96520" y="46399"/>
+                  <a:pt x="114935" y="21634"/>
+                  <a:pt x="141605" y="21634"/>
+                </a:cubicBezTo>
+                <a:cubicBezTo>
+                  <a:pt x="168275" y="21634"/>
+                  <a:pt x="180975" y="46399"/>
+                  <a:pt x="207645" y="69259"/>
+                </a:cubicBezTo>
+                <a:cubicBezTo>
+                  <a:pt x="234315" y="92119"/>
+                  <a:pt x="247015" y="110534"/>
+                  <a:pt x="273685" y="135299"/>
+                </a:cubicBezTo>
+                <a:cubicBezTo>
+                  <a:pt x="300355" y="160064"/>
+                  <a:pt x="317500" y="193719"/>
+                  <a:pt x="340360" y="191814"/>
+                </a:cubicBezTo>
+                <a:cubicBezTo>
+                  <a:pt x="363220" y="189909"/>
+                  <a:pt x="364490" y="148634"/>
+                  <a:pt x="387350" y="125774"/>
+                </a:cubicBezTo>
+                <a:cubicBezTo>
+                  <a:pt x="410210" y="102914"/>
+                  <a:pt x="426720" y="80689"/>
+                  <a:pt x="453390" y="78784"/>
+                </a:cubicBezTo>
+                <a:cubicBezTo>
+                  <a:pt x="480060" y="76879"/>
+                  <a:pt x="492760" y="102914"/>
+                  <a:pt x="519430" y="116249"/>
+                </a:cubicBezTo>
+                <a:cubicBezTo>
+                  <a:pt x="546100" y="129584"/>
+                  <a:pt x="558800" y="133394"/>
+                  <a:pt x="585470" y="144824"/>
+                </a:cubicBezTo>
+                <a:cubicBezTo>
+                  <a:pt x="612140" y="156254"/>
+                  <a:pt x="625475" y="168954"/>
+                  <a:pt x="652145" y="172764"/>
+                </a:cubicBezTo>
+                <a:cubicBezTo>
+                  <a:pt x="678815" y="176574"/>
+                  <a:pt x="693420" y="178479"/>
+                  <a:pt x="718185" y="163239"/>
+                </a:cubicBezTo>
+                <a:cubicBezTo>
+                  <a:pt x="742950" y="147999"/>
+                  <a:pt x="749935" y="116249"/>
+                  <a:pt x="774700" y="97199"/>
+                </a:cubicBezTo>
+                <a:cubicBezTo>
+                  <a:pt x="799465" y="78149"/>
+                  <a:pt x="814070" y="80689"/>
+                  <a:pt x="840740" y="69259"/>
+                </a:cubicBezTo>
+                <a:cubicBezTo>
+                  <a:pt x="867410" y="57829"/>
+                  <a:pt x="880110" y="46399"/>
+                  <a:pt x="906780" y="40684"/>
+                </a:cubicBezTo>
+                <a:cubicBezTo>
+                  <a:pt x="933450" y="34969"/>
+                  <a:pt x="946150" y="36874"/>
+                  <a:pt x="972820" y="40684"/>
+                </a:cubicBezTo>
+                <a:cubicBezTo>
+                  <a:pt x="999490" y="44494"/>
+                  <a:pt x="1012190" y="54019"/>
+                  <a:pt x="1038860" y="59734"/>
+                </a:cubicBezTo>
+                <a:cubicBezTo>
+                  <a:pt x="1065530" y="65449"/>
+                  <a:pt x="1086485" y="54019"/>
+                  <a:pt x="1105535" y="69259"/>
+                </a:cubicBezTo>
+                <a:cubicBezTo>
+                  <a:pt x="1124585" y="84499"/>
+                  <a:pt x="1112520" y="120059"/>
+                  <a:pt x="1133475" y="135299"/>
+                </a:cubicBezTo>
+                <a:cubicBezTo>
+                  <a:pt x="1154430" y="150539"/>
+                  <a:pt x="1180465" y="150539"/>
+                  <a:pt x="1209040" y="144824"/>
+                </a:cubicBezTo>
+                <a:cubicBezTo>
+                  <a:pt x="1237615" y="139109"/>
+                  <a:pt x="1246505" y="125774"/>
+                  <a:pt x="1275080" y="106724"/>
+                </a:cubicBezTo>
+                <a:cubicBezTo>
+                  <a:pt x="1303655" y="87674"/>
+                  <a:pt x="1322070" y="63544"/>
+                  <a:pt x="1350645" y="50209"/>
+                </a:cubicBezTo>
+                <a:cubicBezTo>
+                  <a:pt x="1379220" y="36874"/>
+                  <a:pt x="1390015" y="50209"/>
+                  <a:pt x="1416685" y="40684"/>
+                </a:cubicBezTo>
+                <a:cubicBezTo>
+                  <a:pt x="1443355" y="31159"/>
+                  <a:pt x="1456690" y="8934"/>
+                  <a:pt x="1483360" y="3219"/>
+                </a:cubicBezTo>
+                <a:cubicBezTo>
+                  <a:pt x="1510030" y="-2496"/>
+                  <a:pt x="1522730" y="-1226"/>
+                  <a:pt x="1549400" y="12109"/>
+                </a:cubicBezTo>
+                <a:cubicBezTo>
+                  <a:pt x="1576070" y="25444"/>
+                  <a:pt x="1588770" y="46399"/>
+                  <a:pt x="1615440" y="69259"/>
+                </a:cubicBezTo>
+                <a:cubicBezTo>
+                  <a:pt x="1642110" y="92119"/>
+                  <a:pt x="1654810" y="106724"/>
+                  <a:pt x="1681480" y="125774"/>
+                </a:cubicBezTo>
+                <a:cubicBezTo>
+                  <a:pt x="1708150" y="144824"/>
+                  <a:pt x="1720850" y="153714"/>
+                  <a:pt x="1747520" y="163239"/>
+                </a:cubicBezTo>
+                <a:cubicBezTo>
+                  <a:pt x="1774190" y="172764"/>
+                  <a:pt x="1792605" y="184194"/>
+                  <a:pt x="1813560" y="172764"/>
+                </a:cubicBezTo>
+                <a:cubicBezTo>
+                  <a:pt x="1834515" y="161334"/>
+                  <a:pt x="1830705" y="121964"/>
+                  <a:pt x="1851660" y="106724"/>
+                </a:cubicBezTo>
+                <a:cubicBezTo>
+                  <a:pt x="1872615" y="91484"/>
+                  <a:pt x="1891030" y="101009"/>
+                  <a:pt x="1917700" y="97199"/>
+                </a:cubicBezTo>
+                <a:cubicBezTo>
+                  <a:pt x="1944370" y="93389"/>
+                  <a:pt x="1957070" y="91484"/>
+                  <a:pt x="1983740" y="87674"/>
+                </a:cubicBezTo>
+                <a:cubicBezTo>
+                  <a:pt x="2010410" y="83864"/>
+                  <a:pt x="2026920" y="94024"/>
+                  <a:pt x="2049780" y="78784"/>
+                </a:cubicBezTo>
+                <a:cubicBezTo>
+                  <a:pt x="2072640" y="63544"/>
+                  <a:pt x="2074545" y="17824"/>
+                  <a:pt x="2097405" y="12109"/>
+                </a:cubicBezTo>
+                <a:cubicBezTo>
+                  <a:pt x="2120265" y="6394"/>
+                  <a:pt x="2136775" y="40684"/>
+                  <a:pt x="2163445" y="50209"/>
+                </a:cubicBezTo>
+                <a:cubicBezTo>
+                  <a:pt x="2190115" y="59734"/>
+                  <a:pt x="2202815" y="55924"/>
+                  <a:pt x="2229485" y="59734"/>
+                </a:cubicBezTo>
+                <a:cubicBezTo>
+                  <a:pt x="2256155" y="63544"/>
+                  <a:pt x="2268855" y="55924"/>
+                  <a:pt x="2295525" y="69259"/>
+                </a:cubicBezTo>
+                <a:cubicBezTo>
+                  <a:pt x="2322195" y="82594"/>
+                  <a:pt x="2334895" y="106724"/>
+                  <a:pt x="2361565" y="125774"/>
+                </a:cubicBezTo>
+                <a:cubicBezTo>
+                  <a:pt x="2388235" y="144824"/>
+                  <a:pt x="2400935" y="155619"/>
+                  <a:pt x="2427605" y="163239"/>
+                </a:cubicBezTo>
+                <a:cubicBezTo>
+                  <a:pt x="2454275" y="170859"/>
+                  <a:pt x="2466975" y="165144"/>
+                  <a:pt x="2493645" y="163239"/>
+                </a:cubicBezTo>
+                <a:cubicBezTo>
+                  <a:pt x="2520315" y="161334"/>
+                  <a:pt x="2533015" y="165779"/>
+                  <a:pt x="2559685" y="154349"/>
+                </a:cubicBezTo>
+                <a:cubicBezTo>
+                  <a:pt x="2586355" y="142919"/>
+                  <a:pt x="2599690" y="121964"/>
+                  <a:pt x="2626360" y="106724"/>
+                </a:cubicBezTo>
+                <a:cubicBezTo>
+                  <a:pt x="2653030" y="91484"/>
+                  <a:pt x="2665730" y="86404"/>
+                  <a:pt x="2692400" y="78784"/>
+                </a:cubicBezTo>
+                <a:cubicBezTo>
+                  <a:pt x="2719070" y="71164"/>
+                  <a:pt x="2731770" y="59734"/>
+                  <a:pt x="2758440" y="69259"/>
+                </a:cubicBezTo>
+                <a:cubicBezTo>
+                  <a:pt x="2785110" y="78784"/>
+                  <a:pt x="2797810" y="112439"/>
+                  <a:pt x="2824480" y="125774"/>
+                </a:cubicBezTo>
+                <a:cubicBezTo>
+                  <a:pt x="2851150" y="139109"/>
+                  <a:pt x="2863850" y="139109"/>
+                  <a:pt x="2890520" y="135299"/>
+                </a:cubicBezTo>
+                <a:cubicBezTo>
+                  <a:pt x="2917190" y="131489"/>
+                  <a:pt x="2929890" y="118154"/>
+                  <a:pt x="2956560" y="106724"/>
+                </a:cubicBezTo>
+                <a:cubicBezTo>
+                  <a:pt x="2983230" y="95294"/>
+                  <a:pt x="3010535" y="83864"/>
+                  <a:pt x="3022600" y="78784"/>
+                </a:cubicBezTo>
+              </a:path>
+            </a:pathLst>
+          </a:custGeom>
+        </p:spPr>
+        <p:style>
+          <a:lnRef idx="3">
+            <a:schemeClr val="accent1"/>
+          </a:lnRef>
+          <a:fillRef idx="0">
+            <a:srgbClr val="FFFFFF"/>
+          </a:fillRef>
+          <a:effectRef idx="0">
+            <a:srgbClr val="FFFFFF"/>
+          </a:effectRef>
+          <a:fontRef idx="minor">
+            <a:schemeClr val="tx1"/>
+          </a:fontRef>
+        </p:style>
+        <p:txBody>
+          <a:bodyPr rtlCol="0" anchor="ctr"/>
+          <a:p>
+            <a:pPr algn="ctr"/>
+            <a:endParaRPr lang="zh-CN" altLang="en-US"/>
+          </a:p>
+        </p:txBody>
+      </p:sp>
+      <p:sp>
+        <p:nvSpPr>
+          <p:cNvPr id="24" name="矩形 23"/>
+          <p:cNvSpPr/>
+          <p:nvPr/>
+        </p:nvSpPr>
+        <p:spPr>
+          <a:xfrm>
+            <a:off x="2264410" y="2978785"/>
+            <a:ext cx="1463040" cy="368935"/>
+          </a:xfrm>
+          <a:prstGeom prst="rect">
+            <a:avLst/>
+          </a:prstGeom>
+          <a:solidFill>
+            <a:schemeClr val="accent6">
+              <a:lumMod val="40000"/>
+              <a:lumOff val="60000"/>
+            </a:schemeClr>
+          </a:solidFill>
+          <a:ln w="28575">
+            <a:solidFill>
+              <a:schemeClr val="accent1">
+                <a:lumMod val="75000"/>
+              </a:schemeClr>
+            </a:solidFill>
+          </a:ln>
+        </p:spPr>
+        <p:style>
+          <a:lnRef idx="2">
+            <a:schemeClr val="accent1">
+              <a:lumMod val="75000"/>
+            </a:schemeClr>
+          </a:lnRef>
+          <a:fillRef idx="1">
+            <a:schemeClr val="accent1"/>
+          </a:fillRef>
+          <a:effectRef idx="0">
+            <a:srgbClr val="FFFFFF"/>
+          </a:effectRef>
+          <a:fontRef idx="minor">
+            <a:schemeClr val="lt1"/>
+          </a:fontRef>
+        </p:style>
+        <p:txBody>
+          <a:bodyPr rtlCol="0" anchor="ctr"/>
+          <a:p>
+            <a:pPr algn="ctr"/>
+            <a:endParaRPr lang="zh-CN" altLang="en-US"/>
+          </a:p>
+        </p:txBody>
+      </p:sp>
+      <p:sp>
+        <p:nvSpPr>
+          <p:cNvPr id="25" name="任意多边形 24"/>
+          <p:cNvSpPr/>
+          <p:nvPr/>
+        </p:nvSpPr>
+        <p:spPr>
+          <a:xfrm>
+            <a:off x="801370" y="3053715"/>
+            <a:ext cx="2926080" cy="219710"/>
+          </a:xfrm>
+          <a:custGeom>
+            <a:avLst/>
+            <a:gdLst>
+              <a:gd name="connisteX0" fmla="*/ 0 w 3022600"/>
+              <a:gd name="connsiteY0" fmla="*/ 201339 h 201339"/>
+              <a:gd name="connisteX1" fmla="*/ 38100 w 3022600"/>
+              <a:gd name="connsiteY1" fmla="*/ 135299 h 201339"/>
+              <a:gd name="connisteX2" fmla="*/ 75565 w 3022600"/>
+              <a:gd name="connsiteY2" fmla="*/ 69259 h 201339"/>
+              <a:gd name="connisteX3" fmla="*/ 141605 w 3022600"/>
+              <a:gd name="connsiteY3" fmla="*/ 21634 h 201339"/>
+              <a:gd name="connisteX4" fmla="*/ 207645 w 3022600"/>
+              <a:gd name="connsiteY4" fmla="*/ 69259 h 201339"/>
+              <a:gd name="connisteX5" fmla="*/ 273685 w 3022600"/>
+              <a:gd name="connsiteY5" fmla="*/ 135299 h 201339"/>
+              <a:gd name="connisteX6" fmla="*/ 340360 w 3022600"/>
+              <a:gd name="connsiteY6" fmla="*/ 191814 h 201339"/>
+              <a:gd name="connisteX7" fmla="*/ 387350 w 3022600"/>
+              <a:gd name="connsiteY7" fmla="*/ 125774 h 201339"/>
+              <a:gd name="connisteX8" fmla="*/ 453390 w 3022600"/>
+              <a:gd name="connsiteY8" fmla="*/ 78784 h 201339"/>
+              <a:gd name="connisteX9" fmla="*/ 519430 w 3022600"/>
+              <a:gd name="connsiteY9" fmla="*/ 116249 h 201339"/>
+              <a:gd name="connisteX10" fmla="*/ 585470 w 3022600"/>
+              <a:gd name="connsiteY10" fmla="*/ 144824 h 201339"/>
+              <a:gd name="connisteX11" fmla="*/ 652145 w 3022600"/>
+              <a:gd name="connsiteY11" fmla="*/ 172764 h 201339"/>
+              <a:gd name="connisteX12" fmla="*/ 718185 w 3022600"/>
+              <a:gd name="connsiteY12" fmla="*/ 163239 h 201339"/>
+              <a:gd name="connisteX13" fmla="*/ 774700 w 3022600"/>
+              <a:gd name="connsiteY13" fmla="*/ 97199 h 201339"/>
+              <a:gd name="connisteX14" fmla="*/ 840740 w 3022600"/>
+              <a:gd name="connsiteY14" fmla="*/ 69259 h 201339"/>
+              <a:gd name="connisteX15" fmla="*/ 906780 w 3022600"/>
+              <a:gd name="connsiteY15" fmla="*/ 40684 h 201339"/>
+              <a:gd name="connisteX16" fmla="*/ 972820 w 3022600"/>
+              <a:gd name="connsiteY16" fmla="*/ 40684 h 201339"/>
+              <a:gd name="connisteX17" fmla="*/ 1038860 w 3022600"/>
+              <a:gd name="connsiteY17" fmla="*/ 59734 h 201339"/>
+              <a:gd name="connisteX18" fmla="*/ 1105535 w 3022600"/>
+              <a:gd name="connsiteY18" fmla="*/ 69259 h 201339"/>
+              <a:gd name="connisteX19" fmla="*/ 1133475 w 3022600"/>
+              <a:gd name="connsiteY19" fmla="*/ 135299 h 201339"/>
+              <a:gd name="connisteX20" fmla="*/ 1209040 w 3022600"/>
+              <a:gd name="connsiteY20" fmla="*/ 144824 h 201339"/>
+              <a:gd name="connisteX21" fmla="*/ 1275080 w 3022600"/>
+              <a:gd name="connsiteY21" fmla="*/ 106724 h 201339"/>
+              <a:gd name="connisteX22" fmla="*/ 1350645 w 3022600"/>
+              <a:gd name="connsiteY22" fmla="*/ 50209 h 201339"/>
+              <a:gd name="connisteX23" fmla="*/ 1416685 w 3022600"/>
+              <a:gd name="connsiteY23" fmla="*/ 40684 h 201339"/>
+              <a:gd name="connisteX24" fmla="*/ 1483360 w 3022600"/>
+              <a:gd name="connsiteY24" fmla="*/ 3219 h 201339"/>
+              <a:gd name="connisteX25" fmla="*/ 1549400 w 3022600"/>
+              <a:gd name="connsiteY25" fmla="*/ 12109 h 201339"/>
+              <a:gd name="connisteX26" fmla="*/ 1615440 w 3022600"/>
+              <a:gd name="connsiteY26" fmla="*/ 69259 h 201339"/>
+              <a:gd name="connisteX27" fmla="*/ 1681480 w 3022600"/>
+              <a:gd name="connsiteY27" fmla="*/ 125774 h 201339"/>
+              <a:gd name="connisteX28" fmla="*/ 1747520 w 3022600"/>
+              <a:gd name="connsiteY28" fmla="*/ 163239 h 201339"/>
+              <a:gd name="connisteX29" fmla="*/ 1813560 w 3022600"/>
+              <a:gd name="connsiteY29" fmla="*/ 172764 h 201339"/>
+              <a:gd name="connisteX30" fmla="*/ 1851660 w 3022600"/>
+              <a:gd name="connsiteY30" fmla="*/ 106724 h 201339"/>
+              <a:gd name="connisteX31" fmla="*/ 1917700 w 3022600"/>
+              <a:gd name="connsiteY31" fmla="*/ 97199 h 201339"/>
+              <a:gd name="connisteX32" fmla="*/ 1983740 w 3022600"/>
+              <a:gd name="connsiteY32" fmla="*/ 87674 h 201339"/>
+              <a:gd name="connisteX33" fmla="*/ 2049780 w 3022600"/>
+              <a:gd name="connsiteY33" fmla="*/ 78784 h 201339"/>
+              <a:gd name="connisteX34" fmla="*/ 2097405 w 3022600"/>
+              <a:gd name="connsiteY34" fmla="*/ 12109 h 201339"/>
+              <a:gd name="connisteX35" fmla="*/ 2163445 w 3022600"/>
+              <a:gd name="connsiteY35" fmla="*/ 50209 h 201339"/>
+              <a:gd name="connisteX36" fmla="*/ 2229485 w 3022600"/>
+              <a:gd name="connsiteY36" fmla="*/ 59734 h 201339"/>
+              <a:gd name="connisteX37" fmla="*/ 2295525 w 3022600"/>
+              <a:gd name="connsiteY37" fmla="*/ 69259 h 201339"/>
+              <a:gd name="connisteX38" fmla="*/ 2361565 w 3022600"/>
+              <a:gd name="connsiteY38" fmla="*/ 125774 h 201339"/>
+              <a:gd name="connisteX39" fmla="*/ 2427605 w 3022600"/>
+              <a:gd name="connsiteY39" fmla="*/ 163239 h 201339"/>
+              <a:gd name="connisteX40" fmla="*/ 2493645 w 3022600"/>
+              <a:gd name="connsiteY40" fmla="*/ 163239 h 201339"/>
+              <a:gd name="connisteX41" fmla="*/ 2559685 w 3022600"/>
+              <a:gd name="connsiteY41" fmla="*/ 154349 h 201339"/>
+              <a:gd name="connisteX42" fmla="*/ 2626360 w 3022600"/>
+              <a:gd name="connsiteY42" fmla="*/ 106724 h 201339"/>
+              <a:gd name="connisteX43" fmla="*/ 2692400 w 3022600"/>
+              <a:gd name="connsiteY43" fmla="*/ 78784 h 201339"/>
+              <a:gd name="connisteX44" fmla="*/ 2758440 w 3022600"/>
+              <a:gd name="connsiteY44" fmla="*/ 69259 h 201339"/>
+              <a:gd name="connisteX45" fmla="*/ 2824480 w 3022600"/>
+              <a:gd name="connsiteY45" fmla="*/ 125774 h 201339"/>
+              <a:gd name="connisteX46" fmla="*/ 2890520 w 3022600"/>
+              <a:gd name="connsiteY46" fmla="*/ 135299 h 201339"/>
+              <a:gd name="connisteX47" fmla="*/ 2956560 w 3022600"/>
+              <a:gd name="connsiteY47" fmla="*/ 106724 h 201339"/>
+              <a:gd name="connisteX48" fmla="*/ 3022600 w 3022600"/>
+              <a:gd name="connsiteY48" fmla="*/ 78784 h 201339"/>
+            </a:gdLst>
+            <a:ahLst/>
+            <a:cxnLst>
+              <a:cxn ang="0">
+                <a:pos x="connisteX0" y="connsiteY0"/>
+              </a:cxn>
+              <a:cxn ang="0">
+                <a:pos x="connisteX1" y="connsiteY1"/>
+              </a:cxn>
+              <a:cxn ang="0">
+                <a:pos x="connisteX2" y="connsiteY2"/>
+              </a:cxn>
+              <a:cxn ang="0">
+                <a:pos x="connisteX3" y="connsiteY3"/>
+              </a:cxn>
+              <a:cxn ang="0">
+                <a:pos x="connisteX4" y="connsiteY4"/>
+              </a:cxn>
+              <a:cxn ang="0">
+                <a:pos x="connisteX5" y="connsiteY5"/>
+              </a:cxn>
+              <a:cxn ang="0">
+                <a:pos x="connisteX6" y="connsiteY6"/>
+              </a:cxn>
+              <a:cxn ang="0">
+                <a:pos x="connisteX7" y="connsiteY7"/>
+              </a:cxn>
+              <a:cxn ang="0">
+                <a:pos x="connisteX8" y="connsiteY8"/>
+              </a:cxn>
+              <a:cxn ang="0">
+                <a:pos x="connisteX9" y="connsiteY9"/>
+              </a:cxn>
+              <a:cxn ang="0">
+                <a:pos x="connisteX10" y="connsiteY10"/>
+              </a:cxn>
+              <a:cxn ang="0">
+                <a:pos x="connisteX11" y="connsiteY11"/>
+              </a:cxn>
+              <a:cxn ang="0">
+                <a:pos x="connisteX12" y="connsiteY12"/>
+              </a:cxn>
+              <a:cxn ang="0">
+                <a:pos x="connisteX13" y="connsiteY13"/>
+              </a:cxn>
+              <a:cxn ang="0">
+                <a:pos x="connisteX14" y="connsiteY14"/>
+              </a:cxn>
+              <a:cxn ang="0">
+                <a:pos x="connisteX15" y="connsiteY15"/>
+              </a:cxn>
+              <a:cxn ang="0">
+                <a:pos x="connisteX16" y="connsiteY16"/>
+              </a:cxn>
+              <a:cxn ang="0">
+                <a:pos x="connisteX17" y="connsiteY17"/>
+              </a:cxn>
+              <a:cxn ang="0">
+                <a:pos x="connisteX18" y="connsiteY18"/>
+              </a:cxn>
+              <a:cxn ang="0">
+                <a:pos x="connisteX19" y="connsiteY19"/>
+              </a:cxn>
+              <a:cxn ang="0">
+                <a:pos x="connisteX20" y="connsiteY20"/>
+              </a:cxn>
+              <a:cxn ang="0">
+                <a:pos x="connisteX21" y="connsiteY21"/>
+              </a:cxn>
+              <a:cxn ang="0">
+                <a:pos x="connisteX22" y="connsiteY22"/>
+              </a:cxn>
+              <a:cxn ang="0">
+                <a:pos x="connisteX23" y="connsiteY23"/>
+              </a:cxn>
+              <a:cxn ang="0">
+                <a:pos x="connisteX24" y="connsiteY24"/>
+              </a:cxn>
+              <a:cxn ang="0">
+                <a:pos x="connisteX25" y="connsiteY25"/>
+              </a:cxn>
+              <a:cxn ang="0">
+                <a:pos x="connisteX26" y="connsiteY26"/>
+              </a:cxn>
+              <a:cxn ang="0">
+                <a:pos x="connisteX27" y="connsiteY27"/>
+              </a:cxn>
+              <a:cxn ang="0">
+                <a:pos x="connisteX28" y="connsiteY28"/>
+              </a:cxn>
+              <a:cxn ang="0">
+                <a:pos x="connisteX29" y="connsiteY29"/>
+              </a:cxn>
+              <a:cxn ang="0">
+                <a:pos x="connisteX30" y="connsiteY30"/>
+              </a:cxn>
+              <a:cxn ang="0">
+                <a:pos x="connisteX31" y="connsiteY31"/>
+              </a:cxn>
+              <a:cxn ang="0">
+                <a:pos x="connisteX32" y="connsiteY32"/>
+              </a:cxn>
+              <a:cxn ang="0">
+                <a:pos x="connisteX33" y="connsiteY33"/>
+              </a:cxn>
+              <a:cxn ang="0">
+                <a:pos x="connisteX34" y="connsiteY34"/>
+              </a:cxn>
+              <a:cxn ang="0">
+                <a:pos x="connisteX35" y="connsiteY35"/>
+              </a:cxn>
+              <a:cxn ang="0">
+                <a:pos x="connisteX36" y="connsiteY36"/>
+              </a:cxn>
+              <a:cxn ang="0">
+                <a:pos x="connisteX37" y="connsiteY37"/>
+              </a:cxn>
+              <a:cxn ang="0">
+                <a:pos x="connisteX38" y="connsiteY38"/>
+              </a:cxn>
+              <a:cxn ang="0">
+                <a:pos x="connisteX39" y="connsiteY39"/>
+              </a:cxn>
+              <a:cxn ang="0">
+                <a:pos x="connisteX40" y="connsiteY40"/>
+              </a:cxn>
+              <a:cxn ang="0">
+                <a:pos x="connisteX41" y="connsiteY41"/>
+              </a:cxn>
+              <a:cxn ang="0">
+                <a:pos x="connisteX42" y="connsiteY42"/>
+              </a:cxn>
+              <a:cxn ang="0">
+                <a:pos x="connisteX43" y="connsiteY43"/>
+              </a:cxn>
+              <a:cxn ang="0">
+                <a:pos x="connisteX44" y="connsiteY44"/>
+              </a:cxn>
+              <a:cxn ang="0">
+                <a:pos x="connisteX45" y="connsiteY45"/>
+              </a:cxn>
+              <a:cxn ang="0">
+                <a:pos x="connisteX46" y="connsiteY46"/>
+              </a:cxn>
+              <a:cxn ang="0">
+                <a:pos x="connisteX47" y="connsiteY47"/>
+              </a:cxn>
+              <a:cxn ang="0">
+                <a:pos x="connisteX48" y="connsiteY48"/>
+              </a:cxn>
+            </a:cxnLst>
+            <a:rect l="l" t="t" r="r" b="b"/>
+            <a:pathLst>
+              <a:path w="3022600" h="201339">
+                <a:moveTo>
+                  <a:pt x="0" y="201339"/>
+                </a:moveTo>
+                <a:cubicBezTo>
+                  <a:pt x="6985" y="189274"/>
+                  <a:pt x="22860" y="161969"/>
+                  <a:pt x="38100" y="135299"/>
+                </a:cubicBezTo>
+                <a:cubicBezTo>
+                  <a:pt x="53340" y="108629"/>
+                  <a:pt x="54610" y="92119"/>
+                  <a:pt x="75565" y="69259"/>
+                </a:cubicBezTo>
+                <a:cubicBezTo>
+                  <a:pt x="96520" y="46399"/>
+                  <a:pt x="114935" y="21634"/>
+                  <a:pt x="141605" y="21634"/>
+                </a:cubicBezTo>
+                <a:cubicBezTo>
+                  <a:pt x="168275" y="21634"/>
+                  <a:pt x="180975" y="46399"/>
+                  <a:pt x="207645" y="69259"/>
+                </a:cubicBezTo>
+                <a:cubicBezTo>
+                  <a:pt x="234315" y="92119"/>
+                  <a:pt x="247015" y="110534"/>
+                  <a:pt x="273685" y="135299"/>
+                </a:cubicBezTo>
+                <a:cubicBezTo>
+                  <a:pt x="300355" y="160064"/>
+                  <a:pt x="317500" y="193719"/>
+                  <a:pt x="340360" y="191814"/>
+                </a:cubicBezTo>
+                <a:cubicBezTo>
+                  <a:pt x="363220" y="189909"/>
+                  <a:pt x="364490" y="148634"/>
+                  <a:pt x="387350" y="125774"/>
+                </a:cubicBezTo>
+                <a:cubicBezTo>
+                  <a:pt x="410210" y="102914"/>
+                  <a:pt x="426720" y="80689"/>
+                  <a:pt x="453390" y="78784"/>
+                </a:cubicBezTo>
+                <a:cubicBezTo>
+                  <a:pt x="480060" y="76879"/>
+                  <a:pt x="492760" y="102914"/>
+                  <a:pt x="519430" y="116249"/>
+                </a:cubicBezTo>
+                <a:cubicBezTo>
+                  <a:pt x="546100" y="129584"/>
+                  <a:pt x="558800" y="133394"/>
+                  <a:pt x="585470" y="144824"/>
+                </a:cubicBezTo>
+                <a:cubicBezTo>
+                  <a:pt x="612140" y="156254"/>
+                  <a:pt x="625475" y="168954"/>
+                  <a:pt x="652145" y="172764"/>
+                </a:cubicBezTo>
+                <a:cubicBezTo>
+                  <a:pt x="678815" y="176574"/>
+                  <a:pt x="693420" y="178479"/>
+                  <a:pt x="718185" y="163239"/>
+                </a:cubicBezTo>
+                <a:cubicBezTo>
+                  <a:pt x="742950" y="147999"/>
+                  <a:pt x="749935" y="116249"/>
+                  <a:pt x="774700" y="97199"/>
+                </a:cubicBezTo>
+                <a:cubicBezTo>
+                  <a:pt x="799465" y="78149"/>
+                  <a:pt x="814070" y="80689"/>
+                  <a:pt x="840740" y="69259"/>
+                </a:cubicBezTo>
+                <a:cubicBezTo>
+                  <a:pt x="867410" y="57829"/>
+                  <a:pt x="880110" y="46399"/>
+                  <a:pt x="906780" y="40684"/>
+                </a:cubicBezTo>
+                <a:cubicBezTo>
+                  <a:pt x="933450" y="34969"/>
+                  <a:pt x="946150" y="36874"/>
+                  <a:pt x="972820" y="40684"/>
+                </a:cubicBezTo>
+                <a:cubicBezTo>
+                  <a:pt x="999490" y="44494"/>
+                  <a:pt x="1012190" y="54019"/>
+                  <a:pt x="1038860" y="59734"/>
+                </a:cubicBezTo>
+                <a:cubicBezTo>
+                  <a:pt x="1065530" y="65449"/>
+                  <a:pt x="1086485" y="54019"/>
+                  <a:pt x="1105535" y="69259"/>
+                </a:cubicBezTo>
+                <a:cubicBezTo>
+                  <a:pt x="1124585" y="84499"/>
+                  <a:pt x="1112520" y="120059"/>
+                  <a:pt x="1133475" y="135299"/>
+                </a:cubicBezTo>
+                <a:cubicBezTo>
+                  <a:pt x="1154430" y="150539"/>
+                  <a:pt x="1180465" y="150539"/>
+                  <a:pt x="1209040" y="144824"/>
+                </a:cubicBezTo>
+                <a:cubicBezTo>
+                  <a:pt x="1237615" y="139109"/>
+                  <a:pt x="1246505" y="125774"/>
+                  <a:pt x="1275080" y="106724"/>
+                </a:cubicBezTo>
+                <a:cubicBezTo>
+                  <a:pt x="1303655" y="87674"/>
+                  <a:pt x="1322070" y="63544"/>
+                  <a:pt x="1350645" y="50209"/>
+                </a:cubicBezTo>
+                <a:cubicBezTo>
+                  <a:pt x="1379220" y="36874"/>
+                  <a:pt x="1390015" y="50209"/>
+                  <a:pt x="1416685" y="40684"/>
+                </a:cubicBezTo>
+                <a:cubicBezTo>
+                  <a:pt x="1443355" y="31159"/>
+                  <a:pt x="1456690" y="8934"/>
+                  <a:pt x="1483360" y="3219"/>
+                </a:cubicBezTo>
+                <a:cubicBezTo>
+                  <a:pt x="1510030" y="-2496"/>
+                  <a:pt x="1522730" y="-1226"/>
+                  <a:pt x="1549400" y="12109"/>
+                </a:cubicBezTo>
+                <a:cubicBezTo>
+                  <a:pt x="1576070" y="25444"/>
+                  <a:pt x="1588770" y="46399"/>
+                  <a:pt x="1615440" y="69259"/>
+                </a:cubicBezTo>
+                <a:cubicBezTo>
+                  <a:pt x="1642110" y="92119"/>
+                  <a:pt x="1654810" y="106724"/>
+                  <a:pt x="1681480" y="125774"/>
+                </a:cubicBezTo>
+                <a:cubicBezTo>
+                  <a:pt x="1708150" y="144824"/>
+                  <a:pt x="1720850" y="153714"/>
+                  <a:pt x="1747520" y="163239"/>
+                </a:cubicBezTo>
+                <a:cubicBezTo>
+                  <a:pt x="1774190" y="172764"/>
+                  <a:pt x="1792605" y="184194"/>
+                  <a:pt x="1813560" y="172764"/>
+                </a:cubicBezTo>
+                <a:cubicBezTo>
+                  <a:pt x="1834515" y="161334"/>
+                  <a:pt x="1830705" y="121964"/>
+                  <a:pt x="1851660" y="106724"/>
+                </a:cubicBezTo>
+                <a:cubicBezTo>
+                  <a:pt x="1872615" y="91484"/>
+                  <a:pt x="1891030" y="101009"/>
+                  <a:pt x="1917700" y="97199"/>
+                </a:cubicBezTo>
+                <a:cubicBezTo>
+                  <a:pt x="1944370" y="93389"/>
+                  <a:pt x="1957070" y="91484"/>
+                  <a:pt x="1983740" y="87674"/>
+                </a:cubicBezTo>
+                <a:cubicBezTo>
+                  <a:pt x="2010410" y="83864"/>
+                  <a:pt x="2026920" y="94024"/>
+                  <a:pt x="2049780" y="78784"/>
+                </a:cubicBezTo>
+                <a:cubicBezTo>
+                  <a:pt x="2072640" y="63544"/>
+                  <a:pt x="2074545" y="17824"/>
+                  <a:pt x="2097405" y="12109"/>
+                </a:cubicBezTo>
+                <a:cubicBezTo>
+                  <a:pt x="2120265" y="6394"/>
+                  <a:pt x="2136775" y="40684"/>
+                  <a:pt x="2163445" y="50209"/>
+                </a:cubicBezTo>
+                <a:cubicBezTo>
+                  <a:pt x="2190115" y="59734"/>
+                  <a:pt x="2202815" y="55924"/>
+                  <a:pt x="2229485" y="59734"/>
+                </a:cubicBezTo>
+                <a:cubicBezTo>
+                  <a:pt x="2256155" y="63544"/>
+                  <a:pt x="2268855" y="55924"/>
+                  <a:pt x="2295525" y="69259"/>
+                </a:cubicBezTo>
+                <a:cubicBezTo>
+                  <a:pt x="2322195" y="82594"/>
+                  <a:pt x="2334895" y="106724"/>
+                  <a:pt x="2361565" y="125774"/>
+                </a:cubicBezTo>
+                <a:cubicBezTo>
+                  <a:pt x="2388235" y="144824"/>
+                  <a:pt x="2400935" y="155619"/>
+                  <a:pt x="2427605" y="163239"/>
+                </a:cubicBezTo>
+                <a:cubicBezTo>
+                  <a:pt x="2454275" y="170859"/>
+                  <a:pt x="2466975" y="165144"/>
+                  <a:pt x="2493645" y="163239"/>
+                </a:cubicBezTo>
+                <a:cubicBezTo>
+                  <a:pt x="2520315" y="161334"/>
+                  <a:pt x="2533015" y="165779"/>
+                  <a:pt x="2559685" y="154349"/>
+                </a:cubicBezTo>
+                <a:cubicBezTo>
+                  <a:pt x="2586355" y="142919"/>
+                  <a:pt x="2599690" y="121964"/>
+                  <a:pt x="2626360" y="106724"/>
+                </a:cubicBezTo>
+                <a:cubicBezTo>
+                  <a:pt x="2653030" y="91484"/>
+                  <a:pt x="2665730" y="86404"/>
+                  <a:pt x="2692400" y="78784"/>
+                </a:cubicBezTo>
+                <a:cubicBezTo>
+                  <a:pt x="2719070" y="71164"/>
+                  <a:pt x="2731770" y="59734"/>
+                  <a:pt x="2758440" y="69259"/>
+                </a:cubicBezTo>
+                <a:cubicBezTo>
+                  <a:pt x="2785110" y="78784"/>
+                  <a:pt x="2797810" y="112439"/>
+                  <a:pt x="2824480" y="125774"/>
+                </a:cubicBezTo>
+                <a:cubicBezTo>
+                  <a:pt x="2851150" y="139109"/>
+                  <a:pt x="2863850" y="139109"/>
+                  <a:pt x="2890520" y="135299"/>
+                </a:cubicBezTo>
+                <a:cubicBezTo>
+                  <a:pt x="2917190" y="131489"/>
+                  <a:pt x="2929890" y="118154"/>
+                  <a:pt x="2956560" y="106724"/>
+                </a:cubicBezTo>
+                <a:cubicBezTo>
+                  <a:pt x="2983230" y="95294"/>
+                  <a:pt x="3010535" y="83864"/>
+                  <a:pt x="3022600" y="78784"/>
+                </a:cubicBezTo>
+              </a:path>
+            </a:pathLst>
+          </a:custGeom>
+        </p:spPr>
+        <p:style>
+          <a:lnRef idx="3">
+            <a:schemeClr val="accent1"/>
+          </a:lnRef>
+          <a:fillRef idx="0">
+            <a:srgbClr val="FFFFFF"/>
+          </a:fillRef>
+          <a:effectRef idx="0">
+            <a:srgbClr val="FFFFFF"/>
+          </a:effectRef>
+          <a:fontRef idx="minor">
+            <a:schemeClr val="tx1"/>
+          </a:fontRef>
+        </p:style>
+        <p:txBody>
+          <a:bodyPr rtlCol="0" anchor="ctr"/>
+          <a:p>
+            <a:pPr algn="ctr"/>
+            <a:endParaRPr lang="zh-CN" altLang="en-US"/>
+          </a:p>
+        </p:txBody>
+      </p:sp>
+      <p:sp>
+        <p:nvSpPr>
+          <p:cNvPr id="29" name="矩形 28"/>
+          <p:cNvSpPr/>
+          <p:nvPr/>
+        </p:nvSpPr>
+        <p:spPr>
+          <a:xfrm>
+            <a:off x="801370" y="2519045"/>
+            <a:ext cx="1463040" cy="368935"/>
+          </a:xfrm>
+          <a:prstGeom prst="rect">
+            <a:avLst/>
+          </a:prstGeom>
+          <a:solidFill>
+            <a:schemeClr val="bg1"/>
+          </a:solidFill>
+          <a:ln w="28575">
+            <a:solidFill>
+              <a:schemeClr val="accent1">
+                <a:lumMod val="75000"/>
+              </a:schemeClr>
+            </a:solidFill>
+          </a:ln>
+        </p:spPr>
+        <p:style>
+          <a:lnRef idx="2">
+            <a:schemeClr val="accent1">
+              <a:lumMod val="75000"/>
+            </a:schemeClr>
+          </a:lnRef>
+          <a:fillRef idx="1">
+            <a:schemeClr val="accent1"/>
+          </a:fillRef>
+          <a:effectRef idx="0">
+            <a:srgbClr val="FFFFFF"/>
+          </a:effectRef>
+          <a:fontRef idx="minor">
+            <a:schemeClr val="lt1"/>
+          </a:fontRef>
+        </p:style>
+        <p:txBody>
+          <a:bodyPr rtlCol="0" anchor="ctr"/>
+          <a:p>
+            <a:pPr algn="ctr"/>
+            <a:endParaRPr lang="zh-CN" altLang="en-US"/>
+          </a:p>
+        </p:txBody>
+      </p:sp>
+      <p:sp>
+        <p:nvSpPr>
+          <p:cNvPr id="30" name="矩形 29"/>
+          <p:cNvSpPr/>
+          <p:nvPr/>
+        </p:nvSpPr>
+        <p:spPr>
+          <a:xfrm>
+            <a:off x="2264410" y="2519045"/>
+            <a:ext cx="1463040" cy="368935"/>
+          </a:xfrm>
+          <a:prstGeom prst="rect">
+            <a:avLst/>
+          </a:prstGeom>
+          <a:solidFill>
+            <a:schemeClr val="accent6">
+              <a:lumMod val="40000"/>
+              <a:lumOff val="60000"/>
+            </a:schemeClr>
+          </a:solidFill>
+          <a:ln w="28575">
+            <a:solidFill>
+              <a:schemeClr val="accent1">
+                <a:lumMod val="75000"/>
+              </a:schemeClr>
+            </a:solidFill>
+          </a:ln>
+        </p:spPr>
+        <p:style>
+          <a:lnRef idx="2">
+            <a:schemeClr val="accent1">
+              <a:lumMod val="75000"/>
+            </a:schemeClr>
+          </a:lnRef>
+          <a:fillRef idx="1">
+            <a:schemeClr val="accent1"/>
+          </a:fillRef>
+          <a:effectRef idx="0">
+            <a:srgbClr val="FFFFFF"/>
+          </a:effectRef>
+          <a:fontRef idx="minor">
+            <a:schemeClr val="lt1"/>
+          </a:fontRef>
+        </p:style>
+        <p:txBody>
+          <a:bodyPr rtlCol="0" anchor="ctr"/>
+          <a:p>
+            <a:pPr algn="ctr"/>
+            <a:endParaRPr lang="zh-CN" altLang="en-US"/>
+          </a:p>
+        </p:txBody>
+      </p:sp>
+      <p:sp>
+        <p:nvSpPr>
+          <p:cNvPr id="31" name="任意多边形 30"/>
+          <p:cNvSpPr/>
+          <p:nvPr/>
+        </p:nvSpPr>
+        <p:spPr>
+          <a:xfrm>
+            <a:off x="801370" y="2593975"/>
+            <a:ext cx="2926080" cy="219710"/>
+          </a:xfrm>
+          <a:custGeom>
+            <a:avLst/>
+            <a:gdLst>
+              <a:gd name="connisteX0" fmla="*/ 0 w 3022600"/>
+              <a:gd name="connsiteY0" fmla="*/ 201339 h 201339"/>
+              <a:gd name="connisteX1" fmla="*/ 38100 w 3022600"/>
+              <a:gd name="connsiteY1" fmla="*/ 135299 h 201339"/>
+              <a:gd name="connisteX2" fmla="*/ 75565 w 3022600"/>
+              <a:gd name="connsiteY2" fmla="*/ 69259 h 201339"/>
+              <a:gd name="connisteX3" fmla="*/ 141605 w 3022600"/>
+              <a:gd name="connsiteY3" fmla="*/ 21634 h 201339"/>
+              <a:gd name="connisteX4" fmla="*/ 207645 w 3022600"/>
+              <a:gd name="connsiteY4" fmla="*/ 69259 h 201339"/>
+              <a:gd name="connisteX5" fmla="*/ 273685 w 3022600"/>
+              <a:gd name="connsiteY5" fmla="*/ 135299 h 201339"/>
+              <a:gd name="connisteX6" fmla="*/ 340360 w 3022600"/>
+              <a:gd name="connsiteY6" fmla="*/ 191814 h 201339"/>
+              <a:gd name="connisteX7" fmla="*/ 387350 w 3022600"/>
+              <a:gd name="connsiteY7" fmla="*/ 125774 h 201339"/>
+              <a:gd name="connisteX8" fmla="*/ 453390 w 3022600"/>
+              <a:gd name="connsiteY8" fmla="*/ 78784 h 201339"/>
+              <a:gd name="connisteX9" fmla="*/ 519430 w 3022600"/>
+              <a:gd name="connsiteY9" fmla="*/ 116249 h 201339"/>
+              <a:gd name="connisteX10" fmla="*/ 585470 w 3022600"/>
+              <a:gd name="connsiteY10" fmla="*/ 144824 h 201339"/>
+              <a:gd name="connisteX11" fmla="*/ 652145 w 3022600"/>
+              <a:gd name="connsiteY11" fmla="*/ 172764 h 201339"/>
+              <a:gd name="connisteX12" fmla="*/ 718185 w 3022600"/>
+              <a:gd name="connsiteY12" fmla="*/ 163239 h 201339"/>
+              <a:gd name="connisteX13" fmla="*/ 774700 w 3022600"/>
+              <a:gd name="connsiteY13" fmla="*/ 97199 h 201339"/>
+              <a:gd name="connisteX14" fmla="*/ 840740 w 3022600"/>
+              <a:gd name="connsiteY14" fmla="*/ 69259 h 201339"/>
+              <a:gd name="connisteX15" fmla="*/ 906780 w 3022600"/>
+              <a:gd name="connsiteY15" fmla="*/ 40684 h 201339"/>
+              <a:gd name="connisteX16" fmla="*/ 972820 w 3022600"/>
+              <a:gd name="connsiteY16" fmla="*/ 40684 h 201339"/>
+              <a:gd name="connisteX17" fmla="*/ 1038860 w 3022600"/>
+              <a:gd name="connsiteY17" fmla="*/ 59734 h 201339"/>
+              <a:gd name="connisteX18" fmla="*/ 1105535 w 3022600"/>
+              <a:gd name="connsiteY18" fmla="*/ 69259 h 201339"/>
+              <a:gd name="connisteX19" fmla="*/ 1133475 w 3022600"/>
+              <a:gd name="connsiteY19" fmla="*/ 135299 h 201339"/>
+              <a:gd name="connisteX20" fmla="*/ 1209040 w 3022600"/>
+              <a:gd name="connsiteY20" fmla="*/ 144824 h 201339"/>
+              <a:gd name="connisteX21" fmla="*/ 1275080 w 3022600"/>
+              <a:gd name="connsiteY21" fmla="*/ 106724 h 201339"/>
+              <a:gd name="connisteX22" fmla="*/ 1350645 w 3022600"/>
+              <a:gd name="connsiteY22" fmla="*/ 50209 h 201339"/>
+              <a:gd name="connisteX23" fmla="*/ 1416685 w 3022600"/>
+              <a:gd name="connsiteY23" fmla="*/ 40684 h 201339"/>
+              <a:gd name="connisteX24" fmla="*/ 1483360 w 3022600"/>
+              <a:gd name="connsiteY24" fmla="*/ 3219 h 201339"/>
+              <a:gd name="connisteX25" fmla="*/ 1549400 w 3022600"/>
+              <a:gd name="connsiteY25" fmla="*/ 12109 h 201339"/>
+              <a:gd name="connisteX26" fmla="*/ 1615440 w 3022600"/>
+              <a:gd name="connsiteY26" fmla="*/ 69259 h 201339"/>
+              <a:gd name="connisteX27" fmla="*/ 1681480 w 3022600"/>
+              <a:gd name="connsiteY27" fmla="*/ 125774 h 201339"/>
+              <a:gd name="connisteX28" fmla="*/ 1747520 w 3022600"/>
+              <a:gd name="connsiteY28" fmla="*/ 163239 h 201339"/>
+              <a:gd name="connisteX29" fmla="*/ 1813560 w 3022600"/>
+              <a:gd name="connsiteY29" fmla="*/ 172764 h 201339"/>
+              <a:gd name="connisteX30" fmla="*/ 1851660 w 3022600"/>
+              <a:gd name="connsiteY30" fmla="*/ 106724 h 201339"/>
+              <a:gd name="connisteX31" fmla="*/ 1917700 w 3022600"/>
+              <a:gd name="connsiteY31" fmla="*/ 97199 h 201339"/>
+              <a:gd name="connisteX32" fmla="*/ 1983740 w 3022600"/>
+              <a:gd name="connsiteY32" fmla="*/ 87674 h 201339"/>
+              <a:gd name="connisteX33" fmla="*/ 2049780 w 3022600"/>
+              <a:gd name="connsiteY33" fmla="*/ 78784 h 201339"/>
+              <a:gd name="connisteX34" fmla="*/ 2097405 w 3022600"/>
+              <a:gd name="connsiteY34" fmla="*/ 12109 h 201339"/>
+              <a:gd name="connisteX35" fmla="*/ 2163445 w 3022600"/>
+              <a:gd name="connsiteY35" fmla="*/ 50209 h 201339"/>
+              <a:gd name="connisteX36" fmla="*/ 2229485 w 3022600"/>
+              <a:gd name="connsiteY36" fmla="*/ 59734 h 201339"/>
+              <a:gd name="connisteX37" fmla="*/ 2295525 w 3022600"/>
+              <a:gd name="connsiteY37" fmla="*/ 69259 h 201339"/>
+              <a:gd name="connisteX38" fmla="*/ 2361565 w 3022600"/>
+              <a:gd name="connsiteY38" fmla="*/ 125774 h 201339"/>
+              <a:gd name="connisteX39" fmla="*/ 2427605 w 3022600"/>
+              <a:gd name="connsiteY39" fmla="*/ 163239 h 201339"/>
+              <a:gd name="connisteX40" fmla="*/ 2493645 w 3022600"/>
+              <a:gd name="connsiteY40" fmla="*/ 163239 h 201339"/>
+              <a:gd name="connisteX41" fmla="*/ 2559685 w 3022600"/>
+              <a:gd name="connsiteY41" fmla="*/ 154349 h 201339"/>
+              <a:gd name="connisteX42" fmla="*/ 2626360 w 3022600"/>
+              <a:gd name="connsiteY42" fmla="*/ 106724 h 201339"/>
+              <a:gd name="connisteX43" fmla="*/ 2692400 w 3022600"/>
+              <a:gd name="connsiteY43" fmla="*/ 78784 h 201339"/>
+              <a:gd name="connisteX44" fmla="*/ 2758440 w 3022600"/>
+              <a:gd name="connsiteY44" fmla="*/ 69259 h 201339"/>
+              <a:gd name="connisteX45" fmla="*/ 2824480 w 3022600"/>
+              <a:gd name="connsiteY45" fmla="*/ 125774 h 201339"/>
+              <a:gd name="connisteX46" fmla="*/ 2890520 w 3022600"/>
+              <a:gd name="connsiteY46" fmla="*/ 135299 h 201339"/>
+              <a:gd name="connisteX47" fmla="*/ 2956560 w 3022600"/>
+              <a:gd name="connsiteY47" fmla="*/ 106724 h 201339"/>
+              <a:gd name="connisteX48" fmla="*/ 3022600 w 3022600"/>
+              <a:gd name="connsiteY48" fmla="*/ 78784 h 201339"/>
+            </a:gdLst>
+            <a:ahLst/>
+            <a:cxnLst>
+              <a:cxn ang="0">
+                <a:pos x="connisteX0" y="connsiteY0"/>
+              </a:cxn>
+              <a:cxn ang="0">
+                <a:pos x="connisteX1" y="connsiteY1"/>
+              </a:cxn>
+              <a:cxn ang="0">
+                <a:pos x="connisteX2" y="connsiteY2"/>
+              </a:cxn>
+              <a:cxn ang="0">
+                <a:pos x="connisteX3" y="connsiteY3"/>
+              </a:cxn>
+              <a:cxn ang="0">
+                <a:pos x="connisteX4" y="connsiteY4"/>
+              </a:cxn>
+              <a:cxn ang="0">
+                <a:pos x="connisteX5" y="connsiteY5"/>
+              </a:cxn>
+              <a:cxn ang="0">
+                <a:pos x="connisteX6" y="connsiteY6"/>
+              </a:cxn>
+              <a:cxn ang="0">
+                <a:pos x="connisteX7" y="connsiteY7"/>
+              </a:cxn>
+              <a:cxn ang="0">
+                <a:pos x="connisteX8" y="connsiteY8"/>
+              </a:cxn>
+              <a:cxn ang="0">
+                <a:pos x="connisteX9" y="connsiteY9"/>
+              </a:cxn>
+              <a:cxn ang="0">
+                <a:pos x="connisteX10" y="connsiteY10"/>
+              </a:cxn>
+              <a:cxn ang="0">
+                <a:pos x="connisteX11" y="connsiteY11"/>
+              </a:cxn>
+              <a:cxn ang="0">
+                <a:pos x="connisteX12" y="connsiteY12"/>
+              </a:cxn>
+              <a:cxn ang="0">
+                <a:pos x="connisteX13" y="connsiteY13"/>
+              </a:cxn>
+              <a:cxn ang="0">
+                <a:pos x="connisteX14" y="connsiteY14"/>
+              </a:cxn>
+              <a:cxn ang="0">
+                <a:pos x="connisteX15" y="connsiteY15"/>
+              </a:cxn>
+              <a:cxn ang="0">
+                <a:pos x="connisteX16" y="connsiteY16"/>
+              </a:cxn>
+              <a:cxn ang="0">
+                <a:pos x="connisteX17" y="connsiteY17"/>
+              </a:cxn>
+              <a:cxn ang="0">
+                <a:pos x="connisteX18" y="connsiteY18"/>
+              </a:cxn>
+              <a:cxn ang="0">
+                <a:pos x="connisteX19" y="connsiteY19"/>
+              </a:cxn>
+              <a:cxn ang="0">
+                <a:pos x="connisteX20" y="connsiteY20"/>
+              </a:cxn>
+              <a:cxn ang="0">
+                <a:pos x="connisteX21" y="connsiteY21"/>
+              </a:cxn>
+              <a:cxn ang="0">
+                <a:pos x="connisteX22" y="connsiteY22"/>
+              </a:cxn>
+              <a:cxn ang="0">
+                <a:pos x="connisteX23" y="connsiteY23"/>
+              </a:cxn>
+              <a:cxn ang="0">
+                <a:pos x="connisteX24" y="connsiteY24"/>
+              </a:cxn>
+              <a:cxn ang="0">
+                <a:pos x="connisteX25" y="connsiteY25"/>
+              </a:cxn>
+              <a:cxn ang="0">
+                <a:pos x="connisteX26" y="connsiteY26"/>
+              </a:cxn>
+              <a:cxn ang="0">
+                <a:pos x="connisteX27" y="connsiteY27"/>
+              </a:cxn>
+              <a:cxn ang="0">
+                <a:pos x="connisteX28" y="connsiteY28"/>
+              </a:cxn>
+              <a:cxn ang="0">
+                <a:pos x="connisteX29" y="connsiteY29"/>
+              </a:cxn>
+              <a:cxn ang="0">
+                <a:pos x="connisteX30" y="connsiteY30"/>
+              </a:cxn>
+              <a:cxn ang="0">
+                <a:pos x="connisteX31" y="connsiteY31"/>
+              </a:cxn>
+              <a:cxn ang="0">
+                <a:pos x="connisteX32" y="connsiteY32"/>
+              </a:cxn>
+              <a:cxn ang="0">
+                <a:pos x="connisteX33" y="connsiteY33"/>
+              </a:cxn>
+              <a:cxn ang="0">
+                <a:pos x="connisteX34" y="connsiteY34"/>
+              </a:cxn>
+              <a:cxn ang="0">
+                <a:pos x="connisteX35" y="connsiteY35"/>
+              </a:cxn>
+              <a:cxn ang="0">
+                <a:pos x="connisteX36" y="connsiteY36"/>
+              </a:cxn>
+              <a:cxn ang="0">
+                <a:pos x="connisteX37" y="connsiteY37"/>
+              </a:cxn>
+              <a:cxn ang="0">
+                <a:pos x="connisteX38" y="connsiteY38"/>
+              </a:cxn>
+              <a:cxn ang="0">
+                <a:pos x="connisteX39" y="connsiteY39"/>
+              </a:cxn>
+              <a:cxn ang="0">
+                <a:pos x="connisteX40" y="connsiteY40"/>
+              </a:cxn>
+              <a:cxn ang="0">
+                <a:pos x="connisteX41" y="connsiteY41"/>
+              </a:cxn>
+              <a:cxn ang="0">
+                <a:pos x="connisteX42" y="connsiteY42"/>
+              </a:cxn>
+              <a:cxn ang="0">
+                <a:pos x="connisteX43" y="connsiteY43"/>
+              </a:cxn>
+              <a:cxn ang="0">
+                <a:pos x="connisteX44" y="connsiteY44"/>
+              </a:cxn>
+              <a:cxn ang="0">
+                <a:pos x="connisteX45" y="connsiteY45"/>
+              </a:cxn>
+              <a:cxn ang="0">
+                <a:pos x="connisteX46" y="connsiteY46"/>
+              </a:cxn>
+              <a:cxn ang="0">
+                <a:pos x="connisteX47" y="connsiteY47"/>
+              </a:cxn>
+              <a:cxn ang="0">
+                <a:pos x="connisteX48" y="connsiteY48"/>
+              </a:cxn>
+            </a:cxnLst>
+            <a:rect l="l" t="t" r="r" b="b"/>
+            <a:pathLst>
+              <a:path w="3022600" h="201339">
+                <a:moveTo>
+                  <a:pt x="0" y="201339"/>
+                </a:moveTo>
+                <a:cubicBezTo>
+                  <a:pt x="6985" y="189274"/>
+                  <a:pt x="22860" y="161969"/>
+                  <a:pt x="38100" y="135299"/>
+                </a:cubicBezTo>
+                <a:cubicBezTo>
+                  <a:pt x="53340" y="108629"/>
+                  <a:pt x="54610" y="92119"/>
+                  <a:pt x="75565" y="69259"/>
+                </a:cubicBezTo>
+                <a:cubicBezTo>
+                  <a:pt x="96520" y="46399"/>
+                  <a:pt x="114935" y="21634"/>
+                  <a:pt x="141605" y="21634"/>
+                </a:cubicBezTo>
+                <a:cubicBezTo>
+                  <a:pt x="168275" y="21634"/>
+                  <a:pt x="180975" y="46399"/>
+                  <a:pt x="207645" y="69259"/>
+                </a:cubicBezTo>
+                <a:cubicBezTo>
+                  <a:pt x="234315" y="92119"/>
+                  <a:pt x="247015" y="110534"/>
+                  <a:pt x="273685" y="135299"/>
+                </a:cubicBezTo>
+                <a:cubicBezTo>
+                  <a:pt x="300355" y="160064"/>
+                  <a:pt x="317500" y="193719"/>
+                  <a:pt x="340360" y="191814"/>
+                </a:cubicBezTo>
+                <a:cubicBezTo>
+                  <a:pt x="363220" y="189909"/>
+                  <a:pt x="364490" y="148634"/>
+                  <a:pt x="387350" y="125774"/>
+                </a:cubicBezTo>
+                <a:cubicBezTo>
+                  <a:pt x="410210" y="102914"/>
+                  <a:pt x="426720" y="80689"/>
+                  <a:pt x="453390" y="78784"/>
+                </a:cubicBezTo>
+                <a:cubicBezTo>
+                  <a:pt x="480060" y="76879"/>
+                  <a:pt x="492760" y="102914"/>
+                  <a:pt x="519430" y="116249"/>
+                </a:cubicBezTo>
+                <a:cubicBezTo>
+                  <a:pt x="546100" y="129584"/>
+                  <a:pt x="558800" y="133394"/>
+                  <a:pt x="585470" y="144824"/>
+                </a:cubicBezTo>
+                <a:cubicBezTo>
+                  <a:pt x="612140" y="156254"/>
+                  <a:pt x="625475" y="168954"/>
+                  <a:pt x="652145" y="172764"/>
+                </a:cubicBezTo>
+                <a:cubicBezTo>
+                  <a:pt x="678815" y="176574"/>
+                  <a:pt x="693420" y="178479"/>
+                  <a:pt x="718185" y="163239"/>
+                </a:cubicBezTo>
+                <a:cubicBezTo>
+                  <a:pt x="742950" y="147999"/>
+                  <a:pt x="749935" y="116249"/>
+                  <a:pt x="774700" y="97199"/>
+                </a:cubicBezTo>
+                <a:cubicBezTo>
+                  <a:pt x="799465" y="78149"/>
+                  <a:pt x="814070" y="80689"/>
+                  <a:pt x="840740" y="69259"/>
+                </a:cubicBezTo>
+                <a:cubicBezTo>
+                  <a:pt x="867410" y="57829"/>
+                  <a:pt x="880110" y="46399"/>
+                  <a:pt x="906780" y="40684"/>
+                </a:cubicBezTo>
+                <a:cubicBezTo>
+                  <a:pt x="933450" y="34969"/>
+                  <a:pt x="946150" y="36874"/>
+                  <a:pt x="972820" y="40684"/>
+                </a:cubicBezTo>
+                <a:cubicBezTo>
+                  <a:pt x="999490" y="44494"/>
+                  <a:pt x="1012190" y="54019"/>
+                  <a:pt x="1038860" y="59734"/>
+                </a:cubicBezTo>
+                <a:cubicBezTo>
+                  <a:pt x="1065530" y="65449"/>
+                  <a:pt x="1086485" y="54019"/>
+                  <a:pt x="1105535" y="69259"/>
+                </a:cubicBezTo>
+                <a:cubicBezTo>
+                  <a:pt x="1124585" y="84499"/>
+                  <a:pt x="1112520" y="120059"/>
+                  <a:pt x="1133475" y="135299"/>
+                </a:cubicBezTo>
+                <a:cubicBezTo>
+                  <a:pt x="1154430" y="150539"/>
+                  <a:pt x="1180465" y="150539"/>
+                  <a:pt x="1209040" y="144824"/>
+                </a:cubicBezTo>
+                <a:cubicBezTo>
+                  <a:pt x="1237615" y="139109"/>
+                  <a:pt x="1246505" y="125774"/>
+                  <a:pt x="1275080" y="106724"/>
+                </a:cubicBezTo>
+                <a:cubicBezTo>
+                  <a:pt x="1303655" y="87674"/>
+                  <a:pt x="1322070" y="63544"/>
+                  <a:pt x="1350645" y="50209"/>
+                </a:cubicBezTo>
+                <a:cubicBezTo>
+                  <a:pt x="1379220" y="36874"/>
+                  <a:pt x="1390015" y="50209"/>
+                  <a:pt x="1416685" y="40684"/>
+                </a:cubicBezTo>
+                <a:cubicBezTo>
+                  <a:pt x="1443355" y="31159"/>
+                  <a:pt x="1456690" y="8934"/>
+                  <a:pt x="1483360" y="3219"/>
+                </a:cubicBezTo>
+                <a:cubicBezTo>
+                  <a:pt x="1510030" y="-2496"/>
+                  <a:pt x="1522730" y="-1226"/>
+                  <a:pt x="1549400" y="12109"/>
+                </a:cubicBezTo>
+                <a:cubicBezTo>
+                  <a:pt x="1576070" y="25444"/>
+                  <a:pt x="1588770" y="46399"/>
+                  <a:pt x="1615440" y="69259"/>
+                </a:cubicBezTo>
+                <a:cubicBezTo>
+                  <a:pt x="1642110" y="92119"/>
+                  <a:pt x="1654810" y="106724"/>
+                  <a:pt x="1681480" y="125774"/>
+                </a:cubicBezTo>
+                <a:cubicBezTo>
+                  <a:pt x="1708150" y="144824"/>
+                  <a:pt x="1720850" y="153714"/>
+                  <a:pt x="1747520" y="163239"/>
+                </a:cubicBezTo>
+                <a:cubicBezTo>
+                  <a:pt x="1774190" y="172764"/>
+                  <a:pt x="1792605" y="184194"/>
+                  <a:pt x="1813560" y="172764"/>
+                </a:cubicBezTo>
+                <a:cubicBezTo>
+                  <a:pt x="1834515" y="161334"/>
+                  <a:pt x="1830705" y="121964"/>
+                  <a:pt x="1851660" y="106724"/>
+                </a:cubicBezTo>
+                <a:cubicBezTo>
+                  <a:pt x="1872615" y="91484"/>
+                  <a:pt x="1891030" y="101009"/>
+                  <a:pt x="1917700" y="97199"/>
+                </a:cubicBezTo>
+                <a:cubicBezTo>
+                  <a:pt x="1944370" y="93389"/>
+                  <a:pt x="1957070" y="91484"/>
+                  <a:pt x="1983740" y="87674"/>
+                </a:cubicBezTo>
+                <a:cubicBezTo>
+                  <a:pt x="2010410" y="83864"/>
+                  <a:pt x="2026920" y="94024"/>
+                  <a:pt x="2049780" y="78784"/>
+                </a:cubicBezTo>
+                <a:cubicBezTo>
+                  <a:pt x="2072640" y="63544"/>
+                  <a:pt x="2074545" y="17824"/>
+                  <a:pt x="2097405" y="12109"/>
+                </a:cubicBezTo>
+                <a:cubicBezTo>
+                  <a:pt x="2120265" y="6394"/>
+                  <a:pt x="2136775" y="40684"/>
+                  <a:pt x="2163445" y="50209"/>
+                </a:cubicBezTo>
+                <a:cubicBezTo>
+                  <a:pt x="2190115" y="59734"/>
+                  <a:pt x="2202815" y="55924"/>
+                  <a:pt x="2229485" y="59734"/>
+                </a:cubicBezTo>
+                <a:cubicBezTo>
+                  <a:pt x="2256155" y="63544"/>
+                  <a:pt x="2268855" y="55924"/>
+                  <a:pt x="2295525" y="69259"/>
+                </a:cubicBezTo>
+                <a:cubicBezTo>
+                  <a:pt x="2322195" y="82594"/>
+                  <a:pt x="2334895" y="106724"/>
+                  <a:pt x="2361565" y="125774"/>
+                </a:cubicBezTo>
+                <a:cubicBezTo>
+                  <a:pt x="2388235" y="144824"/>
+                  <a:pt x="2400935" y="155619"/>
+                  <a:pt x="2427605" y="163239"/>
+                </a:cubicBezTo>
+                <a:cubicBezTo>
+                  <a:pt x="2454275" y="170859"/>
+                  <a:pt x="2466975" y="165144"/>
+                  <a:pt x="2493645" y="163239"/>
+                </a:cubicBezTo>
+                <a:cubicBezTo>
+                  <a:pt x="2520315" y="161334"/>
+                  <a:pt x="2533015" y="165779"/>
+                  <a:pt x="2559685" y="154349"/>
+                </a:cubicBezTo>
+                <a:cubicBezTo>
+                  <a:pt x="2586355" y="142919"/>
+                  <a:pt x="2599690" y="121964"/>
+                  <a:pt x="2626360" y="106724"/>
+                </a:cubicBezTo>
+                <a:cubicBezTo>
+                  <a:pt x="2653030" y="91484"/>
+                  <a:pt x="2665730" y="86404"/>
+                  <a:pt x="2692400" y="78784"/>
+                </a:cubicBezTo>
+                <a:cubicBezTo>
+                  <a:pt x="2719070" y="71164"/>
+                  <a:pt x="2731770" y="59734"/>
+                  <a:pt x="2758440" y="69259"/>
+                </a:cubicBezTo>
+                <a:cubicBezTo>
+                  <a:pt x="2785110" y="78784"/>
+                  <a:pt x="2797810" y="112439"/>
+                  <a:pt x="2824480" y="125774"/>
+                </a:cubicBezTo>
+                <a:cubicBezTo>
+                  <a:pt x="2851150" y="139109"/>
+                  <a:pt x="2863850" y="139109"/>
+                  <a:pt x="2890520" y="135299"/>
+                </a:cubicBezTo>
+                <a:cubicBezTo>
+                  <a:pt x="2917190" y="131489"/>
+                  <a:pt x="2929890" y="118154"/>
+                  <a:pt x="2956560" y="106724"/>
+                </a:cubicBezTo>
+                <a:cubicBezTo>
+                  <a:pt x="2983230" y="95294"/>
+                  <a:pt x="3010535" y="83864"/>
+                  <a:pt x="3022600" y="78784"/>
+                </a:cubicBezTo>
+              </a:path>
+            </a:pathLst>
+          </a:custGeom>
+        </p:spPr>
+        <p:style>
+          <a:lnRef idx="3">
+            <a:schemeClr val="accent1"/>
+          </a:lnRef>
+          <a:fillRef idx="0">
+            <a:srgbClr val="FFFFFF"/>
+          </a:fillRef>
+          <a:effectRef idx="0">
+            <a:srgbClr val="FFFFFF"/>
+          </a:effectRef>
+          <a:fontRef idx="minor">
+            <a:schemeClr val="tx1"/>
+          </a:fontRef>
+        </p:style>
+        <p:txBody>
+          <a:bodyPr rtlCol="0" anchor="ctr"/>
+          <a:p>
+            <a:pPr algn="ctr"/>
+            <a:endParaRPr lang="zh-CN" altLang="en-US"/>
+          </a:p>
+        </p:txBody>
+      </p:sp>
+      <p:cxnSp>
+        <p:nvCxnSpPr>
+          <p:cNvPr id="32" name="直接连接符 31"/>
+          <p:cNvCxnSpPr>
+            <a:stCxn id="29" idx="0"/>
+            <a:endCxn id="29" idx="2"/>
+          </p:cNvCxnSpPr>
+          <p:nvPr/>
+        </p:nvCxnSpPr>
+        <p:spPr>
+          <a:xfrm>
+            <a:off x="1532890" y="2519045"/>
+            <a:ext cx="0" cy="368935"/>
+          </a:xfrm>
+          <a:prstGeom prst="line">
+            <a:avLst/>
+          </a:prstGeom>
+          <a:ln w="28575">
+            <a:solidFill>
+              <a:schemeClr val="accent1">
+                <a:lumMod val="75000"/>
+              </a:schemeClr>
+            </a:solidFill>
+          </a:ln>
+        </p:spPr>
+        <p:style>
+          <a:lnRef idx="2">
+            <a:schemeClr val="accent1"/>
+          </a:lnRef>
+          <a:fillRef idx="0">
+            <a:srgbClr val="FFFFFF"/>
+          </a:fillRef>
+          <a:effectRef idx="0">
+            <a:srgbClr val="FFFFFF"/>
+          </a:effectRef>
+          <a:fontRef idx="minor">
+            <a:schemeClr val="tx1"/>
+          </a:fontRef>
+        </p:style>
+      </p:cxnSp>
+      <p:cxnSp>
+        <p:nvCxnSpPr>
+          <p:cNvPr id="33" name="直接连接符 32"/>
+          <p:cNvCxnSpPr/>
+          <p:nvPr/>
+        </p:nvCxnSpPr>
+        <p:spPr>
+          <a:xfrm>
+            <a:off x="2995930" y="2519045"/>
+            <a:ext cx="0" cy="368935"/>
+          </a:xfrm>
+          <a:prstGeom prst="line">
+            <a:avLst/>
+          </a:prstGeom>
+          <a:ln w="28575">
+            <a:solidFill>
+              <a:schemeClr val="accent1">
+                <a:lumMod val="75000"/>
+              </a:schemeClr>
+            </a:solidFill>
+          </a:ln>
+        </p:spPr>
+        <p:style>
+          <a:lnRef idx="2">
+            <a:schemeClr val="accent1"/>
+          </a:lnRef>
+          <a:fillRef idx="0">
+            <a:srgbClr val="FFFFFF"/>
+          </a:fillRef>
+          <a:effectRef idx="0">
+            <a:srgbClr val="FFFFFF"/>
+          </a:effectRef>
+          <a:fontRef idx="minor">
+            <a:schemeClr val="tx1"/>
+          </a:fontRef>
+        </p:style>
+      </p:cxnSp>
+      <p:sp>
+        <p:nvSpPr>
+          <p:cNvPr id="34" name="矩形 33"/>
+          <p:cNvSpPr/>
+          <p:nvPr/>
+        </p:nvSpPr>
+        <p:spPr>
+          <a:xfrm>
+            <a:off x="801370" y="2059940"/>
+            <a:ext cx="1463040" cy="368935"/>
+          </a:xfrm>
+          <a:prstGeom prst="rect">
+            <a:avLst/>
+          </a:prstGeom>
+          <a:solidFill>
+            <a:schemeClr val="bg1"/>
+          </a:solidFill>
+          <a:ln w="28575">
+            <a:solidFill>
+              <a:schemeClr val="accent1">
+                <a:lumMod val="75000"/>
+              </a:schemeClr>
+            </a:solidFill>
+          </a:ln>
+        </p:spPr>
+        <p:style>
+          <a:lnRef idx="2">
+            <a:schemeClr val="accent1">
+              <a:lumMod val="75000"/>
+            </a:schemeClr>
+          </a:lnRef>
+          <a:fillRef idx="1">
+            <a:schemeClr val="accent1"/>
+          </a:fillRef>
+          <a:effectRef idx="0">
+            <a:srgbClr val="FFFFFF"/>
+          </a:effectRef>
+          <a:fontRef idx="minor">
+            <a:schemeClr val="lt1"/>
+          </a:fontRef>
+        </p:style>
+        <p:txBody>
+          <a:bodyPr rtlCol="0" anchor="ctr"/>
+          <a:p>
+            <a:pPr algn="ctr"/>
+            <a:endParaRPr lang="zh-CN" altLang="en-US"/>
+          </a:p>
+        </p:txBody>
+      </p:sp>
+      <p:sp>
+        <p:nvSpPr>
+          <p:cNvPr id="35" name="矩形 34"/>
+          <p:cNvSpPr/>
+          <p:nvPr/>
+        </p:nvSpPr>
+        <p:spPr>
+          <a:xfrm>
+            <a:off x="2264410" y="2059940"/>
+            <a:ext cx="1463040" cy="368935"/>
+          </a:xfrm>
+          <a:prstGeom prst="rect">
+            <a:avLst/>
+          </a:prstGeom>
+          <a:solidFill>
+            <a:schemeClr val="accent6">
+              <a:lumMod val="40000"/>
+              <a:lumOff val="60000"/>
+            </a:schemeClr>
+          </a:solidFill>
+          <a:ln w="28575">
+            <a:solidFill>
+              <a:schemeClr val="accent1">
+                <a:lumMod val="75000"/>
+              </a:schemeClr>
+            </a:solidFill>
+          </a:ln>
+        </p:spPr>
+        <p:style>
+          <a:lnRef idx="2">
+            <a:schemeClr val="accent1">
+              <a:lumMod val="75000"/>
+            </a:schemeClr>
+          </a:lnRef>
+          <a:fillRef idx="1">
+            <a:schemeClr val="accent1"/>
+          </a:fillRef>
+          <a:effectRef idx="0">
+            <a:srgbClr val="FFFFFF"/>
+          </a:effectRef>
+          <a:fontRef idx="minor">
+            <a:schemeClr val="lt1"/>
+          </a:fontRef>
+        </p:style>
+        <p:txBody>
+          <a:bodyPr rtlCol="0" anchor="ctr"/>
+          <a:p>
+            <a:pPr algn="ctr"/>
+            <a:endParaRPr lang="zh-CN" altLang="en-US"/>
+          </a:p>
+        </p:txBody>
+      </p:sp>
+      <p:sp>
+        <p:nvSpPr>
+          <p:cNvPr id="36" name="任意多边形 35"/>
+          <p:cNvSpPr/>
+          <p:nvPr/>
+        </p:nvSpPr>
+        <p:spPr>
+          <a:xfrm>
+            <a:off x="801370" y="2134870"/>
+            <a:ext cx="2926080" cy="219710"/>
+          </a:xfrm>
+          <a:custGeom>
+            <a:avLst/>
+            <a:gdLst>
+              <a:gd name="connisteX0" fmla="*/ 0 w 3022600"/>
+              <a:gd name="connsiteY0" fmla="*/ 201339 h 201339"/>
+              <a:gd name="connisteX1" fmla="*/ 38100 w 3022600"/>
+              <a:gd name="connsiteY1" fmla="*/ 135299 h 201339"/>
+              <a:gd name="connisteX2" fmla="*/ 75565 w 3022600"/>
+              <a:gd name="connsiteY2" fmla="*/ 69259 h 201339"/>
+              <a:gd name="connisteX3" fmla="*/ 141605 w 3022600"/>
+              <a:gd name="connsiteY3" fmla="*/ 21634 h 201339"/>
+              <a:gd name="connisteX4" fmla="*/ 207645 w 3022600"/>
+              <a:gd name="connsiteY4" fmla="*/ 69259 h 201339"/>
+              <a:gd name="connisteX5" fmla="*/ 273685 w 3022600"/>
+              <a:gd name="connsiteY5" fmla="*/ 135299 h 201339"/>
+              <a:gd name="connisteX6" fmla="*/ 340360 w 3022600"/>
+              <a:gd name="connsiteY6" fmla="*/ 191814 h 201339"/>
+              <a:gd name="connisteX7" fmla="*/ 387350 w 3022600"/>
+              <a:gd name="connsiteY7" fmla="*/ 125774 h 201339"/>
+              <a:gd name="connisteX8" fmla="*/ 453390 w 3022600"/>
+              <a:gd name="connsiteY8" fmla="*/ 78784 h 201339"/>
+              <a:gd name="connisteX9" fmla="*/ 519430 w 3022600"/>
+              <a:gd name="connsiteY9" fmla="*/ 116249 h 201339"/>
+              <a:gd name="connisteX10" fmla="*/ 585470 w 3022600"/>
+              <a:gd name="connsiteY10" fmla="*/ 144824 h 201339"/>
+              <a:gd name="connisteX11" fmla="*/ 652145 w 3022600"/>
+              <a:gd name="connsiteY11" fmla="*/ 172764 h 201339"/>
+              <a:gd name="connisteX12" fmla="*/ 718185 w 3022600"/>
+              <a:gd name="connsiteY12" fmla="*/ 163239 h 201339"/>
+              <a:gd name="connisteX13" fmla="*/ 774700 w 3022600"/>
+              <a:gd name="connsiteY13" fmla="*/ 97199 h 201339"/>
+              <a:gd name="connisteX14" fmla="*/ 840740 w 3022600"/>
+              <a:gd name="connsiteY14" fmla="*/ 69259 h 201339"/>
+              <a:gd name="connisteX15" fmla="*/ 906780 w 3022600"/>
+              <a:gd name="connsiteY15" fmla="*/ 40684 h 201339"/>
+              <a:gd name="connisteX16" fmla="*/ 972820 w 3022600"/>
+              <a:gd name="connsiteY16" fmla="*/ 40684 h 201339"/>
+              <a:gd name="connisteX17" fmla="*/ 1038860 w 3022600"/>
+              <a:gd name="connsiteY17" fmla="*/ 59734 h 201339"/>
+              <a:gd name="connisteX18" fmla="*/ 1105535 w 3022600"/>
+              <a:gd name="connsiteY18" fmla="*/ 69259 h 201339"/>
+              <a:gd name="connisteX19" fmla="*/ 1133475 w 3022600"/>
+              <a:gd name="connsiteY19" fmla="*/ 135299 h 201339"/>
+              <a:gd name="connisteX20" fmla="*/ 1209040 w 3022600"/>
+              <a:gd name="connsiteY20" fmla="*/ 144824 h 201339"/>
+              <a:gd name="connisteX21" fmla="*/ 1275080 w 3022600"/>
+              <a:gd name="connsiteY21" fmla="*/ 106724 h 201339"/>
+              <a:gd name="connisteX22" fmla="*/ 1350645 w 3022600"/>
+              <a:gd name="connsiteY22" fmla="*/ 50209 h 201339"/>
+              <a:gd name="connisteX23" fmla="*/ 1416685 w 3022600"/>
+              <a:gd name="connsiteY23" fmla="*/ 40684 h 201339"/>
+              <a:gd name="connisteX24" fmla="*/ 1483360 w 3022600"/>
+              <a:gd name="connsiteY24" fmla="*/ 3219 h 201339"/>
+              <a:gd name="connisteX25" fmla="*/ 1549400 w 3022600"/>
+              <a:gd name="connsiteY25" fmla="*/ 12109 h 201339"/>
+              <a:gd name="connisteX26" fmla="*/ 1615440 w 3022600"/>
+              <a:gd name="connsiteY26" fmla="*/ 69259 h 201339"/>
+              <a:gd name="connisteX27" fmla="*/ 1681480 w 3022600"/>
+              <a:gd name="connsiteY27" fmla="*/ 125774 h 201339"/>
+              <a:gd name="connisteX28" fmla="*/ 1747520 w 3022600"/>
+              <a:gd name="connsiteY28" fmla="*/ 163239 h 201339"/>
+              <a:gd name="connisteX29" fmla="*/ 1813560 w 3022600"/>
+              <a:gd name="connsiteY29" fmla="*/ 172764 h 201339"/>
+              <a:gd name="connisteX30" fmla="*/ 1851660 w 3022600"/>
+              <a:gd name="connsiteY30" fmla="*/ 106724 h 201339"/>
+              <a:gd name="connisteX31" fmla="*/ 1917700 w 3022600"/>
+              <a:gd name="connsiteY31" fmla="*/ 97199 h 201339"/>
+              <a:gd name="connisteX32" fmla="*/ 1983740 w 3022600"/>
+              <a:gd name="connsiteY32" fmla="*/ 87674 h 201339"/>
+              <a:gd name="connisteX33" fmla="*/ 2049780 w 3022600"/>
+              <a:gd name="connsiteY33" fmla="*/ 78784 h 201339"/>
+              <a:gd name="connisteX34" fmla="*/ 2097405 w 3022600"/>
+              <a:gd name="connsiteY34" fmla="*/ 12109 h 201339"/>
+              <a:gd name="connisteX35" fmla="*/ 2163445 w 3022600"/>
+              <a:gd name="connsiteY35" fmla="*/ 50209 h 201339"/>
+              <a:gd name="connisteX36" fmla="*/ 2229485 w 3022600"/>
+              <a:gd name="connsiteY36" fmla="*/ 59734 h 201339"/>
+              <a:gd name="connisteX37" fmla="*/ 2295525 w 3022600"/>
+              <a:gd name="connsiteY37" fmla="*/ 69259 h 201339"/>
+              <a:gd name="connisteX38" fmla="*/ 2361565 w 3022600"/>
+              <a:gd name="connsiteY38" fmla="*/ 125774 h 201339"/>
+              <a:gd name="connisteX39" fmla="*/ 2427605 w 3022600"/>
+              <a:gd name="connsiteY39" fmla="*/ 163239 h 201339"/>
+              <a:gd name="connisteX40" fmla="*/ 2493645 w 3022600"/>
+              <a:gd name="connsiteY40" fmla="*/ 163239 h 201339"/>
+              <a:gd name="connisteX41" fmla="*/ 2559685 w 3022600"/>
+              <a:gd name="connsiteY41" fmla="*/ 154349 h 201339"/>
+              <a:gd name="connisteX42" fmla="*/ 2626360 w 3022600"/>
+              <a:gd name="connsiteY42" fmla="*/ 106724 h 201339"/>
+              <a:gd name="connisteX43" fmla="*/ 2692400 w 3022600"/>
+              <a:gd name="connsiteY43" fmla="*/ 78784 h 201339"/>
+              <a:gd name="connisteX44" fmla="*/ 2758440 w 3022600"/>
+              <a:gd name="connsiteY44" fmla="*/ 69259 h 201339"/>
+              <a:gd name="connisteX45" fmla="*/ 2824480 w 3022600"/>
+              <a:gd name="connsiteY45" fmla="*/ 125774 h 201339"/>
+              <a:gd name="connisteX46" fmla="*/ 2890520 w 3022600"/>
+              <a:gd name="connsiteY46" fmla="*/ 135299 h 201339"/>
+              <a:gd name="connisteX47" fmla="*/ 2956560 w 3022600"/>
+              <a:gd name="connsiteY47" fmla="*/ 106724 h 201339"/>
+              <a:gd name="connisteX48" fmla="*/ 3022600 w 3022600"/>
+              <a:gd name="connsiteY48" fmla="*/ 78784 h 201339"/>
+            </a:gdLst>
+            <a:ahLst/>
+            <a:cxnLst>
+              <a:cxn ang="0">
+                <a:pos x="connisteX0" y="connsiteY0"/>
+              </a:cxn>
+              <a:cxn ang="0">
+                <a:pos x="connisteX1" y="connsiteY1"/>
+              </a:cxn>
+              <a:cxn ang="0">
+                <a:pos x="connisteX2" y="connsiteY2"/>
+              </a:cxn>
+              <a:cxn ang="0">
+                <a:pos x="connisteX3" y="connsiteY3"/>
+              </a:cxn>
+              <a:cxn ang="0">
+                <a:pos x="connisteX4" y="connsiteY4"/>
+              </a:cxn>
+              <a:cxn ang="0">
+                <a:pos x="connisteX5" y="connsiteY5"/>
+              </a:cxn>
+              <a:cxn ang="0">
+                <a:pos x="connisteX6" y="connsiteY6"/>
+              </a:cxn>
+              <a:cxn ang="0">
+                <a:pos x="connisteX7" y="connsiteY7"/>
+              </a:cxn>
+              <a:cxn ang="0">
+                <a:pos x="connisteX8" y="connsiteY8"/>
+              </a:cxn>
+              <a:cxn ang="0">
+                <a:pos x="connisteX9" y="connsiteY9"/>
+              </a:cxn>
+              <a:cxn ang="0">
+                <a:pos x="connisteX10" y="connsiteY10"/>
+              </a:cxn>
+              <a:cxn ang="0">
+                <a:pos x="connisteX11" y="connsiteY11"/>
+              </a:cxn>
+              <a:cxn ang="0">
+                <a:pos x="connisteX12" y="connsiteY12"/>
+              </a:cxn>
+              <a:cxn ang="0">
+                <a:pos x="connisteX13" y="connsiteY13"/>
+              </a:cxn>
+              <a:cxn ang="0">
+                <a:pos x="connisteX14" y="connsiteY14"/>
+              </a:cxn>
+              <a:cxn ang="0">
+                <a:pos x="connisteX15" y="connsiteY15"/>
+              </a:cxn>
+              <a:cxn ang="0">
+                <a:pos x="connisteX16" y="connsiteY16"/>
+              </a:cxn>
+              <a:cxn ang="0">
+                <a:pos x="connisteX17" y="connsiteY17"/>
+              </a:cxn>
+              <a:cxn ang="0">
+                <a:pos x="connisteX18" y="connsiteY18"/>
+              </a:cxn>
+              <a:cxn ang="0">
+                <a:pos x="connisteX19" y="connsiteY19"/>
+              </a:cxn>
+              <a:cxn ang="0">
+                <a:pos x="connisteX20" y="connsiteY20"/>
+              </a:cxn>
+              <a:cxn ang="0">
+                <a:pos x="connisteX21" y="connsiteY21"/>
+              </a:cxn>
+              <a:cxn ang="0">
+                <a:pos x="connisteX22" y="connsiteY22"/>
+              </a:cxn>
+              <a:cxn ang="0">
+                <a:pos x="connisteX23" y="connsiteY23"/>
+              </a:cxn>
+              <a:cxn ang="0">
+                <a:pos x="connisteX24" y="connsiteY24"/>
+              </a:cxn>
+              <a:cxn ang="0">
+                <a:pos x="connisteX25" y="connsiteY25"/>
+              </a:cxn>
+              <a:cxn ang="0">
+                <a:pos x="connisteX26" y="connsiteY26"/>
+              </a:cxn>
+              <a:cxn ang="0">
+                <a:pos x="connisteX27" y="connsiteY27"/>
+              </a:cxn>
+              <a:cxn ang="0">
+                <a:pos x="connisteX28" y="connsiteY28"/>
+              </a:cxn>
+              <a:cxn ang="0">
+                <a:pos x="connisteX29" y="connsiteY29"/>
+              </a:cxn>
+              <a:cxn ang="0">
+                <a:pos x="connisteX30" y="connsiteY30"/>
+              </a:cxn>
+              <a:cxn ang="0">
+                <a:pos x="connisteX31" y="connsiteY31"/>
+              </a:cxn>
+              <a:cxn ang="0">
+                <a:pos x="connisteX32" y="connsiteY32"/>
+              </a:cxn>
+              <a:cxn ang="0">
+                <a:pos x="connisteX33" y="connsiteY33"/>
+              </a:cxn>
+              <a:cxn ang="0">
+                <a:pos x="connisteX34" y="connsiteY34"/>
+              </a:cxn>
+              <a:cxn ang="0">
+                <a:pos x="connisteX35" y="connsiteY35"/>
+              </a:cxn>
+              <a:cxn ang="0">
+                <a:pos x="connisteX36" y="connsiteY36"/>
+              </a:cxn>
+              <a:cxn ang="0">
+                <a:pos x="connisteX37" y="connsiteY37"/>
+              </a:cxn>
+              <a:cxn ang="0">
+                <a:pos x="connisteX38" y="connsiteY38"/>
+              </a:cxn>
+              <a:cxn ang="0">
+                <a:pos x="connisteX39" y="connsiteY39"/>
+              </a:cxn>
+              <a:cxn ang="0">
+                <a:pos x="connisteX40" y="connsiteY40"/>
+              </a:cxn>
+              <a:cxn ang="0">
+                <a:pos x="connisteX41" y="connsiteY41"/>
+              </a:cxn>
+              <a:cxn ang="0">
+                <a:pos x="connisteX42" y="connsiteY42"/>
+              </a:cxn>
+              <a:cxn ang="0">
+                <a:pos x="connisteX43" y="connsiteY43"/>
+              </a:cxn>
+              <a:cxn ang="0">
+                <a:pos x="connisteX44" y="connsiteY44"/>
+              </a:cxn>
+              <a:cxn ang="0">
+                <a:pos x="connisteX45" y="connsiteY45"/>
+              </a:cxn>
+              <a:cxn ang="0">
+                <a:pos x="connisteX46" y="connsiteY46"/>
+              </a:cxn>
+              <a:cxn ang="0">
+                <a:pos x="connisteX47" y="connsiteY47"/>
+              </a:cxn>
+              <a:cxn ang="0">
+                <a:pos x="connisteX48" y="connsiteY48"/>
+              </a:cxn>
+            </a:cxnLst>
+            <a:rect l="l" t="t" r="r" b="b"/>
+            <a:pathLst>
+              <a:path w="3022600" h="201339">
+                <a:moveTo>
+                  <a:pt x="0" y="201339"/>
+                </a:moveTo>
+                <a:cubicBezTo>
+                  <a:pt x="6985" y="189274"/>
+                  <a:pt x="22860" y="161969"/>
+                  <a:pt x="38100" y="135299"/>
+                </a:cubicBezTo>
+                <a:cubicBezTo>
+                  <a:pt x="53340" y="108629"/>
+                  <a:pt x="54610" y="92119"/>
+                  <a:pt x="75565" y="69259"/>
+                </a:cubicBezTo>
+                <a:cubicBezTo>
+                  <a:pt x="96520" y="46399"/>
+                  <a:pt x="114935" y="21634"/>
+                  <a:pt x="141605" y="21634"/>
+                </a:cubicBezTo>
+                <a:cubicBezTo>
+                  <a:pt x="168275" y="21634"/>
+                  <a:pt x="180975" y="46399"/>
+                  <a:pt x="207645" y="69259"/>
+                </a:cubicBezTo>
+                <a:cubicBezTo>
+                  <a:pt x="234315" y="92119"/>
+                  <a:pt x="247015" y="110534"/>
+                  <a:pt x="273685" y="135299"/>
+                </a:cubicBezTo>
+                <a:cubicBezTo>
+                  <a:pt x="300355" y="160064"/>
+                  <a:pt x="317500" y="193719"/>
+                  <a:pt x="340360" y="191814"/>
+                </a:cubicBezTo>
+                <a:cubicBezTo>
+                  <a:pt x="363220" y="189909"/>
+                  <a:pt x="364490" y="148634"/>
+                  <a:pt x="387350" y="125774"/>
+                </a:cubicBezTo>
+                <a:cubicBezTo>
+                  <a:pt x="410210" y="102914"/>
+                  <a:pt x="426720" y="80689"/>
+                  <a:pt x="453390" y="78784"/>
+                </a:cubicBezTo>
+                <a:cubicBezTo>
+                  <a:pt x="480060" y="76879"/>
+                  <a:pt x="492760" y="102914"/>
+                  <a:pt x="519430" y="116249"/>
+                </a:cubicBezTo>
+                <a:cubicBezTo>
+                  <a:pt x="546100" y="129584"/>
+                  <a:pt x="558800" y="133394"/>
+                  <a:pt x="585470" y="144824"/>
+                </a:cubicBezTo>
+                <a:cubicBezTo>
+                  <a:pt x="612140" y="156254"/>
+                  <a:pt x="625475" y="168954"/>
+                  <a:pt x="652145" y="172764"/>
+                </a:cubicBezTo>
+                <a:cubicBezTo>
+                  <a:pt x="678815" y="176574"/>
+                  <a:pt x="693420" y="178479"/>
+                  <a:pt x="718185" y="163239"/>
+                </a:cubicBezTo>
+                <a:cubicBezTo>
+                  <a:pt x="742950" y="147999"/>
+                  <a:pt x="749935" y="116249"/>
+                  <a:pt x="774700" y="97199"/>
+                </a:cubicBezTo>
+                <a:cubicBezTo>
+                  <a:pt x="799465" y="78149"/>
+                  <a:pt x="814070" y="80689"/>
+                  <a:pt x="840740" y="69259"/>
+                </a:cubicBezTo>
+                <a:cubicBezTo>
+                  <a:pt x="867410" y="57829"/>
+                  <a:pt x="880110" y="46399"/>
+                  <a:pt x="906780" y="40684"/>
+                </a:cubicBezTo>
+                <a:cubicBezTo>
+                  <a:pt x="933450" y="34969"/>
+                  <a:pt x="946150" y="36874"/>
+                  <a:pt x="972820" y="40684"/>
+                </a:cubicBezTo>
+                <a:cubicBezTo>
+                  <a:pt x="999490" y="44494"/>
+                  <a:pt x="1012190" y="54019"/>
+                  <a:pt x="1038860" y="59734"/>
+                </a:cubicBezTo>
+                <a:cubicBezTo>
+                  <a:pt x="1065530" y="65449"/>
+                  <a:pt x="1086485" y="54019"/>
+                  <a:pt x="1105535" y="69259"/>
+                </a:cubicBezTo>
+                <a:cubicBezTo>
+                  <a:pt x="1124585" y="84499"/>
+                  <a:pt x="1112520" y="120059"/>
+                  <a:pt x="1133475" y="135299"/>
+                </a:cubicBezTo>
+                <a:cubicBezTo>
+                  <a:pt x="1154430" y="150539"/>
+                  <a:pt x="1180465" y="150539"/>
+                  <a:pt x="1209040" y="144824"/>
+                </a:cubicBezTo>
+                <a:cubicBezTo>
+                  <a:pt x="1237615" y="139109"/>
+                  <a:pt x="1246505" y="125774"/>
+                  <a:pt x="1275080" y="106724"/>
+                </a:cubicBezTo>
+                <a:cubicBezTo>
+                  <a:pt x="1303655" y="87674"/>
+                  <a:pt x="1322070" y="63544"/>
+                  <a:pt x="1350645" y="50209"/>
+                </a:cubicBezTo>
+                <a:cubicBezTo>
+                  <a:pt x="1379220" y="36874"/>
+                  <a:pt x="1390015" y="50209"/>
+                  <a:pt x="1416685" y="40684"/>
+                </a:cubicBezTo>
+                <a:cubicBezTo>
+                  <a:pt x="1443355" y="31159"/>
+                  <a:pt x="1456690" y="8934"/>
+                  <a:pt x="1483360" y="3219"/>
+                </a:cubicBezTo>
+                <a:cubicBezTo>
+                  <a:pt x="1510030" y="-2496"/>
+                  <a:pt x="1522730" y="-1226"/>
+                  <a:pt x="1549400" y="12109"/>
+                </a:cubicBezTo>
+                <a:cubicBezTo>
+                  <a:pt x="1576070" y="25444"/>
+                  <a:pt x="1588770" y="46399"/>
+                  <a:pt x="1615440" y="69259"/>
+                </a:cubicBezTo>
+                <a:cubicBezTo>
+                  <a:pt x="1642110" y="92119"/>
+                  <a:pt x="1654810" y="106724"/>
+                  <a:pt x="1681480" y="125774"/>
+                </a:cubicBezTo>
+                <a:cubicBezTo>
+                  <a:pt x="1708150" y="144824"/>
+                  <a:pt x="1720850" y="153714"/>
+                  <a:pt x="1747520" y="163239"/>
+                </a:cubicBezTo>
+                <a:cubicBezTo>
+                  <a:pt x="1774190" y="172764"/>
+                  <a:pt x="1792605" y="184194"/>
+                  <a:pt x="1813560" y="172764"/>
+                </a:cubicBezTo>
+                <a:cubicBezTo>
+                  <a:pt x="1834515" y="161334"/>
+                  <a:pt x="1830705" y="121964"/>
+                  <a:pt x="1851660" y="106724"/>
+                </a:cubicBezTo>
+                <a:cubicBezTo>
+                  <a:pt x="1872615" y="91484"/>
+                  <a:pt x="1891030" y="101009"/>
+                  <a:pt x="1917700" y="97199"/>
+                </a:cubicBezTo>
+                <a:cubicBezTo>
+                  <a:pt x="1944370" y="93389"/>
+                  <a:pt x="1957070" y="91484"/>
+                  <a:pt x="1983740" y="87674"/>
+                </a:cubicBezTo>
+                <a:cubicBezTo>
+                  <a:pt x="2010410" y="83864"/>
+                  <a:pt x="2026920" y="94024"/>
+                  <a:pt x="2049780" y="78784"/>
+                </a:cubicBezTo>
+                <a:cubicBezTo>
+                  <a:pt x="2072640" y="63544"/>
+                  <a:pt x="2074545" y="17824"/>
+                  <a:pt x="2097405" y="12109"/>
+                </a:cubicBezTo>
+                <a:cubicBezTo>
+                  <a:pt x="2120265" y="6394"/>
+                  <a:pt x="2136775" y="40684"/>
+                  <a:pt x="2163445" y="50209"/>
+                </a:cubicBezTo>
+                <a:cubicBezTo>
+                  <a:pt x="2190115" y="59734"/>
+                  <a:pt x="2202815" y="55924"/>
+                  <a:pt x="2229485" y="59734"/>
+                </a:cubicBezTo>
+                <a:cubicBezTo>
+                  <a:pt x="2256155" y="63544"/>
+                  <a:pt x="2268855" y="55924"/>
+                  <a:pt x="2295525" y="69259"/>
+                </a:cubicBezTo>
+                <a:cubicBezTo>
+                  <a:pt x="2322195" y="82594"/>
+                  <a:pt x="2334895" y="106724"/>
+                  <a:pt x="2361565" y="125774"/>
+                </a:cubicBezTo>
+                <a:cubicBezTo>
+                  <a:pt x="2388235" y="144824"/>
+                  <a:pt x="2400935" y="155619"/>
+                  <a:pt x="2427605" y="163239"/>
+                </a:cubicBezTo>
+                <a:cubicBezTo>
+                  <a:pt x="2454275" y="170859"/>
+                  <a:pt x="2466975" y="165144"/>
+                  <a:pt x="2493645" y="163239"/>
+                </a:cubicBezTo>
+                <a:cubicBezTo>
+                  <a:pt x="2520315" y="161334"/>
+                  <a:pt x="2533015" y="165779"/>
+                  <a:pt x="2559685" y="154349"/>
+                </a:cubicBezTo>
+                <a:cubicBezTo>
+                  <a:pt x="2586355" y="142919"/>
+                  <a:pt x="2599690" y="121964"/>
+                  <a:pt x="2626360" y="106724"/>
+                </a:cubicBezTo>
+                <a:cubicBezTo>
+                  <a:pt x="2653030" y="91484"/>
+                  <a:pt x="2665730" y="86404"/>
+                  <a:pt x="2692400" y="78784"/>
+                </a:cubicBezTo>
+                <a:cubicBezTo>
+                  <a:pt x="2719070" y="71164"/>
+                  <a:pt x="2731770" y="59734"/>
+                  <a:pt x="2758440" y="69259"/>
+                </a:cubicBezTo>
+                <a:cubicBezTo>
+                  <a:pt x="2785110" y="78784"/>
+                  <a:pt x="2797810" y="112439"/>
+                  <a:pt x="2824480" y="125774"/>
+                </a:cubicBezTo>
+                <a:cubicBezTo>
+                  <a:pt x="2851150" y="139109"/>
+                  <a:pt x="2863850" y="139109"/>
+                  <a:pt x="2890520" y="135299"/>
+                </a:cubicBezTo>
+                <a:cubicBezTo>
+                  <a:pt x="2917190" y="131489"/>
+                  <a:pt x="2929890" y="118154"/>
+                  <a:pt x="2956560" y="106724"/>
+                </a:cubicBezTo>
+                <a:cubicBezTo>
+                  <a:pt x="2983230" y="95294"/>
+                  <a:pt x="3010535" y="83864"/>
+                  <a:pt x="3022600" y="78784"/>
+                </a:cubicBezTo>
+              </a:path>
+            </a:pathLst>
+          </a:custGeom>
+        </p:spPr>
+        <p:style>
+          <a:lnRef idx="3">
+            <a:schemeClr val="accent1"/>
+          </a:lnRef>
+          <a:fillRef idx="0">
+            <a:srgbClr val="FFFFFF"/>
+          </a:fillRef>
+          <a:effectRef idx="0">
+            <a:srgbClr val="FFFFFF"/>
+          </a:effectRef>
+          <a:fontRef idx="minor">
+            <a:schemeClr val="tx1"/>
+          </a:fontRef>
+        </p:style>
+        <p:txBody>
+          <a:bodyPr rtlCol="0" anchor="ctr"/>
+          <a:p>
+            <a:pPr algn="ctr"/>
+            <a:endParaRPr lang="zh-CN" altLang="en-US"/>
+          </a:p>
+        </p:txBody>
+      </p:sp>
+      <p:cxnSp>
+        <p:nvCxnSpPr>
+          <p:cNvPr id="37" name="直接连接符 36"/>
+          <p:cNvCxnSpPr>
+            <a:stCxn id="34" idx="0"/>
+            <a:endCxn id="34" idx="2"/>
+          </p:cNvCxnSpPr>
+          <p:nvPr/>
+        </p:nvCxnSpPr>
+        <p:spPr>
+          <a:xfrm>
+            <a:off x="1532890" y="2059940"/>
+            <a:ext cx="0" cy="368935"/>
+          </a:xfrm>
+          <a:prstGeom prst="line">
+            <a:avLst/>
+          </a:prstGeom>
+          <a:ln w="28575">
+            <a:solidFill>
+              <a:schemeClr val="accent1">
+                <a:lumMod val="75000"/>
+              </a:schemeClr>
+            </a:solidFill>
+          </a:ln>
+        </p:spPr>
+        <p:style>
+          <a:lnRef idx="2">
+            <a:schemeClr val="accent1"/>
+          </a:lnRef>
+          <a:fillRef idx="0">
+            <a:srgbClr val="FFFFFF"/>
+          </a:fillRef>
+          <a:effectRef idx="0">
+            <a:srgbClr val="FFFFFF"/>
+          </a:effectRef>
+          <a:fontRef idx="minor">
+            <a:schemeClr val="tx1"/>
+          </a:fontRef>
+        </p:style>
+      </p:cxnSp>
+      <p:cxnSp>
+        <p:nvCxnSpPr>
+          <p:cNvPr id="38" name="直接连接符 37"/>
+          <p:cNvCxnSpPr/>
+          <p:nvPr/>
+        </p:nvCxnSpPr>
+        <p:spPr>
+          <a:xfrm>
+            <a:off x="2995930" y="2059940"/>
+            <a:ext cx="0" cy="368935"/>
+          </a:xfrm>
+          <a:prstGeom prst="line">
+            <a:avLst/>
+          </a:prstGeom>
+          <a:ln w="28575">
+            <a:solidFill>
+              <a:schemeClr val="accent1">
+                <a:lumMod val="75000"/>
+              </a:schemeClr>
+            </a:solidFill>
+          </a:ln>
+        </p:spPr>
+        <p:style>
+          <a:lnRef idx="2">
+            <a:schemeClr val="accent1"/>
+          </a:lnRef>
+          <a:fillRef idx="0">
+            <a:srgbClr val="FFFFFF"/>
+          </a:fillRef>
+          <a:effectRef idx="0">
+            <a:srgbClr val="FFFFFF"/>
+          </a:effectRef>
+          <a:fontRef idx="minor">
+            <a:schemeClr val="tx1"/>
+          </a:fontRef>
+        </p:style>
+      </p:cxnSp>
+      <p:cxnSp>
+        <p:nvCxnSpPr>
+          <p:cNvPr id="39" name="直接连接符 38"/>
+          <p:cNvCxnSpPr/>
+          <p:nvPr/>
+        </p:nvCxnSpPr>
+        <p:spPr>
+          <a:xfrm>
+            <a:off x="1149350" y="2059940"/>
+            <a:ext cx="0" cy="368935"/>
+          </a:xfrm>
+          <a:prstGeom prst="line">
+            <a:avLst/>
+          </a:prstGeom>
+          <a:ln w="28575">
+            <a:solidFill>
+              <a:schemeClr val="accent1">
+                <a:lumMod val="75000"/>
+              </a:schemeClr>
+            </a:solidFill>
+          </a:ln>
+        </p:spPr>
+        <p:style>
+          <a:lnRef idx="2">
+            <a:schemeClr val="accent1"/>
+          </a:lnRef>
+          <a:fillRef idx="0">
+            <a:srgbClr val="FFFFFF"/>
+          </a:fillRef>
+          <a:effectRef idx="0">
+            <a:srgbClr val="FFFFFF"/>
+          </a:effectRef>
+          <a:fontRef idx="minor">
+            <a:schemeClr val="tx1"/>
+          </a:fontRef>
+        </p:style>
+      </p:cxnSp>
+      <p:cxnSp>
+        <p:nvCxnSpPr>
+          <p:cNvPr id="40" name="直接连接符 39"/>
+          <p:cNvCxnSpPr/>
+          <p:nvPr/>
+        </p:nvCxnSpPr>
+        <p:spPr>
+          <a:xfrm>
+            <a:off x="1898650" y="2059305"/>
+            <a:ext cx="0" cy="368935"/>
+          </a:xfrm>
+          <a:prstGeom prst="line">
+            <a:avLst/>
+          </a:prstGeom>
+          <a:ln w="28575">
+            <a:solidFill>
+              <a:schemeClr val="accent1">
+                <a:lumMod val="75000"/>
+              </a:schemeClr>
+            </a:solidFill>
+          </a:ln>
+        </p:spPr>
+        <p:style>
+          <a:lnRef idx="2">
+            <a:schemeClr val="accent1"/>
+          </a:lnRef>
+          <a:fillRef idx="0">
+            <a:srgbClr val="FFFFFF"/>
+          </a:fillRef>
+          <a:effectRef idx="0">
+            <a:srgbClr val="FFFFFF"/>
+          </a:effectRef>
+          <a:fontRef idx="minor">
+            <a:schemeClr val="tx1"/>
+          </a:fontRef>
+        </p:style>
+      </p:cxnSp>
+      <p:cxnSp>
+        <p:nvCxnSpPr>
+          <p:cNvPr id="41" name="直接连接符 40"/>
+          <p:cNvCxnSpPr/>
+          <p:nvPr/>
+        </p:nvCxnSpPr>
+        <p:spPr>
+          <a:xfrm>
+            <a:off x="2630170" y="2059940"/>
+            <a:ext cx="0" cy="368935"/>
+          </a:xfrm>
+          <a:prstGeom prst="line">
+            <a:avLst/>
+          </a:prstGeom>
+          <a:ln w="28575">
+            <a:solidFill>
+              <a:schemeClr val="accent1">
+                <a:lumMod val="75000"/>
+              </a:schemeClr>
+            </a:solidFill>
+          </a:ln>
+        </p:spPr>
+        <p:style>
+          <a:lnRef idx="2">
+            <a:schemeClr val="accent1"/>
+          </a:lnRef>
+          <a:fillRef idx="0">
+            <a:srgbClr val="FFFFFF"/>
+          </a:fillRef>
+          <a:effectRef idx="0">
+            <a:srgbClr val="FFFFFF"/>
+          </a:effectRef>
+          <a:fontRef idx="minor">
+            <a:schemeClr val="tx1"/>
+          </a:fontRef>
+        </p:style>
+      </p:cxnSp>
+      <p:cxnSp>
+        <p:nvCxnSpPr>
+          <p:cNvPr id="42" name="直接连接符 41"/>
+          <p:cNvCxnSpPr/>
+          <p:nvPr/>
+        </p:nvCxnSpPr>
+        <p:spPr>
+          <a:xfrm>
+            <a:off x="3361690" y="2059305"/>
+            <a:ext cx="0" cy="368935"/>
+          </a:xfrm>
+          <a:prstGeom prst="line">
+            <a:avLst/>
+          </a:prstGeom>
+          <a:ln w="28575">
+            <a:solidFill>
+              <a:schemeClr val="accent1">
+                <a:lumMod val="75000"/>
+              </a:schemeClr>
+            </a:solidFill>
+          </a:ln>
+        </p:spPr>
+        <p:style>
+          <a:lnRef idx="2">
+            <a:schemeClr val="accent1"/>
+          </a:lnRef>
+          <a:fillRef idx="0">
+            <a:srgbClr val="FFFFFF"/>
+          </a:fillRef>
+          <a:effectRef idx="0">
+            <a:srgbClr val="FFFFFF"/>
+          </a:effectRef>
+          <a:fontRef idx="minor">
+            <a:schemeClr val="tx1"/>
+          </a:fontRef>
+        </p:style>
+      </p:cxnSp>
+      <p:sp>
+        <p:nvSpPr>
+          <p:cNvPr id="44" name="文本框 43"/>
+          <p:cNvSpPr txBox="1"/>
+          <p:nvPr/>
+        </p:nvSpPr>
+        <p:spPr>
+          <a:xfrm>
+            <a:off x="4903470" y="1930400"/>
+            <a:ext cx="2552065" cy="368300"/>
+          </a:xfrm>
+          <a:prstGeom prst="rect">
+            <a:avLst/>
+          </a:prstGeom>
+          <a:solidFill>
+            <a:schemeClr val="accent4">
+              <a:lumMod val="40000"/>
+              <a:lumOff val="60000"/>
+            </a:schemeClr>
+          </a:solidFill>
+        </p:spPr>
+        <p:txBody>
+          <a:bodyPr wrap="square">
+            <a:spAutoFit/>
+            <a:extLst>
+              <a:ext uri="{4A0BC546-FE56-4ADE-93B0-CB8AF2F6F144}">
+                <wpsdc:textFrameExt xmlns:wpsdc="http://www.wps.cn/officeDocument/2022/drawingmlCustomData" type="text"/>
+              </a:ext>
+            </a:extLst>
+          </a:bodyPr>
+          <a:p>
+            <a:pPr algn="ctr"/>
+            <a:r>
+              <a:rPr lang="en-US" altLang="zh-CN" sz="1800">
+                <a:latin typeface="Arial" panose="020B0604020202020204" pitchFamily="34" charset="0"/>
+                <a:ea typeface="微软雅黑" panose="020B0503020204020204" charset="-122"/>
+              </a:rPr>
+              <a:t>Embedding</a:t>
+            </a:r>
+            <a:endParaRPr lang="en-US" altLang="zh-CN" sz="1800">
+              <a:latin typeface="Arial" panose="020B0604020202020204" pitchFamily="34" charset="0"/>
+              <a:ea typeface="微软雅黑" panose="020B0503020204020204" charset="-122"/>
+            </a:endParaRPr>
+          </a:p>
+        </p:txBody>
+      </p:sp>
+      <p:sp>
+        <p:nvSpPr>
+          <p:cNvPr id="45" name="文本框 44"/>
+          <p:cNvSpPr txBox="1"/>
+          <p:nvPr/>
+        </p:nvSpPr>
+        <p:spPr>
+          <a:xfrm>
+            <a:off x="4903470" y="1310005"/>
+            <a:ext cx="2552065" cy="368300"/>
+          </a:xfrm>
+          <a:prstGeom prst="rect">
+            <a:avLst/>
+          </a:prstGeom>
+          <a:solidFill>
+            <a:schemeClr val="accent4">
+              <a:lumMod val="40000"/>
+              <a:lumOff val="60000"/>
+            </a:schemeClr>
+          </a:solidFill>
+        </p:spPr>
+        <p:txBody>
+          <a:bodyPr wrap="square">
+            <a:spAutoFit/>
+            <a:extLst>
+              <a:ext uri="{4A0BC546-FE56-4ADE-93B0-CB8AF2F6F144}">
+                <wpsdc:textFrameExt xmlns:wpsdc="http://www.wps.cn/officeDocument/2022/drawingmlCustomData" type="text"/>
+              </a:ext>
+            </a:extLst>
+          </a:bodyPr>
+          <a:p>
+            <a:pPr algn="ctr"/>
+            <a:r>
+              <a:rPr lang="en-US" altLang="zh-CN">
+                <a:latin typeface="Arial" panose="020B0604020202020204" pitchFamily="34" charset="0"/>
+                <a:ea typeface="微软雅黑" panose="020B0503020204020204" charset="-122"/>
+                <a:sym typeface="+mn-ea"/>
+              </a:rPr>
+              <a:t>Multi-Scale Encoder</a:t>
+            </a:r>
+            <a:endParaRPr lang="en-US" altLang="zh-CN" sz="1800">
+              <a:latin typeface="Arial" panose="020B0604020202020204" pitchFamily="34" charset="0"/>
+              <a:ea typeface="微软雅黑" panose="020B0503020204020204" charset="-122"/>
+            </a:endParaRPr>
+          </a:p>
+        </p:txBody>
+      </p:sp>
+      <p:sp>
+        <p:nvSpPr>
+          <p:cNvPr id="46" name="文本框 45"/>
+          <p:cNvSpPr txBox="1"/>
+          <p:nvPr/>
+        </p:nvSpPr>
+        <p:spPr>
+          <a:xfrm>
+            <a:off x="4890135" y="412115"/>
+            <a:ext cx="2552065" cy="645160"/>
+          </a:xfrm>
+          <a:prstGeom prst="rect">
+            <a:avLst/>
+          </a:prstGeom>
+          <a:solidFill>
+            <a:schemeClr val="accent4">
+              <a:lumMod val="40000"/>
+              <a:lumOff val="60000"/>
+            </a:schemeClr>
+          </a:solidFill>
+        </p:spPr>
+        <p:txBody>
+          <a:bodyPr wrap="square">
+            <a:spAutoFit/>
+            <a:extLst>
+              <a:ext uri="{4A0BC546-FE56-4ADE-93B0-CB8AF2F6F144}">
+                <wpsdc:textFrameExt xmlns:wpsdc="http://www.wps.cn/officeDocument/2022/drawingmlCustomData" type="text"/>
+              </a:ext>
+            </a:extLst>
+          </a:bodyPr>
+          <a:p>
+            <a:pPr algn="ctr"/>
+            <a:r>
+              <a:rPr lang="en-US" altLang="zh-CN" sz="1800">
+                <a:latin typeface="Arial" panose="020B0604020202020204" pitchFamily="34" charset="0"/>
+                <a:ea typeface="微软雅黑" panose="020B0503020204020204" charset="-122"/>
+              </a:rPr>
+              <a:t>Concat Multi-Scale Features</a:t>
+            </a:r>
+            <a:endParaRPr lang="en-US" altLang="zh-CN" sz="1800">
+              <a:latin typeface="Arial" panose="020B0604020202020204" pitchFamily="34" charset="0"/>
+              <a:ea typeface="微软雅黑" panose="020B0503020204020204" charset="-122"/>
+            </a:endParaRPr>
+          </a:p>
+        </p:txBody>
+      </p:sp>
+      <p:sp>
+        <p:nvSpPr>
+          <p:cNvPr id="47" name="文本框 46"/>
+          <p:cNvSpPr txBox="1"/>
+          <p:nvPr/>
+        </p:nvSpPr>
+        <p:spPr>
+          <a:xfrm>
+            <a:off x="1898650" y="412115"/>
+            <a:ext cx="2552065" cy="645160"/>
+          </a:xfrm>
+          <a:prstGeom prst="rect">
+            <a:avLst/>
+          </a:prstGeom>
+          <a:solidFill>
+            <a:schemeClr val="accent4">
+              <a:lumMod val="40000"/>
+              <a:lumOff val="60000"/>
+            </a:schemeClr>
+          </a:solidFill>
+        </p:spPr>
+        <p:txBody>
+          <a:bodyPr wrap="square">
+            <a:spAutoFit/>
+            <a:extLst>
+              <a:ext uri="{4A0BC546-FE56-4ADE-93B0-CB8AF2F6F144}">
+                <wpsdc:textFrameExt xmlns:wpsdc="http://www.wps.cn/officeDocument/2022/drawingmlCustomData" type="text"/>
+              </a:ext>
+            </a:extLst>
+          </a:bodyPr>
+          <a:p>
+            <a:pPr algn="ctr"/>
+            <a:r>
+              <a:rPr lang="en-US" altLang="zh-CN" sz="1800">
+                <a:latin typeface="Arial" panose="020B0604020202020204" pitchFamily="34" charset="0"/>
+                <a:ea typeface="微软雅黑" panose="020B0503020204020204" charset="-122"/>
+              </a:rPr>
+              <a:t>MLP-based Reconstruction</a:t>
+            </a:r>
+            <a:endParaRPr lang="en-US" altLang="zh-CN" sz="1800">
+              <a:latin typeface="Arial" panose="020B0604020202020204" pitchFamily="34" charset="0"/>
+              <a:ea typeface="微软雅黑" panose="020B0503020204020204" charset="-122"/>
+            </a:endParaRPr>
+          </a:p>
+        </p:txBody>
+      </p:sp>
+      <p:sp>
+        <p:nvSpPr>
+          <p:cNvPr id="48" name="文本框 47"/>
+          <p:cNvSpPr txBox="1"/>
+          <p:nvPr/>
+        </p:nvSpPr>
+        <p:spPr>
+          <a:xfrm>
+            <a:off x="7881620" y="412115"/>
+            <a:ext cx="2552065" cy="922020"/>
+          </a:xfrm>
+          <a:prstGeom prst="rect">
+            <a:avLst/>
+          </a:prstGeom>
+          <a:solidFill>
+            <a:schemeClr val="accent4">
+              <a:lumMod val="40000"/>
+              <a:lumOff val="60000"/>
+            </a:schemeClr>
+          </a:solidFill>
+        </p:spPr>
+        <p:txBody>
+          <a:bodyPr wrap="square">
+            <a:spAutoFit/>
+            <a:extLst>
+              <a:ext uri="{4A0BC546-FE56-4ADE-93B0-CB8AF2F6F144}">
+                <wpsdc:textFrameExt xmlns:wpsdc="http://www.wps.cn/officeDocument/2022/drawingmlCustomData" type="text"/>
+              </a:ext>
+            </a:extLst>
+          </a:bodyPr>
+          <a:p>
+            <a:pPr algn="ctr"/>
+            <a:r>
+              <a:rPr lang="en-US" altLang="zh-CN" sz="1800">
+                <a:latin typeface="Arial" panose="020B0604020202020204" pitchFamily="34" charset="0"/>
+                <a:ea typeface="微软雅黑" panose="020B0503020204020204" charset="-122"/>
+              </a:rPr>
+              <a:t>Euclidean Distance Between Multi-Scale Features</a:t>
+            </a:r>
+            <a:endParaRPr lang="en-US" altLang="zh-CN" sz="1800">
+              <a:latin typeface="Arial" panose="020B0604020202020204" pitchFamily="34" charset="0"/>
+              <a:ea typeface="微软雅黑" panose="020B0503020204020204" charset="-122"/>
+            </a:endParaRPr>
+          </a:p>
+        </p:txBody>
+      </p:sp>
     </p:spTree>
   </p:cSld>
   <p:clrMapOvr>

--- a/论文插图.pptx
+++ b/论文插图.pptx
@@ -6172,6 +6172,43 @@
           </a:p>
         </p:txBody>
       </p:sp>
+      <p:cxnSp>
+        <p:nvCxnSpPr>
+          <p:cNvPr id="8" name="直接箭头连接符 7"/>
+          <p:cNvCxnSpPr/>
+          <p:nvPr/>
+        </p:nvCxnSpPr>
+        <p:spPr>
+          <a:xfrm flipV="1">
+            <a:off x="6166485" y="5506720"/>
+            <a:ext cx="0" cy="337820"/>
+          </a:xfrm>
+          <a:prstGeom prst="straightConnector1">
+            <a:avLst/>
+          </a:prstGeom>
+          <a:ln w="31750" cap="rnd">
+            <a:solidFill>
+              <a:schemeClr val="accent2"/>
+            </a:solidFill>
+            <a:round/>
+            <a:tailEnd type="arrow" w="med" len="med"/>
+          </a:ln>
+        </p:spPr>
+        <p:style>
+          <a:lnRef idx="0">
+            <a:srgbClr val="FFFFFF"/>
+          </a:lnRef>
+          <a:fillRef idx="0">
+            <a:srgbClr val="FFFFFF"/>
+          </a:fillRef>
+          <a:effectRef idx="0">
+            <a:srgbClr val="FFFFFF"/>
+          </a:effectRef>
+          <a:fontRef idx="minor">
+            <a:schemeClr val="tx1"/>
+          </a:fontRef>
+        </p:style>
+      </p:cxnSp>
     </p:spTree>
   </p:cSld>
   <p:clrMapOvr>
@@ -6288,7 +6325,7 @@
       </p:pic>
       <p:pic>
         <p:nvPicPr>
-          <p:cNvPr id="7" name="图片 6"/>
+          <p:cNvPr id="3" name="图片 2"/>
           <p:cNvPicPr>
             <a:picLocks noChangeAspect="1"/>
           </p:cNvPicPr>
@@ -6302,8 +6339,8 @@
         </p:blipFill>
         <p:spPr>
           <a:xfrm>
-            <a:off x="6019165" y="3702050"/>
-            <a:ext cx="4754245" cy="2727960"/>
+            <a:off x="5048885" y="3219450"/>
+            <a:ext cx="5146040" cy="3020695"/>
           </a:xfrm>
           <a:prstGeom prst="rect">
             <a:avLst/>

--- a/论文插图.pptx
+++ b/论文插图.pptx
@@ -4,6 +4,9 @@
   <p:sldMasterIdLst>
     <p:sldMasterId id="2147483648" r:id="rId1"/>
   </p:sldMasterIdLst>
+  <p:notesMasterIdLst>
+    <p:notesMasterId r:id="rId15"/>
+  </p:notesMasterIdLst>
   <p:sldIdLst>
     <p:sldId id="256" r:id="rId3"/>
     <p:sldId id="263" r:id="rId4"/>
@@ -16,11 +19,12 @@
     <p:sldId id="270" r:id="rId11"/>
     <p:sldId id="273" r:id="rId12"/>
     <p:sldId id="272" r:id="rId13"/>
+    <p:sldId id="275" r:id="rId14"/>
   </p:sldIdLst>
   <p:sldSz cx="12192000" cy="6858000"/>
   <p:notesSz cx="6858000" cy="9144000"/>
   <p:custDataLst>
-    <p:tags r:id="rId17"/>
+    <p:tags r:id="rId19"/>
   </p:custDataLst>
   <p:defaultTextStyle>
     <a:defPPr>
@@ -118,6 +122,414 @@
     </a:lvl9pPr>
   </p:defaultTextStyle>
 </p:presentation>
+</file>
+
+<file path=ppt/notesMasters/notesMaster1.xml><?xml version="1.0" encoding="utf-8"?>
+<p:notesMaster xmlns:a="http://schemas.openxmlformats.org/drawingml/2006/main" xmlns:r="http://schemas.openxmlformats.org/officeDocument/2006/relationships" xmlns:p="http://schemas.openxmlformats.org/presentationml/2006/main">
+  <p:cSld>
+    <p:bg>
+      <p:bgRef idx="1001">
+        <a:schemeClr val="bg1"/>
+      </p:bgRef>
+    </p:bg>
+    <p:spTree>
+      <p:nvGrpSpPr>
+        <p:cNvPr id="1" name=""/>
+        <p:cNvGrpSpPr/>
+        <p:nvPr/>
+      </p:nvGrpSpPr>
+      <p:grpSpPr>
+        <a:xfrm>
+          <a:off x="0" y="0"/>
+          <a:ext cx="0" cy="0"/>
+          <a:chOff x="0" y="0"/>
+          <a:chExt cx="0" cy="0"/>
+        </a:xfrm>
+      </p:grpSpPr>
+      <p:sp>
+        <p:nvSpPr>
+          <p:cNvPr id="2" name="页眉占位符 1"/>
+          <p:cNvSpPr>
+            <a:spLocks noGrp="1"/>
+          </p:cNvSpPr>
+          <p:nvPr>
+            <p:ph type="hdr" sz="quarter"/>
+          </p:nvPr>
+        </p:nvSpPr>
+        <p:spPr>
+          <a:xfrm>
+            <a:off x="0" y="0"/>
+            <a:ext cx="2971800" cy="458788"/>
+          </a:xfrm>
+          <a:prstGeom prst="rect">
+            <a:avLst/>
+          </a:prstGeom>
+        </p:spPr>
+        <p:txBody>
+          <a:bodyPr vert="horz" lIns="91440" tIns="45720" rIns="91440" bIns="45720" rtlCol="0"/>
+          <a:lstStyle>
+            <a:lvl1pPr algn="l">
+              <a:defRPr sz="1200"/>
+            </a:lvl1pPr>
+          </a:lstStyle>
+          <a:p>
+            <a:endParaRPr lang="zh-CN" altLang="en-US"/>
+          </a:p>
+        </p:txBody>
+      </p:sp>
+      <p:sp>
+        <p:nvSpPr>
+          <p:cNvPr id="3" name="日期占位符 2"/>
+          <p:cNvSpPr>
+            <a:spLocks noGrp="1"/>
+          </p:cNvSpPr>
+          <p:nvPr>
+            <p:ph type="dt" idx="1"/>
+          </p:nvPr>
+        </p:nvSpPr>
+        <p:spPr>
+          <a:xfrm>
+            <a:off x="3884613" y="0"/>
+            <a:ext cx="2971800" cy="458788"/>
+          </a:xfrm>
+          <a:prstGeom prst="rect">
+            <a:avLst/>
+          </a:prstGeom>
+        </p:spPr>
+        <p:txBody>
+          <a:bodyPr vert="horz" lIns="91440" tIns="45720" rIns="91440" bIns="45720" rtlCol="0"/>
+          <a:lstStyle>
+            <a:lvl1pPr algn="r">
+              <a:defRPr sz="1200"/>
+            </a:lvl1pPr>
+          </a:lstStyle>
+          <a:p>
+            <a:fld id="{D2A48B96-639E-45A3-A0BA-2464DFDB1FAA}" type="datetimeFigureOut">
+              <a:rPr lang="zh-CN" altLang="en-US" smtClean="0"/>
+            </a:fld>
+            <a:endParaRPr lang="zh-CN" altLang="en-US"/>
+          </a:p>
+        </p:txBody>
+      </p:sp>
+      <p:sp>
+        <p:nvSpPr>
+          <p:cNvPr id="4" name="幻灯片图像占位符 3"/>
+          <p:cNvSpPr>
+            <a:spLocks noGrp="1" noRot="1" noChangeAspect="1"/>
+          </p:cNvSpPr>
+          <p:nvPr>
+            <p:ph type="sldImg" idx="2"/>
+          </p:nvPr>
+        </p:nvSpPr>
+        <p:spPr>
+          <a:xfrm>
+            <a:off x="685800" y="1143000"/>
+            <a:ext cx="5486400" cy="3086100"/>
+          </a:xfrm>
+          <a:prstGeom prst="rect">
+            <a:avLst/>
+          </a:prstGeom>
+          <a:noFill/>
+          <a:ln w="12700">
+            <a:solidFill>
+              <a:prstClr val="black"/>
+            </a:solidFill>
+          </a:ln>
+        </p:spPr>
+        <p:txBody>
+          <a:bodyPr vert="horz" lIns="91440" tIns="45720" rIns="91440" bIns="45720" rtlCol="0" anchor="ctr"/>
+          <a:lstStyle/>
+          <a:p>
+            <a:endParaRPr lang="zh-CN" altLang="en-US"/>
+          </a:p>
+        </p:txBody>
+      </p:sp>
+      <p:sp>
+        <p:nvSpPr>
+          <p:cNvPr id="5" name="备注占位符 4"/>
+          <p:cNvSpPr>
+            <a:spLocks noGrp="1"/>
+          </p:cNvSpPr>
+          <p:nvPr>
+            <p:ph type="body" sz="quarter" idx="3"/>
+          </p:nvPr>
+        </p:nvSpPr>
+        <p:spPr>
+          <a:xfrm>
+            <a:off x="685800" y="4400550"/>
+            <a:ext cx="5486400" cy="3600450"/>
+          </a:xfrm>
+          <a:prstGeom prst="rect">
+            <a:avLst/>
+          </a:prstGeom>
+        </p:spPr>
+        <p:txBody>
+          <a:bodyPr vert="horz" lIns="91440" tIns="45720" rIns="91440" bIns="45720" rtlCol="0"/>
+          <a:lstStyle/>
+          <a:p>
+            <a:pPr lvl="0"/>
+            <a:r>
+              <a:rPr lang="zh-CN" altLang="en-US" smtClean="0"/>
+              <a:t>单击此处编辑母版文本样式</a:t>
+            </a:r>
+            <a:endParaRPr lang="zh-CN" altLang="en-US" smtClean="0"/>
+          </a:p>
+          <a:p>
+            <a:pPr lvl="1"/>
+            <a:r>
+              <a:rPr lang="zh-CN" altLang="en-US" smtClean="0"/>
+              <a:t>第二级</a:t>
+            </a:r>
+            <a:endParaRPr lang="zh-CN" altLang="en-US" smtClean="0"/>
+          </a:p>
+          <a:p>
+            <a:pPr lvl="2"/>
+            <a:r>
+              <a:rPr lang="zh-CN" altLang="en-US" smtClean="0"/>
+              <a:t>第三级</a:t>
+            </a:r>
+            <a:endParaRPr lang="zh-CN" altLang="en-US" smtClean="0"/>
+          </a:p>
+          <a:p>
+            <a:pPr lvl="3"/>
+            <a:r>
+              <a:rPr lang="zh-CN" altLang="en-US" smtClean="0"/>
+              <a:t>第四级</a:t>
+            </a:r>
+            <a:endParaRPr lang="zh-CN" altLang="en-US" smtClean="0"/>
+          </a:p>
+          <a:p>
+            <a:pPr lvl="4"/>
+            <a:r>
+              <a:rPr lang="zh-CN" altLang="en-US" smtClean="0"/>
+              <a:t>第五级</a:t>
+            </a:r>
+            <a:endParaRPr lang="zh-CN" altLang="en-US"/>
+          </a:p>
+        </p:txBody>
+      </p:sp>
+      <p:sp>
+        <p:nvSpPr>
+          <p:cNvPr id="6" name="页脚占位符 5"/>
+          <p:cNvSpPr>
+            <a:spLocks noGrp="1"/>
+          </p:cNvSpPr>
+          <p:nvPr>
+            <p:ph type="ftr" sz="quarter" idx="4"/>
+          </p:nvPr>
+        </p:nvSpPr>
+        <p:spPr>
+          <a:xfrm>
+            <a:off x="0" y="8685213"/>
+            <a:ext cx="2971800" cy="458787"/>
+          </a:xfrm>
+          <a:prstGeom prst="rect">
+            <a:avLst/>
+          </a:prstGeom>
+        </p:spPr>
+        <p:txBody>
+          <a:bodyPr vert="horz" lIns="91440" tIns="45720" rIns="91440" bIns="45720" rtlCol="0" anchor="b"/>
+          <a:lstStyle>
+            <a:lvl1pPr algn="l">
+              <a:defRPr sz="1200"/>
+            </a:lvl1pPr>
+          </a:lstStyle>
+          <a:p>
+            <a:endParaRPr lang="zh-CN" altLang="en-US"/>
+          </a:p>
+        </p:txBody>
+      </p:sp>
+      <p:sp>
+        <p:nvSpPr>
+          <p:cNvPr id="7" name="灯片编号占位符 6"/>
+          <p:cNvSpPr>
+            <a:spLocks noGrp="1"/>
+          </p:cNvSpPr>
+          <p:nvPr>
+            <p:ph type="sldNum" sz="quarter" idx="5"/>
+          </p:nvPr>
+        </p:nvSpPr>
+        <p:spPr>
+          <a:xfrm>
+            <a:off x="3884613" y="8685213"/>
+            <a:ext cx="2971800" cy="458787"/>
+          </a:xfrm>
+          <a:prstGeom prst="rect">
+            <a:avLst/>
+          </a:prstGeom>
+        </p:spPr>
+        <p:txBody>
+          <a:bodyPr vert="horz" lIns="91440" tIns="45720" rIns="91440" bIns="45720" rtlCol="0" anchor="b"/>
+          <a:lstStyle>
+            <a:lvl1pPr algn="r">
+              <a:defRPr sz="1200"/>
+            </a:lvl1pPr>
+          </a:lstStyle>
+          <a:p>
+            <a:fld id="{A6837353-30EB-4A48-80EB-173D804AEFBD}" type="slidenum">
+              <a:rPr lang="zh-CN" altLang="en-US" smtClean="0"/>
+            </a:fld>
+            <a:endParaRPr lang="zh-CN" altLang="en-US"/>
+          </a:p>
+        </p:txBody>
+      </p:sp>
+    </p:spTree>
+  </p:cSld>
+  <p:clrMap bg1="lt1" tx1="dk1" bg2="lt2" tx2="dk2" accent1="accent1" accent2="accent2" accent3="accent3" accent4="accent4" accent5="accent5" accent6="accent6" hlink="hlink" folHlink="folHlink"/>
+  <p:notesStyle>
+    <a:lvl1pPr marL="0" algn="l" defTabSz="914400" rtl="0" eaLnBrk="1" latinLnBrk="0" hangingPunct="1">
+      <a:defRPr sz="1200" kern="1200">
+        <a:solidFill>
+          <a:schemeClr val="tx1"/>
+        </a:solidFill>
+        <a:latin typeface="+mn-lt"/>
+        <a:ea typeface="+mn-ea"/>
+        <a:cs typeface="+mn-cs"/>
+      </a:defRPr>
+    </a:lvl1pPr>
+    <a:lvl2pPr marL="457200" algn="l" defTabSz="914400" rtl="0" eaLnBrk="1" latinLnBrk="0" hangingPunct="1">
+      <a:defRPr sz="1200" kern="1200">
+        <a:solidFill>
+          <a:schemeClr val="tx1"/>
+        </a:solidFill>
+        <a:latin typeface="+mn-lt"/>
+        <a:ea typeface="+mn-ea"/>
+        <a:cs typeface="+mn-cs"/>
+      </a:defRPr>
+    </a:lvl2pPr>
+    <a:lvl3pPr marL="914400" algn="l" defTabSz="914400" rtl="0" eaLnBrk="1" latinLnBrk="0" hangingPunct="1">
+      <a:defRPr sz="1200" kern="1200">
+        <a:solidFill>
+          <a:schemeClr val="tx1"/>
+        </a:solidFill>
+        <a:latin typeface="+mn-lt"/>
+        <a:ea typeface="+mn-ea"/>
+        <a:cs typeface="+mn-cs"/>
+      </a:defRPr>
+    </a:lvl3pPr>
+    <a:lvl4pPr marL="1371600" algn="l" defTabSz="914400" rtl="0" eaLnBrk="1" latinLnBrk="0" hangingPunct="1">
+      <a:defRPr sz="1200" kern="1200">
+        <a:solidFill>
+          <a:schemeClr val="tx1"/>
+        </a:solidFill>
+        <a:latin typeface="+mn-lt"/>
+        <a:ea typeface="+mn-ea"/>
+        <a:cs typeface="+mn-cs"/>
+      </a:defRPr>
+    </a:lvl4pPr>
+    <a:lvl5pPr marL="1828800" algn="l" defTabSz="914400" rtl="0" eaLnBrk="1" latinLnBrk="0" hangingPunct="1">
+      <a:defRPr sz="1200" kern="1200">
+        <a:solidFill>
+          <a:schemeClr val="tx1"/>
+        </a:solidFill>
+        <a:latin typeface="+mn-lt"/>
+        <a:ea typeface="+mn-ea"/>
+        <a:cs typeface="+mn-cs"/>
+      </a:defRPr>
+    </a:lvl5pPr>
+    <a:lvl6pPr marL="2286000" algn="l" defTabSz="914400" rtl="0" eaLnBrk="1" latinLnBrk="0" hangingPunct="1">
+      <a:defRPr sz="1200" kern="1200">
+        <a:solidFill>
+          <a:schemeClr val="tx1"/>
+        </a:solidFill>
+        <a:latin typeface="+mn-lt"/>
+        <a:ea typeface="+mn-ea"/>
+        <a:cs typeface="+mn-cs"/>
+      </a:defRPr>
+    </a:lvl6pPr>
+    <a:lvl7pPr marL="2743200" algn="l" defTabSz="914400" rtl="0" eaLnBrk="1" latinLnBrk="0" hangingPunct="1">
+      <a:defRPr sz="1200" kern="1200">
+        <a:solidFill>
+          <a:schemeClr val="tx1"/>
+        </a:solidFill>
+        <a:latin typeface="+mn-lt"/>
+        <a:ea typeface="+mn-ea"/>
+        <a:cs typeface="+mn-cs"/>
+      </a:defRPr>
+    </a:lvl7pPr>
+    <a:lvl8pPr marL="3200400" algn="l" defTabSz="914400" rtl="0" eaLnBrk="1" latinLnBrk="0" hangingPunct="1">
+      <a:defRPr sz="1200" kern="1200">
+        <a:solidFill>
+          <a:schemeClr val="tx1"/>
+        </a:solidFill>
+        <a:latin typeface="+mn-lt"/>
+        <a:ea typeface="+mn-ea"/>
+        <a:cs typeface="+mn-cs"/>
+      </a:defRPr>
+    </a:lvl8pPr>
+    <a:lvl9pPr marL="3657600" algn="l" defTabSz="914400" rtl="0" eaLnBrk="1" latinLnBrk="0" hangingPunct="1">
+      <a:defRPr sz="1200" kern="1200">
+        <a:solidFill>
+          <a:schemeClr val="tx1"/>
+        </a:solidFill>
+        <a:latin typeface="+mn-lt"/>
+        <a:ea typeface="+mn-ea"/>
+        <a:cs typeface="+mn-cs"/>
+      </a:defRPr>
+    </a:lvl9pPr>
+  </p:notesStyle>
+</p:notesMaster>
+</file>
+
+<file path=ppt/notesSlides/notesSlide1.xml><?xml version="1.0" encoding="utf-8"?>
+<p:notes xmlns:a="http://schemas.openxmlformats.org/drawingml/2006/main" xmlns:r="http://schemas.openxmlformats.org/officeDocument/2006/relationships" xmlns:p="http://schemas.openxmlformats.org/presentationml/2006/main">
+  <p:cSld>
+    <p:spTree>
+      <p:nvGrpSpPr>
+        <p:cNvPr id="1" name=""/>
+        <p:cNvGrpSpPr/>
+        <p:nvPr/>
+      </p:nvGrpSpPr>
+      <p:grpSpPr>
+        <a:xfrm>
+          <a:off x="0" y="0"/>
+          <a:ext cx="0" cy="0"/>
+          <a:chOff x="0" y="0"/>
+          <a:chExt cx="0" cy="0"/>
+        </a:xfrm>
+      </p:grpSpPr>
+      <p:sp>
+        <p:nvSpPr>
+          <p:cNvPr id="1048602" name="幻灯片图像占位符 1"/>
+          <p:cNvSpPr>
+            <a:spLocks noGrp="1" noRot="1" noChangeAspect="1"/>
+          </p:cNvSpPr>
+          <p:nvPr>
+            <p:ph type="sldImg"/>
+          </p:nvPr>
+        </p:nvSpPr>
+        <p:spPr>
+          <a:xfrm>
+            <a:off x="381000" y="685800"/>
+            <a:ext cx="6096000" cy="3429000"/>
+          </a:xfrm>
+        </p:spPr>
+      </p:sp>
+      <p:sp>
+        <p:nvSpPr>
+          <p:cNvPr id="1048603" name="备注占位符 2"/>
+          <p:cNvSpPr>
+            <a:spLocks noGrp="1"/>
+          </p:cNvSpPr>
+          <p:nvPr>
+            <p:ph type="body" idx="1"/>
+          </p:nvPr>
+        </p:nvSpPr>
+        <p:spPr/>
+        <p:txBody>
+          <a:bodyPr/>
+          <a:lstStyle/>
+          <a:p>
+            <a:endParaRPr kumimoji="1" lang="zh-SG" altLang="en-US" dirty="0"/>
+          </a:p>
+        </p:txBody>
+      </p:sp>
+    </p:spTree>
+  </p:cSld>
+  <p:clrMapOvr>
+    <a:masterClrMapping/>
+  </p:clrMapOvr>
+</p:notes>
 </file>
 
 <file path=ppt/slideLayouts/slideLayout1.xml><?xml version="1.0" encoding="utf-8"?>
@@ -5192,8 +5604,8 @@
         </p:nvSpPr>
         <p:spPr>
           <a:xfrm>
-            <a:off x="4890135" y="3020060"/>
-            <a:ext cx="2552065" cy="368300"/>
+            <a:off x="4901565" y="2707640"/>
+            <a:ext cx="2552065" cy="645160"/>
           </a:xfrm>
           <a:prstGeom prst="rect">
             <a:avLst/>
@@ -5221,7 +5633,14 @@
                 <a:latin typeface="Arial" panose="020B0604020202020204" pitchFamily="34" charset="0"/>
                 <a:ea typeface="微软雅黑" panose="020B0503020204020204" charset="-122"/>
               </a:rPr>
-              <a:t>Multi-Scale Patching</a:t>
+              <a:t>Multi-Scale S</a:t>
+            </a:r>
+            <a:r>
+              <a:rPr lang="en-US" altLang="zh-CN" sz="1800">
+                <a:latin typeface="Arial" panose="020B0604020202020204" pitchFamily="34" charset="0"/>
+                <a:ea typeface="微软雅黑" panose="020B0503020204020204" charset="-122"/>
+              </a:rPr>
+              <a:t>ubsequence Division</a:t>
             </a:r>
             <a:endParaRPr lang="en-US" altLang="zh-CN" sz="1800">
               <a:latin typeface="Arial" panose="020B0604020202020204" pitchFamily="34" charset="0"/>
@@ -5238,7 +5657,7 @@
         </p:nvSpPr>
         <p:spPr>
           <a:xfrm>
-            <a:off x="6304280" y="3387090"/>
+            <a:off x="6447790" y="3369310"/>
             <a:ext cx="1391285" cy="340360"/>
           </a:xfrm>
           <a:prstGeom prst="rect">
@@ -5281,7 +5700,7 @@
         </p:nvSpPr>
         <p:spPr>
           <a:xfrm>
-            <a:off x="4890135" y="2313940"/>
+            <a:off x="4903470" y="2064385"/>
             <a:ext cx="2552065" cy="368300"/>
           </a:xfrm>
           <a:prstGeom prst="rect">
@@ -5327,7 +5746,7 @@
         </p:nvSpPr>
         <p:spPr>
           <a:xfrm>
-            <a:off x="4808855" y="347980"/>
+            <a:off x="4808855" y="112395"/>
             <a:ext cx="2552065" cy="368300"/>
           </a:xfrm>
           <a:prstGeom prst="rect">
@@ -5372,7 +5791,7 @@
         </p:nvSpPr>
         <p:spPr>
           <a:xfrm>
-            <a:off x="3004185" y="1330960"/>
+            <a:off x="3004185" y="1074420"/>
             <a:ext cx="2552065" cy="645160"/>
           </a:xfrm>
           <a:prstGeom prst="rect">
@@ -5415,7 +5834,7 @@
         </p:nvSpPr>
         <p:spPr>
           <a:xfrm>
-            <a:off x="6691630" y="1330960"/>
+            <a:off x="6691630" y="1074420"/>
             <a:ext cx="3156585" cy="645160"/>
           </a:xfrm>
           <a:prstGeom prst="rect">
@@ -5643,9 +6062,9 @@
           <p:nvPr/>
         </p:nvCxnSpPr>
         <p:spPr>
-          <a:xfrm flipV="1">
-            <a:off x="6166485" y="2682240"/>
-            <a:ext cx="0" cy="337820"/>
+          <a:xfrm flipH="1" flipV="1">
+            <a:off x="6166485" y="2432685"/>
+            <a:ext cx="635" cy="239395"/>
           </a:xfrm>
           <a:prstGeom prst="straightConnector1">
             <a:avLst/>
@@ -5681,7 +6100,7 @@
         </p:nvCxnSpPr>
         <p:spPr>
           <a:xfrm flipH="1" flipV="1">
-            <a:off x="7198995" y="1988185"/>
+            <a:off x="7198995" y="1769110"/>
             <a:ext cx="1905" cy="230505"/>
           </a:xfrm>
           <a:prstGeom prst="straightConnector1">
@@ -5718,7 +6137,7 @@
         </p:nvCxnSpPr>
         <p:spPr>
           <a:xfrm flipV="1">
-            <a:off x="5207000" y="854710"/>
+            <a:off x="5208905" y="576580"/>
             <a:ext cx="0" cy="337820"/>
           </a:xfrm>
           <a:prstGeom prst="straightConnector1">
@@ -5755,7 +6174,7 @@
         </p:nvCxnSpPr>
         <p:spPr>
           <a:xfrm flipV="1">
-            <a:off x="7198995" y="854710"/>
+            <a:off x="7198995" y="576580"/>
             <a:ext cx="0" cy="337820"/>
           </a:xfrm>
           <a:prstGeom prst="straightConnector1">
@@ -5792,7 +6211,7 @@
         </p:nvCxnSpPr>
         <p:spPr>
           <a:xfrm flipH="1" flipV="1">
-            <a:off x="5207000" y="1988185"/>
+            <a:off x="5208905" y="1769110"/>
             <a:ext cx="1905" cy="230505"/>
           </a:xfrm>
           <a:prstGeom prst="straightConnector1">
@@ -5959,8 +6378,8 @@
         </p:nvCxnSpPr>
         <p:spPr>
           <a:xfrm flipH="1">
-            <a:off x="3215005" y="3204210"/>
-            <a:ext cx="1675130" cy="109220"/>
+            <a:off x="3215005" y="3030220"/>
+            <a:ext cx="1686560" cy="283210"/>
           </a:xfrm>
           <a:prstGeom prst="straightConnector1">
             <a:avLst/>
@@ -5997,7 +6416,7 @@
         </p:nvSpPr>
         <p:spPr>
           <a:xfrm>
-            <a:off x="7442200" y="901700"/>
+            <a:off x="7442200" y="571500"/>
             <a:ext cx="2339975" cy="368300"/>
           </a:xfrm>
           <a:prstGeom prst="rect">
@@ -6034,7 +6453,7 @@
         </p:nvSpPr>
         <p:spPr>
           <a:xfrm>
-            <a:off x="2691765" y="901700"/>
+            <a:off x="2691765" y="546100"/>
             <a:ext cx="2299970" cy="368300"/>
           </a:xfrm>
           <a:prstGeom prst="rect">
@@ -6099,8 +6518,8 @@
         </p:nvCxnSpPr>
         <p:spPr>
           <a:xfrm>
-            <a:off x="7442200" y="2498090"/>
-            <a:ext cx="678815" cy="596900"/>
+            <a:off x="7455535" y="2248535"/>
+            <a:ext cx="665480" cy="846455"/>
           </a:xfrm>
           <a:prstGeom prst="straightConnector1">
             <a:avLst/>
@@ -6301,7 +6720,7 @@
       </p:pic>
       <p:pic>
         <p:nvPicPr>
-          <p:cNvPr id="6" name="图片 5"/>
+          <p:cNvPr id="7" name="图片 6"/>
           <p:cNvPicPr>
             <a:picLocks noChangeAspect="1"/>
           </p:cNvPicPr>
@@ -6315,38 +6734,341 @@
         </p:blipFill>
         <p:spPr>
           <a:xfrm>
-            <a:off x="6077585" y="262890"/>
-            <a:ext cx="4006215" cy="2851150"/>
+            <a:off x="4349750" y="1004570"/>
+            <a:ext cx="7492365" cy="4427855"/>
           </a:xfrm>
           <a:prstGeom prst="rect">
             <a:avLst/>
           </a:prstGeom>
         </p:spPr>
       </p:pic>
+    </p:spTree>
+  </p:cSld>
+  <p:clrMapOvr>
+    <a:masterClrMapping/>
+  </p:clrMapOvr>
+</p:sld>
+</file>
+
+<file path=ppt/slides/slide12.xml><?xml version="1.0" encoding="utf-8"?>
+<p:sld xmlns:a="http://schemas.openxmlformats.org/drawingml/2006/main" xmlns:r="http://schemas.openxmlformats.org/officeDocument/2006/relationships" xmlns:p="http://schemas.openxmlformats.org/presentationml/2006/main">
+  <p:cSld>
+    <p:spTree>
+      <p:nvGrpSpPr>
+        <p:cNvPr id="1" name=""/>
+        <p:cNvGrpSpPr/>
+        <p:nvPr/>
+      </p:nvGrpSpPr>
+      <p:grpSpPr>
+        <a:xfrm>
+          <a:off x="0" y="0"/>
+          <a:ext cx="0" cy="0"/>
+          <a:chOff x="0" y="0"/>
+          <a:chExt cx="0" cy="0"/>
+        </a:xfrm>
+      </p:grpSpPr>
+      <p:cxnSp>
+        <p:nvCxnSpPr>
+          <p:cNvPr id="3145732" name="直接连接符 4"/>
+          <p:cNvCxnSpPr/>
+          <p:nvPr/>
+        </p:nvCxnSpPr>
+        <p:spPr>
+          <a:xfrm>
+            <a:off x="302002" y="997804"/>
+            <a:ext cx="11587991" cy="0"/>
+          </a:xfrm>
+          <a:prstGeom prst="line">
+            <a:avLst/>
+          </a:prstGeom>
+          <a:ln w="12700">
+            <a:solidFill>
+              <a:srgbClr val="09397E"/>
+            </a:solidFill>
+          </a:ln>
+        </p:spPr>
+        <p:style>
+          <a:lnRef idx="1">
+            <a:schemeClr val="accent1"/>
+          </a:lnRef>
+          <a:fillRef idx="0">
+            <a:schemeClr val="accent1"/>
+          </a:fillRef>
+          <a:effectRef idx="0">
+            <a:schemeClr val="accent1"/>
+          </a:effectRef>
+          <a:fontRef idx="minor">
+            <a:schemeClr val="tx1"/>
+          </a:fontRef>
+        </p:style>
+      </p:cxnSp>
+      <p:sp>
+        <p:nvSpPr>
+          <p:cNvPr id="1048600" name="矩形 60"/>
+          <p:cNvSpPr/>
+          <p:nvPr/>
+        </p:nvSpPr>
+        <p:spPr>
+          <a:xfrm>
+            <a:off x="240030" y="420370"/>
+            <a:ext cx="6699885" cy="583565"/>
+          </a:xfrm>
+          <a:prstGeom prst="rect">
+            <a:avLst/>
+          </a:prstGeom>
+        </p:spPr>
+        <p:txBody>
+          <a:bodyPr wrap="square">
+            <a:spAutoFit/>
+          </a:bodyPr>
+          <a:lstStyle/>
+          <a:p>
+            <a:pPr marL="0" marR="0" lvl="0" indent="0" algn="l" defTabSz="914400" rtl="0" eaLnBrk="1" fontAlgn="auto" latinLnBrk="0" hangingPunct="1">
+              <a:lnSpc>
+                <a:spcPct val="100000"/>
+              </a:lnSpc>
+              <a:spcBef>
+                <a:spcPts val="0"/>
+              </a:spcBef>
+              <a:spcAft>
+                <a:spcPts val="0"/>
+              </a:spcAft>
+              <a:buClrTx/>
+              <a:buSzTx/>
+              <a:buFontTx/>
+              <a:buNone/>
+            </a:pPr>
+            <a:r>
+              <a:rPr kumimoji="0" lang="zh-CN" altLang="en-US" sz="3200" b="1" i="0" u="none" strike="noStrike" kern="1200" cap="none" spc="0" normalizeH="0" baseline="0" noProof="0" dirty="0">
+                <a:ln>
+                  <a:noFill/>
+                </a:ln>
+                <a:solidFill>
+                  <a:schemeClr val="accent2"/>
+                </a:solidFill>
+                <a:effectLst/>
+                <a:uLnTx/>
+                <a:uFillTx/>
+                <a:latin typeface="微软雅黑" panose="020B0503020204020204" charset="-122"/>
+                <a:ea typeface="微软雅黑" panose="020B0503020204020204" charset="-122"/>
+                <a:cs typeface="Times New Roman" panose="02020603050405020304" pitchFamily="18" charset="0"/>
+                <a:sym typeface="等线" panose="02010600030101010101" charset="-122"/>
+              </a:rPr>
+              <a:t>研究</a:t>
+            </a:r>
+            <a:r>
+              <a:rPr lang="zh-CN" altLang="en-US" sz="3200" b="1" dirty="0">
+                <a:solidFill>
+                  <a:schemeClr val="accent2"/>
+                </a:solidFill>
+                <a:latin typeface="微软雅黑" panose="020B0503020204020204" charset="-122"/>
+                <a:ea typeface="微软雅黑" panose="020B0503020204020204" charset="-122"/>
+                <a:cs typeface="Times New Roman" panose="02020603050405020304" pitchFamily="18" charset="0"/>
+                <a:sym typeface="等线" panose="02010600030101010101" charset="-122"/>
+              </a:rPr>
+              <a:t>背景</a:t>
+            </a:r>
+            <a:endParaRPr kumimoji="0" lang="zh-CN" altLang="en-US" sz="3200" b="1" i="0" u="none" strike="noStrike" kern="1200" cap="none" spc="0" normalizeH="0" baseline="0" noProof="0" dirty="0">
+              <a:ln>
+                <a:noFill/>
+              </a:ln>
+              <a:solidFill>
+                <a:schemeClr val="accent2"/>
+              </a:solidFill>
+              <a:effectLst/>
+              <a:uLnTx/>
+              <a:uFillTx/>
+              <a:latin typeface="微软雅黑" panose="020B0503020204020204" charset="-122"/>
+              <a:ea typeface="微软雅黑" panose="020B0503020204020204" charset="-122"/>
+              <a:cs typeface="Times New Roman" panose="02020603050405020304" pitchFamily="18" charset="0"/>
+              <a:sym typeface="等线" panose="02010600030101010101" charset="-122"/>
+            </a:endParaRPr>
+          </a:p>
+        </p:txBody>
+      </p:sp>
       <p:pic>
         <p:nvPicPr>
-          <p:cNvPr id="3" name="图片 2"/>
+          <p:cNvPr id="2097158" name="图片 61"/>
           <p:cNvPicPr>
             <a:picLocks noChangeAspect="1"/>
           </p:cNvPicPr>
           <p:nvPr/>
         </p:nvPicPr>
-        <p:blipFill>
-          <a:blip r:embed="rId5"/>
+        <p:blipFill rotWithShape="1">
+          <a:blip r:embed="rId1" cstate="print"/>
+          <a:srcRect b="9522"/>
           <a:stretch>
             <a:fillRect/>
           </a:stretch>
         </p:blipFill>
         <p:spPr>
           <a:xfrm>
-            <a:off x="5048885" y="3219450"/>
-            <a:ext cx="5146040" cy="3020695"/>
+            <a:off x="10078279" y="277930"/>
+            <a:ext cx="1811714" cy="680928"/>
           </a:xfrm>
           <a:prstGeom prst="rect">
             <a:avLst/>
           </a:prstGeom>
         </p:spPr>
       </p:pic>
+      <p:sp>
+        <p:nvSpPr>
+          <p:cNvPr id="7" name="文本框 6"/>
+          <p:cNvSpPr txBox="1"/>
+          <p:nvPr/>
+        </p:nvSpPr>
+        <p:spPr>
+          <a:xfrm>
+            <a:off x="1611049" y="2136338"/>
+            <a:ext cx="8969895" cy="2585323"/>
+          </a:xfrm>
+          <a:prstGeom prst="rect">
+            <a:avLst/>
+          </a:prstGeom>
+          <a:noFill/>
+        </p:spPr>
+        <p:txBody>
+          <a:bodyPr wrap="square">
+            <a:spAutoFit/>
+          </a:bodyPr>
+          <a:lstStyle/>
+          <a:p>
+            <a:r>
+              <a:rPr lang="zh-CN" altLang="en-US" dirty="0"/>
+              <a:t>（</a:t>
+            </a:r>
+            <a:r>
+              <a:rPr lang="en-US" altLang="zh-CN" dirty="0"/>
+              <a:t>1</a:t>
+            </a:r>
+            <a:r>
+              <a:rPr lang="zh-CN" altLang="en-US" dirty="0"/>
+              <a:t>）目前多维时间序列异常检测方法主要侧重于对时间序列时间维度进行信息挖掘（</a:t>
+            </a:r>
+            <a:r>
+              <a:rPr lang="en-US" altLang="zh-CN" dirty="0"/>
+              <a:t>AE</a:t>
+            </a:r>
+            <a:r>
+              <a:rPr lang="zh-CN" altLang="en-US" dirty="0"/>
+              <a:t>、</a:t>
+            </a:r>
+            <a:r>
+              <a:rPr lang="en-US" altLang="zh-CN" dirty="0"/>
+              <a:t>GAN</a:t>
+            </a:r>
+            <a:r>
+              <a:rPr lang="zh-CN" altLang="en-US" dirty="0"/>
+              <a:t>、</a:t>
+            </a:r>
+            <a:r>
+              <a:rPr lang="en-US" altLang="zh-CN" dirty="0"/>
+              <a:t>RNN</a:t>
+            </a:r>
+            <a:r>
+              <a:rPr lang="zh-CN" altLang="en-US" dirty="0"/>
+              <a:t>、</a:t>
+            </a:r>
+            <a:r>
+              <a:rPr lang="en-US" altLang="zh-CN" dirty="0"/>
+              <a:t>LSTM</a:t>
+            </a:r>
+            <a:r>
+              <a:rPr lang="zh-CN" altLang="en-US" dirty="0"/>
+              <a:t>、</a:t>
+            </a:r>
+            <a:r>
+              <a:rPr lang="en-US" altLang="zh-CN" dirty="0"/>
+              <a:t> Transformer</a:t>
+            </a:r>
+            <a:r>
+              <a:rPr lang="zh-CN" altLang="en-US" dirty="0"/>
+              <a:t>等），</a:t>
+            </a:r>
+            <a:r>
+              <a:rPr lang="zh-CN" altLang="en-US" dirty="0">
+                <a:solidFill>
+                  <a:srgbClr val="FF0000"/>
+                </a:solidFill>
+              </a:rPr>
+              <a:t>忽略了维度之间的联系，缺少对时间序列空间维度的信息挖掘</a:t>
+            </a:r>
+            <a:endParaRPr lang="en-US" altLang="zh-CN" dirty="0">
+              <a:solidFill>
+                <a:srgbClr val="FF0000"/>
+              </a:solidFill>
+            </a:endParaRPr>
+          </a:p>
+          <a:p>
+            <a:endParaRPr lang="en-US" altLang="zh-CN" dirty="0"/>
+          </a:p>
+          <a:p>
+            <a:r>
+              <a:rPr lang="zh-CN" altLang="en-US" dirty="0"/>
+              <a:t>（</a:t>
+            </a:r>
+            <a:r>
+              <a:rPr lang="en-US" altLang="zh-CN" dirty="0"/>
+              <a:t>2</a:t>
+            </a:r>
+            <a:r>
+              <a:rPr lang="zh-CN" altLang="en-US" dirty="0"/>
+              <a:t>）</a:t>
+            </a:r>
+            <a:r>
+              <a:rPr lang="en-US" altLang="zh-CN" dirty="0"/>
+              <a:t>Transformer</a:t>
+            </a:r>
+            <a:r>
+              <a:rPr lang="zh-CN" altLang="en-US" dirty="0"/>
+              <a:t>模型能够有效处理长时间序列问题，但</a:t>
+            </a:r>
+            <a:r>
+              <a:rPr lang="zh-CN" altLang="en-US" dirty="0">
+                <a:solidFill>
+                  <a:srgbClr val="FF0000"/>
+                </a:solidFill>
+              </a:rPr>
+              <a:t>存在计算时间复杂度高、无法有效提取局部数据信息、无法学习不同维度的特定序列模式等问题</a:t>
+            </a:r>
+            <a:endParaRPr lang="en-US" altLang="zh-CN" dirty="0">
+              <a:solidFill>
+                <a:srgbClr val="FF0000"/>
+              </a:solidFill>
+            </a:endParaRPr>
+          </a:p>
+          <a:p>
+            <a:endParaRPr lang="en-US" altLang="zh-CN" dirty="0"/>
+          </a:p>
+          <a:p>
+            <a:r>
+              <a:rPr lang="zh-CN" altLang="en-US" dirty="0"/>
+              <a:t>（</a:t>
+            </a:r>
+            <a:r>
+              <a:rPr lang="en-US" altLang="zh-CN" dirty="0"/>
+              <a:t>3</a:t>
+            </a:r>
+            <a:r>
+              <a:rPr lang="zh-CN" altLang="en-US" dirty="0"/>
+              <a:t>）目前大部分研究侧重于对异常检测方法性能的提升，</a:t>
+            </a:r>
+            <a:r>
+              <a:rPr lang="zh-CN" altLang="en-US" dirty="0">
+                <a:solidFill>
+                  <a:srgbClr val="FF0000"/>
+                </a:solidFill>
+              </a:rPr>
+              <a:t>缺少对异常发生原因以及异常在不同维度之间传播情况的研究</a:t>
+            </a:r>
+            <a:endParaRPr lang="en-US" altLang="zh-CN" dirty="0">
+              <a:solidFill>
+                <a:srgbClr val="FF0000"/>
+              </a:solidFill>
+            </a:endParaRPr>
+          </a:p>
+        </p:txBody>
+      </p:sp>
     </p:spTree>
   </p:cSld>
   <p:clrMapOvr>
@@ -6779,6 +7501,100 @@
       <p:grpSpPr/>
       <p:sp>
         <p:nvSpPr>
+          <p:cNvPr id="16" name="矩形 15"/>
+          <p:cNvSpPr/>
+          <p:nvPr/>
+        </p:nvSpPr>
+        <p:spPr>
+          <a:xfrm>
+            <a:off x="6303010" y="1671320"/>
+            <a:ext cx="3136265" cy="368935"/>
+          </a:xfrm>
+          <a:prstGeom prst="rect">
+            <a:avLst/>
+          </a:prstGeom>
+          <a:solidFill>
+            <a:schemeClr val="bg1"/>
+          </a:solidFill>
+          <a:ln w="28575">
+            <a:solidFill>
+              <a:schemeClr val="accent1"/>
+            </a:solidFill>
+          </a:ln>
+        </p:spPr>
+        <p:style>
+          <a:lnRef idx="2">
+            <a:schemeClr val="accent1">
+              <a:lumMod val="75000"/>
+            </a:schemeClr>
+          </a:lnRef>
+          <a:fillRef idx="1">
+            <a:schemeClr val="accent1"/>
+          </a:fillRef>
+          <a:effectRef idx="0">
+            <a:srgbClr val="FFFFFF"/>
+          </a:effectRef>
+          <a:fontRef idx="minor">
+            <a:schemeClr val="lt1"/>
+          </a:fontRef>
+        </p:style>
+        <p:txBody>
+          <a:bodyPr rtlCol="0" anchor="ctr"/>
+          <a:p>
+            <a:pPr algn="ctr"/>
+            <a:endParaRPr lang="zh-CN" altLang="en-US"/>
+          </a:p>
+        </p:txBody>
+      </p:sp>
+      <p:sp>
+        <p:nvSpPr>
+          <p:cNvPr id="11" name="矩形 10"/>
+          <p:cNvSpPr/>
+          <p:nvPr/>
+        </p:nvSpPr>
+        <p:spPr>
+          <a:xfrm>
+            <a:off x="6303010" y="1652270"/>
+            <a:ext cx="3060065" cy="368935"/>
+          </a:xfrm>
+          <a:prstGeom prst="rect">
+            <a:avLst/>
+          </a:prstGeom>
+          <a:solidFill>
+            <a:schemeClr val="bg1"/>
+          </a:solidFill>
+          <a:ln w="28575">
+            <a:solidFill>
+              <a:schemeClr val="accent1"/>
+            </a:solidFill>
+          </a:ln>
+        </p:spPr>
+        <p:style>
+          <a:lnRef idx="2">
+            <a:schemeClr val="accent1">
+              <a:lumMod val="75000"/>
+            </a:schemeClr>
+          </a:lnRef>
+          <a:fillRef idx="1">
+            <a:schemeClr val="accent1"/>
+          </a:fillRef>
+          <a:effectRef idx="0">
+            <a:srgbClr val="FFFFFF"/>
+          </a:effectRef>
+          <a:fontRef idx="minor">
+            <a:schemeClr val="lt1"/>
+          </a:fontRef>
+        </p:style>
+        <p:txBody>
+          <a:bodyPr rtlCol="0" anchor="ctr"/>
+          <a:p>
+            <a:pPr algn="ctr"/>
+            <a:endParaRPr lang="zh-CN" altLang="en-US"/>
+          </a:p>
+        </p:txBody>
+      </p:sp>
+      <p:sp>
+        <p:nvSpPr>
           <p:cNvPr id="21" name="矩形 20"/>
           <p:cNvSpPr/>
           <p:nvPr/>
@@ -6934,8 +7750,8 @@
         </p:nvSpPr>
         <p:spPr>
           <a:xfrm>
-            <a:off x="113030" y="751840"/>
-            <a:ext cx="11287760" cy="5404485"/>
+            <a:off x="113030" y="1356360"/>
+            <a:ext cx="11186795" cy="3998595"/>
           </a:xfrm>
           <a:prstGeom prst="roundRect">
             <a:avLst/>
@@ -7516,7 +8332,7 @@
         </p:nvSpPr>
         <p:spPr>
           <a:xfrm>
-            <a:off x="368300" y="2132965"/>
+            <a:off x="368300" y="2029460"/>
             <a:ext cx="3023235" cy="259080"/>
           </a:xfrm>
           <a:custGeom>
@@ -8091,7 +8907,7 @@
         </p:nvSpPr>
         <p:spPr>
           <a:xfrm>
-            <a:off x="330835" y="3166745"/>
+            <a:off x="331470" y="2903220"/>
             <a:ext cx="3060700" cy="377825"/>
           </a:xfrm>
           <a:custGeom>
@@ -8806,7 +9622,7 @@
         </p:nvSpPr>
         <p:spPr>
           <a:xfrm>
-            <a:off x="1556385" y="2372360"/>
+            <a:off x="1556385" y="2165350"/>
             <a:ext cx="283210" cy="368300"/>
           </a:xfrm>
           <a:prstGeom prst="rect">
@@ -8841,8 +9657,8 @@
         </p:nvSpPr>
         <p:spPr>
           <a:xfrm>
-            <a:off x="1556385" y="2579370"/>
-            <a:ext cx="283210" cy="368300"/>
+            <a:off x="1556385" y="2583815"/>
+            <a:ext cx="283210" cy="363855"/>
           </a:xfrm>
           <a:prstGeom prst="rect">
             <a:avLst/>
@@ -8850,8 +9666,8 @@
           <a:noFill/>
         </p:spPr>
         <p:txBody>
-          <a:bodyPr wrap="none" rtlCol="0" anchor="t">
-            <a:spAutoFit/>
+          <a:bodyPr wrap="square" rtlCol="0" anchor="t">
+            <a:noAutofit/>
           </a:bodyPr>
           <a:p>
             <a:r>
@@ -8876,7 +9692,7 @@
         </p:nvSpPr>
         <p:spPr>
           <a:xfrm>
-            <a:off x="1556385" y="2798445"/>
+            <a:off x="1556385" y="2372360"/>
             <a:ext cx="283210" cy="368300"/>
           </a:xfrm>
           <a:prstGeom prst="rect">
@@ -8951,7 +9767,7 @@
         </p:nvSpPr>
         <p:spPr>
           <a:xfrm>
-            <a:off x="3391535" y="2242820"/>
+            <a:off x="3503930" y="1577340"/>
             <a:ext cx="2687320" cy="368300"/>
           </a:xfrm>
           <a:prstGeom prst="rect">
@@ -8974,7 +9790,7 @@
                 <a:latin typeface="Arial" panose="020B0604020202020204" pitchFamily="34" charset="0"/>
                 <a:ea typeface="微软雅黑" panose="020B0503020204020204" charset="-122"/>
               </a:rPr>
-              <a:t>Channel Indenpendence</a:t>
+              <a:t>Channel Independence</a:t>
             </a:r>
             <a:endParaRPr lang="en-US" altLang="zh-CN">
               <a:latin typeface="Arial" panose="020B0604020202020204" pitchFamily="34" charset="0"/>
@@ -8991,8 +9807,8 @@
         </p:nvSpPr>
         <p:spPr>
           <a:xfrm>
-            <a:off x="6303010" y="1767840"/>
-            <a:ext cx="3060065" cy="210185"/>
+            <a:off x="6303010" y="1945640"/>
+            <a:ext cx="2938145" cy="210185"/>
           </a:xfrm>
           <a:custGeom>
             <a:avLst/>
@@ -9520,1408 +10336,13 @@
       </p:sp>
       <p:sp>
         <p:nvSpPr>
-          <p:cNvPr id="3" name="任意多边形 2"/>
-          <p:cNvSpPr/>
-          <p:nvPr/>
-        </p:nvSpPr>
-        <p:spPr>
-          <a:xfrm>
-            <a:off x="6339840" y="2164715"/>
-            <a:ext cx="3023235" cy="259080"/>
-          </a:xfrm>
-          <a:custGeom>
-            <a:avLst/>
-            <a:gdLst>
-              <a:gd name="connisteX0" fmla="*/ 0 w 3023235"/>
-              <a:gd name="connsiteY0" fmla="*/ 237024 h 258993"/>
-              <a:gd name="connisteX1" fmla="*/ 66040 w 3023235"/>
-              <a:gd name="connsiteY1" fmla="*/ 179874 h 258993"/>
-              <a:gd name="connisteX2" fmla="*/ 132715 w 3023235"/>
-              <a:gd name="connsiteY2" fmla="*/ 132884 h 258993"/>
-              <a:gd name="connisteX3" fmla="*/ 208280 w 3023235"/>
-              <a:gd name="connsiteY3" fmla="*/ 104309 h 258993"/>
-              <a:gd name="connisteX4" fmla="*/ 274320 w 3023235"/>
-              <a:gd name="connsiteY4" fmla="*/ 66844 h 258993"/>
-              <a:gd name="connisteX5" fmla="*/ 340360 w 3023235"/>
-              <a:gd name="connsiteY5" fmla="*/ 19219 h 258993"/>
-              <a:gd name="connisteX6" fmla="*/ 396875 w 3023235"/>
-              <a:gd name="connsiteY6" fmla="*/ 85894 h 258993"/>
-              <a:gd name="connisteX7" fmla="*/ 462915 w 3023235"/>
-              <a:gd name="connsiteY7" fmla="*/ 104309 h 258993"/>
-              <a:gd name="connisteX8" fmla="*/ 528955 w 3023235"/>
-              <a:gd name="connsiteY8" fmla="*/ 113834 h 258993"/>
-              <a:gd name="connisteX9" fmla="*/ 594995 w 3023235"/>
-              <a:gd name="connsiteY9" fmla="*/ 94784 h 258993"/>
-              <a:gd name="connisteX10" fmla="*/ 661670 w 3023235"/>
-              <a:gd name="connsiteY10" fmla="*/ 47794 h 258993"/>
-              <a:gd name="connisteX11" fmla="*/ 727710 w 3023235"/>
-              <a:gd name="connsiteY11" fmla="*/ 28744 h 258993"/>
-              <a:gd name="connisteX12" fmla="*/ 793750 w 3023235"/>
-              <a:gd name="connsiteY12" fmla="*/ 38269 h 258993"/>
-              <a:gd name="connisteX13" fmla="*/ 850265 w 3023235"/>
-              <a:gd name="connsiteY13" fmla="*/ 104309 h 258993"/>
-              <a:gd name="connisteX14" fmla="*/ 888365 w 3023235"/>
-              <a:gd name="connsiteY14" fmla="*/ 170349 h 258993"/>
-              <a:gd name="connisteX15" fmla="*/ 954405 w 3023235"/>
-              <a:gd name="connsiteY15" fmla="*/ 217974 h 258993"/>
-              <a:gd name="connisteX16" fmla="*/ 1020445 w 3023235"/>
-              <a:gd name="connsiteY16" fmla="*/ 170349 h 258993"/>
-              <a:gd name="connisteX17" fmla="*/ 1086485 w 3023235"/>
-              <a:gd name="connsiteY17" fmla="*/ 113834 h 258993"/>
-              <a:gd name="connisteX18" fmla="*/ 1152525 w 3023235"/>
-              <a:gd name="connsiteY18" fmla="*/ 66844 h 258993"/>
-              <a:gd name="connisteX19" fmla="*/ 1218565 w 3023235"/>
-              <a:gd name="connsiteY19" fmla="*/ 66844 h 258993"/>
-              <a:gd name="connisteX20" fmla="*/ 1284605 w 3023235"/>
-              <a:gd name="connsiteY20" fmla="*/ 66844 h 258993"/>
-              <a:gd name="connisteX21" fmla="*/ 1351280 w 3023235"/>
-              <a:gd name="connsiteY21" fmla="*/ 85894 h 258993"/>
-              <a:gd name="connisteX22" fmla="*/ 1417320 w 3023235"/>
-              <a:gd name="connsiteY22" fmla="*/ 104309 h 258993"/>
-              <a:gd name="connisteX23" fmla="*/ 1483360 w 3023235"/>
-              <a:gd name="connsiteY23" fmla="*/ 104309 h 258993"/>
-              <a:gd name="connisteX24" fmla="*/ 1549400 w 3023235"/>
-              <a:gd name="connsiteY24" fmla="*/ 104309 h 258993"/>
-              <a:gd name="connisteX25" fmla="*/ 1615440 w 3023235"/>
-              <a:gd name="connsiteY25" fmla="*/ 104309 h 258993"/>
-              <a:gd name="connisteX26" fmla="*/ 1662430 w 3023235"/>
-              <a:gd name="connsiteY26" fmla="*/ 170349 h 258993"/>
-              <a:gd name="connisteX27" fmla="*/ 1710055 w 3023235"/>
-              <a:gd name="connsiteY27" fmla="*/ 237024 h 258993"/>
-              <a:gd name="connisteX28" fmla="*/ 1776095 w 3023235"/>
-              <a:gd name="connsiteY28" fmla="*/ 255439 h 258993"/>
-              <a:gd name="connisteX29" fmla="*/ 1823085 w 3023235"/>
-              <a:gd name="connsiteY29" fmla="*/ 189399 h 258993"/>
-              <a:gd name="connisteX30" fmla="*/ 1889760 w 3023235"/>
-              <a:gd name="connsiteY30" fmla="*/ 123359 h 258993"/>
-              <a:gd name="connisteX31" fmla="*/ 1955800 w 3023235"/>
-              <a:gd name="connsiteY31" fmla="*/ 66844 h 258993"/>
-              <a:gd name="connisteX32" fmla="*/ 2012315 w 3023235"/>
-              <a:gd name="connsiteY32" fmla="*/ 804 h 258993"/>
-              <a:gd name="connisteX33" fmla="*/ 2078355 w 3023235"/>
-              <a:gd name="connsiteY33" fmla="*/ 38269 h 258993"/>
-              <a:gd name="connisteX34" fmla="*/ 2144395 w 3023235"/>
-              <a:gd name="connsiteY34" fmla="*/ 85894 h 258993"/>
-              <a:gd name="connisteX35" fmla="*/ 2153920 w 3023235"/>
-              <a:gd name="connsiteY35" fmla="*/ 151934 h 258993"/>
-              <a:gd name="connisteX36" fmla="*/ 2219960 w 3023235"/>
-              <a:gd name="connsiteY36" fmla="*/ 179874 h 258993"/>
-              <a:gd name="connisteX37" fmla="*/ 2286000 w 3023235"/>
-              <a:gd name="connsiteY37" fmla="*/ 170349 h 258993"/>
-              <a:gd name="connisteX38" fmla="*/ 2314575 w 3023235"/>
-              <a:gd name="connsiteY38" fmla="*/ 104309 h 258993"/>
-              <a:gd name="connisteX39" fmla="*/ 2380615 w 3023235"/>
-              <a:gd name="connsiteY39" fmla="*/ 66844 h 258993"/>
-              <a:gd name="connisteX40" fmla="*/ 2446655 w 3023235"/>
-              <a:gd name="connsiteY40" fmla="*/ 57319 h 258993"/>
-              <a:gd name="connisteX41" fmla="*/ 2512695 w 3023235"/>
-              <a:gd name="connsiteY41" fmla="*/ 28744 h 258993"/>
-              <a:gd name="connisteX42" fmla="*/ 2550795 w 3023235"/>
-              <a:gd name="connsiteY42" fmla="*/ 94784 h 258993"/>
-              <a:gd name="connisteX43" fmla="*/ 2550795 w 3023235"/>
-              <a:gd name="connsiteY43" fmla="*/ 161459 h 258993"/>
-              <a:gd name="connisteX44" fmla="*/ 2560320 w 3023235"/>
-              <a:gd name="connsiteY44" fmla="*/ 227499 h 258993"/>
-              <a:gd name="connisteX45" fmla="*/ 2626360 w 3023235"/>
-              <a:gd name="connsiteY45" fmla="*/ 189399 h 258993"/>
-              <a:gd name="connisteX46" fmla="*/ 2663825 w 3023235"/>
-              <a:gd name="connsiteY46" fmla="*/ 123359 h 258993"/>
-              <a:gd name="connisteX47" fmla="*/ 2701925 w 3023235"/>
-              <a:gd name="connsiteY47" fmla="*/ 57319 h 258993"/>
-              <a:gd name="connisteX48" fmla="*/ 2767965 w 3023235"/>
-              <a:gd name="connsiteY48" fmla="*/ 57319 h 258993"/>
-              <a:gd name="connisteX49" fmla="*/ 2834005 w 3023235"/>
-              <a:gd name="connsiteY49" fmla="*/ 85894 h 258993"/>
-              <a:gd name="connisteX50" fmla="*/ 2900045 w 3023235"/>
-              <a:gd name="connsiteY50" fmla="*/ 151934 h 258993"/>
-              <a:gd name="connisteX51" fmla="*/ 2966085 w 3023235"/>
-              <a:gd name="connsiteY51" fmla="*/ 113834 h 258993"/>
-              <a:gd name="connisteX52" fmla="*/ 3023235 w 3023235"/>
-              <a:gd name="connsiteY52" fmla="*/ 47794 h 258993"/>
-            </a:gdLst>
-            <a:ahLst/>
-            <a:cxnLst>
-              <a:cxn ang="0">
-                <a:pos x="connisteX0" y="connsiteY0"/>
-              </a:cxn>
-              <a:cxn ang="0">
-                <a:pos x="connisteX1" y="connsiteY1"/>
-              </a:cxn>
-              <a:cxn ang="0">
-                <a:pos x="connisteX2" y="connsiteY2"/>
-              </a:cxn>
-              <a:cxn ang="0">
-                <a:pos x="connisteX3" y="connsiteY3"/>
-              </a:cxn>
-              <a:cxn ang="0">
-                <a:pos x="connisteX4" y="connsiteY4"/>
-              </a:cxn>
-              <a:cxn ang="0">
-                <a:pos x="connisteX5" y="connsiteY5"/>
-              </a:cxn>
-              <a:cxn ang="0">
-                <a:pos x="connisteX6" y="connsiteY6"/>
-              </a:cxn>
-              <a:cxn ang="0">
-                <a:pos x="connisteX7" y="connsiteY7"/>
-              </a:cxn>
-              <a:cxn ang="0">
-                <a:pos x="connisteX8" y="connsiteY8"/>
-              </a:cxn>
-              <a:cxn ang="0">
-                <a:pos x="connisteX9" y="connsiteY9"/>
-              </a:cxn>
-              <a:cxn ang="0">
-                <a:pos x="connisteX10" y="connsiteY10"/>
-              </a:cxn>
-              <a:cxn ang="0">
-                <a:pos x="connisteX11" y="connsiteY11"/>
-              </a:cxn>
-              <a:cxn ang="0">
-                <a:pos x="connisteX12" y="connsiteY12"/>
-              </a:cxn>
-              <a:cxn ang="0">
-                <a:pos x="connisteX13" y="connsiteY13"/>
-              </a:cxn>
-              <a:cxn ang="0">
-                <a:pos x="connisteX14" y="connsiteY14"/>
-              </a:cxn>
-              <a:cxn ang="0">
-                <a:pos x="connisteX15" y="connsiteY15"/>
-              </a:cxn>
-              <a:cxn ang="0">
-                <a:pos x="connisteX16" y="connsiteY16"/>
-              </a:cxn>
-              <a:cxn ang="0">
-                <a:pos x="connisteX17" y="connsiteY17"/>
-              </a:cxn>
-              <a:cxn ang="0">
-                <a:pos x="connisteX18" y="connsiteY18"/>
-              </a:cxn>
-              <a:cxn ang="0">
-                <a:pos x="connisteX19" y="connsiteY19"/>
-              </a:cxn>
-              <a:cxn ang="0">
-                <a:pos x="connisteX20" y="connsiteY20"/>
-              </a:cxn>
-              <a:cxn ang="0">
-                <a:pos x="connisteX21" y="connsiteY21"/>
-              </a:cxn>
-              <a:cxn ang="0">
-                <a:pos x="connisteX22" y="connsiteY22"/>
-              </a:cxn>
-              <a:cxn ang="0">
-                <a:pos x="connisteX23" y="connsiteY23"/>
-              </a:cxn>
-              <a:cxn ang="0">
-                <a:pos x="connisteX24" y="connsiteY24"/>
-              </a:cxn>
-              <a:cxn ang="0">
-                <a:pos x="connisteX25" y="connsiteY25"/>
-              </a:cxn>
-              <a:cxn ang="0">
-                <a:pos x="connisteX26" y="connsiteY26"/>
-              </a:cxn>
-              <a:cxn ang="0">
-                <a:pos x="connisteX27" y="connsiteY27"/>
-              </a:cxn>
-              <a:cxn ang="0">
-                <a:pos x="connisteX28" y="connsiteY28"/>
-              </a:cxn>
-              <a:cxn ang="0">
-                <a:pos x="connisteX29" y="connsiteY29"/>
-              </a:cxn>
-              <a:cxn ang="0">
-                <a:pos x="connisteX30" y="connsiteY30"/>
-              </a:cxn>
-              <a:cxn ang="0">
-                <a:pos x="connisteX31" y="connsiteY31"/>
-              </a:cxn>
-              <a:cxn ang="0">
-                <a:pos x="connisteX32" y="connsiteY32"/>
-              </a:cxn>
-              <a:cxn ang="0">
-                <a:pos x="connisteX33" y="connsiteY33"/>
-              </a:cxn>
-              <a:cxn ang="0">
-                <a:pos x="connisteX34" y="connsiteY34"/>
-              </a:cxn>
-              <a:cxn ang="0">
-                <a:pos x="connisteX35" y="connsiteY35"/>
-              </a:cxn>
-              <a:cxn ang="0">
-                <a:pos x="connisteX36" y="connsiteY36"/>
-              </a:cxn>
-              <a:cxn ang="0">
-                <a:pos x="connisteX37" y="connsiteY37"/>
-              </a:cxn>
-              <a:cxn ang="0">
-                <a:pos x="connisteX38" y="connsiteY38"/>
-              </a:cxn>
-              <a:cxn ang="0">
-                <a:pos x="connisteX39" y="connsiteY39"/>
-              </a:cxn>
-              <a:cxn ang="0">
-                <a:pos x="connisteX40" y="connsiteY40"/>
-              </a:cxn>
-              <a:cxn ang="0">
-                <a:pos x="connisteX41" y="connsiteY41"/>
-              </a:cxn>
-              <a:cxn ang="0">
-                <a:pos x="connisteX42" y="connsiteY42"/>
-              </a:cxn>
-              <a:cxn ang="0">
-                <a:pos x="connisteX43" y="connsiteY43"/>
-              </a:cxn>
-              <a:cxn ang="0">
-                <a:pos x="connisteX44" y="connsiteY44"/>
-              </a:cxn>
-              <a:cxn ang="0">
-                <a:pos x="connisteX45" y="connsiteY45"/>
-              </a:cxn>
-              <a:cxn ang="0">
-                <a:pos x="connisteX46" y="connsiteY46"/>
-              </a:cxn>
-              <a:cxn ang="0">
-                <a:pos x="connisteX47" y="connsiteY47"/>
-              </a:cxn>
-              <a:cxn ang="0">
-                <a:pos x="connisteX48" y="connsiteY48"/>
-              </a:cxn>
-              <a:cxn ang="0">
-                <a:pos x="connisteX49" y="connsiteY49"/>
-              </a:cxn>
-              <a:cxn ang="0">
-                <a:pos x="connisteX50" y="connsiteY50"/>
-              </a:cxn>
-              <a:cxn ang="0">
-                <a:pos x="connisteX51" y="connsiteY51"/>
-              </a:cxn>
-              <a:cxn ang="0">
-                <a:pos x="connisteX52" y="connsiteY52"/>
-              </a:cxn>
-            </a:cxnLst>
-            <a:rect l="l" t="t" r="r" b="b"/>
-            <a:pathLst>
-              <a:path w="3023235" h="258994">
-                <a:moveTo>
-                  <a:pt x="0" y="237024"/>
-                </a:moveTo>
-                <a:cubicBezTo>
-                  <a:pt x="12065" y="226229"/>
-                  <a:pt x="39370" y="200829"/>
-                  <a:pt x="66040" y="179874"/>
-                </a:cubicBezTo>
-                <a:cubicBezTo>
-                  <a:pt x="92710" y="158919"/>
-                  <a:pt x="104140" y="148124"/>
-                  <a:pt x="132715" y="132884"/>
-                </a:cubicBezTo>
-                <a:cubicBezTo>
-                  <a:pt x="161290" y="117644"/>
-                  <a:pt x="179705" y="117644"/>
-                  <a:pt x="208280" y="104309"/>
-                </a:cubicBezTo>
-                <a:cubicBezTo>
-                  <a:pt x="236855" y="90974"/>
-                  <a:pt x="247650" y="83989"/>
-                  <a:pt x="274320" y="66844"/>
-                </a:cubicBezTo>
-                <a:cubicBezTo>
-                  <a:pt x="300990" y="49699"/>
-                  <a:pt x="315595" y="15409"/>
-                  <a:pt x="340360" y="19219"/>
-                </a:cubicBezTo>
-                <a:cubicBezTo>
-                  <a:pt x="365125" y="23029"/>
-                  <a:pt x="372110" y="68749"/>
-                  <a:pt x="396875" y="85894"/>
-                </a:cubicBezTo>
-                <a:cubicBezTo>
-                  <a:pt x="421640" y="103039"/>
-                  <a:pt x="436245" y="98594"/>
-                  <a:pt x="462915" y="104309"/>
-                </a:cubicBezTo>
-                <a:cubicBezTo>
-                  <a:pt x="489585" y="110024"/>
-                  <a:pt x="502285" y="115739"/>
-                  <a:pt x="528955" y="113834"/>
-                </a:cubicBezTo>
-                <a:cubicBezTo>
-                  <a:pt x="555625" y="111929"/>
-                  <a:pt x="568325" y="108119"/>
-                  <a:pt x="594995" y="94784"/>
-                </a:cubicBezTo>
-                <a:cubicBezTo>
-                  <a:pt x="621665" y="81449"/>
-                  <a:pt x="635000" y="61129"/>
-                  <a:pt x="661670" y="47794"/>
-                </a:cubicBezTo>
-                <a:cubicBezTo>
-                  <a:pt x="688340" y="34459"/>
-                  <a:pt x="701040" y="30649"/>
-                  <a:pt x="727710" y="28744"/>
-                </a:cubicBezTo>
-                <a:cubicBezTo>
-                  <a:pt x="754380" y="26839"/>
-                  <a:pt x="768985" y="23029"/>
-                  <a:pt x="793750" y="38269"/>
-                </a:cubicBezTo>
-                <a:cubicBezTo>
-                  <a:pt x="818515" y="53509"/>
-                  <a:pt x="831215" y="77639"/>
-                  <a:pt x="850265" y="104309"/>
-                </a:cubicBezTo>
-                <a:cubicBezTo>
-                  <a:pt x="869315" y="130979"/>
-                  <a:pt x="867410" y="147489"/>
-                  <a:pt x="888365" y="170349"/>
-                </a:cubicBezTo>
-                <a:cubicBezTo>
-                  <a:pt x="909320" y="193209"/>
-                  <a:pt x="927735" y="217974"/>
-                  <a:pt x="954405" y="217974"/>
-                </a:cubicBezTo>
-                <a:cubicBezTo>
-                  <a:pt x="981075" y="217974"/>
-                  <a:pt x="993775" y="191304"/>
-                  <a:pt x="1020445" y="170349"/>
-                </a:cubicBezTo>
-                <a:cubicBezTo>
-                  <a:pt x="1047115" y="149394"/>
-                  <a:pt x="1059815" y="134789"/>
-                  <a:pt x="1086485" y="113834"/>
-                </a:cubicBezTo>
-                <a:cubicBezTo>
-                  <a:pt x="1113155" y="92879"/>
-                  <a:pt x="1125855" y="76369"/>
-                  <a:pt x="1152525" y="66844"/>
-                </a:cubicBezTo>
-                <a:cubicBezTo>
-                  <a:pt x="1179195" y="57319"/>
-                  <a:pt x="1191895" y="66844"/>
-                  <a:pt x="1218565" y="66844"/>
-                </a:cubicBezTo>
-                <a:cubicBezTo>
-                  <a:pt x="1245235" y="66844"/>
-                  <a:pt x="1257935" y="63034"/>
-                  <a:pt x="1284605" y="66844"/>
-                </a:cubicBezTo>
-                <a:cubicBezTo>
-                  <a:pt x="1311275" y="70654"/>
-                  <a:pt x="1324610" y="78274"/>
-                  <a:pt x="1351280" y="85894"/>
-                </a:cubicBezTo>
-                <a:cubicBezTo>
-                  <a:pt x="1377950" y="93514"/>
-                  <a:pt x="1390650" y="100499"/>
-                  <a:pt x="1417320" y="104309"/>
-                </a:cubicBezTo>
-                <a:cubicBezTo>
-                  <a:pt x="1443990" y="108119"/>
-                  <a:pt x="1456690" y="104309"/>
-                  <a:pt x="1483360" y="104309"/>
-                </a:cubicBezTo>
-                <a:cubicBezTo>
-                  <a:pt x="1510030" y="104309"/>
-                  <a:pt x="1522730" y="104309"/>
-                  <a:pt x="1549400" y="104309"/>
-                </a:cubicBezTo>
-                <a:cubicBezTo>
-                  <a:pt x="1576070" y="104309"/>
-                  <a:pt x="1592580" y="90974"/>
-                  <a:pt x="1615440" y="104309"/>
-                </a:cubicBezTo>
-                <a:cubicBezTo>
-                  <a:pt x="1638300" y="117644"/>
-                  <a:pt x="1643380" y="143679"/>
-                  <a:pt x="1662430" y="170349"/>
-                </a:cubicBezTo>
-                <a:cubicBezTo>
-                  <a:pt x="1681480" y="197019"/>
-                  <a:pt x="1687195" y="219879"/>
-                  <a:pt x="1710055" y="237024"/>
-                </a:cubicBezTo>
-                <a:cubicBezTo>
-                  <a:pt x="1732915" y="254169"/>
-                  <a:pt x="1753235" y="264964"/>
-                  <a:pt x="1776095" y="255439"/>
-                </a:cubicBezTo>
-                <a:cubicBezTo>
-                  <a:pt x="1798955" y="245914"/>
-                  <a:pt x="1800225" y="216069"/>
-                  <a:pt x="1823085" y="189399"/>
-                </a:cubicBezTo>
-                <a:cubicBezTo>
-                  <a:pt x="1845945" y="162729"/>
-                  <a:pt x="1863090" y="148124"/>
-                  <a:pt x="1889760" y="123359"/>
-                </a:cubicBezTo>
-                <a:cubicBezTo>
-                  <a:pt x="1916430" y="98594"/>
-                  <a:pt x="1931035" y="91609"/>
-                  <a:pt x="1955800" y="66844"/>
-                </a:cubicBezTo>
-                <a:cubicBezTo>
-                  <a:pt x="1980565" y="42079"/>
-                  <a:pt x="1987550" y="6519"/>
-                  <a:pt x="2012315" y="804"/>
-                </a:cubicBezTo>
-                <a:cubicBezTo>
-                  <a:pt x="2037080" y="-4911"/>
-                  <a:pt x="2051685" y="21124"/>
-                  <a:pt x="2078355" y="38269"/>
-                </a:cubicBezTo>
-                <a:cubicBezTo>
-                  <a:pt x="2105025" y="55414"/>
-                  <a:pt x="2129155" y="63034"/>
-                  <a:pt x="2144395" y="85894"/>
-                </a:cubicBezTo>
-                <a:cubicBezTo>
-                  <a:pt x="2159635" y="108754"/>
-                  <a:pt x="2138680" y="132884"/>
-                  <a:pt x="2153920" y="151934"/>
-                </a:cubicBezTo>
-                <a:cubicBezTo>
-                  <a:pt x="2169160" y="170984"/>
-                  <a:pt x="2193290" y="176064"/>
-                  <a:pt x="2219960" y="179874"/>
-                </a:cubicBezTo>
-                <a:cubicBezTo>
-                  <a:pt x="2246630" y="183684"/>
-                  <a:pt x="2266950" y="185589"/>
-                  <a:pt x="2286000" y="170349"/>
-                </a:cubicBezTo>
-                <a:cubicBezTo>
-                  <a:pt x="2305050" y="155109"/>
-                  <a:pt x="2295525" y="125264"/>
-                  <a:pt x="2314575" y="104309"/>
-                </a:cubicBezTo>
-                <a:cubicBezTo>
-                  <a:pt x="2333625" y="83354"/>
-                  <a:pt x="2353945" y="76369"/>
-                  <a:pt x="2380615" y="66844"/>
-                </a:cubicBezTo>
-                <a:cubicBezTo>
-                  <a:pt x="2407285" y="57319"/>
-                  <a:pt x="2419985" y="64939"/>
-                  <a:pt x="2446655" y="57319"/>
-                </a:cubicBezTo>
-                <a:cubicBezTo>
-                  <a:pt x="2473325" y="49699"/>
-                  <a:pt x="2491740" y="21124"/>
-                  <a:pt x="2512695" y="28744"/>
-                </a:cubicBezTo>
-                <a:cubicBezTo>
-                  <a:pt x="2533650" y="36364"/>
-                  <a:pt x="2543175" y="68114"/>
-                  <a:pt x="2550795" y="94784"/>
-                </a:cubicBezTo>
-                <a:cubicBezTo>
-                  <a:pt x="2558415" y="121454"/>
-                  <a:pt x="2548890" y="134789"/>
-                  <a:pt x="2550795" y="161459"/>
-                </a:cubicBezTo>
-                <a:cubicBezTo>
-                  <a:pt x="2552700" y="188129"/>
-                  <a:pt x="2545080" y="221784"/>
-                  <a:pt x="2560320" y="227499"/>
-                </a:cubicBezTo>
-                <a:cubicBezTo>
-                  <a:pt x="2575560" y="233214"/>
-                  <a:pt x="2605405" y="210354"/>
-                  <a:pt x="2626360" y="189399"/>
-                </a:cubicBezTo>
-                <a:cubicBezTo>
-                  <a:pt x="2647315" y="168444"/>
-                  <a:pt x="2648585" y="150029"/>
-                  <a:pt x="2663825" y="123359"/>
-                </a:cubicBezTo>
-                <a:cubicBezTo>
-                  <a:pt x="2679065" y="96689"/>
-                  <a:pt x="2680970" y="70654"/>
-                  <a:pt x="2701925" y="57319"/>
-                </a:cubicBezTo>
-                <a:cubicBezTo>
-                  <a:pt x="2722880" y="43984"/>
-                  <a:pt x="2741295" y="51604"/>
-                  <a:pt x="2767965" y="57319"/>
-                </a:cubicBezTo>
-                <a:cubicBezTo>
-                  <a:pt x="2794635" y="63034"/>
-                  <a:pt x="2807335" y="66844"/>
-                  <a:pt x="2834005" y="85894"/>
-                </a:cubicBezTo>
-                <a:cubicBezTo>
-                  <a:pt x="2860675" y="104944"/>
-                  <a:pt x="2873375" y="146219"/>
-                  <a:pt x="2900045" y="151934"/>
-                </a:cubicBezTo>
-                <a:cubicBezTo>
-                  <a:pt x="2926715" y="157649"/>
-                  <a:pt x="2941320" y="134789"/>
-                  <a:pt x="2966085" y="113834"/>
-                </a:cubicBezTo>
-                <a:cubicBezTo>
-                  <a:pt x="2990850" y="92879"/>
-                  <a:pt x="3013075" y="60494"/>
-                  <a:pt x="3023235" y="47794"/>
-                </a:cubicBezTo>
-              </a:path>
-            </a:pathLst>
-          </a:custGeom>
-        </p:spPr>
-        <p:style>
-          <a:lnRef idx="3">
-            <a:schemeClr val="accent2"/>
-          </a:lnRef>
-          <a:fillRef idx="0">
-            <a:srgbClr val="FFFFFF"/>
-          </a:fillRef>
-          <a:effectRef idx="0">
-            <a:srgbClr val="FFFFFF"/>
-          </a:effectRef>
-          <a:fontRef idx="minor">
-            <a:schemeClr val="tx1"/>
-          </a:fontRef>
-        </p:style>
-        <p:txBody>
-          <a:bodyPr rtlCol="0" anchor="ctr"/>
-          <a:p>
-            <a:pPr algn="ctr"/>
-            <a:endParaRPr lang="zh-CN" altLang="en-US"/>
-          </a:p>
-        </p:txBody>
-      </p:sp>
-      <p:sp>
-        <p:nvSpPr>
-          <p:cNvPr id="5" name="任意多边形 4"/>
-          <p:cNvSpPr/>
-          <p:nvPr/>
-        </p:nvSpPr>
-        <p:spPr>
-          <a:xfrm>
-            <a:off x="6302375" y="3198495"/>
-            <a:ext cx="3060700" cy="377825"/>
-          </a:xfrm>
-          <a:custGeom>
-            <a:avLst/>
-            <a:gdLst>
-              <a:gd name="connisteX0" fmla="*/ 0 w 3060700"/>
-              <a:gd name="connsiteY0" fmla="*/ 198817 h 377887"/>
-              <a:gd name="connisteX1" fmla="*/ 66675 w 3060700"/>
-              <a:gd name="connsiteY1" fmla="*/ 132777 h 377887"/>
-              <a:gd name="connisteX2" fmla="*/ 123190 w 3060700"/>
-              <a:gd name="connsiteY2" fmla="*/ 66737 h 377887"/>
-              <a:gd name="connisteX3" fmla="*/ 179705 w 3060700"/>
-              <a:gd name="connsiteY3" fmla="*/ 62 h 377887"/>
-              <a:gd name="connisteX4" fmla="*/ 226695 w 3060700"/>
-              <a:gd name="connsiteY4" fmla="*/ 66737 h 377887"/>
-              <a:gd name="connisteX5" fmla="*/ 264795 w 3060700"/>
-              <a:gd name="connsiteY5" fmla="*/ 142302 h 377887"/>
-              <a:gd name="connisteX6" fmla="*/ 302260 w 3060700"/>
-              <a:gd name="connsiteY6" fmla="*/ 208342 h 377887"/>
-              <a:gd name="connisteX7" fmla="*/ 321310 w 3060700"/>
-              <a:gd name="connsiteY7" fmla="*/ 142302 h 377887"/>
-              <a:gd name="connisteX8" fmla="*/ 330835 w 3060700"/>
-              <a:gd name="connsiteY8" fmla="*/ 75627 h 377887"/>
-              <a:gd name="connisteX9" fmla="*/ 359410 w 3060700"/>
-              <a:gd name="connsiteY9" fmla="*/ 9587 h 377887"/>
-              <a:gd name="connisteX10" fmla="*/ 425450 w 3060700"/>
-              <a:gd name="connsiteY10" fmla="*/ 75627 h 377887"/>
-              <a:gd name="connisteX11" fmla="*/ 462915 w 3060700"/>
-              <a:gd name="connsiteY11" fmla="*/ 142302 h 377887"/>
-              <a:gd name="connisteX12" fmla="*/ 501015 w 3060700"/>
-              <a:gd name="connsiteY12" fmla="*/ 208342 h 377887"/>
-              <a:gd name="connisteX13" fmla="*/ 538480 w 3060700"/>
-              <a:gd name="connsiteY13" fmla="*/ 132777 h 377887"/>
-              <a:gd name="connisteX14" fmla="*/ 576580 w 3060700"/>
-              <a:gd name="connsiteY14" fmla="*/ 66737 h 377887"/>
-              <a:gd name="connisteX15" fmla="*/ 633095 w 3060700"/>
-              <a:gd name="connsiteY15" fmla="*/ 62 h 377887"/>
-              <a:gd name="connisteX16" fmla="*/ 661670 w 3060700"/>
-              <a:gd name="connsiteY16" fmla="*/ 75627 h 377887"/>
-              <a:gd name="connisteX17" fmla="*/ 699135 w 3060700"/>
-              <a:gd name="connsiteY17" fmla="*/ 142302 h 377887"/>
-              <a:gd name="connisteX18" fmla="*/ 765175 w 3060700"/>
-              <a:gd name="connsiteY18" fmla="*/ 85152 h 377887"/>
-              <a:gd name="connisteX19" fmla="*/ 803275 w 3060700"/>
-              <a:gd name="connsiteY19" fmla="*/ 19112 h 377887"/>
-              <a:gd name="connisteX20" fmla="*/ 869315 w 3060700"/>
-              <a:gd name="connsiteY20" fmla="*/ 94677 h 377887"/>
-              <a:gd name="connisteX21" fmla="*/ 897890 w 3060700"/>
-              <a:gd name="connsiteY21" fmla="*/ 160717 h 377887"/>
-              <a:gd name="connisteX22" fmla="*/ 954405 w 3060700"/>
-              <a:gd name="connsiteY22" fmla="*/ 94677 h 377887"/>
-              <a:gd name="connisteX23" fmla="*/ 991870 w 3060700"/>
-              <a:gd name="connsiteY23" fmla="*/ 28637 h 377887"/>
-              <a:gd name="connisteX24" fmla="*/ 1049020 w 3060700"/>
-              <a:gd name="connsiteY24" fmla="*/ 94677 h 377887"/>
-              <a:gd name="connisteX25" fmla="*/ 1076960 w 3060700"/>
-              <a:gd name="connsiteY25" fmla="*/ 160717 h 377887"/>
-              <a:gd name="connisteX26" fmla="*/ 1105535 w 3060700"/>
-              <a:gd name="connsiteY26" fmla="*/ 236282 h 377887"/>
-              <a:gd name="connisteX27" fmla="*/ 1134110 w 3060700"/>
-              <a:gd name="connsiteY27" fmla="*/ 302322 h 377887"/>
-              <a:gd name="connisteX28" fmla="*/ 1162050 w 3060700"/>
-              <a:gd name="connsiteY28" fmla="*/ 236282 h 377887"/>
-              <a:gd name="connisteX29" fmla="*/ 1200150 w 3060700"/>
-              <a:gd name="connsiteY29" fmla="*/ 170242 h 377887"/>
-              <a:gd name="connisteX30" fmla="*/ 1256665 w 3060700"/>
-              <a:gd name="connsiteY30" fmla="*/ 104202 h 377887"/>
-              <a:gd name="connisteX31" fmla="*/ 1303655 w 3060700"/>
-              <a:gd name="connsiteY31" fmla="*/ 38162 h 377887"/>
-              <a:gd name="connisteX32" fmla="*/ 1369695 w 3060700"/>
-              <a:gd name="connsiteY32" fmla="*/ 38162 h 377887"/>
-              <a:gd name="connisteX33" fmla="*/ 1436370 w 3060700"/>
-              <a:gd name="connsiteY33" fmla="*/ 38162 h 377887"/>
-              <a:gd name="connisteX34" fmla="*/ 1502410 w 3060700"/>
-              <a:gd name="connsiteY34" fmla="*/ 38162 h 377887"/>
-              <a:gd name="connisteX35" fmla="*/ 1558925 w 3060700"/>
-              <a:gd name="connsiteY35" fmla="*/ 104202 h 377887"/>
-              <a:gd name="connisteX36" fmla="*/ 1596390 w 3060700"/>
-              <a:gd name="connsiteY36" fmla="*/ 170242 h 377887"/>
-              <a:gd name="connisteX37" fmla="*/ 1644015 w 3060700"/>
-              <a:gd name="connsiteY37" fmla="*/ 236282 h 377887"/>
-              <a:gd name="connisteX38" fmla="*/ 1671955 w 3060700"/>
-              <a:gd name="connsiteY38" fmla="*/ 170242 h 377887"/>
-              <a:gd name="connisteX39" fmla="*/ 1681480 w 3060700"/>
-              <a:gd name="connsiteY39" fmla="*/ 104202 h 377887"/>
-              <a:gd name="connisteX40" fmla="*/ 1729105 w 3060700"/>
-              <a:gd name="connsiteY40" fmla="*/ 170242 h 377887"/>
-              <a:gd name="connisteX41" fmla="*/ 1785620 w 3060700"/>
-              <a:gd name="connsiteY41" fmla="*/ 236282 h 377887"/>
-              <a:gd name="connisteX42" fmla="*/ 1814195 w 3060700"/>
-              <a:gd name="connsiteY42" fmla="*/ 311847 h 377887"/>
-              <a:gd name="connisteX43" fmla="*/ 1842135 w 3060700"/>
-              <a:gd name="connsiteY43" fmla="*/ 377887 h 377887"/>
-              <a:gd name="connisteX44" fmla="*/ 1851660 w 3060700"/>
-              <a:gd name="connsiteY44" fmla="*/ 311847 h 377887"/>
-              <a:gd name="connisteX45" fmla="*/ 1861185 w 3060700"/>
-              <a:gd name="connsiteY45" fmla="*/ 245807 h 377887"/>
-              <a:gd name="connisteX46" fmla="*/ 1861185 w 3060700"/>
-              <a:gd name="connsiteY46" fmla="*/ 179767 h 377887"/>
-              <a:gd name="connisteX47" fmla="*/ 1861185 w 3060700"/>
-              <a:gd name="connsiteY47" fmla="*/ 113727 h 377887"/>
-              <a:gd name="connisteX48" fmla="*/ 1927225 w 3060700"/>
-              <a:gd name="connsiteY48" fmla="*/ 57212 h 377887"/>
-              <a:gd name="connisteX49" fmla="*/ 1993265 w 3060700"/>
-              <a:gd name="connsiteY49" fmla="*/ 66737 h 377887"/>
-              <a:gd name="connisteX50" fmla="*/ 2059305 w 3060700"/>
-              <a:gd name="connsiteY50" fmla="*/ 75627 h 377887"/>
-              <a:gd name="connisteX51" fmla="*/ 2116455 w 3060700"/>
-              <a:gd name="connsiteY51" fmla="*/ 142302 h 377887"/>
-              <a:gd name="connisteX52" fmla="*/ 2182495 w 3060700"/>
-              <a:gd name="connsiteY52" fmla="*/ 132777 h 377887"/>
-              <a:gd name="connisteX53" fmla="*/ 2239010 w 3060700"/>
-              <a:gd name="connsiteY53" fmla="*/ 66737 h 377887"/>
-              <a:gd name="connisteX54" fmla="*/ 2305050 w 3060700"/>
-              <a:gd name="connsiteY54" fmla="*/ 85152 h 377887"/>
-              <a:gd name="connisteX55" fmla="*/ 2371090 w 3060700"/>
-              <a:gd name="connsiteY55" fmla="*/ 151192 h 377887"/>
-              <a:gd name="connisteX56" fmla="*/ 2437130 w 3060700"/>
-              <a:gd name="connsiteY56" fmla="*/ 151192 h 377887"/>
-              <a:gd name="connisteX57" fmla="*/ 2503805 w 3060700"/>
-              <a:gd name="connsiteY57" fmla="*/ 132777 h 377887"/>
-              <a:gd name="connisteX58" fmla="*/ 2569845 w 3060700"/>
-              <a:gd name="connsiteY58" fmla="*/ 94677 h 377887"/>
-              <a:gd name="connisteX59" fmla="*/ 2635885 w 3060700"/>
-              <a:gd name="connsiteY59" fmla="*/ 66737 h 377887"/>
-              <a:gd name="connisteX60" fmla="*/ 2701925 w 3060700"/>
-              <a:gd name="connsiteY60" fmla="*/ 66737 h 377887"/>
-              <a:gd name="connisteX61" fmla="*/ 2767965 w 3060700"/>
-              <a:gd name="connsiteY61" fmla="*/ 132777 h 377887"/>
-              <a:gd name="connisteX62" fmla="*/ 2814955 w 3060700"/>
-              <a:gd name="connsiteY62" fmla="*/ 198817 h 377887"/>
-              <a:gd name="connisteX63" fmla="*/ 2881630 w 3060700"/>
-              <a:gd name="connsiteY63" fmla="*/ 217867 h 377887"/>
-              <a:gd name="connisteX64" fmla="*/ 2947670 w 3060700"/>
-              <a:gd name="connsiteY64" fmla="*/ 160717 h 377887"/>
-              <a:gd name="connisteX65" fmla="*/ 3013710 w 3060700"/>
-              <a:gd name="connsiteY65" fmla="*/ 170242 h 377887"/>
-              <a:gd name="connisteX66" fmla="*/ 3060700 w 3060700"/>
-              <a:gd name="connsiteY66" fmla="*/ 236282 h 377887"/>
-            </a:gdLst>
-            <a:ahLst/>
-            <a:cxnLst>
-              <a:cxn ang="0">
-                <a:pos x="connisteX0" y="connsiteY0"/>
-              </a:cxn>
-              <a:cxn ang="0">
-                <a:pos x="connisteX1" y="connsiteY1"/>
-              </a:cxn>
-              <a:cxn ang="0">
-                <a:pos x="connisteX2" y="connsiteY2"/>
-              </a:cxn>
-              <a:cxn ang="0">
-                <a:pos x="connisteX3" y="connsiteY3"/>
-              </a:cxn>
-              <a:cxn ang="0">
-                <a:pos x="connisteX4" y="connsiteY4"/>
-              </a:cxn>
-              <a:cxn ang="0">
-                <a:pos x="connisteX5" y="connsiteY5"/>
-              </a:cxn>
-              <a:cxn ang="0">
-                <a:pos x="connisteX6" y="connsiteY6"/>
-              </a:cxn>
-              <a:cxn ang="0">
-                <a:pos x="connisteX7" y="connsiteY7"/>
-              </a:cxn>
-              <a:cxn ang="0">
-                <a:pos x="connisteX8" y="connsiteY8"/>
-              </a:cxn>
-              <a:cxn ang="0">
-                <a:pos x="connisteX9" y="connsiteY9"/>
-              </a:cxn>
-              <a:cxn ang="0">
-                <a:pos x="connisteX10" y="connsiteY10"/>
-              </a:cxn>
-              <a:cxn ang="0">
-                <a:pos x="connisteX11" y="connsiteY11"/>
-              </a:cxn>
-              <a:cxn ang="0">
-                <a:pos x="connisteX12" y="connsiteY12"/>
-              </a:cxn>
-              <a:cxn ang="0">
-                <a:pos x="connisteX13" y="connsiteY13"/>
-              </a:cxn>
-              <a:cxn ang="0">
-                <a:pos x="connisteX14" y="connsiteY14"/>
-              </a:cxn>
-              <a:cxn ang="0">
-                <a:pos x="connisteX15" y="connsiteY15"/>
-              </a:cxn>
-              <a:cxn ang="0">
-                <a:pos x="connisteX16" y="connsiteY16"/>
-              </a:cxn>
-              <a:cxn ang="0">
-                <a:pos x="connisteX17" y="connsiteY17"/>
-              </a:cxn>
-              <a:cxn ang="0">
-                <a:pos x="connisteX18" y="connsiteY18"/>
-              </a:cxn>
-              <a:cxn ang="0">
-                <a:pos x="connisteX19" y="connsiteY19"/>
-              </a:cxn>
-              <a:cxn ang="0">
-                <a:pos x="connisteX20" y="connsiteY20"/>
-              </a:cxn>
-              <a:cxn ang="0">
-                <a:pos x="connisteX21" y="connsiteY21"/>
-              </a:cxn>
-              <a:cxn ang="0">
-                <a:pos x="connisteX22" y="connsiteY22"/>
-              </a:cxn>
-              <a:cxn ang="0">
-                <a:pos x="connisteX23" y="connsiteY23"/>
-              </a:cxn>
-              <a:cxn ang="0">
-                <a:pos x="connisteX24" y="connsiteY24"/>
-              </a:cxn>
-              <a:cxn ang="0">
-                <a:pos x="connisteX25" y="connsiteY25"/>
-              </a:cxn>
-              <a:cxn ang="0">
-                <a:pos x="connisteX26" y="connsiteY26"/>
-              </a:cxn>
-              <a:cxn ang="0">
-                <a:pos x="connisteX27" y="connsiteY27"/>
-              </a:cxn>
-              <a:cxn ang="0">
-                <a:pos x="connisteX28" y="connsiteY28"/>
-              </a:cxn>
-              <a:cxn ang="0">
-                <a:pos x="connisteX29" y="connsiteY29"/>
-              </a:cxn>
-              <a:cxn ang="0">
-                <a:pos x="connisteX30" y="connsiteY30"/>
-              </a:cxn>
-              <a:cxn ang="0">
-                <a:pos x="connisteX31" y="connsiteY31"/>
-              </a:cxn>
-              <a:cxn ang="0">
-                <a:pos x="connisteX32" y="connsiteY32"/>
-              </a:cxn>
-              <a:cxn ang="0">
-                <a:pos x="connisteX33" y="connsiteY33"/>
-              </a:cxn>
-              <a:cxn ang="0">
-                <a:pos x="connisteX34" y="connsiteY34"/>
-              </a:cxn>
-              <a:cxn ang="0">
-                <a:pos x="connisteX35" y="connsiteY35"/>
-              </a:cxn>
-              <a:cxn ang="0">
-                <a:pos x="connisteX36" y="connsiteY36"/>
-              </a:cxn>
-              <a:cxn ang="0">
-                <a:pos x="connisteX37" y="connsiteY37"/>
-              </a:cxn>
-              <a:cxn ang="0">
-                <a:pos x="connisteX38" y="connsiteY38"/>
-              </a:cxn>
-              <a:cxn ang="0">
-                <a:pos x="connisteX39" y="connsiteY39"/>
-              </a:cxn>
-              <a:cxn ang="0">
-                <a:pos x="connisteX40" y="connsiteY40"/>
-              </a:cxn>
-              <a:cxn ang="0">
-                <a:pos x="connisteX41" y="connsiteY41"/>
-              </a:cxn>
-              <a:cxn ang="0">
-                <a:pos x="connisteX42" y="connsiteY42"/>
-              </a:cxn>
-              <a:cxn ang="0">
-                <a:pos x="connisteX43" y="connsiteY43"/>
-              </a:cxn>
-              <a:cxn ang="0">
-                <a:pos x="connisteX44" y="connsiteY44"/>
-              </a:cxn>
-              <a:cxn ang="0">
-                <a:pos x="connisteX45" y="connsiteY45"/>
-              </a:cxn>
-              <a:cxn ang="0">
-                <a:pos x="connisteX46" y="connsiteY46"/>
-              </a:cxn>
-              <a:cxn ang="0">
-                <a:pos x="connisteX47" y="connsiteY47"/>
-              </a:cxn>
-              <a:cxn ang="0">
-                <a:pos x="connisteX48" y="connsiteY48"/>
-              </a:cxn>
-              <a:cxn ang="0">
-                <a:pos x="connisteX49" y="connsiteY49"/>
-              </a:cxn>
-              <a:cxn ang="0">
-                <a:pos x="connisteX50" y="connsiteY50"/>
-              </a:cxn>
-              <a:cxn ang="0">
-                <a:pos x="connisteX51" y="connsiteY51"/>
-              </a:cxn>
-              <a:cxn ang="0">
-                <a:pos x="connisteX52" y="connsiteY52"/>
-              </a:cxn>
-              <a:cxn ang="0">
-                <a:pos x="connisteX53" y="connsiteY53"/>
-              </a:cxn>
-              <a:cxn ang="0">
-                <a:pos x="connisteX54" y="connsiteY54"/>
-              </a:cxn>
-              <a:cxn ang="0">
-                <a:pos x="connisteX55" y="connsiteY55"/>
-              </a:cxn>
-              <a:cxn ang="0">
-                <a:pos x="connisteX56" y="connsiteY56"/>
-              </a:cxn>
-              <a:cxn ang="0">
-                <a:pos x="connisteX57" y="connsiteY57"/>
-              </a:cxn>
-              <a:cxn ang="0">
-                <a:pos x="connisteX58" y="connsiteY58"/>
-              </a:cxn>
-              <a:cxn ang="0">
-                <a:pos x="connisteX59" y="connsiteY59"/>
-              </a:cxn>
-              <a:cxn ang="0">
-                <a:pos x="connisteX60" y="connsiteY60"/>
-              </a:cxn>
-              <a:cxn ang="0">
-                <a:pos x="connisteX61" y="connsiteY61"/>
-              </a:cxn>
-              <a:cxn ang="0">
-                <a:pos x="connisteX62" y="connsiteY62"/>
-              </a:cxn>
-              <a:cxn ang="0">
-                <a:pos x="connisteX63" y="connsiteY63"/>
-              </a:cxn>
-              <a:cxn ang="0">
-                <a:pos x="connisteX64" y="connsiteY64"/>
-              </a:cxn>
-              <a:cxn ang="0">
-                <a:pos x="connisteX65" y="connsiteY65"/>
-              </a:cxn>
-              <a:cxn ang="0">
-                <a:pos x="connisteX66" y="connsiteY66"/>
-              </a:cxn>
-            </a:cxnLst>
-            <a:rect l="l" t="t" r="r" b="b"/>
-            <a:pathLst>
-              <a:path w="3060700" h="377888">
-                <a:moveTo>
-                  <a:pt x="0" y="198818"/>
-                </a:moveTo>
-                <a:cubicBezTo>
-                  <a:pt x="12065" y="186753"/>
-                  <a:pt x="41910" y="159448"/>
-                  <a:pt x="66675" y="132778"/>
-                </a:cubicBezTo>
-                <a:cubicBezTo>
-                  <a:pt x="91440" y="106108"/>
-                  <a:pt x="100330" y="93408"/>
-                  <a:pt x="123190" y="66738"/>
-                </a:cubicBezTo>
-                <a:cubicBezTo>
-                  <a:pt x="146050" y="40068"/>
-                  <a:pt x="158750" y="63"/>
-                  <a:pt x="179705" y="63"/>
-                </a:cubicBezTo>
-                <a:cubicBezTo>
-                  <a:pt x="200660" y="63"/>
-                  <a:pt x="209550" y="38163"/>
-                  <a:pt x="226695" y="66738"/>
-                </a:cubicBezTo>
-                <a:cubicBezTo>
-                  <a:pt x="243840" y="95313"/>
-                  <a:pt x="249555" y="113728"/>
-                  <a:pt x="264795" y="142303"/>
-                </a:cubicBezTo>
-                <a:cubicBezTo>
-                  <a:pt x="280035" y="170878"/>
-                  <a:pt x="290830" y="208343"/>
-                  <a:pt x="302260" y="208343"/>
-                </a:cubicBezTo>
-                <a:cubicBezTo>
-                  <a:pt x="313690" y="208343"/>
-                  <a:pt x="315595" y="168973"/>
-                  <a:pt x="321310" y="142303"/>
-                </a:cubicBezTo>
-                <a:cubicBezTo>
-                  <a:pt x="327025" y="115633"/>
-                  <a:pt x="323215" y="102298"/>
-                  <a:pt x="330835" y="75628"/>
-                </a:cubicBezTo>
-                <a:cubicBezTo>
-                  <a:pt x="338455" y="48958"/>
-                  <a:pt x="340360" y="9588"/>
-                  <a:pt x="359410" y="9588"/>
-                </a:cubicBezTo>
-                <a:cubicBezTo>
-                  <a:pt x="378460" y="9588"/>
-                  <a:pt x="404495" y="48958"/>
-                  <a:pt x="425450" y="75628"/>
-                </a:cubicBezTo>
-                <a:cubicBezTo>
-                  <a:pt x="446405" y="102298"/>
-                  <a:pt x="447675" y="115633"/>
-                  <a:pt x="462915" y="142303"/>
-                </a:cubicBezTo>
-                <a:cubicBezTo>
-                  <a:pt x="478155" y="168973"/>
-                  <a:pt x="485775" y="210248"/>
-                  <a:pt x="501015" y="208343"/>
-                </a:cubicBezTo>
-                <a:cubicBezTo>
-                  <a:pt x="516255" y="206438"/>
-                  <a:pt x="523240" y="161353"/>
-                  <a:pt x="538480" y="132778"/>
-                </a:cubicBezTo>
-                <a:cubicBezTo>
-                  <a:pt x="553720" y="104203"/>
-                  <a:pt x="557530" y="93408"/>
-                  <a:pt x="576580" y="66738"/>
-                </a:cubicBezTo>
-                <a:cubicBezTo>
-                  <a:pt x="595630" y="40068"/>
-                  <a:pt x="615950" y="-1842"/>
-                  <a:pt x="633095" y="63"/>
-                </a:cubicBezTo>
-                <a:cubicBezTo>
-                  <a:pt x="650240" y="1968"/>
-                  <a:pt x="648335" y="47053"/>
-                  <a:pt x="661670" y="75628"/>
-                </a:cubicBezTo>
-                <a:cubicBezTo>
-                  <a:pt x="675005" y="104203"/>
-                  <a:pt x="678180" y="140398"/>
-                  <a:pt x="699135" y="142303"/>
-                </a:cubicBezTo>
-                <a:cubicBezTo>
-                  <a:pt x="720090" y="144208"/>
-                  <a:pt x="744220" y="109918"/>
-                  <a:pt x="765175" y="85153"/>
-                </a:cubicBezTo>
-                <a:cubicBezTo>
-                  <a:pt x="786130" y="60388"/>
-                  <a:pt x="782320" y="17208"/>
-                  <a:pt x="803275" y="19113"/>
-                </a:cubicBezTo>
-                <a:cubicBezTo>
-                  <a:pt x="824230" y="21018"/>
-                  <a:pt x="850265" y="66103"/>
-                  <a:pt x="869315" y="94678"/>
-                </a:cubicBezTo>
-                <a:cubicBezTo>
-                  <a:pt x="888365" y="123253"/>
-                  <a:pt x="880745" y="160718"/>
-                  <a:pt x="897890" y="160718"/>
-                </a:cubicBezTo>
-                <a:cubicBezTo>
-                  <a:pt x="915035" y="160718"/>
-                  <a:pt x="935355" y="121348"/>
-                  <a:pt x="954405" y="94678"/>
-                </a:cubicBezTo>
-                <a:cubicBezTo>
-                  <a:pt x="973455" y="68008"/>
-                  <a:pt x="972820" y="28638"/>
-                  <a:pt x="991870" y="28638"/>
-                </a:cubicBezTo>
-                <a:cubicBezTo>
-                  <a:pt x="1010920" y="28638"/>
-                  <a:pt x="1031875" y="68008"/>
-                  <a:pt x="1049020" y="94678"/>
-                </a:cubicBezTo>
-                <a:cubicBezTo>
-                  <a:pt x="1066165" y="121348"/>
-                  <a:pt x="1065530" y="132143"/>
-                  <a:pt x="1076960" y="160718"/>
-                </a:cubicBezTo>
-                <a:cubicBezTo>
-                  <a:pt x="1088390" y="189293"/>
-                  <a:pt x="1094105" y="207708"/>
-                  <a:pt x="1105535" y="236283"/>
-                </a:cubicBezTo>
-                <a:cubicBezTo>
-                  <a:pt x="1116965" y="264858"/>
-                  <a:pt x="1122680" y="302323"/>
-                  <a:pt x="1134110" y="302323"/>
-                </a:cubicBezTo>
-                <a:cubicBezTo>
-                  <a:pt x="1145540" y="302323"/>
-                  <a:pt x="1148715" y="262953"/>
-                  <a:pt x="1162050" y="236283"/>
-                </a:cubicBezTo>
-                <a:cubicBezTo>
-                  <a:pt x="1175385" y="209613"/>
-                  <a:pt x="1181100" y="196913"/>
-                  <a:pt x="1200150" y="170243"/>
-                </a:cubicBezTo>
-                <a:cubicBezTo>
-                  <a:pt x="1219200" y="143573"/>
-                  <a:pt x="1235710" y="130873"/>
-                  <a:pt x="1256665" y="104203"/>
-                </a:cubicBezTo>
-                <a:cubicBezTo>
-                  <a:pt x="1277620" y="77533"/>
-                  <a:pt x="1280795" y="51498"/>
-                  <a:pt x="1303655" y="38163"/>
-                </a:cubicBezTo>
-                <a:cubicBezTo>
-                  <a:pt x="1326515" y="24828"/>
-                  <a:pt x="1343025" y="38163"/>
-                  <a:pt x="1369695" y="38163"/>
-                </a:cubicBezTo>
-                <a:cubicBezTo>
-                  <a:pt x="1396365" y="38163"/>
-                  <a:pt x="1409700" y="38163"/>
-                  <a:pt x="1436370" y="38163"/>
-                </a:cubicBezTo>
-                <a:cubicBezTo>
-                  <a:pt x="1463040" y="38163"/>
-                  <a:pt x="1477645" y="24828"/>
-                  <a:pt x="1502410" y="38163"/>
-                </a:cubicBezTo>
-                <a:cubicBezTo>
-                  <a:pt x="1527175" y="51498"/>
-                  <a:pt x="1539875" y="77533"/>
-                  <a:pt x="1558925" y="104203"/>
-                </a:cubicBezTo>
-                <a:cubicBezTo>
-                  <a:pt x="1577975" y="130873"/>
-                  <a:pt x="1579245" y="143573"/>
-                  <a:pt x="1596390" y="170243"/>
-                </a:cubicBezTo>
-                <a:cubicBezTo>
-                  <a:pt x="1613535" y="196913"/>
-                  <a:pt x="1628775" y="236283"/>
-                  <a:pt x="1644015" y="236283"/>
-                </a:cubicBezTo>
-                <a:cubicBezTo>
-                  <a:pt x="1659255" y="236283"/>
-                  <a:pt x="1664335" y="196913"/>
-                  <a:pt x="1671955" y="170243"/>
-                </a:cubicBezTo>
-                <a:cubicBezTo>
-                  <a:pt x="1679575" y="143573"/>
-                  <a:pt x="1670050" y="104203"/>
-                  <a:pt x="1681480" y="104203"/>
-                </a:cubicBezTo>
-                <a:cubicBezTo>
-                  <a:pt x="1692910" y="104203"/>
-                  <a:pt x="1708150" y="143573"/>
-                  <a:pt x="1729105" y="170243"/>
-                </a:cubicBezTo>
-                <a:cubicBezTo>
-                  <a:pt x="1750060" y="196913"/>
-                  <a:pt x="1768475" y="207708"/>
-                  <a:pt x="1785620" y="236283"/>
-                </a:cubicBezTo>
-                <a:cubicBezTo>
-                  <a:pt x="1802765" y="264858"/>
-                  <a:pt x="1802765" y="283273"/>
-                  <a:pt x="1814195" y="311848"/>
-                </a:cubicBezTo>
-                <a:cubicBezTo>
-                  <a:pt x="1825625" y="340423"/>
-                  <a:pt x="1834515" y="377888"/>
-                  <a:pt x="1842135" y="377888"/>
-                </a:cubicBezTo>
-                <a:cubicBezTo>
-                  <a:pt x="1849755" y="377888"/>
-                  <a:pt x="1847850" y="338518"/>
-                  <a:pt x="1851660" y="311848"/>
-                </a:cubicBezTo>
-                <a:cubicBezTo>
-                  <a:pt x="1855470" y="285178"/>
-                  <a:pt x="1859280" y="272478"/>
-                  <a:pt x="1861185" y="245808"/>
-                </a:cubicBezTo>
-                <a:cubicBezTo>
-                  <a:pt x="1863090" y="219138"/>
-                  <a:pt x="1861185" y="206438"/>
-                  <a:pt x="1861185" y="179768"/>
-                </a:cubicBezTo>
-                <a:cubicBezTo>
-                  <a:pt x="1861185" y="153098"/>
-                  <a:pt x="1847850" y="138493"/>
-                  <a:pt x="1861185" y="113728"/>
-                </a:cubicBezTo>
-                <a:cubicBezTo>
-                  <a:pt x="1874520" y="88963"/>
-                  <a:pt x="1900555" y="66738"/>
-                  <a:pt x="1927225" y="57213"/>
-                </a:cubicBezTo>
-                <a:cubicBezTo>
-                  <a:pt x="1953895" y="47688"/>
-                  <a:pt x="1966595" y="62928"/>
-                  <a:pt x="1993265" y="66738"/>
-                </a:cubicBezTo>
-                <a:cubicBezTo>
-                  <a:pt x="2019935" y="70548"/>
-                  <a:pt x="2034540" y="60388"/>
-                  <a:pt x="2059305" y="75628"/>
-                </a:cubicBezTo>
-                <a:cubicBezTo>
-                  <a:pt x="2084070" y="90868"/>
-                  <a:pt x="2091690" y="130873"/>
-                  <a:pt x="2116455" y="142303"/>
-                </a:cubicBezTo>
-                <a:cubicBezTo>
-                  <a:pt x="2141220" y="153733"/>
-                  <a:pt x="2157730" y="148018"/>
-                  <a:pt x="2182495" y="132778"/>
-                </a:cubicBezTo>
-                <a:cubicBezTo>
-                  <a:pt x="2207260" y="117538"/>
-                  <a:pt x="2214245" y="76263"/>
-                  <a:pt x="2239010" y="66738"/>
-                </a:cubicBezTo>
-                <a:cubicBezTo>
-                  <a:pt x="2263775" y="57213"/>
-                  <a:pt x="2278380" y="68008"/>
-                  <a:pt x="2305050" y="85153"/>
-                </a:cubicBezTo>
-                <a:cubicBezTo>
-                  <a:pt x="2331720" y="102298"/>
-                  <a:pt x="2344420" y="137858"/>
-                  <a:pt x="2371090" y="151193"/>
-                </a:cubicBezTo>
-                <a:cubicBezTo>
-                  <a:pt x="2397760" y="164528"/>
-                  <a:pt x="2410460" y="155003"/>
-                  <a:pt x="2437130" y="151193"/>
-                </a:cubicBezTo>
-                <a:cubicBezTo>
-                  <a:pt x="2463800" y="147383"/>
-                  <a:pt x="2477135" y="144208"/>
-                  <a:pt x="2503805" y="132778"/>
-                </a:cubicBezTo>
-                <a:cubicBezTo>
-                  <a:pt x="2530475" y="121348"/>
-                  <a:pt x="2543175" y="108013"/>
-                  <a:pt x="2569845" y="94678"/>
-                </a:cubicBezTo>
-                <a:cubicBezTo>
-                  <a:pt x="2596515" y="81343"/>
-                  <a:pt x="2609215" y="72453"/>
-                  <a:pt x="2635885" y="66738"/>
-                </a:cubicBezTo>
-                <a:cubicBezTo>
-                  <a:pt x="2662555" y="61023"/>
-                  <a:pt x="2675255" y="53403"/>
-                  <a:pt x="2701925" y="66738"/>
-                </a:cubicBezTo>
-                <a:cubicBezTo>
-                  <a:pt x="2728595" y="80073"/>
-                  <a:pt x="2745105" y="106108"/>
-                  <a:pt x="2767965" y="132778"/>
-                </a:cubicBezTo>
-                <a:cubicBezTo>
-                  <a:pt x="2790825" y="159448"/>
-                  <a:pt x="2792095" y="181673"/>
-                  <a:pt x="2814955" y="198818"/>
-                </a:cubicBezTo>
-                <a:cubicBezTo>
-                  <a:pt x="2837815" y="215963"/>
-                  <a:pt x="2854960" y="225488"/>
-                  <a:pt x="2881630" y="217868"/>
-                </a:cubicBezTo>
-                <a:cubicBezTo>
-                  <a:pt x="2908300" y="210248"/>
-                  <a:pt x="2921000" y="170243"/>
-                  <a:pt x="2947670" y="160718"/>
-                </a:cubicBezTo>
-                <a:cubicBezTo>
-                  <a:pt x="2974340" y="151193"/>
-                  <a:pt x="2990850" y="155003"/>
-                  <a:pt x="3013710" y="170243"/>
-                </a:cubicBezTo>
-                <a:cubicBezTo>
-                  <a:pt x="3036570" y="185483"/>
-                  <a:pt x="3052445" y="222948"/>
-                  <a:pt x="3060700" y="236283"/>
-                </a:cubicBezTo>
-              </a:path>
-            </a:pathLst>
-          </a:custGeom>
-        </p:spPr>
-        <p:style>
-          <a:lnRef idx="3">
-            <a:schemeClr val="accent4"/>
-          </a:lnRef>
-          <a:fillRef idx="0">
-            <a:srgbClr val="FFFFFF"/>
-          </a:fillRef>
-          <a:effectRef idx="0">
-            <a:srgbClr val="FFFFFF"/>
-          </a:effectRef>
-          <a:fontRef idx="minor">
-            <a:schemeClr val="tx1"/>
-          </a:fontRef>
-        </p:style>
-        <p:txBody>
-          <a:bodyPr rtlCol="0" anchor="ctr"/>
-          <a:p>
-            <a:pPr algn="ctr"/>
-            <a:endParaRPr lang="zh-CN" altLang="en-US"/>
-          </a:p>
-        </p:txBody>
-      </p:sp>
-      <p:sp>
-        <p:nvSpPr>
-          <p:cNvPr id="6" name="文本框 5"/>
-          <p:cNvSpPr txBox="1"/>
-          <p:nvPr/>
-        </p:nvSpPr>
-        <p:spPr>
-          <a:xfrm>
-            <a:off x="7527925" y="2404110"/>
-            <a:ext cx="283210" cy="368300"/>
-          </a:xfrm>
-          <a:prstGeom prst="rect">
-            <a:avLst/>
-          </a:prstGeom>
-          <a:noFill/>
-        </p:spPr>
-        <p:txBody>
-          <a:bodyPr wrap="none" rtlCol="0" anchor="t">
-            <a:spAutoFit/>
-          </a:bodyPr>
-          <a:p>
-            <a:r>
-              <a:rPr lang="zh-CN" altLang="en-US">
-                <a:latin typeface="微软雅黑" panose="020B0503020204020204" charset="-122"/>
-                <a:ea typeface="微软雅黑" panose="020B0503020204020204" charset="-122"/>
-              </a:rPr>
-              <a:t>•</a:t>
-            </a:r>
-            <a:endParaRPr lang="zh-CN" altLang="en-US">
-              <a:latin typeface="微软雅黑" panose="020B0503020204020204" charset="-122"/>
-              <a:ea typeface="微软雅黑" panose="020B0503020204020204" charset="-122"/>
-            </a:endParaRPr>
-          </a:p>
-        </p:txBody>
-      </p:sp>
-      <p:sp>
-        <p:nvSpPr>
-          <p:cNvPr id="7" name="文本框 6"/>
-          <p:cNvSpPr txBox="1"/>
-          <p:nvPr/>
-        </p:nvSpPr>
-        <p:spPr>
-          <a:xfrm>
-            <a:off x="7527925" y="2611120"/>
-            <a:ext cx="283210" cy="368300"/>
-          </a:xfrm>
-          <a:prstGeom prst="rect">
-            <a:avLst/>
-          </a:prstGeom>
-          <a:noFill/>
-        </p:spPr>
-        <p:txBody>
-          <a:bodyPr wrap="none" rtlCol="0" anchor="t">
-            <a:spAutoFit/>
-          </a:bodyPr>
-          <a:p>
-            <a:r>
-              <a:rPr lang="zh-CN" altLang="en-US">
-                <a:latin typeface="微软雅黑" panose="020B0503020204020204" charset="-122"/>
-                <a:ea typeface="微软雅黑" panose="020B0503020204020204" charset="-122"/>
-              </a:rPr>
-              <a:t>•</a:t>
-            </a:r>
-            <a:endParaRPr lang="zh-CN" altLang="en-US">
-              <a:latin typeface="微软雅黑" panose="020B0503020204020204" charset="-122"/>
-              <a:ea typeface="微软雅黑" panose="020B0503020204020204" charset="-122"/>
-            </a:endParaRPr>
-          </a:p>
-        </p:txBody>
-      </p:sp>
-      <p:sp>
-        <p:nvSpPr>
-          <p:cNvPr id="9" name="文本框 8"/>
-          <p:cNvSpPr txBox="1"/>
-          <p:nvPr/>
-        </p:nvSpPr>
-        <p:spPr>
-          <a:xfrm>
-            <a:off x="7527925" y="2830195"/>
-            <a:ext cx="283210" cy="368300"/>
-          </a:xfrm>
-          <a:prstGeom prst="rect">
-            <a:avLst/>
-          </a:prstGeom>
-          <a:noFill/>
-        </p:spPr>
-        <p:txBody>
-          <a:bodyPr wrap="none" rtlCol="0" anchor="t">
-            <a:spAutoFit/>
-          </a:bodyPr>
-          <a:p>
-            <a:r>
-              <a:rPr lang="zh-CN" altLang="en-US">
-                <a:latin typeface="微软雅黑" panose="020B0503020204020204" charset="-122"/>
-                <a:ea typeface="微软雅黑" panose="020B0503020204020204" charset="-122"/>
-              </a:rPr>
-              <a:t>•</a:t>
-            </a:r>
-            <a:endParaRPr lang="zh-CN" altLang="en-US">
-              <a:latin typeface="微软雅黑" panose="020B0503020204020204" charset="-122"/>
-              <a:ea typeface="微软雅黑" panose="020B0503020204020204" charset="-122"/>
-            </a:endParaRPr>
-          </a:p>
-        </p:txBody>
-      </p:sp>
-      <p:sp>
-        <p:nvSpPr>
           <p:cNvPr id="24" name="文本框 23"/>
           <p:cNvSpPr txBox="1"/>
           <p:nvPr/>
         </p:nvSpPr>
         <p:spPr>
           <a:xfrm>
-            <a:off x="5311140" y="4050665"/>
+            <a:off x="5414645" y="3583940"/>
             <a:ext cx="2216785" cy="436880"/>
           </a:xfrm>
           <a:prstGeom prst="rect">
@@ -10968,7 +10389,7 @@
         </p:nvSpPr>
         <p:spPr>
           <a:xfrm>
-            <a:off x="6456045" y="4796790"/>
+            <a:off x="6379210" y="4180840"/>
             <a:ext cx="2658745" cy="368300"/>
           </a:xfrm>
           <a:prstGeom prst="rect">
@@ -11018,8 +10439,8 @@
         </p:nvCxnSpPr>
         <p:spPr>
           <a:xfrm>
-            <a:off x="3543935" y="2830195"/>
-            <a:ext cx="2547620" cy="12065"/>
+            <a:off x="3755390" y="2144395"/>
+            <a:ext cx="1820545" cy="8255"/>
           </a:xfrm>
           <a:prstGeom prst="straightConnector1">
             <a:avLst/>
@@ -11055,8 +10476,8 @@
         </p:nvCxnSpPr>
         <p:spPr>
           <a:xfrm>
-            <a:off x="7785735" y="3795395"/>
-            <a:ext cx="12700" cy="962660"/>
+            <a:off x="7779385" y="3371215"/>
+            <a:ext cx="2540" cy="771525"/>
           </a:xfrm>
           <a:prstGeom prst="straightConnector1">
             <a:avLst/>
@@ -11087,15 +10508,13 @@
       <p:cxnSp>
         <p:nvCxnSpPr>
           <p:cNvPr id="30" name="直接箭头连接符 29"/>
-          <p:cNvCxnSpPr>
-            <a:stCxn id="58" idx="3"/>
-          </p:cNvCxnSpPr>
+          <p:cNvCxnSpPr/>
           <p:nvPr/>
         </p:nvCxnSpPr>
         <p:spPr>
           <a:xfrm flipV="1">
-            <a:off x="9114790" y="4958080"/>
-            <a:ext cx="2261235" cy="22860"/>
+            <a:off x="9137650" y="4351655"/>
+            <a:ext cx="2038985" cy="11430"/>
           </a:xfrm>
           <a:prstGeom prst="straightConnector1">
             <a:avLst/>
@@ -11131,7 +10550,7 @@
         </p:nvSpPr>
         <p:spPr>
           <a:xfrm>
-            <a:off x="9214485" y="4364990"/>
+            <a:off x="9037955" y="3812540"/>
             <a:ext cx="2161540" cy="368300"/>
           </a:xfrm>
           <a:prstGeom prst="rect">
@@ -11177,7 +10596,7 @@
         </p:nvSpPr>
         <p:spPr>
           <a:xfrm>
-            <a:off x="3543935" y="5574030"/>
+            <a:off x="3543935" y="4840605"/>
             <a:ext cx="4582160" cy="398780"/>
           </a:xfrm>
           <a:prstGeom prst="rect">
@@ -11203,6 +10622,785 @@
               <a:t>Temporal Features Exactor Module</a:t>
             </a:r>
             <a:endParaRPr lang="en-US" altLang="zh-CN" sz="2000" b="1">
+              <a:latin typeface="Arial" panose="020B0604020202020204" pitchFamily="34" charset="0"/>
+              <a:ea typeface="微软雅黑" panose="020B0503020204020204" charset="-122"/>
+            </a:endParaRPr>
+          </a:p>
+        </p:txBody>
+      </p:sp>
+      <p:sp>
+        <p:nvSpPr>
+          <p:cNvPr id="23" name="矩形 22"/>
+          <p:cNvSpPr/>
+          <p:nvPr/>
+        </p:nvSpPr>
+        <p:spPr>
+          <a:xfrm>
+            <a:off x="6309995" y="2912110"/>
+            <a:ext cx="1463040" cy="368935"/>
+          </a:xfrm>
+          <a:prstGeom prst="rect">
+            <a:avLst/>
+          </a:prstGeom>
+          <a:solidFill>
+            <a:schemeClr val="bg1"/>
+          </a:solidFill>
+          <a:ln w="28575">
+            <a:solidFill>
+              <a:schemeClr val="accent6"/>
+            </a:solidFill>
+          </a:ln>
+        </p:spPr>
+        <p:style>
+          <a:lnRef idx="2">
+            <a:schemeClr val="accent1">
+              <a:lumMod val="75000"/>
+            </a:schemeClr>
+          </a:lnRef>
+          <a:fillRef idx="1">
+            <a:schemeClr val="accent1"/>
+          </a:fillRef>
+          <a:effectRef idx="0">
+            <a:srgbClr val="FFFFFF"/>
+          </a:effectRef>
+          <a:fontRef idx="minor">
+            <a:schemeClr val="lt1"/>
+          </a:fontRef>
+        </p:style>
+        <p:txBody>
+          <a:bodyPr rtlCol="0" anchor="ctr"/>
+          <a:p>
+            <a:pPr algn="ctr"/>
+            <a:endParaRPr lang="zh-CN" altLang="en-US"/>
+          </a:p>
+        </p:txBody>
+      </p:sp>
+      <p:sp>
+        <p:nvSpPr>
+          <p:cNvPr id="27" name="矩形 26"/>
+          <p:cNvSpPr/>
+          <p:nvPr/>
+        </p:nvSpPr>
+        <p:spPr>
+          <a:xfrm>
+            <a:off x="7773035" y="2912110"/>
+            <a:ext cx="1463040" cy="368935"/>
+          </a:xfrm>
+          <a:prstGeom prst="rect">
+            <a:avLst/>
+          </a:prstGeom>
+          <a:solidFill>
+            <a:schemeClr val="bg1"/>
+          </a:solidFill>
+          <a:ln w="28575">
+            <a:solidFill>
+              <a:schemeClr val="accent6"/>
+            </a:solidFill>
+          </a:ln>
+        </p:spPr>
+        <p:style>
+          <a:lnRef idx="2">
+            <a:schemeClr val="accent1">
+              <a:lumMod val="75000"/>
+            </a:schemeClr>
+          </a:lnRef>
+          <a:fillRef idx="1">
+            <a:schemeClr val="accent1"/>
+          </a:fillRef>
+          <a:effectRef idx="0">
+            <a:srgbClr val="FFFFFF"/>
+          </a:effectRef>
+          <a:fontRef idx="minor">
+            <a:schemeClr val="lt1"/>
+          </a:fontRef>
+        </p:style>
+        <p:txBody>
+          <a:bodyPr rtlCol="0" anchor="ctr"/>
+          <a:p>
+            <a:pPr algn="ctr"/>
+            <a:endParaRPr lang="zh-CN" altLang="en-US"/>
+          </a:p>
+        </p:txBody>
+      </p:sp>
+      <p:sp>
+        <p:nvSpPr>
+          <p:cNvPr id="31" name="任意多边形 30"/>
+          <p:cNvSpPr/>
+          <p:nvPr/>
+        </p:nvSpPr>
+        <p:spPr>
+          <a:xfrm>
+            <a:off x="6309995" y="2987040"/>
+            <a:ext cx="2926080" cy="219710"/>
+          </a:xfrm>
+          <a:custGeom>
+            <a:avLst/>
+            <a:gdLst>
+              <a:gd name="connisteX0" fmla="*/ 0 w 3022600"/>
+              <a:gd name="connsiteY0" fmla="*/ 201339 h 201339"/>
+              <a:gd name="connisteX1" fmla="*/ 38100 w 3022600"/>
+              <a:gd name="connsiteY1" fmla="*/ 135299 h 201339"/>
+              <a:gd name="connisteX2" fmla="*/ 75565 w 3022600"/>
+              <a:gd name="connsiteY2" fmla="*/ 69259 h 201339"/>
+              <a:gd name="connisteX3" fmla="*/ 141605 w 3022600"/>
+              <a:gd name="connsiteY3" fmla="*/ 21634 h 201339"/>
+              <a:gd name="connisteX4" fmla="*/ 207645 w 3022600"/>
+              <a:gd name="connsiteY4" fmla="*/ 69259 h 201339"/>
+              <a:gd name="connisteX5" fmla="*/ 273685 w 3022600"/>
+              <a:gd name="connsiteY5" fmla="*/ 135299 h 201339"/>
+              <a:gd name="connisteX6" fmla="*/ 340360 w 3022600"/>
+              <a:gd name="connsiteY6" fmla="*/ 191814 h 201339"/>
+              <a:gd name="connisteX7" fmla="*/ 387350 w 3022600"/>
+              <a:gd name="connsiteY7" fmla="*/ 125774 h 201339"/>
+              <a:gd name="connisteX8" fmla="*/ 453390 w 3022600"/>
+              <a:gd name="connsiteY8" fmla="*/ 78784 h 201339"/>
+              <a:gd name="connisteX9" fmla="*/ 519430 w 3022600"/>
+              <a:gd name="connsiteY9" fmla="*/ 116249 h 201339"/>
+              <a:gd name="connisteX10" fmla="*/ 585470 w 3022600"/>
+              <a:gd name="connsiteY10" fmla="*/ 144824 h 201339"/>
+              <a:gd name="connisteX11" fmla="*/ 652145 w 3022600"/>
+              <a:gd name="connsiteY11" fmla="*/ 172764 h 201339"/>
+              <a:gd name="connisteX12" fmla="*/ 718185 w 3022600"/>
+              <a:gd name="connsiteY12" fmla="*/ 163239 h 201339"/>
+              <a:gd name="connisteX13" fmla="*/ 774700 w 3022600"/>
+              <a:gd name="connsiteY13" fmla="*/ 97199 h 201339"/>
+              <a:gd name="connisteX14" fmla="*/ 840740 w 3022600"/>
+              <a:gd name="connsiteY14" fmla="*/ 69259 h 201339"/>
+              <a:gd name="connisteX15" fmla="*/ 906780 w 3022600"/>
+              <a:gd name="connsiteY15" fmla="*/ 40684 h 201339"/>
+              <a:gd name="connisteX16" fmla="*/ 972820 w 3022600"/>
+              <a:gd name="connsiteY16" fmla="*/ 40684 h 201339"/>
+              <a:gd name="connisteX17" fmla="*/ 1038860 w 3022600"/>
+              <a:gd name="connsiteY17" fmla="*/ 59734 h 201339"/>
+              <a:gd name="connisteX18" fmla="*/ 1105535 w 3022600"/>
+              <a:gd name="connsiteY18" fmla="*/ 69259 h 201339"/>
+              <a:gd name="connisteX19" fmla="*/ 1133475 w 3022600"/>
+              <a:gd name="connsiteY19" fmla="*/ 135299 h 201339"/>
+              <a:gd name="connisteX20" fmla="*/ 1209040 w 3022600"/>
+              <a:gd name="connsiteY20" fmla="*/ 144824 h 201339"/>
+              <a:gd name="connisteX21" fmla="*/ 1275080 w 3022600"/>
+              <a:gd name="connsiteY21" fmla="*/ 106724 h 201339"/>
+              <a:gd name="connisteX22" fmla="*/ 1350645 w 3022600"/>
+              <a:gd name="connsiteY22" fmla="*/ 50209 h 201339"/>
+              <a:gd name="connisteX23" fmla="*/ 1416685 w 3022600"/>
+              <a:gd name="connsiteY23" fmla="*/ 40684 h 201339"/>
+              <a:gd name="connisteX24" fmla="*/ 1483360 w 3022600"/>
+              <a:gd name="connsiteY24" fmla="*/ 3219 h 201339"/>
+              <a:gd name="connisteX25" fmla="*/ 1549400 w 3022600"/>
+              <a:gd name="connsiteY25" fmla="*/ 12109 h 201339"/>
+              <a:gd name="connisteX26" fmla="*/ 1615440 w 3022600"/>
+              <a:gd name="connsiteY26" fmla="*/ 69259 h 201339"/>
+              <a:gd name="connisteX27" fmla="*/ 1681480 w 3022600"/>
+              <a:gd name="connsiteY27" fmla="*/ 125774 h 201339"/>
+              <a:gd name="connisteX28" fmla="*/ 1747520 w 3022600"/>
+              <a:gd name="connsiteY28" fmla="*/ 163239 h 201339"/>
+              <a:gd name="connisteX29" fmla="*/ 1813560 w 3022600"/>
+              <a:gd name="connsiteY29" fmla="*/ 172764 h 201339"/>
+              <a:gd name="connisteX30" fmla="*/ 1851660 w 3022600"/>
+              <a:gd name="connsiteY30" fmla="*/ 106724 h 201339"/>
+              <a:gd name="connisteX31" fmla="*/ 1917700 w 3022600"/>
+              <a:gd name="connsiteY31" fmla="*/ 97199 h 201339"/>
+              <a:gd name="connisteX32" fmla="*/ 1983740 w 3022600"/>
+              <a:gd name="connsiteY32" fmla="*/ 87674 h 201339"/>
+              <a:gd name="connisteX33" fmla="*/ 2049780 w 3022600"/>
+              <a:gd name="connsiteY33" fmla="*/ 78784 h 201339"/>
+              <a:gd name="connisteX34" fmla="*/ 2097405 w 3022600"/>
+              <a:gd name="connsiteY34" fmla="*/ 12109 h 201339"/>
+              <a:gd name="connisteX35" fmla="*/ 2163445 w 3022600"/>
+              <a:gd name="connsiteY35" fmla="*/ 50209 h 201339"/>
+              <a:gd name="connisteX36" fmla="*/ 2229485 w 3022600"/>
+              <a:gd name="connsiteY36" fmla="*/ 59734 h 201339"/>
+              <a:gd name="connisteX37" fmla="*/ 2295525 w 3022600"/>
+              <a:gd name="connsiteY37" fmla="*/ 69259 h 201339"/>
+              <a:gd name="connisteX38" fmla="*/ 2361565 w 3022600"/>
+              <a:gd name="connsiteY38" fmla="*/ 125774 h 201339"/>
+              <a:gd name="connisteX39" fmla="*/ 2427605 w 3022600"/>
+              <a:gd name="connsiteY39" fmla="*/ 163239 h 201339"/>
+              <a:gd name="connisteX40" fmla="*/ 2493645 w 3022600"/>
+              <a:gd name="connsiteY40" fmla="*/ 163239 h 201339"/>
+              <a:gd name="connisteX41" fmla="*/ 2559685 w 3022600"/>
+              <a:gd name="connsiteY41" fmla="*/ 154349 h 201339"/>
+              <a:gd name="connisteX42" fmla="*/ 2626360 w 3022600"/>
+              <a:gd name="connsiteY42" fmla="*/ 106724 h 201339"/>
+              <a:gd name="connisteX43" fmla="*/ 2692400 w 3022600"/>
+              <a:gd name="connsiteY43" fmla="*/ 78784 h 201339"/>
+              <a:gd name="connisteX44" fmla="*/ 2758440 w 3022600"/>
+              <a:gd name="connsiteY44" fmla="*/ 69259 h 201339"/>
+              <a:gd name="connisteX45" fmla="*/ 2824480 w 3022600"/>
+              <a:gd name="connsiteY45" fmla="*/ 125774 h 201339"/>
+              <a:gd name="connisteX46" fmla="*/ 2890520 w 3022600"/>
+              <a:gd name="connsiteY46" fmla="*/ 135299 h 201339"/>
+              <a:gd name="connisteX47" fmla="*/ 2956560 w 3022600"/>
+              <a:gd name="connsiteY47" fmla="*/ 106724 h 201339"/>
+              <a:gd name="connisteX48" fmla="*/ 3022600 w 3022600"/>
+              <a:gd name="connsiteY48" fmla="*/ 78784 h 201339"/>
+            </a:gdLst>
+            <a:ahLst/>
+            <a:cxnLst>
+              <a:cxn ang="0">
+                <a:pos x="connisteX0" y="connsiteY0"/>
+              </a:cxn>
+              <a:cxn ang="0">
+                <a:pos x="connisteX1" y="connsiteY1"/>
+              </a:cxn>
+              <a:cxn ang="0">
+                <a:pos x="connisteX2" y="connsiteY2"/>
+              </a:cxn>
+              <a:cxn ang="0">
+                <a:pos x="connisteX3" y="connsiteY3"/>
+              </a:cxn>
+              <a:cxn ang="0">
+                <a:pos x="connisteX4" y="connsiteY4"/>
+              </a:cxn>
+              <a:cxn ang="0">
+                <a:pos x="connisteX5" y="connsiteY5"/>
+              </a:cxn>
+              <a:cxn ang="0">
+                <a:pos x="connisteX6" y="connsiteY6"/>
+              </a:cxn>
+              <a:cxn ang="0">
+                <a:pos x="connisteX7" y="connsiteY7"/>
+              </a:cxn>
+              <a:cxn ang="0">
+                <a:pos x="connisteX8" y="connsiteY8"/>
+              </a:cxn>
+              <a:cxn ang="0">
+                <a:pos x="connisteX9" y="connsiteY9"/>
+              </a:cxn>
+              <a:cxn ang="0">
+                <a:pos x="connisteX10" y="connsiteY10"/>
+              </a:cxn>
+              <a:cxn ang="0">
+                <a:pos x="connisteX11" y="connsiteY11"/>
+              </a:cxn>
+              <a:cxn ang="0">
+                <a:pos x="connisteX12" y="connsiteY12"/>
+              </a:cxn>
+              <a:cxn ang="0">
+                <a:pos x="connisteX13" y="connsiteY13"/>
+              </a:cxn>
+              <a:cxn ang="0">
+                <a:pos x="connisteX14" y="connsiteY14"/>
+              </a:cxn>
+              <a:cxn ang="0">
+                <a:pos x="connisteX15" y="connsiteY15"/>
+              </a:cxn>
+              <a:cxn ang="0">
+                <a:pos x="connisteX16" y="connsiteY16"/>
+              </a:cxn>
+              <a:cxn ang="0">
+                <a:pos x="connisteX17" y="connsiteY17"/>
+              </a:cxn>
+              <a:cxn ang="0">
+                <a:pos x="connisteX18" y="connsiteY18"/>
+              </a:cxn>
+              <a:cxn ang="0">
+                <a:pos x="connisteX19" y="connsiteY19"/>
+              </a:cxn>
+              <a:cxn ang="0">
+                <a:pos x="connisteX20" y="connsiteY20"/>
+              </a:cxn>
+              <a:cxn ang="0">
+                <a:pos x="connisteX21" y="connsiteY21"/>
+              </a:cxn>
+              <a:cxn ang="0">
+                <a:pos x="connisteX22" y="connsiteY22"/>
+              </a:cxn>
+              <a:cxn ang="0">
+                <a:pos x="connisteX23" y="connsiteY23"/>
+              </a:cxn>
+              <a:cxn ang="0">
+                <a:pos x="connisteX24" y="connsiteY24"/>
+              </a:cxn>
+              <a:cxn ang="0">
+                <a:pos x="connisteX25" y="connsiteY25"/>
+              </a:cxn>
+              <a:cxn ang="0">
+                <a:pos x="connisteX26" y="connsiteY26"/>
+              </a:cxn>
+              <a:cxn ang="0">
+                <a:pos x="connisteX27" y="connsiteY27"/>
+              </a:cxn>
+              <a:cxn ang="0">
+                <a:pos x="connisteX28" y="connsiteY28"/>
+              </a:cxn>
+              <a:cxn ang="0">
+                <a:pos x="connisteX29" y="connsiteY29"/>
+              </a:cxn>
+              <a:cxn ang="0">
+                <a:pos x="connisteX30" y="connsiteY30"/>
+              </a:cxn>
+              <a:cxn ang="0">
+                <a:pos x="connisteX31" y="connsiteY31"/>
+              </a:cxn>
+              <a:cxn ang="0">
+                <a:pos x="connisteX32" y="connsiteY32"/>
+              </a:cxn>
+              <a:cxn ang="0">
+                <a:pos x="connisteX33" y="connsiteY33"/>
+              </a:cxn>
+              <a:cxn ang="0">
+                <a:pos x="connisteX34" y="connsiteY34"/>
+              </a:cxn>
+              <a:cxn ang="0">
+                <a:pos x="connisteX35" y="connsiteY35"/>
+              </a:cxn>
+              <a:cxn ang="0">
+                <a:pos x="connisteX36" y="connsiteY36"/>
+              </a:cxn>
+              <a:cxn ang="0">
+                <a:pos x="connisteX37" y="connsiteY37"/>
+              </a:cxn>
+              <a:cxn ang="0">
+                <a:pos x="connisteX38" y="connsiteY38"/>
+              </a:cxn>
+              <a:cxn ang="0">
+                <a:pos x="connisteX39" y="connsiteY39"/>
+              </a:cxn>
+              <a:cxn ang="0">
+                <a:pos x="connisteX40" y="connsiteY40"/>
+              </a:cxn>
+              <a:cxn ang="0">
+                <a:pos x="connisteX41" y="connsiteY41"/>
+              </a:cxn>
+              <a:cxn ang="0">
+                <a:pos x="connisteX42" y="connsiteY42"/>
+              </a:cxn>
+              <a:cxn ang="0">
+                <a:pos x="connisteX43" y="connsiteY43"/>
+              </a:cxn>
+              <a:cxn ang="0">
+                <a:pos x="connisteX44" y="connsiteY44"/>
+              </a:cxn>
+              <a:cxn ang="0">
+                <a:pos x="connisteX45" y="connsiteY45"/>
+              </a:cxn>
+              <a:cxn ang="0">
+                <a:pos x="connisteX46" y="connsiteY46"/>
+              </a:cxn>
+              <a:cxn ang="0">
+                <a:pos x="connisteX47" y="connsiteY47"/>
+              </a:cxn>
+              <a:cxn ang="0">
+                <a:pos x="connisteX48" y="connsiteY48"/>
+              </a:cxn>
+            </a:cxnLst>
+            <a:rect l="l" t="t" r="r" b="b"/>
+            <a:pathLst>
+              <a:path w="3022600" h="201339">
+                <a:moveTo>
+                  <a:pt x="0" y="201339"/>
+                </a:moveTo>
+                <a:cubicBezTo>
+                  <a:pt x="6985" y="189274"/>
+                  <a:pt x="22860" y="161969"/>
+                  <a:pt x="38100" y="135299"/>
+                </a:cubicBezTo>
+                <a:cubicBezTo>
+                  <a:pt x="53340" y="108629"/>
+                  <a:pt x="54610" y="92119"/>
+                  <a:pt x="75565" y="69259"/>
+                </a:cubicBezTo>
+                <a:cubicBezTo>
+                  <a:pt x="96520" y="46399"/>
+                  <a:pt x="114935" y="21634"/>
+                  <a:pt x="141605" y="21634"/>
+                </a:cubicBezTo>
+                <a:cubicBezTo>
+                  <a:pt x="168275" y="21634"/>
+                  <a:pt x="180975" y="46399"/>
+                  <a:pt x="207645" y="69259"/>
+                </a:cubicBezTo>
+                <a:cubicBezTo>
+                  <a:pt x="234315" y="92119"/>
+                  <a:pt x="247015" y="110534"/>
+                  <a:pt x="273685" y="135299"/>
+                </a:cubicBezTo>
+                <a:cubicBezTo>
+                  <a:pt x="300355" y="160064"/>
+                  <a:pt x="317500" y="193719"/>
+                  <a:pt x="340360" y="191814"/>
+                </a:cubicBezTo>
+                <a:cubicBezTo>
+                  <a:pt x="363220" y="189909"/>
+                  <a:pt x="364490" y="148634"/>
+                  <a:pt x="387350" y="125774"/>
+                </a:cubicBezTo>
+                <a:cubicBezTo>
+                  <a:pt x="410210" y="102914"/>
+                  <a:pt x="426720" y="80689"/>
+                  <a:pt x="453390" y="78784"/>
+                </a:cubicBezTo>
+                <a:cubicBezTo>
+                  <a:pt x="480060" y="76879"/>
+                  <a:pt x="492760" y="102914"/>
+                  <a:pt x="519430" y="116249"/>
+                </a:cubicBezTo>
+                <a:cubicBezTo>
+                  <a:pt x="546100" y="129584"/>
+                  <a:pt x="558800" y="133394"/>
+                  <a:pt x="585470" y="144824"/>
+                </a:cubicBezTo>
+                <a:cubicBezTo>
+                  <a:pt x="612140" y="156254"/>
+                  <a:pt x="625475" y="168954"/>
+                  <a:pt x="652145" y="172764"/>
+                </a:cubicBezTo>
+                <a:cubicBezTo>
+                  <a:pt x="678815" y="176574"/>
+                  <a:pt x="693420" y="178479"/>
+                  <a:pt x="718185" y="163239"/>
+                </a:cubicBezTo>
+                <a:cubicBezTo>
+                  <a:pt x="742950" y="147999"/>
+                  <a:pt x="749935" y="116249"/>
+                  <a:pt x="774700" y="97199"/>
+                </a:cubicBezTo>
+                <a:cubicBezTo>
+                  <a:pt x="799465" y="78149"/>
+                  <a:pt x="814070" y="80689"/>
+                  <a:pt x="840740" y="69259"/>
+                </a:cubicBezTo>
+                <a:cubicBezTo>
+                  <a:pt x="867410" y="57829"/>
+                  <a:pt x="880110" y="46399"/>
+                  <a:pt x="906780" y="40684"/>
+                </a:cubicBezTo>
+                <a:cubicBezTo>
+                  <a:pt x="933450" y="34969"/>
+                  <a:pt x="946150" y="36874"/>
+                  <a:pt x="972820" y="40684"/>
+                </a:cubicBezTo>
+                <a:cubicBezTo>
+                  <a:pt x="999490" y="44494"/>
+                  <a:pt x="1012190" y="54019"/>
+                  <a:pt x="1038860" y="59734"/>
+                </a:cubicBezTo>
+                <a:cubicBezTo>
+                  <a:pt x="1065530" y="65449"/>
+                  <a:pt x="1086485" y="54019"/>
+                  <a:pt x="1105535" y="69259"/>
+                </a:cubicBezTo>
+                <a:cubicBezTo>
+                  <a:pt x="1124585" y="84499"/>
+                  <a:pt x="1112520" y="120059"/>
+                  <a:pt x="1133475" y="135299"/>
+                </a:cubicBezTo>
+                <a:cubicBezTo>
+                  <a:pt x="1154430" y="150539"/>
+                  <a:pt x="1180465" y="150539"/>
+                  <a:pt x="1209040" y="144824"/>
+                </a:cubicBezTo>
+                <a:cubicBezTo>
+                  <a:pt x="1237615" y="139109"/>
+                  <a:pt x="1246505" y="125774"/>
+                  <a:pt x="1275080" y="106724"/>
+                </a:cubicBezTo>
+                <a:cubicBezTo>
+                  <a:pt x="1303655" y="87674"/>
+                  <a:pt x="1322070" y="63544"/>
+                  <a:pt x="1350645" y="50209"/>
+                </a:cubicBezTo>
+                <a:cubicBezTo>
+                  <a:pt x="1379220" y="36874"/>
+                  <a:pt x="1390015" y="50209"/>
+                  <a:pt x="1416685" y="40684"/>
+                </a:cubicBezTo>
+                <a:cubicBezTo>
+                  <a:pt x="1443355" y="31159"/>
+                  <a:pt x="1456690" y="8934"/>
+                  <a:pt x="1483360" y="3219"/>
+                </a:cubicBezTo>
+                <a:cubicBezTo>
+                  <a:pt x="1510030" y="-2496"/>
+                  <a:pt x="1522730" y="-1226"/>
+                  <a:pt x="1549400" y="12109"/>
+                </a:cubicBezTo>
+                <a:cubicBezTo>
+                  <a:pt x="1576070" y="25444"/>
+                  <a:pt x="1588770" y="46399"/>
+                  <a:pt x="1615440" y="69259"/>
+                </a:cubicBezTo>
+                <a:cubicBezTo>
+                  <a:pt x="1642110" y="92119"/>
+                  <a:pt x="1654810" y="106724"/>
+                  <a:pt x="1681480" y="125774"/>
+                </a:cubicBezTo>
+                <a:cubicBezTo>
+                  <a:pt x="1708150" y="144824"/>
+                  <a:pt x="1720850" y="153714"/>
+                  <a:pt x="1747520" y="163239"/>
+                </a:cubicBezTo>
+                <a:cubicBezTo>
+                  <a:pt x="1774190" y="172764"/>
+                  <a:pt x="1792605" y="184194"/>
+                  <a:pt x="1813560" y="172764"/>
+                </a:cubicBezTo>
+                <a:cubicBezTo>
+                  <a:pt x="1834515" y="161334"/>
+                  <a:pt x="1830705" y="121964"/>
+                  <a:pt x="1851660" y="106724"/>
+                </a:cubicBezTo>
+                <a:cubicBezTo>
+                  <a:pt x="1872615" y="91484"/>
+                  <a:pt x="1891030" y="101009"/>
+                  <a:pt x="1917700" y="97199"/>
+                </a:cubicBezTo>
+                <a:cubicBezTo>
+                  <a:pt x="1944370" y="93389"/>
+                  <a:pt x="1957070" y="91484"/>
+                  <a:pt x="1983740" y="87674"/>
+                </a:cubicBezTo>
+                <a:cubicBezTo>
+                  <a:pt x="2010410" y="83864"/>
+                  <a:pt x="2026920" y="94024"/>
+                  <a:pt x="2049780" y="78784"/>
+                </a:cubicBezTo>
+                <a:cubicBezTo>
+                  <a:pt x="2072640" y="63544"/>
+                  <a:pt x="2074545" y="17824"/>
+                  <a:pt x="2097405" y="12109"/>
+                </a:cubicBezTo>
+                <a:cubicBezTo>
+                  <a:pt x="2120265" y="6394"/>
+                  <a:pt x="2136775" y="40684"/>
+                  <a:pt x="2163445" y="50209"/>
+                </a:cubicBezTo>
+                <a:cubicBezTo>
+                  <a:pt x="2190115" y="59734"/>
+                  <a:pt x="2202815" y="55924"/>
+                  <a:pt x="2229485" y="59734"/>
+                </a:cubicBezTo>
+                <a:cubicBezTo>
+                  <a:pt x="2256155" y="63544"/>
+                  <a:pt x="2268855" y="55924"/>
+                  <a:pt x="2295525" y="69259"/>
+                </a:cubicBezTo>
+                <a:cubicBezTo>
+                  <a:pt x="2322195" y="82594"/>
+                  <a:pt x="2334895" y="106724"/>
+                  <a:pt x="2361565" y="125774"/>
+                </a:cubicBezTo>
+                <a:cubicBezTo>
+                  <a:pt x="2388235" y="144824"/>
+                  <a:pt x="2400935" y="155619"/>
+                  <a:pt x="2427605" y="163239"/>
+                </a:cubicBezTo>
+                <a:cubicBezTo>
+                  <a:pt x="2454275" y="170859"/>
+                  <a:pt x="2466975" y="165144"/>
+                  <a:pt x="2493645" y="163239"/>
+                </a:cubicBezTo>
+                <a:cubicBezTo>
+                  <a:pt x="2520315" y="161334"/>
+                  <a:pt x="2533015" y="165779"/>
+                  <a:pt x="2559685" y="154349"/>
+                </a:cubicBezTo>
+                <a:cubicBezTo>
+                  <a:pt x="2586355" y="142919"/>
+                  <a:pt x="2599690" y="121964"/>
+                  <a:pt x="2626360" y="106724"/>
+                </a:cubicBezTo>
+                <a:cubicBezTo>
+                  <a:pt x="2653030" y="91484"/>
+                  <a:pt x="2665730" y="86404"/>
+                  <a:pt x="2692400" y="78784"/>
+                </a:cubicBezTo>
+                <a:cubicBezTo>
+                  <a:pt x="2719070" y="71164"/>
+                  <a:pt x="2731770" y="59734"/>
+                  <a:pt x="2758440" y="69259"/>
+                </a:cubicBezTo>
+                <a:cubicBezTo>
+                  <a:pt x="2785110" y="78784"/>
+                  <a:pt x="2797810" y="112439"/>
+                  <a:pt x="2824480" y="125774"/>
+                </a:cubicBezTo>
+                <a:cubicBezTo>
+                  <a:pt x="2851150" y="139109"/>
+                  <a:pt x="2863850" y="139109"/>
+                  <a:pt x="2890520" y="135299"/>
+                </a:cubicBezTo>
+                <a:cubicBezTo>
+                  <a:pt x="2917190" y="131489"/>
+                  <a:pt x="2929890" y="118154"/>
+                  <a:pt x="2956560" y="106724"/>
+                </a:cubicBezTo>
+                <a:cubicBezTo>
+                  <a:pt x="2983230" y="95294"/>
+                  <a:pt x="3010535" y="83864"/>
+                  <a:pt x="3022600" y="78784"/>
+                </a:cubicBezTo>
+              </a:path>
+            </a:pathLst>
+          </a:custGeom>
+        </p:spPr>
+        <p:style>
+          <a:lnRef idx="3">
+            <a:schemeClr val="accent1"/>
+          </a:lnRef>
+          <a:fillRef idx="0">
+            <a:srgbClr val="FFFFFF"/>
+          </a:fillRef>
+          <a:effectRef idx="0">
+            <a:srgbClr val="FFFFFF"/>
+          </a:effectRef>
+          <a:fontRef idx="minor">
+            <a:schemeClr val="tx1"/>
+          </a:fontRef>
+        </p:style>
+        <p:txBody>
+          <a:bodyPr rtlCol="0" anchor="ctr"/>
+          <a:p>
+            <a:pPr algn="ctr"/>
+            <a:endParaRPr lang="zh-CN" altLang="en-US"/>
+          </a:p>
+        </p:txBody>
+      </p:sp>
+      <p:cxnSp>
+        <p:nvCxnSpPr>
+          <p:cNvPr id="33" name="直接连接符 32"/>
+          <p:cNvCxnSpPr>
+            <a:stCxn id="23" idx="0"/>
+            <a:endCxn id="23" idx="2"/>
+          </p:cNvCxnSpPr>
+          <p:nvPr/>
+        </p:nvCxnSpPr>
+        <p:spPr>
+          <a:xfrm>
+            <a:off x="7041515" y="2912110"/>
+            <a:ext cx="0" cy="368935"/>
+          </a:xfrm>
+          <a:prstGeom prst="line">
+            <a:avLst/>
+          </a:prstGeom>
+          <a:ln w="28575">
+            <a:solidFill>
+              <a:schemeClr val="accent6"/>
+            </a:solidFill>
+          </a:ln>
+        </p:spPr>
+        <p:style>
+          <a:lnRef idx="2">
+            <a:schemeClr val="accent1"/>
+          </a:lnRef>
+          <a:fillRef idx="0">
+            <a:srgbClr val="FFFFFF"/>
+          </a:fillRef>
+          <a:effectRef idx="0">
+            <a:srgbClr val="FFFFFF"/>
+          </a:effectRef>
+          <a:fontRef idx="minor">
+            <a:schemeClr val="tx1"/>
+          </a:fontRef>
+        </p:style>
+      </p:cxnSp>
+      <p:cxnSp>
+        <p:nvCxnSpPr>
+          <p:cNvPr id="34" name="直接连接符 33"/>
+          <p:cNvCxnSpPr/>
+          <p:nvPr/>
+        </p:nvCxnSpPr>
+        <p:spPr>
+          <a:xfrm>
+            <a:off x="8504555" y="2912110"/>
+            <a:ext cx="0" cy="368935"/>
+          </a:xfrm>
+          <a:prstGeom prst="line">
+            <a:avLst/>
+          </a:prstGeom>
+          <a:ln w="28575">
+            <a:solidFill>
+              <a:schemeClr val="accent6"/>
+            </a:solidFill>
+          </a:ln>
+        </p:spPr>
+        <p:style>
+          <a:lnRef idx="2">
+            <a:schemeClr val="accent1"/>
+          </a:lnRef>
+          <a:fillRef idx="0">
+            <a:srgbClr val="FFFFFF"/>
+          </a:fillRef>
+          <a:effectRef idx="0">
+            <a:srgbClr val="FFFFFF"/>
+          </a:effectRef>
+          <a:fontRef idx="minor">
+            <a:schemeClr val="tx1"/>
+          </a:fontRef>
+        </p:style>
+      </p:cxnSp>
+      <p:cxnSp>
+        <p:nvCxnSpPr>
+          <p:cNvPr id="44" name="直接箭头连接符 43"/>
+          <p:cNvCxnSpPr/>
+          <p:nvPr/>
+        </p:nvCxnSpPr>
+        <p:spPr>
+          <a:xfrm>
+            <a:off x="7770495" y="2051050"/>
+            <a:ext cx="2540" cy="771525"/>
+          </a:xfrm>
+          <a:prstGeom prst="straightConnector1">
+            <a:avLst/>
+          </a:prstGeom>
+          <a:ln w="31750" cap="rnd">
+            <a:solidFill>
+              <a:schemeClr val="accent1"/>
+            </a:solidFill>
+            <a:round/>
+            <a:tailEnd type="arrow" w="med" len="med"/>
+          </a:ln>
+        </p:spPr>
+        <p:style>
+          <a:lnRef idx="0">
+            <a:srgbClr val="FFFFFF"/>
+          </a:lnRef>
+          <a:fillRef idx="0">
+            <a:srgbClr val="FFFFFF"/>
+          </a:fillRef>
+          <a:effectRef idx="0">
+            <a:srgbClr val="FFFFFF"/>
+          </a:effectRef>
+          <a:fontRef idx="minor">
+            <a:schemeClr val="tx1"/>
+          </a:fontRef>
+        </p:style>
+      </p:cxnSp>
+      <p:sp>
+        <p:nvSpPr>
+          <p:cNvPr id="45" name="文本框 44"/>
+          <p:cNvSpPr txBox="1"/>
+          <p:nvPr/>
+        </p:nvSpPr>
+        <p:spPr>
+          <a:xfrm>
+            <a:off x="7899400" y="2315845"/>
+            <a:ext cx="2472055" cy="436880"/>
+          </a:xfrm>
+          <a:prstGeom prst="rect">
+            <a:avLst/>
+          </a:prstGeom>
+        </p:spPr>
+        <p:txBody>
+          <a:bodyPr wrap="square">
+            <a:noAutofit/>
+            <a:extLst>
+              <a:ext uri="{4A0BC546-FE56-4ADE-93B0-CB8AF2F6F144}">
+                <wpsdc:textFrameExt xmlns:wpsdc="http://www.wps.cn/officeDocument/2022/drawingmlCustomData" type="text"/>
+              </a:ext>
+            </a:extLst>
+          </a:bodyPr>
+          <a:p>
+            <a:pPr algn="l"/>
+            <a:r>
+              <a:rPr lang="en-US" altLang="zh-CN">
+                <a:latin typeface="Arial" panose="020B0604020202020204" pitchFamily="34" charset="0"/>
+                <a:ea typeface="微软雅黑" panose="020B0503020204020204" charset="-122"/>
+              </a:rPr>
+              <a:t>Subsequence Division</a:t>
+            </a:r>
+            <a:endParaRPr lang="en-US" altLang="zh-CN">
               <a:latin typeface="Arial" panose="020B0604020202020204" pitchFamily="34" charset="0"/>
               <a:ea typeface="微软雅黑" panose="020B0503020204020204" charset="-122"/>
             </a:endParaRPr>
@@ -16520,30 +16718,6 @@
           </a:prstGeom>
         </p:spPr>
       </p:pic>
-      <p:pic>
-        <p:nvPicPr>
-          <p:cNvPr id="38" name="图片 37"/>
-          <p:cNvPicPr>
-            <a:picLocks noChangeAspect="1"/>
-          </p:cNvPicPr>
-          <p:nvPr/>
-        </p:nvPicPr>
-        <p:blipFill>
-          <a:blip r:embed="rId3"/>
-          <a:stretch>
-            <a:fillRect/>
-          </a:stretch>
-        </p:blipFill>
-        <p:spPr>
-          <a:xfrm>
-            <a:off x="3427730" y="3216910"/>
-            <a:ext cx="4763135" cy="2298700"/>
-          </a:xfrm>
-          <a:prstGeom prst="rect">
-            <a:avLst/>
-          </a:prstGeom>
-        </p:spPr>
-      </p:pic>
       <p:cxnSp>
         <p:nvCxnSpPr>
           <p:cNvPr id="41" name="曲线连接符 40"/>
@@ -16705,7 +16879,7 @@
           <p:nvPr/>
         </p:nvPicPr>
         <p:blipFill>
-          <a:blip r:embed="rId4"/>
+          <a:blip r:embed="rId3"/>
           <a:stretch>
             <a:fillRect/>
           </a:stretch>
@@ -16795,13 +16969,14 @@
           <p:cNvPr id="64" name="曲线连接符 63"/>
           <p:cNvCxnSpPr>
             <a:stCxn id="12" idx="2"/>
+            <a:endCxn id="2" idx="1"/>
           </p:cNvCxnSpPr>
           <p:nvPr/>
         </p:nvCxnSpPr>
         <p:spPr>
           <a:xfrm rot="5400000" flipV="1">
-            <a:off x="1994535" y="3098165"/>
-            <a:ext cx="842645" cy="1951990"/>
+            <a:off x="2122170" y="2970530"/>
+            <a:ext cx="688975" cy="2054225"/>
           </a:xfrm>
           <a:prstGeom prst="curvedConnector2">
             <a:avLst/>
@@ -16825,6 +17000,30 @@
           </a:fontRef>
         </p:style>
       </p:cxnSp>
+      <p:pic>
+        <p:nvPicPr>
+          <p:cNvPr id="3" name="图片 2"/>
+          <p:cNvPicPr>
+            <a:picLocks noChangeAspect="1"/>
+          </p:cNvPicPr>
+          <p:nvPr/>
+        </p:nvPicPr>
+        <p:blipFill>
+          <a:blip r:embed="rId4"/>
+          <a:stretch>
+            <a:fillRect/>
+          </a:stretch>
+        </p:blipFill>
+        <p:spPr>
+          <a:xfrm>
+            <a:off x="3491230" y="3186430"/>
+            <a:ext cx="4699000" cy="2305685"/>
+          </a:xfrm>
+          <a:prstGeom prst="rect">
+            <a:avLst/>
+          </a:prstGeom>
+        </p:spPr>
+      </p:pic>
     </p:spTree>
   </p:cSld>
   <p:clrMapOvr>
@@ -16845,7 +17044,7 @@
       <p:grpSpPr/>
       <p:pic>
         <p:nvPicPr>
-          <p:cNvPr id="3" name="图片 2"/>
+          <p:cNvPr id="4" name="图片 3"/>
           <p:cNvPicPr>
             <a:picLocks noChangeAspect="1"/>
           </p:cNvPicPr>
@@ -16859,8 +17058,8 @@
         </p:blipFill>
         <p:spPr>
           <a:xfrm>
-            <a:off x="1032510" y="782320"/>
-            <a:ext cx="10412730" cy="5128260"/>
+            <a:off x="1283970" y="1042670"/>
+            <a:ext cx="9624060" cy="4091940"/>
           </a:xfrm>
           <a:prstGeom prst="rect">
             <a:avLst/>
@@ -22192,4 +22391,263 @@
     </a:ext>
   </a:extLst>
 </a:theme>
+</file>
+
+<file path=ppt/theme/theme2.xml><?xml version="1.0" encoding="utf-8"?>
+<a:theme xmlns:a="http://schemas.openxmlformats.org/drawingml/2006/main" name="Office 主题">
+  <a:themeElements>
+    <a:clrScheme name="Office">
+      <a:dk1>
+        <a:sysClr val="windowText" lastClr="000000"/>
+      </a:dk1>
+      <a:lt1>
+        <a:sysClr val="window" lastClr="FFFFFF"/>
+      </a:lt1>
+      <a:dk2>
+        <a:srgbClr val="44546A"/>
+      </a:dk2>
+      <a:lt2>
+        <a:srgbClr val="E7E6E6"/>
+      </a:lt2>
+      <a:accent1>
+        <a:srgbClr val="5B9BD5"/>
+      </a:accent1>
+      <a:accent2>
+        <a:srgbClr val="ED7D31"/>
+      </a:accent2>
+      <a:accent3>
+        <a:srgbClr val="A5A5A5"/>
+      </a:accent3>
+      <a:accent4>
+        <a:srgbClr val="FFC000"/>
+      </a:accent4>
+      <a:accent5>
+        <a:srgbClr val="4472C4"/>
+      </a:accent5>
+      <a:accent6>
+        <a:srgbClr val="70AD47"/>
+      </a:accent6>
+      <a:hlink>
+        <a:srgbClr val="0563C1"/>
+      </a:hlink>
+      <a:folHlink>
+        <a:srgbClr val="954F72"/>
+      </a:folHlink>
+    </a:clrScheme>
+    <a:fontScheme name="Office">
+      <a:majorFont>
+        <a:latin typeface="Calibri Light"/>
+        <a:ea typeface=""/>
+        <a:cs typeface=""/>
+        <a:font script="Jpan" typeface="ＭＳ Ｐゴシック"/>
+        <a:font script="Hang" typeface="맑은 고딕"/>
+        <a:font script="Hans" typeface="宋体"/>
+        <a:font script="Hant" typeface="新細明體"/>
+        <a:font script="Arab" typeface="Times New Roman"/>
+        <a:font script="Hebr" typeface="Times New Roman"/>
+        <a:font script="Thai" typeface="Angsana New"/>
+        <a:font script="Ethi" typeface="Nyala"/>
+        <a:font script="Beng" typeface="Vrinda"/>
+        <a:font script="Gujr" typeface="Shruti"/>
+        <a:font script="Khmr" typeface="MoolBoran"/>
+        <a:font script="Knda" typeface="Tunga"/>
+        <a:font script="Guru" typeface="Raavi"/>
+        <a:font script="Cans" typeface="Euphemia"/>
+        <a:font script="Cher" typeface="Plantagenet Cherokee"/>
+        <a:font script="Yiii" typeface="Microsoft Yi Baiti"/>
+        <a:font script="Tibt" typeface="Microsoft Himalaya"/>
+        <a:font script="Thaa" typeface="MV Boli"/>
+        <a:font script="Deva" typeface="Mangal"/>
+        <a:font script="Telu" typeface="Gautami"/>
+        <a:font script="Taml" typeface="Latha"/>
+        <a:font script="Syrc" typeface="Estrangelo Edessa"/>
+        <a:font script="Orya" typeface="Kalinga"/>
+        <a:font script="Mlym" typeface="Kartika"/>
+        <a:font script="Laoo" typeface="DokChampa"/>
+        <a:font script="Sinh" typeface="Iskoola Pota"/>
+        <a:font script="Mong" typeface="Mongolian Baiti"/>
+        <a:font script="Viet" typeface="Times New Roman"/>
+        <a:font script="Uigh" typeface="Microsoft Uighur"/>
+        <a:font script="Geor" typeface="Sylfaen"/>
+      </a:majorFont>
+      <a:minorFont>
+        <a:latin typeface="Calibri"/>
+        <a:ea typeface=""/>
+        <a:cs typeface=""/>
+        <a:font script="Jpan" typeface="ＭＳ Ｐゴシック"/>
+        <a:font script="Hang" typeface="맑은 고딕"/>
+        <a:font script="Hans" typeface="宋体"/>
+        <a:font script="Hant" typeface="新細明體"/>
+        <a:font script="Arab" typeface="Arial"/>
+        <a:font script="Hebr" typeface="Arial"/>
+        <a:font script="Thai" typeface="Cordia New"/>
+        <a:font script="Ethi" typeface="Nyala"/>
+        <a:font script="Beng" typeface="Vrinda"/>
+        <a:font script="Gujr" typeface="Shruti"/>
+        <a:font script="Khmr" typeface="DaunPenh"/>
+        <a:font script="Knda" typeface="Tunga"/>
+        <a:font script="Guru" typeface="Raavi"/>
+        <a:font script="Cans" typeface="Euphemia"/>
+        <a:font script="Cher" typeface="Plantagenet Cherokee"/>
+        <a:font script="Yiii" typeface="Microsoft Yi Baiti"/>
+        <a:font script="Tibt" typeface="Microsoft Himalaya"/>
+        <a:font script="Thaa" typeface="MV Boli"/>
+        <a:font script="Deva" typeface="Mangal"/>
+        <a:font script="Telu" typeface="Gautami"/>
+        <a:font script="Taml" typeface="Latha"/>
+        <a:font script="Syrc" typeface="Estrangelo Edessa"/>
+        <a:font script="Orya" typeface="Kalinga"/>
+        <a:font script="Mlym" typeface="Kartika"/>
+        <a:font script="Laoo" typeface="DokChampa"/>
+        <a:font script="Sinh" typeface="Iskoola Pota"/>
+        <a:font script="Mong" typeface="Mongolian Baiti"/>
+        <a:font script="Viet" typeface="Arial"/>
+        <a:font script="Uigh" typeface="Microsoft Uighur"/>
+        <a:font script="Geor" typeface="Sylfaen"/>
+      </a:minorFont>
+    </a:fontScheme>
+    <a:fmtScheme name="Office">
+      <a:fillStyleLst>
+        <a:solidFill>
+          <a:schemeClr val="phClr"/>
+        </a:solidFill>
+        <a:gradFill rotWithShape="1">
+          <a:gsLst>
+            <a:gs pos="0">
+              <a:schemeClr val="phClr">
+                <a:lumMod val="110000"/>
+                <a:satMod val="105000"/>
+                <a:tint val="67000"/>
+              </a:schemeClr>
+            </a:gs>
+            <a:gs pos="50000">
+              <a:schemeClr val="phClr">
+                <a:lumMod val="105000"/>
+                <a:satMod val="103000"/>
+                <a:tint val="73000"/>
+              </a:schemeClr>
+            </a:gs>
+            <a:gs pos="100000">
+              <a:schemeClr val="phClr">
+                <a:lumMod val="105000"/>
+                <a:satMod val="109000"/>
+                <a:tint val="81000"/>
+              </a:schemeClr>
+            </a:gs>
+          </a:gsLst>
+          <a:lin ang="5400000" scaled="0"/>
+        </a:gradFill>
+        <a:gradFill rotWithShape="1">
+          <a:gsLst>
+            <a:gs pos="0">
+              <a:schemeClr val="phClr">
+                <a:satMod val="103000"/>
+                <a:lumMod val="102000"/>
+                <a:tint val="94000"/>
+              </a:schemeClr>
+            </a:gs>
+            <a:gs pos="50000">
+              <a:schemeClr val="phClr">
+                <a:satMod val="110000"/>
+                <a:lumMod val="100000"/>
+                <a:shade val="100000"/>
+              </a:schemeClr>
+            </a:gs>
+            <a:gs pos="100000">
+              <a:schemeClr val="phClr">
+                <a:lumMod val="99000"/>
+                <a:satMod val="120000"/>
+                <a:shade val="78000"/>
+              </a:schemeClr>
+            </a:gs>
+          </a:gsLst>
+          <a:lin ang="5400000" scaled="0"/>
+        </a:gradFill>
+      </a:fillStyleLst>
+      <a:lnStyleLst>
+        <a:ln w="6350" cap="flat" cmpd="sng" algn="ctr">
+          <a:solidFill>
+            <a:schemeClr val="phClr"/>
+          </a:solidFill>
+          <a:prstDash val="solid"/>
+          <a:miter lim="800000"/>
+        </a:ln>
+        <a:ln w="12700" cap="flat" cmpd="sng" algn="ctr">
+          <a:solidFill>
+            <a:schemeClr val="phClr"/>
+          </a:solidFill>
+          <a:prstDash val="solid"/>
+          <a:miter lim="800000"/>
+        </a:ln>
+        <a:ln w="19050" cap="flat" cmpd="sng" algn="ctr">
+          <a:solidFill>
+            <a:schemeClr val="phClr"/>
+          </a:solidFill>
+          <a:prstDash val="solid"/>
+          <a:miter lim="800000"/>
+        </a:ln>
+      </a:lnStyleLst>
+      <a:effectStyleLst>
+        <a:effectStyle>
+          <a:effectLst/>
+        </a:effectStyle>
+        <a:effectStyle>
+          <a:effectLst/>
+        </a:effectStyle>
+        <a:effectStyle>
+          <a:effectLst>
+            <a:outerShdw blurRad="57150" dist="19050" dir="5400000" algn="ctr" rotWithShape="0">
+              <a:srgbClr val="000000">
+                <a:alpha val="63000"/>
+              </a:srgbClr>
+            </a:outerShdw>
+          </a:effectLst>
+        </a:effectStyle>
+      </a:effectStyleLst>
+      <a:bgFillStyleLst>
+        <a:solidFill>
+          <a:schemeClr val="phClr"/>
+        </a:solidFill>
+        <a:solidFill>
+          <a:schemeClr val="phClr">
+            <a:tint val="95000"/>
+            <a:satMod val="170000"/>
+          </a:schemeClr>
+        </a:solidFill>
+        <a:gradFill rotWithShape="1">
+          <a:gsLst>
+            <a:gs pos="0">
+              <a:schemeClr val="phClr">
+                <a:tint val="93000"/>
+                <a:satMod val="150000"/>
+                <a:shade val="98000"/>
+                <a:lumMod val="102000"/>
+              </a:schemeClr>
+            </a:gs>
+            <a:gs pos="50000">
+              <a:schemeClr val="phClr">
+                <a:tint val="98000"/>
+                <a:satMod val="130000"/>
+                <a:shade val="90000"/>
+                <a:lumMod val="103000"/>
+              </a:schemeClr>
+            </a:gs>
+            <a:gs pos="100000">
+              <a:schemeClr val="phClr">
+                <a:shade val="63000"/>
+                <a:satMod val="120000"/>
+              </a:schemeClr>
+            </a:gs>
+          </a:gsLst>
+          <a:lin ang="5400000" scaled="0"/>
+        </a:gradFill>
+      </a:bgFillStyleLst>
+    </a:fmtScheme>
+  </a:themeElements>
+  <a:extLst>
+    <a:ext uri="{05A4C25C-085E-4340-85A3-A5531E510DB2}">
+      <thm15:themeFamily xmlns:thm15="http://schemas.microsoft.com/office/thememl/2012/main" name="Office Theme" id="{62F939B6-93AF-4DB8-9C6B-D6C7DFDC589F}" vid="{4A3C46E8-61CC-4603-A589-7422A47A8E4A}"/>
+    </a:ext>
+  </a:extLst>
+</a:theme>
 </file>
--- a/论文插图.pptx
+++ b/论文插图.pptx
@@ -5,7 +5,7 @@
     <p:sldMasterId id="2147483648" r:id="rId1"/>
   </p:sldMasterIdLst>
   <p:notesMasterIdLst>
-    <p:notesMasterId r:id="rId15"/>
+    <p:notesMasterId r:id="rId14"/>
   </p:notesMasterIdLst>
   <p:sldIdLst>
     <p:sldId id="256" r:id="rId3"/>
@@ -15,16 +15,18 @@
     <p:sldId id="258" r:id="rId7"/>
     <p:sldId id="259" r:id="rId8"/>
     <p:sldId id="261" r:id="rId9"/>
-    <p:sldId id="262" r:id="rId10"/>
-    <p:sldId id="270" r:id="rId11"/>
-    <p:sldId id="273" r:id="rId12"/>
-    <p:sldId id="272" r:id="rId13"/>
-    <p:sldId id="275" r:id="rId14"/>
+    <p:sldId id="270" r:id="rId10"/>
+    <p:sldId id="273" r:id="rId11"/>
+    <p:sldId id="272" r:id="rId12"/>
+    <p:sldId id="275" r:id="rId13"/>
+    <p:sldId id="262" r:id="rId15"/>
+    <p:sldId id="277" r:id="rId16"/>
+    <p:sldId id="276" r:id="rId17"/>
   </p:sldIdLst>
   <p:sldSz cx="12192000" cy="6858000"/>
   <p:notesSz cx="6858000" cy="9144000"/>
   <p:custDataLst>
-    <p:tags r:id="rId19"/>
+    <p:tags r:id="rId21"/>
   </p:custDataLst>
   <p:defaultTextStyle>
     <a:defPPr>
@@ -472,6 +474,67 @@
 </file>
 
 <file path=ppt/notesSlides/notesSlide1.xml><?xml version="1.0" encoding="utf-8"?>
+<p:notes xmlns:a="http://schemas.openxmlformats.org/drawingml/2006/main" xmlns:r="http://schemas.openxmlformats.org/officeDocument/2006/relationships" xmlns:p="http://schemas.openxmlformats.org/presentationml/2006/main">
+  <p:cSld>
+    <p:spTree>
+      <p:nvGrpSpPr>
+        <p:cNvPr id="1" name=""/>
+        <p:cNvGrpSpPr/>
+        <p:nvPr/>
+      </p:nvGrpSpPr>
+      <p:grpSpPr>
+        <a:xfrm>
+          <a:off x="0" y="0"/>
+          <a:ext cx="0" cy="0"/>
+          <a:chOff x="0" y="0"/>
+          <a:chExt cx="0" cy="0"/>
+        </a:xfrm>
+      </p:grpSpPr>
+      <p:sp>
+        <p:nvSpPr>
+          <p:cNvPr id="1048602" name="幻灯片图像占位符 1"/>
+          <p:cNvSpPr>
+            <a:spLocks noGrp="1" noRot="1" noChangeAspect="1"/>
+          </p:cNvSpPr>
+          <p:nvPr>
+            <p:ph type="sldImg"/>
+          </p:nvPr>
+        </p:nvSpPr>
+        <p:spPr>
+          <a:xfrm>
+            <a:off x="381000" y="685800"/>
+            <a:ext cx="6096000" cy="3429000"/>
+          </a:xfrm>
+        </p:spPr>
+      </p:sp>
+      <p:sp>
+        <p:nvSpPr>
+          <p:cNvPr id="1048603" name="备注占位符 2"/>
+          <p:cNvSpPr>
+            <a:spLocks noGrp="1"/>
+          </p:cNvSpPr>
+          <p:nvPr>
+            <p:ph type="body" idx="1"/>
+          </p:nvPr>
+        </p:nvSpPr>
+        <p:spPr/>
+        <p:txBody>
+          <a:bodyPr/>
+          <a:lstStyle/>
+          <a:p>
+            <a:endParaRPr kumimoji="1" lang="zh-SG" altLang="en-US" dirty="0"/>
+          </a:p>
+        </p:txBody>
+      </p:sp>
+    </p:spTree>
+  </p:cSld>
+  <p:clrMapOvr>
+    <a:masterClrMapping/>
+  </p:clrMapOvr>
+</p:notes>
+</file>
+
+<file path=ppt/notesSlides/notesSlide2.xml><?xml version="1.0" encoding="utf-8"?>
 <p:notes xmlns:a="http://schemas.openxmlformats.org/drawingml/2006/main" xmlns:r="http://schemas.openxmlformats.org/officeDocument/2006/relationships" xmlns:p="http://schemas.openxmlformats.org/presentationml/2006/main">
   <p:cSld>
     <p:spTree>
@@ -5451,427 +5514,9 @@
         <p:nvPr/>
       </p:nvGrpSpPr>
       <p:grpSpPr/>
-      <p:sp>
-        <p:nvSpPr>
-          <p:cNvPr id="2" name="文本框 1"/>
-          <p:cNvSpPr txBox="1"/>
-          <p:nvPr/>
-        </p:nvSpPr>
-        <p:spPr>
-          <a:xfrm>
-            <a:off x="4890135" y="5138420"/>
-            <a:ext cx="2552065" cy="368300"/>
-          </a:xfrm>
-          <a:prstGeom prst="rect">
-            <a:avLst/>
-          </a:prstGeom>
-          <a:solidFill>
-            <a:schemeClr val="accent4">
-              <a:lumMod val="40000"/>
-              <a:lumOff val="60000"/>
-            </a:schemeClr>
-          </a:solidFill>
-        </p:spPr>
-        <p:txBody>
-          <a:bodyPr wrap="square">
-            <a:spAutoFit/>
-            <a:extLst>
-              <a:ext uri="{4A0BC546-FE56-4ADE-93B0-CB8AF2F6F144}">
-                <wpsdc:textFrameExt xmlns:wpsdc="http://www.wps.cn/officeDocument/2022/drawingmlCustomData" type="text"/>
-              </a:ext>
-            </a:extLst>
-          </a:bodyPr>
-          <a:p>
-            <a:pPr algn="ctr"/>
-            <a:r>
-              <a:rPr lang="en-US" altLang="zh-CN" sz="1800">
-                <a:latin typeface="Arial" panose="020B0604020202020204" pitchFamily="34" charset="0"/>
-                <a:ea typeface="微软雅黑" panose="020B0503020204020204" charset="-122"/>
-              </a:rPr>
-              <a:t>C</a:t>
-            </a:r>
-            <a:r>
-              <a:rPr lang="en-US" altLang="zh-CN" sz="1800">
-                <a:latin typeface="Arial" panose="020B0604020202020204" pitchFamily="34" charset="0"/>
-                <a:ea typeface="微软雅黑" panose="020B0503020204020204" charset="-122"/>
-              </a:rPr>
-              <a:t>hannel Independence</a:t>
-            </a:r>
-            <a:endParaRPr lang="en-US" altLang="zh-CN" sz="1800">
-              <a:latin typeface="Arial" panose="020B0604020202020204" pitchFamily="34" charset="0"/>
-              <a:ea typeface="微软雅黑" panose="020B0503020204020204" charset="-122"/>
-            </a:endParaRPr>
-          </a:p>
-        </p:txBody>
-      </p:sp>
-      <p:sp>
-        <p:nvSpPr>
-          <p:cNvPr id="5" name="文本框 4"/>
-          <p:cNvSpPr txBox="1"/>
-          <p:nvPr/>
-        </p:nvSpPr>
-        <p:spPr>
-          <a:xfrm>
-            <a:off x="4890135" y="4432300"/>
-            <a:ext cx="2552065" cy="368300"/>
-          </a:xfrm>
-          <a:prstGeom prst="rect">
-            <a:avLst/>
-          </a:prstGeom>
-          <a:solidFill>
-            <a:schemeClr val="accent2">
-              <a:lumMod val="60000"/>
-              <a:lumOff val="40000"/>
-            </a:schemeClr>
-          </a:solidFill>
-        </p:spPr>
-        <p:txBody>
-          <a:bodyPr wrap="square">
-            <a:spAutoFit/>
-            <a:extLst>
-              <a:ext uri="{4A0BC546-FE56-4ADE-93B0-CB8AF2F6F144}">
-                <wpsdc:textFrameExt xmlns:wpsdc="http://www.wps.cn/officeDocument/2022/drawingmlCustomData" type="text"/>
-              </a:ext>
-            </a:extLst>
-          </a:bodyPr>
-          <a:p>
-            <a:pPr algn="ctr"/>
-            <a:r>
-              <a:rPr lang="en-US" altLang="zh-CN" sz="1800">
-                <a:latin typeface="Arial" panose="020B0604020202020204" pitchFamily="34" charset="0"/>
-                <a:ea typeface="微软雅黑" panose="020B0503020204020204" charset="-122"/>
-              </a:rPr>
-              <a:t>FTT</a:t>
-            </a:r>
-            <a:endParaRPr lang="en-US" altLang="zh-CN" sz="1800">
-              <a:latin typeface="Arial" panose="020B0604020202020204" pitchFamily="34" charset="0"/>
-              <a:ea typeface="微软雅黑" panose="020B0503020204020204" charset="-122"/>
-            </a:endParaRPr>
-          </a:p>
-        </p:txBody>
-      </p:sp>
-      <p:sp>
-        <p:nvSpPr>
-          <p:cNvPr id="6" name="文本框 5"/>
-          <p:cNvSpPr txBox="1"/>
-          <p:nvPr/>
-        </p:nvSpPr>
-        <p:spPr>
-          <a:xfrm>
-            <a:off x="4903470" y="3726180"/>
-            <a:ext cx="2552065" cy="368300"/>
-          </a:xfrm>
-          <a:prstGeom prst="rect">
-            <a:avLst/>
-          </a:prstGeom>
-          <a:solidFill>
-            <a:schemeClr val="accent5">
-              <a:lumMod val="60000"/>
-              <a:lumOff val="40000"/>
-            </a:schemeClr>
-          </a:solidFill>
-        </p:spPr>
-        <p:txBody>
-          <a:bodyPr wrap="square">
-            <a:spAutoFit/>
-            <a:extLst>
-              <a:ext uri="{4A0BC546-FE56-4ADE-93B0-CB8AF2F6F144}">
-                <wpsdc:textFrameExt xmlns:wpsdc="http://www.wps.cn/officeDocument/2022/drawingmlCustomData" type="text"/>
-              </a:ext>
-            </a:extLst>
-          </a:bodyPr>
-          <a:p>
-            <a:pPr algn="ctr"/>
-            <a:r>
-              <a:rPr lang="en-US" altLang="zh-CN" sz="1800">
-                <a:latin typeface="Arial" panose="020B0604020202020204" pitchFamily="34" charset="0"/>
-                <a:ea typeface="微软雅黑" panose="020B0503020204020204" charset="-122"/>
-              </a:rPr>
-              <a:t>Mask Dominant Period</a:t>
-            </a:r>
-            <a:endParaRPr lang="en-US" altLang="zh-CN" sz="1800">
-              <a:latin typeface="Arial" panose="020B0604020202020204" pitchFamily="34" charset="0"/>
-              <a:ea typeface="微软雅黑" panose="020B0503020204020204" charset="-122"/>
-            </a:endParaRPr>
-          </a:p>
-        </p:txBody>
-      </p:sp>
-      <p:sp>
-        <p:nvSpPr>
-          <p:cNvPr id="7" name="文本框 6"/>
-          <p:cNvSpPr txBox="1"/>
-          <p:nvPr/>
-        </p:nvSpPr>
-        <p:spPr>
-          <a:xfrm>
-            <a:off x="4901565" y="2707640"/>
-            <a:ext cx="2552065" cy="645160"/>
-          </a:xfrm>
-          <a:prstGeom prst="rect">
-            <a:avLst/>
-          </a:prstGeom>
-          <a:solidFill>
-            <a:schemeClr val="accent6">
-              <a:lumMod val="60000"/>
-              <a:lumOff val="40000"/>
-            </a:schemeClr>
-          </a:solidFill>
-        </p:spPr>
-        <p:txBody>
-          <a:bodyPr wrap="square">
-            <a:spAutoFit/>
-            <a:extLst>
-              <a:ext uri="{4A0BC546-FE56-4ADE-93B0-CB8AF2F6F144}">
-                <wpsdc:textFrameExt xmlns:wpsdc="http://www.wps.cn/officeDocument/2022/drawingmlCustomData" type="text"/>
-              </a:ext>
-            </a:extLst>
-          </a:bodyPr>
-          <a:p>
-            <a:pPr algn="ctr"/>
-            <a:r>
-              <a:rPr lang="en-US" altLang="zh-CN" sz="1800">
-                <a:latin typeface="Arial" panose="020B0604020202020204" pitchFamily="34" charset="0"/>
-                <a:ea typeface="微软雅黑" panose="020B0503020204020204" charset="-122"/>
-              </a:rPr>
-              <a:t>Multi-Scale S</a:t>
-            </a:r>
-            <a:r>
-              <a:rPr lang="en-US" altLang="zh-CN" sz="1800">
-                <a:latin typeface="Arial" panose="020B0604020202020204" pitchFamily="34" charset="0"/>
-                <a:ea typeface="微软雅黑" panose="020B0503020204020204" charset="-122"/>
-              </a:rPr>
-              <a:t>ubsequence Division</a:t>
-            </a:r>
-            <a:endParaRPr lang="en-US" altLang="zh-CN" sz="1800">
-              <a:latin typeface="Arial" panose="020B0604020202020204" pitchFamily="34" charset="0"/>
-              <a:ea typeface="微软雅黑" panose="020B0503020204020204" charset="-122"/>
-            </a:endParaRPr>
-          </a:p>
-        </p:txBody>
-      </p:sp>
-      <p:sp>
-        <p:nvSpPr>
-          <p:cNvPr id="44" name="文本框 43"/>
-          <p:cNvSpPr txBox="1"/>
-          <p:nvPr/>
-        </p:nvSpPr>
-        <p:spPr>
-          <a:xfrm>
-            <a:off x="6447790" y="3369310"/>
-            <a:ext cx="1391285" cy="340360"/>
-          </a:xfrm>
-          <a:prstGeom prst="rect">
-            <a:avLst/>
-          </a:prstGeom>
-          <a:solidFill>
-            <a:schemeClr val="bg1"/>
-          </a:solidFill>
-        </p:spPr>
-        <p:txBody>
-          <a:bodyPr wrap="square">
-            <a:noAutofit/>
-            <a:extLst>
-              <a:ext uri="{4A0BC546-FE56-4ADE-93B0-CB8AF2F6F144}">
-                <wpsdc:textFrameExt xmlns:wpsdc="http://www.wps.cn/officeDocument/2022/drawingmlCustomData" type="text"/>
-              </a:ext>
-            </a:extLst>
-          </a:bodyPr>
-          <a:p>
-            <a:pPr algn="ctr"/>
-            <a:r>
-              <a:rPr lang="en-US" altLang="zh-CN" sz="1800">
-                <a:latin typeface="Arial" panose="020B0604020202020204" pitchFamily="34" charset="0"/>
-                <a:ea typeface="微软雅黑" panose="020B0503020204020204" charset="-122"/>
-              </a:rPr>
-              <a:t>Embedding</a:t>
-            </a:r>
-            <a:endParaRPr lang="en-US" altLang="zh-CN" sz="1800">
-              <a:latin typeface="Arial" panose="020B0604020202020204" pitchFamily="34" charset="0"/>
-              <a:ea typeface="微软雅黑" panose="020B0503020204020204" charset="-122"/>
-            </a:endParaRPr>
-          </a:p>
-        </p:txBody>
-      </p:sp>
-      <p:sp>
-        <p:nvSpPr>
-          <p:cNvPr id="45" name="文本框 44"/>
-          <p:cNvSpPr txBox="1"/>
-          <p:nvPr/>
-        </p:nvSpPr>
-        <p:spPr>
-          <a:xfrm>
-            <a:off x="4903470" y="2064385"/>
-            <a:ext cx="2552065" cy="368300"/>
-          </a:xfrm>
-          <a:prstGeom prst="rect">
-            <a:avLst/>
-          </a:prstGeom>
-          <a:solidFill>
-            <a:schemeClr val="bg2">
-              <a:lumMod val="75000"/>
-            </a:schemeClr>
-          </a:solidFill>
-        </p:spPr>
-        <p:txBody>
-          <a:bodyPr wrap="square">
-            <a:spAutoFit/>
-            <a:extLst>
-              <a:ext uri="{4A0BC546-FE56-4ADE-93B0-CB8AF2F6F144}">
-                <wpsdc:textFrameExt xmlns:wpsdc="http://www.wps.cn/officeDocument/2022/drawingmlCustomData" type="text"/>
-              </a:ext>
-            </a:extLst>
-          </a:bodyPr>
-          <a:p>
-            <a:pPr algn="ctr"/>
-            <a:r>
-              <a:rPr lang="en-US" altLang="zh-CN">
-                <a:latin typeface="Arial" panose="020B0604020202020204" pitchFamily="34" charset="0"/>
-                <a:ea typeface="微软雅黑" panose="020B0503020204020204" charset="-122"/>
-                <a:sym typeface="+mn-ea"/>
-              </a:rPr>
-              <a:t>Multi-Scale Encoder</a:t>
-            </a:r>
-            <a:endParaRPr lang="en-US" altLang="zh-CN" sz="1800">
-              <a:latin typeface="Arial" panose="020B0604020202020204" pitchFamily="34" charset="0"/>
-              <a:ea typeface="微软雅黑" panose="020B0503020204020204" charset="-122"/>
-            </a:endParaRPr>
-          </a:p>
-        </p:txBody>
-      </p:sp>
-      <p:sp>
-        <p:nvSpPr>
-          <p:cNvPr id="46" name="文本框 45"/>
-          <p:cNvSpPr txBox="1"/>
-          <p:nvPr/>
-        </p:nvSpPr>
-        <p:spPr>
-          <a:xfrm>
-            <a:off x="4808855" y="112395"/>
-            <a:ext cx="2552065" cy="368300"/>
-          </a:xfrm>
-          <a:prstGeom prst="rect">
-            <a:avLst/>
-          </a:prstGeom>
-          <a:solidFill>
-            <a:schemeClr val="accent6">
-              <a:lumMod val="75000"/>
-            </a:schemeClr>
-          </a:solidFill>
-        </p:spPr>
-        <p:txBody>
-          <a:bodyPr wrap="square">
-            <a:spAutoFit/>
-            <a:extLst>
-              <a:ext uri="{4A0BC546-FE56-4ADE-93B0-CB8AF2F6F144}">
-                <wpsdc:textFrameExt xmlns:wpsdc="http://www.wps.cn/officeDocument/2022/drawingmlCustomData" type="text"/>
-              </a:ext>
-            </a:extLst>
-          </a:bodyPr>
-          <a:p>
-            <a:pPr algn="ctr"/>
-            <a:r>
-              <a:rPr lang="en-US" altLang="zh-CN" sz="1800">
-                <a:latin typeface="Arial" panose="020B0604020202020204" pitchFamily="34" charset="0"/>
-                <a:ea typeface="微软雅黑" panose="020B0503020204020204" charset="-122"/>
-              </a:rPr>
-              <a:t>Anomaly Prediction</a:t>
-            </a:r>
-            <a:endParaRPr lang="en-US" altLang="zh-CN" sz="1800">
-              <a:latin typeface="Arial" panose="020B0604020202020204" pitchFamily="34" charset="0"/>
-              <a:ea typeface="微软雅黑" panose="020B0503020204020204" charset="-122"/>
-            </a:endParaRPr>
-          </a:p>
-        </p:txBody>
-      </p:sp>
-      <p:sp>
-        <p:nvSpPr>
-          <p:cNvPr id="47" name="文本框 46"/>
-          <p:cNvSpPr txBox="1"/>
-          <p:nvPr/>
-        </p:nvSpPr>
-        <p:spPr>
-          <a:xfrm>
-            <a:off x="3004185" y="1074420"/>
-            <a:ext cx="2552065" cy="645160"/>
-          </a:xfrm>
-          <a:prstGeom prst="rect">
-            <a:avLst/>
-          </a:prstGeom>
-          <a:solidFill>
-            <a:srgbClr val="00B0F0"/>
-          </a:solidFill>
-        </p:spPr>
-        <p:txBody>
-          <a:bodyPr wrap="square">
-            <a:spAutoFit/>
-            <a:extLst>
-              <a:ext uri="{4A0BC546-FE56-4ADE-93B0-CB8AF2F6F144}">
-                <wpsdc:textFrameExt xmlns:wpsdc="http://www.wps.cn/officeDocument/2022/drawingmlCustomData" type="text"/>
-              </a:ext>
-            </a:extLst>
-          </a:bodyPr>
-          <a:p>
-            <a:pPr algn="ctr"/>
-            <a:r>
-              <a:rPr lang="en-US" altLang="zh-CN" sz="1800">
-                <a:latin typeface="Arial" panose="020B0604020202020204" pitchFamily="34" charset="0"/>
-                <a:ea typeface="微软雅黑" panose="020B0503020204020204" charset="-122"/>
-              </a:rPr>
-              <a:t>MLP-based Reconstruction</a:t>
-            </a:r>
-            <a:endParaRPr lang="en-US" altLang="zh-CN" sz="1800">
-              <a:latin typeface="Arial" panose="020B0604020202020204" pitchFamily="34" charset="0"/>
-              <a:ea typeface="微软雅黑" panose="020B0503020204020204" charset="-122"/>
-            </a:endParaRPr>
-          </a:p>
-        </p:txBody>
-      </p:sp>
-      <p:sp>
-        <p:nvSpPr>
-          <p:cNvPr id="48" name="文本框 47"/>
-          <p:cNvSpPr txBox="1"/>
-          <p:nvPr/>
-        </p:nvSpPr>
-        <p:spPr>
-          <a:xfrm>
-            <a:off x="6691630" y="1074420"/>
-            <a:ext cx="3156585" cy="645160"/>
-          </a:xfrm>
-          <a:prstGeom prst="rect">
-            <a:avLst/>
-          </a:prstGeom>
-          <a:solidFill>
-            <a:srgbClr val="00B0F0"/>
-          </a:solidFill>
-        </p:spPr>
-        <p:txBody>
-          <a:bodyPr wrap="square">
-            <a:spAutoFit/>
-            <a:extLst>
-              <a:ext uri="{4A0BC546-FE56-4ADE-93B0-CB8AF2F6F144}">
-                <wpsdc:textFrameExt xmlns:wpsdc="http://www.wps.cn/officeDocument/2022/drawingmlCustomData" type="text"/>
-              </a:ext>
-            </a:extLst>
-          </a:bodyPr>
-          <a:p>
-            <a:pPr algn="ctr"/>
-            <a:r>
-              <a:rPr lang="en-US" altLang="zh-CN" sz="1800">
-                <a:latin typeface="Arial" panose="020B0604020202020204" pitchFamily="34" charset="0"/>
-                <a:ea typeface="微软雅黑" panose="020B0503020204020204" charset="-122"/>
-              </a:rPr>
-              <a:t>Similarities Between Multi-Scale Features</a:t>
-            </a:r>
-            <a:endParaRPr lang="en-US" altLang="zh-CN" sz="1800">
-              <a:latin typeface="Arial" panose="020B0604020202020204" pitchFamily="34" charset="0"/>
-              <a:ea typeface="微软雅黑" panose="020B0503020204020204" charset="-122"/>
-            </a:endParaRPr>
-          </a:p>
-        </p:txBody>
-      </p:sp>
       <p:pic>
         <p:nvPicPr>
-          <p:cNvPr id="3" name="图片 2"/>
+          <p:cNvPr id="2" name="图片 1"/>
           <p:cNvPicPr>
             <a:picLocks noChangeAspect="1"/>
           </p:cNvPicPr>
@@ -5885,8 +5530,8 @@
         </p:blipFill>
         <p:spPr>
           <a:xfrm>
-            <a:off x="1015365" y="2797810"/>
-            <a:ext cx="2199640" cy="1031240"/>
+            <a:off x="1079500" y="203835"/>
+            <a:ext cx="2453640" cy="1150620"/>
           </a:xfrm>
           <a:prstGeom prst="rect">
             <a:avLst/>
@@ -5909,8 +5554,8 @@
         </p:blipFill>
         <p:spPr>
           <a:xfrm>
-            <a:off x="1015365" y="4999990"/>
-            <a:ext cx="2199640" cy="417195"/>
+            <a:off x="288290" y="2800350"/>
+            <a:ext cx="3028950" cy="419100"/>
           </a:xfrm>
           <a:prstGeom prst="rect">
             <a:avLst/>
@@ -5919,7 +5564,7 @@
       </p:pic>
       <p:pic>
         <p:nvPicPr>
-          <p:cNvPr id="14" name="图片 13"/>
+          <p:cNvPr id="5" name="图片 4"/>
           <p:cNvPicPr>
             <a:picLocks noChangeAspect="1"/>
           </p:cNvPicPr>
@@ -5933,7 +5578,7 @@
         </p:blipFill>
         <p:spPr>
           <a:xfrm>
-            <a:off x="4831080" y="5821045"/>
+            <a:off x="537845" y="4500880"/>
             <a:ext cx="2529840" cy="769620"/>
           </a:xfrm>
           <a:prstGeom prst="rect">
@@ -5941,551 +5586,9 @@
           </a:prstGeom>
         </p:spPr>
       </p:pic>
-      <p:cxnSp>
-        <p:nvCxnSpPr>
-          <p:cNvPr id="16" name="直接箭头连接符 15"/>
-          <p:cNvCxnSpPr>
-            <a:stCxn id="2" idx="0"/>
-            <a:endCxn id="5" idx="2"/>
-          </p:cNvCxnSpPr>
-          <p:nvPr/>
-        </p:nvCxnSpPr>
-        <p:spPr>
-          <a:xfrm flipV="1">
-            <a:off x="6166485" y="4800600"/>
-            <a:ext cx="0" cy="337820"/>
-          </a:xfrm>
-          <a:prstGeom prst="straightConnector1">
-            <a:avLst/>
-          </a:prstGeom>
-          <a:ln w="31750" cap="rnd">
-            <a:solidFill>
-              <a:schemeClr val="accent2"/>
-            </a:solidFill>
-            <a:round/>
-            <a:tailEnd type="arrow" w="med" len="med"/>
-          </a:ln>
-        </p:spPr>
-        <p:style>
-          <a:lnRef idx="0">
-            <a:srgbClr val="FFFFFF"/>
-          </a:lnRef>
-          <a:fillRef idx="0">
-            <a:srgbClr val="FFFFFF"/>
-          </a:fillRef>
-          <a:effectRef idx="0">
-            <a:srgbClr val="FFFFFF"/>
-          </a:effectRef>
-          <a:fontRef idx="minor">
-            <a:schemeClr val="tx1"/>
-          </a:fontRef>
-        </p:style>
-      </p:cxnSp>
-      <p:cxnSp>
-        <p:nvCxnSpPr>
-          <p:cNvPr id="17" name="直接箭头连接符 16"/>
-          <p:cNvCxnSpPr/>
-          <p:nvPr/>
-        </p:nvCxnSpPr>
-        <p:spPr>
-          <a:xfrm flipV="1">
-            <a:off x="6166485" y="4082415"/>
-            <a:ext cx="0" cy="337820"/>
-          </a:xfrm>
-          <a:prstGeom prst="straightConnector1">
-            <a:avLst/>
-          </a:prstGeom>
-          <a:ln w="31750" cap="rnd">
-            <a:solidFill>
-              <a:schemeClr val="accent2"/>
-            </a:solidFill>
-            <a:round/>
-            <a:tailEnd type="arrow" w="med" len="med"/>
-          </a:ln>
-        </p:spPr>
-        <p:style>
-          <a:lnRef idx="0">
-            <a:srgbClr val="FFFFFF"/>
-          </a:lnRef>
-          <a:fillRef idx="0">
-            <a:srgbClr val="FFFFFF"/>
-          </a:fillRef>
-          <a:effectRef idx="0">
-            <a:srgbClr val="FFFFFF"/>
-          </a:effectRef>
-          <a:fontRef idx="minor">
-            <a:schemeClr val="tx1"/>
-          </a:fontRef>
-        </p:style>
-      </p:cxnSp>
-      <p:cxnSp>
-        <p:nvCxnSpPr>
-          <p:cNvPr id="18" name="直接箭头连接符 17"/>
-          <p:cNvCxnSpPr/>
-          <p:nvPr/>
-        </p:nvCxnSpPr>
-        <p:spPr>
-          <a:xfrm flipV="1">
-            <a:off x="6166485" y="3388360"/>
-            <a:ext cx="0" cy="337820"/>
-          </a:xfrm>
-          <a:prstGeom prst="straightConnector1">
-            <a:avLst/>
-          </a:prstGeom>
-          <a:ln w="31750" cap="rnd">
-            <a:solidFill>
-              <a:schemeClr val="accent2"/>
-            </a:solidFill>
-            <a:round/>
-            <a:tailEnd type="arrow" w="med" len="med"/>
-          </a:ln>
-        </p:spPr>
-        <p:style>
-          <a:lnRef idx="0">
-            <a:srgbClr val="FFFFFF"/>
-          </a:lnRef>
-          <a:fillRef idx="0">
-            <a:srgbClr val="FFFFFF"/>
-          </a:fillRef>
-          <a:effectRef idx="0">
-            <a:srgbClr val="FFFFFF"/>
-          </a:effectRef>
-          <a:fontRef idx="minor">
-            <a:schemeClr val="tx1"/>
-          </a:fontRef>
-        </p:style>
-      </p:cxnSp>
-      <p:cxnSp>
-        <p:nvCxnSpPr>
-          <p:cNvPr id="19" name="直接箭头连接符 18"/>
-          <p:cNvCxnSpPr/>
-          <p:nvPr/>
-        </p:nvCxnSpPr>
-        <p:spPr>
-          <a:xfrm flipH="1" flipV="1">
-            <a:off x="6166485" y="2432685"/>
-            <a:ext cx="635" cy="239395"/>
-          </a:xfrm>
-          <a:prstGeom prst="straightConnector1">
-            <a:avLst/>
-          </a:prstGeom>
-          <a:ln w="31750" cap="rnd">
-            <a:solidFill>
-              <a:schemeClr val="accent2"/>
-            </a:solidFill>
-            <a:round/>
-            <a:tailEnd type="arrow" w="med" len="med"/>
-          </a:ln>
-        </p:spPr>
-        <p:style>
-          <a:lnRef idx="0">
-            <a:srgbClr val="FFFFFF"/>
-          </a:lnRef>
-          <a:fillRef idx="0">
-            <a:srgbClr val="FFFFFF"/>
-          </a:fillRef>
-          <a:effectRef idx="0">
-            <a:srgbClr val="FFFFFF"/>
-          </a:effectRef>
-          <a:fontRef idx="minor">
-            <a:schemeClr val="tx1"/>
-          </a:fontRef>
-        </p:style>
-      </p:cxnSp>
-      <p:cxnSp>
-        <p:nvCxnSpPr>
-          <p:cNvPr id="21" name="直接箭头连接符 20"/>
-          <p:cNvCxnSpPr/>
-          <p:nvPr/>
-        </p:nvCxnSpPr>
-        <p:spPr>
-          <a:xfrm flipH="1" flipV="1">
-            <a:off x="7198995" y="1769110"/>
-            <a:ext cx="1905" cy="230505"/>
-          </a:xfrm>
-          <a:prstGeom prst="straightConnector1">
-            <a:avLst/>
-          </a:prstGeom>
-          <a:ln w="31750" cap="rnd">
-            <a:solidFill>
-              <a:schemeClr val="accent2"/>
-            </a:solidFill>
-            <a:round/>
-            <a:tailEnd type="arrow" w="med" len="med"/>
-          </a:ln>
-        </p:spPr>
-        <p:style>
-          <a:lnRef idx="0">
-            <a:srgbClr val="FFFFFF"/>
-          </a:lnRef>
-          <a:fillRef idx="0">
-            <a:srgbClr val="FFFFFF"/>
-          </a:fillRef>
-          <a:effectRef idx="0">
-            <a:srgbClr val="FFFFFF"/>
-          </a:effectRef>
-          <a:fontRef idx="minor">
-            <a:schemeClr val="tx1"/>
-          </a:fontRef>
-        </p:style>
-      </p:cxnSp>
-      <p:cxnSp>
-        <p:nvCxnSpPr>
-          <p:cNvPr id="22" name="直接箭头连接符 21"/>
-          <p:cNvCxnSpPr/>
-          <p:nvPr/>
-        </p:nvCxnSpPr>
-        <p:spPr>
-          <a:xfrm flipV="1">
-            <a:off x="5208905" y="576580"/>
-            <a:ext cx="0" cy="337820"/>
-          </a:xfrm>
-          <a:prstGeom prst="straightConnector1">
-            <a:avLst/>
-          </a:prstGeom>
-          <a:ln w="31750" cap="rnd">
-            <a:solidFill>
-              <a:schemeClr val="accent2"/>
-            </a:solidFill>
-            <a:round/>
-            <a:tailEnd type="arrow" w="med" len="med"/>
-          </a:ln>
-        </p:spPr>
-        <p:style>
-          <a:lnRef idx="0">
-            <a:srgbClr val="FFFFFF"/>
-          </a:lnRef>
-          <a:fillRef idx="0">
-            <a:srgbClr val="FFFFFF"/>
-          </a:fillRef>
-          <a:effectRef idx="0">
-            <a:srgbClr val="FFFFFF"/>
-          </a:effectRef>
-          <a:fontRef idx="minor">
-            <a:schemeClr val="tx1"/>
-          </a:fontRef>
-        </p:style>
-      </p:cxnSp>
-      <p:cxnSp>
-        <p:nvCxnSpPr>
-          <p:cNvPr id="23" name="直接箭头连接符 22"/>
-          <p:cNvCxnSpPr/>
-          <p:nvPr/>
-        </p:nvCxnSpPr>
-        <p:spPr>
-          <a:xfrm flipV="1">
-            <a:off x="7198995" y="576580"/>
-            <a:ext cx="0" cy="337820"/>
-          </a:xfrm>
-          <a:prstGeom prst="straightConnector1">
-            <a:avLst/>
-          </a:prstGeom>
-          <a:ln w="31750" cap="rnd">
-            <a:solidFill>
-              <a:schemeClr val="accent2"/>
-            </a:solidFill>
-            <a:round/>
-            <a:tailEnd type="arrow" w="med" len="med"/>
-          </a:ln>
-        </p:spPr>
-        <p:style>
-          <a:lnRef idx="0">
-            <a:srgbClr val="FFFFFF"/>
-          </a:lnRef>
-          <a:fillRef idx="0">
-            <a:srgbClr val="FFFFFF"/>
-          </a:fillRef>
-          <a:effectRef idx="0">
-            <a:srgbClr val="FFFFFF"/>
-          </a:effectRef>
-          <a:fontRef idx="minor">
-            <a:schemeClr val="tx1"/>
-          </a:fontRef>
-        </p:style>
-      </p:cxnSp>
-      <p:cxnSp>
-        <p:nvCxnSpPr>
-          <p:cNvPr id="27" name="直接箭头连接符 26"/>
-          <p:cNvCxnSpPr/>
-          <p:nvPr/>
-        </p:nvCxnSpPr>
-        <p:spPr>
-          <a:xfrm flipH="1" flipV="1">
-            <a:off x="5208905" y="1769110"/>
-            <a:ext cx="1905" cy="230505"/>
-          </a:xfrm>
-          <a:prstGeom prst="straightConnector1">
-            <a:avLst/>
-          </a:prstGeom>
-          <a:ln w="31750" cap="rnd">
-            <a:solidFill>
-              <a:schemeClr val="accent2"/>
-            </a:solidFill>
-            <a:round/>
-            <a:tailEnd type="arrow" w="med" len="med"/>
-          </a:ln>
-        </p:spPr>
-        <p:style>
-          <a:lnRef idx="0">
-            <a:srgbClr val="FFFFFF"/>
-          </a:lnRef>
-          <a:fillRef idx="0">
-            <a:srgbClr val="FFFFFF"/>
-          </a:fillRef>
-          <a:effectRef idx="0">
-            <a:srgbClr val="FFFFFF"/>
-          </a:effectRef>
-          <a:fontRef idx="minor">
-            <a:schemeClr val="tx1"/>
-          </a:fontRef>
-        </p:style>
-      </p:cxnSp>
-      <p:sp>
-        <p:nvSpPr>
-          <p:cNvPr id="28" name="文本框 27"/>
-          <p:cNvSpPr txBox="1"/>
-          <p:nvPr/>
-        </p:nvSpPr>
-        <p:spPr>
-          <a:xfrm>
-            <a:off x="3360420" y="6021705"/>
-            <a:ext cx="1353820" cy="368300"/>
-          </a:xfrm>
-          <a:prstGeom prst="rect">
-            <a:avLst/>
-          </a:prstGeom>
-          <a:solidFill>
-            <a:schemeClr val="bg1"/>
-          </a:solidFill>
-        </p:spPr>
-        <p:txBody>
-          <a:bodyPr wrap="square">
-            <a:spAutoFit/>
-            <a:extLst>
-              <a:ext uri="{4A0BC546-FE56-4ADE-93B0-CB8AF2F6F144}">
-                <wpsdc:textFrameExt xmlns:wpsdc="http://www.wps.cn/officeDocument/2022/drawingmlCustomData" type="text"/>
-              </a:ext>
-            </a:extLst>
-          </a:bodyPr>
-          <a:p>
-            <a:pPr algn="ctr"/>
-            <a:r>
-              <a:rPr lang="en-US" altLang="zh-CN" sz="1800">
-                <a:latin typeface="Arial" panose="020B0604020202020204" pitchFamily="34" charset="0"/>
-                <a:ea typeface="微软雅黑" panose="020B0503020204020204" charset="-122"/>
-              </a:rPr>
-              <a:t>Input MTS</a:t>
-            </a:r>
-            <a:endParaRPr lang="en-US" altLang="zh-CN" sz="1800">
-              <a:latin typeface="Arial" panose="020B0604020202020204" pitchFamily="34" charset="0"/>
-              <a:ea typeface="微软雅黑" panose="020B0503020204020204" charset="-122"/>
-            </a:endParaRPr>
-          </a:p>
-        </p:txBody>
-      </p:sp>
-      <p:sp>
-        <p:nvSpPr>
-          <p:cNvPr id="43" name="文本框 42"/>
-          <p:cNvSpPr txBox="1"/>
-          <p:nvPr/>
-        </p:nvSpPr>
-        <p:spPr>
-          <a:xfrm>
-            <a:off x="6304280" y="4081780"/>
-            <a:ext cx="2081530" cy="340360"/>
-          </a:xfrm>
-          <a:prstGeom prst="rect">
-            <a:avLst/>
-          </a:prstGeom>
-          <a:solidFill>
-            <a:schemeClr val="bg1"/>
-          </a:solidFill>
-        </p:spPr>
-        <p:txBody>
-          <a:bodyPr wrap="square">
-            <a:noAutofit/>
-            <a:extLst>
-              <a:ext uri="{4A0BC546-FE56-4ADE-93B0-CB8AF2F6F144}">
-                <wpsdc:textFrameExt xmlns:wpsdc="http://www.wps.cn/officeDocument/2022/drawingmlCustomData" type="text"/>
-              </a:ext>
-            </a:extLst>
-          </a:bodyPr>
-          <a:p>
-            <a:pPr algn="ctr"/>
-            <a:r>
-              <a:rPr lang="en-US" altLang="zh-CN" sz="1800">
-                <a:latin typeface="Arial" panose="020B0604020202020204" pitchFamily="34" charset="0"/>
-                <a:ea typeface="微软雅黑" panose="020B0503020204020204" charset="-122"/>
-              </a:rPr>
-              <a:t>TopK Frequencies</a:t>
-            </a:r>
-            <a:endParaRPr lang="en-US" altLang="zh-CN" sz="1800">
-              <a:latin typeface="Arial" panose="020B0604020202020204" pitchFamily="34" charset="0"/>
-              <a:ea typeface="微软雅黑" panose="020B0503020204020204" charset="-122"/>
-            </a:endParaRPr>
-          </a:p>
-        </p:txBody>
-      </p:sp>
-      <p:cxnSp>
-        <p:nvCxnSpPr>
-          <p:cNvPr id="49" name="直接箭头连接符 48"/>
-          <p:cNvCxnSpPr>
-            <a:stCxn id="6" idx="1"/>
-            <a:endCxn id="4" idx="3"/>
-          </p:cNvCxnSpPr>
-          <p:nvPr/>
-        </p:nvCxnSpPr>
-        <p:spPr>
-          <a:xfrm flipH="1">
-            <a:off x="3215005" y="3910330"/>
-            <a:ext cx="1688465" cy="1298575"/>
-          </a:xfrm>
-          <a:prstGeom prst="straightConnector1">
-            <a:avLst/>
-          </a:prstGeom>
-          <a:ln w="12700" cap="flat" cmpd="sng" algn="ctr">
-            <a:solidFill>
-              <a:schemeClr val="accent2"/>
-            </a:solidFill>
-            <a:prstDash val="dash"/>
-            <a:miter lim="800000"/>
-            <a:tailEnd type="arrow" w="med" len="med"/>
-          </a:ln>
-        </p:spPr>
-        <p:style>
-          <a:lnRef idx="0">
-            <a:schemeClr val="accent1"/>
-          </a:lnRef>
-          <a:fillRef idx="0">
-            <a:srgbClr val="FFFFFF"/>
-          </a:fillRef>
-          <a:effectRef idx="0">
-            <a:srgbClr val="FFFFFF"/>
-          </a:effectRef>
-          <a:fontRef idx="minor">
-            <a:schemeClr val="tx1"/>
-          </a:fontRef>
-        </p:style>
-      </p:cxnSp>
-      <p:cxnSp>
-        <p:nvCxnSpPr>
-          <p:cNvPr id="50" name="直接箭头连接符 49"/>
-          <p:cNvCxnSpPr>
-            <a:stCxn id="7" idx="1"/>
-            <a:endCxn id="3" idx="3"/>
-          </p:cNvCxnSpPr>
-          <p:nvPr/>
-        </p:nvCxnSpPr>
-        <p:spPr>
-          <a:xfrm flipH="1">
-            <a:off x="3215005" y="3030220"/>
-            <a:ext cx="1686560" cy="283210"/>
-          </a:xfrm>
-          <a:prstGeom prst="straightConnector1">
-            <a:avLst/>
-          </a:prstGeom>
-          <a:ln w="12700" cap="flat" cmpd="sng" algn="ctr">
-            <a:solidFill>
-              <a:schemeClr val="accent2"/>
-            </a:solidFill>
-            <a:prstDash val="dash"/>
-            <a:miter lim="800000"/>
-            <a:tailEnd type="arrow" w="med" len="med"/>
-          </a:ln>
-        </p:spPr>
-        <p:style>
-          <a:lnRef idx="0">
-            <a:schemeClr val="accent1"/>
-          </a:lnRef>
-          <a:fillRef idx="0">
-            <a:srgbClr val="FFFFFF"/>
-          </a:fillRef>
-          <a:effectRef idx="0">
-            <a:srgbClr val="FFFFFF"/>
-          </a:effectRef>
-          <a:fontRef idx="minor">
-            <a:schemeClr val="tx1"/>
-          </a:fontRef>
-        </p:style>
-      </p:cxnSp>
-      <p:sp>
-        <p:nvSpPr>
-          <p:cNvPr id="51" name="文本框 50"/>
-          <p:cNvSpPr txBox="1"/>
-          <p:nvPr/>
-        </p:nvSpPr>
-        <p:spPr>
-          <a:xfrm>
-            <a:off x="7442200" y="571500"/>
-            <a:ext cx="2339975" cy="368300"/>
-          </a:xfrm>
-          <a:prstGeom prst="rect">
-            <a:avLst/>
-          </a:prstGeom>
-          <a:noFill/>
-        </p:spPr>
-        <p:txBody>
-          <a:bodyPr wrap="square" rtlCol="0" anchor="t">
-            <a:spAutoFit/>
-          </a:bodyPr>
-          <a:p>
-            <a:r>
-              <a:rPr lang="en-US" altLang="zh-CN">
-                <a:latin typeface="Arial" panose="020B0604020202020204" pitchFamily="34" charset="0"/>
-                <a:ea typeface="微软雅黑" panose="020B0503020204020204" charset="-122"/>
-                <a:sym typeface="+mn-ea"/>
-              </a:rPr>
-              <a:t>Euclidean Distance</a:t>
-            </a:r>
-            <a:endParaRPr lang="en-US" altLang="zh-CN">
-              <a:latin typeface="Arial" panose="020B0604020202020204" pitchFamily="34" charset="0"/>
-              <a:ea typeface="微软雅黑" panose="020B0503020204020204" charset="-122"/>
-              <a:sym typeface="+mn-ea"/>
-            </a:endParaRPr>
-          </a:p>
-        </p:txBody>
-      </p:sp>
-      <p:sp>
-        <p:nvSpPr>
-          <p:cNvPr id="52" name="文本框 51"/>
-          <p:cNvSpPr txBox="1"/>
-          <p:nvPr/>
-        </p:nvSpPr>
-        <p:spPr>
-          <a:xfrm>
-            <a:off x="2691765" y="546100"/>
-            <a:ext cx="2299970" cy="368300"/>
-          </a:xfrm>
-          <a:prstGeom prst="rect">
-            <a:avLst/>
-          </a:prstGeom>
-          <a:noFill/>
-        </p:spPr>
-        <p:txBody>
-          <a:bodyPr wrap="square" rtlCol="0" anchor="t">
-            <a:spAutoFit/>
-          </a:bodyPr>
-          <a:p>
-            <a:pPr algn="ctr"/>
-            <a:r>
-              <a:rPr lang="en-US" altLang="zh-CN">
-                <a:latin typeface="Arial" panose="020B0604020202020204" pitchFamily="34" charset="0"/>
-                <a:ea typeface="微软雅黑" panose="020B0503020204020204" charset="-122"/>
-                <a:sym typeface="+mn-ea"/>
-              </a:rPr>
-              <a:t>Reconstruction Error</a:t>
-            </a:r>
-            <a:endParaRPr lang="en-US" altLang="zh-CN">
-              <a:latin typeface="Arial" panose="020B0604020202020204" pitchFamily="34" charset="0"/>
-              <a:ea typeface="微软雅黑" panose="020B0503020204020204" charset="-122"/>
-              <a:sym typeface="+mn-ea"/>
-            </a:endParaRPr>
-          </a:p>
-        </p:txBody>
-      </p:sp>
       <p:pic>
         <p:nvPicPr>
-          <p:cNvPr id="53" name="图片 52"/>
+          <p:cNvPr id="7" name="图片 6"/>
           <p:cNvPicPr>
             <a:picLocks noChangeAspect="1"/>
           </p:cNvPicPr>
@@ -6499,135 +5602,14 @@
         </p:blipFill>
         <p:spPr>
           <a:xfrm>
-            <a:off x="8121015" y="2463165"/>
-            <a:ext cx="3775710" cy="1263015"/>
+            <a:off x="4349750" y="1004570"/>
+            <a:ext cx="7492365" cy="4427855"/>
           </a:xfrm>
           <a:prstGeom prst="rect">
             <a:avLst/>
           </a:prstGeom>
         </p:spPr>
       </p:pic>
-      <p:cxnSp>
-        <p:nvCxnSpPr>
-          <p:cNvPr id="54" name="直接箭头连接符 53"/>
-          <p:cNvCxnSpPr>
-            <a:stCxn id="45" idx="3"/>
-            <a:endCxn id="53" idx="1"/>
-          </p:cNvCxnSpPr>
-          <p:nvPr/>
-        </p:nvCxnSpPr>
-        <p:spPr>
-          <a:xfrm>
-            <a:off x="7455535" y="2248535"/>
-            <a:ext cx="665480" cy="846455"/>
-          </a:xfrm>
-          <a:prstGeom prst="straightConnector1">
-            <a:avLst/>
-          </a:prstGeom>
-          <a:ln w="12700" cap="flat" cmpd="sng" algn="ctr">
-            <a:solidFill>
-              <a:schemeClr val="accent2"/>
-            </a:solidFill>
-            <a:prstDash val="dash"/>
-            <a:miter lim="800000"/>
-            <a:tailEnd type="arrow" w="med" len="med"/>
-          </a:ln>
-        </p:spPr>
-        <p:style>
-          <a:lnRef idx="0">
-            <a:schemeClr val="accent1"/>
-          </a:lnRef>
-          <a:fillRef idx="0">
-            <a:srgbClr val="FFFFFF"/>
-          </a:fillRef>
-          <a:effectRef idx="0">
-            <a:srgbClr val="FFFFFF"/>
-          </a:effectRef>
-          <a:fontRef idx="minor">
-            <a:schemeClr val="tx1"/>
-          </a:fontRef>
-        </p:style>
-      </p:cxnSp>
-      <p:sp>
-        <p:nvSpPr>
-          <p:cNvPr id="55" name="文本框 54"/>
-          <p:cNvSpPr txBox="1"/>
-          <p:nvPr/>
-        </p:nvSpPr>
-        <p:spPr>
-          <a:xfrm>
-            <a:off x="9401175" y="3829050"/>
-            <a:ext cx="1353820" cy="368300"/>
-          </a:xfrm>
-          <a:prstGeom prst="rect">
-            <a:avLst/>
-          </a:prstGeom>
-          <a:solidFill>
-            <a:schemeClr val="bg1"/>
-          </a:solidFill>
-        </p:spPr>
-        <p:txBody>
-          <a:bodyPr wrap="square">
-            <a:spAutoFit/>
-            <a:extLst>
-              <a:ext uri="{4A0BC546-FE56-4ADE-93B0-CB8AF2F6F144}">
-                <wpsdc:textFrameExt xmlns:wpsdc="http://www.wps.cn/officeDocument/2022/drawingmlCustomData" type="text"/>
-              </a:ext>
-            </a:extLst>
-          </a:bodyPr>
-          <a:p>
-            <a:pPr algn="ctr"/>
-            <a:r>
-              <a:rPr lang="en-US" altLang="zh-CN" sz="1800">
-                <a:latin typeface="Arial" panose="020B0604020202020204" pitchFamily="34" charset="0"/>
-                <a:ea typeface="微软雅黑" panose="020B0503020204020204" charset="-122"/>
-              </a:rPr>
-              <a:t>Nx</a:t>
-            </a:r>
-            <a:endParaRPr lang="en-US" altLang="zh-CN" sz="1800">
-              <a:latin typeface="Arial" panose="020B0604020202020204" pitchFamily="34" charset="0"/>
-              <a:ea typeface="微软雅黑" panose="020B0503020204020204" charset="-122"/>
-            </a:endParaRPr>
-          </a:p>
-        </p:txBody>
-      </p:sp>
-      <p:cxnSp>
-        <p:nvCxnSpPr>
-          <p:cNvPr id="8" name="直接箭头连接符 7"/>
-          <p:cNvCxnSpPr/>
-          <p:nvPr/>
-        </p:nvCxnSpPr>
-        <p:spPr>
-          <a:xfrm flipV="1">
-            <a:off x="6166485" y="5506720"/>
-            <a:ext cx="0" cy="337820"/>
-          </a:xfrm>
-          <a:prstGeom prst="straightConnector1">
-            <a:avLst/>
-          </a:prstGeom>
-          <a:ln w="31750" cap="rnd">
-            <a:solidFill>
-              <a:schemeClr val="accent2"/>
-            </a:solidFill>
-            <a:round/>
-            <a:tailEnd type="arrow" w="med" len="med"/>
-          </a:ln>
-        </p:spPr>
-        <p:style>
-          <a:lnRef idx="0">
-            <a:srgbClr val="FFFFFF"/>
-          </a:lnRef>
-          <a:fillRef idx="0">
-            <a:srgbClr val="FFFFFF"/>
-          </a:fillRef>
-          <a:effectRef idx="0">
-            <a:srgbClr val="FFFFFF"/>
-          </a:effectRef>
-          <a:fontRef idx="minor">
-            <a:schemeClr val="tx1"/>
-          </a:fontRef>
-        </p:style>
-      </p:cxnSp>
     </p:spTree>
   </p:cSld>
   <p:clrMapOvr>
@@ -6637,120 +5619,6 @@
 </file>
 
 <file path=ppt/slides/slide11.xml><?xml version="1.0" encoding="utf-8"?>
-<p:sld xmlns:a="http://schemas.openxmlformats.org/drawingml/2006/main" xmlns:r="http://schemas.openxmlformats.org/officeDocument/2006/relationships" xmlns:p="http://schemas.openxmlformats.org/presentationml/2006/main">
-  <p:cSld>
-    <p:spTree>
-      <p:nvGrpSpPr>
-        <p:cNvPr id="1" name=""/>
-        <p:cNvGrpSpPr/>
-        <p:nvPr/>
-      </p:nvGrpSpPr>
-      <p:grpSpPr/>
-      <p:pic>
-        <p:nvPicPr>
-          <p:cNvPr id="2" name="图片 1"/>
-          <p:cNvPicPr>
-            <a:picLocks noChangeAspect="1"/>
-          </p:cNvPicPr>
-          <p:nvPr/>
-        </p:nvPicPr>
-        <p:blipFill>
-          <a:blip r:embed="rId1"/>
-          <a:stretch>
-            <a:fillRect/>
-          </a:stretch>
-        </p:blipFill>
-        <p:spPr>
-          <a:xfrm>
-            <a:off x="1079500" y="203835"/>
-            <a:ext cx="2453640" cy="1150620"/>
-          </a:xfrm>
-          <a:prstGeom prst="rect">
-            <a:avLst/>
-          </a:prstGeom>
-        </p:spPr>
-      </p:pic>
-      <p:pic>
-        <p:nvPicPr>
-          <p:cNvPr id="4" name="图片 3"/>
-          <p:cNvPicPr>
-            <a:picLocks noChangeAspect="1"/>
-          </p:cNvPicPr>
-          <p:nvPr/>
-        </p:nvPicPr>
-        <p:blipFill>
-          <a:blip r:embed="rId2"/>
-          <a:stretch>
-            <a:fillRect/>
-          </a:stretch>
-        </p:blipFill>
-        <p:spPr>
-          <a:xfrm>
-            <a:off x="288290" y="2800350"/>
-            <a:ext cx="3028950" cy="419100"/>
-          </a:xfrm>
-          <a:prstGeom prst="rect">
-            <a:avLst/>
-          </a:prstGeom>
-        </p:spPr>
-      </p:pic>
-      <p:pic>
-        <p:nvPicPr>
-          <p:cNvPr id="5" name="图片 4"/>
-          <p:cNvPicPr>
-            <a:picLocks noChangeAspect="1"/>
-          </p:cNvPicPr>
-          <p:nvPr/>
-        </p:nvPicPr>
-        <p:blipFill>
-          <a:blip r:embed="rId3"/>
-          <a:stretch>
-            <a:fillRect/>
-          </a:stretch>
-        </p:blipFill>
-        <p:spPr>
-          <a:xfrm>
-            <a:off x="537845" y="4500880"/>
-            <a:ext cx="2529840" cy="769620"/>
-          </a:xfrm>
-          <a:prstGeom prst="rect">
-            <a:avLst/>
-          </a:prstGeom>
-        </p:spPr>
-      </p:pic>
-      <p:pic>
-        <p:nvPicPr>
-          <p:cNvPr id="7" name="图片 6"/>
-          <p:cNvPicPr>
-            <a:picLocks noChangeAspect="1"/>
-          </p:cNvPicPr>
-          <p:nvPr/>
-        </p:nvPicPr>
-        <p:blipFill>
-          <a:blip r:embed="rId4"/>
-          <a:stretch>
-            <a:fillRect/>
-          </a:stretch>
-        </p:blipFill>
-        <p:spPr>
-          <a:xfrm>
-            <a:off x="4349750" y="1004570"/>
-            <a:ext cx="7492365" cy="4427855"/>
-          </a:xfrm>
-          <a:prstGeom prst="rect">
-            <a:avLst/>
-          </a:prstGeom>
-        </p:spPr>
-      </p:pic>
-    </p:spTree>
-  </p:cSld>
-  <p:clrMapOvr>
-    <a:masterClrMapping/>
-  </p:clrMapOvr>
-</p:sld>
-</file>
-
-<file path=ppt/slides/slide12.xml><?xml version="1.0" encoding="utf-8"?>
 <p:sld xmlns:a="http://schemas.openxmlformats.org/drawingml/2006/main" xmlns:r="http://schemas.openxmlformats.org/officeDocument/2006/relationships" xmlns:p="http://schemas.openxmlformats.org/presentationml/2006/main">
   <p:cSld>
     <p:spTree>
@@ -6854,7 +5722,25 @@
                 <a:cs typeface="Times New Roman" panose="02020603050405020304" pitchFamily="18" charset="0"/>
                 <a:sym typeface="等线" panose="02010600030101010101" charset="-122"/>
               </a:rPr>
-              <a:t>研究</a:t>
+              <a:t>异常</a:t>
+            </a:r>
+            <a:r>
+              <a:rPr kumimoji="0" lang="zh-CN" altLang="en-US" sz="3200" b="1" i="0" u="none" strike="noStrike" kern="1200" cap="none" spc="0" normalizeH="0" baseline="0" noProof="0" dirty="0">
+                <a:ln>
+                  <a:noFill/>
+                </a:ln>
+                <a:solidFill>
+                  <a:schemeClr val="accent2"/>
+                </a:solidFill>
+                <a:effectLst/>
+                <a:uLnTx/>
+                <a:uFillTx/>
+                <a:latin typeface="微软雅黑" panose="020B0503020204020204" charset="-122"/>
+                <a:ea typeface="微软雅黑" panose="020B0503020204020204" charset="-122"/>
+                <a:cs typeface="Times New Roman" panose="02020603050405020304" pitchFamily="18" charset="0"/>
+                <a:sym typeface="等线" panose="02010600030101010101" charset="-122"/>
+              </a:rPr>
+              <a:t>检测研究</a:t>
             </a:r>
             <a:r>
               <a:rPr lang="zh-CN" altLang="en-US" sz="3200" b="1" dirty="0">
@@ -6920,7 +5806,7 @@
         <p:spPr>
           <a:xfrm>
             <a:off x="1611049" y="2136338"/>
-            <a:ext cx="8969895" cy="2585323"/>
+            <a:ext cx="8969895" cy="2861310"/>
           </a:xfrm>
           <a:prstGeom prst="rect">
             <a:avLst/>
@@ -7013,7 +5899,7 @@
             </a:r>
             <a:r>
               <a:rPr lang="zh-CN" altLang="en-US" dirty="0"/>
-              <a:t>）</a:t>
+              <a:t>）传统的</a:t>
             </a:r>
             <a:r>
               <a:rPr lang="en-US" altLang="zh-CN" dirty="0"/>
@@ -7051,7 +5937,40 @@
             </a:r>
             <a:r>
               <a:rPr lang="zh-CN" altLang="en-US" dirty="0"/>
-              <a:t>）目前大部分研究侧重于对异常检测方法性能的提升，</a:t>
+              <a:t>）传统的图神经网络</a:t>
+            </a:r>
+            <a:r>
+              <a:rPr lang="zh-CN" altLang="en-US" dirty="0">
+                <a:sym typeface="+mn-ea"/>
+              </a:rPr>
+              <a:t>需要</a:t>
+            </a:r>
+            <a:r>
+              <a:rPr lang="zh-CN" altLang="en-US" dirty="0">
+                <a:solidFill>
+                  <a:srgbClr val="FF0000"/>
+                </a:solidFill>
+                <a:sym typeface="+mn-ea"/>
+              </a:rPr>
+              <a:t>输入预先定义的图结构进行学习，而在实际工作中节点之间的结构往往是未知的；</a:t>
+            </a:r>
+            <a:r>
+              <a:rPr lang="zh-CN" altLang="en-US" dirty="0">
+                <a:solidFill>
+                  <a:schemeClr val="tx1"/>
+                </a:solidFill>
+                <a:sym typeface="+mn-ea"/>
+              </a:rPr>
+              <a:t>另外</a:t>
+            </a:r>
+            <a:r>
+              <a:rPr lang="zh-CN" altLang="en-US" dirty="0">
+                <a:solidFill>
+                  <a:srgbClr val="FF0000"/>
+                </a:solidFill>
+                <a:sym typeface="+mn-ea"/>
+              </a:rPr>
+              <a:t>对所有节点使用相同的模型参数，</a:t>
             </a:r>
             <a:r>
               <a:rPr lang="zh-CN" altLang="en-US" dirty="0">
@@ -7059,7 +5978,328 @@
                   <a:srgbClr val="FF0000"/>
                 </a:solidFill>
               </a:rPr>
-              <a:t>缺少对异常发生原因以及异常在不同维度之间传播情况的研究</a:t>
+              <a:t>忽略了不同的节点可能具有不同的行为特征</a:t>
+            </a:r>
+            <a:r>
+              <a:rPr lang="zh-CN" altLang="en-US" dirty="0"/>
+              <a:t>，无法充分捕捉每个节点的独特行为</a:t>
+            </a:r>
+            <a:r>
+              <a:rPr lang="zh-CN" altLang="en-US" dirty="0"/>
+              <a:t>模式</a:t>
+            </a:r>
+            <a:endParaRPr lang="zh-CN" altLang="en-US" dirty="0"/>
+          </a:p>
+        </p:txBody>
+      </p:sp>
+    </p:spTree>
+  </p:cSld>
+  <p:clrMapOvr>
+    <a:masterClrMapping/>
+  </p:clrMapOvr>
+</p:sld>
+</file>
+
+<file path=ppt/slides/slide12.xml><?xml version="1.0" encoding="utf-8"?>
+<p:sld xmlns:a="http://schemas.openxmlformats.org/drawingml/2006/main" xmlns:r="http://schemas.openxmlformats.org/officeDocument/2006/relationships" xmlns:p="http://schemas.openxmlformats.org/presentationml/2006/main">
+  <p:cSld>
+    <p:spTree>
+      <p:nvGrpSpPr>
+        <p:cNvPr id="1" name=""/>
+        <p:cNvGrpSpPr/>
+        <p:nvPr/>
+      </p:nvGrpSpPr>
+      <p:grpSpPr/>
+      <p:pic>
+        <p:nvPicPr>
+          <p:cNvPr id="4" name="图片 3"/>
+          <p:cNvPicPr>
+            <a:picLocks noChangeAspect="1"/>
+          </p:cNvPicPr>
+          <p:nvPr/>
+        </p:nvPicPr>
+        <p:blipFill>
+          <a:blip r:embed="rId1"/>
+          <a:stretch>
+            <a:fillRect/>
+          </a:stretch>
+        </p:blipFill>
+        <p:spPr>
+          <a:xfrm>
+            <a:off x="1075690" y="826135"/>
+            <a:ext cx="10373360" cy="4968875"/>
+          </a:xfrm>
+          <a:prstGeom prst="rect">
+            <a:avLst/>
+          </a:prstGeom>
+        </p:spPr>
+      </p:pic>
+    </p:spTree>
+  </p:cSld>
+  <p:clrMapOvr>
+    <a:masterClrMapping/>
+  </p:clrMapOvr>
+</p:sld>
+</file>
+
+<file path=ppt/slides/slide13.xml><?xml version="1.0" encoding="utf-8"?>
+<p:sld xmlns:a="http://schemas.openxmlformats.org/drawingml/2006/main" xmlns:r="http://schemas.openxmlformats.org/officeDocument/2006/relationships" xmlns:p="http://schemas.openxmlformats.org/presentationml/2006/main">
+  <p:cSld>
+    <p:spTree>
+      <p:nvGrpSpPr>
+        <p:cNvPr id="1" name=""/>
+        <p:cNvGrpSpPr/>
+        <p:nvPr/>
+      </p:nvGrpSpPr>
+      <p:grpSpPr>
+        <a:xfrm>
+          <a:off x="0" y="0"/>
+          <a:ext cx="0" cy="0"/>
+          <a:chOff x="0" y="0"/>
+          <a:chExt cx="0" cy="0"/>
+        </a:xfrm>
+      </p:grpSpPr>
+      <p:cxnSp>
+        <p:nvCxnSpPr>
+          <p:cNvPr id="3145732" name="直接连接符 4"/>
+          <p:cNvCxnSpPr/>
+          <p:nvPr/>
+        </p:nvCxnSpPr>
+        <p:spPr>
+          <a:xfrm>
+            <a:off x="302002" y="997804"/>
+            <a:ext cx="11587991" cy="0"/>
+          </a:xfrm>
+          <a:prstGeom prst="line">
+            <a:avLst/>
+          </a:prstGeom>
+          <a:ln w="12700">
+            <a:solidFill>
+              <a:srgbClr val="09397E"/>
+            </a:solidFill>
+          </a:ln>
+        </p:spPr>
+        <p:style>
+          <a:lnRef idx="1">
+            <a:schemeClr val="accent1"/>
+          </a:lnRef>
+          <a:fillRef idx="0">
+            <a:schemeClr val="accent1"/>
+          </a:fillRef>
+          <a:effectRef idx="0">
+            <a:schemeClr val="accent1"/>
+          </a:effectRef>
+          <a:fontRef idx="minor">
+            <a:schemeClr val="tx1"/>
+          </a:fontRef>
+        </p:style>
+      </p:cxnSp>
+      <p:sp>
+        <p:nvSpPr>
+          <p:cNvPr id="1048600" name="矩形 60"/>
+          <p:cNvSpPr/>
+          <p:nvPr/>
+        </p:nvSpPr>
+        <p:spPr>
+          <a:xfrm>
+            <a:off x="240030" y="420370"/>
+            <a:ext cx="6699885" cy="583565"/>
+          </a:xfrm>
+          <a:prstGeom prst="rect">
+            <a:avLst/>
+          </a:prstGeom>
+        </p:spPr>
+        <p:txBody>
+          <a:bodyPr wrap="square">
+            <a:spAutoFit/>
+          </a:bodyPr>
+          <a:lstStyle/>
+          <a:p>
+            <a:pPr marL="0" marR="0" lvl="0" indent="0" algn="l" defTabSz="914400" rtl="0" eaLnBrk="1" fontAlgn="auto" latinLnBrk="0" hangingPunct="1">
+              <a:lnSpc>
+                <a:spcPct val="100000"/>
+              </a:lnSpc>
+              <a:spcBef>
+                <a:spcPts val="0"/>
+              </a:spcBef>
+              <a:spcAft>
+                <a:spcPts val="0"/>
+              </a:spcAft>
+              <a:buClrTx/>
+              <a:buSzTx/>
+              <a:buFontTx/>
+              <a:buNone/>
+            </a:pPr>
+            <a:r>
+              <a:rPr kumimoji="0" lang="zh-CN" altLang="en-US" sz="3200" b="1" i="0" u="none" strike="noStrike" kern="1200" cap="none" spc="0" normalizeH="0" baseline="0" noProof="0" dirty="0">
+                <a:ln>
+                  <a:noFill/>
+                </a:ln>
+                <a:solidFill>
+                  <a:schemeClr val="accent2"/>
+                </a:solidFill>
+                <a:effectLst/>
+                <a:uLnTx/>
+                <a:uFillTx/>
+                <a:latin typeface="微软雅黑" panose="020B0503020204020204" charset="-122"/>
+                <a:ea typeface="微软雅黑" panose="020B0503020204020204" charset="-122"/>
+                <a:cs typeface="Times New Roman" panose="02020603050405020304" pitchFamily="18" charset="0"/>
+                <a:sym typeface="等线" panose="02010600030101010101" charset="-122"/>
+              </a:rPr>
+              <a:t>异常</a:t>
+            </a:r>
+            <a:r>
+              <a:rPr kumimoji="0" lang="zh-CN" altLang="en-US" sz="3200" b="1" i="0" u="none" strike="noStrike" kern="1200" cap="none" spc="0" normalizeH="0" baseline="0" noProof="0" dirty="0">
+                <a:ln>
+                  <a:noFill/>
+                </a:ln>
+                <a:solidFill>
+                  <a:schemeClr val="accent2"/>
+                </a:solidFill>
+                <a:effectLst/>
+                <a:uLnTx/>
+                <a:uFillTx/>
+                <a:latin typeface="微软雅黑" panose="020B0503020204020204" charset="-122"/>
+                <a:ea typeface="微软雅黑" panose="020B0503020204020204" charset="-122"/>
+                <a:cs typeface="Times New Roman" panose="02020603050405020304" pitchFamily="18" charset="0"/>
+                <a:sym typeface="等线" panose="02010600030101010101" charset="-122"/>
+              </a:rPr>
+              <a:t>预测研究</a:t>
+            </a:r>
+            <a:r>
+              <a:rPr lang="zh-CN" altLang="en-US" sz="3200" b="1" dirty="0">
+                <a:solidFill>
+                  <a:schemeClr val="accent2"/>
+                </a:solidFill>
+                <a:latin typeface="微软雅黑" panose="020B0503020204020204" charset="-122"/>
+                <a:ea typeface="微软雅黑" panose="020B0503020204020204" charset="-122"/>
+                <a:cs typeface="Times New Roman" panose="02020603050405020304" pitchFamily="18" charset="0"/>
+                <a:sym typeface="等线" panose="02010600030101010101" charset="-122"/>
+              </a:rPr>
+              <a:t>背景</a:t>
+            </a:r>
+            <a:endParaRPr kumimoji="0" lang="zh-CN" altLang="en-US" sz="3200" b="1" i="0" u="none" strike="noStrike" kern="1200" cap="none" spc="0" normalizeH="0" baseline="0" noProof="0" dirty="0">
+              <a:ln>
+                <a:noFill/>
+              </a:ln>
+              <a:solidFill>
+                <a:schemeClr val="accent2"/>
+              </a:solidFill>
+              <a:effectLst/>
+              <a:uLnTx/>
+              <a:uFillTx/>
+              <a:latin typeface="微软雅黑" panose="020B0503020204020204" charset="-122"/>
+              <a:ea typeface="微软雅黑" panose="020B0503020204020204" charset="-122"/>
+              <a:cs typeface="Times New Roman" panose="02020603050405020304" pitchFamily="18" charset="0"/>
+              <a:sym typeface="等线" panose="02010600030101010101" charset="-122"/>
+            </a:endParaRPr>
+          </a:p>
+        </p:txBody>
+      </p:sp>
+      <p:pic>
+        <p:nvPicPr>
+          <p:cNvPr id="2097158" name="图片 61"/>
+          <p:cNvPicPr>
+            <a:picLocks noChangeAspect="1"/>
+          </p:cNvPicPr>
+          <p:nvPr/>
+        </p:nvPicPr>
+        <p:blipFill rotWithShape="1">
+          <a:blip r:embed="rId1" cstate="print"/>
+          <a:srcRect b="9522"/>
+          <a:stretch>
+            <a:fillRect/>
+          </a:stretch>
+        </p:blipFill>
+        <p:spPr>
+          <a:xfrm>
+            <a:off x="10078279" y="277930"/>
+            <a:ext cx="1811714" cy="680928"/>
+          </a:xfrm>
+          <a:prstGeom prst="rect">
+            <a:avLst/>
+          </a:prstGeom>
+        </p:spPr>
+      </p:pic>
+      <p:sp>
+        <p:nvSpPr>
+          <p:cNvPr id="7" name="文本框 6"/>
+          <p:cNvSpPr txBox="1"/>
+          <p:nvPr/>
+        </p:nvSpPr>
+        <p:spPr>
+          <a:xfrm>
+            <a:off x="1611049" y="2136338"/>
+            <a:ext cx="8969895" cy="2306955"/>
+          </a:xfrm>
+          <a:prstGeom prst="rect">
+            <a:avLst/>
+          </a:prstGeom>
+          <a:noFill/>
+        </p:spPr>
+        <p:txBody>
+          <a:bodyPr wrap="square">
+            <a:spAutoFit/>
+          </a:bodyPr>
+          <a:lstStyle/>
+          <a:p>
+            <a:r>
+              <a:rPr lang="zh-CN" altLang="en-US" dirty="0"/>
+              <a:t>（</a:t>
+            </a:r>
+            <a:r>
+              <a:rPr lang="en-US" altLang="zh-CN" dirty="0"/>
+              <a:t>1</a:t>
+            </a:r>
+            <a:r>
+              <a:rPr lang="zh-CN" altLang="en-US" dirty="0"/>
+              <a:t>）目前多维时间序列异常检测研究主要是对历史数据中的异常进行检测，缺乏对未来一段时间内可能出现的异常进行预测的研究，而异常预测往往在实际应用场景下更具有应用价值</a:t>
+            </a:r>
+            <a:endParaRPr lang="zh-CN" altLang="en-US" dirty="0"/>
+          </a:p>
+          <a:p>
+            <a:endParaRPr lang="zh-CN" altLang="en-US" dirty="0">
+              <a:solidFill>
+                <a:srgbClr val="FF0000"/>
+              </a:solidFill>
+            </a:endParaRPr>
+          </a:p>
+          <a:p>
+            <a:r>
+              <a:rPr lang="zh-CN" altLang="en-US" dirty="0"/>
+              <a:t>（</a:t>
+            </a:r>
+            <a:r>
+              <a:rPr lang="en-US" altLang="zh-CN" dirty="0"/>
+              <a:t>2</a:t>
+            </a:r>
+            <a:r>
+              <a:rPr lang="zh-CN" altLang="en-US" dirty="0"/>
+              <a:t>）异常预测只能是针对有异常前兆数据的异常进行预测，目前</a:t>
+            </a:r>
+            <a:r>
+              <a:rPr lang="zh-CN" altLang="en-US" dirty="0">
+                <a:sym typeface="+mn-ea"/>
+              </a:rPr>
+              <a:t>多维时间序列异常预测的难点主要有</a:t>
+            </a:r>
+            <a:r>
+              <a:rPr lang="zh-CN" altLang="en-US" dirty="0">
+                <a:solidFill>
+                  <a:srgbClr val="FF0000"/>
+                </a:solidFill>
+                <a:sym typeface="+mn-ea"/>
+              </a:rPr>
+              <a:t>如何准确学习到不同维度</a:t>
+            </a:r>
+            <a:r>
+              <a:rPr lang="zh-CN" altLang="en-US" dirty="0">
+                <a:solidFill>
+                  <a:srgbClr val="FF0000"/>
+                </a:solidFill>
+                <a:sym typeface="+mn-ea"/>
+              </a:rPr>
+              <a:t>的异常前兆数据的特征、如何判断在给定时间窗口内有异常前兆数据出现、如何判断异常前兆数据的异常程度</a:t>
             </a:r>
             <a:endParaRPr lang="en-US" altLang="zh-CN" dirty="0">
               <a:solidFill>
@@ -7067,8 +6307,57 @@
               </a:solidFill>
             </a:endParaRPr>
           </a:p>
-        </p:txBody>
-      </p:sp>
+          <a:p>
+            <a:endParaRPr lang="en-US" altLang="zh-CN" dirty="0">
+              <a:solidFill>
+                <a:srgbClr val="FF0000"/>
+              </a:solidFill>
+            </a:endParaRPr>
+          </a:p>
+        </p:txBody>
+      </p:sp>
+    </p:spTree>
+  </p:cSld>
+  <p:clrMapOvr>
+    <a:masterClrMapping/>
+  </p:clrMapOvr>
+</p:sld>
+</file>
+
+<file path=ppt/slides/slide14.xml><?xml version="1.0" encoding="utf-8"?>
+<p:sld xmlns:a="http://schemas.openxmlformats.org/drawingml/2006/main" xmlns:r="http://schemas.openxmlformats.org/officeDocument/2006/relationships" xmlns:p="http://schemas.openxmlformats.org/presentationml/2006/main">
+  <p:cSld>
+    <p:spTree>
+      <p:nvGrpSpPr>
+        <p:cNvPr id="1" name=""/>
+        <p:cNvGrpSpPr/>
+        <p:nvPr/>
+      </p:nvGrpSpPr>
+      <p:grpSpPr/>
+      <p:pic>
+        <p:nvPicPr>
+          <p:cNvPr id="7" name="图片 6"/>
+          <p:cNvPicPr>
+            <a:picLocks noChangeAspect="1"/>
+          </p:cNvPicPr>
+          <p:nvPr/>
+        </p:nvPicPr>
+        <p:blipFill>
+          <a:blip r:embed="rId1"/>
+          <a:stretch>
+            <a:fillRect/>
+          </a:stretch>
+        </p:blipFill>
+        <p:spPr>
+          <a:xfrm>
+            <a:off x="1981200" y="607695"/>
+            <a:ext cx="8752205" cy="5172710"/>
+          </a:xfrm>
+          <a:prstGeom prst="rect">
+            <a:avLst/>
+          </a:prstGeom>
+        </p:spPr>
+      </p:pic>
     </p:spTree>
   </p:cSld>
   <p:clrMapOvr>
@@ -17042,48 +16331,6 @@
         <p:nvPr/>
       </p:nvGrpSpPr>
       <p:grpSpPr/>
-      <p:pic>
-        <p:nvPicPr>
-          <p:cNvPr id="4" name="图片 3"/>
-          <p:cNvPicPr>
-            <a:picLocks noChangeAspect="1"/>
-          </p:cNvPicPr>
-          <p:nvPr/>
-        </p:nvPicPr>
-        <p:blipFill>
-          <a:blip r:embed="rId1"/>
-          <a:stretch>
-            <a:fillRect/>
-          </a:stretch>
-        </p:blipFill>
-        <p:spPr>
-          <a:xfrm>
-            <a:off x="1283970" y="1042670"/>
-            <a:ext cx="9624060" cy="4091940"/>
-          </a:xfrm>
-          <a:prstGeom prst="rect">
-            <a:avLst/>
-          </a:prstGeom>
-        </p:spPr>
-      </p:pic>
-    </p:spTree>
-  </p:cSld>
-  <p:clrMapOvr>
-    <a:masterClrMapping/>
-  </p:clrMapOvr>
-</p:sld>
-</file>
-
-<file path=ppt/slides/slide9.xml><?xml version="1.0" encoding="utf-8"?>
-<p:sld xmlns:a="http://schemas.openxmlformats.org/drawingml/2006/main" xmlns:r="http://schemas.openxmlformats.org/officeDocument/2006/relationships" xmlns:p="http://schemas.openxmlformats.org/presentationml/2006/main">
-  <p:cSld>
-    <p:spTree>
-      <p:nvGrpSpPr>
-        <p:cNvPr id="1" name=""/>
-        <p:cNvGrpSpPr/>
-        <p:nvPr/>
-      </p:nvGrpSpPr>
-      <p:grpSpPr/>
       <p:sp>
         <p:nvSpPr>
           <p:cNvPr id="26" name="矩形 25"/>
@@ -22128,6 +21375,1201 @@
           </a:p>
         </p:txBody>
       </p:sp>
+    </p:spTree>
+  </p:cSld>
+  <p:clrMapOvr>
+    <a:masterClrMapping/>
+  </p:clrMapOvr>
+</p:sld>
+</file>
+
+<file path=ppt/slides/slide9.xml><?xml version="1.0" encoding="utf-8"?>
+<p:sld xmlns:a="http://schemas.openxmlformats.org/drawingml/2006/main" xmlns:r="http://schemas.openxmlformats.org/officeDocument/2006/relationships" xmlns:p="http://schemas.openxmlformats.org/presentationml/2006/main">
+  <p:cSld>
+    <p:spTree>
+      <p:nvGrpSpPr>
+        <p:cNvPr id="1" name=""/>
+        <p:cNvGrpSpPr/>
+        <p:nvPr/>
+      </p:nvGrpSpPr>
+      <p:grpSpPr/>
+      <p:sp>
+        <p:nvSpPr>
+          <p:cNvPr id="2" name="文本框 1"/>
+          <p:cNvSpPr txBox="1"/>
+          <p:nvPr/>
+        </p:nvSpPr>
+        <p:spPr>
+          <a:xfrm>
+            <a:off x="4890135" y="5138420"/>
+            <a:ext cx="2552065" cy="368300"/>
+          </a:xfrm>
+          <a:prstGeom prst="rect">
+            <a:avLst/>
+          </a:prstGeom>
+          <a:solidFill>
+            <a:schemeClr val="accent4">
+              <a:lumMod val="40000"/>
+              <a:lumOff val="60000"/>
+            </a:schemeClr>
+          </a:solidFill>
+        </p:spPr>
+        <p:txBody>
+          <a:bodyPr wrap="square">
+            <a:spAutoFit/>
+            <a:extLst>
+              <a:ext uri="{4A0BC546-FE56-4ADE-93B0-CB8AF2F6F144}">
+                <wpsdc:textFrameExt xmlns:wpsdc="http://www.wps.cn/officeDocument/2022/drawingmlCustomData" type="text"/>
+              </a:ext>
+            </a:extLst>
+          </a:bodyPr>
+          <a:p>
+            <a:pPr algn="ctr"/>
+            <a:r>
+              <a:rPr lang="en-US" altLang="zh-CN" sz="1800">
+                <a:latin typeface="Arial" panose="020B0604020202020204" pitchFamily="34" charset="0"/>
+                <a:ea typeface="微软雅黑" panose="020B0503020204020204" charset="-122"/>
+              </a:rPr>
+              <a:t>C</a:t>
+            </a:r>
+            <a:r>
+              <a:rPr lang="en-US" altLang="zh-CN" sz="1800">
+                <a:latin typeface="Arial" panose="020B0604020202020204" pitchFamily="34" charset="0"/>
+                <a:ea typeface="微软雅黑" panose="020B0503020204020204" charset="-122"/>
+              </a:rPr>
+              <a:t>hannel Independence</a:t>
+            </a:r>
+            <a:endParaRPr lang="en-US" altLang="zh-CN" sz="1800">
+              <a:latin typeface="Arial" panose="020B0604020202020204" pitchFamily="34" charset="0"/>
+              <a:ea typeface="微软雅黑" panose="020B0503020204020204" charset="-122"/>
+            </a:endParaRPr>
+          </a:p>
+        </p:txBody>
+      </p:sp>
+      <p:sp>
+        <p:nvSpPr>
+          <p:cNvPr id="5" name="文本框 4"/>
+          <p:cNvSpPr txBox="1"/>
+          <p:nvPr/>
+        </p:nvSpPr>
+        <p:spPr>
+          <a:xfrm>
+            <a:off x="4890135" y="4432300"/>
+            <a:ext cx="2552065" cy="368300"/>
+          </a:xfrm>
+          <a:prstGeom prst="rect">
+            <a:avLst/>
+          </a:prstGeom>
+          <a:solidFill>
+            <a:schemeClr val="accent2">
+              <a:lumMod val="60000"/>
+              <a:lumOff val="40000"/>
+            </a:schemeClr>
+          </a:solidFill>
+        </p:spPr>
+        <p:txBody>
+          <a:bodyPr wrap="square">
+            <a:spAutoFit/>
+            <a:extLst>
+              <a:ext uri="{4A0BC546-FE56-4ADE-93B0-CB8AF2F6F144}">
+                <wpsdc:textFrameExt xmlns:wpsdc="http://www.wps.cn/officeDocument/2022/drawingmlCustomData" type="text"/>
+              </a:ext>
+            </a:extLst>
+          </a:bodyPr>
+          <a:p>
+            <a:pPr algn="ctr"/>
+            <a:r>
+              <a:rPr lang="en-US" altLang="zh-CN" sz="1800">
+                <a:latin typeface="Arial" panose="020B0604020202020204" pitchFamily="34" charset="0"/>
+                <a:ea typeface="微软雅黑" panose="020B0503020204020204" charset="-122"/>
+              </a:rPr>
+              <a:t>FTT</a:t>
+            </a:r>
+            <a:endParaRPr lang="en-US" altLang="zh-CN" sz="1800">
+              <a:latin typeface="Arial" panose="020B0604020202020204" pitchFamily="34" charset="0"/>
+              <a:ea typeface="微软雅黑" panose="020B0503020204020204" charset="-122"/>
+            </a:endParaRPr>
+          </a:p>
+        </p:txBody>
+      </p:sp>
+      <p:sp>
+        <p:nvSpPr>
+          <p:cNvPr id="6" name="文本框 5"/>
+          <p:cNvSpPr txBox="1"/>
+          <p:nvPr/>
+        </p:nvSpPr>
+        <p:spPr>
+          <a:xfrm>
+            <a:off x="4903470" y="3726180"/>
+            <a:ext cx="2552065" cy="368300"/>
+          </a:xfrm>
+          <a:prstGeom prst="rect">
+            <a:avLst/>
+          </a:prstGeom>
+          <a:solidFill>
+            <a:schemeClr val="accent5">
+              <a:lumMod val="60000"/>
+              <a:lumOff val="40000"/>
+            </a:schemeClr>
+          </a:solidFill>
+        </p:spPr>
+        <p:txBody>
+          <a:bodyPr wrap="square">
+            <a:spAutoFit/>
+            <a:extLst>
+              <a:ext uri="{4A0BC546-FE56-4ADE-93B0-CB8AF2F6F144}">
+                <wpsdc:textFrameExt xmlns:wpsdc="http://www.wps.cn/officeDocument/2022/drawingmlCustomData" type="text"/>
+              </a:ext>
+            </a:extLst>
+          </a:bodyPr>
+          <a:p>
+            <a:pPr algn="ctr"/>
+            <a:r>
+              <a:rPr lang="en-US" altLang="zh-CN" sz="1800">
+                <a:latin typeface="Arial" panose="020B0604020202020204" pitchFamily="34" charset="0"/>
+                <a:ea typeface="微软雅黑" panose="020B0503020204020204" charset="-122"/>
+              </a:rPr>
+              <a:t>Mask Dominant Period</a:t>
+            </a:r>
+            <a:endParaRPr lang="en-US" altLang="zh-CN" sz="1800">
+              <a:latin typeface="Arial" panose="020B0604020202020204" pitchFamily="34" charset="0"/>
+              <a:ea typeface="微软雅黑" panose="020B0503020204020204" charset="-122"/>
+            </a:endParaRPr>
+          </a:p>
+        </p:txBody>
+      </p:sp>
+      <p:sp>
+        <p:nvSpPr>
+          <p:cNvPr id="7" name="文本框 6"/>
+          <p:cNvSpPr txBox="1"/>
+          <p:nvPr/>
+        </p:nvSpPr>
+        <p:spPr>
+          <a:xfrm>
+            <a:off x="4901565" y="2707640"/>
+            <a:ext cx="2552065" cy="645160"/>
+          </a:xfrm>
+          <a:prstGeom prst="rect">
+            <a:avLst/>
+          </a:prstGeom>
+          <a:solidFill>
+            <a:schemeClr val="accent6">
+              <a:lumMod val="60000"/>
+              <a:lumOff val="40000"/>
+            </a:schemeClr>
+          </a:solidFill>
+        </p:spPr>
+        <p:txBody>
+          <a:bodyPr wrap="square">
+            <a:spAutoFit/>
+            <a:extLst>
+              <a:ext uri="{4A0BC546-FE56-4ADE-93B0-CB8AF2F6F144}">
+                <wpsdc:textFrameExt xmlns:wpsdc="http://www.wps.cn/officeDocument/2022/drawingmlCustomData" type="text"/>
+              </a:ext>
+            </a:extLst>
+          </a:bodyPr>
+          <a:p>
+            <a:pPr algn="ctr"/>
+            <a:r>
+              <a:rPr lang="en-US" altLang="zh-CN" sz="1800">
+                <a:latin typeface="Arial" panose="020B0604020202020204" pitchFamily="34" charset="0"/>
+                <a:ea typeface="微软雅黑" panose="020B0503020204020204" charset="-122"/>
+              </a:rPr>
+              <a:t>Multi-Scale S</a:t>
+            </a:r>
+            <a:r>
+              <a:rPr lang="en-US" altLang="zh-CN" sz="1800">
+                <a:latin typeface="Arial" panose="020B0604020202020204" pitchFamily="34" charset="0"/>
+                <a:ea typeface="微软雅黑" panose="020B0503020204020204" charset="-122"/>
+              </a:rPr>
+              <a:t>ubsequence Division</a:t>
+            </a:r>
+            <a:endParaRPr lang="en-US" altLang="zh-CN" sz="1800">
+              <a:latin typeface="Arial" panose="020B0604020202020204" pitchFamily="34" charset="0"/>
+              <a:ea typeface="微软雅黑" panose="020B0503020204020204" charset="-122"/>
+            </a:endParaRPr>
+          </a:p>
+        </p:txBody>
+      </p:sp>
+      <p:sp>
+        <p:nvSpPr>
+          <p:cNvPr id="44" name="文本框 43"/>
+          <p:cNvSpPr txBox="1"/>
+          <p:nvPr/>
+        </p:nvSpPr>
+        <p:spPr>
+          <a:xfrm>
+            <a:off x="6447790" y="3369310"/>
+            <a:ext cx="1391285" cy="340360"/>
+          </a:xfrm>
+          <a:prstGeom prst="rect">
+            <a:avLst/>
+          </a:prstGeom>
+          <a:solidFill>
+            <a:schemeClr val="bg1"/>
+          </a:solidFill>
+        </p:spPr>
+        <p:txBody>
+          <a:bodyPr wrap="square">
+            <a:noAutofit/>
+            <a:extLst>
+              <a:ext uri="{4A0BC546-FE56-4ADE-93B0-CB8AF2F6F144}">
+                <wpsdc:textFrameExt xmlns:wpsdc="http://www.wps.cn/officeDocument/2022/drawingmlCustomData" type="text"/>
+              </a:ext>
+            </a:extLst>
+          </a:bodyPr>
+          <a:p>
+            <a:pPr algn="ctr"/>
+            <a:r>
+              <a:rPr lang="en-US" altLang="zh-CN" sz="1800">
+                <a:latin typeface="Arial" panose="020B0604020202020204" pitchFamily="34" charset="0"/>
+                <a:ea typeface="微软雅黑" panose="020B0503020204020204" charset="-122"/>
+              </a:rPr>
+              <a:t>Embedding</a:t>
+            </a:r>
+            <a:endParaRPr lang="en-US" altLang="zh-CN" sz="1800">
+              <a:latin typeface="Arial" panose="020B0604020202020204" pitchFamily="34" charset="0"/>
+              <a:ea typeface="微软雅黑" panose="020B0503020204020204" charset="-122"/>
+            </a:endParaRPr>
+          </a:p>
+        </p:txBody>
+      </p:sp>
+      <p:sp>
+        <p:nvSpPr>
+          <p:cNvPr id="45" name="文本框 44"/>
+          <p:cNvSpPr txBox="1"/>
+          <p:nvPr/>
+        </p:nvSpPr>
+        <p:spPr>
+          <a:xfrm>
+            <a:off x="4903470" y="2064385"/>
+            <a:ext cx="2552065" cy="368300"/>
+          </a:xfrm>
+          <a:prstGeom prst="rect">
+            <a:avLst/>
+          </a:prstGeom>
+          <a:solidFill>
+            <a:schemeClr val="bg2">
+              <a:lumMod val="75000"/>
+            </a:schemeClr>
+          </a:solidFill>
+        </p:spPr>
+        <p:txBody>
+          <a:bodyPr wrap="square">
+            <a:spAutoFit/>
+            <a:extLst>
+              <a:ext uri="{4A0BC546-FE56-4ADE-93B0-CB8AF2F6F144}">
+                <wpsdc:textFrameExt xmlns:wpsdc="http://www.wps.cn/officeDocument/2022/drawingmlCustomData" type="text"/>
+              </a:ext>
+            </a:extLst>
+          </a:bodyPr>
+          <a:p>
+            <a:pPr algn="ctr"/>
+            <a:r>
+              <a:rPr lang="en-US" altLang="zh-CN">
+                <a:latin typeface="Arial" panose="020B0604020202020204" pitchFamily="34" charset="0"/>
+                <a:ea typeface="微软雅黑" panose="020B0503020204020204" charset="-122"/>
+                <a:sym typeface="+mn-ea"/>
+              </a:rPr>
+              <a:t>Multi-Scale Encoder</a:t>
+            </a:r>
+            <a:endParaRPr lang="en-US" altLang="zh-CN" sz="1800">
+              <a:latin typeface="Arial" panose="020B0604020202020204" pitchFamily="34" charset="0"/>
+              <a:ea typeface="微软雅黑" panose="020B0503020204020204" charset="-122"/>
+            </a:endParaRPr>
+          </a:p>
+        </p:txBody>
+      </p:sp>
+      <p:sp>
+        <p:nvSpPr>
+          <p:cNvPr id="46" name="文本框 45"/>
+          <p:cNvSpPr txBox="1"/>
+          <p:nvPr/>
+        </p:nvSpPr>
+        <p:spPr>
+          <a:xfrm>
+            <a:off x="4808855" y="112395"/>
+            <a:ext cx="2552065" cy="368300"/>
+          </a:xfrm>
+          <a:prstGeom prst="rect">
+            <a:avLst/>
+          </a:prstGeom>
+          <a:solidFill>
+            <a:schemeClr val="accent6">
+              <a:lumMod val="75000"/>
+            </a:schemeClr>
+          </a:solidFill>
+        </p:spPr>
+        <p:txBody>
+          <a:bodyPr wrap="square">
+            <a:spAutoFit/>
+            <a:extLst>
+              <a:ext uri="{4A0BC546-FE56-4ADE-93B0-CB8AF2F6F144}">
+                <wpsdc:textFrameExt xmlns:wpsdc="http://www.wps.cn/officeDocument/2022/drawingmlCustomData" type="text"/>
+              </a:ext>
+            </a:extLst>
+          </a:bodyPr>
+          <a:p>
+            <a:pPr algn="ctr"/>
+            <a:r>
+              <a:rPr lang="en-US" altLang="zh-CN" sz="1800">
+                <a:latin typeface="Arial" panose="020B0604020202020204" pitchFamily="34" charset="0"/>
+                <a:ea typeface="微软雅黑" panose="020B0503020204020204" charset="-122"/>
+              </a:rPr>
+              <a:t>Anomaly Prediction</a:t>
+            </a:r>
+            <a:endParaRPr lang="en-US" altLang="zh-CN" sz="1800">
+              <a:latin typeface="Arial" panose="020B0604020202020204" pitchFamily="34" charset="0"/>
+              <a:ea typeface="微软雅黑" panose="020B0503020204020204" charset="-122"/>
+            </a:endParaRPr>
+          </a:p>
+        </p:txBody>
+      </p:sp>
+      <p:sp>
+        <p:nvSpPr>
+          <p:cNvPr id="47" name="文本框 46"/>
+          <p:cNvSpPr txBox="1"/>
+          <p:nvPr/>
+        </p:nvSpPr>
+        <p:spPr>
+          <a:xfrm>
+            <a:off x="3004185" y="1074420"/>
+            <a:ext cx="2552065" cy="645160"/>
+          </a:xfrm>
+          <a:prstGeom prst="rect">
+            <a:avLst/>
+          </a:prstGeom>
+          <a:solidFill>
+            <a:srgbClr val="00B0F0"/>
+          </a:solidFill>
+        </p:spPr>
+        <p:txBody>
+          <a:bodyPr wrap="square">
+            <a:spAutoFit/>
+            <a:extLst>
+              <a:ext uri="{4A0BC546-FE56-4ADE-93B0-CB8AF2F6F144}">
+                <wpsdc:textFrameExt xmlns:wpsdc="http://www.wps.cn/officeDocument/2022/drawingmlCustomData" type="text"/>
+              </a:ext>
+            </a:extLst>
+          </a:bodyPr>
+          <a:p>
+            <a:pPr algn="ctr"/>
+            <a:r>
+              <a:rPr lang="en-US" altLang="zh-CN" sz="1800">
+                <a:latin typeface="Arial" panose="020B0604020202020204" pitchFamily="34" charset="0"/>
+                <a:ea typeface="微软雅黑" panose="020B0503020204020204" charset="-122"/>
+              </a:rPr>
+              <a:t>MLP-based Reconstruction</a:t>
+            </a:r>
+            <a:endParaRPr lang="en-US" altLang="zh-CN" sz="1800">
+              <a:latin typeface="Arial" panose="020B0604020202020204" pitchFamily="34" charset="0"/>
+              <a:ea typeface="微软雅黑" panose="020B0503020204020204" charset="-122"/>
+            </a:endParaRPr>
+          </a:p>
+        </p:txBody>
+      </p:sp>
+      <p:sp>
+        <p:nvSpPr>
+          <p:cNvPr id="48" name="文本框 47"/>
+          <p:cNvSpPr txBox="1"/>
+          <p:nvPr/>
+        </p:nvSpPr>
+        <p:spPr>
+          <a:xfrm>
+            <a:off x="6691630" y="1074420"/>
+            <a:ext cx="3156585" cy="645160"/>
+          </a:xfrm>
+          <a:prstGeom prst="rect">
+            <a:avLst/>
+          </a:prstGeom>
+          <a:solidFill>
+            <a:srgbClr val="00B0F0"/>
+          </a:solidFill>
+        </p:spPr>
+        <p:txBody>
+          <a:bodyPr wrap="square">
+            <a:spAutoFit/>
+            <a:extLst>
+              <a:ext uri="{4A0BC546-FE56-4ADE-93B0-CB8AF2F6F144}">
+                <wpsdc:textFrameExt xmlns:wpsdc="http://www.wps.cn/officeDocument/2022/drawingmlCustomData" type="text"/>
+              </a:ext>
+            </a:extLst>
+          </a:bodyPr>
+          <a:p>
+            <a:pPr algn="ctr"/>
+            <a:r>
+              <a:rPr lang="en-US" altLang="zh-CN" sz="1800">
+                <a:latin typeface="Arial" panose="020B0604020202020204" pitchFamily="34" charset="0"/>
+                <a:ea typeface="微软雅黑" panose="020B0503020204020204" charset="-122"/>
+              </a:rPr>
+              <a:t>Similarities Between Multi-Scale Features</a:t>
+            </a:r>
+            <a:endParaRPr lang="en-US" altLang="zh-CN" sz="1800">
+              <a:latin typeface="Arial" panose="020B0604020202020204" pitchFamily="34" charset="0"/>
+              <a:ea typeface="微软雅黑" panose="020B0503020204020204" charset="-122"/>
+            </a:endParaRPr>
+          </a:p>
+        </p:txBody>
+      </p:sp>
+      <p:pic>
+        <p:nvPicPr>
+          <p:cNvPr id="3" name="图片 2"/>
+          <p:cNvPicPr>
+            <a:picLocks noChangeAspect="1"/>
+          </p:cNvPicPr>
+          <p:nvPr/>
+        </p:nvPicPr>
+        <p:blipFill>
+          <a:blip r:embed="rId1"/>
+          <a:stretch>
+            <a:fillRect/>
+          </a:stretch>
+        </p:blipFill>
+        <p:spPr>
+          <a:xfrm>
+            <a:off x="1015365" y="2797810"/>
+            <a:ext cx="2199640" cy="1031240"/>
+          </a:xfrm>
+          <a:prstGeom prst="rect">
+            <a:avLst/>
+          </a:prstGeom>
+        </p:spPr>
+      </p:pic>
+      <p:pic>
+        <p:nvPicPr>
+          <p:cNvPr id="4" name="图片 3"/>
+          <p:cNvPicPr>
+            <a:picLocks noChangeAspect="1"/>
+          </p:cNvPicPr>
+          <p:nvPr/>
+        </p:nvPicPr>
+        <p:blipFill>
+          <a:blip r:embed="rId2"/>
+          <a:stretch>
+            <a:fillRect/>
+          </a:stretch>
+        </p:blipFill>
+        <p:spPr>
+          <a:xfrm>
+            <a:off x="1015365" y="4999990"/>
+            <a:ext cx="2199640" cy="417195"/>
+          </a:xfrm>
+          <a:prstGeom prst="rect">
+            <a:avLst/>
+          </a:prstGeom>
+        </p:spPr>
+      </p:pic>
+      <p:pic>
+        <p:nvPicPr>
+          <p:cNvPr id="14" name="图片 13"/>
+          <p:cNvPicPr>
+            <a:picLocks noChangeAspect="1"/>
+          </p:cNvPicPr>
+          <p:nvPr/>
+        </p:nvPicPr>
+        <p:blipFill>
+          <a:blip r:embed="rId3"/>
+          <a:stretch>
+            <a:fillRect/>
+          </a:stretch>
+        </p:blipFill>
+        <p:spPr>
+          <a:xfrm>
+            <a:off x="4831080" y="5821045"/>
+            <a:ext cx="2529840" cy="769620"/>
+          </a:xfrm>
+          <a:prstGeom prst="rect">
+            <a:avLst/>
+          </a:prstGeom>
+        </p:spPr>
+      </p:pic>
+      <p:cxnSp>
+        <p:nvCxnSpPr>
+          <p:cNvPr id="16" name="直接箭头连接符 15"/>
+          <p:cNvCxnSpPr>
+            <a:stCxn id="2" idx="0"/>
+            <a:endCxn id="5" idx="2"/>
+          </p:cNvCxnSpPr>
+          <p:nvPr/>
+        </p:nvCxnSpPr>
+        <p:spPr>
+          <a:xfrm flipV="1">
+            <a:off x="6166485" y="4800600"/>
+            <a:ext cx="0" cy="337820"/>
+          </a:xfrm>
+          <a:prstGeom prst="straightConnector1">
+            <a:avLst/>
+          </a:prstGeom>
+          <a:ln w="31750" cap="rnd">
+            <a:solidFill>
+              <a:schemeClr val="accent2"/>
+            </a:solidFill>
+            <a:round/>
+            <a:tailEnd type="arrow" w="med" len="med"/>
+          </a:ln>
+        </p:spPr>
+        <p:style>
+          <a:lnRef idx="0">
+            <a:srgbClr val="FFFFFF"/>
+          </a:lnRef>
+          <a:fillRef idx="0">
+            <a:srgbClr val="FFFFFF"/>
+          </a:fillRef>
+          <a:effectRef idx="0">
+            <a:srgbClr val="FFFFFF"/>
+          </a:effectRef>
+          <a:fontRef idx="minor">
+            <a:schemeClr val="tx1"/>
+          </a:fontRef>
+        </p:style>
+      </p:cxnSp>
+      <p:cxnSp>
+        <p:nvCxnSpPr>
+          <p:cNvPr id="17" name="直接箭头连接符 16"/>
+          <p:cNvCxnSpPr/>
+          <p:nvPr/>
+        </p:nvCxnSpPr>
+        <p:spPr>
+          <a:xfrm flipV="1">
+            <a:off x="6166485" y="4082415"/>
+            <a:ext cx="0" cy="337820"/>
+          </a:xfrm>
+          <a:prstGeom prst="straightConnector1">
+            <a:avLst/>
+          </a:prstGeom>
+          <a:ln w="31750" cap="rnd">
+            <a:solidFill>
+              <a:schemeClr val="accent2"/>
+            </a:solidFill>
+            <a:round/>
+            <a:tailEnd type="arrow" w="med" len="med"/>
+          </a:ln>
+        </p:spPr>
+        <p:style>
+          <a:lnRef idx="0">
+            <a:srgbClr val="FFFFFF"/>
+          </a:lnRef>
+          <a:fillRef idx="0">
+            <a:srgbClr val="FFFFFF"/>
+          </a:fillRef>
+          <a:effectRef idx="0">
+            <a:srgbClr val="FFFFFF"/>
+          </a:effectRef>
+          <a:fontRef idx="minor">
+            <a:schemeClr val="tx1"/>
+          </a:fontRef>
+        </p:style>
+      </p:cxnSp>
+      <p:cxnSp>
+        <p:nvCxnSpPr>
+          <p:cNvPr id="18" name="直接箭头连接符 17"/>
+          <p:cNvCxnSpPr/>
+          <p:nvPr/>
+        </p:nvCxnSpPr>
+        <p:spPr>
+          <a:xfrm flipV="1">
+            <a:off x="6166485" y="3388360"/>
+            <a:ext cx="0" cy="337820"/>
+          </a:xfrm>
+          <a:prstGeom prst="straightConnector1">
+            <a:avLst/>
+          </a:prstGeom>
+          <a:ln w="31750" cap="rnd">
+            <a:solidFill>
+              <a:schemeClr val="accent2"/>
+            </a:solidFill>
+            <a:round/>
+            <a:tailEnd type="arrow" w="med" len="med"/>
+          </a:ln>
+        </p:spPr>
+        <p:style>
+          <a:lnRef idx="0">
+            <a:srgbClr val="FFFFFF"/>
+          </a:lnRef>
+          <a:fillRef idx="0">
+            <a:srgbClr val="FFFFFF"/>
+          </a:fillRef>
+          <a:effectRef idx="0">
+            <a:srgbClr val="FFFFFF"/>
+          </a:effectRef>
+          <a:fontRef idx="minor">
+            <a:schemeClr val="tx1"/>
+          </a:fontRef>
+        </p:style>
+      </p:cxnSp>
+      <p:cxnSp>
+        <p:nvCxnSpPr>
+          <p:cNvPr id="19" name="直接箭头连接符 18"/>
+          <p:cNvCxnSpPr/>
+          <p:nvPr/>
+        </p:nvCxnSpPr>
+        <p:spPr>
+          <a:xfrm flipH="1" flipV="1">
+            <a:off x="6166485" y="2432685"/>
+            <a:ext cx="635" cy="239395"/>
+          </a:xfrm>
+          <a:prstGeom prst="straightConnector1">
+            <a:avLst/>
+          </a:prstGeom>
+          <a:ln w="31750" cap="rnd">
+            <a:solidFill>
+              <a:schemeClr val="accent2"/>
+            </a:solidFill>
+            <a:round/>
+            <a:tailEnd type="arrow" w="med" len="med"/>
+          </a:ln>
+        </p:spPr>
+        <p:style>
+          <a:lnRef idx="0">
+            <a:srgbClr val="FFFFFF"/>
+          </a:lnRef>
+          <a:fillRef idx="0">
+            <a:srgbClr val="FFFFFF"/>
+          </a:fillRef>
+          <a:effectRef idx="0">
+            <a:srgbClr val="FFFFFF"/>
+          </a:effectRef>
+          <a:fontRef idx="minor">
+            <a:schemeClr val="tx1"/>
+          </a:fontRef>
+        </p:style>
+      </p:cxnSp>
+      <p:cxnSp>
+        <p:nvCxnSpPr>
+          <p:cNvPr id="21" name="直接箭头连接符 20"/>
+          <p:cNvCxnSpPr/>
+          <p:nvPr/>
+        </p:nvCxnSpPr>
+        <p:spPr>
+          <a:xfrm flipH="1" flipV="1">
+            <a:off x="7198995" y="1769110"/>
+            <a:ext cx="1905" cy="230505"/>
+          </a:xfrm>
+          <a:prstGeom prst="straightConnector1">
+            <a:avLst/>
+          </a:prstGeom>
+          <a:ln w="31750" cap="rnd">
+            <a:solidFill>
+              <a:schemeClr val="accent2"/>
+            </a:solidFill>
+            <a:round/>
+            <a:tailEnd type="arrow" w="med" len="med"/>
+          </a:ln>
+        </p:spPr>
+        <p:style>
+          <a:lnRef idx="0">
+            <a:srgbClr val="FFFFFF"/>
+          </a:lnRef>
+          <a:fillRef idx="0">
+            <a:srgbClr val="FFFFFF"/>
+          </a:fillRef>
+          <a:effectRef idx="0">
+            <a:srgbClr val="FFFFFF"/>
+          </a:effectRef>
+          <a:fontRef idx="minor">
+            <a:schemeClr val="tx1"/>
+          </a:fontRef>
+        </p:style>
+      </p:cxnSp>
+      <p:cxnSp>
+        <p:nvCxnSpPr>
+          <p:cNvPr id="22" name="直接箭头连接符 21"/>
+          <p:cNvCxnSpPr/>
+          <p:nvPr/>
+        </p:nvCxnSpPr>
+        <p:spPr>
+          <a:xfrm flipV="1">
+            <a:off x="5208905" y="576580"/>
+            <a:ext cx="0" cy="337820"/>
+          </a:xfrm>
+          <a:prstGeom prst="straightConnector1">
+            <a:avLst/>
+          </a:prstGeom>
+          <a:ln w="31750" cap="rnd">
+            <a:solidFill>
+              <a:schemeClr val="accent2"/>
+            </a:solidFill>
+            <a:round/>
+            <a:tailEnd type="arrow" w="med" len="med"/>
+          </a:ln>
+        </p:spPr>
+        <p:style>
+          <a:lnRef idx="0">
+            <a:srgbClr val="FFFFFF"/>
+          </a:lnRef>
+          <a:fillRef idx="0">
+            <a:srgbClr val="FFFFFF"/>
+          </a:fillRef>
+          <a:effectRef idx="0">
+            <a:srgbClr val="FFFFFF"/>
+          </a:effectRef>
+          <a:fontRef idx="minor">
+            <a:schemeClr val="tx1"/>
+          </a:fontRef>
+        </p:style>
+      </p:cxnSp>
+      <p:cxnSp>
+        <p:nvCxnSpPr>
+          <p:cNvPr id="23" name="直接箭头连接符 22"/>
+          <p:cNvCxnSpPr/>
+          <p:nvPr/>
+        </p:nvCxnSpPr>
+        <p:spPr>
+          <a:xfrm flipV="1">
+            <a:off x="7198995" y="576580"/>
+            <a:ext cx="0" cy="337820"/>
+          </a:xfrm>
+          <a:prstGeom prst="straightConnector1">
+            <a:avLst/>
+          </a:prstGeom>
+          <a:ln w="31750" cap="rnd">
+            <a:solidFill>
+              <a:schemeClr val="accent2"/>
+            </a:solidFill>
+            <a:round/>
+            <a:tailEnd type="arrow" w="med" len="med"/>
+          </a:ln>
+        </p:spPr>
+        <p:style>
+          <a:lnRef idx="0">
+            <a:srgbClr val="FFFFFF"/>
+          </a:lnRef>
+          <a:fillRef idx="0">
+            <a:srgbClr val="FFFFFF"/>
+          </a:fillRef>
+          <a:effectRef idx="0">
+            <a:srgbClr val="FFFFFF"/>
+          </a:effectRef>
+          <a:fontRef idx="minor">
+            <a:schemeClr val="tx1"/>
+          </a:fontRef>
+        </p:style>
+      </p:cxnSp>
+      <p:cxnSp>
+        <p:nvCxnSpPr>
+          <p:cNvPr id="27" name="直接箭头连接符 26"/>
+          <p:cNvCxnSpPr/>
+          <p:nvPr/>
+        </p:nvCxnSpPr>
+        <p:spPr>
+          <a:xfrm flipH="1" flipV="1">
+            <a:off x="5208905" y="1769110"/>
+            <a:ext cx="1905" cy="230505"/>
+          </a:xfrm>
+          <a:prstGeom prst="straightConnector1">
+            <a:avLst/>
+          </a:prstGeom>
+          <a:ln w="31750" cap="rnd">
+            <a:solidFill>
+              <a:schemeClr val="accent2"/>
+            </a:solidFill>
+            <a:round/>
+            <a:tailEnd type="arrow" w="med" len="med"/>
+          </a:ln>
+        </p:spPr>
+        <p:style>
+          <a:lnRef idx="0">
+            <a:srgbClr val="FFFFFF"/>
+          </a:lnRef>
+          <a:fillRef idx="0">
+            <a:srgbClr val="FFFFFF"/>
+          </a:fillRef>
+          <a:effectRef idx="0">
+            <a:srgbClr val="FFFFFF"/>
+          </a:effectRef>
+          <a:fontRef idx="minor">
+            <a:schemeClr val="tx1"/>
+          </a:fontRef>
+        </p:style>
+      </p:cxnSp>
+      <p:sp>
+        <p:nvSpPr>
+          <p:cNvPr id="28" name="文本框 27"/>
+          <p:cNvSpPr txBox="1"/>
+          <p:nvPr/>
+        </p:nvSpPr>
+        <p:spPr>
+          <a:xfrm>
+            <a:off x="3360420" y="6021705"/>
+            <a:ext cx="1353820" cy="368300"/>
+          </a:xfrm>
+          <a:prstGeom prst="rect">
+            <a:avLst/>
+          </a:prstGeom>
+          <a:solidFill>
+            <a:schemeClr val="bg1"/>
+          </a:solidFill>
+        </p:spPr>
+        <p:txBody>
+          <a:bodyPr wrap="square">
+            <a:spAutoFit/>
+            <a:extLst>
+              <a:ext uri="{4A0BC546-FE56-4ADE-93B0-CB8AF2F6F144}">
+                <wpsdc:textFrameExt xmlns:wpsdc="http://www.wps.cn/officeDocument/2022/drawingmlCustomData" type="text"/>
+              </a:ext>
+            </a:extLst>
+          </a:bodyPr>
+          <a:p>
+            <a:pPr algn="ctr"/>
+            <a:r>
+              <a:rPr lang="en-US" altLang="zh-CN" sz="1800">
+                <a:latin typeface="Arial" panose="020B0604020202020204" pitchFamily="34" charset="0"/>
+                <a:ea typeface="微软雅黑" panose="020B0503020204020204" charset="-122"/>
+              </a:rPr>
+              <a:t>Input MTS</a:t>
+            </a:r>
+            <a:endParaRPr lang="en-US" altLang="zh-CN" sz="1800">
+              <a:latin typeface="Arial" panose="020B0604020202020204" pitchFamily="34" charset="0"/>
+              <a:ea typeface="微软雅黑" panose="020B0503020204020204" charset="-122"/>
+            </a:endParaRPr>
+          </a:p>
+        </p:txBody>
+      </p:sp>
+      <p:sp>
+        <p:nvSpPr>
+          <p:cNvPr id="43" name="文本框 42"/>
+          <p:cNvSpPr txBox="1"/>
+          <p:nvPr/>
+        </p:nvSpPr>
+        <p:spPr>
+          <a:xfrm>
+            <a:off x="6304280" y="4081780"/>
+            <a:ext cx="2081530" cy="340360"/>
+          </a:xfrm>
+          <a:prstGeom prst="rect">
+            <a:avLst/>
+          </a:prstGeom>
+          <a:solidFill>
+            <a:schemeClr val="bg1"/>
+          </a:solidFill>
+        </p:spPr>
+        <p:txBody>
+          <a:bodyPr wrap="square">
+            <a:noAutofit/>
+            <a:extLst>
+              <a:ext uri="{4A0BC546-FE56-4ADE-93B0-CB8AF2F6F144}">
+                <wpsdc:textFrameExt xmlns:wpsdc="http://www.wps.cn/officeDocument/2022/drawingmlCustomData" type="text"/>
+              </a:ext>
+            </a:extLst>
+          </a:bodyPr>
+          <a:p>
+            <a:pPr algn="ctr"/>
+            <a:r>
+              <a:rPr lang="en-US" altLang="zh-CN" sz="1800">
+                <a:latin typeface="Arial" panose="020B0604020202020204" pitchFamily="34" charset="0"/>
+                <a:ea typeface="微软雅黑" panose="020B0503020204020204" charset="-122"/>
+              </a:rPr>
+              <a:t>TopK Frequencies</a:t>
+            </a:r>
+            <a:endParaRPr lang="en-US" altLang="zh-CN" sz="1800">
+              <a:latin typeface="Arial" panose="020B0604020202020204" pitchFamily="34" charset="0"/>
+              <a:ea typeface="微软雅黑" panose="020B0503020204020204" charset="-122"/>
+            </a:endParaRPr>
+          </a:p>
+        </p:txBody>
+      </p:sp>
+      <p:cxnSp>
+        <p:nvCxnSpPr>
+          <p:cNvPr id="49" name="直接箭头连接符 48"/>
+          <p:cNvCxnSpPr>
+            <a:stCxn id="6" idx="1"/>
+            <a:endCxn id="4" idx="3"/>
+          </p:cNvCxnSpPr>
+          <p:nvPr/>
+        </p:nvCxnSpPr>
+        <p:spPr>
+          <a:xfrm flipH="1">
+            <a:off x="3215005" y="3910330"/>
+            <a:ext cx="1688465" cy="1298575"/>
+          </a:xfrm>
+          <a:prstGeom prst="straightConnector1">
+            <a:avLst/>
+          </a:prstGeom>
+          <a:ln w="12700" cap="flat" cmpd="sng" algn="ctr">
+            <a:solidFill>
+              <a:schemeClr val="accent2"/>
+            </a:solidFill>
+            <a:prstDash val="dash"/>
+            <a:miter lim="800000"/>
+            <a:tailEnd type="arrow" w="med" len="med"/>
+          </a:ln>
+        </p:spPr>
+        <p:style>
+          <a:lnRef idx="0">
+            <a:schemeClr val="accent1"/>
+          </a:lnRef>
+          <a:fillRef idx="0">
+            <a:srgbClr val="FFFFFF"/>
+          </a:fillRef>
+          <a:effectRef idx="0">
+            <a:srgbClr val="FFFFFF"/>
+          </a:effectRef>
+          <a:fontRef idx="minor">
+            <a:schemeClr val="tx1"/>
+          </a:fontRef>
+        </p:style>
+      </p:cxnSp>
+      <p:cxnSp>
+        <p:nvCxnSpPr>
+          <p:cNvPr id="50" name="直接箭头连接符 49"/>
+          <p:cNvCxnSpPr>
+            <a:stCxn id="7" idx="1"/>
+            <a:endCxn id="3" idx="3"/>
+          </p:cNvCxnSpPr>
+          <p:nvPr/>
+        </p:nvCxnSpPr>
+        <p:spPr>
+          <a:xfrm flipH="1">
+            <a:off x="3215005" y="3030220"/>
+            <a:ext cx="1686560" cy="283210"/>
+          </a:xfrm>
+          <a:prstGeom prst="straightConnector1">
+            <a:avLst/>
+          </a:prstGeom>
+          <a:ln w="12700" cap="flat" cmpd="sng" algn="ctr">
+            <a:solidFill>
+              <a:schemeClr val="accent2"/>
+            </a:solidFill>
+            <a:prstDash val="dash"/>
+            <a:miter lim="800000"/>
+            <a:tailEnd type="arrow" w="med" len="med"/>
+          </a:ln>
+        </p:spPr>
+        <p:style>
+          <a:lnRef idx="0">
+            <a:schemeClr val="accent1"/>
+          </a:lnRef>
+          <a:fillRef idx="0">
+            <a:srgbClr val="FFFFFF"/>
+          </a:fillRef>
+          <a:effectRef idx="0">
+            <a:srgbClr val="FFFFFF"/>
+          </a:effectRef>
+          <a:fontRef idx="minor">
+            <a:schemeClr val="tx1"/>
+          </a:fontRef>
+        </p:style>
+      </p:cxnSp>
+      <p:sp>
+        <p:nvSpPr>
+          <p:cNvPr id="51" name="文本框 50"/>
+          <p:cNvSpPr txBox="1"/>
+          <p:nvPr/>
+        </p:nvSpPr>
+        <p:spPr>
+          <a:xfrm>
+            <a:off x="7442200" y="571500"/>
+            <a:ext cx="2339975" cy="368300"/>
+          </a:xfrm>
+          <a:prstGeom prst="rect">
+            <a:avLst/>
+          </a:prstGeom>
+          <a:noFill/>
+        </p:spPr>
+        <p:txBody>
+          <a:bodyPr wrap="square" rtlCol="0" anchor="t">
+            <a:spAutoFit/>
+          </a:bodyPr>
+          <a:p>
+            <a:r>
+              <a:rPr lang="en-US" altLang="zh-CN">
+                <a:latin typeface="Arial" panose="020B0604020202020204" pitchFamily="34" charset="0"/>
+                <a:ea typeface="微软雅黑" panose="020B0503020204020204" charset="-122"/>
+                <a:sym typeface="+mn-ea"/>
+              </a:rPr>
+              <a:t>Euclidean Distance</a:t>
+            </a:r>
+            <a:endParaRPr lang="en-US" altLang="zh-CN">
+              <a:latin typeface="Arial" panose="020B0604020202020204" pitchFamily="34" charset="0"/>
+              <a:ea typeface="微软雅黑" panose="020B0503020204020204" charset="-122"/>
+              <a:sym typeface="+mn-ea"/>
+            </a:endParaRPr>
+          </a:p>
+        </p:txBody>
+      </p:sp>
+      <p:sp>
+        <p:nvSpPr>
+          <p:cNvPr id="52" name="文本框 51"/>
+          <p:cNvSpPr txBox="1"/>
+          <p:nvPr/>
+        </p:nvSpPr>
+        <p:spPr>
+          <a:xfrm>
+            <a:off x="2691765" y="546100"/>
+            <a:ext cx="2299970" cy="368300"/>
+          </a:xfrm>
+          <a:prstGeom prst="rect">
+            <a:avLst/>
+          </a:prstGeom>
+          <a:noFill/>
+        </p:spPr>
+        <p:txBody>
+          <a:bodyPr wrap="square" rtlCol="0" anchor="t">
+            <a:spAutoFit/>
+          </a:bodyPr>
+          <a:p>
+            <a:pPr algn="ctr"/>
+            <a:r>
+              <a:rPr lang="en-US" altLang="zh-CN">
+                <a:latin typeface="Arial" panose="020B0604020202020204" pitchFamily="34" charset="0"/>
+                <a:ea typeface="微软雅黑" panose="020B0503020204020204" charset="-122"/>
+                <a:sym typeface="+mn-ea"/>
+              </a:rPr>
+              <a:t>Reconstruction Error</a:t>
+            </a:r>
+            <a:endParaRPr lang="en-US" altLang="zh-CN">
+              <a:latin typeface="Arial" panose="020B0604020202020204" pitchFamily="34" charset="0"/>
+              <a:ea typeface="微软雅黑" panose="020B0503020204020204" charset="-122"/>
+              <a:sym typeface="+mn-ea"/>
+            </a:endParaRPr>
+          </a:p>
+        </p:txBody>
+      </p:sp>
+      <p:pic>
+        <p:nvPicPr>
+          <p:cNvPr id="53" name="图片 52"/>
+          <p:cNvPicPr>
+            <a:picLocks noChangeAspect="1"/>
+          </p:cNvPicPr>
+          <p:nvPr/>
+        </p:nvPicPr>
+        <p:blipFill>
+          <a:blip r:embed="rId4"/>
+          <a:stretch>
+            <a:fillRect/>
+          </a:stretch>
+        </p:blipFill>
+        <p:spPr>
+          <a:xfrm>
+            <a:off x="8121015" y="2463165"/>
+            <a:ext cx="3775710" cy="1263015"/>
+          </a:xfrm>
+          <a:prstGeom prst="rect">
+            <a:avLst/>
+          </a:prstGeom>
+        </p:spPr>
+      </p:pic>
+      <p:cxnSp>
+        <p:nvCxnSpPr>
+          <p:cNvPr id="54" name="直接箭头连接符 53"/>
+          <p:cNvCxnSpPr>
+            <a:stCxn id="45" idx="3"/>
+            <a:endCxn id="53" idx="1"/>
+          </p:cNvCxnSpPr>
+          <p:nvPr/>
+        </p:nvCxnSpPr>
+        <p:spPr>
+          <a:xfrm>
+            <a:off x="7455535" y="2248535"/>
+            <a:ext cx="665480" cy="846455"/>
+          </a:xfrm>
+          <a:prstGeom prst="straightConnector1">
+            <a:avLst/>
+          </a:prstGeom>
+          <a:ln w="12700" cap="flat" cmpd="sng" algn="ctr">
+            <a:solidFill>
+              <a:schemeClr val="accent2"/>
+            </a:solidFill>
+            <a:prstDash val="dash"/>
+            <a:miter lim="800000"/>
+            <a:tailEnd type="arrow" w="med" len="med"/>
+          </a:ln>
+        </p:spPr>
+        <p:style>
+          <a:lnRef idx="0">
+            <a:schemeClr val="accent1"/>
+          </a:lnRef>
+          <a:fillRef idx="0">
+            <a:srgbClr val="FFFFFF"/>
+          </a:fillRef>
+          <a:effectRef idx="0">
+            <a:srgbClr val="FFFFFF"/>
+          </a:effectRef>
+          <a:fontRef idx="minor">
+            <a:schemeClr val="tx1"/>
+          </a:fontRef>
+        </p:style>
+      </p:cxnSp>
+      <p:sp>
+        <p:nvSpPr>
+          <p:cNvPr id="55" name="文本框 54"/>
+          <p:cNvSpPr txBox="1"/>
+          <p:nvPr/>
+        </p:nvSpPr>
+        <p:spPr>
+          <a:xfrm>
+            <a:off x="9401175" y="3829050"/>
+            <a:ext cx="1353820" cy="368300"/>
+          </a:xfrm>
+          <a:prstGeom prst="rect">
+            <a:avLst/>
+          </a:prstGeom>
+          <a:solidFill>
+            <a:schemeClr val="bg1"/>
+          </a:solidFill>
+        </p:spPr>
+        <p:txBody>
+          <a:bodyPr wrap="square">
+            <a:spAutoFit/>
+            <a:extLst>
+              <a:ext uri="{4A0BC546-FE56-4ADE-93B0-CB8AF2F6F144}">
+                <wpsdc:textFrameExt xmlns:wpsdc="http://www.wps.cn/officeDocument/2022/drawingmlCustomData" type="text"/>
+              </a:ext>
+            </a:extLst>
+          </a:bodyPr>
+          <a:p>
+            <a:pPr algn="ctr"/>
+            <a:r>
+              <a:rPr lang="en-US" altLang="zh-CN" sz="1800">
+                <a:latin typeface="Arial" panose="020B0604020202020204" pitchFamily="34" charset="0"/>
+                <a:ea typeface="微软雅黑" panose="020B0503020204020204" charset="-122"/>
+              </a:rPr>
+              <a:t>Nx</a:t>
+            </a:r>
+            <a:endParaRPr lang="en-US" altLang="zh-CN" sz="1800">
+              <a:latin typeface="Arial" panose="020B0604020202020204" pitchFamily="34" charset="0"/>
+              <a:ea typeface="微软雅黑" panose="020B0503020204020204" charset="-122"/>
+            </a:endParaRPr>
+          </a:p>
+        </p:txBody>
+      </p:sp>
+      <p:cxnSp>
+        <p:nvCxnSpPr>
+          <p:cNvPr id="8" name="直接箭头连接符 7"/>
+          <p:cNvCxnSpPr/>
+          <p:nvPr/>
+        </p:nvCxnSpPr>
+        <p:spPr>
+          <a:xfrm flipV="1">
+            <a:off x="6166485" y="5506720"/>
+            <a:ext cx="0" cy="337820"/>
+          </a:xfrm>
+          <a:prstGeom prst="straightConnector1">
+            <a:avLst/>
+          </a:prstGeom>
+          <a:ln w="31750" cap="rnd">
+            <a:solidFill>
+              <a:schemeClr val="accent2"/>
+            </a:solidFill>
+            <a:round/>
+            <a:tailEnd type="arrow" w="med" len="med"/>
+          </a:ln>
+        </p:spPr>
+        <p:style>
+          <a:lnRef idx="0">
+            <a:srgbClr val="FFFFFF"/>
+          </a:lnRef>
+          <a:fillRef idx="0">
+            <a:srgbClr val="FFFFFF"/>
+          </a:fillRef>
+          <a:effectRef idx="0">
+            <a:srgbClr val="FFFFFF"/>
+          </a:effectRef>
+          <a:fontRef idx="minor">
+            <a:schemeClr val="tx1"/>
+          </a:fontRef>
+        </p:style>
+      </p:cxnSp>
     </p:spTree>
   </p:cSld>
   <p:clrMapOvr>

--- a/论文插图.pptx
+++ b/论文插图.pptx
@@ -19,14 +19,19 @@
     <p:sldId id="273" r:id="rId11"/>
     <p:sldId id="272" r:id="rId12"/>
     <p:sldId id="275" r:id="rId13"/>
-    <p:sldId id="262" r:id="rId15"/>
-    <p:sldId id="277" r:id="rId16"/>
-    <p:sldId id="276" r:id="rId17"/>
+    <p:sldId id="279" r:id="rId15"/>
+    <p:sldId id="281" r:id="rId16"/>
+    <p:sldId id="280" r:id="rId17"/>
+    <p:sldId id="282" r:id="rId18"/>
+    <p:sldId id="277" r:id="rId19"/>
+    <p:sldId id="284" r:id="rId20"/>
+    <p:sldId id="283" r:id="rId21"/>
+    <p:sldId id="286" r:id="rId22"/>
   </p:sldIdLst>
   <p:sldSz cx="12192000" cy="6858000"/>
   <p:notesSz cx="6858000" cy="9144000"/>
   <p:custDataLst>
-    <p:tags r:id="rId21"/>
+    <p:tags r:id="rId26"/>
   </p:custDataLst>
   <p:defaultTextStyle>
     <a:defPPr>
@@ -535,6 +540,433 @@
 </file>
 
 <file path=ppt/notesSlides/notesSlide2.xml><?xml version="1.0" encoding="utf-8"?>
+<p:notes xmlns:a="http://schemas.openxmlformats.org/drawingml/2006/main" xmlns:r="http://schemas.openxmlformats.org/officeDocument/2006/relationships" xmlns:p="http://schemas.openxmlformats.org/presentationml/2006/main">
+  <p:cSld>
+    <p:spTree>
+      <p:nvGrpSpPr>
+        <p:cNvPr id="1" name=""/>
+        <p:cNvGrpSpPr/>
+        <p:nvPr/>
+      </p:nvGrpSpPr>
+      <p:grpSpPr>
+        <a:xfrm>
+          <a:off x="0" y="0"/>
+          <a:ext cx="0" cy="0"/>
+          <a:chOff x="0" y="0"/>
+          <a:chExt cx="0" cy="0"/>
+        </a:xfrm>
+      </p:grpSpPr>
+      <p:sp>
+        <p:nvSpPr>
+          <p:cNvPr id="1048602" name="幻灯片图像占位符 1"/>
+          <p:cNvSpPr>
+            <a:spLocks noGrp="1" noRot="1" noChangeAspect="1"/>
+          </p:cNvSpPr>
+          <p:nvPr>
+            <p:ph type="sldImg"/>
+          </p:nvPr>
+        </p:nvSpPr>
+        <p:spPr>
+          <a:xfrm>
+            <a:off x="381000" y="685800"/>
+            <a:ext cx="6096000" cy="3429000"/>
+          </a:xfrm>
+        </p:spPr>
+      </p:sp>
+      <p:sp>
+        <p:nvSpPr>
+          <p:cNvPr id="1048603" name="备注占位符 2"/>
+          <p:cNvSpPr>
+            <a:spLocks noGrp="1"/>
+          </p:cNvSpPr>
+          <p:nvPr>
+            <p:ph type="body" idx="1"/>
+          </p:nvPr>
+        </p:nvSpPr>
+        <p:spPr/>
+        <p:txBody>
+          <a:bodyPr/>
+          <a:lstStyle/>
+          <a:p>
+            <a:endParaRPr kumimoji="1" lang="zh-SG" altLang="en-US" dirty="0"/>
+          </a:p>
+        </p:txBody>
+      </p:sp>
+    </p:spTree>
+  </p:cSld>
+  <p:clrMapOvr>
+    <a:masterClrMapping/>
+  </p:clrMapOvr>
+</p:notes>
+</file>
+
+<file path=ppt/notesSlides/notesSlide3.xml><?xml version="1.0" encoding="utf-8"?>
+<p:notes xmlns:a="http://schemas.openxmlformats.org/drawingml/2006/main" xmlns:r="http://schemas.openxmlformats.org/officeDocument/2006/relationships" xmlns:p="http://schemas.openxmlformats.org/presentationml/2006/main">
+  <p:cSld>
+    <p:spTree>
+      <p:nvGrpSpPr>
+        <p:cNvPr id="1" name=""/>
+        <p:cNvGrpSpPr/>
+        <p:nvPr/>
+      </p:nvGrpSpPr>
+      <p:grpSpPr>
+        <a:xfrm>
+          <a:off x="0" y="0"/>
+          <a:ext cx="0" cy="0"/>
+          <a:chOff x="0" y="0"/>
+          <a:chExt cx="0" cy="0"/>
+        </a:xfrm>
+      </p:grpSpPr>
+      <p:sp>
+        <p:nvSpPr>
+          <p:cNvPr id="1048602" name="幻灯片图像占位符 1"/>
+          <p:cNvSpPr>
+            <a:spLocks noGrp="1" noRot="1" noChangeAspect="1"/>
+          </p:cNvSpPr>
+          <p:nvPr>
+            <p:ph type="sldImg"/>
+          </p:nvPr>
+        </p:nvSpPr>
+        <p:spPr>
+          <a:xfrm>
+            <a:off x="381000" y="685800"/>
+            <a:ext cx="6096000" cy="3429000"/>
+          </a:xfrm>
+        </p:spPr>
+      </p:sp>
+      <p:sp>
+        <p:nvSpPr>
+          <p:cNvPr id="1048603" name="备注占位符 2"/>
+          <p:cNvSpPr>
+            <a:spLocks noGrp="1"/>
+          </p:cNvSpPr>
+          <p:nvPr>
+            <p:ph type="body" idx="1"/>
+          </p:nvPr>
+        </p:nvSpPr>
+        <p:spPr/>
+        <p:txBody>
+          <a:bodyPr/>
+          <a:lstStyle/>
+          <a:p>
+            <a:endParaRPr kumimoji="1" lang="zh-SG" altLang="en-US" dirty="0"/>
+          </a:p>
+        </p:txBody>
+      </p:sp>
+    </p:spTree>
+  </p:cSld>
+  <p:clrMapOvr>
+    <a:masterClrMapping/>
+  </p:clrMapOvr>
+</p:notes>
+</file>
+
+<file path=ppt/notesSlides/notesSlide4.xml><?xml version="1.0" encoding="utf-8"?>
+<p:notes xmlns:a="http://schemas.openxmlformats.org/drawingml/2006/main" xmlns:r="http://schemas.openxmlformats.org/officeDocument/2006/relationships" xmlns:p="http://schemas.openxmlformats.org/presentationml/2006/main">
+  <p:cSld>
+    <p:spTree>
+      <p:nvGrpSpPr>
+        <p:cNvPr id="1" name=""/>
+        <p:cNvGrpSpPr/>
+        <p:nvPr/>
+      </p:nvGrpSpPr>
+      <p:grpSpPr>
+        <a:xfrm>
+          <a:off x="0" y="0"/>
+          <a:ext cx="0" cy="0"/>
+          <a:chOff x="0" y="0"/>
+          <a:chExt cx="0" cy="0"/>
+        </a:xfrm>
+      </p:grpSpPr>
+      <p:sp>
+        <p:nvSpPr>
+          <p:cNvPr id="1048602" name="幻灯片图像占位符 1"/>
+          <p:cNvSpPr>
+            <a:spLocks noGrp="1" noRot="1" noChangeAspect="1"/>
+          </p:cNvSpPr>
+          <p:nvPr>
+            <p:ph type="sldImg"/>
+          </p:nvPr>
+        </p:nvSpPr>
+        <p:spPr>
+          <a:xfrm>
+            <a:off x="381000" y="685800"/>
+            <a:ext cx="6096000" cy="3429000"/>
+          </a:xfrm>
+        </p:spPr>
+      </p:sp>
+      <p:sp>
+        <p:nvSpPr>
+          <p:cNvPr id="1048603" name="备注占位符 2"/>
+          <p:cNvSpPr>
+            <a:spLocks noGrp="1"/>
+          </p:cNvSpPr>
+          <p:nvPr>
+            <p:ph type="body" idx="1"/>
+          </p:nvPr>
+        </p:nvSpPr>
+        <p:spPr/>
+        <p:txBody>
+          <a:bodyPr/>
+          <a:lstStyle/>
+          <a:p>
+            <a:endParaRPr kumimoji="1" lang="zh-SG" altLang="en-US" dirty="0"/>
+          </a:p>
+        </p:txBody>
+      </p:sp>
+    </p:spTree>
+  </p:cSld>
+  <p:clrMapOvr>
+    <a:masterClrMapping/>
+  </p:clrMapOvr>
+</p:notes>
+</file>
+
+<file path=ppt/notesSlides/notesSlide5.xml><?xml version="1.0" encoding="utf-8"?>
+<p:notes xmlns:a="http://schemas.openxmlformats.org/drawingml/2006/main" xmlns:r="http://schemas.openxmlformats.org/officeDocument/2006/relationships" xmlns:p="http://schemas.openxmlformats.org/presentationml/2006/main">
+  <p:cSld>
+    <p:spTree>
+      <p:nvGrpSpPr>
+        <p:cNvPr id="1" name=""/>
+        <p:cNvGrpSpPr/>
+        <p:nvPr/>
+      </p:nvGrpSpPr>
+      <p:grpSpPr>
+        <a:xfrm>
+          <a:off x="0" y="0"/>
+          <a:ext cx="0" cy="0"/>
+          <a:chOff x="0" y="0"/>
+          <a:chExt cx="0" cy="0"/>
+        </a:xfrm>
+      </p:grpSpPr>
+      <p:sp>
+        <p:nvSpPr>
+          <p:cNvPr id="1048602" name="幻灯片图像占位符 1"/>
+          <p:cNvSpPr>
+            <a:spLocks noGrp="1" noRot="1" noChangeAspect="1"/>
+          </p:cNvSpPr>
+          <p:nvPr>
+            <p:ph type="sldImg"/>
+          </p:nvPr>
+        </p:nvSpPr>
+        <p:spPr>
+          <a:xfrm>
+            <a:off x="381000" y="685800"/>
+            <a:ext cx="6096000" cy="3429000"/>
+          </a:xfrm>
+        </p:spPr>
+      </p:sp>
+      <p:sp>
+        <p:nvSpPr>
+          <p:cNvPr id="1048603" name="备注占位符 2"/>
+          <p:cNvSpPr>
+            <a:spLocks noGrp="1"/>
+          </p:cNvSpPr>
+          <p:nvPr>
+            <p:ph type="body" idx="1"/>
+          </p:nvPr>
+        </p:nvSpPr>
+        <p:spPr/>
+        <p:txBody>
+          <a:bodyPr/>
+          <a:lstStyle/>
+          <a:p>
+            <a:endParaRPr kumimoji="1" lang="zh-SG" altLang="en-US" dirty="0"/>
+          </a:p>
+        </p:txBody>
+      </p:sp>
+    </p:spTree>
+  </p:cSld>
+  <p:clrMapOvr>
+    <a:masterClrMapping/>
+  </p:clrMapOvr>
+</p:notes>
+</file>
+
+<file path=ppt/notesSlides/notesSlide6.xml><?xml version="1.0" encoding="utf-8"?>
+<p:notes xmlns:a="http://schemas.openxmlformats.org/drawingml/2006/main" xmlns:r="http://schemas.openxmlformats.org/officeDocument/2006/relationships" xmlns:p="http://schemas.openxmlformats.org/presentationml/2006/main">
+  <p:cSld>
+    <p:spTree>
+      <p:nvGrpSpPr>
+        <p:cNvPr id="1" name=""/>
+        <p:cNvGrpSpPr/>
+        <p:nvPr/>
+      </p:nvGrpSpPr>
+      <p:grpSpPr>
+        <a:xfrm>
+          <a:off x="0" y="0"/>
+          <a:ext cx="0" cy="0"/>
+          <a:chOff x="0" y="0"/>
+          <a:chExt cx="0" cy="0"/>
+        </a:xfrm>
+      </p:grpSpPr>
+      <p:sp>
+        <p:nvSpPr>
+          <p:cNvPr id="1048602" name="幻灯片图像占位符 1"/>
+          <p:cNvSpPr>
+            <a:spLocks noGrp="1" noRot="1" noChangeAspect="1"/>
+          </p:cNvSpPr>
+          <p:nvPr>
+            <p:ph type="sldImg"/>
+          </p:nvPr>
+        </p:nvSpPr>
+        <p:spPr>
+          <a:xfrm>
+            <a:off x="381000" y="685800"/>
+            <a:ext cx="6096000" cy="3429000"/>
+          </a:xfrm>
+        </p:spPr>
+      </p:sp>
+      <p:sp>
+        <p:nvSpPr>
+          <p:cNvPr id="1048603" name="备注占位符 2"/>
+          <p:cNvSpPr>
+            <a:spLocks noGrp="1"/>
+          </p:cNvSpPr>
+          <p:nvPr>
+            <p:ph type="body" idx="1"/>
+          </p:nvPr>
+        </p:nvSpPr>
+        <p:spPr/>
+        <p:txBody>
+          <a:bodyPr/>
+          <a:lstStyle/>
+          <a:p>
+            <a:endParaRPr kumimoji="1" lang="zh-SG" altLang="en-US" dirty="0"/>
+          </a:p>
+        </p:txBody>
+      </p:sp>
+    </p:spTree>
+  </p:cSld>
+  <p:clrMapOvr>
+    <a:masterClrMapping/>
+  </p:clrMapOvr>
+</p:notes>
+</file>
+
+<file path=ppt/notesSlides/notesSlide7.xml><?xml version="1.0" encoding="utf-8"?>
+<p:notes xmlns:a="http://schemas.openxmlformats.org/drawingml/2006/main" xmlns:r="http://schemas.openxmlformats.org/officeDocument/2006/relationships" xmlns:p="http://schemas.openxmlformats.org/presentationml/2006/main">
+  <p:cSld>
+    <p:spTree>
+      <p:nvGrpSpPr>
+        <p:cNvPr id="1" name=""/>
+        <p:cNvGrpSpPr/>
+        <p:nvPr/>
+      </p:nvGrpSpPr>
+      <p:grpSpPr>
+        <a:xfrm>
+          <a:off x="0" y="0"/>
+          <a:ext cx="0" cy="0"/>
+          <a:chOff x="0" y="0"/>
+          <a:chExt cx="0" cy="0"/>
+        </a:xfrm>
+      </p:grpSpPr>
+      <p:sp>
+        <p:nvSpPr>
+          <p:cNvPr id="1048602" name="幻灯片图像占位符 1"/>
+          <p:cNvSpPr>
+            <a:spLocks noGrp="1" noRot="1" noChangeAspect="1"/>
+          </p:cNvSpPr>
+          <p:nvPr>
+            <p:ph type="sldImg"/>
+          </p:nvPr>
+        </p:nvSpPr>
+        <p:spPr>
+          <a:xfrm>
+            <a:off x="381000" y="685800"/>
+            <a:ext cx="6096000" cy="3429000"/>
+          </a:xfrm>
+        </p:spPr>
+      </p:sp>
+      <p:sp>
+        <p:nvSpPr>
+          <p:cNvPr id="1048603" name="备注占位符 2"/>
+          <p:cNvSpPr>
+            <a:spLocks noGrp="1"/>
+          </p:cNvSpPr>
+          <p:nvPr>
+            <p:ph type="body" idx="1"/>
+          </p:nvPr>
+        </p:nvSpPr>
+        <p:spPr/>
+        <p:txBody>
+          <a:bodyPr/>
+          <a:lstStyle/>
+          <a:p>
+            <a:endParaRPr kumimoji="1" lang="zh-SG" altLang="en-US" dirty="0"/>
+          </a:p>
+        </p:txBody>
+      </p:sp>
+    </p:spTree>
+  </p:cSld>
+  <p:clrMapOvr>
+    <a:masterClrMapping/>
+  </p:clrMapOvr>
+</p:notes>
+</file>
+
+<file path=ppt/notesSlides/notesSlide8.xml><?xml version="1.0" encoding="utf-8"?>
+<p:notes xmlns:a="http://schemas.openxmlformats.org/drawingml/2006/main" xmlns:r="http://schemas.openxmlformats.org/officeDocument/2006/relationships" xmlns:p="http://schemas.openxmlformats.org/presentationml/2006/main">
+  <p:cSld>
+    <p:spTree>
+      <p:nvGrpSpPr>
+        <p:cNvPr id="1" name=""/>
+        <p:cNvGrpSpPr/>
+        <p:nvPr/>
+      </p:nvGrpSpPr>
+      <p:grpSpPr>
+        <a:xfrm>
+          <a:off x="0" y="0"/>
+          <a:ext cx="0" cy="0"/>
+          <a:chOff x="0" y="0"/>
+          <a:chExt cx="0" cy="0"/>
+        </a:xfrm>
+      </p:grpSpPr>
+      <p:sp>
+        <p:nvSpPr>
+          <p:cNvPr id="1048602" name="幻灯片图像占位符 1"/>
+          <p:cNvSpPr>
+            <a:spLocks noGrp="1" noRot="1" noChangeAspect="1"/>
+          </p:cNvSpPr>
+          <p:nvPr>
+            <p:ph type="sldImg"/>
+          </p:nvPr>
+        </p:nvSpPr>
+        <p:spPr>
+          <a:xfrm>
+            <a:off x="381000" y="685800"/>
+            <a:ext cx="6096000" cy="3429000"/>
+          </a:xfrm>
+        </p:spPr>
+      </p:sp>
+      <p:sp>
+        <p:nvSpPr>
+          <p:cNvPr id="1048603" name="备注占位符 2"/>
+          <p:cNvSpPr>
+            <a:spLocks noGrp="1"/>
+          </p:cNvSpPr>
+          <p:nvPr>
+            <p:ph type="body" idx="1"/>
+          </p:nvPr>
+        </p:nvSpPr>
+        <p:spPr/>
+        <p:txBody>
+          <a:bodyPr/>
+          <a:lstStyle/>
+          <a:p>
+            <a:endParaRPr kumimoji="1" lang="zh-SG" altLang="en-US" dirty="0"/>
+          </a:p>
+        </p:txBody>
+      </p:sp>
+    </p:spTree>
+  </p:cSld>
+  <p:clrMapOvr>
+    <a:masterClrMapping/>
+  </p:clrMapOvr>
+</p:notes>
+</file>
+
+<file path=ppt/notesSlides/notesSlide9.xml><?xml version="1.0" encoding="utf-8"?>
 <p:notes xmlns:a="http://schemas.openxmlformats.org/drawingml/2006/main" xmlns:r="http://schemas.openxmlformats.org/officeDocument/2006/relationships" xmlns:p="http://schemas.openxmlformats.org/presentationml/2006/main">
   <p:cSld>
     <p:spTree>
@@ -6009,31 +6441,282 @@
         <p:cNvGrpSpPr/>
         <p:nvPr/>
       </p:nvGrpSpPr>
-      <p:grpSpPr/>
+      <p:grpSpPr>
+        <a:xfrm>
+          <a:off x="0" y="0"/>
+          <a:ext cx="0" cy="0"/>
+          <a:chOff x="0" y="0"/>
+          <a:chExt cx="0" cy="0"/>
+        </a:xfrm>
+      </p:grpSpPr>
+      <p:cxnSp>
+        <p:nvCxnSpPr>
+          <p:cNvPr id="3145732" name="直接连接符 4"/>
+          <p:cNvCxnSpPr/>
+          <p:nvPr/>
+        </p:nvCxnSpPr>
+        <p:spPr>
+          <a:xfrm>
+            <a:off x="302002" y="997804"/>
+            <a:ext cx="11587991" cy="0"/>
+          </a:xfrm>
+          <a:prstGeom prst="line">
+            <a:avLst/>
+          </a:prstGeom>
+          <a:ln w="12700">
+            <a:solidFill>
+              <a:srgbClr val="09397E"/>
+            </a:solidFill>
+          </a:ln>
+        </p:spPr>
+        <p:style>
+          <a:lnRef idx="1">
+            <a:schemeClr val="accent1"/>
+          </a:lnRef>
+          <a:fillRef idx="0">
+            <a:schemeClr val="accent1"/>
+          </a:fillRef>
+          <a:effectRef idx="0">
+            <a:schemeClr val="accent1"/>
+          </a:effectRef>
+          <a:fontRef idx="minor">
+            <a:schemeClr val="tx1"/>
+          </a:fontRef>
+        </p:style>
+      </p:cxnSp>
+      <p:sp>
+        <p:nvSpPr>
+          <p:cNvPr id="1048600" name="矩形 60"/>
+          <p:cNvSpPr/>
+          <p:nvPr/>
+        </p:nvSpPr>
+        <p:spPr>
+          <a:xfrm>
+            <a:off x="240030" y="420370"/>
+            <a:ext cx="6699885" cy="583565"/>
+          </a:xfrm>
+          <a:prstGeom prst="rect">
+            <a:avLst/>
+          </a:prstGeom>
+        </p:spPr>
+        <p:txBody>
+          <a:bodyPr wrap="square">
+            <a:spAutoFit/>
+          </a:bodyPr>
+          <a:lstStyle/>
+          <a:p>
+            <a:pPr marL="0" marR="0" lvl="0" indent="0" algn="l" defTabSz="914400" rtl="0" eaLnBrk="1" fontAlgn="auto" latinLnBrk="0" hangingPunct="1">
+              <a:lnSpc>
+                <a:spcPct val="100000"/>
+              </a:lnSpc>
+              <a:spcBef>
+                <a:spcPts val="0"/>
+              </a:spcBef>
+              <a:spcAft>
+                <a:spcPts val="0"/>
+              </a:spcAft>
+              <a:buClrTx/>
+              <a:buSzTx/>
+              <a:buFontTx/>
+              <a:buNone/>
+            </a:pPr>
+            <a:r>
+              <a:rPr kumimoji="0" lang="zh-CN" altLang="en-US" sz="3200" b="1" i="0" u="none" strike="noStrike" kern="1200" cap="none" spc="0" normalizeH="0" baseline="0" noProof="0" dirty="0">
+                <a:ln>
+                  <a:noFill/>
+                </a:ln>
+                <a:solidFill>
+                  <a:schemeClr val="accent2"/>
+                </a:solidFill>
+                <a:effectLst/>
+                <a:uLnTx/>
+                <a:uFillTx/>
+                <a:latin typeface="微软雅黑" panose="020B0503020204020204" charset="-122"/>
+                <a:ea typeface="微软雅黑" panose="020B0503020204020204" charset="-122"/>
+                <a:cs typeface="Times New Roman" panose="02020603050405020304" pitchFamily="18" charset="0"/>
+                <a:sym typeface="等线" panose="02010600030101010101" charset="-122"/>
+              </a:rPr>
+              <a:t>异常检测主要研究点</a:t>
+            </a:r>
+            <a:endParaRPr kumimoji="0" lang="zh-CN" altLang="en-US" sz="3200" b="1" i="0" u="none" strike="noStrike" kern="1200" cap="none" spc="0" normalizeH="0" baseline="0" noProof="0" dirty="0">
+              <a:ln>
+                <a:noFill/>
+              </a:ln>
+              <a:solidFill>
+                <a:schemeClr val="accent2"/>
+              </a:solidFill>
+              <a:effectLst/>
+              <a:uLnTx/>
+              <a:uFillTx/>
+              <a:latin typeface="微软雅黑" panose="020B0503020204020204" charset="-122"/>
+              <a:ea typeface="微软雅黑" panose="020B0503020204020204" charset="-122"/>
+              <a:cs typeface="Times New Roman" panose="02020603050405020304" pitchFamily="18" charset="0"/>
+              <a:sym typeface="等线" panose="02010600030101010101" charset="-122"/>
+            </a:endParaRPr>
+          </a:p>
+        </p:txBody>
+      </p:sp>
       <p:pic>
         <p:nvPicPr>
-          <p:cNvPr id="4" name="图片 3"/>
+          <p:cNvPr id="2097158" name="图片 61"/>
           <p:cNvPicPr>
             <a:picLocks noChangeAspect="1"/>
           </p:cNvPicPr>
           <p:nvPr/>
         </p:nvPicPr>
-        <p:blipFill>
-          <a:blip r:embed="rId1"/>
+        <p:blipFill rotWithShape="1">
+          <a:blip r:embed="rId1" cstate="print"/>
+          <a:srcRect b="9522"/>
           <a:stretch>
             <a:fillRect/>
           </a:stretch>
         </p:blipFill>
         <p:spPr>
           <a:xfrm>
-            <a:off x="1075690" y="826135"/>
-            <a:ext cx="10373360" cy="4968875"/>
+            <a:off x="10078279" y="277930"/>
+            <a:ext cx="1811714" cy="680928"/>
           </a:xfrm>
           <a:prstGeom prst="rect">
             <a:avLst/>
           </a:prstGeom>
         </p:spPr>
       </p:pic>
+      <p:sp>
+        <p:nvSpPr>
+          <p:cNvPr id="7" name="文本框 6"/>
+          <p:cNvSpPr txBox="1"/>
+          <p:nvPr/>
+        </p:nvSpPr>
+        <p:spPr>
+          <a:xfrm>
+            <a:off x="1642690" y="1859339"/>
+            <a:ext cx="8906613" cy="3415030"/>
+          </a:xfrm>
+          <a:prstGeom prst="rect">
+            <a:avLst/>
+          </a:prstGeom>
+          <a:noFill/>
+        </p:spPr>
+        <p:txBody>
+          <a:bodyPr wrap="square">
+            <a:spAutoFit/>
+          </a:bodyPr>
+          <a:lstStyle/>
+          <a:p>
+            <a:r>
+              <a:rPr lang="zh-CN" altLang="en-US" dirty="0"/>
+              <a:t>（</a:t>
+            </a:r>
+            <a:r>
+              <a:rPr lang="en-US" altLang="zh-CN" dirty="0"/>
+              <a:t>1</a:t>
+            </a:r>
+            <a:r>
+              <a:rPr lang="zh-CN" altLang="en-US" dirty="0"/>
+              <a:t>）基于改进的</a:t>
+            </a:r>
+            <a:r>
+              <a:rPr lang="en-US" altLang="zh-CN" dirty="0"/>
+              <a:t>Transformer</a:t>
+            </a:r>
+            <a:r>
+              <a:rPr lang="zh-CN" altLang="en-US" dirty="0"/>
+              <a:t>模型和图神经网络分别从多维时间序列的时间和空间两个维度进行信息挖掘</a:t>
+            </a:r>
+            <a:endParaRPr lang="en-US" altLang="zh-CN" dirty="0"/>
+          </a:p>
+          <a:p>
+            <a:endParaRPr lang="en-US" altLang="zh-CN" dirty="0"/>
+          </a:p>
+          <a:p>
+            <a:r>
+              <a:rPr lang="zh-CN" altLang="en-US" dirty="0"/>
+              <a:t>（</a:t>
+            </a:r>
+            <a:r>
+              <a:rPr lang="en-US" altLang="zh-CN" dirty="0"/>
+              <a:t>2</a:t>
+            </a:r>
+            <a:r>
+              <a:rPr lang="zh-CN" altLang="en-US" dirty="0"/>
+              <a:t>）利用图嵌入向量和图神经网络学习不同维度之间的图连接结构，通过图注意力网络学习不同维度之间的图连接注意力特征，进而从多维时间序列的空间维度进行特征提取</a:t>
+            </a:r>
+            <a:endParaRPr lang="en-US" altLang="zh-CN" dirty="0"/>
+          </a:p>
+          <a:p>
+            <a:endParaRPr lang="en-US" altLang="zh-CN" dirty="0"/>
+          </a:p>
+          <a:p>
+            <a:r>
+              <a:rPr lang="zh-CN" altLang="en-US" dirty="0"/>
+              <a:t>（</a:t>
+            </a:r>
+            <a:r>
+              <a:rPr lang="en-US" altLang="zh-CN" dirty="0"/>
+              <a:t>3</a:t>
+            </a:r>
+            <a:r>
+              <a:rPr lang="zh-CN" altLang="en-US" dirty="0"/>
+              <a:t>）对多维时间序列进行维度独立划分，对每个维度数据单独进行子序列划分，使用</a:t>
+            </a:r>
+            <a:r>
+              <a:rPr lang="en-US" altLang="zh-CN" dirty="0"/>
+              <a:t>Time2Vec</a:t>
+            </a:r>
+            <a:r>
+              <a:rPr lang="zh-CN" altLang="en-US" dirty="0"/>
+              <a:t>方法进行时序编码，替代</a:t>
+            </a:r>
+            <a:r>
+              <a:rPr lang="en-US" altLang="zh-CN" dirty="0"/>
+              <a:t>Transformer</a:t>
+            </a:r>
+            <a:r>
+              <a:rPr lang="zh-CN" altLang="en-US" dirty="0"/>
+              <a:t>中的位置编码，将生成的嵌入向量输入到</a:t>
+            </a:r>
+            <a:r>
+              <a:rPr lang="en-US" altLang="zh-CN" dirty="0"/>
+              <a:t>Transformer</a:t>
+            </a:r>
+            <a:r>
+              <a:rPr lang="zh-CN" altLang="en-US" dirty="0"/>
+              <a:t>模型中进行多维时间序列的时间维度</a:t>
+            </a:r>
+            <a:r>
+              <a:rPr lang="zh-CN" altLang="en-US" dirty="0"/>
+              <a:t>的特征提取</a:t>
+            </a:r>
+            <a:endParaRPr lang="en-US" altLang="zh-CN" dirty="0"/>
+          </a:p>
+          <a:p>
+            <a:endParaRPr lang="en-US" altLang="zh-CN" dirty="0"/>
+          </a:p>
+          <a:p>
+            <a:r>
+              <a:rPr lang="zh-CN" altLang="en-US" dirty="0"/>
+              <a:t>（</a:t>
+            </a:r>
+            <a:r>
+              <a:rPr lang="en-US" altLang="zh-CN" dirty="0"/>
+              <a:t>4</a:t>
+            </a:r>
+            <a:r>
+              <a:rPr lang="zh-CN" altLang="en-US" dirty="0"/>
+              <a:t>）拼接学习到</a:t>
+            </a:r>
+            <a:r>
+              <a:rPr lang="zh-CN" altLang="en-US" dirty="0"/>
+              <a:t>的空间特征和时间特征，输入到全连接层中进行异常</a:t>
+            </a:r>
+            <a:r>
+              <a:rPr lang="zh-CN" altLang="en-US" dirty="0"/>
+              <a:t>检测</a:t>
+            </a:r>
+            <a:endParaRPr lang="en-US" altLang="zh-CN" dirty="0"/>
+          </a:p>
+        </p:txBody>
+      </p:sp>
     </p:spTree>
   </p:cSld>
   <p:clrMapOvr>
@@ -6146,7 +6829,7 @@
                 <a:cs typeface="Times New Roman" panose="02020603050405020304" pitchFamily="18" charset="0"/>
                 <a:sym typeface="等线" panose="02010600030101010101" charset="-122"/>
               </a:rPr>
-              <a:t>异常</a:t>
+              <a:t>异常检测模型</a:t>
             </a:r>
             <a:r>
               <a:rPr kumimoji="0" lang="zh-CN" altLang="en-US" sz="3200" b="1" i="0" u="none" strike="noStrike" kern="1200" cap="none" spc="0" normalizeH="0" baseline="0" noProof="0" dirty="0">
@@ -6164,19 +6847,7 @@
                 <a:cs typeface="Times New Roman" panose="02020603050405020304" pitchFamily="18" charset="0"/>
                 <a:sym typeface="等线" panose="02010600030101010101" charset="-122"/>
               </a:rPr>
-              <a:t>预测研究</a:t>
-            </a:r>
-            <a:r>
-              <a:rPr lang="zh-CN" altLang="en-US" sz="3200" b="1" dirty="0">
-                <a:solidFill>
-                  <a:schemeClr val="accent2"/>
-                </a:solidFill>
-                <a:latin typeface="微软雅黑" panose="020B0503020204020204" charset="-122"/>
-                <a:ea typeface="微软雅黑" panose="020B0503020204020204" charset="-122"/>
-                <a:cs typeface="Times New Roman" panose="02020603050405020304" pitchFamily="18" charset="0"/>
-                <a:sym typeface="等线" panose="02010600030101010101" charset="-122"/>
-              </a:rPr>
-              <a:t>背景</a:t>
+              <a:t>框架</a:t>
             </a:r>
             <a:endParaRPr kumimoji="0" lang="zh-CN" altLang="en-US" sz="3200" b="1" i="0" u="none" strike="noStrike" kern="1200" cap="none" spc="0" normalizeH="0" baseline="0" noProof="0" dirty="0">
               <a:ln>
@@ -6221,101 +6892,30 @@
           </a:prstGeom>
         </p:spPr>
       </p:pic>
-      <p:sp>
-        <p:nvSpPr>
-          <p:cNvPr id="7" name="文本框 6"/>
-          <p:cNvSpPr txBox="1"/>
-          <p:nvPr/>
-        </p:nvSpPr>
-        <p:spPr>
-          <a:xfrm>
-            <a:off x="1611049" y="2136338"/>
-            <a:ext cx="8969895" cy="2306955"/>
+      <p:pic>
+        <p:nvPicPr>
+          <p:cNvPr id="4" name="图片 3"/>
+          <p:cNvPicPr>
+            <a:picLocks noChangeAspect="1"/>
+          </p:cNvPicPr>
+          <p:nvPr/>
+        </p:nvPicPr>
+        <p:blipFill>
+          <a:blip r:embed="rId2"/>
+          <a:stretch>
+            <a:fillRect/>
+          </a:stretch>
+        </p:blipFill>
+        <p:spPr>
+          <a:xfrm>
+            <a:off x="781685" y="1184910"/>
+            <a:ext cx="10628630" cy="5091430"/>
           </a:xfrm>
           <a:prstGeom prst="rect">
             <a:avLst/>
           </a:prstGeom>
-          <a:noFill/>
-        </p:spPr>
-        <p:txBody>
-          <a:bodyPr wrap="square">
-            <a:spAutoFit/>
-          </a:bodyPr>
-          <a:lstStyle/>
-          <a:p>
-            <a:r>
-              <a:rPr lang="zh-CN" altLang="en-US" dirty="0"/>
-              <a:t>（</a:t>
-            </a:r>
-            <a:r>
-              <a:rPr lang="en-US" altLang="zh-CN" dirty="0"/>
-              <a:t>1</a:t>
-            </a:r>
-            <a:r>
-              <a:rPr lang="zh-CN" altLang="en-US" dirty="0"/>
-              <a:t>）目前多维时间序列异常检测研究主要是对历史数据中的异常进行检测，缺乏对未来一段时间内可能出现的异常进行预测的研究，而异常预测往往在实际应用场景下更具有应用价值</a:t>
-            </a:r>
-            <a:endParaRPr lang="zh-CN" altLang="en-US" dirty="0"/>
-          </a:p>
-          <a:p>
-            <a:endParaRPr lang="zh-CN" altLang="en-US" dirty="0">
-              <a:solidFill>
-                <a:srgbClr val="FF0000"/>
-              </a:solidFill>
-            </a:endParaRPr>
-          </a:p>
-          <a:p>
-            <a:r>
-              <a:rPr lang="zh-CN" altLang="en-US" dirty="0"/>
-              <a:t>（</a:t>
-            </a:r>
-            <a:r>
-              <a:rPr lang="en-US" altLang="zh-CN" dirty="0"/>
-              <a:t>2</a:t>
-            </a:r>
-            <a:r>
-              <a:rPr lang="zh-CN" altLang="en-US" dirty="0"/>
-              <a:t>）异常预测只能是针对有异常前兆数据的异常进行预测，目前</a:t>
-            </a:r>
-            <a:r>
-              <a:rPr lang="zh-CN" altLang="en-US" dirty="0">
-                <a:sym typeface="+mn-ea"/>
-              </a:rPr>
-              <a:t>多维时间序列异常预测的难点主要有</a:t>
-            </a:r>
-            <a:r>
-              <a:rPr lang="zh-CN" altLang="en-US" dirty="0">
-                <a:solidFill>
-                  <a:srgbClr val="FF0000"/>
-                </a:solidFill>
-                <a:sym typeface="+mn-ea"/>
-              </a:rPr>
-              <a:t>如何准确学习到不同维度</a:t>
-            </a:r>
-            <a:r>
-              <a:rPr lang="zh-CN" altLang="en-US" dirty="0">
-                <a:solidFill>
-                  <a:srgbClr val="FF0000"/>
-                </a:solidFill>
-                <a:sym typeface="+mn-ea"/>
-              </a:rPr>
-              <a:t>的异常前兆数据的特征、如何判断在给定时间窗口内有异常前兆数据出现、如何判断异常前兆数据的异常程度</a:t>
-            </a:r>
-            <a:endParaRPr lang="en-US" altLang="zh-CN" dirty="0">
-              <a:solidFill>
-                <a:srgbClr val="FF0000"/>
-              </a:solidFill>
-            </a:endParaRPr>
-          </a:p>
-          <a:p>
-            <a:endParaRPr lang="en-US" altLang="zh-CN" dirty="0">
-              <a:solidFill>
-                <a:srgbClr val="FF0000"/>
-              </a:solidFill>
-            </a:endParaRPr>
-          </a:p>
-        </p:txBody>
-      </p:sp>
+        </p:spPr>
+      </p:pic>
     </p:spTree>
   </p:cSld>
   <p:clrMapOvr>
@@ -6333,24 +6933,1388 @@
         <p:cNvGrpSpPr/>
         <p:nvPr/>
       </p:nvGrpSpPr>
-      <p:grpSpPr/>
+      <p:grpSpPr>
+        <a:xfrm>
+          <a:off x="0" y="0"/>
+          <a:ext cx="0" cy="0"/>
+          <a:chOff x="0" y="0"/>
+          <a:chExt cx="0" cy="0"/>
+        </a:xfrm>
+      </p:grpSpPr>
+      <p:cxnSp>
+        <p:nvCxnSpPr>
+          <p:cNvPr id="3145732" name="直接连接符 4"/>
+          <p:cNvCxnSpPr/>
+          <p:nvPr/>
+        </p:nvCxnSpPr>
+        <p:spPr>
+          <a:xfrm>
+            <a:off x="302002" y="997804"/>
+            <a:ext cx="11587991" cy="0"/>
+          </a:xfrm>
+          <a:prstGeom prst="line">
+            <a:avLst/>
+          </a:prstGeom>
+          <a:ln w="12700">
+            <a:solidFill>
+              <a:srgbClr val="09397E"/>
+            </a:solidFill>
+          </a:ln>
+        </p:spPr>
+        <p:style>
+          <a:lnRef idx="1">
+            <a:schemeClr val="accent1"/>
+          </a:lnRef>
+          <a:fillRef idx="0">
+            <a:schemeClr val="accent1"/>
+          </a:fillRef>
+          <a:effectRef idx="0">
+            <a:schemeClr val="accent1"/>
+          </a:effectRef>
+          <a:fontRef idx="minor">
+            <a:schemeClr val="tx1"/>
+          </a:fontRef>
+        </p:style>
+      </p:cxnSp>
+      <p:sp>
+        <p:nvSpPr>
+          <p:cNvPr id="1048600" name="矩形 60"/>
+          <p:cNvSpPr/>
+          <p:nvPr/>
+        </p:nvSpPr>
+        <p:spPr>
+          <a:xfrm>
+            <a:off x="240030" y="420370"/>
+            <a:ext cx="6699885" cy="583565"/>
+          </a:xfrm>
+          <a:prstGeom prst="rect">
+            <a:avLst/>
+          </a:prstGeom>
+        </p:spPr>
+        <p:txBody>
+          <a:bodyPr wrap="square">
+            <a:spAutoFit/>
+          </a:bodyPr>
+          <a:lstStyle/>
+          <a:p>
+            <a:pPr marL="0" marR="0" lvl="0" indent="0" algn="l" defTabSz="914400" rtl="0" eaLnBrk="1" fontAlgn="auto" latinLnBrk="0" hangingPunct="1">
+              <a:lnSpc>
+                <a:spcPct val="100000"/>
+              </a:lnSpc>
+              <a:spcBef>
+                <a:spcPts val="0"/>
+              </a:spcBef>
+              <a:spcAft>
+                <a:spcPts val="0"/>
+              </a:spcAft>
+              <a:buClrTx/>
+              <a:buSzTx/>
+              <a:buFontTx/>
+              <a:buNone/>
+            </a:pPr>
+            <a:r>
+              <a:rPr lang="zh-CN" altLang="en-US" sz="3200" b="1" dirty="0">
+                <a:solidFill>
+                  <a:schemeClr val="accent2"/>
+                </a:solidFill>
+                <a:latin typeface="微软雅黑" panose="020B0503020204020204" charset="-122"/>
+                <a:ea typeface="微软雅黑" panose="020B0503020204020204" charset="-122"/>
+                <a:cs typeface="Times New Roman" panose="02020603050405020304" pitchFamily="18" charset="0"/>
+                <a:sym typeface="等线" panose="02010600030101010101" charset="-122"/>
+              </a:rPr>
+              <a:t>时间维度信息挖掘</a:t>
+            </a:r>
+            <a:endParaRPr kumimoji="0" lang="zh-CN" altLang="en-US" sz="3200" b="1" i="0" u="none" strike="noStrike" kern="1200" cap="none" spc="0" normalizeH="0" baseline="0" noProof="0" dirty="0">
+              <a:ln>
+                <a:noFill/>
+              </a:ln>
+              <a:solidFill>
+                <a:schemeClr val="accent2"/>
+              </a:solidFill>
+              <a:effectLst/>
+              <a:uLnTx/>
+              <a:uFillTx/>
+              <a:latin typeface="微软雅黑" panose="020B0503020204020204" charset="-122"/>
+              <a:ea typeface="微软雅黑" panose="020B0503020204020204" charset="-122"/>
+              <a:cs typeface="Times New Roman" panose="02020603050405020304" pitchFamily="18" charset="0"/>
+              <a:sym typeface="等线" panose="02010600030101010101" charset="-122"/>
+            </a:endParaRPr>
+          </a:p>
+        </p:txBody>
+      </p:sp>
       <p:pic>
         <p:nvPicPr>
-          <p:cNvPr id="7" name="图片 6"/>
+          <p:cNvPr id="2097158" name="图片 61"/>
           <p:cNvPicPr>
             <a:picLocks noChangeAspect="1"/>
           </p:cNvPicPr>
           <p:nvPr/>
         </p:nvPicPr>
-        <p:blipFill>
-          <a:blip r:embed="rId1"/>
+        <p:blipFill rotWithShape="1">
+          <a:blip r:embed="rId1" cstate="print"/>
+          <a:srcRect b="9522"/>
           <a:stretch>
             <a:fillRect/>
           </a:stretch>
         </p:blipFill>
         <p:spPr>
           <a:xfrm>
-            <a:off x="1981200" y="607695"/>
+            <a:off x="10078279" y="277930"/>
+            <a:ext cx="1811714" cy="680928"/>
+          </a:xfrm>
+          <a:prstGeom prst="rect">
+            <a:avLst/>
+          </a:prstGeom>
+        </p:spPr>
+      </p:pic>
+      <p:sp>
+        <p:nvSpPr>
+          <p:cNvPr id="7" name="文本框 6"/>
+          <p:cNvSpPr txBox="1"/>
+          <p:nvPr/>
+        </p:nvSpPr>
+        <p:spPr>
+          <a:xfrm>
+            <a:off x="1189119" y="1536292"/>
+            <a:ext cx="9813755" cy="4247317"/>
+          </a:xfrm>
+          <a:prstGeom prst="rect">
+            <a:avLst/>
+          </a:prstGeom>
+          <a:noFill/>
+        </p:spPr>
+        <p:txBody>
+          <a:bodyPr wrap="square">
+            <a:spAutoFit/>
+          </a:bodyPr>
+          <a:lstStyle/>
+          <a:p>
+            <a:r>
+              <a:rPr lang="zh-CN" altLang="en-US" dirty="0"/>
+              <a:t>（</a:t>
+            </a:r>
+            <a:r>
+              <a:rPr lang="en-US" altLang="zh-CN" dirty="0"/>
+              <a:t>1</a:t>
+            </a:r>
+            <a:r>
+              <a:rPr lang="zh-CN" altLang="en-US" dirty="0"/>
+              <a:t>）</a:t>
+            </a:r>
+            <a:r>
+              <a:rPr lang="en-US" altLang="zh-CN" dirty="0"/>
+              <a:t>Transformer</a:t>
+            </a:r>
+            <a:r>
+              <a:rPr lang="zh-CN" altLang="en-US" dirty="0"/>
+              <a:t>在处理多维时间序列时，通过权重共享来进行多维度混合模式学习，但是时间序列的不同维度可能表现出不同的变化模式，如果进行混合模式学习，就无法捕捉到每个维度的独特模式，</a:t>
+            </a:r>
+            <a:r>
+              <a:rPr lang="zh-CN" altLang="en-US" dirty="0">
+                <a:solidFill>
+                  <a:srgbClr val="FF0000"/>
+                </a:solidFill>
+              </a:rPr>
+              <a:t>在</a:t>
+            </a:r>
+            <a:r>
+              <a:rPr lang="en-US" altLang="zh-CN" dirty="0">
+                <a:solidFill>
+                  <a:srgbClr val="FF0000"/>
+                </a:solidFill>
+              </a:rPr>
+              <a:t>Transformer</a:t>
+            </a:r>
+            <a:r>
+              <a:rPr lang="zh-CN" altLang="en-US" dirty="0">
+                <a:solidFill>
+                  <a:srgbClr val="FF0000"/>
+                </a:solidFill>
+              </a:rPr>
+              <a:t>中对不同维度数据分别进行处理，最后整合每个维度的处理结果</a:t>
+            </a:r>
+            <a:endParaRPr lang="en-US" altLang="zh-CN" dirty="0">
+              <a:solidFill>
+                <a:srgbClr val="FF0000"/>
+              </a:solidFill>
+            </a:endParaRPr>
+          </a:p>
+          <a:p>
+            <a:endParaRPr lang="en-US" altLang="zh-CN" dirty="0">
+              <a:solidFill>
+                <a:srgbClr val="FF0000"/>
+              </a:solidFill>
+            </a:endParaRPr>
+          </a:p>
+          <a:p>
+            <a:r>
+              <a:rPr lang="zh-CN" altLang="en-US" dirty="0"/>
+              <a:t>（</a:t>
+            </a:r>
+            <a:r>
+              <a:rPr lang="en-US" altLang="zh-CN" dirty="0"/>
+              <a:t>2</a:t>
+            </a:r>
+            <a:r>
+              <a:rPr lang="zh-CN" altLang="en-US" dirty="0"/>
+              <a:t>）</a:t>
+            </a:r>
+            <a:r>
+              <a:rPr lang="en-US" altLang="zh-CN" dirty="0"/>
+              <a:t>Transformer</a:t>
+            </a:r>
+            <a:r>
+              <a:rPr lang="zh-CN" altLang="en-US" dirty="0"/>
+              <a:t>模型将序列中的单个数据点作为</a:t>
+            </a:r>
+            <a:r>
+              <a:rPr lang="en-US" altLang="zh-CN" dirty="0"/>
+              <a:t>Token</a:t>
+            </a:r>
+            <a:r>
+              <a:rPr lang="zh-CN" altLang="en-US" dirty="0"/>
+              <a:t>进行信息提取，可以有效提取长时间序列的数据特征，但是时间序列中的单个数据点并不像文本中的单词具有一定的语义信息，需要和相邻的数据点进行整体信息提取，并且将每个数据点作为</a:t>
+            </a:r>
+            <a:r>
+              <a:rPr lang="en-US" altLang="zh-CN" dirty="0"/>
+              <a:t>Token</a:t>
+            </a:r>
+            <a:r>
+              <a:rPr lang="zh-CN" altLang="en-US" dirty="0"/>
+              <a:t>进行处理会导致较大的时间复杂度（</a:t>
+            </a:r>
+            <a:r>
+              <a:rPr lang="en-US" altLang="zh-CN" dirty="0"/>
+              <a:t>O(n</a:t>
+            </a:r>
+            <a:r>
+              <a:rPr lang="en-US" altLang="zh-CN" baseline="30000" dirty="0"/>
+              <a:t>2</a:t>
+            </a:r>
+            <a:r>
+              <a:rPr lang="en-US" altLang="zh-CN" dirty="0"/>
+              <a:t>)</a:t>
+            </a:r>
+            <a:r>
+              <a:rPr lang="zh-CN" altLang="en-US" dirty="0"/>
+              <a:t>），</a:t>
+            </a:r>
+            <a:r>
+              <a:rPr lang="zh-CN" altLang="en-US" dirty="0">
+                <a:solidFill>
+                  <a:srgbClr val="FF0000"/>
+                </a:solidFill>
+              </a:rPr>
+              <a:t>将序列划分为多个子序列，将每个子序列作为</a:t>
+            </a:r>
+            <a:r>
+              <a:rPr lang="en-US" altLang="zh-CN" dirty="0">
+                <a:solidFill>
+                  <a:srgbClr val="FF0000"/>
+                </a:solidFill>
+              </a:rPr>
+              <a:t>Token</a:t>
+            </a:r>
+            <a:r>
+              <a:rPr lang="zh-CN" altLang="en-US" dirty="0">
+                <a:solidFill>
+                  <a:srgbClr val="FF0000"/>
+                </a:solidFill>
+              </a:rPr>
+              <a:t>输入，既能有效捕捉时序的局部信息，又能减少时间复杂度</a:t>
+            </a:r>
+            <a:endParaRPr lang="en-US" altLang="zh-CN" dirty="0">
+              <a:solidFill>
+                <a:srgbClr val="FF0000"/>
+              </a:solidFill>
+            </a:endParaRPr>
+          </a:p>
+          <a:p>
+            <a:endParaRPr lang="en-US" altLang="zh-CN" dirty="0"/>
+          </a:p>
+          <a:p>
+            <a:r>
+              <a:rPr lang="zh-CN" altLang="en-US" dirty="0"/>
+              <a:t>（</a:t>
+            </a:r>
+            <a:r>
+              <a:rPr lang="en-US" altLang="zh-CN" dirty="0"/>
+              <a:t>3</a:t>
+            </a:r>
+            <a:r>
+              <a:rPr lang="zh-CN" altLang="en-US" dirty="0"/>
+              <a:t>）将时间序列进行子序列划分后，</a:t>
+            </a:r>
+            <a:r>
+              <a:rPr lang="en-US" altLang="zh-CN" dirty="0"/>
+              <a:t>Transformer</a:t>
+            </a:r>
+            <a:r>
+              <a:rPr lang="zh-CN" altLang="en-US" dirty="0"/>
+              <a:t>中的位置编码会为不同子序列内相同位置的数据点生成相同的位置编码（因为其位置编码使用固定频率和相位的正弦、余弦函数来编码位置，基于数据点的索引生成），没有考虑实际的时间戳信息，无法有效捕捉时间序列的动态特性，</a:t>
+            </a:r>
+            <a:r>
+              <a:rPr lang="zh-CN" altLang="en-US" dirty="0">
+                <a:solidFill>
+                  <a:srgbClr val="FF0000"/>
+                </a:solidFill>
+              </a:rPr>
+              <a:t>使用</a:t>
+            </a:r>
+            <a:r>
+              <a:rPr lang="en-US" altLang="zh-CN" dirty="0">
+                <a:solidFill>
+                  <a:srgbClr val="FF0000"/>
+                </a:solidFill>
+              </a:rPr>
+              <a:t>Time2Vec</a:t>
+            </a:r>
+            <a:r>
+              <a:rPr lang="zh-CN" altLang="en-US" dirty="0">
+                <a:solidFill>
+                  <a:srgbClr val="FF0000"/>
+                </a:solidFill>
+              </a:rPr>
+              <a:t>方法为时间序列编码生成嵌入向量，替换</a:t>
+            </a:r>
+            <a:r>
+              <a:rPr lang="en-US" altLang="zh-CN" dirty="0">
+                <a:solidFill>
+                  <a:srgbClr val="FF0000"/>
+                </a:solidFill>
+              </a:rPr>
+              <a:t>Transformer</a:t>
+            </a:r>
+            <a:r>
+              <a:rPr lang="zh-CN" altLang="en-US" dirty="0">
+                <a:solidFill>
+                  <a:srgbClr val="FF0000"/>
+                </a:solidFill>
+              </a:rPr>
+              <a:t>中的位置编码，能够学习时间序列数据中的周期性和非周期性模式</a:t>
+            </a:r>
+            <a:endParaRPr lang="zh-CN" altLang="en-US" dirty="0">
+              <a:solidFill>
+                <a:srgbClr val="FF0000"/>
+              </a:solidFill>
+            </a:endParaRPr>
+          </a:p>
+        </p:txBody>
+      </p:sp>
+    </p:spTree>
+  </p:cSld>
+  <p:clrMapOvr>
+    <a:masterClrMapping/>
+  </p:clrMapOvr>
+</p:sld>
+</file>
+
+<file path=ppt/slides/slide15.xml><?xml version="1.0" encoding="utf-8"?>
+<p:sld xmlns:a="http://schemas.openxmlformats.org/drawingml/2006/main" xmlns:r="http://schemas.openxmlformats.org/officeDocument/2006/relationships" xmlns:p="http://schemas.openxmlformats.org/presentationml/2006/main">
+  <p:cSld>
+    <p:spTree>
+      <p:nvGrpSpPr>
+        <p:cNvPr id="1" name=""/>
+        <p:cNvGrpSpPr/>
+        <p:nvPr/>
+      </p:nvGrpSpPr>
+      <p:grpSpPr>
+        <a:xfrm>
+          <a:off x="0" y="0"/>
+          <a:ext cx="0" cy="0"/>
+          <a:chOff x="0" y="0"/>
+          <a:chExt cx="0" cy="0"/>
+        </a:xfrm>
+      </p:grpSpPr>
+      <p:cxnSp>
+        <p:nvCxnSpPr>
+          <p:cNvPr id="3145732" name="直接连接符 4"/>
+          <p:cNvCxnSpPr/>
+          <p:nvPr/>
+        </p:nvCxnSpPr>
+        <p:spPr>
+          <a:xfrm>
+            <a:off x="302002" y="997804"/>
+            <a:ext cx="11587991" cy="0"/>
+          </a:xfrm>
+          <a:prstGeom prst="line">
+            <a:avLst/>
+          </a:prstGeom>
+          <a:ln w="12700">
+            <a:solidFill>
+              <a:srgbClr val="09397E"/>
+            </a:solidFill>
+          </a:ln>
+        </p:spPr>
+        <p:style>
+          <a:lnRef idx="1">
+            <a:schemeClr val="accent1"/>
+          </a:lnRef>
+          <a:fillRef idx="0">
+            <a:schemeClr val="accent1"/>
+          </a:fillRef>
+          <a:effectRef idx="0">
+            <a:schemeClr val="accent1"/>
+          </a:effectRef>
+          <a:fontRef idx="minor">
+            <a:schemeClr val="tx1"/>
+          </a:fontRef>
+        </p:style>
+      </p:cxnSp>
+      <p:sp>
+        <p:nvSpPr>
+          <p:cNvPr id="1048600" name="矩形 60"/>
+          <p:cNvSpPr/>
+          <p:nvPr/>
+        </p:nvSpPr>
+        <p:spPr>
+          <a:xfrm>
+            <a:off x="240030" y="420370"/>
+            <a:ext cx="6699885" cy="583565"/>
+          </a:xfrm>
+          <a:prstGeom prst="rect">
+            <a:avLst/>
+          </a:prstGeom>
+        </p:spPr>
+        <p:txBody>
+          <a:bodyPr wrap="square">
+            <a:spAutoFit/>
+          </a:bodyPr>
+          <a:lstStyle/>
+          <a:p>
+            <a:pPr marL="0" marR="0" lvl="0" indent="0" algn="l" defTabSz="914400" rtl="0" eaLnBrk="1" fontAlgn="auto" latinLnBrk="0" hangingPunct="1">
+              <a:lnSpc>
+                <a:spcPct val="100000"/>
+              </a:lnSpc>
+              <a:spcBef>
+                <a:spcPts val="0"/>
+              </a:spcBef>
+              <a:spcAft>
+                <a:spcPts val="0"/>
+              </a:spcAft>
+              <a:buClrTx/>
+              <a:buSzTx/>
+              <a:buFontTx/>
+              <a:buNone/>
+            </a:pPr>
+            <a:r>
+              <a:rPr lang="zh-CN" altLang="en-US" sz="3200" b="1" dirty="0">
+                <a:solidFill>
+                  <a:schemeClr val="accent2"/>
+                </a:solidFill>
+                <a:latin typeface="微软雅黑" panose="020B0503020204020204" charset="-122"/>
+                <a:ea typeface="微软雅黑" panose="020B0503020204020204" charset="-122"/>
+                <a:cs typeface="Times New Roman" panose="02020603050405020304" pitchFamily="18" charset="0"/>
+                <a:sym typeface="等线" panose="02010600030101010101" charset="-122"/>
+              </a:rPr>
+              <a:t>空间维度信息挖掘</a:t>
+            </a:r>
+            <a:endParaRPr kumimoji="0" lang="zh-CN" altLang="en-US" sz="3200" b="1" i="0" u="none" strike="noStrike" kern="1200" cap="none" spc="0" normalizeH="0" baseline="0" noProof="0" dirty="0">
+              <a:ln>
+                <a:noFill/>
+              </a:ln>
+              <a:solidFill>
+                <a:schemeClr val="accent2"/>
+              </a:solidFill>
+              <a:effectLst/>
+              <a:uLnTx/>
+              <a:uFillTx/>
+              <a:latin typeface="微软雅黑" panose="020B0503020204020204" charset="-122"/>
+              <a:ea typeface="微软雅黑" panose="020B0503020204020204" charset="-122"/>
+              <a:cs typeface="Times New Roman" panose="02020603050405020304" pitchFamily="18" charset="0"/>
+              <a:sym typeface="等线" panose="02010600030101010101" charset="-122"/>
+            </a:endParaRPr>
+          </a:p>
+        </p:txBody>
+      </p:sp>
+      <p:pic>
+        <p:nvPicPr>
+          <p:cNvPr id="2097158" name="图片 61"/>
+          <p:cNvPicPr>
+            <a:picLocks noChangeAspect="1"/>
+          </p:cNvPicPr>
+          <p:nvPr/>
+        </p:nvPicPr>
+        <p:blipFill rotWithShape="1">
+          <a:blip r:embed="rId1" cstate="print"/>
+          <a:srcRect b="9522"/>
+          <a:stretch>
+            <a:fillRect/>
+          </a:stretch>
+        </p:blipFill>
+        <p:spPr>
+          <a:xfrm>
+            <a:off x="10078279" y="277930"/>
+            <a:ext cx="1811714" cy="680928"/>
+          </a:xfrm>
+          <a:prstGeom prst="rect">
+            <a:avLst/>
+          </a:prstGeom>
+        </p:spPr>
+      </p:pic>
+      <p:sp>
+        <p:nvSpPr>
+          <p:cNvPr id="7" name="文本框 6"/>
+          <p:cNvSpPr txBox="1"/>
+          <p:nvPr/>
+        </p:nvSpPr>
+        <p:spPr>
+          <a:xfrm>
+            <a:off x="1860788" y="1998265"/>
+            <a:ext cx="9187967" cy="2861310"/>
+          </a:xfrm>
+          <a:prstGeom prst="rect">
+            <a:avLst/>
+          </a:prstGeom>
+          <a:noFill/>
+        </p:spPr>
+        <p:txBody>
+          <a:bodyPr wrap="square">
+            <a:spAutoFit/>
+          </a:bodyPr>
+          <a:lstStyle/>
+          <a:p>
+            <a:r>
+              <a:rPr lang="zh-CN" altLang="en-US" dirty="0"/>
+              <a:t>（</a:t>
+            </a:r>
+            <a:r>
+              <a:rPr lang="en-US" altLang="zh-CN" dirty="0"/>
+              <a:t>1</a:t>
+            </a:r>
+            <a:r>
+              <a:rPr lang="zh-CN" altLang="en-US" dirty="0"/>
+              <a:t>）为每个维度随机生成嵌入向量，嵌入向量随着数据一起通过图神经网络进行训练，通过不断地动态调整使得嵌入向量最终学习到每个维度独特的变化特征</a:t>
+            </a:r>
+            <a:endParaRPr lang="en-US" altLang="zh-CN" dirty="0"/>
+          </a:p>
+          <a:p>
+            <a:endParaRPr lang="en-US" altLang="zh-CN" dirty="0"/>
+          </a:p>
+          <a:p>
+            <a:r>
+              <a:rPr lang="zh-CN" altLang="en-US" dirty="0"/>
+              <a:t>（</a:t>
+            </a:r>
+            <a:r>
+              <a:rPr lang="en-US" altLang="zh-CN" dirty="0"/>
+              <a:t>2</a:t>
+            </a:r>
+            <a:r>
+              <a:rPr lang="zh-CN" altLang="en-US" dirty="0"/>
+              <a:t>）计算不同维度嵌入向量之间的距离来判断维度之间是否存在连接关系，最终建立一个包含所有维度之间连接信息的图结构</a:t>
+            </a:r>
+            <a:endParaRPr lang="en-US" altLang="zh-CN" dirty="0"/>
+          </a:p>
+          <a:p>
+            <a:endParaRPr lang="en-US" altLang="zh-CN" dirty="0"/>
+          </a:p>
+          <a:p>
+            <a:r>
+              <a:rPr lang="zh-CN" altLang="en-US" dirty="0"/>
+              <a:t>（</a:t>
+            </a:r>
+            <a:r>
+              <a:rPr lang="en-US" altLang="zh-CN" dirty="0"/>
+              <a:t>3</a:t>
+            </a:r>
+            <a:r>
+              <a:rPr lang="zh-CN" altLang="en-US" dirty="0"/>
+              <a:t>）使用图注意力网络学习维度之间连接的注意力特征，每个节点的注意力特征是其邻居特征的加权和，权重由注意力机制动态计算得出</a:t>
+            </a:r>
+            <a:endParaRPr lang="en-US" altLang="zh-CN" dirty="0"/>
+          </a:p>
+          <a:p>
+            <a:endParaRPr lang="en-US" altLang="zh-CN" dirty="0"/>
+          </a:p>
+          <a:p>
+            <a:r>
+              <a:rPr lang="zh-CN" altLang="en-US" dirty="0"/>
+              <a:t>（</a:t>
+            </a:r>
+            <a:r>
+              <a:rPr lang="en-US" altLang="zh-CN" dirty="0"/>
+              <a:t>4</a:t>
+            </a:r>
+            <a:r>
+              <a:rPr lang="zh-CN" altLang="en-US" dirty="0"/>
+              <a:t>）将每个维度的嵌入向量和注意力特征进行点乘得到最终的</a:t>
+            </a:r>
+            <a:r>
+              <a:rPr lang="zh-CN" altLang="en-US" dirty="0"/>
+              <a:t>空间维度输出特征</a:t>
+            </a:r>
+            <a:endParaRPr lang="zh-CN" altLang="en-US" dirty="0"/>
+          </a:p>
+        </p:txBody>
+      </p:sp>
+    </p:spTree>
+  </p:cSld>
+  <p:clrMapOvr>
+    <a:masterClrMapping/>
+  </p:clrMapOvr>
+</p:sld>
+</file>
+
+<file path=ppt/slides/slide16.xml><?xml version="1.0" encoding="utf-8"?>
+<p:sld xmlns:a="http://schemas.openxmlformats.org/drawingml/2006/main" xmlns:r="http://schemas.openxmlformats.org/officeDocument/2006/relationships" xmlns:p="http://schemas.openxmlformats.org/presentationml/2006/main">
+  <p:cSld>
+    <p:spTree>
+      <p:nvGrpSpPr>
+        <p:cNvPr id="1" name=""/>
+        <p:cNvGrpSpPr/>
+        <p:nvPr/>
+      </p:nvGrpSpPr>
+      <p:grpSpPr>
+        <a:xfrm>
+          <a:off x="0" y="0"/>
+          <a:ext cx="0" cy="0"/>
+          <a:chOff x="0" y="0"/>
+          <a:chExt cx="0" cy="0"/>
+        </a:xfrm>
+      </p:grpSpPr>
+      <p:cxnSp>
+        <p:nvCxnSpPr>
+          <p:cNvPr id="3145732" name="直接连接符 4"/>
+          <p:cNvCxnSpPr/>
+          <p:nvPr/>
+        </p:nvCxnSpPr>
+        <p:spPr>
+          <a:xfrm>
+            <a:off x="302002" y="997804"/>
+            <a:ext cx="11587991" cy="0"/>
+          </a:xfrm>
+          <a:prstGeom prst="line">
+            <a:avLst/>
+          </a:prstGeom>
+          <a:ln w="12700">
+            <a:solidFill>
+              <a:srgbClr val="09397E"/>
+            </a:solidFill>
+          </a:ln>
+        </p:spPr>
+        <p:style>
+          <a:lnRef idx="1">
+            <a:schemeClr val="accent1"/>
+          </a:lnRef>
+          <a:fillRef idx="0">
+            <a:schemeClr val="accent1"/>
+          </a:fillRef>
+          <a:effectRef idx="0">
+            <a:schemeClr val="accent1"/>
+          </a:effectRef>
+          <a:fontRef idx="minor">
+            <a:schemeClr val="tx1"/>
+          </a:fontRef>
+        </p:style>
+      </p:cxnSp>
+      <p:sp>
+        <p:nvSpPr>
+          <p:cNvPr id="1048600" name="矩形 60"/>
+          <p:cNvSpPr/>
+          <p:nvPr/>
+        </p:nvSpPr>
+        <p:spPr>
+          <a:xfrm>
+            <a:off x="240030" y="420370"/>
+            <a:ext cx="6699885" cy="583565"/>
+          </a:xfrm>
+          <a:prstGeom prst="rect">
+            <a:avLst/>
+          </a:prstGeom>
+        </p:spPr>
+        <p:txBody>
+          <a:bodyPr wrap="square">
+            <a:spAutoFit/>
+          </a:bodyPr>
+          <a:lstStyle/>
+          <a:p>
+            <a:pPr marL="0" marR="0" lvl="0" indent="0" algn="l" defTabSz="914400" rtl="0" eaLnBrk="1" fontAlgn="auto" latinLnBrk="0" hangingPunct="1">
+              <a:lnSpc>
+                <a:spcPct val="100000"/>
+              </a:lnSpc>
+              <a:spcBef>
+                <a:spcPts val="0"/>
+              </a:spcBef>
+              <a:spcAft>
+                <a:spcPts val="0"/>
+              </a:spcAft>
+              <a:buClrTx/>
+              <a:buSzTx/>
+              <a:buFontTx/>
+              <a:buNone/>
+            </a:pPr>
+            <a:r>
+              <a:rPr kumimoji="0" lang="zh-CN" altLang="en-US" sz="3200" b="1" i="0" u="none" strike="noStrike" kern="1200" cap="none" spc="0" normalizeH="0" baseline="0" noProof="0" dirty="0">
+                <a:ln>
+                  <a:noFill/>
+                </a:ln>
+                <a:solidFill>
+                  <a:schemeClr val="accent2"/>
+                </a:solidFill>
+                <a:effectLst/>
+                <a:uLnTx/>
+                <a:uFillTx/>
+                <a:latin typeface="微软雅黑" panose="020B0503020204020204" charset="-122"/>
+                <a:ea typeface="微软雅黑" panose="020B0503020204020204" charset="-122"/>
+                <a:cs typeface="Times New Roman" panose="02020603050405020304" pitchFamily="18" charset="0"/>
+                <a:sym typeface="等线" panose="02010600030101010101" charset="-122"/>
+              </a:rPr>
+              <a:t>异常</a:t>
+            </a:r>
+            <a:r>
+              <a:rPr kumimoji="0" lang="zh-CN" altLang="en-US" sz="3200" b="1" i="0" u="none" strike="noStrike" kern="1200" cap="none" spc="0" normalizeH="0" baseline="0" noProof="0" dirty="0">
+                <a:ln>
+                  <a:noFill/>
+                </a:ln>
+                <a:solidFill>
+                  <a:schemeClr val="accent2"/>
+                </a:solidFill>
+                <a:effectLst/>
+                <a:uLnTx/>
+                <a:uFillTx/>
+                <a:latin typeface="微软雅黑" panose="020B0503020204020204" charset="-122"/>
+                <a:ea typeface="微软雅黑" panose="020B0503020204020204" charset="-122"/>
+                <a:cs typeface="Times New Roman" panose="02020603050405020304" pitchFamily="18" charset="0"/>
+                <a:sym typeface="等线" panose="02010600030101010101" charset="-122"/>
+              </a:rPr>
+              <a:t>预测研究</a:t>
+            </a:r>
+            <a:r>
+              <a:rPr lang="zh-CN" altLang="en-US" sz="3200" b="1" dirty="0">
+                <a:solidFill>
+                  <a:schemeClr val="accent2"/>
+                </a:solidFill>
+                <a:latin typeface="微软雅黑" panose="020B0503020204020204" charset="-122"/>
+                <a:ea typeface="微软雅黑" panose="020B0503020204020204" charset="-122"/>
+                <a:cs typeface="Times New Roman" panose="02020603050405020304" pitchFamily="18" charset="0"/>
+                <a:sym typeface="等线" panose="02010600030101010101" charset="-122"/>
+              </a:rPr>
+              <a:t>背景</a:t>
+            </a:r>
+            <a:endParaRPr kumimoji="0" lang="zh-CN" altLang="en-US" sz="3200" b="1" i="0" u="none" strike="noStrike" kern="1200" cap="none" spc="0" normalizeH="0" baseline="0" noProof="0" dirty="0">
+              <a:ln>
+                <a:noFill/>
+              </a:ln>
+              <a:solidFill>
+                <a:schemeClr val="accent2"/>
+              </a:solidFill>
+              <a:effectLst/>
+              <a:uLnTx/>
+              <a:uFillTx/>
+              <a:latin typeface="微软雅黑" panose="020B0503020204020204" charset="-122"/>
+              <a:ea typeface="微软雅黑" panose="020B0503020204020204" charset="-122"/>
+              <a:cs typeface="Times New Roman" panose="02020603050405020304" pitchFamily="18" charset="0"/>
+              <a:sym typeface="等线" panose="02010600030101010101" charset="-122"/>
+            </a:endParaRPr>
+          </a:p>
+        </p:txBody>
+      </p:sp>
+      <p:pic>
+        <p:nvPicPr>
+          <p:cNvPr id="2097158" name="图片 61"/>
+          <p:cNvPicPr>
+            <a:picLocks noChangeAspect="1"/>
+          </p:cNvPicPr>
+          <p:nvPr/>
+        </p:nvPicPr>
+        <p:blipFill rotWithShape="1">
+          <a:blip r:embed="rId1" cstate="print"/>
+          <a:srcRect b="9522"/>
+          <a:stretch>
+            <a:fillRect/>
+          </a:stretch>
+        </p:blipFill>
+        <p:spPr>
+          <a:xfrm>
+            <a:off x="10078279" y="277930"/>
+            <a:ext cx="1811714" cy="680928"/>
+          </a:xfrm>
+          <a:prstGeom prst="rect">
+            <a:avLst/>
+          </a:prstGeom>
+        </p:spPr>
+      </p:pic>
+      <p:sp>
+        <p:nvSpPr>
+          <p:cNvPr id="7" name="文本框 6"/>
+          <p:cNvSpPr txBox="1"/>
+          <p:nvPr/>
+        </p:nvSpPr>
+        <p:spPr>
+          <a:xfrm>
+            <a:off x="1611049" y="2136338"/>
+            <a:ext cx="8969895" cy="2306955"/>
+          </a:xfrm>
+          <a:prstGeom prst="rect">
+            <a:avLst/>
+          </a:prstGeom>
+          <a:noFill/>
+        </p:spPr>
+        <p:txBody>
+          <a:bodyPr wrap="square">
+            <a:spAutoFit/>
+          </a:bodyPr>
+          <a:lstStyle/>
+          <a:p>
+            <a:r>
+              <a:rPr lang="zh-CN" altLang="en-US" dirty="0"/>
+              <a:t>（</a:t>
+            </a:r>
+            <a:r>
+              <a:rPr lang="en-US" altLang="zh-CN" dirty="0"/>
+              <a:t>1</a:t>
+            </a:r>
+            <a:r>
+              <a:rPr lang="zh-CN" altLang="en-US" dirty="0"/>
+              <a:t>）目前多维时间序列异常检测研究主要是对历史数据中的异常进行检测，缺乏对未来一段时间内可能出现的异常进行预测的研究，而异常预测往往在实际应用场景下更具有应用价值</a:t>
+            </a:r>
+            <a:endParaRPr lang="zh-CN" altLang="en-US" dirty="0"/>
+          </a:p>
+          <a:p>
+            <a:endParaRPr lang="zh-CN" altLang="en-US" dirty="0">
+              <a:solidFill>
+                <a:srgbClr val="FF0000"/>
+              </a:solidFill>
+            </a:endParaRPr>
+          </a:p>
+          <a:p>
+            <a:r>
+              <a:rPr lang="zh-CN" altLang="en-US" dirty="0"/>
+              <a:t>（</a:t>
+            </a:r>
+            <a:r>
+              <a:rPr lang="en-US" altLang="zh-CN" dirty="0"/>
+              <a:t>2</a:t>
+            </a:r>
+            <a:r>
+              <a:rPr lang="zh-CN" altLang="en-US" dirty="0"/>
+              <a:t>）异常预测只能是针对有异常前兆数据的异常进行预测，目前</a:t>
+            </a:r>
+            <a:r>
+              <a:rPr lang="zh-CN" altLang="en-US" dirty="0">
+                <a:sym typeface="+mn-ea"/>
+              </a:rPr>
+              <a:t>多维时间序列异常预测的难点主要有</a:t>
+            </a:r>
+            <a:r>
+              <a:rPr lang="zh-CN" altLang="en-US" dirty="0">
+                <a:solidFill>
+                  <a:srgbClr val="FF0000"/>
+                </a:solidFill>
+                <a:sym typeface="+mn-ea"/>
+              </a:rPr>
+              <a:t>如何准确学习到不同维度</a:t>
+            </a:r>
+            <a:r>
+              <a:rPr lang="zh-CN" altLang="en-US" dirty="0">
+                <a:solidFill>
+                  <a:srgbClr val="FF0000"/>
+                </a:solidFill>
+                <a:sym typeface="+mn-ea"/>
+              </a:rPr>
+              <a:t>的异常前兆数据的特征、如何判断在给定时间窗口内有异常前兆数据出现、如何判断异常前兆数据的异常程度</a:t>
+            </a:r>
+            <a:endParaRPr lang="en-US" altLang="zh-CN" dirty="0">
+              <a:solidFill>
+                <a:srgbClr val="FF0000"/>
+              </a:solidFill>
+            </a:endParaRPr>
+          </a:p>
+          <a:p>
+            <a:endParaRPr lang="en-US" altLang="zh-CN" dirty="0">
+              <a:solidFill>
+                <a:srgbClr val="FF0000"/>
+              </a:solidFill>
+            </a:endParaRPr>
+          </a:p>
+        </p:txBody>
+      </p:sp>
+    </p:spTree>
+  </p:cSld>
+  <p:clrMapOvr>
+    <a:masterClrMapping/>
+  </p:clrMapOvr>
+</p:sld>
+</file>
+
+<file path=ppt/slides/slide17.xml><?xml version="1.0" encoding="utf-8"?>
+<p:sld xmlns:a="http://schemas.openxmlformats.org/drawingml/2006/main" xmlns:r="http://schemas.openxmlformats.org/officeDocument/2006/relationships" xmlns:p="http://schemas.openxmlformats.org/presentationml/2006/main">
+  <p:cSld>
+    <p:spTree>
+      <p:nvGrpSpPr>
+        <p:cNvPr id="1" name=""/>
+        <p:cNvGrpSpPr/>
+        <p:nvPr/>
+      </p:nvGrpSpPr>
+      <p:grpSpPr>
+        <a:xfrm>
+          <a:off x="0" y="0"/>
+          <a:ext cx="0" cy="0"/>
+          <a:chOff x="0" y="0"/>
+          <a:chExt cx="0" cy="0"/>
+        </a:xfrm>
+      </p:grpSpPr>
+      <p:cxnSp>
+        <p:nvCxnSpPr>
+          <p:cNvPr id="3145732" name="直接连接符 4"/>
+          <p:cNvCxnSpPr/>
+          <p:nvPr/>
+        </p:nvCxnSpPr>
+        <p:spPr>
+          <a:xfrm>
+            <a:off x="302002" y="997804"/>
+            <a:ext cx="11587991" cy="0"/>
+          </a:xfrm>
+          <a:prstGeom prst="line">
+            <a:avLst/>
+          </a:prstGeom>
+          <a:ln w="12700">
+            <a:solidFill>
+              <a:srgbClr val="09397E"/>
+            </a:solidFill>
+          </a:ln>
+        </p:spPr>
+        <p:style>
+          <a:lnRef idx="1">
+            <a:schemeClr val="accent1"/>
+          </a:lnRef>
+          <a:fillRef idx="0">
+            <a:schemeClr val="accent1"/>
+          </a:fillRef>
+          <a:effectRef idx="0">
+            <a:schemeClr val="accent1"/>
+          </a:effectRef>
+          <a:fontRef idx="minor">
+            <a:schemeClr val="tx1"/>
+          </a:fontRef>
+        </p:style>
+      </p:cxnSp>
+      <p:sp>
+        <p:nvSpPr>
+          <p:cNvPr id="1048600" name="矩形 60"/>
+          <p:cNvSpPr/>
+          <p:nvPr/>
+        </p:nvSpPr>
+        <p:spPr>
+          <a:xfrm>
+            <a:off x="240030" y="420370"/>
+            <a:ext cx="6699885" cy="583565"/>
+          </a:xfrm>
+          <a:prstGeom prst="rect">
+            <a:avLst/>
+          </a:prstGeom>
+        </p:spPr>
+        <p:txBody>
+          <a:bodyPr wrap="square">
+            <a:spAutoFit/>
+          </a:bodyPr>
+          <a:lstStyle/>
+          <a:p>
+            <a:pPr marL="0" marR="0" lvl="0" indent="0" algn="l" defTabSz="914400" rtl="0" eaLnBrk="1" fontAlgn="auto" latinLnBrk="0" hangingPunct="1">
+              <a:lnSpc>
+                <a:spcPct val="100000"/>
+              </a:lnSpc>
+              <a:spcBef>
+                <a:spcPts val="0"/>
+              </a:spcBef>
+              <a:spcAft>
+                <a:spcPts val="0"/>
+              </a:spcAft>
+              <a:buClrTx/>
+              <a:buSzTx/>
+              <a:buFontTx/>
+              <a:buNone/>
+            </a:pPr>
+            <a:r>
+              <a:rPr kumimoji="0" lang="zh-CN" altLang="en-US" sz="3200" b="1" i="0" u="none" strike="noStrike" kern="1200" cap="none" spc="0" normalizeH="0" baseline="0" noProof="0" dirty="0">
+                <a:ln>
+                  <a:noFill/>
+                </a:ln>
+                <a:solidFill>
+                  <a:schemeClr val="accent2"/>
+                </a:solidFill>
+                <a:effectLst/>
+                <a:uLnTx/>
+                <a:uFillTx/>
+                <a:latin typeface="微软雅黑" panose="020B0503020204020204" charset="-122"/>
+                <a:ea typeface="微软雅黑" panose="020B0503020204020204" charset="-122"/>
+                <a:cs typeface="Times New Roman" panose="02020603050405020304" pitchFamily="18" charset="0"/>
+                <a:sym typeface="等线" panose="02010600030101010101" charset="-122"/>
+              </a:rPr>
+              <a:t>异常</a:t>
+            </a:r>
+            <a:r>
+              <a:rPr kumimoji="0" lang="zh-CN" altLang="en-US" sz="3200" b="1" i="0" u="none" strike="noStrike" kern="1200" cap="none" spc="0" normalizeH="0" baseline="0" noProof="0" dirty="0">
+                <a:ln>
+                  <a:noFill/>
+                </a:ln>
+                <a:solidFill>
+                  <a:schemeClr val="accent2"/>
+                </a:solidFill>
+                <a:effectLst/>
+                <a:uLnTx/>
+                <a:uFillTx/>
+                <a:latin typeface="微软雅黑" panose="020B0503020204020204" charset="-122"/>
+                <a:ea typeface="微软雅黑" panose="020B0503020204020204" charset="-122"/>
+                <a:cs typeface="Times New Roman" panose="02020603050405020304" pitchFamily="18" charset="0"/>
+                <a:sym typeface="等线" panose="02010600030101010101" charset="-122"/>
+              </a:rPr>
+              <a:t>预测主要研究点</a:t>
+            </a:r>
+            <a:endParaRPr kumimoji="0" lang="zh-CN" altLang="en-US" sz="3200" b="1" i="0" u="none" strike="noStrike" kern="1200" cap="none" spc="0" normalizeH="0" baseline="0" noProof="0" dirty="0">
+              <a:ln>
+                <a:noFill/>
+              </a:ln>
+              <a:solidFill>
+                <a:schemeClr val="accent2"/>
+              </a:solidFill>
+              <a:effectLst/>
+              <a:uLnTx/>
+              <a:uFillTx/>
+              <a:latin typeface="微软雅黑" panose="020B0503020204020204" charset="-122"/>
+              <a:ea typeface="微软雅黑" panose="020B0503020204020204" charset="-122"/>
+              <a:cs typeface="Times New Roman" panose="02020603050405020304" pitchFamily="18" charset="0"/>
+              <a:sym typeface="等线" panose="02010600030101010101" charset="-122"/>
+            </a:endParaRPr>
+          </a:p>
+        </p:txBody>
+      </p:sp>
+      <p:pic>
+        <p:nvPicPr>
+          <p:cNvPr id="2097158" name="图片 61"/>
+          <p:cNvPicPr>
+            <a:picLocks noChangeAspect="1"/>
+          </p:cNvPicPr>
+          <p:nvPr/>
+        </p:nvPicPr>
+        <p:blipFill rotWithShape="1">
+          <a:blip r:embed="rId1" cstate="print"/>
+          <a:srcRect b="9522"/>
+          <a:stretch>
+            <a:fillRect/>
+          </a:stretch>
+        </p:blipFill>
+        <p:spPr>
+          <a:xfrm>
+            <a:off x="10078279" y="277930"/>
+            <a:ext cx="1811714" cy="680928"/>
+          </a:xfrm>
+          <a:prstGeom prst="rect">
+            <a:avLst/>
+          </a:prstGeom>
+        </p:spPr>
+      </p:pic>
+      <p:sp>
+        <p:nvSpPr>
+          <p:cNvPr id="7" name="文本框 6"/>
+          <p:cNvSpPr txBox="1"/>
+          <p:nvPr/>
+        </p:nvSpPr>
+        <p:spPr>
+          <a:xfrm>
+            <a:off x="1821760" y="2414329"/>
+            <a:ext cx="8906613" cy="2030095"/>
+          </a:xfrm>
+          <a:prstGeom prst="rect">
+            <a:avLst/>
+          </a:prstGeom>
+          <a:noFill/>
+        </p:spPr>
+        <p:txBody>
+          <a:bodyPr wrap="square">
+            <a:spAutoFit/>
+          </a:bodyPr>
+          <a:lstStyle/>
+          <a:p>
+            <a:r>
+              <a:rPr lang="zh-CN" altLang="en-US" dirty="0"/>
+              <a:t>（</a:t>
+            </a:r>
+            <a:r>
+              <a:rPr lang="en-US" altLang="zh-CN" dirty="0"/>
+              <a:t>1</a:t>
+            </a:r>
+            <a:r>
+              <a:rPr lang="zh-CN" altLang="en-US" dirty="0"/>
+              <a:t>）基于</a:t>
+            </a:r>
+            <a:r>
+              <a:rPr lang="en-US" altLang="zh-CN" dirty="0"/>
+              <a:t>FFT</a:t>
+            </a:r>
+            <a:r>
+              <a:rPr lang="zh-CN" altLang="en-US" dirty="0"/>
+              <a:t>从频域角度对多维时间序列的每个维度数据单独进行频域特征</a:t>
+            </a:r>
+            <a:r>
+              <a:rPr lang="zh-CN" altLang="en-US" dirty="0"/>
+              <a:t>分析</a:t>
+            </a:r>
+            <a:endParaRPr lang="en-US" altLang="zh-CN" dirty="0"/>
+          </a:p>
+          <a:p>
+            <a:endParaRPr lang="en-US" altLang="zh-CN" dirty="0"/>
+          </a:p>
+          <a:p>
+            <a:r>
+              <a:rPr lang="zh-CN" altLang="en-US" dirty="0"/>
+              <a:t>（</a:t>
+            </a:r>
+            <a:r>
+              <a:rPr lang="en-US" altLang="zh-CN" dirty="0"/>
+              <a:t>2</a:t>
+            </a:r>
+            <a:r>
+              <a:rPr lang="zh-CN" altLang="en-US" dirty="0"/>
+              <a:t>）基于多尺度学习对输入数据进行多尺度的特征学习</a:t>
+            </a:r>
+            <a:endParaRPr lang="en-US" altLang="zh-CN" dirty="0"/>
+          </a:p>
+          <a:p>
+            <a:endParaRPr lang="en-US" altLang="zh-CN" dirty="0"/>
+          </a:p>
+          <a:p>
+            <a:r>
+              <a:rPr lang="zh-CN" altLang="en-US" dirty="0"/>
+              <a:t>（</a:t>
+            </a:r>
+            <a:r>
+              <a:rPr lang="en-US" altLang="zh-CN" dirty="0"/>
+              <a:t>3</a:t>
+            </a:r>
+            <a:r>
+              <a:rPr lang="zh-CN" altLang="en-US" dirty="0"/>
+              <a:t>）基于学习到的多尺度特征进行信息</a:t>
+            </a:r>
+            <a:r>
+              <a:rPr lang="zh-CN" altLang="en-US" dirty="0"/>
+              <a:t>融合</a:t>
+            </a:r>
+            <a:endParaRPr lang="zh-CN" altLang="en-US" dirty="0"/>
+          </a:p>
+          <a:p>
+            <a:endParaRPr lang="en-US" altLang="zh-CN" dirty="0"/>
+          </a:p>
+          <a:p>
+            <a:r>
+              <a:rPr lang="zh-CN" altLang="en-US" dirty="0"/>
+              <a:t>（</a:t>
+            </a:r>
+            <a:r>
+              <a:rPr lang="en-US" altLang="zh-CN" dirty="0"/>
+              <a:t>4</a:t>
+            </a:r>
+            <a:r>
+              <a:rPr lang="zh-CN" altLang="en-US" dirty="0"/>
+              <a:t>）</a:t>
+            </a:r>
+            <a:r>
+              <a:rPr lang="zh-CN" altLang="en-US" dirty="0">
+                <a:sym typeface="+mn-ea"/>
+              </a:rPr>
+              <a:t>基于多尺度的特征分布差异判断异常存在性，</a:t>
+            </a:r>
+            <a:r>
+              <a:rPr lang="zh-CN" altLang="en-US" dirty="0"/>
+              <a:t>基于序列重构判断异常波动程度</a:t>
+            </a:r>
+            <a:endParaRPr lang="zh-CN" altLang="en-US" dirty="0"/>
+          </a:p>
+        </p:txBody>
+      </p:sp>
+    </p:spTree>
+  </p:cSld>
+  <p:clrMapOvr>
+    <a:masterClrMapping/>
+  </p:clrMapOvr>
+</p:sld>
+</file>
+
+<file path=ppt/slides/slide18.xml><?xml version="1.0" encoding="utf-8"?>
+<p:sld xmlns:a="http://schemas.openxmlformats.org/drawingml/2006/main" xmlns:r="http://schemas.openxmlformats.org/officeDocument/2006/relationships" xmlns:p="http://schemas.openxmlformats.org/presentationml/2006/main">
+  <p:cSld>
+    <p:spTree>
+      <p:nvGrpSpPr>
+        <p:cNvPr id="1" name=""/>
+        <p:cNvGrpSpPr/>
+        <p:nvPr/>
+      </p:nvGrpSpPr>
+      <p:grpSpPr>
+        <a:xfrm>
+          <a:off x="0" y="0"/>
+          <a:ext cx="0" cy="0"/>
+          <a:chOff x="0" y="0"/>
+          <a:chExt cx="0" cy="0"/>
+        </a:xfrm>
+      </p:grpSpPr>
+      <p:cxnSp>
+        <p:nvCxnSpPr>
+          <p:cNvPr id="3145732" name="直接连接符 4"/>
+          <p:cNvCxnSpPr/>
+          <p:nvPr/>
+        </p:nvCxnSpPr>
+        <p:spPr>
+          <a:xfrm>
+            <a:off x="302002" y="997804"/>
+            <a:ext cx="11587991" cy="0"/>
+          </a:xfrm>
+          <a:prstGeom prst="line">
+            <a:avLst/>
+          </a:prstGeom>
+          <a:ln w="12700">
+            <a:solidFill>
+              <a:srgbClr val="09397E"/>
+            </a:solidFill>
+          </a:ln>
+        </p:spPr>
+        <p:style>
+          <a:lnRef idx="1">
+            <a:schemeClr val="accent1"/>
+          </a:lnRef>
+          <a:fillRef idx="0">
+            <a:schemeClr val="accent1"/>
+          </a:fillRef>
+          <a:effectRef idx="0">
+            <a:schemeClr val="accent1"/>
+          </a:effectRef>
+          <a:fontRef idx="minor">
+            <a:schemeClr val="tx1"/>
+          </a:fontRef>
+        </p:style>
+      </p:cxnSp>
+      <p:sp>
+        <p:nvSpPr>
+          <p:cNvPr id="1048600" name="矩形 60"/>
+          <p:cNvSpPr/>
+          <p:nvPr/>
+        </p:nvSpPr>
+        <p:spPr>
+          <a:xfrm>
+            <a:off x="240030" y="420370"/>
+            <a:ext cx="6699885" cy="583565"/>
+          </a:xfrm>
+          <a:prstGeom prst="rect">
+            <a:avLst/>
+          </a:prstGeom>
+        </p:spPr>
+        <p:txBody>
+          <a:bodyPr wrap="square">
+            <a:spAutoFit/>
+          </a:bodyPr>
+          <a:lstStyle/>
+          <a:p>
+            <a:pPr marL="0" marR="0" lvl="0" indent="0" algn="l" defTabSz="914400" rtl="0" eaLnBrk="1" fontAlgn="auto" latinLnBrk="0" hangingPunct="1">
+              <a:lnSpc>
+                <a:spcPct val="100000"/>
+              </a:lnSpc>
+              <a:spcBef>
+                <a:spcPts val="0"/>
+              </a:spcBef>
+              <a:spcAft>
+                <a:spcPts val="0"/>
+              </a:spcAft>
+              <a:buClrTx/>
+              <a:buSzTx/>
+              <a:buFontTx/>
+              <a:buNone/>
+            </a:pPr>
+            <a:r>
+              <a:rPr kumimoji="0" lang="zh-CN" altLang="en-US" sz="3200" b="1" i="0" u="none" strike="noStrike" kern="1200" cap="none" spc="0" normalizeH="0" baseline="0" noProof="0" dirty="0">
+                <a:ln>
+                  <a:noFill/>
+                </a:ln>
+                <a:solidFill>
+                  <a:schemeClr val="accent2"/>
+                </a:solidFill>
+                <a:effectLst/>
+                <a:uLnTx/>
+                <a:uFillTx/>
+                <a:latin typeface="微软雅黑" panose="020B0503020204020204" charset="-122"/>
+                <a:ea typeface="微软雅黑" panose="020B0503020204020204" charset="-122"/>
+                <a:cs typeface="Times New Roman" panose="02020603050405020304" pitchFamily="18" charset="0"/>
+                <a:sym typeface="等线" panose="02010600030101010101" charset="-122"/>
+              </a:rPr>
+              <a:t>异常预测模型</a:t>
+            </a:r>
+            <a:r>
+              <a:rPr kumimoji="0" lang="zh-CN" altLang="en-US" sz="3200" b="1" i="0" u="none" strike="noStrike" kern="1200" cap="none" spc="0" normalizeH="0" baseline="0" noProof="0" dirty="0">
+                <a:ln>
+                  <a:noFill/>
+                </a:ln>
+                <a:solidFill>
+                  <a:schemeClr val="accent2"/>
+                </a:solidFill>
+                <a:effectLst/>
+                <a:uLnTx/>
+                <a:uFillTx/>
+                <a:latin typeface="微软雅黑" panose="020B0503020204020204" charset="-122"/>
+                <a:ea typeface="微软雅黑" panose="020B0503020204020204" charset="-122"/>
+                <a:cs typeface="Times New Roman" panose="02020603050405020304" pitchFamily="18" charset="0"/>
+                <a:sym typeface="等线" panose="02010600030101010101" charset="-122"/>
+              </a:rPr>
+              <a:t>框架</a:t>
+            </a:r>
+            <a:endParaRPr kumimoji="0" lang="zh-CN" altLang="en-US" sz="3200" b="1" i="0" u="none" strike="noStrike" kern="1200" cap="none" spc="0" normalizeH="0" baseline="0" noProof="0" dirty="0">
+              <a:ln>
+                <a:noFill/>
+              </a:ln>
+              <a:solidFill>
+                <a:schemeClr val="accent2"/>
+              </a:solidFill>
+              <a:effectLst/>
+              <a:uLnTx/>
+              <a:uFillTx/>
+              <a:latin typeface="微软雅黑" panose="020B0503020204020204" charset="-122"/>
+              <a:ea typeface="微软雅黑" panose="020B0503020204020204" charset="-122"/>
+              <a:cs typeface="Times New Roman" panose="02020603050405020304" pitchFamily="18" charset="0"/>
+              <a:sym typeface="等线" panose="02010600030101010101" charset="-122"/>
+            </a:endParaRPr>
+          </a:p>
+        </p:txBody>
+      </p:sp>
+      <p:pic>
+        <p:nvPicPr>
+          <p:cNvPr id="2097158" name="图片 61"/>
+          <p:cNvPicPr>
+            <a:picLocks noChangeAspect="1"/>
+          </p:cNvPicPr>
+          <p:nvPr/>
+        </p:nvPicPr>
+        <p:blipFill rotWithShape="1">
+          <a:blip r:embed="rId1" cstate="print"/>
+          <a:srcRect b="9522"/>
+          <a:stretch>
+            <a:fillRect/>
+          </a:stretch>
+        </p:blipFill>
+        <p:spPr>
+          <a:xfrm>
+            <a:off x="10078279" y="277930"/>
+            <a:ext cx="1811714" cy="680928"/>
+          </a:xfrm>
+          <a:prstGeom prst="rect">
+            <a:avLst/>
+          </a:prstGeom>
+        </p:spPr>
+      </p:pic>
+      <p:pic>
+        <p:nvPicPr>
+          <p:cNvPr id="2" name="图片 1"/>
+          <p:cNvPicPr>
+            <a:picLocks noChangeAspect="1"/>
+          </p:cNvPicPr>
+          <p:nvPr/>
+        </p:nvPicPr>
+        <p:blipFill>
+          <a:blip r:embed="rId2"/>
+          <a:stretch>
+            <a:fillRect/>
+          </a:stretch>
+        </p:blipFill>
+        <p:spPr>
+          <a:xfrm>
+            <a:off x="1867535" y="1240790"/>
             <a:ext cx="8752205" cy="5172710"/>
           </a:xfrm>
           <a:prstGeom prst="rect">
@@ -6358,6 +8322,401 @@
           </a:prstGeom>
         </p:spPr>
       </p:pic>
+    </p:spTree>
+  </p:cSld>
+  <p:clrMapOvr>
+    <a:masterClrMapping/>
+  </p:clrMapOvr>
+</p:sld>
+</file>
+
+<file path=ppt/slides/slide19.xml><?xml version="1.0" encoding="utf-8"?>
+<p:sld xmlns:a="http://schemas.openxmlformats.org/drawingml/2006/main" xmlns:r="http://schemas.openxmlformats.org/officeDocument/2006/relationships" xmlns:p="http://schemas.openxmlformats.org/presentationml/2006/main">
+  <p:cSld>
+    <p:spTree>
+      <p:nvGrpSpPr>
+        <p:cNvPr id="1" name=""/>
+        <p:cNvGrpSpPr/>
+        <p:nvPr/>
+      </p:nvGrpSpPr>
+      <p:grpSpPr>
+        <a:xfrm>
+          <a:off x="0" y="0"/>
+          <a:ext cx="0" cy="0"/>
+          <a:chOff x="0" y="0"/>
+          <a:chExt cx="0" cy="0"/>
+        </a:xfrm>
+      </p:grpSpPr>
+      <p:cxnSp>
+        <p:nvCxnSpPr>
+          <p:cNvPr id="3145732" name="直接连接符 4"/>
+          <p:cNvCxnSpPr/>
+          <p:nvPr/>
+        </p:nvCxnSpPr>
+        <p:spPr>
+          <a:xfrm>
+            <a:off x="302002" y="997804"/>
+            <a:ext cx="11587991" cy="0"/>
+          </a:xfrm>
+          <a:prstGeom prst="line">
+            <a:avLst/>
+          </a:prstGeom>
+          <a:ln w="12700">
+            <a:solidFill>
+              <a:srgbClr val="09397E"/>
+            </a:solidFill>
+          </a:ln>
+        </p:spPr>
+        <p:style>
+          <a:lnRef idx="1">
+            <a:schemeClr val="accent1"/>
+          </a:lnRef>
+          <a:fillRef idx="0">
+            <a:schemeClr val="accent1"/>
+          </a:fillRef>
+          <a:effectRef idx="0">
+            <a:schemeClr val="accent1"/>
+          </a:effectRef>
+          <a:fontRef idx="minor">
+            <a:schemeClr val="tx1"/>
+          </a:fontRef>
+        </p:style>
+      </p:cxnSp>
+      <p:sp>
+        <p:nvSpPr>
+          <p:cNvPr id="1048600" name="矩形 60"/>
+          <p:cNvSpPr/>
+          <p:nvPr/>
+        </p:nvSpPr>
+        <p:spPr>
+          <a:xfrm>
+            <a:off x="240030" y="420370"/>
+            <a:ext cx="6699885" cy="583565"/>
+          </a:xfrm>
+          <a:prstGeom prst="rect">
+            <a:avLst/>
+          </a:prstGeom>
+        </p:spPr>
+        <p:txBody>
+          <a:bodyPr wrap="square">
+            <a:spAutoFit/>
+          </a:bodyPr>
+          <a:lstStyle/>
+          <a:p>
+            <a:pPr marL="0" marR="0" lvl="0" indent="0" algn="l" defTabSz="914400" rtl="0" eaLnBrk="1" fontAlgn="auto" latinLnBrk="0" hangingPunct="1">
+              <a:lnSpc>
+                <a:spcPct val="100000"/>
+              </a:lnSpc>
+              <a:spcBef>
+                <a:spcPts val="0"/>
+              </a:spcBef>
+              <a:spcAft>
+                <a:spcPts val="0"/>
+              </a:spcAft>
+              <a:buClrTx/>
+              <a:buSzTx/>
+              <a:buFontTx/>
+              <a:buNone/>
+            </a:pPr>
+            <a:r>
+              <a:rPr kumimoji="0" lang="zh-CN" altLang="en-US" sz="3200" b="1" i="0" u="none" strike="noStrike" kern="1200" cap="none" spc="0" normalizeH="0" baseline="0" noProof="0" dirty="0">
+                <a:ln>
+                  <a:noFill/>
+                </a:ln>
+                <a:solidFill>
+                  <a:schemeClr val="accent2"/>
+                </a:solidFill>
+                <a:effectLst/>
+                <a:uLnTx/>
+                <a:uFillTx/>
+                <a:latin typeface="微软雅黑" panose="020B0503020204020204" charset="-122"/>
+                <a:ea typeface="微软雅黑" panose="020B0503020204020204" charset="-122"/>
+                <a:cs typeface="Times New Roman" panose="02020603050405020304" pitchFamily="18" charset="0"/>
+                <a:sym typeface="等线" panose="02010600030101010101" charset="-122"/>
+              </a:rPr>
+              <a:t>异常</a:t>
+            </a:r>
+            <a:r>
+              <a:rPr kumimoji="0" lang="zh-CN" altLang="en-US" sz="3200" b="1" i="0" u="none" strike="noStrike" kern="1200" cap="none" spc="0" normalizeH="0" baseline="0" noProof="0" dirty="0">
+                <a:ln>
+                  <a:noFill/>
+                </a:ln>
+                <a:solidFill>
+                  <a:schemeClr val="accent2"/>
+                </a:solidFill>
+                <a:effectLst/>
+                <a:uLnTx/>
+                <a:uFillTx/>
+                <a:latin typeface="微软雅黑" panose="020B0503020204020204" charset="-122"/>
+                <a:ea typeface="微软雅黑" panose="020B0503020204020204" charset="-122"/>
+                <a:cs typeface="Times New Roman" panose="02020603050405020304" pitchFamily="18" charset="0"/>
+                <a:sym typeface="等线" panose="02010600030101010101" charset="-122"/>
+              </a:rPr>
+              <a:t>预测主要研究点</a:t>
+            </a:r>
+            <a:endParaRPr kumimoji="0" lang="zh-CN" altLang="en-US" sz="3200" b="1" i="0" u="none" strike="noStrike" kern="1200" cap="none" spc="0" normalizeH="0" baseline="0" noProof="0" dirty="0">
+              <a:ln>
+                <a:noFill/>
+              </a:ln>
+              <a:solidFill>
+                <a:schemeClr val="accent2"/>
+              </a:solidFill>
+              <a:effectLst/>
+              <a:uLnTx/>
+              <a:uFillTx/>
+              <a:latin typeface="微软雅黑" panose="020B0503020204020204" charset="-122"/>
+              <a:ea typeface="微软雅黑" panose="020B0503020204020204" charset="-122"/>
+              <a:cs typeface="Times New Roman" panose="02020603050405020304" pitchFamily="18" charset="0"/>
+              <a:sym typeface="等线" panose="02010600030101010101" charset="-122"/>
+            </a:endParaRPr>
+          </a:p>
+        </p:txBody>
+      </p:sp>
+      <p:pic>
+        <p:nvPicPr>
+          <p:cNvPr id="2097158" name="图片 61"/>
+          <p:cNvPicPr>
+            <a:picLocks noChangeAspect="1"/>
+          </p:cNvPicPr>
+          <p:nvPr/>
+        </p:nvPicPr>
+        <p:blipFill rotWithShape="1">
+          <a:blip r:embed="rId1" cstate="print"/>
+          <a:srcRect b="9522"/>
+          <a:stretch>
+            <a:fillRect/>
+          </a:stretch>
+        </p:blipFill>
+        <p:spPr>
+          <a:xfrm>
+            <a:off x="10078279" y="277930"/>
+            <a:ext cx="1811714" cy="680928"/>
+          </a:xfrm>
+          <a:prstGeom prst="rect">
+            <a:avLst/>
+          </a:prstGeom>
+        </p:spPr>
+      </p:pic>
+      <p:sp>
+        <p:nvSpPr>
+          <p:cNvPr id="7" name="文本框 6"/>
+          <p:cNvSpPr txBox="1"/>
+          <p:nvPr/>
+        </p:nvSpPr>
+        <p:spPr>
+          <a:xfrm>
+            <a:off x="1301750" y="1582420"/>
+            <a:ext cx="10048875" cy="3692525"/>
+          </a:xfrm>
+          <a:prstGeom prst="rect">
+            <a:avLst/>
+          </a:prstGeom>
+          <a:noFill/>
+        </p:spPr>
+        <p:txBody>
+          <a:bodyPr wrap="square">
+            <a:spAutoFit/>
+          </a:bodyPr>
+          <a:lstStyle/>
+          <a:p>
+            <a:r>
+              <a:rPr lang="zh-CN" altLang="en-US" dirty="0"/>
+              <a:t>（</a:t>
+            </a:r>
+            <a:r>
+              <a:rPr lang="en-US" altLang="zh-CN" dirty="0"/>
+              <a:t>1</a:t>
+            </a:r>
+            <a:r>
+              <a:rPr lang="zh-CN" altLang="en-US" dirty="0"/>
+              <a:t>）</a:t>
+            </a:r>
+            <a:r>
+              <a:rPr lang="zh-CN" altLang="en-US">
+                <a:sym typeface="+mn-ea"/>
+              </a:rPr>
+              <a:t>利用</a:t>
+            </a:r>
+            <a:r>
+              <a:rPr lang="zh-CN" altLang="en-US">
+                <a:solidFill>
+                  <a:srgbClr val="FF0000"/>
+                </a:solidFill>
+                <a:sym typeface="+mn-ea"/>
+              </a:rPr>
+              <a:t>快速傅立叶变换计算各个维度数据的主要周期</a:t>
+            </a:r>
+            <a:r>
+              <a:rPr lang="zh-CN" altLang="en-US">
+                <a:sym typeface="+mn-ea"/>
+              </a:rPr>
+              <a:t>，并对这个周期内的数据进行掩码，使得模型可以更好地学习非主要周期的数据特征（因为异常前兆数据一般存在于非主要周期内），进而</a:t>
+            </a:r>
+            <a:r>
+              <a:rPr lang="zh-CN" altLang="en-US">
+                <a:solidFill>
+                  <a:srgbClr val="FF0000"/>
+                </a:solidFill>
+                <a:sym typeface="+mn-ea"/>
+              </a:rPr>
+              <a:t>针对每个维度生成不同掩码长度的掩码序列</a:t>
+            </a:r>
+            <a:r>
+              <a:rPr lang="zh-CN" altLang="en-US">
+                <a:sym typeface="+mn-ea"/>
+              </a:rPr>
+              <a:t>（因为不同维度数据的主</a:t>
+            </a:r>
+            <a:r>
+              <a:rPr lang="zh-CN" altLang="en-US">
+                <a:sym typeface="+mn-ea"/>
+              </a:rPr>
+              <a:t>要周期不同，所以需要单独生成不同的掩码长度）</a:t>
+            </a:r>
+            <a:endParaRPr lang="en-US" altLang="zh-CN" dirty="0"/>
+          </a:p>
+          <a:p>
+            <a:endParaRPr lang="en-US" altLang="zh-CN" dirty="0"/>
+          </a:p>
+          <a:p>
+            <a:r>
+              <a:rPr lang="zh-CN" altLang="en-US" dirty="0"/>
+              <a:t>（</a:t>
+            </a:r>
+            <a:r>
+              <a:rPr lang="en-US" altLang="zh-CN" dirty="0"/>
+              <a:t>2</a:t>
+            </a:r>
+            <a:r>
+              <a:rPr lang="zh-CN" altLang="en-US" dirty="0"/>
+              <a:t>）</a:t>
+            </a:r>
+            <a:r>
+              <a:rPr lang="zh-CN" altLang="en-US">
+                <a:sym typeface="+mn-ea"/>
+              </a:rPr>
+              <a:t>将</a:t>
+            </a:r>
+            <a:r>
+              <a:rPr lang="zh-CN" altLang="en-US">
+                <a:solidFill>
+                  <a:srgbClr val="FF0000"/>
+                </a:solidFill>
+                <a:sym typeface="+mn-ea"/>
+              </a:rPr>
+              <a:t>每个维度的掩码序列进行不同尺度的子序列划分</a:t>
+            </a:r>
+            <a:r>
+              <a:rPr lang="zh-CN" altLang="en-US">
+                <a:sym typeface="+mn-ea"/>
+              </a:rPr>
+              <a:t>（因为同一维度数据内的异常可能有多种，每种异常的前兆数据可能有不同的特征，所以使用不同长度的时间窗口进行子序列划分，同时学习不同尺度下的序列特征，可以更好地学习到不同的异常前兆</a:t>
+            </a:r>
+            <a:r>
+              <a:rPr lang="zh-CN" altLang="en-US">
+                <a:sym typeface="+mn-ea"/>
+              </a:rPr>
+              <a:t>数据特征）</a:t>
+            </a:r>
+            <a:endParaRPr lang="zh-CN" altLang="en-US"/>
+          </a:p>
+          <a:p>
+            <a:endParaRPr lang="en-US" altLang="zh-CN" dirty="0"/>
+          </a:p>
+          <a:p>
+            <a:endParaRPr lang="en-US" altLang="zh-CN" dirty="0"/>
+          </a:p>
+          <a:p>
+            <a:r>
+              <a:rPr lang="zh-CN" altLang="en-US" dirty="0"/>
+              <a:t>（</a:t>
+            </a:r>
+            <a:r>
+              <a:rPr lang="en-US" altLang="zh-CN" dirty="0"/>
+              <a:t>3</a:t>
+            </a:r>
+            <a:r>
+              <a:rPr lang="zh-CN" altLang="en-US" dirty="0"/>
+              <a:t>）</a:t>
+            </a:r>
+            <a:r>
+              <a:rPr lang="zh-CN" altLang="en-US" dirty="0">
+                <a:solidFill>
+                  <a:srgbClr val="FF0000"/>
+                </a:solidFill>
+              </a:rPr>
+              <a:t>计算</a:t>
+            </a:r>
+            <a:r>
+              <a:rPr lang="zh-CN" altLang="en-US">
+                <a:solidFill>
+                  <a:srgbClr val="FF0000"/>
+                </a:solidFill>
+                <a:sym typeface="+mn-ea"/>
+              </a:rPr>
+              <a:t>不同尺度特征间的相似度</a:t>
+            </a:r>
+            <a:r>
+              <a:rPr lang="zh-CN" altLang="en-US">
+                <a:sym typeface="+mn-ea"/>
+              </a:rPr>
+              <a:t>，并且</a:t>
+            </a:r>
+            <a:r>
+              <a:rPr lang="zh-CN" altLang="en-US">
+                <a:solidFill>
+                  <a:srgbClr val="FF0000"/>
+                </a:solidFill>
+                <a:sym typeface="+mn-ea"/>
+              </a:rPr>
+              <a:t>使用</a:t>
+            </a:r>
+            <a:r>
+              <a:rPr lang="en-US" altLang="zh-CN">
+                <a:solidFill>
+                  <a:srgbClr val="FF0000"/>
+                </a:solidFill>
+                <a:sym typeface="+mn-ea"/>
+              </a:rPr>
+              <a:t>MLP</a:t>
+            </a:r>
+            <a:r>
+              <a:rPr lang="zh-CN" altLang="en-US">
+                <a:solidFill>
+                  <a:srgbClr val="FF0000"/>
+                </a:solidFill>
+                <a:sym typeface="+mn-ea"/>
+              </a:rPr>
+              <a:t>融合学习到的多尺度特征后对序列进行重构</a:t>
+            </a:r>
+            <a:r>
+              <a:rPr lang="zh-CN" altLang="en-US">
+                <a:sym typeface="+mn-ea"/>
+              </a:rPr>
+              <a:t>，</a:t>
+            </a:r>
+            <a:r>
+              <a:rPr lang="zh-CN" altLang="en-US">
+                <a:sym typeface="+mn-ea"/>
+              </a:rPr>
+              <a:t>不同尺度特征间的相似度反映了是否有异常存在导致影响了特征空间的分布，</a:t>
+            </a:r>
+            <a:r>
+              <a:rPr lang="zh-CN" altLang="en-US">
+                <a:sym typeface="+mn-ea"/>
+              </a:rPr>
+              <a:t>重构误差反映了异常程度，根据相似度和重构误差来对未来一段时间窗口内是否会有异常发生进行</a:t>
+            </a:r>
+            <a:r>
+              <a:rPr lang="zh-CN" altLang="en-US">
+                <a:sym typeface="+mn-ea"/>
+              </a:rPr>
+              <a:t>预测</a:t>
+            </a:r>
+            <a:endParaRPr lang="zh-CN" altLang="en-US" dirty="0"/>
+          </a:p>
+        </p:txBody>
+      </p:sp>
     </p:spTree>
   </p:cSld>
   <p:clrMapOvr>

--- a/论文插图.pptx
+++ b/论文插图.pptx
@@ -23,15 +23,17 @@
     <p:sldId id="281" r:id="rId16"/>
     <p:sldId id="280" r:id="rId17"/>
     <p:sldId id="282" r:id="rId18"/>
-    <p:sldId id="277" r:id="rId19"/>
-    <p:sldId id="284" r:id="rId20"/>
-    <p:sldId id="283" r:id="rId21"/>
-    <p:sldId id="286" r:id="rId22"/>
+    <p:sldId id="288" r:id="rId19"/>
+    <p:sldId id="277" r:id="rId20"/>
+    <p:sldId id="284" r:id="rId21"/>
+    <p:sldId id="283" r:id="rId22"/>
+    <p:sldId id="286" r:id="rId23"/>
+    <p:sldId id="289" r:id="rId24"/>
   </p:sldIdLst>
   <p:sldSz cx="12192000" cy="6858000"/>
   <p:notesSz cx="6858000" cy="9144000"/>
   <p:custDataLst>
-    <p:tags r:id="rId26"/>
+    <p:tags r:id="rId28"/>
   </p:custDataLst>
   <p:defaultTextStyle>
     <a:defPPr>
@@ -479,6 +481,128 @@
 </file>
 
 <file path=ppt/notesSlides/notesSlide1.xml><?xml version="1.0" encoding="utf-8"?>
+<p:notes xmlns:a="http://schemas.openxmlformats.org/drawingml/2006/main" xmlns:r="http://schemas.openxmlformats.org/officeDocument/2006/relationships" xmlns:p="http://schemas.openxmlformats.org/presentationml/2006/main">
+  <p:cSld>
+    <p:spTree>
+      <p:nvGrpSpPr>
+        <p:cNvPr id="1" name=""/>
+        <p:cNvGrpSpPr/>
+        <p:nvPr/>
+      </p:nvGrpSpPr>
+      <p:grpSpPr>
+        <a:xfrm>
+          <a:off x="0" y="0"/>
+          <a:ext cx="0" cy="0"/>
+          <a:chOff x="0" y="0"/>
+          <a:chExt cx="0" cy="0"/>
+        </a:xfrm>
+      </p:grpSpPr>
+      <p:sp>
+        <p:nvSpPr>
+          <p:cNvPr id="1048602" name="幻灯片图像占位符 1"/>
+          <p:cNvSpPr>
+            <a:spLocks noGrp="1" noRot="1" noChangeAspect="1"/>
+          </p:cNvSpPr>
+          <p:nvPr>
+            <p:ph type="sldImg"/>
+          </p:nvPr>
+        </p:nvSpPr>
+        <p:spPr>
+          <a:xfrm>
+            <a:off x="381000" y="685800"/>
+            <a:ext cx="6096000" cy="3429000"/>
+          </a:xfrm>
+        </p:spPr>
+      </p:sp>
+      <p:sp>
+        <p:nvSpPr>
+          <p:cNvPr id="1048603" name="备注占位符 2"/>
+          <p:cNvSpPr>
+            <a:spLocks noGrp="1"/>
+          </p:cNvSpPr>
+          <p:nvPr>
+            <p:ph type="body" idx="1"/>
+          </p:nvPr>
+        </p:nvSpPr>
+        <p:spPr/>
+        <p:txBody>
+          <a:bodyPr/>
+          <a:lstStyle/>
+          <a:p>
+            <a:endParaRPr kumimoji="1" lang="zh-SG" altLang="en-US" dirty="0"/>
+          </a:p>
+        </p:txBody>
+      </p:sp>
+    </p:spTree>
+  </p:cSld>
+  <p:clrMapOvr>
+    <a:masterClrMapping/>
+  </p:clrMapOvr>
+</p:notes>
+</file>
+
+<file path=ppt/notesSlides/notesSlide10.xml><?xml version="1.0" encoding="utf-8"?>
+<p:notes xmlns:a="http://schemas.openxmlformats.org/drawingml/2006/main" xmlns:r="http://schemas.openxmlformats.org/officeDocument/2006/relationships" xmlns:p="http://schemas.openxmlformats.org/presentationml/2006/main">
+  <p:cSld>
+    <p:spTree>
+      <p:nvGrpSpPr>
+        <p:cNvPr id="1" name=""/>
+        <p:cNvGrpSpPr/>
+        <p:nvPr/>
+      </p:nvGrpSpPr>
+      <p:grpSpPr>
+        <a:xfrm>
+          <a:off x="0" y="0"/>
+          <a:ext cx="0" cy="0"/>
+          <a:chOff x="0" y="0"/>
+          <a:chExt cx="0" cy="0"/>
+        </a:xfrm>
+      </p:grpSpPr>
+      <p:sp>
+        <p:nvSpPr>
+          <p:cNvPr id="1048602" name="幻灯片图像占位符 1"/>
+          <p:cNvSpPr>
+            <a:spLocks noGrp="1" noRot="1" noChangeAspect="1"/>
+          </p:cNvSpPr>
+          <p:nvPr>
+            <p:ph type="sldImg"/>
+          </p:nvPr>
+        </p:nvSpPr>
+        <p:spPr>
+          <a:xfrm>
+            <a:off x="381000" y="685800"/>
+            <a:ext cx="6096000" cy="3429000"/>
+          </a:xfrm>
+        </p:spPr>
+      </p:sp>
+      <p:sp>
+        <p:nvSpPr>
+          <p:cNvPr id="1048603" name="备注占位符 2"/>
+          <p:cNvSpPr>
+            <a:spLocks noGrp="1"/>
+          </p:cNvSpPr>
+          <p:nvPr>
+            <p:ph type="body" idx="1"/>
+          </p:nvPr>
+        </p:nvSpPr>
+        <p:spPr/>
+        <p:txBody>
+          <a:bodyPr/>
+          <a:lstStyle/>
+          <a:p>
+            <a:endParaRPr kumimoji="1" lang="zh-SG" altLang="en-US" dirty="0"/>
+          </a:p>
+        </p:txBody>
+      </p:sp>
+    </p:spTree>
+  </p:cSld>
+  <p:clrMapOvr>
+    <a:masterClrMapping/>
+  </p:clrMapOvr>
+</p:notes>
+</file>
+
+<file path=ppt/notesSlides/notesSlide11.xml><?xml version="1.0" encoding="utf-8"?>
 <p:notes xmlns:a="http://schemas.openxmlformats.org/drawingml/2006/main" xmlns:r="http://schemas.openxmlformats.org/officeDocument/2006/relationships" xmlns:p="http://schemas.openxmlformats.org/presentationml/2006/main">
   <p:cSld>
     <p:spTree>
@@ -7660,7 +7784,7 @@
                 <a:cs typeface="Times New Roman" panose="02020603050405020304" pitchFamily="18" charset="0"/>
                 <a:sym typeface="等线" panose="02010600030101010101" charset="-122"/>
               </a:rPr>
-              <a:t>异常</a:t>
+              <a:t>异常检测</a:t>
             </a:r>
             <a:r>
               <a:rPr kumimoji="0" lang="zh-CN" altLang="en-US" sz="3200" b="1" i="0" u="none" strike="noStrike" kern="1200" cap="none" spc="0" normalizeH="0" baseline="0" noProof="0" dirty="0">
@@ -7678,19 +7802,7 @@
                 <a:cs typeface="Times New Roman" panose="02020603050405020304" pitchFamily="18" charset="0"/>
                 <a:sym typeface="等线" panose="02010600030101010101" charset="-122"/>
               </a:rPr>
-              <a:t>预测研究</a:t>
-            </a:r>
-            <a:r>
-              <a:rPr lang="zh-CN" altLang="en-US" sz="3200" b="1" dirty="0">
-                <a:solidFill>
-                  <a:schemeClr val="accent2"/>
-                </a:solidFill>
-                <a:latin typeface="微软雅黑" panose="020B0503020204020204" charset="-122"/>
-                <a:ea typeface="微软雅黑" panose="020B0503020204020204" charset="-122"/>
-                <a:cs typeface="Times New Roman" panose="02020603050405020304" pitchFamily="18" charset="0"/>
-                <a:sym typeface="等线" panose="02010600030101010101" charset="-122"/>
-              </a:rPr>
-              <a:t>背景</a:t>
+              <a:t>模型实验</a:t>
             </a:r>
             <a:endParaRPr kumimoji="0" lang="zh-CN" altLang="en-US" sz="3200" b="1" i="0" u="none" strike="noStrike" kern="1200" cap="none" spc="0" normalizeH="0" baseline="0" noProof="0" dirty="0">
               <a:ln>
@@ -7743,8 +7855,8 @@
         </p:nvSpPr>
         <p:spPr>
           <a:xfrm>
-            <a:off x="1611049" y="2136338"/>
-            <a:ext cx="8969895" cy="2306955"/>
+            <a:off x="1860788" y="1998265"/>
+            <a:ext cx="9187967" cy="2030095"/>
           </a:xfrm>
           <a:prstGeom prst="rect">
             <a:avLst/>
@@ -7759,7 +7871,75 @@
           <a:p>
             <a:r>
               <a:rPr lang="zh-CN" altLang="en-US" dirty="0"/>
-              <a:t>（</a:t>
+              <a:t>评价指标：准确率、召回率、</a:t>
+            </a:r>
+            <a:r>
+              <a:rPr lang="en-US" altLang="zh-CN" dirty="0"/>
+              <a:t>F1-Score</a:t>
+            </a:r>
+            <a:endParaRPr lang="en-US" altLang="zh-CN" dirty="0"/>
+          </a:p>
+          <a:p>
+            <a:endParaRPr lang="zh-CN" altLang="en-US" dirty="0"/>
+          </a:p>
+          <a:p>
+            <a:r>
+              <a:rPr lang="zh-CN" altLang="en-US" dirty="0"/>
+              <a:t>对比基线算法：</a:t>
+            </a:r>
+            <a:r>
+              <a:rPr lang="en-US" dirty="0"/>
+              <a:t>k-NN</a:t>
+            </a:r>
+            <a:r>
+              <a:rPr lang="zh-CN" altLang="en-US" dirty="0"/>
+              <a:t>，</a:t>
+            </a:r>
+            <a:r>
+              <a:rPr lang="en-US" altLang="zh-CN" dirty="0"/>
+              <a:t>Isolation Forest</a:t>
+            </a:r>
+            <a:r>
+              <a:rPr lang="zh-CN" altLang="en-US" dirty="0"/>
+              <a:t>，</a:t>
+            </a:r>
+            <a:r>
+              <a:rPr lang="en-US" altLang="zh-CN" dirty="0"/>
+              <a:t>PCA</a:t>
+            </a:r>
+            <a:r>
+              <a:rPr lang="zh-CN" altLang="en-US" dirty="0"/>
+              <a:t>、</a:t>
+            </a:r>
+            <a:r>
+              <a:rPr lang="en-US" altLang="zh-CN" dirty="0"/>
+              <a:t>LSTM-VAE</a:t>
+            </a:r>
+            <a:r>
+              <a:rPr lang="zh-CN" altLang="en-US" dirty="0"/>
+              <a:t>、</a:t>
+            </a:r>
+            <a:r>
+              <a:rPr lang="en-US" altLang="zh-CN" dirty="0"/>
+              <a:t>GDN</a:t>
+            </a:r>
+            <a:r>
+              <a:rPr lang="zh-CN" altLang="en-US" dirty="0"/>
+              <a:t>、</a:t>
+            </a:r>
+            <a:r>
+              <a:rPr lang="en-US" altLang="zh-CN" dirty="0"/>
+              <a:t>Anomaly Transformer</a:t>
+            </a:r>
+            <a:endParaRPr lang="en-US" altLang="zh-CN" dirty="0"/>
+          </a:p>
+          <a:p>
+            <a:endParaRPr lang="en-US" altLang="zh-CN" dirty="0"/>
+          </a:p>
+          <a:p>
+            <a:r>
+              <a:rPr lang="zh-CN" altLang="en-US" dirty="0"/>
+              <a:t>消融实验：（</a:t>
             </a:r>
             <a:r>
               <a:rPr lang="en-US" altLang="zh-CN" dirty="0"/>
@@ -7767,21 +7947,7 @@
             </a:r>
             <a:r>
               <a:rPr lang="zh-CN" altLang="en-US" dirty="0"/>
-              <a:t>）目前多维时间序列异常检测研究主要是对历史数据中的异常进行检测，缺乏对未来一段时间内可能出现的异常进行预测的研究，而异常预测往往在实际应用场景下更具有应用价值</a:t>
-            </a:r>
-            <a:endParaRPr lang="zh-CN" altLang="en-US" dirty="0"/>
-          </a:p>
-          <a:p>
-            <a:endParaRPr lang="zh-CN" altLang="en-US" dirty="0">
-              <a:solidFill>
-                <a:srgbClr val="FF0000"/>
-              </a:solidFill>
-            </a:endParaRPr>
-          </a:p>
-          <a:p>
-            <a:r>
-              <a:rPr lang="zh-CN" altLang="en-US" dirty="0"/>
-              <a:t>（</a:t>
+              <a:t>）没有时间特征提取模块（</a:t>
             </a:r>
             <a:r>
               <a:rPr lang="en-US" altLang="zh-CN" dirty="0"/>
@@ -7789,44 +7955,45 @@
             </a:r>
             <a:r>
               <a:rPr lang="zh-CN" altLang="en-US" dirty="0"/>
-              <a:t>）异常预测只能是针对有异常前兆数据的异常进行预测，目前</a:t>
-            </a:r>
-            <a:r>
-              <a:rPr lang="zh-CN" altLang="en-US" dirty="0">
-                <a:sym typeface="+mn-ea"/>
-              </a:rPr>
-              <a:t>多维时间序列异常预测的难点主要有</a:t>
-            </a:r>
-            <a:r>
-              <a:rPr lang="zh-CN" altLang="en-US" dirty="0">
-                <a:solidFill>
-                  <a:srgbClr val="FF0000"/>
-                </a:solidFill>
-                <a:sym typeface="+mn-ea"/>
-              </a:rPr>
-              <a:t>如何准确学习到不同维度</a:t>
-            </a:r>
-            <a:r>
-              <a:rPr lang="zh-CN" altLang="en-US" dirty="0">
-                <a:solidFill>
-                  <a:srgbClr val="FF0000"/>
-                </a:solidFill>
-                <a:sym typeface="+mn-ea"/>
-              </a:rPr>
-              <a:t>的异常前兆数据的特征、如何判断在给定时间窗口内有异常前兆数据出现、如何判断异常前兆数据的异常程度</a:t>
-            </a:r>
-            <a:endParaRPr lang="en-US" altLang="zh-CN" dirty="0">
-              <a:solidFill>
-                <a:srgbClr val="FF0000"/>
-              </a:solidFill>
-            </a:endParaRPr>
-          </a:p>
-          <a:p>
-            <a:endParaRPr lang="en-US" altLang="zh-CN" dirty="0">
-              <a:solidFill>
-                <a:srgbClr val="FF0000"/>
-              </a:solidFill>
-            </a:endParaRPr>
+              <a:t>）没有空间特征提取模块（</a:t>
+            </a:r>
+            <a:r>
+              <a:rPr lang="en-US" altLang="zh-CN" dirty="0"/>
+              <a:t>3</a:t>
+            </a:r>
+            <a:r>
+              <a:rPr lang="zh-CN" altLang="en-US" dirty="0"/>
+              <a:t>）时间特征提取模块未使用</a:t>
+            </a:r>
+            <a:r>
+              <a:rPr lang="en-US" altLang="zh-CN" dirty="0"/>
+              <a:t>Time2vec</a:t>
+            </a:r>
+            <a:r>
+              <a:rPr lang="zh-CN" altLang="en-US" dirty="0"/>
+              <a:t>编码，使用位置编码（</a:t>
+            </a:r>
+            <a:r>
+              <a:rPr lang="en-US" altLang="zh-CN" dirty="0"/>
+              <a:t>4</a:t>
+            </a:r>
+            <a:r>
+              <a:rPr lang="zh-CN" altLang="en-US" dirty="0"/>
+              <a:t>）时间特征提取模块未进行维度独立性处理（</a:t>
+            </a:r>
+            <a:r>
+              <a:rPr lang="en-US" altLang="zh-CN" dirty="0"/>
+              <a:t>5</a:t>
+            </a:r>
+            <a:r>
+              <a:rPr lang="zh-CN" altLang="en-US" dirty="0"/>
+              <a:t>）空间特征提取模块没有对各个维度生成嵌入向量学习各个维度单独的</a:t>
+            </a:r>
+            <a:r>
+              <a:rPr lang="zh-CN" altLang="en-US" dirty="0"/>
+              <a:t>特征</a:t>
+            </a:r>
+            <a:endParaRPr lang="en-US" altLang="zh-CN" dirty="0"/>
           </a:p>
         </p:txBody>
       </p:sp>
@@ -7960,7 +8127,19 @@
                 <a:cs typeface="Times New Roman" panose="02020603050405020304" pitchFamily="18" charset="0"/>
                 <a:sym typeface="等线" panose="02010600030101010101" charset="-122"/>
               </a:rPr>
-              <a:t>预测主要研究点</a:t>
+              <a:t>预测研究</a:t>
+            </a:r>
+            <a:r>
+              <a:rPr lang="zh-CN" altLang="en-US" sz="3200" b="1" dirty="0">
+                <a:solidFill>
+                  <a:schemeClr val="accent2"/>
+                </a:solidFill>
+                <a:latin typeface="微软雅黑" panose="020B0503020204020204" charset="-122"/>
+                <a:ea typeface="微软雅黑" panose="020B0503020204020204" charset="-122"/>
+                <a:cs typeface="Times New Roman" panose="02020603050405020304" pitchFamily="18" charset="0"/>
+                <a:sym typeface="等线" panose="02010600030101010101" charset="-122"/>
+              </a:rPr>
+              <a:t>背景</a:t>
             </a:r>
             <a:endParaRPr kumimoji="0" lang="zh-CN" altLang="en-US" sz="3200" b="1" i="0" u="none" strike="noStrike" kern="1200" cap="none" spc="0" normalizeH="0" baseline="0" noProof="0" dirty="0">
               <a:ln>
@@ -8013,8 +8192,8 @@
         </p:nvSpPr>
         <p:spPr>
           <a:xfrm>
-            <a:off x="1821760" y="2414329"/>
-            <a:ext cx="8906613" cy="2030095"/>
+            <a:off x="1611049" y="2136338"/>
+            <a:ext cx="8969895" cy="2306955"/>
           </a:xfrm>
           <a:prstGeom prst="rect">
             <a:avLst/>
@@ -8037,24 +8216,16 @@
             </a:r>
             <a:r>
               <a:rPr lang="zh-CN" altLang="en-US" dirty="0"/>
-              <a:t>）基于</a:t>
-            </a:r>
-            <a:r>
-              <a:rPr lang="en-US" altLang="zh-CN" dirty="0"/>
-              <a:t>FFT</a:t>
-            </a:r>
-            <a:r>
-              <a:rPr lang="zh-CN" altLang="en-US" dirty="0"/>
-              <a:t>从频域角度对多维时间序列的每个维度数据单独进行频域特征</a:t>
-            </a:r>
-            <a:r>
-              <a:rPr lang="zh-CN" altLang="en-US" dirty="0"/>
-              <a:t>分析</a:t>
-            </a:r>
-            <a:endParaRPr lang="en-US" altLang="zh-CN" dirty="0"/>
-          </a:p>
-          <a:p>
-            <a:endParaRPr lang="en-US" altLang="zh-CN" dirty="0"/>
+              <a:t>）目前多维时间序列异常检测研究主要是对历史数据中的异常进行检测，缺乏对未来一段时间内可能出现的异常进行预测的研究，而异常预测往往在实际应用场景下更具有应用价值</a:t>
+            </a:r>
+            <a:endParaRPr lang="zh-CN" altLang="en-US" dirty="0"/>
+          </a:p>
+          <a:p>
+            <a:endParaRPr lang="zh-CN" altLang="en-US" dirty="0">
+              <a:solidFill>
+                <a:srgbClr val="FF0000"/>
+              </a:solidFill>
+            </a:endParaRPr>
           </a:p>
           <a:p>
             <a:r>
@@ -8067,59 +8238,44 @@
             </a:r>
             <a:r>
               <a:rPr lang="zh-CN" altLang="en-US" dirty="0"/>
-              <a:t>）基于多尺度学习对输入数据进行多尺度的特征学习</a:t>
-            </a:r>
-            <a:endParaRPr lang="en-US" altLang="zh-CN" dirty="0"/>
-          </a:p>
-          <a:p>
-            <a:endParaRPr lang="en-US" altLang="zh-CN" dirty="0"/>
-          </a:p>
-          <a:p>
-            <a:r>
-              <a:rPr lang="zh-CN" altLang="en-US" dirty="0"/>
-              <a:t>（</a:t>
-            </a:r>
-            <a:r>
-              <a:rPr lang="en-US" altLang="zh-CN" dirty="0"/>
-              <a:t>3</a:t>
-            </a:r>
-            <a:r>
-              <a:rPr lang="zh-CN" altLang="en-US" dirty="0"/>
-              <a:t>）基于学习到的多尺度特征进行信息</a:t>
-            </a:r>
-            <a:r>
-              <a:rPr lang="zh-CN" altLang="en-US" dirty="0"/>
-              <a:t>融合</a:t>
-            </a:r>
-            <a:endParaRPr lang="zh-CN" altLang="en-US" dirty="0"/>
-          </a:p>
-          <a:p>
-            <a:endParaRPr lang="en-US" altLang="zh-CN" dirty="0"/>
-          </a:p>
-          <a:p>
-            <a:r>
-              <a:rPr lang="zh-CN" altLang="en-US" dirty="0"/>
-              <a:t>（</a:t>
-            </a:r>
-            <a:r>
-              <a:rPr lang="en-US" altLang="zh-CN" dirty="0"/>
-              <a:t>4</a:t>
-            </a:r>
-            <a:r>
-              <a:rPr lang="zh-CN" altLang="en-US" dirty="0"/>
-              <a:t>）</a:t>
+              <a:t>）异常预测只能是针对有异常前兆数据的异常进行预测，目前</a:t>
             </a:r>
             <a:r>
               <a:rPr lang="zh-CN" altLang="en-US" dirty="0">
                 <a:sym typeface="+mn-ea"/>
               </a:rPr>
-              <a:t>基于多尺度的特征分布差异判断异常存在性，</a:t>
-            </a:r>
-            <a:r>
-              <a:rPr lang="zh-CN" altLang="en-US" dirty="0"/>
-              <a:t>基于序列重构判断异常波动程度</a:t>
-            </a:r>
-            <a:endParaRPr lang="zh-CN" altLang="en-US" dirty="0"/>
+              <a:t>多维时间序列异常预测的难点主要有</a:t>
+            </a:r>
+            <a:r>
+              <a:rPr lang="zh-CN" altLang="en-US" dirty="0">
+                <a:solidFill>
+                  <a:srgbClr val="FF0000"/>
+                </a:solidFill>
+                <a:sym typeface="+mn-ea"/>
+              </a:rPr>
+              <a:t>如何准确学习到不同维度</a:t>
+            </a:r>
+            <a:r>
+              <a:rPr lang="zh-CN" altLang="en-US" dirty="0">
+                <a:solidFill>
+                  <a:srgbClr val="FF0000"/>
+                </a:solidFill>
+                <a:sym typeface="+mn-ea"/>
+              </a:rPr>
+              <a:t>的异常前兆数据的特征、如何判断在给定时间窗口内有异常前兆数据出现、如何判断异常前兆数据的异常程度</a:t>
+            </a:r>
+            <a:endParaRPr lang="en-US" altLang="zh-CN" dirty="0">
+              <a:solidFill>
+                <a:srgbClr val="FF0000"/>
+              </a:solidFill>
+            </a:endParaRPr>
+          </a:p>
+          <a:p>
+            <a:endParaRPr lang="en-US" altLang="zh-CN" dirty="0">
+              <a:solidFill>
+                <a:srgbClr val="FF0000"/>
+              </a:solidFill>
+            </a:endParaRPr>
           </a:p>
         </p:txBody>
       </p:sp>
@@ -8235,7 +8391,7 @@
                 <a:cs typeface="Times New Roman" panose="02020603050405020304" pitchFamily="18" charset="0"/>
                 <a:sym typeface="等线" panose="02010600030101010101" charset="-122"/>
               </a:rPr>
-              <a:t>异常预测模型</a:t>
+              <a:t>异常</a:t>
             </a:r>
             <a:r>
               <a:rPr kumimoji="0" lang="zh-CN" altLang="en-US" sz="3200" b="1" i="0" u="none" strike="noStrike" kern="1200" cap="none" spc="0" normalizeH="0" baseline="0" noProof="0" dirty="0">
@@ -8253,7 +8409,7 @@
                 <a:cs typeface="Times New Roman" panose="02020603050405020304" pitchFamily="18" charset="0"/>
                 <a:sym typeface="等线" panose="02010600030101010101" charset="-122"/>
               </a:rPr>
-              <a:t>框架</a:t>
+              <a:t>预测主要研究点</a:t>
             </a:r>
             <a:endParaRPr kumimoji="0" lang="zh-CN" altLang="en-US" sz="3200" b="1" i="0" u="none" strike="noStrike" kern="1200" cap="none" spc="0" normalizeH="0" baseline="0" noProof="0" dirty="0">
               <a:ln>
@@ -8298,30 +8454,124 @@
           </a:prstGeom>
         </p:spPr>
       </p:pic>
-      <p:pic>
-        <p:nvPicPr>
-          <p:cNvPr id="2" name="图片 1"/>
-          <p:cNvPicPr>
-            <a:picLocks noChangeAspect="1"/>
-          </p:cNvPicPr>
-          <p:nvPr/>
-        </p:nvPicPr>
-        <p:blipFill>
-          <a:blip r:embed="rId2"/>
-          <a:stretch>
-            <a:fillRect/>
-          </a:stretch>
-        </p:blipFill>
-        <p:spPr>
-          <a:xfrm>
-            <a:off x="1867535" y="1240790"/>
-            <a:ext cx="8752205" cy="5172710"/>
+      <p:sp>
+        <p:nvSpPr>
+          <p:cNvPr id="7" name="文本框 6"/>
+          <p:cNvSpPr txBox="1"/>
+          <p:nvPr/>
+        </p:nvSpPr>
+        <p:spPr>
+          <a:xfrm>
+            <a:off x="1821760" y="2414329"/>
+            <a:ext cx="8906613" cy="2030095"/>
           </a:xfrm>
           <a:prstGeom prst="rect">
             <a:avLst/>
           </a:prstGeom>
-        </p:spPr>
-      </p:pic>
+          <a:noFill/>
+        </p:spPr>
+        <p:txBody>
+          <a:bodyPr wrap="square">
+            <a:spAutoFit/>
+          </a:bodyPr>
+          <a:lstStyle/>
+          <a:p>
+            <a:r>
+              <a:rPr lang="zh-CN" altLang="en-US" dirty="0"/>
+              <a:t>（</a:t>
+            </a:r>
+            <a:r>
+              <a:rPr lang="en-US" altLang="zh-CN" dirty="0"/>
+              <a:t>1</a:t>
+            </a:r>
+            <a:r>
+              <a:rPr lang="zh-CN" altLang="en-US" dirty="0"/>
+              <a:t>）基于</a:t>
+            </a:r>
+            <a:r>
+              <a:rPr lang="en-US" altLang="zh-CN" dirty="0"/>
+              <a:t>FFT</a:t>
+            </a:r>
+            <a:r>
+              <a:rPr lang="zh-CN" altLang="en-US" dirty="0"/>
+              <a:t>从频域角度对多维时间序列的每个维度数据单独进行频域特征</a:t>
+            </a:r>
+            <a:r>
+              <a:rPr lang="zh-CN" altLang="en-US" dirty="0"/>
+              <a:t>分析</a:t>
+            </a:r>
+            <a:endParaRPr lang="en-US" altLang="zh-CN" dirty="0"/>
+          </a:p>
+          <a:p>
+            <a:endParaRPr lang="en-US" altLang="zh-CN" dirty="0"/>
+          </a:p>
+          <a:p>
+            <a:r>
+              <a:rPr lang="zh-CN" altLang="en-US" dirty="0"/>
+              <a:t>（</a:t>
+            </a:r>
+            <a:r>
+              <a:rPr lang="en-US" altLang="zh-CN" dirty="0"/>
+              <a:t>2</a:t>
+            </a:r>
+            <a:r>
+              <a:rPr lang="zh-CN" altLang="en-US" dirty="0"/>
+              <a:t>）基于多尺度学习对输入数据进行多尺度的特征学习</a:t>
+            </a:r>
+            <a:endParaRPr lang="en-US" altLang="zh-CN" dirty="0"/>
+          </a:p>
+          <a:p>
+            <a:endParaRPr lang="en-US" altLang="zh-CN" dirty="0"/>
+          </a:p>
+          <a:p>
+            <a:r>
+              <a:rPr lang="zh-CN" altLang="en-US" dirty="0"/>
+              <a:t>（</a:t>
+            </a:r>
+            <a:r>
+              <a:rPr lang="en-US" altLang="zh-CN" dirty="0"/>
+              <a:t>3</a:t>
+            </a:r>
+            <a:r>
+              <a:rPr lang="zh-CN" altLang="en-US" dirty="0"/>
+              <a:t>）基于学习到的多尺度特征进行信息</a:t>
+            </a:r>
+            <a:r>
+              <a:rPr lang="zh-CN" altLang="en-US" dirty="0"/>
+              <a:t>融合</a:t>
+            </a:r>
+            <a:endParaRPr lang="zh-CN" altLang="en-US" dirty="0"/>
+          </a:p>
+          <a:p>
+            <a:endParaRPr lang="en-US" altLang="zh-CN" dirty="0"/>
+          </a:p>
+          <a:p>
+            <a:r>
+              <a:rPr lang="zh-CN" altLang="en-US" dirty="0"/>
+              <a:t>（</a:t>
+            </a:r>
+            <a:r>
+              <a:rPr lang="en-US" altLang="zh-CN" dirty="0"/>
+              <a:t>4</a:t>
+            </a:r>
+            <a:r>
+              <a:rPr lang="zh-CN" altLang="en-US" dirty="0"/>
+              <a:t>）</a:t>
+            </a:r>
+            <a:r>
+              <a:rPr lang="zh-CN" altLang="en-US" dirty="0">
+                <a:sym typeface="+mn-ea"/>
+              </a:rPr>
+              <a:t>基于多尺度的特征分布差异判断异常存在性，</a:t>
+            </a:r>
+            <a:r>
+              <a:rPr lang="zh-CN" altLang="en-US" dirty="0"/>
+              <a:t>基于序列重构判断异常波动程度</a:t>
+            </a:r>
+            <a:endParaRPr lang="zh-CN" altLang="en-US" dirty="0"/>
+          </a:p>
+        </p:txBody>
+      </p:sp>
     </p:spTree>
   </p:cSld>
   <p:clrMapOvr>
@@ -8434,7 +8684,7 @@
                 <a:cs typeface="Times New Roman" panose="02020603050405020304" pitchFamily="18" charset="0"/>
                 <a:sym typeface="等线" panose="02010600030101010101" charset="-122"/>
               </a:rPr>
-              <a:t>异常</a:t>
+              <a:t>异常预测模型</a:t>
             </a:r>
             <a:r>
               <a:rPr kumimoji="0" lang="zh-CN" altLang="en-US" sz="3200" b="1" i="0" u="none" strike="noStrike" kern="1200" cap="none" spc="0" normalizeH="0" baseline="0" noProof="0" dirty="0">
@@ -8452,7 +8702,7 @@
                 <a:cs typeface="Times New Roman" panose="02020603050405020304" pitchFamily="18" charset="0"/>
                 <a:sym typeface="等线" panose="02010600030101010101" charset="-122"/>
               </a:rPr>
-              <a:t>预测主要研究点</a:t>
+              <a:t>框架</a:t>
             </a:r>
             <a:endParaRPr kumimoji="0" lang="zh-CN" altLang="en-US" sz="3200" b="1" i="0" u="none" strike="noStrike" kern="1200" cap="none" spc="0" normalizeH="0" baseline="0" noProof="0" dirty="0">
               <a:ln>
@@ -8497,226 +8747,30 @@
           </a:prstGeom>
         </p:spPr>
       </p:pic>
-      <p:sp>
-        <p:nvSpPr>
-          <p:cNvPr id="7" name="文本框 6"/>
-          <p:cNvSpPr txBox="1"/>
-          <p:nvPr/>
-        </p:nvSpPr>
-        <p:spPr>
-          <a:xfrm>
-            <a:off x="1301750" y="1582420"/>
-            <a:ext cx="10048875" cy="3692525"/>
+      <p:pic>
+        <p:nvPicPr>
+          <p:cNvPr id="2" name="图片 1"/>
+          <p:cNvPicPr>
+            <a:picLocks noChangeAspect="1"/>
+          </p:cNvPicPr>
+          <p:nvPr/>
+        </p:nvPicPr>
+        <p:blipFill>
+          <a:blip r:embed="rId2"/>
+          <a:stretch>
+            <a:fillRect/>
+          </a:stretch>
+        </p:blipFill>
+        <p:spPr>
+          <a:xfrm>
+            <a:off x="1867535" y="1240790"/>
+            <a:ext cx="8752205" cy="5172710"/>
           </a:xfrm>
           <a:prstGeom prst="rect">
             <a:avLst/>
           </a:prstGeom>
-          <a:noFill/>
-        </p:spPr>
-        <p:txBody>
-          <a:bodyPr wrap="square">
-            <a:spAutoFit/>
-          </a:bodyPr>
-          <a:lstStyle/>
-          <a:p>
-            <a:r>
-              <a:rPr lang="zh-CN" altLang="en-US" dirty="0"/>
-              <a:t>（</a:t>
-            </a:r>
-            <a:r>
-              <a:rPr lang="en-US" altLang="zh-CN" dirty="0"/>
-              <a:t>1</a:t>
-            </a:r>
-            <a:r>
-              <a:rPr lang="zh-CN" altLang="en-US" dirty="0"/>
-              <a:t>）</a:t>
-            </a:r>
-            <a:r>
-              <a:rPr lang="zh-CN" altLang="en-US">
-                <a:sym typeface="+mn-ea"/>
-              </a:rPr>
-              <a:t>利用</a:t>
-            </a:r>
-            <a:r>
-              <a:rPr lang="zh-CN" altLang="en-US">
-                <a:solidFill>
-                  <a:srgbClr val="FF0000"/>
-                </a:solidFill>
-                <a:sym typeface="+mn-ea"/>
-              </a:rPr>
-              <a:t>快速傅立叶变换计算各个维度数据的主要周期</a:t>
-            </a:r>
-            <a:r>
-              <a:rPr lang="zh-CN" altLang="en-US">
-                <a:sym typeface="+mn-ea"/>
-              </a:rPr>
-              <a:t>，并对这个周期内的数据进行掩码，使得模型可以更好地学习非主要周期的数据特征（因为异常前兆数据一般存在于非主要周期内），进而</a:t>
-            </a:r>
-            <a:r>
-              <a:rPr lang="zh-CN" altLang="en-US">
-                <a:solidFill>
-                  <a:srgbClr val="FF0000"/>
-                </a:solidFill>
-                <a:sym typeface="+mn-ea"/>
-              </a:rPr>
-              <a:t>针对每个维度生成不同掩码长度的掩码序列</a:t>
-            </a:r>
-            <a:r>
-              <a:rPr lang="zh-CN" altLang="en-US">
-                <a:sym typeface="+mn-ea"/>
-              </a:rPr>
-              <a:t>（因为不同维度数据的主</a:t>
-            </a:r>
-            <a:r>
-              <a:rPr lang="zh-CN" altLang="en-US">
-                <a:sym typeface="+mn-ea"/>
-              </a:rPr>
-              <a:t>要周期不同，所以需要单独生成不同的掩码长度）</a:t>
-            </a:r>
-            <a:endParaRPr lang="en-US" altLang="zh-CN" dirty="0"/>
-          </a:p>
-          <a:p>
-            <a:endParaRPr lang="en-US" altLang="zh-CN" dirty="0"/>
-          </a:p>
-          <a:p>
-            <a:r>
-              <a:rPr lang="zh-CN" altLang="en-US" dirty="0"/>
-              <a:t>（</a:t>
-            </a:r>
-            <a:r>
-              <a:rPr lang="en-US" altLang="zh-CN" dirty="0"/>
-              <a:t>2</a:t>
-            </a:r>
-            <a:r>
-              <a:rPr lang="zh-CN" altLang="en-US" dirty="0"/>
-              <a:t>）</a:t>
-            </a:r>
-            <a:r>
-              <a:rPr lang="zh-CN" altLang="en-US">
-                <a:sym typeface="+mn-ea"/>
-              </a:rPr>
-              <a:t>将</a:t>
-            </a:r>
-            <a:r>
-              <a:rPr lang="zh-CN" altLang="en-US">
-                <a:solidFill>
-                  <a:srgbClr val="FF0000"/>
-                </a:solidFill>
-                <a:sym typeface="+mn-ea"/>
-              </a:rPr>
-              <a:t>每个维度的掩码序列进行不同尺度的子序列划分</a:t>
-            </a:r>
-            <a:r>
-              <a:rPr lang="zh-CN" altLang="en-US">
-                <a:sym typeface="+mn-ea"/>
-              </a:rPr>
-              <a:t>（因为同一维度数据内的异常可能有多种，每种异常的前兆数据可能有不同的特征，所以使用不同长度的时间窗口进行子序列划分，同时学习不同尺度下的序列特征，可以更好地学习到不同的异常前兆</a:t>
-            </a:r>
-            <a:r>
-              <a:rPr lang="zh-CN" altLang="en-US">
-                <a:sym typeface="+mn-ea"/>
-              </a:rPr>
-              <a:t>数据特征）</a:t>
-            </a:r>
-            <a:endParaRPr lang="zh-CN" altLang="en-US"/>
-          </a:p>
-          <a:p>
-            <a:endParaRPr lang="en-US" altLang="zh-CN" dirty="0"/>
-          </a:p>
-          <a:p>
-            <a:endParaRPr lang="en-US" altLang="zh-CN" dirty="0"/>
-          </a:p>
-          <a:p>
-            <a:r>
-              <a:rPr lang="zh-CN" altLang="en-US" dirty="0"/>
-              <a:t>（</a:t>
-            </a:r>
-            <a:r>
-              <a:rPr lang="en-US" altLang="zh-CN" dirty="0"/>
-              <a:t>3</a:t>
-            </a:r>
-            <a:r>
-              <a:rPr lang="zh-CN" altLang="en-US" dirty="0"/>
-              <a:t>）</a:t>
-            </a:r>
-            <a:r>
-              <a:rPr lang="zh-CN" altLang="en-US" dirty="0">
-                <a:solidFill>
-                  <a:srgbClr val="FF0000"/>
-                </a:solidFill>
-              </a:rPr>
-              <a:t>计算</a:t>
-            </a:r>
-            <a:r>
-              <a:rPr lang="zh-CN" altLang="en-US">
-                <a:solidFill>
-                  <a:srgbClr val="FF0000"/>
-                </a:solidFill>
-                <a:sym typeface="+mn-ea"/>
-              </a:rPr>
-              <a:t>不同尺度特征间的相似度</a:t>
-            </a:r>
-            <a:r>
-              <a:rPr lang="zh-CN" altLang="en-US">
-                <a:sym typeface="+mn-ea"/>
-              </a:rPr>
-              <a:t>，并且</a:t>
-            </a:r>
-            <a:r>
-              <a:rPr lang="zh-CN" altLang="en-US">
-                <a:solidFill>
-                  <a:srgbClr val="FF0000"/>
-                </a:solidFill>
-                <a:sym typeface="+mn-ea"/>
-              </a:rPr>
-              <a:t>使用</a:t>
-            </a:r>
-            <a:r>
-              <a:rPr lang="en-US" altLang="zh-CN">
-                <a:solidFill>
-                  <a:srgbClr val="FF0000"/>
-                </a:solidFill>
-                <a:sym typeface="+mn-ea"/>
-              </a:rPr>
-              <a:t>MLP</a:t>
-            </a:r>
-            <a:r>
-              <a:rPr lang="zh-CN" altLang="en-US">
-                <a:solidFill>
-                  <a:srgbClr val="FF0000"/>
-                </a:solidFill>
-                <a:sym typeface="+mn-ea"/>
-              </a:rPr>
-              <a:t>融合学习到的多尺度特征后对序列进行重构</a:t>
-            </a:r>
-            <a:r>
-              <a:rPr lang="zh-CN" altLang="en-US">
-                <a:sym typeface="+mn-ea"/>
-              </a:rPr>
-              <a:t>，</a:t>
-            </a:r>
-            <a:r>
-              <a:rPr lang="zh-CN" altLang="en-US">
-                <a:sym typeface="+mn-ea"/>
-              </a:rPr>
-              <a:t>不同尺度特征间的相似度反映了是否有异常存在导致影响了特征空间的分布，</a:t>
-            </a:r>
-            <a:r>
-              <a:rPr lang="zh-CN" altLang="en-US">
-                <a:sym typeface="+mn-ea"/>
-              </a:rPr>
-              <a:t>重构误差反映了异常程度，根据相似度和重构误差来对未来一段时间窗口内是否会有异常发生进行</a:t>
-            </a:r>
-            <a:r>
-              <a:rPr lang="zh-CN" altLang="en-US">
-                <a:sym typeface="+mn-ea"/>
-              </a:rPr>
-              <a:t>预测</a:t>
-            </a:r>
-            <a:endParaRPr lang="zh-CN" altLang="en-US" dirty="0"/>
-          </a:p>
-        </p:txBody>
-      </p:sp>
+        </p:spPr>
+      </p:pic>
     </p:spTree>
   </p:cSld>
   <p:clrMapOvr>
@@ -9129,6 +9183,716 @@
           </a:fontRef>
         </p:style>
       </p:cxnSp>
+    </p:spTree>
+  </p:cSld>
+  <p:clrMapOvr>
+    <a:masterClrMapping/>
+  </p:clrMapOvr>
+</p:sld>
+</file>
+
+<file path=ppt/slides/slide20.xml><?xml version="1.0" encoding="utf-8"?>
+<p:sld xmlns:a="http://schemas.openxmlformats.org/drawingml/2006/main" xmlns:r="http://schemas.openxmlformats.org/officeDocument/2006/relationships" xmlns:p="http://schemas.openxmlformats.org/presentationml/2006/main">
+  <p:cSld>
+    <p:spTree>
+      <p:nvGrpSpPr>
+        <p:cNvPr id="1" name=""/>
+        <p:cNvGrpSpPr/>
+        <p:nvPr/>
+      </p:nvGrpSpPr>
+      <p:grpSpPr>
+        <a:xfrm>
+          <a:off x="0" y="0"/>
+          <a:ext cx="0" cy="0"/>
+          <a:chOff x="0" y="0"/>
+          <a:chExt cx="0" cy="0"/>
+        </a:xfrm>
+      </p:grpSpPr>
+      <p:cxnSp>
+        <p:nvCxnSpPr>
+          <p:cNvPr id="3145732" name="直接连接符 4"/>
+          <p:cNvCxnSpPr/>
+          <p:nvPr/>
+        </p:nvCxnSpPr>
+        <p:spPr>
+          <a:xfrm>
+            <a:off x="302002" y="997804"/>
+            <a:ext cx="11587991" cy="0"/>
+          </a:xfrm>
+          <a:prstGeom prst="line">
+            <a:avLst/>
+          </a:prstGeom>
+          <a:ln w="12700">
+            <a:solidFill>
+              <a:srgbClr val="09397E"/>
+            </a:solidFill>
+          </a:ln>
+        </p:spPr>
+        <p:style>
+          <a:lnRef idx="1">
+            <a:schemeClr val="accent1"/>
+          </a:lnRef>
+          <a:fillRef idx="0">
+            <a:schemeClr val="accent1"/>
+          </a:fillRef>
+          <a:effectRef idx="0">
+            <a:schemeClr val="accent1"/>
+          </a:effectRef>
+          <a:fontRef idx="minor">
+            <a:schemeClr val="tx1"/>
+          </a:fontRef>
+        </p:style>
+      </p:cxnSp>
+      <p:sp>
+        <p:nvSpPr>
+          <p:cNvPr id="1048600" name="矩形 60"/>
+          <p:cNvSpPr/>
+          <p:nvPr/>
+        </p:nvSpPr>
+        <p:spPr>
+          <a:xfrm>
+            <a:off x="240030" y="420370"/>
+            <a:ext cx="6699885" cy="583565"/>
+          </a:xfrm>
+          <a:prstGeom prst="rect">
+            <a:avLst/>
+          </a:prstGeom>
+        </p:spPr>
+        <p:txBody>
+          <a:bodyPr wrap="square">
+            <a:spAutoFit/>
+          </a:bodyPr>
+          <a:lstStyle/>
+          <a:p>
+            <a:pPr marL="0" marR="0" lvl="0" indent="0" algn="l" defTabSz="914400" rtl="0" eaLnBrk="1" fontAlgn="auto" latinLnBrk="0" hangingPunct="1">
+              <a:lnSpc>
+                <a:spcPct val="100000"/>
+              </a:lnSpc>
+              <a:spcBef>
+                <a:spcPts val="0"/>
+              </a:spcBef>
+              <a:spcAft>
+                <a:spcPts val="0"/>
+              </a:spcAft>
+              <a:buClrTx/>
+              <a:buSzTx/>
+              <a:buFontTx/>
+              <a:buNone/>
+            </a:pPr>
+            <a:r>
+              <a:rPr kumimoji="0" lang="zh-CN" altLang="en-US" sz="3200" b="1" i="0" u="none" strike="noStrike" kern="1200" cap="none" spc="0" normalizeH="0" baseline="0" noProof="0" dirty="0">
+                <a:ln>
+                  <a:noFill/>
+                </a:ln>
+                <a:solidFill>
+                  <a:schemeClr val="accent2"/>
+                </a:solidFill>
+                <a:effectLst/>
+                <a:uLnTx/>
+                <a:uFillTx/>
+                <a:latin typeface="微软雅黑" panose="020B0503020204020204" charset="-122"/>
+                <a:ea typeface="微软雅黑" panose="020B0503020204020204" charset="-122"/>
+                <a:cs typeface="Times New Roman" panose="02020603050405020304" pitchFamily="18" charset="0"/>
+                <a:sym typeface="等线" panose="02010600030101010101" charset="-122"/>
+              </a:rPr>
+              <a:t>异常</a:t>
+            </a:r>
+            <a:r>
+              <a:rPr kumimoji="0" lang="zh-CN" altLang="en-US" sz="3200" b="1" i="0" u="none" strike="noStrike" kern="1200" cap="none" spc="0" normalizeH="0" baseline="0" noProof="0" dirty="0">
+                <a:ln>
+                  <a:noFill/>
+                </a:ln>
+                <a:solidFill>
+                  <a:schemeClr val="accent2"/>
+                </a:solidFill>
+                <a:effectLst/>
+                <a:uLnTx/>
+                <a:uFillTx/>
+                <a:latin typeface="微软雅黑" panose="020B0503020204020204" charset="-122"/>
+                <a:ea typeface="微软雅黑" panose="020B0503020204020204" charset="-122"/>
+                <a:cs typeface="Times New Roman" panose="02020603050405020304" pitchFamily="18" charset="0"/>
+                <a:sym typeface="等线" panose="02010600030101010101" charset="-122"/>
+              </a:rPr>
+              <a:t>预测主要研究点</a:t>
+            </a:r>
+            <a:endParaRPr kumimoji="0" lang="zh-CN" altLang="en-US" sz="3200" b="1" i="0" u="none" strike="noStrike" kern="1200" cap="none" spc="0" normalizeH="0" baseline="0" noProof="0" dirty="0">
+              <a:ln>
+                <a:noFill/>
+              </a:ln>
+              <a:solidFill>
+                <a:schemeClr val="accent2"/>
+              </a:solidFill>
+              <a:effectLst/>
+              <a:uLnTx/>
+              <a:uFillTx/>
+              <a:latin typeface="微软雅黑" panose="020B0503020204020204" charset="-122"/>
+              <a:ea typeface="微软雅黑" panose="020B0503020204020204" charset="-122"/>
+              <a:cs typeface="Times New Roman" panose="02020603050405020304" pitchFamily="18" charset="0"/>
+              <a:sym typeface="等线" panose="02010600030101010101" charset="-122"/>
+            </a:endParaRPr>
+          </a:p>
+        </p:txBody>
+      </p:sp>
+      <p:pic>
+        <p:nvPicPr>
+          <p:cNvPr id="2097158" name="图片 61"/>
+          <p:cNvPicPr>
+            <a:picLocks noChangeAspect="1"/>
+          </p:cNvPicPr>
+          <p:nvPr/>
+        </p:nvPicPr>
+        <p:blipFill rotWithShape="1">
+          <a:blip r:embed="rId1" cstate="print"/>
+          <a:srcRect b="9522"/>
+          <a:stretch>
+            <a:fillRect/>
+          </a:stretch>
+        </p:blipFill>
+        <p:spPr>
+          <a:xfrm>
+            <a:off x="10078279" y="277930"/>
+            <a:ext cx="1811714" cy="680928"/>
+          </a:xfrm>
+          <a:prstGeom prst="rect">
+            <a:avLst/>
+          </a:prstGeom>
+        </p:spPr>
+      </p:pic>
+      <p:sp>
+        <p:nvSpPr>
+          <p:cNvPr id="7" name="文本框 6"/>
+          <p:cNvSpPr txBox="1"/>
+          <p:nvPr/>
+        </p:nvSpPr>
+        <p:spPr>
+          <a:xfrm>
+            <a:off x="1301750" y="1582420"/>
+            <a:ext cx="10048875" cy="3692525"/>
+          </a:xfrm>
+          <a:prstGeom prst="rect">
+            <a:avLst/>
+          </a:prstGeom>
+          <a:noFill/>
+        </p:spPr>
+        <p:txBody>
+          <a:bodyPr wrap="square">
+            <a:spAutoFit/>
+          </a:bodyPr>
+          <a:lstStyle/>
+          <a:p>
+            <a:r>
+              <a:rPr lang="zh-CN" altLang="en-US" dirty="0"/>
+              <a:t>（</a:t>
+            </a:r>
+            <a:r>
+              <a:rPr lang="en-US" altLang="zh-CN" dirty="0"/>
+              <a:t>1</a:t>
+            </a:r>
+            <a:r>
+              <a:rPr lang="zh-CN" altLang="en-US" dirty="0"/>
+              <a:t>）</a:t>
+            </a:r>
+            <a:r>
+              <a:rPr lang="zh-CN" altLang="en-US">
+                <a:sym typeface="+mn-ea"/>
+              </a:rPr>
+              <a:t>利用</a:t>
+            </a:r>
+            <a:r>
+              <a:rPr lang="zh-CN" altLang="en-US">
+                <a:solidFill>
+                  <a:srgbClr val="FF0000"/>
+                </a:solidFill>
+                <a:sym typeface="+mn-ea"/>
+              </a:rPr>
+              <a:t>快速傅立叶变换计算各个维度数据的主要周期</a:t>
+            </a:r>
+            <a:r>
+              <a:rPr lang="zh-CN" altLang="en-US">
+                <a:sym typeface="+mn-ea"/>
+              </a:rPr>
+              <a:t>，并对这个周期内的数据进行掩码，使得模型可以更好地学习非主要周期的数据特征（因为异常前兆数据一般存在于非主要周期内），进而</a:t>
+            </a:r>
+            <a:r>
+              <a:rPr lang="zh-CN" altLang="en-US">
+                <a:solidFill>
+                  <a:srgbClr val="FF0000"/>
+                </a:solidFill>
+                <a:sym typeface="+mn-ea"/>
+              </a:rPr>
+              <a:t>针对每个维度生成不同掩码长度的掩码序列</a:t>
+            </a:r>
+            <a:r>
+              <a:rPr lang="zh-CN" altLang="en-US">
+                <a:sym typeface="+mn-ea"/>
+              </a:rPr>
+              <a:t>（因为不同维度数据的主</a:t>
+            </a:r>
+            <a:r>
+              <a:rPr lang="zh-CN" altLang="en-US">
+                <a:sym typeface="+mn-ea"/>
+              </a:rPr>
+              <a:t>要周期不同，所以需要单独生成不同的掩码长度）</a:t>
+            </a:r>
+            <a:endParaRPr lang="en-US" altLang="zh-CN" dirty="0"/>
+          </a:p>
+          <a:p>
+            <a:endParaRPr lang="en-US" altLang="zh-CN" dirty="0"/>
+          </a:p>
+          <a:p>
+            <a:r>
+              <a:rPr lang="zh-CN" altLang="en-US" dirty="0"/>
+              <a:t>（</a:t>
+            </a:r>
+            <a:r>
+              <a:rPr lang="en-US" altLang="zh-CN" dirty="0"/>
+              <a:t>2</a:t>
+            </a:r>
+            <a:r>
+              <a:rPr lang="zh-CN" altLang="en-US" dirty="0"/>
+              <a:t>）</a:t>
+            </a:r>
+            <a:r>
+              <a:rPr lang="zh-CN" altLang="en-US">
+                <a:sym typeface="+mn-ea"/>
+              </a:rPr>
+              <a:t>将</a:t>
+            </a:r>
+            <a:r>
+              <a:rPr lang="zh-CN" altLang="en-US">
+                <a:solidFill>
+                  <a:srgbClr val="FF0000"/>
+                </a:solidFill>
+                <a:sym typeface="+mn-ea"/>
+              </a:rPr>
+              <a:t>每个维度的掩码序列进行不同尺度的子序列划分</a:t>
+            </a:r>
+            <a:r>
+              <a:rPr lang="zh-CN" altLang="en-US">
+                <a:sym typeface="+mn-ea"/>
+              </a:rPr>
+              <a:t>（因为同一维度数据内的异常可能有多种，每种异常的前兆数据可能有不同的特征，所以使用不同长度的时间窗口进行子序列划分，同时学习不同尺度下的序列特征，可以更好地学习到不同的异常前兆</a:t>
+            </a:r>
+            <a:r>
+              <a:rPr lang="zh-CN" altLang="en-US">
+                <a:sym typeface="+mn-ea"/>
+              </a:rPr>
+              <a:t>数据特征）</a:t>
+            </a:r>
+            <a:endParaRPr lang="zh-CN" altLang="en-US"/>
+          </a:p>
+          <a:p>
+            <a:endParaRPr lang="en-US" altLang="zh-CN" dirty="0"/>
+          </a:p>
+          <a:p>
+            <a:endParaRPr lang="en-US" altLang="zh-CN" dirty="0"/>
+          </a:p>
+          <a:p>
+            <a:r>
+              <a:rPr lang="zh-CN" altLang="en-US" dirty="0"/>
+              <a:t>（</a:t>
+            </a:r>
+            <a:r>
+              <a:rPr lang="en-US" altLang="zh-CN" dirty="0"/>
+              <a:t>3</a:t>
+            </a:r>
+            <a:r>
+              <a:rPr lang="zh-CN" altLang="en-US" dirty="0"/>
+              <a:t>）</a:t>
+            </a:r>
+            <a:r>
+              <a:rPr lang="zh-CN" altLang="en-US" dirty="0">
+                <a:solidFill>
+                  <a:srgbClr val="FF0000"/>
+                </a:solidFill>
+              </a:rPr>
+              <a:t>计算</a:t>
+            </a:r>
+            <a:r>
+              <a:rPr lang="zh-CN" altLang="en-US">
+                <a:solidFill>
+                  <a:srgbClr val="FF0000"/>
+                </a:solidFill>
+                <a:sym typeface="+mn-ea"/>
+              </a:rPr>
+              <a:t>不同尺度特征间的相似度</a:t>
+            </a:r>
+            <a:r>
+              <a:rPr lang="zh-CN" altLang="en-US">
+                <a:sym typeface="+mn-ea"/>
+              </a:rPr>
+              <a:t>，并且</a:t>
+            </a:r>
+            <a:r>
+              <a:rPr lang="zh-CN" altLang="en-US">
+                <a:solidFill>
+                  <a:srgbClr val="FF0000"/>
+                </a:solidFill>
+                <a:sym typeface="+mn-ea"/>
+              </a:rPr>
+              <a:t>使用</a:t>
+            </a:r>
+            <a:r>
+              <a:rPr lang="en-US" altLang="zh-CN">
+                <a:solidFill>
+                  <a:srgbClr val="FF0000"/>
+                </a:solidFill>
+                <a:sym typeface="+mn-ea"/>
+              </a:rPr>
+              <a:t>MLP</a:t>
+            </a:r>
+            <a:r>
+              <a:rPr lang="zh-CN" altLang="en-US">
+                <a:solidFill>
+                  <a:srgbClr val="FF0000"/>
+                </a:solidFill>
+                <a:sym typeface="+mn-ea"/>
+              </a:rPr>
+              <a:t>融合学习到的多尺度特征后对序列进行重构</a:t>
+            </a:r>
+            <a:r>
+              <a:rPr lang="zh-CN" altLang="en-US">
+                <a:sym typeface="+mn-ea"/>
+              </a:rPr>
+              <a:t>，</a:t>
+            </a:r>
+            <a:r>
+              <a:rPr lang="zh-CN" altLang="en-US">
+                <a:sym typeface="+mn-ea"/>
+              </a:rPr>
+              <a:t>不同尺度特征间的相似度反映了是否有异常存在导致影响了特征空间的分布，</a:t>
+            </a:r>
+            <a:r>
+              <a:rPr lang="zh-CN" altLang="en-US">
+                <a:sym typeface="+mn-ea"/>
+              </a:rPr>
+              <a:t>重构误差反映了异常程度，根据相似度和重构误差来对未来一段时间窗口内是否会有异常发生进行</a:t>
+            </a:r>
+            <a:r>
+              <a:rPr lang="zh-CN" altLang="en-US">
+                <a:sym typeface="+mn-ea"/>
+              </a:rPr>
+              <a:t>预测</a:t>
+            </a:r>
+            <a:endParaRPr lang="zh-CN" altLang="en-US" dirty="0"/>
+          </a:p>
+        </p:txBody>
+      </p:sp>
+    </p:spTree>
+  </p:cSld>
+  <p:clrMapOvr>
+    <a:masterClrMapping/>
+  </p:clrMapOvr>
+</p:sld>
+</file>
+
+<file path=ppt/slides/slide21.xml><?xml version="1.0" encoding="utf-8"?>
+<p:sld xmlns:a="http://schemas.openxmlformats.org/drawingml/2006/main" xmlns:r="http://schemas.openxmlformats.org/officeDocument/2006/relationships" xmlns:p="http://schemas.openxmlformats.org/presentationml/2006/main">
+  <p:cSld>
+    <p:spTree>
+      <p:nvGrpSpPr>
+        <p:cNvPr id="1" name=""/>
+        <p:cNvGrpSpPr/>
+        <p:nvPr/>
+      </p:nvGrpSpPr>
+      <p:grpSpPr>
+        <a:xfrm>
+          <a:off x="0" y="0"/>
+          <a:ext cx="0" cy="0"/>
+          <a:chOff x="0" y="0"/>
+          <a:chExt cx="0" cy="0"/>
+        </a:xfrm>
+      </p:grpSpPr>
+      <p:cxnSp>
+        <p:nvCxnSpPr>
+          <p:cNvPr id="3145732" name="直接连接符 4"/>
+          <p:cNvCxnSpPr/>
+          <p:nvPr/>
+        </p:nvCxnSpPr>
+        <p:spPr>
+          <a:xfrm>
+            <a:off x="302002" y="997804"/>
+            <a:ext cx="11587991" cy="0"/>
+          </a:xfrm>
+          <a:prstGeom prst="line">
+            <a:avLst/>
+          </a:prstGeom>
+          <a:ln w="12700">
+            <a:solidFill>
+              <a:srgbClr val="09397E"/>
+            </a:solidFill>
+          </a:ln>
+        </p:spPr>
+        <p:style>
+          <a:lnRef idx="1">
+            <a:schemeClr val="accent1"/>
+          </a:lnRef>
+          <a:fillRef idx="0">
+            <a:schemeClr val="accent1"/>
+          </a:fillRef>
+          <a:effectRef idx="0">
+            <a:schemeClr val="accent1"/>
+          </a:effectRef>
+          <a:fontRef idx="minor">
+            <a:schemeClr val="tx1"/>
+          </a:fontRef>
+        </p:style>
+      </p:cxnSp>
+      <p:sp>
+        <p:nvSpPr>
+          <p:cNvPr id="1048600" name="矩形 60"/>
+          <p:cNvSpPr/>
+          <p:nvPr/>
+        </p:nvSpPr>
+        <p:spPr>
+          <a:xfrm>
+            <a:off x="240030" y="420370"/>
+            <a:ext cx="6699885" cy="583565"/>
+          </a:xfrm>
+          <a:prstGeom prst="rect">
+            <a:avLst/>
+          </a:prstGeom>
+        </p:spPr>
+        <p:txBody>
+          <a:bodyPr wrap="square">
+            <a:spAutoFit/>
+          </a:bodyPr>
+          <a:lstStyle/>
+          <a:p>
+            <a:pPr marL="0" marR="0" lvl="0" indent="0" algn="l" defTabSz="914400" rtl="0" eaLnBrk="1" fontAlgn="auto" latinLnBrk="0" hangingPunct="1">
+              <a:lnSpc>
+                <a:spcPct val="100000"/>
+              </a:lnSpc>
+              <a:spcBef>
+                <a:spcPts val="0"/>
+              </a:spcBef>
+              <a:spcAft>
+                <a:spcPts val="0"/>
+              </a:spcAft>
+              <a:buClrTx/>
+              <a:buSzTx/>
+              <a:buFontTx/>
+              <a:buNone/>
+            </a:pPr>
+            <a:r>
+              <a:rPr kumimoji="0" lang="zh-CN" altLang="en-US" sz="3200" b="1" i="0" u="none" strike="noStrike" kern="1200" cap="none" spc="0" normalizeH="0" baseline="0" noProof="0" dirty="0">
+                <a:ln>
+                  <a:noFill/>
+                </a:ln>
+                <a:solidFill>
+                  <a:schemeClr val="accent2"/>
+                </a:solidFill>
+                <a:effectLst/>
+                <a:uLnTx/>
+                <a:uFillTx/>
+                <a:latin typeface="微软雅黑" panose="020B0503020204020204" charset="-122"/>
+                <a:ea typeface="微软雅黑" panose="020B0503020204020204" charset="-122"/>
+                <a:cs typeface="Times New Roman" panose="02020603050405020304" pitchFamily="18" charset="0"/>
+                <a:sym typeface="等线" panose="02010600030101010101" charset="-122"/>
+              </a:rPr>
+              <a:t>异常</a:t>
+            </a:r>
+            <a:r>
+              <a:rPr kumimoji="0" lang="zh-CN" altLang="en-US" sz="3200" b="1" i="0" u="none" strike="noStrike" kern="1200" cap="none" spc="0" normalizeH="0" baseline="0" noProof="0" dirty="0">
+                <a:ln>
+                  <a:noFill/>
+                </a:ln>
+                <a:solidFill>
+                  <a:schemeClr val="accent2"/>
+                </a:solidFill>
+                <a:effectLst/>
+                <a:uLnTx/>
+                <a:uFillTx/>
+                <a:latin typeface="微软雅黑" panose="020B0503020204020204" charset="-122"/>
+                <a:ea typeface="微软雅黑" panose="020B0503020204020204" charset="-122"/>
+                <a:cs typeface="Times New Roman" panose="02020603050405020304" pitchFamily="18" charset="0"/>
+                <a:sym typeface="等线" panose="02010600030101010101" charset="-122"/>
+              </a:rPr>
+              <a:t>预测模型实验</a:t>
+            </a:r>
+            <a:endParaRPr kumimoji="0" lang="zh-CN" altLang="en-US" sz="3200" b="1" i="0" u="none" strike="noStrike" kern="1200" cap="none" spc="0" normalizeH="0" baseline="0" noProof="0" dirty="0">
+              <a:ln>
+                <a:noFill/>
+              </a:ln>
+              <a:solidFill>
+                <a:schemeClr val="accent2"/>
+              </a:solidFill>
+              <a:effectLst/>
+              <a:uLnTx/>
+              <a:uFillTx/>
+              <a:latin typeface="微软雅黑" panose="020B0503020204020204" charset="-122"/>
+              <a:ea typeface="微软雅黑" panose="020B0503020204020204" charset="-122"/>
+              <a:cs typeface="Times New Roman" panose="02020603050405020304" pitchFamily="18" charset="0"/>
+              <a:sym typeface="等线" panose="02010600030101010101" charset="-122"/>
+            </a:endParaRPr>
+          </a:p>
+        </p:txBody>
+      </p:sp>
+      <p:pic>
+        <p:nvPicPr>
+          <p:cNvPr id="2097158" name="图片 61"/>
+          <p:cNvPicPr>
+            <a:picLocks noChangeAspect="1"/>
+          </p:cNvPicPr>
+          <p:nvPr/>
+        </p:nvPicPr>
+        <p:blipFill rotWithShape="1">
+          <a:blip r:embed="rId1" cstate="print"/>
+          <a:srcRect b="9522"/>
+          <a:stretch>
+            <a:fillRect/>
+          </a:stretch>
+        </p:blipFill>
+        <p:spPr>
+          <a:xfrm>
+            <a:off x="10078279" y="277930"/>
+            <a:ext cx="1811714" cy="680928"/>
+          </a:xfrm>
+          <a:prstGeom prst="rect">
+            <a:avLst/>
+          </a:prstGeom>
+        </p:spPr>
+      </p:pic>
+      <p:sp>
+        <p:nvSpPr>
+          <p:cNvPr id="7" name="文本框 6"/>
+          <p:cNvSpPr txBox="1"/>
+          <p:nvPr/>
+        </p:nvSpPr>
+        <p:spPr>
+          <a:xfrm>
+            <a:off x="1860788" y="1998265"/>
+            <a:ext cx="9187967" cy="1753235"/>
+          </a:xfrm>
+          <a:prstGeom prst="rect">
+            <a:avLst/>
+          </a:prstGeom>
+          <a:noFill/>
+        </p:spPr>
+        <p:txBody>
+          <a:bodyPr wrap="square">
+            <a:spAutoFit/>
+          </a:bodyPr>
+          <a:lstStyle/>
+          <a:p>
+            <a:r>
+              <a:rPr lang="zh-CN" altLang="en-US" dirty="0"/>
+              <a:t>评价指标：准确率、召回率、</a:t>
+            </a:r>
+            <a:r>
+              <a:rPr lang="en-US" altLang="zh-CN" dirty="0"/>
+              <a:t>F1-Score</a:t>
+            </a:r>
+            <a:endParaRPr lang="en-US" altLang="zh-CN" dirty="0"/>
+          </a:p>
+          <a:p>
+            <a:endParaRPr lang="zh-CN" altLang="en-US" dirty="0"/>
+          </a:p>
+          <a:p>
+            <a:r>
+              <a:rPr lang="zh-CN" altLang="en-US" dirty="0"/>
+              <a:t>对比基线算法：</a:t>
+            </a:r>
+            <a:r>
+              <a:rPr lang="en-US" dirty="0"/>
+              <a:t>PAD</a:t>
+            </a:r>
+            <a:r>
+              <a:rPr lang="zh-CN" altLang="en-US" dirty="0"/>
+              <a:t>、</a:t>
+            </a:r>
+            <a:r>
+              <a:rPr lang="en-US" altLang="zh-CN" dirty="0"/>
+              <a:t>LSTM-VAE</a:t>
+            </a:r>
+            <a:r>
+              <a:rPr lang="zh-CN" altLang="en-US" dirty="0"/>
+              <a:t>、</a:t>
+            </a:r>
+            <a:r>
+              <a:rPr lang="en-US" altLang="zh-CN" dirty="0"/>
+              <a:t>D</a:t>
+            </a:r>
+            <a:r>
+              <a:rPr lang="en-US" altLang="zh-CN" baseline="30000" dirty="0"/>
+              <a:t>3</a:t>
+            </a:r>
+            <a:r>
+              <a:rPr lang="en-US" altLang="zh-CN" dirty="0"/>
+              <a:t>R</a:t>
+            </a:r>
+            <a:r>
+              <a:rPr lang="zh-CN" altLang="en-US" dirty="0"/>
+              <a:t>、</a:t>
+            </a:r>
+            <a:r>
+              <a:rPr lang="en-US" altLang="zh-CN" dirty="0">
+                <a:sym typeface="+mn-ea"/>
+              </a:rPr>
+              <a:t>Anomaly Transformer</a:t>
+            </a:r>
+            <a:r>
+              <a:rPr lang="zh-CN" altLang="en-US" dirty="0">
+                <a:sym typeface="+mn-ea"/>
+              </a:rPr>
+              <a:t>、</a:t>
+            </a:r>
+            <a:r>
+              <a:rPr lang="en-US" altLang="zh-CN" dirty="0">
+                <a:sym typeface="+mn-ea"/>
+              </a:rPr>
+              <a:t>GANomaly</a:t>
+            </a:r>
+            <a:endParaRPr lang="en-US" dirty="0"/>
+          </a:p>
+          <a:p>
+            <a:endParaRPr lang="en-US" altLang="zh-CN" dirty="0"/>
+          </a:p>
+          <a:p>
+            <a:r>
+              <a:rPr lang="zh-CN" altLang="en-US" dirty="0"/>
+              <a:t>消融实验：（</a:t>
+            </a:r>
+            <a:r>
+              <a:rPr lang="en-US" altLang="zh-CN" dirty="0"/>
+              <a:t>1</a:t>
+            </a:r>
+            <a:r>
+              <a:rPr lang="zh-CN" altLang="en-US" dirty="0"/>
+              <a:t>）未对主周期数据进行掩码（</a:t>
+            </a:r>
+            <a:r>
+              <a:rPr lang="en-US" altLang="zh-CN" dirty="0"/>
+              <a:t>2</a:t>
+            </a:r>
+            <a:r>
+              <a:rPr lang="zh-CN" altLang="en-US" dirty="0"/>
+              <a:t>）未进行多尺度特征学习（</a:t>
+            </a:r>
+            <a:r>
+              <a:rPr lang="en-US" altLang="zh-CN" dirty="0"/>
+              <a:t>3</a:t>
+            </a:r>
+            <a:r>
+              <a:rPr lang="zh-CN" altLang="en-US" dirty="0"/>
+              <a:t>）未进行维度独立性操作（</a:t>
+            </a:r>
+            <a:r>
+              <a:rPr lang="en-US" altLang="zh-CN" dirty="0"/>
+              <a:t>4</a:t>
+            </a:r>
+            <a:r>
+              <a:rPr lang="zh-CN" altLang="en-US" dirty="0"/>
+              <a:t>）未进行重构或多尺度特征相似性</a:t>
+            </a:r>
+            <a:r>
+              <a:rPr lang="zh-CN" altLang="en-US" dirty="0"/>
+              <a:t>计算</a:t>
+            </a:r>
+            <a:endParaRPr lang="en-US" altLang="zh-CN" dirty="0"/>
+          </a:p>
+        </p:txBody>
+      </p:sp>
     </p:spTree>
   </p:cSld>
   <p:clrMapOvr>

--- a/论文插图.pptx
+++ b/论文插图.pptx
@@ -7897,7 +7897,11 @@
             </a:r>
             <a:r>
               <a:rPr lang="en-US" altLang="zh-CN" dirty="0"/>
-              <a:t>Isolation Forest</a:t>
+              <a:t>R</a:t>
+            </a:r>
+            <a:r>
+              <a:rPr lang="en-US" altLang="zh-CN" dirty="0"/>
+              <a:t>andom Forest</a:t>
             </a:r>
             <a:r>
               <a:rPr lang="zh-CN" altLang="en-US" dirty="0"/>
@@ -7979,7 +7983,11 @@
             </a:r>
             <a:r>
               <a:rPr lang="zh-CN" altLang="en-US" dirty="0"/>
-              <a:t>）时间特征提取模块未进行维度独立性处理（</a:t>
+              <a:t>）空间特征提取模块未进行图注意力网络</a:t>
+            </a:r>
+            <a:r>
+              <a:rPr lang="zh-CN" altLang="en-US" dirty="0"/>
+              <a:t>学习（</a:t>
             </a:r>
             <a:r>
               <a:rPr lang="en-US" altLang="zh-CN" dirty="0"/>
@@ -7987,13 +7995,13 @@
             </a:r>
             <a:r>
               <a:rPr lang="zh-CN" altLang="en-US" dirty="0"/>
-              <a:t>）空间特征提取模块没有对各个维度生成嵌入向量学习各个维度单独的</a:t>
+              <a:t>）空间特征提取模块未进行自动的图结构</a:t>
             </a:r>
             <a:r>
               <a:rPr lang="zh-CN" altLang="en-US" dirty="0"/>
-              <a:t>特征</a:t>
-            </a:r>
-            <a:endParaRPr lang="en-US" altLang="zh-CN" dirty="0"/>
+              <a:t>学习</a:t>
+            </a:r>
+            <a:endParaRPr lang="zh-CN" altLang="en-US" dirty="0"/>
           </a:p>
         </p:txBody>
       </p:sp>

--- a/论文插图.pptx
+++ b/论文插图.pptx
@@ -5,35 +5,35 @@
     <p:sldMasterId id="2147483648" r:id="rId1"/>
   </p:sldMasterIdLst>
   <p:notesMasterIdLst>
-    <p:notesMasterId r:id="rId14"/>
+    <p:notesMasterId r:id="rId23"/>
   </p:notesMasterIdLst>
   <p:sldIdLst>
-    <p:sldId id="256" r:id="rId3"/>
-    <p:sldId id="263" r:id="rId4"/>
-    <p:sldId id="260" r:id="rId5"/>
-    <p:sldId id="257" r:id="rId6"/>
-    <p:sldId id="258" r:id="rId7"/>
-    <p:sldId id="259" r:id="rId8"/>
-    <p:sldId id="261" r:id="rId9"/>
-    <p:sldId id="270" r:id="rId10"/>
-    <p:sldId id="273" r:id="rId11"/>
-    <p:sldId id="272" r:id="rId12"/>
-    <p:sldId id="275" r:id="rId13"/>
-    <p:sldId id="279" r:id="rId15"/>
-    <p:sldId id="281" r:id="rId16"/>
-    <p:sldId id="280" r:id="rId17"/>
-    <p:sldId id="282" r:id="rId18"/>
-    <p:sldId id="288" r:id="rId19"/>
-    <p:sldId id="277" r:id="rId20"/>
-    <p:sldId id="284" r:id="rId21"/>
-    <p:sldId id="283" r:id="rId22"/>
-    <p:sldId id="286" r:id="rId23"/>
-    <p:sldId id="289" r:id="rId24"/>
+    <p:sldId id="256" r:id="rId2"/>
+    <p:sldId id="263" r:id="rId3"/>
+    <p:sldId id="260" r:id="rId4"/>
+    <p:sldId id="257" r:id="rId5"/>
+    <p:sldId id="258" r:id="rId6"/>
+    <p:sldId id="259" r:id="rId7"/>
+    <p:sldId id="261" r:id="rId8"/>
+    <p:sldId id="270" r:id="rId9"/>
+    <p:sldId id="273" r:id="rId10"/>
+    <p:sldId id="272" r:id="rId11"/>
+    <p:sldId id="275" r:id="rId12"/>
+    <p:sldId id="279" r:id="rId13"/>
+    <p:sldId id="281" r:id="rId14"/>
+    <p:sldId id="280" r:id="rId15"/>
+    <p:sldId id="282" r:id="rId16"/>
+    <p:sldId id="288" r:id="rId17"/>
+    <p:sldId id="277" r:id="rId18"/>
+    <p:sldId id="284" r:id="rId19"/>
+    <p:sldId id="283" r:id="rId20"/>
+    <p:sldId id="286" r:id="rId21"/>
+    <p:sldId id="289" r:id="rId22"/>
   </p:sldIdLst>
   <p:sldSz cx="12192000" cy="6858000"/>
   <p:notesSz cx="6858000" cy="9144000"/>
   <p:custDataLst>
-    <p:tags r:id="rId28"/>
+    <p:tags r:id="rId24"/>
   </p:custDataLst>
   <p:defaultTextStyle>
     <a:defPPr>
@@ -130,6 +130,11 @@
       </a:defRPr>
     </a:lvl9pPr>
   </p:defaultTextStyle>
+  <p:extLst>
+    <p:ext uri="{EFAFB233-063F-42B5-8137-9DF3F51BA10A}">
+      <p15:sldGuideLst xmlns:p15="http://schemas.microsoft.com/office/powerpoint/2012/main"/>
+    </p:ext>
+  </p:extLst>
 </p:presentation>
 </file>
 
@@ -215,6 +220,7 @@
           <a:p>
             <a:fld id="{D2A48B96-639E-45A3-A0BA-2464DFDB1FAA}" type="datetimeFigureOut">
               <a:rPr lang="zh-CN" altLang="en-US" smtClean="0"/>
+              <a:t>2025/1/3</a:t>
             </a:fld>
             <a:endParaRPr lang="zh-CN" altLang="en-US"/>
           </a:p>
@@ -278,42 +284,37 @@
           <a:p>
             <a:pPr lvl="0"/>
             <a:r>
-              <a:rPr lang="zh-CN" altLang="en-US" smtClean="0"/>
+              <a:rPr lang="zh-CN" altLang="en-US"/>
               <a:t>单击此处编辑母版文本样式</a:t>
             </a:r>
-            <a:endParaRPr lang="zh-CN" altLang="en-US" smtClean="0"/>
           </a:p>
           <a:p>
             <a:pPr lvl="1"/>
             <a:r>
-              <a:rPr lang="zh-CN" altLang="en-US" smtClean="0"/>
+              <a:rPr lang="zh-CN" altLang="en-US"/>
               <a:t>第二级</a:t>
             </a:r>
-            <a:endParaRPr lang="zh-CN" altLang="en-US" smtClean="0"/>
           </a:p>
           <a:p>
             <a:pPr lvl="2"/>
             <a:r>
-              <a:rPr lang="zh-CN" altLang="en-US" smtClean="0"/>
+              <a:rPr lang="zh-CN" altLang="en-US"/>
               <a:t>第三级</a:t>
             </a:r>
-            <a:endParaRPr lang="zh-CN" altLang="en-US" smtClean="0"/>
           </a:p>
           <a:p>
             <a:pPr lvl="3"/>
             <a:r>
-              <a:rPr lang="zh-CN" altLang="en-US" smtClean="0"/>
+              <a:rPr lang="zh-CN" altLang="en-US"/>
               <a:t>第四级</a:t>
             </a:r>
-            <a:endParaRPr lang="zh-CN" altLang="en-US" smtClean="0"/>
           </a:p>
           <a:p>
             <a:pPr lvl="4"/>
             <a:r>
-              <a:rPr lang="zh-CN" altLang="en-US" smtClean="0"/>
+              <a:rPr lang="zh-CN" altLang="en-US"/>
               <a:t>第五级</a:t>
             </a:r>
-            <a:endParaRPr lang="zh-CN" altLang="en-US"/>
           </a:p>
         </p:txBody>
       </p:sp>
@@ -377,6 +378,7 @@
           <a:p>
             <a:fld id="{A6837353-30EB-4A48-80EB-173D804AEFBD}" type="slidenum">
               <a:rPr lang="zh-CN" altLang="en-US" smtClean="0"/>
+              <a:t>‹#›</a:t>
             </a:fld>
             <a:endParaRPr lang="zh-CN" altLang="en-US"/>
           </a:p>
@@ -1193,10 +1195,9 @@
           </a:lstStyle>
           <a:p>
             <a:r>
-              <a:rPr lang="zh-CN" altLang="en-US" smtClean="0"/>
+              <a:rPr lang="zh-CN" altLang="en-US"/>
               <a:t>单击此处编辑母版标题样式</a:t>
             </a:r>
-            <a:endParaRPr lang="zh-CN" altLang="en-US"/>
           </a:p>
         </p:txBody>
       </p:sp>
@@ -1258,10 +1259,9 @@
           </a:lstStyle>
           <a:p>
             <a:r>
-              <a:rPr lang="zh-CN" altLang="en-US" smtClean="0"/>
+              <a:rPr lang="zh-CN" altLang="en-US"/>
               <a:t>单击此处编辑母版副标题样式</a:t>
             </a:r>
-            <a:endParaRPr lang="zh-CN" altLang="en-US"/>
           </a:p>
         </p:txBody>
       </p:sp>
@@ -1282,6 +1282,7 @@
           <a:p>
             <a:fld id="{D997B5FA-0921-464F-AAE1-844C04324D75}" type="datetimeFigureOut">
               <a:rPr lang="zh-CN" altLang="en-US" smtClean="0"/>
+              <a:t>2025/1/3</a:t>
             </a:fld>
             <a:endParaRPr lang="zh-CN" altLang="en-US"/>
           </a:p>
@@ -1323,6 +1324,7 @@
           <a:p>
             <a:fld id="{565CE74E-AB26-4998-AD42-012C4C1AD076}" type="slidenum">
               <a:rPr lang="zh-CN" altLang="en-US" smtClean="0"/>
+              <a:t>‹#›</a:t>
             </a:fld>
             <a:endParaRPr lang="zh-CN" altLang="en-US"/>
           </a:p>
@@ -1369,10 +1371,9 @@
           <a:lstStyle/>
           <a:p>
             <a:r>
-              <a:rPr lang="zh-CN" altLang="en-US" smtClean="0"/>
+              <a:rPr lang="zh-CN" altLang="en-US"/>
               <a:t>单击此处编辑母版标题样式</a:t>
             </a:r>
-            <a:endParaRPr lang="zh-CN" altLang="en-US"/>
           </a:p>
         </p:txBody>
       </p:sp>
@@ -1393,42 +1394,37 @@
           <a:p>
             <a:pPr lvl="0"/>
             <a:r>
-              <a:rPr lang="zh-CN" altLang="en-US" smtClean="0"/>
+              <a:rPr lang="zh-CN" altLang="en-US"/>
               <a:t>单击此处编辑母版文本样式</a:t>
             </a:r>
-            <a:endParaRPr lang="zh-CN" altLang="en-US" smtClean="0"/>
           </a:p>
           <a:p>
             <a:pPr lvl="1"/>
             <a:r>
-              <a:rPr lang="zh-CN" altLang="en-US" smtClean="0"/>
+              <a:rPr lang="zh-CN" altLang="en-US"/>
               <a:t>第二级</a:t>
             </a:r>
-            <a:endParaRPr lang="zh-CN" altLang="en-US" smtClean="0"/>
           </a:p>
           <a:p>
             <a:pPr lvl="2"/>
             <a:r>
-              <a:rPr lang="zh-CN" altLang="en-US" smtClean="0"/>
+              <a:rPr lang="zh-CN" altLang="en-US"/>
               <a:t>第三级</a:t>
             </a:r>
-            <a:endParaRPr lang="zh-CN" altLang="en-US" smtClean="0"/>
           </a:p>
           <a:p>
             <a:pPr lvl="3"/>
             <a:r>
-              <a:rPr lang="zh-CN" altLang="en-US" smtClean="0"/>
+              <a:rPr lang="zh-CN" altLang="en-US"/>
               <a:t>第四级</a:t>
             </a:r>
-            <a:endParaRPr lang="zh-CN" altLang="en-US" smtClean="0"/>
           </a:p>
           <a:p>
             <a:pPr lvl="4"/>
             <a:r>
-              <a:rPr lang="zh-CN" altLang="en-US" smtClean="0"/>
+              <a:rPr lang="zh-CN" altLang="en-US"/>
               <a:t>第五级</a:t>
             </a:r>
-            <a:endParaRPr lang="zh-CN" altLang="en-US"/>
           </a:p>
         </p:txBody>
       </p:sp>
@@ -1449,6 +1445,7 @@
           <a:p>
             <a:fld id="{D997B5FA-0921-464F-AAE1-844C04324D75}" type="datetimeFigureOut">
               <a:rPr lang="zh-CN" altLang="en-US" smtClean="0"/>
+              <a:t>2025/1/3</a:t>
             </a:fld>
             <a:endParaRPr lang="zh-CN" altLang="en-US"/>
           </a:p>
@@ -1490,6 +1487,7 @@
           <a:p>
             <a:fld id="{565CE74E-AB26-4998-AD42-012C4C1AD076}" type="slidenum">
               <a:rPr lang="zh-CN" altLang="en-US" smtClean="0"/>
+              <a:t>‹#›</a:t>
             </a:fld>
             <a:endParaRPr lang="zh-CN" altLang="en-US"/>
           </a:p>
@@ -1541,10 +1539,9 @@
           <a:lstStyle/>
           <a:p>
             <a:r>
-              <a:rPr lang="zh-CN" altLang="en-US" smtClean="0"/>
+              <a:rPr lang="zh-CN" altLang="en-US"/>
               <a:t>单击此处编辑母版标题样式</a:t>
             </a:r>
-            <a:endParaRPr lang="zh-CN" altLang="en-US"/>
           </a:p>
         </p:txBody>
       </p:sp>
@@ -1570,42 +1567,37 @@
           <a:p>
             <a:pPr lvl="0"/>
             <a:r>
-              <a:rPr lang="zh-CN" altLang="en-US" smtClean="0"/>
+              <a:rPr lang="zh-CN" altLang="en-US"/>
               <a:t>单击此处编辑母版文本样式</a:t>
             </a:r>
-            <a:endParaRPr lang="zh-CN" altLang="en-US" smtClean="0"/>
           </a:p>
           <a:p>
             <a:pPr lvl="1"/>
             <a:r>
-              <a:rPr lang="zh-CN" altLang="en-US" smtClean="0"/>
+              <a:rPr lang="zh-CN" altLang="en-US"/>
               <a:t>第二级</a:t>
             </a:r>
-            <a:endParaRPr lang="zh-CN" altLang="en-US" smtClean="0"/>
           </a:p>
           <a:p>
             <a:pPr lvl="2"/>
             <a:r>
-              <a:rPr lang="zh-CN" altLang="en-US" smtClean="0"/>
+              <a:rPr lang="zh-CN" altLang="en-US"/>
               <a:t>第三级</a:t>
             </a:r>
-            <a:endParaRPr lang="zh-CN" altLang="en-US" smtClean="0"/>
           </a:p>
           <a:p>
             <a:pPr lvl="3"/>
             <a:r>
-              <a:rPr lang="zh-CN" altLang="en-US" smtClean="0"/>
+              <a:rPr lang="zh-CN" altLang="en-US"/>
               <a:t>第四级</a:t>
             </a:r>
-            <a:endParaRPr lang="zh-CN" altLang="en-US" smtClean="0"/>
           </a:p>
           <a:p>
             <a:pPr lvl="4"/>
             <a:r>
-              <a:rPr lang="zh-CN" altLang="en-US" smtClean="0"/>
+              <a:rPr lang="zh-CN" altLang="en-US"/>
               <a:t>第五级</a:t>
             </a:r>
-            <a:endParaRPr lang="zh-CN" altLang="en-US"/>
           </a:p>
         </p:txBody>
       </p:sp>
@@ -1626,6 +1618,7 @@
           <a:p>
             <a:fld id="{D997B5FA-0921-464F-AAE1-844C04324D75}" type="datetimeFigureOut">
               <a:rPr lang="zh-CN" altLang="en-US" smtClean="0"/>
+              <a:t>2025/1/3</a:t>
             </a:fld>
             <a:endParaRPr lang="zh-CN" altLang="en-US"/>
           </a:p>
@@ -1667,6 +1660,7 @@
           <a:p>
             <a:fld id="{565CE74E-AB26-4998-AD42-012C4C1AD076}" type="slidenum">
               <a:rPr lang="zh-CN" altLang="en-US" smtClean="0"/>
+              <a:t>‹#›</a:t>
             </a:fld>
             <a:endParaRPr lang="zh-CN" altLang="en-US"/>
           </a:p>
@@ -1713,10 +1707,9 @@
           <a:lstStyle/>
           <a:p>
             <a:r>
-              <a:rPr lang="zh-CN" altLang="en-US" smtClean="0"/>
+              <a:rPr lang="zh-CN" altLang="en-US"/>
               <a:t>单击此处编辑母版标题样式</a:t>
             </a:r>
-            <a:endParaRPr lang="zh-CN" altLang="en-US"/>
           </a:p>
         </p:txBody>
       </p:sp>
@@ -1737,42 +1730,37 @@
           <a:p>
             <a:pPr lvl="0"/>
             <a:r>
-              <a:rPr lang="zh-CN" altLang="en-US" smtClean="0"/>
+              <a:rPr lang="zh-CN" altLang="en-US"/>
               <a:t>单击此处编辑母版文本样式</a:t>
             </a:r>
-            <a:endParaRPr lang="zh-CN" altLang="en-US" smtClean="0"/>
           </a:p>
           <a:p>
             <a:pPr lvl="1"/>
             <a:r>
-              <a:rPr lang="zh-CN" altLang="en-US" smtClean="0"/>
+              <a:rPr lang="zh-CN" altLang="en-US"/>
               <a:t>第二级</a:t>
             </a:r>
-            <a:endParaRPr lang="zh-CN" altLang="en-US" smtClean="0"/>
           </a:p>
           <a:p>
             <a:pPr lvl="2"/>
             <a:r>
-              <a:rPr lang="zh-CN" altLang="en-US" smtClean="0"/>
+              <a:rPr lang="zh-CN" altLang="en-US"/>
               <a:t>第三级</a:t>
             </a:r>
-            <a:endParaRPr lang="zh-CN" altLang="en-US" smtClean="0"/>
           </a:p>
           <a:p>
             <a:pPr lvl="3"/>
             <a:r>
-              <a:rPr lang="zh-CN" altLang="en-US" smtClean="0"/>
+              <a:rPr lang="zh-CN" altLang="en-US"/>
               <a:t>第四级</a:t>
             </a:r>
-            <a:endParaRPr lang="zh-CN" altLang="en-US" smtClean="0"/>
           </a:p>
           <a:p>
             <a:pPr lvl="4"/>
             <a:r>
-              <a:rPr lang="zh-CN" altLang="en-US" smtClean="0"/>
+              <a:rPr lang="zh-CN" altLang="en-US"/>
               <a:t>第五级</a:t>
             </a:r>
-            <a:endParaRPr lang="zh-CN" altLang="en-US"/>
           </a:p>
         </p:txBody>
       </p:sp>
@@ -1793,6 +1781,7 @@
           <a:p>
             <a:fld id="{D997B5FA-0921-464F-AAE1-844C04324D75}" type="datetimeFigureOut">
               <a:rPr lang="zh-CN" altLang="en-US" smtClean="0"/>
+              <a:t>2025/1/3</a:t>
             </a:fld>
             <a:endParaRPr lang="zh-CN" altLang="en-US"/>
           </a:p>
@@ -1834,6 +1823,7 @@
           <a:p>
             <a:fld id="{565CE74E-AB26-4998-AD42-012C4C1AD076}" type="slidenum">
               <a:rPr lang="zh-CN" altLang="en-US" smtClean="0"/>
+              <a:t>‹#›</a:t>
             </a:fld>
             <a:endParaRPr lang="zh-CN" altLang="en-US"/>
           </a:p>
@@ -1889,10 +1879,9 @@
           </a:lstStyle>
           <a:p>
             <a:r>
-              <a:rPr lang="zh-CN" altLang="en-US" smtClean="0"/>
+              <a:rPr lang="zh-CN" altLang="en-US"/>
               <a:t>单击此处编辑母版标题样式</a:t>
             </a:r>
-            <a:endParaRPr lang="zh-CN" altLang="en-US"/>
           </a:p>
         </p:txBody>
       </p:sp>
@@ -2009,10 +1998,9 @@
           <a:p>
             <a:pPr lvl="0"/>
             <a:r>
-              <a:rPr lang="zh-CN" altLang="en-US" smtClean="0"/>
+              <a:rPr lang="zh-CN" altLang="en-US"/>
               <a:t>单击此处编辑母版文本样式</a:t>
             </a:r>
-            <a:endParaRPr lang="zh-CN" altLang="en-US" smtClean="0"/>
           </a:p>
         </p:txBody>
       </p:sp>
@@ -2033,6 +2021,7 @@
           <a:p>
             <a:fld id="{D997B5FA-0921-464F-AAE1-844C04324D75}" type="datetimeFigureOut">
               <a:rPr lang="zh-CN" altLang="en-US" smtClean="0"/>
+              <a:t>2025/1/3</a:t>
             </a:fld>
             <a:endParaRPr lang="zh-CN" altLang="en-US"/>
           </a:p>
@@ -2074,6 +2063,7 @@
           <a:p>
             <a:fld id="{565CE74E-AB26-4998-AD42-012C4C1AD076}" type="slidenum">
               <a:rPr lang="zh-CN" altLang="en-US" smtClean="0"/>
+              <a:t>‹#›</a:t>
             </a:fld>
             <a:endParaRPr lang="zh-CN" altLang="en-US"/>
           </a:p>
@@ -2120,10 +2110,9 @@
           <a:lstStyle/>
           <a:p>
             <a:r>
-              <a:rPr lang="zh-CN" altLang="en-US" smtClean="0"/>
+              <a:rPr lang="zh-CN" altLang="en-US"/>
               <a:t>单击此处编辑母版标题样式</a:t>
             </a:r>
-            <a:endParaRPr lang="zh-CN" altLang="en-US"/>
           </a:p>
         </p:txBody>
       </p:sp>
@@ -2149,42 +2138,37 @@
           <a:p>
             <a:pPr lvl="0"/>
             <a:r>
-              <a:rPr lang="zh-CN" altLang="en-US" smtClean="0"/>
+              <a:rPr lang="zh-CN" altLang="en-US"/>
               <a:t>单击此处编辑母版文本样式</a:t>
             </a:r>
-            <a:endParaRPr lang="zh-CN" altLang="en-US" smtClean="0"/>
           </a:p>
           <a:p>
             <a:pPr lvl="1"/>
             <a:r>
-              <a:rPr lang="zh-CN" altLang="en-US" smtClean="0"/>
+              <a:rPr lang="zh-CN" altLang="en-US"/>
               <a:t>第二级</a:t>
             </a:r>
-            <a:endParaRPr lang="zh-CN" altLang="en-US" smtClean="0"/>
           </a:p>
           <a:p>
             <a:pPr lvl="2"/>
             <a:r>
-              <a:rPr lang="zh-CN" altLang="en-US" smtClean="0"/>
+              <a:rPr lang="zh-CN" altLang="en-US"/>
               <a:t>第三级</a:t>
             </a:r>
-            <a:endParaRPr lang="zh-CN" altLang="en-US" smtClean="0"/>
           </a:p>
           <a:p>
             <a:pPr lvl="3"/>
             <a:r>
-              <a:rPr lang="zh-CN" altLang="en-US" smtClean="0"/>
+              <a:rPr lang="zh-CN" altLang="en-US"/>
               <a:t>第四级</a:t>
             </a:r>
-            <a:endParaRPr lang="zh-CN" altLang="en-US" smtClean="0"/>
           </a:p>
           <a:p>
             <a:pPr lvl="4"/>
             <a:r>
-              <a:rPr lang="zh-CN" altLang="en-US" smtClean="0"/>
+              <a:rPr lang="zh-CN" altLang="en-US"/>
               <a:t>第五级</a:t>
             </a:r>
-            <a:endParaRPr lang="zh-CN" altLang="en-US"/>
           </a:p>
         </p:txBody>
       </p:sp>
@@ -2210,42 +2194,37 @@
           <a:p>
             <a:pPr lvl="0"/>
             <a:r>
-              <a:rPr lang="zh-CN" altLang="en-US" smtClean="0"/>
+              <a:rPr lang="zh-CN" altLang="en-US"/>
               <a:t>单击此处编辑母版文本样式</a:t>
             </a:r>
-            <a:endParaRPr lang="zh-CN" altLang="en-US" smtClean="0"/>
           </a:p>
           <a:p>
             <a:pPr lvl="1"/>
             <a:r>
-              <a:rPr lang="zh-CN" altLang="en-US" smtClean="0"/>
+              <a:rPr lang="zh-CN" altLang="en-US"/>
               <a:t>第二级</a:t>
             </a:r>
-            <a:endParaRPr lang="zh-CN" altLang="en-US" smtClean="0"/>
           </a:p>
           <a:p>
             <a:pPr lvl="2"/>
             <a:r>
-              <a:rPr lang="zh-CN" altLang="en-US" smtClean="0"/>
+              <a:rPr lang="zh-CN" altLang="en-US"/>
               <a:t>第三级</a:t>
             </a:r>
-            <a:endParaRPr lang="zh-CN" altLang="en-US" smtClean="0"/>
           </a:p>
           <a:p>
             <a:pPr lvl="3"/>
             <a:r>
-              <a:rPr lang="zh-CN" altLang="en-US" smtClean="0"/>
+              <a:rPr lang="zh-CN" altLang="en-US"/>
               <a:t>第四级</a:t>
             </a:r>
-            <a:endParaRPr lang="zh-CN" altLang="en-US" smtClean="0"/>
           </a:p>
           <a:p>
             <a:pPr lvl="4"/>
             <a:r>
-              <a:rPr lang="zh-CN" altLang="en-US" smtClean="0"/>
+              <a:rPr lang="zh-CN" altLang="en-US"/>
               <a:t>第五级</a:t>
             </a:r>
-            <a:endParaRPr lang="zh-CN" altLang="en-US"/>
           </a:p>
         </p:txBody>
       </p:sp>
@@ -2266,6 +2245,7 @@
           <a:p>
             <a:fld id="{D997B5FA-0921-464F-AAE1-844C04324D75}" type="datetimeFigureOut">
               <a:rPr lang="zh-CN" altLang="en-US" smtClean="0"/>
+              <a:t>2025/1/3</a:t>
             </a:fld>
             <a:endParaRPr lang="zh-CN" altLang="en-US"/>
           </a:p>
@@ -2307,6 +2287,7 @@
           <a:p>
             <a:fld id="{565CE74E-AB26-4998-AD42-012C4C1AD076}" type="slidenum">
               <a:rPr lang="zh-CN" altLang="en-US" smtClean="0"/>
+              <a:t>‹#›</a:t>
             </a:fld>
             <a:endParaRPr lang="zh-CN" altLang="en-US"/>
           </a:p>
@@ -2358,10 +2339,9 @@
           <a:lstStyle/>
           <a:p>
             <a:r>
-              <a:rPr lang="zh-CN" altLang="en-US" smtClean="0"/>
+              <a:rPr lang="zh-CN" altLang="en-US"/>
               <a:t>单击此处编辑母版标题样式</a:t>
             </a:r>
-            <a:endParaRPr lang="zh-CN" altLang="en-US"/>
           </a:p>
         </p:txBody>
       </p:sp>
@@ -2424,10 +2404,9 @@
           <a:p>
             <a:pPr lvl="0"/>
             <a:r>
-              <a:rPr lang="zh-CN" altLang="en-US" smtClean="0"/>
+              <a:rPr lang="zh-CN" altLang="en-US"/>
               <a:t>单击此处编辑母版文本样式</a:t>
             </a:r>
-            <a:endParaRPr lang="zh-CN" altLang="en-US" smtClean="0"/>
           </a:p>
         </p:txBody>
       </p:sp>
@@ -2453,42 +2432,37 @@
           <a:p>
             <a:pPr lvl="0"/>
             <a:r>
-              <a:rPr lang="zh-CN" altLang="en-US" smtClean="0"/>
+              <a:rPr lang="zh-CN" altLang="en-US"/>
               <a:t>单击此处编辑母版文本样式</a:t>
             </a:r>
-            <a:endParaRPr lang="zh-CN" altLang="en-US" smtClean="0"/>
           </a:p>
           <a:p>
             <a:pPr lvl="1"/>
             <a:r>
-              <a:rPr lang="zh-CN" altLang="en-US" smtClean="0"/>
+              <a:rPr lang="zh-CN" altLang="en-US"/>
               <a:t>第二级</a:t>
             </a:r>
-            <a:endParaRPr lang="zh-CN" altLang="en-US" smtClean="0"/>
           </a:p>
           <a:p>
             <a:pPr lvl="2"/>
             <a:r>
-              <a:rPr lang="zh-CN" altLang="en-US" smtClean="0"/>
+              <a:rPr lang="zh-CN" altLang="en-US"/>
               <a:t>第三级</a:t>
             </a:r>
-            <a:endParaRPr lang="zh-CN" altLang="en-US" smtClean="0"/>
           </a:p>
           <a:p>
             <a:pPr lvl="3"/>
             <a:r>
-              <a:rPr lang="zh-CN" altLang="en-US" smtClean="0"/>
+              <a:rPr lang="zh-CN" altLang="en-US"/>
               <a:t>第四级</a:t>
             </a:r>
-            <a:endParaRPr lang="zh-CN" altLang="en-US" smtClean="0"/>
           </a:p>
           <a:p>
             <a:pPr lvl="4"/>
             <a:r>
-              <a:rPr lang="zh-CN" altLang="en-US" smtClean="0"/>
+              <a:rPr lang="zh-CN" altLang="en-US"/>
               <a:t>第五级</a:t>
             </a:r>
-            <a:endParaRPr lang="zh-CN" altLang="en-US"/>
           </a:p>
         </p:txBody>
       </p:sp>
@@ -2551,10 +2525,9 @@
           <a:p>
             <a:pPr lvl="0"/>
             <a:r>
-              <a:rPr lang="zh-CN" altLang="en-US" smtClean="0"/>
+              <a:rPr lang="zh-CN" altLang="en-US"/>
               <a:t>单击此处编辑母版文本样式</a:t>
             </a:r>
-            <a:endParaRPr lang="zh-CN" altLang="en-US" smtClean="0"/>
           </a:p>
         </p:txBody>
       </p:sp>
@@ -2580,42 +2553,37 @@
           <a:p>
             <a:pPr lvl="0"/>
             <a:r>
-              <a:rPr lang="zh-CN" altLang="en-US" smtClean="0"/>
+              <a:rPr lang="zh-CN" altLang="en-US"/>
               <a:t>单击此处编辑母版文本样式</a:t>
             </a:r>
-            <a:endParaRPr lang="zh-CN" altLang="en-US" smtClean="0"/>
           </a:p>
           <a:p>
             <a:pPr lvl="1"/>
             <a:r>
-              <a:rPr lang="zh-CN" altLang="en-US" smtClean="0"/>
+              <a:rPr lang="zh-CN" altLang="en-US"/>
               <a:t>第二级</a:t>
             </a:r>
-            <a:endParaRPr lang="zh-CN" altLang="en-US" smtClean="0"/>
           </a:p>
           <a:p>
             <a:pPr lvl="2"/>
             <a:r>
-              <a:rPr lang="zh-CN" altLang="en-US" smtClean="0"/>
+              <a:rPr lang="zh-CN" altLang="en-US"/>
               <a:t>第三级</a:t>
             </a:r>
-            <a:endParaRPr lang="zh-CN" altLang="en-US" smtClean="0"/>
           </a:p>
           <a:p>
             <a:pPr lvl="3"/>
             <a:r>
-              <a:rPr lang="zh-CN" altLang="en-US" smtClean="0"/>
+              <a:rPr lang="zh-CN" altLang="en-US"/>
               <a:t>第四级</a:t>
             </a:r>
-            <a:endParaRPr lang="zh-CN" altLang="en-US" smtClean="0"/>
           </a:p>
           <a:p>
             <a:pPr lvl="4"/>
             <a:r>
-              <a:rPr lang="zh-CN" altLang="en-US" smtClean="0"/>
+              <a:rPr lang="zh-CN" altLang="en-US"/>
               <a:t>第五级</a:t>
             </a:r>
-            <a:endParaRPr lang="zh-CN" altLang="en-US"/>
           </a:p>
         </p:txBody>
       </p:sp>
@@ -2636,6 +2604,7 @@
           <a:p>
             <a:fld id="{D997B5FA-0921-464F-AAE1-844C04324D75}" type="datetimeFigureOut">
               <a:rPr lang="zh-CN" altLang="en-US" smtClean="0"/>
+              <a:t>2025/1/3</a:t>
             </a:fld>
             <a:endParaRPr lang="zh-CN" altLang="en-US"/>
           </a:p>
@@ -2677,6 +2646,7 @@
           <a:p>
             <a:fld id="{565CE74E-AB26-4998-AD42-012C4C1AD076}" type="slidenum">
               <a:rPr lang="zh-CN" altLang="en-US" smtClean="0"/>
+              <a:t>‹#›</a:t>
             </a:fld>
             <a:endParaRPr lang="zh-CN" altLang="en-US"/>
           </a:p>
@@ -2723,10 +2693,9 @@
           <a:lstStyle/>
           <a:p>
             <a:r>
-              <a:rPr lang="zh-CN" altLang="en-US" smtClean="0"/>
+              <a:rPr lang="zh-CN" altLang="en-US"/>
               <a:t>单击此处编辑母版标题样式</a:t>
             </a:r>
-            <a:endParaRPr lang="zh-CN" altLang="en-US"/>
           </a:p>
         </p:txBody>
       </p:sp>
@@ -2747,6 +2716,7 @@
           <a:p>
             <a:fld id="{D997B5FA-0921-464F-AAE1-844C04324D75}" type="datetimeFigureOut">
               <a:rPr lang="zh-CN" altLang="en-US" smtClean="0"/>
+              <a:t>2025/1/3</a:t>
             </a:fld>
             <a:endParaRPr lang="zh-CN" altLang="en-US"/>
           </a:p>
@@ -2788,6 +2758,7 @@
           <a:p>
             <a:fld id="{565CE74E-AB26-4998-AD42-012C4C1AD076}" type="slidenum">
               <a:rPr lang="zh-CN" altLang="en-US" smtClean="0"/>
+              <a:t>‹#›</a:t>
             </a:fld>
             <a:endParaRPr lang="zh-CN" altLang="en-US"/>
           </a:p>
@@ -2835,6 +2806,7 @@
           <a:p>
             <a:fld id="{D997B5FA-0921-464F-AAE1-844C04324D75}" type="datetimeFigureOut">
               <a:rPr lang="zh-CN" altLang="en-US" smtClean="0"/>
+              <a:t>2025/1/3</a:t>
             </a:fld>
             <a:endParaRPr lang="zh-CN" altLang="en-US"/>
           </a:p>
@@ -2876,6 +2848,7 @@
           <a:p>
             <a:fld id="{565CE74E-AB26-4998-AD42-012C4C1AD076}" type="slidenum">
               <a:rPr lang="zh-CN" altLang="en-US" smtClean="0"/>
+              <a:t>‹#›</a:t>
             </a:fld>
             <a:endParaRPr lang="zh-CN" altLang="en-US"/>
           </a:p>
@@ -2931,10 +2904,9 @@
           </a:lstStyle>
           <a:p>
             <a:r>
-              <a:rPr lang="zh-CN" altLang="en-US" smtClean="0"/>
+              <a:rPr lang="zh-CN" altLang="en-US"/>
               <a:t>单击此处编辑母版标题样式</a:t>
             </a:r>
-            <a:endParaRPr lang="zh-CN" altLang="en-US"/>
           </a:p>
         </p:txBody>
       </p:sp>
@@ -2988,42 +2960,37 @@
           <a:p>
             <a:pPr lvl="0"/>
             <a:r>
-              <a:rPr lang="zh-CN" altLang="en-US" smtClean="0"/>
+              <a:rPr lang="zh-CN" altLang="en-US"/>
               <a:t>单击此处编辑母版文本样式</a:t>
             </a:r>
-            <a:endParaRPr lang="zh-CN" altLang="en-US" smtClean="0"/>
           </a:p>
           <a:p>
             <a:pPr lvl="1"/>
             <a:r>
-              <a:rPr lang="zh-CN" altLang="en-US" smtClean="0"/>
+              <a:rPr lang="zh-CN" altLang="en-US"/>
               <a:t>第二级</a:t>
             </a:r>
-            <a:endParaRPr lang="zh-CN" altLang="en-US" smtClean="0"/>
           </a:p>
           <a:p>
             <a:pPr lvl="2"/>
             <a:r>
-              <a:rPr lang="zh-CN" altLang="en-US" smtClean="0"/>
+              <a:rPr lang="zh-CN" altLang="en-US"/>
               <a:t>第三级</a:t>
             </a:r>
-            <a:endParaRPr lang="zh-CN" altLang="en-US" smtClean="0"/>
           </a:p>
           <a:p>
             <a:pPr lvl="3"/>
             <a:r>
-              <a:rPr lang="zh-CN" altLang="en-US" smtClean="0"/>
+              <a:rPr lang="zh-CN" altLang="en-US"/>
               <a:t>第四级</a:t>
             </a:r>
-            <a:endParaRPr lang="zh-CN" altLang="en-US" smtClean="0"/>
           </a:p>
           <a:p>
             <a:pPr lvl="4"/>
             <a:r>
-              <a:rPr lang="zh-CN" altLang="en-US" smtClean="0"/>
+              <a:rPr lang="zh-CN" altLang="en-US"/>
               <a:t>第五级</a:t>
             </a:r>
-            <a:endParaRPr lang="zh-CN" altLang="en-US"/>
           </a:p>
         </p:txBody>
       </p:sp>
@@ -3086,10 +3053,9 @@
           <a:p>
             <a:pPr lvl="0"/>
             <a:r>
-              <a:rPr lang="zh-CN" altLang="en-US" smtClean="0"/>
+              <a:rPr lang="zh-CN" altLang="en-US"/>
               <a:t>单击此处编辑母版文本样式</a:t>
             </a:r>
-            <a:endParaRPr lang="zh-CN" altLang="en-US" smtClean="0"/>
           </a:p>
         </p:txBody>
       </p:sp>
@@ -3110,6 +3076,7 @@
           <a:p>
             <a:fld id="{D997B5FA-0921-464F-AAE1-844C04324D75}" type="datetimeFigureOut">
               <a:rPr lang="zh-CN" altLang="en-US" smtClean="0"/>
+              <a:t>2025/1/3</a:t>
             </a:fld>
             <a:endParaRPr lang="zh-CN" altLang="en-US"/>
           </a:p>
@@ -3151,6 +3118,7 @@
           <a:p>
             <a:fld id="{565CE74E-AB26-4998-AD42-012C4C1AD076}" type="slidenum">
               <a:rPr lang="zh-CN" altLang="en-US" smtClean="0"/>
+              <a:t>‹#›</a:t>
             </a:fld>
             <a:endParaRPr lang="zh-CN" altLang="en-US"/>
           </a:p>
@@ -3206,10 +3174,9 @@
           </a:lstStyle>
           <a:p>
             <a:r>
-              <a:rPr lang="zh-CN" altLang="en-US" smtClean="0"/>
+              <a:rPr lang="zh-CN" altLang="en-US"/>
               <a:t>单击此处编辑母版标题样式</a:t>
             </a:r>
-            <a:endParaRPr lang="zh-CN" altLang="en-US"/>
           </a:p>
         </p:txBody>
       </p:sp>
@@ -3333,10 +3300,9 @@
           <a:p>
             <a:pPr lvl="0"/>
             <a:r>
-              <a:rPr lang="zh-CN" altLang="en-US" smtClean="0"/>
+              <a:rPr lang="zh-CN" altLang="en-US"/>
               <a:t>单击此处编辑母版文本样式</a:t>
             </a:r>
-            <a:endParaRPr lang="zh-CN" altLang="en-US" smtClean="0"/>
           </a:p>
         </p:txBody>
       </p:sp>
@@ -3357,6 +3323,7 @@
           <a:p>
             <a:fld id="{D997B5FA-0921-464F-AAE1-844C04324D75}" type="datetimeFigureOut">
               <a:rPr lang="zh-CN" altLang="en-US" smtClean="0"/>
+              <a:t>2025/1/3</a:t>
             </a:fld>
             <a:endParaRPr lang="zh-CN" altLang="en-US"/>
           </a:p>
@@ -3398,6 +3365,7 @@
           <a:p>
             <a:fld id="{565CE74E-AB26-4998-AD42-012C4C1AD076}" type="slidenum">
               <a:rPr lang="zh-CN" altLang="en-US" smtClean="0"/>
+              <a:t>‹#›</a:t>
             </a:fld>
             <a:endParaRPr lang="zh-CN" altLang="en-US"/>
           </a:p>
@@ -3459,10 +3427,9 @@
           <a:lstStyle/>
           <a:p>
             <a:r>
-              <a:rPr lang="zh-CN" altLang="en-US" smtClean="0"/>
+              <a:rPr lang="zh-CN" altLang="en-US"/>
               <a:t>单击此处编辑母版标题样式</a:t>
             </a:r>
-            <a:endParaRPr lang="zh-CN" altLang="en-US"/>
           </a:p>
         </p:txBody>
       </p:sp>
@@ -3493,42 +3460,37 @@
           <a:p>
             <a:pPr lvl="0"/>
             <a:r>
-              <a:rPr lang="zh-CN" altLang="en-US" smtClean="0"/>
+              <a:rPr lang="zh-CN" altLang="en-US"/>
               <a:t>单击此处编辑母版文本样式</a:t>
             </a:r>
-            <a:endParaRPr lang="zh-CN" altLang="en-US" smtClean="0"/>
           </a:p>
           <a:p>
             <a:pPr lvl="1"/>
             <a:r>
-              <a:rPr lang="zh-CN" altLang="en-US" smtClean="0"/>
+              <a:rPr lang="zh-CN" altLang="en-US"/>
               <a:t>第二级</a:t>
             </a:r>
-            <a:endParaRPr lang="zh-CN" altLang="en-US" smtClean="0"/>
           </a:p>
           <a:p>
             <a:pPr lvl="2"/>
             <a:r>
-              <a:rPr lang="zh-CN" altLang="en-US" smtClean="0"/>
+              <a:rPr lang="zh-CN" altLang="en-US"/>
               <a:t>第三级</a:t>
             </a:r>
-            <a:endParaRPr lang="zh-CN" altLang="en-US" smtClean="0"/>
           </a:p>
           <a:p>
             <a:pPr lvl="3"/>
             <a:r>
-              <a:rPr lang="zh-CN" altLang="en-US" smtClean="0"/>
+              <a:rPr lang="zh-CN" altLang="en-US"/>
               <a:t>第四级</a:t>
             </a:r>
-            <a:endParaRPr lang="zh-CN" altLang="en-US" smtClean="0"/>
           </a:p>
           <a:p>
             <a:pPr lvl="4"/>
             <a:r>
-              <a:rPr lang="zh-CN" altLang="en-US" smtClean="0"/>
+              <a:rPr lang="zh-CN" altLang="en-US"/>
               <a:t>第五级</a:t>
             </a:r>
-            <a:endParaRPr lang="zh-CN" altLang="en-US"/>
           </a:p>
         </p:txBody>
       </p:sp>
@@ -3567,6 +3529,7 @@
           <a:p>
             <a:fld id="{D997B5FA-0921-464F-AAE1-844C04324D75}" type="datetimeFigureOut">
               <a:rPr lang="zh-CN" altLang="en-US" smtClean="0"/>
+              <a:t>2025/1/3</a:t>
             </a:fld>
             <a:endParaRPr lang="zh-CN" altLang="en-US"/>
           </a:p>
@@ -3644,6 +3607,7 @@
           <a:p>
             <a:fld id="{565CE74E-AB26-4998-AD42-012C4C1AD076}" type="slidenum">
               <a:rPr lang="zh-CN" altLang="en-US" smtClean="0"/>
+              <a:t>‹#›</a:t>
             </a:fld>
             <a:endParaRPr lang="zh-CN" altLang="en-US"/>
           </a:p>
@@ -3957,7 +3921,14 @@
         <p:cNvGrpSpPr/>
         <p:nvPr/>
       </p:nvGrpSpPr>
-      <p:grpSpPr/>
+      <p:grpSpPr>
+        <a:xfrm>
+          <a:off x="0" y="0"/>
+          <a:ext cx="0" cy="0"/>
+          <a:chOff x="0" y="0"/>
+          <a:chExt cx="0" cy="0"/>
+        </a:xfrm>
+      </p:grpSpPr>
       <p:sp>
         <p:nvSpPr>
           <p:cNvPr id="4" name="圆角矩形 3"/>
@@ -3999,6 +3970,7 @@
         </p:style>
         <p:txBody>
           <a:bodyPr rtlCol="0" anchor="ctr"/>
+          <a:lstStyle/>
           <a:p>
             <a:pPr algn="ctr"/>
             <a:endParaRPr lang="zh-CN" altLang="en-US"/>
@@ -4534,6 +4506,7 @@
         </p:style>
         <p:txBody>
           <a:bodyPr rtlCol="0" anchor="ctr"/>
+          <a:lstStyle/>
           <a:p>
             <a:pPr algn="ctr"/>
             <a:endParaRPr lang="zh-CN" altLang="en-US"/>
@@ -5109,6 +5082,7 @@
         </p:style>
         <p:txBody>
           <a:bodyPr rtlCol="0" anchor="ctr"/>
+          <a:lstStyle/>
           <a:p>
             <a:pPr algn="ctr"/>
             <a:endParaRPr lang="zh-CN" altLang="en-US"/>
@@ -5824,6 +5798,7 @@
         </p:style>
         <p:txBody>
           <a:bodyPr rtlCol="0" anchor="ctr"/>
+          <a:lstStyle/>
           <a:p>
             <a:pPr algn="ctr"/>
             <a:endParaRPr lang="zh-CN" altLang="en-US"/>
@@ -5850,6 +5825,7 @@
           <a:bodyPr wrap="none" rtlCol="0" anchor="t">
             <a:spAutoFit/>
           </a:bodyPr>
+          <a:lstStyle/>
           <a:p>
             <a:r>
               <a:rPr lang="zh-CN" altLang="en-US">
@@ -5858,10 +5834,6 @@
               </a:rPr>
               <a:t>•</a:t>
             </a:r>
-            <a:endParaRPr lang="zh-CN" altLang="en-US">
-              <a:latin typeface="微软雅黑" panose="020B0503020204020204" charset="-122"/>
-              <a:ea typeface="微软雅黑" panose="020B0503020204020204" charset="-122"/>
-            </a:endParaRPr>
           </a:p>
         </p:txBody>
       </p:sp>
@@ -5885,6 +5857,7 @@
           <a:bodyPr wrap="none" rtlCol="0" anchor="t">
             <a:spAutoFit/>
           </a:bodyPr>
+          <a:lstStyle/>
           <a:p>
             <a:r>
               <a:rPr lang="zh-CN" altLang="en-US">
@@ -5893,10 +5866,6 @@
               </a:rPr>
               <a:t>•</a:t>
             </a:r>
-            <a:endParaRPr lang="zh-CN" altLang="en-US">
-              <a:latin typeface="微软雅黑" panose="020B0503020204020204" charset="-122"/>
-              <a:ea typeface="微软雅黑" panose="020B0503020204020204" charset="-122"/>
-            </a:endParaRPr>
           </a:p>
         </p:txBody>
       </p:sp>
@@ -5920,6 +5889,7 @@
           <a:bodyPr wrap="none" rtlCol="0" anchor="t">
             <a:spAutoFit/>
           </a:bodyPr>
+          <a:lstStyle/>
           <a:p>
             <a:r>
               <a:rPr lang="zh-CN" altLang="en-US">
@@ -5928,10 +5898,6 @@
               </a:rPr>
               <a:t>•</a:t>
             </a:r>
-            <a:endParaRPr lang="zh-CN" altLang="en-US">
-              <a:latin typeface="微软雅黑" panose="020B0503020204020204" charset="-122"/>
-              <a:ea typeface="微软雅黑" panose="020B0503020204020204" charset="-122"/>
-            </a:endParaRPr>
           </a:p>
         </p:txBody>
       </p:sp>
@@ -5966,6 +5932,7 @@
         </p:style>
         <p:txBody>
           <a:bodyPr rtlCol="0" anchor="ctr"/>
+          <a:lstStyle/>
           <a:p>
             <a:pPr algn="ctr"/>
             <a:endParaRPr lang="zh-CN" altLang="en-US"/>
@@ -5992,10 +5959,11 @@
             <a:spAutoFit/>
             <a:extLst>
               <a:ext uri="{4A0BC546-FE56-4ADE-93B0-CB8AF2F6F144}">
-                <wpsdc:textFrameExt xmlns:wpsdc="http://www.wps.cn/officeDocument/2022/drawingmlCustomData" type="text"/>
+                <wpsdc:textFrameExt xmlns:wpsdc="http://www.wps.cn/officeDocument/2022/drawingmlCustomData" xmlns="" type="text"/>
               </a:ext>
             </a:extLst>
           </a:bodyPr>
+          <a:lstStyle/>
           <a:p>
             <a:pPr algn="l"/>
             <a:r>
@@ -6005,10 +5973,6 @@
               </a:rPr>
               <a:t>Input Multivariate Time Series</a:t>
             </a:r>
-            <a:endParaRPr lang="en-US" altLang="zh-CN" b="1">
-              <a:latin typeface="Arial" panose="020B0604020202020204" pitchFamily="34" charset="0"/>
-              <a:ea typeface="微软雅黑" panose="020B0503020204020204" charset="-122"/>
-            </a:endParaRPr>
           </a:p>
         </p:txBody>
       </p:sp>
@@ -6032,10 +5996,11 @@
             <a:spAutoFit/>
             <a:extLst>
               <a:ext uri="{4A0BC546-FE56-4ADE-93B0-CB8AF2F6F144}">
-                <wpsdc:textFrameExt xmlns:wpsdc="http://www.wps.cn/officeDocument/2022/drawingmlCustomData" type="text"/>
+                <wpsdc:textFrameExt xmlns:wpsdc="http://www.wps.cn/officeDocument/2022/drawingmlCustomData" xmlns="" type="text"/>
               </a:ext>
             </a:extLst>
           </a:bodyPr>
+          <a:lstStyle/>
           <a:p>
             <a:pPr algn="l"/>
             <a:r>
@@ -6045,10 +6010,6 @@
               </a:rPr>
               <a:t>N Senors</a:t>
             </a:r>
-            <a:endParaRPr lang="en-US" altLang="zh-CN" sz="1800">
-              <a:latin typeface="Arial" panose="020B0604020202020204" pitchFamily="34" charset="0"/>
-              <a:ea typeface="微软雅黑" panose="020B0503020204020204" charset="-122"/>
-            </a:endParaRPr>
           </a:p>
         </p:txBody>
       </p:sp>
@@ -6069,7 +6030,14 @@
         <p:cNvGrpSpPr/>
         <p:nvPr/>
       </p:nvGrpSpPr>
-      <p:grpSpPr/>
+      <p:grpSpPr>
+        <a:xfrm>
+          <a:off x="0" y="0"/>
+          <a:ext cx="0" cy="0"/>
+          <a:chOff x="0" y="0"/>
+          <a:chExt cx="0" cy="0"/>
+        </a:xfrm>
+      </p:grpSpPr>
       <p:pic>
         <p:nvPicPr>
           <p:cNvPr id="2" name="图片 1"/>
@@ -6079,7 +6047,7 @@
           <p:nvPr/>
         </p:nvPicPr>
         <p:blipFill>
-          <a:blip r:embed="rId1"/>
+          <a:blip r:embed="rId2"/>
           <a:stretch>
             <a:fillRect/>
           </a:stretch>
@@ -6103,7 +6071,7 @@
           <p:nvPr/>
         </p:nvPicPr>
         <p:blipFill>
-          <a:blip r:embed="rId2"/>
+          <a:blip r:embed="rId3"/>
           <a:stretch>
             <a:fillRect/>
           </a:stretch>
@@ -6127,7 +6095,7 @@
           <p:nvPr/>
         </p:nvPicPr>
         <p:blipFill>
-          <a:blip r:embed="rId3"/>
+          <a:blip r:embed="rId4"/>
           <a:stretch>
             <a:fillRect/>
           </a:stretch>
@@ -6151,7 +6119,7 @@
           <p:nvPr/>
         </p:nvPicPr>
         <p:blipFill>
-          <a:blip r:embed="rId4"/>
+          <a:blip r:embed="rId5"/>
           <a:stretch>
             <a:fillRect/>
           </a:stretch>
@@ -6278,25 +6246,7 @@
                 <a:cs typeface="Times New Roman" panose="02020603050405020304" pitchFamily="18" charset="0"/>
                 <a:sym typeface="等线" panose="02010600030101010101" charset="-122"/>
               </a:rPr>
-              <a:t>异常</a:t>
-            </a:r>
-            <a:r>
-              <a:rPr kumimoji="0" lang="zh-CN" altLang="en-US" sz="3200" b="1" i="0" u="none" strike="noStrike" kern="1200" cap="none" spc="0" normalizeH="0" baseline="0" noProof="0" dirty="0">
-                <a:ln>
-                  <a:noFill/>
-                </a:ln>
-                <a:solidFill>
-                  <a:schemeClr val="accent2"/>
-                </a:solidFill>
-                <a:effectLst/>
-                <a:uLnTx/>
-                <a:uFillTx/>
-                <a:latin typeface="微软雅黑" panose="020B0503020204020204" charset="-122"/>
-                <a:ea typeface="微软雅黑" panose="020B0503020204020204" charset="-122"/>
-                <a:cs typeface="Times New Roman" panose="02020603050405020304" pitchFamily="18" charset="0"/>
-                <a:sym typeface="等线" panose="02010600030101010101" charset="-122"/>
-              </a:rPr>
-              <a:t>检测研究</a:t>
+              <a:t>异常检测研究</a:t>
             </a:r>
             <a:r>
               <a:rPr lang="zh-CN" altLang="en-US" sz="3200" b="1" dirty="0">
@@ -6337,7 +6287,7 @@
           <p:nvPr/>
         </p:nvPicPr>
         <p:blipFill rotWithShape="1">
-          <a:blip r:embed="rId1" cstate="print"/>
+          <a:blip r:embed="rId3" cstate="print"/>
           <a:srcRect b="9522"/>
           <a:stretch>
             <a:fillRect/>
@@ -6538,13 +6488,8 @@
             </a:r>
             <a:r>
               <a:rPr lang="zh-CN" altLang="en-US" dirty="0"/>
-              <a:t>，无法充分捕捉每个节点的独特行为</a:t>
-            </a:r>
-            <a:r>
-              <a:rPr lang="zh-CN" altLang="en-US" dirty="0"/>
-              <a:t>模式</a:t>
-            </a:r>
-            <a:endParaRPr lang="zh-CN" altLang="en-US" dirty="0"/>
+              <a:t>，无法充分捕捉每个节点的独特行为模式</a:t>
+            </a:r>
           </a:p>
         </p:txBody>
       </p:sp>
@@ -6662,21 +6607,6 @@
               </a:rPr>
               <a:t>异常检测主要研究点</a:t>
             </a:r>
-            <a:endParaRPr kumimoji="0" lang="zh-CN" altLang="en-US" sz="3200" b="1" i="0" u="none" strike="noStrike" kern="1200" cap="none" spc="0" normalizeH="0" baseline="0" noProof="0" dirty="0">
-              <a:ln>
-                <a:noFill/>
-              </a:ln>
-              <a:solidFill>
-                <a:schemeClr val="accent2"/>
-              </a:solidFill>
-              <a:effectLst/>
-              <a:uLnTx/>
-              <a:uFillTx/>
-              <a:latin typeface="微软雅黑" panose="020B0503020204020204" charset="-122"/>
-              <a:ea typeface="微软雅黑" panose="020B0503020204020204" charset="-122"/>
-              <a:cs typeface="Times New Roman" panose="02020603050405020304" pitchFamily="18" charset="0"/>
-              <a:sym typeface="等线" panose="02010600030101010101" charset="-122"/>
-            </a:endParaRPr>
           </a:p>
         </p:txBody>
       </p:sp>
@@ -6689,7 +6619,7 @@
           <p:nvPr/>
         </p:nvPicPr>
         <p:blipFill rotWithShape="1">
-          <a:blip r:embed="rId1" cstate="print"/>
+          <a:blip r:embed="rId3" cstate="print"/>
           <a:srcRect b="9522"/>
           <a:stretch>
             <a:fillRect/>
@@ -6805,11 +6735,7 @@
             </a:r>
             <a:r>
               <a:rPr lang="zh-CN" altLang="en-US" dirty="0"/>
-              <a:t>模型中进行多维时间序列的时间维度</a:t>
-            </a:r>
-            <a:r>
-              <a:rPr lang="zh-CN" altLang="en-US" dirty="0"/>
-              <a:t>的特征提取</a:t>
+              <a:t>模型中进行多维时间序列的时间维度的特征提取</a:t>
             </a:r>
             <a:endParaRPr lang="en-US" altLang="zh-CN" dirty="0"/>
           </a:p>
@@ -6827,15 +6753,7 @@
             </a:r>
             <a:r>
               <a:rPr lang="zh-CN" altLang="en-US" dirty="0"/>
-              <a:t>）拼接学习到</a:t>
-            </a:r>
-            <a:r>
-              <a:rPr lang="zh-CN" altLang="en-US" dirty="0"/>
-              <a:t>的空间特征和时间特征，输入到全连接层中进行异常</a:t>
-            </a:r>
-            <a:r>
-              <a:rPr lang="zh-CN" altLang="en-US" dirty="0"/>
-              <a:t>检测</a:t>
+              <a:t>）拼接学习到的空间特征和时间特征，输入到全连接层中进行异常检测</a:t>
             </a:r>
             <a:endParaRPr lang="en-US" altLang="zh-CN" dirty="0"/>
           </a:p>
@@ -6953,41 +6871,8 @@
                 <a:cs typeface="Times New Roman" panose="02020603050405020304" pitchFamily="18" charset="0"/>
                 <a:sym typeface="等线" panose="02010600030101010101" charset="-122"/>
               </a:rPr>
-              <a:t>异常检测模型</a:t>
-            </a:r>
-            <a:r>
-              <a:rPr kumimoji="0" lang="zh-CN" altLang="en-US" sz="3200" b="1" i="0" u="none" strike="noStrike" kern="1200" cap="none" spc="0" normalizeH="0" baseline="0" noProof="0" dirty="0">
-                <a:ln>
-                  <a:noFill/>
-                </a:ln>
-                <a:solidFill>
-                  <a:schemeClr val="accent2"/>
-                </a:solidFill>
-                <a:effectLst/>
-                <a:uLnTx/>
-                <a:uFillTx/>
-                <a:latin typeface="微软雅黑" panose="020B0503020204020204" charset="-122"/>
-                <a:ea typeface="微软雅黑" panose="020B0503020204020204" charset="-122"/>
-                <a:cs typeface="Times New Roman" panose="02020603050405020304" pitchFamily="18" charset="0"/>
-                <a:sym typeface="等线" panose="02010600030101010101" charset="-122"/>
-              </a:rPr>
-              <a:t>框架</a:t>
-            </a:r>
-            <a:endParaRPr kumimoji="0" lang="zh-CN" altLang="en-US" sz="3200" b="1" i="0" u="none" strike="noStrike" kern="1200" cap="none" spc="0" normalizeH="0" baseline="0" noProof="0" dirty="0">
-              <a:ln>
-                <a:noFill/>
-              </a:ln>
-              <a:solidFill>
-                <a:schemeClr val="accent2"/>
-              </a:solidFill>
-              <a:effectLst/>
-              <a:uLnTx/>
-              <a:uFillTx/>
-              <a:latin typeface="微软雅黑" panose="020B0503020204020204" charset="-122"/>
-              <a:ea typeface="微软雅黑" panose="020B0503020204020204" charset="-122"/>
-              <a:cs typeface="Times New Roman" panose="02020603050405020304" pitchFamily="18" charset="0"/>
-              <a:sym typeface="等线" panose="02010600030101010101" charset="-122"/>
-            </a:endParaRPr>
+              <a:t>异常检测模型框架</a:t>
+            </a:r>
           </a:p>
         </p:txBody>
       </p:sp>
@@ -7000,7 +6885,7 @@
           <p:nvPr/>
         </p:nvPicPr>
         <p:blipFill rotWithShape="1">
-          <a:blip r:embed="rId1" cstate="print"/>
+          <a:blip r:embed="rId3" cstate="print"/>
           <a:srcRect b="9522"/>
           <a:stretch>
             <a:fillRect/>
@@ -7018,22 +6903,28 @@
       </p:pic>
       <p:pic>
         <p:nvPicPr>
-          <p:cNvPr id="4" name="图片 3"/>
+          <p:cNvPr id="3" name="图片 2">
+            <a:extLst>
+              <a:ext uri="{FF2B5EF4-FFF2-40B4-BE49-F238E27FC236}">
+                <a16:creationId xmlns:a16="http://schemas.microsoft.com/office/drawing/2014/main" id="{CFAB4347-9D1A-4C25-9ED1-799834D250DF}"/>
+              </a:ext>
+            </a:extLst>
+          </p:cNvPr>
           <p:cNvPicPr>
             <a:picLocks noChangeAspect="1"/>
           </p:cNvPicPr>
           <p:nvPr/>
         </p:nvPicPr>
         <p:blipFill>
-          <a:blip r:embed="rId2"/>
+          <a:blip r:embed="rId4"/>
           <a:stretch>
             <a:fillRect/>
           </a:stretch>
         </p:blipFill>
         <p:spPr>
           <a:xfrm>
-            <a:off x="781685" y="1184910"/>
-            <a:ext cx="10628630" cy="5091430"/>
+            <a:off x="621437" y="1575239"/>
+            <a:ext cx="10528917" cy="4534809"/>
           </a:xfrm>
           <a:prstGeom prst="rect">
             <a:avLst/>
@@ -7175,7 +7066,7 @@
           <p:nvPr/>
         </p:nvPicPr>
         <p:blipFill rotWithShape="1">
-          <a:blip r:embed="rId1" cstate="print"/>
+          <a:blip r:embed="rId3" cstate="print"/>
           <a:srcRect b="9522"/>
           <a:stretch>
             <a:fillRect/>
@@ -7417,11 +7308,6 @@
               </a:rPr>
               <a:t>中的位置编码，能够学习时间序列数据中的周期性和非周期性模式</a:t>
             </a:r>
-            <a:endParaRPr lang="zh-CN" altLang="en-US" dirty="0">
-              <a:solidFill>
-                <a:srgbClr val="FF0000"/>
-              </a:solidFill>
-            </a:endParaRPr>
           </a:p>
         </p:txBody>
       </p:sp>
@@ -7560,7 +7446,7 @@
           <p:nvPr/>
         </p:nvPicPr>
         <p:blipFill rotWithShape="1">
-          <a:blip r:embed="rId1" cstate="print"/>
+          <a:blip r:embed="rId3" cstate="print"/>
           <a:srcRect b="9522"/>
           <a:stretch>
             <a:fillRect/>
@@ -7662,13 +7548,8 @@
             </a:r>
             <a:r>
               <a:rPr lang="zh-CN" altLang="en-US" dirty="0"/>
-              <a:t>）将每个维度的嵌入向量和注意力特征进行点乘得到最终的</a:t>
-            </a:r>
-            <a:r>
-              <a:rPr lang="zh-CN" altLang="en-US" dirty="0"/>
-              <a:t>空间维度输出特征</a:t>
-            </a:r>
-            <a:endParaRPr lang="zh-CN" altLang="en-US" dirty="0"/>
+              <a:t>）将每个维度的嵌入向量和注意力特征进行点乘得到最终的空间维度输出特征</a:t>
+            </a:r>
           </a:p>
         </p:txBody>
       </p:sp>
@@ -7784,41 +7665,8 @@
                 <a:cs typeface="Times New Roman" panose="02020603050405020304" pitchFamily="18" charset="0"/>
                 <a:sym typeface="等线" panose="02010600030101010101" charset="-122"/>
               </a:rPr>
-              <a:t>异常检测</a:t>
-            </a:r>
-            <a:r>
-              <a:rPr kumimoji="0" lang="zh-CN" altLang="en-US" sz="3200" b="1" i="0" u="none" strike="noStrike" kern="1200" cap="none" spc="0" normalizeH="0" baseline="0" noProof="0" dirty="0">
-                <a:ln>
-                  <a:noFill/>
-                </a:ln>
-                <a:solidFill>
-                  <a:schemeClr val="accent2"/>
-                </a:solidFill>
-                <a:effectLst/>
-                <a:uLnTx/>
-                <a:uFillTx/>
-                <a:latin typeface="微软雅黑" panose="020B0503020204020204" charset="-122"/>
-                <a:ea typeface="微软雅黑" panose="020B0503020204020204" charset="-122"/>
-                <a:cs typeface="Times New Roman" panose="02020603050405020304" pitchFamily="18" charset="0"/>
-                <a:sym typeface="等线" panose="02010600030101010101" charset="-122"/>
-              </a:rPr>
-              <a:t>模型实验</a:t>
-            </a:r>
-            <a:endParaRPr kumimoji="0" lang="zh-CN" altLang="en-US" sz="3200" b="1" i="0" u="none" strike="noStrike" kern="1200" cap="none" spc="0" normalizeH="0" baseline="0" noProof="0" dirty="0">
-              <a:ln>
-                <a:noFill/>
-              </a:ln>
-              <a:solidFill>
-                <a:schemeClr val="accent2"/>
-              </a:solidFill>
-              <a:effectLst/>
-              <a:uLnTx/>
-              <a:uFillTx/>
-              <a:latin typeface="微软雅黑" panose="020B0503020204020204" charset="-122"/>
-              <a:ea typeface="微软雅黑" panose="020B0503020204020204" charset="-122"/>
-              <a:cs typeface="Times New Roman" panose="02020603050405020304" pitchFamily="18" charset="0"/>
-              <a:sym typeface="等线" panose="02010600030101010101" charset="-122"/>
-            </a:endParaRPr>
+              <a:t>异常检测模型实验</a:t>
+            </a:r>
           </a:p>
         </p:txBody>
       </p:sp>
@@ -7831,7 +7679,7 @@
           <p:nvPr/>
         </p:nvPicPr>
         <p:blipFill rotWithShape="1">
-          <a:blip r:embed="rId1" cstate="print"/>
+          <a:blip r:embed="rId3" cstate="print"/>
           <a:srcRect b="9522"/>
           <a:stretch>
             <a:fillRect/>
@@ -7877,7 +7725,6 @@
               <a:rPr lang="en-US" altLang="zh-CN" dirty="0"/>
               <a:t>F1-Score</a:t>
             </a:r>
-            <a:endParaRPr lang="en-US" altLang="zh-CN" dirty="0"/>
           </a:p>
           <a:p>
             <a:endParaRPr lang="zh-CN" altLang="en-US" dirty="0"/>
@@ -7897,11 +7744,7 @@
             </a:r>
             <a:r>
               <a:rPr lang="en-US" altLang="zh-CN" dirty="0"/>
-              <a:t>R</a:t>
-            </a:r>
-            <a:r>
-              <a:rPr lang="en-US" altLang="zh-CN" dirty="0"/>
-              <a:t>andom Forest</a:t>
+              <a:t>Random Forest</a:t>
             </a:r>
             <a:r>
               <a:rPr lang="zh-CN" altLang="en-US" dirty="0"/>
@@ -7935,7 +7778,6 @@
               <a:rPr lang="en-US" altLang="zh-CN" dirty="0"/>
               <a:t>Anomaly Transformer</a:t>
             </a:r>
-            <a:endParaRPr lang="en-US" altLang="zh-CN" dirty="0"/>
           </a:p>
           <a:p>
             <a:endParaRPr lang="en-US" altLang="zh-CN" dirty="0"/>
@@ -7983,11 +7825,7 @@
             </a:r>
             <a:r>
               <a:rPr lang="zh-CN" altLang="en-US" dirty="0"/>
-              <a:t>）空间特征提取模块未进行图注意力网络</a:t>
-            </a:r>
-            <a:r>
-              <a:rPr lang="zh-CN" altLang="en-US" dirty="0"/>
-              <a:t>学习（</a:t>
+              <a:t>）空间特征提取模块未进行图注意力网络学习（</a:t>
             </a:r>
             <a:r>
               <a:rPr lang="en-US" altLang="zh-CN" dirty="0"/>
@@ -7995,13 +7833,8 @@
             </a:r>
             <a:r>
               <a:rPr lang="zh-CN" altLang="en-US" dirty="0"/>
-              <a:t>）空间特征提取模块未进行自动的图结构</a:t>
-            </a:r>
-            <a:r>
-              <a:rPr lang="zh-CN" altLang="en-US" dirty="0"/>
-              <a:t>学习</a:t>
-            </a:r>
-            <a:endParaRPr lang="zh-CN" altLang="en-US" dirty="0"/>
+              <a:t>）空间特征提取模块未进行自动的图结构学习</a:t>
+            </a:r>
           </a:p>
         </p:txBody>
       </p:sp>
@@ -8117,25 +7950,7 @@
                 <a:cs typeface="Times New Roman" panose="02020603050405020304" pitchFamily="18" charset="0"/>
                 <a:sym typeface="等线" panose="02010600030101010101" charset="-122"/>
               </a:rPr>
-              <a:t>异常</a:t>
-            </a:r>
-            <a:r>
-              <a:rPr kumimoji="0" lang="zh-CN" altLang="en-US" sz="3200" b="1" i="0" u="none" strike="noStrike" kern="1200" cap="none" spc="0" normalizeH="0" baseline="0" noProof="0" dirty="0">
-                <a:ln>
-                  <a:noFill/>
-                </a:ln>
-                <a:solidFill>
-                  <a:schemeClr val="accent2"/>
-                </a:solidFill>
-                <a:effectLst/>
-                <a:uLnTx/>
-                <a:uFillTx/>
-                <a:latin typeface="微软雅黑" panose="020B0503020204020204" charset="-122"/>
-                <a:ea typeface="微软雅黑" panose="020B0503020204020204" charset="-122"/>
-                <a:cs typeface="Times New Roman" panose="02020603050405020304" pitchFamily="18" charset="0"/>
-                <a:sym typeface="等线" panose="02010600030101010101" charset="-122"/>
-              </a:rPr>
-              <a:t>预测研究</a:t>
+              <a:t>异常预测研究</a:t>
             </a:r>
             <a:r>
               <a:rPr lang="zh-CN" altLang="en-US" sz="3200" b="1" dirty="0">
@@ -8176,7 +7991,7 @@
           <p:nvPr/>
         </p:nvPicPr>
         <p:blipFill rotWithShape="1">
-          <a:blip r:embed="rId1" cstate="print"/>
+          <a:blip r:embed="rId3" cstate="print"/>
           <a:srcRect b="9522"/>
           <a:stretch>
             <a:fillRect/>
@@ -8226,7 +8041,6 @@
               <a:rPr lang="zh-CN" altLang="en-US" dirty="0"/>
               <a:t>）目前多维时间序列异常检测研究主要是对历史数据中的异常进行检测，缺乏对未来一段时间内可能出现的异常进行预测的研究，而异常预测往往在实际应用场景下更具有应用价值</a:t>
             </a:r>
-            <a:endParaRPr lang="zh-CN" altLang="en-US" dirty="0"/>
           </a:p>
           <a:p>
             <a:endParaRPr lang="zh-CN" altLang="en-US" dirty="0">
@@ -8261,16 +8075,7 @@
                 </a:solidFill>
                 <a:sym typeface="+mn-ea"/>
               </a:rPr>
-              <a:t>如何准确学习到不同维度</a:t>
-            </a:r>
-            <a:r>
-              <a:rPr lang="zh-CN" altLang="en-US" dirty="0">
-                <a:solidFill>
-                  <a:srgbClr val="FF0000"/>
-                </a:solidFill>
-                <a:sym typeface="+mn-ea"/>
-              </a:rPr>
-              <a:t>的异常前兆数据的特征、如何判断在给定时间窗口内有异常前兆数据出现、如何判断异常前兆数据的异常程度</a:t>
+              <a:t>如何准确学习到不同维度的异常前兆数据的特征、如何判断在给定时间窗口内有异常前兆数据出现、如何判断异常前兆数据的异常程度</a:t>
             </a:r>
             <a:endParaRPr lang="en-US" altLang="zh-CN" dirty="0">
               <a:solidFill>
@@ -8399,41 +8204,8 @@
                 <a:cs typeface="Times New Roman" panose="02020603050405020304" pitchFamily="18" charset="0"/>
                 <a:sym typeface="等线" panose="02010600030101010101" charset="-122"/>
               </a:rPr>
-              <a:t>异常</a:t>
-            </a:r>
-            <a:r>
-              <a:rPr kumimoji="0" lang="zh-CN" altLang="en-US" sz="3200" b="1" i="0" u="none" strike="noStrike" kern="1200" cap="none" spc="0" normalizeH="0" baseline="0" noProof="0" dirty="0">
-                <a:ln>
-                  <a:noFill/>
-                </a:ln>
-                <a:solidFill>
-                  <a:schemeClr val="accent2"/>
-                </a:solidFill>
-                <a:effectLst/>
-                <a:uLnTx/>
-                <a:uFillTx/>
-                <a:latin typeface="微软雅黑" panose="020B0503020204020204" charset="-122"/>
-                <a:ea typeface="微软雅黑" panose="020B0503020204020204" charset="-122"/>
-                <a:cs typeface="Times New Roman" panose="02020603050405020304" pitchFamily="18" charset="0"/>
-                <a:sym typeface="等线" panose="02010600030101010101" charset="-122"/>
-              </a:rPr>
-              <a:t>预测主要研究点</a:t>
-            </a:r>
-            <a:endParaRPr kumimoji="0" lang="zh-CN" altLang="en-US" sz="3200" b="1" i="0" u="none" strike="noStrike" kern="1200" cap="none" spc="0" normalizeH="0" baseline="0" noProof="0" dirty="0">
-              <a:ln>
-                <a:noFill/>
-              </a:ln>
-              <a:solidFill>
-                <a:schemeClr val="accent2"/>
-              </a:solidFill>
-              <a:effectLst/>
-              <a:uLnTx/>
-              <a:uFillTx/>
-              <a:latin typeface="微软雅黑" panose="020B0503020204020204" charset="-122"/>
-              <a:ea typeface="微软雅黑" panose="020B0503020204020204" charset="-122"/>
-              <a:cs typeface="Times New Roman" panose="02020603050405020304" pitchFamily="18" charset="0"/>
-              <a:sym typeface="等线" panose="02010600030101010101" charset="-122"/>
-            </a:endParaRPr>
+              <a:t>异常预测主要研究点</a:t>
+            </a:r>
           </a:p>
         </p:txBody>
       </p:sp>
@@ -8446,7 +8218,7 @@
           <p:nvPr/>
         </p:nvPicPr>
         <p:blipFill rotWithShape="1">
-          <a:blip r:embed="rId1" cstate="print"/>
+          <a:blip r:embed="rId3" cstate="print"/>
           <a:srcRect b="9522"/>
           <a:stretch>
             <a:fillRect/>
@@ -8502,11 +8274,7 @@
             </a:r>
             <a:r>
               <a:rPr lang="zh-CN" altLang="en-US" dirty="0"/>
-              <a:t>从频域角度对多维时间序列的每个维度数据单独进行频域特征</a:t>
-            </a:r>
-            <a:r>
-              <a:rPr lang="zh-CN" altLang="en-US" dirty="0"/>
-              <a:t>分析</a:t>
+              <a:t>从频域角度对多维时间序列的每个维度数据单独进行频域特征分析</a:t>
             </a:r>
             <a:endParaRPr lang="en-US" altLang="zh-CN" dirty="0"/>
           </a:p>
@@ -8542,13 +8310,8 @@
             </a:r>
             <a:r>
               <a:rPr lang="zh-CN" altLang="en-US" dirty="0"/>
-              <a:t>）基于学习到的多尺度特征进行信息</a:t>
-            </a:r>
-            <a:r>
-              <a:rPr lang="zh-CN" altLang="en-US" dirty="0"/>
-              <a:t>融合</a:t>
-            </a:r>
-            <a:endParaRPr lang="zh-CN" altLang="en-US" dirty="0"/>
+              <a:t>）基于学习到的多尺度特征进行信息融合</a:t>
+            </a:r>
           </a:p>
           <a:p>
             <a:endParaRPr lang="en-US" altLang="zh-CN" dirty="0"/>
@@ -8576,7 +8339,6 @@
               <a:rPr lang="zh-CN" altLang="en-US" dirty="0"/>
               <a:t>基于序列重构判断异常波动程度</a:t>
             </a:r>
-            <a:endParaRPr lang="zh-CN" altLang="en-US" dirty="0"/>
           </a:p>
         </p:txBody>
       </p:sp>
@@ -8692,41 +8454,8 @@
                 <a:cs typeface="Times New Roman" panose="02020603050405020304" pitchFamily="18" charset="0"/>
                 <a:sym typeface="等线" panose="02010600030101010101" charset="-122"/>
               </a:rPr>
-              <a:t>异常预测模型</a:t>
-            </a:r>
-            <a:r>
-              <a:rPr kumimoji="0" lang="zh-CN" altLang="en-US" sz="3200" b="1" i="0" u="none" strike="noStrike" kern="1200" cap="none" spc="0" normalizeH="0" baseline="0" noProof="0" dirty="0">
-                <a:ln>
-                  <a:noFill/>
-                </a:ln>
-                <a:solidFill>
-                  <a:schemeClr val="accent2"/>
-                </a:solidFill>
-                <a:effectLst/>
-                <a:uLnTx/>
-                <a:uFillTx/>
-                <a:latin typeface="微软雅黑" panose="020B0503020204020204" charset="-122"/>
-                <a:ea typeface="微软雅黑" panose="020B0503020204020204" charset="-122"/>
-                <a:cs typeface="Times New Roman" panose="02020603050405020304" pitchFamily="18" charset="0"/>
-                <a:sym typeface="等线" panose="02010600030101010101" charset="-122"/>
-              </a:rPr>
-              <a:t>框架</a:t>
-            </a:r>
-            <a:endParaRPr kumimoji="0" lang="zh-CN" altLang="en-US" sz="3200" b="1" i="0" u="none" strike="noStrike" kern="1200" cap="none" spc="0" normalizeH="0" baseline="0" noProof="0" dirty="0">
-              <a:ln>
-                <a:noFill/>
-              </a:ln>
-              <a:solidFill>
-                <a:schemeClr val="accent2"/>
-              </a:solidFill>
-              <a:effectLst/>
-              <a:uLnTx/>
-              <a:uFillTx/>
-              <a:latin typeface="微软雅黑" panose="020B0503020204020204" charset="-122"/>
-              <a:ea typeface="微软雅黑" panose="020B0503020204020204" charset="-122"/>
-              <a:cs typeface="Times New Roman" panose="02020603050405020304" pitchFamily="18" charset="0"/>
-              <a:sym typeface="等线" panose="02010600030101010101" charset="-122"/>
-            </a:endParaRPr>
+              <a:t>异常预测模型框架</a:t>
+            </a:r>
           </a:p>
         </p:txBody>
       </p:sp>
@@ -8739,7 +8468,7 @@
           <p:nvPr/>
         </p:nvPicPr>
         <p:blipFill rotWithShape="1">
-          <a:blip r:embed="rId1" cstate="print"/>
+          <a:blip r:embed="rId3" cstate="print"/>
           <a:srcRect b="9522"/>
           <a:stretch>
             <a:fillRect/>
@@ -8764,7 +8493,7 @@
           <p:nvPr/>
         </p:nvPicPr>
         <p:blipFill>
-          <a:blip r:embed="rId2"/>
+          <a:blip r:embed="rId4"/>
           <a:stretch>
             <a:fillRect/>
           </a:stretch>
@@ -8796,7 +8525,14 @@
         <p:cNvGrpSpPr/>
         <p:nvPr/>
       </p:nvGrpSpPr>
-      <p:grpSpPr/>
+      <p:grpSpPr>
+        <a:xfrm>
+          <a:off x="0" y="0"/>
+          <a:ext cx="0" cy="0"/>
+          <a:chOff x="0" y="0"/>
+          <a:chExt cx="0" cy="0"/>
+        </a:xfrm>
+      </p:grpSpPr>
       <p:sp>
         <p:nvSpPr>
           <p:cNvPr id="4" name="圆角矩形 3"/>
@@ -8838,6 +8574,7 @@
         </p:style>
         <p:txBody>
           <a:bodyPr rtlCol="0" anchor="ctr"/>
+          <a:lstStyle/>
           <a:p>
             <a:pPr algn="ctr"/>
             <a:endParaRPr lang="zh-CN" altLang="en-US"/>
@@ -8870,10 +8607,11 @@
             <a:spAutoFit/>
             <a:extLst>
               <a:ext uri="{4A0BC546-FE56-4ADE-93B0-CB8AF2F6F144}">
-                <wpsdc:textFrameExt xmlns:wpsdc="http://www.wps.cn/officeDocument/2022/drawingmlCustomData" type="text"/>
+                <wpsdc:textFrameExt xmlns:wpsdc="http://www.wps.cn/officeDocument/2022/drawingmlCustomData" xmlns="" type="text"/>
               </a:ext>
             </a:extLst>
           </a:bodyPr>
+          <a:lstStyle/>
           <a:p>
             <a:pPr algn="ctr"/>
             <a:r>
@@ -8920,10 +8658,11 @@
             <a:spAutoFit/>
             <a:extLst>
               <a:ext uri="{4A0BC546-FE56-4ADE-93B0-CB8AF2F6F144}">
-                <wpsdc:textFrameExt xmlns:wpsdc="http://www.wps.cn/officeDocument/2022/drawingmlCustomData" type="text"/>
+                <wpsdc:textFrameExt xmlns:wpsdc="http://www.wps.cn/officeDocument/2022/drawingmlCustomData" xmlns="" type="text"/>
               </a:ext>
             </a:extLst>
           </a:bodyPr>
+          <a:lstStyle/>
           <a:p>
             <a:pPr algn="ctr"/>
             <a:r>
@@ -8970,10 +8709,11 @@
             <a:spAutoFit/>
             <a:extLst>
               <a:ext uri="{4A0BC546-FE56-4ADE-93B0-CB8AF2F6F144}">
-                <wpsdc:textFrameExt xmlns:wpsdc="http://www.wps.cn/officeDocument/2022/drawingmlCustomData" type="text"/>
+                <wpsdc:textFrameExt xmlns:wpsdc="http://www.wps.cn/officeDocument/2022/drawingmlCustomData" xmlns="" type="text"/>
               </a:ext>
             </a:extLst>
           </a:bodyPr>
+          <a:lstStyle/>
           <a:p>
             <a:pPr algn="ctr"/>
             <a:r>
@@ -9092,10 +8832,11 @@
             <a:spAutoFit/>
             <a:extLst>
               <a:ext uri="{4A0BC546-FE56-4ADE-93B0-CB8AF2F6F144}">
-                <wpsdc:textFrameExt xmlns:wpsdc="http://www.wps.cn/officeDocument/2022/drawingmlCustomData" type="text"/>
+                <wpsdc:textFrameExt xmlns:wpsdc="http://www.wps.cn/officeDocument/2022/drawingmlCustomData" xmlns="" type="text"/>
               </a:ext>
             </a:extLst>
           </a:bodyPr>
+          <a:lstStyle/>
           <a:p>
             <a:pPr algn="ctr"/>
             <a:r>
@@ -9136,10 +8877,11 @@
             <a:spAutoFit/>
             <a:extLst>
               <a:ext uri="{4A0BC546-FE56-4ADE-93B0-CB8AF2F6F144}">
-                <wpsdc:textFrameExt xmlns:wpsdc="http://www.wps.cn/officeDocument/2022/drawingmlCustomData" type="text"/>
+                <wpsdc:textFrameExt xmlns:wpsdc="http://www.wps.cn/officeDocument/2022/drawingmlCustomData" xmlns="" type="text"/>
               </a:ext>
             </a:extLst>
           </a:bodyPr>
+          <a:lstStyle/>
           <a:p>
             <a:pPr algn="l"/>
             <a:r>
@@ -9149,10 +8891,6 @@
               </a:rPr>
               <a:t>Anomaly Detection Module</a:t>
             </a:r>
-            <a:endParaRPr lang="en-US" altLang="zh-CN" sz="2000" b="1">
-              <a:latin typeface="Arial" panose="020B0604020202020204" pitchFamily="34" charset="0"/>
-              <a:ea typeface="微软雅黑" panose="020B0503020204020204" charset="-122"/>
-            </a:endParaRPr>
           </a:p>
         </p:txBody>
       </p:sp>
@@ -9303,41 +9041,8 @@
                 <a:cs typeface="Times New Roman" panose="02020603050405020304" pitchFamily="18" charset="0"/>
                 <a:sym typeface="等线" panose="02010600030101010101" charset="-122"/>
               </a:rPr>
-              <a:t>异常</a:t>
-            </a:r>
-            <a:r>
-              <a:rPr kumimoji="0" lang="zh-CN" altLang="en-US" sz="3200" b="1" i="0" u="none" strike="noStrike" kern="1200" cap="none" spc="0" normalizeH="0" baseline="0" noProof="0" dirty="0">
-                <a:ln>
-                  <a:noFill/>
-                </a:ln>
-                <a:solidFill>
-                  <a:schemeClr val="accent2"/>
-                </a:solidFill>
-                <a:effectLst/>
-                <a:uLnTx/>
-                <a:uFillTx/>
-                <a:latin typeface="微软雅黑" panose="020B0503020204020204" charset="-122"/>
-                <a:ea typeface="微软雅黑" panose="020B0503020204020204" charset="-122"/>
-                <a:cs typeface="Times New Roman" panose="02020603050405020304" pitchFamily="18" charset="0"/>
-                <a:sym typeface="等线" panose="02010600030101010101" charset="-122"/>
-              </a:rPr>
-              <a:t>预测主要研究点</a:t>
-            </a:r>
-            <a:endParaRPr kumimoji="0" lang="zh-CN" altLang="en-US" sz="3200" b="1" i="0" u="none" strike="noStrike" kern="1200" cap="none" spc="0" normalizeH="0" baseline="0" noProof="0" dirty="0">
-              <a:ln>
-                <a:noFill/>
-              </a:ln>
-              <a:solidFill>
-                <a:schemeClr val="accent2"/>
-              </a:solidFill>
-              <a:effectLst/>
-              <a:uLnTx/>
-              <a:uFillTx/>
-              <a:latin typeface="微软雅黑" panose="020B0503020204020204" charset="-122"/>
-              <a:ea typeface="微软雅黑" panose="020B0503020204020204" charset="-122"/>
-              <a:cs typeface="Times New Roman" panose="02020603050405020304" pitchFamily="18" charset="0"/>
-              <a:sym typeface="等线" panose="02010600030101010101" charset="-122"/>
-            </a:endParaRPr>
+              <a:t>异常预测主要研究点</a:t>
+            </a:r>
           </a:p>
         </p:txBody>
       </p:sp>
@@ -9350,7 +9055,7 @@
           <p:nvPr/>
         </p:nvPicPr>
         <p:blipFill rotWithShape="1">
-          <a:blip r:embed="rId1" cstate="print"/>
+          <a:blip r:embed="rId3" cstate="print"/>
           <a:srcRect b="9522"/>
           <a:stretch>
             <a:fillRect/>
@@ -9434,13 +9139,7 @@
               <a:rPr lang="zh-CN" altLang="en-US">
                 <a:sym typeface="+mn-ea"/>
               </a:rPr>
-              <a:t>（因为不同维度数据的主</a:t>
-            </a:r>
-            <a:r>
-              <a:rPr lang="zh-CN" altLang="en-US">
-                <a:sym typeface="+mn-ea"/>
-              </a:rPr>
-              <a:t>要周期不同，所以需要单独生成不同的掩码长度）</a:t>
+              <a:t>（因为不同维度数据的主要周期不同，所以需要单独生成不同的掩码长度）</a:t>
             </a:r>
             <a:endParaRPr lang="en-US" altLang="zh-CN" dirty="0"/>
           </a:p>
@@ -9479,13 +9178,7 @@
               <a:rPr lang="zh-CN" altLang="en-US">
                 <a:sym typeface="+mn-ea"/>
               </a:rPr>
-              <a:t>（因为同一维度数据内的异常可能有多种，每种异常的前兆数据可能有不同的特征，所以使用不同长度的时间窗口进行子序列划分，同时学习不同尺度下的序列特征，可以更好地学习到不同的异常前兆</a:t>
-            </a:r>
-            <a:r>
-              <a:rPr lang="zh-CN" altLang="en-US">
-                <a:sym typeface="+mn-ea"/>
-              </a:rPr>
-              <a:t>数据特征）</a:t>
+              <a:t>（因为同一维度数据内的异常可能有多种，每种异常的前兆数据可能有不同的特征，所以使用不同长度的时间窗口进行子序列划分，同时学习不同尺度下的序列特征，可以更好地学习到不同的异常前兆数据特征）</a:t>
             </a:r>
             <a:endParaRPr lang="zh-CN" altLang="en-US"/>
           </a:p>
@@ -9562,25 +9255,7 @@
               <a:rPr lang="zh-CN" altLang="en-US">
                 <a:sym typeface="+mn-ea"/>
               </a:rPr>
-              <a:t>，</a:t>
-            </a:r>
-            <a:r>
-              <a:rPr lang="zh-CN" altLang="en-US">
-                <a:sym typeface="+mn-ea"/>
-              </a:rPr>
-              <a:t>不同尺度特征间的相似度反映了是否有异常存在导致影响了特征空间的分布，</a:t>
-            </a:r>
-            <a:r>
-              <a:rPr lang="zh-CN" altLang="en-US">
-                <a:sym typeface="+mn-ea"/>
-              </a:rPr>
-              <a:t>重构误差反映了异常程度，根据相似度和重构误差来对未来一段时间窗口内是否会有异常发生进行</a:t>
-            </a:r>
-            <a:r>
-              <a:rPr lang="zh-CN" altLang="en-US">
-                <a:sym typeface="+mn-ea"/>
-              </a:rPr>
-              <a:t>预测</a:t>
+              <a:t>，不同尺度特征间的相似度反映了是否有异常存在导致影响了特征空间的分布，重构误差反映了异常程度，根据相似度和重构误差来对未来一段时间窗口内是否会有异常发生进行预测</a:t>
             </a:r>
             <a:endParaRPr lang="zh-CN" altLang="en-US" dirty="0"/>
           </a:p>
@@ -9698,41 +9373,8 @@
                 <a:cs typeface="Times New Roman" panose="02020603050405020304" pitchFamily="18" charset="0"/>
                 <a:sym typeface="等线" panose="02010600030101010101" charset="-122"/>
               </a:rPr>
-              <a:t>异常</a:t>
-            </a:r>
-            <a:r>
-              <a:rPr kumimoji="0" lang="zh-CN" altLang="en-US" sz="3200" b="1" i="0" u="none" strike="noStrike" kern="1200" cap="none" spc="0" normalizeH="0" baseline="0" noProof="0" dirty="0">
-                <a:ln>
-                  <a:noFill/>
-                </a:ln>
-                <a:solidFill>
-                  <a:schemeClr val="accent2"/>
-                </a:solidFill>
-                <a:effectLst/>
-                <a:uLnTx/>
-                <a:uFillTx/>
-                <a:latin typeface="微软雅黑" panose="020B0503020204020204" charset="-122"/>
-                <a:ea typeface="微软雅黑" panose="020B0503020204020204" charset="-122"/>
-                <a:cs typeface="Times New Roman" panose="02020603050405020304" pitchFamily="18" charset="0"/>
-                <a:sym typeface="等线" panose="02010600030101010101" charset="-122"/>
-              </a:rPr>
-              <a:t>预测模型实验</a:t>
-            </a:r>
-            <a:endParaRPr kumimoji="0" lang="zh-CN" altLang="en-US" sz="3200" b="1" i="0" u="none" strike="noStrike" kern="1200" cap="none" spc="0" normalizeH="0" baseline="0" noProof="0" dirty="0">
-              <a:ln>
-                <a:noFill/>
-              </a:ln>
-              <a:solidFill>
-                <a:schemeClr val="accent2"/>
-              </a:solidFill>
-              <a:effectLst/>
-              <a:uLnTx/>
-              <a:uFillTx/>
-              <a:latin typeface="微软雅黑" panose="020B0503020204020204" charset="-122"/>
-              <a:ea typeface="微软雅黑" panose="020B0503020204020204" charset="-122"/>
-              <a:cs typeface="Times New Roman" panose="02020603050405020304" pitchFamily="18" charset="0"/>
-              <a:sym typeface="等线" panose="02010600030101010101" charset="-122"/>
-            </a:endParaRPr>
+              <a:t>异常预测模型实验</a:t>
+            </a:r>
           </a:p>
         </p:txBody>
       </p:sp>
@@ -9745,7 +9387,7 @@
           <p:nvPr/>
         </p:nvPicPr>
         <p:blipFill rotWithShape="1">
-          <a:blip r:embed="rId1" cstate="print"/>
+          <a:blip r:embed="rId3" cstate="print"/>
           <a:srcRect b="9522"/>
           <a:stretch>
             <a:fillRect/>
@@ -9791,7 +9433,6 @@
               <a:rPr lang="en-US" altLang="zh-CN" dirty="0"/>
               <a:t>F1-Score</a:t>
             </a:r>
-            <a:endParaRPr lang="en-US" altLang="zh-CN" dirty="0"/>
           </a:p>
           <a:p>
             <a:endParaRPr lang="zh-CN" altLang="en-US" dirty="0"/>
@@ -9891,11 +9532,7 @@
             </a:r>
             <a:r>
               <a:rPr lang="zh-CN" altLang="en-US" dirty="0"/>
-              <a:t>）未进行重构或多尺度特征相似性</a:t>
-            </a:r>
-            <a:r>
-              <a:rPr lang="zh-CN" altLang="en-US" dirty="0"/>
-              <a:t>计算</a:t>
+              <a:t>）未进行重构或多尺度特征相似性计算</a:t>
             </a:r>
             <a:endParaRPr lang="en-US" altLang="zh-CN" dirty="0"/>
           </a:p>
@@ -9918,7 +9555,14 @@
         <p:cNvGrpSpPr/>
         <p:nvPr/>
       </p:nvGrpSpPr>
-      <p:grpSpPr/>
+      <p:grpSpPr>
+        <a:xfrm>
+          <a:off x="0" y="0"/>
+          <a:ext cx="0" cy="0"/>
+          <a:chOff x="0" y="0"/>
+          <a:chExt cx="0" cy="0"/>
+        </a:xfrm>
+      </p:grpSpPr>
       <p:sp>
         <p:nvSpPr>
           <p:cNvPr id="16" name="矩形 15"/>
@@ -9960,6 +9604,7 @@
         </p:style>
         <p:txBody>
           <a:bodyPr rtlCol="0" anchor="ctr"/>
+          <a:lstStyle/>
           <a:p>
             <a:pPr algn="ctr"/>
             <a:endParaRPr lang="zh-CN" altLang="en-US"/>
@@ -10007,6 +9652,7 @@
         </p:style>
         <p:txBody>
           <a:bodyPr rtlCol="0" anchor="ctr"/>
+          <a:lstStyle/>
           <a:p>
             <a:pPr algn="ctr"/>
             <a:endParaRPr lang="zh-CN" altLang="en-US"/>
@@ -10056,6 +9702,7 @@
         </p:style>
         <p:txBody>
           <a:bodyPr rtlCol="0" anchor="ctr"/>
+          <a:lstStyle/>
           <a:p>
             <a:pPr algn="ctr"/>
             <a:endParaRPr lang="zh-CN" altLang="en-US"/>
@@ -10106,6 +9753,7 @@
         </p:style>
         <p:txBody>
           <a:bodyPr rtlCol="0" anchor="ctr"/>
+          <a:lstStyle/>
           <a:p>
             <a:pPr algn="ctr"/>
             <a:endParaRPr lang="zh-CN" altLang="en-US"/>
@@ -10156,6 +9804,7 @@
         </p:style>
         <p:txBody>
           <a:bodyPr rtlCol="0" anchor="ctr"/>
+          <a:lstStyle/>
           <a:p>
             <a:pPr algn="ctr"/>
             <a:endParaRPr lang="zh-CN" altLang="en-US"/>
@@ -10203,6 +9852,7 @@
         </p:style>
         <p:txBody>
           <a:bodyPr rtlCol="0" anchor="ctr"/>
+          <a:lstStyle/>
           <a:p>
             <a:pPr algn="ctr"/>
             <a:endParaRPr lang="zh-CN" altLang="en-US"/>
@@ -10738,6 +10388,7 @@
         </p:style>
         <p:txBody>
           <a:bodyPr rtlCol="0" anchor="ctr"/>
+          <a:lstStyle/>
           <a:p>
             <a:pPr algn="ctr"/>
             <a:endParaRPr lang="zh-CN" altLang="en-US"/>
@@ -11313,6 +10964,7 @@
         </p:style>
         <p:txBody>
           <a:bodyPr rtlCol="0" anchor="ctr"/>
+          <a:lstStyle/>
           <a:p>
             <a:pPr algn="ctr"/>
             <a:endParaRPr lang="zh-CN" altLang="en-US"/>
@@ -12028,6 +11680,7 @@
         </p:style>
         <p:txBody>
           <a:bodyPr rtlCol="0" anchor="ctr"/>
+          <a:lstStyle/>
           <a:p>
             <a:pPr algn="ctr"/>
             <a:endParaRPr lang="zh-CN" altLang="en-US"/>
@@ -12054,6 +11707,7 @@
           <a:bodyPr wrap="none" rtlCol="0" anchor="t">
             <a:spAutoFit/>
           </a:bodyPr>
+          <a:lstStyle/>
           <a:p>
             <a:r>
               <a:rPr lang="zh-CN" altLang="en-US">
@@ -12062,10 +11716,6 @@
               </a:rPr>
               <a:t>•</a:t>
             </a:r>
-            <a:endParaRPr lang="zh-CN" altLang="en-US">
-              <a:latin typeface="微软雅黑" panose="020B0503020204020204" charset="-122"/>
-              <a:ea typeface="微软雅黑" panose="020B0503020204020204" charset="-122"/>
-            </a:endParaRPr>
           </a:p>
         </p:txBody>
       </p:sp>
@@ -12089,6 +11739,7 @@
           <a:bodyPr wrap="square" rtlCol="0" anchor="t">
             <a:noAutofit/>
           </a:bodyPr>
+          <a:lstStyle/>
           <a:p>
             <a:r>
               <a:rPr lang="zh-CN" altLang="en-US">
@@ -12097,10 +11748,6 @@
               </a:rPr>
               <a:t>•</a:t>
             </a:r>
-            <a:endParaRPr lang="zh-CN" altLang="en-US">
-              <a:latin typeface="微软雅黑" panose="020B0503020204020204" charset="-122"/>
-              <a:ea typeface="微软雅黑" panose="020B0503020204020204" charset="-122"/>
-            </a:endParaRPr>
           </a:p>
         </p:txBody>
       </p:sp>
@@ -12124,6 +11771,7 @@
           <a:bodyPr wrap="none" rtlCol="0" anchor="t">
             <a:spAutoFit/>
           </a:bodyPr>
+          <a:lstStyle/>
           <a:p>
             <a:r>
               <a:rPr lang="zh-CN" altLang="en-US">
@@ -12132,10 +11780,6 @@
               </a:rPr>
               <a:t>•</a:t>
             </a:r>
-            <a:endParaRPr lang="zh-CN" altLang="en-US">
-              <a:latin typeface="微软雅黑" panose="020B0503020204020204" charset="-122"/>
-              <a:ea typeface="微软雅黑" panose="020B0503020204020204" charset="-122"/>
-            </a:endParaRPr>
           </a:p>
         </p:txBody>
       </p:sp>
@@ -12159,10 +11803,11 @@
             <a:spAutoFit/>
             <a:extLst>
               <a:ext uri="{4A0BC546-FE56-4ADE-93B0-CB8AF2F6F144}">
-                <wpsdc:textFrameExt xmlns:wpsdc="http://www.wps.cn/officeDocument/2022/drawingmlCustomData" type="text"/>
+                <wpsdc:textFrameExt xmlns:wpsdc="http://www.wps.cn/officeDocument/2022/drawingmlCustomData" xmlns="" type="text"/>
               </a:ext>
             </a:extLst>
           </a:bodyPr>
+          <a:lstStyle/>
           <a:p>
             <a:pPr algn="l"/>
             <a:r>
@@ -12172,10 +11817,6 @@
               </a:rPr>
               <a:t>Input Multivariate Time Series</a:t>
             </a:r>
-            <a:endParaRPr lang="en-US" altLang="zh-CN" b="1">
-              <a:latin typeface="Arial" panose="020B0604020202020204" pitchFamily="34" charset="0"/>
-              <a:ea typeface="微软雅黑" panose="020B0503020204020204" charset="-122"/>
-            </a:endParaRPr>
           </a:p>
         </p:txBody>
       </p:sp>
@@ -12187,8 +11828,8 @@
         </p:nvSpPr>
         <p:spPr>
           <a:xfrm>
-            <a:off x="3503930" y="1577340"/>
-            <a:ext cx="2687320" cy="368300"/>
+            <a:off x="3595597" y="1685633"/>
+            <a:ext cx="2239418" cy="369332"/>
           </a:xfrm>
           <a:prstGeom prst="rect">
             <a:avLst/>
@@ -12199,23 +11840,20 @@
             <a:spAutoFit/>
             <a:extLst>
               <a:ext uri="{4A0BC546-FE56-4ADE-93B0-CB8AF2F6F144}">
-                <wpsdc:textFrameExt xmlns:wpsdc="http://www.wps.cn/officeDocument/2022/drawingmlCustomData" type="text"/>
+                <wpsdc:textFrameExt xmlns:wpsdc="http://www.wps.cn/officeDocument/2022/drawingmlCustomData" xmlns="" type="text"/>
               </a:ext>
             </a:extLst>
           </a:bodyPr>
+          <a:lstStyle/>
           <a:p>
             <a:pPr algn="l"/>
             <a:r>
-              <a:rPr lang="en-US" altLang="zh-CN">
+              <a:rPr lang="en-US" altLang="zh-CN" dirty="0">
                 <a:latin typeface="Arial" panose="020B0604020202020204" pitchFamily="34" charset="0"/>
                 <a:ea typeface="微软雅黑" panose="020B0503020204020204" charset="-122"/>
               </a:rPr>
-              <a:t>Channel Independence</a:t>
-            </a:r>
-            <a:endParaRPr lang="en-US" altLang="zh-CN">
-              <a:latin typeface="Arial" panose="020B0604020202020204" pitchFamily="34" charset="0"/>
-              <a:ea typeface="微软雅黑" panose="020B0503020204020204" charset="-122"/>
-            </a:endParaRPr>
+              <a:t>Univariate Attention</a:t>
+            </a:r>
           </a:p>
         </p:txBody>
       </p:sp>
@@ -12748,6 +12386,7 @@
         </p:style>
         <p:txBody>
           <a:bodyPr rtlCol="0" anchor="ctr"/>
+          <a:lstStyle/>
           <a:p>
             <a:pPr algn="ctr"/>
             <a:endParaRPr lang="zh-CN" altLang="en-US"/>
@@ -12774,10 +12413,11 @@
             <a:noAutofit/>
             <a:extLst>
               <a:ext uri="{4A0BC546-FE56-4ADE-93B0-CB8AF2F6F144}">
-                <wpsdc:textFrameExt xmlns:wpsdc="http://www.wps.cn/officeDocument/2022/drawingmlCustomData" type="text"/>
+                <wpsdc:textFrameExt xmlns:wpsdc="http://www.wps.cn/officeDocument/2022/drawingmlCustomData" xmlns="" type="text"/>
               </a:ext>
             </a:extLst>
           </a:bodyPr>
+          <a:lstStyle/>
           <a:p>
             <a:pPr algn="l"/>
             <a:r>
@@ -12787,10 +12427,6 @@
               </a:rPr>
               <a:t>Time2vec Encoding</a:t>
             </a:r>
-            <a:endParaRPr lang="en-US" altLang="zh-CN">
-              <a:latin typeface="Arial" panose="020B0604020202020204" pitchFamily="34" charset="0"/>
-              <a:ea typeface="微软雅黑" panose="020B0503020204020204" charset="-122"/>
-            </a:endParaRPr>
           </a:p>
           <a:p>
             <a:pPr algn="l"/>
@@ -12827,14 +12463,15 @@
             <a:spAutoFit/>
             <a:extLst>
               <a:ext uri="{4A0BC546-FE56-4ADE-93B0-CB8AF2F6F144}">
-                <wpsdc:textFrameExt xmlns:wpsdc="http://www.wps.cn/officeDocument/2022/drawingmlCustomData" type="text"/>
+                <wpsdc:textFrameExt xmlns:wpsdc="http://www.wps.cn/officeDocument/2022/drawingmlCustomData" xmlns="" type="text"/>
               </a:ext>
             </a:extLst>
           </a:bodyPr>
+          <a:lstStyle/>
           <a:p>
             <a:pPr algn="ctr"/>
             <a:r>
-              <a:rPr lang="en-US" altLang="zh-CN">
+              <a:rPr lang="en-US" altLang="zh-CN" sz="1800" dirty="0">
                 <a:solidFill>
                   <a:schemeClr val="tx2"/>
                 </a:solidFill>
@@ -12842,9 +12479,9 @@
                 <a:ea typeface="微软雅黑" panose="020B0503020204020204" charset="-122"/>
                 <a:sym typeface="+mn-ea"/>
               </a:rPr>
-              <a:t>Transformer Backbone</a:t>
-            </a:r>
-            <a:endParaRPr lang="en-US" altLang="zh-CN" sz="1800">
+              <a:t>Uaformer Layer</a:t>
+            </a:r>
+            <a:endParaRPr lang="en-US" altLang="zh-CN" sz="1800" dirty="0">
               <a:latin typeface="Arial" panose="020B0604020202020204" pitchFamily="34" charset="0"/>
               <a:ea typeface="微软雅黑" panose="020B0503020204020204" charset="-122"/>
             </a:endParaRPr>
@@ -12982,10 +12619,11 @@
             <a:spAutoFit/>
             <a:extLst>
               <a:ext uri="{4A0BC546-FE56-4ADE-93B0-CB8AF2F6F144}">
-                <wpsdc:textFrameExt xmlns:wpsdc="http://www.wps.cn/officeDocument/2022/drawingmlCustomData" type="text"/>
+                <wpsdc:textFrameExt xmlns:wpsdc="http://www.wps.cn/officeDocument/2022/drawingmlCustomData" xmlns="" type="text"/>
               </a:ext>
             </a:extLst>
           </a:bodyPr>
+          <a:lstStyle/>
           <a:p>
             <a:pPr algn="l"/>
             <a:r>
@@ -12998,13 +12636,6 @@
               </a:rPr>
               <a:t>Temporal Features</a:t>
             </a:r>
-            <a:endParaRPr lang="en-US" altLang="zh-CN" sz="1800">
-              <a:solidFill>
-                <a:schemeClr val="accent6"/>
-              </a:solidFill>
-              <a:latin typeface="Arial" panose="020B0604020202020204" pitchFamily="34" charset="0"/>
-              <a:ea typeface="微软雅黑" panose="020B0503020204020204" charset="-122"/>
-            </a:endParaRPr>
           </a:p>
         </p:txBody>
       </p:sp>
@@ -13028,10 +12659,11 @@
             <a:spAutoFit/>
             <a:extLst>
               <a:ext uri="{4A0BC546-FE56-4ADE-93B0-CB8AF2F6F144}">
-                <wpsdc:textFrameExt xmlns:wpsdc="http://www.wps.cn/officeDocument/2022/drawingmlCustomData" type="text"/>
+                <wpsdc:textFrameExt xmlns:wpsdc="http://www.wps.cn/officeDocument/2022/drawingmlCustomData" xmlns="" type="text"/>
               </a:ext>
             </a:extLst>
           </a:bodyPr>
+          <a:lstStyle/>
           <a:p>
             <a:pPr algn="l"/>
             <a:r>
@@ -13041,10 +12673,6 @@
               </a:rPr>
               <a:t>Temporal Features Exactor Module</a:t>
             </a:r>
-            <a:endParaRPr lang="en-US" altLang="zh-CN" sz="2000" b="1">
-              <a:latin typeface="Arial" panose="020B0604020202020204" pitchFamily="34" charset="0"/>
-              <a:ea typeface="微软雅黑" panose="020B0503020204020204" charset="-122"/>
-            </a:endParaRPr>
           </a:p>
         </p:txBody>
       </p:sp>
@@ -13089,6 +12717,7 @@
         </p:style>
         <p:txBody>
           <a:bodyPr rtlCol="0" anchor="ctr"/>
+          <a:lstStyle/>
           <a:p>
             <a:pPr algn="ctr"/>
             <a:endParaRPr lang="zh-CN" altLang="en-US"/>
@@ -13136,6 +12765,7 @@
         </p:style>
         <p:txBody>
           <a:bodyPr rtlCol="0" anchor="ctr"/>
+          <a:lstStyle/>
           <a:p>
             <a:pPr algn="ctr"/>
             <a:endParaRPr lang="zh-CN" altLang="en-US"/>
@@ -13671,6 +13301,7 @@
         </p:style>
         <p:txBody>
           <a:bodyPr rtlCol="0" anchor="ctr"/>
+          <a:lstStyle/>
           <a:p>
             <a:pPr algn="ctr"/>
             <a:endParaRPr lang="zh-CN" altLang="en-US"/>
@@ -13807,10 +13438,11 @@
             <a:noAutofit/>
             <a:extLst>
               <a:ext uri="{4A0BC546-FE56-4ADE-93B0-CB8AF2F6F144}">
-                <wpsdc:textFrameExt xmlns:wpsdc="http://www.wps.cn/officeDocument/2022/drawingmlCustomData" type="text"/>
+                <wpsdc:textFrameExt xmlns:wpsdc="http://www.wps.cn/officeDocument/2022/drawingmlCustomData" xmlns="" type="text"/>
               </a:ext>
             </a:extLst>
           </a:bodyPr>
+          <a:lstStyle/>
           <a:p>
             <a:pPr algn="l"/>
             <a:r>
@@ -13820,10 +13452,6 @@
               </a:rPr>
               <a:t>Subsequence Division</a:t>
             </a:r>
-            <a:endParaRPr lang="en-US" altLang="zh-CN">
-              <a:latin typeface="Arial" panose="020B0604020202020204" pitchFamily="34" charset="0"/>
-              <a:ea typeface="微软雅黑" panose="020B0503020204020204" charset="-122"/>
-            </a:endParaRPr>
           </a:p>
         </p:txBody>
       </p:sp>
@@ -13844,7 +13472,14 @@
         <p:cNvGrpSpPr/>
         <p:nvPr/>
       </p:nvGrpSpPr>
-      <p:grpSpPr/>
+      <p:grpSpPr>
+        <a:xfrm>
+          <a:off x="0" y="0"/>
+          <a:ext cx="0" cy="0"/>
+          <a:chOff x="0" y="0"/>
+          <a:chExt cx="0" cy="0"/>
+        </a:xfrm>
+      </p:grpSpPr>
       <p:sp>
         <p:nvSpPr>
           <p:cNvPr id="4" name="圆角矩形 3"/>
@@ -13886,6 +13521,7 @@
         </p:style>
         <p:txBody>
           <a:bodyPr rtlCol="0" anchor="ctr"/>
+          <a:lstStyle/>
           <a:p>
             <a:pPr algn="ctr"/>
             <a:endParaRPr lang="zh-CN" altLang="en-US"/>
@@ -13912,6 +13548,7 @@
           <a:bodyPr wrap="none" rtlCol="0" anchor="t">
             <a:spAutoFit/>
           </a:bodyPr>
+          <a:lstStyle/>
           <a:p>
             <a:r>
               <a:rPr lang="zh-CN" altLang="en-US">
@@ -13920,10 +13557,6 @@
               </a:rPr>
               <a:t>•</a:t>
             </a:r>
-            <a:endParaRPr lang="zh-CN" altLang="en-US">
-              <a:latin typeface="微软雅黑" panose="020B0503020204020204" charset="-122"/>
-              <a:ea typeface="微软雅黑" panose="020B0503020204020204" charset="-122"/>
-            </a:endParaRPr>
           </a:p>
         </p:txBody>
       </p:sp>
@@ -13947,6 +13580,7 @@
           <a:bodyPr wrap="none" rtlCol="0" anchor="t">
             <a:spAutoFit/>
           </a:bodyPr>
+          <a:lstStyle/>
           <a:p>
             <a:r>
               <a:rPr lang="zh-CN" altLang="en-US">
@@ -13955,10 +13589,6 @@
               </a:rPr>
               <a:t>•</a:t>
             </a:r>
-            <a:endParaRPr lang="zh-CN" altLang="en-US">
-              <a:latin typeface="微软雅黑" panose="020B0503020204020204" charset="-122"/>
-              <a:ea typeface="微软雅黑" panose="020B0503020204020204" charset="-122"/>
-            </a:endParaRPr>
           </a:p>
         </p:txBody>
       </p:sp>
@@ -13982,6 +13612,7 @@
           <a:bodyPr wrap="none" rtlCol="0" anchor="t">
             <a:spAutoFit/>
           </a:bodyPr>
+          <a:lstStyle/>
           <a:p>
             <a:r>
               <a:rPr lang="zh-CN" altLang="en-US">
@@ -13990,10 +13621,6 @@
               </a:rPr>
               <a:t>•</a:t>
             </a:r>
-            <a:endParaRPr lang="zh-CN" altLang="en-US">
-              <a:latin typeface="微软雅黑" panose="020B0503020204020204" charset="-122"/>
-              <a:ea typeface="微软雅黑" panose="020B0503020204020204" charset="-122"/>
-            </a:endParaRPr>
           </a:p>
         </p:txBody>
       </p:sp>
@@ -14017,10 +13644,11 @@
             <a:spAutoFit/>
             <a:extLst>
               <a:ext uri="{4A0BC546-FE56-4ADE-93B0-CB8AF2F6F144}">
-                <wpsdc:textFrameExt xmlns:wpsdc="http://www.wps.cn/officeDocument/2022/drawingmlCustomData" type="text"/>
+                <wpsdc:textFrameExt xmlns:wpsdc="http://www.wps.cn/officeDocument/2022/drawingmlCustomData" xmlns="" type="text"/>
               </a:ext>
             </a:extLst>
           </a:bodyPr>
+          <a:lstStyle/>
           <a:p>
             <a:pPr algn="l"/>
             <a:r>
@@ -14028,19 +13656,8 @@
                 <a:latin typeface="Arial" panose="020B0604020202020204" pitchFamily="34" charset="0"/>
                 <a:ea typeface="微软雅黑" panose="020B0503020204020204" charset="-122"/>
               </a:rPr>
-              <a:t>I</a:t>
-            </a:r>
-            <a:r>
-              <a:rPr lang="en-US" altLang="zh-CN" sz="1800">
-                <a:latin typeface="Arial" panose="020B0604020202020204" pitchFamily="34" charset="0"/>
-                <a:ea typeface="微软雅黑" panose="020B0503020204020204" charset="-122"/>
-              </a:rPr>
-              <a:t>nput Multivariate Time Series</a:t>
-            </a:r>
-            <a:endParaRPr lang="en-US" altLang="zh-CN" sz="1800">
-              <a:latin typeface="Arial" panose="020B0604020202020204" pitchFamily="34" charset="0"/>
-              <a:ea typeface="微软雅黑" panose="020B0503020204020204" charset="-122"/>
-            </a:endParaRPr>
+              <a:t>Input Multivariate Time Series</a:t>
+            </a:r>
           </a:p>
         </p:txBody>
       </p:sp>
@@ -14064,10 +13681,11 @@
             <a:spAutoFit/>
             <a:extLst>
               <a:ext uri="{4A0BC546-FE56-4ADE-93B0-CB8AF2F6F144}">
-                <wpsdc:textFrameExt xmlns:wpsdc="http://www.wps.cn/officeDocument/2022/drawingmlCustomData" type="text"/>
+                <wpsdc:textFrameExt xmlns:wpsdc="http://www.wps.cn/officeDocument/2022/drawingmlCustomData" xmlns="" type="text"/>
               </a:ext>
             </a:extLst>
           </a:bodyPr>
+          <a:lstStyle/>
           <a:p>
             <a:pPr algn="l"/>
             <a:r>
@@ -14077,10 +13695,6 @@
               </a:rPr>
               <a:t>N Embeddings</a:t>
             </a:r>
-            <a:endParaRPr lang="en-US" altLang="zh-CN" sz="1800">
-              <a:latin typeface="Arial" panose="020B0604020202020204" pitchFamily="34" charset="0"/>
-              <a:ea typeface="微软雅黑" panose="020B0503020204020204" charset="-122"/>
-            </a:endParaRPr>
           </a:p>
         </p:txBody>
       </p:sp>
@@ -14123,6 +13737,7 @@
         </p:style>
         <p:txBody>
           <a:bodyPr rtlCol="0" anchor="ctr"/>
+          <a:lstStyle/>
           <a:p>
             <a:pPr algn="ctr"/>
             <a:endParaRPr lang="zh-CN" altLang="en-US"/>
@@ -14168,6 +13783,7 @@
         </p:style>
         <p:txBody>
           <a:bodyPr rtlCol="0" anchor="ctr"/>
+          <a:lstStyle/>
           <a:p>
             <a:pPr algn="ctr"/>
             <a:endParaRPr lang="zh-CN" altLang="en-US"/>
@@ -14212,6 +13828,7 @@
         </p:style>
         <p:txBody>
           <a:bodyPr rtlCol="0" anchor="ctr"/>
+          <a:lstStyle/>
           <a:p>
             <a:pPr algn="ctr"/>
             <a:endParaRPr lang="zh-CN" altLang="en-US"/>
@@ -14254,6 +13871,7 @@
         </p:style>
         <p:txBody>
           <a:bodyPr rtlCol="0" anchor="ctr"/>
+          <a:lstStyle/>
           <a:p>
             <a:pPr algn="ctr"/>
             <a:endParaRPr lang="zh-CN" altLang="en-US"/>
@@ -14280,6 +13898,7 @@
           <a:bodyPr wrap="none" rtlCol="0" anchor="t">
             <a:spAutoFit/>
           </a:bodyPr>
+          <a:lstStyle/>
           <a:p>
             <a:r>
               <a:rPr lang="zh-CN" altLang="en-US">
@@ -14288,10 +13907,6 @@
               </a:rPr>
               <a:t>•</a:t>
             </a:r>
-            <a:endParaRPr lang="zh-CN" altLang="en-US">
-              <a:latin typeface="微软雅黑" panose="020B0503020204020204" charset="-122"/>
-              <a:ea typeface="微软雅黑" panose="020B0503020204020204" charset="-122"/>
-            </a:endParaRPr>
           </a:p>
         </p:txBody>
       </p:sp>
@@ -14315,6 +13930,7 @@
           <a:bodyPr wrap="none" rtlCol="0" anchor="t">
             <a:spAutoFit/>
           </a:bodyPr>
+          <a:lstStyle/>
           <a:p>
             <a:r>
               <a:rPr lang="zh-CN" altLang="en-US">
@@ -14323,10 +13939,6 @@
               </a:rPr>
               <a:t>•</a:t>
             </a:r>
-            <a:endParaRPr lang="zh-CN" altLang="en-US">
-              <a:latin typeface="微软雅黑" panose="020B0503020204020204" charset="-122"/>
-              <a:ea typeface="微软雅黑" panose="020B0503020204020204" charset="-122"/>
-            </a:endParaRPr>
           </a:p>
         </p:txBody>
       </p:sp>
@@ -14350,6 +13962,7 @@
           <a:bodyPr wrap="none" rtlCol="0" anchor="t">
             <a:spAutoFit/>
           </a:bodyPr>
+          <a:lstStyle/>
           <a:p>
             <a:r>
               <a:rPr lang="zh-CN" altLang="en-US">
@@ -14358,10 +13971,6 @@
               </a:rPr>
               <a:t>•</a:t>
             </a:r>
-            <a:endParaRPr lang="zh-CN" altLang="en-US">
-              <a:latin typeface="微软雅黑" panose="020B0503020204020204" charset="-122"/>
-              <a:ea typeface="微软雅黑" panose="020B0503020204020204" charset="-122"/>
-            </a:endParaRPr>
           </a:p>
         </p:txBody>
       </p:sp>
@@ -14404,6 +14013,7 @@
         </p:style>
         <p:txBody>
           <a:bodyPr rtlCol="0" anchor="ctr"/>
+          <a:lstStyle/>
           <a:p>
             <a:pPr algn="ctr"/>
             <a:endParaRPr lang="zh-CN" altLang="en-US"/>
@@ -14449,6 +14059,7 @@
         </p:style>
         <p:txBody>
           <a:bodyPr rtlCol="0" anchor="ctr"/>
+          <a:lstStyle/>
           <a:p>
             <a:pPr algn="ctr"/>
             <a:endParaRPr lang="zh-CN" altLang="en-US"/>
@@ -14491,6 +14102,7 @@
         </p:style>
         <p:txBody>
           <a:bodyPr rtlCol="0" anchor="ctr"/>
+          <a:lstStyle/>
           <a:p>
             <a:pPr algn="ctr"/>
             <a:endParaRPr lang="zh-CN" altLang="en-US"/>
@@ -14536,6 +14148,7 @@
         </p:style>
         <p:txBody>
           <a:bodyPr rtlCol="0" anchor="ctr"/>
+          <a:lstStyle/>
           <a:p>
             <a:pPr algn="ctr"/>
             <a:endParaRPr lang="zh-CN" altLang="en-US"/>
@@ -14751,10 +14364,11 @@
             <a:spAutoFit/>
             <a:extLst>
               <a:ext uri="{4A0BC546-FE56-4ADE-93B0-CB8AF2F6F144}">
-                <wpsdc:textFrameExt xmlns:wpsdc="http://www.wps.cn/officeDocument/2022/drawingmlCustomData" type="text"/>
+                <wpsdc:textFrameExt xmlns:wpsdc="http://www.wps.cn/officeDocument/2022/drawingmlCustomData" xmlns="" type="text"/>
               </a:ext>
             </a:extLst>
           </a:bodyPr>
+          <a:lstStyle/>
           <a:p>
             <a:pPr algn="l"/>
             <a:r>
@@ -14764,10 +14378,6 @@
               </a:rPr>
               <a:t>Graph Structure Learning</a:t>
             </a:r>
-            <a:endParaRPr lang="en-US" altLang="zh-CN" sz="1800">
-              <a:latin typeface="Arial" panose="020B0604020202020204" pitchFamily="34" charset="0"/>
-              <a:ea typeface="微软雅黑" panose="020B0503020204020204" charset="-122"/>
-            </a:endParaRPr>
           </a:p>
         </p:txBody>
       </p:sp>
@@ -14810,6 +14420,7 @@
         </p:style>
         <p:txBody>
           <a:bodyPr rtlCol="0" anchor="ctr"/>
+          <a:lstStyle/>
           <a:p>
             <a:pPr algn="ctr"/>
             <a:endParaRPr lang="zh-CN" altLang="en-US"/>
@@ -14855,6 +14466,7 @@
         </p:style>
         <p:txBody>
           <a:bodyPr rtlCol="0" anchor="ctr"/>
+          <a:lstStyle/>
           <a:p>
             <a:pPr algn="ctr"/>
             <a:endParaRPr lang="zh-CN" altLang="en-US"/>
@@ -14897,6 +14509,7 @@
         </p:style>
         <p:txBody>
           <a:bodyPr rtlCol="0" anchor="ctr"/>
+          <a:lstStyle/>
           <a:p>
             <a:pPr algn="ctr"/>
             <a:endParaRPr lang="zh-CN" altLang="en-US"/>
@@ -14942,6 +14555,7 @@
         </p:style>
         <p:txBody>
           <a:bodyPr rtlCol="0" anchor="ctr"/>
+          <a:lstStyle/>
           <a:p>
             <a:pPr algn="ctr"/>
             <a:endParaRPr lang="zh-CN" altLang="en-US"/>
@@ -15242,10 +14856,11 @@
             <a:spAutoFit/>
             <a:extLst>
               <a:ext uri="{4A0BC546-FE56-4ADE-93B0-CB8AF2F6F144}">
-                <wpsdc:textFrameExt xmlns:wpsdc="http://www.wps.cn/officeDocument/2022/drawingmlCustomData" type="text"/>
+                <wpsdc:textFrameExt xmlns:wpsdc="http://www.wps.cn/officeDocument/2022/drawingmlCustomData" xmlns="" type="text"/>
               </a:ext>
             </a:extLst>
           </a:bodyPr>
+          <a:lstStyle/>
           <a:p>
             <a:pPr algn="l"/>
             <a:r>
@@ -15255,10 +14870,6 @@
               </a:rPr>
               <a:t>Graph Attention-Based Features</a:t>
             </a:r>
-            <a:endParaRPr lang="en-US" altLang="zh-CN" sz="1800">
-              <a:latin typeface="Arial" panose="020B0604020202020204" pitchFamily="34" charset="0"/>
-              <a:ea typeface="微软雅黑" panose="020B0503020204020204" charset="-122"/>
-            </a:endParaRPr>
           </a:p>
         </p:txBody>
       </p:sp>
@@ -15279,7 +14890,14 @@
         <p:cNvGrpSpPr/>
         <p:nvPr/>
       </p:nvGrpSpPr>
-      <p:grpSpPr/>
+      <p:grpSpPr>
+        <a:xfrm>
+          <a:off x="0" y="0"/>
+          <a:ext cx="0" cy="0"/>
+          <a:chOff x="0" y="0"/>
+          <a:chExt cx="0" cy="0"/>
+        </a:xfrm>
+      </p:grpSpPr>
       <p:sp>
         <p:nvSpPr>
           <p:cNvPr id="4" name="圆角矩形 3"/>
@@ -15321,6 +14939,7 @@
         </p:style>
         <p:txBody>
           <a:bodyPr rtlCol="0" anchor="ctr"/>
+          <a:lstStyle/>
           <a:p>
             <a:pPr algn="ctr"/>
             <a:r>
@@ -15355,6 +14974,7 @@
           <a:bodyPr wrap="none" rtlCol="0" anchor="t">
             <a:spAutoFit/>
           </a:bodyPr>
+          <a:lstStyle/>
           <a:p>
             <a:r>
               <a:rPr lang="zh-CN" altLang="en-US">
@@ -15363,10 +14983,6 @@
               </a:rPr>
               <a:t>•</a:t>
             </a:r>
-            <a:endParaRPr lang="zh-CN" altLang="en-US">
-              <a:latin typeface="微软雅黑" panose="020B0503020204020204" charset="-122"/>
-              <a:ea typeface="微软雅黑" panose="020B0503020204020204" charset="-122"/>
-            </a:endParaRPr>
           </a:p>
         </p:txBody>
       </p:sp>
@@ -15390,6 +15006,7 @@
           <a:bodyPr wrap="none" rtlCol="0" anchor="t">
             <a:spAutoFit/>
           </a:bodyPr>
+          <a:lstStyle/>
           <a:p>
             <a:r>
               <a:rPr lang="zh-CN" altLang="en-US">
@@ -15398,10 +15015,6 @@
               </a:rPr>
               <a:t>•</a:t>
             </a:r>
-            <a:endParaRPr lang="zh-CN" altLang="en-US">
-              <a:latin typeface="微软雅黑" panose="020B0503020204020204" charset="-122"/>
-              <a:ea typeface="微软雅黑" panose="020B0503020204020204" charset="-122"/>
-            </a:endParaRPr>
           </a:p>
         </p:txBody>
       </p:sp>
@@ -15425,6 +15038,7 @@
           <a:bodyPr wrap="none" rtlCol="0" anchor="t">
             <a:spAutoFit/>
           </a:bodyPr>
+          <a:lstStyle/>
           <a:p>
             <a:r>
               <a:rPr lang="zh-CN" altLang="en-US">
@@ -15433,10 +15047,6 @@
               </a:rPr>
               <a:t>•</a:t>
             </a:r>
-            <a:endParaRPr lang="zh-CN" altLang="en-US">
-              <a:latin typeface="微软雅黑" panose="020B0503020204020204" charset="-122"/>
-              <a:ea typeface="微软雅黑" panose="020B0503020204020204" charset="-122"/>
-            </a:endParaRPr>
           </a:p>
         </p:txBody>
       </p:sp>
@@ -15460,10 +15070,11 @@
             <a:spAutoFit/>
             <a:extLst>
               <a:ext uri="{4A0BC546-FE56-4ADE-93B0-CB8AF2F6F144}">
-                <wpsdc:textFrameExt xmlns:wpsdc="http://www.wps.cn/officeDocument/2022/drawingmlCustomData" type="text"/>
+                <wpsdc:textFrameExt xmlns:wpsdc="http://www.wps.cn/officeDocument/2022/drawingmlCustomData" xmlns="" type="text"/>
               </a:ext>
             </a:extLst>
           </a:bodyPr>
+          <a:lstStyle/>
           <a:p>
             <a:pPr algn="l"/>
             <a:r>
@@ -15473,10 +15084,6 @@
               </a:rPr>
               <a:t>Spatial Features Exactor Module</a:t>
             </a:r>
-            <a:endParaRPr lang="en-US" altLang="zh-CN" sz="2000" b="1">
-              <a:latin typeface="Arial" panose="020B0604020202020204" pitchFamily="34" charset="0"/>
-              <a:ea typeface="微软雅黑" panose="020B0503020204020204" charset="-122"/>
-            </a:endParaRPr>
           </a:p>
         </p:txBody>
       </p:sp>
@@ -15500,10 +15107,11 @@
             <a:spAutoFit/>
             <a:extLst>
               <a:ext uri="{4A0BC546-FE56-4ADE-93B0-CB8AF2F6F144}">
-                <wpsdc:textFrameExt xmlns:wpsdc="http://www.wps.cn/officeDocument/2022/drawingmlCustomData" type="text"/>
+                <wpsdc:textFrameExt xmlns:wpsdc="http://www.wps.cn/officeDocument/2022/drawingmlCustomData" xmlns="" type="text"/>
               </a:ext>
             </a:extLst>
           </a:bodyPr>
+          <a:lstStyle/>
           <a:p>
             <a:pPr algn="l"/>
             <a:r>
@@ -15513,10 +15121,6 @@
               </a:rPr>
               <a:t>N Embeddings</a:t>
             </a:r>
-            <a:endParaRPr lang="en-US" altLang="zh-CN" sz="1800">
-              <a:latin typeface="Arial" panose="020B0604020202020204" pitchFamily="34" charset="0"/>
-              <a:ea typeface="微软雅黑" panose="020B0503020204020204" charset="-122"/>
-            </a:endParaRPr>
           </a:p>
         </p:txBody>
       </p:sp>
@@ -15559,6 +15163,7 @@
         </p:style>
         <p:txBody>
           <a:bodyPr rtlCol="0" anchor="ctr"/>
+          <a:lstStyle/>
           <a:p>
             <a:pPr algn="ctr"/>
             <a:endParaRPr lang="zh-CN" altLang="en-US"/>
@@ -15604,6 +15209,7 @@
         </p:style>
         <p:txBody>
           <a:bodyPr rtlCol="0" anchor="ctr"/>
+          <a:lstStyle/>
           <a:p>
             <a:pPr algn="ctr"/>
             <a:endParaRPr lang="zh-CN" altLang="en-US"/>
@@ -15648,6 +15254,7 @@
         </p:style>
         <p:txBody>
           <a:bodyPr rtlCol="0" anchor="ctr"/>
+          <a:lstStyle/>
           <a:p>
             <a:pPr algn="ctr"/>
             <a:endParaRPr lang="zh-CN" altLang="en-US"/>
@@ -15690,6 +15297,7 @@
         </p:style>
         <p:txBody>
           <a:bodyPr rtlCol="0" anchor="ctr"/>
+          <a:lstStyle/>
           <a:p>
             <a:pPr algn="ctr"/>
             <a:endParaRPr lang="zh-CN" altLang="en-US"/>
@@ -15716,6 +15324,7 @@
           <a:bodyPr wrap="none" rtlCol="0" anchor="t">
             <a:spAutoFit/>
           </a:bodyPr>
+          <a:lstStyle/>
           <a:p>
             <a:r>
               <a:rPr lang="zh-CN" altLang="en-US">
@@ -15724,10 +15333,6 @@
               </a:rPr>
               <a:t>•</a:t>
             </a:r>
-            <a:endParaRPr lang="zh-CN" altLang="en-US">
-              <a:latin typeface="微软雅黑" panose="020B0503020204020204" charset="-122"/>
-              <a:ea typeface="微软雅黑" panose="020B0503020204020204" charset="-122"/>
-            </a:endParaRPr>
           </a:p>
         </p:txBody>
       </p:sp>
@@ -15751,6 +15356,7 @@
           <a:bodyPr wrap="none" rtlCol="0" anchor="t">
             <a:spAutoFit/>
           </a:bodyPr>
+          <a:lstStyle/>
           <a:p>
             <a:r>
               <a:rPr lang="zh-CN" altLang="en-US">
@@ -15759,10 +15365,6 @@
               </a:rPr>
               <a:t>•</a:t>
             </a:r>
-            <a:endParaRPr lang="zh-CN" altLang="en-US">
-              <a:latin typeface="微软雅黑" panose="020B0503020204020204" charset="-122"/>
-              <a:ea typeface="微软雅黑" panose="020B0503020204020204" charset="-122"/>
-            </a:endParaRPr>
           </a:p>
         </p:txBody>
       </p:sp>
@@ -15786,6 +15388,7 @@
           <a:bodyPr wrap="none" rtlCol="0" anchor="t">
             <a:spAutoFit/>
           </a:bodyPr>
+          <a:lstStyle/>
           <a:p>
             <a:r>
               <a:rPr lang="zh-CN" altLang="en-US">
@@ -15794,10 +15397,6 @@
               </a:rPr>
               <a:t>•</a:t>
             </a:r>
-            <a:endParaRPr lang="zh-CN" altLang="en-US">
-              <a:latin typeface="微软雅黑" panose="020B0503020204020204" charset="-122"/>
-              <a:ea typeface="微软雅黑" panose="020B0503020204020204" charset="-122"/>
-            </a:endParaRPr>
           </a:p>
         </p:txBody>
       </p:sp>
@@ -15840,6 +15439,7 @@
         </p:style>
         <p:txBody>
           <a:bodyPr rtlCol="0" anchor="ctr"/>
+          <a:lstStyle/>
           <a:p>
             <a:pPr algn="ctr"/>
             <a:endParaRPr lang="zh-CN" altLang="en-US"/>
@@ -15885,6 +15485,7 @@
         </p:style>
         <p:txBody>
           <a:bodyPr rtlCol="0" anchor="ctr"/>
+          <a:lstStyle/>
           <a:p>
             <a:pPr algn="ctr"/>
             <a:endParaRPr lang="zh-CN" altLang="en-US"/>
@@ -15927,6 +15528,7 @@
         </p:style>
         <p:txBody>
           <a:bodyPr rtlCol="0" anchor="ctr"/>
+          <a:lstStyle/>
           <a:p>
             <a:pPr algn="ctr"/>
             <a:endParaRPr lang="zh-CN" altLang="en-US"/>
@@ -15972,6 +15574,7 @@
         </p:style>
         <p:txBody>
           <a:bodyPr rtlCol="0" anchor="ctr"/>
+          <a:lstStyle/>
           <a:p>
             <a:pPr algn="ctr"/>
             <a:endParaRPr lang="zh-CN" altLang="en-US"/>
@@ -16185,10 +15788,11 @@
             <a:spAutoFit/>
             <a:extLst>
               <a:ext uri="{4A0BC546-FE56-4ADE-93B0-CB8AF2F6F144}">
-                <wpsdc:textFrameExt xmlns:wpsdc="http://www.wps.cn/officeDocument/2022/drawingmlCustomData" type="text"/>
+                <wpsdc:textFrameExt xmlns:wpsdc="http://www.wps.cn/officeDocument/2022/drawingmlCustomData" xmlns="" type="text"/>
               </a:ext>
             </a:extLst>
           </a:bodyPr>
+          <a:lstStyle/>
           <a:p>
             <a:pPr algn="l"/>
             <a:r>
@@ -16198,10 +15802,6 @@
               </a:rPr>
               <a:t>Graph Structure Learning</a:t>
             </a:r>
-            <a:endParaRPr lang="en-US" altLang="zh-CN" sz="1800">
-              <a:latin typeface="Arial" panose="020B0604020202020204" pitchFamily="34" charset="0"/>
-              <a:ea typeface="微软雅黑" panose="020B0503020204020204" charset="-122"/>
-            </a:endParaRPr>
           </a:p>
         </p:txBody>
       </p:sp>
@@ -16244,6 +15844,7 @@
         </p:style>
         <p:txBody>
           <a:bodyPr rtlCol="0" anchor="ctr"/>
+          <a:lstStyle/>
           <a:p>
             <a:pPr algn="ctr"/>
             <a:endParaRPr lang="zh-CN" altLang="en-US"/>
@@ -16289,6 +15890,7 @@
         </p:style>
         <p:txBody>
           <a:bodyPr rtlCol="0" anchor="ctr"/>
+          <a:lstStyle/>
           <a:p>
             <a:pPr algn="ctr"/>
             <a:endParaRPr lang="zh-CN" altLang="en-US"/>
@@ -16331,6 +15933,7 @@
         </p:style>
         <p:txBody>
           <a:bodyPr rtlCol="0" anchor="ctr"/>
+          <a:lstStyle/>
           <a:p>
             <a:pPr algn="ctr"/>
             <a:endParaRPr lang="zh-CN" altLang="en-US"/>
@@ -16376,6 +15979,7 @@
         </p:style>
         <p:txBody>
           <a:bodyPr rtlCol="0" anchor="ctr"/>
+          <a:lstStyle/>
           <a:p>
             <a:pPr algn="ctr"/>
             <a:endParaRPr lang="zh-CN" altLang="en-US"/>
@@ -16597,10 +16201,11 @@
             <a:spAutoFit/>
             <a:extLst>
               <a:ext uri="{4A0BC546-FE56-4ADE-93B0-CB8AF2F6F144}">
-                <wpsdc:textFrameExt xmlns:wpsdc="http://www.wps.cn/officeDocument/2022/drawingmlCustomData" type="text"/>
+                <wpsdc:textFrameExt xmlns:wpsdc="http://www.wps.cn/officeDocument/2022/drawingmlCustomData" xmlns="" type="text"/>
               </a:ext>
             </a:extLst>
           </a:bodyPr>
+          <a:lstStyle/>
           <a:p>
             <a:pPr algn="l"/>
             <a:r>
@@ -16610,10 +16215,6 @@
               </a:rPr>
               <a:t>Graph Attention Network</a:t>
             </a:r>
-            <a:endParaRPr lang="en-US" altLang="zh-CN" sz="1800">
-              <a:latin typeface="Arial" panose="020B0604020202020204" pitchFamily="34" charset="0"/>
-              <a:ea typeface="微软雅黑" panose="020B0503020204020204" charset="-122"/>
-            </a:endParaRPr>
           </a:p>
         </p:txBody>
       </p:sp>
@@ -16787,10 +16388,11 @@
             <a:spAutoFit/>
             <a:extLst>
               <a:ext uri="{4A0BC546-FE56-4ADE-93B0-CB8AF2F6F144}">
-                <wpsdc:textFrameExt xmlns:wpsdc="http://www.wps.cn/officeDocument/2022/drawingmlCustomData" type="text"/>
+                <wpsdc:textFrameExt xmlns:wpsdc="http://www.wps.cn/officeDocument/2022/drawingmlCustomData" xmlns="" type="text"/>
               </a:ext>
             </a:extLst>
           </a:bodyPr>
+          <a:lstStyle/>
           <a:p>
             <a:pPr algn="l"/>
             <a:r>
@@ -16800,10 +16402,6 @@
               </a:rPr>
               <a:t>Learned Relations</a:t>
             </a:r>
-            <a:endParaRPr lang="en-US" altLang="zh-CN" sz="1800">
-              <a:latin typeface="Arial" panose="020B0604020202020204" pitchFamily="34" charset="0"/>
-              <a:ea typeface="微软雅黑" panose="020B0503020204020204" charset="-122"/>
-            </a:endParaRPr>
           </a:p>
         </p:txBody>
       </p:sp>
@@ -16827,10 +16425,11 @@
             <a:spAutoFit/>
             <a:extLst>
               <a:ext uri="{4A0BC546-FE56-4ADE-93B0-CB8AF2F6F144}">
-                <wpsdc:textFrameExt xmlns:wpsdc="http://www.wps.cn/officeDocument/2022/drawingmlCustomData" type="text"/>
+                <wpsdc:textFrameExt xmlns:wpsdc="http://www.wps.cn/officeDocument/2022/drawingmlCustomData" xmlns="" type="text"/>
               </a:ext>
             </a:extLst>
           </a:bodyPr>
+          <a:lstStyle/>
           <a:p>
             <a:pPr algn="ctr"/>
             <a:r>
@@ -16840,10 +16439,6 @@
               </a:rPr>
               <a:t>Learned Embeddings</a:t>
             </a:r>
-            <a:endParaRPr lang="en-US" altLang="zh-CN" sz="1800">
-              <a:latin typeface="Arial" panose="020B0604020202020204" pitchFamily="34" charset="0"/>
-              <a:ea typeface="微软雅黑" panose="020B0503020204020204" charset="-122"/>
-            </a:endParaRPr>
           </a:p>
         </p:txBody>
       </p:sp>
@@ -16867,10 +16462,11 @@
             <a:spAutoFit/>
             <a:extLst>
               <a:ext uri="{4A0BC546-FE56-4ADE-93B0-CB8AF2F6F144}">
-                <wpsdc:textFrameExt xmlns:wpsdc="http://www.wps.cn/officeDocument/2022/drawingmlCustomData" type="text"/>
+                <wpsdc:textFrameExt xmlns:wpsdc="http://www.wps.cn/officeDocument/2022/drawingmlCustomData" xmlns="" type="text"/>
               </a:ext>
             </a:extLst>
           </a:bodyPr>
+          <a:lstStyle/>
           <a:p>
             <a:pPr algn="ctr"/>
             <a:r>
@@ -16880,10 +16476,6 @@
               </a:rPr>
               <a:t>Graph Attention-Based Features</a:t>
             </a:r>
-            <a:endParaRPr lang="en-US" altLang="zh-CN" sz="1800">
-              <a:latin typeface="Arial" panose="020B0604020202020204" pitchFamily="34" charset="0"/>
-              <a:ea typeface="微软雅黑" panose="020B0503020204020204" charset="-122"/>
-            </a:endParaRPr>
           </a:p>
         </p:txBody>
       </p:sp>
@@ -17062,10 +16654,11 @@
             <a:spAutoFit/>
             <a:extLst>
               <a:ext uri="{4A0BC546-FE56-4ADE-93B0-CB8AF2F6F144}">
-                <wpsdc:textFrameExt xmlns:wpsdc="http://www.wps.cn/officeDocument/2022/drawingmlCustomData" type="text"/>
+                <wpsdc:textFrameExt xmlns:wpsdc="http://www.wps.cn/officeDocument/2022/drawingmlCustomData" xmlns="" type="text"/>
               </a:ext>
             </a:extLst>
           </a:bodyPr>
+          <a:lstStyle/>
           <a:p>
             <a:pPr algn="ctr"/>
             <a:r>
@@ -17075,10 +16668,6 @@
               </a:rPr>
               <a:t>element-wise multiply</a:t>
             </a:r>
-            <a:endParaRPr lang="en-US" altLang="zh-CN" sz="1800">
-              <a:latin typeface="Arial" panose="020B0604020202020204" pitchFamily="34" charset="0"/>
-              <a:ea typeface="微软雅黑" panose="020B0503020204020204" charset="-122"/>
-            </a:endParaRPr>
           </a:p>
         </p:txBody>
       </p:sp>
@@ -17141,10 +16730,11 @@
             <a:spAutoFit/>
             <a:extLst>
               <a:ext uri="{4A0BC546-FE56-4ADE-93B0-CB8AF2F6F144}">
-                <wpsdc:textFrameExt xmlns:wpsdc="http://www.wps.cn/officeDocument/2022/drawingmlCustomData" type="text"/>
+                <wpsdc:textFrameExt xmlns:wpsdc="http://www.wps.cn/officeDocument/2022/drawingmlCustomData" xmlns="" type="text"/>
               </a:ext>
             </a:extLst>
           </a:bodyPr>
+          <a:lstStyle/>
           <a:p>
             <a:pPr algn="l"/>
             <a:r>
@@ -17157,13 +16747,6 @@
               </a:rPr>
               <a:t>Spatial Features</a:t>
             </a:r>
-            <a:endParaRPr lang="en-US" altLang="zh-CN" sz="1800">
-              <a:solidFill>
-                <a:schemeClr val="accent6"/>
-              </a:solidFill>
-              <a:latin typeface="Arial" panose="020B0604020202020204" pitchFamily="34" charset="0"/>
-              <a:ea typeface="微软雅黑" panose="020B0503020204020204" charset="-122"/>
-            </a:endParaRPr>
           </a:p>
         </p:txBody>
       </p:sp>
@@ -17184,7 +16767,14 @@
         <p:cNvGrpSpPr/>
         <p:nvPr/>
       </p:nvGrpSpPr>
-      <p:grpSpPr/>
+      <p:grpSpPr>
+        <a:xfrm>
+          <a:off x="0" y="0"/>
+          <a:ext cx="0" cy="0"/>
+          <a:chOff x="0" y="0"/>
+          <a:chExt cx="0" cy="0"/>
+        </a:xfrm>
+      </p:grpSpPr>
       <p:sp>
         <p:nvSpPr>
           <p:cNvPr id="4" name="圆角矩形 3"/>
@@ -17226,6 +16816,7 @@
         </p:style>
         <p:txBody>
           <a:bodyPr rtlCol="0" anchor="ctr"/>
+          <a:lstStyle/>
           <a:p>
             <a:pPr algn="ctr"/>
             <a:r>
@@ -17260,6 +16851,7 @@
           <a:bodyPr wrap="none" rtlCol="0" anchor="t">
             <a:spAutoFit/>
           </a:bodyPr>
+          <a:lstStyle/>
           <a:p>
             <a:r>
               <a:rPr lang="zh-CN" altLang="en-US">
@@ -17268,10 +16860,6 @@
               </a:rPr>
               <a:t>•</a:t>
             </a:r>
-            <a:endParaRPr lang="zh-CN" altLang="en-US">
-              <a:latin typeface="微软雅黑" panose="020B0503020204020204" charset="-122"/>
-              <a:ea typeface="微软雅黑" panose="020B0503020204020204" charset="-122"/>
-            </a:endParaRPr>
           </a:p>
         </p:txBody>
       </p:sp>
@@ -17295,6 +16883,7 @@
           <a:bodyPr wrap="none" rtlCol="0" anchor="t">
             <a:spAutoFit/>
           </a:bodyPr>
+          <a:lstStyle/>
           <a:p>
             <a:r>
               <a:rPr lang="zh-CN" altLang="en-US">
@@ -17303,10 +16892,6 @@
               </a:rPr>
               <a:t>•</a:t>
             </a:r>
-            <a:endParaRPr lang="zh-CN" altLang="en-US">
-              <a:latin typeface="微软雅黑" panose="020B0503020204020204" charset="-122"/>
-              <a:ea typeface="微软雅黑" panose="020B0503020204020204" charset="-122"/>
-            </a:endParaRPr>
           </a:p>
         </p:txBody>
       </p:sp>
@@ -17330,6 +16915,7 @@
           <a:bodyPr wrap="none" rtlCol="0" anchor="t">
             <a:spAutoFit/>
           </a:bodyPr>
+          <a:lstStyle/>
           <a:p>
             <a:r>
               <a:rPr lang="zh-CN" altLang="en-US">
@@ -17338,10 +16924,6 @@
               </a:rPr>
               <a:t>•</a:t>
             </a:r>
-            <a:endParaRPr lang="zh-CN" altLang="en-US">
-              <a:latin typeface="微软雅黑" panose="020B0503020204020204" charset="-122"/>
-              <a:ea typeface="微软雅黑" panose="020B0503020204020204" charset="-122"/>
-            </a:endParaRPr>
           </a:p>
         </p:txBody>
       </p:sp>
@@ -17365,10 +16947,11 @@
             <a:spAutoFit/>
             <a:extLst>
               <a:ext uri="{4A0BC546-FE56-4ADE-93B0-CB8AF2F6F144}">
-                <wpsdc:textFrameExt xmlns:wpsdc="http://www.wps.cn/officeDocument/2022/drawingmlCustomData" type="text"/>
+                <wpsdc:textFrameExt xmlns:wpsdc="http://www.wps.cn/officeDocument/2022/drawingmlCustomData" xmlns="" type="text"/>
               </a:ext>
             </a:extLst>
           </a:bodyPr>
+          <a:lstStyle/>
           <a:p>
             <a:pPr algn="l"/>
             <a:r>
@@ -17378,10 +16961,6 @@
               </a:rPr>
               <a:t>Spatial Features Exactor Module</a:t>
             </a:r>
-            <a:endParaRPr lang="en-US" altLang="zh-CN" sz="2000" b="1">
-              <a:latin typeface="Arial" panose="020B0604020202020204" pitchFamily="34" charset="0"/>
-              <a:ea typeface="微软雅黑" panose="020B0503020204020204" charset="-122"/>
-            </a:endParaRPr>
           </a:p>
         </p:txBody>
       </p:sp>
@@ -17405,10 +16984,11 @@
             <a:spAutoFit/>
             <a:extLst>
               <a:ext uri="{4A0BC546-FE56-4ADE-93B0-CB8AF2F6F144}">
-                <wpsdc:textFrameExt xmlns:wpsdc="http://www.wps.cn/officeDocument/2022/drawingmlCustomData" type="text"/>
+                <wpsdc:textFrameExt xmlns:wpsdc="http://www.wps.cn/officeDocument/2022/drawingmlCustomData" xmlns="" type="text"/>
               </a:ext>
             </a:extLst>
           </a:bodyPr>
+          <a:lstStyle/>
           <a:p>
             <a:pPr algn="l"/>
             <a:r>
@@ -17418,10 +16998,6 @@
               </a:rPr>
               <a:t>N Embeddings</a:t>
             </a:r>
-            <a:endParaRPr lang="en-US" altLang="zh-CN" sz="1800">
-              <a:latin typeface="Arial" panose="020B0604020202020204" pitchFamily="34" charset="0"/>
-              <a:ea typeface="微软雅黑" panose="020B0503020204020204" charset="-122"/>
-            </a:endParaRPr>
           </a:p>
         </p:txBody>
       </p:sp>
@@ -17464,6 +17040,7 @@
         </p:style>
         <p:txBody>
           <a:bodyPr rtlCol="0" anchor="ctr"/>
+          <a:lstStyle/>
           <a:p>
             <a:pPr algn="ctr"/>
             <a:endParaRPr lang="zh-CN" altLang="en-US"/>
@@ -17509,6 +17086,7 @@
         </p:style>
         <p:txBody>
           <a:bodyPr rtlCol="0" anchor="ctr"/>
+          <a:lstStyle/>
           <a:p>
             <a:pPr algn="ctr"/>
             <a:endParaRPr lang="zh-CN" altLang="en-US"/>
@@ -17553,6 +17131,7 @@
         </p:style>
         <p:txBody>
           <a:bodyPr rtlCol="0" anchor="ctr"/>
+          <a:lstStyle/>
           <a:p>
             <a:pPr algn="ctr"/>
             <a:endParaRPr lang="zh-CN" altLang="en-US"/>
@@ -17595,6 +17174,7 @@
         </p:style>
         <p:txBody>
           <a:bodyPr rtlCol="0" anchor="ctr"/>
+          <a:lstStyle/>
           <a:p>
             <a:pPr algn="ctr"/>
             <a:endParaRPr lang="zh-CN" altLang="en-US"/>
@@ -17621,6 +17201,7 @@
           <a:bodyPr wrap="none" rtlCol="0" anchor="t">
             <a:spAutoFit/>
           </a:bodyPr>
+          <a:lstStyle/>
           <a:p>
             <a:r>
               <a:rPr lang="zh-CN" altLang="en-US">
@@ -17629,10 +17210,6 @@
               </a:rPr>
               <a:t>•</a:t>
             </a:r>
-            <a:endParaRPr lang="zh-CN" altLang="en-US">
-              <a:latin typeface="微软雅黑" panose="020B0503020204020204" charset="-122"/>
-              <a:ea typeface="微软雅黑" panose="020B0503020204020204" charset="-122"/>
-            </a:endParaRPr>
           </a:p>
         </p:txBody>
       </p:sp>
@@ -17656,6 +17233,7 @@
           <a:bodyPr wrap="none" rtlCol="0" anchor="t">
             <a:spAutoFit/>
           </a:bodyPr>
+          <a:lstStyle/>
           <a:p>
             <a:r>
               <a:rPr lang="zh-CN" altLang="en-US">
@@ -17664,10 +17242,6 @@
               </a:rPr>
               <a:t>•</a:t>
             </a:r>
-            <a:endParaRPr lang="zh-CN" altLang="en-US">
-              <a:latin typeface="微软雅黑" panose="020B0503020204020204" charset="-122"/>
-              <a:ea typeface="微软雅黑" panose="020B0503020204020204" charset="-122"/>
-            </a:endParaRPr>
           </a:p>
         </p:txBody>
       </p:sp>
@@ -17691,6 +17265,7 @@
           <a:bodyPr wrap="none" rtlCol="0" anchor="t">
             <a:spAutoFit/>
           </a:bodyPr>
+          <a:lstStyle/>
           <a:p>
             <a:r>
               <a:rPr lang="zh-CN" altLang="en-US">
@@ -17699,10 +17274,6 @@
               </a:rPr>
               <a:t>•</a:t>
             </a:r>
-            <a:endParaRPr lang="zh-CN" altLang="en-US">
-              <a:latin typeface="微软雅黑" panose="020B0503020204020204" charset="-122"/>
-              <a:ea typeface="微软雅黑" panose="020B0503020204020204" charset="-122"/>
-            </a:endParaRPr>
           </a:p>
         </p:txBody>
       </p:sp>
@@ -17745,6 +17316,7 @@
         </p:style>
         <p:txBody>
           <a:bodyPr rtlCol="0" anchor="ctr"/>
+          <a:lstStyle/>
           <a:p>
             <a:pPr algn="ctr"/>
             <a:endParaRPr lang="zh-CN" altLang="en-US"/>
@@ -17790,6 +17362,7 @@
         </p:style>
         <p:txBody>
           <a:bodyPr rtlCol="0" anchor="ctr"/>
+          <a:lstStyle/>
           <a:p>
             <a:pPr algn="ctr"/>
             <a:endParaRPr lang="zh-CN" altLang="en-US"/>
@@ -17832,6 +17405,7 @@
         </p:style>
         <p:txBody>
           <a:bodyPr rtlCol="0" anchor="ctr"/>
+          <a:lstStyle/>
           <a:p>
             <a:pPr algn="ctr"/>
             <a:endParaRPr lang="zh-CN" altLang="en-US"/>
@@ -17877,6 +17451,7 @@
         </p:style>
         <p:txBody>
           <a:bodyPr rtlCol="0" anchor="ctr"/>
+          <a:lstStyle/>
           <a:p>
             <a:pPr algn="ctr"/>
             <a:endParaRPr lang="zh-CN" altLang="en-US"/>
@@ -18090,10 +17665,11 @@
             <a:spAutoFit/>
             <a:extLst>
               <a:ext uri="{4A0BC546-FE56-4ADE-93B0-CB8AF2F6F144}">
-                <wpsdc:textFrameExt xmlns:wpsdc="http://www.wps.cn/officeDocument/2022/drawingmlCustomData" type="text"/>
+                <wpsdc:textFrameExt xmlns:wpsdc="http://www.wps.cn/officeDocument/2022/drawingmlCustomData" xmlns="" type="text"/>
               </a:ext>
             </a:extLst>
           </a:bodyPr>
+          <a:lstStyle/>
           <a:p>
             <a:pPr algn="l"/>
             <a:r>
@@ -18103,10 +17679,6 @@
               </a:rPr>
               <a:t>Graph Structure Learning</a:t>
             </a:r>
-            <a:endParaRPr lang="en-US" altLang="zh-CN" sz="1800">
-              <a:latin typeface="Arial" panose="020B0604020202020204" pitchFamily="34" charset="0"/>
-              <a:ea typeface="微软雅黑" panose="020B0503020204020204" charset="-122"/>
-            </a:endParaRPr>
           </a:p>
         </p:txBody>
       </p:sp>
@@ -18149,6 +17721,7 @@
         </p:style>
         <p:txBody>
           <a:bodyPr rtlCol="0" anchor="ctr"/>
+          <a:lstStyle/>
           <a:p>
             <a:pPr algn="ctr"/>
             <a:endParaRPr lang="zh-CN" altLang="en-US"/>
@@ -18194,6 +17767,7 @@
         </p:style>
         <p:txBody>
           <a:bodyPr rtlCol="0" anchor="ctr"/>
+          <a:lstStyle/>
           <a:p>
             <a:pPr algn="ctr"/>
             <a:endParaRPr lang="zh-CN" altLang="en-US"/>
@@ -18236,6 +17810,7 @@
         </p:style>
         <p:txBody>
           <a:bodyPr rtlCol="0" anchor="ctr"/>
+          <a:lstStyle/>
           <a:p>
             <a:pPr algn="ctr"/>
             <a:endParaRPr lang="zh-CN" altLang="en-US"/>
@@ -18281,6 +17856,7 @@
         </p:style>
         <p:txBody>
           <a:bodyPr rtlCol="0" anchor="ctr"/>
+          <a:lstStyle/>
           <a:p>
             <a:pPr algn="ctr"/>
             <a:endParaRPr lang="zh-CN" altLang="en-US"/>
@@ -18502,10 +18078,11 @@
             <a:spAutoFit/>
             <a:extLst>
               <a:ext uri="{4A0BC546-FE56-4ADE-93B0-CB8AF2F6F144}">
-                <wpsdc:textFrameExt xmlns:wpsdc="http://www.wps.cn/officeDocument/2022/drawingmlCustomData" type="text"/>
+                <wpsdc:textFrameExt xmlns:wpsdc="http://www.wps.cn/officeDocument/2022/drawingmlCustomData" xmlns="" type="text"/>
               </a:ext>
             </a:extLst>
           </a:bodyPr>
+          <a:lstStyle/>
           <a:p>
             <a:pPr algn="l"/>
             <a:r>
@@ -18515,10 +18092,6 @@
               </a:rPr>
               <a:t>Graph Attention Network</a:t>
             </a:r>
-            <a:endParaRPr lang="en-US" altLang="zh-CN" sz="1800">
-              <a:latin typeface="Arial" panose="020B0604020202020204" pitchFamily="34" charset="0"/>
-              <a:ea typeface="微软雅黑" panose="020B0503020204020204" charset="-122"/>
-            </a:endParaRPr>
           </a:p>
         </p:txBody>
       </p:sp>
@@ -18692,10 +18265,11 @@
             <a:spAutoFit/>
             <a:extLst>
               <a:ext uri="{4A0BC546-FE56-4ADE-93B0-CB8AF2F6F144}">
-                <wpsdc:textFrameExt xmlns:wpsdc="http://www.wps.cn/officeDocument/2022/drawingmlCustomData" type="text"/>
+                <wpsdc:textFrameExt xmlns:wpsdc="http://www.wps.cn/officeDocument/2022/drawingmlCustomData" xmlns="" type="text"/>
               </a:ext>
             </a:extLst>
           </a:bodyPr>
+          <a:lstStyle/>
           <a:p>
             <a:pPr algn="l"/>
             <a:r>
@@ -18705,10 +18279,6 @@
               </a:rPr>
               <a:t>Learned Relations</a:t>
             </a:r>
-            <a:endParaRPr lang="en-US" altLang="zh-CN" sz="1800">
-              <a:latin typeface="Arial" panose="020B0604020202020204" pitchFamily="34" charset="0"/>
-              <a:ea typeface="微软雅黑" panose="020B0503020204020204" charset="-122"/>
-            </a:endParaRPr>
           </a:p>
         </p:txBody>
       </p:sp>
@@ -18732,10 +18302,11 @@
             <a:spAutoFit/>
             <a:extLst>
               <a:ext uri="{4A0BC546-FE56-4ADE-93B0-CB8AF2F6F144}">
-                <wpsdc:textFrameExt xmlns:wpsdc="http://www.wps.cn/officeDocument/2022/drawingmlCustomData" type="text"/>
+                <wpsdc:textFrameExt xmlns:wpsdc="http://www.wps.cn/officeDocument/2022/drawingmlCustomData" xmlns="" type="text"/>
               </a:ext>
             </a:extLst>
           </a:bodyPr>
+          <a:lstStyle/>
           <a:p>
             <a:pPr algn="ctr"/>
             <a:r>
@@ -18745,10 +18316,6 @@
               </a:rPr>
               <a:t>Learned Embeddings</a:t>
             </a:r>
-            <a:endParaRPr lang="en-US" altLang="zh-CN" sz="1800">
-              <a:latin typeface="Arial" panose="020B0604020202020204" pitchFamily="34" charset="0"/>
-              <a:ea typeface="微软雅黑" panose="020B0503020204020204" charset="-122"/>
-            </a:endParaRPr>
           </a:p>
         </p:txBody>
       </p:sp>
@@ -18772,10 +18339,11 @@
             <a:spAutoFit/>
             <a:extLst>
               <a:ext uri="{4A0BC546-FE56-4ADE-93B0-CB8AF2F6F144}">
-                <wpsdc:textFrameExt xmlns:wpsdc="http://www.wps.cn/officeDocument/2022/drawingmlCustomData" type="text"/>
+                <wpsdc:textFrameExt xmlns:wpsdc="http://www.wps.cn/officeDocument/2022/drawingmlCustomData" xmlns="" type="text"/>
               </a:ext>
             </a:extLst>
           </a:bodyPr>
+          <a:lstStyle/>
           <a:p>
             <a:pPr algn="ctr"/>
             <a:r>
@@ -18785,10 +18353,6 @@
               </a:rPr>
               <a:t>Graph Attention-Based Features</a:t>
             </a:r>
-            <a:endParaRPr lang="en-US" altLang="zh-CN" sz="1800">
-              <a:latin typeface="Arial" panose="020B0604020202020204" pitchFamily="34" charset="0"/>
-              <a:ea typeface="微软雅黑" panose="020B0503020204020204" charset="-122"/>
-            </a:endParaRPr>
           </a:p>
         </p:txBody>
       </p:sp>
@@ -18967,10 +18531,11 @@
             <a:spAutoFit/>
             <a:extLst>
               <a:ext uri="{4A0BC546-FE56-4ADE-93B0-CB8AF2F6F144}">
-                <wpsdc:textFrameExt xmlns:wpsdc="http://www.wps.cn/officeDocument/2022/drawingmlCustomData" type="text"/>
+                <wpsdc:textFrameExt xmlns:wpsdc="http://www.wps.cn/officeDocument/2022/drawingmlCustomData" xmlns="" type="text"/>
               </a:ext>
             </a:extLst>
           </a:bodyPr>
+          <a:lstStyle/>
           <a:p>
             <a:pPr algn="ctr"/>
             <a:r>
@@ -18980,10 +18545,6 @@
               </a:rPr>
               <a:t>element-wise multiply</a:t>
             </a:r>
-            <a:endParaRPr lang="en-US" altLang="zh-CN" sz="1800">
-              <a:latin typeface="Arial" panose="020B0604020202020204" pitchFamily="34" charset="0"/>
-              <a:ea typeface="微软雅黑" panose="020B0503020204020204" charset="-122"/>
-            </a:endParaRPr>
           </a:p>
         </p:txBody>
       </p:sp>
@@ -19046,10 +18607,11 @@
             <a:spAutoFit/>
             <a:extLst>
               <a:ext uri="{4A0BC546-FE56-4ADE-93B0-CB8AF2F6F144}">
-                <wpsdc:textFrameExt xmlns:wpsdc="http://www.wps.cn/officeDocument/2022/drawingmlCustomData" type="text"/>
+                <wpsdc:textFrameExt xmlns:wpsdc="http://www.wps.cn/officeDocument/2022/drawingmlCustomData" xmlns="" type="text"/>
               </a:ext>
             </a:extLst>
           </a:bodyPr>
+          <a:lstStyle/>
           <a:p>
             <a:pPr algn="l"/>
             <a:r>
@@ -19062,13 +18624,6 @@
               </a:rPr>
               <a:t>Spatial Features</a:t>
             </a:r>
-            <a:endParaRPr lang="en-US" altLang="zh-CN" sz="1800">
-              <a:solidFill>
-                <a:schemeClr val="accent6"/>
-              </a:solidFill>
-              <a:latin typeface="Arial" panose="020B0604020202020204" pitchFamily="34" charset="0"/>
-              <a:ea typeface="微软雅黑" panose="020B0503020204020204" charset="-122"/>
-            </a:endParaRPr>
           </a:p>
         </p:txBody>
       </p:sp>
@@ -19089,7 +18644,14 @@
         <p:cNvGrpSpPr/>
         <p:nvPr/>
       </p:nvGrpSpPr>
-      <p:grpSpPr/>
+      <p:grpSpPr>
+        <a:xfrm>
+          <a:off x="0" y="0"/>
+          <a:ext cx="0" cy="0"/>
+          <a:chOff x="0" y="0"/>
+          <a:chExt cx="0" cy="0"/>
+        </a:xfrm>
+      </p:grpSpPr>
       <p:pic>
         <p:nvPicPr>
           <p:cNvPr id="12" name="图片 11"/>
@@ -19099,7 +18661,7 @@
           <p:nvPr/>
         </p:nvPicPr>
         <p:blipFill>
-          <a:blip r:embed="rId1"/>
+          <a:blip r:embed="rId2"/>
           <a:stretch>
             <a:fillRect/>
           </a:stretch>
@@ -19123,7 +18685,7 @@
           <p:nvPr/>
         </p:nvPicPr>
         <p:blipFill>
-          <a:blip r:embed="rId2"/>
+          <a:blip r:embed="rId3"/>
           <a:stretch>
             <a:fillRect/>
           </a:stretch>
@@ -19228,6 +18790,7 @@
           <a:bodyPr wrap="none" rtlCol="0" anchor="t">
             <a:spAutoFit/>
           </a:bodyPr>
+          <a:lstStyle/>
           <a:p>
             <a:r>
               <a:rPr lang="zh-CN" altLang="en-US">
@@ -19236,10 +18799,6 @@
               </a:rPr>
               <a:t>⨁</a:t>
             </a:r>
-            <a:endParaRPr lang="zh-CN" altLang="en-US">
-              <a:latin typeface="微软雅黑" panose="020B0503020204020204" charset="-122"/>
-              <a:ea typeface="微软雅黑" panose="020B0503020204020204" charset="-122"/>
-            </a:endParaRPr>
           </a:p>
         </p:txBody>
       </p:sp>
@@ -19263,10 +18822,11 @@
             <a:spAutoFit/>
             <a:extLst>
               <a:ext uri="{4A0BC546-FE56-4ADE-93B0-CB8AF2F6F144}">
-                <wpsdc:textFrameExt xmlns:wpsdc="http://www.wps.cn/officeDocument/2022/drawingmlCustomData" type="text"/>
+                <wpsdc:textFrameExt xmlns:wpsdc="http://www.wps.cn/officeDocument/2022/drawingmlCustomData" xmlns="" type="text"/>
               </a:ext>
             </a:extLst>
           </a:bodyPr>
+          <a:lstStyle/>
           <a:p>
             <a:pPr algn="l"/>
             <a:r>
@@ -19274,19 +18834,8 @@
                 <a:latin typeface="Arial" panose="020B0604020202020204" pitchFamily="34" charset="0"/>
                 <a:ea typeface="微软雅黑" panose="020B0503020204020204" charset="-122"/>
               </a:rPr>
-              <a:t>Concat F</a:t>
-            </a:r>
-            <a:r>
-              <a:rPr lang="en-US" altLang="zh-CN" sz="1000">
-                <a:latin typeface="Arial" panose="020B0604020202020204" pitchFamily="34" charset="0"/>
-                <a:ea typeface="微软雅黑" panose="020B0503020204020204" charset="-122"/>
-              </a:rPr>
-              <a:t>eatures</a:t>
-            </a:r>
-            <a:endParaRPr lang="en-US" altLang="zh-CN" sz="1000">
-              <a:latin typeface="Arial" panose="020B0604020202020204" pitchFamily="34" charset="0"/>
-              <a:ea typeface="微软雅黑" panose="020B0503020204020204" charset="-122"/>
-            </a:endParaRPr>
+              <a:t>Concat Features</a:t>
+            </a:r>
           </a:p>
         </p:txBody>
       </p:sp>
@@ -19299,7 +18848,7 @@
           <p:nvPr/>
         </p:nvPicPr>
         <p:blipFill>
-          <a:blip r:embed="rId3"/>
+          <a:blip r:embed="rId4"/>
           <a:stretch>
             <a:fillRect/>
           </a:stretch>
@@ -19318,13 +18867,13 @@
         <p:nvCxnSpPr>
           <p:cNvPr id="62" name="直接箭头连接符 61"/>
           <p:cNvCxnSpPr>
-            <a:stCxn id="53" idx="3"/>
+            <a:cxnSpLocks/>
           </p:cNvCxnSpPr>
           <p:nvPr/>
         </p:nvCxnSpPr>
         <p:spPr>
           <a:xfrm flipV="1">
-            <a:off x="9390380" y="2691130"/>
+            <a:off x="9345930" y="2691130"/>
             <a:ext cx="481330" cy="363855"/>
           </a:xfrm>
           <a:prstGeom prst="straightConnector1">
@@ -19422,22 +18971,28 @@
       </p:cxnSp>
       <p:pic>
         <p:nvPicPr>
-          <p:cNvPr id="3" name="图片 2"/>
+          <p:cNvPr id="4" name="图片 3">
+            <a:extLst>
+              <a:ext uri="{FF2B5EF4-FFF2-40B4-BE49-F238E27FC236}">
+                <a16:creationId xmlns:a16="http://schemas.microsoft.com/office/drawing/2014/main" id="{478AF9AC-8A2F-4927-B21F-E38815125E8E}"/>
+              </a:ext>
+            </a:extLst>
+          </p:cNvPr>
           <p:cNvPicPr>
             <a:picLocks noChangeAspect="1"/>
           </p:cNvPicPr>
           <p:nvPr/>
         </p:nvPicPr>
         <p:blipFill>
-          <a:blip r:embed="rId4"/>
+          <a:blip r:embed="rId5"/>
           <a:stretch>
             <a:fillRect/>
           </a:stretch>
         </p:blipFill>
         <p:spPr>
           <a:xfrm>
-            <a:off x="3491230" y="3186430"/>
-            <a:ext cx="4699000" cy="2305685"/>
+            <a:off x="3491231" y="3256915"/>
+            <a:ext cx="4699000" cy="2299334"/>
           </a:xfrm>
           <a:prstGeom prst="rect">
             <a:avLst/>
@@ -19461,7 +19016,14 @@
         <p:cNvGrpSpPr/>
         <p:nvPr/>
       </p:nvGrpSpPr>
-      <p:grpSpPr/>
+      <p:grpSpPr>
+        <a:xfrm>
+          <a:off x="0" y="0"/>
+          <a:ext cx="0" cy="0"/>
+          <a:chOff x="0" y="0"/>
+          <a:chExt cx="0" cy="0"/>
+        </a:xfrm>
+      </p:grpSpPr>
       <p:sp>
         <p:nvSpPr>
           <p:cNvPr id="26" name="矩形 25"/>
@@ -19505,6 +19067,7 @@
         </p:style>
         <p:txBody>
           <a:bodyPr rtlCol="0" anchor="ctr"/>
+          <a:lstStyle/>
           <a:p>
             <a:pPr algn="ctr"/>
             <a:endParaRPr lang="zh-CN" altLang="en-US"/>
@@ -19557,6 +19120,7 @@
         </p:style>
         <p:txBody>
           <a:bodyPr rtlCol="0" anchor="ctr"/>
+          <a:lstStyle/>
           <a:p>
             <a:pPr algn="ctr"/>
             <a:endParaRPr lang="zh-CN" altLang="en-US"/>
@@ -20092,6 +19656,7 @@
         </p:style>
         <p:txBody>
           <a:bodyPr rtlCol="0" anchor="ctr"/>
+          <a:lstStyle/>
           <a:p>
             <a:pPr algn="ctr"/>
             <a:endParaRPr lang="zh-CN" altLang="en-US"/>
@@ -20667,6 +20232,7 @@
         </p:style>
         <p:txBody>
           <a:bodyPr rtlCol="0" anchor="ctr"/>
+          <a:lstStyle/>
           <a:p>
             <a:pPr algn="ctr"/>
             <a:endParaRPr lang="zh-CN" altLang="en-US"/>
@@ -21382,6 +20948,7 @@
         </p:style>
         <p:txBody>
           <a:bodyPr rtlCol="0" anchor="ctr"/>
+          <a:lstStyle/>
           <a:p>
             <a:pPr algn="ctr"/>
             <a:endParaRPr lang="zh-CN" altLang="en-US"/>
@@ -21414,10 +20981,11 @@
             <a:spAutoFit/>
             <a:extLst>
               <a:ext uri="{4A0BC546-FE56-4ADE-93B0-CB8AF2F6F144}">
-                <wpsdc:textFrameExt xmlns:wpsdc="http://www.wps.cn/officeDocument/2022/drawingmlCustomData" type="text"/>
+                <wpsdc:textFrameExt xmlns:wpsdc="http://www.wps.cn/officeDocument/2022/drawingmlCustomData" xmlns="" type="text"/>
               </a:ext>
             </a:extLst>
           </a:bodyPr>
+          <a:lstStyle/>
           <a:p>
             <a:pPr algn="ctr"/>
             <a:r>
@@ -21425,19 +20993,8 @@
                 <a:latin typeface="Arial" panose="020B0604020202020204" pitchFamily="34" charset="0"/>
                 <a:ea typeface="微软雅黑" panose="020B0503020204020204" charset="-122"/>
               </a:rPr>
-              <a:t>C</a:t>
-            </a:r>
-            <a:r>
-              <a:rPr lang="en-US" altLang="zh-CN" sz="1800">
-                <a:latin typeface="Arial" panose="020B0604020202020204" pitchFamily="34" charset="0"/>
-                <a:ea typeface="微软雅黑" panose="020B0503020204020204" charset="-122"/>
-              </a:rPr>
-              <a:t>hannel Independence</a:t>
-            </a:r>
-            <a:endParaRPr lang="en-US" altLang="zh-CN" sz="1800">
-              <a:latin typeface="Arial" panose="020B0604020202020204" pitchFamily="34" charset="0"/>
-              <a:ea typeface="微软雅黑" panose="020B0503020204020204" charset="-122"/>
-            </a:endParaRPr>
+              <a:t>Channel Independence</a:t>
+            </a:r>
           </a:p>
         </p:txBody>
       </p:sp>
@@ -21467,10 +21024,11 @@
             <a:spAutoFit/>
             <a:extLst>
               <a:ext uri="{4A0BC546-FE56-4ADE-93B0-CB8AF2F6F144}">
-                <wpsdc:textFrameExt xmlns:wpsdc="http://www.wps.cn/officeDocument/2022/drawingmlCustomData" type="text"/>
+                <wpsdc:textFrameExt xmlns:wpsdc="http://www.wps.cn/officeDocument/2022/drawingmlCustomData" xmlns="" type="text"/>
               </a:ext>
             </a:extLst>
           </a:bodyPr>
+          <a:lstStyle/>
           <a:p>
             <a:pPr algn="ctr"/>
             <a:r>
@@ -21480,10 +21038,6 @@
               </a:rPr>
               <a:t>FTT</a:t>
             </a:r>
-            <a:endParaRPr lang="en-US" altLang="zh-CN" sz="1800">
-              <a:latin typeface="Arial" panose="020B0604020202020204" pitchFamily="34" charset="0"/>
-              <a:ea typeface="微软雅黑" panose="020B0503020204020204" charset="-122"/>
-            </a:endParaRPr>
           </a:p>
         </p:txBody>
       </p:sp>
@@ -21513,10 +21067,11 @@
             <a:spAutoFit/>
             <a:extLst>
               <a:ext uri="{4A0BC546-FE56-4ADE-93B0-CB8AF2F6F144}">
-                <wpsdc:textFrameExt xmlns:wpsdc="http://www.wps.cn/officeDocument/2022/drawingmlCustomData" type="text"/>
+                <wpsdc:textFrameExt xmlns:wpsdc="http://www.wps.cn/officeDocument/2022/drawingmlCustomData" xmlns="" type="text"/>
               </a:ext>
             </a:extLst>
           </a:bodyPr>
+          <a:lstStyle/>
           <a:p>
             <a:pPr algn="ctr"/>
             <a:r>
@@ -21526,10 +21081,6 @@
               </a:rPr>
               <a:t>Mask Dominant Period</a:t>
             </a:r>
-            <a:endParaRPr lang="en-US" altLang="zh-CN" sz="1800">
-              <a:latin typeface="Arial" panose="020B0604020202020204" pitchFamily="34" charset="0"/>
-              <a:ea typeface="微软雅黑" panose="020B0503020204020204" charset="-122"/>
-            </a:endParaRPr>
           </a:p>
         </p:txBody>
       </p:sp>
@@ -21559,10 +21110,11 @@
             <a:spAutoFit/>
             <a:extLst>
               <a:ext uri="{4A0BC546-FE56-4ADE-93B0-CB8AF2F6F144}">
-                <wpsdc:textFrameExt xmlns:wpsdc="http://www.wps.cn/officeDocument/2022/drawingmlCustomData" type="text"/>
+                <wpsdc:textFrameExt xmlns:wpsdc="http://www.wps.cn/officeDocument/2022/drawingmlCustomData" xmlns="" type="text"/>
               </a:ext>
             </a:extLst>
           </a:bodyPr>
+          <a:lstStyle/>
           <a:p>
             <a:pPr algn="ctr"/>
             <a:r>
@@ -21572,10 +21124,6 @@
               </a:rPr>
               <a:t>Multi-Scale Patching</a:t>
             </a:r>
-            <a:endParaRPr lang="en-US" altLang="zh-CN" sz="1800">
-              <a:latin typeface="Arial" panose="020B0604020202020204" pitchFamily="34" charset="0"/>
-              <a:ea typeface="微软雅黑" panose="020B0503020204020204" charset="-122"/>
-            </a:endParaRPr>
           </a:p>
         </p:txBody>
       </p:sp>
@@ -22108,6 +21656,7 @@
         </p:style>
         <p:txBody>
           <a:bodyPr rtlCol="0" anchor="ctr"/>
+          <a:lstStyle/>
           <a:p>
             <a:pPr algn="ctr"/>
             <a:endParaRPr lang="zh-CN" altLang="en-US"/>
@@ -22160,6 +21709,7 @@
         </p:style>
         <p:txBody>
           <a:bodyPr rtlCol="0" anchor="ctr"/>
+          <a:lstStyle/>
           <a:p>
             <a:pPr algn="ctr"/>
             <a:endParaRPr lang="zh-CN" altLang="en-US"/>
@@ -22695,6 +22245,7 @@
         </p:style>
         <p:txBody>
           <a:bodyPr rtlCol="0" anchor="ctr"/>
+          <a:lstStyle/>
           <a:p>
             <a:pPr algn="ctr"/>
             <a:endParaRPr lang="zh-CN" altLang="en-US"/>
@@ -22744,6 +22295,7 @@
         </p:style>
         <p:txBody>
           <a:bodyPr rtlCol="0" anchor="ctr"/>
+          <a:lstStyle/>
           <a:p>
             <a:pPr algn="ctr"/>
             <a:endParaRPr lang="zh-CN" altLang="en-US"/>
@@ -22796,6 +22348,7 @@
         </p:style>
         <p:txBody>
           <a:bodyPr rtlCol="0" anchor="ctr"/>
+          <a:lstStyle/>
           <a:p>
             <a:pPr algn="ctr"/>
             <a:endParaRPr lang="zh-CN" altLang="en-US"/>
@@ -23331,6 +22884,7 @@
         </p:style>
         <p:txBody>
           <a:bodyPr rtlCol="0" anchor="ctr"/>
+          <a:lstStyle/>
           <a:p>
             <a:pPr algn="ctr"/>
             <a:endParaRPr lang="zh-CN" altLang="en-US"/>
@@ -23457,6 +23011,7 @@
         </p:style>
         <p:txBody>
           <a:bodyPr rtlCol="0" anchor="ctr"/>
+          <a:lstStyle/>
           <a:p>
             <a:pPr algn="ctr"/>
             <a:endParaRPr lang="zh-CN" altLang="en-US"/>
@@ -23509,6 +23064,7 @@
         </p:style>
         <p:txBody>
           <a:bodyPr rtlCol="0" anchor="ctr"/>
+          <a:lstStyle/>
           <a:p>
             <a:pPr algn="ctr"/>
             <a:endParaRPr lang="zh-CN" altLang="en-US"/>
@@ -24044,6 +23600,7 @@
         </p:style>
         <p:txBody>
           <a:bodyPr rtlCol="0" anchor="ctr"/>
+          <a:lstStyle/>
           <a:p>
             <a:pPr algn="ctr"/>
             <a:endParaRPr lang="zh-CN" altLang="en-US"/>
@@ -24301,10 +23858,11 @@
             <a:spAutoFit/>
             <a:extLst>
               <a:ext uri="{4A0BC546-FE56-4ADE-93B0-CB8AF2F6F144}">
-                <wpsdc:textFrameExt xmlns:wpsdc="http://www.wps.cn/officeDocument/2022/drawingmlCustomData" type="text"/>
+                <wpsdc:textFrameExt xmlns:wpsdc="http://www.wps.cn/officeDocument/2022/drawingmlCustomData" xmlns="" type="text"/>
               </a:ext>
             </a:extLst>
           </a:bodyPr>
+          <a:lstStyle/>
           <a:p>
             <a:pPr algn="ctr"/>
             <a:r>
@@ -24314,10 +23872,6 @@
               </a:rPr>
               <a:t>Embedding</a:t>
             </a:r>
-            <a:endParaRPr lang="en-US" altLang="zh-CN" sz="1800">
-              <a:latin typeface="Arial" panose="020B0604020202020204" pitchFamily="34" charset="0"/>
-              <a:ea typeface="微软雅黑" panose="020B0503020204020204" charset="-122"/>
-            </a:endParaRPr>
           </a:p>
         </p:txBody>
       </p:sp>
@@ -24347,10 +23901,11 @@
             <a:spAutoFit/>
             <a:extLst>
               <a:ext uri="{4A0BC546-FE56-4ADE-93B0-CB8AF2F6F144}">
-                <wpsdc:textFrameExt xmlns:wpsdc="http://www.wps.cn/officeDocument/2022/drawingmlCustomData" type="text"/>
+                <wpsdc:textFrameExt xmlns:wpsdc="http://www.wps.cn/officeDocument/2022/drawingmlCustomData" xmlns="" type="text"/>
               </a:ext>
             </a:extLst>
           </a:bodyPr>
+          <a:lstStyle/>
           <a:p>
             <a:pPr algn="ctr"/>
             <a:r>
@@ -24394,10 +23949,11 @@
             <a:spAutoFit/>
             <a:extLst>
               <a:ext uri="{4A0BC546-FE56-4ADE-93B0-CB8AF2F6F144}">
-                <wpsdc:textFrameExt xmlns:wpsdc="http://www.wps.cn/officeDocument/2022/drawingmlCustomData" type="text"/>
+                <wpsdc:textFrameExt xmlns:wpsdc="http://www.wps.cn/officeDocument/2022/drawingmlCustomData" xmlns="" type="text"/>
               </a:ext>
             </a:extLst>
           </a:bodyPr>
+          <a:lstStyle/>
           <a:p>
             <a:pPr algn="ctr"/>
             <a:r>
@@ -24407,10 +23963,6 @@
               </a:rPr>
               <a:t>Concat Multi-Scale Features</a:t>
             </a:r>
-            <a:endParaRPr lang="en-US" altLang="zh-CN" sz="1800">
-              <a:latin typeface="Arial" panose="020B0604020202020204" pitchFamily="34" charset="0"/>
-              <a:ea typeface="微软雅黑" panose="020B0503020204020204" charset="-122"/>
-            </a:endParaRPr>
           </a:p>
         </p:txBody>
       </p:sp>
@@ -24440,10 +23992,11 @@
             <a:spAutoFit/>
             <a:extLst>
               <a:ext uri="{4A0BC546-FE56-4ADE-93B0-CB8AF2F6F144}">
-                <wpsdc:textFrameExt xmlns:wpsdc="http://www.wps.cn/officeDocument/2022/drawingmlCustomData" type="text"/>
+                <wpsdc:textFrameExt xmlns:wpsdc="http://www.wps.cn/officeDocument/2022/drawingmlCustomData" xmlns="" type="text"/>
               </a:ext>
             </a:extLst>
           </a:bodyPr>
+          <a:lstStyle/>
           <a:p>
             <a:pPr algn="ctr"/>
             <a:r>
@@ -24453,10 +24006,6 @@
               </a:rPr>
               <a:t>MLP-based Reconstruction</a:t>
             </a:r>
-            <a:endParaRPr lang="en-US" altLang="zh-CN" sz="1800">
-              <a:latin typeface="Arial" panose="020B0604020202020204" pitchFamily="34" charset="0"/>
-              <a:ea typeface="微软雅黑" panose="020B0503020204020204" charset="-122"/>
-            </a:endParaRPr>
           </a:p>
         </p:txBody>
       </p:sp>
@@ -24486,10 +24035,11 @@
             <a:spAutoFit/>
             <a:extLst>
               <a:ext uri="{4A0BC546-FE56-4ADE-93B0-CB8AF2F6F144}">
-                <wpsdc:textFrameExt xmlns:wpsdc="http://www.wps.cn/officeDocument/2022/drawingmlCustomData" type="text"/>
+                <wpsdc:textFrameExt xmlns:wpsdc="http://www.wps.cn/officeDocument/2022/drawingmlCustomData" xmlns="" type="text"/>
               </a:ext>
             </a:extLst>
           </a:bodyPr>
+          <a:lstStyle/>
           <a:p>
             <a:pPr algn="ctr"/>
             <a:r>
@@ -24499,10 +24049,6 @@
               </a:rPr>
               <a:t>Euclidean Distance Between Multi-Scale Features</a:t>
             </a:r>
-            <a:endParaRPr lang="en-US" altLang="zh-CN" sz="1800">
-              <a:latin typeface="Arial" panose="020B0604020202020204" pitchFamily="34" charset="0"/>
-              <a:ea typeface="微软雅黑" panose="020B0503020204020204" charset="-122"/>
-            </a:endParaRPr>
           </a:p>
         </p:txBody>
       </p:sp>
@@ -24523,7 +24069,14 @@
         <p:cNvGrpSpPr/>
         <p:nvPr/>
       </p:nvGrpSpPr>
-      <p:grpSpPr/>
+      <p:grpSpPr>
+        <a:xfrm>
+          <a:off x="0" y="0"/>
+          <a:ext cx="0" cy="0"/>
+          <a:chOff x="0" y="0"/>
+          <a:chExt cx="0" cy="0"/>
+        </a:xfrm>
+      </p:grpSpPr>
       <p:sp>
         <p:nvSpPr>
           <p:cNvPr id="2" name="文本框 1"/>
@@ -24550,10 +24103,11 @@
             <a:spAutoFit/>
             <a:extLst>
               <a:ext uri="{4A0BC546-FE56-4ADE-93B0-CB8AF2F6F144}">
-                <wpsdc:textFrameExt xmlns:wpsdc="http://www.wps.cn/officeDocument/2022/drawingmlCustomData" type="text"/>
+                <wpsdc:textFrameExt xmlns:wpsdc="http://www.wps.cn/officeDocument/2022/drawingmlCustomData" xmlns="" type="text"/>
               </a:ext>
             </a:extLst>
           </a:bodyPr>
+          <a:lstStyle/>
           <a:p>
             <a:pPr algn="ctr"/>
             <a:r>
@@ -24561,19 +24115,8 @@
                 <a:latin typeface="Arial" panose="020B0604020202020204" pitchFamily="34" charset="0"/>
                 <a:ea typeface="微软雅黑" panose="020B0503020204020204" charset="-122"/>
               </a:rPr>
-              <a:t>C</a:t>
-            </a:r>
-            <a:r>
-              <a:rPr lang="en-US" altLang="zh-CN" sz="1800">
-                <a:latin typeface="Arial" panose="020B0604020202020204" pitchFamily="34" charset="0"/>
-                <a:ea typeface="微软雅黑" panose="020B0503020204020204" charset="-122"/>
-              </a:rPr>
-              <a:t>hannel Independence</a:t>
-            </a:r>
-            <a:endParaRPr lang="en-US" altLang="zh-CN" sz="1800">
-              <a:latin typeface="Arial" panose="020B0604020202020204" pitchFamily="34" charset="0"/>
-              <a:ea typeface="微软雅黑" panose="020B0503020204020204" charset="-122"/>
-            </a:endParaRPr>
+              <a:t>Channel Independence</a:t>
+            </a:r>
           </a:p>
         </p:txBody>
       </p:sp>
@@ -24603,10 +24146,11 @@
             <a:spAutoFit/>
             <a:extLst>
               <a:ext uri="{4A0BC546-FE56-4ADE-93B0-CB8AF2F6F144}">
-                <wpsdc:textFrameExt xmlns:wpsdc="http://www.wps.cn/officeDocument/2022/drawingmlCustomData" type="text"/>
+                <wpsdc:textFrameExt xmlns:wpsdc="http://www.wps.cn/officeDocument/2022/drawingmlCustomData" xmlns="" type="text"/>
               </a:ext>
             </a:extLst>
           </a:bodyPr>
+          <a:lstStyle/>
           <a:p>
             <a:pPr algn="ctr"/>
             <a:r>
@@ -24616,10 +24160,6 @@
               </a:rPr>
               <a:t>FTT</a:t>
             </a:r>
-            <a:endParaRPr lang="en-US" altLang="zh-CN" sz="1800">
-              <a:latin typeface="Arial" panose="020B0604020202020204" pitchFamily="34" charset="0"/>
-              <a:ea typeface="微软雅黑" panose="020B0503020204020204" charset="-122"/>
-            </a:endParaRPr>
           </a:p>
         </p:txBody>
       </p:sp>
@@ -24649,10 +24189,11 @@
             <a:spAutoFit/>
             <a:extLst>
               <a:ext uri="{4A0BC546-FE56-4ADE-93B0-CB8AF2F6F144}">
-                <wpsdc:textFrameExt xmlns:wpsdc="http://www.wps.cn/officeDocument/2022/drawingmlCustomData" type="text"/>
+                <wpsdc:textFrameExt xmlns:wpsdc="http://www.wps.cn/officeDocument/2022/drawingmlCustomData" xmlns="" type="text"/>
               </a:ext>
             </a:extLst>
           </a:bodyPr>
+          <a:lstStyle/>
           <a:p>
             <a:pPr algn="ctr"/>
             <a:r>
@@ -24662,10 +24203,6 @@
               </a:rPr>
               <a:t>Mask Dominant Period</a:t>
             </a:r>
-            <a:endParaRPr lang="en-US" altLang="zh-CN" sz="1800">
-              <a:latin typeface="Arial" panose="020B0604020202020204" pitchFamily="34" charset="0"/>
-              <a:ea typeface="微软雅黑" panose="020B0503020204020204" charset="-122"/>
-            </a:endParaRPr>
           </a:p>
         </p:txBody>
       </p:sp>
@@ -24695,10 +24232,11 @@
             <a:spAutoFit/>
             <a:extLst>
               <a:ext uri="{4A0BC546-FE56-4ADE-93B0-CB8AF2F6F144}">
-                <wpsdc:textFrameExt xmlns:wpsdc="http://www.wps.cn/officeDocument/2022/drawingmlCustomData" type="text"/>
+                <wpsdc:textFrameExt xmlns:wpsdc="http://www.wps.cn/officeDocument/2022/drawingmlCustomData" xmlns="" type="text"/>
               </a:ext>
             </a:extLst>
           </a:bodyPr>
+          <a:lstStyle/>
           <a:p>
             <a:pPr algn="ctr"/>
             <a:r>
@@ -24706,19 +24244,8 @@
                 <a:latin typeface="Arial" panose="020B0604020202020204" pitchFamily="34" charset="0"/>
                 <a:ea typeface="微软雅黑" panose="020B0503020204020204" charset="-122"/>
               </a:rPr>
-              <a:t>Multi-Scale S</a:t>
-            </a:r>
-            <a:r>
-              <a:rPr lang="en-US" altLang="zh-CN" sz="1800">
-                <a:latin typeface="Arial" panose="020B0604020202020204" pitchFamily="34" charset="0"/>
-                <a:ea typeface="微软雅黑" panose="020B0503020204020204" charset="-122"/>
-              </a:rPr>
-              <a:t>ubsequence Division</a:t>
-            </a:r>
-            <a:endParaRPr lang="en-US" altLang="zh-CN" sz="1800">
-              <a:latin typeface="Arial" panose="020B0604020202020204" pitchFamily="34" charset="0"/>
-              <a:ea typeface="微软雅黑" panose="020B0503020204020204" charset="-122"/>
-            </a:endParaRPr>
+              <a:t>Multi-Scale Subsequence Division</a:t>
+            </a:r>
           </a:p>
         </p:txBody>
       </p:sp>
@@ -24745,10 +24272,11 @@
             <a:noAutofit/>
             <a:extLst>
               <a:ext uri="{4A0BC546-FE56-4ADE-93B0-CB8AF2F6F144}">
-                <wpsdc:textFrameExt xmlns:wpsdc="http://www.wps.cn/officeDocument/2022/drawingmlCustomData" type="text"/>
+                <wpsdc:textFrameExt xmlns:wpsdc="http://www.wps.cn/officeDocument/2022/drawingmlCustomData" xmlns="" type="text"/>
               </a:ext>
             </a:extLst>
           </a:bodyPr>
+          <a:lstStyle/>
           <a:p>
             <a:pPr algn="ctr"/>
             <a:r>
@@ -24758,10 +24286,6 @@
               </a:rPr>
               <a:t>Embedding</a:t>
             </a:r>
-            <a:endParaRPr lang="en-US" altLang="zh-CN" sz="1800">
-              <a:latin typeface="Arial" panose="020B0604020202020204" pitchFamily="34" charset="0"/>
-              <a:ea typeface="微软雅黑" panose="020B0503020204020204" charset="-122"/>
-            </a:endParaRPr>
           </a:p>
         </p:txBody>
       </p:sp>
@@ -24790,10 +24314,11 @@
             <a:spAutoFit/>
             <a:extLst>
               <a:ext uri="{4A0BC546-FE56-4ADE-93B0-CB8AF2F6F144}">
-                <wpsdc:textFrameExt xmlns:wpsdc="http://www.wps.cn/officeDocument/2022/drawingmlCustomData" type="text"/>
+                <wpsdc:textFrameExt xmlns:wpsdc="http://www.wps.cn/officeDocument/2022/drawingmlCustomData" xmlns="" type="text"/>
               </a:ext>
             </a:extLst>
           </a:bodyPr>
+          <a:lstStyle/>
           <a:p>
             <a:pPr algn="ctr"/>
             <a:r>
@@ -24836,10 +24361,11 @@
             <a:spAutoFit/>
             <a:extLst>
               <a:ext uri="{4A0BC546-FE56-4ADE-93B0-CB8AF2F6F144}">
-                <wpsdc:textFrameExt xmlns:wpsdc="http://www.wps.cn/officeDocument/2022/drawingmlCustomData" type="text"/>
+                <wpsdc:textFrameExt xmlns:wpsdc="http://www.wps.cn/officeDocument/2022/drawingmlCustomData" xmlns="" type="text"/>
               </a:ext>
             </a:extLst>
           </a:bodyPr>
+          <a:lstStyle/>
           <a:p>
             <a:pPr algn="ctr"/>
             <a:r>
@@ -24849,10 +24375,6 @@
               </a:rPr>
               <a:t>Anomaly Prediction</a:t>
             </a:r>
-            <a:endParaRPr lang="en-US" altLang="zh-CN" sz="1800">
-              <a:latin typeface="Arial" panose="020B0604020202020204" pitchFamily="34" charset="0"/>
-              <a:ea typeface="微软雅黑" panose="020B0503020204020204" charset="-122"/>
-            </a:endParaRPr>
           </a:p>
         </p:txBody>
       </p:sp>
@@ -24879,10 +24401,11 @@
             <a:spAutoFit/>
             <a:extLst>
               <a:ext uri="{4A0BC546-FE56-4ADE-93B0-CB8AF2F6F144}">
-                <wpsdc:textFrameExt xmlns:wpsdc="http://www.wps.cn/officeDocument/2022/drawingmlCustomData" type="text"/>
+                <wpsdc:textFrameExt xmlns:wpsdc="http://www.wps.cn/officeDocument/2022/drawingmlCustomData" xmlns="" type="text"/>
               </a:ext>
             </a:extLst>
           </a:bodyPr>
+          <a:lstStyle/>
           <a:p>
             <a:pPr algn="ctr"/>
             <a:r>
@@ -24892,10 +24415,6 @@
               </a:rPr>
               <a:t>MLP-based Reconstruction</a:t>
             </a:r>
-            <a:endParaRPr lang="en-US" altLang="zh-CN" sz="1800">
-              <a:latin typeface="Arial" panose="020B0604020202020204" pitchFamily="34" charset="0"/>
-              <a:ea typeface="微软雅黑" panose="020B0503020204020204" charset="-122"/>
-            </a:endParaRPr>
           </a:p>
         </p:txBody>
       </p:sp>
@@ -24922,10 +24441,11 @@
             <a:spAutoFit/>
             <a:extLst>
               <a:ext uri="{4A0BC546-FE56-4ADE-93B0-CB8AF2F6F144}">
-                <wpsdc:textFrameExt xmlns:wpsdc="http://www.wps.cn/officeDocument/2022/drawingmlCustomData" type="text"/>
+                <wpsdc:textFrameExt xmlns:wpsdc="http://www.wps.cn/officeDocument/2022/drawingmlCustomData" xmlns="" type="text"/>
               </a:ext>
             </a:extLst>
           </a:bodyPr>
+          <a:lstStyle/>
           <a:p>
             <a:pPr algn="ctr"/>
             <a:r>
@@ -24935,10 +24455,6 @@
               </a:rPr>
               <a:t>Similarities Between Multi-Scale Features</a:t>
             </a:r>
-            <a:endParaRPr lang="en-US" altLang="zh-CN" sz="1800">
-              <a:latin typeface="Arial" panose="020B0604020202020204" pitchFamily="34" charset="0"/>
-              <a:ea typeface="微软雅黑" panose="020B0503020204020204" charset="-122"/>
-            </a:endParaRPr>
           </a:p>
         </p:txBody>
       </p:sp>
@@ -24951,7 +24467,7 @@
           <p:nvPr/>
         </p:nvPicPr>
         <p:blipFill>
-          <a:blip r:embed="rId1"/>
+          <a:blip r:embed="rId2"/>
           <a:stretch>
             <a:fillRect/>
           </a:stretch>
@@ -24975,7 +24491,7 @@
           <p:nvPr/>
         </p:nvPicPr>
         <p:blipFill>
-          <a:blip r:embed="rId2"/>
+          <a:blip r:embed="rId3"/>
           <a:stretch>
             <a:fillRect/>
           </a:stretch>
@@ -24999,7 +24515,7 @@
           <p:nvPr/>
         </p:nvPicPr>
         <p:blipFill>
-          <a:blip r:embed="rId3"/>
+          <a:blip r:embed="rId4"/>
           <a:stretch>
             <a:fillRect/>
           </a:stretch>
@@ -25336,10 +24852,11 @@
             <a:spAutoFit/>
             <a:extLst>
               <a:ext uri="{4A0BC546-FE56-4ADE-93B0-CB8AF2F6F144}">
-                <wpsdc:textFrameExt xmlns:wpsdc="http://www.wps.cn/officeDocument/2022/drawingmlCustomData" type="text"/>
+                <wpsdc:textFrameExt xmlns:wpsdc="http://www.wps.cn/officeDocument/2022/drawingmlCustomData" xmlns="" type="text"/>
               </a:ext>
             </a:extLst>
           </a:bodyPr>
+          <a:lstStyle/>
           <a:p>
             <a:pPr algn="ctr"/>
             <a:r>
@@ -25349,10 +24866,6 @@
               </a:rPr>
               <a:t>Input MTS</a:t>
             </a:r>
-            <a:endParaRPr lang="en-US" altLang="zh-CN" sz="1800">
-              <a:latin typeface="Arial" panose="020B0604020202020204" pitchFamily="34" charset="0"/>
-              <a:ea typeface="微软雅黑" panose="020B0503020204020204" charset="-122"/>
-            </a:endParaRPr>
           </a:p>
         </p:txBody>
       </p:sp>
@@ -25379,10 +24892,11 @@
             <a:noAutofit/>
             <a:extLst>
               <a:ext uri="{4A0BC546-FE56-4ADE-93B0-CB8AF2F6F144}">
-                <wpsdc:textFrameExt xmlns:wpsdc="http://www.wps.cn/officeDocument/2022/drawingmlCustomData" type="text"/>
+                <wpsdc:textFrameExt xmlns:wpsdc="http://www.wps.cn/officeDocument/2022/drawingmlCustomData" xmlns="" type="text"/>
               </a:ext>
             </a:extLst>
           </a:bodyPr>
+          <a:lstStyle/>
           <a:p>
             <a:pPr algn="ctr"/>
             <a:r>
@@ -25392,10 +24906,6 @@
               </a:rPr>
               <a:t>TopK Frequencies</a:t>
             </a:r>
-            <a:endParaRPr lang="en-US" altLang="zh-CN" sz="1800">
-              <a:latin typeface="Arial" panose="020B0604020202020204" pitchFamily="34" charset="0"/>
-              <a:ea typeface="微软雅黑" panose="020B0503020204020204" charset="-122"/>
-            </a:endParaRPr>
           </a:p>
         </p:txBody>
       </p:sp>
@@ -25501,6 +25011,7 @@
           <a:bodyPr wrap="square" rtlCol="0" anchor="t">
             <a:spAutoFit/>
           </a:bodyPr>
+          <a:lstStyle/>
           <a:p>
             <a:r>
               <a:rPr lang="en-US" altLang="zh-CN">
@@ -25510,11 +25021,6 @@
               </a:rPr>
               <a:t>Euclidean Distance</a:t>
             </a:r>
-            <a:endParaRPr lang="en-US" altLang="zh-CN">
-              <a:latin typeface="Arial" panose="020B0604020202020204" pitchFamily="34" charset="0"/>
-              <a:ea typeface="微软雅黑" panose="020B0503020204020204" charset="-122"/>
-              <a:sym typeface="+mn-ea"/>
-            </a:endParaRPr>
           </a:p>
         </p:txBody>
       </p:sp>
@@ -25538,6 +25044,7 @@
           <a:bodyPr wrap="square" rtlCol="0" anchor="t">
             <a:spAutoFit/>
           </a:bodyPr>
+          <a:lstStyle/>
           <a:p>
             <a:pPr algn="ctr"/>
             <a:r>
@@ -25548,11 +25055,6 @@
               </a:rPr>
               <a:t>Reconstruction Error</a:t>
             </a:r>
-            <a:endParaRPr lang="en-US" altLang="zh-CN">
-              <a:latin typeface="Arial" panose="020B0604020202020204" pitchFamily="34" charset="0"/>
-              <a:ea typeface="微软雅黑" panose="020B0503020204020204" charset="-122"/>
-              <a:sym typeface="+mn-ea"/>
-            </a:endParaRPr>
           </a:p>
         </p:txBody>
       </p:sp>
@@ -25565,7 +25067,7 @@
           <p:nvPr/>
         </p:nvPicPr>
         <p:blipFill>
-          <a:blip r:embed="rId4"/>
+          <a:blip r:embed="rId5"/>
           <a:stretch>
             <a:fillRect/>
           </a:stretch>
@@ -25644,10 +25146,11 @@
             <a:spAutoFit/>
             <a:extLst>
               <a:ext uri="{4A0BC546-FE56-4ADE-93B0-CB8AF2F6F144}">
-                <wpsdc:textFrameExt xmlns:wpsdc="http://www.wps.cn/officeDocument/2022/drawingmlCustomData" type="text"/>
+                <wpsdc:textFrameExt xmlns:wpsdc="http://www.wps.cn/officeDocument/2022/drawingmlCustomData" xmlns="" type="text"/>
               </a:ext>
             </a:extLst>
           </a:bodyPr>
+          <a:lstStyle/>
           <a:p>
             <a:pPr algn="ctr"/>
             <a:r>
@@ -25657,10 +25160,6 @@
               </a:rPr>
               <a:t>Nx</a:t>
             </a:r>
-            <a:endParaRPr lang="en-US" altLang="zh-CN" sz="1800">
-              <a:latin typeface="Arial" panose="020B0604020202020204" pitchFamily="34" charset="0"/>
-              <a:ea typeface="微软雅黑" panose="020B0503020204020204" charset="-122"/>
-            </a:endParaRPr>
           </a:p>
         </p:txBody>
       </p:sp>
@@ -25710,8 +25209,8 @@
 </file>
 
 <file path=ppt/tags/tag1.xml><?xml version="1.0" encoding="utf-8"?>
-<p:tagLst xmlns:p="http://schemas.openxmlformats.org/presentationml/2006/main">
-  <p:tag name="resource_record_key" val="{&quot;13&quot;:[19951231]}"/>
+<p:tagLst xmlns:a="http://schemas.openxmlformats.org/drawingml/2006/main" xmlns:r="http://schemas.openxmlformats.org/officeDocument/2006/relationships" xmlns:p="http://schemas.openxmlformats.org/presentationml/2006/main">
+  <p:tag name="RESOURCE_RECORD_KEY" val="{&quot;13&quot;:[19951231]}"/>
 </p:tagLst>
 </file>
 
@@ -25958,6 +25457,8 @@
       </a:bgFillStyleLst>
     </a:fmtScheme>
   </a:themeElements>
+  <a:objectDefaults/>
+  <a:extraClrSchemeLst/>
   <a:extLst>
     <a:ext uri="{05A4C25C-085E-4340-85A3-A5531E510DB2}">
       <thm15:themeFamily xmlns:thm15="http://schemas.microsoft.com/office/thememl/2012/main" name="Office Theme" id="{62F939B6-93AF-4DB8-9C6B-D6C7DFDC589F}" vid="{4A3C46E8-61CC-4603-A589-7422A47A8E4A}"/>
@@ -26217,6 +25718,8 @@
       </a:bgFillStyleLst>
     </a:fmtScheme>
   </a:themeElements>
+  <a:objectDefaults/>
+  <a:extraClrSchemeLst/>
   <a:extLst>
     <a:ext uri="{05A4C25C-085E-4340-85A3-A5531E510DB2}">
       <thm15:themeFamily xmlns:thm15="http://schemas.microsoft.com/office/thememl/2012/main" name="Office Theme" id="{62F939B6-93AF-4DB8-9C6B-D6C7DFDC589F}" vid="{4A3C46E8-61CC-4603-A589-7422A47A8E4A}"/>

--- a/论文插图.pptx
+++ b/论文插图.pptx
@@ -5959,7 +5959,7 @@
             <a:spAutoFit/>
             <a:extLst>
               <a:ext uri="{4A0BC546-FE56-4ADE-93B0-CB8AF2F6F144}">
-                <wpsdc:textFrameExt xmlns:wpsdc="http://www.wps.cn/officeDocument/2022/drawingmlCustomData" xmlns="" type="text"/>
+                <wpsdc:textFrameExt xmlns="" xmlns:wpsdc="http://www.wps.cn/officeDocument/2022/drawingmlCustomData" type="text"/>
               </a:ext>
             </a:extLst>
           </a:bodyPr>
@@ -5996,7 +5996,7 @@
             <a:spAutoFit/>
             <a:extLst>
               <a:ext uri="{4A0BC546-FE56-4ADE-93B0-CB8AF2F6F144}">
-                <wpsdc:textFrameExt xmlns:wpsdc="http://www.wps.cn/officeDocument/2022/drawingmlCustomData" xmlns="" type="text"/>
+                <wpsdc:textFrameExt xmlns="" xmlns:wpsdc="http://www.wps.cn/officeDocument/2022/drawingmlCustomData" type="text"/>
               </a:ext>
             </a:extLst>
           </a:bodyPr>
@@ -8486,7 +8486,13 @@
       </p:pic>
       <p:pic>
         <p:nvPicPr>
-          <p:cNvPr id="2" name="图片 1"/>
+          <p:cNvPr id="4" name="图片 3">
+            <a:extLst>
+              <a:ext uri="{FF2B5EF4-FFF2-40B4-BE49-F238E27FC236}">
+                <a16:creationId xmlns:a16="http://schemas.microsoft.com/office/drawing/2014/main" id="{C2B00C6B-7120-4DB5-85EE-4C39BB85B0E4}"/>
+              </a:ext>
+            </a:extLst>
+          </p:cNvPr>
           <p:cNvPicPr>
             <a:picLocks noChangeAspect="1"/>
           </p:cNvPicPr>
@@ -8500,8 +8506,8 @@
         </p:blipFill>
         <p:spPr>
           <a:xfrm>
-            <a:off x="1867535" y="1240790"/>
-            <a:ext cx="8752205" cy="5172710"/>
+            <a:off x="1608558" y="1233999"/>
+            <a:ext cx="8762685" cy="5154520"/>
           </a:xfrm>
           <a:prstGeom prst="rect">
             <a:avLst/>
@@ -8607,7 +8613,7 @@
             <a:spAutoFit/>
             <a:extLst>
               <a:ext uri="{4A0BC546-FE56-4ADE-93B0-CB8AF2F6F144}">
-                <wpsdc:textFrameExt xmlns:wpsdc="http://www.wps.cn/officeDocument/2022/drawingmlCustomData" xmlns="" type="text"/>
+                <wpsdc:textFrameExt xmlns="" xmlns:wpsdc="http://www.wps.cn/officeDocument/2022/drawingmlCustomData" type="text"/>
               </a:ext>
             </a:extLst>
           </a:bodyPr>
@@ -8658,7 +8664,7 @@
             <a:spAutoFit/>
             <a:extLst>
               <a:ext uri="{4A0BC546-FE56-4ADE-93B0-CB8AF2F6F144}">
-                <wpsdc:textFrameExt xmlns:wpsdc="http://www.wps.cn/officeDocument/2022/drawingmlCustomData" xmlns="" type="text"/>
+                <wpsdc:textFrameExt xmlns="" xmlns:wpsdc="http://www.wps.cn/officeDocument/2022/drawingmlCustomData" type="text"/>
               </a:ext>
             </a:extLst>
           </a:bodyPr>
@@ -8709,7 +8715,7 @@
             <a:spAutoFit/>
             <a:extLst>
               <a:ext uri="{4A0BC546-FE56-4ADE-93B0-CB8AF2F6F144}">
-                <wpsdc:textFrameExt xmlns:wpsdc="http://www.wps.cn/officeDocument/2022/drawingmlCustomData" xmlns="" type="text"/>
+                <wpsdc:textFrameExt xmlns="" xmlns:wpsdc="http://www.wps.cn/officeDocument/2022/drawingmlCustomData" type="text"/>
               </a:ext>
             </a:extLst>
           </a:bodyPr>
@@ -8832,7 +8838,7 @@
             <a:spAutoFit/>
             <a:extLst>
               <a:ext uri="{4A0BC546-FE56-4ADE-93B0-CB8AF2F6F144}">
-                <wpsdc:textFrameExt xmlns:wpsdc="http://www.wps.cn/officeDocument/2022/drawingmlCustomData" xmlns="" type="text"/>
+                <wpsdc:textFrameExt xmlns="" xmlns:wpsdc="http://www.wps.cn/officeDocument/2022/drawingmlCustomData" type="text"/>
               </a:ext>
             </a:extLst>
           </a:bodyPr>
@@ -8877,7 +8883,7 @@
             <a:spAutoFit/>
             <a:extLst>
               <a:ext uri="{4A0BC546-FE56-4ADE-93B0-CB8AF2F6F144}">
-                <wpsdc:textFrameExt xmlns:wpsdc="http://www.wps.cn/officeDocument/2022/drawingmlCustomData" xmlns="" type="text"/>
+                <wpsdc:textFrameExt xmlns="" xmlns:wpsdc="http://www.wps.cn/officeDocument/2022/drawingmlCustomData" type="text"/>
               </a:ext>
             </a:extLst>
           </a:bodyPr>
@@ -11803,7 +11809,7 @@
             <a:spAutoFit/>
             <a:extLst>
               <a:ext uri="{4A0BC546-FE56-4ADE-93B0-CB8AF2F6F144}">
-                <wpsdc:textFrameExt xmlns:wpsdc="http://www.wps.cn/officeDocument/2022/drawingmlCustomData" xmlns="" type="text"/>
+                <wpsdc:textFrameExt xmlns="" xmlns:wpsdc="http://www.wps.cn/officeDocument/2022/drawingmlCustomData" type="text"/>
               </a:ext>
             </a:extLst>
           </a:bodyPr>
@@ -11840,7 +11846,7 @@
             <a:spAutoFit/>
             <a:extLst>
               <a:ext uri="{4A0BC546-FE56-4ADE-93B0-CB8AF2F6F144}">
-                <wpsdc:textFrameExt xmlns:wpsdc="http://www.wps.cn/officeDocument/2022/drawingmlCustomData" xmlns="" type="text"/>
+                <wpsdc:textFrameExt xmlns="" xmlns:wpsdc="http://www.wps.cn/officeDocument/2022/drawingmlCustomData" type="text"/>
               </a:ext>
             </a:extLst>
           </a:bodyPr>
@@ -12413,7 +12419,7 @@
             <a:noAutofit/>
             <a:extLst>
               <a:ext uri="{4A0BC546-FE56-4ADE-93B0-CB8AF2F6F144}">
-                <wpsdc:textFrameExt xmlns:wpsdc="http://www.wps.cn/officeDocument/2022/drawingmlCustomData" xmlns="" type="text"/>
+                <wpsdc:textFrameExt xmlns="" xmlns:wpsdc="http://www.wps.cn/officeDocument/2022/drawingmlCustomData" type="text"/>
               </a:ext>
             </a:extLst>
           </a:bodyPr>
@@ -12463,7 +12469,7 @@
             <a:spAutoFit/>
             <a:extLst>
               <a:ext uri="{4A0BC546-FE56-4ADE-93B0-CB8AF2F6F144}">
-                <wpsdc:textFrameExt xmlns:wpsdc="http://www.wps.cn/officeDocument/2022/drawingmlCustomData" xmlns="" type="text"/>
+                <wpsdc:textFrameExt xmlns="" xmlns:wpsdc="http://www.wps.cn/officeDocument/2022/drawingmlCustomData" type="text"/>
               </a:ext>
             </a:extLst>
           </a:bodyPr>
@@ -12619,7 +12625,7 @@
             <a:spAutoFit/>
             <a:extLst>
               <a:ext uri="{4A0BC546-FE56-4ADE-93B0-CB8AF2F6F144}">
-                <wpsdc:textFrameExt xmlns:wpsdc="http://www.wps.cn/officeDocument/2022/drawingmlCustomData" xmlns="" type="text"/>
+                <wpsdc:textFrameExt xmlns="" xmlns:wpsdc="http://www.wps.cn/officeDocument/2022/drawingmlCustomData" type="text"/>
               </a:ext>
             </a:extLst>
           </a:bodyPr>
@@ -12659,7 +12665,7 @@
             <a:spAutoFit/>
             <a:extLst>
               <a:ext uri="{4A0BC546-FE56-4ADE-93B0-CB8AF2F6F144}">
-                <wpsdc:textFrameExt xmlns:wpsdc="http://www.wps.cn/officeDocument/2022/drawingmlCustomData" xmlns="" type="text"/>
+                <wpsdc:textFrameExt xmlns="" xmlns:wpsdc="http://www.wps.cn/officeDocument/2022/drawingmlCustomData" type="text"/>
               </a:ext>
             </a:extLst>
           </a:bodyPr>
@@ -13438,7 +13444,7 @@
             <a:noAutofit/>
             <a:extLst>
               <a:ext uri="{4A0BC546-FE56-4ADE-93B0-CB8AF2F6F144}">
-                <wpsdc:textFrameExt xmlns:wpsdc="http://www.wps.cn/officeDocument/2022/drawingmlCustomData" xmlns="" type="text"/>
+                <wpsdc:textFrameExt xmlns="" xmlns:wpsdc="http://www.wps.cn/officeDocument/2022/drawingmlCustomData" type="text"/>
               </a:ext>
             </a:extLst>
           </a:bodyPr>
@@ -13644,7 +13650,7 @@
             <a:spAutoFit/>
             <a:extLst>
               <a:ext uri="{4A0BC546-FE56-4ADE-93B0-CB8AF2F6F144}">
-                <wpsdc:textFrameExt xmlns:wpsdc="http://www.wps.cn/officeDocument/2022/drawingmlCustomData" xmlns="" type="text"/>
+                <wpsdc:textFrameExt xmlns="" xmlns:wpsdc="http://www.wps.cn/officeDocument/2022/drawingmlCustomData" type="text"/>
               </a:ext>
             </a:extLst>
           </a:bodyPr>
@@ -13681,7 +13687,7 @@
             <a:spAutoFit/>
             <a:extLst>
               <a:ext uri="{4A0BC546-FE56-4ADE-93B0-CB8AF2F6F144}">
-                <wpsdc:textFrameExt xmlns:wpsdc="http://www.wps.cn/officeDocument/2022/drawingmlCustomData" xmlns="" type="text"/>
+                <wpsdc:textFrameExt xmlns="" xmlns:wpsdc="http://www.wps.cn/officeDocument/2022/drawingmlCustomData" type="text"/>
               </a:ext>
             </a:extLst>
           </a:bodyPr>
@@ -14364,7 +14370,7 @@
             <a:spAutoFit/>
             <a:extLst>
               <a:ext uri="{4A0BC546-FE56-4ADE-93B0-CB8AF2F6F144}">
-                <wpsdc:textFrameExt xmlns:wpsdc="http://www.wps.cn/officeDocument/2022/drawingmlCustomData" xmlns="" type="text"/>
+                <wpsdc:textFrameExt xmlns="" xmlns:wpsdc="http://www.wps.cn/officeDocument/2022/drawingmlCustomData" type="text"/>
               </a:ext>
             </a:extLst>
           </a:bodyPr>
@@ -14856,7 +14862,7 @@
             <a:spAutoFit/>
             <a:extLst>
               <a:ext uri="{4A0BC546-FE56-4ADE-93B0-CB8AF2F6F144}">
-                <wpsdc:textFrameExt xmlns:wpsdc="http://www.wps.cn/officeDocument/2022/drawingmlCustomData" xmlns="" type="text"/>
+                <wpsdc:textFrameExt xmlns="" xmlns:wpsdc="http://www.wps.cn/officeDocument/2022/drawingmlCustomData" type="text"/>
               </a:ext>
             </a:extLst>
           </a:bodyPr>
@@ -15070,7 +15076,7 @@
             <a:spAutoFit/>
             <a:extLst>
               <a:ext uri="{4A0BC546-FE56-4ADE-93B0-CB8AF2F6F144}">
-                <wpsdc:textFrameExt xmlns:wpsdc="http://www.wps.cn/officeDocument/2022/drawingmlCustomData" xmlns="" type="text"/>
+                <wpsdc:textFrameExt xmlns="" xmlns:wpsdc="http://www.wps.cn/officeDocument/2022/drawingmlCustomData" type="text"/>
               </a:ext>
             </a:extLst>
           </a:bodyPr>
@@ -15107,7 +15113,7 @@
             <a:spAutoFit/>
             <a:extLst>
               <a:ext uri="{4A0BC546-FE56-4ADE-93B0-CB8AF2F6F144}">
-                <wpsdc:textFrameExt xmlns:wpsdc="http://www.wps.cn/officeDocument/2022/drawingmlCustomData" xmlns="" type="text"/>
+                <wpsdc:textFrameExt xmlns="" xmlns:wpsdc="http://www.wps.cn/officeDocument/2022/drawingmlCustomData" type="text"/>
               </a:ext>
             </a:extLst>
           </a:bodyPr>
@@ -15788,7 +15794,7 @@
             <a:spAutoFit/>
             <a:extLst>
               <a:ext uri="{4A0BC546-FE56-4ADE-93B0-CB8AF2F6F144}">
-                <wpsdc:textFrameExt xmlns:wpsdc="http://www.wps.cn/officeDocument/2022/drawingmlCustomData" xmlns="" type="text"/>
+                <wpsdc:textFrameExt xmlns="" xmlns:wpsdc="http://www.wps.cn/officeDocument/2022/drawingmlCustomData" type="text"/>
               </a:ext>
             </a:extLst>
           </a:bodyPr>
@@ -16201,7 +16207,7 @@
             <a:spAutoFit/>
             <a:extLst>
               <a:ext uri="{4A0BC546-FE56-4ADE-93B0-CB8AF2F6F144}">
-                <wpsdc:textFrameExt xmlns:wpsdc="http://www.wps.cn/officeDocument/2022/drawingmlCustomData" xmlns="" type="text"/>
+                <wpsdc:textFrameExt xmlns="" xmlns:wpsdc="http://www.wps.cn/officeDocument/2022/drawingmlCustomData" type="text"/>
               </a:ext>
             </a:extLst>
           </a:bodyPr>
@@ -16388,7 +16394,7 @@
             <a:spAutoFit/>
             <a:extLst>
               <a:ext uri="{4A0BC546-FE56-4ADE-93B0-CB8AF2F6F144}">
-                <wpsdc:textFrameExt xmlns:wpsdc="http://www.wps.cn/officeDocument/2022/drawingmlCustomData" xmlns="" type="text"/>
+                <wpsdc:textFrameExt xmlns="" xmlns:wpsdc="http://www.wps.cn/officeDocument/2022/drawingmlCustomData" type="text"/>
               </a:ext>
             </a:extLst>
           </a:bodyPr>
@@ -16425,7 +16431,7 @@
             <a:spAutoFit/>
             <a:extLst>
               <a:ext uri="{4A0BC546-FE56-4ADE-93B0-CB8AF2F6F144}">
-                <wpsdc:textFrameExt xmlns:wpsdc="http://www.wps.cn/officeDocument/2022/drawingmlCustomData" xmlns="" type="text"/>
+                <wpsdc:textFrameExt xmlns="" xmlns:wpsdc="http://www.wps.cn/officeDocument/2022/drawingmlCustomData" type="text"/>
               </a:ext>
             </a:extLst>
           </a:bodyPr>
@@ -16462,7 +16468,7 @@
             <a:spAutoFit/>
             <a:extLst>
               <a:ext uri="{4A0BC546-FE56-4ADE-93B0-CB8AF2F6F144}">
-                <wpsdc:textFrameExt xmlns:wpsdc="http://www.wps.cn/officeDocument/2022/drawingmlCustomData" xmlns="" type="text"/>
+                <wpsdc:textFrameExt xmlns="" xmlns:wpsdc="http://www.wps.cn/officeDocument/2022/drawingmlCustomData" type="text"/>
               </a:ext>
             </a:extLst>
           </a:bodyPr>
@@ -16654,7 +16660,7 @@
             <a:spAutoFit/>
             <a:extLst>
               <a:ext uri="{4A0BC546-FE56-4ADE-93B0-CB8AF2F6F144}">
-                <wpsdc:textFrameExt xmlns:wpsdc="http://www.wps.cn/officeDocument/2022/drawingmlCustomData" xmlns="" type="text"/>
+                <wpsdc:textFrameExt xmlns="" xmlns:wpsdc="http://www.wps.cn/officeDocument/2022/drawingmlCustomData" type="text"/>
               </a:ext>
             </a:extLst>
           </a:bodyPr>
@@ -16730,7 +16736,7 @@
             <a:spAutoFit/>
             <a:extLst>
               <a:ext uri="{4A0BC546-FE56-4ADE-93B0-CB8AF2F6F144}">
-                <wpsdc:textFrameExt xmlns:wpsdc="http://www.wps.cn/officeDocument/2022/drawingmlCustomData" xmlns="" type="text"/>
+                <wpsdc:textFrameExt xmlns="" xmlns:wpsdc="http://www.wps.cn/officeDocument/2022/drawingmlCustomData" type="text"/>
               </a:ext>
             </a:extLst>
           </a:bodyPr>
@@ -16947,7 +16953,7 @@
             <a:spAutoFit/>
             <a:extLst>
               <a:ext uri="{4A0BC546-FE56-4ADE-93B0-CB8AF2F6F144}">
-                <wpsdc:textFrameExt xmlns:wpsdc="http://www.wps.cn/officeDocument/2022/drawingmlCustomData" xmlns="" type="text"/>
+                <wpsdc:textFrameExt xmlns="" xmlns:wpsdc="http://www.wps.cn/officeDocument/2022/drawingmlCustomData" type="text"/>
               </a:ext>
             </a:extLst>
           </a:bodyPr>
@@ -16984,7 +16990,7 @@
             <a:spAutoFit/>
             <a:extLst>
               <a:ext uri="{4A0BC546-FE56-4ADE-93B0-CB8AF2F6F144}">
-                <wpsdc:textFrameExt xmlns:wpsdc="http://www.wps.cn/officeDocument/2022/drawingmlCustomData" xmlns="" type="text"/>
+                <wpsdc:textFrameExt xmlns="" xmlns:wpsdc="http://www.wps.cn/officeDocument/2022/drawingmlCustomData" type="text"/>
               </a:ext>
             </a:extLst>
           </a:bodyPr>
@@ -17665,7 +17671,7 @@
             <a:spAutoFit/>
             <a:extLst>
               <a:ext uri="{4A0BC546-FE56-4ADE-93B0-CB8AF2F6F144}">
-                <wpsdc:textFrameExt xmlns:wpsdc="http://www.wps.cn/officeDocument/2022/drawingmlCustomData" xmlns="" type="text"/>
+                <wpsdc:textFrameExt xmlns="" xmlns:wpsdc="http://www.wps.cn/officeDocument/2022/drawingmlCustomData" type="text"/>
               </a:ext>
             </a:extLst>
           </a:bodyPr>
@@ -18078,7 +18084,7 @@
             <a:spAutoFit/>
             <a:extLst>
               <a:ext uri="{4A0BC546-FE56-4ADE-93B0-CB8AF2F6F144}">
-                <wpsdc:textFrameExt xmlns:wpsdc="http://www.wps.cn/officeDocument/2022/drawingmlCustomData" xmlns="" type="text"/>
+                <wpsdc:textFrameExt xmlns="" xmlns:wpsdc="http://www.wps.cn/officeDocument/2022/drawingmlCustomData" type="text"/>
               </a:ext>
             </a:extLst>
           </a:bodyPr>
@@ -18265,7 +18271,7 @@
             <a:spAutoFit/>
             <a:extLst>
               <a:ext uri="{4A0BC546-FE56-4ADE-93B0-CB8AF2F6F144}">
-                <wpsdc:textFrameExt xmlns:wpsdc="http://www.wps.cn/officeDocument/2022/drawingmlCustomData" xmlns="" type="text"/>
+                <wpsdc:textFrameExt xmlns="" xmlns:wpsdc="http://www.wps.cn/officeDocument/2022/drawingmlCustomData" type="text"/>
               </a:ext>
             </a:extLst>
           </a:bodyPr>
@@ -18302,7 +18308,7 @@
             <a:spAutoFit/>
             <a:extLst>
               <a:ext uri="{4A0BC546-FE56-4ADE-93B0-CB8AF2F6F144}">
-                <wpsdc:textFrameExt xmlns:wpsdc="http://www.wps.cn/officeDocument/2022/drawingmlCustomData" xmlns="" type="text"/>
+                <wpsdc:textFrameExt xmlns="" xmlns:wpsdc="http://www.wps.cn/officeDocument/2022/drawingmlCustomData" type="text"/>
               </a:ext>
             </a:extLst>
           </a:bodyPr>
@@ -18339,7 +18345,7 @@
             <a:spAutoFit/>
             <a:extLst>
               <a:ext uri="{4A0BC546-FE56-4ADE-93B0-CB8AF2F6F144}">
-                <wpsdc:textFrameExt xmlns:wpsdc="http://www.wps.cn/officeDocument/2022/drawingmlCustomData" xmlns="" type="text"/>
+                <wpsdc:textFrameExt xmlns="" xmlns:wpsdc="http://www.wps.cn/officeDocument/2022/drawingmlCustomData" type="text"/>
               </a:ext>
             </a:extLst>
           </a:bodyPr>
@@ -18531,7 +18537,7 @@
             <a:spAutoFit/>
             <a:extLst>
               <a:ext uri="{4A0BC546-FE56-4ADE-93B0-CB8AF2F6F144}">
-                <wpsdc:textFrameExt xmlns:wpsdc="http://www.wps.cn/officeDocument/2022/drawingmlCustomData" xmlns="" type="text"/>
+                <wpsdc:textFrameExt xmlns="" xmlns:wpsdc="http://www.wps.cn/officeDocument/2022/drawingmlCustomData" type="text"/>
               </a:ext>
             </a:extLst>
           </a:bodyPr>
@@ -18607,7 +18613,7 @@
             <a:spAutoFit/>
             <a:extLst>
               <a:ext uri="{4A0BC546-FE56-4ADE-93B0-CB8AF2F6F144}">
-                <wpsdc:textFrameExt xmlns:wpsdc="http://www.wps.cn/officeDocument/2022/drawingmlCustomData" xmlns="" type="text"/>
+                <wpsdc:textFrameExt xmlns="" xmlns:wpsdc="http://www.wps.cn/officeDocument/2022/drawingmlCustomData" type="text"/>
               </a:ext>
             </a:extLst>
           </a:bodyPr>
@@ -18822,7 +18828,7 @@
             <a:spAutoFit/>
             <a:extLst>
               <a:ext uri="{4A0BC546-FE56-4ADE-93B0-CB8AF2F6F144}">
-                <wpsdc:textFrameExt xmlns:wpsdc="http://www.wps.cn/officeDocument/2022/drawingmlCustomData" xmlns="" type="text"/>
+                <wpsdc:textFrameExt xmlns="" xmlns:wpsdc="http://www.wps.cn/officeDocument/2022/drawingmlCustomData" type="text"/>
               </a:ext>
             </a:extLst>
           </a:bodyPr>
@@ -20981,7 +20987,7 @@
             <a:spAutoFit/>
             <a:extLst>
               <a:ext uri="{4A0BC546-FE56-4ADE-93B0-CB8AF2F6F144}">
-                <wpsdc:textFrameExt xmlns:wpsdc="http://www.wps.cn/officeDocument/2022/drawingmlCustomData" xmlns="" type="text"/>
+                <wpsdc:textFrameExt xmlns="" xmlns:wpsdc="http://www.wps.cn/officeDocument/2022/drawingmlCustomData" type="text"/>
               </a:ext>
             </a:extLst>
           </a:bodyPr>
@@ -21024,7 +21030,7 @@
             <a:spAutoFit/>
             <a:extLst>
               <a:ext uri="{4A0BC546-FE56-4ADE-93B0-CB8AF2F6F144}">
-                <wpsdc:textFrameExt xmlns:wpsdc="http://www.wps.cn/officeDocument/2022/drawingmlCustomData" xmlns="" type="text"/>
+                <wpsdc:textFrameExt xmlns="" xmlns:wpsdc="http://www.wps.cn/officeDocument/2022/drawingmlCustomData" type="text"/>
               </a:ext>
             </a:extLst>
           </a:bodyPr>
@@ -21067,7 +21073,7 @@
             <a:spAutoFit/>
             <a:extLst>
               <a:ext uri="{4A0BC546-FE56-4ADE-93B0-CB8AF2F6F144}">
-                <wpsdc:textFrameExt xmlns:wpsdc="http://www.wps.cn/officeDocument/2022/drawingmlCustomData" xmlns="" type="text"/>
+                <wpsdc:textFrameExt xmlns="" xmlns:wpsdc="http://www.wps.cn/officeDocument/2022/drawingmlCustomData" type="text"/>
               </a:ext>
             </a:extLst>
           </a:bodyPr>
@@ -21110,7 +21116,7 @@
             <a:spAutoFit/>
             <a:extLst>
               <a:ext uri="{4A0BC546-FE56-4ADE-93B0-CB8AF2F6F144}">
-                <wpsdc:textFrameExt xmlns:wpsdc="http://www.wps.cn/officeDocument/2022/drawingmlCustomData" xmlns="" type="text"/>
+                <wpsdc:textFrameExt xmlns="" xmlns:wpsdc="http://www.wps.cn/officeDocument/2022/drawingmlCustomData" type="text"/>
               </a:ext>
             </a:extLst>
           </a:bodyPr>
@@ -23858,7 +23864,7 @@
             <a:spAutoFit/>
             <a:extLst>
               <a:ext uri="{4A0BC546-FE56-4ADE-93B0-CB8AF2F6F144}">
-                <wpsdc:textFrameExt xmlns:wpsdc="http://www.wps.cn/officeDocument/2022/drawingmlCustomData" xmlns="" type="text"/>
+                <wpsdc:textFrameExt xmlns="" xmlns:wpsdc="http://www.wps.cn/officeDocument/2022/drawingmlCustomData" type="text"/>
               </a:ext>
             </a:extLst>
           </a:bodyPr>
@@ -23901,7 +23907,7 @@
             <a:spAutoFit/>
             <a:extLst>
               <a:ext uri="{4A0BC546-FE56-4ADE-93B0-CB8AF2F6F144}">
-                <wpsdc:textFrameExt xmlns:wpsdc="http://www.wps.cn/officeDocument/2022/drawingmlCustomData" xmlns="" type="text"/>
+                <wpsdc:textFrameExt xmlns="" xmlns:wpsdc="http://www.wps.cn/officeDocument/2022/drawingmlCustomData" type="text"/>
               </a:ext>
             </a:extLst>
           </a:bodyPr>
@@ -23949,7 +23955,7 @@
             <a:spAutoFit/>
             <a:extLst>
               <a:ext uri="{4A0BC546-FE56-4ADE-93B0-CB8AF2F6F144}">
-                <wpsdc:textFrameExt xmlns:wpsdc="http://www.wps.cn/officeDocument/2022/drawingmlCustomData" xmlns="" type="text"/>
+                <wpsdc:textFrameExt xmlns="" xmlns:wpsdc="http://www.wps.cn/officeDocument/2022/drawingmlCustomData" type="text"/>
               </a:ext>
             </a:extLst>
           </a:bodyPr>
@@ -23992,7 +23998,7 @@
             <a:spAutoFit/>
             <a:extLst>
               <a:ext uri="{4A0BC546-FE56-4ADE-93B0-CB8AF2F6F144}">
-                <wpsdc:textFrameExt xmlns:wpsdc="http://www.wps.cn/officeDocument/2022/drawingmlCustomData" xmlns="" type="text"/>
+                <wpsdc:textFrameExt xmlns="" xmlns:wpsdc="http://www.wps.cn/officeDocument/2022/drawingmlCustomData" type="text"/>
               </a:ext>
             </a:extLst>
           </a:bodyPr>
@@ -24035,7 +24041,7 @@
             <a:spAutoFit/>
             <a:extLst>
               <a:ext uri="{4A0BC546-FE56-4ADE-93B0-CB8AF2F6F144}">
-                <wpsdc:textFrameExt xmlns:wpsdc="http://www.wps.cn/officeDocument/2022/drawingmlCustomData" xmlns="" type="text"/>
+                <wpsdc:textFrameExt xmlns="" xmlns:wpsdc="http://www.wps.cn/officeDocument/2022/drawingmlCustomData" type="text"/>
               </a:ext>
             </a:extLst>
           </a:bodyPr>
@@ -24079,14 +24085,136 @@
       </p:grpSpPr>
       <p:sp>
         <p:nvSpPr>
-          <p:cNvPr id="2" name="文本框 1"/>
-          <p:cNvSpPr txBox="1"/>
-          <p:nvPr/>
-        </p:nvSpPr>
-        <p:spPr>
-          <a:xfrm>
-            <a:off x="4890135" y="5138420"/>
-            <a:ext cx="2552065" cy="368300"/>
+          <p:cNvPr id="30" name="矩形 29">
+            <a:extLst>
+              <a:ext uri="{FF2B5EF4-FFF2-40B4-BE49-F238E27FC236}">
+                <a16:creationId xmlns:a16="http://schemas.microsoft.com/office/drawing/2014/main" id="{8BE81CB7-4D4A-44DF-B18C-BA2456A0BE6B}"/>
+              </a:ext>
+            </a:extLst>
+          </p:cNvPr>
+          <p:cNvSpPr/>
+          <p:nvPr/>
+        </p:nvSpPr>
+        <p:spPr>
+          <a:xfrm>
+            <a:off x="2580097" y="66243"/>
+            <a:ext cx="7448365" cy="1753032"/>
+          </a:xfrm>
+          <a:prstGeom prst="rect">
+            <a:avLst/>
+          </a:prstGeom>
+          <a:solidFill>
+            <a:schemeClr val="accent3">
+              <a:lumMod val="60000"/>
+              <a:lumOff val="40000"/>
+            </a:schemeClr>
+          </a:solidFill>
+          <a:ln w="28575">
+            <a:solidFill>
+              <a:schemeClr val="accent5"/>
+            </a:solidFill>
+            <a:prstDash val="sysDash"/>
+          </a:ln>
+        </p:spPr>
+        <p:style>
+          <a:lnRef idx="2">
+            <a:schemeClr val="accent1">
+              <a:shade val="50000"/>
+            </a:schemeClr>
+          </a:lnRef>
+          <a:fillRef idx="1">
+            <a:schemeClr val="accent1"/>
+          </a:fillRef>
+          <a:effectRef idx="0">
+            <a:schemeClr val="accent1"/>
+          </a:effectRef>
+          <a:fontRef idx="minor">
+            <a:schemeClr val="lt1"/>
+          </a:fontRef>
+        </p:style>
+        <p:txBody>
+          <a:bodyPr rtlCol="0" anchor="ctr"/>
+          <a:lstStyle/>
+          <a:p>
+            <a:pPr algn="ctr"/>
+            <a:endParaRPr lang="zh-CN" altLang="en-US"/>
+          </a:p>
+        </p:txBody>
+      </p:sp>
+      <p:sp>
+        <p:nvSpPr>
+          <p:cNvPr id="29" name="矩形 28">
+            <a:extLst>
+              <a:ext uri="{FF2B5EF4-FFF2-40B4-BE49-F238E27FC236}">
+                <a16:creationId xmlns:a16="http://schemas.microsoft.com/office/drawing/2014/main" id="{9A54F0C0-3043-4A99-82DE-4C5EE3AFC165}"/>
+              </a:ext>
+            </a:extLst>
+          </p:cNvPr>
+          <p:cNvSpPr/>
+          <p:nvPr/>
+        </p:nvSpPr>
+        <p:spPr>
+          <a:xfrm>
+            <a:off x="3994948" y="1869440"/>
+            <a:ext cx="4342438" cy="1496060"/>
+          </a:xfrm>
+          <a:prstGeom prst="rect">
+            <a:avLst/>
+          </a:prstGeom>
+          <a:solidFill>
+            <a:schemeClr val="accent5">
+              <a:lumMod val="60000"/>
+              <a:lumOff val="40000"/>
+            </a:schemeClr>
+          </a:solidFill>
+          <a:ln w="28575">
+            <a:solidFill>
+              <a:schemeClr val="accent6"/>
+            </a:solidFill>
+            <a:prstDash val="sysDash"/>
+          </a:ln>
+        </p:spPr>
+        <p:style>
+          <a:lnRef idx="2">
+            <a:schemeClr val="accent1">
+              <a:shade val="50000"/>
+            </a:schemeClr>
+          </a:lnRef>
+          <a:fillRef idx="1">
+            <a:schemeClr val="accent1"/>
+          </a:fillRef>
+          <a:effectRef idx="0">
+            <a:schemeClr val="accent1"/>
+          </a:effectRef>
+          <a:fontRef idx="minor">
+            <a:schemeClr val="lt1"/>
+          </a:fontRef>
+        </p:style>
+        <p:txBody>
+          <a:bodyPr rtlCol="0" anchor="ctr"/>
+          <a:lstStyle/>
+          <a:p>
+            <a:pPr algn="ctr"/>
+            <a:endParaRPr lang="zh-CN" altLang="en-US"/>
+          </a:p>
+        </p:txBody>
+      </p:sp>
+      <p:sp>
+        <p:nvSpPr>
+          <p:cNvPr id="26" name="矩形 25">
+            <a:extLst>
+              <a:ext uri="{FF2B5EF4-FFF2-40B4-BE49-F238E27FC236}">
+                <a16:creationId xmlns:a16="http://schemas.microsoft.com/office/drawing/2014/main" id="{5D04D9EF-2EDD-45DF-91B9-C6029878E3B9}"/>
+              </a:ext>
+            </a:extLst>
+          </p:cNvPr>
+          <p:cNvSpPr/>
+          <p:nvPr/>
+        </p:nvSpPr>
+        <p:spPr>
+          <a:xfrm>
+            <a:off x="3994947" y="3429000"/>
+            <a:ext cx="4342439" cy="2354580"/>
           </a:xfrm>
           <a:prstGeom prst="rect">
             <a:avLst/>
@@ -24097,13 +24225,62 @@
               <a:lumOff val="60000"/>
             </a:schemeClr>
           </a:solidFill>
+          <a:ln w="28575">
+            <a:prstDash val="sysDash"/>
+          </a:ln>
+        </p:spPr>
+        <p:style>
+          <a:lnRef idx="2">
+            <a:schemeClr val="accent1">
+              <a:shade val="50000"/>
+            </a:schemeClr>
+          </a:lnRef>
+          <a:fillRef idx="1">
+            <a:schemeClr val="accent1"/>
+          </a:fillRef>
+          <a:effectRef idx="0">
+            <a:schemeClr val="accent1"/>
+          </a:effectRef>
+          <a:fontRef idx="minor">
+            <a:schemeClr val="lt1"/>
+          </a:fontRef>
+        </p:style>
+        <p:txBody>
+          <a:bodyPr rtlCol="0" anchor="ctr"/>
+          <a:lstStyle/>
+          <a:p>
+            <a:pPr algn="ctr"/>
+            <a:endParaRPr lang="zh-CN" altLang="en-US"/>
+          </a:p>
+        </p:txBody>
+      </p:sp>
+      <p:sp>
+        <p:nvSpPr>
+          <p:cNvPr id="2" name="文本框 1"/>
+          <p:cNvSpPr txBox="1"/>
+          <p:nvPr/>
+        </p:nvSpPr>
+        <p:spPr>
+          <a:xfrm>
+            <a:off x="4890135" y="5138420"/>
+            <a:ext cx="2552065" cy="368300"/>
+          </a:xfrm>
+          <a:prstGeom prst="rect">
+            <a:avLst/>
+          </a:prstGeom>
+          <a:solidFill>
+            <a:schemeClr val="accent3">
+              <a:lumMod val="60000"/>
+              <a:lumOff val="40000"/>
+            </a:schemeClr>
+          </a:solidFill>
         </p:spPr>
         <p:txBody>
           <a:bodyPr wrap="square">
             <a:spAutoFit/>
             <a:extLst>
               <a:ext uri="{4A0BC546-FE56-4ADE-93B0-CB8AF2F6F144}">
-                <wpsdc:textFrameExt xmlns:wpsdc="http://www.wps.cn/officeDocument/2022/drawingmlCustomData" xmlns="" type="text"/>
+                <wpsdc:textFrameExt xmlns="" xmlns:wpsdc="http://www.wps.cn/officeDocument/2022/drawingmlCustomData" type="text"/>
               </a:ext>
             </a:extLst>
           </a:bodyPr>
@@ -24111,7 +24288,7 @@
           <a:p>
             <a:pPr algn="ctr"/>
             <a:r>
-              <a:rPr lang="en-US" altLang="zh-CN" sz="1800">
+              <a:rPr lang="en-US" altLang="zh-CN" sz="1800" dirty="0">
                 <a:latin typeface="Arial" panose="020B0604020202020204" pitchFamily="34" charset="0"/>
                 <a:ea typeface="微软雅黑" panose="020B0503020204020204" charset="-122"/>
               </a:rPr>
@@ -24146,7 +24323,7 @@
             <a:spAutoFit/>
             <a:extLst>
               <a:ext uri="{4A0BC546-FE56-4ADE-93B0-CB8AF2F6F144}">
-                <wpsdc:textFrameExt xmlns:wpsdc="http://www.wps.cn/officeDocument/2022/drawingmlCustomData" xmlns="" type="text"/>
+                <wpsdc:textFrameExt xmlns="" xmlns:wpsdc="http://www.wps.cn/officeDocument/2022/drawingmlCustomData" type="text"/>
               </a:ext>
             </a:extLst>
           </a:bodyPr>
@@ -24189,7 +24366,7 @@
             <a:spAutoFit/>
             <a:extLst>
               <a:ext uri="{4A0BC546-FE56-4ADE-93B0-CB8AF2F6F144}">
-                <wpsdc:textFrameExt xmlns:wpsdc="http://www.wps.cn/officeDocument/2022/drawingmlCustomData" xmlns="" type="text"/>
+                <wpsdc:textFrameExt xmlns="" xmlns:wpsdc="http://www.wps.cn/officeDocument/2022/drawingmlCustomData" type="text"/>
               </a:ext>
             </a:extLst>
           </a:bodyPr>
@@ -24232,7 +24409,7 @@
             <a:spAutoFit/>
             <a:extLst>
               <a:ext uri="{4A0BC546-FE56-4ADE-93B0-CB8AF2F6F144}">
-                <wpsdc:textFrameExt xmlns:wpsdc="http://www.wps.cn/officeDocument/2022/drawingmlCustomData" xmlns="" type="text"/>
+                <wpsdc:textFrameExt xmlns="" xmlns:wpsdc="http://www.wps.cn/officeDocument/2022/drawingmlCustomData" type="text"/>
               </a:ext>
             </a:extLst>
           </a:bodyPr>
@@ -24263,16 +24440,14 @@
           <a:prstGeom prst="rect">
             <a:avLst/>
           </a:prstGeom>
-          <a:solidFill>
-            <a:schemeClr val="bg1"/>
-          </a:solidFill>
+          <a:noFill/>
         </p:spPr>
         <p:txBody>
           <a:bodyPr wrap="square">
             <a:noAutofit/>
             <a:extLst>
               <a:ext uri="{4A0BC546-FE56-4ADE-93B0-CB8AF2F6F144}">
-                <wpsdc:textFrameExt xmlns:wpsdc="http://www.wps.cn/officeDocument/2022/drawingmlCustomData" xmlns="" type="text"/>
+                <wpsdc:textFrameExt xmlns="" xmlns:wpsdc="http://www.wps.cn/officeDocument/2022/drawingmlCustomData" type="text"/>
               </a:ext>
             </a:extLst>
           </a:bodyPr>
@@ -24280,7 +24455,7 @@
           <a:p>
             <a:pPr algn="ctr"/>
             <a:r>
-              <a:rPr lang="en-US" altLang="zh-CN" sz="1800">
+              <a:rPr lang="en-US" altLang="zh-CN" sz="1800" dirty="0">
                 <a:latin typeface="Arial" panose="020B0604020202020204" pitchFamily="34" charset="0"/>
                 <a:ea typeface="微软雅黑" panose="020B0503020204020204" charset="-122"/>
               </a:rPr>
@@ -24314,7 +24489,7 @@
             <a:spAutoFit/>
             <a:extLst>
               <a:ext uri="{4A0BC546-FE56-4ADE-93B0-CB8AF2F6F144}">
-                <wpsdc:textFrameExt xmlns:wpsdc="http://www.wps.cn/officeDocument/2022/drawingmlCustomData" xmlns="" type="text"/>
+                <wpsdc:textFrameExt xmlns="" xmlns:wpsdc="http://www.wps.cn/officeDocument/2022/drawingmlCustomData" type="text"/>
               </a:ext>
             </a:extLst>
           </a:bodyPr>
@@ -24361,7 +24536,7 @@
             <a:spAutoFit/>
             <a:extLst>
               <a:ext uri="{4A0BC546-FE56-4ADE-93B0-CB8AF2F6F144}">
-                <wpsdc:textFrameExt xmlns:wpsdc="http://www.wps.cn/officeDocument/2022/drawingmlCustomData" xmlns="" type="text"/>
+                <wpsdc:textFrameExt xmlns="" xmlns:wpsdc="http://www.wps.cn/officeDocument/2022/drawingmlCustomData" type="text"/>
               </a:ext>
             </a:extLst>
           </a:bodyPr>
@@ -24401,7 +24576,7 @@
             <a:spAutoFit/>
             <a:extLst>
               <a:ext uri="{4A0BC546-FE56-4ADE-93B0-CB8AF2F6F144}">
-                <wpsdc:textFrameExt xmlns:wpsdc="http://www.wps.cn/officeDocument/2022/drawingmlCustomData" xmlns="" type="text"/>
+                <wpsdc:textFrameExt xmlns="" xmlns:wpsdc="http://www.wps.cn/officeDocument/2022/drawingmlCustomData" type="text"/>
               </a:ext>
             </a:extLst>
           </a:bodyPr>
@@ -24441,7 +24616,7 @@
             <a:spAutoFit/>
             <a:extLst>
               <a:ext uri="{4A0BC546-FE56-4ADE-93B0-CB8AF2F6F144}">
-                <wpsdc:textFrameExt xmlns:wpsdc="http://www.wps.cn/officeDocument/2022/drawingmlCustomData" xmlns="" type="text"/>
+                <wpsdc:textFrameExt xmlns="" xmlns:wpsdc="http://www.wps.cn/officeDocument/2022/drawingmlCustomData" type="text"/>
               </a:ext>
             </a:extLst>
           </a:bodyPr>
@@ -24474,8 +24649,8 @@
         </p:blipFill>
         <p:spPr>
           <a:xfrm>
-            <a:off x="1015365" y="2797810"/>
-            <a:ext cx="2199640" cy="1031240"/>
+            <a:off x="1330441" y="3042015"/>
+            <a:ext cx="1852120" cy="868315"/>
           </a:xfrm>
           <a:prstGeom prst="rect">
             <a:avLst/>
@@ -24498,8 +24673,8 @@
         </p:blipFill>
         <p:spPr>
           <a:xfrm>
-            <a:off x="1015365" y="4999990"/>
-            <a:ext cx="2199640" cy="417195"/>
+            <a:off x="1309720" y="5155438"/>
+            <a:ext cx="1852118" cy="351282"/>
           </a:xfrm>
           <a:prstGeom prst="rect">
             <a:avLst/>
@@ -24522,7 +24697,7 @@
         </p:blipFill>
         <p:spPr>
           <a:xfrm>
-            <a:off x="4831080" y="5821045"/>
+            <a:off x="4947922" y="5975399"/>
             <a:ext cx="2529840" cy="769620"/>
           </a:xfrm>
           <a:prstGeom prst="rect">
@@ -24837,7 +25012,7 @@
         </p:nvSpPr>
         <p:spPr>
           <a:xfrm>
-            <a:off x="3360420" y="6021705"/>
+            <a:off x="3365153" y="6127750"/>
             <a:ext cx="1353820" cy="368300"/>
           </a:xfrm>
           <a:prstGeom prst="rect">
@@ -24852,7 +25027,7 @@
             <a:spAutoFit/>
             <a:extLst>
               <a:ext uri="{4A0BC546-FE56-4ADE-93B0-CB8AF2F6F144}">
-                <wpsdc:textFrameExt xmlns:wpsdc="http://www.wps.cn/officeDocument/2022/drawingmlCustomData" xmlns="" type="text"/>
+                <wpsdc:textFrameExt xmlns="" xmlns:wpsdc="http://www.wps.cn/officeDocument/2022/drawingmlCustomData" type="text"/>
               </a:ext>
             </a:extLst>
           </a:bodyPr>
@@ -24860,7 +25035,7 @@
           <a:p>
             <a:pPr algn="ctr"/>
             <a:r>
-              <a:rPr lang="en-US" altLang="zh-CN" sz="1800">
+              <a:rPr lang="en-US" altLang="zh-CN" sz="1800" dirty="0">
                 <a:latin typeface="Arial" panose="020B0604020202020204" pitchFamily="34" charset="0"/>
                 <a:ea typeface="微软雅黑" panose="020B0503020204020204" charset="-122"/>
               </a:rPr>
@@ -24869,50 +25044,11 @@
           </a:p>
         </p:txBody>
       </p:sp>
-      <p:sp>
-        <p:nvSpPr>
-          <p:cNvPr id="43" name="文本框 42"/>
-          <p:cNvSpPr txBox="1"/>
-          <p:nvPr/>
-        </p:nvSpPr>
-        <p:spPr>
-          <a:xfrm>
-            <a:off x="6304280" y="4081780"/>
-            <a:ext cx="2081530" cy="340360"/>
-          </a:xfrm>
-          <a:prstGeom prst="rect">
-            <a:avLst/>
-          </a:prstGeom>
-          <a:solidFill>
-            <a:schemeClr val="bg1"/>
-          </a:solidFill>
-        </p:spPr>
-        <p:txBody>
-          <a:bodyPr wrap="square">
-            <a:noAutofit/>
-            <a:extLst>
-              <a:ext uri="{4A0BC546-FE56-4ADE-93B0-CB8AF2F6F144}">
-                <wpsdc:textFrameExt xmlns:wpsdc="http://www.wps.cn/officeDocument/2022/drawingmlCustomData" xmlns="" type="text"/>
-              </a:ext>
-            </a:extLst>
-          </a:bodyPr>
-          <a:lstStyle/>
-          <a:p>
-            <a:pPr algn="ctr"/>
-            <a:r>
-              <a:rPr lang="en-US" altLang="zh-CN" sz="1800">
-                <a:latin typeface="Arial" panose="020B0604020202020204" pitchFamily="34" charset="0"/>
-                <a:ea typeface="微软雅黑" panose="020B0503020204020204" charset="-122"/>
-              </a:rPr>
-              <a:t>TopK Frequencies</a:t>
-            </a:r>
-          </a:p>
-        </p:txBody>
-      </p:sp>
       <p:cxnSp>
         <p:nvCxnSpPr>
           <p:cNvPr id="49" name="直接箭头连接符 48"/>
           <p:cNvCxnSpPr>
+            <a:cxnSpLocks/>
             <a:stCxn id="6" idx="1"/>
             <a:endCxn id="4" idx="3"/>
           </p:cNvCxnSpPr>
@@ -24920,8 +25056,8 @@
         </p:nvCxnSpPr>
         <p:spPr>
           <a:xfrm flipH="1">
-            <a:off x="3215005" y="3910330"/>
-            <a:ext cx="1688465" cy="1298575"/>
+            <a:off x="3161838" y="3910330"/>
+            <a:ext cx="1741632" cy="1420749"/>
           </a:xfrm>
           <a:prstGeom prst="straightConnector1">
             <a:avLst/>
@@ -24954,6 +25090,7 @@
         <p:nvCxnSpPr>
           <p:cNvPr id="50" name="直接箭头连接符 49"/>
           <p:cNvCxnSpPr>
+            <a:cxnSpLocks/>
             <a:stCxn id="7" idx="1"/>
             <a:endCxn id="3" idx="3"/>
           </p:cNvCxnSpPr>
@@ -24961,8 +25098,8 @@
         </p:nvCxnSpPr>
         <p:spPr>
           <a:xfrm flipH="1">
-            <a:off x="3215005" y="3030220"/>
-            <a:ext cx="1686560" cy="283210"/>
+            <a:off x="3182561" y="3030220"/>
+            <a:ext cx="1719004" cy="445953"/>
           </a:xfrm>
           <a:prstGeom prst="straightConnector1">
             <a:avLst/>
@@ -25074,8 +25211,8 @@
         </p:blipFill>
         <p:spPr>
           <a:xfrm>
-            <a:off x="8121015" y="2463165"/>
-            <a:ext cx="3775710" cy="1263015"/>
+            <a:off x="8501062" y="2180109"/>
+            <a:ext cx="3154045" cy="1055061"/>
           </a:xfrm>
           <a:prstGeom prst="rect">
             <a:avLst/>
@@ -25086,6 +25223,7 @@
         <p:nvCxnSpPr>
           <p:cNvPr id="54" name="直接箭头连接符 53"/>
           <p:cNvCxnSpPr>
+            <a:cxnSpLocks/>
             <a:stCxn id="45" idx="3"/>
             <a:endCxn id="53" idx="1"/>
           </p:cNvCxnSpPr>
@@ -25094,7 +25232,7 @@
         <p:spPr>
           <a:xfrm>
             <a:off x="7455535" y="2248535"/>
-            <a:ext cx="665480" cy="846455"/>
+            <a:ext cx="1045527" cy="459105"/>
           </a:xfrm>
           <a:prstGeom prst="straightConnector1">
             <a:avLst/>
@@ -25131,7 +25269,7 @@
         </p:nvSpPr>
         <p:spPr>
           <a:xfrm>
-            <a:off x="9401175" y="3829050"/>
+            <a:off x="9649750" y="3352800"/>
             <a:ext cx="1353820" cy="368300"/>
           </a:xfrm>
           <a:prstGeom prst="rect">
@@ -25146,7 +25284,7 @@
             <a:spAutoFit/>
             <a:extLst>
               <a:ext uri="{4A0BC546-FE56-4ADE-93B0-CB8AF2F6F144}">
-                <wpsdc:textFrameExt xmlns:wpsdc="http://www.wps.cn/officeDocument/2022/drawingmlCustomData" xmlns="" type="text"/>
+                <wpsdc:textFrameExt xmlns="" xmlns:wpsdc="http://www.wps.cn/officeDocument/2022/drawingmlCustomData" type="text"/>
               </a:ext>
             </a:extLst>
           </a:bodyPr>
@@ -25154,7 +25292,7 @@
           <a:p>
             <a:pPr algn="ctr"/>
             <a:r>
-              <a:rPr lang="en-US" altLang="zh-CN" sz="1800">
+              <a:rPr lang="en-US" altLang="zh-CN" sz="1800" dirty="0">
                 <a:latin typeface="Arial" panose="020B0604020202020204" pitchFamily="34" charset="0"/>
                 <a:ea typeface="微软雅黑" panose="020B0503020204020204" charset="-122"/>
               </a:rPr>
@@ -25200,6 +25338,194 @@
           </a:fontRef>
         </p:style>
       </p:cxnSp>
+      <p:sp>
+        <p:nvSpPr>
+          <p:cNvPr id="43" name="文本框 42"/>
+          <p:cNvSpPr txBox="1"/>
+          <p:nvPr/>
+        </p:nvSpPr>
+        <p:spPr>
+          <a:xfrm>
+            <a:off x="6304280" y="4081780"/>
+            <a:ext cx="2081530" cy="340360"/>
+          </a:xfrm>
+          <a:prstGeom prst="rect">
+            <a:avLst/>
+          </a:prstGeom>
+          <a:noFill/>
+        </p:spPr>
+        <p:txBody>
+          <a:bodyPr wrap="square">
+            <a:noAutofit/>
+            <a:extLst>
+              <a:ext uri="{4A0BC546-FE56-4ADE-93B0-CB8AF2F6F144}">
+                <wpsdc:textFrameExt xmlns="" xmlns:wpsdc="http://www.wps.cn/officeDocument/2022/drawingmlCustomData" type="text"/>
+              </a:ext>
+            </a:extLst>
+          </a:bodyPr>
+          <a:lstStyle/>
+          <a:p>
+            <a:pPr algn="ctr"/>
+            <a:r>
+              <a:rPr lang="en-US" altLang="zh-CN" sz="1800" dirty="0">
+                <a:latin typeface="Arial" panose="020B0604020202020204" pitchFamily="34" charset="0"/>
+                <a:ea typeface="微软雅黑" panose="020B0503020204020204" charset="-122"/>
+              </a:rPr>
+              <a:t>TopK Frequencies</a:t>
+            </a:r>
+          </a:p>
+        </p:txBody>
+      </p:sp>
+      <p:sp>
+        <p:nvSpPr>
+          <p:cNvPr id="56" name="文本框 55">
+            <a:extLst>
+              <a:ext uri="{FF2B5EF4-FFF2-40B4-BE49-F238E27FC236}">
+                <a16:creationId xmlns:a16="http://schemas.microsoft.com/office/drawing/2014/main" id="{83489BBB-E727-4EA6-8947-856E37A63292}"/>
+              </a:ext>
+            </a:extLst>
+          </p:cNvPr>
+          <p:cNvSpPr txBox="1"/>
+          <p:nvPr/>
+        </p:nvSpPr>
+        <p:spPr>
+          <a:xfrm>
+            <a:off x="8501062" y="4419390"/>
+            <a:ext cx="2286185" cy="646331"/>
+          </a:xfrm>
+          <a:prstGeom prst="rect">
+            <a:avLst/>
+          </a:prstGeom>
+          <a:solidFill>
+            <a:schemeClr val="bg1"/>
+          </a:solidFill>
+        </p:spPr>
+        <p:txBody>
+          <a:bodyPr wrap="square">
+            <a:spAutoFit/>
+            <a:extLst>
+              <a:ext uri="{4A0BC546-FE56-4ADE-93B0-CB8AF2F6F144}">
+                <wpsdc:textFrameExt xmlns="" xmlns:wpsdc="http://www.wps.cn/officeDocument/2022/drawingmlCustomData" type="text"/>
+              </a:ext>
+            </a:extLst>
+          </a:bodyPr>
+          <a:lstStyle/>
+          <a:p>
+            <a:pPr algn="ctr"/>
+            <a:r>
+              <a:rPr lang="en-US" altLang="zh-CN" b="1" dirty="0">
+                <a:latin typeface="Arial" panose="020B0604020202020204" pitchFamily="34" charset="0"/>
+                <a:ea typeface="微软雅黑" panose="020B0503020204020204" charset="-122"/>
+              </a:rPr>
+              <a:t>Frequency Domain Analysis Module</a:t>
+            </a:r>
+            <a:endParaRPr lang="en-US" altLang="zh-CN" sz="1800" b="1" dirty="0">
+              <a:latin typeface="Arial" panose="020B0604020202020204" pitchFamily="34" charset="0"/>
+              <a:ea typeface="微软雅黑" panose="020B0503020204020204" charset="-122"/>
+            </a:endParaRPr>
+          </a:p>
+        </p:txBody>
+      </p:sp>
+      <p:sp>
+        <p:nvSpPr>
+          <p:cNvPr id="57" name="文本框 56">
+            <a:extLst>
+              <a:ext uri="{FF2B5EF4-FFF2-40B4-BE49-F238E27FC236}">
+                <a16:creationId xmlns:a16="http://schemas.microsoft.com/office/drawing/2014/main" id="{A4888740-58F9-4AE8-8602-82CE95AA2BC0}"/>
+              </a:ext>
+            </a:extLst>
+          </p:cNvPr>
+          <p:cNvSpPr txBox="1"/>
+          <p:nvPr/>
+        </p:nvSpPr>
+        <p:spPr>
+          <a:xfrm>
+            <a:off x="1626925" y="2264729"/>
+            <a:ext cx="2286185" cy="646331"/>
+          </a:xfrm>
+          <a:prstGeom prst="rect">
+            <a:avLst/>
+          </a:prstGeom>
+          <a:solidFill>
+            <a:schemeClr val="bg1"/>
+          </a:solidFill>
+        </p:spPr>
+        <p:txBody>
+          <a:bodyPr wrap="square">
+            <a:spAutoFit/>
+            <a:extLst>
+              <a:ext uri="{4A0BC546-FE56-4ADE-93B0-CB8AF2F6F144}">
+                <wpsdc:textFrameExt xmlns="" xmlns:wpsdc="http://www.wps.cn/officeDocument/2022/drawingmlCustomData" type="text"/>
+              </a:ext>
+            </a:extLst>
+          </a:bodyPr>
+          <a:lstStyle/>
+          <a:p>
+            <a:pPr algn="ctr"/>
+            <a:r>
+              <a:rPr lang="en-US" altLang="zh-CN" b="1" dirty="0">
+                <a:latin typeface="Arial" panose="020B0604020202020204" pitchFamily="34" charset="0"/>
+                <a:ea typeface="微软雅黑" panose="020B0503020204020204" charset="-122"/>
+              </a:rPr>
+              <a:t>Multi-Scale Learning Module</a:t>
+            </a:r>
+            <a:endParaRPr lang="en-US" altLang="zh-CN" sz="1800" b="1" dirty="0">
+              <a:latin typeface="Arial" panose="020B0604020202020204" pitchFamily="34" charset="0"/>
+              <a:ea typeface="微软雅黑" panose="020B0503020204020204" charset="-122"/>
+            </a:endParaRPr>
+          </a:p>
+        </p:txBody>
+      </p:sp>
+      <p:sp>
+        <p:nvSpPr>
+          <p:cNvPr id="58" name="文本框 57">
+            <a:extLst>
+              <a:ext uri="{FF2B5EF4-FFF2-40B4-BE49-F238E27FC236}">
+                <a16:creationId xmlns:a16="http://schemas.microsoft.com/office/drawing/2014/main" id="{33568BAC-9AAB-4EAD-8520-5E3DB8811DAA}"/>
+              </a:ext>
+            </a:extLst>
+          </p:cNvPr>
+          <p:cNvSpPr txBox="1"/>
+          <p:nvPr/>
+        </p:nvSpPr>
+        <p:spPr>
+          <a:xfrm>
+            <a:off x="313227" y="591234"/>
+            <a:ext cx="2179262" cy="646331"/>
+          </a:xfrm>
+          <a:prstGeom prst="rect">
+            <a:avLst/>
+          </a:prstGeom>
+          <a:solidFill>
+            <a:schemeClr val="bg1"/>
+          </a:solidFill>
+        </p:spPr>
+        <p:txBody>
+          <a:bodyPr wrap="square">
+            <a:spAutoFit/>
+            <a:extLst>
+              <a:ext uri="{4A0BC546-FE56-4ADE-93B0-CB8AF2F6F144}">
+                <wpsdc:textFrameExt xmlns="" xmlns:wpsdc="http://www.wps.cn/officeDocument/2022/drawingmlCustomData" type="text"/>
+              </a:ext>
+            </a:extLst>
+          </a:bodyPr>
+          <a:lstStyle/>
+          <a:p>
+            <a:pPr algn="ctr"/>
+            <a:r>
+              <a:rPr lang="en-US" altLang="zh-CN" b="1" dirty="0">
+                <a:latin typeface="Arial" panose="020B0604020202020204" pitchFamily="34" charset="0"/>
+                <a:ea typeface="微软雅黑" panose="020B0503020204020204" charset="-122"/>
+              </a:rPr>
+              <a:t>Anomaly Prediction Module</a:t>
+            </a:r>
+            <a:endParaRPr lang="en-US" altLang="zh-CN" sz="1800" b="1" dirty="0">
+              <a:latin typeface="Arial" panose="020B0604020202020204" pitchFamily="34" charset="0"/>
+              <a:ea typeface="微软雅黑" panose="020B0503020204020204" charset="-122"/>
+            </a:endParaRPr>
+          </a:p>
+        </p:txBody>
+      </p:sp>
     </p:spTree>
   </p:cSld>
   <p:clrMapOvr>

--- a/论文插图.pptx
+++ b/论文插图.pptx
@@ -5,7 +5,7 @@
     <p:sldMasterId id="2147483648" r:id="rId1"/>
   </p:sldMasterIdLst>
   <p:notesMasterIdLst>
-    <p:notesMasterId r:id="rId27"/>
+    <p:notesMasterId r:id="rId29"/>
   </p:notesMasterIdLst>
   <p:sldIdLst>
     <p:sldId id="256" r:id="rId2"/>
@@ -33,11 +33,13 @@
     <p:sldId id="291" r:id="rId24"/>
     <p:sldId id="292" r:id="rId25"/>
     <p:sldId id="293" r:id="rId26"/>
+    <p:sldId id="294" r:id="rId27"/>
+    <p:sldId id="295" r:id="rId28"/>
   </p:sldIdLst>
   <p:sldSz cx="12192000" cy="6858000"/>
   <p:notesSz cx="6858000" cy="9144000"/>
   <p:custDataLst>
-    <p:tags r:id="rId28"/>
+    <p:tags r:id="rId30"/>
   </p:custDataLst>
   <p:defaultTextStyle>
     <a:defPPr>
@@ -224,7 +226,7 @@
           <a:p>
             <a:fld id="{D2A48B96-639E-45A3-A0BA-2464DFDB1FAA}" type="datetimeFigureOut">
               <a:rPr lang="zh-CN" altLang="en-US" smtClean="0"/>
-              <a:t>2025/1/12</a:t>
+              <a:t>2025/1/14</a:t>
             </a:fld>
             <a:endParaRPr lang="zh-CN" altLang="en-US"/>
           </a:p>
@@ -933,6 +935,138 @@
 </p:notes>
 </file>
 
+<file path=ppt/notesSlides/notesSlide16.xml><?xml version="1.0" encoding="utf-8"?>
+<p:notes xmlns:a="http://schemas.openxmlformats.org/drawingml/2006/main" xmlns:r="http://schemas.openxmlformats.org/officeDocument/2006/relationships" xmlns:p="http://schemas.openxmlformats.org/presentationml/2006/main">
+  <p:cSld>
+    <p:spTree>
+      <p:nvGrpSpPr>
+        <p:cNvPr id="1" name=""/>
+        <p:cNvGrpSpPr/>
+        <p:nvPr/>
+      </p:nvGrpSpPr>
+      <p:grpSpPr>
+        <a:xfrm>
+          <a:off x="0" y="0"/>
+          <a:ext cx="0" cy="0"/>
+          <a:chOff x="0" y="0"/>
+          <a:chExt cx="0" cy="0"/>
+        </a:xfrm>
+      </p:grpSpPr>
+      <p:sp>
+        <p:nvSpPr>
+          <p:cNvPr id="1048602" name="幻灯片图像占位符 1"/>
+          <p:cNvSpPr>
+            <a:spLocks noGrp="1" noRot="1" noChangeAspect="1"/>
+          </p:cNvSpPr>
+          <p:nvPr>
+            <p:ph type="sldImg"/>
+          </p:nvPr>
+        </p:nvSpPr>
+        <p:spPr>
+          <a:xfrm>
+            <a:off x="381000" y="685800"/>
+            <a:ext cx="6096000" cy="3429000"/>
+          </a:xfrm>
+        </p:spPr>
+      </p:sp>
+      <p:sp>
+        <p:nvSpPr>
+          <p:cNvPr id="1048603" name="备注占位符 2"/>
+          <p:cNvSpPr>
+            <a:spLocks noGrp="1"/>
+          </p:cNvSpPr>
+          <p:nvPr>
+            <p:ph type="body" idx="1"/>
+          </p:nvPr>
+        </p:nvSpPr>
+        <p:spPr/>
+        <p:txBody>
+          <a:bodyPr/>
+          <a:lstStyle/>
+          <a:p>
+            <a:endParaRPr kumimoji="1" lang="zh-SG" altLang="en-US" dirty="0"/>
+          </a:p>
+        </p:txBody>
+      </p:sp>
+    </p:spTree>
+    <p:extLst>
+      <p:ext uri="{BB962C8B-B14F-4D97-AF65-F5344CB8AC3E}">
+        <p14:creationId xmlns:p14="http://schemas.microsoft.com/office/powerpoint/2010/main" val="4098210811"/>
+      </p:ext>
+    </p:extLst>
+  </p:cSld>
+  <p:clrMapOvr>
+    <a:masterClrMapping/>
+  </p:clrMapOvr>
+</p:notes>
+</file>
+
+<file path=ppt/notesSlides/notesSlide17.xml><?xml version="1.0" encoding="utf-8"?>
+<p:notes xmlns:a="http://schemas.openxmlformats.org/drawingml/2006/main" xmlns:r="http://schemas.openxmlformats.org/officeDocument/2006/relationships" xmlns:p="http://schemas.openxmlformats.org/presentationml/2006/main">
+  <p:cSld>
+    <p:spTree>
+      <p:nvGrpSpPr>
+        <p:cNvPr id="1" name=""/>
+        <p:cNvGrpSpPr/>
+        <p:nvPr/>
+      </p:nvGrpSpPr>
+      <p:grpSpPr>
+        <a:xfrm>
+          <a:off x="0" y="0"/>
+          <a:ext cx="0" cy="0"/>
+          <a:chOff x="0" y="0"/>
+          <a:chExt cx="0" cy="0"/>
+        </a:xfrm>
+      </p:grpSpPr>
+      <p:sp>
+        <p:nvSpPr>
+          <p:cNvPr id="1048602" name="幻灯片图像占位符 1"/>
+          <p:cNvSpPr>
+            <a:spLocks noGrp="1" noRot="1" noChangeAspect="1"/>
+          </p:cNvSpPr>
+          <p:nvPr>
+            <p:ph type="sldImg"/>
+          </p:nvPr>
+        </p:nvSpPr>
+        <p:spPr>
+          <a:xfrm>
+            <a:off x="381000" y="685800"/>
+            <a:ext cx="6096000" cy="3429000"/>
+          </a:xfrm>
+        </p:spPr>
+      </p:sp>
+      <p:sp>
+        <p:nvSpPr>
+          <p:cNvPr id="1048603" name="备注占位符 2"/>
+          <p:cNvSpPr>
+            <a:spLocks noGrp="1"/>
+          </p:cNvSpPr>
+          <p:nvPr>
+            <p:ph type="body" idx="1"/>
+          </p:nvPr>
+        </p:nvSpPr>
+        <p:spPr/>
+        <p:txBody>
+          <a:bodyPr/>
+          <a:lstStyle/>
+          <a:p>
+            <a:endParaRPr kumimoji="1" lang="zh-SG" altLang="en-US" dirty="0"/>
+          </a:p>
+        </p:txBody>
+      </p:sp>
+    </p:spTree>
+    <p:extLst>
+      <p:ext uri="{BB962C8B-B14F-4D97-AF65-F5344CB8AC3E}">
+        <p14:creationId xmlns:p14="http://schemas.microsoft.com/office/powerpoint/2010/main" val="2826228654"/>
+      </p:ext>
+    </p:extLst>
+  </p:cSld>
+  <p:clrMapOvr>
+    <a:masterClrMapping/>
+  </p:clrMapOvr>
+</p:notes>
+</file>
+
 <file path=ppt/notesSlides/notesSlide2.xml><?xml version="1.0" encoding="utf-8"?>
 <p:notes xmlns:a="http://schemas.openxmlformats.org/drawingml/2006/main" xmlns:r="http://schemas.openxmlformats.org/officeDocument/2006/relationships" xmlns:p="http://schemas.openxmlformats.org/presentationml/2006/main">
   <p:cSld>
@@ -1550,7 +1684,7 @@
           <a:p>
             <a:fld id="{D997B5FA-0921-464F-AAE1-844C04324D75}" type="datetimeFigureOut">
               <a:rPr lang="zh-CN" altLang="en-US" smtClean="0"/>
-              <a:t>2025/1/12</a:t>
+              <a:t>2025/1/14</a:t>
             </a:fld>
             <a:endParaRPr lang="zh-CN" altLang="en-US"/>
           </a:p>
@@ -1713,7 +1847,7 @@
           <a:p>
             <a:fld id="{D997B5FA-0921-464F-AAE1-844C04324D75}" type="datetimeFigureOut">
               <a:rPr lang="zh-CN" altLang="en-US" smtClean="0"/>
-              <a:t>2025/1/12</a:t>
+              <a:t>2025/1/14</a:t>
             </a:fld>
             <a:endParaRPr lang="zh-CN" altLang="en-US"/>
           </a:p>
@@ -1886,7 +2020,7 @@
           <a:p>
             <a:fld id="{D997B5FA-0921-464F-AAE1-844C04324D75}" type="datetimeFigureOut">
               <a:rPr lang="zh-CN" altLang="en-US" smtClean="0"/>
-              <a:t>2025/1/12</a:t>
+              <a:t>2025/1/14</a:t>
             </a:fld>
             <a:endParaRPr lang="zh-CN" altLang="en-US"/>
           </a:p>
@@ -2049,7 +2183,7 @@
           <a:p>
             <a:fld id="{D997B5FA-0921-464F-AAE1-844C04324D75}" type="datetimeFigureOut">
               <a:rPr lang="zh-CN" altLang="en-US" smtClean="0"/>
-              <a:t>2025/1/12</a:t>
+              <a:t>2025/1/14</a:t>
             </a:fld>
             <a:endParaRPr lang="zh-CN" altLang="en-US"/>
           </a:p>
@@ -2289,7 +2423,7 @@
           <a:p>
             <a:fld id="{D997B5FA-0921-464F-AAE1-844C04324D75}" type="datetimeFigureOut">
               <a:rPr lang="zh-CN" altLang="en-US" smtClean="0"/>
-              <a:t>2025/1/12</a:t>
+              <a:t>2025/1/14</a:t>
             </a:fld>
             <a:endParaRPr lang="zh-CN" altLang="en-US"/>
           </a:p>
@@ -2513,7 +2647,7 @@
           <a:p>
             <a:fld id="{D997B5FA-0921-464F-AAE1-844C04324D75}" type="datetimeFigureOut">
               <a:rPr lang="zh-CN" altLang="en-US" smtClean="0"/>
-              <a:t>2025/1/12</a:t>
+              <a:t>2025/1/14</a:t>
             </a:fld>
             <a:endParaRPr lang="zh-CN" altLang="en-US"/>
           </a:p>
@@ -2872,7 +3006,7 @@
           <a:p>
             <a:fld id="{D997B5FA-0921-464F-AAE1-844C04324D75}" type="datetimeFigureOut">
               <a:rPr lang="zh-CN" altLang="en-US" smtClean="0"/>
-              <a:t>2025/1/12</a:t>
+              <a:t>2025/1/14</a:t>
             </a:fld>
             <a:endParaRPr lang="zh-CN" altLang="en-US"/>
           </a:p>
@@ -2984,7 +3118,7 @@
           <a:p>
             <a:fld id="{D997B5FA-0921-464F-AAE1-844C04324D75}" type="datetimeFigureOut">
               <a:rPr lang="zh-CN" altLang="en-US" smtClean="0"/>
-              <a:t>2025/1/12</a:t>
+              <a:t>2025/1/14</a:t>
             </a:fld>
             <a:endParaRPr lang="zh-CN" altLang="en-US"/>
           </a:p>
@@ -3074,7 +3208,7 @@
           <a:p>
             <a:fld id="{D997B5FA-0921-464F-AAE1-844C04324D75}" type="datetimeFigureOut">
               <a:rPr lang="zh-CN" altLang="en-US" smtClean="0"/>
-              <a:t>2025/1/12</a:t>
+              <a:t>2025/1/14</a:t>
             </a:fld>
             <a:endParaRPr lang="zh-CN" altLang="en-US"/>
           </a:p>
@@ -3344,7 +3478,7 @@
           <a:p>
             <a:fld id="{D997B5FA-0921-464F-AAE1-844C04324D75}" type="datetimeFigureOut">
               <a:rPr lang="zh-CN" altLang="en-US" smtClean="0"/>
-              <a:t>2025/1/12</a:t>
+              <a:t>2025/1/14</a:t>
             </a:fld>
             <a:endParaRPr lang="zh-CN" altLang="en-US"/>
           </a:p>
@@ -3591,7 +3725,7 @@
           <a:p>
             <a:fld id="{D997B5FA-0921-464F-AAE1-844C04324D75}" type="datetimeFigureOut">
               <a:rPr lang="zh-CN" altLang="en-US" smtClean="0"/>
-              <a:t>2025/1/12</a:t>
+              <a:t>2025/1/14</a:t>
             </a:fld>
             <a:endParaRPr lang="zh-CN" altLang="en-US"/>
           </a:p>
@@ -3797,7 +3931,7 @@
           <a:p>
             <a:fld id="{D997B5FA-0921-464F-AAE1-844C04324D75}" type="datetimeFigureOut">
               <a:rPr lang="zh-CN" altLang="en-US" smtClean="0"/>
-              <a:t>2025/1/12</a:t>
+              <a:t>2025/1/14</a:t>
             </a:fld>
             <a:endParaRPr lang="zh-CN" altLang="en-US"/>
           </a:p>
@@ -6227,7 +6361,7 @@
             <a:spAutoFit/>
             <a:extLst>
               <a:ext uri="{4A0BC546-FE56-4ADE-93B0-CB8AF2F6F144}">
-                <wpsdc:textFrameExt xmlns="" xmlns:wpsdc="http://www.wps.cn/officeDocument/2022/drawingmlCustomData" type="text"/>
+                <wpsdc:textFrameExt xmlns:wpsdc="http://www.wps.cn/officeDocument/2022/drawingmlCustomData" xmlns="" type="text"/>
               </a:ext>
             </a:extLst>
           </a:bodyPr>
@@ -6264,7 +6398,7 @@
             <a:spAutoFit/>
             <a:extLst>
               <a:ext uri="{4A0BC546-FE56-4ADE-93B0-CB8AF2F6F144}">
-                <wpsdc:textFrameExt xmlns="" xmlns:wpsdc="http://www.wps.cn/officeDocument/2022/drawingmlCustomData" type="text"/>
+                <wpsdc:textFrameExt xmlns:wpsdc="http://www.wps.cn/officeDocument/2022/drawingmlCustomData" xmlns="" type="text"/>
               </a:ext>
             </a:extLst>
           </a:bodyPr>
@@ -8881,7 +9015,7 @@
             <a:spAutoFit/>
             <a:extLst>
               <a:ext uri="{4A0BC546-FE56-4ADE-93B0-CB8AF2F6F144}">
-                <wpsdc:textFrameExt xmlns="" xmlns:wpsdc="http://www.wps.cn/officeDocument/2022/drawingmlCustomData" type="text"/>
+                <wpsdc:textFrameExt xmlns:wpsdc="http://www.wps.cn/officeDocument/2022/drawingmlCustomData" xmlns="" type="text"/>
               </a:ext>
             </a:extLst>
           </a:bodyPr>
@@ -8932,7 +9066,7 @@
             <a:spAutoFit/>
             <a:extLst>
               <a:ext uri="{4A0BC546-FE56-4ADE-93B0-CB8AF2F6F144}">
-                <wpsdc:textFrameExt xmlns="" xmlns:wpsdc="http://www.wps.cn/officeDocument/2022/drawingmlCustomData" type="text"/>
+                <wpsdc:textFrameExt xmlns:wpsdc="http://www.wps.cn/officeDocument/2022/drawingmlCustomData" xmlns="" type="text"/>
               </a:ext>
             </a:extLst>
           </a:bodyPr>
@@ -8983,7 +9117,7 @@
             <a:spAutoFit/>
             <a:extLst>
               <a:ext uri="{4A0BC546-FE56-4ADE-93B0-CB8AF2F6F144}">
-                <wpsdc:textFrameExt xmlns="" xmlns:wpsdc="http://www.wps.cn/officeDocument/2022/drawingmlCustomData" type="text"/>
+                <wpsdc:textFrameExt xmlns:wpsdc="http://www.wps.cn/officeDocument/2022/drawingmlCustomData" xmlns="" type="text"/>
               </a:ext>
             </a:extLst>
           </a:bodyPr>
@@ -9106,7 +9240,7 @@
             <a:spAutoFit/>
             <a:extLst>
               <a:ext uri="{4A0BC546-FE56-4ADE-93B0-CB8AF2F6F144}">
-                <wpsdc:textFrameExt xmlns="" xmlns:wpsdc="http://www.wps.cn/officeDocument/2022/drawingmlCustomData" type="text"/>
+                <wpsdc:textFrameExt xmlns:wpsdc="http://www.wps.cn/officeDocument/2022/drawingmlCustomData" xmlns="" type="text"/>
               </a:ext>
             </a:extLst>
           </a:bodyPr>
@@ -9151,7 +9285,7 @@
             <a:spAutoFit/>
             <a:extLst>
               <a:ext uri="{4A0BC546-FE56-4ADE-93B0-CB8AF2F6F144}">
-                <wpsdc:textFrameExt xmlns="" xmlns:wpsdc="http://www.wps.cn/officeDocument/2022/drawingmlCustomData" type="text"/>
+                <wpsdc:textFrameExt xmlns:wpsdc="http://www.wps.cn/officeDocument/2022/drawingmlCustomData" xmlns="" type="text"/>
               </a:ext>
             </a:extLst>
           </a:bodyPr>
@@ -18892,8 +19026,8 @@
           </a:p>
         </p:txBody>
       </p:sp>
-      <mc:AlternateContent xmlns:mc="http://schemas.openxmlformats.org/markup-compatibility/2006">
-        <mc:Choice xmlns:a14="http://schemas.microsoft.com/office/drawing/2010/main" Requires="a14">
+      <mc:AlternateContent xmlns:mc="http://schemas.openxmlformats.org/markup-compatibility/2006" xmlns:a14="http://schemas.microsoft.com/office/drawing/2010/main">
+        <mc:Choice Requires="a14">
           <p:sp>
             <p:nvSpPr>
               <p:cNvPr id="10" name="文本框 9">
@@ -18922,6 +19056,7 @@
               </a:bodyPr>
               <a:lstStyle/>
               <a:p>
+                <a:pPr/>
                 <a14:m>
                   <m:oMathPara xmlns:m="http://schemas.openxmlformats.org/officeDocument/2006/math">
                     <m:oMathParaPr>
@@ -18942,7 +19077,7 @@
             </p:txBody>
           </p:sp>
         </mc:Choice>
-        <mc:Fallback>
+        <mc:Fallback xmlns="">
           <p:sp>
             <p:nvSpPr>
               <p:cNvPr id="10" name="文本框 9">
@@ -18987,8 +19122,8 @@
           </p:sp>
         </mc:Fallback>
       </mc:AlternateContent>
-      <mc:AlternateContent xmlns:mc="http://schemas.openxmlformats.org/markup-compatibility/2006">
-        <mc:Choice xmlns:a14="http://schemas.microsoft.com/office/drawing/2010/main" Requires="a14">
+      <mc:AlternateContent xmlns:mc="http://schemas.openxmlformats.org/markup-compatibility/2006" xmlns:a14="http://schemas.microsoft.com/office/drawing/2010/main">
+        <mc:Choice Requires="a14">
           <p:sp>
             <p:nvSpPr>
               <p:cNvPr id="60" name="文本框 59">
@@ -19017,6 +19152,7 @@
               </a:bodyPr>
               <a:lstStyle/>
               <a:p>
+                <a:pPr/>
                 <a14:m>
                   <m:oMathPara xmlns:m="http://schemas.openxmlformats.org/officeDocument/2006/math">
                     <m:oMathParaPr>
@@ -19056,7 +19192,7 @@
             </p:txBody>
           </p:sp>
         </mc:Choice>
-        <mc:Fallback>
+        <mc:Fallback xmlns="">
           <p:sp>
             <p:nvSpPr>
               <p:cNvPr id="60" name="文本框 59">
@@ -19101,8 +19237,8 @@
           </p:sp>
         </mc:Fallback>
       </mc:AlternateContent>
-      <mc:AlternateContent xmlns:mc="http://schemas.openxmlformats.org/markup-compatibility/2006">
-        <mc:Choice xmlns:a14="http://schemas.microsoft.com/office/drawing/2010/main" Requires="a14">
+      <mc:AlternateContent xmlns:mc="http://schemas.openxmlformats.org/markup-compatibility/2006" xmlns:a14="http://schemas.microsoft.com/office/drawing/2010/main">
+        <mc:Choice Requires="a14">
           <p:sp>
             <p:nvSpPr>
               <p:cNvPr id="61" name="文本框 60">
@@ -19131,6 +19267,7 @@
               </a:bodyPr>
               <a:lstStyle/>
               <a:p>
+                <a:pPr/>
                 <a14:m>
                   <m:oMathPara xmlns:m="http://schemas.openxmlformats.org/officeDocument/2006/math">
                     <m:oMathParaPr>
@@ -19163,7 +19300,7 @@
             </p:txBody>
           </p:sp>
         </mc:Choice>
-        <mc:Fallback>
+        <mc:Fallback xmlns="">
           <p:sp>
             <p:nvSpPr>
               <p:cNvPr id="61" name="文本框 60">
@@ -19208,8 +19345,8 @@
           </p:sp>
         </mc:Fallback>
       </mc:AlternateContent>
-      <mc:AlternateContent xmlns:mc="http://schemas.openxmlformats.org/markup-compatibility/2006">
-        <mc:Choice xmlns:a14="http://schemas.microsoft.com/office/drawing/2010/main" Requires="a14">
+      <mc:AlternateContent xmlns:mc="http://schemas.openxmlformats.org/markup-compatibility/2006" xmlns:a14="http://schemas.microsoft.com/office/drawing/2010/main">
+        <mc:Choice Requires="a14">
           <p:sp>
             <p:nvSpPr>
               <p:cNvPr id="62" name="文本框 61">
@@ -19238,6 +19375,7 @@
               </a:bodyPr>
               <a:lstStyle/>
               <a:p>
+                <a:pPr/>
                 <a14:m>
                   <m:oMathPara xmlns:m="http://schemas.openxmlformats.org/officeDocument/2006/math">
                     <m:oMathParaPr>
@@ -19258,7 +19396,7 @@
             </p:txBody>
           </p:sp>
         </mc:Choice>
-        <mc:Fallback>
+        <mc:Fallback xmlns="">
           <p:sp>
             <p:nvSpPr>
               <p:cNvPr id="62" name="文本框 61">
@@ -19303,8 +19441,8 @@
           </p:sp>
         </mc:Fallback>
       </mc:AlternateContent>
-      <mc:AlternateContent xmlns:mc="http://schemas.openxmlformats.org/markup-compatibility/2006">
-        <mc:Choice xmlns:a14="http://schemas.microsoft.com/office/drawing/2010/main" Requires="a14">
+      <mc:AlternateContent xmlns:mc="http://schemas.openxmlformats.org/markup-compatibility/2006" xmlns:a14="http://schemas.microsoft.com/office/drawing/2010/main">
+        <mc:Choice Requires="a14">
           <p:sp>
             <p:nvSpPr>
               <p:cNvPr id="63" name="文本框 62">
@@ -19333,6 +19471,7 @@
               </a:bodyPr>
               <a:lstStyle/>
               <a:p>
+                <a:pPr/>
                 <a14:m>
                   <m:oMathPara xmlns:m="http://schemas.openxmlformats.org/officeDocument/2006/math">
                     <m:oMathParaPr>
@@ -19353,7 +19492,7 @@
             </p:txBody>
           </p:sp>
         </mc:Choice>
-        <mc:Fallback>
+        <mc:Fallback xmlns="">
           <p:sp>
             <p:nvSpPr>
               <p:cNvPr id="63" name="文本框 62">
@@ -19398,8 +19537,8 @@
           </p:sp>
         </mc:Fallback>
       </mc:AlternateContent>
-      <mc:AlternateContent xmlns:mc="http://schemas.openxmlformats.org/markup-compatibility/2006">
-        <mc:Choice xmlns:a14="http://schemas.microsoft.com/office/drawing/2010/main" Requires="a14">
+      <mc:AlternateContent xmlns:mc="http://schemas.openxmlformats.org/markup-compatibility/2006" xmlns:a14="http://schemas.microsoft.com/office/drawing/2010/main">
+        <mc:Choice Requires="a14">
           <p:sp>
             <p:nvSpPr>
               <p:cNvPr id="64" name="文本框 63">
@@ -19428,6 +19567,7 @@
               </a:bodyPr>
               <a:lstStyle/>
               <a:p>
+                <a:pPr/>
                 <a14:m>
                   <m:oMathPara xmlns:m="http://schemas.openxmlformats.org/officeDocument/2006/math">
                     <m:oMathParaPr>
@@ -19448,7 +19588,7 @@
             </p:txBody>
           </p:sp>
         </mc:Choice>
-        <mc:Fallback>
+        <mc:Fallback xmlns="">
           <p:sp>
             <p:nvSpPr>
               <p:cNvPr id="64" name="文本框 63">
@@ -19493,8 +19633,8 @@
           </p:sp>
         </mc:Fallback>
       </mc:AlternateContent>
-      <mc:AlternateContent xmlns:mc="http://schemas.openxmlformats.org/markup-compatibility/2006">
-        <mc:Choice xmlns:a14="http://schemas.microsoft.com/office/drawing/2010/main" Requires="a14">
+      <mc:AlternateContent xmlns:mc="http://schemas.openxmlformats.org/markup-compatibility/2006" xmlns:a14="http://schemas.microsoft.com/office/drawing/2010/main">
+        <mc:Choice Requires="a14">
           <p:sp>
             <p:nvSpPr>
               <p:cNvPr id="65" name="文本框 64">
@@ -19523,6 +19663,7 @@
               </a:bodyPr>
               <a:lstStyle/>
               <a:p>
+                <a:pPr/>
                 <a14:m>
                   <m:oMathPara xmlns:m="http://schemas.openxmlformats.org/officeDocument/2006/math">
                     <m:oMathParaPr>
@@ -19544,7 +19685,7 @@
             </p:txBody>
           </p:sp>
         </mc:Choice>
-        <mc:Fallback>
+        <mc:Fallback xmlns="">
           <p:sp>
             <p:nvSpPr>
               <p:cNvPr id="65" name="文本框 64">
@@ -19589,8 +19730,8 @@
           </p:sp>
         </mc:Fallback>
       </mc:AlternateContent>
-      <mc:AlternateContent xmlns:mc="http://schemas.openxmlformats.org/markup-compatibility/2006">
-        <mc:Choice xmlns:a14="http://schemas.microsoft.com/office/drawing/2010/main" Requires="a14">
+      <mc:AlternateContent xmlns:mc="http://schemas.openxmlformats.org/markup-compatibility/2006" xmlns:a14="http://schemas.microsoft.com/office/drawing/2010/main">
+        <mc:Choice Requires="a14">
           <p:sp>
             <p:nvSpPr>
               <p:cNvPr id="66" name="文本框 65">
@@ -19619,6 +19760,7 @@
               </a:bodyPr>
               <a:lstStyle/>
               <a:p>
+                <a:pPr/>
                 <a14:m>
                   <m:oMathPara xmlns:m="http://schemas.openxmlformats.org/officeDocument/2006/math">
                     <m:oMathParaPr>
@@ -19639,7 +19781,7 @@
             </p:txBody>
           </p:sp>
         </mc:Choice>
-        <mc:Fallback>
+        <mc:Fallback xmlns="">
           <p:sp>
             <p:nvSpPr>
               <p:cNvPr id="66" name="文本框 65">
@@ -19684,8 +19826,8 @@
           </p:sp>
         </mc:Fallback>
       </mc:AlternateContent>
-      <mc:AlternateContent xmlns:mc="http://schemas.openxmlformats.org/markup-compatibility/2006">
-        <mc:Choice xmlns:a14="http://schemas.microsoft.com/office/drawing/2010/main" Requires="a14">
+      <mc:AlternateContent xmlns:mc="http://schemas.openxmlformats.org/markup-compatibility/2006" xmlns:a14="http://schemas.microsoft.com/office/drawing/2010/main">
+        <mc:Choice Requires="a14">
           <p:sp>
             <p:nvSpPr>
               <p:cNvPr id="67" name="文本框 66">
@@ -19714,6 +19856,7 @@
               </a:bodyPr>
               <a:lstStyle/>
               <a:p>
+                <a:pPr/>
                 <a14:m>
                   <m:oMathPara xmlns:m="http://schemas.openxmlformats.org/officeDocument/2006/math">
                     <m:oMathParaPr>
@@ -19735,7 +19878,7 @@
             </p:txBody>
           </p:sp>
         </mc:Choice>
-        <mc:Fallback>
+        <mc:Fallback xmlns="">
           <p:sp>
             <p:nvSpPr>
               <p:cNvPr id="67" name="文本框 66">
@@ -19780,8 +19923,8 @@
           </p:sp>
         </mc:Fallback>
       </mc:AlternateContent>
-      <mc:AlternateContent xmlns:mc="http://schemas.openxmlformats.org/markup-compatibility/2006">
-        <mc:Choice xmlns:a14="http://schemas.microsoft.com/office/drawing/2010/main" Requires="a14">
+      <mc:AlternateContent xmlns:mc="http://schemas.openxmlformats.org/markup-compatibility/2006" xmlns:a14="http://schemas.microsoft.com/office/drawing/2010/main">
+        <mc:Choice Requires="a14">
           <p:sp>
             <p:nvSpPr>
               <p:cNvPr id="68" name="文本框 67">
@@ -19810,6 +19953,7 @@
               </a:bodyPr>
               <a:lstStyle/>
               <a:p>
+                <a:pPr/>
                 <a14:m>
                   <m:oMathPara xmlns:m="http://schemas.openxmlformats.org/officeDocument/2006/math">
                     <m:oMathParaPr>
@@ -19830,7 +19974,7 @@
             </p:txBody>
           </p:sp>
         </mc:Choice>
-        <mc:Fallback>
+        <mc:Fallback xmlns="">
           <p:sp>
             <p:nvSpPr>
               <p:cNvPr id="68" name="文本框 67">
@@ -20487,8 +20631,8 @@
           </a:p>
         </p:txBody>
       </p:sp>
-      <mc:AlternateContent xmlns:mc="http://schemas.openxmlformats.org/markup-compatibility/2006">
-        <mc:Choice xmlns:a14="http://schemas.microsoft.com/office/drawing/2010/main" Requires="a14">
+      <mc:AlternateContent xmlns:mc="http://schemas.openxmlformats.org/markup-compatibility/2006" xmlns:a14="http://schemas.microsoft.com/office/drawing/2010/main">
+        <mc:Choice Requires="a14">
           <p:sp>
             <p:nvSpPr>
               <p:cNvPr id="11" name="文本框 10">
@@ -20517,6 +20661,7 @@
               </a:bodyPr>
               <a:lstStyle/>
               <a:p>
+                <a:pPr/>
                 <a14:m>
                   <m:oMathPara xmlns:m="http://schemas.openxmlformats.org/officeDocument/2006/math">
                     <m:oMathParaPr>
@@ -20537,7 +20682,7 @@
             </p:txBody>
           </p:sp>
         </mc:Choice>
-        <mc:Fallback>
+        <mc:Fallback xmlns="">
           <p:sp>
             <p:nvSpPr>
               <p:cNvPr id="11" name="文本框 10">
@@ -20582,8 +20727,8 @@
           </p:sp>
         </mc:Fallback>
       </mc:AlternateContent>
-      <mc:AlternateContent xmlns:mc="http://schemas.openxmlformats.org/markup-compatibility/2006">
-        <mc:Choice xmlns:a14="http://schemas.microsoft.com/office/drawing/2010/main" Requires="a14">
+      <mc:AlternateContent xmlns:mc="http://schemas.openxmlformats.org/markup-compatibility/2006" xmlns:a14="http://schemas.microsoft.com/office/drawing/2010/main">
+        <mc:Choice Requires="a14">
           <p:sp>
             <p:nvSpPr>
               <p:cNvPr id="12" name="文本框 11">
@@ -20612,6 +20757,7 @@
               </a:bodyPr>
               <a:lstStyle/>
               <a:p>
+                <a:pPr/>
                 <a14:m>
                   <m:oMathPara xmlns:m="http://schemas.openxmlformats.org/officeDocument/2006/math">
                     <m:oMathParaPr>
@@ -20632,7 +20778,7 @@
             </p:txBody>
           </p:sp>
         </mc:Choice>
-        <mc:Fallback>
+        <mc:Fallback xmlns="">
           <p:sp>
             <p:nvSpPr>
               <p:cNvPr id="12" name="文本框 11">
@@ -20677,8 +20823,8 @@
           </p:sp>
         </mc:Fallback>
       </mc:AlternateContent>
-      <mc:AlternateContent xmlns:mc="http://schemas.openxmlformats.org/markup-compatibility/2006">
-        <mc:Choice xmlns:a14="http://schemas.microsoft.com/office/drawing/2010/main" Requires="a14">
+      <mc:AlternateContent xmlns:mc="http://schemas.openxmlformats.org/markup-compatibility/2006" xmlns:a14="http://schemas.microsoft.com/office/drawing/2010/main">
+        <mc:Choice Requires="a14">
           <p:sp>
             <p:nvSpPr>
               <p:cNvPr id="13" name="文本框 12">
@@ -20707,6 +20853,7 @@
               </a:bodyPr>
               <a:lstStyle/>
               <a:p>
+                <a:pPr/>
                 <a14:m>
                   <m:oMathPara xmlns:m="http://schemas.openxmlformats.org/officeDocument/2006/math">
                     <m:oMathParaPr>
@@ -20727,7 +20874,7 @@
             </p:txBody>
           </p:sp>
         </mc:Choice>
-        <mc:Fallback>
+        <mc:Fallback xmlns="">
           <p:sp>
             <p:nvSpPr>
               <p:cNvPr id="13" name="文本框 12">
@@ -21272,8 +21419,8 @@
           </a:p>
         </p:txBody>
       </p:sp>
-      <mc:AlternateContent xmlns:mc="http://schemas.openxmlformats.org/markup-compatibility/2006">
-        <mc:Choice xmlns:a14="http://schemas.microsoft.com/office/drawing/2010/main" Requires="a14">
+      <mc:AlternateContent xmlns:mc="http://schemas.openxmlformats.org/markup-compatibility/2006" xmlns:a14="http://schemas.microsoft.com/office/drawing/2010/main">
+        <mc:Choice Requires="a14">
           <p:sp>
             <p:nvSpPr>
               <p:cNvPr id="44" name="文本框 43">
@@ -21302,6 +21449,7 @@
               </a:bodyPr>
               <a:lstStyle/>
               <a:p>
+                <a:pPr/>
                 <a14:m>
                   <m:oMathPara xmlns:m="http://schemas.openxmlformats.org/officeDocument/2006/math">
                     <m:oMathParaPr>
@@ -21337,7 +21485,7 @@
             </p:txBody>
           </p:sp>
         </mc:Choice>
-        <mc:Fallback>
+        <mc:Fallback xmlns="">
           <p:sp>
             <p:nvSpPr>
               <p:cNvPr id="44" name="文本框 43">
@@ -21563,6 +21711,886 @@
     <p:extLst>
       <p:ext uri="{BB962C8B-B14F-4D97-AF65-F5344CB8AC3E}">
         <p14:creationId xmlns:p14="http://schemas.microsoft.com/office/powerpoint/2010/main" val="3722699738"/>
+      </p:ext>
+    </p:extLst>
+  </p:cSld>
+  <p:clrMapOvr>
+    <a:masterClrMapping/>
+  </p:clrMapOvr>
+</p:sld>
+</file>
+
+<file path=ppt/slides/slide26.xml><?xml version="1.0" encoding="utf-8"?>
+<p:sld xmlns:a="http://schemas.openxmlformats.org/drawingml/2006/main" xmlns:r="http://schemas.openxmlformats.org/officeDocument/2006/relationships" xmlns:p="http://schemas.openxmlformats.org/presentationml/2006/main">
+  <p:cSld>
+    <p:spTree>
+      <p:nvGrpSpPr>
+        <p:cNvPr id="1" name=""/>
+        <p:cNvGrpSpPr/>
+        <p:nvPr/>
+      </p:nvGrpSpPr>
+      <p:grpSpPr>
+        <a:xfrm>
+          <a:off x="0" y="0"/>
+          <a:ext cx="0" cy="0"/>
+          <a:chOff x="0" y="0"/>
+          <a:chExt cx="0" cy="0"/>
+        </a:xfrm>
+      </p:grpSpPr>
+      <p:cxnSp>
+        <p:nvCxnSpPr>
+          <p:cNvPr id="3145732" name="直接连接符 4"/>
+          <p:cNvCxnSpPr/>
+          <p:nvPr/>
+        </p:nvCxnSpPr>
+        <p:spPr>
+          <a:xfrm>
+            <a:off x="302002" y="997804"/>
+            <a:ext cx="11587991" cy="0"/>
+          </a:xfrm>
+          <a:prstGeom prst="line">
+            <a:avLst/>
+          </a:prstGeom>
+          <a:ln w="12700">
+            <a:solidFill>
+              <a:srgbClr val="09397E"/>
+            </a:solidFill>
+          </a:ln>
+        </p:spPr>
+        <p:style>
+          <a:lnRef idx="1">
+            <a:schemeClr val="accent1"/>
+          </a:lnRef>
+          <a:fillRef idx="0">
+            <a:schemeClr val="accent1"/>
+          </a:fillRef>
+          <a:effectRef idx="0">
+            <a:schemeClr val="accent1"/>
+          </a:effectRef>
+          <a:fontRef idx="minor">
+            <a:schemeClr val="tx1"/>
+          </a:fontRef>
+        </p:style>
+      </p:cxnSp>
+      <p:sp>
+        <p:nvSpPr>
+          <p:cNvPr id="1048600" name="矩形 60"/>
+          <p:cNvSpPr/>
+          <p:nvPr/>
+        </p:nvSpPr>
+        <p:spPr>
+          <a:xfrm>
+            <a:off x="240030" y="420370"/>
+            <a:ext cx="6699885" cy="583565"/>
+          </a:xfrm>
+          <a:prstGeom prst="rect">
+            <a:avLst/>
+          </a:prstGeom>
+        </p:spPr>
+        <p:txBody>
+          <a:bodyPr wrap="square">
+            <a:spAutoFit/>
+          </a:bodyPr>
+          <a:lstStyle/>
+          <a:p>
+            <a:pPr marL="0" marR="0" lvl="0" indent="0" algn="l" defTabSz="914400" rtl="0" eaLnBrk="1" fontAlgn="auto" latinLnBrk="0" hangingPunct="1">
+              <a:lnSpc>
+                <a:spcPct val="100000"/>
+              </a:lnSpc>
+              <a:spcBef>
+                <a:spcPts val="0"/>
+              </a:spcBef>
+              <a:spcAft>
+                <a:spcPts val="0"/>
+              </a:spcAft>
+              <a:buClrTx/>
+              <a:buSzTx/>
+              <a:buFontTx/>
+              <a:buNone/>
+            </a:pPr>
+            <a:r>
+              <a:rPr kumimoji="0" lang="zh-CN" altLang="en-US" sz="3200" b="1" i="0" u="none" strike="noStrike" kern="1200" cap="none" spc="0" normalizeH="0" baseline="0" noProof="0" dirty="0">
+                <a:ln>
+                  <a:noFill/>
+                </a:ln>
+                <a:solidFill>
+                  <a:schemeClr val="accent2"/>
+                </a:solidFill>
+                <a:effectLst/>
+                <a:uLnTx/>
+                <a:uFillTx/>
+                <a:latin typeface="微软雅黑" panose="020B0503020204020204" charset="-122"/>
+                <a:ea typeface="微软雅黑" panose="020B0503020204020204" charset="-122"/>
+                <a:cs typeface="Times New Roman" panose="02020603050405020304" pitchFamily="18" charset="0"/>
+                <a:sym typeface="等线" panose="02010600030101010101" charset="-122"/>
+              </a:rPr>
+              <a:t>异常预测模型实验</a:t>
+            </a:r>
+          </a:p>
+        </p:txBody>
+      </p:sp>
+      <p:pic>
+        <p:nvPicPr>
+          <p:cNvPr id="2097158" name="图片 61"/>
+          <p:cNvPicPr>
+            <a:picLocks noChangeAspect="1"/>
+          </p:cNvPicPr>
+          <p:nvPr/>
+        </p:nvPicPr>
+        <p:blipFill rotWithShape="1">
+          <a:blip r:embed="rId3" cstate="print"/>
+          <a:srcRect b="9522"/>
+          <a:stretch>
+            <a:fillRect/>
+          </a:stretch>
+        </p:blipFill>
+        <p:spPr>
+          <a:xfrm>
+            <a:off x="10078279" y="277930"/>
+            <a:ext cx="1811714" cy="680928"/>
+          </a:xfrm>
+          <a:prstGeom prst="rect">
+            <a:avLst/>
+          </a:prstGeom>
+        </p:spPr>
+      </p:pic>
+      <p:sp>
+        <p:nvSpPr>
+          <p:cNvPr id="2" name="矩形 1">
+            <a:extLst>
+              <a:ext uri="{FF2B5EF4-FFF2-40B4-BE49-F238E27FC236}">
+                <a16:creationId xmlns:a16="http://schemas.microsoft.com/office/drawing/2014/main" id="{1ACFE26B-F02A-4C62-906A-203EB3FEF1FA}"/>
+              </a:ext>
+            </a:extLst>
+          </p:cNvPr>
+          <p:cNvSpPr/>
+          <p:nvPr/>
+        </p:nvSpPr>
+        <p:spPr>
+          <a:xfrm>
+            <a:off x="5025831" y="5539297"/>
+            <a:ext cx="2130640" cy="381738"/>
+          </a:xfrm>
+          <a:prstGeom prst="rect">
+            <a:avLst/>
+          </a:prstGeom>
+          <a:solidFill>
+            <a:schemeClr val="accent4"/>
+          </a:solidFill>
+        </p:spPr>
+        <p:style>
+          <a:lnRef idx="2">
+            <a:schemeClr val="accent1">
+              <a:shade val="50000"/>
+            </a:schemeClr>
+          </a:lnRef>
+          <a:fillRef idx="1">
+            <a:schemeClr val="accent1"/>
+          </a:fillRef>
+          <a:effectRef idx="0">
+            <a:schemeClr val="accent1"/>
+          </a:effectRef>
+          <a:fontRef idx="minor">
+            <a:schemeClr val="lt1"/>
+          </a:fontRef>
+        </p:style>
+        <p:txBody>
+          <a:bodyPr rtlCol="0" anchor="ctr"/>
+          <a:lstStyle/>
+          <a:p>
+            <a:pPr algn="ctr"/>
+            <a:r>
+              <a:rPr lang="zh-CN" altLang="en-US" dirty="0">
+                <a:solidFill>
+                  <a:schemeClr val="tx1"/>
+                </a:solidFill>
+              </a:rPr>
+              <a:t>输入的时间序列</a:t>
+            </a:r>
+          </a:p>
+        </p:txBody>
+      </p:sp>
+      <p:sp>
+        <p:nvSpPr>
+          <p:cNvPr id="7" name="矩形 6">
+            <a:extLst>
+              <a:ext uri="{FF2B5EF4-FFF2-40B4-BE49-F238E27FC236}">
+                <a16:creationId xmlns:a16="http://schemas.microsoft.com/office/drawing/2014/main" id="{087F3C2F-7EAB-43C9-9E29-48293B1C784B}"/>
+              </a:ext>
+            </a:extLst>
+          </p:cNvPr>
+          <p:cNvSpPr/>
+          <p:nvPr/>
+        </p:nvSpPr>
+        <p:spPr>
+          <a:xfrm>
+            <a:off x="5025831" y="4952261"/>
+            <a:ext cx="2130640" cy="381738"/>
+          </a:xfrm>
+          <a:prstGeom prst="rect">
+            <a:avLst/>
+          </a:prstGeom>
+          <a:solidFill>
+            <a:schemeClr val="accent3">
+              <a:lumMod val="75000"/>
+            </a:schemeClr>
+          </a:solidFill>
+        </p:spPr>
+        <p:style>
+          <a:lnRef idx="2">
+            <a:schemeClr val="accent1">
+              <a:shade val="50000"/>
+            </a:schemeClr>
+          </a:lnRef>
+          <a:fillRef idx="1">
+            <a:schemeClr val="accent1"/>
+          </a:fillRef>
+          <a:effectRef idx="0">
+            <a:schemeClr val="accent1"/>
+          </a:effectRef>
+          <a:fontRef idx="minor">
+            <a:schemeClr val="lt1"/>
+          </a:fontRef>
+        </p:style>
+        <p:txBody>
+          <a:bodyPr rtlCol="0" anchor="ctr"/>
+          <a:lstStyle/>
+          <a:p>
+            <a:pPr algn="ctr"/>
+            <a:r>
+              <a:rPr lang="zh-CN" altLang="en-US" dirty="0">
+                <a:solidFill>
+                  <a:schemeClr val="tx1"/>
+                </a:solidFill>
+              </a:rPr>
+              <a:t>时间序列分段处理</a:t>
+            </a:r>
+          </a:p>
+        </p:txBody>
+      </p:sp>
+      <p:sp>
+        <p:nvSpPr>
+          <p:cNvPr id="3" name="矩形 2">
+            <a:extLst>
+              <a:ext uri="{FF2B5EF4-FFF2-40B4-BE49-F238E27FC236}">
+                <a16:creationId xmlns:a16="http://schemas.microsoft.com/office/drawing/2014/main" id="{A06542B2-5DC4-4EFD-B40B-5C6132040062}"/>
+              </a:ext>
+            </a:extLst>
+          </p:cNvPr>
+          <p:cNvSpPr/>
+          <p:nvPr/>
+        </p:nvSpPr>
+        <p:spPr>
+          <a:xfrm>
+            <a:off x="4997184" y="4258691"/>
+            <a:ext cx="239698" cy="488272"/>
+          </a:xfrm>
+          <a:prstGeom prst="rect">
+            <a:avLst/>
+          </a:prstGeom>
+          <a:solidFill>
+            <a:schemeClr val="accent4"/>
+          </a:solidFill>
+        </p:spPr>
+        <p:style>
+          <a:lnRef idx="2">
+            <a:schemeClr val="accent1">
+              <a:shade val="50000"/>
+            </a:schemeClr>
+          </a:lnRef>
+          <a:fillRef idx="1">
+            <a:schemeClr val="accent1"/>
+          </a:fillRef>
+          <a:effectRef idx="0">
+            <a:schemeClr val="accent1"/>
+          </a:effectRef>
+          <a:fontRef idx="minor">
+            <a:schemeClr val="lt1"/>
+          </a:fontRef>
+        </p:style>
+        <p:txBody>
+          <a:bodyPr rtlCol="0" anchor="ctr"/>
+          <a:lstStyle/>
+          <a:p>
+            <a:pPr algn="ctr"/>
+            <a:endParaRPr lang="zh-CN" altLang="en-US"/>
+          </a:p>
+        </p:txBody>
+      </p:sp>
+      <p:sp>
+        <p:nvSpPr>
+          <p:cNvPr id="9" name="矩形 8">
+            <a:extLst>
+              <a:ext uri="{FF2B5EF4-FFF2-40B4-BE49-F238E27FC236}">
+                <a16:creationId xmlns:a16="http://schemas.microsoft.com/office/drawing/2014/main" id="{51ECAFD2-0AE0-49E0-AF22-70FF419E11ED}"/>
+              </a:ext>
+            </a:extLst>
+          </p:cNvPr>
+          <p:cNvSpPr/>
+          <p:nvPr/>
+        </p:nvSpPr>
+        <p:spPr>
+          <a:xfrm>
+            <a:off x="6914908" y="4258691"/>
+            <a:ext cx="239698" cy="488272"/>
+          </a:xfrm>
+          <a:prstGeom prst="rect">
+            <a:avLst/>
+          </a:prstGeom>
+          <a:solidFill>
+            <a:schemeClr val="accent4"/>
+          </a:solidFill>
+        </p:spPr>
+        <p:style>
+          <a:lnRef idx="2">
+            <a:schemeClr val="accent1">
+              <a:shade val="50000"/>
+            </a:schemeClr>
+          </a:lnRef>
+          <a:fillRef idx="1">
+            <a:schemeClr val="accent1"/>
+          </a:fillRef>
+          <a:effectRef idx="0">
+            <a:schemeClr val="accent1"/>
+          </a:effectRef>
+          <a:fontRef idx="minor">
+            <a:schemeClr val="lt1"/>
+          </a:fontRef>
+        </p:style>
+        <p:txBody>
+          <a:bodyPr rtlCol="0" anchor="ctr"/>
+          <a:lstStyle/>
+          <a:p>
+            <a:pPr algn="ctr"/>
+            <a:endParaRPr lang="zh-CN" altLang="en-US"/>
+          </a:p>
+        </p:txBody>
+      </p:sp>
+      <p:sp>
+        <p:nvSpPr>
+          <p:cNvPr id="10" name="矩形 9">
+            <a:extLst>
+              <a:ext uri="{FF2B5EF4-FFF2-40B4-BE49-F238E27FC236}">
+                <a16:creationId xmlns:a16="http://schemas.microsoft.com/office/drawing/2014/main" id="{E931AEEB-0D6E-4EF5-9998-9013BE2ACBC1}"/>
+              </a:ext>
+            </a:extLst>
+          </p:cNvPr>
+          <p:cNvSpPr/>
+          <p:nvPr/>
+        </p:nvSpPr>
+        <p:spPr>
+          <a:xfrm>
+            <a:off x="5633178" y="4258691"/>
+            <a:ext cx="239698" cy="488272"/>
+          </a:xfrm>
+          <a:prstGeom prst="rect">
+            <a:avLst/>
+          </a:prstGeom>
+          <a:solidFill>
+            <a:schemeClr val="accent4"/>
+          </a:solidFill>
+        </p:spPr>
+        <p:style>
+          <a:lnRef idx="2">
+            <a:schemeClr val="accent1">
+              <a:shade val="50000"/>
+            </a:schemeClr>
+          </a:lnRef>
+          <a:fillRef idx="1">
+            <a:schemeClr val="accent1"/>
+          </a:fillRef>
+          <a:effectRef idx="0">
+            <a:schemeClr val="accent1"/>
+          </a:effectRef>
+          <a:fontRef idx="minor">
+            <a:schemeClr val="lt1"/>
+          </a:fontRef>
+        </p:style>
+        <p:txBody>
+          <a:bodyPr rtlCol="0" anchor="ctr"/>
+          <a:lstStyle/>
+          <a:p>
+            <a:pPr algn="ctr"/>
+            <a:endParaRPr lang="zh-CN" altLang="en-US"/>
+          </a:p>
+        </p:txBody>
+      </p:sp>
+      <p:sp>
+        <p:nvSpPr>
+          <p:cNvPr id="11" name="矩形 10">
+            <a:extLst>
+              <a:ext uri="{FF2B5EF4-FFF2-40B4-BE49-F238E27FC236}">
+                <a16:creationId xmlns:a16="http://schemas.microsoft.com/office/drawing/2014/main" id="{F3167820-7BE1-488A-A602-3345CA5F28BA}"/>
+              </a:ext>
+            </a:extLst>
+          </p:cNvPr>
+          <p:cNvSpPr/>
+          <p:nvPr/>
+        </p:nvSpPr>
+        <p:spPr>
+          <a:xfrm>
+            <a:off x="6278914" y="4258691"/>
+            <a:ext cx="239698" cy="488272"/>
+          </a:xfrm>
+          <a:prstGeom prst="rect">
+            <a:avLst/>
+          </a:prstGeom>
+          <a:solidFill>
+            <a:schemeClr val="accent4"/>
+          </a:solidFill>
+        </p:spPr>
+        <p:style>
+          <a:lnRef idx="2">
+            <a:schemeClr val="accent1">
+              <a:shade val="50000"/>
+            </a:schemeClr>
+          </a:lnRef>
+          <a:fillRef idx="1">
+            <a:schemeClr val="accent1"/>
+          </a:fillRef>
+          <a:effectRef idx="0">
+            <a:schemeClr val="accent1"/>
+          </a:effectRef>
+          <a:fontRef idx="minor">
+            <a:schemeClr val="lt1"/>
+          </a:fontRef>
+        </p:style>
+        <p:txBody>
+          <a:bodyPr rtlCol="0" anchor="ctr"/>
+          <a:lstStyle/>
+          <a:p>
+            <a:pPr algn="ctr"/>
+            <a:endParaRPr lang="zh-CN" altLang="en-US"/>
+          </a:p>
+        </p:txBody>
+      </p:sp>
+      <p:sp>
+        <p:nvSpPr>
+          <p:cNvPr id="13" name="矩形 12">
+            <a:extLst>
+              <a:ext uri="{FF2B5EF4-FFF2-40B4-BE49-F238E27FC236}">
+                <a16:creationId xmlns:a16="http://schemas.microsoft.com/office/drawing/2014/main" id="{22835077-05FB-4279-931E-E853E5573A80}"/>
+              </a:ext>
+            </a:extLst>
+          </p:cNvPr>
+          <p:cNvSpPr/>
+          <p:nvPr/>
+        </p:nvSpPr>
+        <p:spPr>
+          <a:xfrm>
+            <a:off x="4905982" y="3135796"/>
+            <a:ext cx="2370338" cy="838030"/>
+          </a:xfrm>
+          <a:prstGeom prst="rect">
+            <a:avLst/>
+          </a:prstGeom>
+          <a:solidFill>
+            <a:schemeClr val="accent5">
+              <a:lumMod val="60000"/>
+              <a:lumOff val="40000"/>
+            </a:schemeClr>
+          </a:solidFill>
+        </p:spPr>
+        <p:style>
+          <a:lnRef idx="2">
+            <a:schemeClr val="accent1">
+              <a:shade val="50000"/>
+            </a:schemeClr>
+          </a:lnRef>
+          <a:fillRef idx="1">
+            <a:schemeClr val="accent1"/>
+          </a:fillRef>
+          <a:effectRef idx="0">
+            <a:schemeClr val="accent1"/>
+          </a:effectRef>
+          <a:fontRef idx="minor">
+            <a:schemeClr val="lt1"/>
+          </a:fontRef>
+        </p:style>
+        <p:txBody>
+          <a:bodyPr rtlCol="0" anchor="ctr"/>
+          <a:lstStyle/>
+          <a:p>
+            <a:pPr algn="ctr"/>
+            <a:r>
+              <a:rPr lang="zh-CN" altLang="en-US" dirty="0">
+                <a:solidFill>
+                  <a:schemeClr val="tx1"/>
+                </a:solidFill>
+              </a:rPr>
+              <a:t>将分段后的时间序列投影到</a:t>
+            </a:r>
+            <a:r>
+              <a:rPr lang="en-US" altLang="zh-CN" dirty="0">
+                <a:solidFill>
+                  <a:schemeClr val="tx1"/>
+                </a:solidFill>
+              </a:rPr>
+              <a:t>Transformer</a:t>
+            </a:r>
+            <a:r>
+              <a:rPr lang="zh-CN" altLang="en-US" dirty="0">
+                <a:solidFill>
+                  <a:schemeClr val="tx1"/>
+                </a:solidFill>
+              </a:rPr>
+              <a:t>隐藏空间</a:t>
+            </a:r>
+          </a:p>
+        </p:txBody>
+      </p:sp>
+      <p:sp>
+        <p:nvSpPr>
+          <p:cNvPr id="14" name="矩形 13">
+            <a:extLst>
+              <a:ext uri="{FF2B5EF4-FFF2-40B4-BE49-F238E27FC236}">
+                <a16:creationId xmlns:a16="http://schemas.microsoft.com/office/drawing/2014/main" id="{390A97A3-6410-4F8D-A9F1-D4246EE28286}"/>
+              </a:ext>
+            </a:extLst>
+          </p:cNvPr>
+          <p:cNvSpPr/>
+          <p:nvPr/>
+        </p:nvSpPr>
+        <p:spPr>
+          <a:xfrm>
+            <a:off x="4905982" y="2284851"/>
+            <a:ext cx="2370338" cy="566080"/>
+          </a:xfrm>
+          <a:prstGeom prst="rect">
+            <a:avLst/>
+          </a:prstGeom>
+          <a:solidFill>
+            <a:srgbClr val="00B0F0"/>
+          </a:solidFill>
+        </p:spPr>
+        <p:style>
+          <a:lnRef idx="2">
+            <a:schemeClr val="accent1">
+              <a:shade val="50000"/>
+            </a:schemeClr>
+          </a:lnRef>
+          <a:fillRef idx="1">
+            <a:schemeClr val="accent1"/>
+          </a:fillRef>
+          <a:effectRef idx="0">
+            <a:schemeClr val="accent1"/>
+          </a:effectRef>
+          <a:fontRef idx="minor">
+            <a:schemeClr val="lt1"/>
+          </a:fontRef>
+        </p:style>
+        <p:txBody>
+          <a:bodyPr rtlCol="0" anchor="ctr"/>
+          <a:lstStyle/>
+          <a:p>
+            <a:pPr algn="ctr"/>
+            <a:r>
+              <a:rPr lang="zh-CN" altLang="en-US" dirty="0">
+                <a:solidFill>
+                  <a:schemeClr val="tx1"/>
+                </a:solidFill>
+              </a:rPr>
+              <a:t>对投影后的向量进行位置编码</a:t>
+            </a:r>
+          </a:p>
+        </p:txBody>
+      </p:sp>
+      <p:sp>
+        <p:nvSpPr>
+          <p:cNvPr id="15" name="矩形 14">
+            <a:extLst>
+              <a:ext uri="{FF2B5EF4-FFF2-40B4-BE49-F238E27FC236}">
+                <a16:creationId xmlns:a16="http://schemas.microsoft.com/office/drawing/2014/main" id="{DA1287E6-6974-498D-BD8C-267F7B77558F}"/>
+              </a:ext>
+            </a:extLst>
+          </p:cNvPr>
+          <p:cNvSpPr/>
+          <p:nvPr/>
+        </p:nvSpPr>
+        <p:spPr>
+          <a:xfrm>
+            <a:off x="4910828" y="1537340"/>
+            <a:ext cx="2370338" cy="381738"/>
+          </a:xfrm>
+          <a:prstGeom prst="rect">
+            <a:avLst/>
+          </a:prstGeom>
+          <a:solidFill>
+            <a:schemeClr val="accent6"/>
+          </a:solidFill>
+        </p:spPr>
+        <p:style>
+          <a:lnRef idx="2">
+            <a:schemeClr val="accent1">
+              <a:shade val="50000"/>
+            </a:schemeClr>
+          </a:lnRef>
+          <a:fillRef idx="1">
+            <a:schemeClr val="accent1"/>
+          </a:fillRef>
+          <a:effectRef idx="0">
+            <a:schemeClr val="accent1"/>
+          </a:effectRef>
+          <a:fontRef idx="minor">
+            <a:schemeClr val="lt1"/>
+          </a:fontRef>
+        </p:style>
+        <p:txBody>
+          <a:bodyPr rtlCol="0" anchor="ctr"/>
+          <a:lstStyle/>
+          <a:p>
+            <a:pPr algn="ctr"/>
+            <a:r>
+              <a:rPr lang="en-US" altLang="zh-CN" dirty="0">
+                <a:solidFill>
+                  <a:schemeClr val="tx1"/>
+                </a:solidFill>
+              </a:rPr>
+              <a:t>Transformer Backbone</a:t>
+            </a:r>
+            <a:endParaRPr lang="zh-CN" altLang="en-US" dirty="0">
+              <a:solidFill>
+                <a:schemeClr val="tx1"/>
+              </a:solidFill>
+            </a:endParaRPr>
+          </a:p>
+        </p:txBody>
+      </p:sp>
+      <p:sp>
+        <p:nvSpPr>
+          <p:cNvPr id="5" name="箭头: 下 4">
+            <a:extLst>
+              <a:ext uri="{FF2B5EF4-FFF2-40B4-BE49-F238E27FC236}">
+                <a16:creationId xmlns:a16="http://schemas.microsoft.com/office/drawing/2014/main" id="{A0E55813-A298-4769-8E04-2856BB2AB9FA}"/>
+              </a:ext>
+            </a:extLst>
+          </p:cNvPr>
+          <p:cNvSpPr/>
+          <p:nvPr/>
+        </p:nvSpPr>
+        <p:spPr>
+          <a:xfrm rot="10800000">
+            <a:off x="4247390" y="1804146"/>
+            <a:ext cx="401306" cy="3981265"/>
+          </a:xfrm>
+          <a:prstGeom prst="downArrow">
+            <a:avLst/>
+          </a:prstGeom>
+          <a:solidFill>
+            <a:schemeClr val="accent2"/>
+          </a:solidFill>
+          <a:ln>
+            <a:solidFill>
+              <a:schemeClr val="accent2"/>
+            </a:solidFill>
+          </a:ln>
+        </p:spPr>
+        <p:style>
+          <a:lnRef idx="2">
+            <a:schemeClr val="accent1">
+              <a:shade val="50000"/>
+            </a:schemeClr>
+          </a:lnRef>
+          <a:fillRef idx="1">
+            <a:schemeClr val="accent1"/>
+          </a:fillRef>
+          <a:effectRef idx="0">
+            <a:schemeClr val="accent1"/>
+          </a:effectRef>
+          <a:fontRef idx="minor">
+            <a:schemeClr val="lt1"/>
+          </a:fontRef>
+        </p:style>
+        <p:txBody>
+          <a:bodyPr rtlCol="0" anchor="ctr"/>
+          <a:lstStyle/>
+          <a:p>
+            <a:pPr algn="ctr"/>
+            <a:endParaRPr lang="zh-CN" altLang="en-US"/>
+          </a:p>
+        </p:txBody>
+      </p:sp>
+    </p:spTree>
+    <p:extLst>
+      <p:ext uri="{BB962C8B-B14F-4D97-AF65-F5344CB8AC3E}">
+        <p14:creationId xmlns:p14="http://schemas.microsoft.com/office/powerpoint/2010/main" val="4201471359"/>
+      </p:ext>
+    </p:extLst>
+  </p:cSld>
+  <p:clrMapOvr>
+    <a:masterClrMapping/>
+  </p:clrMapOvr>
+</p:sld>
+</file>
+
+<file path=ppt/slides/slide27.xml><?xml version="1.0" encoding="utf-8"?>
+<p:sld xmlns:a="http://schemas.openxmlformats.org/drawingml/2006/main" xmlns:r="http://schemas.openxmlformats.org/officeDocument/2006/relationships" xmlns:p="http://schemas.openxmlformats.org/presentationml/2006/main">
+  <p:cSld>
+    <p:spTree>
+      <p:nvGrpSpPr>
+        <p:cNvPr id="1" name=""/>
+        <p:cNvGrpSpPr/>
+        <p:nvPr/>
+      </p:nvGrpSpPr>
+      <p:grpSpPr>
+        <a:xfrm>
+          <a:off x="0" y="0"/>
+          <a:ext cx="0" cy="0"/>
+          <a:chOff x="0" y="0"/>
+          <a:chExt cx="0" cy="0"/>
+        </a:xfrm>
+      </p:grpSpPr>
+      <p:cxnSp>
+        <p:nvCxnSpPr>
+          <p:cNvPr id="3145732" name="直接连接符 4"/>
+          <p:cNvCxnSpPr/>
+          <p:nvPr/>
+        </p:nvCxnSpPr>
+        <p:spPr>
+          <a:xfrm>
+            <a:off x="302002" y="997804"/>
+            <a:ext cx="11587991" cy="0"/>
+          </a:xfrm>
+          <a:prstGeom prst="line">
+            <a:avLst/>
+          </a:prstGeom>
+          <a:ln w="12700">
+            <a:solidFill>
+              <a:srgbClr val="09397E"/>
+            </a:solidFill>
+          </a:ln>
+        </p:spPr>
+        <p:style>
+          <a:lnRef idx="1">
+            <a:schemeClr val="accent1"/>
+          </a:lnRef>
+          <a:fillRef idx="0">
+            <a:schemeClr val="accent1"/>
+          </a:fillRef>
+          <a:effectRef idx="0">
+            <a:schemeClr val="accent1"/>
+          </a:effectRef>
+          <a:fontRef idx="minor">
+            <a:schemeClr val="tx1"/>
+          </a:fontRef>
+        </p:style>
+      </p:cxnSp>
+      <p:sp>
+        <p:nvSpPr>
+          <p:cNvPr id="1048600" name="矩形 60"/>
+          <p:cNvSpPr/>
+          <p:nvPr/>
+        </p:nvSpPr>
+        <p:spPr>
+          <a:xfrm>
+            <a:off x="240030" y="420370"/>
+            <a:ext cx="6699885" cy="583565"/>
+          </a:xfrm>
+          <a:prstGeom prst="rect">
+            <a:avLst/>
+          </a:prstGeom>
+        </p:spPr>
+        <p:txBody>
+          <a:bodyPr wrap="square">
+            <a:spAutoFit/>
+          </a:bodyPr>
+          <a:lstStyle/>
+          <a:p>
+            <a:pPr marL="0" marR="0" lvl="0" indent="0" algn="l" defTabSz="914400" rtl="0" eaLnBrk="1" fontAlgn="auto" latinLnBrk="0" hangingPunct="1">
+              <a:lnSpc>
+                <a:spcPct val="100000"/>
+              </a:lnSpc>
+              <a:spcBef>
+                <a:spcPts val="0"/>
+              </a:spcBef>
+              <a:spcAft>
+                <a:spcPts val="0"/>
+              </a:spcAft>
+              <a:buClrTx/>
+              <a:buSzTx/>
+              <a:buFontTx/>
+              <a:buNone/>
+            </a:pPr>
+            <a:r>
+              <a:rPr kumimoji="0" lang="zh-CN" altLang="en-US" sz="3200" b="1" i="0" u="none" strike="noStrike" kern="1200" cap="none" spc="0" normalizeH="0" baseline="0" noProof="0" dirty="0">
+                <a:ln>
+                  <a:noFill/>
+                </a:ln>
+                <a:solidFill>
+                  <a:schemeClr val="accent2"/>
+                </a:solidFill>
+                <a:effectLst/>
+                <a:uLnTx/>
+                <a:uFillTx/>
+                <a:latin typeface="微软雅黑" panose="020B0503020204020204" charset="-122"/>
+                <a:ea typeface="微软雅黑" panose="020B0503020204020204" charset="-122"/>
+                <a:cs typeface="Times New Roman" panose="02020603050405020304" pitchFamily="18" charset="0"/>
+                <a:sym typeface="等线" panose="02010600030101010101" charset="-122"/>
+              </a:rPr>
+              <a:t>异常预测模型实验</a:t>
+            </a:r>
+          </a:p>
+        </p:txBody>
+      </p:sp>
+      <p:pic>
+        <p:nvPicPr>
+          <p:cNvPr id="2097158" name="图片 61"/>
+          <p:cNvPicPr>
+            <a:picLocks noChangeAspect="1"/>
+          </p:cNvPicPr>
+          <p:nvPr/>
+        </p:nvPicPr>
+        <p:blipFill rotWithShape="1">
+          <a:blip r:embed="rId3" cstate="print"/>
+          <a:srcRect b="9522"/>
+          <a:stretch>
+            <a:fillRect/>
+          </a:stretch>
+        </p:blipFill>
+        <p:spPr>
+          <a:xfrm>
+            <a:off x="10078279" y="277930"/>
+            <a:ext cx="1811714" cy="680928"/>
+          </a:xfrm>
+          <a:prstGeom prst="rect">
+            <a:avLst/>
+          </a:prstGeom>
+        </p:spPr>
+      </p:pic>
+      <p:pic>
+        <p:nvPicPr>
+          <p:cNvPr id="16" name="图片 15">
+            <a:extLst>
+              <a:ext uri="{FF2B5EF4-FFF2-40B4-BE49-F238E27FC236}">
+                <a16:creationId xmlns:a16="http://schemas.microsoft.com/office/drawing/2014/main" id="{163D91BC-91A7-4787-8CA1-2B4B8EF39823}"/>
+              </a:ext>
+            </a:extLst>
+          </p:cNvPr>
+          <p:cNvPicPr>
+            <a:picLocks noChangeAspect="1"/>
+          </p:cNvPicPr>
+          <p:nvPr/>
+        </p:nvPicPr>
+        <p:blipFill>
+          <a:blip r:embed="rId4"/>
+          <a:stretch>
+            <a:fillRect/>
+          </a:stretch>
+        </p:blipFill>
+        <p:spPr>
+          <a:xfrm>
+            <a:off x="4176441" y="1333690"/>
+            <a:ext cx="3839111" cy="5220429"/>
+          </a:xfrm>
+          <a:prstGeom prst="rect">
+            <a:avLst/>
+          </a:prstGeom>
+        </p:spPr>
+      </p:pic>
+    </p:spTree>
+    <p:extLst>
+      <p:ext uri="{BB962C8B-B14F-4D97-AF65-F5344CB8AC3E}">
+        <p14:creationId xmlns:p14="http://schemas.microsoft.com/office/powerpoint/2010/main" val="3910697017"/>
       </p:ext>
     </p:extLst>
   </p:cSld>
@@ -23829,7 +24857,7 @@
             <a:spAutoFit/>
             <a:extLst>
               <a:ext uri="{4A0BC546-FE56-4ADE-93B0-CB8AF2F6F144}">
-                <wpsdc:textFrameExt xmlns="" xmlns:wpsdc="http://www.wps.cn/officeDocument/2022/drawingmlCustomData" type="text"/>
+                <wpsdc:textFrameExt xmlns:wpsdc="http://www.wps.cn/officeDocument/2022/drawingmlCustomData" xmlns="" type="text"/>
               </a:ext>
             </a:extLst>
           </a:bodyPr>
@@ -23866,7 +24894,7 @@
             <a:spAutoFit/>
             <a:extLst>
               <a:ext uri="{4A0BC546-FE56-4ADE-93B0-CB8AF2F6F144}">
-                <wpsdc:textFrameExt xmlns="" xmlns:wpsdc="http://www.wps.cn/officeDocument/2022/drawingmlCustomData" type="text"/>
+                <wpsdc:textFrameExt xmlns:wpsdc="http://www.wps.cn/officeDocument/2022/drawingmlCustomData" xmlns="" type="text"/>
               </a:ext>
             </a:extLst>
           </a:bodyPr>
@@ -24439,7 +25467,7 @@
             <a:noAutofit/>
             <a:extLst>
               <a:ext uri="{4A0BC546-FE56-4ADE-93B0-CB8AF2F6F144}">
-                <wpsdc:textFrameExt xmlns="" xmlns:wpsdc="http://www.wps.cn/officeDocument/2022/drawingmlCustomData" type="text"/>
+                <wpsdc:textFrameExt xmlns:wpsdc="http://www.wps.cn/officeDocument/2022/drawingmlCustomData" xmlns="" type="text"/>
               </a:ext>
             </a:extLst>
           </a:bodyPr>
@@ -24489,7 +25517,7 @@
             <a:spAutoFit/>
             <a:extLst>
               <a:ext uri="{4A0BC546-FE56-4ADE-93B0-CB8AF2F6F144}">
-                <wpsdc:textFrameExt xmlns="" xmlns:wpsdc="http://www.wps.cn/officeDocument/2022/drawingmlCustomData" type="text"/>
+                <wpsdc:textFrameExt xmlns:wpsdc="http://www.wps.cn/officeDocument/2022/drawingmlCustomData" xmlns="" type="text"/>
               </a:ext>
             </a:extLst>
           </a:bodyPr>
@@ -24645,7 +25673,7 @@
             <a:spAutoFit/>
             <a:extLst>
               <a:ext uri="{4A0BC546-FE56-4ADE-93B0-CB8AF2F6F144}">
-                <wpsdc:textFrameExt xmlns="" xmlns:wpsdc="http://www.wps.cn/officeDocument/2022/drawingmlCustomData" type="text"/>
+                <wpsdc:textFrameExt xmlns:wpsdc="http://www.wps.cn/officeDocument/2022/drawingmlCustomData" xmlns="" type="text"/>
               </a:ext>
             </a:extLst>
           </a:bodyPr>
@@ -24685,7 +25713,7 @@
             <a:spAutoFit/>
             <a:extLst>
               <a:ext uri="{4A0BC546-FE56-4ADE-93B0-CB8AF2F6F144}">
-                <wpsdc:textFrameExt xmlns="" xmlns:wpsdc="http://www.wps.cn/officeDocument/2022/drawingmlCustomData" type="text"/>
+                <wpsdc:textFrameExt xmlns:wpsdc="http://www.wps.cn/officeDocument/2022/drawingmlCustomData" xmlns="" type="text"/>
               </a:ext>
             </a:extLst>
           </a:bodyPr>
@@ -25464,7 +26492,7 @@
             <a:noAutofit/>
             <a:extLst>
               <a:ext uri="{4A0BC546-FE56-4ADE-93B0-CB8AF2F6F144}">
-                <wpsdc:textFrameExt xmlns="" xmlns:wpsdc="http://www.wps.cn/officeDocument/2022/drawingmlCustomData" type="text"/>
+                <wpsdc:textFrameExt xmlns:wpsdc="http://www.wps.cn/officeDocument/2022/drawingmlCustomData" xmlns="" type="text"/>
               </a:ext>
             </a:extLst>
           </a:bodyPr>
@@ -25670,7 +26698,7 @@
             <a:spAutoFit/>
             <a:extLst>
               <a:ext uri="{4A0BC546-FE56-4ADE-93B0-CB8AF2F6F144}">
-                <wpsdc:textFrameExt xmlns="" xmlns:wpsdc="http://www.wps.cn/officeDocument/2022/drawingmlCustomData" type="text"/>
+                <wpsdc:textFrameExt xmlns:wpsdc="http://www.wps.cn/officeDocument/2022/drawingmlCustomData" xmlns="" type="text"/>
               </a:ext>
             </a:extLst>
           </a:bodyPr>
@@ -25707,7 +26735,7 @@
             <a:spAutoFit/>
             <a:extLst>
               <a:ext uri="{4A0BC546-FE56-4ADE-93B0-CB8AF2F6F144}">
-                <wpsdc:textFrameExt xmlns="" xmlns:wpsdc="http://www.wps.cn/officeDocument/2022/drawingmlCustomData" type="text"/>
+                <wpsdc:textFrameExt xmlns:wpsdc="http://www.wps.cn/officeDocument/2022/drawingmlCustomData" xmlns="" type="text"/>
               </a:ext>
             </a:extLst>
           </a:bodyPr>
@@ -26390,7 +27418,7 @@
             <a:spAutoFit/>
             <a:extLst>
               <a:ext uri="{4A0BC546-FE56-4ADE-93B0-CB8AF2F6F144}">
-                <wpsdc:textFrameExt xmlns="" xmlns:wpsdc="http://www.wps.cn/officeDocument/2022/drawingmlCustomData" type="text"/>
+                <wpsdc:textFrameExt xmlns:wpsdc="http://www.wps.cn/officeDocument/2022/drawingmlCustomData" xmlns="" type="text"/>
               </a:ext>
             </a:extLst>
           </a:bodyPr>
@@ -26882,7 +27910,7 @@
             <a:spAutoFit/>
             <a:extLst>
               <a:ext uri="{4A0BC546-FE56-4ADE-93B0-CB8AF2F6F144}">
-                <wpsdc:textFrameExt xmlns="" xmlns:wpsdc="http://www.wps.cn/officeDocument/2022/drawingmlCustomData" type="text"/>
+                <wpsdc:textFrameExt xmlns:wpsdc="http://www.wps.cn/officeDocument/2022/drawingmlCustomData" xmlns="" type="text"/>
               </a:ext>
             </a:extLst>
           </a:bodyPr>
@@ -27096,7 +28124,7 @@
             <a:spAutoFit/>
             <a:extLst>
               <a:ext uri="{4A0BC546-FE56-4ADE-93B0-CB8AF2F6F144}">
-                <wpsdc:textFrameExt xmlns="" xmlns:wpsdc="http://www.wps.cn/officeDocument/2022/drawingmlCustomData" type="text"/>
+                <wpsdc:textFrameExt xmlns:wpsdc="http://www.wps.cn/officeDocument/2022/drawingmlCustomData" xmlns="" type="text"/>
               </a:ext>
             </a:extLst>
           </a:bodyPr>
@@ -27133,7 +28161,7 @@
             <a:spAutoFit/>
             <a:extLst>
               <a:ext uri="{4A0BC546-FE56-4ADE-93B0-CB8AF2F6F144}">
-                <wpsdc:textFrameExt xmlns="" xmlns:wpsdc="http://www.wps.cn/officeDocument/2022/drawingmlCustomData" type="text"/>
+                <wpsdc:textFrameExt xmlns:wpsdc="http://www.wps.cn/officeDocument/2022/drawingmlCustomData" xmlns="" type="text"/>
               </a:ext>
             </a:extLst>
           </a:bodyPr>
@@ -27814,7 +28842,7 @@
             <a:spAutoFit/>
             <a:extLst>
               <a:ext uri="{4A0BC546-FE56-4ADE-93B0-CB8AF2F6F144}">
-                <wpsdc:textFrameExt xmlns="" xmlns:wpsdc="http://www.wps.cn/officeDocument/2022/drawingmlCustomData" type="text"/>
+                <wpsdc:textFrameExt xmlns:wpsdc="http://www.wps.cn/officeDocument/2022/drawingmlCustomData" xmlns="" type="text"/>
               </a:ext>
             </a:extLst>
           </a:bodyPr>
@@ -28227,7 +29255,7 @@
             <a:spAutoFit/>
             <a:extLst>
               <a:ext uri="{4A0BC546-FE56-4ADE-93B0-CB8AF2F6F144}">
-                <wpsdc:textFrameExt xmlns="" xmlns:wpsdc="http://www.wps.cn/officeDocument/2022/drawingmlCustomData" type="text"/>
+                <wpsdc:textFrameExt xmlns:wpsdc="http://www.wps.cn/officeDocument/2022/drawingmlCustomData" xmlns="" type="text"/>
               </a:ext>
             </a:extLst>
           </a:bodyPr>
@@ -28414,7 +29442,7 @@
             <a:spAutoFit/>
             <a:extLst>
               <a:ext uri="{4A0BC546-FE56-4ADE-93B0-CB8AF2F6F144}">
-                <wpsdc:textFrameExt xmlns="" xmlns:wpsdc="http://www.wps.cn/officeDocument/2022/drawingmlCustomData" type="text"/>
+                <wpsdc:textFrameExt xmlns:wpsdc="http://www.wps.cn/officeDocument/2022/drawingmlCustomData" xmlns="" type="text"/>
               </a:ext>
             </a:extLst>
           </a:bodyPr>
@@ -28451,7 +29479,7 @@
             <a:spAutoFit/>
             <a:extLst>
               <a:ext uri="{4A0BC546-FE56-4ADE-93B0-CB8AF2F6F144}">
-                <wpsdc:textFrameExt xmlns="" xmlns:wpsdc="http://www.wps.cn/officeDocument/2022/drawingmlCustomData" type="text"/>
+                <wpsdc:textFrameExt xmlns:wpsdc="http://www.wps.cn/officeDocument/2022/drawingmlCustomData" xmlns="" type="text"/>
               </a:ext>
             </a:extLst>
           </a:bodyPr>
@@ -28488,7 +29516,7 @@
             <a:spAutoFit/>
             <a:extLst>
               <a:ext uri="{4A0BC546-FE56-4ADE-93B0-CB8AF2F6F144}">
-                <wpsdc:textFrameExt xmlns="" xmlns:wpsdc="http://www.wps.cn/officeDocument/2022/drawingmlCustomData" type="text"/>
+                <wpsdc:textFrameExt xmlns:wpsdc="http://www.wps.cn/officeDocument/2022/drawingmlCustomData" xmlns="" type="text"/>
               </a:ext>
             </a:extLst>
           </a:bodyPr>
@@ -28680,7 +29708,7 @@
             <a:spAutoFit/>
             <a:extLst>
               <a:ext uri="{4A0BC546-FE56-4ADE-93B0-CB8AF2F6F144}">
-                <wpsdc:textFrameExt xmlns="" xmlns:wpsdc="http://www.wps.cn/officeDocument/2022/drawingmlCustomData" type="text"/>
+                <wpsdc:textFrameExt xmlns:wpsdc="http://www.wps.cn/officeDocument/2022/drawingmlCustomData" xmlns="" type="text"/>
               </a:ext>
             </a:extLst>
           </a:bodyPr>
@@ -28756,7 +29784,7 @@
             <a:spAutoFit/>
             <a:extLst>
               <a:ext uri="{4A0BC546-FE56-4ADE-93B0-CB8AF2F6F144}">
-                <wpsdc:textFrameExt xmlns="" xmlns:wpsdc="http://www.wps.cn/officeDocument/2022/drawingmlCustomData" type="text"/>
+                <wpsdc:textFrameExt xmlns:wpsdc="http://www.wps.cn/officeDocument/2022/drawingmlCustomData" xmlns="" type="text"/>
               </a:ext>
             </a:extLst>
           </a:bodyPr>
@@ -28973,7 +30001,7 @@
             <a:spAutoFit/>
             <a:extLst>
               <a:ext uri="{4A0BC546-FE56-4ADE-93B0-CB8AF2F6F144}">
-                <wpsdc:textFrameExt xmlns="" xmlns:wpsdc="http://www.wps.cn/officeDocument/2022/drawingmlCustomData" type="text"/>
+                <wpsdc:textFrameExt xmlns:wpsdc="http://www.wps.cn/officeDocument/2022/drawingmlCustomData" xmlns="" type="text"/>
               </a:ext>
             </a:extLst>
           </a:bodyPr>
@@ -29010,7 +30038,7 @@
             <a:spAutoFit/>
             <a:extLst>
               <a:ext uri="{4A0BC546-FE56-4ADE-93B0-CB8AF2F6F144}">
-                <wpsdc:textFrameExt xmlns="" xmlns:wpsdc="http://www.wps.cn/officeDocument/2022/drawingmlCustomData" type="text"/>
+                <wpsdc:textFrameExt xmlns:wpsdc="http://www.wps.cn/officeDocument/2022/drawingmlCustomData" xmlns="" type="text"/>
               </a:ext>
             </a:extLst>
           </a:bodyPr>
@@ -29691,7 +30719,7 @@
             <a:spAutoFit/>
             <a:extLst>
               <a:ext uri="{4A0BC546-FE56-4ADE-93B0-CB8AF2F6F144}">
-                <wpsdc:textFrameExt xmlns="" xmlns:wpsdc="http://www.wps.cn/officeDocument/2022/drawingmlCustomData" type="text"/>
+                <wpsdc:textFrameExt xmlns:wpsdc="http://www.wps.cn/officeDocument/2022/drawingmlCustomData" xmlns="" type="text"/>
               </a:ext>
             </a:extLst>
           </a:bodyPr>
@@ -30104,7 +31132,7 @@
             <a:spAutoFit/>
             <a:extLst>
               <a:ext uri="{4A0BC546-FE56-4ADE-93B0-CB8AF2F6F144}">
-                <wpsdc:textFrameExt xmlns="" xmlns:wpsdc="http://www.wps.cn/officeDocument/2022/drawingmlCustomData" type="text"/>
+                <wpsdc:textFrameExt xmlns:wpsdc="http://www.wps.cn/officeDocument/2022/drawingmlCustomData" xmlns="" type="text"/>
               </a:ext>
             </a:extLst>
           </a:bodyPr>
@@ -30291,7 +31319,7 @@
             <a:spAutoFit/>
             <a:extLst>
               <a:ext uri="{4A0BC546-FE56-4ADE-93B0-CB8AF2F6F144}">
-                <wpsdc:textFrameExt xmlns="" xmlns:wpsdc="http://www.wps.cn/officeDocument/2022/drawingmlCustomData" type="text"/>
+                <wpsdc:textFrameExt xmlns:wpsdc="http://www.wps.cn/officeDocument/2022/drawingmlCustomData" xmlns="" type="text"/>
               </a:ext>
             </a:extLst>
           </a:bodyPr>
@@ -30328,7 +31356,7 @@
             <a:spAutoFit/>
             <a:extLst>
               <a:ext uri="{4A0BC546-FE56-4ADE-93B0-CB8AF2F6F144}">
-                <wpsdc:textFrameExt xmlns="" xmlns:wpsdc="http://www.wps.cn/officeDocument/2022/drawingmlCustomData" type="text"/>
+                <wpsdc:textFrameExt xmlns:wpsdc="http://www.wps.cn/officeDocument/2022/drawingmlCustomData" xmlns="" type="text"/>
               </a:ext>
             </a:extLst>
           </a:bodyPr>
@@ -30365,7 +31393,7 @@
             <a:spAutoFit/>
             <a:extLst>
               <a:ext uri="{4A0BC546-FE56-4ADE-93B0-CB8AF2F6F144}">
-                <wpsdc:textFrameExt xmlns="" xmlns:wpsdc="http://www.wps.cn/officeDocument/2022/drawingmlCustomData" type="text"/>
+                <wpsdc:textFrameExt xmlns:wpsdc="http://www.wps.cn/officeDocument/2022/drawingmlCustomData" xmlns="" type="text"/>
               </a:ext>
             </a:extLst>
           </a:bodyPr>
@@ -30557,7 +31585,7 @@
             <a:spAutoFit/>
             <a:extLst>
               <a:ext uri="{4A0BC546-FE56-4ADE-93B0-CB8AF2F6F144}">
-                <wpsdc:textFrameExt xmlns="" xmlns:wpsdc="http://www.wps.cn/officeDocument/2022/drawingmlCustomData" type="text"/>
+                <wpsdc:textFrameExt xmlns:wpsdc="http://www.wps.cn/officeDocument/2022/drawingmlCustomData" xmlns="" type="text"/>
               </a:ext>
             </a:extLst>
           </a:bodyPr>
@@ -30633,7 +31661,7 @@
             <a:spAutoFit/>
             <a:extLst>
               <a:ext uri="{4A0BC546-FE56-4ADE-93B0-CB8AF2F6F144}">
-                <wpsdc:textFrameExt xmlns="" xmlns:wpsdc="http://www.wps.cn/officeDocument/2022/drawingmlCustomData" type="text"/>
+                <wpsdc:textFrameExt xmlns:wpsdc="http://www.wps.cn/officeDocument/2022/drawingmlCustomData" xmlns="" type="text"/>
               </a:ext>
             </a:extLst>
           </a:bodyPr>
@@ -30848,7 +31876,7 @@
             <a:spAutoFit/>
             <a:extLst>
               <a:ext uri="{4A0BC546-FE56-4ADE-93B0-CB8AF2F6F144}">
-                <wpsdc:textFrameExt xmlns="" xmlns:wpsdc="http://www.wps.cn/officeDocument/2022/drawingmlCustomData" type="text"/>
+                <wpsdc:textFrameExt xmlns:wpsdc="http://www.wps.cn/officeDocument/2022/drawingmlCustomData" xmlns="" type="text"/>
               </a:ext>
             </a:extLst>
           </a:bodyPr>
@@ -33007,7 +34035,7 @@
             <a:spAutoFit/>
             <a:extLst>
               <a:ext uri="{4A0BC546-FE56-4ADE-93B0-CB8AF2F6F144}">
-                <wpsdc:textFrameExt xmlns="" xmlns:wpsdc="http://www.wps.cn/officeDocument/2022/drawingmlCustomData" type="text"/>
+                <wpsdc:textFrameExt xmlns:wpsdc="http://www.wps.cn/officeDocument/2022/drawingmlCustomData" xmlns="" type="text"/>
               </a:ext>
             </a:extLst>
           </a:bodyPr>
@@ -33050,7 +34078,7 @@
             <a:spAutoFit/>
             <a:extLst>
               <a:ext uri="{4A0BC546-FE56-4ADE-93B0-CB8AF2F6F144}">
-                <wpsdc:textFrameExt xmlns="" xmlns:wpsdc="http://www.wps.cn/officeDocument/2022/drawingmlCustomData" type="text"/>
+                <wpsdc:textFrameExt xmlns:wpsdc="http://www.wps.cn/officeDocument/2022/drawingmlCustomData" xmlns="" type="text"/>
               </a:ext>
             </a:extLst>
           </a:bodyPr>
@@ -33093,7 +34121,7 @@
             <a:spAutoFit/>
             <a:extLst>
               <a:ext uri="{4A0BC546-FE56-4ADE-93B0-CB8AF2F6F144}">
-                <wpsdc:textFrameExt xmlns="" xmlns:wpsdc="http://www.wps.cn/officeDocument/2022/drawingmlCustomData" type="text"/>
+                <wpsdc:textFrameExt xmlns:wpsdc="http://www.wps.cn/officeDocument/2022/drawingmlCustomData" xmlns="" type="text"/>
               </a:ext>
             </a:extLst>
           </a:bodyPr>
@@ -33136,7 +34164,7 @@
             <a:spAutoFit/>
             <a:extLst>
               <a:ext uri="{4A0BC546-FE56-4ADE-93B0-CB8AF2F6F144}">
-                <wpsdc:textFrameExt xmlns="" xmlns:wpsdc="http://www.wps.cn/officeDocument/2022/drawingmlCustomData" type="text"/>
+                <wpsdc:textFrameExt xmlns:wpsdc="http://www.wps.cn/officeDocument/2022/drawingmlCustomData" xmlns="" type="text"/>
               </a:ext>
             </a:extLst>
           </a:bodyPr>
@@ -35884,7 +36912,7 @@
             <a:spAutoFit/>
             <a:extLst>
               <a:ext uri="{4A0BC546-FE56-4ADE-93B0-CB8AF2F6F144}">
-                <wpsdc:textFrameExt xmlns="" xmlns:wpsdc="http://www.wps.cn/officeDocument/2022/drawingmlCustomData" type="text"/>
+                <wpsdc:textFrameExt xmlns:wpsdc="http://www.wps.cn/officeDocument/2022/drawingmlCustomData" xmlns="" type="text"/>
               </a:ext>
             </a:extLst>
           </a:bodyPr>
@@ -35927,7 +36955,7 @@
             <a:spAutoFit/>
             <a:extLst>
               <a:ext uri="{4A0BC546-FE56-4ADE-93B0-CB8AF2F6F144}">
-                <wpsdc:textFrameExt xmlns="" xmlns:wpsdc="http://www.wps.cn/officeDocument/2022/drawingmlCustomData" type="text"/>
+                <wpsdc:textFrameExt xmlns:wpsdc="http://www.wps.cn/officeDocument/2022/drawingmlCustomData" xmlns="" type="text"/>
               </a:ext>
             </a:extLst>
           </a:bodyPr>
@@ -35975,7 +37003,7 @@
             <a:spAutoFit/>
             <a:extLst>
               <a:ext uri="{4A0BC546-FE56-4ADE-93B0-CB8AF2F6F144}">
-                <wpsdc:textFrameExt xmlns="" xmlns:wpsdc="http://www.wps.cn/officeDocument/2022/drawingmlCustomData" type="text"/>
+                <wpsdc:textFrameExt xmlns:wpsdc="http://www.wps.cn/officeDocument/2022/drawingmlCustomData" xmlns="" type="text"/>
               </a:ext>
             </a:extLst>
           </a:bodyPr>
@@ -36018,7 +37046,7 @@
             <a:spAutoFit/>
             <a:extLst>
               <a:ext uri="{4A0BC546-FE56-4ADE-93B0-CB8AF2F6F144}">
-                <wpsdc:textFrameExt xmlns="" xmlns:wpsdc="http://www.wps.cn/officeDocument/2022/drawingmlCustomData" type="text"/>
+                <wpsdc:textFrameExt xmlns:wpsdc="http://www.wps.cn/officeDocument/2022/drawingmlCustomData" xmlns="" type="text"/>
               </a:ext>
             </a:extLst>
           </a:bodyPr>
@@ -36061,7 +37089,7 @@
             <a:spAutoFit/>
             <a:extLst>
               <a:ext uri="{4A0BC546-FE56-4ADE-93B0-CB8AF2F6F144}">
-                <wpsdc:textFrameExt xmlns="" xmlns:wpsdc="http://www.wps.cn/officeDocument/2022/drawingmlCustomData" type="text"/>
+                <wpsdc:textFrameExt xmlns:wpsdc="http://www.wps.cn/officeDocument/2022/drawingmlCustomData" xmlns="" type="text"/>
               </a:ext>
             </a:extLst>
           </a:bodyPr>
@@ -36300,7 +37328,7 @@
             <a:spAutoFit/>
             <a:extLst>
               <a:ext uri="{4A0BC546-FE56-4ADE-93B0-CB8AF2F6F144}">
-                <wpsdc:textFrameExt xmlns="" xmlns:wpsdc="http://www.wps.cn/officeDocument/2022/drawingmlCustomData" type="text"/>
+                <wpsdc:textFrameExt xmlns:wpsdc="http://www.wps.cn/officeDocument/2022/drawingmlCustomData" xmlns="" type="text"/>
               </a:ext>
             </a:extLst>
           </a:bodyPr>
@@ -36343,7 +37371,7 @@
             <a:spAutoFit/>
             <a:extLst>
               <a:ext uri="{4A0BC546-FE56-4ADE-93B0-CB8AF2F6F144}">
-                <wpsdc:textFrameExt xmlns="" xmlns:wpsdc="http://www.wps.cn/officeDocument/2022/drawingmlCustomData" type="text"/>
+                <wpsdc:textFrameExt xmlns:wpsdc="http://www.wps.cn/officeDocument/2022/drawingmlCustomData" xmlns="" type="text"/>
               </a:ext>
             </a:extLst>
           </a:bodyPr>
@@ -36386,7 +37414,7 @@
             <a:spAutoFit/>
             <a:extLst>
               <a:ext uri="{4A0BC546-FE56-4ADE-93B0-CB8AF2F6F144}">
-                <wpsdc:textFrameExt xmlns="" xmlns:wpsdc="http://www.wps.cn/officeDocument/2022/drawingmlCustomData" type="text"/>
+                <wpsdc:textFrameExt xmlns:wpsdc="http://www.wps.cn/officeDocument/2022/drawingmlCustomData" xmlns="" type="text"/>
               </a:ext>
             </a:extLst>
           </a:bodyPr>
@@ -36429,7 +37457,7 @@
             <a:spAutoFit/>
             <a:extLst>
               <a:ext uri="{4A0BC546-FE56-4ADE-93B0-CB8AF2F6F144}">
-                <wpsdc:textFrameExt xmlns="" xmlns:wpsdc="http://www.wps.cn/officeDocument/2022/drawingmlCustomData" type="text"/>
+                <wpsdc:textFrameExt xmlns:wpsdc="http://www.wps.cn/officeDocument/2022/drawingmlCustomData" xmlns="" type="text"/>
               </a:ext>
             </a:extLst>
           </a:bodyPr>
@@ -36467,7 +37495,7 @@
             <a:noAutofit/>
             <a:extLst>
               <a:ext uri="{4A0BC546-FE56-4ADE-93B0-CB8AF2F6F144}">
-                <wpsdc:textFrameExt xmlns="" xmlns:wpsdc="http://www.wps.cn/officeDocument/2022/drawingmlCustomData" type="text"/>
+                <wpsdc:textFrameExt xmlns:wpsdc="http://www.wps.cn/officeDocument/2022/drawingmlCustomData" xmlns="" type="text"/>
               </a:ext>
             </a:extLst>
           </a:bodyPr>
@@ -36509,7 +37537,7 @@
             <a:spAutoFit/>
             <a:extLst>
               <a:ext uri="{4A0BC546-FE56-4ADE-93B0-CB8AF2F6F144}">
-                <wpsdc:textFrameExt xmlns="" xmlns:wpsdc="http://www.wps.cn/officeDocument/2022/drawingmlCustomData" type="text"/>
+                <wpsdc:textFrameExt xmlns:wpsdc="http://www.wps.cn/officeDocument/2022/drawingmlCustomData" xmlns="" type="text"/>
               </a:ext>
             </a:extLst>
           </a:bodyPr>
@@ -36556,7 +37584,7 @@
             <a:spAutoFit/>
             <a:extLst>
               <a:ext uri="{4A0BC546-FE56-4ADE-93B0-CB8AF2F6F144}">
-                <wpsdc:textFrameExt xmlns="" xmlns:wpsdc="http://www.wps.cn/officeDocument/2022/drawingmlCustomData" type="text"/>
+                <wpsdc:textFrameExt xmlns:wpsdc="http://www.wps.cn/officeDocument/2022/drawingmlCustomData" xmlns="" type="text"/>
               </a:ext>
             </a:extLst>
           </a:bodyPr>
@@ -36596,7 +37624,7 @@
             <a:spAutoFit/>
             <a:extLst>
               <a:ext uri="{4A0BC546-FE56-4ADE-93B0-CB8AF2F6F144}">
-                <wpsdc:textFrameExt xmlns="" xmlns:wpsdc="http://www.wps.cn/officeDocument/2022/drawingmlCustomData" type="text"/>
+                <wpsdc:textFrameExt xmlns:wpsdc="http://www.wps.cn/officeDocument/2022/drawingmlCustomData" xmlns="" type="text"/>
               </a:ext>
             </a:extLst>
           </a:bodyPr>
@@ -36636,7 +37664,7 @@
             <a:spAutoFit/>
             <a:extLst>
               <a:ext uri="{4A0BC546-FE56-4ADE-93B0-CB8AF2F6F144}">
-                <wpsdc:textFrameExt xmlns="" xmlns:wpsdc="http://www.wps.cn/officeDocument/2022/drawingmlCustomData" type="text"/>
+                <wpsdc:textFrameExt xmlns:wpsdc="http://www.wps.cn/officeDocument/2022/drawingmlCustomData" xmlns="" type="text"/>
               </a:ext>
             </a:extLst>
           </a:bodyPr>
@@ -37047,7 +38075,7 @@
             <a:spAutoFit/>
             <a:extLst>
               <a:ext uri="{4A0BC546-FE56-4ADE-93B0-CB8AF2F6F144}">
-                <wpsdc:textFrameExt xmlns="" xmlns:wpsdc="http://www.wps.cn/officeDocument/2022/drawingmlCustomData" type="text"/>
+                <wpsdc:textFrameExt xmlns:wpsdc="http://www.wps.cn/officeDocument/2022/drawingmlCustomData" xmlns="" type="text"/>
               </a:ext>
             </a:extLst>
           </a:bodyPr>
@@ -37304,7 +38332,7 @@
             <a:spAutoFit/>
             <a:extLst>
               <a:ext uri="{4A0BC546-FE56-4ADE-93B0-CB8AF2F6F144}">
-                <wpsdc:textFrameExt xmlns="" xmlns:wpsdc="http://www.wps.cn/officeDocument/2022/drawingmlCustomData" type="text"/>
+                <wpsdc:textFrameExt xmlns:wpsdc="http://www.wps.cn/officeDocument/2022/drawingmlCustomData" xmlns="" type="text"/>
               </a:ext>
             </a:extLst>
           </a:bodyPr>
@@ -37379,7 +38407,7 @@
             <a:noAutofit/>
             <a:extLst>
               <a:ext uri="{4A0BC546-FE56-4ADE-93B0-CB8AF2F6F144}">
-                <wpsdc:textFrameExt xmlns="" xmlns:wpsdc="http://www.wps.cn/officeDocument/2022/drawingmlCustomData" type="text"/>
+                <wpsdc:textFrameExt xmlns:wpsdc="http://www.wps.cn/officeDocument/2022/drawingmlCustomData" xmlns="" type="text"/>
               </a:ext>
             </a:extLst>
           </a:bodyPr>
@@ -37425,7 +38453,7 @@
             <a:spAutoFit/>
             <a:extLst>
               <a:ext uri="{4A0BC546-FE56-4ADE-93B0-CB8AF2F6F144}">
-                <wpsdc:textFrameExt xmlns="" xmlns:wpsdc="http://www.wps.cn/officeDocument/2022/drawingmlCustomData" type="text"/>
+                <wpsdc:textFrameExt xmlns:wpsdc="http://www.wps.cn/officeDocument/2022/drawingmlCustomData" xmlns="" type="text"/>
               </a:ext>
             </a:extLst>
           </a:bodyPr>
@@ -37475,7 +38503,7 @@
             <a:spAutoFit/>
             <a:extLst>
               <a:ext uri="{4A0BC546-FE56-4ADE-93B0-CB8AF2F6F144}">
-                <wpsdc:textFrameExt xmlns="" xmlns:wpsdc="http://www.wps.cn/officeDocument/2022/drawingmlCustomData" type="text"/>
+                <wpsdc:textFrameExt xmlns:wpsdc="http://www.wps.cn/officeDocument/2022/drawingmlCustomData" xmlns="" type="text"/>
               </a:ext>
             </a:extLst>
           </a:bodyPr>
@@ -37525,7 +38553,7 @@
             <a:spAutoFit/>
             <a:extLst>
               <a:ext uri="{4A0BC546-FE56-4ADE-93B0-CB8AF2F6F144}">
-                <wpsdc:textFrameExt xmlns="" xmlns:wpsdc="http://www.wps.cn/officeDocument/2022/drawingmlCustomData" type="text"/>
+                <wpsdc:textFrameExt xmlns:wpsdc="http://www.wps.cn/officeDocument/2022/drawingmlCustomData" xmlns="" type="text"/>
               </a:ext>
             </a:extLst>
           </a:bodyPr>

--- a/论文插图.pptx
+++ b/论文插图.pptx
@@ -5,7 +5,7 @@
     <p:sldMasterId id="2147483648" r:id="rId1"/>
   </p:sldMasterIdLst>
   <p:notesMasterIdLst>
-    <p:notesMasterId r:id="rId29"/>
+    <p:notesMasterId r:id="rId32"/>
   </p:notesMasterIdLst>
   <p:sldIdLst>
     <p:sldId id="256" r:id="rId2"/>
@@ -35,11 +35,14 @@
     <p:sldId id="293" r:id="rId26"/>
     <p:sldId id="294" r:id="rId27"/>
     <p:sldId id="295" r:id="rId28"/>
+    <p:sldId id="296" r:id="rId29"/>
+    <p:sldId id="297" r:id="rId30"/>
+    <p:sldId id="298" r:id="rId31"/>
   </p:sldIdLst>
   <p:sldSz cx="12192000" cy="6858000"/>
   <p:notesSz cx="6858000" cy="9144000"/>
   <p:custDataLst>
-    <p:tags r:id="rId30"/>
+    <p:tags r:id="rId33"/>
   </p:custDataLst>
   <p:defaultTextStyle>
     <a:defPPr>
@@ -1058,6 +1061,72 @@
     <p:extLst>
       <p:ext uri="{BB962C8B-B14F-4D97-AF65-F5344CB8AC3E}">
         <p14:creationId xmlns:p14="http://schemas.microsoft.com/office/powerpoint/2010/main" val="2826228654"/>
+      </p:ext>
+    </p:extLst>
+  </p:cSld>
+  <p:clrMapOvr>
+    <a:masterClrMapping/>
+  </p:clrMapOvr>
+</p:notes>
+</file>
+
+<file path=ppt/notesSlides/notesSlide18.xml><?xml version="1.0" encoding="utf-8"?>
+<p:notes xmlns:a="http://schemas.openxmlformats.org/drawingml/2006/main" xmlns:r="http://schemas.openxmlformats.org/officeDocument/2006/relationships" xmlns:p="http://schemas.openxmlformats.org/presentationml/2006/main">
+  <p:cSld>
+    <p:spTree>
+      <p:nvGrpSpPr>
+        <p:cNvPr id="1" name=""/>
+        <p:cNvGrpSpPr/>
+        <p:nvPr/>
+      </p:nvGrpSpPr>
+      <p:grpSpPr>
+        <a:xfrm>
+          <a:off x="0" y="0"/>
+          <a:ext cx="0" cy="0"/>
+          <a:chOff x="0" y="0"/>
+          <a:chExt cx="0" cy="0"/>
+        </a:xfrm>
+      </p:grpSpPr>
+      <p:sp>
+        <p:nvSpPr>
+          <p:cNvPr id="1048602" name="幻灯片图像占位符 1"/>
+          <p:cNvSpPr>
+            <a:spLocks noGrp="1" noRot="1" noChangeAspect="1"/>
+          </p:cNvSpPr>
+          <p:nvPr>
+            <p:ph type="sldImg"/>
+          </p:nvPr>
+        </p:nvSpPr>
+        <p:spPr>
+          <a:xfrm>
+            <a:off x="381000" y="685800"/>
+            <a:ext cx="6096000" cy="3429000"/>
+          </a:xfrm>
+        </p:spPr>
+      </p:sp>
+      <p:sp>
+        <p:nvSpPr>
+          <p:cNvPr id="1048603" name="备注占位符 2"/>
+          <p:cNvSpPr>
+            <a:spLocks noGrp="1"/>
+          </p:cNvSpPr>
+          <p:nvPr>
+            <p:ph type="body" idx="1"/>
+          </p:nvPr>
+        </p:nvSpPr>
+        <p:spPr/>
+        <p:txBody>
+          <a:bodyPr/>
+          <a:lstStyle/>
+          <a:p>
+            <a:endParaRPr kumimoji="1" lang="zh-SG" altLang="en-US" dirty="0"/>
+          </a:p>
+        </p:txBody>
+      </p:sp>
+    </p:spTree>
+    <p:extLst>
+      <p:ext uri="{BB962C8B-B14F-4D97-AF65-F5344CB8AC3E}">
+        <p14:creationId xmlns:p14="http://schemas.microsoft.com/office/powerpoint/2010/main" val="3480402137"/>
       </p:ext>
     </p:extLst>
   </p:cSld>
@@ -6361,7 +6430,7 @@
             <a:spAutoFit/>
             <a:extLst>
               <a:ext uri="{4A0BC546-FE56-4ADE-93B0-CB8AF2F6F144}">
-                <wpsdc:textFrameExt xmlns:wpsdc="http://www.wps.cn/officeDocument/2022/drawingmlCustomData" xmlns="" type="text"/>
+                <wpsdc:textFrameExt xmlns="" xmlns:wpsdc="http://www.wps.cn/officeDocument/2022/drawingmlCustomData" type="text"/>
               </a:ext>
             </a:extLst>
           </a:bodyPr>
@@ -6398,7 +6467,7 @@
             <a:spAutoFit/>
             <a:extLst>
               <a:ext uri="{4A0BC546-FE56-4ADE-93B0-CB8AF2F6F144}">
-                <wpsdc:textFrameExt xmlns:wpsdc="http://www.wps.cn/officeDocument/2022/drawingmlCustomData" xmlns="" type="text"/>
+                <wpsdc:textFrameExt xmlns="" xmlns:wpsdc="http://www.wps.cn/officeDocument/2022/drawingmlCustomData" type="text"/>
               </a:ext>
             </a:extLst>
           </a:bodyPr>
@@ -9015,7 +9084,7 @@
             <a:spAutoFit/>
             <a:extLst>
               <a:ext uri="{4A0BC546-FE56-4ADE-93B0-CB8AF2F6F144}">
-                <wpsdc:textFrameExt xmlns:wpsdc="http://www.wps.cn/officeDocument/2022/drawingmlCustomData" xmlns="" type="text"/>
+                <wpsdc:textFrameExt xmlns="" xmlns:wpsdc="http://www.wps.cn/officeDocument/2022/drawingmlCustomData" type="text"/>
               </a:ext>
             </a:extLst>
           </a:bodyPr>
@@ -9066,7 +9135,7 @@
             <a:spAutoFit/>
             <a:extLst>
               <a:ext uri="{4A0BC546-FE56-4ADE-93B0-CB8AF2F6F144}">
-                <wpsdc:textFrameExt xmlns:wpsdc="http://www.wps.cn/officeDocument/2022/drawingmlCustomData" xmlns="" type="text"/>
+                <wpsdc:textFrameExt xmlns="" xmlns:wpsdc="http://www.wps.cn/officeDocument/2022/drawingmlCustomData" type="text"/>
               </a:ext>
             </a:extLst>
           </a:bodyPr>
@@ -9117,7 +9186,7 @@
             <a:spAutoFit/>
             <a:extLst>
               <a:ext uri="{4A0BC546-FE56-4ADE-93B0-CB8AF2F6F144}">
-                <wpsdc:textFrameExt xmlns:wpsdc="http://www.wps.cn/officeDocument/2022/drawingmlCustomData" xmlns="" type="text"/>
+                <wpsdc:textFrameExt xmlns="" xmlns:wpsdc="http://www.wps.cn/officeDocument/2022/drawingmlCustomData" type="text"/>
               </a:ext>
             </a:extLst>
           </a:bodyPr>
@@ -9240,7 +9309,7 @@
             <a:spAutoFit/>
             <a:extLst>
               <a:ext uri="{4A0BC546-FE56-4ADE-93B0-CB8AF2F6F144}">
-                <wpsdc:textFrameExt xmlns:wpsdc="http://www.wps.cn/officeDocument/2022/drawingmlCustomData" xmlns="" type="text"/>
+                <wpsdc:textFrameExt xmlns="" xmlns:wpsdc="http://www.wps.cn/officeDocument/2022/drawingmlCustomData" type="text"/>
               </a:ext>
             </a:extLst>
           </a:bodyPr>
@@ -9285,7 +9354,7 @@
             <a:spAutoFit/>
             <a:extLst>
               <a:ext uri="{4A0BC546-FE56-4ADE-93B0-CB8AF2F6F144}">
-                <wpsdc:textFrameExt xmlns:wpsdc="http://www.wps.cn/officeDocument/2022/drawingmlCustomData" xmlns="" type="text"/>
+                <wpsdc:textFrameExt xmlns="" xmlns:wpsdc="http://www.wps.cn/officeDocument/2022/drawingmlCustomData" type="text"/>
               </a:ext>
             </a:extLst>
           </a:bodyPr>
@@ -22600,6 +22669,3752 @@
 </p:sld>
 </file>
 
+<file path=ppt/slides/slide28.xml><?xml version="1.0" encoding="utf-8"?>
+<p:sld xmlns:a="http://schemas.openxmlformats.org/drawingml/2006/main" xmlns:r="http://schemas.openxmlformats.org/officeDocument/2006/relationships" xmlns:p="http://schemas.openxmlformats.org/presentationml/2006/main">
+  <p:cSld>
+    <p:spTree>
+      <p:nvGrpSpPr>
+        <p:cNvPr id="1" name=""/>
+        <p:cNvGrpSpPr/>
+        <p:nvPr/>
+      </p:nvGrpSpPr>
+      <p:grpSpPr>
+        <a:xfrm>
+          <a:off x="0" y="0"/>
+          <a:ext cx="0" cy="0"/>
+          <a:chOff x="0" y="0"/>
+          <a:chExt cx="0" cy="0"/>
+        </a:xfrm>
+      </p:grpSpPr>
+      <p:sp>
+        <p:nvSpPr>
+          <p:cNvPr id="2097157" name="矩形: 圆角 2097156">
+            <a:extLst>
+              <a:ext uri="{FF2B5EF4-FFF2-40B4-BE49-F238E27FC236}">
+                <a16:creationId xmlns:a16="http://schemas.microsoft.com/office/drawing/2014/main" id="{F2E133D3-5807-4A6B-BA68-1ED24271E161}"/>
+              </a:ext>
+            </a:extLst>
+          </p:cNvPr>
+          <p:cNvSpPr/>
+          <p:nvPr/>
+        </p:nvSpPr>
+        <p:spPr>
+          <a:xfrm>
+            <a:off x="3926541" y="1710474"/>
+            <a:ext cx="3343835" cy="3700547"/>
+          </a:xfrm>
+          <a:prstGeom prst="roundRect">
+            <a:avLst/>
+          </a:prstGeom>
+          <a:noFill/>
+          <a:ln w="19050">
+            <a:solidFill>
+              <a:schemeClr val="tx1"/>
+            </a:solidFill>
+          </a:ln>
+        </p:spPr>
+        <p:style>
+          <a:lnRef idx="2">
+            <a:schemeClr val="accent1">
+              <a:shade val="50000"/>
+            </a:schemeClr>
+          </a:lnRef>
+          <a:fillRef idx="1">
+            <a:schemeClr val="accent1"/>
+          </a:fillRef>
+          <a:effectRef idx="0">
+            <a:schemeClr val="accent1"/>
+          </a:effectRef>
+          <a:fontRef idx="minor">
+            <a:schemeClr val="lt1"/>
+          </a:fontRef>
+        </p:style>
+        <p:txBody>
+          <a:bodyPr rtlCol="0" anchor="ctr"/>
+          <a:lstStyle/>
+          <a:p>
+            <a:pPr algn="ctr"/>
+            <a:endParaRPr lang="zh-CN" altLang="en-US"/>
+          </a:p>
+        </p:txBody>
+      </p:sp>
+      <p:cxnSp>
+        <p:nvCxnSpPr>
+          <p:cNvPr id="3145732" name="直接连接符 4"/>
+          <p:cNvCxnSpPr/>
+          <p:nvPr/>
+        </p:nvCxnSpPr>
+        <p:spPr>
+          <a:xfrm>
+            <a:off x="302002" y="997804"/>
+            <a:ext cx="11587991" cy="0"/>
+          </a:xfrm>
+          <a:prstGeom prst="line">
+            <a:avLst/>
+          </a:prstGeom>
+          <a:ln w="12700">
+            <a:solidFill>
+              <a:srgbClr val="09397E"/>
+            </a:solidFill>
+          </a:ln>
+        </p:spPr>
+        <p:style>
+          <a:lnRef idx="1">
+            <a:schemeClr val="accent1"/>
+          </a:lnRef>
+          <a:fillRef idx="0">
+            <a:schemeClr val="accent1"/>
+          </a:fillRef>
+          <a:effectRef idx="0">
+            <a:schemeClr val="accent1"/>
+          </a:effectRef>
+          <a:fontRef idx="minor">
+            <a:schemeClr val="tx1"/>
+          </a:fontRef>
+        </p:style>
+      </p:cxnSp>
+      <p:sp>
+        <p:nvSpPr>
+          <p:cNvPr id="1048600" name="矩形 60"/>
+          <p:cNvSpPr/>
+          <p:nvPr/>
+        </p:nvSpPr>
+        <p:spPr>
+          <a:xfrm>
+            <a:off x="240030" y="420370"/>
+            <a:ext cx="6699885" cy="583565"/>
+          </a:xfrm>
+          <a:prstGeom prst="rect">
+            <a:avLst/>
+          </a:prstGeom>
+        </p:spPr>
+        <p:txBody>
+          <a:bodyPr wrap="square">
+            <a:spAutoFit/>
+          </a:bodyPr>
+          <a:lstStyle/>
+          <a:p>
+            <a:pPr marL="0" marR="0" lvl="0" indent="0" algn="l" defTabSz="914400" rtl="0" eaLnBrk="1" fontAlgn="auto" latinLnBrk="0" hangingPunct="1">
+              <a:lnSpc>
+                <a:spcPct val="100000"/>
+              </a:lnSpc>
+              <a:spcBef>
+                <a:spcPts val="0"/>
+              </a:spcBef>
+              <a:spcAft>
+                <a:spcPts val="0"/>
+              </a:spcAft>
+              <a:buClrTx/>
+              <a:buSzTx/>
+              <a:buFontTx/>
+              <a:buNone/>
+            </a:pPr>
+            <a:r>
+              <a:rPr kumimoji="0" lang="zh-CN" altLang="en-US" sz="3200" b="1" i="0" u="none" strike="noStrike" kern="1200" cap="none" spc="0" normalizeH="0" baseline="0" noProof="0" dirty="0">
+                <a:ln>
+                  <a:noFill/>
+                </a:ln>
+                <a:solidFill>
+                  <a:schemeClr val="accent2"/>
+                </a:solidFill>
+                <a:effectLst/>
+                <a:uLnTx/>
+                <a:uFillTx/>
+                <a:latin typeface="微软雅黑" panose="020B0503020204020204" charset="-122"/>
+                <a:ea typeface="微软雅黑" panose="020B0503020204020204" charset="-122"/>
+                <a:cs typeface="Times New Roman" panose="02020603050405020304" pitchFamily="18" charset="0"/>
+                <a:sym typeface="等线" panose="02010600030101010101" charset="-122"/>
+              </a:rPr>
+              <a:t>异常预测模型实验</a:t>
+            </a:r>
+          </a:p>
+        </p:txBody>
+      </p:sp>
+      <p:pic>
+        <p:nvPicPr>
+          <p:cNvPr id="2097158" name="图片 61"/>
+          <p:cNvPicPr>
+            <a:picLocks noChangeAspect="1"/>
+          </p:cNvPicPr>
+          <p:nvPr/>
+        </p:nvPicPr>
+        <p:blipFill rotWithShape="1">
+          <a:blip r:embed="rId3" cstate="print"/>
+          <a:srcRect b="9522"/>
+          <a:stretch>
+            <a:fillRect/>
+          </a:stretch>
+        </p:blipFill>
+        <p:spPr>
+          <a:xfrm>
+            <a:off x="10078279" y="277930"/>
+            <a:ext cx="1811714" cy="680928"/>
+          </a:xfrm>
+          <a:prstGeom prst="rect">
+            <a:avLst/>
+          </a:prstGeom>
+        </p:spPr>
+      </p:pic>
+      <p:sp>
+        <p:nvSpPr>
+          <p:cNvPr id="2" name="矩形: 圆角 1">
+            <a:extLst>
+              <a:ext uri="{FF2B5EF4-FFF2-40B4-BE49-F238E27FC236}">
+                <a16:creationId xmlns:a16="http://schemas.microsoft.com/office/drawing/2014/main" id="{3B57848A-7D5B-4367-A981-DCA114BD6515}"/>
+              </a:ext>
+            </a:extLst>
+          </p:cNvPr>
+          <p:cNvSpPr/>
+          <p:nvPr/>
+        </p:nvSpPr>
+        <p:spPr>
+          <a:xfrm>
+            <a:off x="4715434" y="4147937"/>
+            <a:ext cx="2124635" cy="546847"/>
+          </a:xfrm>
+          <a:prstGeom prst="roundRect">
+            <a:avLst/>
+          </a:prstGeom>
+          <a:solidFill>
+            <a:schemeClr val="accent2">
+              <a:lumMod val="20000"/>
+              <a:lumOff val="80000"/>
+            </a:schemeClr>
+          </a:solidFill>
+        </p:spPr>
+        <p:style>
+          <a:lnRef idx="2">
+            <a:schemeClr val="accent1">
+              <a:shade val="50000"/>
+            </a:schemeClr>
+          </a:lnRef>
+          <a:fillRef idx="1">
+            <a:schemeClr val="accent1"/>
+          </a:fillRef>
+          <a:effectRef idx="0">
+            <a:schemeClr val="accent1"/>
+          </a:effectRef>
+          <a:fontRef idx="minor">
+            <a:schemeClr val="lt1"/>
+          </a:fontRef>
+        </p:style>
+        <p:txBody>
+          <a:bodyPr rtlCol="0" anchor="ctr"/>
+          <a:lstStyle/>
+          <a:p>
+            <a:pPr algn="ctr"/>
+            <a:r>
+              <a:rPr lang="en-US" altLang="zh-CN" dirty="0">
+                <a:solidFill>
+                  <a:schemeClr val="tx1"/>
+                </a:solidFill>
+              </a:rPr>
+              <a:t>Univariate </a:t>
+            </a:r>
+          </a:p>
+          <a:p>
+            <a:pPr algn="ctr"/>
+            <a:r>
+              <a:rPr lang="en-US" altLang="zh-CN" dirty="0">
+                <a:solidFill>
+                  <a:schemeClr val="tx1"/>
+                </a:solidFill>
+              </a:rPr>
+              <a:t>Attention</a:t>
+            </a:r>
+            <a:endParaRPr lang="zh-CN" altLang="en-US" dirty="0">
+              <a:solidFill>
+                <a:schemeClr val="tx1"/>
+              </a:solidFill>
+            </a:endParaRPr>
+          </a:p>
+        </p:txBody>
+      </p:sp>
+      <p:sp>
+        <p:nvSpPr>
+          <p:cNvPr id="7" name="矩形: 圆角 6">
+            <a:extLst>
+              <a:ext uri="{FF2B5EF4-FFF2-40B4-BE49-F238E27FC236}">
+                <a16:creationId xmlns:a16="http://schemas.microsoft.com/office/drawing/2014/main" id="{C49821ED-1737-48FA-86AC-3FAA69B7A051}"/>
+              </a:ext>
+            </a:extLst>
+          </p:cNvPr>
+          <p:cNvSpPr/>
+          <p:nvPr/>
+        </p:nvSpPr>
+        <p:spPr>
+          <a:xfrm>
+            <a:off x="4715434" y="3560748"/>
+            <a:ext cx="2124635" cy="363071"/>
+          </a:xfrm>
+          <a:prstGeom prst="roundRect">
+            <a:avLst/>
+          </a:prstGeom>
+          <a:solidFill>
+            <a:schemeClr val="accent5">
+              <a:lumMod val="20000"/>
+              <a:lumOff val="80000"/>
+            </a:schemeClr>
+          </a:solidFill>
+        </p:spPr>
+        <p:style>
+          <a:lnRef idx="2">
+            <a:schemeClr val="accent1">
+              <a:shade val="50000"/>
+            </a:schemeClr>
+          </a:lnRef>
+          <a:fillRef idx="1">
+            <a:schemeClr val="accent1"/>
+          </a:fillRef>
+          <a:effectRef idx="0">
+            <a:schemeClr val="accent1"/>
+          </a:effectRef>
+          <a:fontRef idx="minor">
+            <a:schemeClr val="lt1"/>
+          </a:fontRef>
+        </p:style>
+        <p:txBody>
+          <a:bodyPr rtlCol="0" anchor="ctr"/>
+          <a:lstStyle/>
+          <a:p>
+            <a:pPr algn="ctr"/>
+            <a:r>
+              <a:rPr lang="en-US" altLang="zh-CN" dirty="0">
+                <a:solidFill>
+                  <a:schemeClr val="tx1"/>
+                </a:solidFill>
+              </a:rPr>
+              <a:t>Add &amp; Norm</a:t>
+            </a:r>
+            <a:endParaRPr lang="zh-CN" altLang="en-US" dirty="0">
+              <a:solidFill>
+                <a:schemeClr val="tx1"/>
+              </a:solidFill>
+            </a:endParaRPr>
+          </a:p>
+        </p:txBody>
+      </p:sp>
+      <p:sp>
+        <p:nvSpPr>
+          <p:cNvPr id="8" name="矩形: 圆角 7">
+            <a:extLst>
+              <a:ext uri="{FF2B5EF4-FFF2-40B4-BE49-F238E27FC236}">
+                <a16:creationId xmlns:a16="http://schemas.microsoft.com/office/drawing/2014/main" id="{B247C556-A8F2-4765-9F3B-94626374CDA3}"/>
+              </a:ext>
+            </a:extLst>
+          </p:cNvPr>
+          <p:cNvSpPr/>
+          <p:nvPr/>
+        </p:nvSpPr>
+        <p:spPr>
+          <a:xfrm>
+            <a:off x="4715433" y="2465336"/>
+            <a:ext cx="2124635" cy="583565"/>
+          </a:xfrm>
+          <a:prstGeom prst="roundRect">
+            <a:avLst/>
+          </a:prstGeom>
+          <a:solidFill>
+            <a:schemeClr val="accent4">
+              <a:lumMod val="40000"/>
+              <a:lumOff val="60000"/>
+            </a:schemeClr>
+          </a:solidFill>
+        </p:spPr>
+        <p:style>
+          <a:lnRef idx="2">
+            <a:schemeClr val="accent1">
+              <a:shade val="50000"/>
+            </a:schemeClr>
+          </a:lnRef>
+          <a:fillRef idx="1">
+            <a:schemeClr val="accent1"/>
+          </a:fillRef>
+          <a:effectRef idx="0">
+            <a:schemeClr val="accent1"/>
+          </a:effectRef>
+          <a:fontRef idx="minor">
+            <a:schemeClr val="lt1"/>
+          </a:fontRef>
+        </p:style>
+        <p:txBody>
+          <a:bodyPr rtlCol="0" anchor="ctr"/>
+          <a:lstStyle/>
+          <a:p>
+            <a:pPr algn="ctr"/>
+            <a:r>
+              <a:rPr lang="en-US" altLang="zh-CN" dirty="0">
+                <a:solidFill>
+                  <a:schemeClr val="tx1"/>
+                </a:solidFill>
+              </a:rPr>
+              <a:t>Feed </a:t>
+            </a:r>
+          </a:p>
+          <a:p>
+            <a:pPr algn="ctr"/>
+            <a:r>
+              <a:rPr lang="en-US" altLang="zh-CN" dirty="0">
+                <a:solidFill>
+                  <a:schemeClr val="tx1"/>
+                </a:solidFill>
+              </a:rPr>
+              <a:t>Forward</a:t>
+            </a:r>
+            <a:endParaRPr lang="zh-CN" altLang="en-US" dirty="0">
+              <a:solidFill>
+                <a:schemeClr val="tx1"/>
+              </a:solidFill>
+            </a:endParaRPr>
+          </a:p>
+        </p:txBody>
+      </p:sp>
+      <p:sp>
+        <p:nvSpPr>
+          <p:cNvPr id="9" name="矩形: 圆角 8">
+            <a:extLst>
+              <a:ext uri="{FF2B5EF4-FFF2-40B4-BE49-F238E27FC236}">
+                <a16:creationId xmlns:a16="http://schemas.microsoft.com/office/drawing/2014/main" id="{760B349B-D195-4E80-9246-55D7989B6BB7}"/>
+              </a:ext>
+            </a:extLst>
+          </p:cNvPr>
+          <p:cNvSpPr/>
+          <p:nvPr/>
+        </p:nvSpPr>
+        <p:spPr>
+          <a:xfrm>
+            <a:off x="4715432" y="1882630"/>
+            <a:ext cx="2124635" cy="363071"/>
+          </a:xfrm>
+          <a:prstGeom prst="roundRect">
+            <a:avLst/>
+          </a:prstGeom>
+          <a:solidFill>
+            <a:schemeClr val="accent5">
+              <a:lumMod val="20000"/>
+              <a:lumOff val="80000"/>
+            </a:schemeClr>
+          </a:solidFill>
+        </p:spPr>
+        <p:style>
+          <a:lnRef idx="2">
+            <a:schemeClr val="accent1">
+              <a:shade val="50000"/>
+            </a:schemeClr>
+          </a:lnRef>
+          <a:fillRef idx="1">
+            <a:schemeClr val="accent1"/>
+          </a:fillRef>
+          <a:effectRef idx="0">
+            <a:schemeClr val="accent1"/>
+          </a:effectRef>
+          <a:fontRef idx="minor">
+            <a:schemeClr val="lt1"/>
+          </a:fontRef>
+        </p:style>
+        <p:txBody>
+          <a:bodyPr rtlCol="0" anchor="ctr"/>
+          <a:lstStyle/>
+          <a:p>
+            <a:pPr algn="ctr"/>
+            <a:r>
+              <a:rPr lang="en-US" altLang="zh-CN" dirty="0">
+                <a:solidFill>
+                  <a:schemeClr val="tx1"/>
+                </a:solidFill>
+              </a:rPr>
+              <a:t>Add &amp; Norm</a:t>
+            </a:r>
+            <a:endParaRPr lang="zh-CN" altLang="en-US" dirty="0">
+              <a:solidFill>
+                <a:schemeClr val="tx1"/>
+              </a:solidFill>
+            </a:endParaRPr>
+          </a:p>
+        </p:txBody>
+      </p:sp>
+      <p:sp>
+        <p:nvSpPr>
+          <p:cNvPr id="6" name="流程图: 或者 5">
+            <a:extLst>
+              <a:ext uri="{FF2B5EF4-FFF2-40B4-BE49-F238E27FC236}">
+                <a16:creationId xmlns:a16="http://schemas.microsoft.com/office/drawing/2014/main" id="{931A9409-E6E7-44F2-984E-464F46B271EC}"/>
+              </a:ext>
+            </a:extLst>
+          </p:cNvPr>
+          <p:cNvSpPr/>
+          <p:nvPr/>
+        </p:nvSpPr>
+        <p:spPr>
+          <a:xfrm>
+            <a:off x="5649240" y="5592115"/>
+            <a:ext cx="257020" cy="268081"/>
+          </a:xfrm>
+          <a:prstGeom prst="flowChartOr">
+            <a:avLst/>
+          </a:prstGeom>
+          <a:noFill/>
+          <a:ln w="19050">
+            <a:solidFill>
+              <a:schemeClr val="tx1"/>
+            </a:solidFill>
+          </a:ln>
+        </p:spPr>
+        <p:style>
+          <a:lnRef idx="2">
+            <a:schemeClr val="accent1">
+              <a:shade val="50000"/>
+            </a:schemeClr>
+          </a:lnRef>
+          <a:fillRef idx="1">
+            <a:schemeClr val="accent1"/>
+          </a:fillRef>
+          <a:effectRef idx="0">
+            <a:schemeClr val="accent1"/>
+          </a:effectRef>
+          <a:fontRef idx="minor">
+            <a:schemeClr val="lt1"/>
+          </a:fontRef>
+        </p:style>
+        <p:txBody>
+          <a:bodyPr rtlCol="0" anchor="ctr"/>
+          <a:lstStyle/>
+          <a:p>
+            <a:pPr algn="ctr"/>
+            <a:endParaRPr lang="zh-CN" altLang="en-US"/>
+          </a:p>
+        </p:txBody>
+      </p:sp>
+      <p:cxnSp>
+        <p:nvCxnSpPr>
+          <p:cNvPr id="11" name="直接箭头连接符 10">
+            <a:extLst>
+              <a:ext uri="{FF2B5EF4-FFF2-40B4-BE49-F238E27FC236}">
+                <a16:creationId xmlns:a16="http://schemas.microsoft.com/office/drawing/2014/main" id="{EE95A18E-CD07-4FEC-AFC7-46F447A47195}"/>
+              </a:ext>
+            </a:extLst>
+          </p:cNvPr>
+          <p:cNvCxnSpPr>
+            <a:stCxn id="6" idx="0"/>
+            <a:endCxn id="2" idx="2"/>
+          </p:cNvCxnSpPr>
+          <p:nvPr/>
+        </p:nvCxnSpPr>
+        <p:spPr>
+          <a:xfrm flipV="1">
+            <a:off x="5777750" y="4694784"/>
+            <a:ext cx="2" cy="897331"/>
+          </a:xfrm>
+          <a:prstGeom prst="straightConnector1">
+            <a:avLst/>
+          </a:prstGeom>
+          <a:ln w="28575">
+            <a:solidFill>
+              <a:schemeClr val="tx1"/>
+            </a:solidFill>
+            <a:tailEnd type="triangle"/>
+          </a:ln>
+        </p:spPr>
+        <p:style>
+          <a:lnRef idx="1">
+            <a:schemeClr val="accent1"/>
+          </a:lnRef>
+          <a:fillRef idx="0">
+            <a:schemeClr val="accent1"/>
+          </a:fillRef>
+          <a:effectRef idx="0">
+            <a:schemeClr val="accent1"/>
+          </a:effectRef>
+          <a:fontRef idx="minor">
+            <a:schemeClr val="tx1"/>
+          </a:fontRef>
+        </p:style>
+      </p:cxnSp>
+      <p:cxnSp>
+        <p:nvCxnSpPr>
+          <p:cNvPr id="34" name="直接连接符 33">
+            <a:extLst>
+              <a:ext uri="{FF2B5EF4-FFF2-40B4-BE49-F238E27FC236}">
+                <a16:creationId xmlns:a16="http://schemas.microsoft.com/office/drawing/2014/main" id="{D7BEDBAF-D5D0-4B1A-86E6-C506CDD6E885}"/>
+              </a:ext>
+            </a:extLst>
+          </p:cNvPr>
+          <p:cNvCxnSpPr>
+            <a:cxnSpLocks/>
+          </p:cNvCxnSpPr>
+          <p:nvPr/>
+        </p:nvCxnSpPr>
+        <p:spPr>
+          <a:xfrm flipH="1">
+            <a:off x="5235388" y="4955190"/>
+            <a:ext cx="542362" cy="0"/>
+          </a:xfrm>
+          <a:prstGeom prst="line">
+            <a:avLst/>
+          </a:prstGeom>
+          <a:ln w="28575">
+            <a:solidFill>
+              <a:schemeClr val="tx1"/>
+            </a:solidFill>
+          </a:ln>
+        </p:spPr>
+        <p:style>
+          <a:lnRef idx="1">
+            <a:schemeClr val="accent1"/>
+          </a:lnRef>
+          <a:fillRef idx="0">
+            <a:schemeClr val="accent1"/>
+          </a:fillRef>
+          <a:effectRef idx="0">
+            <a:schemeClr val="accent1"/>
+          </a:effectRef>
+          <a:fontRef idx="minor">
+            <a:schemeClr val="tx1"/>
+          </a:fontRef>
+        </p:style>
+      </p:cxnSp>
+      <p:cxnSp>
+        <p:nvCxnSpPr>
+          <p:cNvPr id="37" name="直接箭头连接符 36">
+            <a:extLst>
+              <a:ext uri="{FF2B5EF4-FFF2-40B4-BE49-F238E27FC236}">
+                <a16:creationId xmlns:a16="http://schemas.microsoft.com/office/drawing/2014/main" id="{1A814937-D097-4F02-BE81-4809A0170D36}"/>
+              </a:ext>
+            </a:extLst>
+          </p:cNvPr>
+          <p:cNvCxnSpPr>
+            <a:cxnSpLocks/>
+          </p:cNvCxnSpPr>
+          <p:nvPr/>
+        </p:nvCxnSpPr>
+        <p:spPr>
+          <a:xfrm flipV="1">
+            <a:off x="5235388" y="4694784"/>
+            <a:ext cx="0" cy="260406"/>
+          </a:xfrm>
+          <a:prstGeom prst="straightConnector1">
+            <a:avLst/>
+          </a:prstGeom>
+          <a:ln w="28575">
+            <a:solidFill>
+              <a:schemeClr val="tx1"/>
+            </a:solidFill>
+            <a:tailEnd type="triangle"/>
+          </a:ln>
+        </p:spPr>
+        <p:style>
+          <a:lnRef idx="1">
+            <a:schemeClr val="accent1"/>
+          </a:lnRef>
+          <a:fillRef idx="0">
+            <a:schemeClr val="accent1"/>
+          </a:fillRef>
+          <a:effectRef idx="0">
+            <a:schemeClr val="accent1"/>
+          </a:effectRef>
+          <a:fontRef idx="minor">
+            <a:schemeClr val="tx1"/>
+          </a:fontRef>
+        </p:style>
+      </p:cxnSp>
+      <p:cxnSp>
+        <p:nvCxnSpPr>
+          <p:cNvPr id="44" name="直接连接符 43">
+            <a:extLst>
+              <a:ext uri="{FF2B5EF4-FFF2-40B4-BE49-F238E27FC236}">
+                <a16:creationId xmlns:a16="http://schemas.microsoft.com/office/drawing/2014/main" id="{0B3DFDA9-ADCE-4C60-B386-569E3F35BA39}"/>
+              </a:ext>
+            </a:extLst>
+          </p:cNvPr>
+          <p:cNvCxnSpPr>
+            <a:cxnSpLocks/>
+          </p:cNvCxnSpPr>
+          <p:nvPr/>
+        </p:nvCxnSpPr>
+        <p:spPr>
+          <a:xfrm flipH="1">
+            <a:off x="5777750" y="4955190"/>
+            <a:ext cx="542362" cy="0"/>
+          </a:xfrm>
+          <a:prstGeom prst="line">
+            <a:avLst/>
+          </a:prstGeom>
+          <a:ln w="28575">
+            <a:solidFill>
+              <a:schemeClr val="tx1"/>
+            </a:solidFill>
+          </a:ln>
+        </p:spPr>
+        <p:style>
+          <a:lnRef idx="1">
+            <a:schemeClr val="accent1"/>
+          </a:lnRef>
+          <a:fillRef idx="0">
+            <a:schemeClr val="accent1"/>
+          </a:fillRef>
+          <a:effectRef idx="0">
+            <a:schemeClr val="accent1"/>
+          </a:effectRef>
+          <a:fontRef idx="minor">
+            <a:schemeClr val="tx1"/>
+          </a:fontRef>
+        </p:style>
+      </p:cxnSp>
+      <p:cxnSp>
+        <p:nvCxnSpPr>
+          <p:cNvPr id="45" name="直接箭头连接符 44">
+            <a:extLst>
+              <a:ext uri="{FF2B5EF4-FFF2-40B4-BE49-F238E27FC236}">
+                <a16:creationId xmlns:a16="http://schemas.microsoft.com/office/drawing/2014/main" id="{BB2F65A3-1EAB-492F-9642-0787E8DB0042}"/>
+              </a:ext>
+            </a:extLst>
+          </p:cNvPr>
+          <p:cNvCxnSpPr>
+            <a:cxnSpLocks/>
+          </p:cNvCxnSpPr>
+          <p:nvPr/>
+        </p:nvCxnSpPr>
+        <p:spPr>
+          <a:xfrm flipV="1">
+            <a:off x="6311142" y="4694784"/>
+            <a:ext cx="0" cy="260406"/>
+          </a:xfrm>
+          <a:prstGeom prst="straightConnector1">
+            <a:avLst/>
+          </a:prstGeom>
+          <a:ln w="28575">
+            <a:solidFill>
+              <a:schemeClr val="tx1"/>
+            </a:solidFill>
+            <a:tailEnd type="triangle"/>
+          </a:ln>
+        </p:spPr>
+        <p:style>
+          <a:lnRef idx="1">
+            <a:schemeClr val="accent1"/>
+          </a:lnRef>
+          <a:fillRef idx="0">
+            <a:schemeClr val="accent1"/>
+          </a:fillRef>
+          <a:effectRef idx="0">
+            <a:schemeClr val="accent1"/>
+          </a:effectRef>
+          <a:fontRef idx="minor">
+            <a:schemeClr val="tx1"/>
+          </a:fontRef>
+        </p:style>
+      </p:cxnSp>
+      <p:cxnSp>
+        <p:nvCxnSpPr>
+          <p:cNvPr id="48" name="连接符: 肘形 47">
+            <a:extLst>
+              <a:ext uri="{FF2B5EF4-FFF2-40B4-BE49-F238E27FC236}">
+                <a16:creationId xmlns:a16="http://schemas.microsoft.com/office/drawing/2014/main" id="{99BBD879-96C0-4199-B33C-8856C9E45EC0}"/>
+              </a:ext>
+            </a:extLst>
+          </p:cNvPr>
+          <p:cNvCxnSpPr>
+            <a:endCxn id="7" idx="1"/>
+          </p:cNvCxnSpPr>
+          <p:nvPr/>
+        </p:nvCxnSpPr>
+        <p:spPr>
+          <a:xfrm rot="16200000" flipV="1">
+            <a:off x="4478989" y="3978729"/>
+            <a:ext cx="1535206" cy="1062316"/>
+          </a:xfrm>
+          <a:prstGeom prst="bentConnector4">
+            <a:avLst>
+              <a:gd name="adj1" fmla="val 7884"/>
+              <a:gd name="adj2" fmla="val 146835"/>
+            </a:avLst>
+          </a:prstGeom>
+          <a:ln w="28575">
+            <a:solidFill>
+              <a:schemeClr val="tx1"/>
+            </a:solidFill>
+            <a:tailEnd type="triangle"/>
+          </a:ln>
+        </p:spPr>
+        <p:style>
+          <a:lnRef idx="1">
+            <a:schemeClr val="accent1"/>
+          </a:lnRef>
+          <a:fillRef idx="0">
+            <a:schemeClr val="accent1"/>
+          </a:fillRef>
+          <a:effectRef idx="0">
+            <a:schemeClr val="accent1"/>
+          </a:effectRef>
+          <a:fontRef idx="minor">
+            <a:schemeClr val="tx1"/>
+          </a:fontRef>
+        </p:style>
+      </p:cxnSp>
+      <p:cxnSp>
+        <p:nvCxnSpPr>
+          <p:cNvPr id="52" name="直接连接符 51">
+            <a:extLst>
+              <a:ext uri="{FF2B5EF4-FFF2-40B4-BE49-F238E27FC236}">
+                <a16:creationId xmlns:a16="http://schemas.microsoft.com/office/drawing/2014/main" id="{3FD4F81A-AC1B-46E6-83F5-92A2FF6967F6}"/>
+              </a:ext>
+            </a:extLst>
+          </p:cNvPr>
+          <p:cNvCxnSpPr>
+            <a:stCxn id="2" idx="0"/>
+            <a:endCxn id="7" idx="2"/>
+          </p:cNvCxnSpPr>
+          <p:nvPr/>
+        </p:nvCxnSpPr>
+        <p:spPr>
+          <a:xfrm flipV="1">
+            <a:off x="5777752" y="3923819"/>
+            <a:ext cx="0" cy="224118"/>
+          </a:xfrm>
+          <a:prstGeom prst="line">
+            <a:avLst/>
+          </a:prstGeom>
+          <a:ln w="28575">
+            <a:solidFill>
+              <a:schemeClr val="tx1"/>
+            </a:solidFill>
+          </a:ln>
+        </p:spPr>
+        <p:style>
+          <a:lnRef idx="1">
+            <a:schemeClr val="accent1"/>
+          </a:lnRef>
+          <a:fillRef idx="0">
+            <a:schemeClr val="accent1"/>
+          </a:fillRef>
+          <a:effectRef idx="0">
+            <a:schemeClr val="accent1"/>
+          </a:effectRef>
+          <a:fontRef idx="minor">
+            <a:schemeClr val="tx1"/>
+          </a:fontRef>
+        </p:style>
+      </p:cxnSp>
+      <p:cxnSp>
+        <p:nvCxnSpPr>
+          <p:cNvPr id="54" name="直接箭头连接符 53">
+            <a:extLst>
+              <a:ext uri="{FF2B5EF4-FFF2-40B4-BE49-F238E27FC236}">
+                <a16:creationId xmlns:a16="http://schemas.microsoft.com/office/drawing/2014/main" id="{818B3166-901A-4084-AC32-2A9159A7CD91}"/>
+              </a:ext>
+            </a:extLst>
+          </p:cNvPr>
+          <p:cNvCxnSpPr>
+            <a:stCxn id="7" idx="0"/>
+            <a:endCxn id="8" idx="2"/>
+          </p:cNvCxnSpPr>
+          <p:nvPr/>
+        </p:nvCxnSpPr>
+        <p:spPr>
+          <a:xfrm flipH="1" flipV="1">
+            <a:off x="5777751" y="3048901"/>
+            <a:ext cx="1" cy="511847"/>
+          </a:xfrm>
+          <a:prstGeom prst="straightConnector1">
+            <a:avLst/>
+          </a:prstGeom>
+          <a:ln w="28575">
+            <a:solidFill>
+              <a:schemeClr val="tx1"/>
+            </a:solidFill>
+            <a:tailEnd type="triangle"/>
+          </a:ln>
+        </p:spPr>
+        <p:style>
+          <a:lnRef idx="1">
+            <a:schemeClr val="accent1"/>
+          </a:lnRef>
+          <a:fillRef idx="0">
+            <a:schemeClr val="accent1"/>
+          </a:fillRef>
+          <a:effectRef idx="0">
+            <a:schemeClr val="accent1"/>
+          </a:effectRef>
+          <a:fontRef idx="minor">
+            <a:schemeClr val="tx1"/>
+          </a:fontRef>
+        </p:style>
+      </p:cxnSp>
+      <p:cxnSp>
+        <p:nvCxnSpPr>
+          <p:cNvPr id="58" name="直接连接符 57">
+            <a:extLst>
+              <a:ext uri="{FF2B5EF4-FFF2-40B4-BE49-F238E27FC236}">
+                <a16:creationId xmlns:a16="http://schemas.microsoft.com/office/drawing/2014/main" id="{1F7EA209-D868-492F-A37E-D88249320CEF}"/>
+              </a:ext>
+            </a:extLst>
+          </p:cNvPr>
+          <p:cNvCxnSpPr>
+            <a:cxnSpLocks/>
+          </p:cNvCxnSpPr>
+          <p:nvPr/>
+        </p:nvCxnSpPr>
+        <p:spPr>
+          <a:xfrm flipV="1">
+            <a:off x="5777749" y="2241218"/>
+            <a:ext cx="0" cy="224118"/>
+          </a:xfrm>
+          <a:prstGeom prst="line">
+            <a:avLst/>
+          </a:prstGeom>
+          <a:ln w="28575">
+            <a:solidFill>
+              <a:schemeClr val="tx1"/>
+            </a:solidFill>
+          </a:ln>
+        </p:spPr>
+        <p:style>
+          <a:lnRef idx="1">
+            <a:schemeClr val="accent1"/>
+          </a:lnRef>
+          <a:fillRef idx="0">
+            <a:schemeClr val="accent1"/>
+          </a:fillRef>
+          <a:effectRef idx="0">
+            <a:schemeClr val="accent1"/>
+          </a:effectRef>
+          <a:fontRef idx="minor">
+            <a:schemeClr val="tx1"/>
+          </a:fontRef>
+        </p:style>
+      </p:cxnSp>
+      <p:cxnSp>
+        <p:nvCxnSpPr>
+          <p:cNvPr id="60" name="直接箭头连接符 59">
+            <a:extLst>
+              <a:ext uri="{FF2B5EF4-FFF2-40B4-BE49-F238E27FC236}">
+                <a16:creationId xmlns:a16="http://schemas.microsoft.com/office/drawing/2014/main" id="{BB9F6284-5FE2-4602-A5F7-4EBCD6C8FB8C}"/>
+              </a:ext>
+            </a:extLst>
+          </p:cNvPr>
+          <p:cNvCxnSpPr>
+            <a:cxnSpLocks/>
+          </p:cNvCxnSpPr>
+          <p:nvPr/>
+        </p:nvCxnSpPr>
+        <p:spPr>
+          <a:xfrm flipH="1" flipV="1">
+            <a:off x="5777751" y="1364340"/>
+            <a:ext cx="1" cy="518292"/>
+          </a:xfrm>
+          <a:prstGeom prst="straightConnector1">
+            <a:avLst/>
+          </a:prstGeom>
+          <a:ln w="28575">
+            <a:solidFill>
+              <a:schemeClr val="tx1"/>
+            </a:solidFill>
+            <a:tailEnd type="triangle"/>
+          </a:ln>
+        </p:spPr>
+        <p:style>
+          <a:lnRef idx="1">
+            <a:schemeClr val="accent1"/>
+          </a:lnRef>
+          <a:fillRef idx="0">
+            <a:schemeClr val="accent1"/>
+          </a:fillRef>
+          <a:effectRef idx="0">
+            <a:schemeClr val="accent1"/>
+          </a:effectRef>
+          <a:fontRef idx="minor">
+            <a:schemeClr val="tx1"/>
+          </a:fontRef>
+        </p:style>
+      </p:cxnSp>
+      <p:cxnSp>
+        <p:nvCxnSpPr>
+          <p:cNvPr id="62" name="连接符: 肘形 61">
+            <a:extLst>
+              <a:ext uri="{FF2B5EF4-FFF2-40B4-BE49-F238E27FC236}">
+                <a16:creationId xmlns:a16="http://schemas.microsoft.com/office/drawing/2014/main" id="{334A82EE-BA34-4209-8219-906DDD6B9B4D}"/>
+              </a:ext>
+            </a:extLst>
+          </p:cNvPr>
+          <p:cNvCxnSpPr>
+            <a:cxnSpLocks/>
+            <a:endCxn id="9" idx="1"/>
+          </p:cNvCxnSpPr>
+          <p:nvPr/>
+        </p:nvCxnSpPr>
+        <p:spPr>
+          <a:xfrm rot="16200000" flipV="1">
+            <a:off x="4604757" y="2174841"/>
+            <a:ext cx="1272464" cy="1051114"/>
+          </a:xfrm>
+          <a:prstGeom prst="bentConnector4">
+            <a:avLst>
+              <a:gd name="adj1" fmla="val 3415"/>
+              <a:gd name="adj2" fmla="val 148187"/>
+            </a:avLst>
+          </a:prstGeom>
+          <a:ln w="28575">
+            <a:solidFill>
+              <a:schemeClr val="tx1"/>
+            </a:solidFill>
+            <a:tailEnd type="triangle"/>
+          </a:ln>
+        </p:spPr>
+        <p:style>
+          <a:lnRef idx="1">
+            <a:schemeClr val="accent1"/>
+          </a:lnRef>
+          <a:fillRef idx="0">
+            <a:schemeClr val="accent1"/>
+          </a:fillRef>
+          <a:effectRef idx="0">
+            <a:schemeClr val="accent1"/>
+          </a:effectRef>
+          <a:fontRef idx="minor">
+            <a:schemeClr val="tx1"/>
+          </a:fontRef>
+        </p:style>
+      </p:cxnSp>
+      <p:sp>
+        <p:nvSpPr>
+          <p:cNvPr id="2097159" name="文本框 2097158">
+            <a:extLst>
+              <a:ext uri="{FF2B5EF4-FFF2-40B4-BE49-F238E27FC236}">
+                <a16:creationId xmlns:a16="http://schemas.microsoft.com/office/drawing/2014/main" id="{456925D1-18A7-47B0-BE9F-F096F92B6822}"/>
+              </a:ext>
+            </a:extLst>
+          </p:cNvPr>
+          <p:cNvSpPr txBox="1"/>
+          <p:nvPr/>
+        </p:nvSpPr>
+        <p:spPr>
+          <a:xfrm>
+            <a:off x="3260912" y="3560747"/>
+            <a:ext cx="665627" cy="400110"/>
+          </a:xfrm>
+          <a:prstGeom prst="rect">
+            <a:avLst/>
+          </a:prstGeom>
+          <a:noFill/>
+        </p:spPr>
+        <p:txBody>
+          <a:bodyPr wrap="square" rtlCol="0">
+            <a:spAutoFit/>
+          </a:bodyPr>
+          <a:lstStyle/>
+          <a:p>
+            <a:r>
+              <a:rPr lang="en-US" altLang="zh-CN" sz="2000" dirty="0"/>
+              <a:t>Nx</a:t>
+            </a:r>
+            <a:endParaRPr lang="zh-CN" altLang="en-US" sz="2000" dirty="0"/>
+          </a:p>
+        </p:txBody>
+      </p:sp>
+      <p:sp>
+        <p:nvSpPr>
+          <p:cNvPr id="74" name="文本框 73">
+            <a:extLst>
+              <a:ext uri="{FF2B5EF4-FFF2-40B4-BE49-F238E27FC236}">
+                <a16:creationId xmlns:a16="http://schemas.microsoft.com/office/drawing/2014/main" id="{3172429A-F369-4B9A-BD4F-E930162EE932}"/>
+              </a:ext>
+            </a:extLst>
+          </p:cNvPr>
+          <p:cNvSpPr txBox="1"/>
+          <p:nvPr/>
+        </p:nvSpPr>
+        <p:spPr>
+          <a:xfrm>
+            <a:off x="5235388" y="6325958"/>
+            <a:ext cx="1510554" cy="400110"/>
+          </a:xfrm>
+          <a:prstGeom prst="rect">
+            <a:avLst/>
+          </a:prstGeom>
+          <a:noFill/>
+        </p:spPr>
+        <p:txBody>
+          <a:bodyPr wrap="square" rtlCol="0">
+            <a:spAutoFit/>
+          </a:bodyPr>
+          <a:lstStyle/>
+          <a:p>
+            <a:r>
+              <a:rPr lang="en-US" altLang="zh-CN" sz="2000" dirty="0"/>
+              <a:t>Input MTS</a:t>
+            </a:r>
+            <a:endParaRPr lang="zh-CN" altLang="en-US" sz="2000" dirty="0"/>
+          </a:p>
+        </p:txBody>
+      </p:sp>
+    </p:spTree>
+    <p:extLst>
+      <p:ext uri="{BB962C8B-B14F-4D97-AF65-F5344CB8AC3E}">
+        <p14:creationId xmlns:p14="http://schemas.microsoft.com/office/powerpoint/2010/main" val="1714953340"/>
+      </p:ext>
+    </p:extLst>
+  </p:cSld>
+  <p:clrMapOvr>
+    <a:masterClrMapping/>
+  </p:clrMapOvr>
+</p:sld>
+</file>
+
+<file path=ppt/slides/slide29.xml><?xml version="1.0" encoding="utf-8"?>
+<p:sld xmlns:a="http://schemas.openxmlformats.org/drawingml/2006/main" xmlns:r="http://schemas.openxmlformats.org/officeDocument/2006/relationships" xmlns:p="http://schemas.openxmlformats.org/presentationml/2006/main">
+  <p:cSld>
+    <p:spTree>
+      <p:nvGrpSpPr>
+        <p:cNvPr id="1" name=""/>
+        <p:cNvGrpSpPr/>
+        <p:nvPr/>
+      </p:nvGrpSpPr>
+      <p:grpSpPr>
+        <a:xfrm>
+          <a:off x="0" y="0"/>
+          <a:ext cx="0" cy="0"/>
+          <a:chOff x="0" y="0"/>
+          <a:chExt cx="0" cy="0"/>
+        </a:xfrm>
+      </p:grpSpPr>
+      <p:sp>
+        <p:nvSpPr>
+          <p:cNvPr id="4" name="矩形: 圆角 3">
+            <a:extLst>
+              <a:ext uri="{FF2B5EF4-FFF2-40B4-BE49-F238E27FC236}">
+                <a16:creationId xmlns:a16="http://schemas.microsoft.com/office/drawing/2014/main" id="{4396C8D4-6F11-4F40-9A25-B7A859E5D618}"/>
+              </a:ext>
+            </a:extLst>
+          </p:cNvPr>
+          <p:cNvSpPr/>
+          <p:nvPr/>
+        </p:nvSpPr>
+        <p:spPr>
+          <a:xfrm>
+            <a:off x="2521319" y="664557"/>
+            <a:ext cx="3343835" cy="3700547"/>
+          </a:xfrm>
+          <a:prstGeom prst="roundRect">
+            <a:avLst/>
+          </a:prstGeom>
+          <a:noFill/>
+          <a:ln w="19050">
+            <a:solidFill>
+              <a:schemeClr val="tx1"/>
+            </a:solidFill>
+          </a:ln>
+        </p:spPr>
+        <p:style>
+          <a:lnRef idx="2">
+            <a:schemeClr val="accent1">
+              <a:shade val="50000"/>
+            </a:schemeClr>
+          </a:lnRef>
+          <a:fillRef idx="1">
+            <a:schemeClr val="accent1"/>
+          </a:fillRef>
+          <a:effectRef idx="0">
+            <a:schemeClr val="accent1"/>
+          </a:effectRef>
+          <a:fontRef idx="minor">
+            <a:schemeClr val="lt1"/>
+          </a:fontRef>
+        </p:style>
+        <p:txBody>
+          <a:bodyPr rtlCol="0" anchor="ctr"/>
+          <a:lstStyle/>
+          <a:p>
+            <a:pPr algn="ctr"/>
+            <a:endParaRPr lang="zh-CN" altLang="en-US"/>
+          </a:p>
+        </p:txBody>
+      </p:sp>
+      <p:sp>
+        <p:nvSpPr>
+          <p:cNvPr id="5" name="矩形: 圆角 4">
+            <a:extLst>
+              <a:ext uri="{FF2B5EF4-FFF2-40B4-BE49-F238E27FC236}">
+                <a16:creationId xmlns:a16="http://schemas.microsoft.com/office/drawing/2014/main" id="{9BBB77DC-4AFB-43F5-9DF7-413D6DFCB22D}"/>
+              </a:ext>
+            </a:extLst>
+          </p:cNvPr>
+          <p:cNvSpPr/>
+          <p:nvPr/>
+        </p:nvSpPr>
+        <p:spPr>
+          <a:xfrm>
+            <a:off x="3310212" y="3102020"/>
+            <a:ext cx="2124635" cy="546847"/>
+          </a:xfrm>
+          <a:prstGeom prst="roundRect">
+            <a:avLst/>
+          </a:prstGeom>
+          <a:solidFill>
+            <a:schemeClr val="accent2">
+              <a:lumMod val="20000"/>
+              <a:lumOff val="80000"/>
+            </a:schemeClr>
+          </a:solidFill>
+        </p:spPr>
+        <p:style>
+          <a:lnRef idx="2">
+            <a:schemeClr val="accent1">
+              <a:shade val="50000"/>
+            </a:schemeClr>
+          </a:lnRef>
+          <a:fillRef idx="1">
+            <a:schemeClr val="accent1"/>
+          </a:fillRef>
+          <a:effectRef idx="0">
+            <a:schemeClr val="accent1"/>
+          </a:effectRef>
+          <a:fontRef idx="minor">
+            <a:schemeClr val="lt1"/>
+          </a:fontRef>
+        </p:style>
+        <p:txBody>
+          <a:bodyPr rtlCol="0" anchor="ctr"/>
+          <a:lstStyle/>
+          <a:p>
+            <a:pPr algn="ctr"/>
+            <a:r>
+              <a:rPr lang="en-US" altLang="zh-CN" dirty="0">
+                <a:solidFill>
+                  <a:schemeClr val="tx1"/>
+                </a:solidFill>
+              </a:rPr>
+              <a:t>Univariate </a:t>
+            </a:r>
+          </a:p>
+          <a:p>
+            <a:pPr algn="ctr"/>
+            <a:r>
+              <a:rPr lang="en-US" altLang="zh-CN" dirty="0">
+                <a:solidFill>
+                  <a:schemeClr val="tx1"/>
+                </a:solidFill>
+              </a:rPr>
+              <a:t>Attention</a:t>
+            </a:r>
+            <a:endParaRPr lang="zh-CN" altLang="en-US" dirty="0">
+              <a:solidFill>
+                <a:schemeClr val="tx1"/>
+              </a:solidFill>
+            </a:endParaRPr>
+          </a:p>
+        </p:txBody>
+      </p:sp>
+      <p:sp>
+        <p:nvSpPr>
+          <p:cNvPr id="6" name="矩形: 圆角 5">
+            <a:extLst>
+              <a:ext uri="{FF2B5EF4-FFF2-40B4-BE49-F238E27FC236}">
+                <a16:creationId xmlns:a16="http://schemas.microsoft.com/office/drawing/2014/main" id="{B4BCB6DF-1745-49AE-AB04-B0D7EA6C2D05}"/>
+              </a:ext>
+            </a:extLst>
+          </p:cNvPr>
+          <p:cNvSpPr/>
+          <p:nvPr/>
+        </p:nvSpPr>
+        <p:spPr>
+          <a:xfrm>
+            <a:off x="3310212" y="2514831"/>
+            <a:ext cx="2124635" cy="363071"/>
+          </a:xfrm>
+          <a:prstGeom prst="roundRect">
+            <a:avLst/>
+          </a:prstGeom>
+          <a:solidFill>
+            <a:schemeClr val="accent5">
+              <a:lumMod val="20000"/>
+              <a:lumOff val="80000"/>
+            </a:schemeClr>
+          </a:solidFill>
+        </p:spPr>
+        <p:style>
+          <a:lnRef idx="2">
+            <a:schemeClr val="accent1">
+              <a:shade val="50000"/>
+            </a:schemeClr>
+          </a:lnRef>
+          <a:fillRef idx="1">
+            <a:schemeClr val="accent1"/>
+          </a:fillRef>
+          <a:effectRef idx="0">
+            <a:schemeClr val="accent1"/>
+          </a:effectRef>
+          <a:fontRef idx="minor">
+            <a:schemeClr val="lt1"/>
+          </a:fontRef>
+        </p:style>
+        <p:txBody>
+          <a:bodyPr rtlCol="0" anchor="ctr"/>
+          <a:lstStyle/>
+          <a:p>
+            <a:pPr algn="ctr"/>
+            <a:r>
+              <a:rPr lang="en-US" altLang="zh-CN" dirty="0">
+                <a:solidFill>
+                  <a:schemeClr val="tx1"/>
+                </a:solidFill>
+              </a:rPr>
+              <a:t>Add &amp; Norm</a:t>
+            </a:r>
+            <a:endParaRPr lang="zh-CN" altLang="en-US" dirty="0">
+              <a:solidFill>
+                <a:schemeClr val="tx1"/>
+              </a:solidFill>
+            </a:endParaRPr>
+          </a:p>
+        </p:txBody>
+      </p:sp>
+      <p:sp>
+        <p:nvSpPr>
+          <p:cNvPr id="7" name="矩形: 圆角 6">
+            <a:extLst>
+              <a:ext uri="{FF2B5EF4-FFF2-40B4-BE49-F238E27FC236}">
+                <a16:creationId xmlns:a16="http://schemas.microsoft.com/office/drawing/2014/main" id="{36EEAD94-9B2B-4FEE-8E7D-CB5077E4BF1E}"/>
+              </a:ext>
+            </a:extLst>
+          </p:cNvPr>
+          <p:cNvSpPr/>
+          <p:nvPr/>
+        </p:nvSpPr>
+        <p:spPr>
+          <a:xfrm>
+            <a:off x="3310211" y="1419419"/>
+            <a:ext cx="2124635" cy="583565"/>
+          </a:xfrm>
+          <a:prstGeom prst="roundRect">
+            <a:avLst/>
+          </a:prstGeom>
+          <a:solidFill>
+            <a:schemeClr val="accent4">
+              <a:lumMod val="40000"/>
+              <a:lumOff val="60000"/>
+            </a:schemeClr>
+          </a:solidFill>
+        </p:spPr>
+        <p:style>
+          <a:lnRef idx="2">
+            <a:schemeClr val="accent1">
+              <a:shade val="50000"/>
+            </a:schemeClr>
+          </a:lnRef>
+          <a:fillRef idx="1">
+            <a:schemeClr val="accent1"/>
+          </a:fillRef>
+          <a:effectRef idx="0">
+            <a:schemeClr val="accent1"/>
+          </a:effectRef>
+          <a:fontRef idx="minor">
+            <a:schemeClr val="lt1"/>
+          </a:fontRef>
+        </p:style>
+        <p:txBody>
+          <a:bodyPr rtlCol="0" anchor="ctr"/>
+          <a:lstStyle/>
+          <a:p>
+            <a:pPr algn="ctr"/>
+            <a:r>
+              <a:rPr lang="en-US" altLang="zh-CN" dirty="0">
+                <a:solidFill>
+                  <a:schemeClr val="tx1"/>
+                </a:solidFill>
+              </a:rPr>
+              <a:t>Feed </a:t>
+            </a:r>
+          </a:p>
+          <a:p>
+            <a:pPr algn="ctr"/>
+            <a:r>
+              <a:rPr lang="en-US" altLang="zh-CN" dirty="0">
+                <a:solidFill>
+                  <a:schemeClr val="tx1"/>
+                </a:solidFill>
+              </a:rPr>
+              <a:t>Forward</a:t>
+            </a:r>
+            <a:endParaRPr lang="zh-CN" altLang="en-US" dirty="0">
+              <a:solidFill>
+                <a:schemeClr val="tx1"/>
+              </a:solidFill>
+            </a:endParaRPr>
+          </a:p>
+        </p:txBody>
+      </p:sp>
+      <p:sp>
+        <p:nvSpPr>
+          <p:cNvPr id="8" name="矩形: 圆角 7">
+            <a:extLst>
+              <a:ext uri="{FF2B5EF4-FFF2-40B4-BE49-F238E27FC236}">
+                <a16:creationId xmlns:a16="http://schemas.microsoft.com/office/drawing/2014/main" id="{68CED139-06A0-47DA-A86E-3D42330A7327}"/>
+              </a:ext>
+            </a:extLst>
+          </p:cNvPr>
+          <p:cNvSpPr/>
+          <p:nvPr/>
+        </p:nvSpPr>
+        <p:spPr>
+          <a:xfrm>
+            <a:off x="3310210" y="836713"/>
+            <a:ext cx="2124635" cy="363071"/>
+          </a:xfrm>
+          <a:prstGeom prst="roundRect">
+            <a:avLst/>
+          </a:prstGeom>
+          <a:solidFill>
+            <a:schemeClr val="accent5">
+              <a:lumMod val="20000"/>
+              <a:lumOff val="80000"/>
+            </a:schemeClr>
+          </a:solidFill>
+        </p:spPr>
+        <p:style>
+          <a:lnRef idx="2">
+            <a:schemeClr val="accent1">
+              <a:shade val="50000"/>
+            </a:schemeClr>
+          </a:lnRef>
+          <a:fillRef idx="1">
+            <a:schemeClr val="accent1"/>
+          </a:fillRef>
+          <a:effectRef idx="0">
+            <a:schemeClr val="accent1"/>
+          </a:effectRef>
+          <a:fontRef idx="minor">
+            <a:schemeClr val="lt1"/>
+          </a:fontRef>
+        </p:style>
+        <p:txBody>
+          <a:bodyPr rtlCol="0" anchor="ctr"/>
+          <a:lstStyle/>
+          <a:p>
+            <a:pPr algn="ctr"/>
+            <a:r>
+              <a:rPr lang="en-US" altLang="zh-CN" dirty="0">
+                <a:solidFill>
+                  <a:schemeClr val="tx1"/>
+                </a:solidFill>
+              </a:rPr>
+              <a:t>Add &amp; Norm</a:t>
+            </a:r>
+            <a:endParaRPr lang="zh-CN" altLang="en-US" dirty="0">
+              <a:solidFill>
+                <a:schemeClr val="tx1"/>
+              </a:solidFill>
+            </a:endParaRPr>
+          </a:p>
+        </p:txBody>
+      </p:sp>
+      <p:sp>
+        <p:nvSpPr>
+          <p:cNvPr id="9" name="流程图: 或者 8">
+            <a:extLst>
+              <a:ext uri="{FF2B5EF4-FFF2-40B4-BE49-F238E27FC236}">
+                <a16:creationId xmlns:a16="http://schemas.microsoft.com/office/drawing/2014/main" id="{3AB9957E-4ABA-4BEC-9B62-0E597C5E468D}"/>
+              </a:ext>
+            </a:extLst>
+          </p:cNvPr>
+          <p:cNvSpPr/>
+          <p:nvPr/>
+        </p:nvSpPr>
+        <p:spPr>
+          <a:xfrm>
+            <a:off x="4244018" y="4546198"/>
+            <a:ext cx="257020" cy="268081"/>
+          </a:xfrm>
+          <a:prstGeom prst="flowChartOr">
+            <a:avLst/>
+          </a:prstGeom>
+          <a:noFill/>
+          <a:ln w="19050">
+            <a:solidFill>
+              <a:schemeClr val="tx1"/>
+            </a:solidFill>
+          </a:ln>
+        </p:spPr>
+        <p:style>
+          <a:lnRef idx="2">
+            <a:schemeClr val="accent1">
+              <a:shade val="50000"/>
+            </a:schemeClr>
+          </a:lnRef>
+          <a:fillRef idx="1">
+            <a:schemeClr val="accent1"/>
+          </a:fillRef>
+          <a:effectRef idx="0">
+            <a:schemeClr val="accent1"/>
+          </a:effectRef>
+          <a:fontRef idx="minor">
+            <a:schemeClr val="lt1"/>
+          </a:fontRef>
+        </p:style>
+        <p:txBody>
+          <a:bodyPr rtlCol="0" anchor="ctr"/>
+          <a:lstStyle/>
+          <a:p>
+            <a:pPr algn="ctr"/>
+            <a:endParaRPr lang="zh-CN" altLang="en-US"/>
+          </a:p>
+        </p:txBody>
+      </p:sp>
+      <p:cxnSp>
+        <p:nvCxnSpPr>
+          <p:cNvPr id="10" name="直接箭头连接符 9">
+            <a:extLst>
+              <a:ext uri="{FF2B5EF4-FFF2-40B4-BE49-F238E27FC236}">
+                <a16:creationId xmlns:a16="http://schemas.microsoft.com/office/drawing/2014/main" id="{10E2FFF3-A620-4735-9A23-A66392C3F287}"/>
+              </a:ext>
+            </a:extLst>
+          </p:cNvPr>
+          <p:cNvCxnSpPr>
+            <a:stCxn id="9" idx="0"/>
+            <a:endCxn id="5" idx="2"/>
+          </p:cNvCxnSpPr>
+          <p:nvPr/>
+        </p:nvCxnSpPr>
+        <p:spPr>
+          <a:xfrm flipV="1">
+            <a:off x="4372528" y="3648867"/>
+            <a:ext cx="2" cy="897331"/>
+          </a:xfrm>
+          <a:prstGeom prst="straightConnector1">
+            <a:avLst/>
+          </a:prstGeom>
+          <a:ln w="28575">
+            <a:solidFill>
+              <a:schemeClr val="tx1"/>
+            </a:solidFill>
+            <a:tailEnd type="triangle"/>
+          </a:ln>
+        </p:spPr>
+        <p:style>
+          <a:lnRef idx="1">
+            <a:schemeClr val="accent1"/>
+          </a:lnRef>
+          <a:fillRef idx="0">
+            <a:schemeClr val="accent1"/>
+          </a:fillRef>
+          <a:effectRef idx="0">
+            <a:schemeClr val="accent1"/>
+          </a:effectRef>
+          <a:fontRef idx="minor">
+            <a:schemeClr val="tx1"/>
+          </a:fontRef>
+        </p:style>
+      </p:cxnSp>
+      <p:cxnSp>
+        <p:nvCxnSpPr>
+          <p:cNvPr id="11" name="直接连接符 10">
+            <a:extLst>
+              <a:ext uri="{FF2B5EF4-FFF2-40B4-BE49-F238E27FC236}">
+                <a16:creationId xmlns:a16="http://schemas.microsoft.com/office/drawing/2014/main" id="{5E287777-7E8A-48B4-8020-ED3199502604}"/>
+              </a:ext>
+            </a:extLst>
+          </p:cNvPr>
+          <p:cNvCxnSpPr>
+            <a:cxnSpLocks/>
+          </p:cNvCxnSpPr>
+          <p:nvPr/>
+        </p:nvCxnSpPr>
+        <p:spPr>
+          <a:xfrm flipH="1">
+            <a:off x="3830166" y="3909273"/>
+            <a:ext cx="542362" cy="0"/>
+          </a:xfrm>
+          <a:prstGeom prst="line">
+            <a:avLst/>
+          </a:prstGeom>
+          <a:ln w="28575">
+            <a:solidFill>
+              <a:schemeClr val="tx1"/>
+            </a:solidFill>
+          </a:ln>
+        </p:spPr>
+        <p:style>
+          <a:lnRef idx="1">
+            <a:schemeClr val="accent1"/>
+          </a:lnRef>
+          <a:fillRef idx="0">
+            <a:schemeClr val="accent1"/>
+          </a:fillRef>
+          <a:effectRef idx="0">
+            <a:schemeClr val="accent1"/>
+          </a:effectRef>
+          <a:fontRef idx="minor">
+            <a:schemeClr val="tx1"/>
+          </a:fontRef>
+        </p:style>
+      </p:cxnSp>
+      <p:cxnSp>
+        <p:nvCxnSpPr>
+          <p:cNvPr id="12" name="直接箭头连接符 11">
+            <a:extLst>
+              <a:ext uri="{FF2B5EF4-FFF2-40B4-BE49-F238E27FC236}">
+                <a16:creationId xmlns:a16="http://schemas.microsoft.com/office/drawing/2014/main" id="{CAE1A6AB-D775-435F-AAEA-BA53523D3DC6}"/>
+              </a:ext>
+            </a:extLst>
+          </p:cNvPr>
+          <p:cNvCxnSpPr>
+            <a:cxnSpLocks/>
+          </p:cNvCxnSpPr>
+          <p:nvPr/>
+        </p:nvCxnSpPr>
+        <p:spPr>
+          <a:xfrm flipV="1">
+            <a:off x="3830166" y="3648867"/>
+            <a:ext cx="0" cy="260406"/>
+          </a:xfrm>
+          <a:prstGeom prst="straightConnector1">
+            <a:avLst/>
+          </a:prstGeom>
+          <a:ln w="28575">
+            <a:solidFill>
+              <a:schemeClr val="tx1"/>
+            </a:solidFill>
+            <a:tailEnd type="triangle"/>
+          </a:ln>
+        </p:spPr>
+        <p:style>
+          <a:lnRef idx="1">
+            <a:schemeClr val="accent1"/>
+          </a:lnRef>
+          <a:fillRef idx="0">
+            <a:schemeClr val="accent1"/>
+          </a:fillRef>
+          <a:effectRef idx="0">
+            <a:schemeClr val="accent1"/>
+          </a:effectRef>
+          <a:fontRef idx="minor">
+            <a:schemeClr val="tx1"/>
+          </a:fontRef>
+        </p:style>
+      </p:cxnSp>
+      <p:cxnSp>
+        <p:nvCxnSpPr>
+          <p:cNvPr id="13" name="直接连接符 12">
+            <a:extLst>
+              <a:ext uri="{FF2B5EF4-FFF2-40B4-BE49-F238E27FC236}">
+                <a16:creationId xmlns:a16="http://schemas.microsoft.com/office/drawing/2014/main" id="{1D323345-7D66-4ECC-9E33-FBAE7D21DFC2}"/>
+              </a:ext>
+            </a:extLst>
+          </p:cNvPr>
+          <p:cNvCxnSpPr>
+            <a:cxnSpLocks/>
+          </p:cNvCxnSpPr>
+          <p:nvPr/>
+        </p:nvCxnSpPr>
+        <p:spPr>
+          <a:xfrm flipH="1">
+            <a:off x="4372528" y="3909273"/>
+            <a:ext cx="542362" cy="0"/>
+          </a:xfrm>
+          <a:prstGeom prst="line">
+            <a:avLst/>
+          </a:prstGeom>
+          <a:ln w="28575">
+            <a:solidFill>
+              <a:schemeClr val="tx1"/>
+            </a:solidFill>
+          </a:ln>
+        </p:spPr>
+        <p:style>
+          <a:lnRef idx="1">
+            <a:schemeClr val="accent1"/>
+          </a:lnRef>
+          <a:fillRef idx="0">
+            <a:schemeClr val="accent1"/>
+          </a:fillRef>
+          <a:effectRef idx="0">
+            <a:schemeClr val="accent1"/>
+          </a:effectRef>
+          <a:fontRef idx="minor">
+            <a:schemeClr val="tx1"/>
+          </a:fontRef>
+        </p:style>
+      </p:cxnSp>
+      <p:cxnSp>
+        <p:nvCxnSpPr>
+          <p:cNvPr id="14" name="直接箭头连接符 13">
+            <a:extLst>
+              <a:ext uri="{FF2B5EF4-FFF2-40B4-BE49-F238E27FC236}">
+                <a16:creationId xmlns:a16="http://schemas.microsoft.com/office/drawing/2014/main" id="{B5ED49E0-600F-43C3-AC0F-9BE92C7A24A7}"/>
+              </a:ext>
+            </a:extLst>
+          </p:cNvPr>
+          <p:cNvCxnSpPr>
+            <a:cxnSpLocks/>
+          </p:cNvCxnSpPr>
+          <p:nvPr/>
+        </p:nvCxnSpPr>
+        <p:spPr>
+          <a:xfrm flipV="1">
+            <a:off x="4905920" y="3648867"/>
+            <a:ext cx="0" cy="260406"/>
+          </a:xfrm>
+          <a:prstGeom prst="straightConnector1">
+            <a:avLst/>
+          </a:prstGeom>
+          <a:ln w="28575">
+            <a:solidFill>
+              <a:schemeClr val="tx1"/>
+            </a:solidFill>
+            <a:tailEnd type="triangle"/>
+          </a:ln>
+        </p:spPr>
+        <p:style>
+          <a:lnRef idx="1">
+            <a:schemeClr val="accent1"/>
+          </a:lnRef>
+          <a:fillRef idx="0">
+            <a:schemeClr val="accent1"/>
+          </a:fillRef>
+          <a:effectRef idx="0">
+            <a:schemeClr val="accent1"/>
+          </a:effectRef>
+          <a:fontRef idx="minor">
+            <a:schemeClr val="tx1"/>
+          </a:fontRef>
+        </p:style>
+      </p:cxnSp>
+      <p:cxnSp>
+        <p:nvCxnSpPr>
+          <p:cNvPr id="15" name="连接符: 肘形 14">
+            <a:extLst>
+              <a:ext uri="{FF2B5EF4-FFF2-40B4-BE49-F238E27FC236}">
+                <a16:creationId xmlns:a16="http://schemas.microsoft.com/office/drawing/2014/main" id="{9F2DF638-50AB-4FB7-9C33-631A8865529B}"/>
+              </a:ext>
+            </a:extLst>
+          </p:cNvPr>
+          <p:cNvCxnSpPr>
+            <a:cxnSpLocks/>
+            <a:endCxn id="6" idx="1"/>
+          </p:cNvCxnSpPr>
+          <p:nvPr/>
+        </p:nvCxnSpPr>
+        <p:spPr>
+          <a:xfrm rot="16200000" flipV="1">
+            <a:off x="3073767" y="2932812"/>
+            <a:ext cx="1535206" cy="1062316"/>
+          </a:xfrm>
+          <a:prstGeom prst="bentConnector4">
+            <a:avLst>
+              <a:gd name="adj1" fmla="val 293"/>
+              <a:gd name="adj2" fmla="val 145991"/>
+            </a:avLst>
+          </a:prstGeom>
+          <a:ln w="28575">
+            <a:solidFill>
+              <a:schemeClr val="tx1"/>
+            </a:solidFill>
+            <a:tailEnd type="triangle"/>
+          </a:ln>
+        </p:spPr>
+        <p:style>
+          <a:lnRef idx="1">
+            <a:schemeClr val="accent1"/>
+          </a:lnRef>
+          <a:fillRef idx="0">
+            <a:schemeClr val="accent1"/>
+          </a:fillRef>
+          <a:effectRef idx="0">
+            <a:schemeClr val="accent1"/>
+          </a:effectRef>
+          <a:fontRef idx="minor">
+            <a:schemeClr val="tx1"/>
+          </a:fontRef>
+        </p:style>
+      </p:cxnSp>
+      <p:cxnSp>
+        <p:nvCxnSpPr>
+          <p:cNvPr id="16" name="直接连接符 15">
+            <a:extLst>
+              <a:ext uri="{FF2B5EF4-FFF2-40B4-BE49-F238E27FC236}">
+                <a16:creationId xmlns:a16="http://schemas.microsoft.com/office/drawing/2014/main" id="{C0747009-BAA4-4CC2-BC73-3933283EDE71}"/>
+              </a:ext>
+            </a:extLst>
+          </p:cNvPr>
+          <p:cNvCxnSpPr>
+            <a:stCxn id="5" idx="0"/>
+            <a:endCxn id="6" idx="2"/>
+          </p:cNvCxnSpPr>
+          <p:nvPr/>
+        </p:nvCxnSpPr>
+        <p:spPr>
+          <a:xfrm flipV="1">
+            <a:off x="4372530" y="2877902"/>
+            <a:ext cx="0" cy="224118"/>
+          </a:xfrm>
+          <a:prstGeom prst="line">
+            <a:avLst/>
+          </a:prstGeom>
+          <a:ln w="28575">
+            <a:solidFill>
+              <a:schemeClr val="tx1"/>
+            </a:solidFill>
+          </a:ln>
+        </p:spPr>
+        <p:style>
+          <a:lnRef idx="1">
+            <a:schemeClr val="accent1"/>
+          </a:lnRef>
+          <a:fillRef idx="0">
+            <a:schemeClr val="accent1"/>
+          </a:fillRef>
+          <a:effectRef idx="0">
+            <a:schemeClr val="accent1"/>
+          </a:effectRef>
+          <a:fontRef idx="minor">
+            <a:schemeClr val="tx1"/>
+          </a:fontRef>
+        </p:style>
+      </p:cxnSp>
+      <p:cxnSp>
+        <p:nvCxnSpPr>
+          <p:cNvPr id="17" name="直接箭头连接符 16">
+            <a:extLst>
+              <a:ext uri="{FF2B5EF4-FFF2-40B4-BE49-F238E27FC236}">
+                <a16:creationId xmlns:a16="http://schemas.microsoft.com/office/drawing/2014/main" id="{7B528002-666A-48D9-A365-3C87656D1406}"/>
+              </a:ext>
+            </a:extLst>
+          </p:cNvPr>
+          <p:cNvCxnSpPr>
+            <a:stCxn id="6" idx="0"/>
+            <a:endCxn id="7" idx="2"/>
+          </p:cNvCxnSpPr>
+          <p:nvPr/>
+        </p:nvCxnSpPr>
+        <p:spPr>
+          <a:xfrm flipH="1" flipV="1">
+            <a:off x="4372529" y="2002984"/>
+            <a:ext cx="1" cy="511847"/>
+          </a:xfrm>
+          <a:prstGeom prst="straightConnector1">
+            <a:avLst/>
+          </a:prstGeom>
+          <a:ln w="28575">
+            <a:solidFill>
+              <a:schemeClr val="tx1"/>
+            </a:solidFill>
+            <a:tailEnd type="triangle"/>
+          </a:ln>
+        </p:spPr>
+        <p:style>
+          <a:lnRef idx="1">
+            <a:schemeClr val="accent1"/>
+          </a:lnRef>
+          <a:fillRef idx="0">
+            <a:schemeClr val="accent1"/>
+          </a:fillRef>
+          <a:effectRef idx="0">
+            <a:schemeClr val="accent1"/>
+          </a:effectRef>
+          <a:fontRef idx="minor">
+            <a:schemeClr val="tx1"/>
+          </a:fontRef>
+        </p:style>
+      </p:cxnSp>
+      <p:cxnSp>
+        <p:nvCxnSpPr>
+          <p:cNvPr id="18" name="直接连接符 17">
+            <a:extLst>
+              <a:ext uri="{FF2B5EF4-FFF2-40B4-BE49-F238E27FC236}">
+                <a16:creationId xmlns:a16="http://schemas.microsoft.com/office/drawing/2014/main" id="{AEE4AD4B-5CB4-48B8-8C47-A41D556972AF}"/>
+              </a:ext>
+            </a:extLst>
+          </p:cNvPr>
+          <p:cNvCxnSpPr>
+            <a:cxnSpLocks/>
+          </p:cNvCxnSpPr>
+          <p:nvPr/>
+        </p:nvCxnSpPr>
+        <p:spPr>
+          <a:xfrm flipV="1">
+            <a:off x="4372527" y="1195301"/>
+            <a:ext cx="0" cy="224118"/>
+          </a:xfrm>
+          <a:prstGeom prst="line">
+            <a:avLst/>
+          </a:prstGeom>
+          <a:ln w="28575">
+            <a:solidFill>
+              <a:schemeClr val="tx1"/>
+            </a:solidFill>
+          </a:ln>
+        </p:spPr>
+        <p:style>
+          <a:lnRef idx="1">
+            <a:schemeClr val="accent1"/>
+          </a:lnRef>
+          <a:fillRef idx="0">
+            <a:schemeClr val="accent1"/>
+          </a:fillRef>
+          <a:effectRef idx="0">
+            <a:schemeClr val="accent1"/>
+          </a:effectRef>
+          <a:fontRef idx="minor">
+            <a:schemeClr val="tx1"/>
+          </a:fontRef>
+        </p:style>
+      </p:cxnSp>
+      <p:cxnSp>
+        <p:nvCxnSpPr>
+          <p:cNvPr id="20" name="连接符: 肘形 19">
+            <a:extLst>
+              <a:ext uri="{FF2B5EF4-FFF2-40B4-BE49-F238E27FC236}">
+                <a16:creationId xmlns:a16="http://schemas.microsoft.com/office/drawing/2014/main" id="{E87F7CA4-A22E-4026-ADD6-B2E5DD71E089}"/>
+              </a:ext>
+            </a:extLst>
+          </p:cNvPr>
+          <p:cNvCxnSpPr>
+            <a:cxnSpLocks/>
+            <a:endCxn id="8" idx="1"/>
+          </p:cNvCxnSpPr>
+          <p:nvPr/>
+        </p:nvCxnSpPr>
+        <p:spPr>
+          <a:xfrm rot="16200000" flipV="1">
+            <a:off x="3199535" y="1128924"/>
+            <a:ext cx="1272464" cy="1051114"/>
+          </a:xfrm>
+          <a:prstGeom prst="bentConnector4">
+            <a:avLst>
+              <a:gd name="adj1" fmla="val 597"/>
+              <a:gd name="adj2" fmla="val 148187"/>
+            </a:avLst>
+          </a:prstGeom>
+          <a:ln w="28575">
+            <a:solidFill>
+              <a:schemeClr val="tx1"/>
+            </a:solidFill>
+            <a:tailEnd type="triangle"/>
+          </a:ln>
+        </p:spPr>
+        <p:style>
+          <a:lnRef idx="1">
+            <a:schemeClr val="accent1"/>
+          </a:lnRef>
+          <a:fillRef idx="0">
+            <a:schemeClr val="accent1"/>
+          </a:fillRef>
+          <a:effectRef idx="0">
+            <a:schemeClr val="accent1"/>
+          </a:effectRef>
+          <a:fontRef idx="minor">
+            <a:schemeClr val="tx1"/>
+          </a:fontRef>
+        </p:style>
+      </p:cxnSp>
+      <p:sp>
+        <p:nvSpPr>
+          <p:cNvPr id="21" name="文本框 20">
+            <a:extLst>
+              <a:ext uri="{FF2B5EF4-FFF2-40B4-BE49-F238E27FC236}">
+                <a16:creationId xmlns:a16="http://schemas.microsoft.com/office/drawing/2014/main" id="{144FD2F8-52B3-41B2-9ECC-5B2C7A4CCB47}"/>
+              </a:ext>
+            </a:extLst>
+          </p:cNvPr>
+          <p:cNvSpPr txBox="1"/>
+          <p:nvPr/>
+        </p:nvSpPr>
+        <p:spPr>
+          <a:xfrm>
+            <a:off x="1855690" y="2514830"/>
+            <a:ext cx="665627" cy="400110"/>
+          </a:xfrm>
+          <a:prstGeom prst="rect">
+            <a:avLst/>
+          </a:prstGeom>
+          <a:noFill/>
+        </p:spPr>
+        <p:txBody>
+          <a:bodyPr wrap="square" rtlCol="0">
+            <a:spAutoFit/>
+          </a:bodyPr>
+          <a:lstStyle/>
+          <a:p>
+            <a:r>
+              <a:rPr lang="en-US" altLang="zh-CN" sz="2000" dirty="0"/>
+              <a:t>Nx</a:t>
+            </a:r>
+            <a:endParaRPr lang="zh-CN" altLang="en-US" sz="2000" dirty="0"/>
+          </a:p>
+        </p:txBody>
+      </p:sp>
+      <p:sp>
+        <p:nvSpPr>
+          <p:cNvPr id="35" name="矩形: 圆角 34">
+            <a:extLst>
+              <a:ext uri="{FF2B5EF4-FFF2-40B4-BE49-F238E27FC236}">
+                <a16:creationId xmlns:a16="http://schemas.microsoft.com/office/drawing/2014/main" id="{B20BC0C9-D8A7-4058-8FBE-32E1313FADA0}"/>
+              </a:ext>
+            </a:extLst>
+          </p:cNvPr>
+          <p:cNvSpPr/>
+          <p:nvPr/>
+        </p:nvSpPr>
+        <p:spPr>
+          <a:xfrm>
+            <a:off x="3724264" y="5750329"/>
+            <a:ext cx="1296525" cy="363071"/>
+          </a:xfrm>
+          <a:prstGeom prst="roundRect">
+            <a:avLst/>
+          </a:prstGeom>
+          <a:solidFill>
+            <a:schemeClr val="accent6"/>
+          </a:solidFill>
+          <a:ln>
+            <a:solidFill>
+              <a:schemeClr val="tx1"/>
+            </a:solidFill>
+          </a:ln>
+        </p:spPr>
+        <p:style>
+          <a:lnRef idx="2">
+            <a:schemeClr val="accent1">
+              <a:shade val="50000"/>
+            </a:schemeClr>
+          </a:lnRef>
+          <a:fillRef idx="1">
+            <a:schemeClr val="accent1"/>
+          </a:fillRef>
+          <a:effectRef idx="0">
+            <a:schemeClr val="accent1"/>
+          </a:effectRef>
+          <a:fontRef idx="minor">
+            <a:schemeClr val="lt1"/>
+          </a:fontRef>
+        </p:style>
+        <p:txBody>
+          <a:bodyPr rtlCol="0" anchor="ctr"/>
+          <a:lstStyle/>
+          <a:p>
+            <a:pPr algn="ctr"/>
+            <a:r>
+              <a:rPr lang="en-US" altLang="zh-CN" dirty="0">
+                <a:solidFill>
+                  <a:schemeClr val="tx1"/>
+                </a:solidFill>
+              </a:rPr>
+              <a:t>Patch</a:t>
+            </a:r>
+            <a:endParaRPr lang="zh-CN" altLang="en-US" dirty="0">
+              <a:solidFill>
+                <a:schemeClr val="tx1"/>
+              </a:solidFill>
+            </a:endParaRPr>
+          </a:p>
+        </p:txBody>
+      </p:sp>
+      <p:sp>
+        <p:nvSpPr>
+          <p:cNvPr id="36" name="矩形: 圆角 35">
+            <a:extLst>
+              <a:ext uri="{FF2B5EF4-FFF2-40B4-BE49-F238E27FC236}">
+                <a16:creationId xmlns:a16="http://schemas.microsoft.com/office/drawing/2014/main" id="{93DA516E-27A2-4CDE-AF52-81E8E6CD5A24}"/>
+              </a:ext>
+            </a:extLst>
+          </p:cNvPr>
+          <p:cNvSpPr/>
+          <p:nvPr/>
+        </p:nvSpPr>
+        <p:spPr>
+          <a:xfrm>
+            <a:off x="3415826" y="5096919"/>
+            <a:ext cx="1913402" cy="390933"/>
+          </a:xfrm>
+          <a:prstGeom prst="roundRect">
+            <a:avLst/>
+          </a:prstGeom>
+          <a:solidFill>
+            <a:schemeClr val="bg2">
+              <a:lumMod val="90000"/>
+            </a:schemeClr>
+          </a:solidFill>
+        </p:spPr>
+        <p:style>
+          <a:lnRef idx="2">
+            <a:schemeClr val="accent1">
+              <a:shade val="50000"/>
+            </a:schemeClr>
+          </a:lnRef>
+          <a:fillRef idx="1">
+            <a:schemeClr val="accent1"/>
+          </a:fillRef>
+          <a:effectRef idx="0">
+            <a:schemeClr val="accent1"/>
+          </a:effectRef>
+          <a:fontRef idx="minor">
+            <a:schemeClr val="lt1"/>
+          </a:fontRef>
+        </p:style>
+        <p:txBody>
+          <a:bodyPr rtlCol="0" anchor="ctr"/>
+          <a:lstStyle/>
+          <a:p>
+            <a:pPr algn="ctr"/>
+            <a:r>
+              <a:rPr lang="en-US" altLang="zh-CN" sz="1800" dirty="0">
+                <a:solidFill>
+                  <a:schemeClr val="tx1"/>
+                </a:solidFill>
+              </a:rPr>
+              <a:t>Input Embedding</a:t>
+            </a:r>
+            <a:endParaRPr lang="zh-CN" altLang="en-US" sz="1800" dirty="0">
+              <a:solidFill>
+                <a:schemeClr val="tx1"/>
+              </a:solidFill>
+            </a:endParaRPr>
+          </a:p>
+        </p:txBody>
+      </p:sp>
+      <p:sp>
+        <p:nvSpPr>
+          <p:cNvPr id="37" name="矩形: 圆角 36">
+            <a:extLst>
+              <a:ext uri="{FF2B5EF4-FFF2-40B4-BE49-F238E27FC236}">
+                <a16:creationId xmlns:a16="http://schemas.microsoft.com/office/drawing/2014/main" id="{DDFA88E1-5704-48E6-B336-596F1B3FA72F}"/>
+              </a:ext>
+            </a:extLst>
+          </p:cNvPr>
+          <p:cNvSpPr/>
+          <p:nvPr/>
+        </p:nvSpPr>
+        <p:spPr>
+          <a:xfrm>
+            <a:off x="3724264" y="6375877"/>
+            <a:ext cx="1296525" cy="363071"/>
+          </a:xfrm>
+          <a:prstGeom prst="roundRect">
+            <a:avLst/>
+          </a:prstGeom>
+          <a:noFill/>
+          <a:ln>
+            <a:noFill/>
+          </a:ln>
+        </p:spPr>
+        <p:style>
+          <a:lnRef idx="2">
+            <a:schemeClr val="accent1">
+              <a:shade val="50000"/>
+            </a:schemeClr>
+          </a:lnRef>
+          <a:fillRef idx="1">
+            <a:schemeClr val="accent1"/>
+          </a:fillRef>
+          <a:effectRef idx="0">
+            <a:schemeClr val="accent1"/>
+          </a:effectRef>
+          <a:fontRef idx="minor">
+            <a:schemeClr val="lt1"/>
+          </a:fontRef>
+        </p:style>
+        <p:txBody>
+          <a:bodyPr rtlCol="0" anchor="ctr"/>
+          <a:lstStyle/>
+          <a:p>
+            <a:pPr algn="ctr"/>
+            <a:r>
+              <a:rPr lang="en-US" altLang="zh-CN" sz="1800" dirty="0">
+                <a:solidFill>
+                  <a:schemeClr val="tx1"/>
+                </a:solidFill>
+              </a:rPr>
+              <a:t>Input MTS</a:t>
+            </a:r>
+            <a:endParaRPr lang="zh-CN" altLang="en-US" sz="1800" dirty="0">
+              <a:solidFill>
+                <a:schemeClr val="tx1"/>
+              </a:solidFill>
+            </a:endParaRPr>
+          </a:p>
+        </p:txBody>
+      </p:sp>
+      <p:cxnSp>
+        <p:nvCxnSpPr>
+          <p:cNvPr id="40" name="直接连接符 39">
+            <a:extLst>
+              <a:ext uri="{FF2B5EF4-FFF2-40B4-BE49-F238E27FC236}">
+                <a16:creationId xmlns:a16="http://schemas.microsoft.com/office/drawing/2014/main" id="{71C35F20-BD91-467C-9117-FE5B74C4E1C9}"/>
+              </a:ext>
+            </a:extLst>
+          </p:cNvPr>
+          <p:cNvCxnSpPr>
+            <a:cxnSpLocks/>
+            <a:stCxn id="35" idx="2"/>
+            <a:endCxn id="37" idx="0"/>
+          </p:cNvCxnSpPr>
+          <p:nvPr/>
+        </p:nvCxnSpPr>
+        <p:spPr>
+          <a:xfrm>
+            <a:off x="4372527" y="6113400"/>
+            <a:ext cx="0" cy="262477"/>
+          </a:xfrm>
+          <a:prstGeom prst="line">
+            <a:avLst/>
+          </a:prstGeom>
+          <a:ln w="28575">
+            <a:solidFill>
+              <a:schemeClr val="tx1"/>
+            </a:solidFill>
+          </a:ln>
+        </p:spPr>
+        <p:style>
+          <a:lnRef idx="1">
+            <a:schemeClr val="accent1"/>
+          </a:lnRef>
+          <a:fillRef idx="0">
+            <a:schemeClr val="accent1"/>
+          </a:fillRef>
+          <a:effectRef idx="0">
+            <a:schemeClr val="accent1"/>
+          </a:effectRef>
+          <a:fontRef idx="minor">
+            <a:schemeClr val="tx1"/>
+          </a:fontRef>
+        </p:style>
+      </p:cxnSp>
+      <p:cxnSp>
+        <p:nvCxnSpPr>
+          <p:cNvPr id="45" name="直接连接符 44">
+            <a:extLst>
+              <a:ext uri="{FF2B5EF4-FFF2-40B4-BE49-F238E27FC236}">
+                <a16:creationId xmlns:a16="http://schemas.microsoft.com/office/drawing/2014/main" id="{4E814664-279E-4CD0-B681-0315E161BB43}"/>
+              </a:ext>
+            </a:extLst>
+          </p:cNvPr>
+          <p:cNvCxnSpPr>
+            <a:stCxn id="36" idx="2"/>
+            <a:endCxn id="35" idx="0"/>
+          </p:cNvCxnSpPr>
+          <p:nvPr/>
+        </p:nvCxnSpPr>
+        <p:spPr>
+          <a:xfrm>
+            <a:off x="4372527" y="5487852"/>
+            <a:ext cx="0" cy="262477"/>
+          </a:xfrm>
+          <a:prstGeom prst="line">
+            <a:avLst/>
+          </a:prstGeom>
+          <a:ln w="28575">
+            <a:solidFill>
+              <a:schemeClr val="tx1"/>
+            </a:solidFill>
+          </a:ln>
+        </p:spPr>
+        <p:style>
+          <a:lnRef idx="1">
+            <a:schemeClr val="accent1"/>
+          </a:lnRef>
+          <a:fillRef idx="0">
+            <a:schemeClr val="accent1"/>
+          </a:fillRef>
+          <a:effectRef idx="0">
+            <a:schemeClr val="accent1"/>
+          </a:effectRef>
+          <a:fontRef idx="minor">
+            <a:schemeClr val="tx1"/>
+          </a:fontRef>
+        </p:style>
+      </p:cxnSp>
+      <p:cxnSp>
+        <p:nvCxnSpPr>
+          <p:cNvPr id="47" name="直接连接符 46">
+            <a:extLst>
+              <a:ext uri="{FF2B5EF4-FFF2-40B4-BE49-F238E27FC236}">
+                <a16:creationId xmlns:a16="http://schemas.microsoft.com/office/drawing/2014/main" id="{C7F77555-3B22-46F7-AD9E-82EB2E3CBF8A}"/>
+              </a:ext>
+            </a:extLst>
+          </p:cNvPr>
+          <p:cNvCxnSpPr>
+            <a:stCxn id="9" idx="4"/>
+            <a:endCxn id="36" idx="0"/>
+          </p:cNvCxnSpPr>
+          <p:nvPr/>
+        </p:nvCxnSpPr>
+        <p:spPr>
+          <a:xfrm flipH="1">
+            <a:off x="4372527" y="4814279"/>
+            <a:ext cx="1" cy="282640"/>
+          </a:xfrm>
+          <a:prstGeom prst="line">
+            <a:avLst/>
+          </a:prstGeom>
+          <a:ln w="28575">
+            <a:solidFill>
+              <a:schemeClr val="tx1"/>
+            </a:solidFill>
+          </a:ln>
+        </p:spPr>
+        <p:style>
+          <a:lnRef idx="1">
+            <a:schemeClr val="accent1"/>
+          </a:lnRef>
+          <a:fillRef idx="0">
+            <a:schemeClr val="accent1"/>
+          </a:fillRef>
+          <a:effectRef idx="0">
+            <a:schemeClr val="accent1"/>
+          </a:effectRef>
+          <a:fontRef idx="minor">
+            <a:schemeClr val="tx1"/>
+          </a:fontRef>
+        </p:style>
+      </p:cxnSp>
+      <p:sp>
+        <p:nvSpPr>
+          <p:cNvPr id="48" name="矩形: 圆角 47">
+            <a:extLst>
+              <a:ext uri="{FF2B5EF4-FFF2-40B4-BE49-F238E27FC236}">
+                <a16:creationId xmlns:a16="http://schemas.microsoft.com/office/drawing/2014/main" id="{40198273-3458-482C-B32C-5713700F2037}"/>
+              </a:ext>
+            </a:extLst>
+          </p:cNvPr>
+          <p:cNvSpPr/>
+          <p:nvPr/>
+        </p:nvSpPr>
+        <p:spPr>
+          <a:xfrm>
+            <a:off x="2202089" y="4490013"/>
+            <a:ext cx="1272146" cy="390933"/>
+          </a:xfrm>
+          <a:prstGeom prst="roundRect">
+            <a:avLst/>
+          </a:prstGeom>
+          <a:solidFill>
+            <a:schemeClr val="accent3">
+              <a:lumMod val="75000"/>
+            </a:schemeClr>
+          </a:solidFill>
+        </p:spPr>
+        <p:style>
+          <a:lnRef idx="2">
+            <a:schemeClr val="accent1">
+              <a:shade val="50000"/>
+            </a:schemeClr>
+          </a:lnRef>
+          <a:fillRef idx="1">
+            <a:schemeClr val="accent1"/>
+          </a:fillRef>
+          <a:effectRef idx="0">
+            <a:schemeClr val="accent1"/>
+          </a:effectRef>
+          <a:fontRef idx="minor">
+            <a:schemeClr val="lt1"/>
+          </a:fontRef>
+        </p:style>
+        <p:txBody>
+          <a:bodyPr rtlCol="0" anchor="ctr"/>
+          <a:lstStyle/>
+          <a:p>
+            <a:pPr algn="ctr"/>
+            <a:r>
+              <a:rPr lang="en-US" altLang="zh-CN" sz="1800" dirty="0">
+                <a:solidFill>
+                  <a:schemeClr val="tx1"/>
+                </a:solidFill>
+              </a:rPr>
+              <a:t>Time2Vec</a:t>
+            </a:r>
+            <a:endParaRPr lang="zh-CN" altLang="en-US" sz="1800" dirty="0">
+              <a:solidFill>
+                <a:schemeClr val="tx1"/>
+              </a:solidFill>
+            </a:endParaRPr>
+          </a:p>
+        </p:txBody>
+      </p:sp>
+      <p:cxnSp>
+        <p:nvCxnSpPr>
+          <p:cNvPr id="50" name="直接箭头连接符 49">
+            <a:extLst>
+              <a:ext uri="{FF2B5EF4-FFF2-40B4-BE49-F238E27FC236}">
+                <a16:creationId xmlns:a16="http://schemas.microsoft.com/office/drawing/2014/main" id="{2B42AE47-1C71-43DC-8CA1-9DFAEECC9EDB}"/>
+              </a:ext>
+            </a:extLst>
+          </p:cNvPr>
+          <p:cNvCxnSpPr>
+            <a:stCxn id="48" idx="3"/>
+            <a:endCxn id="9" idx="2"/>
+          </p:cNvCxnSpPr>
+          <p:nvPr/>
+        </p:nvCxnSpPr>
+        <p:spPr>
+          <a:xfrm flipV="1">
+            <a:off x="3474235" y="4680239"/>
+            <a:ext cx="769783" cy="5241"/>
+          </a:xfrm>
+          <a:prstGeom prst="straightConnector1">
+            <a:avLst/>
+          </a:prstGeom>
+          <a:ln w="28575">
+            <a:solidFill>
+              <a:schemeClr val="tx1"/>
+            </a:solidFill>
+            <a:tailEnd type="triangle"/>
+          </a:ln>
+        </p:spPr>
+        <p:style>
+          <a:lnRef idx="1">
+            <a:schemeClr val="accent1"/>
+          </a:lnRef>
+          <a:fillRef idx="0">
+            <a:schemeClr val="accent1"/>
+          </a:fillRef>
+          <a:effectRef idx="0">
+            <a:schemeClr val="accent1"/>
+          </a:effectRef>
+          <a:fontRef idx="minor">
+            <a:schemeClr val="tx1"/>
+          </a:fontRef>
+        </p:style>
+      </p:cxnSp>
+      <p:sp>
+        <p:nvSpPr>
+          <p:cNvPr id="51" name="矩形: 圆角 50">
+            <a:extLst>
+              <a:ext uri="{FF2B5EF4-FFF2-40B4-BE49-F238E27FC236}">
+                <a16:creationId xmlns:a16="http://schemas.microsoft.com/office/drawing/2014/main" id="{7A5CD45C-46DC-4291-8772-4818C2E86AAE}"/>
+              </a:ext>
+            </a:extLst>
+          </p:cNvPr>
+          <p:cNvSpPr/>
+          <p:nvPr/>
+        </p:nvSpPr>
+        <p:spPr>
+          <a:xfrm>
+            <a:off x="3785336" y="71290"/>
+            <a:ext cx="1192859" cy="319844"/>
+          </a:xfrm>
+          <a:prstGeom prst="roundRect">
+            <a:avLst/>
+          </a:prstGeom>
+          <a:noFill/>
+          <a:ln>
+            <a:noFill/>
+          </a:ln>
+        </p:spPr>
+        <p:style>
+          <a:lnRef idx="2">
+            <a:schemeClr val="accent1">
+              <a:shade val="50000"/>
+            </a:schemeClr>
+          </a:lnRef>
+          <a:fillRef idx="1">
+            <a:schemeClr val="accent1"/>
+          </a:fillRef>
+          <a:effectRef idx="0">
+            <a:schemeClr val="accent1"/>
+          </a:effectRef>
+          <a:fontRef idx="minor">
+            <a:schemeClr val="lt1"/>
+          </a:fontRef>
+        </p:style>
+        <p:txBody>
+          <a:bodyPr rtlCol="0" anchor="ctr"/>
+          <a:lstStyle/>
+          <a:p>
+            <a:pPr algn="ctr"/>
+            <a:r>
+              <a:rPr lang="en-US" altLang="zh-CN" sz="1800" dirty="0">
+                <a:solidFill>
+                  <a:schemeClr val="tx1"/>
+                </a:solidFill>
+              </a:rPr>
+              <a:t>Uaformer</a:t>
+            </a:r>
+            <a:endParaRPr lang="zh-CN" altLang="en-US" sz="1800" dirty="0">
+              <a:solidFill>
+                <a:schemeClr val="tx1"/>
+              </a:solidFill>
+            </a:endParaRPr>
+          </a:p>
+        </p:txBody>
+      </p:sp>
+      <p:cxnSp>
+        <p:nvCxnSpPr>
+          <p:cNvPr id="54" name="直接箭头连接符 53">
+            <a:extLst>
+              <a:ext uri="{FF2B5EF4-FFF2-40B4-BE49-F238E27FC236}">
+                <a16:creationId xmlns:a16="http://schemas.microsoft.com/office/drawing/2014/main" id="{3BB4207D-A5AB-4F9A-9AF1-FC2862AB3DD8}"/>
+              </a:ext>
+            </a:extLst>
+          </p:cNvPr>
+          <p:cNvCxnSpPr>
+            <a:cxnSpLocks/>
+            <a:stCxn id="8" idx="0"/>
+          </p:cNvCxnSpPr>
+          <p:nvPr/>
+        </p:nvCxnSpPr>
+        <p:spPr>
+          <a:xfrm flipV="1">
+            <a:off x="4372528" y="358046"/>
+            <a:ext cx="0" cy="478667"/>
+          </a:xfrm>
+          <a:prstGeom prst="straightConnector1">
+            <a:avLst/>
+          </a:prstGeom>
+          <a:ln w="28575">
+            <a:solidFill>
+              <a:schemeClr val="tx1"/>
+            </a:solidFill>
+            <a:tailEnd type="triangle"/>
+          </a:ln>
+        </p:spPr>
+        <p:style>
+          <a:lnRef idx="1">
+            <a:schemeClr val="accent1"/>
+          </a:lnRef>
+          <a:fillRef idx="0">
+            <a:schemeClr val="accent1"/>
+          </a:fillRef>
+          <a:effectRef idx="0">
+            <a:schemeClr val="accent1"/>
+          </a:effectRef>
+          <a:fontRef idx="minor">
+            <a:schemeClr val="tx1"/>
+          </a:fontRef>
+        </p:style>
+      </p:cxnSp>
+      <p:sp>
+        <p:nvSpPr>
+          <p:cNvPr id="80" name="矩形: 圆角 79">
+            <a:extLst>
+              <a:ext uri="{FF2B5EF4-FFF2-40B4-BE49-F238E27FC236}">
+                <a16:creationId xmlns:a16="http://schemas.microsoft.com/office/drawing/2014/main" id="{293D04B4-3115-4466-985B-D3FB33835D2E}"/>
+              </a:ext>
+            </a:extLst>
+          </p:cNvPr>
+          <p:cNvSpPr/>
+          <p:nvPr/>
+        </p:nvSpPr>
+        <p:spPr>
+          <a:xfrm>
+            <a:off x="7461137" y="2516189"/>
+            <a:ext cx="2032987" cy="583564"/>
+          </a:xfrm>
+          <a:prstGeom prst="roundRect">
+            <a:avLst/>
+          </a:prstGeom>
+          <a:solidFill>
+            <a:schemeClr val="accent5"/>
+          </a:solidFill>
+        </p:spPr>
+        <p:style>
+          <a:lnRef idx="2">
+            <a:schemeClr val="accent1">
+              <a:shade val="50000"/>
+            </a:schemeClr>
+          </a:lnRef>
+          <a:fillRef idx="1">
+            <a:schemeClr val="accent1"/>
+          </a:fillRef>
+          <a:effectRef idx="0">
+            <a:schemeClr val="accent1"/>
+          </a:effectRef>
+          <a:fontRef idx="minor">
+            <a:schemeClr val="lt1"/>
+          </a:fontRef>
+        </p:style>
+        <p:txBody>
+          <a:bodyPr rtlCol="0" anchor="ctr"/>
+          <a:lstStyle/>
+          <a:p>
+            <a:pPr algn="ctr"/>
+            <a:endParaRPr lang="zh-CN" altLang="en-US" dirty="0"/>
+          </a:p>
+        </p:txBody>
+      </p:sp>
+      <p:sp>
+        <p:nvSpPr>
+          <p:cNvPr id="81" name="矩形: 圆角 80">
+            <a:extLst>
+              <a:ext uri="{FF2B5EF4-FFF2-40B4-BE49-F238E27FC236}">
+                <a16:creationId xmlns:a16="http://schemas.microsoft.com/office/drawing/2014/main" id="{DE221740-CF87-40A4-A507-9853FC79AA01}"/>
+              </a:ext>
+            </a:extLst>
+          </p:cNvPr>
+          <p:cNvSpPr/>
+          <p:nvPr/>
+        </p:nvSpPr>
+        <p:spPr>
+          <a:xfrm>
+            <a:off x="7381239" y="2621541"/>
+            <a:ext cx="2032987" cy="583564"/>
+          </a:xfrm>
+          <a:prstGeom prst="roundRect">
+            <a:avLst/>
+          </a:prstGeom>
+          <a:solidFill>
+            <a:schemeClr val="accent3"/>
+          </a:solidFill>
+        </p:spPr>
+        <p:style>
+          <a:lnRef idx="2">
+            <a:schemeClr val="accent1">
+              <a:shade val="50000"/>
+            </a:schemeClr>
+          </a:lnRef>
+          <a:fillRef idx="1">
+            <a:schemeClr val="accent1"/>
+          </a:fillRef>
+          <a:effectRef idx="0">
+            <a:schemeClr val="accent1"/>
+          </a:effectRef>
+          <a:fontRef idx="minor">
+            <a:schemeClr val="lt1"/>
+          </a:fontRef>
+        </p:style>
+        <p:txBody>
+          <a:bodyPr rtlCol="0" anchor="ctr"/>
+          <a:lstStyle/>
+          <a:p>
+            <a:pPr algn="ctr"/>
+            <a:endParaRPr lang="zh-CN" altLang="en-US" dirty="0"/>
+          </a:p>
+        </p:txBody>
+      </p:sp>
+      <p:sp>
+        <p:nvSpPr>
+          <p:cNvPr id="82" name="矩形: 圆角 81">
+            <a:extLst>
+              <a:ext uri="{FF2B5EF4-FFF2-40B4-BE49-F238E27FC236}">
+                <a16:creationId xmlns:a16="http://schemas.microsoft.com/office/drawing/2014/main" id="{2821650A-3FF3-4981-B09B-8857C3916231}"/>
+              </a:ext>
+            </a:extLst>
+          </p:cNvPr>
+          <p:cNvSpPr/>
+          <p:nvPr/>
+        </p:nvSpPr>
+        <p:spPr>
+          <a:xfrm>
+            <a:off x="7301342" y="3895344"/>
+            <a:ext cx="2032987" cy="441523"/>
+          </a:xfrm>
+          <a:prstGeom prst="roundRect">
+            <a:avLst/>
+          </a:prstGeom>
+          <a:solidFill>
+            <a:schemeClr val="accent4">
+              <a:lumMod val="75000"/>
+            </a:schemeClr>
+          </a:solidFill>
+        </p:spPr>
+        <p:style>
+          <a:lnRef idx="2">
+            <a:schemeClr val="accent1">
+              <a:shade val="50000"/>
+            </a:schemeClr>
+          </a:lnRef>
+          <a:fillRef idx="1">
+            <a:schemeClr val="accent1"/>
+          </a:fillRef>
+          <a:effectRef idx="0">
+            <a:schemeClr val="accent1"/>
+          </a:effectRef>
+          <a:fontRef idx="minor">
+            <a:schemeClr val="lt1"/>
+          </a:fontRef>
+        </p:style>
+        <p:txBody>
+          <a:bodyPr rtlCol="0" anchor="ctr"/>
+          <a:lstStyle/>
+          <a:p>
+            <a:pPr algn="ctr"/>
+            <a:r>
+              <a:rPr lang="en-US" altLang="zh-CN" dirty="0">
+                <a:solidFill>
+                  <a:schemeClr val="tx1"/>
+                </a:solidFill>
+              </a:rPr>
+              <a:t>Variate Separation</a:t>
+            </a:r>
+            <a:endParaRPr lang="zh-CN" altLang="en-US" dirty="0">
+              <a:solidFill>
+                <a:schemeClr val="tx1"/>
+              </a:solidFill>
+            </a:endParaRPr>
+          </a:p>
+        </p:txBody>
+      </p:sp>
+      <p:sp>
+        <p:nvSpPr>
+          <p:cNvPr id="83" name="矩形: 圆角 82">
+            <a:extLst>
+              <a:ext uri="{FF2B5EF4-FFF2-40B4-BE49-F238E27FC236}">
+                <a16:creationId xmlns:a16="http://schemas.microsoft.com/office/drawing/2014/main" id="{DD938C71-C6C6-4587-9A69-D1015E069731}"/>
+              </a:ext>
+            </a:extLst>
+          </p:cNvPr>
+          <p:cNvSpPr/>
+          <p:nvPr/>
+        </p:nvSpPr>
+        <p:spPr>
+          <a:xfrm>
+            <a:off x="7301341" y="2726893"/>
+            <a:ext cx="2032987" cy="583564"/>
+          </a:xfrm>
+          <a:prstGeom prst="roundRect">
+            <a:avLst/>
+          </a:prstGeom>
+          <a:solidFill>
+            <a:schemeClr val="accent6">
+              <a:lumMod val="60000"/>
+              <a:lumOff val="40000"/>
+            </a:schemeClr>
+          </a:solidFill>
+        </p:spPr>
+        <p:style>
+          <a:lnRef idx="2">
+            <a:schemeClr val="accent1">
+              <a:shade val="50000"/>
+            </a:schemeClr>
+          </a:lnRef>
+          <a:fillRef idx="1">
+            <a:schemeClr val="accent1"/>
+          </a:fillRef>
+          <a:effectRef idx="0">
+            <a:schemeClr val="accent1"/>
+          </a:effectRef>
+          <a:fontRef idx="minor">
+            <a:schemeClr val="lt1"/>
+          </a:fontRef>
+        </p:style>
+        <p:txBody>
+          <a:bodyPr rtlCol="0" anchor="ctr"/>
+          <a:lstStyle/>
+          <a:p>
+            <a:pPr algn="ctr"/>
+            <a:r>
+              <a:rPr lang="en-US" altLang="zh-CN" dirty="0">
+                <a:solidFill>
+                  <a:schemeClr val="tx1"/>
+                </a:solidFill>
+              </a:rPr>
+              <a:t>Scaled Dot-Product Attention</a:t>
+            </a:r>
+            <a:endParaRPr lang="zh-CN" altLang="en-US" dirty="0">
+              <a:solidFill>
+                <a:schemeClr val="tx1"/>
+              </a:solidFill>
+            </a:endParaRPr>
+          </a:p>
+        </p:txBody>
+      </p:sp>
+      <p:sp>
+        <p:nvSpPr>
+          <p:cNvPr id="84" name="矩形: 圆角 83">
+            <a:extLst>
+              <a:ext uri="{FF2B5EF4-FFF2-40B4-BE49-F238E27FC236}">
+                <a16:creationId xmlns:a16="http://schemas.microsoft.com/office/drawing/2014/main" id="{39B4CF2E-4D20-4F65-A42E-DB71AD39BFC6}"/>
+              </a:ext>
+            </a:extLst>
+          </p:cNvPr>
+          <p:cNvSpPr/>
+          <p:nvPr/>
+        </p:nvSpPr>
+        <p:spPr>
+          <a:xfrm>
+            <a:off x="7819472" y="1561461"/>
+            <a:ext cx="996723" cy="441523"/>
+          </a:xfrm>
+          <a:prstGeom prst="roundRect">
+            <a:avLst/>
+          </a:prstGeom>
+          <a:solidFill>
+            <a:schemeClr val="accent2">
+              <a:lumMod val="75000"/>
+            </a:schemeClr>
+          </a:solidFill>
+        </p:spPr>
+        <p:style>
+          <a:lnRef idx="2">
+            <a:schemeClr val="accent1">
+              <a:shade val="50000"/>
+            </a:schemeClr>
+          </a:lnRef>
+          <a:fillRef idx="1">
+            <a:schemeClr val="accent1"/>
+          </a:fillRef>
+          <a:effectRef idx="0">
+            <a:schemeClr val="accent1"/>
+          </a:effectRef>
+          <a:fontRef idx="minor">
+            <a:schemeClr val="lt1"/>
+          </a:fontRef>
+        </p:style>
+        <p:txBody>
+          <a:bodyPr rtlCol="0" anchor="ctr"/>
+          <a:lstStyle/>
+          <a:p>
+            <a:pPr algn="ctr"/>
+            <a:r>
+              <a:rPr lang="en-US" altLang="zh-CN" dirty="0">
+                <a:solidFill>
+                  <a:schemeClr val="tx1"/>
+                </a:solidFill>
+              </a:rPr>
+              <a:t>Concat</a:t>
+            </a:r>
+            <a:endParaRPr lang="zh-CN" altLang="en-US" dirty="0">
+              <a:solidFill>
+                <a:schemeClr val="tx1"/>
+              </a:solidFill>
+            </a:endParaRPr>
+          </a:p>
+        </p:txBody>
+      </p:sp>
+      <mc:AlternateContent xmlns:mc="http://schemas.openxmlformats.org/markup-compatibility/2006">
+        <mc:Choice xmlns:a14="http://schemas.microsoft.com/office/drawing/2010/main" Requires="a14">
+          <p:sp>
+            <p:nvSpPr>
+              <p:cNvPr id="85" name="文本框 84">
+                <a:extLst>
+                  <a:ext uri="{FF2B5EF4-FFF2-40B4-BE49-F238E27FC236}">
+                    <a16:creationId xmlns:a16="http://schemas.microsoft.com/office/drawing/2014/main" id="{B6097524-6D3B-4D91-8E81-12FC37B2D8E9}"/>
+                  </a:ext>
+                </a:extLst>
+              </p:cNvPr>
+              <p:cNvSpPr txBox="1"/>
+              <p:nvPr/>
+            </p:nvSpPr>
+            <p:spPr>
+              <a:xfrm>
+                <a:off x="7461137" y="4812812"/>
+                <a:ext cx="215122" cy="276999"/>
+              </a:xfrm>
+              <a:prstGeom prst="rect">
+                <a:avLst/>
+              </a:prstGeom>
+              <a:noFill/>
+            </p:spPr>
+            <p:txBody>
+              <a:bodyPr wrap="none" lIns="0" tIns="0" rIns="0" bIns="0" rtlCol="0">
+                <a:spAutoFit/>
+              </a:bodyPr>
+              <a:lstStyle/>
+              <a:p>
+                <a:pPr/>
+                <a14:m>
+                  <m:oMathPara xmlns:m="http://schemas.openxmlformats.org/officeDocument/2006/math">
+                    <m:oMathParaPr>
+                      <m:jc m:val="centerGroup"/>
+                    </m:oMathParaPr>
+                    <m:oMath xmlns:m="http://schemas.openxmlformats.org/officeDocument/2006/math">
+                      <m:r>
+                        <a:rPr lang="en-US" altLang="zh-CN" b="0" i="1" smtClean="0">
+                          <a:latin typeface="Cambria Math" panose="02040503050406030204" pitchFamily="18" charset="0"/>
+                        </a:rPr>
+                        <m:t>𝑄</m:t>
+                      </m:r>
+                    </m:oMath>
+                  </m:oMathPara>
+                </a14:m>
+                <a:endParaRPr lang="zh-CN" altLang="en-US" dirty="0"/>
+              </a:p>
+            </p:txBody>
+          </p:sp>
+        </mc:Choice>
+        <mc:Fallback>
+          <p:sp>
+            <p:nvSpPr>
+              <p:cNvPr id="85" name="文本框 84">
+                <a:extLst>
+                  <a:ext uri="{FF2B5EF4-FFF2-40B4-BE49-F238E27FC236}">
+                    <a16:creationId xmlns:a16="http://schemas.microsoft.com/office/drawing/2014/main" id="{B6097524-6D3B-4D91-8E81-12FC37B2D8E9}"/>
+                  </a:ext>
+                </a:extLst>
+              </p:cNvPr>
+              <p:cNvSpPr txBox="1">
+                <a:spLocks noRot="1" noChangeAspect="1" noMove="1" noResize="1" noEditPoints="1" noAdjustHandles="1" noChangeArrowheads="1" noChangeShapeType="1" noTextEdit="1"/>
+              </p:cNvSpPr>
+              <p:nvPr/>
+            </p:nvSpPr>
+            <p:spPr>
+              <a:xfrm>
+                <a:off x="7461137" y="4812812"/>
+                <a:ext cx="215122" cy="276999"/>
+              </a:xfrm>
+              <a:prstGeom prst="rect">
+                <a:avLst/>
+              </a:prstGeom>
+              <a:blipFill>
+                <a:blip r:embed="rId2"/>
+                <a:stretch>
+                  <a:fillRect l="-37143" r="-34286" b="-31111"/>
+                </a:stretch>
+              </a:blipFill>
+            </p:spPr>
+            <p:txBody>
+              <a:bodyPr/>
+              <a:lstStyle/>
+              <a:p>
+                <a:r>
+                  <a:rPr lang="zh-CN" altLang="en-US">
+                    <a:noFill/>
+                  </a:rPr>
+                  <a:t> </a:t>
+                </a:r>
+              </a:p>
+            </p:txBody>
+          </p:sp>
+        </mc:Fallback>
+      </mc:AlternateContent>
+      <mc:AlternateContent xmlns:mc="http://schemas.openxmlformats.org/markup-compatibility/2006">
+        <mc:Choice xmlns:a14="http://schemas.microsoft.com/office/drawing/2010/main" Requires="a14">
+          <p:sp>
+            <p:nvSpPr>
+              <p:cNvPr id="86" name="文本框 85">
+                <a:extLst>
+                  <a:ext uri="{FF2B5EF4-FFF2-40B4-BE49-F238E27FC236}">
+                    <a16:creationId xmlns:a16="http://schemas.microsoft.com/office/drawing/2014/main" id="{0B5F5493-4EE5-4B87-9899-3D4CA48FBCF3}"/>
+                  </a:ext>
+                </a:extLst>
+              </p:cNvPr>
+              <p:cNvSpPr txBox="1"/>
+              <p:nvPr/>
+            </p:nvSpPr>
+            <p:spPr>
+              <a:xfrm>
+                <a:off x="8182610" y="4812812"/>
+                <a:ext cx="221791" cy="276999"/>
+              </a:xfrm>
+              <a:prstGeom prst="rect">
+                <a:avLst/>
+              </a:prstGeom>
+              <a:noFill/>
+            </p:spPr>
+            <p:txBody>
+              <a:bodyPr wrap="none" lIns="0" tIns="0" rIns="0" bIns="0" rtlCol="0">
+                <a:spAutoFit/>
+              </a:bodyPr>
+              <a:lstStyle/>
+              <a:p>
+                <a:pPr/>
+                <a14:m>
+                  <m:oMathPara xmlns:m="http://schemas.openxmlformats.org/officeDocument/2006/math">
+                    <m:oMathParaPr>
+                      <m:jc m:val="centerGroup"/>
+                    </m:oMathParaPr>
+                    <m:oMath xmlns:m="http://schemas.openxmlformats.org/officeDocument/2006/math">
+                      <m:r>
+                        <a:rPr lang="en-US" altLang="zh-CN" b="0" i="1" smtClean="0">
+                          <a:latin typeface="Cambria Math" panose="02040503050406030204" pitchFamily="18" charset="0"/>
+                        </a:rPr>
+                        <m:t>𝐾</m:t>
+                      </m:r>
+                    </m:oMath>
+                  </m:oMathPara>
+                </a14:m>
+                <a:endParaRPr lang="zh-CN" altLang="en-US" dirty="0"/>
+              </a:p>
+            </p:txBody>
+          </p:sp>
+        </mc:Choice>
+        <mc:Fallback>
+          <p:sp>
+            <p:nvSpPr>
+              <p:cNvPr id="86" name="文本框 85">
+                <a:extLst>
+                  <a:ext uri="{FF2B5EF4-FFF2-40B4-BE49-F238E27FC236}">
+                    <a16:creationId xmlns:a16="http://schemas.microsoft.com/office/drawing/2014/main" id="{0B5F5493-4EE5-4B87-9899-3D4CA48FBCF3}"/>
+                  </a:ext>
+                </a:extLst>
+              </p:cNvPr>
+              <p:cNvSpPr txBox="1">
+                <a:spLocks noRot="1" noChangeAspect="1" noMove="1" noResize="1" noEditPoints="1" noAdjustHandles="1" noChangeArrowheads="1" noChangeShapeType="1" noTextEdit="1"/>
+              </p:cNvSpPr>
+              <p:nvPr/>
+            </p:nvSpPr>
+            <p:spPr>
+              <a:xfrm>
+                <a:off x="8182610" y="4812812"/>
+                <a:ext cx="221791" cy="276999"/>
+              </a:xfrm>
+              <a:prstGeom prst="rect">
+                <a:avLst/>
+              </a:prstGeom>
+              <a:blipFill>
+                <a:blip r:embed="rId3"/>
+                <a:stretch>
+                  <a:fillRect l="-24324" r="-21622" b="-6667"/>
+                </a:stretch>
+              </a:blipFill>
+            </p:spPr>
+            <p:txBody>
+              <a:bodyPr/>
+              <a:lstStyle/>
+              <a:p>
+                <a:r>
+                  <a:rPr lang="zh-CN" altLang="en-US">
+                    <a:noFill/>
+                  </a:rPr>
+                  <a:t> </a:t>
+                </a:r>
+              </a:p>
+            </p:txBody>
+          </p:sp>
+        </mc:Fallback>
+      </mc:AlternateContent>
+      <mc:AlternateContent xmlns:mc="http://schemas.openxmlformats.org/markup-compatibility/2006">
+        <mc:Choice xmlns:a14="http://schemas.microsoft.com/office/drawing/2010/main" Requires="a14">
+          <p:sp>
+            <p:nvSpPr>
+              <p:cNvPr id="87" name="文本框 86">
+                <a:extLst>
+                  <a:ext uri="{FF2B5EF4-FFF2-40B4-BE49-F238E27FC236}">
+                    <a16:creationId xmlns:a16="http://schemas.microsoft.com/office/drawing/2014/main" id="{7D84BD37-2737-4F83-915F-70DBA9A5F0F1}"/>
+                  </a:ext>
+                </a:extLst>
+              </p:cNvPr>
+              <p:cNvSpPr txBox="1"/>
+              <p:nvPr/>
+            </p:nvSpPr>
+            <p:spPr>
+              <a:xfrm>
+                <a:off x="8910752" y="4812812"/>
+                <a:ext cx="204480" cy="276999"/>
+              </a:xfrm>
+              <a:prstGeom prst="rect">
+                <a:avLst/>
+              </a:prstGeom>
+              <a:noFill/>
+            </p:spPr>
+            <p:txBody>
+              <a:bodyPr wrap="none" lIns="0" tIns="0" rIns="0" bIns="0" rtlCol="0">
+                <a:spAutoFit/>
+              </a:bodyPr>
+              <a:lstStyle/>
+              <a:p>
+                <a:pPr/>
+                <a14:m>
+                  <m:oMathPara xmlns:m="http://schemas.openxmlformats.org/officeDocument/2006/math">
+                    <m:oMathParaPr>
+                      <m:jc m:val="centerGroup"/>
+                    </m:oMathParaPr>
+                    <m:oMath xmlns:m="http://schemas.openxmlformats.org/officeDocument/2006/math">
+                      <m:r>
+                        <a:rPr lang="en-US" altLang="zh-CN" b="0" i="1" smtClean="0">
+                          <a:latin typeface="Cambria Math" panose="02040503050406030204" pitchFamily="18" charset="0"/>
+                        </a:rPr>
+                        <m:t>𝑉</m:t>
+                      </m:r>
+                    </m:oMath>
+                  </m:oMathPara>
+                </a14:m>
+                <a:endParaRPr lang="zh-CN" altLang="en-US" dirty="0"/>
+              </a:p>
+            </p:txBody>
+          </p:sp>
+        </mc:Choice>
+        <mc:Fallback>
+          <p:sp>
+            <p:nvSpPr>
+              <p:cNvPr id="87" name="文本框 86">
+                <a:extLst>
+                  <a:ext uri="{FF2B5EF4-FFF2-40B4-BE49-F238E27FC236}">
+                    <a16:creationId xmlns:a16="http://schemas.microsoft.com/office/drawing/2014/main" id="{7D84BD37-2737-4F83-915F-70DBA9A5F0F1}"/>
+                  </a:ext>
+                </a:extLst>
+              </p:cNvPr>
+              <p:cNvSpPr txBox="1">
+                <a:spLocks noRot="1" noChangeAspect="1" noMove="1" noResize="1" noEditPoints="1" noAdjustHandles="1" noChangeArrowheads="1" noChangeShapeType="1" noTextEdit="1"/>
+              </p:cNvSpPr>
+              <p:nvPr/>
+            </p:nvSpPr>
+            <p:spPr>
+              <a:xfrm>
+                <a:off x="8910752" y="4812812"/>
+                <a:ext cx="204480" cy="276999"/>
+              </a:xfrm>
+              <a:prstGeom prst="rect">
+                <a:avLst/>
+              </a:prstGeom>
+              <a:blipFill>
+                <a:blip r:embed="rId4"/>
+                <a:stretch>
+                  <a:fillRect l="-30303" r="-24242" b="-6667"/>
+                </a:stretch>
+              </a:blipFill>
+            </p:spPr>
+            <p:txBody>
+              <a:bodyPr/>
+              <a:lstStyle/>
+              <a:p>
+                <a:r>
+                  <a:rPr lang="zh-CN" altLang="en-US">
+                    <a:noFill/>
+                  </a:rPr>
+                  <a:t> </a:t>
+                </a:r>
+              </a:p>
+            </p:txBody>
+          </p:sp>
+        </mc:Fallback>
+      </mc:AlternateContent>
+      <p:cxnSp>
+        <p:nvCxnSpPr>
+          <p:cNvPr id="88" name="直接箭头连接符 87">
+            <a:extLst>
+              <a:ext uri="{FF2B5EF4-FFF2-40B4-BE49-F238E27FC236}">
+                <a16:creationId xmlns:a16="http://schemas.microsoft.com/office/drawing/2014/main" id="{048E10B4-385D-49B3-A8D2-DA4D4CE5E9DA}"/>
+              </a:ext>
+            </a:extLst>
+          </p:cNvPr>
+          <p:cNvCxnSpPr>
+            <a:stCxn id="85" idx="0"/>
+          </p:cNvCxnSpPr>
+          <p:nvPr/>
+        </p:nvCxnSpPr>
+        <p:spPr>
+          <a:xfrm flipV="1">
+            <a:off x="7568698" y="4410248"/>
+            <a:ext cx="0" cy="402564"/>
+          </a:xfrm>
+          <a:prstGeom prst="straightConnector1">
+            <a:avLst/>
+          </a:prstGeom>
+          <a:ln w="28575">
+            <a:solidFill>
+              <a:schemeClr val="tx1"/>
+            </a:solidFill>
+            <a:tailEnd type="triangle"/>
+          </a:ln>
+        </p:spPr>
+        <p:style>
+          <a:lnRef idx="1">
+            <a:schemeClr val="accent1"/>
+          </a:lnRef>
+          <a:fillRef idx="0">
+            <a:schemeClr val="accent1"/>
+          </a:fillRef>
+          <a:effectRef idx="0">
+            <a:schemeClr val="accent1"/>
+          </a:effectRef>
+          <a:fontRef idx="minor">
+            <a:schemeClr val="tx1"/>
+          </a:fontRef>
+        </p:style>
+      </p:cxnSp>
+      <p:cxnSp>
+        <p:nvCxnSpPr>
+          <p:cNvPr id="89" name="直接箭头连接符 88">
+            <a:extLst>
+              <a:ext uri="{FF2B5EF4-FFF2-40B4-BE49-F238E27FC236}">
+                <a16:creationId xmlns:a16="http://schemas.microsoft.com/office/drawing/2014/main" id="{80C5729B-81C5-4D32-A609-B402C9B76156}"/>
+              </a:ext>
+            </a:extLst>
+          </p:cNvPr>
+          <p:cNvCxnSpPr/>
+          <p:nvPr/>
+        </p:nvCxnSpPr>
+        <p:spPr>
+          <a:xfrm flipV="1">
+            <a:off x="8293505" y="4410248"/>
+            <a:ext cx="0" cy="402564"/>
+          </a:xfrm>
+          <a:prstGeom prst="straightConnector1">
+            <a:avLst/>
+          </a:prstGeom>
+          <a:ln w="28575">
+            <a:solidFill>
+              <a:schemeClr val="tx1"/>
+            </a:solidFill>
+            <a:tailEnd type="triangle"/>
+          </a:ln>
+        </p:spPr>
+        <p:style>
+          <a:lnRef idx="1">
+            <a:schemeClr val="accent1"/>
+          </a:lnRef>
+          <a:fillRef idx="0">
+            <a:schemeClr val="accent1"/>
+          </a:fillRef>
+          <a:effectRef idx="0">
+            <a:schemeClr val="accent1"/>
+          </a:effectRef>
+          <a:fontRef idx="minor">
+            <a:schemeClr val="tx1"/>
+          </a:fontRef>
+        </p:style>
+      </p:cxnSp>
+      <p:cxnSp>
+        <p:nvCxnSpPr>
+          <p:cNvPr id="90" name="直接箭头连接符 89">
+            <a:extLst>
+              <a:ext uri="{FF2B5EF4-FFF2-40B4-BE49-F238E27FC236}">
+                <a16:creationId xmlns:a16="http://schemas.microsoft.com/office/drawing/2014/main" id="{29257992-25A1-4390-A425-5CC484C79C64}"/>
+              </a:ext>
+            </a:extLst>
+          </p:cNvPr>
+          <p:cNvCxnSpPr/>
+          <p:nvPr/>
+        </p:nvCxnSpPr>
+        <p:spPr>
+          <a:xfrm flipV="1">
+            <a:off x="9012992" y="4410248"/>
+            <a:ext cx="0" cy="402564"/>
+          </a:xfrm>
+          <a:prstGeom prst="straightConnector1">
+            <a:avLst/>
+          </a:prstGeom>
+          <a:ln w="28575">
+            <a:solidFill>
+              <a:schemeClr val="tx1"/>
+            </a:solidFill>
+            <a:tailEnd type="triangle"/>
+          </a:ln>
+        </p:spPr>
+        <p:style>
+          <a:lnRef idx="1">
+            <a:schemeClr val="accent1"/>
+          </a:lnRef>
+          <a:fillRef idx="0">
+            <a:schemeClr val="accent1"/>
+          </a:fillRef>
+          <a:effectRef idx="0">
+            <a:schemeClr val="accent1"/>
+          </a:effectRef>
+          <a:fontRef idx="minor">
+            <a:schemeClr val="tx1"/>
+          </a:fontRef>
+        </p:style>
+      </p:cxnSp>
+      <p:cxnSp>
+        <p:nvCxnSpPr>
+          <p:cNvPr id="91" name="直接箭头连接符 90">
+            <a:extLst>
+              <a:ext uri="{FF2B5EF4-FFF2-40B4-BE49-F238E27FC236}">
+                <a16:creationId xmlns:a16="http://schemas.microsoft.com/office/drawing/2014/main" id="{50C1C83F-7FA9-425B-885A-F8E3249A4289}"/>
+              </a:ext>
+            </a:extLst>
+          </p:cNvPr>
+          <p:cNvCxnSpPr>
+            <a:cxnSpLocks/>
+          </p:cNvCxnSpPr>
+          <p:nvPr/>
+        </p:nvCxnSpPr>
+        <p:spPr>
+          <a:xfrm flipV="1">
+            <a:off x="7568698" y="3389317"/>
+            <a:ext cx="0" cy="408372"/>
+          </a:xfrm>
+          <a:prstGeom prst="straightConnector1">
+            <a:avLst/>
+          </a:prstGeom>
+          <a:ln w="28575">
+            <a:solidFill>
+              <a:schemeClr val="accent4">
+                <a:lumMod val="75000"/>
+              </a:schemeClr>
+            </a:solidFill>
+            <a:tailEnd type="triangle"/>
+          </a:ln>
+        </p:spPr>
+        <p:style>
+          <a:lnRef idx="1">
+            <a:schemeClr val="accent6"/>
+          </a:lnRef>
+          <a:fillRef idx="0">
+            <a:schemeClr val="accent6"/>
+          </a:fillRef>
+          <a:effectRef idx="0">
+            <a:schemeClr val="accent6"/>
+          </a:effectRef>
+          <a:fontRef idx="minor">
+            <a:schemeClr val="tx1"/>
+          </a:fontRef>
+        </p:style>
+      </p:cxnSp>
+      <p:cxnSp>
+        <p:nvCxnSpPr>
+          <p:cNvPr id="92" name="直接箭头连接符 91">
+            <a:extLst>
+              <a:ext uri="{FF2B5EF4-FFF2-40B4-BE49-F238E27FC236}">
+                <a16:creationId xmlns:a16="http://schemas.microsoft.com/office/drawing/2014/main" id="{BE4BFEF4-09E0-45B4-8706-81D962FCD890}"/>
+              </a:ext>
+            </a:extLst>
+          </p:cNvPr>
+          <p:cNvCxnSpPr>
+            <a:cxnSpLocks/>
+          </p:cNvCxnSpPr>
+          <p:nvPr/>
+        </p:nvCxnSpPr>
+        <p:spPr>
+          <a:xfrm flipV="1">
+            <a:off x="8275832" y="3389317"/>
+            <a:ext cx="0" cy="408372"/>
+          </a:xfrm>
+          <a:prstGeom prst="straightConnector1">
+            <a:avLst/>
+          </a:prstGeom>
+          <a:ln w="28575">
+            <a:solidFill>
+              <a:schemeClr val="accent4">
+                <a:lumMod val="75000"/>
+              </a:schemeClr>
+            </a:solidFill>
+            <a:tailEnd type="triangle"/>
+          </a:ln>
+        </p:spPr>
+        <p:style>
+          <a:lnRef idx="1">
+            <a:schemeClr val="accent6"/>
+          </a:lnRef>
+          <a:fillRef idx="0">
+            <a:schemeClr val="accent6"/>
+          </a:fillRef>
+          <a:effectRef idx="0">
+            <a:schemeClr val="accent6"/>
+          </a:effectRef>
+          <a:fontRef idx="minor">
+            <a:schemeClr val="tx1"/>
+          </a:fontRef>
+        </p:style>
+      </p:cxnSp>
+      <p:cxnSp>
+        <p:nvCxnSpPr>
+          <p:cNvPr id="93" name="直接箭头连接符 92">
+            <a:extLst>
+              <a:ext uri="{FF2B5EF4-FFF2-40B4-BE49-F238E27FC236}">
+                <a16:creationId xmlns:a16="http://schemas.microsoft.com/office/drawing/2014/main" id="{559298C0-4AE3-4964-A66B-DCCC9F11F1A9}"/>
+              </a:ext>
+            </a:extLst>
+          </p:cNvPr>
+          <p:cNvCxnSpPr>
+            <a:cxnSpLocks/>
+          </p:cNvCxnSpPr>
+          <p:nvPr/>
+        </p:nvCxnSpPr>
+        <p:spPr>
+          <a:xfrm flipV="1">
+            <a:off x="9012992" y="3389317"/>
+            <a:ext cx="0" cy="408372"/>
+          </a:xfrm>
+          <a:prstGeom prst="straightConnector1">
+            <a:avLst/>
+          </a:prstGeom>
+          <a:ln w="28575">
+            <a:solidFill>
+              <a:schemeClr val="accent4">
+                <a:lumMod val="75000"/>
+              </a:schemeClr>
+            </a:solidFill>
+            <a:tailEnd type="triangle"/>
+          </a:ln>
+        </p:spPr>
+        <p:style>
+          <a:lnRef idx="1">
+            <a:schemeClr val="accent6"/>
+          </a:lnRef>
+          <a:fillRef idx="0">
+            <a:schemeClr val="accent6"/>
+          </a:fillRef>
+          <a:effectRef idx="0">
+            <a:schemeClr val="accent6"/>
+          </a:effectRef>
+          <a:fontRef idx="minor">
+            <a:schemeClr val="tx1"/>
+          </a:fontRef>
+        </p:style>
+      </p:cxnSp>
+      <p:cxnSp>
+        <p:nvCxnSpPr>
+          <p:cNvPr id="94" name="直接箭头连接符 93">
+            <a:extLst>
+              <a:ext uri="{FF2B5EF4-FFF2-40B4-BE49-F238E27FC236}">
+                <a16:creationId xmlns:a16="http://schemas.microsoft.com/office/drawing/2014/main" id="{9555AD40-00FC-41FA-86E6-78EB9B1C774E}"/>
+              </a:ext>
+            </a:extLst>
+          </p:cNvPr>
+          <p:cNvCxnSpPr>
+            <a:cxnSpLocks/>
+          </p:cNvCxnSpPr>
+          <p:nvPr/>
+        </p:nvCxnSpPr>
+        <p:spPr>
+          <a:xfrm flipV="1">
+            <a:off x="8093877" y="2002983"/>
+            <a:ext cx="0" cy="723910"/>
+          </a:xfrm>
+          <a:prstGeom prst="straightConnector1">
+            <a:avLst/>
+          </a:prstGeom>
+          <a:ln w="28575">
+            <a:solidFill>
+              <a:schemeClr val="accent6">
+                <a:lumMod val="60000"/>
+                <a:lumOff val="40000"/>
+              </a:schemeClr>
+            </a:solidFill>
+            <a:tailEnd type="triangle"/>
+          </a:ln>
+        </p:spPr>
+        <p:style>
+          <a:lnRef idx="1">
+            <a:schemeClr val="accent1"/>
+          </a:lnRef>
+          <a:fillRef idx="0">
+            <a:schemeClr val="accent1"/>
+          </a:fillRef>
+          <a:effectRef idx="0">
+            <a:schemeClr val="accent1"/>
+          </a:effectRef>
+          <a:fontRef idx="minor">
+            <a:schemeClr val="tx1"/>
+          </a:fontRef>
+        </p:style>
+      </p:cxnSp>
+      <p:cxnSp>
+        <p:nvCxnSpPr>
+          <p:cNvPr id="95" name="直接箭头连接符 94">
+            <a:extLst>
+              <a:ext uri="{FF2B5EF4-FFF2-40B4-BE49-F238E27FC236}">
+                <a16:creationId xmlns:a16="http://schemas.microsoft.com/office/drawing/2014/main" id="{4BB968EF-E008-42C7-A906-800B3409EA9D}"/>
+              </a:ext>
+            </a:extLst>
+          </p:cNvPr>
+          <p:cNvCxnSpPr/>
+          <p:nvPr/>
+        </p:nvCxnSpPr>
+        <p:spPr>
+          <a:xfrm flipV="1">
+            <a:off x="8249154" y="2002983"/>
+            <a:ext cx="0" cy="618558"/>
+          </a:xfrm>
+          <a:prstGeom prst="straightConnector1">
+            <a:avLst/>
+          </a:prstGeom>
+          <a:ln w="28575">
+            <a:solidFill>
+              <a:schemeClr val="accent3"/>
+            </a:solidFill>
+            <a:tailEnd type="triangle"/>
+          </a:ln>
+        </p:spPr>
+        <p:style>
+          <a:lnRef idx="1">
+            <a:schemeClr val="accent1"/>
+          </a:lnRef>
+          <a:fillRef idx="0">
+            <a:schemeClr val="accent1"/>
+          </a:fillRef>
+          <a:effectRef idx="0">
+            <a:schemeClr val="accent1"/>
+          </a:effectRef>
+          <a:fontRef idx="minor">
+            <a:schemeClr val="tx1"/>
+          </a:fontRef>
+        </p:style>
+      </p:cxnSp>
+      <p:cxnSp>
+        <p:nvCxnSpPr>
+          <p:cNvPr id="96" name="直接箭头连接符 95">
+            <a:extLst>
+              <a:ext uri="{FF2B5EF4-FFF2-40B4-BE49-F238E27FC236}">
+                <a16:creationId xmlns:a16="http://schemas.microsoft.com/office/drawing/2014/main" id="{7824EEBB-7FA8-4CE6-9F49-AA8886926D2A}"/>
+              </a:ext>
+            </a:extLst>
+          </p:cNvPr>
+          <p:cNvCxnSpPr>
+            <a:cxnSpLocks/>
+          </p:cNvCxnSpPr>
+          <p:nvPr/>
+        </p:nvCxnSpPr>
+        <p:spPr>
+          <a:xfrm flipH="1" flipV="1">
+            <a:off x="8379173" y="2002983"/>
+            <a:ext cx="1" cy="513206"/>
+          </a:xfrm>
+          <a:prstGeom prst="straightConnector1">
+            <a:avLst/>
+          </a:prstGeom>
+          <a:ln w="28575">
+            <a:solidFill>
+              <a:schemeClr val="accent5"/>
+            </a:solidFill>
+            <a:tailEnd type="triangle"/>
+          </a:ln>
+        </p:spPr>
+        <p:style>
+          <a:lnRef idx="1">
+            <a:schemeClr val="accent1"/>
+          </a:lnRef>
+          <a:fillRef idx="0">
+            <a:schemeClr val="accent1"/>
+          </a:fillRef>
+          <a:effectRef idx="0">
+            <a:schemeClr val="accent1"/>
+          </a:effectRef>
+          <a:fontRef idx="minor">
+            <a:schemeClr val="tx1"/>
+          </a:fontRef>
+        </p:style>
+      </p:cxnSp>
+      <p:cxnSp>
+        <p:nvCxnSpPr>
+          <p:cNvPr id="97" name="直接箭头连接符 96">
+            <a:extLst>
+              <a:ext uri="{FF2B5EF4-FFF2-40B4-BE49-F238E27FC236}">
+                <a16:creationId xmlns:a16="http://schemas.microsoft.com/office/drawing/2014/main" id="{2B55648C-DED0-4B7F-AAEA-252C449EA817}"/>
+              </a:ext>
+            </a:extLst>
+          </p:cNvPr>
+          <p:cNvCxnSpPr>
+            <a:stCxn id="84" idx="0"/>
+          </p:cNvCxnSpPr>
+          <p:nvPr/>
+        </p:nvCxnSpPr>
+        <p:spPr>
+          <a:xfrm flipH="1" flipV="1">
+            <a:off x="8317833" y="1001223"/>
+            <a:ext cx="1" cy="560238"/>
+          </a:xfrm>
+          <a:prstGeom prst="straightConnector1">
+            <a:avLst/>
+          </a:prstGeom>
+          <a:ln w="28575">
+            <a:solidFill>
+              <a:schemeClr val="accent2">
+                <a:lumMod val="75000"/>
+              </a:schemeClr>
+            </a:solidFill>
+            <a:tailEnd type="triangle"/>
+          </a:ln>
+        </p:spPr>
+        <p:style>
+          <a:lnRef idx="1">
+            <a:schemeClr val="accent1"/>
+          </a:lnRef>
+          <a:fillRef idx="0">
+            <a:schemeClr val="accent1"/>
+          </a:fillRef>
+          <a:effectRef idx="0">
+            <a:schemeClr val="accent1"/>
+          </a:effectRef>
+          <a:fontRef idx="minor">
+            <a:schemeClr val="tx1"/>
+          </a:fontRef>
+        </p:style>
+      </p:cxnSp>
+      <p:sp>
+        <p:nvSpPr>
+          <p:cNvPr id="100" name="矩形: 圆角 99">
+            <a:extLst>
+              <a:ext uri="{FF2B5EF4-FFF2-40B4-BE49-F238E27FC236}">
+                <a16:creationId xmlns:a16="http://schemas.microsoft.com/office/drawing/2014/main" id="{DA1FCFE4-DA11-4076-9065-0CF64970F92C}"/>
+              </a:ext>
+            </a:extLst>
+          </p:cNvPr>
+          <p:cNvSpPr/>
+          <p:nvPr/>
+        </p:nvSpPr>
+        <p:spPr>
+          <a:xfrm>
+            <a:off x="6947647" y="1272988"/>
+            <a:ext cx="2796986" cy="3407251"/>
+          </a:xfrm>
+          <a:prstGeom prst="roundRect">
+            <a:avLst/>
+          </a:prstGeom>
+          <a:noFill/>
+          <a:ln w="19050">
+            <a:solidFill>
+              <a:schemeClr val="tx1"/>
+            </a:solidFill>
+          </a:ln>
+        </p:spPr>
+        <p:style>
+          <a:lnRef idx="2">
+            <a:schemeClr val="accent1">
+              <a:shade val="50000"/>
+            </a:schemeClr>
+          </a:lnRef>
+          <a:fillRef idx="1">
+            <a:schemeClr val="accent1"/>
+          </a:fillRef>
+          <a:effectRef idx="0">
+            <a:schemeClr val="accent1"/>
+          </a:effectRef>
+          <a:fontRef idx="minor">
+            <a:schemeClr val="lt1"/>
+          </a:fontRef>
+        </p:style>
+        <p:txBody>
+          <a:bodyPr rtlCol="0" anchor="ctr"/>
+          <a:lstStyle/>
+          <a:p>
+            <a:pPr algn="ctr"/>
+            <a:endParaRPr lang="zh-CN" altLang="en-US"/>
+          </a:p>
+        </p:txBody>
+      </p:sp>
+      <p:cxnSp>
+        <p:nvCxnSpPr>
+          <p:cNvPr id="102" name="直接连接符 101">
+            <a:extLst>
+              <a:ext uri="{FF2B5EF4-FFF2-40B4-BE49-F238E27FC236}">
+                <a16:creationId xmlns:a16="http://schemas.microsoft.com/office/drawing/2014/main" id="{9380FE87-4C18-46F9-B9FE-5C717CB4F328}"/>
+              </a:ext>
+            </a:extLst>
+          </p:cNvPr>
+          <p:cNvCxnSpPr>
+            <a:cxnSpLocks/>
+          </p:cNvCxnSpPr>
+          <p:nvPr/>
+        </p:nvCxnSpPr>
+        <p:spPr>
+          <a:xfrm flipV="1">
+            <a:off x="5279569" y="1721225"/>
+            <a:ext cx="1668078" cy="1378528"/>
+          </a:xfrm>
+          <a:prstGeom prst="line">
+            <a:avLst/>
+          </a:prstGeom>
+          <a:ln w="19050">
+            <a:solidFill>
+              <a:schemeClr val="tx1"/>
+            </a:solidFill>
+            <a:prstDash val="sysDash"/>
+          </a:ln>
+        </p:spPr>
+        <p:style>
+          <a:lnRef idx="1">
+            <a:schemeClr val="accent1"/>
+          </a:lnRef>
+          <a:fillRef idx="0">
+            <a:schemeClr val="accent1"/>
+          </a:fillRef>
+          <a:effectRef idx="0">
+            <a:schemeClr val="accent1"/>
+          </a:effectRef>
+          <a:fontRef idx="minor">
+            <a:schemeClr val="tx1"/>
+          </a:fontRef>
+        </p:style>
+      </p:cxnSp>
+      <p:cxnSp>
+        <p:nvCxnSpPr>
+          <p:cNvPr id="105" name="直接连接符 104">
+            <a:extLst>
+              <a:ext uri="{FF2B5EF4-FFF2-40B4-BE49-F238E27FC236}">
+                <a16:creationId xmlns:a16="http://schemas.microsoft.com/office/drawing/2014/main" id="{97EFADDE-69F4-4A1F-9E74-CD04BCE09A64}"/>
+              </a:ext>
+            </a:extLst>
+          </p:cNvPr>
+          <p:cNvCxnSpPr/>
+          <p:nvPr/>
+        </p:nvCxnSpPr>
+        <p:spPr>
+          <a:xfrm>
+            <a:off x="5279569" y="3648867"/>
+            <a:ext cx="1668078" cy="582706"/>
+          </a:xfrm>
+          <a:prstGeom prst="line">
+            <a:avLst/>
+          </a:prstGeom>
+          <a:ln w="19050">
+            <a:solidFill>
+              <a:schemeClr val="tx1"/>
+            </a:solidFill>
+            <a:prstDash val="sysDash"/>
+          </a:ln>
+        </p:spPr>
+        <p:style>
+          <a:lnRef idx="1">
+            <a:schemeClr val="accent1"/>
+          </a:lnRef>
+          <a:fillRef idx="0">
+            <a:schemeClr val="accent1"/>
+          </a:fillRef>
+          <a:effectRef idx="0">
+            <a:schemeClr val="accent1"/>
+          </a:effectRef>
+          <a:fontRef idx="minor">
+            <a:schemeClr val="tx1"/>
+          </a:fontRef>
+        </p:style>
+      </p:cxnSp>
+      <p:sp>
+        <p:nvSpPr>
+          <p:cNvPr id="106" name="矩形: 圆角 105">
+            <a:extLst>
+              <a:ext uri="{FF2B5EF4-FFF2-40B4-BE49-F238E27FC236}">
+                <a16:creationId xmlns:a16="http://schemas.microsoft.com/office/drawing/2014/main" id="{B36443E3-3F20-4013-8BF6-053764F665DF}"/>
+              </a:ext>
+            </a:extLst>
+          </p:cNvPr>
+          <p:cNvSpPr/>
+          <p:nvPr/>
+        </p:nvSpPr>
+        <p:spPr>
+          <a:xfrm>
+            <a:off x="7254391" y="577136"/>
+            <a:ext cx="2126884" cy="478667"/>
+          </a:xfrm>
+          <a:prstGeom prst="roundRect">
+            <a:avLst/>
+          </a:prstGeom>
+          <a:noFill/>
+          <a:ln>
+            <a:noFill/>
+          </a:ln>
+        </p:spPr>
+        <p:style>
+          <a:lnRef idx="2">
+            <a:schemeClr val="accent1">
+              <a:shade val="50000"/>
+            </a:schemeClr>
+          </a:lnRef>
+          <a:fillRef idx="1">
+            <a:schemeClr val="accent1"/>
+          </a:fillRef>
+          <a:effectRef idx="0">
+            <a:schemeClr val="accent1"/>
+          </a:effectRef>
+          <a:fontRef idx="minor">
+            <a:schemeClr val="lt1"/>
+          </a:fontRef>
+        </p:style>
+        <p:txBody>
+          <a:bodyPr rtlCol="0" anchor="ctr"/>
+          <a:lstStyle/>
+          <a:p>
+            <a:pPr algn="ctr"/>
+            <a:r>
+              <a:rPr lang="en-US" altLang="zh-CN" dirty="0">
+                <a:solidFill>
+                  <a:schemeClr val="tx1"/>
+                </a:solidFill>
+              </a:rPr>
+              <a:t>Univariate Attention</a:t>
+            </a:r>
+            <a:endParaRPr lang="zh-CN" altLang="en-US" dirty="0">
+              <a:solidFill>
+                <a:schemeClr val="tx1"/>
+              </a:solidFill>
+            </a:endParaRPr>
+          </a:p>
+        </p:txBody>
+      </p:sp>
+    </p:spTree>
+    <p:extLst>
+      <p:ext uri="{BB962C8B-B14F-4D97-AF65-F5344CB8AC3E}">
+        <p14:creationId xmlns:p14="http://schemas.microsoft.com/office/powerpoint/2010/main" val="3888968998"/>
+      </p:ext>
+    </p:extLst>
+  </p:cSld>
+  <p:clrMapOvr>
+    <a:masterClrMapping/>
+  </p:clrMapOvr>
+</p:sld>
+</file>
+
 <file path=ppt/slides/slide3.xml><?xml version="1.0" encoding="utf-8"?>
 <p:sld xmlns:a="http://schemas.openxmlformats.org/drawingml/2006/main" xmlns:r="http://schemas.openxmlformats.org/officeDocument/2006/relationships" xmlns:p="http://schemas.openxmlformats.org/presentationml/2006/main">
   <p:cSld>
@@ -24857,7 +28672,7 @@
             <a:spAutoFit/>
             <a:extLst>
               <a:ext uri="{4A0BC546-FE56-4ADE-93B0-CB8AF2F6F144}">
-                <wpsdc:textFrameExt xmlns:wpsdc="http://www.wps.cn/officeDocument/2022/drawingmlCustomData" xmlns="" type="text"/>
+                <wpsdc:textFrameExt xmlns="" xmlns:wpsdc="http://www.wps.cn/officeDocument/2022/drawingmlCustomData" type="text"/>
               </a:ext>
             </a:extLst>
           </a:bodyPr>
@@ -24894,7 +28709,7 @@
             <a:spAutoFit/>
             <a:extLst>
               <a:ext uri="{4A0BC546-FE56-4ADE-93B0-CB8AF2F6F144}">
-                <wpsdc:textFrameExt xmlns:wpsdc="http://www.wps.cn/officeDocument/2022/drawingmlCustomData" xmlns="" type="text"/>
+                <wpsdc:textFrameExt xmlns="" xmlns:wpsdc="http://www.wps.cn/officeDocument/2022/drawingmlCustomData" type="text"/>
               </a:ext>
             </a:extLst>
           </a:bodyPr>
@@ -25467,7 +29282,7 @@
             <a:noAutofit/>
             <a:extLst>
               <a:ext uri="{4A0BC546-FE56-4ADE-93B0-CB8AF2F6F144}">
-                <wpsdc:textFrameExt xmlns:wpsdc="http://www.wps.cn/officeDocument/2022/drawingmlCustomData" xmlns="" type="text"/>
+                <wpsdc:textFrameExt xmlns="" xmlns:wpsdc="http://www.wps.cn/officeDocument/2022/drawingmlCustomData" type="text"/>
               </a:ext>
             </a:extLst>
           </a:bodyPr>
@@ -25517,7 +29332,7 @@
             <a:spAutoFit/>
             <a:extLst>
               <a:ext uri="{4A0BC546-FE56-4ADE-93B0-CB8AF2F6F144}">
-                <wpsdc:textFrameExt xmlns:wpsdc="http://www.wps.cn/officeDocument/2022/drawingmlCustomData" xmlns="" type="text"/>
+                <wpsdc:textFrameExt xmlns="" xmlns:wpsdc="http://www.wps.cn/officeDocument/2022/drawingmlCustomData" type="text"/>
               </a:ext>
             </a:extLst>
           </a:bodyPr>
@@ -25673,7 +29488,7 @@
             <a:spAutoFit/>
             <a:extLst>
               <a:ext uri="{4A0BC546-FE56-4ADE-93B0-CB8AF2F6F144}">
-                <wpsdc:textFrameExt xmlns:wpsdc="http://www.wps.cn/officeDocument/2022/drawingmlCustomData" xmlns="" type="text"/>
+                <wpsdc:textFrameExt xmlns="" xmlns:wpsdc="http://www.wps.cn/officeDocument/2022/drawingmlCustomData" type="text"/>
               </a:ext>
             </a:extLst>
           </a:bodyPr>
@@ -25713,7 +29528,7 @@
             <a:spAutoFit/>
             <a:extLst>
               <a:ext uri="{4A0BC546-FE56-4ADE-93B0-CB8AF2F6F144}">
-                <wpsdc:textFrameExt xmlns:wpsdc="http://www.wps.cn/officeDocument/2022/drawingmlCustomData" xmlns="" type="text"/>
+                <wpsdc:textFrameExt xmlns="" xmlns:wpsdc="http://www.wps.cn/officeDocument/2022/drawingmlCustomData" type="text"/>
               </a:ext>
             </a:extLst>
           </a:bodyPr>
@@ -26492,7 +30307,7 @@
             <a:noAutofit/>
             <a:extLst>
               <a:ext uri="{4A0BC546-FE56-4ADE-93B0-CB8AF2F6F144}">
-                <wpsdc:textFrameExt xmlns:wpsdc="http://www.wps.cn/officeDocument/2022/drawingmlCustomData" xmlns="" type="text"/>
+                <wpsdc:textFrameExt xmlns="" xmlns:wpsdc="http://www.wps.cn/officeDocument/2022/drawingmlCustomData" type="text"/>
               </a:ext>
             </a:extLst>
           </a:bodyPr>
@@ -26510,6 +30325,66 @@
         </p:txBody>
       </p:sp>
     </p:spTree>
+  </p:cSld>
+  <p:clrMapOvr>
+    <a:masterClrMapping/>
+  </p:clrMapOvr>
+</p:sld>
+</file>
+
+<file path=ppt/slides/slide30.xml><?xml version="1.0" encoding="utf-8"?>
+<p:sld xmlns:a="http://schemas.openxmlformats.org/drawingml/2006/main" xmlns:r="http://schemas.openxmlformats.org/officeDocument/2006/relationships" xmlns:p="http://schemas.openxmlformats.org/presentationml/2006/main">
+  <p:cSld>
+    <p:spTree>
+      <p:nvGrpSpPr>
+        <p:cNvPr id="1" name=""/>
+        <p:cNvGrpSpPr/>
+        <p:nvPr/>
+      </p:nvGrpSpPr>
+      <p:grpSpPr>
+        <a:xfrm>
+          <a:off x="0" y="0"/>
+          <a:ext cx="0" cy="0"/>
+          <a:chOff x="0" y="0"/>
+          <a:chExt cx="0" cy="0"/>
+        </a:xfrm>
+      </p:grpSpPr>
+      <p:pic>
+        <p:nvPicPr>
+          <p:cNvPr id="3" name="图片 2">
+            <a:extLst>
+              <a:ext uri="{FF2B5EF4-FFF2-40B4-BE49-F238E27FC236}">
+                <a16:creationId xmlns:a16="http://schemas.microsoft.com/office/drawing/2014/main" id="{E784256A-C87B-42CA-8E3B-B2AA21B40CC7}"/>
+              </a:ext>
+            </a:extLst>
+          </p:cNvPr>
+          <p:cNvPicPr>
+            <a:picLocks noChangeAspect="1"/>
+          </p:cNvPicPr>
+          <p:nvPr/>
+        </p:nvPicPr>
+        <p:blipFill>
+          <a:blip r:embed="rId2"/>
+          <a:stretch>
+            <a:fillRect/>
+          </a:stretch>
+        </p:blipFill>
+        <p:spPr>
+          <a:xfrm>
+            <a:off x="2158785" y="280916"/>
+            <a:ext cx="7874430" cy="6296168"/>
+          </a:xfrm>
+          <a:prstGeom prst="rect">
+            <a:avLst/>
+          </a:prstGeom>
+        </p:spPr>
+      </p:pic>
+    </p:spTree>
+    <p:extLst>
+      <p:ext uri="{BB962C8B-B14F-4D97-AF65-F5344CB8AC3E}">
+        <p14:creationId xmlns:p14="http://schemas.microsoft.com/office/powerpoint/2010/main" val="3759090110"/>
+      </p:ext>
+    </p:extLst>
   </p:cSld>
   <p:clrMapOvr>
     <a:masterClrMapping/>
@@ -26698,7 +30573,7 @@
             <a:spAutoFit/>
             <a:extLst>
               <a:ext uri="{4A0BC546-FE56-4ADE-93B0-CB8AF2F6F144}">
-                <wpsdc:textFrameExt xmlns:wpsdc="http://www.wps.cn/officeDocument/2022/drawingmlCustomData" xmlns="" type="text"/>
+                <wpsdc:textFrameExt xmlns="" xmlns:wpsdc="http://www.wps.cn/officeDocument/2022/drawingmlCustomData" type="text"/>
               </a:ext>
             </a:extLst>
           </a:bodyPr>
@@ -26735,7 +30610,7 @@
             <a:spAutoFit/>
             <a:extLst>
               <a:ext uri="{4A0BC546-FE56-4ADE-93B0-CB8AF2F6F144}">
-                <wpsdc:textFrameExt xmlns:wpsdc="http://www.wps.cn/officeDocument/2022/drawingmlCustomData" xmlns="" type="text"/>
+                <wpsdc:textFrameExt xmlns="" xmlns:wpsdc="http://www.wps.cn/officeDocument/2022/drawingmlCustomData" type="text"/>
               </a:ext>
             </a:extLst>
           </a:bodyPr>
@@ -27418,7 +31293,7 @@
             <a:spAutoFit/>
             <a:extLst>
               <a:ext uri="{4A0BC546-FE56-4ADE-93B0-CB8AF2F6F144}">
-                <wpsdc:textFrameExt xmlns:wpsdc="http://www.wps.cn/officeDocument/2022/drawingmlCustomData" xmlns="" type="text"/>
+                <wpsdc:textFrameExt xmlns="" xmlns:wpsdc="http://www.wps.cn/officeDocument/2022/drawingmlCustomData" type="text"/>
               </a:ext>
             </a:extLst>
           </a:bodyPr>
@@ -27910,7 +31785,7 @@
             <a:spAutoFit/>
             <a:extLst>
               <a:ext uri="{4A0BC546-FE56-4ADE-93B0-CB8AF2F6F144}">
-                <wpsdc:textFrameExt xmlns:wpsdc="http://www.wps.cn/officeDocument/2022/drawingmlCustomData" xmlns="" type="text"/>
+                <wpsdc:textFrameExt xmlns="" xmlns:wpsdc="http://www.wps.cn/officeDocument/2022/drawingmlCustomData" type="text"/>
               </a:ext>
             </a:extLst>
           </a:bodyPr>
@@ -28124,7 +31999,7 @@
             <a:spAutoFit/>
             <a:extLst>
               <a:ext uri="{4A0BC546-FE56-4ADE-93B0-CB8AF2F6F144}">
-                <wpsdc:textFrameExt xmlns:wpsdc="http://www.wps.cn/officeDocument/2022/drawingmlCustomData" xmlns="" type="text"/>
+                <wpsdc:textFrameExt xmlns="" xmlns:wpsdc="http://www.wps.cn/officeDocument/2022/drawingmlCustomData" type="text"/>
               </a:ext>
             </a:extLst>
           </a:bodyPr>
@@ -28161,7 +32036,7 @@
             <a:spAutoFit/>
             <a:extLst>
               <a:ext uri="{4A0BC546-FE56-4ADE-93B0-CB8AF2F6F144}">
-                <wpsdc:textFrameExt xmlns:wpsdc="http://www.wps.cn/officeDocument/2022/drawingmlCustomData" xmlns="" type="text"/>
+                <wpsdc:textFrameExt xmlns="" xmlns:wpsdc="http://www.wps.cn/officeDocument/2022/drawingmlCustomData" type="text"/>
               </a:ext>
             </a:extLst>
           </a:bodyPr>
@@ -28842,7 +32717,7 @@
             <a:spAutoFit/>
             <a:extLst>
               <a:ext uri="{4A0BC546-FE56-4ADE-93B0-CB8AF2F6F144}">
-                <wpsdc:textFrameExt xmlns:wpsdc="http://www.wps.cn/officeDocument/2022/drawingmlCustomData" xmlns="" type="text"/>
+                <wpsdc:textFrameExt xmlns="" xmlns:wpsdc="http://www.wps.cn/officeDocument/2022/drawingmlCustomData" type="text"/>
               </a:ext>
             </a:extLst>
           </a:bodyPr>
@@ -29255,7 +33130,7 @@
             <a:spAutoFit/>
             <a:extLst>
               <a:ext uri="{4A0BC546-FE56-4ADE-93B0-CB8AF2F6F144}">
-                <wpsdc:textFrameExt xmlns:wpsdc="http://www.wps.cn/officeDocument/2022/drawingmlCustomData" xmlns="" type="text"/>
+                <wpsdc:textFrameExt xmlns="" xmlns:wpsdc="http://www.wps.cn/officeDocument/2022/drawingmlCustomData" type="text"/>
               </a:ext>
             </a:extLst>
           </a:bodyPr>
@@ -29442,7 +33317,7 @@
             <a:spAutoFit/>
             <a:extLst>
               <a:ext uri="{4A0BC546-FE56-4ADE-93B0-CB8AF2F6F144}">
-                <wpsdc:textFrameExt xmlns:wpsdc="http://www.wps.cn/officeDocument/2022/drawingmlCustomData" xmlns="" type="text"/>
+                <wpsdc:textFrameExt xmlns="" xmlns:wpsdc="http://www.wps.cn/officeDocument/2022/drawingmlCustomData" type="text"/>
               </a:ext>
             </a:extLst>
           </a:bodyPr>
@@ -29479,7 +33354,7 @@
             <a:spAutoFit/>
             <a:extLst>
               <a:ext uri="{4A0BC546-FE56-4ADE-93B0-CB8AF2F6F144}">
-                <wpsdc:textFrameExt xmlns:wpsdc="http://www.wps.cn/officeDocument/2022/drawingmlCustomData" xmlns="" type="text"/>
+                <wpsdc:textFrameExt xmlns="" xmlns:wpsdc="http://www.wps.cn/officeDocument/2022/drawingmlCustomData" type="text"/>
               </a:ext>
             </a:extLst>
           </a:bodyPr>
@@ -29516,7 +33391,7 @@
             <a:spAutoFit/>
             <a:extLst>
               <a:ext uri="{4A0BC546-FE56-4ADE-93B0-CB8AF2F6F144}">
-                <wpsdc:textFrameExt xmlns:wpsdc="http://www.wps.cn/officeDocument/2022/drawingmlCustomData" xmlns="" type="text"/>
+                <wpsdc:textFrameExt xmlns="" xmlns:wpsdc="http://www.wps.cn/officeDocument/2022/drawingmlCustomData" type="text"/>
               </a:ext>
             </a:extLst>
           </a:bodyPr>
@@ -29708,7 +33583,7 @@
             <a:spAutoFit/>
             <a:extLst>
               <a:ext uri="{4A0BC546-FE56-4ADE-93B0-CB8AF2F6F144}">
-                <wpsdc:textFrameExt xmlns:wpsdc="http://www.wps.cn/officeDocument/2022/drawingmlCustomData" xmlns="" type="text"/>
+                <wpsdc:textFrameExt xmlns="" xmlns:wpsdc="http://www.wps.cn/officeDocument/2022/drawingmlCustomData" type="text"/>
               </a:ext>
             </a:extLst>
           </a:bodyPr>
@@ -29784,7 +33659,7 @@
             <a:spAutoFit/>
             <a:extLst>
               <a:ext uri="{4A0BC546-FE56-4ADE-93B0-CB8AF2F6F144}">
-                <wpsdc:textFrameExt xmlns:wpsdc="http://www.wps.cn/officeDocument/2022/drawingmlCustomData" xmlns="" type="text"/>
+                <wpsdc:textFrameExt xmlns="" xmlns:wpsdc="http://www.wps.cn/officeDocument/2022/drawingmlCustomData" type="text"/>
               </a:ext>
             </a:extLst>
           </a:bodyPr>
@@ -30001,7 +33876,7 @@
             <a:spAutoFit/>
             <a:extLst>
               <a:ext uri="{4A0BC546-FE56-4ADE-93B0-CB8AF2F6F144}">
-                <wpsdc:textFrameExt xmlns:wpsdc="http://www.wps.cn/officeDocument/2022/drawingmlCustomData" xmlns="" type="text"/>
+                <wpsdc:textFrameExt xmlns="" xmlns:wpsdc="http://www.wps.cn/officeDocument/2022/drawingmlCustomData" type="text"/>
               </a:ext>
             </a:extLst>
           </a:bodyPr>
@@ -30038,7 +33913,7 @@
             <a:spAutoFit/>
             <a:extLst>
               <a:ext uri="{4A0BC546-FE56-4ADE-93B0-CB8AF2F6F144}">
-                <wpsdc:textFrameExt xmlns:wpsdc="http://www.wps.cn/officeDocument/2022/drawingmlCustomData" xmlns="" type="text"/>
+                <wpsdc:textFrameExt xmlns="" xmlns:wpsdc="http://www.wps.cn/officeDocument/2022/drawingmlCustomData" type="text"/>
               </a:ext>
             </a:extLst>
           </a:bodyPr>
@@ -30719,7 +34594,7 @@
             <a:spAutoFit/>
             <a:extLst>
               <a:ext uri="{4A0BC546-FE56-4ADE-93B0-CB8AF2F6F144}">
-                <wpsdc:textFrameExt xmlns:wpsdc="http://www.wps.cn/officeDocument/2022/drawingmlCustomData" xmlns="" type="text"/>
+                <wpsdc:textFrameExt xmlns="" xmlns:wpsdc="http://www.wps.cn/officeDocument/2022/drawingmlCustomData" type="text"/>
               </a:ext>
             </a:extLst>
           </a:bodyPr>
@@ -31132,7 +35007,7 @@
             <a:spAutoFit/>
             <a:extLst>
               <a:ext uri="{4A0BC546-FE56-4ADE-93B0-CB8AF2F6F144}">
-                <wpsdc:textFrameExt xmlns:wpsdc="http://www.wps.cn/officeDocument/2022/drawingmlCustomData" xmlns="" type="text"/>
+                <wpsdc:textFrameExt xmlns="" xmlns:wpsdc="http://www.wps.cn/officeDocument/2022/drawingmlCustomData" type="text"/>
               </a:ext>
             </a:extLst>
           </a:bodyPr>
@@ -31319,7 +35194,7 @@
             <a:spAutoFit/>
             <a:extLst>
               <a:ext uri="{4A0BC546-FE56-4ADE-93B0-CB8AF2F6F144}">
-                <wpsdc:textFrameExt xmlns:wpsdc="http://www.wps.cn/officeDocument/2022/drawingmlCustomData" xmlns="" type="text"/>
+                <wpsdc:textFrameExt xmlns="" xmlns:wpsdc="http://www.wps.cn/officeDocument/2022/drawingmlCustomData" type="text"/>
               </a:ext>
             </a:extLst>
           </a:bodyPr>
@@ -31356,7 +35231,7 @@
             <a:spAutoFit/>
             <a:extLst>
               <a:ext uri="{4A0BC546-FE56-4ADE-93B0-CB8AF2F6F144}">
-                <wpsdc:textFrameExt xmlns:wpsdc="http://www.wps.cn/officeDocument/2022/drawingmlCustomData" xmlns="" type="text"/>
+                <wpsdc:textFrameExt xmlns="" xmlns:wpsdc="http://www.wps.cn/officeDocument/2022/drawingmlCustomData" type="text"/>
               </a:ext>
             </a:extLst>
           </a:bodyPr>
@@ -31393,7 +35268,7 @@
             <a:spAutoFit/>
             <a:extLst>
               <a:ext uri="{4A0BC546-FE56-4ADE-93B0-CB8AF2F6F144}">
-                <wpsdc:textFrameExt xmlns:wpsdc="http://www.wps.cn/officeDocument/2022/drawingmlCustomData" xmlns="" type="text"/>
+                <wpsdc:textFrameExt xmlns="" xmlns:wpsdc="http://www.wps.cn/officeDocument/2022/drawingmlCustomData" type="text"/>
               </a:ext>
             </a:extLst>
           </a:bodyPr>
@@ -31585,7 +35460,7 @@
             <a:spAutoFit/>
             <a:extLst>
               <a:ext uri="{4A0BC546-FE56-4ADE-93B0-CB8AF2F6F144}">
-                <wpsdc:textFrameExt xmlns:wpsdc="http://www.wps.cn/officeDocument/2022/drawingmlCustomData" xmlns="" type="text"/>
+                <wpsdc:textFrameExt xmlns="" xmlns:wpsdc="http://www.wps.cn/officeDocument/2022/drawingmlCustomData" type="text"/>
               </a:ext>
             </a:extLst>
           </a:bodyPr>
@@ -31661,7 +35536,7 @@
             <a:spAutoFit/>
             <a:extLst>
               <a:ext uri="{4A0BC546-FE56-4ADE-93B0-CB8AF2F6F144}">
-                <wpsdc:textFrameExt xmlns:wpsdc="http://www.wps.cn/officeDocument/2022/drawingmlCustomData" xmlns="" type="text"/>
+                <wpsdc:textFrameExt xmlns="" xmlns:wpsdc="http://www.wps.cn/officeDocument/2022/drawingmlCustomData" type="text"/>
               </a:ext>
             </a:extLst>
           </a:bodyPr>
@@ -31876,7 +35751,7 @@
             <a:spAutoFit/>
             <a:extLst>
               <a:ext uri="{4A0BC546-FE56-4ADE-93B0-CB8AF2F6F144}">
-                <wpsdc:textFrameExt xmlns:wpsdc="http://www.wps.cn/officeDocument/2022/drawingmlCustomData" xmlns="" type="text"/>
+                <wpsdc:textFrameExt xmlns="" xmlns:wpsdc="http://www.wps.cn/officeDocument/2022/drawingmlCustomData" type="text"/>
               </a:ext>
             </a:extLst>
           </a:bodyPr>
@@ -34035,7 +37910,7 @@
             <a:spAutoFit/>
             <a:extLst>
               <a:ext uri="{4A0BC546-FE56-4ADE-93B0-CB8AF2F6F144}">
-                <wpsdc:textFrameExt xmlns:wpsdc="http://www.wps.cn/officeDocument/2022/drawingmlCustomData" xmlns="" type="text"/>
+                <wpsdc:textFrameExt xmlns="" xmlns:wpsdc="http://www.wps.cn/officeDocument/2022/drawingmlCustomData" type="text"/>
               </a:ext>
             </a:extLst>
           </a:bodyPr>
@@ -34078,7 +37953,7 @@
             <a:spAutoFit/>
             <a:extLst>
               <a:ext uri="{4A0BC546-FE56-4ADE-93B0-CB8AF2F6F144}">
-                <wpsdc:textFrameExt xmlns:wpsdc="http://www.wps.cn/officeDocument/2022/drawingmlCustomData" xmlns="" type="text"/>
+                <wpsdc:textFrameExt xmlns="" xmlns:wpsdc="http://www.wps.cn/officeDocument/2022/drawingmlCustomData" type="text"/>
               </a:ext>
             </a:extLst>
           </a:bodyPr>
@@ -34121,7 +37996,7 @@
             <a:spAutoFit/>
             <a:extLst>
               <a:ext uri="{4A0BC546-FE56-4ADE-93B0-CB8AF2F6F144}">
-                <wpsdc:textFrameExt xmlns:wpsdc="http://www.wps.cn/officeDocument/2022/drawingmlCustomData" xmlns="" type="text"/>
+                <wpsdc:textFrameExt xmlns="" xmlns:wpsdc="http://www.wps.cn/officeDocument/2022/drawingmlCustomData" type="text"/>
               </a:ext>
             </a:extLst>
           </a:bodyPr>
@@ -34164,7 +38039,7 @@
             <a:spAutoFit/>
             <a:extLst>
               <a:ext uri="{4A0BC546-FE56-4ADE-93B0-CB8AF2F6F144}">
-                <wpsdc:textFrameExt xmlns:wpsdc="http://www.wps.cn/officeDocument/2022/drawingmlCustomData" xmlns="" type="text"/>
+                <wpsdc:textFrameExt xmlns="" xmlns:wpsdc="http://www.wps.cn/officeDocument/2022/drawingmlCustomData" type="text"/>
               </a:ext>
             </a:extLst>
           </a:bodyPr>
@@ -36912,7 +40787,7 @@
             <a:spAutoFit/>
             <a:extLst>
               <a:ext uri="{4A0BC546-FE56-4ADE-93B0-CB8AF2F6F144}">
-                <wpsdc:textFrameExt xmlns:wpsdc="http://www.wps.cn/officeDocument/2022/drawingmlCustomData" xmlns="" type="text"/>
+                <wpsdc:textFrameExt xmlns="" xmlns:wpsdc="http://www.wps.cn/officeDocument/2022/drawingmlCustomData" type="text"/>
               </a:ext>
             </a:extLst>
           </a:bodyPr>
@@ -36955,7 +40830,7 @@
             <a:spAutoFit/>
             <a:extLst>
               <a:ext uri="{4A0BC546-FE56-4ADE-93B0-CB8AF2F6F144}">
-                <wpsdc:textFrameExt xmlns:wpsdc="http://www.wps.cn/officeDocument/2022/drawingmlCustomData" xmlns="" type="text"/>
+                <wpsdc:textFrameExt xmlns="" xmlns:wpsdc="http://www.wps.cn/officeDocument/2022/drawingmlCustomData" type="text"/>
               </a:ext>
             </a:extLst>
           </a:bodyPr>
@@ -37003,7 +40878,7 @@
             <a:spAutoFit/>
             <a:extLst>
               <a:ext uri="{4A0BC546-FE56-4ADE-93B0-CB8AF2F6F144}">
-                <wpsdc:textFrameExt xmlns:wpsdc="http://www.wps.cn/officeDocument/2022/drawingmlCustomData" xmlns="" type="text"/>
+                <wpsdc:textFrameExt xmlns="" xmlns:wpsdc="http://www.wps.cn/officeDocument/2022/drawingmlCustomData" type="text"/>
               </a:ext>
             </a:extLst>
           </a:bodyPr>
@@ -37046,7 +40921,7 @@
             <a:spAutoFit/>
             <a:extLst>
               <a:ext uri="{4A0BC546-FE56-4ADE-93B0-CB8AF2F6F144}">
-                <wpsdc:textFrameExt xmlns:wpsdc="http://www.wps.cn/officeDocument/2022/drawingmlCustomData" xmlns="" type="text"/>
+                <wpsdc:textFrameExt xmlns="" xmlns:wpsdc="http://www.wps.cn/officeDocument/2022/drawingmlCustomData" type="text"/>
               </a:ext>
             </a:extLst>
           </a:bodyPr>
@@ -37089,7 +40964,7 @@
             <a:spAutoFit/>
             <a:extLst>
               <a:ext uri="{4A0BC546-FE56-4ADE-93B0-CB8AF2F6F144}">
-                <wpsdc:textFrameExt xmlns:wpsdc="http://www.wps.cn/officeDocument/2022/drawingmlCustomData" xmlns="" type="text"/>
+                <wpsdc:textFrameExt xmlns="" xmlns:wpsdc="http://www.wps.cn/officeDocument/2022/drawingmlCustomData" type="text"/>
               </a:ext>
             </a:extLst>
           </a:bodyPr>
@@ -37328,7 +41203,7 @@
             <a:spAutoFit/>
             <a:extLst>
               <a:ext uri="{4A0BC546-FE56-4ADE-93B0-CB8AF2F6F144}">
-                <wpsdc:textFrameExt xmlns:wpsdc="http://www.wps.cn/officeDocument/2022/drawingmlCustomData" xmlns="" type="text"/>
+                <wpsdc:textFrameExt xmlns="" xmlns:wpsdc="http://www.wps.cn/officeDocument/2022/drawingmlCustomData" type="text"/>
               </a:ext>
             </a:extLst>
           </a:bodyPr>
@@ -37371,7 +41246,7 @@
             <a:spAutoFit/>
             <a:extLst>
               <a:ext uri="{4A0BC546-FE56-4ADE-93B0-CB8AF2F6F144}">
-                <wpsdc:textFrameExt xmlns:wpsdc="http://www.wps.cn/officeDocument/2022/drawingmlCustomData" xmlns="" type="text"/>
+                <wpsdc:textFrameExt xmlns="" xmlns:wpsdc="http://www.wps.cn/officeDocument/2022/drawingmlCustomData" type="text"/>
               </a:ext>
             </a:extLst>
           </a:bodyPr>
@@ -37414,7 +41289,7 @@
             <a:spAutoFit/>
             <a:extLst>
               <a:ext uri="{4A0BC546-FE56-4ADE-93B0-CB8AF2F6F144}">
-                <wpsdc:textFrameExt xmlns:wpsdc="http://www.wps.cn/officeDocument/2022/drawingmlCustomData" xmlns="" type="text"/>
+                <wpsdc:textFrameExt xmlns="" xmlns:wpsdc="http://www.wps.cn/officeDocument/2022/drawingmlCustomData" type="text"/>
               </a:ext>
             </a:extLst>
           </a:bodyPr>
@@ -37457,7 +41332,7 @@
             <a:spAutoFit/>
             <a:extLst>
               <a:ext uri="{4A0BC546-FE56-4ADE-93B0-CB8AF2F6F144}">
-                <wpsdc:textFrameExt xmlns:wpsdc="http://www.wps.cn/officeDocument/2022/drawingmlCustomData" xmlns="" type="text"/>
+                <wpsdc:textFrameExt xmlns="" xmlns:wpsdc="http://www.wps.cn/officeDocument/2022/drawingmlCustomData" type="text"/>
               </a:ext>
             </a:extLst>
           </a:bodyPr>
@@ -37495,7 +41370,7 @@
             <a:noAutofit/>
             <a:extLst>
               <a:ext uri="{4A0BC546-FE56-4ADE-93B0-CB8AF2F6F144}">
-                <wpsdc:textFrameExt xmlns:wpsdc="http://www.wps.cn/officeDocument/2022/drawingmlCustomData" xmlns="" type="text"/>
+                <wpsdc:textFrameExt xmlns="" xmlns:wpsdc="http://www.wps.cn/officeDocument/2022/drawingmlCustomData" type="text"/>
               </a:ext>
             </a:extLst>
           </a:bodyPr>
@@ -37537,7 +41412,7 @@
             <a:spAutoFit/>
             <a:extLst>
               <a:ext uri="{4A0BC546-FE56-4ADE-93B0-CB8AF2F6F144}">
-                <wpsdc:textFrameExt xmlns:wpsdc="http://www.wps.cn/officeDocument/2022/drawingmlCustomData" xmlns="" type="text"/>
+                <wpsdc:textFrameExt xmlns="" xmlns:wpsdc="http://www.wps.cn/officeDocument/2022/drawingmlCustomData" type="text"/>
               </a:ext>
             </a:extLst>
           </a:bodyPr>
@@ -37584,7 +41459,7 @@
             <a:spAutoFit/>
             <a:extLst>
               <a:ext uri="{4A0BC546-FE56-4ADE-93B0-CB8AF2F6F144}">
-                <wpsdc:textFrameExt xmlns:wpsdc="http://www.wps.cn/officeDocument/2022/drawingmlCustomData" xmlns="" type="text"/>
+                <wpsdc:textFrameExt xmlns="" xmlns:wpsdc="http://www.wps.cn/officeDocument/2022/drawingmlCustomData" type="text"/>
               </a:ext>
             </a:extLst>
           </a:bodyPr>
@@ -37624,7 +41499,7 @@
             <a:spAutoFit/>
             <a:extLst>
               <a:ext uri="{4A0BC546-FE56-4ADE-93B0-CB8AF2F6F144}">
-                <wpsdc:textFrameExt xmlns:wpsdc="http://www.wps.cn/officeDocument/2022/drawingmlCustomData" xmlns="" type="text"/>
+                <wpsdc:textFrameExt xmlns="" xmlns:wpsdc="http://www.wps.cn/officeDocument/2022/drawingmlCustomData" type="text"/>
               </a:ext>
             </a:extLst>
           </a:bodyPr>
@@ -37664,7 +41539,7 @@
             <a:spAutoFit/>
             <a:extLst>
               <a:ext uri="{4A0BC546-FE56-4ADE-93B0-CB8AF2F6F144}">
-                <wpsdc:textFrameExt xmlns:wpsdc="http://www.wps.cn/officeDocument/2022/drawingmlCustomData" xmlns="" type="text"/>
+                <wpsdc:textFrameExt xmlns="" xmlns:wpsdc="http://www.wps.cn/officeDocument/2022/drawingmlCustomData" type="text"/>
               </a:ext>
             </a:extLst>
           </a:bodyPr>
@@ -38075,7 +41950,7 @@
             <a:spAutoFit/>
             <a:extLst>
               <a:ext uri="{4A0BC546-FE56-4ADE-93B0-CB8AF2F6F144}">
-                <wpsdc:textFrameExt xmlns:wpsdc="http://www.wps.cn/officeDocument/2022/drawingmlCustomData" xmlns="" type="text"/>
+                <wpsdc:textFrameExt xmlns="" xmlns:wpsdc="http://www.wps.cn/officeDocument/2022/drawingmlCustomData" type="text"/>
               </a:ext>
             </a:extLst>
           </a:bodyPr>
@@ -38332,7 +42207,7 @@
             <a:spAutoFit/>
             <a:extLst>
               <a:ext uri="{4A0BC546-FE56-4ADE-93B0-CB8AF2F6F144}">
-                <wpsdc:textFrameExt xmlns:wpsdc="http://www.wps.cn/officeDocument/2022/drawingmlCustomData" xmlns="" type="text"/>
+                <wpsdc:textFrameExt xmlns="" xmlns:wpsdc="http://www.wps.cn/officeDocument/2022/drawingmlCustomData" type="text"/>
               </a:ext>
             </a:extLst>
           </a:bodyPr>
@@ -38407,7 +42282,7 @@
             <a:noAutofit/>
             <a:extLst>
               <a:ext uri="{4A0BC546-FE56-4ADE-93B0-CB8AF2F6F144}">
-                <wpsdc:textFrameExt xmlns:wpsdc="http://www.wps.cn/officeDocument/2022/drawingmlCustomData" xmlns="" type="text"/>
+                <wpsdc:textFrameExt xmlns="" xmlns:wpsdc="http://www.wps.cn/officeDocument/2022/drawingmlCustomData" type="text"/>
               </a:ext>
             </a:extLst>
           </a:bodyPr>
@@ -38453,7 +42328,7 @@
             <a:spAutoFit/>
             <a:extLst>
               <a:ext uri="{4A0BC546-FE56-4ADE-93B0-CB8AF2F6F144}">
-                <wpsdc:textFrameExt xmlns:wpsdc="http://www.wps.cn/officeDocument/2022/drawingmlCustomData" xmlns="" type="text"/>
+                <wpsdc:textFrameExt xmlns="" xmlns:wpsdc="http://www.wps.cn/officeDocument/2022/drawingmlCustomData" type="text"/>
               </a:ext>
             </a:extLst>
           </a:bodyPr>
@@ -38503,7 +42378,7 @@
             <a:spAutoFit/>
             <a:extLst>
               <a:ext uri="{4A0BC546-FE56-4ADE-93B0-CB8AF2F6F144}">
-                <wpsdc:textFrameExt xmlns:wpsdc="http://www.wps.cn/officeDocument/2022/drawingmlCustomData" xmlns="" type="text"/>
+                <wpsdc:textFrameExt xmlns="" xmlns:wpsdc="http://www.wps.cn/officeDocument/2022/drawingmlCustomData" type="text"/>
               </a:ext>
             </a:extLst>
           </a:bodyPr>
@@ -38553,7 +42428,7 @@
             <a:spAutoFit/>
             <a:extLst>
               <a:ext uri="{4A0BC546-FE56-4ADE-93B0-CB8AF2F6F144}">
-                <wpsdc:textFrameExt xmlns:wpsdc="http://www.wps.cn/officeDocument/2022/drawingmlCustomData" xmlns="" type="text"/>
+                <wpsdc:textFrameExt xmlns="" xmlns:wpsdc="http://www.wps.cn/officeDocument/2022/drawingmlCustomData" type="text"/>
               </a:ext>
             </a:extLst>
           </a:bodyPr>

--- a/论文插图.pptx
+++ b/论文插图.pptx
@@ -229,7 +229,7 @@
           <a:p>
             <a:fld id="{D2A48B96-639E-45A3-A0BA-2464DFDB1FAA}" type="datetimeFigureOut">
               <a:rPr lang="zh-CN" altLang="en-US" smtClean="0"/>
-              <a:t>2025/1/14</a:t>
+              <a:t>2025/1/25</a:t>
             </a:fld>
             <a:endParaRPr lang="zh-CN" altLang="en-US"/>
           </a:p>
@@ -1753,7 +1753,7 @@
           <a:p>
             <a:fld id="{D997B5FA-0921-464F-AAE1-844C04324D75}" type="datetimeFigureOut">
               <a:rPr lang="zh-CN" altLang="en-US" smtClean="0"/>
-              <a:t>2025/1/14</a:t>
+              <a:t>2025/1/25</a:t>
             </a:fld>
             <a:endParaRPr lang="zh-CN" altLang="en-US"/>
           </a:p>
@@ -1916,7 +1916,7 @@
           <a:p>
             <a:fld id="{D997B5FA-0921-464F-AAE1-844C04324D75}" type="datetimeFigureOut">
               <a:rPr lang="zh-CN" altLang="en-US" smtClean="0"/>
-              <a:t>2025/1/14</a:t>
+              <a:t>2025/1/25</a:t>
             </a:fld>
             <a:endParaRPr lang="zh-CN" altLang="en-US"/>
           </a:p>
@@ -2089,7 +2089,7 @@
           <a:p>
             <a:fld id="{D997B5FA-0921-464F-AAE1-844C04324D75}" type="datetimeFigureOut">
               <a:rPr lang="zh-CN" altLang="en-US" smtClean="0"/>
-              <a:t>2025/1/14</a:t>
+              <a:t>2025/1/25</a:t>
             </a:fld>
             <a:endParaRPr lang="zh-CN" altLang="en-US"/>
           </a:p>
@@ -2252,7 +2252,7 @@
           <a:p>
             <a:fld id="{D997B5FA-0921-464F-AAE1-844C04324D75}" type="datetimeFigureOut">
               <a:rPr lang="zh-CN" altLang="en-US" smtClean="0"/>
-              <a:t>2025/1/14</a:t>
+              <a:t>2025/1/25</a:t>
             </a:fld>
             <a:endParaRPr lang="zh-CN" altLang="en-US"/>
           </a:p>
@@ -2492,7 +2492,7 @@
           <a:p>
             <a:fld id="{D997B5FA-0921-464F-AAE1-844C04324D75}" type="datetimeFigureOut">
               <a:rPr lang="zh-CN" altLang="en-US" smtClean="0"/>
-              <a:t>2025/1/14</a:t>
+              <a:t>2025/1/25</a:t>
             </a:fld>
             <a:endParaRPr lang="zh-CN" altLang="en-US"/>
           </a:p>
@@ -2716,7 +2716,7 @@
           <a:p>
             <a:fld id="{D997B5FA-0921-464F-AAE1-844C04324D75}" type="datetimeFigureOut">
               <a:rPr lang="zh-CN" altLang="en-US" smtClean="0"/>
-              <a:t>2025/1/14</a:t>
+              <a:t>2025/1/25</a:t>
             </a:fld>
             <a:endParaRPr lang="zh-CN" altLang="en-US"/>
           </a:p>
@@ -3075,7 +3075,7 @@
           <a:p>
             <a:fld id="{D997B5FA-0921-464F-AAE1-844C04324D75}" type="datetimeFigureOut">
               <a:rPr lang="zh-CN" altLang="en-US" smtClean="0"/>
-              <a:t>2025/1/14</a:t>
+              <a:t>2025/1/25</a:t>
             </a:fld>
             <a:endParaRPr lang="zh-CN" altLang="en-US"/>
           </a:p>
@@ -3187,7 +3187,7 @@
           <a:p>
             <a:fld id="{D997B5FA-0921-464F-AAE1-844C04324D75}" type="datetimeFigureOut">
               <a:rPr lang="zh-CN" altLang="en-US" smtClean="0"/>
-              <a:t>2025/1/14</a:t>
+              <a:t>2025/1/25</a:t>
             </a:fld>
             <a:endParaRPr lang="zh-CN" altLang="en-US"/>
           </a:p>
@@ -3277,7 +3277,7 @@
           <a:p>
             <a:fld id="{D997B5FA-0921-464F-AAE1-844C04324D75}" type="datetimeFigureOut">
               <a:rPr lang="zh-CN" altLang="en-US" smtClean="0"/>
-              <a:t>2025/1/14</a:t>
+              <a:t>2025/1/25</a:t>
             </a:fld>
             <a:endParaRPr lang="zh-CN" altLang="en-US"/>
           </a:p>
@@ -3547,7 +3547,7 @@
           <a:p>
             <a:fld id="{D997B5FA-0921-464F-AAE1-844C04324D75}" type="datetimeFigureOut">
               <a:rPr lang="zh-CN" altLang="en-US" smtClean="0"/>
-              <a:t>2025/1/14</a:t>
+              <a:t>2025/1/25</a:t>
             </a:fld>
             <a:endParaRPr lang="zh-CN" altLang="en-US"/>
           </a:p>
@@ -3794,7 +3794,7 @@
           <a:p>
             <a:fld id="{D997B5FA-0921-464F-AAE1-844C04324D75}" type="datetimeFigureOut">
               <a:rPr lang="zh-CN" altLang="en-US" smtClean="0"/>
-              <a:t>2025/1/14</a:t>
+              <a:t>2025/1/25</a:t>
             </a:fld>
             <a:endParaRPr lang="zh-CN" altLang="en-US"/>
           </a:p>
@@ -4000,7 +4000,7 @@
           <a:p>
             <a:fld id="{D997B5FA-0921-464F-AAE1-844C04324D75}" type="datetimeFigureOut">
               <a:rPr lang="zh-CN" altLang="en-US" smtClean="0"/>
-              <a:t>2025/1/14</a:t>
+              <a:t>2025/1/25</a:t>
             </a:fld>
             <a:endParaRPr lang="zh-CN" altLang="en-US"/>
           </a:p>
@@ -6430,7 +6430,7 @@
             <a:spAutoFit/>
             <a:extLst>
               <a:ext uri="{4A0BC546-FE56-4ADE-93B0-CB8AF2F6F144}">
-                <wpsdc:textFrameExt xmlns="" xmlns:wpsdc="http://www.wps.cn/officeDocument/2022/drawingmlCustomData" type="text"/>
+                <wpsdc:textFrameExt xmlns:wpsdc="http://www.wps.cn/officeDocument/2022/drawingmlCustomData" xmlns="" type="text"/>
               </a:ext>
             </a:extLst>
           </a:bodyPr>
@@ -6467,7 +6467,7 @@
             <a:spAutoFit/>
             <a:extLst>
               <a:ext uri="{4A0BC546-FE56-4ADE-93B0-CB8AF2F6F144}">
-                <wpsdc:textFrameExt xmlns="" xmlns:wpsdc="http://www.wps.cn/officeDocument/2022/drawingmlCustomData" type="text"/>
+                <wpsdc:textFrameExt xmlns:wpsdc="http://www.wps.cn/officeDocument/2022/drawingmlCustomData" xmlns="" type="text"/>
               </a:ext>
             </a:extLst>
           </a:bodyPr>
@@ -8957,10 +8957,10 @@
       </p:pic>
       <p:pic>
         <p:nvPicPr>
-          <p:cNvPr id="4" name="图片 3">
+          <p:cNvPr id="3" name="图片 2">
             <a:extLst>
               <a:ext uri="{FF2B5EF4-FFF2-40B4-BE49-F238E27FC236}">
-                <a16:creationId xmlns:a16="http://schemas.microsoft.com/office/drawing/2014/main" id="{C2B00C6B-7120-4DB5-85EE-4C39BB85B0E4}"/>
+                <a16:creationId xmlns:a16="http://schemas.microsoft.com/office/drawing/2014/main" id="{C9854506-B346-41C5-A919-7C5AAAA5B080}"/>
               </a:ext>
             </a:extLst>
           </p:cNvPr>
@@ -8977,8 +8977,8 @@
         </p:blipFill>
         <p:spPr>
           <a:xfrm>
-            <a:off x="1608558" y="1233999"/>
-            <a:ext cx="8762685" cy="5154520"/>
+            <a:off x="2181628" y="1575239"/>
+            <a:ext cx="7828744" cy="4567776"/>
           </a:xfrm>
           <a:prstGeom prst="rect">
             <a:avLst/>
@@ -9084,7 +9084,7 @@
             <a:spAutoFit/>
             <a:extLst>
               <a:ext uri="{4A0BC546-FE56-4ADE-93B0-CB8AF2F6F144}">
-                <wpsdc:textFrameExt xmlns="" xmlns:wpsdc="http://www.wps.cn/officeDocument/2022/drawingmlCustomData" type="text"/>
+                <wpsdc:textFrameExt xmlns:wpsdc="http://www.wps.cn/officeDocument/2022/drawingmlCustomData" xmlns="" type="text"/>
               </a:ext>
             </a:extLst>
           </a:bodyPr>
@@ -9135,7 +9135,7 @@
             <a:spAutoFit/>
             <a:extLst>
               <a:ext uri="{4A0BC546-FE56-4ADE-93B0-CB8AF2F6F144}">
-                <wpsdc:textFrameExt xmlns="" xmlns:wpsdc="http://www.wps.cn/officeDocument/2022/drawingmlCustomData" type="text"/>
+                <wpsdc:textFrameExt xmlns:wpsdc="http://www.wps.cn/officeDocument/2022/drawingmlCustomData" xmlns="" type="text"/>
               </a:ext>
             </a:extLst>
           </a:bodyPr>
@@ -9186,7 +9186,7 @@
             <a:spAutoFit/>
             <a:extLst>
               <a:ext uri="{4A0BC546-FE56-4ADE-93B0-CB8AF2F6F144}">
-                <wpsdc:textFrameExt xmlns="" xmlns:wpsdc="http://www.wps.cn/officeDocument/2022/drawingmlCustomData" type="text"/>
+                <wpsdc:textFrameExt xmlns:wpsdc="http://www.wps.cn/officeDocument/2022/drawingmlCustomData" xmlns="" type="text"/>
               </a:ext>
             </a:extLst>
           </a:bodyPr>
@@ -9309,7 +9309,7 @@
             <a:spAutoFit/>
             <a:extLst>
               <a:ext uri="{4A0BC546-FE56-4ADE-93B0-CB8AF2F6F144}">
-                <wpsdc:textFrameExt xmlns="" xmlns:wpsdc="http://www.wps.cn/officeDocument/2022/drawingmlCustomData" type="text"/>
+                <wpsdc:textFrameExt xmlns:wpsdc="http://www.wps.cn/officeDocument/2022/drawingmlCustomData" xmlns="" type="text"/>
               </a:ext>
             </a:extLst>
           </a:bodyPr>
@@ -9354,7 +9354,7 @@
             <a:spAutoFit/>
             <a:extLst>
               <a:ext uri="{4A0BC546-FE56-4ADE-93B0-CB8AF2F6F144}">
-                <wpsdc:textFrameExt xmlns="" xmlns:wpsdc="http://www.wps.cn/officeDocument/2022/drawingmlCustomData" type="text"/>
+                <wpsdc:textFrameExt xmlns:wpsdc="http://www.wps.cn/officeDocument/2022/drawingmlCustomData" xmlns="" type="text"/>
               </a:ext>
             </a:extLst>
           </a:bodyPr>
@@ -25469,8 +25469,8 @@
           </a:p>
         </p:txBody>
       </p:sp>
-      <mc:AlternateContent xmlns:mc="http://schemas.openxmlformats.org/markup-compatibility/2006">
-        <mc:Choice xmlns:a14="http://schemas.microsoft.com/office/drawing/2010/main" Requires="a14">
+      <mc:AlternateContent xmlns:mc="http://schemas.openxmlformats.org/markup-compatibility/2006" xmlns:a14="http://schemas.microsoft.com/office/drawing/2010/main">
+        <mc:Choice Requires="a14">
           <p:sp>
             <p:nvSpPr>
               <p:cNvPr id="85" name="文本框 84">
@@ -25520,7 +25520,7 @@
             </p:txBody>
           </p:sp>
         </mc:Choice>
-        <mc:Fallback>
+        <mc:Fallback xmlns="">
           <p:sp>
             <p:nvSpPr>
               <p:cNvPr id="85" name="文本框 84">
@@ -25565,8 +25565,8 @@
           </p:sp>
         </mc:Fallback>
       </mc:AlternateContent>
-      <mc:AlternateContent xmlns:mc="http://schemas.openxmlformats.org/markup-compatibility/2006">
-        <mc:Choice xmlns:a14="http://schemas.microsoft.com/office/drawing/2010/main" Requires="a14">
+      <mc:AlternateContent xmlns:mc="http://schemas.openxmlformats.org/markup-compatibility/2006" xmlns:a14="http://schemas.microsoft.com/office/drawing/2010/main">
+        <mc:Choice Requires="a14">
           <p:sp>
             <p:nvSpPr>
               <p:cNvPr id="86" name="文本框 85">
@@ -25616,7 +25616,7 @@
             </p:txBody>
           </p:sp>
         </mc:Choice>
-        <mc:Fallback>
+        <mc:Fallback xmlns="">
           <p:sp>
             <p:nvSpPr>
               <p:cNvPr id="86" name="文本框 85">
@@ -25661,8 +25661,8 @@
           </p:sp>
         </mc:Fallback>
       </mc:AlternateContent>
-      <mc:AlternateContent xmlns:mc="http://schemas.openxmlformats.org/markup-compatibility/2006">
-        <mc:Choice xmlns:a14="http://schemas.microsoft.com/office/drawing/2010/main" Requires="a14">
+      <mc:AlternateContent xmlns:mc="http://schemas.openxmlformats.org/markup-compatibility/2006" xmlns:a14="http://schemas.microsoft.com/office/drawing/2010/main">
+        <mc:Choice Requires="a14">
           <p:sp>
             <p:nvSpPr>
               <p:cNvPr id="87" name="文本框 86">
@@ -25712,7 +25712,7 @@
             </p:txBody>
           </p:sp>
         </mc:Choice>
-        <mc:Fallback>
+        <mc:Fallback xmlns="">
           <p:sp>
             <p:nvSpPr>
               <p:cNvPr id="87" name="文本框 86">
@@ -28672,7 +28672,7 @@
             <a:spAutoFit/>
             <a:extLst>
               <a:ext uri="{4A0BC546-FE56-4ADE-93B0-CB8AF2F6F144}">
-                <wpsdc:textFrameExt xmlns="" xmlns:wpsdc="http://www.wps.cn/officeDocument/2022/drawingmlCustomData" type="text"/>
+                <wpsdc:textFrameExt xmlns:wpsdc="http://www.wps.cn/officeDocument/2022/drawingmlCustomData" xmlns="" type="text"/>
               </a:ext>
             </a:extLst>
           </a:bodyPr>
@@ -28709,7 +28709,7 @@
             <a:spAutoFit/>
             <a:extLst>
               <a:ext uri="{4A0BC546-FE56-4ADE-93B0-CB8AF2F6F144}">
-                <wpsdc:textFrameExt xmlns="" xmlns:wpsdc="http://www.wps.cn/officeDocument/2022/drawingmlCustomData" type="text"/>
+                <wpsdc:textFrameExt xmlns:wpsdc="http://www.wps.cn/officeDocument/2022/drawingmlCustomData" xmlns="" type="text"/>
               </a:ext>
             </a:extLst>
           </a:bodyPr>
@@ -29282,7 +29282,7 @@
             <a:noAutofit/>
             <a:extLst>
               <a:ext uri="{4A0BC546-FE56-4ADE-93B0-CB8AF2F6F144}">
-                <wpsdc:textFrameExt xmlns="" xmlns:wpsdc="http://www.wps.cn/officeDocument/2022/drawingmlCustomData" type="text"/>
+                <wpsdc:textFrameExt xmlns:wpsdc="http://www.wps.cn/officeDocument/2022/drawingmlCustomData" xmlns="" type="text"/>
               </a:ext>
             </a:extLst>
           </a:bodyPr>
@@ -29332,7 +29332,7 @@
             <a:spAutoFit/>
             <a:extLst>
               <a:ext uri="{4A0BC546-FE56-4ADE-93B0-CB8AF2F6F144}">
-                <wpsdc:textFrameExt xmlns="" xmlns:wpsdc="http://www.wps.cn/officeDocument/2022/drawingmlCustomData" type="text"/>
+                <wpsdc:textFrameExt xmlns:wpsdc="http://www.wps.cn/officeDocument/2022/drawingmlCustomData" xmlns="" type="text"/>
               </a:ext>
             </a:extLst>
           </a:bodyPr>
@@ -29488,7 +29488,7 @@
             <a:spAutoFit/>
             <a:extLst>
               <a:ext uri="{4A0BC546-FE56-4ADE-93B0-CB8AF2F6F144}">
-                <wpsdc:textFrameExt xmlns="" xmlns:wpsdc="http://www.wps.cn/officeDocument/2022/drawingmlCustomData" type="text"/>
+                <wpsdc:textFrameExt xmlns:wpsdc="http://www.wps.cn/officeDocument/2022/drawingmlCustomData" xmlns="" type="text"/>
               </a:ext>
             </a:extLst>
           </a:bodyPr>
@@ -29528,7 +29528,7 @@
             <a:spAutoFit/>
             <a:extLst>
               <a:ext uri="{4A0BC546-FE56-4ADE-93B0-CB8AF2F6F144}">
-                <wpsdc:textFrameExt xmlns="" xmlns:wpsdc="http://www.wps.cn/officeDocument/2022/drawingmlCustomData" type="text"/>
+                <wpsdc:textFrameExt xmlns:wpsdc="http://www.wps.cn/officeDocument/2022/drawingmlCustomData" xmlns="" type="text"/>
               </a:ext>
             </a:extLst>
           </a:bodyPr>
@@ -30307,7 +30307,7 @@
             <a:noAutofit/>
             <a:extLst>
               <a:ext uri="{4A0BC546-FE56-4ADE-93B0-CB8AF2F6F144}">
-                <wpsdc:textFrameExt xmlns="" xmlns:wpsdc="http://www.wps.cn/officeDocument/2022/drawingmlCustomData" type="text"/>
+                <wpsdc:textFrameExt xmlns:wpsdc="http://www.wps.cn/officeDocument/2022/drawingmlCustomData" xmlns="" type="text"/>
               </a:ext>
             </a:extLst>
           </a:bodyPr>
@@ -30573,7 +30573,7 @@
             <a:spAutoFit/>
             <a:extLst>
               <a:ext uri="{4A0BC546-FE56-4ADE-93B0-CB8AF2F6F144}">
-                <wpsdc:textFrameExt xmlns="" xmlns:wpsdc="http://www.wps.cn/officeDocument/2022/drawingmlCustomData" type="text"/>
+                <wpsdc:textFrameExt xmlns:wpsdc="http://www.wps.cn/officeDocument/2022/drawingmlCustomData" xmlns="" type="text"/>
               </a:ext>
             </a:extLst>
           </a:bodyPr>
@@ -30610,7 +30610,7 @@
             <a:spAutoFit/>
             <a:extLst>
               <a:ext uri="{4A0BC546-FE56-4ADE-93B0-CB8AF2F6F144}">
-                <wpsdc:textFrameExt xmlns="" xmlns:wpsdc="http://www.wps.cn/officeDocument/2022/drawingmlCustomData" type="text"/>
+                <wpsdc:textFrameExt xmlns:wpsdc="http://www.wps.cn/officeDocument/2022/drawingmlCustomData" xmlns="" type="text"/>
               </a:ext>
             </a:extLst>
           </a:bodyPr>
@@ -31293,7 +31293,7 @@
             <a:spAutoFit/>
             <a:extLst>
               <a:ext uri="{4A0BC546-FE56-4ADE-93B0-CB8AF2F6F144}">
-                <wpsdc:textFrameExt xmlns="" xmlns:wpsdc="http://www.wps.cn/officeDocument/2022/drawingmlCustomData" type="text"/>
+                <wpsdc:textFrameExt xmlns:wpsdc="http://www.wps.cn/officeDocument/2022/drawingmlCustomData" xmlns="" type="text"/>
               </a:ext>
             </a:extLst>
           </a:bodyPr>
@@ -31785,7 +31785,7 @@
             <a:spAutoFit/>
             <a:extLst>
               <a:ext uri="{4A0BC546-FE56-4ADE-93B0-CB8AF2F6F144}">
-                <wpsdc:textFrameExt xmlns="" xmlns:wpsdc="http://www.wps.cn/officeDocument/2022/drawingmlCustomData" type="text"/>
+                <wpsdc:textFrameExt xmlns:wpsdc="http://www.wps.cn/officeDocument/2022/drawingmlCustomData" xmlns="" type="text"/>
               </a:ext>
             </a:extLst>
           </a:bodyPr>
@@ -31999,7 +31999,7 @@
             <a:spAutoFit/>
             <a:extLst>
               <a:ext uri="{4A0BC546-FE56-4ADE-93B0-CB8AF2F6F144}">
-                <wpsdc:textFrameExt xmlns="" xmlns:wpsdc="http://www.wps.cn/officeDocument/2022/drawingmlCustomData" type="text"/>
+                <wpsdc:textFrameExt xmlns:wpsdc="http://www.wps.cn/officeDocument/2022/drawingmlCustomData" xmlns="" type="text"/>
               </a:ext>
             </a:extLst>
           </a:bodyPr>
@@ -32036,7 +32036,7 @@
             <a:spAutoFit/>
             <a:extLst>
               <a:ext uri="{4A0BC546-FE56-4ADE-93B0-CB8AF2F6F144}">
-                <wpsdc:textFrameExt xmlns="" xmlns:wpsdc="http://www.wps.cn/officeDocument/2022/drawingmlCustomData" type="text"/>
+                <wpsdc:textFrameExt xmlns:wpsdc="http://www.wps.cn/officeDocument/2022/drawingmlCustomData" xmlns="" type="text"/>
               </a:ext>
             </a:extLst>
           </a:bodyPr>
@@ -32717,7 +32717,7 @@
             <a:spAutoFit/>
             <a:extLst>
               <a:ext uri="{4A0BC546-FE56-4ADE-93B0-CB8AF2F6F144}">
-                <wpsdc:textFrameExt xmlns="" xmlns:wpsdc="http://www.wps.cn/officeDocument/2022/drawingmlCustomData" type="text"/>
+                <wpsdc:textFrameExt xmlns:wpsdc="http://www.wps.cn/officeDocument/2022/drawingmlCustomData" xmlns="" type="text"/>
               </a:ext>
             </a:extLst>
           </a:bodyPr>
@@ -33130,7 +33130,7 @@
             <a:spAutoFit/>
             <a:extLst>
               <a:ext uri="{4A0BC546-FE56-4ADE-93B0-CB8AF2F6F144}">
-                <wpsdc:textFrameExt xmlns="" xmlns:wpsdc="http://www.wps.cn/officeDocument/2022/drawingmlCustomData" type="text"/>
+                <wpsdc:textFrameExt xmlns:wpsdc="http://www.wps.cn/officeDocument/2022/drawingmlCustomData" xmlns="" type="text"/>
               </a:ext>
             </a:extLst>
           </a:bodyPr>
@@ -33317,7 +33317,7 @@
             <a:spAutoFit/>
             <a:extLst>
               <a:ext uri="{4A0BC546-FE56-4ADE-93B0-CB8AF2F6F144}">
-                <wpsdc:textFrameExt xmlns="" xmlns:wpsdc="http://www.wps.cn/officeDocument/2022/drawingmlCustomData" type="text"/>
+                <wpsdc:textFrameExt xmlns:wpsdc="http://www.wps.cn/officeDocument/2022/drawingmlCustomData" xmlns="" type="text"/>
               </a:ext>
             </a:extLst>
           </a:bodyPr>
@@ -33354,7 +33354,7 @@
             <a:spAutoFit/>
             <a:extLst>
               <a:ext uri="{4A0BC546-FE56-4ADE-93B0-CB8AF2F6F144}">
-                <wpsdc:textFrameExt xmlns="" xmlns:wpsdc="http://www.wps.cn/officeDocument/2022/drawingmlCustomData" type="text"/>
+                <wpsdc:textFrameExt xmlns:wpsdc="http://www.wps.cn/officeDocument/2022/drawingmlCustomData" xmlns="" type="text"/>
               </a:ext>
             </a:extLst>
           </a:bodyPr>
@@ -33391,7 +33391,7 @@
             <a:spAutoFit/>
             <a:extLst>
               <a:ext uri="{4A0BC546-FE56-4ADE-93B0-CB8AF2F6F144}">
-                <wpsdc:textFrameExt xmlns="" xmlns:wpsdc="http://www.wps.cn/officeDocument/2022/drawingmlCustomData" type="text"/>
+                <wpsdc:textFrameExt xmlns:wpsdc="http://www.wps.cn/officeDocument/2022/drawingmlCustomData" xmlns="" type="text"/>
               </a:ext>
             </a:extLst>
           </a:bodyPr>
@@ -33583,7 +33583,7 @@
             <a:spAutoFit/>
             <a:extLst>
               <a:ext uri="{4A0BC546-FE56-4ADE-93B0-CB8AF2F6F144}">
-                <wpsdc:textFrameExt xmlns="" xmlns:wpsdc="http://www.wps.cn/officeDocument/2022/drawingmlCustomData" type="text"/>
+                <wpsdc:textFrameExt xmlns:wpsdc="http://www.wps.cn/officeDocument/2022/drawingmlCustomData" xmlns="" type="text"/>
               </a:ext>
             </a:extLst>
           </a:bodyPr>
@@ -33659,7 +33659,7 @@
             <a:spAutoFit/>
             <a:extLst>
               <a:ext uri="{4A0BC546-FE56-4ADE-93B0-CB8AF2F6F144}">
-                <wpsdc:textFrameExt xmlns="" xmlns:wpsdc="http://www.wps.cn/officeDocument/2022/drawingmlCustomData" type="text"/>
+                <wpsdc:textFrameExt xmlns:wpsdc="http://www.wps.cn/officeDocument/2022/drawingmlCustomData" xmlns="" type="text"/>
               </a:ext>
             </a:extLst>
           </a:bodyPr>
@@ -33876,7 +33876,7 @@
             <a:spAutoFit/>
             <a:extLst>
               <a:ext uri="{4A0BC546-FE56-4ADE-93B0-CB8AF2F6F144}">
-                <wpsdc:textFrameExt xmlns="" xmlns:wpsdc="http://www.wps.cn/officeDocument/2022/drawingmlCustomData" type="text"/>
+                <wpsdc:textFrameExt xmlns:wpsdc="http://www.wps.cn/officeDocument/2022/drawingmlCustomData" xmlns="" type="text"/>
               </a:ext>
             </a:extLst>
           </a:bodyPr>
@@ -33913,7 +33913,7 @@
             <a:spAutoFit/>
             <a:extLst>
               <a:ext uri="{4A0BC546-FE56-4ADE-93B0-CB8AF2F6F144}">
-                <wpsdc:textFrameExt xmlns="" xmlns:wpsdc="http://www.wps.cn/officeDocument/2022/drawingmlCustomData" type="text"/>
+                <wpsdc:textFrameExt xmlns:wpsdc="http://www.wps.cn/officeDocument/2022/drawingmlCustomData" xmlns="" type="text"/>
               </a:ext>
             </a:extLst>
           </a:bodyPr>
@@ -34594,7 +34594,7 @@
             <a:spAutoFit/>
             <a:extLst>
               <a:ext uri="{4A0BC546-FE56-4ADE-93B0-CB8AF2F6F144}">
-                <wpsdc:textFrameExt xmlns="" xmlns:wpsdc="http://www.wps.cn/officeDocument/2022/drawingmlCustomData" type="text"/>
+                <wpsdc:textFrameExt xmlns:wpsdc="http://www.wps.cn/officeDocument/2022/drawingmlCustomData" xmlns="" type="text"/>
               </a:ext>
             </a:extLst>
           </a:bodyPr>
@@ -35007,7 +35007,7 @@
             <a:spAutoFit/>
             <a:extLst>
               <a:ext uri="{4A0BC546-FE56-4ADE-93B0-CB8AF2F6F144}">
-                <wpsdc:textFrameExt xmlns="" xmlns:wpsdc="http://www.wps.cn/officeDocument/2022/drawingmlCustomData" type="text"/>
+                <wpsdc:textFrameExt xmlns:wpsdc="http://www.wps.cn/officeDocument/2022/drawingmlCustomData" xmlns="" type="text"/>
               </a:ext>
             </a:extLst>
           </a:bodyPr>
@@ -35194,7 +35194,7 @@
             <a:spAutoFit/>
             <a:extLst>
               <a:ext uri="{4A0BC546-FE56-4ADE-93B0-CB8AF2F6F144}">
-                <wpsdc:textFrameExt xmlns="" xmlns:wpsdc="http://www.wps.cn/officeDocument/2022/drawingmlCustomData" type="text"/>
+                <wpsdc:textFrameExt xmlns:wpsdc="http://www.wps.cn/officeDocument/2022/drawingmlCustomData" xmlns="" type="text"/>
               </a:ext>
             </a:extLst>
           </a:bodyPr>
@@ -35231,7 +35231,7 @@
             <a:spAutoFit/>
             <a:extLst>
               <a:ext uri="{4A0BC546-FE56-4ADE-93B0-CB8AF2F6F144}">
-                <wpsdc:textFrameExt xmlns="" xmlns:wpsdc="http://www.wps.cn/officeDocument/2022/drawingmlCustomData" type="text"/>
+                <wpsdc:textFrameExt xmlns:wpsdc="http://www.wps.cn/officeDocument/2022/drawingmlCustomData" xmlns="" type="text"/>
               </a:ext>
             </a:extLst>
           </a:bodyPr>
@@ -35268,7 +35268,7 @@
             <a:spAutoFit/>
             <a:extLst>
               <a:ext uri="{4A0BC546-FE56-4ADE-93B0-CB8AF2F6F144}">
-                <wpsdc:textFrameExt xmlns="" xmlns:wpsdc="http://www.wps.cn/officeDocument/2022/drawingmlCustomData" type="text"/>
+                <wpsdc:textFrameExt xmlns:wpsdc="http://www.wps.cn/officeDocument/2022/drawingmlCustomData" xmlns="" type="text"/>
               </a:ext>
             </a:extLst>
           </a:bodyPr>
@@ -35460,7 +35460,7 @@
             <a:spAutoFit/>
             <a:extLst>
               <a:ext uri="{4A0BC546-FE56-4ADE-93B0-CB8AF2F6F144}">
-                <wpsdc:textFrameExt xmlns="" xmlns:wpsdc="http://www.wps.cn/officeDocument/2022/drawingmlCustomData" type="text"/>
+                <wpsdc:textFrameExt xmlns:wpsdc="http://www.wps.cn/officeDocument/2022/drawingmlCustomData" xmlns="" type="text"/>
               </a:ext>
             </a:extLst>
           </a:bodyPr>
@@ -35536,7 +35536,7 @@
             <a:spAutoFit/>
             <a:extLst>
               <a:ext uri="{4A0BC546-FE56-4ADE-93B0-CB8AF2F6F144}">
-                <wpsdc:textFrameExt xmlns="" xmlns:wpsdc="http://www.wps.cn/officeDocument/2022/drawingmlCustomData" type="text"/>
+                <wpsdc:textFrameExt xmlns:wpsdc="http://www.wps.cn/officeDocument/2022/drawingmlCustomData" xmlns="" type="text"/>
               </a:ext>
             </a:extLst>
           </a:bodyPr>
@@ -35751,7 +35751,7 @@
             <a:spAutoFit/>
             <a:extLst>
               <a:ext uri="{4A0BC546-FE56-4ADE-93B0-CB8AF2F6F144}">
-                <wpsdc:textFrameExt xmlns="" xmlns:wpsdc="http://www.wps.cn/officeDocument/2022/drawingmlCustomData" type="text"/>
+                <wpsdc:textFrameExt xmlns:wpsdc="http://www.wps.cn/officeDocument/2022/drawingmlCustomData" xmlns="" type="text"/>
               </a:ext>
             </a:extLst>
           </a:bodyPr>
@@ -37910,7 +37910,7 @@
             <a:spAutoFit/>
             <a:extLst>
               <a:ext uri="{4A0BC546-FE56-4ADE-93B0-CB8AF2F6F144}">
-                <wpsdc:textFrameExt xmlns="" xmlns:wpsdc="http://www.wps.cn/officeDocument/2022/drawingmlCustomData" type="text"/>
+                <wpsdc:textFrameExt xmlns:wpsdc="http://www.wps.cn/officeDocument/2022/drawingmlCustomData" xmlns="" type="text"/>
               </a:ext>
             </a:extLst>
           </a:bodyPr>
@@ -37953,7 +37953,7 @@
             <a:spAutoFit/>
             <a:extLst>
               <a:ext uri="{4A0BC546-FE56-4ADE-93B0-CB8AF2F6F144}">
-                <wpsdc:textFrameExt xmlns="" xmlns:wpsdc="http://www.wps.cn/officeDocument/2022/drawingmlCustomData" type="text"/>
+                <wpsdc:textFrameExt xmlns:wpsdc="http://www.wps.cn/officeDocument/2022/drawingmlCustomData" xmlns="" type="text"/>
               </a:ext>
             </a:extLst>
           </a:bodyPr>
@@ -37996,7 +37996,7 @@
             <a:spAutoFit/>
             <a:extLst>
               <a:ext uri="{4A0BC546-FE56-4ADE-93B0-CB8AF2F6F144}">
-                <wpsdc:textFrameExt xmlns="" xmlns:wpsdc="http://www.wps.cn/officeDocument/2022/drawingmlCustomData" type="text"/>
+                <wpsdc:textFrameExt xmlns:wpsdc="http://www.wps.cn/officeDocument/2022/drawingmlCustomData" xmlns="" type="text"/>
               </a:ext>
             </a:extLst>
           </a:bodyPr>
@@ -38039,7 +38039,7 @@
             <a:spAutoFit/>
             <a:extLst>
               <a:ext uri="{4A0BC546-FE56-4ADE-93B0-CB8AF2F6F144}">
-                <wpsdc:textFrameExt xmlns="" xmlns:wpsdc="http://www.wps.cn/officeDocument/2022/drawingmlCustomData" type="text"/>
+                <wpsdc:textFrameExt xmlns:wpsdc="http://www.wps.cn/officeDocument/2022/drawingmlCustomData" xmlns="" type="text"/>
               </a:ext>
             </a:extLst>
           </a:bodyPr>
@@ -40787,7 +40787,7 @@
             <a:spAutoFit/>
             <a:extLst>
               <a:ext uri="{4A0BC546-FE56-4ADE-93B0-CB8AF2F6F144}">
-                <wpsdc:textFrameExt xmlns="" xmlns:wpsdc="http://www.wps.cn/officeDocument/2022/drawingmlCustomData" type="text"/>
+                <wpsdc:textFrameExt xmlns:wpsdc="http://www.wps.cn/officeDocument/2022/drawingmlCustomData" xmlns="" type="text"/>
               </a:ext>
             </a:extLst>
           </a:bodyPr>
@@ -40830,7 +40830,7 @@
             <a:spAutoFit/>
             <a:extLst>
               <a:ext uri="{4A0BC546-FE56-4ADE-93B0-CB8AF2F6F144}">
-                <wpsdc:textFrameExt xmlns="" xmlns:wpsdc="http://www.wps.cn/officeDocument/2022/drawingmlCustomData" type="text"/>
+                <wpsdc:textFrameExt xmlns:wpsdc="http://www.wps.cn/officeDocument/2022/drawingmlCustomData" xmlns="" type="text"/>
               </a:ext>
             </a:extLst>
           </a:bodyPr>
@@ -40878,7 +40878,7 @@
             <a:spAutoFit/>
             <a:extLst>
               <a:ext uri="{4A0BC546-FE56-4ADE-93B0-CB8AF2F6F144}">
-                <wpsdc:textFrameExt xmlns="" xmlns:wpsdc="http://www.wps.cn/officeDocument/2022/drawingmlCustomData" type="text"/>
+                <wpsdc:textFrameExt xmlns:wpsdc="http://www.wps.cn/officeDocument/2022/drawingmlCustomData" xmlns="" type="text"/>
               </a:ext>
             </a:extLst>
           </a:bodyPr>
@@ -40921,7 +40921,7 @@
             <a:spAutoFit/>
             <a:extLst>
               <a:ext uri="{4A0BC546-FE56-4ADE-93B0-CB8AF2F6F144}">
-                <wpsdc:textFrameExt xmlns="" xmlns:wpsdc="http://www.wps.cn/officeDocument/2022/drawingmlCustomData" type="text"/>
+                <wpsdc:textFrameExt xmlns:wpsdc="http://www.wps.cn/officeDocument/2022/drawingmlCustomData" xmlns="" type="text"/>
               </a:ext>
             </a:extLst>
           </a:bodyPr>
@@ -40964,7 +40964,7 @@
             <a:spAutoFit/>
             <a:extLst>
               <a:ext uri="{4A0BC546-FE56-4ADE-93B0-CB8AF2F6F144}">
-                <wpsdc:textFrameExt xmlns="" xmlns:wpsdc="http://www.wps.cn/officeDocument/2022/drawingmlCustomData" type="text"/>
+                <wpsdc:textFrameExt xmlns:wpsdc="http://www.wps.cn/officeDocument/2022/drawingmlCustomData" xmlns="" type="text"/>
               </a:ext>
             </a:extLst>
           </a:bodyPr>
@@ -41078,8 +41078,8 @@
         </p:nvSpPr>
         <p:spPr>
           <a:xfrm>
-            <a:off x="3994948" y="1869440"/>
-            <a:ext cx="4342438" cy="1496060"/>
+            <a:off x="3986193" y="1947977"/>
+            <a:ext cx="4342438" cy="1865169"/>
           </a:xfrm>
           <a:prstGeom prst="rect">
             <a:avLst/>
@@ -41122,599 +41122,22 @@
           </a:p>
         </p:txBody>
       </p:sp>
-      <p:sp>
-        <p:nvSpPr>
-          <p:cNvPr id="26" name="矩形 25">
+      <p:cxnSp>
+        <p:nvCxnSpPr>
+          <p:cNvPr id="68" name="直接箭头连接符 67">
             <a:extLst>
               <a:ext uri="{FF2B5EF4-FFF2-40B4-BE49-F238E27FC236}">
-                <a16:creationId xmlns:a16="http://schemas.microsoft.com/office/drawing/2014/main" id="{5D04D9EF-2EDD-45DF-91B9-C6029878E3B9}"/>
+                <a16:creationId xmlns:a16="http://schemas.microsoft.com/office/drawing/2014/main" id="{FA46676C-1D75-4CAF-9809-275F79FA1CAC}"/>
               </a:ext>
             </a:extLst>
           </p:cNvPr>
-          <p:cNvSpPr/>
-          <p:nvPr/>
-        </p:nvSpPr>
-        <p:spPr>
-          <a:xfrm>
-            <a:off x="3994947" y="3429000"/>
-            <a:ext cx="4342439" cy="2354580"/>
-          </a:xfrm>
-          <a:prstGeom prst="rect">
-            <a:avLst/>
-          </a:prstGeom>
-          <a:solidFill>
-            <a:schemeClr val="accent4">
-              <a:lumMod val="40000"/>
-              <a:lumOff val="60000"/>
-            </a:schemeClr>
-          </a:solidFill>
-          <a:ln w="28575">
-            <a:prstDash val="sysDash"/>
-          </a:ln>
-        </p:spPr>
-        <p:style>
-          <a:lnRef idx="2">
-            <a:schemeClr val="accent1">
-              <a:shade val="50000"/>
-            </a:schemeClr>
-          </a:lnRef>
-          <a:fillRef idx="1">
-            <a:schemeClr val="accent1"/>
-          </a:fillRef>
-          <a:effectRef idx="0">
-            <a:schemeClr val="accent1"/>
-          </a:effectRef>
-          <a:fontRef idx="minor">
-            <a:schemeClr val="lt1"/>
-          </a:fontRef>
-        </p:style>
-        <p:txBody>
-          <a:bodyPr rtlCol="0" anchor="ctr"/>
-          <a:lstStyle/>
-          <a:p>
-            <a:pPr algn="ctr"/>
-            <a:endParaRPr lang="zh-CN" altLang="en-US"/>
-          </a:p>
-        </p:txBody>
-      </p:sp>
-      <p:sp>
-        <p:nvSpPr>
-          <p:cNvPr id="2" name="文本框 1"/>
-          <p:cNvSpPr txBox="1"/>
-          <p:nvPr/>
-        </p:nvSpPr>
-        <p:spPr>
-          <a:xfrm>
-            <a:off x="4890135" y="5138420"/>
-            <a:ext cx="2552065" cy="368300"/>
-          </a:xfrm>
-          <a:prstGeom prst="rect">
-            <a:avLst/>
-          </a:prstGeom>
-          <a:solidFill>
-            <a:schemeClr val="accent3">
-              <a:lumMod val="60000"/>
-              <a:lumOff val="40000"/>
-            </a:schemeClr>
-          </a:solidFill>
-        </p:spPr>
-        <p:txBody>
-          <a:bodyPr wrap="square">
-            <a:spAutoFit/>
-            <a:extLst>
-              <a:ext uri="{4A0BC546-FE56-4ADE-93B0-CB8AF2F6F144}">
-                <wpsdc:textFrameExt xmlns="" xmlns:wpsdc="http://www.wps.cn/officeDocument/2022/drawingmlCustomData" type="text"/>
-              </a:ext>
-            </a:extLst>
-          </a:bodyPr>
-          <a:lstStyle/>
-          <a:p>
-            <a:pPr algn="ctr"/>
-            <a:r>
-              <a:rPr lang="en-US" altLang="zh-CN" sz="1800" dirty="0">
-                <a:latin typeface="Arial" panose="020B0604020202020204" pitchFamily="34" charset="0"/>
-                <a:ea typeface="微软雅黑" panose="020B0503020204020204" charset="-122"/>
-              </a:rPr>
-              <a:t>Channel Independence</a:t>
-            </a:r>
-          </a:p>
-        </p:txBody>
-      </p:sp>
-      <p:sp>
-        <p:nvSpPr>
-          <p:cNvPr id="5" name="文本框 4"/>
-          <p:cNvSpPr txBox="1"/>
-          <p:nvPr/>
-        </p:nvSpPr>
-        <p:spPr>
-          <a:xfrm>
-            <a:off x="4890135" y="4432300"/>
-            <a:ext cx="2552065" cy="368300"/>
-          </a:xfrm>
-          <a:prstGeom prst="rect">
-            <a:avLst/>
-          </a:prstGeom>
-          <a:solidFill>
-            <a:schemeClr val="accent2">
-              <a:lumMod val="60000"/>
-              <a:lumOff val="40000"/>
-            </a:schemeClr>
-          </a:solidFill>
-        </p:spPr>
-        <p:txBody>
-          <a:bodyPr wrap="square">
-            <a:spAutoFit/>
-            <a:extLst>
-              <a:ext uri="{4A0BC546-FE56-4ADE-93B0-CB8AF2F6F144}">
-                <wpsdc:textFrameExt xmlns="" xmlns:wpsdc="http://www.wps.cn/officeDocument/2022/drawingmlCustomData" type="text"/>
-              </a:ext>
-            </a:extLst>
-          </a:bodyPr>
-          <a:lstStyle/>
-          <a:p>
-            <a:pPr algn="ctr"/>
-            <a:r>
-              <a:rPr lang="en-US" altLang="zh-CN" sz="1800">
-                <a:latin typeface="Arial" panose="020B0604020202020204" pitchFamily="34" charset="0"/>
-                <a:ea typeface="微软雅黑" panose="020B0503020204020204" charset="-122"/>
-              </a:rPr>
-              <a:t>FTT</a:t>
-            </a:r>
-          </a:p>
-        </p:txBody>
-      </p:sp>
-      <p:sp>
-        <p:nvSpPr>
-          <p:cNvPr id="6" name="文本框 5"/>
-          <p:cNvSpPr txBox="1"/>
-          <p:nvPr/>
-        </p:nvSpPr>
-        <p:spPr>
-          <a:xfrm>
-            <a:off x="4903470" y="3726180"/>
-            <a:ext cx="2552065" cy="368300"/>
-          </a:xfrm>
-          <a:prstGeom prst="rect">
-            <a:avLst/>
-          </a:prstGeom>
-          <a:solidFill>
-            <a:schemeClr val="accent5">
-              <a:lumMod val="60000"/>
-              <a:lumOff val="40000"/>
-            </a:schemeClr>
-          </a:solidFill>
-        </p:spPr>
-        <p:txBody>
-          <a:bodyPr wrap="square">
-            <a:spAutoFit/>
-            <a:extLst>
-              <a:ext uri="{4A0BC546-FE56-4ADE-93B0-CB8AF2F6F144}">
-                <wpsdc:textFrameExt xmlns="" xmlns:wpsdc="http://www.wps.cn/officeDocument/2022/drawingmlCustomData" type="text"/>
-              </a:ext>
-            </a:extLst>
-          </a:bodyPr>
-          <a:lstStyle/>
-          <a:p>
-            <a:pPr algn="ctr"/>
-            <a:r>
-              <a:rPr lang="en-US" altLang="zh-CN" sz="1800">
-                <a:latin typeface="Arial" panose="020B0604020202020204" pitchFamily="34" charset="0"/>
-                <a:ea typeface="微软雅黑" panose="020B0503020204020204" charset="-122"/>
-              </a:rPr>
-              <a:t>Mask Dominant Period</a:t>
-            </a:r>
-          </a:p>
-        </p:txBody>
-      </p:sp>
-      <p:sp>
-        <p:nvSpPr>
-          <p:cNvPr id="7" name="文本框 6"/>
-          <p:cNvSpPr txBox="1"/>
-          <p:nvPr/>
-        </p:nvSpPr>
-        <p:spPr>
-          <a:xfrm>
-            <a:off x="4901565" y="2707640"/>
-            <a:ext cx="2552065" cy="645160"/>
-          </a:xfrm>
-          <a:prstGeom prst="rect">
-            <a:avLst/>
-          </a:prstGeom>
-          <a:solidFill>
-            <a:schemeClr val="accent6">
-              <a:lumMod val="60000"/>
-              <a:lumOff val="40000"/>
-            </a:schemeClr>
-          </a:solidFill>
-        </p:spPr>
-        <p:txBody>
-          <a:bodyPr wrap="square">
-            <a:spAutoFit/>
-            <a:extLst>
-              <a:ext uri="{4A0BC546-FE56-4ADE-93B0-CB8AF2F6F144}">
-                <wpsdc:textFrameExt xmlns="" xmlns:wpsdc="http://www.wps.cn/officeDocument/2022/drawingmlCustomData" type="text"/>
-              </a:ext>
-            </a:extLst>
-          </a:bodyPr>
-          <a:lstStyle/>
-          <a:p>
-            <a:pPr algn="ctr"/>
-            <a:r>
-              <a:rPr lang="en-US" altLang="zh-CN" sz="1800">
-                <a:latin typeface="Arial" panose="020B0604020202020204" pitchFamily="34" charset="0"/>
-                <a:ea typeface="微软雅黑" panose="020B0503020204020204" charset="-122"/>
-              </a:rPr>
-              <a:t>Multi-Scale Subsequence Division</a:t>
-            </a:r>
-          </a:p>
-        </p:txBody>
-      </p:sp>
-      <p:sp>
-        <p:nvSpPr>
-          <p:cNvPr id="44" name="文本框 43"/>
-          <p:cNvSpPr txBox="1"/>
-          <p:nvPr/>
-        </p:nvSpPr>
-        <p:spPr>
-          <a:xfrm>
-            <a:off x="6447790" y="3369310"/>
-            <a:ext cx="1391285" cy="340360"/>
-          </a:xfrm>
-          <a:prstGeom prst="rect">
-            <a:avLst/>
-          </a:prstGeom>
-          <a:noFill/>
-        </p:spPr>
-        <p:txBody>
-          <a:bodyPr wrap="square">
-            <a:noAutofit/>
-            <a:extLst>
-              <a:ext uri="{4A0BC546-FE56-4ADE-93B0-CB8AF2F6F144}">
-                <wpsdc:textFrameExt xmlns="" xmlns:wpsdc="http://www.wps.cn/officeDocument/2022/drawingmlCustomData" type="text"/>
-              </a:ext>
-            </a:extLst>
-          </a:bodyPr>
-          <a:lstStyle/>
-          <a:p>
-            <a:pPr algn="ctr"/>
-            <a:r>
-              <a:rPr lang="en-US" altLang="zh-CN" sz="1800" dirty="0">
-                <a:latin typeface="Arial" panose="020B0604020202020204" pitchFamily="34" charset="0"/>
-                <a:ea typeface="微软雅黑" panose="020B0503020204020204" charset="-122"/>
-              </a:rPr>
-              <a:t>Embedding</a:t>
-            </a:r>
-          </a:p>
-        </p:txBody>
-      </p:sp>
-      <p:sp>
-        <p:nvSpPr>
-          <p:cNvPr id="45" name="文本框 44"/>
-          <p:cNvSpPr txBox="1"/>
-          <p:nvPr/>
-        </p:nvSpPr>
-        <p:spPr>
-          <a:xfrm>
-            <a:off x="4903470" y="2064385"/>
-            <a:ext cx="2552065" cy="368300"/>
-          </a:xfrm>
-          <a:prstGeom prst="rect">
-            <a:avLst/>
-          </a:prstGeom>
-          <a:solidFill>
-            <a:schemeClr val="bg2">
-              <a:lumMod val="75000"/>
-            </a:schemeClr>
-          </a:solidFill>
-        </p:spPr>
-        <p:txBody>
-          <a:bodyPr wrap="square">
-            <a:spAutoFit/>
-            <a:extLst>
-              <a:ext uri="{4A0BC546-FE56-4ADE-93B0-CB8AF2F6F144}">
-                <wpsdc:textFrameExt xmlns="" xmlns:wpsdc="http://www.wps.cn/officeDocument/2022/drawingmlCustomData" type="text"/>
-              </a:ext>
-            </a:extLst>
-          </a:bodyPr>
-          <a:lstStyle/>
-          <a:p>
-            <a:pPr algn="ctr"/>
-            <a:r>
-              <a:rPr lang="en-US" altLang="zh-CN">
-                <a:latin typeface="Arial" panose="020B0604020202020204" pitchFamily="34" charset="0"/>
-                <a:ea typeface="微软雅黑" panose="020B0503020204020204" charset="-122"/>
-                <a:sym typeface="+mn-ea"/>
-              </a:rPr>
-              <a:t>Multi-Scale Encoder</a:t>
-            </a:r>
-            <a:endParaRPr lang="en-US" altLang="zh-CN" sz="1800">
-              <a:latin typeface="Arial" panose="020B0604020202020204" pitchFamily="34" charset="0"/>
-              <a:ea typeface="微软雅黑" panose="020B0503020204020204" charset="-122"/>
-            </a:endParaRPr>
-          </a:p>
-        </p:txBody>
-      </p:sp>
-      <p:sp>
-        <p:nvSpPr>
-          <p:cNvPr id="46" name="文本框 45"/>
-          <p:cNvSpPr txBox="1"/>
-          <p:nvPr/>
-        </p:nvSpPr>
-        <p:spPr>
-          <a:xfrm>
-            <a:off x="4808855" y="112395"/>
-            <a:ext cx="2552065" cy="368300"/>
-          </a:xfrm>
-          <a:prstGeom prst="rect">
-            <a:avLst/>
-          </a:prstGeom>
-          <a:solidFill>
-            <a:schemeClr val="accent6">
-              <a:lumMod val="75000"/>
-            </a:schemeClr>
-          </a:solidFill>
-        </p:spPr>
-        <p:txBody>
-          <a:bodyPr wrap="square">
-            <a:spAutoFit/>
-            <a:extLst>
-              <a:ext uri="{4A0BC546-FE56-4ADE-93B0-CB8AF2F6F144}">
-                <wpsdc:textFrameExt xmlns="" xmlns:wpsdc="http://www.wps.cn/officeDocument/2022/drawingmlCustomData" type="text"/>
-              </a:ext>
-            </a:extLst>
-          </a:bodyPr>
-          <a:lstStyle/>
-          <a:p>
-            <a:pPr algn="ctr"/>
-            <a:r>
-              <a:rPr lang="en-US" altLang="zh-CN" sz="1800">
-                <a:latin typeface="Arial" panose="020B0604020202020204" pitchFamily="34" charset="0"/>
-                <a:ea typeface="微软雅黑" panose="020B0503020204020204" charset="-122"/>
-              </a:rPr>
-              <a:t>Anomaly Prediction</a:t>
-            </a:r>
-          </a:p>
-        </p:txBody>
-      </p:sp>
-      <p:sp>
-        <p:nvSpPr>
-          <p:cNvPr id="47" name="文本框 46"/>
-          <p:cNvSpPr txBox="1"/>
-          <p:nvPr/>
-        </p:nvSpPr>
-        <p:spPr>
-          <a:xfrm>
-            <a:off x="3004185" y="1074420"/>
-            <a:ext cx="2552065" cy="645160"/>
-          </a:xfrm>
-          <a:prstGeom prst="rect">
-            <a:avLst/>
-          </a:prstGeom>
-          <a:solidFill>
-            <a:srgbClr val="00B0F0"/>
-          </a:solidFill>
-        </p:spPr>
-        <p:txBody>
-          <a:bodyPr wrap="square">
-            <a:spAutoFit/>
-            <a:extLst>
-              <a:ext uri="{4A0BC546-FE56-4ADE-93B0-CB8AF2F6F144}">
-                <wpsdc:textFrameExt xmlns="" xmlns:wpsdc="http://www.wps.cn/officeDocument/2022/drawingmlCustomData" type="text"/>
-              </a:ext>
-            </a:extLst>
-          </a:bodyPr>
-          <a:lstStyle/>
-          <a:p>
-            <a:pPr algn="ctr"/>
-            <a:r>
-              <a:rPr lang="en-US" altLang="zh-CN" sz="1800">
-                <a:latin typeface="Arial" panose="020B0604020202020204" pitchFamily="34" charset="0"/>
-                <a:ea typeface="微软雅黑" panose="020B0503020204020204" charset="-122"/>
-              </a:rPr>
-              <a:t>MLP-based Reconstruction</a:t>
-            </a:r>
-          </a:p>
-        </p:txBody>
-      </p:sp>
-      <p:sp>
-        <p:nvSpPr>
-          <p:cNvPr id="48" name="文本框 47"/>
-          <p:cNvSpPr txBox="1"/>
-          <p:nvPr/>
-        </p:nvSpPr>
-        <p:spPr>
-          <a:xfrm>
-            <a:off x="6691630" y="1074420"/>
-            <a:ext cx="3156585" cy="645160"/>
-          </a:xfrm>
-          <a:prstGeom prst="rect">
-            <a:avLst/>
-          </a:prstGeom>
-          <a:solidFill>
-            <a:srgbClr val="00B0F0"/>
-          </a:solidFill>
-        </p:spPr>
-        <p:txBody>
-          <a:bodyPr wrap="square">
-            <a:spAutoFit/>
-            <a:extLst>
-              <a:ext uri="{4A0BC546-FE56-4ADE-93B0-CB8AF2F6F144}">
-                <wpsdc:textFrameExt xmlns="" xmlns:wpsdc="http://www.wps.cn/officeDocument/2022/drawingmlCustomData" type="text"/>
-              </a:ext>
-            </a:extLst>
-          </a:bodyPr>
-          <a:lstStyle/>
-          <a:p>
-            <a:pPr algn="ctr"/>
-            <a:r>
-              <a:rPr lang="en-US" altLang="zh-CN" sz="1800">
-                <a:latin typeface="Arial" panose="020B0604020202020204" pitchFamily="34" charset="0"/>
-                <a:ea typeface="微软雅黑" panose="020B0503020204020204" charset="-122"/>
-              </a:rPr>
-              <a:t>Similarities Between Multi-Scale Features</a:t>
-            </a:r>
-          </a:p>
-        </p:txBody>
-      </p:sp>
-      <p:pic>
-        <p:nvPicPr>
-          <p:cNvPr id="3" name="图片 2"/>
-          <p:cNvPicPr>
-            <a:picLocks noChangeAspect="1"/>
-          </p:cNvPicPr>
-          <p:nvPr/>
-        </p:nvPicPr>
-        <p:blipFill>
-          <a:blip r:embed="rId2"/>
-          <a:stretch>
-            <a:fillRect/>
-          </a:stretch>
-        </p:blipFill>
-        <p:spPr>
-          <a:xfrm>
-            <a:off x="1330441" y="3042015"/>
-            <a:ext cx="1852120" cy="868315"/>
-          </a:xfrm>
-          <a:prstGeom prst="rect">
-            <a:avLst/>
-          </a:prstGeom>
-        </p:spPr>
-      </p:pic>
-      <p:pic>
-        <p:nvPicPr>
-          <p:cNvPr id="4" name="图片 3"/>
-          <p:cNvPicPr>
-            <a:picLocks noChangeAspect="1"/>
-          </p:cNvPicPr>
-          <p:nvPr/>
-        </p:nvPicPr>
-        <p:blipFill>
-          <a:blip r:embed="rId3"/>
-          <a:stretch>
-            <a:fillRect/>
-          </a:stretch>
-        </p:blipFill>
-        <p:spPr>
-          <a:xfrm>
-            <a:off x="1309720" y="5155438"/>
-            <a:ext cx="1852118" cy="351282"/>
-          </a:xfrm>
-          <a:prstGeom prst="rect">
-            <a:avLst/>
-          </a:prstGeom>
-        </p:spPr>
-      </p:pic>
-      <p:pic>
-        <p:nvPicPr>
-          <p:cNvPr id="14" name="图片 13"/>
-          <p:cNvPicPr>
-            <a:picLocks noChangeAspect="1"/>
-          </p:cNvPicPr>
-          <p:nvPr/>
-        </p:nvPicPr>
-        <p:blipFill>
-          <a:blip r:embed="rId4"/>
-          <a:stretch>
-            <a:fillRect/>
-          </a:stretch>
-        </p:blipFill>
-        <p:spPr>
-          <a:xfrm>
-            <a:off x="4947922" y="5975399"/>
-            <a:ext cx="2529840" cy="769620"/>
-          </a:xfrm>
-          <a:prstGeom prst="rect">
-            <a:avLst/>
-          </a:prstGeom>
-        </p:spPr>
-      </p:pic>
-      <p:cxnSp>
-        <p:nvCxnSpPr>
-          <p:cNvPr id="16" name="直接箭头连接符 15"/>
-          <p:cNvCxnSpPr>
-            <a:stCxn id="2" idx="0"/>
-            <a:endCxn id="5" idx="2"/>
-          </p:cNvCxnSpPr>
+          <p:cNvCxnSpPr/>
           <p:nvPr/>
         </p:nvCxnSpPr>
         <p:spPr>
-          <a:xfrm flipV="1">
-            <a:off x="6166485" y="4800600"/>
-            <a:ext cx="0" cy="337820"/>
-          </a:xfrm>
-          <a:prstGeom prst="straightConnector1">
-            <a:avLst/>
-          </a:prstGeom>
-          <a:ln w="31750" cap="rnd">
-            <a:solidFill>
-              <a:schemeClr val="accent2"/>
-            </a:solidFill>
-            <a:round/>
-            <a:tailEnd type="arrow" w="med" len="med"/>
-          </a:ln>
-        </p:spPr>
-        <p:style>
-          <a:lnRef idx="0">
-            <a:srgbClr val="FFFFFF"/>
-          </a:lnRef>
-          <a:fillRef idx="0">
-            <a:srgbClr val="FFFFFF"/>
-          </a:fillRef>
-          <a:effectRef idx="0">
-            <a:srgbClr val="FFFFFF"/>
-          </a:effectRef>
-          <a:fontRef idx="minor">
-            <a:schemeClr val="tx1"/>
-          </a:fontRef>
-        </p:style>
-      </p:cxnSp>
-      <p:cxnSp>
-        <p:nvCxnSpPr>
-          <p:cNvPr id="17" name="直接箭头连接符 16"/>
-          <p:cNvCxnSpPr/>
-          <p:nvPr/>
-        </p:nvCxnSpPr>
-        <p:spPr>
-          <a:xfrm flipV="1">
-            <a:off x="6166485" y="4082415"/>
-            <a:ext cx="0" cy="337820"/>
-          </a:xfrm>
-          <a:prstGeom prst="straightConnector1">
-            <a:avLst/>
-          </a:prstGeom>
-          <a:ln w="31750" cap="rnd">
-            <a:solidFill>
-              <a:schemeClr val="accent2"/>
-            </a:solidFill>
-            <a:round/>
-            <a:tailEnd type="arrow" w="med" len="med"/>
-          </a:ln>
-        </p:spPr>
-        <p:style>
-          <a:lnRef idx="0">
-            <a:srgbClr val="FFFFFF"/>
-          </a:lnRef>
-          <a:fillRef idx="0">
-            <a:srgbClr val="FFFFFF"/>
-          </a:fillRef>
-          <a:effectRef idx="0">
-            <a:srgbClr val="FFFFFF"/>
-          </a:effectRef>
-          <a:fontRef idx="minor">
-            <a:schemeClr val="tx1"/>
-          </a:fontRef>
-        </p:style>
-      </p:cxnSp>
-      <p:cxnSp>
-        <p:nvCxnSpPr>
-          <p:cNvPr id="18" name="直接箭头连接符 17"/>
-          <p:cNvCxnSpPr/>
-          <p:nvPr/>
-        </p:nvCxnSpPr>
-        <p:spPr>
-          <a:xfrm flipV="1">
-            <a:off x="6166485" y="3388360"/>
-            <a:ext cx="0" cy="337820"/>
+          <a:xfrm flipH="1" flipV="1">
+            <a:off x="6182362" y="2422476"/>
+            <a:ext cx="635" cy="239395"/>
           </a:xfrm>
           <a:prstGeom prst="straightConnector1">
             <a:avLst/>
@@ -41750,8 +41173,108 @@
         </p:nvCxnSpPr>
         <p:spPr>
           <a:xfrm flipH="1" flipV="1">
-            <a:off x="6166485" y="2432685"/>
+            <a:off x="6157412" y="2960747"/>
             <a:ext cx="635" cy="239395"/>
+          </a:xfrm>
+          <a:prstGeom prst="straightConnector1">
+            <a:avLst/>
+          </a:prstGeom>
+          <a:ln w="31750" cap="rnd">
+            <a:solidFill>
+              <a:schemeClr val="accent2"/>
+            </a:solidFill>
+            <a:round/>
+            <a:tailEnd type="arrow" w="med" len="med"/>
+          </a:ln>
+        </p:spPr>
+        <p:style>
+          <a:lnRef idx="0">
+            <a:srgbClr val="FFFFFF"/>
+          </a:lnRef>
+          <a:fillRef idx="0">
+            <a:srgbClr val="FFFFFF"/>
+          </a:fillRef>
+          <a:effectRef idx="0">
+            <a:srgbClr val="FFFFFF"/>
+          </a:effectRef>
+          <a:fontRef idx="minor">
+            <a:schemeClr val="tx1"/>
+          </a:fontRef>
+        </p:style>
+      </p:cxnSp>
+      <p:sp>
+        <p:nvSpPr>
+          <p:cNvPr id="26" name="矩形 25">
+            <a:extLst>
+              <a:ext uri="{FF2B5EF4-FFF2-40B4-BE49-F238E27FC236}">
+                <a16:creationId xmlns:a16="http://schemas.microsoft.com/office/drawing/2014/main" id="{5D04D9EF-2EDD-45DF-91B9-C6029878E3B9}"/>
+              </a:ext>
+            </a:extLst>
+          </p:cNvPr>
+          <p:cNvSpPr/>
+          <p:nvPr/>
+        </p:nvSpPr>
+        <p:spPr>
+          <a:xfrm>
+            <a:off x="3986193" y="3883025"/>
+            <a:ext cx="4342439" cy="2354580"/>
+          </a:xfrm>
+          <a:prstGeom prst="rect">
+            <a:avLst/>
+          </a:prstGeom>
+          <a:solidFill>
+            <a:schemeClr val="accent4">
+              <a:lumMod val="40000"/>
+              <a:lumOff val="60000"/>
+            </a:schemeClr>
+          </a:solidFill>
+          <a:ln w="28575">
+            <a:prstDash val="sysDash"/>
+          </a:ln>
+        </p:spPr>
+        <p:style>
+          <a:lnRef idx="2">
+            <a:schemeClr val="accent1">
+              <a:shade val="50000"/>
+            </a:schemeClr>
+          </a:lnRef>
+          <a:fillRef idx="1">
+            <a:schemeClr val="accent1"/>
+          </a:fillRef>
+          <a:effectRef idx="0">
+            <a:schemeClr val="accent1"/>
+          </a:effectRef>
+          <a:fontRef idx="minor">
+            <a:schemeClr val="lt1"/>
+          </a:fontRef>
+        </p:style>
+        <p:txBody>
+          <a:bodyPr rtlCol="0" anchor="ctr"/>
+          <a:lstStyle/>
+          <a:p>
+            <a:pPr algn="ctr"/>
+            <a:endParaRPr lang="zh-CN" altLang="en-US"/>
+          </a:p>
+        </p:txBody>
+      </p:sp>
+      <p:cxnSp>
+        <p:nvCxnSpPr>
+          <p:cNvPr id="67" name="直接箭头连接符 66">
+            <a:extLst>
+              <a:ext uri="{FF2B5EF4-FFF2-40B4-BE49-F238E27FC236}">
+                <a16:creationId xmlns:a16="http://schemas.microsoft.com/office/drawing/2014/main" id="{53B64B04-346D-4852-B8E6-8586779D9EC1}"/>
+              </a:ext>
+            </a:extLst>
+          </p:cNvPr>
+          <p:cNvCxnSpPr>
+            <a:cxnSpLocks/>
+          </p:cNvCxnSpPr>
+          <p:nvPr/>
+        </p:nvCxnSpPr>
+        <p:spPr>
+          <a:xfrm flipH="1" flipV="1">
+            <a:off x="6157413" y="3753674"/>
+            <a:ext cx="11429" cy="527935"/>
           </a:xfrm>
           <a:prstGeom prst="straightConnector1">
             <a:avLst/>
@@ -41781,14 +41304,533 @@
       </p:cxnSp>
       <p:cxnSp>
         <p:nvCxnSpPr>
+          <p:cNvPr id="66" name="直接箭头连接符 65">
+            <a:extLst>
+              <a:ext uri="{FF2B5EF4-FFF2-40B4-BE49-F238E27FC236}">
+                <a16:creationId xmlns:a16="http://schemas.microsoft.com/office/drawing/2014/main" id="{D183DBDC-2D58-4807-95BB-B8C58BC014FB}"/>
+              </a:ext>
+            </a:extLst>
+          </p:cNvPr>
+          <p:cNvCxnSpPr>
+            <a:cxnSpLocks/>
+          </p:cNvCxnSpPr>
+          <p:nvPr/>
+        </p:nvCxnSpPr>
+        <p:spPr>
+          <a:xfrm flipH="1" flipV="1">
+            <a:off x="6157413" y="4568732"/>
+            <a:ext cx="11429" cy="527935"/>
+          </a:xfrm>
+          <a:prstGeom prst="straightConnector1">
+            <a:avLst/>
+          </a:prstGeom>
+          <a:ln w="31750" cap="rnd">
+            <a:solidFill>
+              <a:schemeClr val="accent2"/>
+            </a:solidFill>
+            <a:round/>
+            <a:tailEnd type="arrow" w="med" len="med"/>
+          </a:ln>
+        </p:spPr>
+        <p:style>
+          <a:lnRef idx="0">
+            <a:srgbClr val="FFFFFF"/>
+          </a:lnRef>
+          <a:fillRef idx="0">
+            <a:srgbClr val="FFFFFF"/>
+          </a:fillRef>
+          <a:effectRef idx="0">
+            <a:srgbClr val="FFFFFF"/>
+          </a:effectRef>
+          <a:fontRef idx="minor">
+            <a:schemeClr val="tx1"/>
+          </a:fontRef>
+        </p:style>
+      </p:cxnSp>
+      <p:cxnSp>
+        <p:nvCxnSpPr>
+          <p:cNvPr id="65" name="直接箭头连接符 64">
+            <a:extLst>
+              <a:ext uri="{FF2B5EF4-FFF2-40B4-BE49-F238E27FC236}">
+                <a16:creationId xmlns:a16="http://schemas.microsoft.com/office/drawing/2014/main" id="{BB57F74A-A697-4B3C-8AFB-E6CD892C1755}"/>
+              </a:ext>
+            </a:extLst>
+          </p:cNvPr>
+          <p:cNvCxnSpPr>
+            <a:cxnSpLocks/>
+          </p:cNvCxnSpPr>
+          <p:nvPr/>
+        </p:nvCxnSpPr>
+        <p:spPr>
+          <a:xfrm flipH="1" flipV="1">
+            <a:off x="6157413" y="5241732"/>
+            <a:ext cx="11429" cy="527935"/>
+          </a:xfrm>
+          <a:prstGeom prst="straightConnector1">
+            <a:avLst/>
+          </a:prstGeom>
+          <a:ln w="31750" cap="rnd">
+            <a:solidFill>
+              <a:schemeClr val="accent2"/>
+            </a:solidFill>
+            <a:round/>
+            <a:tailEnd type="arrow" w="med" len="med"/>
+          </a:ln>
+        </p:spPr>
+        <p:style>
+          <a:lnRef idx="0">
+            <a:srgbClr val="FFFFFF"/>
+          </a:lnRef>
+          <a:fillRef idx="0">
+            <a:srgbClr val="FFFFFF"/>
+          </a:fillRef>
+          <a:effectRef idx="0">
+            <a:srgbClr val="FFFFFF"/>
+          </a:effectRef>
+          <a:fontRef idx="minor">
+            <a:schemeClr val="tx1"/>
+          </a:fontRef>
+        </p:style>
+      </p:cxnSp>
+      <p:sp>
+        <p:nvSpPr>
+          <p:cNvPr id="2" name="文本框 1"/>
+          <p:cNvSpPr txBox="1"/>
+          <p:nvPr/>
+        </p:nvSpPr>
+        <p:spPr>
+          <a:xfrm>
+            <a:off x="4881381" y="5592445"/>
+            <a:ext cx="2552065" cy="368300"/>
+          </a:xfrm>
+          <a:prstGeom prst="rect">
+            <a:avLst/>
+          </a:prstGeom>
+          <a:solidFill>
+            <a:schemeClr val="accent3">
+              <a:lumMod val="60000"/>
+              <a:lumOff val="40000"/>
+            </a:schemeClr>
+          </a:solidFill>
+        </p:spPr>
+        <p:txBody>
+          <a:bodyPr wrap="square">
+            <a:spAutoFit/>
+            <a:extLst>
+              <a:ext uri="{4A0BC546-FE56-4ADE-93B0-CB8AF2F6F144}">
+                <wpsdc:textFrameExt xmlns:wpsdc="http://www.wps.cn/officeDocument/2022/drawingmlCustomData" xmlns="" type="text"/>
+              </a:ext>
+            </a:extLst>
+          </a:bodyPr>
+          <a:lstStyle/>
+          <a:p>
+            <a:pPr algn="ctr"/>
+            <a:r>
+              <a:rPr lang="en-US" altLang="zh-CN" sz="1800" dirty="0">
+                <a:latin typeface="Arial" panose="020B0604020202020204" pitchFamily="34" charset="0"/>
+                <a:ea typeface="微软雅黑" panose="020B0503020204020204" charset="-122"/>
+              </a:rPr>
+              <a:t>Channel Independence</a:t>
+            </a:r>
+          </a:p>
+        </p:txBody>
+      </p:sp>
+      <p:sp>
+        <p:nvSpPr>
+          <p:cNvPr id="5" name="文本框 4"/>
+          <p:cNvSpPr txBox="1"/>
+          <p:nvPr/>
+        </p:nvSpPr>
+        <p:spPr>
+          <a:xfrm>
+            <a:off x="4881381" y="4886325"/>
+            <a:ext cx="2552065" cy="368300"/>
+          </a:xfrm>
+          <a:prstGeom prst="rect">
+            <a:avLst/>
+          </a:prstGeom>
+          <a:solidFill>
+            <a:schemeClr val="accent2">
+              <a:lumMod val="60000"/>
+              <a:lumOff val="40000"/>
+            </a:schemeClr>
+          </a:solidFill>
+        </p:spPr>
+        <p:txBody>
+          <a:bodyPr wrap="square">
+            <a:spAutoFit/>
+            <a:extLst>
+              <a:ext uri="{4A0BC546-FE56-4ADE-93B0-CB8AF2F6F144}">
+                <wpsdc:textFrameExt xmlns:wpsdc="http://www.wps.cn/officeDocument/2022/drawingmlCustomData" xmlns="" type="text"/>
+              </a:ext>
+            </a:extLst>
+          </a:bodyPr>
+          <a:lstStyle/>
+          <a:p>
+            <a:pPr algn="ctr"/>
+            <a:r>
+              <a:rPr lang="en-US" altLang="zh-CN" sz="1800">
+                <a:latin typeface="Arial" panose="020B0604020202020204" pitchFamily="34" charset="0"/>
+                <a:ea typeface="微软雅黑" panose="020B0503020204020204" charset="-122"/>
+              </a:rPr>
+              <a:t>FTT</a:t>
+            </a:r>
+          </a:p>
+        </p:txBody>
+      </p:sp>
+      <p:sp>
+        <p:nvSpPr>
+          <p:cNvPr id="6" name="文本框 5"/>
+          <p:cNvSpPr txBox="1"/>
+          <p:nvPr/>
+        </p:nvSpPr>
+        <p:spPr>
+          <a:xfrm>
+            <a:off x="4892810" y="4214987"/>
+            <a:ext cx="2552065" cy="368300"/>
+          </a:xfrm>
+          <a:prstGeom prst="rect">
+            <a:avLst/>
+          </a:prstGeom>
+          <a:solidFill>
+            <a:schemeClr val="accent5">
+              <a:lumMod val="60000"/>
+              <a:lumOff val="40000"/>
+            </a:schemeClr>
+          </a:solidFill>
+        </p:spPr>
+        <p:txBody>
+          <a:bodyPr wrap="square">
+            <a:spAutoFit/>
+            <a:extLst>
+              <a:ext uri="{4A0BC546-FE56-4ADE-93B0-CB8AF2F6F144}">
+                <wpsdc:textFrameExt xmlns:wpsdc="http://www.wps.cn/officeDocument/2022/drawingmlCustomData" xmlns="" type="text"/>
+              </a:ext>
+            </a:extLst>
+          </a:bodyPr>
+          <a:lstStyle/>
+          <a:p>
+            <a:pPr algn="ctr"/>
+            <a:r>
+              <a:rPr lang="en-US" altLang="zh-CN" sz="1800" dirty="0">
+                <a:latin typeface="Arial" panose="020B0604020202020204" pitchFamily="34" charset="0"/>
+                <a:ea typeface="微软雅黑" panose="020B0503020204020204" charset="-122"/>
+              </a:rPr>
+              <a:t>Dominant Period Mask</a:t>
+            </a:r>
+          </a:p>
+        </p:txBody>
+      </p:sp>
+      <p:sp>
+        <p:nvSpPr>
+          <p:cNvPr id="7" name="文本框 6"/>
+          <p:cNvSpPr txBox="1"/>
+          <p:nvPr/>
+        </p:nvSpPr>
+        <p:spPr>
+          <a:xfrm>
+            <a:off x="4892810" y="3145503"/>
+            <a:ext cx="2552065" cy="645160"/>
+          </a:xfrm>
+          <a:prstGeom prst="rect">
+            <a:avLst/>
+          </a:prstGeom>
+          <a:solidFill>
+            <a:schemeClr val="accent6">
+              <a:lumMod val="60000"/>
+              <a:lumOff val="40000"/>
+            </a:schemeClr>
+          </a:solidFill>
+        </p:spPr>
+        <p:txBody>
+          <a:bodyPr wrap="square">
+            <a:spAutoFit/>
+            <a:extLst>
+              <a:ext uri="{4A0BC546-FE56-4ADE-93B0-CB8AF2F6F144}">
+                <wpsdc:textFrameExt xmlns:wpsdc="http://www.wps.cn/officeDocument/2022/drawingmlCustomData" xmlns="" type="text"/>
+              </a:ext>
+            </a:extLst>
+          </a:bodyPr>
+          <a:lstStyle/>
+          <a:p>
+            <a:pPr algn="ctr"/>
+            <a:r>
+              <a:rPr lang="en-US" altLang="zh-CN" sz="1800" dirty="0">
+                <a:latin typeface="Arial" panose="020B0604020202020204" pitchFamily="34" charset="0"/>
+                <a:ea typeface="微软雅黑" panose="020B0503020204020204" charset="-122"/>
+              </a:rPr>
+              <a:t>Multi-Scale Subsequence Division</a:t>
+            </a:r>
+          </a:p>
+        </p:txBody>
+      </p:sp>
+      <p:sp>
+        <p:nvSpPr>
+          <p:cNvPr id="44" name="文本框 43"/>
+          <p:cNvSpPr txBox="1"/>
+          <p:nvPr/>
+        </p:nvSpPr>
+        <p:spPr>
+          <a:xfrm>
+            <a:off x="6439036" y="3823335"/>
+            <a:ext cx="1391285" cy="340360"/>
+          </a:xfrm>
+          <a:prstGeom prst="rect">
+            <a:avLst/>
+          </a:prstGeom>
+          <a:noFill/>
+        </p:spPr>
+        <p:txBody>
+          <a:bodyPr wrap="square">
+            <a:noAutofit/>
+            <a:extLst>
+              <a:ext uri="{4A0BC546-FE56-4ADE-93B0-CB8AF2F6F144}">
+                <wpsdc:textFrameExt xmlns:wpsdc="http://www.wps.cn/officeDocument/2022/drawingmlCustomData" xmlns="" type="text"/>
+              </a:ext>
+            </a:extLst>
+          </a:bodyPr>
+          <a:lstStyle/>
+          <a:p>
+            <a:pPr algn="ctr"/>
+            <a:r>
+              <a:rPr lang="en-US" altLang="zh-CN" sz="1800" dirty="0">
+                <a:latin typeface="Arial" panose="020B0604020202020204" pitchFamily="34" charset="0"/>
+                <a:ea typeface="微软雅黑" panose="020B0503020204020204" charset="-122"/>
+              </a:rPr>
+              <a:t>Embedding</a:t>
+            </a:r>
+          </a:p>
+        </p:txBody>
+      </p:sp>
+      <p:sp>
+        <p:nvSpPr>
+          <p:cNvPr id="45" name="文本框 44"/>
+          <p:cNvSpPr txBox="1"/>
+          <p:nvPr/>
+        </p:nvSpPr>
+        <p:spPr>
+          <a:xfrm>
+            <a:off x="4892810" y="2593053"/>
+            <a:ext cx="2552065" cy="368300"/>
+          </a:xfrm>
+          <a:prstGeom prst="rect">
+            <a:avLst/>
+          </a:prstGeom>
+          <a:solidFill>
+            <a:schemeClr val="bg2">
+              <a:lumMod val="75000"/>
+            </a:schemeClr>
+          </a:solidFill>
+        </p:spPr>
+        <p:txBody>
+          <a:bodyPr wrap="square">
+            <a:spAutoFit/>
+            <a:extLst>
+              <a:ext uri="{4A0BC546-FE56-4ADE-93B0-CB8AF2F6F144}">
+                <wpsdc:textFrameExt xmlns:wpsdc="http://www.wps.cn/officeDocument/2022/drawingmlCustomData" xmlns="" type="text"/>
+              </a:ext>
+            </a:extLst>
+          </a:bodyPr>
+          <a:lstStyle/>
+          <a:p>
+            <a:pPr algn="ctr"/>
+            <a:r>
+              <a:rPr lang="en-US" altLang="zh-CN" dirty="0">
+                <a:latin typeface="Arial" panose="020B0604020202020204" pitchFamily="34" charset="0"/>
+                <a:ea typeface="微软雅黑" panose="020B0503020204020204" charset="-122"/>
+                <a:sym typeface="+mn-ea"/>
+              </a:rPr>
+              <a:t>Multi-Scale Encoder</a:t>
+            </a:r>
+            <a:endParaRPr lang="en-US" altLang="zh-CN" sz="1800" dirty="0">
+              <a:latin typeface="Arial" panose="020B0604020202020204" pitchFamily="34" charset="0"/>
+              <a:ea typeface="微软雅黑" panose="020B0503020204020204" charset="-122"/>
+            </a:endParaRPr>
+          </a:p>
+        </p:txBody>
+      </p:sp>
+      <p:sp>
+        <p:nvSpPr>
+          <p:cNvPr id="46" name="文本框 45"/>
+          <p:cNvSpPr txBox="1"/>
+          <p:nvPr/>
+        </p:nvSpPr>
+        <p:spPr>
+          <a:xfrm>
+            <a:off x="4808855" y="112395"/>
+            <a:ext cx="2552065" cy="368300"/>
+          </a:xfrm>
+          <a:prstGeom prst="rect">
+            <a:avLst/>
+          </a:prstGeom>
+          <a:solidFill>
+            <a:schemeClr val="accent6">
+              <a:lumMod val="75000"/>
+            </a:schemeClr>
+          </a:solidFill>
+        </p:spPr>
+        <p:txBody>
+          <a:bodyPr wrap="square">
+            <a:spAutoFit/>
+            <a:extLst>
+              <a:ext uri="{4A0BC546-FE56-4ADE-93B0-CB8AF2F6F144}">
+                <wpsdc:textFrameExt xmlns:wpsdc="http://www.wps.cn/officeDocument/2022/drawingmlCustomData" xmlns="" type="text"/>
+              </a:ext>
+            </a:extLst>
+          </a:bodyPr>
+          <a:lstStyle/>
+          <a:p>
+            <a:pPr algn="ctr"/>
+            <a:r>
+              <a:rPr lang="en-US" altLang="zh-CN" sz="1800">
+                <a:latin typeface="Arial" panose="020B0604020202020204" pitchFamily="34" charset="0"/>
+                <a:ea typeface="微软雅黑" panose="020B0503020204020204" charset="-122"/>
+              </a:rPr>
+              <a:t>Anomaly Prediction</a:t>
+            </a:r>
+          </a:p>
+        </p:txBody>
+      </p:sp>
+      <p:sp>
+        <p:nvSpPr>
+          <p:cNvPr id="47" name="文本框 46"/>
+          <p:cNvSpPr txBox="1"/>
+          <p:nvPr/>
+        </p:nvSpPr>
+        <p:spPr>
+          <a:xfrm>
+            <a:off x="3004185" y="1074420"/>
+            <a:ext cx="2552065" cy="645160"/>
+          </a:xfrm>
+          <a:prstGeom prst="rect">
+            <a:avLst/>
+          </a:prstGeom>
+          <a:solidFill>
+            <a:srgbClr val="00B0F0"/>
+          </a:solidFill>
+        </p:spPr>
+        <p:txBody>
+          <a:bodyPr wrap="square">
+            <a:spAutoFit/>
+            <a:extLst>
+              <a:ext uri="{4A0BC546-FE56-4ADE-93B0-CB8AF2F6F144}">
+                <wpsdc:textFrameExt xmlns:wpsdc="http://www.wps.cn/officeDocument/2022/drawingmlCustomData" xmlns="" type="text"/>
+              </a:ext>
+            </a:extLst>
+          </a:bodyPr>
+          <a:lstStyle/>
+          <a:p>
+            <a:pPr algn="ctr"/>
+            <a:r>
+              <a:rPr lang="en-US" altLang="zh-CN" sz="1800">
+                <a:latin typeface="Arial" panose="020B0604020202020204" pitchFamily="34" charset="0"/>
+                <a:ea typeface="微软雅黑" panose="020B0503020204020204" charset="-122"/>
+              </a:rPr>
+              <a:t>MLP-based Reconstruction</a:t>
+            </a:r>
+          </a:p>
+        </p:txBody>
+      </p:sp>
+      <p:sp>
+        <p:nvSpPr>
+          <p:cNvPr id="48" name="文本框 47"/>
+          <p:cNvSpPr txBox="1"/>
+          <p:nvPr/>
+        </p:nvSpPr>
+        <p:spPr>
+          <a:xfrm>
+            <a:off x="6691630" y="1074420"/>
+            <a:ext cx="3156585" cy="645160"/>
+          </a:xfrm>
+          <a:prstGeom prst="rect">
+            <a:avLst/>
+          </a:prstGeom>
+          <a:solidFill>
+            <a:srgbClr val="00B0F0"/>
+          </a:solidFill>
+        </p:spPr>
+        <p:txBody>
+          <a:bodyPr wrap="square">
+            <a:spAutoFit/>
+            <a:extLst>
+              <a:ext uri="{4A0BC546-FE56-4ADE-93B0-CB8AF2F6F144}">
+                <wpsdc:textFrameExt xmlns:wpsdc="http://www.wps.cn/officeDocument/2022/drawingmlCustomData" xmlns="" type="text"/>
+              </a:ext>
+            </a:extLst>
+          </a:bodyPr>
+          <a:lstStyle/>
+          <a:p>
+            <a:pPr algn="ctr"/>
+            <a:r>
+              <a:rPr lang="en-US" altLang="zh-CN" sz="1800">
+                <a:latin typeface="Arial" panose="020B0604020202020204" pitchFamily="34" charset="0"/>
+                <a:ea typeface="微软雅黑" panose="020B0503020204020204" charset="-122"/>
+              </a:rPr>
+              <a:t>Similarities Between Multi-Scale Features</a:t>
+            </a:r>
+          </a:p>
+        </p:txBody>
+      </p:sp>
+      <p:pic>
+        <p:nvPicPr>
+          <p:cNvPr id="3" name="图片 2"/>
+          <p:cNvPicPr>
+            <a:picLocks noChangeAspect="1"/>
+          </p:cNvPicPr>
+          <p:nvPr/>
+        </p:nvPicPr>
+        <p:blipFill>
+          <a:blip r:embed="rId2"/>
+          <a:stretch>
+            <a:fillRect/>
+          </a:stretch>
+        </p:blipFill>
+        <p:spPr>
+          <a:xfrm>
+            <a:off x="1330441" y="3042015"/>
+            <a:ext cx="1852120" cy="868315"/>
+          </a:xfrm>
+          <a:prstGeom prst="rect">
+            <a:avLst/>
+          </a:prstGeom>
+        </p:spPr>
+      </p:pic>
+      <p:pic>
+        <p:nvPicPr>
+          <p:cNvPr id="4" name="图片 3"/>
+          <p:cNvPicPr>
+            <a:picLocks noChangeAspect="1"/>
+          </p:cNvPicPr>
+          <p:nvPr/>
+        </p:nvPicPr>
+        <p:blipFill>
+          <a:blip r:embed="rId3"/>
+          <a:stretch>
+            <a:fillRect/>
+          </a:stretch>
+        </p:blipFill>
+        <p:spPr>
+          <a:xfrm>
+            <a:off x="1309720" y="5155438"/>
+            <a:ext cx="1852118" cy="351282"/>
+          </a:xfrm>
+          <a:prstGeom prst="rect">
+            <a:avLst/>
+          </a:prstGeom>
+        </p:spPr>
+      </p:pic>
+      <p:cxnSp>
+        <p:nvCxnSpPr>
           <p:cNvPr id="21" name="直接箭头连接符 20"/>
-          <p:cNvCxnSpPr/>
+          <p:cNvCxnSpPr>
+            <a:cxnSpLocks/>
+          </p:cNvCxnSpPr>
           <p:nvPr/>
         </p:nvCxnSpPr>
         <p:spPr>
           <a:xfrm flipH="1" flipV="1">
-            <a:off x="7198995" y="1769110"/>
-            <a:ext cx="1905" cy="230505"/>
+            <a:off x="7198995" y="1736725"/>
+            <a:ext cx="1906" cy="405751"/>
           </a:xfrm>
           <a:prstGeom prst="straightConnector1">
             <a:avLst/>
@@ -41893,13 +41935,15 @@
       <p:cxnSp>
         <p:nvCxnSpPr>
           <p:cNvPr id="27" name="直接箭头连接符 26"/>
-          <p:cNvCxnSpPr/>
+          <p:cNvCxnSpPr>
+            <a:cxnSpLocks/>
+          </p:cNvCxnSpPr>
           <p:nvPr/>
         </p:nvCxnSpPr>
         <p:spPr>
           <a:xfrm flipH="1" flipV="1">
-            <a:off x="5208905" y="1769110"/>
-            <a:ext cx="1905" cy="230505"/>
+            <a:off x="5208904" y="1745357"/>
+            <a:ext cx="1" cy="370781"/>
           </a:xfrm>
           <a:prstGeom prst="straightConnector1">
             <a:avLst/>
@@ -41935,7 +41979,7 @@
         </p:nvSpPr>
         <p:spPr>
           <a:xfrm>
-            <a:off x="3365153" y="6127750"/>
+            <a:off x="5491932" y="6425565"/>
             <a:ext cx="1353820" cy="368300"/>
           </a:xfrm>
           <a:prstGeom prst="rect">
@@ -41950,7 +41994,7 @@
             <a:spAutoFit/>
             <a:extLst>
               <a:ext uri="{4A0BC546-FE56-4ADE-93B0-CB8AF2F6F144}">
-                <wpsdc:textFrameExt xmlns="" xmlns:wpsdc="http://www.wps.cn/officeDocument/2022/drawingmlCustomData" type="text"/>
+                <wpsdc:textFrameExt xmlns:wpsdc="http://www.wps.cn/officeDocument/2022/drawingmlCustomData" xmlns="" type="text"/>
               </a:ext>
             </a:extLst>
           </a:bodyPr>
@@ -41979,8 +42023,8 @@
         </p:nvCxnSpPr>
         <p:spPr>
           <a:xfrm flipH="1">
-            <a:off x="3161838" y="3910330"/>
-            <a:ext cx="1741632" cy="1420749"/>
+            <a:off x="3161838" y="4399137"/>
+            <a:ext cx="1730972" cy="931942"/>
           </a:xfrm>
           <a:prstGeom prst="straightConnector1">
             <a:avLst/>
@@ -42021,8 +42065,8 @@
         </p:nvCxnSpPr>
         <p:spPr>
           <a:xfrm flipH="1">
-            <a:off x="3182561" y="3030220"/>
-            <a:ext cx="1719004" cy="445953"/>
+            <a:off x="3182561" y="3468083"/>
+            <a:ext cx="1710249" cy="8090"/>
           </a:xfrm>
           <a:prstGeom prst="straightConnector1">
             <a:avLst/>
@@ -42127,7 +42171,7 @@
           <p:nvPr/>
         </p:nvPicPr>
         <p:blipFill>
-          <a:blip r:embed="rId5"/>
+          <a:blip r:embed="rId4"/>
           <a:stretch>
             <a:fillRect/>
           </a:stretch>
@@ -42148,13 +42192,12 @@
           <p:cNvCxnSpPr>
             <a:cxnSpLocks/>
             <a:stCxn id="45" idx="3"/>
-            <a:endCxn id="53" idx="1"/>
           </p:cNvCxnSpPr>
           <p:nvPr/>
         </p:nvCxnSpPr>
         <p:spPr>
           <a:xfrm>
-            <a:off x="7455535" y="2248535"/>
+            <a:off x="7444875" y="2777203"/>
             <a:ext cx="1045527" cy="459105"/>
           </a:xfrm>
           <a:prstGeom prst="straightConnector1">
@@ -42207,7 +42250,7 @@
             <a:spAutoFit/>
             <a:extLst>
               <a:ext uri="{4A0BC546-FE56-4ADE-93B0-CB8AF2F6F144}">
-                <wpsdc:textFrameExt xmlns="" xmlns:wpsdc="http://www.wps.cn/officeDocument/2022/drawingmlCustomData" type="text"/>
+                <wpsdc:textFrameExt xmlns:wpsdc="http://www.wps.cn/officeDocument/2022/drawingmlCustomData" xmlns="" type="text"/>
               </a:ext>
             </a:extLst>
           </a:bodyPr>
@@ -42227,13 +42270,15 @@
       <p:cxnSp>
         <p:nvCxnSpPr>
           <p:cNvPr id="8" name="直接箭头连接符 7"/>
-          <p:cNvCxnSpPr/>
+          <p:cNvCxnSpPr>
+            <a:cxnSpLocks/>
+          </p:cNvCxnSpPr>
           <p:nvPr/>
         </p:nvCxnSpPr>
         <p:spPr>
-          <a:xfrm flipV="1">
-            <a:off x="6166485" y="5506720"/>
-            <a:ext cx="0" cy="337820"/>
+          <a:xfrm flipH="1" flipV="1">
+            <a:off x="6168842" y="5996793"/>
+            <a:ext cx="11429" cy="527935"/>
           </a:xfrm>
           <a:prstGeom prst="straightConnector1">
             <a:avLst/>
@@ -42269,7 +42314,7 @@
         </p:nvSpPr>
         <p:spPr>
           <a:xfrm>
-            <a:off x="6304280" y="4081780"/>
+            <a:off x="6295526" y="4535805"/>
             <a:ext cx="2081530" cy="340360"/>
           </a:xfrm>
           <a:prstGeom prst="rect">
@@ -42282,7 +42327,7 @@
             <a:noAutofit/>
             <a:extLst>
               <a:ext uri="{4A0BC546-FE56-4ADE-93B0-CB8AF2F6F144}">
-                <wpsdc:textFrameExt xmlns="" xmlns:wpsdc="http://www.wps.cn/officeDocument/2022/drawingmlCustomData" type="text"/>
+                <wpsdc:textFrameExt xmlns:wpsdc="http://www.wps.cn/officeDocument/2022/drawingmlCustomData" xmlns="" type="text"/>
               </a:ext>
             </a:extLst>
           </a:bodyPr>
@@ -42328,7 +42373,7 @@
             <a:spAutoFit/>
             <a:extLst>
               <a:ext uri="{4A0BC546-FE56-4ADE-93B0-CB8AF2F6F144}">
-                <wpsdc:textFrameExt xmlns="" xmlns:wpsdc="http://www.wps.cn/officeDocument/2022/drawingmlCustomData" type="text"/>
+                <wpsdc:textFrameExt xmlns:wpsdc="http://www.wps.cn/officeDocument/2022/drawingmlCustomData" xmlns="" type="text"/>
               </a:ext>
             </a:extLst>
           </a:bodyPr>
@@ -42378,7 +42423,7 @@
             <a:spAutoFit/>
             <a:extLst>
               <a:ext uri="{4A0BC546-FE56-4ADE-93B0-CB8AF2F6F144}">
-                <wpsdc:textFrameExt xmlns="" xmlns:wpsdc="http://www.wps.cn/officeDocument/2022/drawingmlCustomData" type="text"/>
+                <wpsdc:textFrameExt xmlns:wpsdc="http://www.wps.cn/officeDocument/2022/drawingmlCustomData" xmlns="" type="text"/>
               </a:ext>
             </a:extLst>
           </a:bodyPr>
@@ -42428,7 +42473,7 @@
             <a:spAutoFit/>
             <a:extLst>
               <a:ext uri="{4A0BC546-FE56-4ADE-93B0-CB8AF2F6F144}">
-                <wpsdc:textFrameExt xmlns="" xmlns:wpsdc="http://www.wps.cn/officeDocument/2022/drawingmlCustomData" type="text"/>
+                <wpsdc:textFrameExt xmlns:wpsdc="http://www.wps.cn/officeDocument/2022/drawingmlCustomData" xmlns="" type="text"/>
               </a:ext>
             </a:extLst>
           </a:bodyPr>
@@ -42443,6 +42488,57 @@
               <a:t>Anomaly Prediction Module</a:t>
             </a:r>
             <a:endParaRPr lang="en-US" altLang="zh-CN" sz="1800" b="1" dirty="0">
+              <a:latin typeface="Arial" panose="020B0604020202020204" pitchFamily="34" charset="0"/>
+              <a:ea typeface="微软雅黑" panose="020B0503020204020204" charset="-122"/>
+            </a:endParaRPr>
+          </a:p>
+        </p:txBody>
+      </p:sp>
+      <p:sp>
+        <p:nvSpPr>
+          <p:cNvPr id="59" name="文本框 58">
+            <a:extLst>
+              <a:ext uri="{FF2B5EF4-FFF2-40B4-BE49-F238E27FC236}">
+                <a16:creationId xmlns:a16="http://schemas.microsoft.com/office/drawing/2014/main" id="{9FF7AEE1-8034-412E-8FD5-02FDEF595F28}"/>
+              </a:ext>
+            </a:extLst>
+          </p:cNvPr>
+          <p:cNvSpPr txBox="1"/>
+          <p:nvPr/>
+        </p:nvSpPr>
+        <p:spPr>
+          <a:xfrm>
+            <a:off x="4892810" y="2054782"/>
+            <a:ext cx="2552065" cy="368300"/>
+          </a:xfrm>
+          <a:prstGeom prst="rect">
+            <a:avLst/>
+          </a:prstGeom>
+          <a:solidFill>
+            <a:srgbClr val="00B050"/>
+          </a:solidFill>
+        </p:spPr>
+        <p:txBody>
+          <a:bodyPr wrap="square">
+            <a:spAutoFit/>
+            <a:extLst>
+              <a:ext uri="{4A0BC546-FE56-4ADE-93B0-CB8AF2F6F144}">
+                <wpsdc:textFrameExt xmlns:wpsdc="http://www.wps.cn/officeDocument/2022/drawingmlCustomData" xmlns="" type="text"/>
+              </a:ext>
+            </a:extLst>
+          </a:bodyPr>
+          <a:lstStyle/>
+          <a:p>
+            <a:pPr algn="ctr"/>
+            <a:r>
+              <a:rPr lang="en-US" altLang="zh-CN" dirty="0">
+                <a:latin typeface="Arial" panose="020B0604020202020204" pitchFamily="34" charset="0"/>
+                <a:ea typeface="微软雅黑" panose="020B0503020204020204" charset="-122"/>
+                <a:sym typeface="+mn-ea"/>
+              </a:rPr>
+              <a:t>Decoder</a:t>
+            </a:r>
+            <a:endParaRPr lang="en-US" altLang="zh-CN" sz="1800" dirty="0">
               <a:latin typeface="Arial" panose="020B0604020202020204" pitchFamily="34" charset="0"/>
               <a:ea typeface="微软雅黑" panose="020B0503020204020204" charset="-122"/>
             </a:endParaRPr>

--- a/论文插图.pptx
+++ b/论文插图.pptx
@@ -5,44 +5,45 @@
     <p:sldMasterId id="2147483648" r:id="rId1"/>
   </p:sldMasterIdLst>
   <p:notesMasterIdLst>
-    <p:notesMasterId r:id="rId32"/>
+    <p:notesMasterId r:id="rId33"/>
   </p:notesMasterIdLst>
   <p:sldIdLst>
     <p:sldId id="256" r:id="rId2"/>
-    <p:sldId id="263" r:id="rId3"/>
-    <p:sldId id="260" r:id="rId4"/>
-    <p:sldId id="257" r:id="rId5"/>
-    <p:sldId id="258" r:id="rId6"/>
-    <p:sldId id="259" r:id="rId7"/>
-    <p:sldId id="261" r:id="rId8"/>
-    <p:sldId id="270" r:id="rId9"/>
-    <p:sldId id="273" r:id="rId10"/>
-    <p:sldId id="272" r:id="rId11"/>
-    <p:sldId id="275" r:id="rId12"/>
-    <p:sldId id="279" r:id="rId13"/>
-    <p:sldId id="281" r:id="rId14"/>
-    <p:sldId id="280" r:id="rId15"/>
-    <p:sldId id="282" r:id="rId16"/>
-    <p:sldId id="288" r:id="rId17"/>
-    <p:sldId id="277" r:id="rId18"/>
-    <p:sldId id="284" r:id="rId19"/>
-    <p:sldId id="283" r:id="rId20"/>
-    <p:sldId id="286" r:id="rId21"/>
-    <p:sldId id="289" r:id="rId22"/>
-    <p:sldId id="290" r:id="rId23"/>
-    <p:sldId id="291" r:id="rId24"/>
-    <p:sldId id="292" r:id="rId25"/>
-    <p:sldId id="293" r:id="rId26"/>
-    <p:sldId id="294" r:id="rId27"/>
-    <p:sldId id="295" r:id="rId28"/>
-    <p:sldId id="296" r:id="rId29"/>
-    <p:sldId id="297" r:id="rId30"/>
-    <p:sldId id="298" r:id="rId31"/>
+    <p:sldId id="299" r:id="rId3"/>
+    <p:sldId id="263" r:id="rId4"/>
+    <p:sldId id="260" r:id="rId5"/>
+    <p:sldId id="257" r:id="rId6"/>
+    <p:sldId id="258" r:id="rId7"/>
+    <p:sldId id="259" r:id="rId8"/>
+    <p:sldId id="261" r:id="rId9"/>
+    <p:sldId id="270" r:id="rId10"/>
+    <p:sldId id="273" r:id="rId11"/>
+    <p:sldId id="272" r:id="rId12"/>
+    <p:sldId id="275" r:id="rId13"/>
+    <p:sldId id="279" r:id="rId14"/>
+    <p:sldId id="281" r:id="rId15"/>
+    <p:sldId id="280" r:id="rId16"/>
+    <p:sldId id="282" r:id="rId17"/>
+    <p:sldId id="288" r:id="rId18"/>
+    <p:sldId id="277" r:id="rId19"/>
+    <p:sldId id="284" r:id="rId20"/>
+    <p:sldId id="283" r:id="rId21"/>
+    <p:sldId id="286" r:id="rId22"/>
+    <p:sldId id="289" r:id="rId23"/>
+    <p:sldId id="290" r:id="rId24"/>
+    <p:sldId id="291" r:id="rId25"/>
+    <p:sldId id="292" r:id="rId26"/>
+    <p:sldId id="293" r:id="rId27"/>
+    <p:sldId id="294" r:id="rId28"/>
+    <p:sldId id="295" r:id="rId29"/>
+    <p:sldId id="296" r:id="rId30"/>
+    <p:sldId id="297" r:id="rId31"/>
+    <p:sldId id="298" r:id="rId32"/>
   </p:sldIdLst>
   <p:sldSz cx="12192000" cy="6858000"/>
   <p:notesSz cx="6858000" cy="9144000"/>
   <p:custDataLst>
-    <p:tags r:id="rId33"/>
+    <p:tags r:id="rId34"/>
   </p:custDataLst>
   <p:defaultTextStyle>
     <a:defPPr>
@@ -229,7 +230,7 @@
           <a:p>
             <a:fld id="{D2A48B96-639E-45A3-A0BA-2464DFDB1FAA}" type="datetimeFigureOut">
               <a:rPr lang="zh-CN" altLang="en-US" smtClean="0"/>
-              <a:t>2025/1/25</a:t>
+              <a:t>2025/2/7</a:t>
             </a:fld>
             <a:endParaRPr lang="zh-CN" altLang="en-US"/>
           </a:p>
@@ -1753,7 +1754,7 @@
           <a:p>
             <a:fld id="{D997B5FA-0921-464F-AAE1-844C04324D75}" type="datetimeFigureOut">
               <a:rPr lang="zh-CN" altLang="en-US" smtClean="0"/>
-              <a:t>2025/1/25</a:t>
+              <a:t>2025/2/7</a:t>
             </a:fld>
             <a:endParaRPr lang="zh-CN" altLang="en-US"/>
           </a:p>
@@ -1916,7 +1917,7 @@
           <a:p>
             <a:fld id="{D997B5FA-0921-464F-AAE1-844C04324D75}" type="datetimeFigureOut">
               <a:rPr lang="zh-CN" altLang="en-US" smtClean="0"/>
-              <a:t>2025/1/25</a:t>
+              <a:t>2025/2/7</a:t>
             </a:fld>
             <a:endParaRPr lang="zh-CN" altLang="en-US"/>
           </a:p>
@@ -2089,7 +2090,7 @@
           <a:p>
             <a:fld id="{D997B5FA-0921-464F-AAE1-844C04324D75}" type="datetimeFigureOut">
               <a:rPr lang="zh-CN" altLang="en-US" smtClean="0"/>
-              <a:t>2025/1/25</a:t>
+              <a:t>2025/2/7</a:t>
             </a:fld>
             <a:endParaRPr lang="zh-CN" altLang="en-US"/>
           </a:p>
@@ -2252,7 +2253,7 @@
           <a:p>
             <a:fld id="{D997B5FA-0921-464F-AAE1-844C04324D75}" type="datetimeFigureOut">
               <a:rPr lang="zh-CN" altLang="en-US" smtClean="0"/>
-              <a:t>2025/1/25</a:t>
+              <a:t>2025/2/7</a:t>
             </a:fld>
             <a:endParaRPr lang="zh-CN" altLang="en-US"/>
           </a:p>
@@ -2492,7 +2493,7 @@
           <a:p>
             <a:fld id="{D997B5FA-0921-464F-AAE1-844C04324D75}" type="datetimeFigureOut">
               <a:rPr lang="zh-CN" altLang="en-US" smtClean="0"/>
-              <a:t>2025/1/25</a:t>
+              <a:t>2025/2/7</a:t>
             </a:fld>
             <a:endParaRPr lang="zh-CN" altLang="en-US"/>
           </a:p>
@@ -2716,7 +2717,7 @@
           <a:p>
             <a:fld id="{D997B5FA-0921-464F-AAE1-844C04324D75}" type="datetimeFigureOut">
               <a:rPr lang="zh-CN" altLang="en-US" smtClean="0"/>
-              <a:t>2025/1/25</a:t>
+              <a:t>2025/2/7</a:t>
             </a:fld>
             <a:endParaRPr lang="zh-CN" altLang="en-US"/>
           </a:p>
@@ -3075,7 +3076,7 @@
           <a:p>
             <a:fld id="{D997B5FA-0921-464F-AAE1-844C04324D75}" type="datetimeFigureOut">
               <a:rPr lang="zh-CN" altLang="en-US" smtClean="0"/>
-              <a:t>2025/1/25</a:t>
+              <a:t>2025/2/7</a:t>
             </a:fld>
             <a:endParaRPr lang="zh-CN" altLang="en-US"/>
           </a:p>
@@ -3187,7 +3188,7 @@
           <a:p>
             <a:fld id="{D997B5FA-0921-464F-AAE1-844C04324D75}" type="datetimeFigureOut">
               <a:rPr lang="zh-CN" altLang="en-US" smtClean="0"/>
-              <a:t>2025/1/25</a:t>
+              <a:t>2025/2/7</a:t>
             </a:fld>
             <a:endParaRPr lang="zh-CN" altLang="en-US"/>
           </a:p>
@@ -3277,7 +3278,7 @@
           <a:p>
             <a:fld id="{D997B5FA-0921-464F-AAE1-844C04324D75}" type="datetimeFigureOut">
               <a:rPr lang="zh-CN" altLang="en-US" smtClean="0"/>
-              <a:t>2025/1/25</a:t>
+              <a:t>2025/2/7</a:t>
             </a:fld>
             <a:endParaRPr lang="zh-CN" altLang="en-US"/>
           </a:p>
@@ -3547,7 +3548,7 @@
           <a:p>
             <a:fld id="{D997B5FA-0921-464F-AAE1-844C04324D75}" type="datetimeFigureOut">
               <a:rPr lang="zh-CN" altLang="en-US" smtClean="0"/>
-              <a:t>2025/1/25</a:t>
+              <a:t>2025/2/7</a:t>
             </a:fld>
             <a:endParaRPr lang="zh-CN" altLang="en-US"/>
           </a:p>
@@ -3794,7 +3795,7 @@
           <a:p>
             <a:fld id="{D997B5FA-0921-464F-AAE1-844C04324D75}" type="datetimeFigureOut">
               <a:rPr lang="zh-CN" altLang="en-US" smtClean="0"/>
-              <a:t>2025/1/25</a:t>
+              <a:t>2025/2/7</a:t>
             </a:fld>
             <a:endParaRPr lang="zh-CN" altLang="en-US"/>
           </a:p>
@@ -4000,7 +4001,7 @@
           <a:p>
             <a:fld id="{D997B5FA-0921-464F-AAE1-844C04324D75}" type="datetimeFigureOut">
               <a:rPr lang="zh-CN" altLang="en-US" smtClean="0"/>
-              <a:t>2025/1/25</a:t>
+              <a:t>2025/2/7</a:t>
             </a:fld>
             <a:endParaRPr lang="zh-CN" altLang="en-US"/>
           </a:p>
@@ -6430,7 +6431,7 @@
             <a:spAutoFit/>
             <a:extLst>
               <a:ext uri="{4A0BC546-FE56-4ADE-93B0-CB8AF2F6F144}">
-                <wpsdc:textFrameExt xmlns:wpsdc="http://www.wps.cn/officeDocument/2022/drawingmlCustomData" xmlns="" type="text"/>
+                <wpsdc:textFrameExt xmlns="" xmlns:wpsdc="http://www.wps.cn/officeDocument/2022/drawingmlCustomData" type="text"/>
               </a:ext>
             </a:extLst>
           </a:bodyPr>
@@ -6467,7 +6468,7 @@
             <a:spAutoFit/>
             <a:extLst>
               <a:ext uri="{4A0BC546-FE56-4ADE-93B0-CB8AF2F6F144}">
-                <wpsdc:textFrameExt xmlns:wpsdc="http://www.wps.cn/officeDocument/2022/drawingmlCustomData" xmlns="" type="text"/>
+                <wpsdc:textFrameExt xmlns="" xmlns:wpsdc="http://www.wps.cn/officeDocument/2022/drawingmlCustomData" type="text"/>
               </a:ext>
             </a:extLst>
           </a:bodyPr>
@@ -6509,6 +6510,1570 @@
           <a:chExt cx="0" cy="0"/>
         </a:xfrm>
       </p:grpSpPr>
+      <p:sp>
+        <p:nvSpPr>
+          <p:cNvPr id="30" name="矩形 29">
+            <a:extLst>
+              <a:ext uri="{FF2B5EF4-FFF2-40B4-BE49-F238E27FC236}">
+                <a16:creationId xmlns:a16="http://schemas.microsoft.com/office/drawing/2014/main" id="{8BE81CB7-4D4A-44DF-B18C-BA2456A0BE6B}"/>
+              </a:ext>
+            </a:extLst>
+          </p:cNvPr>
+          <p:cNvSpPr/>
+          <p:nvPr/>
+        </p:nvSpPr>
+        <p:spPr>
+          <a:xfrm>
+            <a:off x="2580097" y="66243"/>
+            <a:ext cx="7448365" cy="1753032"/>
+          </a:xfrm>
+          <a:prstGeom prst="rect">
+            <a:avLst/>
+          </a:prstGeom>
+          <a:solidFill>
+            <a:schemeClr val="accent3">
+              <a:lumMod val="60000"/>
+              <a:lumOff val="40000"/>
+            </a:schemeClr>
+          </a:solidFill>
+          <a:ln w="28575">
+            <a:solidFill>
+              <a:schemeClr val="accent5"/>
+            </a:solidFill>
+            <a:prstDash val="sysDash"/>
+          </a:ln>
+        </p:spPr>
+        <p:style>
+          <a:lnRef idx="2">
+            <a:schemeClr val="accent1">
+              <a:shade val="50000"/>
+            </a:schemeClr>
+          </a:lnRef>
+          <a:fillRef idx="1">
+            <a:schemeClr val="accent1"/>
+          </a:fillRef>
+          <a:effectRef idx="0">
+            <a:schemeClr val="accent1"/>
+          </a:effectRef>
+          <a:fontRef idx="minor">
+            <a:schemeClr val="lt1"/>
+          </a:fontRef>
+        </p:style>
+        <p:txBody>
+          <a:bodyPr rtlCol="0" anchor="ctr"/>
+          <a:lstStyle/>
+          <a:p>
+            <a:pPr algn="ctr"/>
+            <a:endParaRPr lang="zh-CN" altLang="en-US"/>
+          </a:p>
+        </p:txBody>
+      </p:sp>
+      <p:sp>
+        <p:nvSpPr>
+          <p:cNvPr id="29" name="矩形 28">
+            <a:extLst>
+              <a:ext uri="{FF2B5EF4-FFF2-40B4-BE49-F238E27FC236}">
+                <a16:creationId xmlns:a16="http://schemas.microsoft.com/office/drawing/2014/main" id="{9A54F0C0-3043-4A99-82DE-4C5EE3AFC165}"/>
+              </a:ext>
+            </a:extLst>
+          </p:cNvPr>
+          <p:cNvSpPr/>
+          <p:nvPr/>
+        </p:nvSpPr>
+        <p:spPr>
+          <a:xfrm>
+            <a:off x="3986193" y="1947977"/>
+            <a:ext cx="4342438" cy="1865169"/>
+          </a:xfrm>
+          <a:prstGeom prst="rect">
+            <a:avLst/>
+          </a:prstGeom>
+          <a:solidFill>
+            <a:schemeClr val="accent5">
+              <a:lumMod val="60000"/>
+              <a:lumOff val="40000"/>
+            </a:schemeClr>
+          </a:solidFill>
+          <a:ln w="28575">
+            <a:solidFill>
+              <a:schemeClr val="accent6"/>
+            </a:solidFill>
+            <a:prstDash val="sysDash"/>
+          </a:ln>
+        </p:spPr>
+        <p:style>
+          <a:lnRef idx="2">
+            <a:schemeClr val="accent1">
+              <a:shade val="50000"/>
+            </a:schemeClr>
+          </a:lnRef>
+          <a:fillRef idx="1">
+            <a:schemeClr val="accent1"/>
+          </a:fillRef>
+          <a:effectRef idx="0">
+            <a:schemeClr val="accent1"/>
+          </a:effectRef>
+          <a:fontRef idx="minor">
+            <a:schemeClr val="lt1"/>
+          </a:fontRef>
+        </p:style>
+        <p:txBody>
+          <a:bodyPr rtlCol="0" anchor="ctr"/>
+          <a:lstStyle/>
+          <a:p>
+            <a:pPr algn="ctr"/>
+            <a:endParaRPr lang="zh-CN" altLang="en-US"/>
+          </a:p>
+        </p:txBody>
+      </p:sp>
+      <p:cxnSp>
+        <p:nvCxnSpPr>
+          <p:cNvPr id="68" name="直接箭头连接符 67">
+            <a:extLst>
+              <a:ext uri="{FF2B5EF4-FFF2-40B4-BE49-F238E27FC236}">
+                <a16:creationId xmlns:a16="http://schemas.microsoft.com/office/drawing/2014/main" id="{FA46676C-1D75-4CAF-9809-275F79FA1CAC}"/>
+              </a:ext>
+            </a:extLst>
+          </p:cNvPr>
+          <p:cNvCxnSpPr/>
+          <p:nvPr/>
+        </p:nvCxnSpPr>
+        <p:spPr>
+          <a:xfrm flipH="1" flipV="1">
+            <a:off x="6182362" y="2422476"/>
+            <a:ext cx="635" cy="239395"/>
+          </a:xfrm>
+          <a:prstGeom prst="straightConnector1">
+            <a:avLst/>
+          </a:prstGeom>
+          <a:ln w="31750" cap="rnd">
+            <a:solidFill>
+              <a:schemeClr val="accent2"/>
+            </a:solidFill>
+            <a:round/>
+            <a:tailEnd type="arrow" w="med" len="med"/>
+          </a:ln>
+        </p:spPr>
+        <p:style>
+          <a:lnRef idx="0">
+            <a:srgbClr val="FFFFFF"/>
+          </a:lnRef>
+          <a:fillRef idx="0">
+            <a:srgbClr val="FFFFFF"/>
+          </a:fillRef>
+          <a:effectRef idx="0">
+            <a:srgbClr val="FFFFFF"/>
+          </a:effectRef>
+          <a:fontRef idx="minor">
+            <a:schemeClr val="tx1"/>
+          </a:fontRef>
+        </p:style>
+      </p:cxnSp>
+      <p:cxnSp>
+        <p:nvCxnSpPr>
+          <p:cNvPr id="19" name="直接箭头连接符 18"/>
+          <p:cNvCxnSpPr/>
+          <p:nvPr/>
+        </p:nvCxnSpPr>
+        <p:spPr>
+          <a:xfrm flipH="1" flipV="1">
+            <a:off x="6157412" y="2960747"/>
+            <a:ext cx="635" cy="239395"/>
+          </a:xfrm>
+          <a:prstGeom prst="straightConnector1">
+            <a:avLst/>
+          </a:prstGeom>
+          <a:ln w="31750" cap="rnd">
+            <a:solidFill>
+              <a:schemeClr val="accent2"/>
+            </a:solidFill>
+            <a:round/>
+            <a:tailEnd type="arrow" w="med" len="med"/>
+          </a:ln>
+        </p:spPr>
+        <p:style>
+          <a:lnRef idx="0">
+            <a:srgbClr val="FFFFFF"/>
+          </a:lnRef>
+          <a:fillRef idx="0">
+            <a:srgbClr val="FFFFFF"/>
+          </a:fillRef>
+          <a:effectRef idx="0">
+            <a:srgbClr val="FFFFFF"/>
+          </a:effectRef>
+          <a:fontRef idx="minor">
+            <a:schemeClr val="tx1"/>
+          </a:fontRef>
+        </p:style>
+      </p:cxnSp>
+      <p:sp>
+        <p:nvSpPr>
+          <p:cNvPr id="26" name="矩形 25">
+            <a:extLst>
+              <a:ext uri="{FF2B5EF4-FFF2-40B4-BE49-F238E27FC236}">
+                <a16:creationId xmlns:a16="http://schemas.microsoft.com/office/drawing/2014/main" id="{5D04D9EF-2EDD-45DF-91B9-C6029878E3B9}"/>
+              </a:ext>
+            </a:extLst>
+          </p:cNvPr>
+          <p:cNvSpPr/>
+          <p:nvPr/>
+        </p:nvSpPr>
+        <p:spPr>
+          <a:xfrm>
+            <a:off x="3986193" y="3883025"/>
+            <a:ext cx="4342439" cy="2354580"/>
+          </a:xfrm>
+          <a:prstGeom prst="rect">
+            <a:avLst/>
+          </a:prstGeom>
+          <a:solidFill>
+            <a:schemeClr val="accent4">
+              <a:lumMod val="40000"/>
+              <a:lumOff val="60000"/>
+            </a:schemeClr>
+          </a:solidFill>
+          <a:ln w="28575">
+            <a:prstDash val="sysDash"/>
+          </a:ln>
+        </p:spPr>
+        <p:style>
+          <a:lnRef idx="2">
+            <a:schemeClr val="accent1">
+              <a:shade val="50000"/>
+            </a:schemeClr>
+          </a:lnRef>
+          <a:fillRef idx="1">
+            <a:schemeClr val="accent1"/>
+          </a:fillRef>
+          <a:effectRef idx="0">
+            <a:schemeClr val="accent1"/>
+          </a:effectRef>
+          <a:fontRef idx="minor">
+            <a:schemeClr val="lt1"/>
+          </a:fontRef>
+        </p:style>
+        <p:txBody>
+          <a:bodyPr rtlCol="0" anchor="ctr"/>
+          <a:lstStyle/>
+          <a:p>
+            <a:pPr algn="ctr"/>
+            <a:endParaRPr lang="zh-CN" altLang="en-US"/>
+          </a:p>
+        </p:txBody>
+      </p:sp>
+      <p:cxnSp>
+        <p:nvCxnSpPr>
+          <p:cNvPr id="67" name="直接箭头连接符 66">
+            <a:extLst>
+              <a:ext uri="{FF2B5EF4-FFF2-40B4-BE49-F238E27FC236}">
+                <a16:creationId xmlns:a16="http://schemas.microsoft.com/office/drawing/2014/main" id="{53B64B04-346D-4852-B8E6-8586779D9EC1}"/>
+              </a:ext>
+            </a:extLst>
+          </p:cNvPr>
+          <p:cNvCxnSpPr>
+            <a:cxnSpLocks/>
+          </p:cNvCxnSpPr>
+          <p:nvPr/>
+        </p:nvCxnSpPr>
+        <p:spPr>
+          <a:xfrm flipH="1" flipV="1">
+            <a:off x="6157413" y="3753674"/>
+            <a:ext cx="11429" cy="527935"/>
+          </a:xfrm>
+          <a:prstGeom prst="straightConnector1">
+            <a:avLst/>
+          </a:prstGeom>
+          <a:ln w="31750" cap="rnd">
+            <a:solidFill>
+              <a:schemeClr val="accent2"/>
+            </a:solidFill>
+            <a:round/>
+            <a:tailEnd type="arrow" w="med" len="med"/>
+          </a:ln>
+        </p:spPr>
+        <p:style>
+          <a:lnRef idx="0">
+            <a:srgbClr val="FFFFFF"/>
+          </a:lnRef>
+          <a:fillRef idx="0">
+            <a:srgbClr val="FFFFFF"/>
+          </a:fillRef>
+          <a:effectRef idx="0">
+            <a:srgbClr val="FFFFFF"/>
+          </a:effectRef>
+          <a:fontRef idx="minor">
+            <a:schemeClr val="tx1"/>
+          </a:fontRef>
+        </p:style>
+      </p:cxnSp>
+      <p:cxnSp>
+        <p:nvCxnSpPr>
+          <p:cNvPr id="66" name="直接箭头连接符 65">
+            <a:extLst>
+              <a:ext uri="{FF2B5EF4-FFF2-40B4-BE49-F238E27FC236}">
+                <a16:creationId xmlns:a16="http://schemas.microsoft.com/office/drawing/2014/main" id="{D183DBDC-2D58-4807-95BB-B8C58BC014FB}"/>
+              </a:ext>
+            </a:extLst>
+          </p:cNvPr>
+          <p:cNvCxnSpPr>
+            <a:cxnSpLocks/>
+          </p:cNvCxnSpPr>
+          <p:nvPr/>
+        </p:nvCxnSpPr>
+        <p:spPr>
+          <a:xfrm flipH="1" flipV="1">
+            <a:off x="6157413" y="4568732"/>
+            <a:ext cx="11429" cy="527935"/>
+          </a:xfrm>
+          <a:prstGeom prst="straightConnector1">
+            <a:avLst/>
+          </a:prstGeom>
+          <a:ln w="31750" cap="rnd">
+            <a:solidFill>
+              <a:schemeClr val="accent2"/>
+            </a:solidFill>
+            <a:round/>
+            <a:tailEnd type="arrow" w="med" len="med"/>
+          </a:ln>
+        </p:spPr>
+        <p:style>
+          <a:lnRef idx="0">
+            <a:srgbClr val="FFFFFF"/>
+          </a:lnRef>
+          <a:fillRef idx="0">
+            <a:srgbClr val="FFFFFF"/>
+          </a:fillRef>
+          <a:effectRef idx="0">
+            <a:srgbClr val="FFFFFF"/>
+          </a:effectRef>
+          <a:fontRef idx="minor">
+            <a:schemeClr val="tx1"/>
+          </a:fontRef>
+        </p:style>
+      </p:cxnSp>
+      <p:cxnSp>
+        <p:nvCxnSpPr>
+          <p:cNvPr id="65" name="直接箭头连接符 64">
+            <a:extLst>
+              <a:ext uri="{FF2B5EF4-FFF2-40B4-BE49-F238E27FC236}">
+                <a16:creationId xmlns:a16="http://schemas.microsoft.com/office/drawing/2014/main" id="{BB57F74A-A697-4B3C-8AFB-E6CD892C1755}"/>
+              </a:ext>
+            </a:extLst>
+          </p:cNvPr>
+          <p:cNvCxnSpPr>
+            <a:cxnSpLocks/>
+          </p:cNvCxnSpPr>
+          <p:nvPr/>
+        </p:nvCxnSpPr>
+        <p:spPr>
+          <a:xfrm flipH="1" flipV="1">
+            <a:off x="6157413" y="5241732"/>
+            <a:ext cx="11429" cy="527935"/>
+          </a:xfrm>
+          <a:prstGeom prst="straightConnector1">
+            <a:avLst/>
+          </a:prstGeom>
+          <a:ln w="31750" cap="rnd">
+            <a:solidFill>
+              <a:schemeClr val="accent2"/>
+            </a:solidFill>
+            <a:round/>
+            <a:tailEnd type="arrow" w="med" len="med"/>
+          </a:ln>
+        </p:spPr>
+        <p:style>
+          <a:lnRef idx="0">
+            <a:srgbClr val="FFFFFF"/>
+          </a:lnRef>
+          <a:fillRef idx="0">
+            <a:srgbClr val="FFFFFF"/>
+          </a:fillRef>
+          <a:effectRef idx="0">
+            <a:srgbClr val="FFFFFF"/>
+          </a:effectRef>
+          <a:fontRef idx="minor">
+            <a:schemeClr val="tx1"/>
+          </a:fontRef>
+        </p:style>
+      </p:cxnSp>
+      <p:sp>
+        <p:nvSpPr>
+          <p:cNvPr id="2" name="文本框 1"/>
+          <p:cNvSpPr txBox="1"/>
+          <p:nvPr/>
+        </p:nvSpPr>
+        <p:spPr>
+          <a:xfrm>
+            <a:off x="4881381" y="5592445"/>
+            <a:ext cx="2552065" cy="368300"/>
+          </a:xfrm>
+          <a:prstGeom prst="rect">
+            <a:avLst/>
+          </a:prstGeom>
+          <a:solidFill>
+            <a:schemeClr val="accent3">
+              <a:lumMod val="60000"/>
+              <a:lumOff val="40000"/>
+            </a:schemeClr>
+          </a:solidFill>
+        </p:spPr>
+        <p:txBody>
+          <a:bodyPr wrap="square">
+            <a:spAutoFit/>
+            <a:extLst>
+              <a:ext uri="{4A0BC546-FE56-4ADE-93B0-CB8AF2F6F144}">
+                <wpsdc:textFrameExt xmlns="" xmlns:wpsdc="http://www.wps.cn/officeDocument/2022/drawingmlCustomData" type="text"/>
+              </a:ext>
+            </a:extLst>
+          </a:bodyPr>
+          <a:lstStyle/>
+          <a:p>
+            <a:pPr algn="ctr"/>
+            <a:r>
+              <a:rPr lang="en-US" altLang="zh-CN" sz="1800" dirty="0">
+                <a:latin typeface="Arial" panose="020B0604020202020204" pitchFamily="34" charset="0"/>
+                <a:ea typeface="微软雅黑" panose="020B0503020204020204" charset="-122"/>
+              </a:rPr>
+              <a:t>Channel Independence</a:t>
+            </a:r>
+          </a:p>
+        </p:txBody>
+      </p:sp>
+      <p:sp>
+        <p:nvSpPr>
+          <p:cNvPr id="5" name="文本框 4"/>
+          <p:cNvSpPr txBox="1"/>
+          <p:nvPr/>
+        </p:nvSpPr>
+        <p:spPr>
+          <a:xfrm>
+            <a:off x="4881381" y="4886325"/>
+            <a:ext cx="2552065" cy="368300"/>
+          </a:xfrm>
+          <a:prstGeom prst="rect">
+            <a:avLst/>
+          </a:prstGeom>
+          <a:solidFill>
+            <a:schemeClr val="accent2">
+              <a:lumMod val="60000"/>
+              <a:lumOff val="40000"/>
+            </a:schemeClr>
+          </a:solidFill>
+        </p:spPr>
+        <p:txBody>
+          <a:bodyPr wrap="square">
+            <a:spAutoFit/>
+            <a:extLst>
+              <a:ext uri="{4A0BC546-FE56-4ADE-93B0-CB8AF2F6F144}">
+                <wpsdc:textFrameExt xmlns="" xmlns:wpsdc="http://www.wps.cn/officeDocument/2022/drawingmlCustomData" type="text"/>
+              </a:ext>
+            </a:extLst>
+          </a:bodyPr>
+          <a:lstStyle/>
+          <a:p>
+            <a:pPr algn="ctr"/>
+            <a:r>
+              <a:rPr lang="en-US" altLang="zh-CN" sz="1800">
+                <a:latin typeface="Arial" panose="020B0604020202020204" pitchFamily="34" charset="0"/>
+                <a:ea typeface="微软雅黑" panose="020B0503020204020204" charset="-122"/>
+              </a:rPr>
+              <a:t>FTT</a:t>
+            </a:r>
+          </a:p>
+        </p:txBody>
+      </p:sp>
+      <p:sp>
+        <p:nvSpPr>
+          <p:cNvPr id="6" name="文本框 5"/>
+          <p:cNvSpPr txBox="1"/>
+          <p:nvPr/>
+        </p:nvSpPr>
+        <p:spPr>
+          <a:xfrm>
+            <a:off x="4892810" y="4214987"/>
+            <a:ext cx="2552065" cy="368300"/>
+          </a:xfrm>
+          <a:prstGeom prst="rect">
+            <a:avLst/>
+          </a:prstGeom>
+          <a:solidFill>
+            <a:schemeClr val="accent5">
+              <a:lumMod val="60000"/>
+              <a:lumOff val="40000"/>
+            </a:schemeClr>
+          </a:solidFill>
+        </p:spPr>
+        <p:txBody>
+          <a:bodyPr wrap="square">
+            <a:spAutoFit/>
+            <a:extLst>
+              <a:ext uri="{4A0BC546-FE56-4ADE-93B0-CB8AF2F6F144}">
+                <wpsdc:textFrameExt xmlns="" xmlns:wpsdc="http://www.wps.cn/officeDocument/2022/drawingmlCustomData" type="text"/>
+              </a:ext>
+            </a:extLst>
+          </a:bodyPr>
+          <a:lstStyle/>
+          <a:p>
+            <a:pPr algn="ctr"/>
+            <a:r>
+              <a:rPr lang="en-US" altLang="zh-CN" sz="1800" dirty="0">
+                <a:latin typeface="Arial" panose="020B0604020202020204" pitchFamily="34" charset="0"/>
+                <a:ea typeface="微软雅黑" panose="020B0503020204020204" charset="-122"/>
+              </a:rPr>
+              <a:t>Dominant Period Mask</a:t>
+            </a:r>
+          </a:p>
+        </p:txBody>
+      </p:sp>
+      <p:sp>
+        <p:nvSpPr>
+          <p:cNvPr id="7" name="文本框 6"/>
+          <p:cNvSpPr txBox="1"/>
+          <p:nvPr/>
+        </p:nvSpPr>
+        <p:spPr>
+          <a:xfrm>
+            <a:off x="4892810" y="3145503"/>
+            <a:ext cx="2552065" cy="645160"/>
+          </a:xfrm>
+          <a:prstGeom prst="rect">
+            <a:avLst/>
+          </a:prstGeom>
+          <a:solidFill>
+            <a:schemeClr val="accent6">
+              <a:lumMod val="60000"/>
+              <a:lumOff val="40000"/>
+            </a:schemeClr>
+          </a:solidFill>
+        </p:spPr>
+        <p:txBody>
+          <a:bodyPr wrap="square">
+            <a:spAutoFit/>
+            <a:extLst>
+              <a:ext uri="{4A0BC546-FE56-4ADE-93B0-CB8AF2F6F144}">
+                <wpsdc:textFrameExt xmlns="" xmlns:wpsdc="http://www.wps.cn/officeDocument/2022/drawingmlCustomData" type="text"/>
+              </a:ext>
+            </a:extLst>
+          </a:bodyPr>
+          <a:lstStyle/>
+          <a:p>
+            <a:pPr algn="ctr"/>
+            <a:r>
+              <a:rPr lang="en-US" altLang="zh-CN" sz="1800" dirty="0">
+                <a:latin typeface="Arial" panose="020B0604020202020204" pitchFamily="34" charset="0"/>
+                <a:ea typeface="微软雅黑" panose="020B0503020204020204" charset="-122"/>
+              </a:rPr>
+              <a:t>Multi-Scale Subsequence Division</a:t>
+            </a:r>
+          </a:p>
+        </p:txBody>
+      </p:sp>
+      <p:sp>
+        <p:nvSpPr>
+          <p:cNvPr id="44" name="文本框 43"/>
+          <p:cNvSpPr txBox="1"/>
+          <p:nvPr/>
+        </p:nvSpPr>
+        <p:spPr>
+          <a:xfrm>
+            <a:off x="6439036" y="3823335"/>
+            <a:ext cx="1391285" cy="340360"/>
+          </a:xfrm>
+          <a:prstGeom prst="rect">
+            <a:avLst/>
+          </a:prstGeom>
+          <a:noFill/>
+        </p:spPr>
+        <p:txBody>
+          <a:bodyPr wrap="square">
+            <a:noAutofit/>
+            <a:extLst>
+              <a:ext uri="{4A0BC546-FE56-4ADE-93B0-CB8AF2F6F144}">
+                <wpsdc:textFrameExt xmlns="" xmlns:wpsdc="http://www.wps.cn/officeDocument/2022/drawingmlCustomData" type="text"/>
+              </a:ext>
+            </a:extLst>
+          </a:bodyPr>
+          <a:lstStyle/>
+          <a:p>
+            <a:pPr algn="ctr"/>
+            <a:r>
+              <a:rPr lang="en-US" altLang="zh-CN" sz="1800" dirty="0">
+                <a:latin typeface="Arial" panose="020B0604020202020204" pitchFamily="34" charset="0"/>
+                <a:ea typeface="微软雅黑" panose="020B0503020204020204" charset="-122"/>
+              </a:rPr>
+              <a:t>Embedding</a:t>
+            </a:r>
+          </a:p>
+        </p:txBody>
+      </p:sp>
+      <p:sp>
+        <p:nvSpPr>
+          <p:cNvPr id="45" name="文本框 44"/>
+          <p:cNvSpPr txBox="1"/>
+          <p:nvPr/>
+        </p:nvSpPr>
+        <p:spPr>
+          <a:xfrm>
+            <a:off x="4892810" y="2593053"/>
+            <a:ext cx="2552065" cy="368300"/>
+          </a:xfrm>
+          <a:prstGeom prst="rect">
+            <a:avLst/>
+          </a:prstGeom>
+          <a:solidFill>
+            <a:schemeClr val="bg2">
+              <a:lumMod val="75000"/>
+            </a:schemeClr>
+          </a:solidFill>
+        </p:spPr>
+        <p:txBody>
+          <a:bodyPr wrap="square">
+            <a:spAutoFit/>
+            <a:extLst>
+              <a:ext uri="{4A0BC546-FE56-4ADE-93B0-CB8AF2F6F144}">
+                <wpsdc:textFrameExt xmlns="" xmlns:wpsdc="http://www.wps.cn/officeDocument/2022/drawingmlCustomData" type="text"/>
+              </a:ext>
+            </a:extLst>
+          </a:bodyPr>
+          <a:lstStyle/>
+          <a:p>
+            <a:pPr algn="ctr"/>
+            <a:r>
+              <a:rPr lang="en-US" altLang="zh-CN" dirty="0">
+                <a:latin typeface="Arial" panose="020B0604020202020204" pitchFamily="34" charset="0"/>
+                <a:ea typeface="微软雅黑" panose="020B0503020204020204" charset="-122"/>
+                <a:sym typeface="+mn-ea"/>
+              </a:rPr>
+              <a:t>Multi-Scale Encoder</a:t>
+            </a:r>
+            <a:endParaRPr lang="en-US" altLang="zh-CN" sz="1800" dirty="0">
+              <a:latin typeface="Arial" panose="020B0604020202020204" pitchFamily="34" charset="0"/>
+              <a:ea typeface="微软雅黑" panose="020B0503020204020204" charset="-122"/>
+            </a:endParaRPr>
+          </a:p>
+        </p:txBody>
+      </p:sp>
+      <p:sp>
+        <p:nvSpPr>
+          <p:cNvPr id="46" name="文本框 45"/>
+          <p:cNvSpPr txBox="1"/>
+          <p:nvPr/>
+        </p:nvSpPr>
+        <p:spPr>
+          <a:xfrm>
+            <a:off x="4808855" y="112395"/>
+            <a:ext cx="2552065" cy="368300"/>
+          </a:xfrm>
+          <a:prstGeom prst="rect">
+            <a:avLst/>
+          </a:prstGeom>
+          <a:solidFill>
+            <a:schemeClr val="accent6">
+              <a:lumMod val="75000"/>
+            </a:schemeClr>
+          </a:solidFill>
+        </p:spPr>
+        <p:txBody>
+          <a:bodyPr wrap="square">
+            <a:spAutoFit/>
+            <a:extLst>
+              <a:ext uri="{4A0BC546-FE56-4ADE-93B0-CB8AF2F6F144}">
+                <wpsdc:textFrameExt xmlns="" xmlns:wpsdc="http://www.wps.cn/officeDocument/2022/drawingmlCustomData" type="text"/>
+              </a:ext>
+            </a:extLst>
+          </a:bodyPr>
+          <a:lstStyle/>
+          <a:p>
+            <a:pPr algn="ctr"/>
+            <a:r>
+              <a:rPr lang="en-US" altLang="zh-CN" sz="1800">
+                <a:latin typeface="Arial" panose="020B0604020202020204" pitchFamily="34" charset="0"/>
+                <a:ea typeface="微软雅黑" panose="020B0503020204020204" charset="-122"/>
+              </a:rPr>
+              <a:t>Anomaly Prediction</a:t>
+            </a:r>
+          </a:p>
+        </p:txBody>
+      </p:sp>
+      <p:sp>
+        <p:nvSpPr>
+          <p:cNvPr id="47" name="文本框 46"/>
+          <p:cNvSpPr txBox="1"/>
+          <p:nvPr/>
+        </p:nvSpPr>
+        <p:spPr>
+          <a:xfrm>
+            <a:off x="3004185" y="1074420"/>
+            <a:ext cx="2552065" cy="645160"/>
+          </a:xfrm>
+          <a:prstGeom prst="rect">
+            <a:avLst/>
+          </a:prstGeom>
+          <a:solidFill>
+            <a:srgbClr val="00B0F0"/>
+          </a:solidFill>
+        </p:spPr>
+        <p:txBody>
+          <a:bodyPr wrap="square">
+            <a:spAutoFit/>
+            <a:extLst>
+              <a:ext uri="{4A0BC546-FE56-4ADE-93B0-CB8AF2F6F144}">
+                <wpsdc:textFrameExt xmlns="" xmlns:wpsdc="http://www.wps.cn/officeDocument/2022/drawingmlCustomData" type="text"/>
+              </a:ext>
+            </a:extLst>
+          </a:bodyPr>
+          <a:lstStyle/>
+          <a:p>
+            <a:pPr algn="ctr"/>
+            <a:r>
+              <a:rPr lang="en-US" altLang="zh-CN" sz="1800">
+                <a:latin typeface="Arial" panose="020B0604020202020204" pitchFamily="34" charset="0"/>
+                <a:ea typeface="微软雅黑" panose="020B0503020204020204" charset="-122"/>
+              </a:rPr>
+              <a:t>MLP-based Reconstruction</a:t>
+            </a:r>
+          </a:p>
+        </p:txBody>
+      </p:sp>
+      <p:sp>
+        <p:nvSpPr>
+          <p:cNvPr id="48" name="文本框 47"/>
+          <p:cNvSpPr txBox="1"/>
+          <p:nvPr/>
+        </p:nvSpPr>
+        <p:spPr>
+          <a:xfrm>
+            <a:off x="6691630" y="1074420"/>
+            <a:ext cx="3156585" cy="645160"/>
+          </a:xfrm>
+          <a:prstGeom prst="rect">
+            <a:avLst/>
+          </a:prstGeom>
+          <a:solidFill>
+            <a:srgbClr val="00B0F0"/>
+          </a:solidFill>
+        </p:spPr>
+        <p:txBody>
+          <a:bodyPr wrap="square">
+            <a:spAutoFit/>
+            <a:extLst>
+              <a:ext uri="{4A0BC546-FE56-4ADE-93B0-CB8AF2F6F144}">
+                <wpsdc:textFrameExt xmlns="" xmlns:wpsdc="http://www.wps.cn/officeDocument/2022/drawingmlCustomData" type="text"/>
+              </a:ext>
+            </a:extLst>
+          </a:bodyPr>
+          <a:lstStyle/>
+          <a:p>
+            <a:pPr algn="ctr"/>
+            <a:r>
+              <a:rPr lang="en-US" altLang="zh-CN" sz="1800">
+                <a:latin typeface="Arial" panose="020B0604020202020204" pitchFamily="34" charset="0"/>
+                <a:ea typeface="微软雅黑" panose="020B0503020204020204" charset="-122"/>
+              </a:rPr>
+              <a:t>Similarities Between Multi-Scale Features</a:t>
+            </a:r>
+          </a:p>
+        </p:txBody>
+      </p:sp>
+      <p:pic>
+        <p:nvPicPr>
+          <p:cNvPr id="3" name="图片 2"/>
+          <p:cNvPicPr>
+            <a:picLocks noChangeAspect="1"/>
+          </p:cNvPicPr>
+          <p:nvPr/>
+        </p:nvPicPr>
+        <p:blipFill>
+          <a:blip r:embed="rId2"/>
+          <a:stretch>
+            <a:fillRect/>
+          </a:stretch>
+        </p:blipFill>
+        <p:spPr>
+          <a:xfrm>
+            <a:off x="1330441" y="3042015"/>
+            <a:ext cx="1852120" cy="868315"/>
+          </a:xfrm>
+          <a:prstGeom prst="rect">
+            <a:avLst/>
+          </a:prstGeom>
+        </p:spPr>
+      </p:pic>
+      <p:pic>
+        <p:nvPicPr>
+          <p:cNvPr id="4" name="图片 3"/>
+          <p:cNvPicPr>
+            <a:picLocks noChangeAspect="1"/>
+          </p:cNvPicPr>
+          <p:nvPr/>
+        </p:nvPicPr>
+        <p:blipFill>
+          <a:blip r:embed="rId3"/>
+          <a:stretch>
+            <a:fillRect/>
+          </a:stretch>
+        </p:blipFill>
+        <p:spPr>
+          <a:xfrm>
+            <a:off x="1309720" y="5155438"/>
+            <a:ext cx="1852118" cy="351282"/>
+          </a:xfrm>
+          <a:prstGeom prst="rect">
+            <a:avLst/>
+          </a:prstGeom>
+        </p:spPr>
+      </p:pic>
+      <p:cxnSp>
+        <p:nvCxnSpPr>
+          <p:cNvPr id="21" name="直接箭头连接符 20"/>
+          <p:cNvCxnSpPr>
+            <a:cxnSpLocks/>
+          </p:cNvCxnSpPr>
+          <p:nvPr/>
+        </p:nvCxnSpPr>
+        <p:spPr>
+          <a:xfrm flipH="1" flipV="1">
+            <a:off x="7198995" y="1736725"/>
+            <a:ext cx="1906" cy="405751"/>
+          </a:xfrm>
+          <a:prstGeom prst="straightConnector1">
+            <a:avLst/>
+          </a:prstGeom>
+          <a:ln w="31750" cap="rnd">
+            <a:solidFill>
+              <a:schemeClr val="accent2"/>
+            </a:solidFill>
+            <a:round/>
+            <a:tailEnd type="arrow" w="med" len="med"/>
+          </a:ln>
+        </p:spPr>
+        <p:style>
+          <a:lnRef idx="0">
+            <a:srgbClr val="FFFFFF"/>
+          </a:lnRef>
+          <a:fillRef idx="0">
+            <a:srgbClr val="FFFFFF"/>
+          </a:fillRef>
+          <a:effectRef idx="0">
+            <a:srgbClr val="FFFFFF"/>
+          </a:effectRef>
+          <a:fontRef idx="minor">
+            <a:schemeClr val="tx1"/>
+          </a:fontRef>
+        </p:style>
+      </p:cxnSp>
+      <p:cxnSp>
+        <p:nvCxnSpPr>
+          <p:cNvPr id="22" name="直接箭头连接符 21"/>
+          <p:cNvCxnSpPr/>
+          <p:nvPr/>
+        </p:nvCxnSpPr>
+        <p:spPr>
+          <a:xfrm flipV="1">
+            <a:off x="5208905" y="576580"/>
+            <a:ext cx="0" cy="337820"/>
+          </a:xfrm>
+          <a:prstGeom prst="straightConnector1">
+            <a:avLst/>
+          </a:prstGeom>
+          <a:ln w="31750" cap="rnd">
+            <a:solidFill>
+              <a:schemeClr val="accent2"/>
+            </a:solidFill>
+            <a:round/>
+            <a:tailEnd type="arrow" w="med" len="med"/>
+          </a:ln>
+        </p:spPr>
+        <p:style>
+          <a:lnRef idx="0">
+            <a:srgbClr val="FFFFFF"/>
+          </a:lnRef>
+          <a:fillRef idx="0">
+            <a:srgbClr val="FFFFFF"/>
+          </a:fillRef>
+          <a:effectRef idx="0">
+            <a:srgbClr val="FFFFFF"/>
+          </a:effectRef>
+          <a:fontRef idx="minor">
+            <a:schemeClr val="tx1"/>
+          </a:fontRef>
+        </p:style>
+      </p:cxnSp>
+      <p:cxnSp>
+        <p:nvCxnSpPr>
+          <p:cNvPr id="23" name="直接箭头连接符 22"/>
+          <p:cNvCxnSpPr/>
+          <p:nvPr/>
+        </p:nvCxnSpPr>
+        <p:spPr>
+          <a:xfrm flipV="1">
+            <a:off x="7198995" y="576580"/>
+            <a:ext cx="0" cy="337820"/>
+          </a:xfrm>
+          <a:prstGeom prst="straightConnector1">
+            <a:avLst/>
+          </a:prstGeom>
+          <a:ln w="31750" cap="rnd">
+            <a:solidFill>
+              <a:schemeClr val="accent2"/>
+            </a:solidFill>
+            <a:round/>
+            <a:tailEnd type="arrow" w="med" len="med"/>
+          </a:ln>
+        </p:spPr>
+        <p:style>
+          <a:lnRef idx="0">
+            <a:srgbClr val="FFFFFF"/>
+          </a:lnRef>
+          <a:fillRef idx="0">
+            <a:srgbClr val="FFFFFF"/>
+          </a:fillRef>
+          <a:effectRef idx="0">
+            <a:srgbClr val="FFFFFF"/>
+          </a:effectRef>
+          <a:fontRef idx="minor">
+            <a:schemeClr val="tx1"/>
+          </a:fontRef>
+        </p:style>
+      </p:cxnSp>
+      <p:cxnSp>
+        <p:nvCxnSpPr>
+          <p:cNvPr id="27" name="直接箭头连接符 26"/>
+          <p:cNvCxnSpPr>
+            <a:cxnSpLocks/>
+          </p:cNvCxnSpPr>
+          <p:nvPr/>
+        </p:nvCxnSpPr>
+        <p:spPr>
+          <a:xfrm flipH="1" flipV="1">
+            <a:off x="5208904" y="1745357"/>
+            <a:ext cx="1" cy="370781"/>
+          </a:xfrm>
+          <a:prstGeom prst="straightConnector1">
+            <a:avLst/>
+          </a:prstGeom>
+          <a:ln w="31750" cap="rnd">
+            <a:solidFill>
+              <a:schemeClr val="accent2"/>
+            </a:solidFill>
+            <a:round/>
+            <a:tailEnd type="arrow" w="med" len="med"/>
+          </a:ln>
+        </p:spPr>
+        <p:style>
+          <a:lnRef idx="0">
+            <a:srgbClr val="FFFFFF"/>
+          </a:lnRef>
+          <a:fillRef idx="0">
+            <a:srgbClr val="FFFFFF"/>
+          </a:fillRef>
+          <a:effectRef idx="0">
+            <a:srgbClr val="FFFFFF"/>
+          </a:effectRef>
+          <a:fontRef idx="minor">
+            <a:schemeClr val="tx1"/>
+          </a:fontRef>
+        </p:style>
+      </p:cxnSp>
+      <p:sp>
+        <p:nvSpPr>
+          <p:cNvPr id="28" name="文本框 27"/>
+          <p:cNvSpPr txBox="1"/>
+          <p:nvPr/>
+        </p:nvSpPr>
+        <p:spPr>
+          <a:xfrm>
+            <a:off x="5491932" y="6425565"/>
+            <a:ext cx="1353820" cy="368300"/>
+          </a:xfrm>
+          <a:prstGeom prst="rect">
+            <a:avLst/>
+          </a:prstGeom>
+          <a:solidFill>
+            <a:schemeClr val="bg1"/>
+          </a:solidFill>
+        </p:spPr>
+        <p:txBody>
+          <a:bodyPr wrap="square">
+            <a:spAutoFit/>
+            <a:extLst>
+              <a:ext uri="{4A0BC546-FE56-4ADE-93B0-CB8AF2F6F144}">
+                <wpsdc:textFrameExt xmlns="" xmlns:wpsdc="http://www.wps.cn/officeDocument/2022/drawingmlCustomData" type="text"/>
+              </a:ext>
+            </a:extLst>
+          </a:bodyPr>
+          <a:lstStyle/>
+          <a:p>
+            <a:pPr algn="ctr"/>
+            <a:r>
+              <a:rPr lang="en-US" altLang="zh-CN" sz="1800" dirty="0">
+                <a:latin typeface="Arial" panose="020B0604020202020204" pitchFamily="34" charset="0"/>
+                <a:ea typeface="微软雅黑" panose="020B0503020204020204" charset="-122"/>
+              </a:rPr>
+              <a:t>Input MTS</a:t>
+            </a:r>
+          </a:p>
+        </p:txBody>
+      </p:sp>
+      <p:cxnSp>
+        <p:nvCxnSpPr>
+          <p:cNvPr id="49" name="直接箭头连接符 48"/>
+          <p:cNvCxnSpPr>
+            <a:cxnSpLocks/>
+            <a:stCxn id="6" idx="1"/>
+            <a:endCxn id="4" idx="3"/>
+          </p:cNvCxnSpPr>
+          <p:nvPr/>
+        </p:nvCxnSpPr>
+        <p:spPr>
+          <a:xfrm flipH="1">
+            <a:off x="3161838" y="4399137"/>
+            <a:ext cx="1730972" cy="931942"/>
+          </a:xfrm>
+          <a:prstGeom prst="straightConnector1">
+            <a:avLst/>
+          </a:prstGeom>
+          <a:ln w="12700" cap="flat" cmpd="sng" algn="ctr">
+            <a:solidFill>
+              <a:schemeClr val="accent2"/>
+            </a:solidFill>
+            <a:prstDash val="dash"/>
+            <a:miter lim="800000"/>
+            <a:tailEnd type="arrow" w="med" len="med"/>
+          </a:ln>
+        </p:spPr>
+        <p:style>
+          <a:lnRef idx="0">
+            <a:schemeClr val="accent1"/>
+          </a:lnRef>
+          <a:fillRef idx="0">
+            <a:srgbClr val="FFFFFF"/>
+          </a:fillRef>
+          <a:effectRef idx="0">
+            <a:srgbClr val="FFFFFF"/>
+          </a:effectRef>
+          <a:fontRef idx="minor">
+            <a:schemeClr val="tx1"/>
+          </a:fontRef>
+        </p:style>
+      </p:cxnSp>
+      <p:cxnSp>
+        <p:nvCxnSpPr>
+          <p:cNvPr id="50" name="直接箭头连接符 49"/>
+          <p:cNvCxnSpPr>
+            <a:cxnSpLocks/>
+            <a:stCxn id="7" idx="1"/>
+            <a:endCxn id="3" idx="3"/>
+          </p:cNvCxnSpPr>
+          <p:nvPr/>
+        </p:nvCxnSpPr>
+        <p:spPr>
+          <a:xfrm flipH="1">
+            <a:off x="3182561" y="3468083"/>
+            <a:ext cx="1710249" cy="8090"/>
+          </a:xfrm>
+          <a:prstGeom prst="straightConnector1">
+            <a:avLst/>
+          </a:prstGeom>
+          <a:ln w="12700" cap="flat" cmpd="sng" algn="ctr">
+            <a:solidFill>
+              <a:schemeClr val="accent2"/>
+            </a:solidFill>
+            <a:prstDash val="dash"/>
+            <a:miter lim="800000"/>
+            <a:tailEnd type="arrow" w="med" len="med"/>
+          </a:ln>
+        </p:spPr>
+        <p:style>
+          <a:lnRef idx="0">
+            <a:schemeClr val="accent1"/>
+          </a:lnRef>
+          <a:fillRef idx="0">
+            <a:srgbClr val="FFFFFF"/>
+          </a:fillRef>
+          <a:effectRef idx="0">
+            <a:srgbClr val="FFFFFF"/>
+          </a:effectRef>
+          <a:fontRef idx="minor">
+            <a:schemeClr val="tx1"/>
+          </a:fontRef>
+        </p:style>
+      </p:cxnSp>
+      <p:sp>
+        <p:nvSpPr>
+          <p:cNvPr id="51" name="文本框 50"/>
+          <p:cNvSpPr txBox="1"/>
+          <p:nvPr/>
+        </p:nvSpPr>
+        <p:spPr>
+          <a:xfrm>
+            <a:off x="7442200" y="571500"/>
+            <a:ext cx="2339975" cy="368300"/>
+          </a:xfrm>
+          <a:prstGeom prst="rect">
+            <a:avLst/>
+          </a:prstGeom>
+          <a:noFill/>
+        </p:spPr>
+        <p:txBody>
+          <a:bodyPr wrap="square" rtlCol="0" anchor="t">
+            <a:spAutoFit/>
+          </a:bodyPr>
+          <a:lstStyle/>
+          <a:p>
+            <a:r>
+              <a:rPr lang="en-US" altLang="zh-CN">
+                <a:latin typeface="Arial" panose="020B0604020202020204" pitchFamily="34" charset="0"/>
+                <a:ea typeface="微软雅黑" panose="020B0503020204020204" charset="-122"/>
+                <a:sym typeface="+mn-ea"/>
+              </a:rPr>
+              <a:t>Euclidean Distance</a:t>
+            </a:r>
+          </a:p>
+        </p:txBody>
+      </p:sp>
+      <p:sp>
+        <p:nvSpPr>
+          <p:cNvPr id="52" name="文本框 51"/>
+          <p:cNvSpPr txBox="1"/>
+          <p:nvPr/>
+        </p:nvSpPr>
+        <p:spPr>
+          <a:xfrm>
+            <a:off x="2691765" y="546100"/>
+            <a:ext cx="2299970" cy="368300"/>
+          </a:xfrm>
+          <a:prstGeom prst="rect">
+            <a:avLst/>
+          </a:prstGeom>
+          <a:noFill/>
+        </p:spPr>
+        <p:txBody>
+          <a:bodyPr wrap="square" rtlCol="0" anchor="t">
+            <a:spAutoFit/>
+          </a:bodyPr>
+          <a:lstStyle/>
+          <a:p>
+            <a:pPr algn="ctr"/>
+            <a:r>
+              <a:rPr lang="en-US" altLang="zh-CN">
+                <a:latin typeface="Arial" panose="020B0604020202020204" pitchFamily="34" charset="0"/>
+                <a:ea typeface="微软雅黑" panose="020B0503020204020204" charset="-122"/>
+                <a:sym typeface="+mn-ea"/>
+              </a:rPr>
+              <a:t>Reconstruction Error</a:t>
+            </a:r>
+          </a:p>
+        </p:txBody>
+      </p:sp>
+      <p:pic>
+        <p:nvPicPr>
+          <p:cNvPr id="53" name="图片 52"/>
+          <p:cNvPicPr>
+            <a:picLocks noChangeAspect="1"/>
+          </p:cNvPicPr>
+          <p:nvPr/>
+        </p:nvPicPr>
+        <p:blipFill>
+          <a:blip r:embed="rId4"/>
+          <a:stretch>
+            <a:fillRect/>
+          </a:stretch>
+        </p:blipFill>
+        <p:spPr>
+          <a:xfrm>
+            <a:off x="8501062" y="2180109"/>
+            <a:ext cx="3154045" cy="1055061"/>
+          </a:xfrm>
+          <a:prstGeom prst="rect">
+            <a:avLst/>
+          </a:prstGeom>
+        </p:spPr>
+      </p:pic>
+      <p:cxnSp>
+        <p:nvCxnSpPr>
+          <p:cNvPr id="54" name="直接箭头连接符 53"/>
+          <p:cNvCxnSpPr>
+            <a:cxnSpLocks/>
+            <a:stCxn id="45" idx="3"/>
+          </p:cNvCxnSpPr>
+          <p:nvPr/>
+        </p:nvCxnSpPr>
+        <p:spPr>
+          <a:xfrm>
+            <a:off x="7444875" y="2777203"/>
+            <a:ext cx="1045527" cy="459105"/>
+          </a:xfrm>
+          <a:prstGeom prst="straightConnector1">
+            <a:avLst/>
+          </a:prstGeom>
+          <a:ln w="12700" cap="flat" cmpd="sng" algn="ctr">
+            <a:solidFill>
+              <a:schemeClr val="accent2"/>
+            </a:solidFill>
+            <a:prstDash val="dash"/>
+            <a:miter lim="800000"/>
+            <a:tailEnd type="arrow" w="med" len="med"/>
+          </a:ln>
+        </p:spPr>
+        <p:style>
+          <a:lnRef idx="0">
+            <a:schemeClr val="accent1"/>
+          </a:lnRef>
+          <a:fillRef idx="0">
+            <a:srgbClr val="FFFFFF"/>
+          </a:fillRef>
+          <a:effectRef idx="0">
+            <a:srgbClr val="FFFFFF"/>
+          </a:effectRef>
+          <a:fontRef idx="minor">
+            <a:schemeClr val="tx1"/>
+          </a:fontRef>
+        </p:style>
+      </p:cxnSp>
+      <p:sp>
+        <p:nvSpPr>
+          <p:cNvPr id="55" name="文本框 54"/>
+          <p:cNvSpPr txBox="1"/>
+          <p:nvPr/>
+        </p:nvSpPr>
+        <p:spPr>
+          <a:xfrm>
+            <a:off x="9649750" y="3352800"/>
+            <a:ext cx="1353820" cy="368300"/>
+          </a:xfrm>
+          <a:prstGeom prst="rect">
+            <a:avLst/>
+          </a:prstGeom>
+          <a:solidFill>
+            <a:schemeClr val="bg1"/>
+          </a:solidFill>
+        </p:spPr>
+        <p:txBody>
+          <a:bodyPr wrap="square">
+            <a:spAutoFit/>
+            <a:extLst>
+              <a:ext uri="{4A0BC546-FE56-4ADE-93B0-CB8AF2F6F144}">
+                <wpsdc:textFrameExt xmlns="" xmlns:wpsdc="http://www.wps.cn/officeDocument/2022/drawingmlCustomData" type="text"/>
+              </a:ext>
+            </a:extLst>
+          </a:bodyPr>
+          <a:lstStyle/>
+          <a:p>
+            <a:pPr algn="ctr"/>
+            <a:r>
+              <a:rPr lang="en-US" altLang="zh-CN" sz="1800" dirty="0">
+                <a:latin typeface="Arial" panose="020B0604020202020204" pitchFamily="34" charset="0"/>
+                <a:ea typeface="微软雅黑" panose="020B0503020204020204" charset="-122"/>
+              </a:rPr>
+              <a:t>Nx</a:t>
+            </a:r>
+          </a:p>
+        </p:txBody>
+      </p:sp>
+      <p:cxnSp>
+        <p:nvCxnSpPr>
+          <p:cNvPr id="8" name="直接箭头连接符 7"/>
+          <p:cNvCxnSpPr>
+            <a:cxnSpLocks/>
+          </p:cNvCxnSpPr>
+          <p:nvPr/>
+        </p:nvCxnSpPr>
+        <p:spPr>
+          <a:xfrm flipH="1" flipV="1">
+            <a:off x="6168842" y="5996793"/>
+            <a:ext cx="11429" cy="527935"/>
+          </a:xfrm>
+          <a:prstGeom prst="straightConnector1">
+            <a:avLst/>
+          </a:prstGeom>
+          <a:ln w="31750" cap="rnd">
+            <a:solidFill>
+              <a:schemeClr val="accent2"/>
+            </a:solidFill>
+            <a:round/>
+            <a:tailEnd type="arrow" w="med" len="med"/>
+          </a:ln>
+        </p:spPr>
+        <p:style>
+          <a:lnRef idx="0">
+            <a:srgbClr val="FFFFFF"/>
+          </a:lnRef>
+          <a:fillRef idx="0">
+            <a:srgbClr val="FFFFFF"/>
+          </a:fillRef>
+          <a:effectRef idx="0">
+            <a:srgbClr val="FFFFFF"/>
+          </a:effectRef>
+          <a:fontRef idx="minor">
+            <a:schemeClr val="tx1"/>
+          </a:fontRef>
+        </p:style>
+      </p:cxnSp>
+      <p:sp>
+        <p:nvSpPr>
+          <p:cNvPr id="43" name="文本框 42"/>
+          <p:cNvSpPr txBox="1"/>
+          <p:nvPr/>
+        </p:nvSpPr>
+        <p:spPr>
+          <a:xfrm>
+            <a:off x="6295526" y="4535805"/>
+            <a:ext cx="2081530" cy="340360"/>
+          </a:xfrm>
+          <a:prstGeom prst="rect">
+            <a:avLst/>
+          </a:prstGeom>
+          <a:noFill/>
+        </p:spPr>
+        <p:txBody>
+          <a:bodyPr wrap="square">
+            <a:noAutofit/>
+            <a:extLst>
+              <a:ext uri="{4A0BC546-FE56-4ADE-93B0-CB8AF2F6F144}">
+                <wpsdc:textFrameExt xmlns="" xmlns:wpsdc="http://www.wps.cn/officeDocument/2022/drawingmlCustomData" type="text"/>
+              </a:ext>
+            </a:extLst>
+          </a:bodyPr>
+          <a:lstStyle/>
+          <a:p>
+            <a:pPr algn="ctr"/>
+            <a:r>
+              <a:rPr lang="en-US" altLang="zh-CN" sz="1800" dirty="0">
+                <a:latin typeface="Arial" panose="020B0604020202020204" pitchFamily="34" charset="0"/>
+                <a:ea typeface="微软雅黑" panose="020B0503020204020204" charset="-122"/>
+              </a:rPr>
+              <a:t>TopK Frequencies</a:t>
+            </a:r>
+          </a:p>
+        </p:txBody>
+      </p:sp>
+      <p:sp>
+        <p:nvSpPr>
+          <p:cNvPr id="56" name="文本框 55">
+            <a:extLst>
+              <a:ext uri="{FF2B5EF4-FFF2-40B4-BE49-F238E27FC236}">
+                <a16:creationId xmlns:a16="http://schemas.microsoft.com/office/drawing/2014/main" id="{83489BBB-E727-4EA6-8947-856E37A63292}"/>
+              </a:ext>
+            </a:extLst>
+          </p:cNvPr>
+          <p:cNvSpPr txBox="1"/>
+          <p:nvPr/>
+        </p:nvSpPr>
+        <p:spPr>
+          <a:xfrm>
+            <a:off x="8501062" y="4419390"/>
+            <a:ext cx="2286185" cy="646331"/>
+          </a:xfrm>
+          <a:prstGeom prst="rect">
+            <a:avLst/>
+          </a:prstGeom>
+          <a:solidFill>
+            <a:schemeClr val="bg1"/>
+          </a:solidFill>
+        </p:spPr>
+        <p:txBody>
+          <a:bodyPr wrap="square">
+            <a:spAutoFit/>
+            <a:extLst>
+              <a:ext uri="{4A0BC546-FE56-4ADE-93B0-CB8AF2F6F144}">
+                <wpsdc:textFrameExt xmlns="" xmlns:wpsdc="http://www.wps.cn/officeDocument/2022/drawingmlCustomData" type="text"/>
+              </a:ext>
+            </a:extLst>
+          </a:bodyPr>
+          <a:lstStyle/>
+          <a:p>
+            <a:pPr algn="ctr"/>
+            <a:r>
+              <a:rPr lang="en-US" altLang="zh-CN" b="1" dirty="0">
+                <a:latin typeface="Arial" panose="020B0604020202020204" pitchFamily="34" charset="0"/>
+                <a:ea typeface="微软雅黑" panose="020B0503020204020204" charset="-122"/>
+              </a:rPr>
+              <a:t>Frequency Domain Analysis Module</a:t>
+            </a:r>
+            <a:endParaRPr lang="en-US" altLang="zh-CN" sz="1800" b="1" dirty="0">
+              <a:latin typeface="Arial" panose="020B0604020202020204" pitchFamily="34" charset="0"/>
+              <a:ea typeface="微软雅黑" panose="020B0503020204020204" charset="-122"/>
+            </a:endParaRPr>
+          </a:p>
+        </p:txBody>
+      </p:sp>
+      <p:sp>
+        <p:nvSpPr>
+          <p:cNvPr id="57" name="文本框 56">
+            <a:extLst>
+              <a:ext uri="{FF2B5EF4-FFF2-40B4-BE49-F238E27FC236}">
+                <a16:creationId xmlns:a16="http://schemas.microsoft.com/office/drawing/2014/main" id="{A4888740-58F9-4AE8-8602-82CE95AA2BC0}"/>
+              </a:ext>
+            </a:extLst>
+          </p:cNvPr>
+          <p:cNvSpPr txBox="1"/>
+          <p:nvPr/>
+        </p:nvSpPr>
+        <p:spPr>
+          <a:xfrm>
+            <a:off x="1626925" y="2264729"/>
+            <a:ext cx="2286185" cy="646331"/>
+          </a:xfrm>
+          <a:prstGeom prst="rect">
+            <a:avLst/>
+          </a:prstGeom>
+          <a:solidFill>
+            <a:schemeClr val="bg1"/>
+          </a:solidFill>
+        </p:spPr>
+        <p:txBody>
+          <a:bodyPr wrap="square">
+            <a:spAutoFit/>
+            <a:extLst>
+              <a:ext uri="{4A0BC546-FE56-4ADE-93B0-CB8AF2F6F144}">
+                <wpsdc:textFrameExt xmlns="" xmlns:wpsdc="http://www.wps.cn/officeDocument/2022/drawingmlCustomData" type="text"/>
+              </a:ext>
+            </a:extLst>
+          </a:bodyPr>
+          <a:lstStyle/>
+          <a:p>
+            <a:pPr algn="ctr"/>
+            <a:r>
+              <a:rPr lang="en-US" altLang="zh-CN" b="1" dirty="0">
+                <a:latin typeface="Arial" panose="020B0604020202020204" pitchFamily="34" charset="0"/>
+                <a:ea typeface="微软雅黑" panose="020B0503020204020204" charset="-122"/>
+              </a:rPr>
+              <a:t>Multi-Scale Learning Module</a:t>
+            </a:r>
+            <a:endParaRPr lang="en-US" altLang="zh-CN" sz="1800" b="1" dirty="0">
+              <a:latin typeface="Arial" panose="020B0604020202020204" pitchFamily="34" charset="0"/>
+              <a:ea typeface="微软雅黑" panose="020B0503020204020204" charset="-122"/>
+            </a:endParaRPr>
+          </a:p>
+        </p:txBody>
+      </p:sp>
+      <p:sp>
+        <p:nvSpPr>
+          <p:cNvPr id="58" name="文本框 57">
+            <a:extLst>
+              <a:ext uri="{FF2B5EF4-FFF2-40B4-BE49-F238E27FC236}">
+                <a16:creationId xmlns:a16="http://schemas.microsoft.com/office/drawing/2014/main" id="{33568BAC-9AAB-4EAD-8520-5E3DB8811DAA}"/>
+              </a:ext>
+            </a:extLst>
+          </p:cNvPr>
+          <p:cNvSpPr txBox="1"/>
+          <p:nvPr/>
+        </p:nvSpPr>
+        <p:spPr>
+          <a:xfrm>
+            <a:off x="313227" y="591234"/>
+            <a:ext cx="2179262" cy="646331"/>
+          </a:xfrm>
+          <a:prstGeom prst="rect">
+            <a:avLst/>
+          </a:prstGeom>
+          <a:solidFill>
+            <a:schemeClr val="bg1"/>
+          </a:solidFill>
+        </p:spPr>
+        <p:txBody>
+          <a:bodyPr wrap="square">
+            <a:spAutoFit/>
+            <a:extLst>
+              <a:ext uri="{4A0BC546-FE56-4ADE-93B0-CB8AF2F6F144}">
+                <wpsdc:textFrameExt xmlns="" xmlns:wpsdc="http://www.wps.cn/officeDocument/2022/drawingmlCustomData" type="text"/>
+              </a:ext>
+            </a:extLst>
+          </a:bodyPr>
+          <a:lstStyle/>
+          <a:p>
+            <a:pPr algn="ctr"/>
+            <a:r>
+              <a:rPr lang="en-US" altLang="zh-CN" b="1" dirty="0">
+                <a:latin typeface="Arial" panose="020B0604020202020204" pitchFamily="34" charset="0"/>
+                <a:ea typeface="微软雅黑" panose="020B0503020204020204" charset="-122"/>
+              </a:rPr>
+              <a:t>Anomaly Prediction Module</a:t>
+            </a:r>
+            <a:endParaRPr lang="en-US" altLang="zh-CN" sz="1800" b="1" dirty="0">
+              <a:latin typeface="Arial" panose="020B0604020202020204" pitchFamily="34" charset="0"/>
+              <a:ea typeface="微软雅黑" panose="020B0503020204020204" charset="-122"/>
+            </a:endParaRPr>
+          </a:p>
+        </p:txBody>
+      </p:sp>
+      <p:sp>
+        <p:nvSpPr>
+          <p:cNvPr id="59" name="文本框 58">
+            <a:extLst>
+              <a:ext uri="{FF2B5EF4-FFF2-40B4-BE49-F238E27FC236}">
+                <a16:creationId xmlns:a16="http://schemas.microsoft.com/office/drawing/2014/main" id="{9FF7AEE1-8034-412E-8FD5-02FDEF595F28}"/>
+              </a:ext>
+            </a:extLst>
+          </p:cNvPr>
+          <p:cNvSpPr txBox="1"/>
+          <p:nvPr/>
+        </p:nvSpPr>
+        <p:spPr>
+          <a:xfrm>
+            <a:off x="4892810" y="2054782"/>
+            <a:ext cx="2552065" cy="368300"/>
+          </a:xfrm>
+          <a:prstGeom prst="rect">
+            <a:avLst/>
+          </a:prstGeom>
+          <a:solidFill>
+            <a:srgbClr val="00B050"/>
+          </a:solidFill>
+        </p:spPr>
+        <p:txBody>
+          <a:bodyPr wrap="square">
+            <a:spAutoFit/>
+            <a:extLst>
+              <a:ext uri="{4A0BC546-FE56-4ADE-93B0-CB8AF2F6F144}">
+                <wpsdc:textFrameExt xmlns="" xmlns:wpsdc="http://www.wps.cn/officeDocument/2022/drawingmlCustomData" type="text"/>
+              </a:ext>
+            </a:extLst>
+          </a:bodyPr>
+          <a:lstStyle/>
+          <a:p>
+            <a:pPr algn="ctr"/>
+            <a:r>
+              <a:rPr lang="en-US" altLang="zh-CN" dirty="0">
+                <a:latin typeface="Arial" panose="020B0604020202020204" pitchFamily="34" charset="0"/>
+                <a:ea typeface="微软雅黑" panose="020B0503020204020204" charset="-122"/>
+                <a:sym typeface="+mn-ea"/>
+              </a:rPr>
+              <a:t>Decoder</a:t>
+            </a:r>
+            <a:endParaRPr lang="en-US" altLang="zh-CN" sz="1800" dirty="0">
+              <a:latin typeface="Arial" panose="020B0604020202020204" pitchFamily="34" charset="0"/>
+              <a:ea typeface="微软雅黑" panose="020B0503020204020204" charset="-122"/>
+            </a:endParaRPr>
+          </a:p>
+        </p:txBody>
+      </p:sp>
+    </p:spTree>
+  </p:cSld>
+  <p:clrMapOvr>
+    <a:masterClrMapping/>
+  </p:clrMapOvr>
+</p:sld>
+</file>
+
+<file path=ppt/slides/slide11.xml><?xml version="1.0" encoding="utf-8"?>
+<p:sld xmlns:a="http://schemas.openxmlformats.org/drawingml/2006/main" xmlns:r="http://schemas.openxmlformats.org/officeDocument/2006/relationships" xmlns:p="http://schemas.openxmlformats.org/presentationml/2006/main">
+  <p:cSld>
+    <p:spTree>
+      <p:nvGrpSpPr>
+        <p:cNvPr id="1" name=""/>
+        <p:cNvGrpSpPr/>
+        <p:nvPr/>
+      </p:nvGrpSpPr>
+      <p:grpSpPr>
+        <a:xfrm>
+          <a:off x="0" y="0"/>
+          <a:ext cx="0" cy="0"/>
+          <a:chOff x="0" y="0"/>
+          <a:chExt cx="0" cy="0"/>
+        </a:xfrm>
+      </p:grpSpPr>
       <p:pic>
         <p:nvPicPr>
           <p:cNvPr id="2" name="图片 1"/>
@@ -6613,7 +8178,7 @@
 </p:sld>
 </file>
 
-<file path=ppt/slides/slide11.xml><?xml version="1.0" encoding="utf-8"?>
+<file path=ppt/slides/slide12.xml><?xml version="1.0" encoding="utf-8"?>
 <p:sld xmlns:a="http://schemas.openxmlformats.org/drawingml/2006/main" xmlns:r="http://schemas.openxmlformats.org/officeDocument/2006/relationships" xmlns:p="http://schemas.openxmlformats.org/presentationml/2006/main">
   <p:cSld>
     <p:spTree>
@@ -6972,7 +8537,7 @@
 </p:sld>
 </file>
 
-<file path=ppt/slides/slide12.xml><?xml version="1.0" encoding="utf-8"?>
+<file path=ppt/slides/slide13.xml><?xml version="1.0" encoding="utf-8"?>
 <p:sld xmlns:a="http://schemas.openxmlformats.org/drawingml/2006/main" xmlns:r="http://schemas.openxmlformats.org/officeDocument/2006/relationships" xmlns:p="http://schemas.openxmlformats.org/presentationml/2006/main">
   <p:cSld>
     <p:spTree>
@@ -7238,7 +8803,7 @@
 </p:sld>
 </file>
 
-<file path=ppt/slides/slide13.xml><?xml version="1.0" encoding="utf-8"?>
+<file path=ppt/slides/slide14.xml><?xml version="1.0" encoding="utf-8"?>
 <p:sld xmlns:a="http://schemas.openxmlformats.org/drawingml/2006/main" xmlns:r="http://schemas.openxmlformats.org/officeDocument/2006/relationships" xmlns:p="http://schemas.openxmlformats.org/presentationml/2006/main">
   <p:cSld>
     <p:spTree>
@@ -7410,7 +8975,7 @@
 </p:sld>
 </file>
 
-<file path=ppt/slides/slide14.xml><?xml version="1.0" encoding="utf-8"?>
+<file path=ppt/slides/slide15.xml><?xml version="1.0" encoding="utf-8"?>
 <p:sld xmlns:a="http://schemas.openxmlformats.org/drawingml/2006/main" xmlns:r="http://schemas.openxmlformats.org/officeDocument/2006/relationships" xmlns:p="http://schemas.openxmlformats.org/presentationml/2006/main">
   <p:cSld>
     <p:spTree>
@@ -7790,7 +9355,7 @@
 </p:sld>
 </file>
 
-<file path=ppt/slides/slide15.xml><?xml version="1.0" encoding="utf-8"?>
+<file path=ppt/slides/slide16.xml><?xml version="1.0" encoding="utf-8"?>
 <p:sld xmlns:a="http://schemas.openxmlformats.org/drawingml/2006/main" xmlns:r="http://schemas.openxmlformats.org/officeDocument/2006/relationships" xmlns:p="http://schemas.openxmlformats.org/presentationml/2006/main">
   <p:cSld>
     <p:spTree>
@@ -8032,7 +9597,7 @@
 </p:sld>
 </file>
 
-<file path=ppt/slides/slide16.xml><?xml version="1.0" encoding="utf-8"?>
+<file path=ppt/slides/slide17.xml><?xml version="1.0" encoding="utf-8"?>
 <p:sld xmlns:a="http://schemas.openxmlformats.org/drawingml/2006/main" xmlns:r="http://schemas.openxmlformats.org/officeDocument/2006/relationships" xmlns:p="http://schemas.openxmlformats.org/presentationml/2006/main">
   <p:cSld>
     <p:spTree>
@@ -8317,7 +9882,7 @@
 </p:sld>
 </file>
 
-<file path=ppt/slides/slide17.xml><?xml version="1.0" encoding="utf-8"?>
+<file path=ppt/slides/slide18.xml><?xml version="1.0" encoding="utf-8"?>
 <p:sld xmlns:a="http://schemas.openxmlformats.org/drawingml/2006/main" xmlns:r="http://schemas.openxmlformats.org/officeDocument/2006/relationships" xmlns:p="http://schemas.openxmlformats.org/presentationml/2006/main">
   <p:cSld>
     <p:spTree>
@@ -8571,7 +10136,7 @@
 </p:sld>
 </file>
 
-<file path=ppt/slides/slide18.xml><?xml version="1.0" encoding="utf-8"?>
+<file path=ppt/slides/slide19.xml><?xml version="1.0" encoding="utf-8"?>
 <p:sld xmlns:a="http://schemas.openxmlformats.org/drawingml/2006/main" xmlns:r="http://schemas.openxmlformats.org/officeDocument/2006/relationships" xmlns:p="http://schemas.openxmlformats.org/presentationml/2006/main">
   <p:cSld>
     <p:spTree>
@@ -8821,7 +10386,155 @@
 </p:sld>
 </file>
 
-<file path=ppt/slides/slide19.xml><?xml version="1.0" encoding="utf-8"?>
+<file path=ppt/slides/slide2.xml><?xml version="1.0" encoding="utf-8"?>
+<p:sld xmlns:a="http://schemas.openxmlformats.org/drawingml/2006/main" xmlns:r="http://schemas.openxmlformats.org/officeDocument/2006/relationships" xmlns:p="http://schemas.openxmlformats.org/presentationml/2006/main">
+  <p:cSld>
+    <p:spTree>
+      <p:nvGrpSpPr>
+        <p:cNvPr id="1" name=""/>
+        <p:cNvGrpSpPr/>
+        <p:nvPr/>
+      </p:nvGrpSpPr>
+      <p:grpSpPr>
+        <a:xfrm>
+          <a:off x="0" y="0"/>
+          <a:ext cx="0" cy="0"/>
+          <a:chOff x="0" y="0"/>
+          <a:chExt cx="0" cy="0"/>
+        </a:xfrm>
+      </p:grpSpPr>
+      <p:sp>
+        <p:nvSpPr>
+          <p:cNvPr id="2" name="矩形 1">
+            <a:extLst>
+              <a:ext uri="{FF2B5EF4-FFF2-40B4-BE49-F238E27FC236}">
+                <a16:creationId xmlns:a16="http://schemas.microsoft.com/office/drawing/2014/main" id="{B7CF5B09-6CE6-40CA-A273-DC160BFA844F}"/>
+              </a:ext>
+            </a:extLst>
+          </p:cNvPr>
+          <p:cNvSpPr/>
+          <p:nvPr/>
+        </p:nvSpPr>
+        <p:spPr>
+          <a:xfrm>
+            <a:off x="1039906" y="878541"/>
+            <a:ext cx="896470" cy="358588"/>
+          </a:xfrm>
+          <a:prstGeom prst="rect">
+            <a:avLst/>
+          </a:prstGeom>
+          <a:noFill/>
+          <a:ln w="19050">
+            <a:solidFill>
+              <a:schemeClr val="tx1"/>
+            </a:solidFill>
+          </a:ln>
+        </p:spPr>
+        <p:style>
+          <a:lnRef idx="2">
+            <a:schemeClr val="accent1">
+              <a:shade val="50000"/>
+            </a:schemeClr>
+          </a:lnRef>
+          <a:fillRef idx="1">
+            <a:schemeClr val="accent1"/>
+          </a:fillRef>
+          <a:effectRef idx="0">
+            <a:schemeClr val="accent1"/>
+          </a:effectRef>
+          <a:fontRef idx="minor">
+            <a:schemeClr val="lt1"/>
+          </a:fontRef>
+        </p:style>
+        <p:txBody>
+          <a:bodyPr rtlCol="0" anchor="ctr"/>
+          <a:lstStyle/>
+          <a:p>
+            <a:pPr algn="ctr"/>
+            <a:r>
+              <a:rPr lang="zh-CN" altLang="en-US" dirty="0">
+                <a:solidFill>
+                  <a:schemeClr val="tx1"/>
+                </a:solidFill>
+              </a:rPr>
+              <a:t>绪论</a:t>
+            </a:r>
+          </a:p>
+        </p:txBody>
+      </p:sp>
+      <p:sp>
+        <p:nvSpPr>
+          <p:cNvPr id="19" name="矩形 18">
+            <a:extLst>
+              <a:ext uri="{FF2B5EF4-FFF2-40B4-BE49-F238E27FC236}">
+                <a16:creationId xmlns:a16="http://schemas.microsoft.com/office/drawing/2014/main" id="{15B6D782-12B2-4DE7-9C86-773F88904A82}"/>
+              </a:ext>
+            </a:extLst>
+          </p:cNvPr>
+          <p:cNvSpPr/>
+          <p:nvPr/>
+        </p:nvSpPr>
+        <p:spPr>
+          <a:xfrm>
+            <a:off x="900953" y="2286000"/>
+            <a:ext cx="1174376" cy="358588"/>
+          </a:xfrm>
+          <a:prstGeom prst="rect">
+            <a:avLst/>
+          </a:prstGeom>
+          <a:noFill/>
+          <a:ln w="19050">
+            <a:solidFill>
+              <a:schemeClr val="tx1"/>
+            </a:solidFill>
+          </a:ln>
+        </p:spPr>
+        <p:style>
+          <a:lnRef idx="2">
+            <a:schemeClr val="accent1">
+              <a:shade val="50000"/>
+            </a:schemeClr>
+          </a:lnRef>
+          <a:fillRef idx="1">
+            <a:schemeClr val="accent1"/>
+          </a:fillRef>
+          <a:effectRef idx="0">
+            <a:schemeClr val="accent1"/>
+          </a:effectRef>
+          <a:fontRef idx="minor">
+            <a:schemeClr val="lt1"/>
+          </a:fontRef>
+        </p:style>
+        <p:txBody>
+          <a:bodyPr rtlCol="0" anchor="ctr"/>
+          <a:lstStyle/>
+          <a:p>
+            <a:pPr algn="ctr"/>
+            <a:r>
+              <a:rPr lang="zh-CN" altLang="en-US" dirty="0">
+                <a:solidFill>
+                  <a:schemeClr val="tx1"/>
+                </a:solidFill>
+              </a:rPr>
+              <a:t>相关理论</a:t>
+            </a:r>
+          </a:p>
+        </p:txBody>
+      </p:sp>
+    </p:spTree>
+    <p:extLst>
+      <p:ext uri="{BB962C8B-B14F-4D97-AF65-F5344CB8AC3E}">
+        <p14:creationId xmlns:p14="http://schemas.microsoft.com/office/powerpoint/2010/main" val="1461949996"/>
+      </p:ext>
+    </p:extLst>
+  </p:cSld>
+  <p:clrMapOvr>
+    <a:masterClrMapping/>
+  </p:clrMapOvr>
+</p:sld>
+</file>
+
+<file path=ppt/slides/slide20.xml><?xml version="1.0" encoding="utf-8"?>
 <p:sld xmlns:a="http://schemas.openxmlformats.org/drawingml/2006/main" xmlns:r="http://schemas.openxmlformats.org/officeDocument/2006/relationships" xmlns:p="http://schemas.openxmlformats.org/presentationml/2006/main">
   <p:cSld>
     <p:spTree>
@@ -8993,428 +10706,7 @@
 </p:sld>
 </file>
 
-<file path=ppt/slides/slide2.xml><?xml version="1.0" encoding="utf-8"?>
-<p:sld xmlns:a="http://schemas.openxmlformats.org/drawingml/2006/main" xmlns:r="http://schemas.openxmlformats.org/officeDocument/2006/relationships" xmlns:p="http://schemas.openxmlformats.org/presentationml/2006/main">
-  <p:cSld>
-    <p:spTree>
-      <p:nvGrpSpPr>
-        <p:cNvPr id="1" name=""/>
-        <p:cNvGrpSpPr/>
-        <p:nvPr/>
-      </p:nvGrpSpPr>
-      <p:grpSpPr>
-        <a:xfrm>
-          <a:off x="0" y="0"/>
-          <a:ext cx="0" cy="0"/>
-          <a:chOff x="0" y="0"/>
-          <a:chExt cx="0" cy="0"/>
-        </a:xfrm>
-      </p:grpSpPr>
-      <p:sp>
-        <p:nvSpPr>
-          <p:cNvPr id="4" name="圆角矩形 3"/>
-          <p:cNvSpPr/>
-          <p:nvPr/>
-        </p:nvSpPr>
-        <p:spPr>
-          <a:xfrm>
-            <a:off x="2211705" y="1156335"/>
-            <a:ext cx="4845050" cy="3541395"/>
-          </a:xfrm>
-          <a:prstGeom prst="roundRect">
-            <a:avLst/>
-          </a:prstGeom>
-          <a:solidFill>
-            <a:schemeClr val="bg1"/>
-          </a:solidFill>
-          <a:ln>
-            <a:solidFill>
-              <a:schemeClr val="tx1"/>
-            </a:solidFill>
-          </a:ln>
-        </p:spPr>
-        <p:style>
-          <a:lnRef idx="2">
-            <a:schemeClr val="accent1">
-              <a:lumMod val="75000"/>
-            </a:schemeClr>
-          </a:lnRef>
-          <a:fillRef idx="1">
-            <a:schemeClr val="accent1"/>
-          </a:fillRef>
-          <a:effectRef idx="0">
-            <a:srgbClr val="FFFFFF"/>
-          </a:effectRef>
-          <a:fontRef idx="minor">
-            <a:schemeClr val="lt1"/>
-          </a:fontRef>
-        </p:style>
-        <p:txBody>
-          <a:bodyPr rtlCol="0" anchor="ctr"/>
-          <a:lstStyle/>
-          <a:p>
-            <a:pPr algn="ctr"/>
-            <a:endParaRPr lang="zh-CN" altLang="en-US"/>
-          </a:p>
-        </p:txBody>
-      </p:sp>
-      <p:sp>
-        <p:nvSpPr>
-          <p:cNvPr id="58" name="文本框 57"/>
-          <p:cNvSpPr txBox="1"/>
-          <p:nvPr/>
-        </p:nvSpPr>
-        <p:spPr>
-          <a:xfrm>
-            <a:off x="3971925" y="1623695"/>
-            <a:ext cx="2658745" cy="368300"/>
-          </a:xfrm>
-          <a:prstGeom prst="rect">
-            <a:avLst/>
-          </a:prstGeom>
-          <a:solidFill>
-            <a:schemeClr val="accent4">
-              <a:lumMod val="60000"/>
-              <a:lumOff val="40000"/>
-            </a:schemeClr>
-          </a:solidFill>
-        </p:spPr>
-        <p:txBody>
-          <a:bodyPr wrap="square">
-            <a:spAutoFit/>
-            <a:extLst>
-              <a:ext uri="{4A0BC546-FE56-4ADE-93B0-CB8AF2F6F144}">
-                <wpsdc:textFrameExt xmlns:wpsdc="http://www.wps.cn/officeDocument/2022/drawingmlCustomData" xmlns="" type="text"/>
-              </a:ext>
-            </a:extLst>
-          </a:bodyPr>
-          <a:lstStyle/>
-          <a:p>
-            <a:pPr algn="ctr"/>
-            <a:r>
-              <a:rPr lang="en-US" altLang="zh-CN">
-                <a:solidFill>
-                  <a:schemeClr val="tx2"/>
-                </a:solidFill>
-                <a:latin typeface="Arial" panose="020B0604020202020204" pitchFamily="34" charset="0"/>
-                <a:ea typeface="微软雅黑" panose="020B0503020204020204" charset="-122"/>
-                <a:sym typeface="+mn-ea"/>
-              </a:rPr>
-              <a:t>Anomaly Scoring</a:t>
-            </a:r>
-            <a:endParaRPr lang="en-US" altLang="zh-CN" sz="1800">
-              <a:latin typeface="Arial" panose="020B0604020202020204" pitchFamily="34" charset="0"/>
-              <a:ea typeface="微软雅黑" panose="020B0503020204020204" charset="-122"/>
-            </a:endParaRPr>
-          </a:p>
-        </p:txBody>
-      </p:sp>
-      <p:sp>
-        <p:nvSpPr>
-          <p:cNvPr id="2" name="文本框 1"/>
-          <p:cNvSpPr txBox="1"/>
-          <p:nvPr/>
-        </p:nvSpPr>
-        <p:spPr>
-          <a:xfrm>
-            <a:off x="3971925" y="2546985"/>
-            <a:ext cx="2658745" cy="368300"/>
-          </a:xfrm>
-          <a:prstGeom prst="rect">
-            <a:avLst/>
-          </a:prstGeom>
-          <a:solidFill>
-            <a:schemeClr val="accent4">
-              <a:lumMod val="60000"/>
-              <a:lumOff val="40000"/>
-            </a:schemeClr>
-          </a:solidFill>
-        </p:spPr>
-        <p:txBody>
-          <a:bodyPr wrap="square">
-            <a:spAutoFit/>
-            <a:extLst>
-              <a:ext uri="{4A0BC546-FE56-4ADE-93B0-CB8AF2F6F144}">
-                <wpsdc:textFrameExt xmlns:wpsdc="http://www.wps.cn/officeDocument/2022/drawingmlCustomData" xmlns="" type="text"/>
-              </a:ext>
-            </a:extLst>
-          </a:bodyPr>
-          <a:lstStyle/>
-          <a:p>
-            <a:pPr algn="ctr"/>
-            <a:r>
-              <a:rPr lang="en-US" altLang="zh-CN">
-                <a:solidFill>
-                  <a:schemeClr val="tx2"/>
-                </a:solidFill>
-                <a:latin typeface="Arial" panose="020B0604020202020204" pitchFamily="34" charset="0"/>
-                <a:ea typeface="微软雅黑" panose="020B0503020204020204" charset="-122"/>
-                <a:sym typeface="+mn-ea"/>
-              </a:rPr>
-              <a:t>Thresholding</a:t>
-            </a:r>
-            <a:endParaRPr lang="en-US" altLang="zh-CN" sz="1800">
-              <a:latin typeface="Arial" panose="020B0604020202020204" pitchFamily="34" charset="0"/>
-              <a:ea typeface="微软雅黑" panose="020B0503020204020204" charset="-122"/>
-            </a:endParaRPr>
-          </a:p>
-        </p:txBody>
-      </p:sp>
-      <p:sp>
-        <p:nvSpPr>
-          <p:cNvPr id="3" name="文本框 2"/>
-          <p:cNvSpPr txBox="1"/>
-          <p:nvPr/>
-        </p:nvSpPr>
-        <p:spPr>
-          <a:xfrm>
-            <a:off x="3971925" y="3454400"/>
-            <a:ext cx="2658745" cy="368300"/>
-          </a:xfrm>
-          <a:prstGeom prst="rect">
-            <a:avLst/>
-          </a:prstGeom>
-          <a:solidFill>
-            <a:schemeClr val="accent4">
-              <a:lumMod val="60000"/>
-              <a:lumOff val="40000"/>
-            </a:schemeClr>
-          </a:solidFill>
-        </p:spPr>
-        <p:txBody>
-          <a:bodyPr wrap="square">
-            <a:spAutoFit/>
-            <a:extLst>
-              <a:ext uri="{4A0BC546-FE56-4ADE-93B0-CB8AF2F6F144}">
-                <wpsdc:textFrameExt xmlns:wpsdc="http://www.wps.cn/officeDocument/2022/drawingmlCustomData" xmlns="" type="text"/>
-              </a:ext>
-            </a:extLst>
-          </a:bodyPr>
-          <a:lstStyle/>
-          <a:p>
-            <a:pPr algn="ctr"/>
-            <a:r>
-              <a:rPr lang="en-US" altLang="zh-CN">
-                <a:solidFill>
-                  <a:schemeClr val="tx2"/>
-                </a:solidFill>
-                <a:latin typeface="Arial" panose="020B0604020202020204" pitchFamily="34" charset="0"/>
-                <a:ea typeface="微软雅黑" panose="020B0503020204020204" charset="-122"/>
-                <a:sym typeface="+mn-ea"/>
-              </a:rPr>
-              <a:t>Anomaly Detection</a:t>
-            </a:r>
-            <a:endParaRPr lang="en-US" altLang="zh-CN" sz="1800">
-              <a:latin typeface="Arial" panose="020B0604020202020204" pitchFamily="34" charset="0"/>
-              <a:ea typeface="微软雅黑" panose="020B0503020204020204" charset="-122"/>
-            </a:endParaRPr>
-          </a:p>
-        </p:txBody>
-      </p:sp>
-      <p:cxnSp>
-        <p:nvCxnSpPr>
-          <p:cNvPr id="5" name="直接箭头连接符 4"/>
-          <p:cNvCxnSpPr>
-            <a:stCxn id="58" idx="2"/>
-            <a:endCxn id="2" idx="0"/>
-          </p:cNvCxnSpPr>
-          <p:nvPr/>
-        </p:nvCxnSpPr>
-        <p:spPr>
-          <a:xfrm>
-            <a:off x="5301615" y="1991995"/>
-            <a:ext cx="0" cy="554990"/>
-          </a:xfrm>
-          <a:prstGeom prst="straightConnector1">
-            <a:avLst/>
-          </a:prstGeom>
-          <a:ln>
-            <a:tailEnd type="arrow"/>
-          </a:ln>
-        </p:spPr>
-        <p:style>
-          <a:lnRef idx="2">
-            <a:schemeClr val="accent1"/>
-          </a:lnRef>
-          <a:fillRef idx="0">
-            <a:srgbClr val="FFFFFF"/>
-          </a:fillRef>
-          <a:effectRef idx="0">
-            <a:srgbClr val="FFFFFF"/>
-          </a:effectRef>
-          <a:fontRef idx="minor">
-            <a:schemeClr val="tx1"/>
-          </a:fontRef>
-        </p:style>
-      </p:cxnSp>
-      <p:cxnSp>
-        <p:nvCxnSpPr>
-          <p:cNvPr id="6" name="直接箭头连接符 5"/>
-          <p:cNvCxnSpPr>
-            <a:stCxn id="2" idx="2"/>
-            <a:endCxn id="3" idx="0"/>
-          </p:cNvCxnSpPr>
-          <p:nvPr/>
-        </p:nvCxnSpPr>
-        <p:spPr>
-          <a:xfrm>
-            <a:off x="5301615" y="2915285"/>
-            <a:ext cx="0" cy="539115"/>
-          </a:xfrm>
-          <a:prstGeom prst="straightConnector1">
-            <a:avLst/>
-          </a:prstGeom>
-          <a:ln>
-            <a:tailEnd type="arrow"/>
-          </a:ln>
-        </p:spPr>
-        <p:style>
-          <a:lnRef idx="2">
-            <a:schemeClr val="accent1"/>
-          </a:lnRef>
-          <a:fillRef idx="0">
-            <a:srgbClr val="FFFFFF"/>
-          </a:fillRef>
-          <a:effectRef idx="0">
-            <a:srgbClr val="FFFFFF"/>
-          </a:effectRef>
-          <a:fontRef idx="minor">
-            <a:schemeClr val="tx1"/>
-          </a:fontRef>
-        </p:style>
-      </p:cxnSp>
-      <p:sp>
-        <p:nvSpPr>
-          <p:cNvPr id="7" name="文本框 6"/>
-          <p:cNvSpPr txBox="1"/>
-          <p:nvPr/>
-        </p:nvSpPr>
-        <p:spPr>
-          <a:xfrm rot="5400000">
-            <a:off x="2041525" y="1912620"/>
-            <a:ext cx="1636395" cy="368300"/>
-          </a:xfrm>
-          <a:prstGeom prst="rect">
-            <a:avLst/>
-          </a:prstGeom>
-          <a:solidFill>
-            <a:schemeClr val="accent4">
-              <a:lumMod val="60000"/>
-              <a:lumOff val="40000"/>
-            </a:schemeClr>
-          </a:solidFill>
-        </p:spPr>
-        <p:txBody>
-          <a:bodyPr wrap="square">
-            <a:spAutoFit/>
-            <a:extLst>
-              <a:ext uri="{4A0BC546-FE56-4ADE-93B0-CB8AF2F6F144}">
-                <wpsdc:textFrameExt xmlns:wpsdc="http://www.wps.cn/officeDocument/2022/drawingmlCustomData" xmlns="" type="text"/>
-              </a:ext>
-            </a:extLst>
-          </a:bodyPr>
-          <a:lstStyle/>
-          <a:p>
-            <a:pPr algn="ctr"/>
-            <a:r>
-              <a:rPr lang="en-US" altLang="zh-CN">
-                <a:solidFill>
-                  <a:schemeClr val="tx2"/>
-                </a:solidFill>
-                <a:latin typeface="Arial" panose="020B0604020202020204" pitchFamily="34" charset="0"/>
-                <a:ea typeface="微软雅黑" panose="020B0503020204020204" charset="-122"/>
-                <a:sym typeface="+mn-ea"/>
-              </a:rPr>
-              <a:t>Output Layer</a:t>
-            </a:r>
-            <a:endParaRPr lang="en-US" altLang="zh-CN" sz="1800">
-              <a:latin typeface="Arial" panose="020B0604020202020204" pitchFamily="34" charset="0"/>
-              <a:ea typeface="微软雅黑" panose="020B0503020204020204" charset="-122"/>
-            </a:endParaRPr>
-          </a:p>
-        </p:txBody>
-      </p:sp>
-      <p:sp>
-        <p:nvSpPr>
-          <p:cNvPr id="32" name="文本框 31"/>
-          <p:cNvSpPr txBox="1"/>
-          <p:nvPr/>
-        </p:nvSpPr>
-        <p:spPr>
-          <a:xfrm>
-            <a:off x="2877185" y="4107815"/>
-            <a:ext cx="3514725" cy="398780"/>
-          </a:xfrm>
-          <a:prstGeom prst="rect">
-            <a:avLst/>
-          </a:prstGeom>
-        </p:spPr>
-        <p:txBody>
-          <a:bodyPr wrap="square">
-            <a:spAutoFit/>
-            <a:extLst>
-              <a:ext uri="{4A0BC546-FE56-4ADE-93B0-CB8AF2F6F144}">
-                <wpsdc:textFrameExt xmlns:wpsdc="http://www.wps.cn/officeDocument/2022/drawingmlCustomData" xmlns="" type="text"/>
-              </a:ext>
-            </a:extLst>
-          </a:bodyPr>
-          <a:lstStyle/>
-          <a:p>
-            <a:pPr algn="l"/>
-            <a:r>
-              <a:rPr lang="en-US" altLang="zh-CN" sz="2000" b="1">
-                <a:latin typeface="Arial" panose="020B0604020202020204" pitchFamily="34" charset="0"/>
-                <a:ea typeface="微软雅黑" panose="020B0503020204020204" charset="-122"/>
-              </a:rPr>
-              <a:t>Anomaly Detection Module</a:t>
-            </a:r>
-          </a:p>
-        </p:txBody>
-      </p:sp>
-      <p:cxnSp>
-        <p:nvCxnSpPr>
-          <p:cNvPr id="9" name="直接箭头连接符 8"/>
-          <p:cNvCxnSpPr>
-            <a:endCxn id="58" idx="1"/>
-          </p:cNvCxnSpPr>
-          <p:nvPr/>
-        </p:nvCxnSpPr>
-        <p:spPr>
-          <a:xfrm>
-            <a:off x="3054350" y="1801495"/>
-            <a:ext cx="917575" cy="6350"/>
-          </a:xfrm>
-          <a:prstGeom prst="straightConnector1">
-            <a:avLst/>
-          </a:prstGeom>
-          <a:ln>
-            <a:tailEnd type="arrow"/>
-          </a:ln>
-        </p:spPr>
-        <p:style>
-          <a:lnRef idx="2">
-            <a:schemeClr val="accent1"/>
-          </a:lnRef>
-          <a:fillRef idx="0">
-            <a:srgbClr val="FFFFFF"/>
-          </a:fillRef>
-          <a:effectRef idx="0">
-            <a:srgbClr val="FFFFFF"/>
-          </a:effectRef>
-          <a:fontRef idx="minor">
-            <a:schemeClr val="tx1"/>
-          </a:fontRef>
-        </p:style>
-      </p:cxnSp>
-    </p:spTree>
-  </p:cSld>
-  <p:clrMapOvr>
-    <a:masterClrMapping/>
-  </p:clrMapOvr>
-</p:sld>
-</file>
-
-<file path=ppt/slides/slide20.xml><?xml version="1.0" encoding="utf-8"?>
+<file path=ppt/slides/slide21.xml><?xml version="1.0" encoding="utf-8"?>
 <p:sld xmlns:a="http://schemas.openxmlformats.org/drawingml/2006/main" xmlns:r="http://schemas.openxmlformats.org/officeDocument/2006/relationships" xmlns:p="http://schemas.openxmlformats.org/presentationml/2006/main">
   <p:cSld>
     <p:spTree>
@@ -9746,7 +11038,7 @@
 </p:sld>
 </file>
 
-<file path=ppt/slides/slide21.xml><?xml version="1.0" encoding="utf-8"?>
+<file path=ppt/slides/slide22.xml><?xml version="1.0" encoding="utf-8"?>
 <p:sld xmlns:a="http://schemas.openxmlformats.org/drawingml/2006/main" xmlns:r="http://schemas.openxmlformats.org/officeDocument/2006/relationships" xmlns:p="http://schemas.openxmlformats.org/presentationml/2006/main">
   <p:cSld>
     <p:spTree>
@@ -10023,7 +11315,7 @@
 </p:sld>
 </file>
 
-<file path=ppt/slides/slide22.xml><?xml version="1.0" encoding="utf-8"?>
+<file path=ppt/slides/slide23.xml><?xml version="1.0" encoding="utf-8"?>
 <p:sld xmlns:a="http://schemas.openxmlformats.org/drawingml/2006/main" xmlns:r="http://schemas.openxmlformats.org/officeDocument/2006/relationships" xmlns:p="http://schemas.openxmlformats.org/presentationml/2006/main">
   <p:cSld>
     <p:spTree>
@@ -20101,7 +21393,7 @@
 </p:sld>
 </file>
 
-<file path=ppt/slides/slide23.xml><?xml version="1.0" encoding="utf-8"?>
+<file path=ppt/slides/slide24.xml><?xml version="1.0" encoding="utf-8"?>
 <p:sld xmlns:a="http://schemas.openxmlformats.org/drawingml/2006/main" xmlns:r="http://schemas.openxmlformats.org/officeDocument/2006/relationships" xmlns:p="http://schemas.openxmlformats.org/presentationml/2006/main">
   <p:cSld>
     <p:spTree>
@@ -20278,7 +21570,7 @@
 </p:sld>
 </file>
 
-<file path=ppt/slides/slide24.xml><?xml version="1.0" encoding="utf-8"?>
+<file path=ppt/slides/slide25.xml><?xml version="1.0" encoding="utf-8"?>
 <p:sld xmlns:a="http://schemas.openxmlformats.org/drawingml/2006/main" xmlns:r="http://schemas.openxmlformats.org/officeDocument/2006/relationships" xmlns:p="http://schemas.openxmlformats.org/presentationml/2006/main">
   <p:cSld>
     <p:spTree>
@@ -21612,7 +22904,7 @@
 </p:sld>
 </file>
 
-<file path=ppt/slides/slide25.xml><?xml version="1.0" encoding="utf-8"?>
+<file path=ppt/slides/slide26.xml><?xml version="1.0" encoding="utf-8"?>
 <p:sld xmlns:a="http://schemas.openxmlformats.org/drawingml/2006/main" xmlns:r="http://schemas.openxmlformats.org/officeDocument/2006/relationships" xmlns:p="http://schemas.openxmlformats.org/presentationml/2006/main">
   <p:cSld>
     <p:spTree>
@@ -21789,7 +23081,7 @@
 </p:sld>
 </file>
 
-<file path=ppt/slides/slide26.xml><?xml version="1.0" encoding="utf-8"?>
+<file path=ppt/slides/slide27.xml><?xml version="1.0" encoding="utf-8"?>
 <p:sld xmlns:a="http://schemas.openxmlformats.org/drawingml/2006/main" xmlns:r="http://schemas.openxmlformats.org/officeDocument/2006/relationships" xmlns:p="http://schemas.openxmlformats.org/presentationml/2006/main">
   <p:cSld>
     <p:spTree>
@@ -22492,7 +23784,7 @@
 </p:sld>
 </file>
 
-<file path=ppt/slides/slide27.xml><?xml version="1.0" encoding="utf-8"?>
+<file path=ppt/slides/slide28.xml><?xml version="1.0" encoding="utf-8"?>
 <p:sld xmlns:a="http://schemas.openxmlformats.org/drawingml/2006/main" xmlns:r="http://schemas.openxmlformats.org/officeDocument/2006/relationships" xmlns:p="http://schemas.openxmlformats.org/presentationml/2006/main">
   <p:cSld>
     <p:spTree>
@@ -22669,7 +23961,7 @@
 </p:sld>
 </file>
 
-<file path=ppt/slides/slide28.xml><?xml version="1.0" encoding="utf-8"?>
+<file path=ppt/slides/slide29.xml><?xml version="1.0" encoding="utf-8"?>
 <p:sld xmlns:a="http://schemas.openxmlformats.org/drawingml/2006/main" xmlns:r="http://schemas.openxmlformats.org/officeDocument/2006/relationships" xmlns:p="http://schemas.openxmlformats.org/presentationml/2006/main">
   <p:cSld>
     <p:spTree>
@@ -23760,7 +25052,428 @@
 </p:sld>
 </file>
 
-<file path=ppt/slides/slide29.xml><?xml version="1.0" encoding="utf-8"?>
+<file path=ppt/slides/slide3.xml><?xml version="1.0" encoding="utf-8"?>
+<p:sld xmlns:a="http://schemas.openxmlformats.org/drawingml/2006/main" xmlns:r="http://schemas.openxmlformats.org/officeDocument/2006/relationships" xmlns:p="http://schemas.openxmlformats.org/presentationml/2006/main">
+  <p:cSld>
+    <p:spTree>
+      <p:nvGrpSpPr>
+        <p:cNvPr id="1" name=""/>
+        <p:cNvGrpSpPr/>
+        <p:nvPr/>
+      </p:nvGrpSpPr>
+      <p:grpSpPr>
+        <a:xfrm>
+          <a:off x="0" y="0"/>
+          <a:ext cx="0" cy="0"/>
+          <a:chOff x="0" y="0"/>
+          <a:chExt cx="0" cy="0"/>
+        </a:xfrm>
+      </p:grpSpPr>
+      <p:sp>
+        <p:nvSpPr>
+          <p:cNvPr id="4" name="圆角矩形 3"/>
+          <p:cNvSpPr/>
+          <p:nvPr/>
+        </p:nvSpPr>
+        <p:spPr>
+          <a:xfrm>
+            <a:off x="2211705" y="1156335"/>
+            <a:ext cx="4845050" cy="3541395"/>
+          </a:xfrm>
+          <a:prstGeom prst="roundRect">
+            <a:avLst/>
+          </a:prstGeom>
+          <a:solidFill>
+            <a:schemeClr val="bg1"/>
+          </a:solidFill>
+          <a:ln>
+            <a:solidFill>
+              <a:schemeClr val="tx1"/>
+            </a:solidFill>
+          </a:ln>
+        </p:spPr>
+        <p:style>
+          <a:lnRef idx="2">
+            <a:schemeClr val="accent1">
+              <a:lumMod val="75000"/>
+            </a:schemeClr>
+          </a:lnRef>
+          <a:fillRef idx="1">
+            <a:schemeClr val="accent1"/>
+          </a:fillRef>
+          <a:effectRef idx="0">
+            <a:srgbClr val="FFFFFF"/>
+          </a:effectRef>
+          <a:fontRef idx="minor">
+            <a:schemeClr val="lt1"/>
+          </a:fontRef>
+        </p:style>
+        <p:txBody>
+          <a:bodyPr rtlCol="0" anchor="ctr"/>
+          <a:lstStyle/>
+          <a:p>
+            <a:pPr algn="ctr"/>
+            <a:endParaRPr lang="zh-CN" altLang="en-US"/>
+          </a:p>
+        </p:txBody>
+      </p:sp>
+      <p:sp>
+        <p:nvSpPr>
+          <p:cNvPr id="58" name="文本框 57"/>
+          <p:cNvSpPr txBox="1"/>
+          <p:nvPr/>
+        </p:nvSpPr>
+        <p:spPr>
+          <a:xfrm>
+            <a:off x="3971925" y="1623695"/>
+            <a:ext cx="2658745" cy="368300"/>
+          </a:xfrm>
+          <a:prstGeom prst="rect">
+            <a:avLst/>
+          </a:prstGeom>
+          <a:solidFill>
+            <a:schemeClr val="accent4">
+              <a:lumMod val="60000"/>
+              <a:lumOff val="40000"/>
+            </a:schemeClr>
+          </a:solidFill>
+        </p:spPr>
+        <p:txBody>
+          <a:bodyPr wrap="square">
+            <a:spAutoFit/>
+            <a:extLst>
+              <a:ext uri="{4A0BC546-FE56-4ADE-93B0-CB8AF2F6F144}">
+                <wpsdc:textFrameExt xmlns="" xmlns:wpsdc="http://www.wps.cn/officeDocument/2022/drawingmlCustomData" type="text"/>
+              </a:ext>
+            </a:extLst>
+          </a:bodyPr>
+          <a:lstStyle/>
+          <a:p>
+            <a:pPr algn="ctr"/>
+            <a:r>
+              <a:rPr lang="en-US" altLang="zh-CN">
+                <a:solidFill>
+                  <a:schemeClr val="tx2"/>
+                </a:solidFill>
+                <a:latin typeface="Arial" panose="020B0604020202020204" pitchFamily="34" charset="0"/>
+                <a:ea typeface="微软雅黑" panose="020B0503020204020204" charset="-122"/>
+                <a:sym typeface="+mn-ea"/>
+              </a:rPr>
+              <a:t>Anomaly Scoring</a:t>
+            </a:r>
+            <a:endParaRPr lang="en-US" altLang="zh-CN" sz="1800">
+              <a:latin typeface="Arial" panose="020B0604020202020204" pitchFamily="34" charset="0"/>
+              <a:ea typeface="微软雅黑" panose="020B0503020204020204" charset="-122"/>
+            </a:endParaRPr>
+          </a:p>
+        </p:txBody>
+      </p:sp>
+      <p:sp>
+        <p:nvSpPr>
+          <p:cNvPr id="2" name="文本框 1"/>
+          <p:cNvSpPr txBox="1"/>
+          <p:nvPr/>
+        </p:nvSpPr>
+        <p:spPr>
+          <a:xfrm>
+            <a:off x="3971925" y="2546985"/>
+            <a:ext cx="2658745" cy="368300"/>
+          </a:xfrm>
+          <a:prstGeom prst="rect">
+            <a:avLst/>
+          </a:prstGeom>
+          <a:solidFill>
+            <a:schemeClr val="accent4">
+              <a:lumMod val="60000"/>
+              <a:lumOff val="40000"/>
+            </a:schemeClr>
+          </a:solidFill>
+        </p:spPr>
+        <p:txBody>
+          <a:bodyPr wrap="square">
+            <a:spAutoFit/>
+            <a:extLst>
+              <a:ext uri="{4A0BC546-FE56-4ADE-93B0-CB8AF2F6F144}">
+                <wpsdc:textFrameExt xmlns="" xmlns:wpsdc="http://www.wps.cn/officeDocument/2022/drawingmlCustomData" type="text"/>
+              </a:ext>
+            </a:extLst>
+          </a:bodyPr>
+          <a:lstStyle/>
+          <a:p>
+            <a:pPr algn="ctr"/>
+            <a:r>
+              <a:rPr lang="en-US" altLang="zh-CN">
+                <a:solidFill>
+                  <a:schemeClr val="tx2"/>
+                </a:solidFill>
+                <a:latin typeface="Arial" panose="020B0604020202020204" pitchFamily="34" charset="0"/>
+                <a:ea typeface="微软雅黑" panose="020B0503020204020204" charset="-122"/>
+                <a:sym typeface="+mn-ea"/>
+              </a:rPr>
+              <a:t>Thresholding</a:t>
+            </a:r>
+            <a:endParaRPr lang="en-US" altLang="zh-CN" sz="1800">
+              <a:latin typeface="Arial" panose="020B0604020202020204" pitchFamily="34" charset="0"/>
+              <a:ea typeface="微软雅黑" panose="020B0503020204020204" charset="-122"/>
+            </a:endParaRPr>
+          </a:p>
+        </p:txBody>
+      </p:sp>
+      <p:sp>
+        <p:nvSpPr>
+          <p:cNvPr id="3" name="文本框 2"/>
+          <p:cNvSpPr txBox="1"/>
+          <p:nvPr/>
+        </p:nvSpPr>
+        <p:spPr>
+          <a:xfrm>
+            <a:off x="3971925" y="3454400"/>
+            <a:ext cx="2658745" cy="368300"/>
+          </a:xfrm>
+          <a:prstGeom prst="rect">
+            <a:avLst/>
+          </a:prstGeom>
+          <a:solidFill>
+            <a:schemeClr val="accent4">
+              <a:lumMod val="60000"/>
+              <a:lumOff val="40000"/>
+            </a:schemeClr>
+          </a:solidFill>
+        </p:spPr>
+        <p:txBody>
+          <a:bodyPr wrap="square">
+            <a:spAutoFit/>
+            <a:extLst>
+              <a:ext uri="{4A0BC546-FE56-4ADE-93B0-CB8AF2F6F144}">
+                <wpsdc:textFrameExt xmlns="" xmlns:wpsdc="http://www.wps.cn/officeDocument/2022/drawingmlCustomData" type="text"/>
+              </a:ext>
+            </a:extLst>
+          </a:bodyPr>
+          <a:lstStyle/>
+          <a:p>
+            <a:pPr algn="ctr"/>
+            <a:r>
+              <a:rPr lang="en-US" altLang="zh-CN">
+                <a:solidFill>
+                  <a:schemeClr val="tx2"/>
+                </a:solidFill>
+                <a:latin typeface="Arial" panose="020B0604020202020204" pitchFamily="34" charset="0"/>
+                <a:ea typeface="微软雅黑" panose="020B0503020204020204" charset="-122"/>
+                <a:sym typeface="+mn-ea"/>
+              </a:rPr>
+              <a:t>Anomaly Detection</a:t>
+            </a:r>
+            <a:endParaRPr lang="en-US" altLang="zh-CN" sz="1800">
+              <a:latin typeface="Arial" panose="020B0604020202020204" pitchFamily="34" charset="0"/>
+              <a:ea typeface="微软雅黑" panose="020B0503020204020204" charset="-122"/>
+            </a:endParaRPr>
+          </a:p>
+        </p:txBody>
+      </p:sp>
+      <p:cxnSp>
+        <p:nvCxnSpPr>
+          <p:cNvPr id="5" name="直接箭头连接符 4"/>
+          <p:cNvCxnSpPr>
+            <a:stCxn id="58" idx="2"/>
+            <a:endCxn id="2" idx="0"/>
+          </p:cNvCxnSpPr>
+          <p:nvPr/>
+        </p:nvCxnSpPr>
+        <p:spPr>
+          <a:xfrm>
+            <a:off x="5301615" y="1991995"/>
+            <a:ext cx="0" cy="554990"/>
+          </a:xfrm>
+          <a:prstGeom prst="straightConnector1">
+            <a:avLst/>
+          </a:prstGeom>
+          <a:ln>
+            <a:tailEnd type="arrow"/>
+          </a:ln>
+        </p:spPr>
+        <p:style>
+          <a:lnRef idx="2">
+            <a:schemeClr val="accent1"/>
+          </a:lnRef>
+          <a:fillRef idx="0">
+            <a:srgbClr val="FFFFFF"/>
+          </a:fillRef>
+          <a:effectRef idx="0">
+            <a:srgbClr val="FFFFFF"/>
+          </a:effectRef>
+          <a:fontRef idx="minor">
+            <a:schemeClr val="tx1"/>
+          </a:fontRef>
+        </p:style>
+      </p:cxnSp>
+      <p:cxnSp>
+        <p:nvCxnSpPr>
+          <p:cNvPr id="6" name="直接箭头连接符 5"/>
+          <p:cNvCxnSpPr>
+            <a:stCxn id="2" idx="2"/>
+            <a:endCxn id="3" idx="0"/>
+          </p:cNvCxnSpPr>
+          <p:nvPr/>
+        </p:nvCxnSpPr>
+        <p:spPr>
+          <a:xfrm>
+            <a:off x="5301615" y="2915285"/>
+            <a:ext cx="0" cy="539115"/>
+          </a:xfrm>
+          <a:prstGeom prst="straightConnector1">
+            <a:avLst/>
+          </a:prstGeom>
+          <a:ln>
+            <a:tailEnd type="arrow"/>
+          </a:ln>
+        </p:spPr>
+        <p:style>
+          <a:lnRef idx="2">
+            <a:schemeClr val="accent1"/>
+          </a:lnRef>
+          <a:fillRef idx="0">
+            <a:srgbClr val="FFFFFF"/>
+          </a:fillRef>
+          <a:effectRef idx="0">
+            <a:srgbClr val="FFFFFF"/>
+          </a:effectRef>
+          <a:fontRef idx="minor">
+            <a:schemeClr val="tx1"/>
+          </a:fontRef>
+        </p:style>
+      </p:cxnSp>
+      <p:sp>
+        <p:nvSpPr>
+          <p:cNvPr id="7" name="文本框 6"/>
+          <p:cNvSpPr txBox="1"/>
+          <p:nvPr/>
+        </p:nvSpPr>
+        <p:spPr>
+          <a:xfrm rot="5400000">
+            <a:off x="2041525" y="1912620"/>
+            <a:ext cx="1636395" cy="368300"/>
+          </a:xfrm>
+          <a:prstGeom prst="rect">
+            <a:avLst/>
+          </a:prstGeom>
+          <a:solidFill>
+            <a:schemeClr val="accent4">
+              <a:lumMod val="60000"/>
+              <a:lumOff val="40000"/>
+            </a:schemeClr>
+          </a:solidFill>
+        </p:spPr>
+        <p:txBody>
+          <a:bodyPr wrap="square">
+            <a:spAutoFit/>
+            <a:extLst>
+              <a:ext uri="{4A0BC546-FE56-4ADE-93B0-CB8AF2F6F144}">
+                <wpsdc:textFrameExt xmlns="" xmlns:wpsdc="http://www.wps.cn/officeDocument/2022/drawingmlCustomData" type="text"/>
+              </a:ext>
+            </a:extLst>
+          </a:bodyPr>
+          <a:lstStyle/>
+          <a:p>
+            <a:pPr algn="ctr"/>
+            <a:r>
+              <a:rPr lang="en-US" altLang="zh-CN">
+                <a:solidFill>
+                  <a:schemeClr val="tx2"/>
+                </a:solidFill>
+                <a:latin typeface="Arial" panose="020B0604020202020204" pitchFamily="34" charset="0"/>
+                <a:ea typeface="微软雅黑" panose="020B0503020204020204" charset="-122"/>
+                <a:sym typeface="+mn-ea"/>
+              </a:rPr>
+              <a:t>Output Layer</a:t>
+            </a:r>
+            <a:endParaRPr lang="en-US" altLang="zh-CN" sz="1800">
+              <a:latin typeface="Arial" panose="020B0604020202020204" pitchFamily="34" charset="0"/>
+              <a:ea typeface="微软雅黑" panose="020B0503020204020204" charset="-122"/>
+            </a:endParaRPr>
+          </a:p>
+        </p:txBody>
+      </p:sp>
+      <p:sp>
+        <p:nvSpPr>
+          <p:cNvPr id="32" name="文本框 31"/>
+          <p:cNvSpPr txBox="1"/>
+          <p:nvPr/>
+        </p:nvSpPr>
+        <p:spPr>
+          <a:xfrm>
+            <a:off x="2877185" y="4107815"/>
+            <a:ext cx="3514725" cy="398780"/>
+          </a:xfrm>
+          <a:prstGeom prst="rect">
+            <a:avLst/>
+          </a:prstGeom>
+        </p:spPr>
+        <p:txBody>
+          <a:bodyPr wrap="square">
+            <a:spAutoFit/>
+            <a:extLst>
+              <a:ext uri="{4A0BC546-FE56-4ADE-93B0-CB8AF2F6F144}">
+                <wpsdc:textFrameExt xmlns="" xmlns:wpsdc="http://www.wps.cn/officeDocument/2022/drawingmlCustomData" type="text"/>
+              </a:ext>
+            </a:extLst>
+          </a:bodyPr>
+          <a:lstStyle/>
+          <a:p>
+            <a:pPr algn="l"/>
+            <a:r>
+              <a:rPr lang="en-US" altLang="zh-CN" sz="2000" b="1">
+                <a:latin typeface="Arial" panose="020B0604020202020204" pitchFamily="34" charset="0"/>
+                <a:ea typeface="微软雅黑" panose="020B0503020204020204" charset="-122"/>
+              </a:rPr>
+              <a:t>Anomaly Detection Module</a:t>
+            </a:r>
+          </a:p>
+        </p:txBody>
+      </p:sp>
+      <p:cxnSp>
+        <p:nvCxnSpPr>
+          <p:cNvPr id="9" name="直接箭头连接符 8"/>
+          <p:cNvCxnSpPr>
+            <a:endCxn id="58" idx="1"/>
+          </p:cNvCxnSpPr>
+          <p:nvPr/>
+        </p:nvCxnSpPr>
+        <p:spPr>
+          <a:xfrm>
+            <a:off x="3054350" y="1801495"/>
+            <a:ext cx="917575" cy="6350"/>
+          </a:xfrm>
+          <a:prstGeom prst="straightConnector1">
+            <a:avLst/>
+          </a:prstGeom>
+          <a:ln>
+            <a:tailEnd type="arrow"/>
+          </a:ln>
+        </p:spPr>
+        <p:style>
+          <a:lnRef idx="2">
+            <a:schemeClr val="accent1"/>
+          </a:lnRef>
+          <a:fillRef idx="0">
+            <a:srgbClr val="FFFFFF"/>
+          </a:fillRef>
+          <a:effectRef idx="0">
+            <a:srgbClr val="FFFFFF"/>
+          </a:effectRef>
+          <a:fontRef idx="minor">
+            <a:schemeClr val="tx1"/>
+          </a:fontRef>
+        </p:style>
+      </p:cxnSp>
+    </p:spTree>
+  </p:cSld>
+  <p:clrMapOvr>
+    <a:masterClrMapping/>
+  </p:clrMapOvr>
+</p:sld>
+</file>
+
+<file path=ppt/slides/slide30.xml><?xml version="1.0" encoding="utf-8"?>
 <p:sld xmlns:a="http://schemas.openxmlformats.org/drawingml/2006/main" xmlns:r="http://schemas.openxmlformats.org/officeDocument/2006/relationships" xmlns:p="http://schemas.openxmlformats.org/presentationml/2006/main">
   <p:cSld>
     <p:spTree>
@@ -26415,7 +28128,67 @@
 </p:sld>
 </file>
 
-<file path=ppt/slides/slide3.xml><?xml version="1.0" encoding="utf-8"?>
+<file path=ppt/slides/slide31.xml><?xml version="1.0" encoding="utf-8"?>
+<p:sld xmlns:a="http://schemas.openxmlformats.org/drawingml/2006/main" xmlns:r="http://schemas.openxmlformats.org/officeDocument/2006/relationships" xmlns:p="http://schemas.openxmlformats.org/presentationml/2006/main">
+  <p:cSld>
+    <p:spTree>
+      <p:nvGrpSpPr>
+        <p:cNvPr id="1" name=""/>
+        <p:cNvGrpSpPr/>
+        <p:nvPr/>
+      </p:nvGrpSpPr>
+      <p:grpSpPr>
+        <a:xfrm>
+          <a:off x="0" y="0"/>
+          <a:ext cx="0" cy="0"/>
+          <a:chOff x="0" y="0"/>
+          <a:chExt cx="0" cy="0"/>
+        </a:xfrm>
+      </p:grpSpPr>
+      <p:pic>
+        <p:nvPicPr>
+          <p:cNvPr id="3" name="图片 2">
+            <a:extLst>
+              <a:ext uri="{FF2B5EF4-FFF2-40B4-BE49-F238E27FC236}">
+                <a16:creationId xmlns:a16="http://schemas.microsoft.com/office/drawing/2014/main" id="{E784256A-C87B-42CA-8E3B-B2AA21B40CC7}"/>
+              </a:ext>
+            </a:extLst>
+          </p:cNvPr>
+          <p:cNvPicPr>
+            <a:picLocks noChangeAspect="1"/>
+          </p:cNvPicPr>
+          <p:nvPr/>
+        </p:nvPicPr>
+        <p:blipFill>
+          <a:blip r:embed="rId2"/>
+          <a:stretch>
+            <a:fillRect/>
+          </a:stretch>
+        </p:blipFill>
+        <p:spPr>
+          <a:xfrm>
+            <a:off x="2158785" y="280916"/>
+            <a:ext cx="7874430" cy="6296168"/>
+          </a:xfrm>
+          <a:prstGeom prst="rect">
+            <a:avLst/>
+          </a:prstGeom>
+        </p:spPr>
+      </p:pic>
+    </p:spTree>
+    <p:extLst>
+      <p:ext uri="{BB962C8B-B14F-4D97-AF65-F5344CB8AC3E}">
+        <p14:creationId xmlns:p14="http://schemas.microsoft.com/office/powerpoint/2010/main" val="3759090110"/>
+      </p:ext>
+    </p:extLst>
+  </p:cSld>
+  <p:clrMapOvr>
+    <a:masterClrMapping/>
+  </p:clrMapOvr>
+</p:sld>
+</file>
+
+<file path=ppt/slides/slide4.xml><?xml version="1.0" encoding="utf-8"?>
 <p:sld xmlns:a="http://schemas.openxmlformats.org/drawingml/2006/main" xmlns:r="http://schemas.openxmlformats.org/officeDocument/2006/relationships" xmlns:p="http://schemas.openxmlformats.org/presentationml/2006/main">
   <p:cSld>
     <p:spTree>
@@ -28672,7 +30445,7 @@
             <a:spAutoFit/>
             <a:extLst>
               <a:ext uri="{4A0BC546-FE56-4ADE-93B0-CB8AF2F6F144}">
-                <wpsdc:textFrameExt xmlns:wpsdc="http://www.wps.cn/officeDocument/2022/drawingmlCustomData" xmlns="" type="text"/>
+                <wpsdc:textFrameExt xmlns="" xmlns:wpsdc="http://www.wps.cn/officeDocument/2022/drawingmlCustomData" type="text"/>
               </a:ext>
             </a:extLst>
           </a:bodyPr>
@@ -28709,7 +30482,7 @@
             <a:spAutoFit/>
             <a:extLst>
               <a:ext uri="{4A0BC546-FE56-4ADE-93B0-CB8AF2F6F144}">
-                <wpsdc:textFrameExt xmlns:wpsdc="http://www.wps.cn/officeDocument/2022/drawingmlCustomData" xmlns="" type="text"/>
+                <wpsdc:textFrameExt xmlns="" xmlns:wpsdc="http://www.wps.cn/officeDocument/2022/drawingmlCustomData" type="text"/>
               </a:ext>
             </a:extLst>
           </a:bodyPr>
@@ -29282,7 +31055,7 @@
             <a:noAutofit/>
             <a:extLst>
               <a:ext uri="{4A0BC546-FE56-4ADE-93B0-CB8AF2F6F144}">
-                <wpsdc:textFrameExt xmlns:wpsdc="http://www.wps.cn/officeDocument/2022/drawingmlCustomData" xmlns="" type="text"/>
+                <wpsdc:textFrameExt xmlns="" xmlns:wpsdc="http://www.wps.cn/officeDocument/2022/drawingmlCustomData" type="text"/>
               </a:ext>
             </a:extLst>
           </a:bodyPr>
@@ -29332,7 +31105,7 @@
             <a:spAutoFit/>
             <a:extLst>
               <a:ext uri="{4A0BC546-FE56-4ADE-93B0-CB8AF2F6F144}">
-                <wpsdc:textFrameExt xmlns:wpsdc="http://www.wps.cn/officeDocument/2022/drawingmlCustomData" xmlns="" type="text"/>
+                <wpsdc:textFrameExt xmlns="" xmlns:wpsdc="http://www.wps.cn/officeDocument/2022/drawingmlCustomData" type="text"/>
               </a:ext>
             </a:extLst>
           </a:bodyPr>
@@ -29488,7 +31261,7 @@
             <a:spAutoFit/>
             <a:extLst>
               <a:ext uri="{4A0BC546-FE56-4ADE-93B0-CB8AF2F6F144}">
-                <wpsdc:textFrameExt xmlns:wpsdc="http://www.wps.cn/officeDocument/2022/drawingmlCustomData" xmlns="" type="text"/>
+                <wpsdc:textFrameExt xmlns="" xmlns:wpsdc="http://www.wps.cn/officeDocument/2022/drawingmlCustomData" type="text"/>
               </a:ext>
             </a:extLst>
           </a:bodyPr>
@@ -29528,7 +31301,7 @@
             <a:spAutoFit/>
             <a:extLst>
               <a:ext uri="{4A0BC546-FE56-4ADE-93B0-CB8AF2F6F144}">
-                <wpsdc:textFrameExt xmlns:wpsdc="http://www.wps.cn/officeDocument/2022/drawingmlCustomData" xmlns="" type="text"/>
+                <wpsdc:textFrameExt xmlns="" xmlns:wpsdc="http://www.wps.cn/officeDocument/2022/drawingmlCustomData" type="text"/>
               </a:ext>
             </a:extLst>
           </a:bodyPr>
@@ -30307,7 +32080,7 @@
             <a:noAutofit/>
             <a:extLst>
               <a:ext uri="{4A0BC546-FE56-4ADE-93B0-CB8AF2F6F144}">
-                <wpsdc:textFrameExt xmlns:wpsdc="http://www.wps.cn/officeDocument/2022/drawingmlCustomData" xmlns="" type="text"/>
+                <wpsdc:textFrameExt xmlns="" xmlns:wpsdc="http://www.wps.cn/officeDocument/2022/drawingmlCustomData" type="text"/>
               </a:ext>
             </a:extLst>
           </a:bodyPr>
@@ -30320,1484 +32093,6 @@
                 <a:ea typeface="微软雅黑" panose="020B0503020204020204" charset="-122"/>
               </a:rPr>
               <a:t>Subsequence Division</a:t>
-            </a:r>
-          </a:p>
-        </p:txBody>
-      </p:sp>
-    </p:spTree>
-  </p:cSld>
-  <p:clrMapOvr>
-    <a:masterClrMapping/>
-  </p:clrMapOvr>
-</p:sld>
-</file>
-
-<file path=ppt/slides/slide30.xml><?xml version="1.0" encoding="utf-8"?>
-<p:sld xmlns:a="http://schemas.openxmlformats.org/drawingml/2006/main" xmlns:r="http://schemas.openxmlformats.org/officeDocument/2006/relationships" xmlns:p="http://schemas.openxmlformats.org/presentationml/2006/main">
-  <p:cSld>
-    <p:spTree>
-      <p:nvGrpSpPr>
-        <p:cNvPr id="1" name=""/>
-        <p:cNvGrpSpPr/>
-        <p:nvPr/>
-      </p:nvGrpSpPr>
-      <p:grpSpPr>
-        <a:xfrm>
-          <a:off x="0" y="0"/>
-          <a:ext cx="0" cy="0"/>
-          <a:chOff x="0" y="0"/>
-          <a:chExt cx="0" cy="0"/>
-        </a:xfrm>
-      </p:grpSpPr>
-      <p:pic>
-        <p:nvPicPr>
-          <p:cNvPr id="3" name="图片 2">
-            <a:extLst>
-              <a:ext uri="{FF2B5EF4-FFF2-40B4-BE49-F238E27FC236}">
-                <a16:creationId xmlns:a16="http://schemas.microsoft.com/office/drawing/2014/main" id="{E784256A-C87B-42CA-8E3B-B2AA21B40CC7}"/>
-              </a:ext>
-            </a:extLst>
-          </p:cNvPr>
-          <p:cNvPicPr>
-            <a:picLocks noChangeAspect="1"/>
-          </p:cNvPicPr>
-          <p:nvPr/>
-        </p:nvPicPr>
-        <p:blipFill>
-          <a:blip r:embed="rId2"/>
-          <a:stretch>
-            <a:fillRect/>
-          </a:stretch>
-        </p:blipFill>
-        <p:spPr>
-          <a:xfrm>
-            <a:off x="2158785" y="280916"/>
-            <a:ext cx="7874430" cy="6296168"/>
-          </a:xfrm>
-          <a:prstGeom prst="rect">
-            <a:avLst/>
-          </a:prstGeom>
-        </p:spPr>
-      </p:pic>
-    </p:spTree>
-    <p:extLst>
-      <p:ext uri="{BB962C8B-B14F-4D97-AF65-F5344CB8AC3E}">
-        <p14:creationId xmlns:p14="http://schemas.microsoft.com/office/powerpoint/2010/main" val="3759090110"/>
-      </p:ext>
-    </p:extLst>
-  </p:cSld>
-  <p:clrMapOvr>
-    <a:masterClrMapping/>
-  </p:clrMapOvr>
-</p:sld>
-</file>
-
-<file path=ppt/slides/slide4.xml><?xml version="1.0" encoding="utf-8"?>
-<p:sld xmlns:a="http://schemas.openxmlformats.org/drawingml/2006/main" xmlns:r="http://schemas.openxmlformats.org/officeDocument/2006/relationships" xmlns:p="http://schemas.openxmlformats.org/presentationml/2006/main">
-  <p:cSld>
-    <p:spTree>
-      <p:nvGrpSpPr>
-        <p:cNvPr id="1" name=""/>
-        <p:cNvGrpSpPr/>
-        <p:nvPr/>
-      </p:nvGrpSpPr>
-      <p:grpSpPr>
-        <a:xfrm>
-          <a:off x="0" y="0"/>
-          <a:ext cx="0" cy="0"/>
-          <a:chOff x="0" y="0"/>
-          <a:chExt cx="0" cy="0"/>
-        </a:xfrm>
-      </p:grpSpPr>
-      <p:sp>
-        <p:nvSpPr>
-          <p:cNvPr id="4" name="圆角矩形 3"/>
-          <p:cNvSpPr/>
-          <p:nvPr/>
-        </p:nvSpPr>
-        <p:spPr>
-          <a:xfrm>
-            <a:off x="2374900" y="1139190"/>
-            <a:ext cx="5250815" cy="2692400"/>
-          </a:xfrm>
-          <a:prstGeom prst="roundRect">
-            <a:avLst/>
-          </a:prstGeom>
-          <a:solidFill>
-            <a:schemeClr val="bg1"/>
-          </a:solidFill>
-          <a:ln>
-            <a:solidFill>
-              <a:schemeClr val="tx1"/>
-            </a:solidFill>
-          </a:ln>
-        </p:spPr>
-        <p:style>
-          <a:lnRef idx="2">
-            <a:schemeClr val="accent1">
-              <a:lumMod val="75000"/>
-            </a:schemeClr>
-          </a:lnRef>
-          <a:fillRef idx="1">
-            <a:schemeClr val="accent1"/>
-          </a:fillRef>
-          <a:effectRef idx="0">
-            <a:srgbClr val="FFFFFF"/>
-          </a:effectRef>
-          <a:fontRef idx="minor">
-            <a:schemeClr val="lt1"/>
-          </a:fontRef>
-        </p:style>
-        <p:txBody>
-          <a:bodyPr rtlCol="0" anchor="ctr"/>
-          <a:lstStyle/>
-          <a:p>
-            <a:pPr algn="ctr"/>
-            <a:endParaRPr lang="zh-CN" altLang="en-US"/>
-          </a:p>
-        </p:txBody>
-      </p:sp>
-      <p:sp>
-        <p:nvSpPr>
-          <p:cNvPr id="13" name="文本框 12"/>
-          <p:cNvSpPr txBox="1"/>
-          <p:nvPr/>
-        </p:nvSpPr>
-        <p:spPr>
-          <a:xfrm>
-            <a:off x="4689475" y="2404110"/>
-            <a:ext cx="283210" cy="368300"/>
-          </a:xfrm>
-          <a:prstGeom prst="rect">
-            <a:avLst/>
-          </a:prstGeom>
-          <a:noFill/>
-        </p:spPr>
-        <p:txBody>
-          <a:bodyPr wrap="none" rtlCol="0" anchor="t">
-            <a:spAutoFit/>
-          </a:bodyPr>
-          <a:lstStyle/>
-          <a:p>
-            <a:r>
-              <a:rPr lang="zh-CN" altLang="en-US">
-                <a:latin typeface="微软雅黑" panose="020B0503020204020204" charset="-122"/>
-                <a:ea typeface="微软雅黑" panose="020B0503020204020204" charset="-122"/>
-              </a:rPr>
-              <a:t>•</a:t>
-            </a:r>
-          </a:p>
-        </p:txBody>
-      </p:sp>
-      <p:sp>
-        <p:nvSpPr>
-          <p:cNvPr id="14" name="文本框 13"/>
-          <p:cNvSpPr txBox="1"/>
-          <p:nvPr/>
-        </p:nvSpPr>
-        <p:spPr>
-          <a:xfrm>
-            <a:off x="4689475" y="2611120"/>
-            <a:ext cx="283210" cy="368300"/>
-          </a:xfrm>
-          <a:prstGeom prst="rect">
-            <a:avLst/>
-          </a:prstGeom>
-          <a:noFill/>
-        </p:spPr>
-        <p:txBody>
-          <a:bodyPr wrap="none" rtlCol="0" anchor="t">
-            <a:spAutoFit/>
-          </a:bodyPr>
-          <a:lstStyle/>
-          <a:p>
-            <a:r>
-              <a:rPr lang="zh-CN" altLang="en-US">
-                <a:latin typeface="微软雅黑" panose="020B0503020204020204" charset="-122"/>
-                <a:ea typeface="微软雅黑" panose="020B0503020204020204" charset="-122"/>
-              </a:rPr>
-              <a:t>•</a:t>
-            </a:r>
-          </a:p>
-        </p:txBody>
-      </p:sp>
-      <p:sp>
-        <p:nvSpPr>
-          <p:cNvPr id="15" name="文本框 14"/>
-          <p:cNvSpPr txBox="1"/>
-          <p:nvPr/>
-        </p:nvSpPr>
-        <p:spPr>
-          <a:xfrm>
-            <a:off x="4689475" y="2830195"/>
-            <a:ext cx="283210" cy="368300"/>
-          </a:xfrm>
-          <a:prstGeom prst="rect">
-            <a:avLst/>
-          </a:prstGeom>
-          <a:noFill/>
-        </p:spPr>
-        <p:txBody>
-          <a:bodyPr wrap="none" rtlCol="0" anchor="t">
-            <a:spAutoFit/>
-          </a:bodyPr>
-          <a:lstStyle/>
-          <a:p>
-            <a:r>
-              <a:rPr lang="zh-CN" altLang="en-US">
-                <a:latin typeface="微软雅黑" panose="020B0503020204020204" charset="-122"/>
-                <a:ea typeface="微软雅黑" panose="020B0503020204020204" charset="-122"/>
-              </a:rPr>
-              <a:t>•</a:t>
-            </a:r>
-          </a:p>
-        </p:txBody>
-      </p:sp>
-      <p:sp>
-        <p:nvSpPr>
-          <p:cNvPr id="17" name="文本框 16"/>
-          <p:cNvSpPr txBox="1"/>
-          <p:nvPr/>
-        </p:nvSpPr>
-        <p:spPr>
-          <a:xfrm>
-            <a:off x="3185795" y="1211580"/>
-            <a:ext cx="3440430" cy="368300"/>
-          </a:xfrm>
-          <a:prstGeom prst="rect">
-            <a:avLst/>
-          </a:prstGeom>
-        </p:spPr>
-        <p:txBody>
-          <a:bodyPr wrap="square">
-            <a:spAutoFit/>
-            <a:extLst>
-              <a:ext uri="{4A0BC546-FE56-4ADE-93B0-CB8AF2F6F144}">
-                <wpsdc:textFrameExt xmlns:wpsdc="http://www.wps.cn/officeDocument/2022/drawingmlCustomData" xmlns="" type="text"/>
-              </a:ext>
-            </a:extLst>
-          </a:bodyPr>
-          <a:lstStyle/>
-          <a:p>
-            <a:pPr algn="l"/>
-            <a:r>
-              <a:rPr lang="en-US" altLang="zh-CN" sz="1800">
-                <a:latin typeface="Arial" panose="020B0604020202020204" pitchFamily="34" charset="0"/>
-                <a:ea typeface="微软雅黑" panose="020B0503020204020204" charset="-122"/>
-              </a:rPr>
-              <a:t>Input Multivariate Time Series</a:t>
-            </a:r>
-          </a:p>
-        </p:txBody>
-      </p:sp>
-      <p:sp>
-        <p:nvSpPr>
-          <p:cNvPr id="18" name="文本框 17"/>
-          <p:cNvSpPr txBox="1"/>
-          <p:nvPr/>
-        </p:nvSpPr>
-        <p:spPr>
-          <a:xfrm>
-            <a:off x="3501390" y="1541780"/>
-            <a:ext cx="1763395" cy="368300"/>
-          </a:xfrm>
-          <a:prstGeom prst="rect">
-            <a:avLst/>
-          </a:prstGeom>
-        </p:spPr>
-        <p:txBody>
-          <a:bodyPr wrap="square">
-            <a:spAutoFit/>
-            <a:extLst>
-              <a:ext uri="{4A0BC546-FE56-4ADE-93B0-CB8AF2F6F144}">
-                <wpsdc:textFrameExt xmlns:wpsdc="http://www.wps.cn/officeDocument/2022/drawingmlCustomData" xmlns="" type="text"/>
-              </a:ext>
-            </a:extLst>
-          </a:bodyPr>
-          <a:lstStyle/>
-          <a:p>
-            <a:pPr algn="l"/>
-            <a:r>
-              <a:rPr lang="en-US" altLang="zh-CN" sz="1800">
-                <a:latin typeface="Arial" panose="020B0604020202020204" pitchFamily="34" charset="0"/>
-                <a:ea typeface="微软雅黑" panose="020B0503020204020204" charset="-122"/>
-              </a:rPr>
-              <a:t>N Embeddings</a:t>
-            </a:r>
-          </a:p>
-        </p:txBody>
-      </p:sp>
-      <p:sp>
-        <p:nvSpPr>
-          <p:cNvPr id="2" name="矩形 1"/>
-          <p:cNvSpPr/>
-          <p:nvPr/>
-        </p:nvSpPr>
-        <p:spPr>
-          <a:xfrm>
-            <a:off x="3501390" y="2058035"/>
-            <a:ext cx="1596390" cy="198120"/>
-          </a:xfrm>
-          <a:prstGeom prst="rect">
-            <a:avLst/>
-          </a:prstGeom>
-          <a:solidFill>
-            <a:schemeClr val="accent5">
-              <a:lumMod val="40000"/>
-              <a:lumOff val="60000"/>
-            </a:schemeClr>
-          </a:solidFill>
-        </p:spPr>
-        <p:style>
-          <a:lnRef idx="2">
-            <a:schemeClr val="accent1">
-              <a:lumMod val="75000"/>
-            </a:schemeClr>
-          </a:lnRef>
-          <a:fillRef idx="1">
-            <a:schemeClr val="accent1"/>
-          </a:fillRef>
-          <a:effectRef idx="0">
-            <a:srgbClr val="FFFFFF"/>
-          </a:effectRef>
-          <a:fontRef idx="minor">
-            <a:schemeClr val="lt1"/>
-          </a:fontRef>
-        </p:style>
-        <p:txBody>
-          <a:bodyPr rtlCol="0" anchor="ctr"/>
-          <a:lstStyle/>
-          <a:p>
-            <a:pPr algn="ctr"/>
-            <a:endParaRPr lang="zh-CN" altLang="en-US"/>
-          </a:p>
-        </p:txBody>
-      </p:sp>
-      <p:sp>
-        <p:nvSpPr>
-          <p:cNvPr id="3" name="矩形 2"/>
-          <p:cNvSpPr/>
-          <p:nvPr/>
-        </p:nvSpPr>
-        <p:spPr>
-          <a:xfrm>
-            <a:off x="3501390" y="2256155"/>
-            <a:ext cx="1596390" cy="198120"/>
-          </a:xfrm>
-          <a:prstGeom prst="rect">
-            <a:avLst/>
-          </a:prstGeom>
-          <a:solidFill>
-            <a:schemeClr val="accent6">
-              <a:lumMod val="40000"/>
-              <a:lumOff val="60000"/>
-            </a:schemeClr>
-          </a:solidFill>
-        </p:spPr>
-        <p:style>
-          <a:lnRef idx="2">
-            <a:schemeClr val="accent1">
-              <a:lumMod val="75000"/>
-            </a:schemeClr>
-          </a:lnRef>
-          <a:fillRef idx="1">
-            <a:schemeClr val="accent1"/>
-          </a:fillRef>
-          <a:effectRef idx="0">
-            <a:srgbClr val="FFFFFF"/>
-          </a:effectRef>
-          <a:fontRef idx="minor">
-            <a:schemeClr val="lt1"/>
-          </a:fontRef>
-        </p:style>
-        <p:txBody>
-          <a:bodyPr rtlCol="0" anchor="ctr"/>
-          <a:lstStyle/>
-          <a:p>
-            <a:pPr algn="ctr"/>
-            <a:endParaRPr lang="zh-CN" altLang="en-US"/>
-          </a:p>
-        </p:txBody>
-      </p:sp>
-      <p:sp>
-        <p:nvSpPr>
-          <p:cNvPr id="5" name="矩形 4"/>
-          <p:cNvSpPr/>
-          <p:nvPr/>
-        </p:nvSpPr>
-        <p:spPr>
-          <a:xfrm>
-            <a:off x="3501390" y="3018155"/>
-            <a:ext cx="1596390" cy="198120"/>
-          </a:xfrm>
-          <a:prstGeom prst="rect">
-            <a:avLst/>
-          </a:prstGeom>
-          <a:solidFill>
-            <a:schemeClr val="accent3">
-              <a:lumMod val="75000"/>
-            </a:schemeClr>
-          </a:solidFill>
-        </p:spPr>
-        <p:style>
-          <a:lnRef idx="2">
-            <a:schemeClr val="accent1">
-              <a:lumMod val="75000"/>
-            </a:schemeClr>
-          </a:lnRef>
-          <a:fillRef idx="1">
-            <a:schemeClr val="accent1"/>
-          </a:fillRef>
-          <a:effectRef idx="0">
-            <a:srgbClr val="FFFFFF"/>
-          </a:effectRef>
-          <a:fontRef idx="minor">
-            <a:schemeClr val="lt1"/>
-          </a:fontRef>
-        </p:style>
-        <p:txBody>
-          <a:bodyPr rtlCol="0" anchor="ctr"/>
-          <a:lstStyle/>
-          <a:p>
-            <a:pPr algn="ctr"/>
-            <a:endParaRPr lang="zh-CN" altLang="en-US"/>
-          </a:p>
-        </p:txBody>
-      </p:sp>
-      <p:sp>
-        <p:nvSpPr>
-          <p:cNvPr id="6" name="矩形 5"/>
-          <p:cNvSpPr/>
-          <p:nvPr/>
-        </p:nvSpPr>
-        <p:spPr>
-          <a:xfrm>
-            <a:off x="3501390" y="2461895"/>
-            <a:ext cx="1596390" cy="545465"/>
-          </a:xfrm>
-          <a:prstGeom prst="rect">
-            <a:avLst/>
-          </a:prstGeom>
-          <a:solidFill>
-            <a:schemeClr val="bg1"/>
-          </a:solidFill>
-        </p:spPr>
-        <p:style>
-          <a:lnRef idx="2">
-            <a:schemeClr val="accent1">
-              <a:lumMod val="75000"/>
-            </a:schemeClr>
-          </a:lnRef>
-          <a:fillRef idx="1">
-            <a:schemeClr val="accent1"/>
-          </a:fillRef>
-          <a:effectRef idx="0">
-            <a:srgbClr val="FFFFFF"/>
-          </a:effectRef>
-          <a:fontRef idx="minor">
-            <a:schemeClr val="lt1"/>
-          </a:fontRef>
-        </p:style>
-        <p:txBody>
-          <a:bodyPr rtlCol="0" anchor="ctr"/>
-          <a:lstStyle/>
-          <a:p>
-            <a:pPr algn="ctr"/>
-            <a:endParaRPr lang="zh-CN" altLang="en-US"/>
-          </a:p>
-        </p:txBody>
-      </p:sp>
-      <p:sp>
-        <p:nvSpPr>
-          <p:cNvPr id="9" name="文本框 8"/>
-          <p:cNvSpPr txBox="1"/>
-          <p:nvPr/>
-        </p:nvSpPr>
-        <p:spPr>
-          <a:xfrm>
-            <a:off x="4157980" y="2404110"/>
-            <a:ext cx="283210" cy="368300"/>
-          </a:xfrm>
-          <a:prstGeom prst="rect">
-            <a:avLst/>
-          </a:prstGeom>
-          <a:noFill/>
-        </p:spPr>
-        <p:txBody>
-          <a:bodyPr wrap="none" rtlCol="0" anchor="t">
-            <a:spAutoFit/>
-          </a:bodyPr>
-          <a:lstStyle/>
-          <a:p>
-            <a:r>
-              <a:rPr lang="zh-CN" altLang="en-US">
-                <a:latin typeface="微软雅黑" panose="020B0503020204020204" charset="-122"/>
-                <a:ea typeface="微软雅黑" panose="020B0503020204020204" charset="-122"/>
-              </a:rPr>
-              <a:t>•</a:t>
-            </a:r>
-          </a:p>
-        </p:txBody>
-      </p:sp>
-      <p:sp>
-        <p:nvSpPr>
-          <p:cNvPr id="11" name="文本框 10"/>
-          <p:cNvSpPr txBox="1"/>
-          <p:nvPr/>
-        </p:nvSpPr>
-        <p:spPr>
-          <a:xfrm>
-            <a:off x="4157980" y="2531110"/>
-            <a:ext cx="283210" cy="368300"/>
-          </a:xfrm>
-          <a:prstGeom prst="rect">
-            <a:avLst/>
-          </a:prstGeom>
-          <a:noFill/>
-        </p:spPr>
-        <p:txBody>
-          <a:bodyPr wrap="none" rtlCol="0" anchor="t">
-            <a:spAutoFit/>
-          </a:bodyPr>
-          <a:lstStyle/>
-          <a:p>
-            <a:r>
-              <a:rPr lang="zh-CN" altLang="en-US">
-                <a:latin typeface="微软雅黑" panose="020B0503020204020204" charset="-122"/>
-                <a:ea typeface="微软雅黑" panose="020B0503020204020204" charset="-122"/>
-              </a:rPr>
-              <a:t>•</a:t>
-            </a:r>
-          </a:p>
-        </p:txBody>
-      </p:sp>
-      <p:sp>
-        <p:nvSpPr>
-          <p:cNvPr id="19" name="文本框 18"/>
-          <p:cNvSpPr txBox="1"/>
-          <p:nvPr/>
-        </p:nvSpPr>
-        <p:spPr>
-          <a:xfrm>
-            <a:off x="4157980" y="2686685"/>
-            <a:ext cx="283210" cy="368300"/>
-          </a:xfrm>
-          <a:prstGeom prst="rect">
-            <a:avLst/>
-          </a:prstGeom>
-          <a:noFill/>
-        </p:spPr>
-        <p:txBody>
-          <a:bodyPr wrap="none" rtlCol="0" anchor="t">
-            <a:spAutoFit/>
-          </a:bodyPr>
-          <a:lstStyle/>
-          <a:p>
-            <a:r>
-              <a:rPr lang="zh-CN" altLang="en-US">
-                <a:latin typeface="微软雅黑" panose="020B0503020204020204" charset="-122"/>
-                <a:ea typeface="微软雅黑" panose="020B0503020204020204" charset="-122"/>
-              </a:rPr>
-              <a:t>•</a:t>
-            </a:r>
-          </a:p>
-        </p:txBody>
-      </p:sp>
-      <p:sp>
-        <p:nvSpPr>
-          <p:cNvPr id="20" name="椭圆 19"/>
-          <p:cNvSpPr/>
-          <p:nvPr/>
-        </p:nvSpPr>
-        <p:spPr>
-          <a:xfrm>
-            <a:off x="2708910" y="4759960"/>
-            <a:ext cx="180975" cy="188595"/>
-          </a:xfrm>
-          <a:prstGeom prst="ellipse">
-            <a:avLst/>
-          </a:prstGeom>
-          <a:solidFill>
-            <a:schemeClr val="accent5">
-              <a:lumMod val="40000"/>
-              <a:lumOff val="60000"/>
-            </a:schemeClr>
-          </a:solidFill>
-        </p:spPr>
-        <p:style>
-          <a:lnRef idx="2">
-            <a:schemeClr val="accent1">
-              <a:lumMod val="75000"/>
-            </a:schemeClr>
-          </a:lnRef>
-          <a:fillRef idx="1">
-            <a:schemeClr val="accent1"/>
-          </a:fillRef>
-          <a:effectRef idx="0">
-            <a:srgbClr val="FFFFFF"/>
-          </a:effectRef>
-          <a:fontRef idx="minor">
-            <a:schemeClr val="lt1"/>
-          </a:fontRef>
-        </p:style>
-        <p:txBody>
-          <a:bodyPr rtlCol="0" anchor="ctr"/>
-          <a:lstStyle/>
-          <a:p>
-            <a:pPr algn="ctr"/>
-            <a:endParaRPr lang="zh-CN" altLang="en-US"/>
-          </a:p>
-        </p:txBody>
-      </p:sp>
-      <p:sp>
-        <p:nvSpPr>
-          <p:cNvPr id="21" name="椭圆 20"/>
-          <p:cNvSpPr/>
-          <p:nvPr/>
-        </p:nvSpPr>
-        <p:spPr>
-          <a:xfrm>
-            <a:off x="2193925" y="5236210"/>
-            <a:ext cx="180975" cy="188595"/>
-          </a:xfrm>
-          <a:prstGeom prst="ellipse">
-            <a:avLst/>
-          </a:prstGeom>
-          <a:solidFill>
-            <a:schemeClr val="accent6">
-              <a:lumMod val="40000"/>
-              <a:lumOff val="60000"/>
-            </a:schemeClr>
-          </a:solidFill>
-        </p:spPr>
-        <p:style>
-          <a:lnRef idx="2">
-            <a:schemeClr val="accent1">
-              <a:lumMod val="75000"/>
-            </a:schemeClr>
-          </a:lnRef>
-          <a:fillRef idx="1">
-            <a:schemeClr val="accent1"/>
-          </a:fillRef>
-          <a:effectRef idx="0">
-            <a:srgbClr val="FFFFFF"/>
-          </a:effectRef>
-          <a:fontRef idx="minor">
-            <a:schemeClr val="lt1"/>
-          </a:fontRef>
-        </p:style>
-        <p:txBody>
-          <a:bodyPr rtlCol="0" anchor="ctr"/>
-          <a:lstStyle/>
-          <a:p>
-            <a:pPr algn="ctr"/>
-            <a:endParaRPr lang="zh-CN" altLang="en-US"/>
-          </a:p>
-        </p:txBody>
-      </p:sp>
-      <p:sp>
-        <p:nvSpPr>
-          <p:cNvPr id="22" name="椭圆 21"/>
-          <p:cNvSpPr/>
-          <p:nvPr/>
-        </p:nvSpPr>
-        <p:spPr>
-          <a:xfrm>
-            <a:off x="2527935" y="5727700"/>
-            <a:ext cx="180975" cy="188595"/>
-          </a:xfrm>
-          <a:prstGeom prst="ellipse">
-            <a:avLst/>
-          </a:prstGeom>
-          <a:solidFill>
-            <a:schemeClr val="accent6"/>
-          </a:solidFill>
-        </p:spPr>
-        <p:style>
-          <a:lnRef idx="2">
-            <a:schemeClr val="accent1">
-              <a:lumMod val="75000"/>
-            </a:schemeClr>
-          </a:lnRef>
-          <a:fillRef idx="1">
-            <a:schemeClr val="accent1"/>
-          </a:fillRef>
-          <a:effectRef idx="0">
-            <a:srgbClr val="FFFFFF"/>
-          </a:effectRef>
-          <a:fontRef idx="minor">
-            <a:schemeClr val="lt1"/>
-          </a:fontRef>
-        </p:style>
-        <p:txBody>
-          <a:bodyPr rtlCol="0" anchor="ctr"/>
-          <a:lstStyle/>
-          <a:p>
-            <a:pPr algn="ctr"/>
-            <a:endParaRPr lang="zh-CN" altLang="en-US"/>
-          </a:p>
-        </p:txBody>
-      </p:sp>
-      <p:sp>
-        <p:nvSpPr>
-          <p:cNvPr id="23" name="椭圆 22"/>
-          <p:cNvSpPr/>
-          <p:nvPr/>
-        </p:nvSpPr>
-        <p:spPr>
-          <a:xfrm>
-            <a:off x="3004820" y="5340350"/>
-            <a:ext cx="180975" cy="188595"/>
-          </a:xfrm>
-          <a:prstGeom prst="ellipse">
-            <a:avLst/>
-          </a:prstGeom>
-          <a:solidFill>
-            <a:schemeClr val="accent3">
-              <a:lumMod val="60000"/>
-              <a:lumOff val="40000"/>
-            </a:schemeClr>
-          </a:solidFill>
-        </p:spPr>
-        <p:style>
-          <a:lnRef idx="2">
-            <a:schemeClr val="accent1">
-              <a:lumMod val="75000"/>
-            </a:schemeClr>
-          </a:lnRef>
-          <a:fillRef idx="1">
-            <a:schemeClr val="accent1"/>
-          </a:fillRef>
-          <a:effectRef idx="0">
-            <a:srgbClr val="FFFFFF"/>
-          </a:effectRef>
-          <a:fontRef idx="minor">
-            <a:schemeClr val="lt1"/>
-          </a:fontRef>
-        </p:style>
-        <p:txBody>
-          <a:bodyPr rtlCol="0" anchor="ctr"/>
-          <a:lstStyle/>
-          <a:p>
-            <a:pPr algn="ctr"/>
-            <a:endParaRPr lang="zh-CN" altLang="en-US"/>
-          </a:p>
-        </p:txBody>
-      </p:sp>
-      <p:cxnSp>
-        <p:nvCxnSpPr>
-          <p:cNvPr id="24" name="直接连接符 23"/>
-          <p:cNvCxnSpPr>
-            <a:stCxn id="20" idx="3"/>
-            <a:endCxn id="21" idx="7"/>
-          </p:cNvCxnSpPr>
-          <p:nvPr/>
-        </p:nvCxnSpPr>
-        <p:spPr>
-          <a:xfrm flipH="1">
-            <a:off x="2348230" y="4921250"/>
-            <a:ext cx="387350" cy="342265"/>
-          </a:xfrm>
-          <a:prstGeom prst="line">
-            <a:avLst/>
-          </a:prstGeom>
-          <a:ln w="31750" cap="rnd">
-            <a:solidFill>
-              <a:schemeClr val="tx1"/>
-            </a:solidFill>
-            <a:round/>
-          </a:ln>
-        </p:spPr>
-        <p:style>
-          <a:lnRef idx="0">
-            <a:srgbClr val="FFFFFF"/>
-          </a:lnRef>
-          <a:fillRef idx="0">
-            <a:srgbClr val="FFFFFF"/>
-          </a:fillRef>
-          <a:effectRef idx="0">
-            <a:srgbClr val="FFFFFF"/>
-          </a:effectRef>
-          <a:fontRef idx="minor">
-            <a:schemeClr val="tx1"/>
-          </a:fontRef>
-        </p:style>
-      </p:cxnSp>
-      <p:cxnSp>
-        <p:nvCxnSpPr>
-          <p:cNvPr id="25" name="直接连接符 24"/>
-          <p:cNvCxnSpPr/>
-          <p:nvPr/>
-        </p:nvCxnSpPr>
-        <p:spPr>
-          <a:xfrm>
-            <a:off x="2359025" y="5411470"/>
-            <a:ext cx="198755" cy="340360"/>
-          </a:xfrm>
-          <a:prstGeom prst="line">
-            <a:avLst/>
-          </a:prstGeom>
-          <a:ln w="31750" cap="rnd">
-            <a:solidFill>
-              <a:schemeClr val="tx1"/>
-            </a:solidFill>
-            <a:round/>
-          </a:ln>
-        </p:spPr>
-        <p:style>
-          <a:lnRef idx="0">
-            <a:srgbClr val="FFFFFF"/>
-          </a:lnRef>
-          <a:fillRef idx="0">
-            <a:srgbClr val="FFFFFF"/>
-          </a:fillRef>
-          <a:effectRef idx="0">
-            <a:srgbClr val="FFFFFF"/>
-          </a:effectRef>
-          <a:fontRef idx="minor">
-            <a:schemeClr val="tx1"/>
-          </a:fontRef>
-        </p:style>
-      </p:cxnSp>
-      <p:cxnSp>
-        <p:nvCxnSpPr>
-          <p:cNvPr id="26" name="直接连接符 25"/>
-          <p:cNvCxnSpPr>
-            <a:endCxn id="22" idx="0"/>
-          </p:cNvCxnSpPr>
-          <p:nvPr/>
-        </p:nvCxnSpPr>
-        <p:spPr>
-          <a:xfrm flipH="1">
-            <a:off x="2618740" y="4958080"/>
-            <a:ext cx="175260" cy="769620"/>
-          </a:xfrm>
-          <a:prstGeom prst="line">
-            <a:avLst/>
-          </a:prstGeom>
-          <a:ln w="31750" cap="rnd">
-            <a:solidFill>
-              <a:schemeClr val="tx1"/>
-            </a:solidFill>
-            <a:round/>
-          </a:ln>
-        </p:spPr>
-        <p:style>
-          <a:lnRef idx="0">
-            <a:srgbClr val="FFFFFF"/>
-          </a:lnRef>
-          <a:fillRef idx="0">
-            <a:srgbClr val="FFFFFF"/>
-          </a:fillRef>
-          <a:effectRef idx="0">
-            <a:srgbClr val="FFFFFF"/>
-          </a:effectRef>
-          <a:fontRef idx="minor">
-            <a:schemeClr val="tx1"/>
-          </a:fontRef>
-        </p:style>
-      </p:cxnSp>
-      <p:cxnSp>
-        <p:nvCxnSpPr>
-          <p:cNvPr id="27" name="直接连接符 26"/>
-          <p:cNvCxnSpPr>
-            <a:stCxn id="20" idx="5"/>
-          </p:cNvCxnSpPr>
-          <p:nvPr/>
-        </p:nvCxnSpPr>
-        <p:spPr>
-          <a:xfrm>
-            <a:off x="2863215" y="4921250"/>
-            <a:ext cx="175895" cy="414655"/>
-          </a:xfrm>
-          <a:prstGeom prst="line">
-            <a:avLst/>
-          </a:prstGeom>
-          <a:ln w="31750" cap="rnd">
-            <a:solidFill>
-              <a:schemeClr val="tx1"/>
-            </a:solidFill>
-            <a:round/>
-          </a:ln>
-        </p:spPr>
-        <p:style>
-          <a:lnRef idx="0">
-            <a:srgbClr val="FFFFFF"/>
-          </a:lnRef>
-          <a:fillRef idx="0">
-            <a:srgbClr val="FFFFFF"/>
-          </a:fillRef>
-          <a:effectRef idx="0">
-            <a:srgbClr val="FFFFFF"/>
-          </a:effectRef>
-          <a:fontRef idx="minor">
-            <a:schemeClr val="tx1"/>
-          </a:fontRef>
-        </p:style>
-      </p:cxnSp>
-      <p:cxnSp>
-        <p:nvCxnSpPr>
-          <p:cNvPr id="28" name="直接连接符 27"/>
-          <p:cNvCxnSpPr>
-            <a:endCxn id="23" idx="3"/>
-          </p:cNvCxnSpPr>
-          <p:nvPr/>
-        </p:nvCxnSpPr>
-        <p:spPr>
-          <a:xfrm flipV="1">
-            <a:off x="2699385" y="5501640"/>
-            <a:ext cx="332105" cy="278765"/>
-          </a:xfrm>
-          <a:prstGeom prst="line">
-            <a:avLst/>
-          </a:prstGeom>
-          <a:ln w="31750" cap="rnd">
-            <a:solidFill>
-              <a:schemeClr val="tx1"/>
-            </a:solidFill>
-            <a:round/>
-          </a:ln>
-        </p:spPr>
-        <p:style>
-          <a:lnRef idx="0">
-            <a:srgbClr val="FFFFFF"/>
-          </a:lnRef>
-          <a:fillRef idx="0">
-            <a:srgbClr val="FFFFFF"/>
-          </a:fillRef>
-          <a:effectRef idx="0">
-            <a:srgbClr val="FFFFFF"/>
-          </a:effectRef>
-          <a:fontRef idx="minor">
-            <a:schemeClr val="tx1"/>
-          </a:fontRef>
-        </p:style>
-      </p:cxnSp>
-      <p:sp>
-        <p:nvSpPr>
-          <p:cNvPr id="29" name="文本框 28"/>
-          <p:cNvSpPr txBox="1"/>
-          <p:nvPr/>
-        </p:nvSpPr>
-        <p:spPr>
-          <a:xfrm>
-            <a:off x="1249045" y="6184265"/>
-            <a:ext cx="2816860" cy="368300"/>
-          </a:xfrm>
-          <a:prstGeom prst="rect">
-            <a:avLst/>
-          </a:prstGeom>
-        </p:spPr>
-        <p:txBody>
-          <a:bodyPr wrap="square">
-            <a:spAutoFit/>
-            <a:extLst>
-              <a:ext uri="{4A0BC546-FE56-4ADE-93B0-CB8AF2F6F144}">
-                <wpsdc:textFrameExt xmlns:wpsdc="http://www.wps.cn/officeDocument/2022/drawingmlCustomData" xmlns="" type="text"/>
-              </a:ext>
-            </a:extLst>
-          </a:bodyPr>
-          <a:lstStyle/>
-          <a:p>
-            <a:pPr algn="l"/>
-            <a:r>
-              <a:rPr lang="en-US" altLang="zh-CN" sz="1800">
-                <a:latin typeface="Arial" panose="020B0604020202020204" pitchFamily="34" charset="0"/>
-                <a:ea typeface="微软雅黑" panose="020B0503020204020204" charset="-122"/>
-              </a:rPr>
-              <a:t>Graph Structure Learning</a:t>
-            </a:r>
-          </a:p>
-        </p:txBody>
-      </p:sp>
-      <p:sp>
-        <p:nvSpPr>
-          <p:cNvPr id="30" name="椭圆 29"/>
-          <p:cNvSpPr/>
-          <p:nvPr/>
-        </p:nvSpPr>
-        <p:spPr>
-          <a:xfrm>
-            <a:off x="7190740" y="5075555"/>
-            <a:ext cx="180975" cy="188595"/>
-          </a:xfrm>
-          <a:prstGeom prst="ellipse">
-            <a:avLst/>
-          </a:prstGeom>
-          <a:solidFill>
-            <a:schemeClr val="accent5">
-              <a:lumMod val="40000"/>
-              <a:lumOff val="60000"/>
-            </a:schemeClr>
-          </a:solidFill>
-        </p:spPr>
-        <p:style>
-          <a:lnRef idx="2">
-            <a:schemeClr val="accent1">
-              <a:lumMod val="75000"/>
-            </a:schemeClr>
-          </a:lnRef>
-          <a:fillRef idx="1">
-            <a:schemeClr val="accent1"/>
-          </a:fillRef>
-          <a:effectRef idx="0">
-            <a:srgbClr val="FFFFFF"/>
-          </a:effectRef>
-          <a:fontRef idx="minor">
-            <a:schemeClr val="lt1"/>
-          </a:fontRef>
-        </p:style>
-        <p:txBody>
-          <a:bodyPr rtlCol="0" anchor="ctr"/>
-          <a:lstStyle/>
-          <a:p>
-            <a:pPr algn="ctr"/>
-            <a:endParaRPr lang="zh-CN" altLang="en-US"/>
-          </a:p>
-        </p:txBody>
-      </p:sp>
-      <p:sp>
-        <p:nvSpPr>
-          <p:cNvPr id="31" name="椭圆 30"/>
-          <p:cNvSpPr/>
-          <p:nvPr/>
-        </p:nvSpPr>
-        <p:spPr>
-          <a:xfrm>
-            <a:off x="6626225" y="4571365"/>
-            <a:ext cx="180975" cy="188595"/>
-          </a:xfrm>
-          <a:prstGeom prst="ellipse">
-            <a:avLst/>
-          </a:prstGeom>
-          <a:solidFill>
-            <a:schemeClr val="accent6">
-              <a:lumMod val="40000"/>
-              <a:lumOff val="60000"/>
-            </a:schemeClr>
-          </a:solidFill>
-        </p:spPr>
-        <p:style>
-          <a:lnRef idx="2">
-            <a:schemeClr val="accent1">
-              <a:lumMod val="75000"/>
-            </a:schemeClr>
-          </a:lnRef>
-          <a:fillRef idx="1">
-            <a:schemeClr val="accent1"/>
-          </a:fillRef>
-          <a:effectRef idx="0">
-            <a:srgbClr val="FFFFFF"/>
-          </a:effectRef>
-          <a:fontRef idx="minor">
-            <a:schemeClr val="lt1"/>
-          </a:fontRef>
-        </p:style>
-        <p:txBody>
-          <a:bodyPr rtlCol="0" anchor="ctr"/>
-          <a:lstStyle/>
-          <a:p>
-            <a:pPr algn="ctr"/>
-            <a:endParaRPr lang="zh-CN" altLang="en-US"/>
-          </a:p>
-        </p:txBody>
-      </p:sp>
-      <p:sp>
-        <p:nvSpPr>
-          <p:cNvPr id="32" name="椭圆 31"/>
-          <p:cNvSpPr/>
-          <p:nvPr/>
-        </p:nvSpPr>
-        <p:spPr>
-          <a:xfrm>
-            <a:off x="6626225" y="5563235"/>
-            <a:ext cx="180975" cy="188595"/>
-          </a:xfrm>
-          <a:prstGeom prst="ellipse">
-            <a:avLst/>
-          </a:prstGeom>
-          <a:solidFill>
-            <a:schemeClr val="accent6"/>
-          </a:solidFill>
-        </p:spPr>
-        <p:style>
-          <a:lnRef idx="2">
-            <a:schemeClr val="accent1">
-              <a:lumMod val="75000"/>
-            </a:schemeClr>
-          </a:lnRef>
-          <a:fillRef idx="1">
-            <a:schemeClr val="accent1"/>
-          </a:fillRef>
-          <a:effectRef idx="0">
-            <a:srgbClr val="FFFFFF"/>
-          </a:effectRef>
-          <a:fontRef idx="minor">
-            <a:schemeClr val="lt1"/>
-          </a:fontRef>
-        </p:style>
-        <p:txBody>
-          <a:bodyPr rtlCol="0" anchor="ctr"/>
-          <a:lstStyle/>
-          <a:p>
-            <a:pPr algn="ctr"/>
-            <a:endParaRPr lang="zh-CN" altLang="en-US"/>
-          </a:p>
-        </p:txBody>
-      </p:sp>
-      <p:sp>
-        <p:nvSpPr>
-          <p:cNvPr id="33" name="椭圆 32"/>
-          <p:cNvSpPr/>
-          <p:nvPr/>
-        </p:nvSpPr>
-        <p:spPr>
-          <a:xfrm>
-            <a:off x="7880985" y="5075555"/>
-            <a:ext cx="180975" cy="188595"/>
-          </a:xfrm>
-          <a:prstGeom prst="ellipse">
-            <a:avLst/>
-          </a:prstGeom>
-          <a:solidFill>
-            <a:schemeClr val="accent3">
-              <a:lumMod val="60000"/>
-              <a:lumOff val="40000"/>
-            </a:schemeClr>
-          </a:solidFill>
-        </p:spPr>
-        <p:style>
-          <a:lnRef idx="2">
-            <a:schemeClr val="accent1">
-              <a:lumMod val="75000"/>
-            </a:schemeClr>
-          </a:lnRef>
-          <a:fillRef idx="1">
-            <a:schemeClr val="accent1"/>
-          </a:fillRef>
-          <a:effectRef idx="0">
-            <a:srgbClr val="FFFFFF"/>
-          </a:effectRef>
-          <a:fontRef idx="minor">
-            <a:schemeClr val="lt1"/>
-          </a:fontRef>
-        </p:style>
-        <p:txBody>
-          <a:bodyPr rtlCol="0" anchor="ctr"/>
-          <a:lstStyle/>
-          <a:p>
-            <a:pPr algn="ctr"/>
-            <a:endParaRPr lang="zh-CN" altLang="en-US"/>
-          </a:p>
-        </p:txBody>
-      </p:sp>
-      <p:cxnSp>
-        <p:nvCxnSpPr>
-          <p:cNvPr id="34" name="直接箭头连接符 33"/>
-          <p:cNvCxnSpPr>
-            <a:stCxn id="31" idx="5"/>
-            <a:endCxn id="30" idx="1"/>
-          </p:cNvCxnSpPr>
-          <p:nvPr/>
-        </p:nvCxnSpPr>
-        <p:spPr>
-          <a:xfrm>
-            <a:off x="6780530" y="4732655"/>
-            <a:ext cx="436880" cy="370205"/>
-          </a:xfrm>
-          <a:prstGeom prst="straightConnector1">
-            <a:avLst/>
-          </a:prstGeom>
-          <a:ln>
-            <a:solidFill>
-              <a:schemeClr val="tx1"/>
-            </a:solidFill>
-            <a:tailEnd type="arrow"/>
-          </a:ln>
-        </p:spPr>
-        <p:style>
-          <a:lnRef idx="2">
-            <a:schemeClr val="accent1"/>
-          </a:lnRef>
-          <a:fillRef idx="0">
-            <a:srgbClr val="FFFFFF"/>
-          </a:fillRef>
-          <a:effectRef idx="0">
-            <a:srgbClr val="FFFFFF"/>
-          </a:effectRef>
-          <a:fontRef idx="minor">
-            <a:schemeClr val="tx1"/>
-          </a:fontRef>
-        </p:style>
-      </p:cxnSp>
-      <p:cxnSp>
-        <p:nvCxnSpPr>
-          <p:cNvPr id="35" name="直接箭头连接符 34"/>
-          <p:cNvCxnSpPr>
-            <a:stCxn id="32" idx="6"/>
-            <a:endCxn id="30" idx="4"/>
-          </p:cNvCxnSpPr>
-          <p:nvPr/>
-        </p:nvCxnSpPr>
-        <p:spPr>
-          <a:xfrm flipV="1">
-            <a:off x="6807200" y="5264150"/>
-            <a:ext cx="474345" cy="393700"/>
-          </a:xfrm>
-          <a:prstGeom prst="straightConnector1">
-            <a:avLst/>
-          </a:prstGeom>
-          <a:ln>
-            <a:solidFill>
-              <a:schemeClr val="tx1"/>
-            </a:solidFill>
-            <a:tailEnd type="arrow"/>
-          </a:ln>
-        </p:spPr>
-        <p:style>
-          <a:lnRef idx="2">
-            <a:schemeClr val="accent1"/>
-          </a:lnRef>
-          <a:fillRef idx="0">
-            <a:srgbClr val="FFFFFF"/>
-          </a:fillRef>
-          <a:effectRef idx="0">
-            <a:srgbClr val="FFFFFF"/>
-          </a:effectRef>
-          <a:fontRef idx="minor">
-            <a:schemeClr val="tx1"/>
-          </a:fontRef>
-        </p:style>
-      </p:cxnSp>
-      <p:cxnSp>
-        <p:nvCxnSpPr>
-          <p:cNvPr id="39" name="直接箭头连接符 38"/>
-          <p:cNvCxnSpPr>
-            <a:endCxn id="32" idx="2"/>
-          </p:cNvCxnSpPr>
-          <p:nvPr/>
-        </p:nvCxnSpPr>
-        <p:spPr>
-          <a:xfrm flipV="1">
-            <a:off x="5920740" y="5657850"/>
-            <a:ext cx="705485" cy="27940"/>
-          </a:xfrm>
-          <a:prstGeom prst="straightConnector1">
-            <a:avLst/>
-          </a:prstGeom>
-          <a:ln w="12700" cap="flat" cmpd="sng" algn="ctr">
-            <a:solidFill>
-              <a:schemeClr val="tx1"/>
-            </a:solidFill>
-            <a:prstDash val="dash"/>
-            <a:miter lim="800000"/>
-            <a:tailEnd type="arrow" w="med" len="med"/>
-          </a:ln>
-        </p:spPr>
-        <p:style>
-          <a:lnRef idx="0">
-            <a:schemeClr val="accent1"/>
-          </a:lnRef>
-          <a:fillRef idx="0">
-            <a:srgbClr val="FFFFFF"/>
-          </a:fillRef>
-          <a:effectRef idx="0">
-            <a:srgbClr val="FFFFFF"/>
-          </a:effectRef>
-          <a:fontRef idx="minor">
-            <a:schemeClr val="tx1"/>
-          </a:fontRef>
-        </p:style>
-      </p:cxnSp>
-      <p:cxnSp>
-        <p:nvCxnSpPr>
-          <p:cNvPr id="40" name="直接箭头连接符 39"/>
-          <p:cNvCxnSpPr/>
-          <p:nvPr/>
-        </p:nvCxnSpPr>
-        <p:spPr>
-          <a:xfrm flipV="1">
-            <a:off x="6494145" y="5179060"/>
-            <a:ext cx="696595" cy="8890"/>
-          </a:xfrm>
-          <a:prstGeom prst="straightConnector1">
-            <a:avLst/>
-          </a:prstGeom>
-          <a:ln w="12700" cap="flat" cmpd="sng" algn="ctr">
-            <a:solidFill>
-              <a:schemeClr val="tx1"/>
-            </a:solidFill>
-            <a:prstDash val="dash"/>
-            <a:miter lim="800000"/>
-            <a:tailEnd type="arrow" w="med" len="med"/>
-          </a:ln>
-        </p:spPr>
-        <p:style>
-          <a:lnRef idx="0">
-            <a:schemeClr val="accent1"/>
-          </a:lnRef>
-          <a:fillRef idx="0">
-            <a:srgbClr val="FFFFFF"/>
-          </a:fillRef>
-          <a:effectRef idx="0">
-            <a:srgbClr val="FFFFFF"/>
-          </a:effectRef>
-          <a:fontRef idx="minor">
-            <a:schemeClr val="tx1"/>
-          </a:fontRef>
-        </p:style>
-      </p:cxnSp>
-      <p:cxnSp>
-        <p:nvCxnSpPr>
-          <p:cNvPr id="41" name="直接箭头连接符 40"/>
-          <p:cNvCxnSpPr/>
-          <p:nvPr/>
-        </p:nvCxnSpPr>
-        <p:spPr>
-          <a:xfrm flipV="1">
-            <a:off x="5929630" y="4660900"/>
-            <a:ext cx="696595" cy="8890"/>
-          </a:xfrm>
-          <a:prstGeom prst="straightConnector1">
-            <a:avLst/>
-          </a:prstGeom>
-          <a:ln w="12700" cap="flat" cmpd="sng" algn="ctr">
-            <a:solidFill>
-              <a:schemeClr val="tx1"/>
-            </a:solidFill>
-            <a:prstDash val="dash"/>
-            <a:miter lim="800000"/>
-            <a:tailEnd type="arrow" w="med" len="med"/>
-          </a:ln>
-        </p:spPr>
-        <p:style>
-          <a:lnRef idx="0">
-            <a:schemeClr val="accent1"/>
-          </a:lnRef>
-          <a:fillRef idx="0">
-            <a:srgbClr val="FFFFFF"/>
-          </a:fillRef>
-          <a:effectRef idx="0">
-            <a:srgbClr val="FFFFFF"/>
-          </a:effectRef>
-          <a:fontRef idx="minor">
-            <a:schemeClr val="tx1"/>
-          </a:fontRef>
-        </p:style>
-      </p:cxnSp>
-      <p:cxnSp>
-        <p:nvCxnSpPr>
-          <p:cNvPr id="42" name="直接箭头连接符 41"/>
-          <p:cNvCxnSpPr>
-            <a:stCxn id="30" idx="6"/>
-          </p:cNvCxnSpPr>
-          <p:nvPr/>
-        </p:nvCxnSpPr>
-        <p:spPr>
-          <a:xfrm>
-            <a:off x="7371715" y="5170170"/>
-            <a:ext cx="504190" cy="5715"/>
-          </a:xfrm>
-          <a:prstGeom prst="straightConnector1">
-            <a:avLst/>
-          </a:prstGeom>
-          <a:ln>
-            <a:solidFill>
-              <a:schemeClr val="tx1"/>
-            </a:solidFill>
-            <a:tailEnd type="arrow"/>
-          </a:ln>
-        </p:spPr>
-        <p:style>
-          <a:lnRef idx="2">
-            <a:schemeClr val="accent1"/>
-          </a:lnRef>
-          <a:fillRef idx="0">
-            <a:srgbClr val="FFFFFF"/>
-          </a:fillRef>
-          <a:effectRef idx="0">
-            <a:srgbClr val="FFFFFF"/>
-          </a:effectRef>
-          <a:fontRef idx="minor">
-            <a:schemeClr val="tx1"/>
-          </a:fontRef>
-        </p:style>
-      </p:cxnSp>
-      <p:cxnSp>
-        <p:nvCxnSpPr>
-          <p:cNvPr id="44" name="曲线连接符 43"/>
-          <p:cNvCxnSpPr>
-            <a:stCxn id="30" idx="6"/>
-            <a:endCxn id="30" idx="0"/>
-          </p:cNvCxnSpPr>
-          <p:nvPr/>
-        </p:nvCxnSpPr>
-        <p:spPr>
-          <a:xfrm flipH="1" flipV="1">
-            <a:off x="7281545" y="5075555"/>
-            <a:ext cx="90170" cy="94615"/>
-          </a:xfrm>
-          <a:prstGeom prst="curvedConnector4">
-            <a:avLst>
-              <a:gd name="adj1" fmla="val -264085"/>
-              <a:gd name="adj2" fmla="val 351678"/>
-            </a:avLst>
-          </a:prstGeom>
-          <a:ln>
-            <a:solidFill>
-              <a:schemeClr val="tx1"/>
-            </a:solidFill>
-            <a:tailEnd type="arrow"/>
-          </a:ln>
-        </p:spPr>
-        <p:style>
-          <a:lnRef idx="2">
-            <a:schemeClr val="accent1"/>
-          </a:lnRef>
-          <a:fillRef idx="0">
-            <a:srgbClr val="FFFFFF"/>
-          </a:fillRef>
-          <a:effectRef idx="0">
-            <a:srgbClr val="FFFFFF"/>
-          </a:effectRef>
-          <a:fontRef idx="minor">
-            <a:schemeClr val="tx1"/>
-          </a:fontRef>
-        </p:style>
-      </p:cxnSp>
-      <p:sp>
-        <p:nvSpPr>
-          <p:cNvPr id="45" name="文本框 44"/>
-          <p:cNvSpPr txBox="1"/>
-          <p:nvPr/>
-        </p:nvSpPr>
-        <p:spPr>
-          <a:xfrm>
-            <a:off x="5372100" y="6179185"/>
-            <a:ext cx="3721735" cy="368300"/>
-          </a:xfrm>
-          <a:prstGeom prst="rect">
-            <a:avLst/>
-          </a:prstGeom>
-        </p:spPr>
-        <p:txBody>
-          <a:bodyPr wrap="square">
-            <a:spAutoFit/>
-            <a:extLst>
-              <a:ext uri="{4A0BC546-FE56-4ADE-93B0-CB8AF2F6F144}">
-                <wpsdc:textFrameExt xmlns:wpsdc="http://www.wps.cn/officeDocument/2022/drawingmlCustomData" xmlns="" type="text"/>
-              </a:ext>
-            </a:extLst>
-          </a:bodyPr>
-          <a:lstStyle/>
-          <a:p>
-            <a:pPr algn="l"/>
-            <a:r>
-              <a:rPr lang="en-US" altLang="zh-CN" sz="1800">
-                <a:latin typeface="Arial" panose="020B0604020202020204" pitchFamily="34" charset="0"/>
-                <a:ea typeface="微软雅黑" panose="020B0503020204020204" charset="-122"/>
-              </a:rPr>
-              <a:t>Graph Attention-Based Features</a:t>
             </a:r>
           </a:p>
         </p:txBody>
@@ -31835,8 +32130,8 @@
         </p:nvSpPr>
         <p:spPr>
           <a:xfrm>
-            <a:off x="1110615" y="527685"/>
-            <a:ext cx="10814050" cy="5273040"/>
+            <a:off x="2374900" y="1139190"/>
+            <a:ext cx="5250815" cy="2692400"/>
           </a:xfrm>
           <a:prstGeom prst="roundRect">
             <a:avLst/>
@@ -31871,14 +32166,6 @@
           <a:lstStyle/>
           <a:p>
             <a:pPr algn="ctr"/>
-            <a:r>
-              <a:rPr lang="en-US" altLang="zh-CN">
-                <a:latin typeface="Arial" panose="020B0604020202020204" pitchFamily="34" charset="0"/>
-                <a:ea typeface="微软雅黑" panose="020B0503020204020204" charset="-122"/>
-                <a:sym typeface="+mn-ea"/>
-              </a:rPr>
-              <a:t>Spatial Features</a:t>
-            </a:r>
             <a:endParaRPr lang="zh-CN" altLang="en-US"/>
           </a:p>
         </p:txBody>
@@ -31891,7 +32178,7 @@
         </p:nvSpPr>
         <p:spPr>
           <a:xfrm>
-            <a:off x="2868930" y="3572510"/>
+            <a:off x="4689475" y="2404110"/>
             <a:ext cx="283210" cy="368300"/>
           </a:xfrm>
           <a:prstGeom prst="rect">
@@ -31923,7 +32210,7 @@
         </p:nvSpPr>
         <p:spPr>
           <a:xfrm>
-            <a:off x="2868930" y="3779520"/>
+            <a:off x="4689475" y="2611120"/>
             <a:ext cx="283210" cy="368300"/>
           </a:xfrm>
           <a:prstGeom prst="rect">
@@ -31955,7 +32242,7 @@
         </p:nvSpPr>
         <p:spPr>
           <a:xfrm>
-            <a:off x="2868930" y="3998595"/>
+            <a:off x="4689475" y="2830195"/>
             <a:ext cx="283210" cy="368300"/>
           </a:xfrm>
           <a:prstGeom prst="rect">
@@ -31987,8 +32274,8 @@
         </p:nvSpPr>
         <p:spPr>
           <a:xfrm>
-            <a:off x="4779010" y="5078730"/>
-            <a:ext cx="4175760" cy="398780"/>
+            <a:off x="3185795" y="1211580"/>
+            <a:ext cx="3440430" cy="368300"/>
           </a:xfrm>
           <a:prstGeom prst="rect">
             <a:avLst/>
@@ -31999,7 +32286,7 @@
             <a:spAutoFit/>
             <a:extLst>
               <a:ext uri="{4A0BC546-FE56-4ADE-93B0-CB8AF2F6F144}">
-                <wpsdc:textFrameExt xmlns:wpsdc="http://www.wps.cn/officeDocument/2022/drawingmlCustomData" xmlns="" type="text"/>
+                <wpsdc:textFrameExt xmlns="" xmlns:wpsdc="http://www.wps.cn/officeDocument/2022/drawingmlCustomData" type="text"/>
               </a:ext>
             </a:extLst>
           </a:bodyPr>
@@ -32007,11 +32294,11 @@
           <a:p>
             <a:pPr algn="l"/>
             <a:r>
-              <a:rPr lang="en-US" altLang="zh-CN" sz="2000" b="1">
+              <a:rPr lang="en-US" altLang="zh-CN" sz="1800">
                 <a:latin typeface="Arial" panose="020B0604020202020204" pitchFamily="34" charset="0"/>
                 <a:ea typeface="微软雅黑" panose="020B0503020204020204" charset="-122"/>
               </a:rPr>
-              <a:t>Spatial Features Exactor Module</a:t>
+              <a:t>Input Multivariate Time Series</a:t>
             </a:r>
           </a:p>
         </p:txBody>
@@ -32024,7 +32311,7 @@
         </p:nvSpPr>
         <p:spPr>
           <a:xfrm>
-            <a:off x="1597025" y="4653915"/>
+            <a:off x="3501390" y="1541780"/>
             <a:ext cx="1763395" cy="368300"/>
           </a:xfrm>
           <a:prstGeom prst="rect">
@@ -32036,7 +32323,7 @@
             <a:spAutoFit/>
             <a:extLst>
               <a:ext uri="{4A0BC546-FE56-4ADE-93B0-CB8AF2F6F144}">
-                <wpsdc:textFrameExt xmlns:wpsdc="http://www.wps.cn/officeDocument/2022/drawingmlCustomData" xmlns="" type="text"/>
+                <wpsdc:textFrameExt xmlns="" xmlns:wpsdc="http://www.wps.cn/officeDocument/2022/drawingmlCustomData" type="text"/>
               </a:ext>
             </a:extLst>
           </a:bodyPr>
@@ -32061,7 +32348,7 @@
         </p:nvSpPr>
         <p:spPr>
           <a:xfrm>
-            <a:off x="1680845" y="3226435"/>
+            <a:off x="3501390" y="2058035"/>
             <a:ext cx="1596390" cy="198120"/>
           </a:xfrm>
           <a:prstGeom prst="rect">
@@ -32107,7 +32394,7 @@
         </p:nvSpPr>
         <p:spPr>
           <a:xfrm>
-            <a:off x="1680845" y="3424555"/>
+            <a:off x="3501390" y="2256155"/>
             <a:ext cx="1596390" cy="198120"/>
           </a:xfrm>
           <a:prstGeom prst="rect">
@@ -32153,7 +32440,7 @@
         </p:nvSpPr>
         <p:spPr>
           <a:xfrm>
-            <a:off x="1680845" y="4168140"/>
+            <a:off x="3501390" y="3018155"/>
             <a:ext cx="1596390" cy="198120"/>
           </a:xfrm>
           <a:prstGeom prst="rect">
@@ -32198,7 +32485,7 @@
         </p:nvSpPr>
         <p:spPr>
           <a:xfrm>
-            <a:off x="1680845" y="3630295"/>
+            <a:off x="3501390" y="2461895"/>
             <a:ext cx="1596390" cy="545465"/>
           </a:xfrm>
           <a:prstGeom prst="rect">
@@ -32241,7 +32528,7 @@
         </p:nvSpPr>
         <p:spPr>
           <a:xfrm>
-            <a:off x="2337435" y="3572510"/>
+            <a:off x="4157980" y="2404110"/>
             <a:ext cx="283210" cy="368300"/>
           </a:xfrm>
           <a:prstGeom prst="rect">
@@ -32273,7 +32560,7 @@
         </p:nvSpPr>
         <p:spPr>
           <a:xfrm>
-            <a:off x="2337435" y="3699510"/>
+            <a:off x="4157980" y="2531110"/>
             <a:ext cx="283210" cy="368300"/>
           </a:xfrm>
           <a:prstGeom prst="rect">
@@ -32305,7 +32592,7 @@
         </p:nvSpPr>
         <p:spPr>
           <a:xfrm>
-            <a:off x="2337435" y="3855085"/>
+            <a:off x="4157980" y="2686685"/>
             <a:ext cx="283210" cy="368300"/>
           </a:xfrm>
           <a:prstGeom prst="rect">
@@ -32337,7 +32624,7 @@
         </p:nvSpPr>
         <p:spPr>
           <a:xfrm>
-            <a:off x="4448810" y="1649730"/>
+            <a:off x="2708910" y="4759960"/>
             <a:ext cx="180975" cy="188595"/>
           </a:xfrm>
           <a:prstGeom prst="ellipse">
@@ -32383,7 +32670,7 @@
         </p:nvSpPr>
         <p:spPr>
           <a:xfrm>
-            <a:off x="3933825" y="2125980"/>
+            <a:off x="2193925" y="5236210"/>
             <a:ext cx="180975" cy="188595"/>
           </a:xfrm>
           <a:prstGeom prst="ellipse">
@@ -32429,7 +32716,7 @@
         </p:nvSpPr>
         <p:spPr>
           <a:xfrm>
-            <a:off x="4267835" y="2617470"/>
+            <a:off x="2527935" y="5727700"/>
             <a:ext cx="180975" cy="188595"/>
           </a:xfrm>
           <a:prstGeom prst="ellipse">
@@ -32472,7 +32759,7 @@
         </p:nvSpPr>
         <p:spPr>
           <a:xfrm>
-            <a:off x="4744720" y="2230120"/>
+            <a:off x="3004820" y="5340350"/>
             <a:ext cx="180975" cy="188595"/>
           </a:xfrm>
           <a:prstGeom prst="ellipse">
@@ -32521,7 +32808,7 @@
         </p:nvCxnSpPr>
         <p:spPr>
           <a:xfrm flipH="1">
-            <a:off x="4088130" y="1811020"/>
+            <a:off x="2348230" y="4921250"/>
             <a:ext cx="387350" cy="342265"/>
           </a:xfrm>
           <a:prstGeom prst="line">
@@ -32557,7 +32844,7 @@
         </p:nvCxnSpPr>
         <p:spPr>
           <a:xfrm>
-            <a:off x="4098925" y="2301240"/>
+            <a:off x="2359025" y="5411470"/>
             <a:ext cx="198755" cy="340360"/>
           </a:xfrm>
           <a:prstGeom prst="line">
@@ -32588,12 +32875,14 @@
       <p:cxnSp>
         <p:nvCxnSpPr>
           <p:cNvPr id="26" name="直接连接符 25"/>
-          <p:cNvCxnSpPr/>
+          <p:cNvCxnSpPr>
+            <a:endCxn id="22" idx="0"/>
+          </p:cNvCxnSpPr>
           <p:nvPr/>
         </p:nvCxnSpPr>
         <p:spPr>
           <a:xfrm flipH="1">
-            <a:off x="4358640" y="1847850"/>
+            <a:off x="2618740" y="4958080"/>
             <a:ext cx="175260" cy="769620"/>
           </a:xfrm>
           <a:prstGeom prst="line">
@@ -32631,7 +32920,7 @@
         </p:nvCxnSpPr>
         <p:spPr>
           <a:xfrm>
-            <a:off x="4603115" y="1811020"/>
+            <a:off x="2863215" y="4921250"/>
             <a:ext cx="175895" cy="414655"/>
           </a:xfrm>
           <a:prstGeom prst="line">
@@ -32669,7 +32958,7 @@
         </p:nvCxnSpPr>
         <p:spPr>
           <a:xfrm flipV="1">
-            <a:off x="4439285" y="2391410"/>
+            <a:off x="2699385" y="5501640"/>
             <a:ext cx="332105" cy="278765"/>
           </a:xfrm>
           <a:prstGeom prst="line">
@@ -32705,7 +32994,7 @@
         </p:nvSpPr>
         <p:spPr>
           <a:xfrm>
-            <a:off x="3037840" y="1169670"/>
+            <a:off x="1249045" y="6184265"/>
             <a:ext cx="2816860" cy="368300"/>
           </a:xfrm>
           <a:prstGeom prst="rect">
@@ -32717,7 +33006,7 @@
             <a:spAutoFit/>
             <a:extLst>
               <a:ext uri="{4A0BC546-FE56-4ADE-93B0-CB8AF2F6F144}">
-                <wpsdc:textFrameExt xmlns:wpsdc="http://www.wps.cn/officeDocument/2022/drawingmlCustomData" xmlns="" type="text"/>
+                <wpsdc:textFrameExt xmlns="" xmlns:wpsdc="http://www.wps.cn/officeDocument/2022/drawingmlCustomData" type="text"/>
               </a:ext>
             </a:extLst>
           </a:bodyPr>
@@ -32742,7 +33031,7 @@
         </p:nvSpPr>
         <p:spPr>
           <a:xfrm>
-            <a:off x="8529320" y="2050415"/>
+            <a:off x="7190740" y="5075555"/>
             <a:ext cx="180975" cy="188595"/>
           </a:xfrm>
           <a:prstGeom prst="ellipse">
@@ -32788,7 +33077,7 @@
         </p:nvSpPr>
         <p:spPr>
           <a:xfrm>
-            <a:off x="7964805" y="1546225"/>
+            <a:off x="6626225" y="4571365"/>
             <a:ext cx="180975" cy="188595"/>
           </a:xfrm>
           <a:prstGeom prst="ellipse">
@@ -32834,7 +33123,7 @@
         </p:nvSpPr>
         <p:spPr>
           <a:xfrm>
-            <a:off x="7964805" y="2538095"/>
+            <a:off x="6626225" y="5563235"/>
             <a:ext cx="180975" cy="188595"/>
           </a:xfrm>
           <a:prstGeom prst="ellipse">
@@ -32877,7 +33166,7 @@
         </p:nvSpPr>
         <p:spPr>
           <a:xfrm>
-            <a:off x="9219565" y="2050415"/>
+            <a:off x="7880985" y="5075555"/>
             <a:ext cx="180975" cy="188595"/>
           </a:xfrm>
           <a:prstGeom prst="ellipse">
@@ -32926,7 +33215,7 @@
         </p:nvCxnSpPr>
         <p:spPr>
           <a:xfrm>
-            <a:off x="8119110" y="1707515"/>
+            <a:off x="6780530" y="4732655"/>
             <a:ext cx="436880" cy="370205"/>
           </a:xfrm>
           <a:prstGeom prst="straightConnector1">
@@ -32958,13 +33247,14 @@
         <p:nvCxnSpPr>
           <p:cNvPr id="35" name="直接箭头连接符 34"/>
           <p:cNvCxnSpPr>
+            <a:stCxn id="32" idx="6"/>
             <a:endCxn id="30" idx="4"/>
           </p:cNvCxnSpPr>
           <p:nvPr/>
         </p:nvCxnSpPr>
         <p:spPr>
           <a:xfrm flipV="1">
-            <a:off x="8145780" y="2239010"/>
+            <a:off x="6807200" y="5264150"/>
             <a:ext cx="474345" cy="393700"/>
           </a:xfrm>
           <a:prstGeom prst="straightConnector1">
@@ -32979,6 +33269,46 @@
         </p:spPr>
         <p:style>
           <a:lnRef idx="2">
+            <a:schemeClr val="accent1"/>
+          </a:lnRef>
+          <a:fillRef idx="0">
+            <a:srgbClr val="FFFFFF"/>
+          </a:fillRef>
+          <a:effectRef idx="0">
+            <a:srgbClr val="FFFFFF"/>
+          </a:effectRef>
+          <a:fontRef idx="minor">
+            <a:schemeClr val="tx1"/>
+          </a:fontRef>
+        </p:style>
+      </p:cxnSp>
+      <p:cxnSp>
+        <p:nvCxnSpPr>
+          <p:cNvPr id="39" name="直接箭头连接符 38"/>
+          <p:cNvCxnSpPr>
+            <a:endCxn id="32" idx="2"/>
+          </p:cNvCxnSpPr>
+          <p:nvPr/>
+        </p:nvCxnSpPr>
+        <p:spPr>
+          <a:xfrm flipV="1">
+            <a:off x="5920740" y="5657850"/>
+            <a:ext cx="705485" cy="27940"/>
+          </a:xfrm>
+          <a:prstGeom prst="straightConnector1">
+            <a:avLst/>
+          </a:prstGeom>
+          <a:ln w="12700" cap="flat" cmpd="sng" algn="ctr">
+            <a:solidFill>
+              <a:schemeClr val="tx1"/>
+            </a:solidFill>
+            <a:prstDash val="dash"/>
+            <a:miter lim="800000"/>
+            <a:tailEnd type="arrow" w="med" len="med"/>
+          </a:ln>
+        </p:spPr>
+        <p:style>
+          <a:lnRef idx="0">
             <a:schemeClr val="accent1"/>
           </a:lnRef>
           <a:fillRef idx="0">
@@ -33000,7 +33330,45 @@
         </p:nvCxnSpPr>
         <p:spPr>
           <a:xfrm flipV="1">
-            <a:off x="7832725" y="2153920"/>
+            <a:off x="6494145" y="5179060"/>
+            <a:ext cx="696595" cy="8890"/>
+          </a:xfrm>
+          <a:prstGeom prst="straightConnector1">
+            <a:avLst/>
+          </a:prstGeom>
+          <a:ln w="12700" cap="flat" cmpd="sng" algn="ctr">
+            <a:solidFill>
+              <a:schemeClr val="tx1"/>
+            </a:solidFill>
+            <a:prstDash val="dash"/>
+            <a:miter lim="800000"/>
+            <a:tailEnd type="arrow" w="med" len="med"/>
+          </a:ln>
+        </p:spPr>
+        <p:style>
+          <a:lnRef idx="0">
+            <a:schemeClr val="accent1"/>
+          </a:lnRef>
+          <a:fillRef idx="0">
+            <a:srgbClr val="FFFFFF"/>
+          </a:fillRef>
+          <a:effectRef idx="0">
+            <a:srgbClr val="FFFFFF"/>
+          </a:effectRef>
+          <a:fontRef idx="minor">
+            <a:schemeClr val="tx1"/>
+          </a:fontRef>
+        </p:style>
+      </p:cxnSp>
+      <p:cxnSp>
+        <p:nvCxnSpPr>
+          <p:cNvPr id="41" name="直接箭头连接符 40"/>
+          <p:cNvCxnSpPr/>
+          <p:nvPr/>
+        </p:nvCxnSpPr>
+        <p:spPr>
+          <a:xfrm flipV="1">
+            <a:off x="5929630" y="4660900"/>
             <a:ext cx="696595" cy="8890"/>
           </a:xfrm>
           <a:prstGeom prst="straightConnector1">
@@ -33040,7 +33408,7 @@
         </p:nvCxnSpPr>
         <p:spPr>
           <a:xfrm>
-            <a:off x="8710295" y="2145030"/>
+            <a:off x="7371715" y="5170170"/>
             <a:ext cx="504190" cy="5715"/>
           </a:xfrm>
           <a:prstGeom prst="straightConnector1">
@@ -33079,7 +33447,7 @@
         </p:nvCxnSpPr>
         <p:spPr>
           <a:xfrm flipH="1" flipV="1">
-            <a:off x="8620125" y="2050415"/>
+            <a:off x="7281545" y="5075555"/>
             <a:ext cx="90170" cy="94615"/>
           </a:xfrm>
           <a:prstGeom prst="curvedConnector4">
@@ -33118,8 +33486,8 @@
         </p:nvSpPr>
         <p:spPr>
           <a:xfrm>
-            <a:off x="7268210" y="1169670"/>
-            <a:ext cx="2787015" cy="368300"/>
+            <a:off x="5372100" y="6179185"/>
+            <a:ext cx="3721735" cy="368300"/>
           </a:xfrm>
           <a:prstGeom prst="rect">
             <a:avLst/>
@@ -33130,7 +33498,7 @@
             <a:spAutoFit/>
             <a:extLst>
               <a:ext uri="{4A0BC546-FE56-4ADE-93B0-CB8AF2F6F144}">
-                <wpsdc:textFrameExt xmlns:wpsdc="http://www.wps.cn/officeDocument/2022/drawingmlCustomData" xmlns="" type="text"/>
+                <wpsdc:textFrameExt xmlns="" xmlns:wpsdc="http://www.wps.cn/officeDocument/2022/drawingmlCustomData" type="text"/>
               </a:ext>
             </a:extLst>
           </a:bodyPr>
@@ -33142,539 +33510,7 @@
                 <a:latin typeface="Arial" panose="020B0604020202020204" pitchFamily="34" charset="0"/>
                 <a:ea typeface="微软雅黑" panose="020B0503020204020204" charset="-122"/>
               </a:rPr>
-              <a:t>Graph Attention Network</a:t>
-            </a:r>
-          </a:p>
-        </p:txBody>
-      </p:sp>
-      <p:cxnSp>
-        <p:nvCxnSpPr>
-          <p:cNvPr id="8" name="直接箭头连接符 7"/>
-          <p:cNvCxnSpPr/>
-          <p:nvPr/>
-        </p:nvCxnSpPr>
-        <p:spPr>
-          <a:xfrm>
-            <a:off x="1318895" y="2223135"/>
-            <a:ext cx="2525395" cy="0"/>
-          </a:xfrm>
-          <a:prstGeom prst="straightConnector1">
-            <a:avLst/>
-          </a:prstGeom>
-          <a:ln w="31750" cap="rnd">
-            <a:solidFill>
-              <a:schemeClr val="accent1"/>
-            </a:solidFill>
-            <a:round/>
-            <a:tailEnd type="arrow" w="med" len="med"/>
-          </a:ln>
-        </p:spPr>
-        <p:style>
-          <a:lnRef idx="0">
-            <a:srgbClr val="FFFFFF"/>
-          </a:lnRef>
-          <a:fillRef idx="0">
-            <a:srgbClr val="FFFFFF"/>
-          </a:fillRef>
-          <a:effectRef idx="0">
-            <a:srgbClr val="FFFFFF"/>
-          </a:effectRef>
-          <a:fontRef idx="minor">
-            <a:schemeClr val="tx1"/>
-          </a:fontRef>
-        </p:style>
-      </p:cxnSp>
-      <p:cxnSp>
-        <p:nvCxnSpPr>
-          <p:cNvPr id="10" name="直接箭头连接符 9"/>
-          <p:cNvCxnSpPr>
-            <a:stCxn id="2" idx="0"/>
-          </p:cNvCxnSpPr>
-          <p:nvPr/>
-        </p:nvCxnSpPr>
-        <p:spPr>
-          <a:xfrm flipV="1">
-            <a:off x="2479040" y="2256790"/>
-            <a:ext cx="9525" cy="969645"/>
-          </a:xfrm>
-          <a:prstGeom prst="straightConnector1">
-            <a:avLst/>
-          </a:prstGeom>
-          <a:ln w="31750" cap="rnd">
-            <a:solidFill>
-              <a:schemeClr val="accent1"/>
-            </a:solidFill>
-            <a:round/>
-            <a:tailEnd type="arrow" w="med" len="med"/>
-          </a:ln>
-        </p:spPr>
-        <p:style>
-          <a:lnRef idx="0">
-            <a:srgbClr val="FFFFFF"/>
-          </a:lnRef>
-          <a:fillRef idx="0">
-            <a:srgbClr val="FFFFFF"/>
-          </a:fillRef>
-          <a:effectRef idx="0">
-            <a:srgbClr val="FFFFFF"/>
-          </a:effectRef>
-          <a:fontRef idx="minor">
-            <a:schemeClr val="tx1"/>
-          </a:fontRef>
-        </p:style>
-      </p:cxnSp>
-      <p:cxnSp>
-        <p:nvCxnSpPr>
-          <p:cNvPr id="16" name="直接箭头连接符 15"/>
-          <p:cNvCxnSpPr/>
-          <p:nvPr/>
-        </p:nvCxnSpPr>
-        <p:spPr>
-          <a:xfrm>
-            <a:off x="5048250" y="2208530"/>
-            <a:ext cx="2279650" cy="10160"/>
-          </a:xfrm>
-          <a:prstGeom prst="straightConnector1">
-            <a:avLst/>
-          </a:prstGeom>
-          <a:ln w="31750" cap="rnd">
-            <a:solidFill>
-              <a:schemeClr val="accent1"/>
-            </a:solidFill>
-            <a:round/>
-            <a:tailEnd type="arrow" w="med" len="med"/>
-          </a:ln>
-        </p:spPr>
-        <p:style>
-          <a:lnRef idx="0">
-            <a:srgbClr val="FFFFFF"/>
-          </a:lnRef>
-          <a:fillRef idx="0">
-            <a:srgbClr val="FFFFFF"/>
-          </a:fillRef>
-          <a:effectRef idx="0">
-            <a:srgbClr val="FFFFFF"/>
-          </a:effectRef>
-          <a:fontRef idx="minor">
-            <a:schemeClr val="tx1"/>
-          </a:fontRef>
-        </p:style>
-      </p:cxnSp>
-      <p:cxnSp>
-        <p:nvCxnSpPr>
-          <p:cNvPr id="46" name="直接箭头连接符 45"/>
-          <p:cNvCxnSpPr/>
-          <p:nvPr/>
-        </p:nvCxnSpPr>
-        <p:spPr>
-          <a:xfrm>
-            <a:off x="8786495" y="2434590"/>
-            <a:ext cx="10160" cy="1137920"/>
-          </a:xfrm>
-          <a:prstGeom prst="straightConnector1">
-            <a:avLst/>
-          </a:prstGeom>
-          <a:ln w="31750" cap="rnd">
-            <a:solidFill>
-              <a:schemeClr val="accent1"/>
-            </a:solidFill>
-            <a:round/>
-            <a:tailEnd type="arrow" w="med" len="med"/>
-          </a:ln>
-        </p:spPr>
-        <p:style>
-          <a:lnRef idx="0">
-            <a:srgbClr val="FFFFFF"/>
-          </a:lnRef>
-          <a:fillRef idx="0">
-            <a:srgbClr val="FFFFFF"/>
-          </a:fillRef>
-          <a:effectRef idx="0">
-            <a:srgbClr val="FFFFFF"/>
-          </a:effectRef>
-          <a:fontRef idx="minor">
-            <a:schemeClr val="tx1"/>
-          </a:fontRef>
-        </p:style>
-      </p:cxnSp>
-      <p:sp>
-        <p:nvSpPr>
-          <p:cNvPr id="48" name="文本框 47"/>
-          <p:cNvSpPr txBox="1"/>
-          <p:nvPr/>
-        </p:nvSpPr>
-        <p:spPr>
-          <a:xfrm>
-            <a:off x="5048250" y="2434590"/>
-            <a:ext cx="2420620" cy="368300"/>
-          </a:xfrm>
-          <a:prstGeom prst="rect">
-            <a:avLst/>
-          </a:prstGeom>
-        </p:spPr>
-        <p:txBody>
-          <a:bodyPr wrap="square">
-            <a:spAutoFit/>
-            <a:extLst>
-              <a:ext uri="{4A0BC546-FE56-4ADE-93B0-CB8AF2F6F144}">
-                <wpsdc:textFrameExt xmlns:wpsdc="http://www.wps.cn/officeDocument/2022/drawingmlCustomData" xmlns="" type="text"/>
-              </a:ext>
-            </a:extLst>
-          </a:bodyPr>
-          <a:lstStyle/>
-          <a:p>
-            <a:pPr algn="l"/>
-            <a:r>
-              <a:rPr lang="en-US" altLang="zh-CN" sz="1800">
-                <a:latin typeface="Arial" panose="020B0604020202020204" pitchFamily="34" charset="0"/>
-                <a:ea typeface="微软雅黑" panose="020B0503020204020204" charset="-122"/>
-              </a:rPr>
-              <a:t>Learned Relations</a:t>
-            </a:r>
-          </a:p>
-        </p:txBody>
-      </p:sp>
-      <p:sp>
-        <p:nvSpPr>
-          <p:cNvPr id="49" name="文本框 48"/>
-          <p:cNvSpPr txBox="1"/>
-          <p:nvPr/>
-        </p:nvSpPr>
-        <p:spPr>
-          <a:xfrm>
-            <a:off x="4533900" y="3997960"/>
-            <a:ext cx="2686685" cy="368300"/>
-          </a:xfrm>
-          <a:prstGeom prst="rect">
-            <a:avLst/>
-          </a:prstGeom>
-        </p:spPr>
-        <p:txBody>
-          <a:bodyPr wrap="square">
-            <a:spAutoFit/>
-            <a:extLst>
-              <a:ext uri="{4A0BC546-FE56-4ADE-93B0-CB8AF2F6F144}">
-                <wpsdc:textFrameExt xmlns:wpsdc="http://www.wps.cn/officeDocument/2022/drawingmlCustomData" xmlns="" type="text"/>
-              </a:ext>
-            </a:extLst>
-          </a:bodyPr>
-          <a:lstStyle/>
-          <a:p>
-            <a:pPr algn="ctr"/>
-            <a:r>
-              <a:rPr lang="en-US" altLang="zh-CN" sz="1800">
-                <a:latin typeface="Arial" panose="020B0604020202020204" pitchFamily="34" charset="0"/>
-                <a:ea typeface="微软雅黑" panose="020B0503020204020204" charset="-122"/>
-              </a:rPr>
-              <a:t>Learned Embeddings</a:t>
-            </a:r>
-          </a:p>
-        </p:txBody>
-      </p:sp>
-      <p:sp>
-        <p:nvSpPr>
-          <p:cNvPr id="50" name="文本框 49"/>
-          <p:cNvSpPr txBox="1"/>
-          <p:nvPr/>
-        </p:nvSpPr>
-        <p:spPr>
-          <a:xfrm>
-            <a:off x="8870315" y="2434590"/>
-            <a:ext cx="1831975" cy="922020"/>
-          </a:xfrm>
-          <a:prstGeom prst="rect">
-            <a:avLst/>
-          </a:prstGeom>
-        </p:spPr>
-        <p:txBody>
-          <a:bodyPr wrap="square">
-            <a:spAutoFit/>
-            <a:extLst>
-              <a:ext uri="{4A0BC546-FE56-4ADE-93B0-CB8AF2F6F144}">
-                <wpsdc:textFrameExt xmlns:wpsdc="http://www.wps.cn/officeDocument/2022/drawingmlCustomData" xmlns="" type="text"/>
-              </a:ext>
-            </a:extLst>
-          </a:bodyPr>
-          <a:lstStyle/>
-          <a:p>
-            <a:pPr algn="ctr"/>
-            <a:r>
-              <a:rPr lang="en-US" altLang="zh-CN" sz="1800">
-                <a:latin typeface="Arial" panose="020B0604020202020204" pitchFamily="34" charset="0"/>
-                <a:ea typeface="微软雅黑" panose="020B0503020204020204" charset="-122"/>
-              </a:rPr>
               <a:t>Graph Attention-Based Features</a:t>
-            </a:r>
-          </a:p>
-        </p:txBody>
-      </p:sp>
-      <p:cxnSp>
-        <p:nvCxnSpPr>
-          <p:cNvPr id="51" name="直接箭头连接符 50"/>
-          <p:cNvCxnSpPr/>
-          <p:nvPr/>
-        </p:nvCxnSpPr>
-        <p:spPr>
-          <a:xfrm flipV="1">
-            <a:off x="7263130" y="2650490"/>
-            <a:ext cx="696595" cy="8890"/>
-          </a:xfrm>
-          <a:prstGeom prst="straightConnector1">
-            <a:avLst/>
-          </a:prstGeom>
-          <a:ln w="12700" cap="flat" cmpd="sng" algn="ctr">
-            <a:solidFill>
-              <a:schemeClr val="tx1"/>
-            </a:solidFill>
-            <a:prstDash val="dash"/>
-            <a:miter lim="800000"/>
-            <a:tailEnd type="arrow" w="med" len="med"/>
-          </a:ln>
-        </p:spPr>
-        <p:style>
-          <a:lnRef idx="0">
-            <a:schemeClr val="accent1"/>
-          </a:lnRef>
-          <a:fillRef idx="0">
-            <a:srgbClr val="FFFFFF"/>
-          </a:fillRef>
-          <a:effectRef idx="0">
-            <a:srgbClr val="FFFFFF"/>
-          </a:effectRef>
-          <a:fontRef idx="minor">
-            <a:schemeClr val="tx1"/>
-          </a:fontRef>
-        </p:style>
-      </p:cxnSp>
-      <p:cxnSp>
-        <p:nvCxnSpPr>
-          <p:cNvPr id="52" name="直接箭头连接符 51"/>
-          <p:cNvCxnSpPr/>
-          <p:nvPr/>
-        </p:nvCxnSpPr>
-        <p:spPr>
-          <a:xfrm flipV="1">
-            <a:off x="7263130" y="1640840"/>
-            <a:ext cx="696595" cy="8890"/>
-          </a:xfrm>
-          <a:prstGeom prst="straightConnector1">
-            <a:avLst/>
-          </a:prstGeom>
-          <a:ln w="12700" cap="flat" cmpd="sng" algn="ctr">
-            <a:solidFill>
-              <a:schemeClr val="tx1"/>
-            </a:solidFill>
-            <a:prstDash val="dash"/>
-            <a:miter lim="800000"/>
-            <a:tailEnd type="arrow" w="med" len="med"/>
-          </a:ln>
-        </p:spPr>
-        <p:style>
-          <a:lnRef idx="0">
-            <a:schemeClr val="accent1"/>
-          </a:lnRef>
-          <a:fillRef idx="0">
-            <a:srgbClr val="FFFFFF"/>
-          </a:fillRef>
-          <a:effectRef idx="0">
-            <a:srgbClr val="FFFFFF"/>
-          </a:effectRef>
-          <a:fontRef idx="minor">
-            <a:schemeClr val="tx1"/>
-          </a:fontRef>
-        </p:style>
-      </p:cxnSp>
-      <p:cxnSp>
-        <p:nvCxnSpPr>
-          <p:cNvPr id="56" name="直接连接符 55"/>
-          <p:cNvCxnSpPr/>
-          <p:nvPr/>
-        </p:nvCxnSpPr>
-        <p:spPr>
-          <a:xfrm flipH="1">
-            <a:off x="4333240" y="2908300"/>
-            <a:ext cx="19050" cy="944880"/>
-          </a:xfrm>
-          <a:prstGeom prst="line">
-            <a:avLst/>
-          </a:prstGeom>
-          <a:ln w="31750" cap="rnd">
-            <a:solidFill>
-              <a:schemeClr val="accent1"/>
-            </a:solidFill>
-            <a:round/>
-          </a:ln>
-        </p:spPr>
-        <p:style>
-          <a:lnRef idx="0">
-            <a:srgbClr val="FFFFFF"/>
-          </a:lnRef>
-          <a:fillRef idx="0">
-            <a:srgbClr val="FFFFFF"/>
-          </a:fillRef>
-          <a:effectRef idx="0">
-            <a:srgbClr val="FFFFFF"/>
-          </a:effectRef>
-          <a:fontRef idx="minor">
-            <a:schemeClr val="tx1"/>
-          </a:fontRef>
-        </p:style>
-      </p:cxnSp>
-      <p:cxnSp>
-        <p:nvCxnSpPr>
-          <p:cNvPr id="57" name="直接箭头连接符 56"/>
-          <p:cNvCxnSpPr/>
-          <p:nvPr/>
-        </p:nvCxnSpPr>
-        <p:spPr>
-          <a:xfrm flipV="1">
-            <a:off x="4342765" y="3836670"/>
-            <a:ext cx="3552190" cy="18415"/>
-          </a:xfrm>
-          <a:prstGeom prst="straightConnector1">
-            <a:avLst/>
-          </a:prstGeom>
-          <a:ln w="31750" cap="rnd">
-            <a:solidFill>
-              <a:schemeClr val="accent1"/>
-            </a:solidFill>
-            <a:round/>
-            <a:tailEnd type="arrow" w="med" len="med"/>
-          </a:ln>
-        </p:spPr>
-        <p:style>
-          <a:lnRef idx="0">
-            <a:srgbClr val="FFFFFF"/>
-          </a:lnRef>
-          <a:fillRef idx="0">
-            <a:srgbClr val="FFFFFF"/>
-          </a:fillRef>
-          <a:effectRef idx="0">
-            <a:srgbClr val="FFFFFF"/>
-          </a:effectRef>
-          <a:fontRef idx="minor">
-            <a:schemeClr val="tx1"/>
-          </a:fontRef>
-        </p:style>
-      </p:cxnSp>
-      <p:sp>
-        <p:nvSpPr>
-          <p:cNvPr id="58" name="文本框 57"/>
-          <p:cNvSpPr txBox="1"/>
-          <p:nvPr/>
-        </p:nvSpPr>
-        <p:spPr>
-          <a:xfrm>
-            <a:off x="7894955" y="3530600"/>
-            <a:ext cx="1723390" cy="645160"/>
-          </a:xfrm>
-          <a:prstGeom prst="rect">
-            <a:avLst/>
-          </a:prstGeom>
-          <a:solidFill>
-            <a:schemeClr val="accent4">
-              <a:lumMod val="60000"/>
-              <a:lumOff val="40000"/>
-            </a:schemeClr>
-          </a:solidFill>
-        </p:spPr>
-        <p:txBody>
-          <a:bodyPr wrap="square">
-            <a:spAutoFit/>
-            <a:extLst>
-              <a:ext uri="{4A0BC546-FE56-4ADE-93B0-CB8AF2F6F144}">
-                <wpsdc:textFrameExt xmlns:wpsdc="http://www.wps.cn/officeDocument/2022/drawingmlCustomData" xmlns="" type="text"/>
-              </a:ext>
-            </a:extLst>
-          </a:bodyPr>
-          <a:lstStyle/>
-          <a:p>
-            <a:pPr algn="ctr"/>
-            <a:r>
-              <a:rPr lang="en-US" altLang="zh-CN" sz="1800">
-                <a:latin typeface="Arial" panose="020B0604020202020204" pitchFamily="34" charset="0"/>
-                <a:ea typeface="微软雅黑" panose="020B0503020204020204" charset="-122"/>
-              </a:rPr>
-              <a:t>element-wise multiply</a:t>
-            </a:r>
-          </a:p>
-        </p:txBody>
-      </p:sp>
-      <p:cxnSp>
-        <p:nvCxnSpPr>
-          <p:cNvPr id="59" name="直接箭头连接符 58"/>
-          <p:cNvCxnSpPr>
-            <a:stCxn id="58" idx="3"/>
-          </p:cNvCxnSpPr>
-          <p:nvPr/>
-        </p:nvCxnSpPr>
-        <p:spPr>
-          <a:xfrm flipV="1">
-            <a:off x="9618345" y="3824605"/>
-            <a:ext cx="2239010" cy="28575"/>
-          </a:xfrm>
-          <a:prstGeom prst="straightConnector1">
-            <a:avLst/>
-          </a:prstGeom>
-          <a:ln w="31750" cap="rnd">
-            <a:solidFill>
-              <a:schemeClr val="accent1"/>
-            </a:solidFill>
-            <a:round/>
-            <a:tailEnd type="arrow" w="med" len="med"/>
-          </a:ln>
-        </p:spPr>
-        <p:style>
-          <a:lnRef idx="0">
-            <a:srgbClr val="FFFFFF"/>
-          </a:lnRef>
-          <a:fillRef idx="0">
-            <a:srgbClr val="FFFFFF"/>
-          </a:fillRef>
-          <a:effectRef idx="0">
-            <a:srgbClr val="FFFFFF"/>
-          </a:effectRef>
-          <a:fontRef idx="minor">
-            <a:schemeClr val="tx1"/>
-          </a:fontRef>
-        </p:style>
-      </p:cxnSp>
-      <p:sp>
-        <p:nvSpPr>
-          <p:cNvPr id="60" name="文本框 59"/>
-          <p:cNvSpPr txBox="1"/>
-          <p:nvPr/>
-        </p:nvSpPr>
-        <p:spPr>
-          <a:xfrm>
-            <a:off x="9892665" y="3998595"/>
-            <a:ext cx="1850390" cy="368300"/>
-          </a:xfrm>
-          <a:prstGeom prst="rect">
-            <a:avLst/>
-          </a:prstGeom>
-        </p:spPr>
-        <p:txBody>
-          <a:bodyPr wrap="square">
-            <a:spAutoFit/>
-            <a:extLst>
-              <a:ext uri="{4A0BC546-FE56-4ADE-93B0-CB8AF2F6F144}">
-                <wpsdc:textFrameExt xmlns:wpsdc="http://www.wps.cn/officeDocument/2022/drawingmlCustomData" xmlns="" type="text"/>
-              </a:ext>
-            </a:extLst>
-          </a:bodyPr>
-          <a:lstStyle/>
-          <a:p>
-            <a:pPr algn="l"/>
-            <a:r>
-              <a:rPr lang="en-US" altLang="zh-CN" sz="1800">
-                <a:solidFill>
-                  <a:schemeClr val="accent6"/>
-                </a:solidFill>
-                <a:latin typeface="Arial" panose="020B0604020202020204" pitchFamily="34" charset="0"/>
-                <a:ea typeface="微软雅黑" panose="020B0503020204020204" charset="-122"/>
-              </a:rPr>
-              <a:t>Spatial Features</a:t>
             </a:r>
           </a:p>
         </p:txBody>
@@ -33876,7 +33712,7 @@
             <a:spAutoFit/>
             <a:extLst>
               <a:ext uri="{4A0BC546-FE56-4ADE-93B0-CB8AF2F6F144}">
-                <wpsdc:textFrameExt xmlns:wpsdc="http://www.wps.cn/officeDocument/2022/drawingmlCustomData" xmlns="" type="text"/>
+                <wpsdc:textFrameExt xmlns="" xmlns:wpsdc="http://www.wps.cn/officeDocument/2022/drawingmlCustomData" type="text"/>
               </a:ext>
             </a:extLst>
           </a:bodyPr>
@@ -33913,7 +33749,7 @@
             <a:spAutoFit/>
             <a:extLst>
               <a:ext uri="{4A0BC546-FE56-4ADE-93B0-CB8AF2F6F144}">
-                <wpsdc:textFrameExt xmlns:wpsdc="http://www.wps.cn/officeDocument/2022/drawingmlCustomData" xmlns="" type="text"/>
+                <wpsdc:textFrameExt xmlns="" xmlns:wpsdc="http://www.wps.cn/officeDocument/2022/drawingmlCustomData" type="text"/>
               </a:ext>
             </a:extLst>
           </a:bodyPr>
@@ -34594,7 +34430,7 @@
             <a:spAutoFit/>
             <a:extLst>
               <a:ext uri="{4A0BC546-FE56-4ADE-93B0-CB8AF2F6F144}">
-                <wpsdc:textFrameExt xmlns:wpsdc="http://www.wps.cn/officeDocument/2022/drawingmlCustomData" xmlns="" type="text"/>
+                <wpsdc:textFrameExt xmlns="" xmlns:wpsdc="http://www.wps.cn/officeDocument/2022/drawingmlCustomData" type="text"/>
               </a:ext>
             </a:extLst>
           </a:bodyPr>
@@ -35007,7 +34843,7 @@
             <a:spAutoFit/>
             <a:extLst>
               <a:ext uri="{4A0BC546-FE56-4ADE-93B0-CB8AF2F6F144}">
-                <wpsdc:textFrameExt xmlns:wpsdc="http://www.wps.cn/officeDocument/2022/drawingmlCustomData" xmlns="" type="text"/>
+                <wpsdc:textFrameExt xmlns="" xmlns:wpsdc="http://www.wps.cn/officeDocument/2022/drawingmlCustomData" type="text"/>
               </a:ext>
             </a:extLst>
           </a:bodyPr>
@@ -35194,7 +35030,7 @@
             <a:spAutoFit/>
             <a:extLst>
               <a:ext uri="{4A0BC546-FE56-4ADE-93B0-CB8AF2F6F144}">
-                <wpsdc:textFrameExt xmlns:wpsdc="http://www.wps.cn/officeDocument/2022/drawingmlCustomData" xmlns="" type="text"/>
+                <wpsdc:textFrameExt xmlns="" xmlns:wpsdc="http://www.wps.cn/officeDocument/2022/drawingmlCustomData" type="text"/>
               </a:ext>
             </a:extLst>
           </a:bodyPr>
@@ -35231,7 +35067,7 @@
             <a:spAutoFit/>
             <a:extLst>
               <a:ext uri="{4A0BC546-FE56-4ADE-93B0-CB8AF2F6F144}">
-                <wpsdc:textFrameExt xmlns:wpsdc="http://www.wps.cn/officeDocument/2022/drawingmlCustomData" xmlns="" type="text"/>
+                <wpsdc:textFrameExt xmlns="" xmlns:wpsdc="http://www.wps.cn/officeDocument/2022/drawingmlCustomData" type="text"/>
               </a:ext>
             </a:extLst>
           </a:bodyPr>
@@ -35268,7 +35104,7 @@
             <a:spAutoFit/>
             <a:extLst>
               <a:ext uri="{4A0BC546-FE56-4ADE-93B0-CB8AF2F6F144}">
-                <wpsdc:textFrameExt xmlns:wpsdc="http://www.wps.cn/officeDocument/2022/drawingmlCustomData" xmlns="" type="text"/>
+                <wpsdc:textFrameExt xmlns="" xmlns:wpsdc="http://www.wps.cn/officeDocument/2022/drawingmlCustomData" type="text"/>
               </a:ext>
             </a:extLst>
           </a:bodyPr>
@@ -35460,7 +35296,7 @@
             <a:spAutoFit/>
             <a:extLst>
               <a:ext uri="{4A0BC546-FE56-4ADE-93B0-CB8AF2F6F144}">
-                <wpsdc:textFrameExt xmlns:wpsdc="http://www.wps.cn/officeDocument/2022/drawingmlCustomData" xmlns="" type="text"/>
+                <wpsdc:textFrameExt xmlns="" xmlns:wpsdc="http://www.wps.cn/officeDocument/2022/drawingmlCustomData" type="text"/>
               </a:ext>
             </a:extLst>
           </a:bodyPr>
@@ -35536,7 +35372,7 @@
             <a:spAutoFit/>
             <a:extLst>
               <a:ext uri="{4A0BC546-FE56-4ADE-93B0-CB8AF2F6F144}">
-                <wpsdc:textFrameExt xmlns:wpsdc="http://www.wps.cn/officeDocument/2022/drawingmlCustomData" xmlns="" type="text"/>
+                <wpsdc:textFrameExt xmlns="" xmlns:wpsdc="http://www.wps.cn/officeDocument/2022/drawingmlCustomData" type="text"/>
               </a:ext>
             </a:extLst>
           </a:bodyPr>
@@ -35581,6 +35417,1883 @@
           <a:chExt cx="0" cy="0"/>
         </a:xfrm>
       </p:grpSpPr>
+      <p:sp>
+        <p:nvSpPr>
+          <p:cNvPr id="4" name="圆角矩形 3"/>
+          <p:cNvSpPr/>
+          <p:nvPr/>
+        </p:nvSpPr>
+        <p:spPr>
+          <a:xfrm>
+            <a:off x="1110615" y="527685"/>
+            <a:ext cx="10814050" cy="5273040"/>
+          </a:xfrm>
+          <a:prstGeom prst="roundRect">
+            <a:avLst/>
+          </a:prstGeom>
+          <a:solidFill>
+            <a:schemeClr val="bg1"/>
+          </a:solidFill>
+          <a:ln>
+            <a:solidFill>
+              <a:schemeClr val="tx1"/>
+            </a:solidFill>
+          </a:ln>
+        </p:spPr>
+        <p:style>
+          <a:lnRef idx="2">
+            <a:schemeClr val="accent1">
+              <a:lumMod val="75000"/>
+            </a:schemeClr>
+          </a:lnRef>
+          <a:fillRef idx="1">
+            <a:schemeClr val="accent1"/>
+          </a:fillRef>
+          <a:effectRef idx="0">
+            <a:srgbClr val="FFFFFF"/>
+          </a:effectRef>
+          <a:fontRef idx="minor">
+            <a:schemeClr val="lt1"/>
+          </a:fontRef>
+        </p:style>
+        <p:txBody>
+          <a:bodyPr rtlCol="0" anchor="ctr"/>
+          <a:lstStyle/>
+          <a:p>
+            <a:pPr algn="ctr"/>
+            <a:r>
+              <a:rPr lang="en-US" altLang="zh-CN">
+                <a:latin typeface="Arial" panose="020B0604020202020204" pitchFamily="34" charset="0"/>
+                <a:ea typeface="微软雅黑" panose="020B0503020204020204" charset="-122"/>
+                <a:sym typeface="+mn-ea"/>
+              </a:rPr>
+              <a:t>Spatial Features</a:t>
+            </a:r>
+            <a:endParaRPr lang="zh-CN" altLang="en-US"/>
+          </a:p>
+        </p:txBody>
+      </p:sp>
+      <p:sp>
+        <p:nvSpPr>
+          <p:cNvPr id="13" name="文本框 12"/>
+          <p:cNvSpPr txBox="1"/>
+          <p:nvPr/>
+        </p:nvSpPr>
+        <p:spPr>
+          <a:xfrm>
+            <a:off x="2868930" y="3572510"/>
+            <a:ext cx="283210" cy="368300"/>
+          </a:xfrm>
+          <a:prstGeom prst="rect">
+            <a:avLst/>
+          </a:prstGeom>
+          <a:noFill/>
+        </p:spPr>
+        <p:txBody>
+          <a:bodyPr wrap="none" rtlCol="0" anchor="t">
+            <a:spAutoFit/>
+          </a:bodyPr>
+          <a:lstStyle/>
+          <a:p>
+            <a:r>
+              <a:rPr lang="zh-CN" altLang="en-US">
+                <a:latin typeface="微软雅黑" panose="020B0503020204020204" charset="-122"/>
+                <a:ea typeface="微软雅黑" panose="020B0503020204020204" charset="-122"/>
+              </a:rPr>
+              <a:t>•</a:t>
+            </a:r>
+          </a:p>
+        </p:txBody>
+      </p:sp>
+      <p:sp>
+        <p:nvSpPr>
+          <p:cNvPr id="14" name="文本框 13"/>
+          <p:cNvSpPr txBox="1"/>
+          <p:nvPr/>
+        </p:nvSpPr>
+        <p:spPr>
+          <a:xfrm>
+            <a:off x="2868930" y="3779520"/>
+            <a:ext cx="283210" cy="368300"/>
+          </a:xfrm>
+          <a:prstGeom prst="rect">
+            <a:avLst/>
+          </a:prstGeom>
+          <a:noFill/>
+        </p:spPr>
+        <p:txBody>
+          <a:bodyPr wrap="none" rtlCol="0" anchor="t">
+            <a:spAutoFit/>
+          </a:bodyPr>
+          <a:lstStyle/>
+          <a:p>
+            <a:r>
+              <a:rPr lang="zh-CN" altLang="en-US">
+                <a:latin typeface="微软雅黑" panose="020B0503020204020204" charset="-122"/>
+                <a:ea typeface="微软雅黑" panose="020B0503020204020204" charset="-122"/>
+              </a:rPr>
+              <a:t>•</a:t>
+            </a:r>
+          </a:p>
+        </p:txBody>
+      </p:sp>
+      <p:sp>
+        <p:nvSpPr>
+          <p:cNvPr id="15" name="文本框 14"/>
+          <p:cNvSpPr txBox="1"/>
+          <p:nvPr/>
+        </p:nvSpPr>
+        <p:spPr>
+          <a:xfrm>
+            <a:off x="2868930" y="3998595"/>
+            <a:ext cx="283210" cy="368300"/>
+          </a:xfrm>
+          <a:prstGeom prst="rect">
+            <a:avLst/>
+          </a:prstGeom>
+          <a:noFill/>
+        </p:spPr>
+        <p:txBody>
+          <a:bodyPr wrap="none" rtlCol="0" anchor="t">
+            <a:spAutoFit/>
+          </a:bodyPr>
+          <a:lstStyle/>
+          <a:p>
+            <a:r>
+              <a:rPr lang="zh-CN" altLang="en-US">
+                <a:latin typeface="微软雅黑" panose="020B0503020204020204" charset="-122"/>
+                <a:ea typeface="微软雅黑" panose="020B0503020204020204" charset="-122"/>
+              </a:rPr>
+              <a:t>•</a:t>
+            </a:r>
+          </a:p>
+        </p:txBody>
+      </p:sp>
+      <p:sp>
+        <p:nvSpPr>
+          <p:cNvPr id="17" name="文本框 16"/>
+          <p:cNvSpPr txBox="1"/>
+          <p:nvPr/>
+        </p:nvSpPr>
+        <p:spPr>
+          <a:xfrm>
+            <a:off x="4779010" y="5078730"/>
+            <a:ext cx="4175760" cy="398780"/>
+          </a:xfrm>
+          <a:prstGeom prst="rect">
+            <a:avLst/>
+          </a:prstGeom>
+        </p:spPr>
+        <p:txBody>
+          <a:bodyPr wrap="square">
+            <a:spAutoFit/>
+            <a:extLst>
+              <a:ext uri="{4A0BC546-FE56-4ADE-93B0-CB8AF2F6F144}">
+                <wpsdc:textFrameExt xmlns="" xmlns:wpsdc="http://www.wps.cn/officeDocument/2022/drawingmlCustomData" type="text"/>
+              </a:ext>
+            </a:extLst>
+          </a:bodyPr>
+          <a:lstStyle/>
+          <a:p>
+            <a:pPr algn="l"/>
+            <a:r>
+              <a:rPr lang="en-US" altLang="zh-CN" sz="2000" b="1">
+                <a:latin typeface="Arial" panose="020B0604020202020204" pitchFamily="34" charset="0"/>
+                <a:ea typeface="微软雅黑" panose="020B0503020204020204" charset="-122"/>
+              </a:rPr>
+              <a:t>Spatial Features Exactor Module</a:t>
+            </a:r>
+          </a:p>
+        </p:txBody>
+      </p:sp>
+      <p:sp>
+        <p:nvSpPr>
+          <p:cNvPr id="18" name="文本框 17"/>
+          <p:cNvSpPr txBox="1"/>
+          <p:nvPr/>
+        </p:nvSpPr>
+        <p:spPr>
+          <a:xfrm>
+            <a:off x="1597025" y="4653915"/>
+            <a:ext cx="1763395" cy="368300"/>
+          </a:xfrm>
+          <a:prstGeom prst="rect">
+            <a:avLst/>
+          </a:prstGeom>
+        </p:spPr>
+        <p:txBody>
+          <a:bodyPr wrap="square">
+            <a:spAutoFit/>
+            <a:extLst>
+              <a:ext uri="{4A0BC546-FE56-4ADE-93B0-CB8AF2F6F144}">
+                <wpsdc:textFrameExt xmlns="" xmlns:wpsdc="http://www.wps.cn/officeDocument/2022/drawingmlCustomData" type="text"/>
+              </a:ext>
+            </a:extLst>
+          </a:bodyPr>
+          <a:lstStyle/>
+          <a:p>
+            <a:pPr algn="l"/>
+            <a:r>
+              <a:rPr lang="en-US" altLang="zh-CN" sz="1800">
+                <a:latin typeface="Arial" panose="020B0604020202020204" pitchFamily="34" charset="0"/>
+                <a:ea typeface="微软雅黑" panose="020B0503020204020204" charset="-122"/>
+              </a:rPr>
+              <a:t>N Embeddings</a:t>
+            </a:r>
+          </a:p>
+        </p:txBody>
+      </p:sp>
+      <p:sp>
+        <p:nvSpPr>
+          <p:cNvPr id="2" name="矩形 1"/>
+          <p:cNvSpPr/>
+          <p:nvPr/>
+        </p:nvSpPr>
+        <p:spPr>
+          <a:xfrm>
+            <a:off x="1680845" y="3226435"/>
+            <a:ext cx="1596390" cy="198120"/>
+          </a:xfrm>
+          <a:prstGeom prst="rect">
+            <a:avLst/>
+          </a:prstGeom>
+          <a:solidFill>
+            <a:schemeClr val="accent5">
+              <a:lumMod val="40000"/>
+              <a:lumOff val="60000"/>
+            </a:schemeClr>
+          </a:solidFill>
+        </p:spPr>
+        <p:style>
+          <a:lnRef idx="2">
+            <a:schemeClr val="accent1">
+              <a:lumMod val="75000"/>
+            </a:schemeClr>
+          </a:lnRef>
+          <a:fillRef idx="1">
+            <a:schemeClr val="accent1"/>
+          </a:fillRef>
+          <a:effectRef idx="0">
+            <a:srgbClr val="FFFFFF"/>
+          </a:effectRef>
+          <a:fontRef idx="minor">
+            <a:schemeClr val="lt1"/>
+          </a:fontRef>
+        </p:style>
+        <p:txBody>
+          <a:bodyPr rtlCol="0" anchor="ctr"/>
+          <a:lstStyle/>
+          <a:p>
+            <a:pPr algn="ctr"/>
+            <a:endParaRPr lang="zh-CN" altLang="en-US"/>
+          </a:p>
+        </p:txBody>
+      </p:sp>
+      <p:sp>
+        <p:nvSpPr>
+          <p:cNvPr id="3" name="矩形 2"/>
+          <p:cNvSpPr/>
+          <p:nvPr/>
+        </p:nvSpPr>
+        <p:spPr>
+          <a:xfrm>
+            <a:off x="1680845" y="3424555"/>
+            <a:ext cx="1596390" cy="198120"/>
+          </a:xfrm>
+          <a:prstGeom prst="rect">
+            <a:avLst/>
+          </a:prstGeom>
+          <a:solidFill>
+            <a:schemeClr val="accent6">
+              <a:lumMod val="40000"/>
+              <a:lumOff val="60000"/>
+            </a:schemeClr>
+          </a:solidFill>
+        </p:spPr>
+        <p:style>
+          <a:lnRef idx="2">
+            <a:schemeClr val="accent1">
+              <a:lumMod val="75000"/>
+            </a:schemeClr>
+          </a:lnRef>
+          <a:fillRef idx="1">
+            <a:schemeClr val="accent1"/>
+          </a:fillRef>
+          <a:effectRef idx="0">
+            <a:srgbClr val="FFFFFF"/>
+          </a:effectRef>
+          <a:fontRef idx="minor">
+            <a:schemeClr val="lt1"/>
+          </a:fontRef>
+        </p:style>
+        <p:txBody>
+          <a:bodyPr rtlCol="0" anchor="ctr"/>
+          <a:lstStyle/>
+          <a:p>
+            <a:pPr algn="ctr"/>
+            <a:endParaRPr lang="zh-CN" altLang="en-US"/>
+          </a:p>
+        </p:txBody>
+      </p:sp>
+      <p:sp>
+        <p:nvSpPr>
+          <p:cNvPr id="5" name="矩形 4"/>
+          <p:cNvSpPr/>
+          <p:nvPr/>
+        </p:nvSpPr>
+        <p:spPr>
+          <a:xfrm>
+            <a:off x="1680845" y="4168140"/>
+            <a:ext cx="1596390" cy="198120"/>
+          </a:xfrm>
+          <a:prstGeom prst="rect">
+            <a:avLst/>
+          </a:prstGeom>
+          <a:solidFill>
+            <a:schemeClr val="accent3">
+              <a:lumMod val="75000"/>
+            </a:schemeClr>
+          </a:solidFill>
+        </p:spPr>
+        <p:style>
+          <a:lnRef idx="2">
+            <a:schemeClr val="accent1">
+              <a:lumMod val="75000"/>
+            </a:schemeClr>
+          </a:lnRef>
+          <a:fillRef idx="1">
+            <a:schemeClr val="accent1"/>
+          </a:fillRef>
+          <a:effectRef idx="0">
+            <a:srgbClr val="FFFFFF"/>
+          </a:effectRef>
+          <a:fontRef idx="minor">
+            <a:schemeClr val="lt1"/>
+          </a:fontRef>
+        </p:style>
+        <p:txBody>
+          <a:bodyPr rtlCol="0" anchor="ctr"/>
+          <a:lstStyle/>
+          <a:p>
+            <a:pPr algn="ctr"/>
+            <a:endParaRPr lang="zh-CN" altLang="en-US"/>
+          </a:p>
+        </p:txBody>
+      </p:sp>
+      <p:sp>
+        <p:nvSpPr>
+          <p:cNvPr id="6" name="矩形 5"/>
+          <p:cNvSpPr/>
+          <p:nvPr/>
+        </p:nvSpPr>
+        <p:spPr>
+          <a:xfrm>
+            <a:off x="1680845" y="3630295"/>
+            <a:ext cx="1596390" cy="545465"/>
+          </a:xfrm>
+          <a:prstGeom prst="rect">
+            <a:avLst/>
+          </a:prstGeom>
+          <a:solidFill>
+            <a:schemeClr val="bg1"/>
+          </a:solidFill>
+        </p:spPr>
+        <p:style>
+          <a:lnRef idx="2">
+            <a:schemeClr val="accent1">
+              <a:lumMod val="75000"/>
+            </a:schemeClr>
+          </a:lnRef>
+          <a:fillRef idx="1">
+            <a:schemeClr val="accent1"/>
+          </a:fillRef>
+          <a:effectRef idx="0">
+            <a:srgbClr val="FFFFFF"/>
+          </a:effectRef>
+          <a:fontRef idx="minor">
+            <a:schemeClr val="lt1"/>
+          </a:fontRef>
+        </p:style>
+        <p:txBody>
+          <a:bodyPr rtlCol="0" anchor="ctr"/>
+          <a:lstStyle/>
+          <a:p>
+            <a:pPr algn="ctr"/>
+            <a:endParaRPr lang="zh-CN" altLang="en-US"/>
+          </a:p>
+        </p:txBody>
+      </p:sp>
+      <p:sp>
+        <p:nvSpPr>
+          <p:cNvPr id="9" name="文本框 8"/>
+          <p:cNvSpPr txBox="1"/>
+          <p:nvPr/>
+        </p:nvSpPr>
+        <p:spPr>
+          <a:xfrm>
+            <a:off x="2337435" y="3572510"/>
+            <a:ext cx="283210" cy="368300"/>
+          </a:xfrm>
+          <a:prstGeom prst="rect">
+            <a:avLst/>
+          </a:prstGeom>
+          <a:noFill/>
+        </p:spPr>
+        <p:txBody>
+          <a:bodyPr wrap="none" rtlCol="0" anchor="t">
+            <a:spAutoFit/>
+          </a:bodyPr>
+          <a:lstStyle/>
+          <a:p>
+            <a:r>
+              <a:rPr lang="zh-CN" altLang="en-US">
+                <a:latin typeface="微软雅黑" panose="020B0503020204020204" charset="-122"/>
+                <a:ea typeface="微软雅黑" panose="020B0503020204020204" charset="-122"/>
+              </a:rPr>
+              <a:t>•</a:t>
+            </a:r>
+          </a:p>
+        </p:txBody>
+      </p:sp>
+      <p:sp>
+        <p:nvSpPr>
+          <p:cNvPr id="11" name="文本框 10"/>
+          <p:cNvSpPr txBox="1"/>
+          <p:nvPr/>
+        </p:nvSpPr>
+        <p:spPr>
+          <a:xfrm>
+            <a:off x="2337435" y="3699510"/>
+            <a:ext cx="283210" cy="368300"/>
+          </a:xfrm>
+          <a:prstGeom prst="rect">
+            <a:avLst/>
+          </a:prstGeom>
+          <a:noFill/>
+        </p:spPr>
+        <p:txBody>
+          <a:bodyPr wrap="none" rtlCol="0" anchor="t">
+            <a:spAutoFit/>
+          </a:bodyPr>
+          <a:lstStyle/>
+          <a:p>
+            <a:r>
+              <a:rPr lang="zh-CN" altLang="en-US">
+                <a:latin typeface="微软雅黑" panose="020B0503020204020204" charset="-122"/>
+                <a:ea typeface="微软雅黑" panose="020B0503020204020204" charset="-122"/>
+              </a:rPr>
+              <a:t>•</a:t>
+            </a:r>
+          </a:p>
+        </p:txBody>
+      </p:sp>
+      <p:sp>
+        <p:nvSpPr>
+          <p:cNvPr id="19" name="文本框 18"/>
+          <p:cNvSpPr txBox="1"/>
+          <p:nvPr/>
+        </p:nvSpPr>
+        <p:spPr>
+          <a:xfrm>
+            <a:off x="2337435" y="3855085"/>
+            <a:ext cx="283210" cy="368300"/>
+          </a:xfrm>
+          <a:prstGeom prst="rect">
+            <a:avLst/>
+          </a:prstGeom>
+          <a:noFill/>
+        </p:spPr>
+        <p:txBody>
+          <a:bodyPr wrap="none" rtlCol="0" anchor="t">
+            <a:spAutoFit/>
+          </a:bodyPr>
+          <a:lstStyle/>
+          <a:p>
+            <a:r>
+              <a:rPr lang="zh-CN" altLang="en-US">
+                <a:latin typeface="微软雅黑" panose="020B0503020204020204" charset="-122"/>
+                <a:ea typeface="微软雅黑" panose="020B0503020204020204" charset="-122"/>
+              </a:rPr>
+              <a:t>•</a:t>
+            </a:r>
+          </a:p>
+        </p:txBody>
+      </p:sp>
+      <p:sp>
+        <p:nvSpPr>
+          <p:cNvPr id="20" name="椭圆 19"/>
+          <p:cNvSpPr/>
+          <p:nvPr/>
+        </p:nvSpPr>
+        <p:spPr>
+          <a:xfrm>
+            <a:off x="4448810" y="1649730"/>
+            <a:ext cx="180975" cy="188595"/>
+          </a:xfrm>
+          <a:prstGeom prst="ellipse">
+            <a:avLst/>
+          </a:prstGeom>
+          <a:solidFill>
+            <a:schemeClr val="accent5">
+              <a:lumMod val="40000"/>
+              <a:lumOff val="60000"/>
+            </a:schemeClr>
+          </a:solidFill>
+        </p:spPr>
+        <p:style>
+          <a:lnRef idx="2">
+            <a:schemeClr val="accent1">
+              <a:lumMod val="75000"/>
+            </a:schemeClr>
+          </a:lnRef>
+          <a:fillRef idx="1">
+            <a:schemeClr val="accent1"/>
+          </a:fillRef>
+          <a:effectRef idx="0">
+            <a:srgbClr val="FFFFFF"/>
+          </a:effectRef>
+          <a:fontRef idx="minor">
+            <a:schemeClr val="lt1"/>
+          </a:fontRef>
+        </p:style>
+        <p:txBody>
+          <a:bodyPr rtlCol="0" anchor="ctr"/>
+          <a:lstStyle/>
+          <a:p>
+            <a:pPr algn="ctr"/>
+            <a:endParaRPr lang="zh-CN" altLang="en-US"/>
+          </a:p>
+        </p:txBody>
+      </p:sp>
+      <p:sp>
+        <p:nvSpPr>
+          <p:cNvPr id="21" name="椭圆 20"/>
+          <p:cNvSpPr/>
+          <p:nvPr/>
+        </p:nvSpPr>
+        <p:spPr>
+          <a:xfrm>
+            <a:off x="3933825" y="2125980"/>
+            <a:ext cx="180975" cy="188595"/>
+          </a:xfrm>
+          <a:prstGeom prst="ellipse">
+            <a:avLst/>
+          </a:prstGeom>
+          <a:solidFill>
+            <a:schemeClr val="accent6">
+              <a:lumMod val="40000"/>
+              <a:lumOff val="60000"/>
+            </a:schemeClr>
+          </a:solidFill>
+        </p:spPr>
+        <p:style>
+          <a:lnRef idx="2">
+            <a:schemeClr val="accent1">
+              <a:lumMod val="75000"/>
+            </a:schemeClr>
+          </a:lnRef>
+          <a:fillRef idx="1">
+            <a:schemeClr val="accent1"/>
+          </a:fillRef>
+          <a:effectRef idx="0">
+            <a:srgbClr val="FFFFFF"/>
+          </a:effectRef>
+          <a:fontRef idx="minor">
+            <a:schemeClr val="lt1"/>
+          </a:fontRef>
+        </p:style>
+        <p:txBody>
+          <a:bodyPr rtlCol="0" anchor="ctr"/>
+          <a:lstStyle/>
+          <a:p>
+            <a:pPr algn="ctr"/>
+            <a:endParaRPr lang="zh-CN" altLang="en-US"/>
+          </a:p>
+        </p:txBody>
+      </p:sp>
+      <p:sp>
+        <p:nvSpPr>
+          <p:cNvPr id="22" name="椭圆 21"/>
+          <p:cNvSpPr/>
+          <p:nvPr/>
+        </p:nvSpPr>
+        <p:spPr>
+          <a:xfrm>
+            <a:off x="4267835" y="2617470"/>
+            <a:ext cx="180975" cy="188595"/>
+          </a:xfrm>
+          <a:prstGeom prst="ellipse">
+            <a:avLst/>
+          </a:prstGeom>
+          <a:solidFill>
+            <a:schemeClr val="accent6"/>
+          </a:solidFill>
+        </p:spPr>
+        <p:style>
+          <a:lnRef idx="2">
+            <a:schemeClr val="accent1">
+              <a:lumMod val="75000"/>
+            </a:schemeClr>
+          </a:lnRef>
+          <a:fillRef idx="1">
+            <a:schemeClr val="accent1"/>
+          </a:fillRef>
+          <a:effectRef idx="0">
+            <a:srgbClr val="FFFFFF"/>
+          </a:effectRef>
+          <a:fontRef idx="minor">
+            <a:schemeClr val="lt1"/>
+          </a:fontRef>
+        </p:style>
+        <p:txBody>
+          <a:bodyPr rtlCol="0" anchor="ctr"/>
+          <a:lstStyle/>
+          <a:p>
+            <a:pPr algn="ctr"/>
+            <a:endParaRPr lang="zh-CN" altLang="en-US"/>
+          </a:p>
+        </p:txBody>
+      </p:sp>
+      <p:sp>
+        <p:nvSpPr>
+          <p:cNvPr id="23" name="椭圆 22"/>
+          <p:cNvSpPr/>
+          <p:nvPr/>
+        </p:nvSpPr>
+        <p:spPr>
+          <a:xfrm>
+            <a:off x="4744720" y="2230120"/>
+            <a:ext cx="180975" cy="188595"/>
+          </a:xfrm>
+          <a:prstGeom prst="ellipse">
+            <a:avLst/>
+          </a:prstGeom>
+          <a:solidFill>
+            <a:schemeClr val="accent3">
+              <a:lumMod val="60000"/>
+              <a:lumOff val="40000"/>
+            </a:schemeClr>
+          </a:solidFill>
+        </p:spPr>
+        <p:style>
+          <a:lnRef idx="2">
+            <a:schemeClr val="accent1">
+              <a:lumMod val="75000"/>
+            </a:schemeClr>
+          </a:lnRef>
+          <a:fillRef idx="1">
+            <a:schemeClr val="accent1"/>
+          </a:fillRef>
+          <a:effectRef idx="0">
+            <a:srgbClr val="FFFFFF"/>
+          </a:effectRef>
+          <a:fontRef idx="minor">
+            <a:schemeClr val="lt1"/>
+          </a:fontRef>
+        </p:style>
+        <p:txBody>
+          <a:bodyPr rtlCol="0" anchor="ctr"/>
+          <a:lstStyle/>
+          <a:p>
+            <a:pPr algn="ctr"/>
+            <a:endParaRPr lang="zh-CN" altLang="en-US"/>
+          </a:p>
+        </p:txBody>
+      </p:sp>
+      <p:cxnSp>
+        <p:nvCxnSpPr>
+          <p:cNvPr id="24" name="直接连接符 23"/>
+          <p:cNvCxnSpPr>
+            <a:stCxn id="20" idx="3"/>
+            <a:endCxn id="21" idx="7"/>
+          </p:cNvCxnSpPr>
+          <p:nvPr/>
+        </p:nvCxnSpPr>
+        <p:spPr>
+          <a:xfrm flipH="1">
+            <a:off x="4088130" y="1811020"/>
+            <a:ext cx="387350" cy="342265"/>
+          </a:xfrm>
+          <a:prstGeom prst="line">
+            <a:avLst/>
+          </a:prstGeom>
+          <a:ln w="31750" cap="rnd">
+            <a:solidFill>
+              <a:schemeClr val="tx1"/>
+            </a:solidFill>
+            <a:round/>
+          </a:ln>
+        </p:spPr>
+        <p:style>
+          <a:lnRef idx="0">
+            <a:srgbClr val="FFFFFF"/>
+          </a:lnRef>
+          <a:fillRef idx="0">
+            <a:srgbClr val="FFFFFF"/>
+          </a:fillRef>
+          <a:effectRef idx="0">
+            <a:srgbClr val="FFFFFF"/>
+          </a:effectRef>
+          <a:fontRef idx="minor">
+            <a:schemeClr val="tx1"/>
+          </a:fontRef>
+        </p:style>
+      </p:cxnSp>
+      <p:cxnSp>
+        <p:nvCxnSpPr>
+          <p:cNvPr id="25" name="直接连接符 24"/>
+          <p:cNvCxnSpPr/>
+          <p:nvPr/>
+        </p:nvCxnSpPr>
+        <p:spPr>
+          <a:xfrm>
+            <a:off x="4098925" y="2301240"/>
+            <a:ext cx="198755" cy="340360"/>
+          </a:xfrm>
+          <a:prstGeom prst="line">
+            <a:avLst/>
+          </a:prstGeom>
+          <a:ln w="31750" cap="rnd">
+            <a:solidFill>
+              <a:schemeClr val="tx1"/>
+            </a:solidFill>
+            <a:round/>
+          </a:ln>
+        </p:spPr>
+        <p:style>
+          <a:lnRef idx="0">
+            <a:srgbClr val="FFFFFF"/>
+          </a:lnRef>
+          <a:fillRef idx="0">
+            <a:srgbClr val="FFFFFF"/>
+          </a:fillRef>
+          <a:effectRef idx="0">
+            <a:srgbClr val="FFFFFF"/>
+          </a:effectRef>
+          <a:fontRef idx="minor">
+            <a:schemeClr val="tx1"/>
+          </a:fontRef>
+        </p:style>
+      </p:cxnSp>
+      <p:cxnSp>
+        <p:nvCxnSpPr>
+          <p:cNvPr id="26" name="直接连接符 25"/>
+          <p:cNvCxnSpPr/>
+          <p:nvPr/>
+        </p:nvCxnSpPr>
+        <p:spPr>
+          <a:xfrm flipH="1">
+            <a:off x="4358640" y="1847850"/>
+            <a:ext cx="175260" cy="769620"/>
+          </a:xfrm>
+          <a:prstGeom prst="line">
+            <a:avLst/>
+          </a:prstGeom>
+          <a:ln w="31750" cap="rnd">
+            <a:solidFill>
+              <a:schemeClr val="tx1"/>
+            </a:solidFill>
+            <a:round/>
+          </a:ln>
+        </p:spPr>
+        <p:style>
+          <a:lnRef idx="0">
+            <a:srgbClr val="FFFFFF"/>
+          </a:lnRef>
+          <a:fillRef idx="0">
+            <a:srgbClr val="FFFFFF"/>
+          </a:fillRef>
+          <a:effectRef idx="0">
+            <a:srgbClr val="FFFFFF"/>
+          </a:effectRef>
+          <a:fontRef idx="minor">
+            <a:schemeClr val="tx1"/>
+          </a:fontRef>
+        </p:style>
+      </p:cxnSp>
+      <p:cxnSp>
+        <p:nvCxnSpPr>
+          <p:cNvPr id="27" name="直接连接符 26"/>
+          <p:cNvCxnSpPr>
+            <a:stCxn id="20" idx="5"/>
+          </p:cNvCxnSpPr>
+          <p:nvPr/>
+        </p:nvCxnSpPr>
+        <p:spPr>
+          <a:xfrm>
+            <a:off x="4603115" y="1811020"/>
+            <a:ext cx="175895" cy="414655"/>
+          </a:xfrm>
+          <a:prstGeom prst="line">
+            <a:avLst/>
+          </a:prstGeom>
+          <a:ln w="31750" cap="rnd">
+            <a:solidFill>
+              <a:schemeClr val="tx1"/>
+            </a:solidFill>
+            <a:round/>
+          </a:ln>
+        </p:spPr>
+        <p:style>
+          <a:lnRef idx="0">
+            <a:srgbClr val="FFFFFF"/>
+          </a:lnRef>
+          <a:fillRef idx="0">
+            <a:srgbClr val="FFFFFF"/>
+          </a:fillRef>
+          <a:effectRef idx="0">
+            <a:srgbClr val="FFFFFF"/>
+          </a:effectRef>
+          <a:fontRef idx="minor">
+            <a:schemeClr val="tx1"/>
+          </a:fontRef>
+        </p:style>
+      </p:cxnSp>
+      <p:cxnSp>
+        <p:nvCxnSpPr>
+          <p:cNvPr id="28" name="直接连接符 27"/>
+          <p:cNvCxnSpPr>
+            <a:endCxn id="23" idx="3"/>
+          </p:cNvCxnSpPr>
+          <p:nvPr/>
+        </p:nvCxnSpPr>
+        <p:spPr>
+          <a:xfrm flipV="1">
+            <a:off x="4439285" y="2391410"/>
+            <a:ext cx="332105" cy="278765"/>
+          </a:xfrm>
+          <a:prstGeom prst="line">
+            <a:avLst/>
+          </a:prstGeom>
+          <a:ln w="31750" cap="rnd">
+            <a:solidFill>
+              <a:schemeClr val="tx1"/>
+            </a:solidFill>
+            <a:round/>
+          </a:ln>
+        </p:spPr>
+        <p:style>
+          <a:lnRef idx="0">
+            <a:srgbClr val="FFFFFF"/>
+          </a:lnRef>
+          <a:fillRef idx="0">
+            <a:srgbClr val="FFFFFF"/>
+          </a:fillRef>
+          <a:effectRef idx="0">
+            <a:srgbClr val="FFFFFF"/>
+          </a:effectRef>
+          <a:fontRef idx="minor">
+            <a:schemeClr val="tx1"/>
+          </a:fontRef>
+        </p:style>
+      </p:cxnSp>
+      <p:sp>
+        <p:nvSpPr>
+          <p:cNvPr id="29" name="文本框 28"/>
+          <p:cNvSpPr txBox="1"/>
+          <p:nvPr/>
+        </p:nvSpPr>
+        <p:spPr>
+          <a:xfrm>
+            <a:off x="3037840" y="1169670"/>
+            <a:ext cx="2816860" cy="368300"/>
+          </a:xfrm>
+          <a:prstGeom prst="rect">
+            <a:avLst/>
+          </a:prstGeom>
+        </p:spPr>
+        <p:txBody>
+          <a:bodyPr wrap="square">
+            <a:spAutoFit/>
+            <a:extLst>
+              <a:ext uri="{4A0BC546-FE56-4ADE-93B0-CB8AF2F6F144}">
+                <wpsdc:textFrameExt xmlns="" xmlns:wpsdc="http://www.wps.cn/officeDocument/2022/drawingmlCustomData" type="text"/>
+              </a:ext>
+            </a:extLst>
+          </a:bodyPr>
+          <a:lstStyle/>
+          <a:p>
+            <a:pPr algn="l"/>
+            <a:r>
+              <a:rPr lang="en-US" altLang="zh-CN" sz="1800">
+                <a:latin typeface="Arial" panose="020B0604020202020204" pitchFamily="34" charset="0"/>
+                <a:ea typeface="微软雅黑" panose="020B0503020204020204" charset="-122"/>
+              </a:rPr>
+              <a:t>Graph Structure Learning</a:t>
+            </a:r>
+          </a:p>
+        </p:txBody>
+      </p:sp>
+      <p:sp>
+        <p:nvSpPr>
+          <p:cNvPr id="30" name="椭圆 29"/>
+          <p:cNvSpPr/>
+          <p:nvPr/>
+        </p:nvSpPr>
+        <p:spPr>
+          <a:xfrm>
+            <a:off x="8529320" y="2050415"/>
+            <a:ext cx="180975" cy="188595"/>
+          </a:xfrm>
+          <a:prstGeom prst="ellipse">
+            <a:avLst/>
+          </a:prstGeom>
+          <a:solidFill>
+            <a:schemeClr val="accent5">
+              <a:lumMod val="40000"/>
+              <a:lumOff val="60000"/>
+            </a:schemeClr>
+          </a:solidFill>
+        </p:spPr>
+        <p:style>
+          <a:lnRef idx="2">
+            <a:schemeClr val="accent1">
+              <a:lumMod val="75000"/>
+            </a:schemeClr>
+          </a:lnRef>
+          <a:fillRef idx="1">
+            <a:schemeClr val="accent1"/>
+          </a:fillRef>
+          <a:effectRef idx="0">
+            <a:srgbClr val="FFFFFF"/>
+          </a:effectRef>
+          <a:fontRef idx="minor">
+            <a:schemeClr val="lt1"/>
+          </a:fontRef>
+        </p:style>
+        <p:txBody>
+          <a:bodyPr rtlCol="0" anchor="ctr"/>
+          <a:lstStyle/>
+          <a:p>
+            <a:pPr algn="ctr"/>
+            <a:endParaRPr lang="zh-CN" altLang="en-US"/>
+          </a:p>
+        </p:txBody>
+      </p:sp>
+      <p:sp>
+        <p:nvSpPr>
+          <p:cNvPr id="31" name="椭圆 30"/>
+          <p:cNvSpPr/>
+          <p:nvPr/>
+        </p:nvSpPr>
+        <p:spPr>
+          <a:xfrm>
+            <a:off x="7964805" y="1546225"/>
+            <a:ext cx="180975" cy="188595"/>
+          </a:xfrm>
+          <a:prstGeom prst="ellipse">
+            <a:avLst/>
+          </a:prstGeom>
+          <a:solidFill>
+            <a:schemeClr val="accent6">
+              <a:lumMod val="40000"/>
+              <a:lumOff val="60000"/>
+            </a:schemeClr>
+          </a:solidFill>
+        </p:spPr>
+        <p:style>
+          <a:lnRef idx="2">
+            <a:schemeClr val="accent1">
+              <a:lumMod val="75000"/>
+            </a:schemeClr>
+          </a:lnRef>
+          <a:fillRef idx="1">
+            <a:schemeClr val="accent1"/>
+          </a:fillRef>
+          <a:effectRef idx="0">
+            <a:srgbClr val="FFFFFF"/>
+          </a:effectRef>
+          <a:fontRef idx="minor">
+            <a:schemeClr val="lt1"/>
+          </a:fontRef>
+        </p:style>
+        <p:txBody>
+          <a:bodyPr rtlCol="0" anchor="ctr"/>
+          <a:lstStyle/>
+          <a:p>
+            <a:pPr algn="ctr"/>
+            <a:endParaRPr lang="zh-CN" altLang="en-US"/>
+          </a:p>
+        </p:txBody>
+      </p:sp>
+      <p:sp>
+        <p:nvSpPr>
+          <p:cNvPr id="32" name="椭圆 31"/>
+          <p:cNvSpPr/>
+          <p:nvPr/>
+        </p:nvSpPr>
+        <p:spPr>
+          <a:xfrm>
+            <a:off x="7964805" y="2538095"/>
+            <a:ext cx="180975" cy="188595"/>
+          </a:xfrm>
+          <a:prstGeom prst="ellipse">
+            <a:avLst/>
+          </a:prstGeom>
+          <a:solidFill>
+            <a:schemeClr val="accent6"/>
+          </a:solidFill>
+        </p:spPr>
+        <p:style>
+          <a:lnRef idx="2">
+            <a:schemeClr val="accent1">
+              <a:lumMod val="75000"/>
+            </a:schemeClr>
+          </a:lnRef>
+          <a:fillRef idx="1">
+            <a:schemeClr val="accent1"/>
+          </a:fillRef>
+          <a:effectRef idx="0">
+            <a:srgbClr val="FFFFFF"/>
+          </a:effectRef>
+          <a:fontRef idx="minor">
+            <a:schemeClr val="lt1"/>
+          </a:fontRef>
+        </p:style>
+        <p:txBody>
+          <a:bodyPr rtlCol="0" anchor="ctr"/>
+          <a:lstStyle/>
+          <a:p>
+            <a:pPr algn="ctr"/>
+            <a:endParaRPr lang="zh-CN" altLang="en-US"/>
+          </a:p>
+        </p:txBody>
+      </p:sp>
+      <p:sp>
+        <p:nvSpPr>
+          <p:cNvPr id="33" name="椭圆 32"/>
+          <p:cNvSpPr/>
+          <p:nvPr/>
+        </p:nvSpPr>
+        <p:spPr>
+          <a:xfrm>
+            <a:off x="9219565" y="2050415"/>
+            <a:ext cx="180975" cy="188595"/>
+          </a:xfrm>
+          <a:prstGeom prst="ellipse">
+            <a:avLst/>
+          </a:prstGeom>
+          <a:solidFill>
+            <a:schemeClr val="accent3">
+              <a:lumMod val="60000"/>
+              <a:lumOff val="40000"/>
+            </a:schemeClr>
+          </a:solidFill>
+        </p:spPr>
+        <p:style>
+          <a:lnRef idx="2">
+            <a:schemeClr val="accent1">
+              <a:lumMod val="75000"/>
+            </a:schemeClr>
+          </a:lnRef>
+          <a:fillRef idx="1">
+            <a:schemeClr val="accent1"/>
+          </a:fillRef>
+          <a:effectRef idx="0">
+            <a:srgbClr val="FFFFFF"/>
+          </a:effectRef>
+          <a:fontRef idx="minor">
+            <a:schemeClr val="lt1"/>
+          </a:fontRef>
+        </p:style>
+        <p:txBody>
+          <a:bodyPr rtlCol="0" anchor="ctr"/>
+          <a:lstStyle/>
+          <a:p>
+            <a:pPr algn="ctr"/>
+            <a:endParaRPr lang="zh-CN" altLang="en-US"/>
+          </a:p>
+        </p:txBody>
+      </p:sp>
+      <p:cxnSp>
+        <p:nvCxnSpPr>
+          <p:cNvPr id="34" name="直接箭头连接符 33"/>
+          <p:cNvCxnSpPr>
+            <a:stCxn id="31" idx="5"/>
+            <a:endCxn id="30" idx="1"/>
+          </p:cNvCxnSpPr>
+          <p:nvPr/>
+        </p:nvCxnSpPr>
+        <p:spPr>
+          <a:xfrm>
+            <a:off x="8119110" y="1707515"/>
+            <a:ext cx="436880" cy="370205"/>
+          </a:xfrm>
+          <a:prstGeom prst="straightConnector1">
+            <a:avLst/>
+          </a:prstGeom>
+          <a:ln>
+            <a:solidFill>
+              <a:schemeClr val="tx1"/>
+            </a:solidFill>
+            <a:tailEnd type="arrow"/>
+          </a:ln>
+        </p:spPr>
+        <p:style>
+          <a:lnRef idx="2">
+            <a:schemeClr val="accent1"/>
+          </a:lnRef>
+          <a:fillRef idx="0">
+            <a:srgbClr val="FFFFFF"/>
+          </a:fillRef>
+          <a:effectRef idx="0">
+            <a:srgbClr val="FFFFFF"/>
+          </a:effectRef>
+          <a:fontRef idx="minor">
+            <a:schemeClr val="tx1"/>
+          </a:fontRef>
+        </p:style>
+      </p:cxnSp>
+      <p:cxnSp>
+        <p:nvCxnSpPr>
+          <p:cNvPr id="35" name="直接箭头连接符 34"/>
+          <p:cNvCxnSpPr>
+            <a:endCxn id="30" idx="4"/>
+          </p:cNvCxnSpPr>
+          <p:nvPr/>
+        </p:nvCxnSpPr>
+        <p:spPr>
+          <a:xfrm flipV="1">
+            <a:off x="8145780" y="2239010"/>
+            <a:ext cx="474345" cy="393700"/>
+          </a:xfrm>
+          <a:prstGeom prst="straightConnector1">
+            <a:avLst/>
+          </a:prstGeom>
+          <a:ln>
+            <a:solidFill>
+              <a:schemeClr val="tx1"/>
+            </a:solidFill>
+            <a:tailEnd type="arrow"/>
+          </a:ln>
+        </p:spPr>
+        <p:style>
+          <a:lnRef idx="2">
+            <a:schemeClr val="accent1"/>
+          </a:lnRef>
+          <a:fillRef idx="0">
+            <a:srgbClr val="FFFFFF"/>
+          </a:fillRef>
+          <a:effectRef idx="0">
+            <a:srgbClr val="FFFFFF"/>
+          </a:effectRef>
+          <a:fontRef idx="minor">
+            <a:schemeClr val="tx1"/>
+          </a:fontRef>
+        </p:style>
+      </p:cxnSp>
+      <p:cxnSp>
+        <p:nvCxnSpPr>
+          <p:cNvPr id="40" name="直接箭头连接符 39"/>
+          <p:cNvCxnSpPr/>
+          <p:nvPr/>
+        </p:nvCxnSpPr>
+        <p:spPr>
+          <a:xfrm flipV="1">
+            <a:off x="7832725" y="2153920"/>
+            <a:ext cx="696595" cy="8890"/>
+          </a:xfrm>
+          <a:prstGeom prst="straightConnector1">
+            <a:avLst/>
+          </a:prstGeom>
+          <a:ln w="12700" cap="flat" cmpd="sng" algn="ctr">
+            <a:solidFill>
+              <a:schemeClr val="tx1"/>
+            </a:solidFill>
+            <a:prstDash val="dash"/>
+            <a:miter lim="800000"/>
+            <a:tailEnd type="arrow" w="med" len="med"/>
+          </a:ln>
+        </p:spPr>
+        <p:style>
+          <a:lnRef idx="0">
+            <a:schemeClr val="accent1"/>
+          </a:lnRef>
+          <a:fillRef idx="0">
+            <a:srgbClr val="FFFFFF"/>
+          </a:fillRef>
+          <a:effectRef idx="0">
+            <a:srgbClr val="FFFFFF"/>
+          </a:effectRef>
+          <a:fontRef idx="minor">
+            <a:schemeClr val="tx1"/>
+          </a:fontRef>
+        </p:style>
+      </p:cxnSp>
+      <p:cxnSp>
+        <p:nvCxnSpPr>
+          <p:cNvPr id="42" name="直接箭头连接符 41"/>
+          <p:cNvCxnSpPr>
+            <a:stCxn id="30" idx="6"/>
+          </p:cNvCxnSpPr>
+          <p:nvPr/>
+        </p:nvCxnSpPr>
+        <p:spPr>
+          <a:xfrm>
+            <a:off x="8710295" y="2145030"/>
+            <a:ext cx="504190" cy="5715"/>
+          </a:xfrm>
+          <a:prstGeom prst="straightConnector1">
+            <a:avLst/>
+          </a:prstGeom>
+          <a:ln>
+            <a:solidFill>
+              <a:schemeClr val="tx1"/>
+            </a:solidFill>
+            <a:tailEnd type="arrow"/>
+          </a:ln>
+        </p:spPr>
+        <p:style>
+          <a:lnRef idx="2">
+            <a:schemeClr val="accent1"/>
+          </a:lnRef>
+          <a:fillRef idx="0">
+            <a:srgbClr val="FFFFFF"/>
+          </a:fillRef>
+          <a:effectRef idx="0">
+            <a:srgbClr val="FFFFFF"/>
+          </a:effectRef>
+          <a:fontRef idx="minor">
+            <a:schemeClr val="tx1"/>
+          </a:fontRef>
+        </p:style>
+      </p:cxnSp>
+      <p:cxnSp>
+        <p:nvCxnSpPr>
+          <p:cNvPr id="44" name="曲线连接符 43"/>
+          <p:cNvCxnSpPr>
+            <a:stCxn id="30" idx="6"/>
+            <a:endCxn id="30" idx="0"/>
+          </p:cNvCxnSpPr>
+          <p:nvPr/>
+        </p:nvCxnSpPr>
+        <p:spPr>
+          <a:xfrm flipH="1" flipV="1">
+            <a:off x="8620125" y="2050415"/>
+            <a:ext cx="90170" cy="94615"/>
+          </a:xfrm>
+          <a:prstGeom prst="curvedConnector4">
+            <a:avLst>
+              <a:gd name="adj1" fmla="val -264085"/>
+              <a:gd name="adj2" fmla="val 351678"/>
+            </a:avLst>
+          </a:prstGeom>
+          <a:ln>
+            <a:solidFill>
+              <a:schemeClr val="tx1"/>
+            </a:solidFill>
+            <a:tailEnd type="arrow"/>
+          </a:ln>
+        </p:spPr>
+        <p:style>
+          <a:lnRef idx="2">
+            <a:schemeClr val="accent1"/>
+          </a:lnRef>
+          <a:fillRef idx="0">
+            <a:srgbClr val="FFFFFF"/>
+          </a:fillRef>
+          <a:effectRef idx="0">
+            <a:srgbClr val="FFFFFF"/>
+          </a:effectRef>
+          <a:fontRef idx="minor">
+            <a:schemeClr val="tx1"/>
+          </a:fontRef>
+        </p:style>
+      </p:cxnSp>
+      <p:sp>
+        <p:nvSpPr>
+          <p:cNvPr id="45" name="文本框 44"/>
+          <p:cNvSpPr txBox="1"/>
+          <p:nvPr/>
+        </p:nvSpPr>
+        <p:spPr>
+          <a:xfrm>
+            <a:off x="7268210" y="1169670"/>
+            <a:ext cx="2787015" cy="368300"/>
+          </a:xfrm>
+          <a:prstGeom prst="rect">
+            <a:avLst/>
+          </a:prstGeom>
+        </p:spPr>
+        <p:txBody>
+          <a:bodyPr wrap="square">
+            <a:spAutoFit/>
+            <a:extLst>
+              <a:ext uri="{4A0BC546-FE56-4ADE-93B0-CB8AF2F6F144}">
+                <wpsdc:textFrameExt xmlns="" xmlns:wpsdc="http://www.wps.cn/officeDocument/2022/drawingmlCustomData" type="text"/>
+              </a:ext>
+            </a:extLst>
+          </a:bodyPr>
+          <a:lstStyle/>
+          <a:p>
+            <a:pPr algn="l"/>
+            <a:r>
+              <a:rPr lang="en-US" altLang="zh-CN" sz="1800">
+                <a:latin typeface="Arial" panose="020B0604020202020204" pitchFamily="34" charset="0"/>
+                <a:ea typeface="微软雅黑" panose="020B0503020204020204" charset="-122"/>
+              </a:rPr>
+              <a:t>Graph Attention Network</a:t>
+            </a:r>
+          </a:p>
+        </p:txBody>
+      </p:sp>
+      <p:cxnSp>
+        <p:nvCxnSpPr>
+          <p:cNvPr id="8" name="直接箭头连接符 7"/>
+          <p:cNvCxnSpPr/>
+          <p:nvPr/>
+        </p:nvCxnSpPr>
+        <p:spPr>
+          <a:xfrm>
+            <a:off x="1318895" y="2223135"/>
+            <a:ext cx="2525395" cy="0"/>
+          </a:xfrm>
+          <a:prstGeom prst="straightConnector1">
+            <a:avLst/>
+          </a:prstGeom>
+          <a:ln w="31750" cap="rnd">
+            <a:solidFill>
+              <a:schemeClr val="accent1"/>
+            </a:solidFill>
+            <a:round/>
+            <a:tailEnd type="arrow" w="med" len="med"/>
+          </a:ln>
+        </p:spPr>
+        <p:style>
+          <a:lnRef idx="0">
+            <a:srgbClr val="FFFFFF"/>
+          </a:lnRef>
+          <a:fillRef idx="0">
+            <a:srgbClr val="FFFFFF"/>
+          </a:fillRef>
+          <a:effectRef idx="0">
+            <a:srgbClr val="FFFFFF"/>
+          </a:effectRef>
+          <a:fontRef idx="minor">
+            <a:schemeClr val="tx1"/>
+          </a:fontRef>
+        </p:style>
+      </p:cxnSp>
+      <p:cxnSp>
+        <p:nvCxnSpPr>
+          <p:cNvPr id="10" name="直接箭头连接符 9"/>
+          <p:cNvCxnSpPr>
+            <a:stCxn id="2" idx="0"/>
+          </p:cNvCxnSpPr>
+          <p:nvPr/>
+        </p:nvCxnSpPr>
+        <p:spPr>
+          <a:xfrm flipV="1">
+            <a:off x="2479040" y="2256790"/>
+            <a:ext cx="9525" cy="969645"/>
+          </a:xfrm>
+          <a:prstGeom prst="straightConnector1">
+            <a:avLst/>
+          </a:prstGeom>
+          <a:ln w="31750" cap="rnd">
+            <a:solidFill>
+              <a:schemeClr val="accent1"/>
+            </a:solidFill>
+            <a:round/>
+            <a:tailEnd type="arrow" w="med" len="med"/>
+          </a:ln>
+        </p:spPr>
+        <p:style>
+          <a:lnRef idx="0">
+            <a:srgbClr val="FFFFFF"/>
+          </a:lnRef>
+          <a:fillRef idx="0">
+            <a:srgbClr val="FFFFFF"/>
+          </a:fillRef>
+          <a:effectRef idx="0">
+            <a:srgbClr val="FFFFFF"/>
+          </a:effectRef>
+          <a:fontRef idx="minor">
+            <a:schemeClr val="tx1"/>
+          </a:fontRef>
+        </p:style>
+      </p:cxnSp>
+      <p:cxnSp>
+        <p:nvCxnSpPr>
+          <p:cNvPr id="16" name="直接箭头连接符 15"/>
+          <p:cNvCxnSpPr/>
+          <p:nvPr/>
+        </p:nvCxnSpPr>
+        <p:spPr>
+          <a:xfrm>
+            <a:off x="5048250" y="2208530"/>
+            <a:ext cx="2279650" cy="10160"/>
+          </a:xfrm>
+          <a:prstGeom prst="straightConnector1">
+            <a:avLst/>
+          </a:prstGeom>
+          <a:ln w="31750" cap="rnd">
+            <a:solidFill>
+              <a:schemeClr val="accent1"/>
+            </a:solidFill>
+            <a:round/>
+            <a:tailEnd type="arrow" w="med" len="med"/>
+          </a:ln>
+        </p:spPr>
+        <p:style>
+          <a:lnRef idx="0">
+            <a:srgbClr val="FFFFFF"/>
+          </a:lnRef>
+          <a:fillRef idx="0">
+            <a:srgbClr val="FFFFFF"/>
+          </a:fillRef>
+          <a:effectRef idx="0">
+            <a:srgbClr val="FFFFFF"/>
+          </a:effectRef>
+          <a:fontRef idx="minor">
+            <a:schemeClr val="tx1"/>
+          </a:fontRef>
+        </p:style>
+      </p:cxnSp>
+      <p:cxnSp>
+        <p:nvCxnSpPr>
+          <p:cNvPr id="46" name="直接箭头连接符 45"/>
+          <p:cNvCxnSpPr/>
+          <p:nvPr/>
+        </p:nvCxnSpPr>
+        <p:spPr>
+          <a:xfrm>
+            <a:off x="8786495" y="2434590"/>
+            <a:ext cx="10160" cy="1137920"/>
+          </a:xfrm>
+          <a:prstGeom prst="straightConnector1">
+            <a:avLst/>
+          </a:prstGeom>
+          <a:ln w="31750" cap="rnd">
+            <a:solidFill>
+              <a:schemeClr val="accent1"/>
+            </a:solidFill>
+            <a:round/>
+            <a:tailEnd type="arrow" w="med" len="med"/>
+          </a:ln>
+        </p:spPr>
+        <p:style>
+          <a:lnRef idx="0">
+            <a:srgbClr val="FFFFFF"/>
+          </a:lnRef>
+          <a:fillRef idx="0">
+            <a:srgbClr val="FFFFFF"/>
+          </a:fillRef>
+          <a:effectRef idx="0">
+            <a:srgbClr val="FFFFFF"/>
+          </a:effectRef>
+          <a:fontRef idx="minor">
+            <a:schemeClr val="tx1"/>
+          </a:fontRef>
+        </p:style>
+      </p:cxnSp>
+      <p:sp>
+        <p:nvSpPr>
+          <p:cNvPr id="48" name="文本框 47"/>
+          <p:cNvSpPr txBox="1"/>
+          <p:nvPr/>
+        </p:nvSpPr>
+        <p:spPr>
+          <a:xfrm>
+            <a:off x="5048250" y="2434590"/>
+            <a:ext cx="2420620" cy="368300"/>
+          </a:xfrm>
+          <a:prstGeom prst="rect">
+            <a:avLst/>
+          </a:prstGeom>
+        </p:spPr>
+        <p:txBody>
+          <a:bodyPr wrap="square">
+            <a:spAutoFit/>
+            <a:extLst>
+              <a:ext uri="{4A0BC546-FE56-4ADE-93B0-CB8AF2F6F144}">
+                <wpsdc:textFrameExt xmlns="" xmlns:wpsdc="http://www.wps.cn/officeDocument/2022/drawingmlCustomData" type="text"/>
+              </a:ext>
+            </a:extLst>
+          </a:bodyPr>
+          <a:lstStyle/>
+          <a:p>
+            <a:pPr algn="l"/>
+            <a:r>
+              <a:rPr lang="en-US" altLang="zh-CN" sz="1800">
+                <a:latin typeface="Arial" panose="020B0604020202020204" pitchFamily="34" charset="0"/>
+                <a:ea typeface="微软雅黑" panose="020B0503020204020204" charset="-122"/>
+              </a:rPr>
+              <a:t>Learned Relations</a:t>
+            </a:r>
+          </a:p>
+        </p:txBody>
+      </p:sp>
+      <p:sp>
+        <p:nvSpPr>
+          <p:cNvPr id="49" name="文本框 48"/>
+          <p:cNvSpPr txBox="1"/>
+          <p:nvPr/>
+        </p:nvSpPr>
+        <p:spPr>
+          <a:xfrm>
+            <a:off x="4533900" y="3997960"/>
+            <a:ext cx="2686685" cy="368300"/>
+          </a:xfrm>
+          <a:prstGeom prst="rect">
+            <a:avLst/>
+          </a:prstGeom>
+        </p:spPr>
+        <p:txBody>
+          <a:bodyPr wrap="square">
+            <a:spAutoFit/>
+            <a:extLst>
+              <a:ext uri="{4A0BC546-FE56-4ADE-93B0-CB8AF2F6F144}">
+                <wpsdc:textFrameExt xmlns="" xmlns:wpsdc="http://www.wps.cn/officeDocument/2022/drawingmlCustomData" type="text"/>
+              </a:ext>
+            </a:extLst>
+          </a:bodyPr>
+          <a:lstStyle/>
+          <a:p>
+            <a:pPr algn="ctr"/>
+            <a:r>
+              <a:rPr lang="en-US" altLang="zh-CN" sz="1800">
+                <a:latin typeface="Arial" panose="020B0604020202020204" pitchFamily="34" charset="0"/>
+                <a:ea typeface="微软雅黑" panose="020B0503020204020204" charset="-122"/>
+              </a:rPr>
+              <a:t>Learned Embeddings</a:t>
+            </a:r>
+          </a:p>
+        </p:txBody>
+      </p:sp>
+      <p:sp>
+        <p:nvSpPr>
+          <p:cNvPr id="50" name="文本框 49"/>
+          <p:cNvSpPr txBox="1"/>
+          <p:nvPr/>
+        </p:nvSpPr>
+        <p:spPr>
+          <a:xfrm>
+            <a:off x="8870315" y="2434590"/>
+            <a:ext cx="1831975" cy="922020"/>
+          </a:xfrm>
+          <a:prstGeom prst="rect">
+            <a:avLst/>
+          </a:prstGeom>
+        </p:spPr>
+        <p:txBody>
+          <a:bodyPr wrap="square">
+            <a:spAutoFit/>
+            <a:extLst>
+              <a:ext uri="{4A0BC546-FE56-4ADE-93B0-CB8AF2F6F144}">
+                <wpsdc:textFrameExt xmlns="" xmlns:wpsdc="http://www.wps.cn/officeDocument/2022/drawingmlCustomData" type="text"/>
+              </a:ext>
+            </a:extLst>
+          </a:bodyPr>
+          <a:lstStyle/>
+          <a:p>
+            <a:pPr algn="ctr"/>
+            <a:r>
+              <a:rPr lang="en-US" altLang="zh-CN" sz="1800">
+                <a:latin typeface="Arial" panose="020B0604020202020204" pitchFamily="34" charset="0"/>
+                <a:ea typeface="微软雅黑" panose="020B0503020204020204" charset="-122"/>
+              </a:rPr>
+              <a:t>Graph Attention-Based Features</a:t>
+            </a:r>
+          </a:p>
+        </p:txBody>
+      </p:sp>
+      <p:cxnSp>
+        <p:nvCxnSpPr>
+          <p:cNvPr id="51" name="直接箭头连接符 50"/>
+          <p:cNvCxnSpPr/>
+          <p:nvPr/>
+        </p:nvCxnSpPr>
+        <p:spPr>
+          <a:xfrm flipV="1">
+            <a:off x="7263130" y="2650490"/>
+            <a:ext cx="696595" cy="8890"/>
+          </a:xfrm>
+          <a:prstGeom prst="straightConnector1">
+            <a:avLst/>
+          </a:prstGeom>
+          <a:ln w="12700" cap="flat" cmpd="sng" algn="ctr">
+            <a:solidFill>
+              <a:schemeClr val="tx1"/>
+            </a:solidFill>
+            <a:prstDash val="dash"/>
+            <a:miter lim="800000"/>
+            <a:tailEnd type="arrow" w="med" len="med"/>
+          </a:ln>
+        </p:spPr>
+        <p:style>
+          <a:lnRef idx="0">
+            <a:schemeClr val="accent1"/>
+          </a:lnRef>
+          <a:fillRef idx="0">
+            <a:srgbClr val="FFFFFF"/>
+          </a:fillRef>
+          <a:effectRef idx="0">
+            <a:srgbClr val="FFFFFF"/>
+          </a:effectRef>
+          <a:fontRef idx="minor">
+            <a:schemeClr val="tx1"/>
+          </a:fontRef>
+        </p:style>
+      </p:cxnSp>
+      <p:cxnSp>
+        <p:nvCxnSpPr>
+          <p:cNvPr id="52" name="直接箭头连接符 51"/>
+          <p:cNvCxnSpPr/>
+          <p:nvPr/>
+        </p:nvCxnSpPr>
+        <p:spPr>
+          <a:xfrm flipV="1">
+            <a:off x="7263130" y="1640840"/>
+            <a:ext cx="696595" cy="8890"/>
+          </a:xfrm>
+          <a:prstGeom prst="straightConnector1">
+            <a:avLst/>
+          </a:prstGeom>
+          <a:ln w="12700" cap="flat" cmpd="sng" algn="ctr">
+            <a:solidFill>
+              <a:schemeClr val="tx1"/>
+            </a:solidFill>
+            <a:prstDash val="dash"/>
+            <a:miter lim="800000"/>
+            <a:tailEnd type="arrow" w="med" len="med"/>
+          </a:ln>
+        </p:spPr>
+        <p:style>
+          <a:lnRef idx="0">
+            <a:schemeClr val="accent1"/>
+          </a:lnRef>
+          <a:fillRef idx="0">
+            <a:srgbClr val="FFFFFF"/>
+          </a:fillRef>
+          <a:effectRef idx="0">
+            <a:srgbClr val="FFFFFF"/>
+          </a:effectRef>
+          <a:fontRef idx="minor">
+            <a:schemeClr val="tx1"/>
+          </a:fontRef>
+        </p:style>
+      </p:cxnSp>
+      <p:cxnSp>
+        <p:nvCxnSpPr>
+          <p:cNvPr id="56" name="直接连接符 55"/>
+          <p:cNvCxnSpPr/>
+          <p:nvPr/>
+        </p:nvCxnSpPr>
+        <p:spPr>
+          <a:xfrm flipH="1">
+            <a:off x="4333240" y="2908300"/>
+            <a:ext cx="19050" cy="944880"/>
+          </a:xfrm>
+          <a:prstGeom prst="line">
+            <a:avLst/>
+          </a:prstGeom>
+          <a:ln w="31750" cap="rnd">
+            <a:solidFill>
+              <a:schemeClr val="accent1"/>
+            </a:solidFill>
+            <a:round/>
+          </a:ln>
+        </p:spPr>
+        <p:style>
+          <a:lnRef idx="0">
+            <a:srgbClr val="FFFFFF"/>
+          </a:lnRef>
+          <a:fillRef idx="0">
+            <a:srgbClr val="FFFFFF"/>
+          </a:fillRef>
+          <a:effectRef idx="0">
+            <a:srgbClr val="FFFFFF"/>
+          </a:effectRef>
+          <a:fontRef idx="minor">
+            <a:schemeClr val="tx1"/>
+          </a:fontRef>
+        </p:style>
+      </p:cxnSp>
+      <p:cxnSp>
+        <p:nvCxnSpPr>
+          <p:cNvPr id="57" name="直接箭头连接符 56"/>
+          <p:cNvCxnSpPr/>
+          <p:nvPr/>
+        </p:nvCxnSpPr>
+        <p:spPr>
+          <a:xfrm flipV="1">
+            <a:off x="4342765" y="3836670"/>
+            <a:ext cx="3552190" cy="18415"/>
+          </a:xfrm>
+          <a:prstGeom prst="straightConnector1">
+            <a:avLst/>
+          </a:prstGeom>
+          <a:ln w="31750" cap="rnd">
+            <a:solidFill>
+              <a:schemeClr val="accent1"/>
+            </a:solidFill>
+            <a:round/>
+            <a:tailEnd type="arrow" w="med" len="med"/>
+          </a:ln>
+        </p:spPr>
+        <p:style>
+          <a:lnRef idx="0">
+            <a:srgbClr val="FFFFFF"/>
+          </a:lnRef>
+          <a:fillRef idx="0">
+            <a:srgbClr val="FFFFFF"/>
+          </a:fillRef>
+          <a:effectRef idx="0">
+            <a:srgbClr val="FFFFFF"/>
+          </a:effectRef>
+          <a:fontRef idx="minor">
+            <a:schemeClr val="tx1"/>
+          </a:fontRef>
+        </p:style>
+      </p:cxnSp>
+      <p:sp>
+        <p:nvSpPr>
+          <p:cNvPr id="58" name="文本框 57"/>
+          <p:cNvSpPr txBox="1"/>
+          <p:nvPr/>
+        </p:nvSpPr>
+        <p:spPr>
+          <a:xfrm>
+            <a:off x="7894955" y="3530600"/>
+            <a:ext cx="1723390" cy="645160"/>
+          </a:xfrm>
+          <a:prstGeom prst="rect">
+            <a:avLst/>
+          </a:prstGeom>
+          <a:solidFill>
+            <a:schemeClr val="accent4">
+              <a:lumMod val="60000"/>
+              <a:lumOff val="40000"/>
+            </a:schemeClr>
+          </a:solidFill>
+        </p:spPr>
+        <p:txBody>
+          <a:bodyPr wrap="square">
+            <a:spAutoFit/>
+            <a:extLst>
+              <a:ext uri="{4A0BC546-FE56-4ADE-93B0-CB8AF2F6F144}">
+                <wpsdc:textFrameExt xmlns="" xmlns:wpsdc="http://www.wps.cn/officeDocument/2022/drawingmlCustomData" type="text"/>
+              </a:ext>
+            </a:extLst>
+          </a:bodyPr>
+          <a:lstStyle/>
+          <a:p>
+            <a:pPr algn="ctr"/>
+            <a:r>
+              <a:rPr lang="en-US" altLang="zh-CN" sz="1800">
+                <a:latin typeface="Arial" panose="020B0604020202020204" pitchFamily="34" charset="0"/>
+                <a:ea typeface="微软雅黑" panose="020B0503020204020204" charset="-122"/>
+              </a:rPr>
+              <a:t>element-wise multiply</a:t>
+            </a:r>
+          </a:p>
+        </p:txBody>
+      </p:sp>
+      <p:cxnSp>
+        <p:nvCxnSpPr>
+          <p:cNvPr id="59" name="直接箭头连接符 58"/>
+          <p:cNvCxnSpPr>
+            <a:stCxn id="58" idx="3"/>
+          </p:cNvCxnSpPr>
+          <p:nvPr/>
+        </p:nvCxnSpPr>
+        <p:spPr>
+          <a:xfrm flipV="1">
+            <a:off x="9618345" y="3824605"/>
+            <a:ext cx="2239010" cy="28575"/>
+          </a:xfrm>
+          <a:prstGeom prst="straightConnector1">
+            <a:avLst/>
+          </a:prstGeom>
+          <a:ln w="31750" cap="rnd">
+            <a:solidFill>
+              <a:schemeClr val="accent1"/>
+            </a:solidFill>
+            <a:round/>
+            <a:tailEnd type="arrow" w="med" len="med"/>
+          </a:ln>
+        </p:spPr>
+        <p:style>
+          <a:lnRef idx="0">
+            <a:srgbClr val="FFFFFF"/>
+          </a:lnRef>
+          <a:fillRef idx="0">
+            <a:srgbClr val="FFFFFF"/>
+          </a:fillRef>
+          <a:effectRef idx="0">
+            <a:srgbClr val="FFFFFF"/>
+          </a:effectRef>
+          <a:fontRef idx="minor">
+            <a:schemeClr val="tx1"/>
+          </a:fontRef>
+        </p:style>
+      </p:cxnSp>
+      <p:sp>
+        <p:nvSpPr>
+          <p:cNvPr id="60" name="文本框 59"/>
+          <p:cNvSpPr txBox="1"/>
+          <p:nvPr/>
+        </p:nvSpPr>
+        <p:spPr>
+          <a:xfrm>
+            <a:off x="9892665" y="3998595"/>
+            <a:ext cx="1850390" cy="368300"/>
+          </a:xfrm>
+          <a:prstGeom prst="rect">
+            <a:avLst/>
+          </a:prstGeom>
+        </p:spPr>
+        <p:txBody>
+          <a:bodyPr wrap="square">
+            <a:spAutoFit/>
+            <a:extLst>
+              <a:ext uri="{4A0BC546-FE56-4ADE-93B0-CB8AF2F6F144}">
+                <wpsdc:textFrameExt xmlns="" xmlns:wpsdc="http://www.wps.cn/officeDocument/2022/drawingmlCustomData" type="text"/>
+              </a:ext>
+            </a:extLst>
+          </a:bodyPr>
+          <a:lstStyle/>
+          <a:p>
+            <a:pPr algn="l"/>
+            <a:r>
+              <a:rPr lang="en-US" altLang="zh-CN" sz="1800">
+                <a:solidFill>
+                  <a:schemeClr val="accent6"/>
+                </a:solidFill>
+                <a:latin typeface="Arial" panose="020B0604020202020204" pitchFamily="34" charset="0"/>
+                <a:ea typeface="微软雅黑" panose="020B0503020204020204" charset="-122"/>
+              </a:rPr>
+              <a:t>Spatial Features</a:t>
+            </a:r>
+          </a:p>
+        </p:txBody>
+      </p:sp>
+    </p:spTree>
+  </p:cSld>
+  <p:clrMapOvr>
+    <a:masterClrMapping/>
+  </p:clrMapOvr>
+</p:sld>
+</file>
+
+<file path=ppt/slides/slide8.xml><?xml version="1.0" encoding="utf-8"?>
+<p:sld xmlns:a="http://schemas.openxmlformats.org/drawingml/2006/main" xmlns:r="http://schemas.openxmlformats.org/officeDocument/2006/relationships" xmlns:p="http://schemas.openxmlformats.org/presentationml/2006/main">
+  <p:cSld>
+    <p:spTree>
+      <p:nvGrpSpPr>
+        <p:cNvPr id="1" name=""/>
+        <p:cNvGrpSpPr/>
+        <p:nvPr/>
+      </p:nvGrpSpPr>
+      <p:grpSpPr>
+        <a:xfrm>
+          <a:off x="0" y="0"/>
+          <a:ext cx="0" cy="0"/>
+          <a:chOff x="0" y="0"/>
+          <a:chExt cx="0" cy="0"/>
+        </a:xfrm>
+      </p:grpSpPr>
       <p:pic>
         <p:nvPicPr>
           <p:cNvPr id="12" name="图片 11"/>
@@ -35751,7 +37464,7 @@
             <a:spAutoFit/>
             <a:extLst>
               <a:ext uri="{4A0BC546-FE56-4ADE-93B0-CB8AF2F6F144}">
-                <wpsdc:textFrameExt xmlns:wpsdc="http://www.wps.cn/officeDocument/2022/drawingmlCustomData" xmlns="" type="text"/>
+                <wpsdc:textFrameExt xmlns="" xmlns:wpsdc="http://www.wps.cn/officeDocument/2022/drawingmlCustomData" type="text"/>
               </a:ext>
             </a:extLst>
           </a:bodyPr>
@@ -35936,7 +37649,7 @@
 </p:sld>
 </file>
 
-<file path=ppt/slides/slide8.xml><?xml version="1.0" encoding="utf-8"?>
+<file path=ppt/slides/slide9.xml><?xml version="1.0" encoding="utf-8"?>
 <p:sld xmlns:a="http://schemas.openxmlformats.org/drawingml/2006/main" xmlns:r="http://schemas.openxmlformats.org/officeDocument/2006/relationships" xmlns:p="http://schemas.openxmlformats.org/presentationml/2006/main">
   <p:cSld>
     <p:spTree>
@@ -37910,7 +39623,7 @@
             <a:spAutoFit/>
             <a:extLst>
               <a:ext uri="{4A0BC546-FE56-4ADE-93B0-CB8AF2F6F144}">
-                <wpsdc:textFrameExt xmlns:wpsdc="http://www.wps.cn/officeDocument/2022/drawingmlCustomData" xmlns="" type="text"/>
+                <wpsdc:textFrameExt xmlns="" xmlns:wpsdc="http://www.wps.cn/officeDocument/2022/drawingmlCustomData" type="text"/>
               </a:ext>
             </a:extLst>
           </a:bodyPr>
@@ -37953,7 +39666,7 @@
             <a:spAutoFit/>
             <a:extLst>
               <a:ext uri="{4A0BC546-FE56-4ADE-93B0-CB8AF2F6F144}">
-                <wpsdc:textFrameExt xmlns:wpsdc="http://www.wps.cn/officeDocument/2022/drawingmlCustomData" xmlns="" type="text"/>
+                <wpsdc:textFrameExt xmlns="" xmlns:wpsdc="http://www.wps.cn/officeDocument/2022/drawingmlCustomData" type="text"/>
               </a:ext>
             </a:extLst>
           </a:bodyPr>
@@ -37996,7 +39709,7 @@
             <a:spAutoFit/>
             <a:extLst>
               <a:ext uri="{4A0BC546-FE56-4ADE-93B0-CB8AF2F6F144}">
-                <wpsdc:textFrameExt xmlns:wpsdc="http://www.wps.cn/officeDocument/2022/drawingmlCustomData" xmlns="" type="text"/>
+                <wpsdc:textFrameExt xmlns="" xmlns:wpsdc="http://www.wps.cn/officeDocument/2022/drawingmlCustomData" type="text"/>
               </a:ext>
             </a:extLst>
           </a:bodyPr>
@@ -38039,7 +39752,7 @@
             <a:spAutoFit/>
             <a:extLst>
               <a:ext uri="{4A0BC546-FE56-4ADE-93B0-CB8AF2F6F144}">
-                <wpsdc:textFrameExt xmlns:wpsdc="http://www.wps.cn/officeDocument/2022/drawingmlCustomData" xmlns="" type="text"/>
+                <wpsdc:textFrameExt xmlns="" xmlns:wpsdc="http://www.wps.cn/officeDocument/2022/drawingmlCustomData" type="text"/>
               </a:ext>
             </a:extLst>
           </a:bodyPr>
@@ -40787,7 +42500,7 @@
             <a:spAutoFit/>
             <a:extLst>
               <a:ext uri="{4A0BC546-FE56-4ADE-93B0-CB8AF2F6F144}">
-                <wpsdc:textFrameExt xmlns:wpsdc="http://www.wps.cn/officeDocument/2022/drawingmlCustomData" xmlns="" type="text"/>
+                <wpsdc:textFrameExt xmlns="" xmlns:wpsdc="http://www.wps.cn/officeDocument/2022/drawingmlCustomData" type="text"/>
               </a:ext>
             </a:extLst>
           </a:bodyPr>
@@ -40830,7 +42543,7 @@
             <a:spAutoFit/>
             <a:extLst>
               <a:ext uri="{4A0BC546-FE56-4ADE-93B0-CB8AF2F6F144}">
-                <wpsdc:textFrameExt xmlns:wpsdc="http://www.wps.cn/officeDocument/2022/drawingmlCustomData" xmlns="" type="text"/>
+                <wpsdc:textFrameExt xmlns="" xmlns:wpsdc="http://www.wps.cn/officeDocument/2022/drawingmlCustomData" type="text"/>
               </a:ext>
             </a:extLst>
           </a:bodyPr>
@@ -40878,7 +42591,7 @@
             <a:spAutoFit/>
             <a:extLst>
               <a:ext uri="{4A0BC546-FE56-4ADE-93B0-CB8AF2F6F144}">
-                <wpsdc:textFrameExt xmlns:wpsdc="http://www.wps.cn/officeDocument/2022/drawingmlCustomData" xmlns="" type="text"/>
+                <wpsdc:textFrameExt xmlns="" xmlns:wpsdc="http://www.wps.cn/officeDocument/2022/drawingmlCustomData" type="text"/>
               </a:ext>
             </a:extLst>
           </a:bodyPr>
@@ -40921,7 +42634,7 @@
             <a:spAutoFit/>
             <a:extLst>
               <a:ext uri="{4A0BC546-FE56-4ADE-93B0-CB8AF2F6F144}">
-                <wpsdc:textFrameExt xmlns:wpsdc="http://www.wps.cn/officeDocument/2022/drawingmlCustomData" xmlns="" type="text"/>
+                <wpsdc:textFrameExt xmlns="" xmlns:wpsdc="http://www.wps.cn/officeDocument/2022/drawingmlCustomData" type="text"/>
               </a:ext>
             </a:extLst>
           </a:bodyPr>
@@ -40964,7 +42677,7 @@
             <a:spAutoFit/>
             <a:extLst>
               <a:ext uri="{4A0BC546-FE56-4ADE-93B0-CB8AF2F6F144}">
-                <wpsdc:textFrameExt xmlns:wpsdc="http://www.wps.cn/officeDocument/2022/drawingmlCustomData" xmlns="" type="text"/>
+                <wpsdc:textFrameExt xmlns="" xmlns:wpsdc="http://www.wps.cn/officeDocument/2022/drawingmlCustomData" type="text"/>
               </a:ext>
             </a:extLst>
           </a:bodyPr>
@@ -40978,1570 +42691,6 @@
               </a:rPr>
               <a:t>Euclidean Distance Between Multi-Scale Features</a:t>
             </a:r>
-          </a:p>
-        </p:txBody>
-      </p:sp>
-    </p:spTree>
-  </p:cSld>
-  <p:clrMapOvr>
-    <a:masterClrMapping/>
-  </p:clrMapOvr>
-</p:sld>
-</file>
-
-<file path=ppt/slides/slide9.xml><?xml version="1.0" encoding="utf-8"?>
-<p:sld xmlns:a="http://schemas.openxmlformats.org/drawingml/2006/main" xmlns:r="http://schemas.openxmlformats.org/officeDocument/2006/relationships" xmlns:p="http://schemas.openxmlformats.org/presentationml/2006/main">
-  <p:cSld>
-    <p:spTree>
-      <p:nvGrpSpPr>
-        <p:cNvPr id="1" name=""/>
-        <p:cNvGrpSpPr/>
-        <p:nvPr/>
-      </p:nvGrpSpPr>
-      <p:grpSpPr>
-        <a:xfrm>
-          <a:off x="0" y="0"/>
-          <a:ext cx="0" cy="0"/>
-          <a:chOff x="0" y="0"/>
-          <a:chExt cx="0" cy="0"/>
-        </a:xfrm>
-      </p:grpSpPr>
-      <p:sp>
-        <p:nvSpPr>
-          <p:cNvPr id="30" name="矩形 29">
-            <a:extLst>
-              <a:ext uri="{FF2B5EF4-FFF2-40B4-BE49-F238E27FC236}">
-                <a16:creationId xmlns:a16="http://schemas.microsoft.com/office/drawing/2014/main" id="{8BE81CB7-4D4A-44DF-B18C-BA2456A0BE6B}"/>
-              </a:ext>
-            </a:extLst>
-          </p:cNvPr>
-          <p:cNvSpPr/>
-          <p:nvPr/>
-        </p:nvSpPr>
-        <p:spPr>
-          <a:xfrm>
-            <a:off x="2580097" y="66243"/>
-            <a:ext cx="7448365" cy="1753032"/>
-          </a:xfrm>
-          <a:prstGeom prst="rect">
-            <a:avLst/>
-          </a:prstGeom>
-          <a:solidFill>
-            <a:schemeClr val="accent3">
-              <a:lumMod val="60000"/>
-              <a:lumOff val="40000"/>
-            </a:schemeClr>
-          </a:solidFill>
-          <a:ln w="28575">
-            <a:solidFill>
-              <a:schemeClr val="accent5"/>
-            </a:solidFill>
-            <a:prstDash val="sysDash"/>
-          </a:ln>
-        </p:spPr>
-        <p:style>
-          <a:lnRef idx="2">
-            <a:schemeClr val="accent1">
-              <a:shade val="50000"/>
-            </a:schemeClr>
-          </a:lnRef>
-          <a:fillRef idx="1">
-            <a:schemeClr val="accent1"/>
-          </a:fillRef>
-          <a:effectRef idx="0">
-            <a:schemeClr val="accent1"/>
-          </a:effectRef>
-          <a:fontRef idx="minor">
-            <a:schemeClr val="lt1"/>
-          </a:fontRef>
-        </p:style>
-        <p:txBody>
-          <a:bodyPr rtlCol="0" anchor="ctr"/>
-          <a:lstStyle/>
-          <a:p>
-            <a:pPr algn="ctr"/>
-            <a:endParaRPr lang="zh-CN" altLang="en-US"/>
-          </a:p>
-        </p:txBody>
-      </p:sp>
-      <p:sp>
-        <p:nvSpPr>
-          <p:cNvPr id="29" name="矩形 28">
-            <a:extLst>
-              <a:ext uri="{FF2B5EF4-FFF2-40B4-BE49-F238E27FC236}">
-                <a16:creationId xmlns:a16="http://schemas.microsoft.com/office/drawing/2014/main" id="{9A54F0C0-3043-4A99-82DE-4C5EE3AFC165}"/>
-              </a:ext>
-            </a:extLst>
-          </p:cNvPr>
-          <p:cNvSpPr/>
-          <p:nvPr/>
-        </p:nvSpPr>
-        <p:spPr>
-          <a:xfrm>
-            <a:off x="3986193" y="1947977"/>
-            <a:ext cx="4342438" cy="1865169"/>
-          </a:xfrm>
-          <a:prstGeom prst="rect">
-            <a:avLst/>
-          </a:prstGeom>
-          <a:solidFill>
-            <a:schemeClr val="accent5">
-              <a:lumMod val="60000"/>
-              <a:lumOff val="40000"/>
-            </a:schemeClr>
-          </a:solidFill>
-          <a:ln w="28575">
-            <a:solidFill>
-              <a:schemeClr val="accent6"/>
-            </a:solidFill>
-            <a:prstDash val="sysDash"/>
-          </a:ln>
-        </p:spPr>
-        <p:style>
-          <a:lnRef idx="2">
-            <a:schemeClr val="accent1">
-              <a:shade val="50000"/>
-            </a:schemeClr>
-          </a:lnRef>
-          <a:fillRef idx="1">
-            <a:schemeClr val="accent1"/>
-          </a:fillRef>
-          <a:effectRef idx="0">
-            <a:schemeClr val="accent1"/>
-          </a:effectRef>
-          <a:fontRef idx="minor">
-            <a:schemeClr val="lt1"/>
-          </a:fontRef>
-        </p:style>
-        <p:txBody>
-          <a:bodyPr rtlCol="0" anchor="ctr"/>
-          <a:lstStyle/>
-          <a:p>
-            <a:pPr algn="ctr"/>
-            <a:endParaRPr lang="zh-CN" altLang="en-US"/>
-          </a:p>
-        </p:txBody>
-      </p:sp>
-      <p:cxnSp>
-        <p:nvCxnSpPr>
-          <p:cNvPr id="68" name="直接箭头连接符 67">
-            <a:extLst>
-              <a:ext uri="{FF2B5EF4-FFF2-40B4-BE49-F238E27FC236}">
-                <a16:creationId xmlns:a16="http://schemas.microsoft.com/office/drawing/2014/main" id="{FA46676C-1D75-4CAF-9809-275F79FA1CAC}"/>
-              </a:ext>
-            </a:extLst>
-          </p:cNvPr>
-          <p:cNvCxnSpPr/>
-          <p:nvPr/>
-        </p:nvCxnSpPr>
-        <p:spPr>
-          <a:xfrm flipH="1" flipV="1">
-            <a:off x="6182362" y="2422476"/>
-            <a:ext cx="635" cy="239395"/>
-          </a:xfrm>
-          <a:prstGeom prst="straightConnector1">
-            <a:avLst/>
-          </a:prstGeom>
-          <a:ln w="31750" cap="rnd">
-            <a:solidFill>
-              <a:schemeClr val="accent2"/>
-            </a:solidFill>
-            <a:round/>
-            <a:tailEnd type="arrow" w="med" len="med"/>
-          </a:ln>
-        </p:spPr>
-        <p:style>
-          <a:lnRef idx="0">
-            <a:srgbClr val="FFFFFF"/>
-          </a:lnRef>
-          <a:fillRef idx="0">
-            <a:srgbClr val="FFFFFF"/>
-          </a:fillRef>
-          <a:effectRef idx="0">
-            <a:srgbClr val="FFFFFF"/>
-          </a:effectRef>
-          <a:fontRef idx="minor">
-            <a:schemeClr val="tx1"/>
-          </a:fontRef>
-        </p:style>
-      </p:cxnSp>
-      <p:cxnSp>
-        <p:nvCxnSpPr>
-          <p:cNvPr id="19" name="直接箭头连接符 18"/>
-          <p:cNvCxnSpPr/>
-          <p:nvPr/>
-        </p:nvCxnSpPr>
-        <p:spPr>
-          <a:xfrm flipH="1" flipV="1">
-            <a:off x="6157412" y="2960747"/>
-            <a:ext cx="635" cy="239395"/>
-          </a:xfrm>
-          <a:prstGeom prst="straightConnector1">
-            <a:avLst/>
-          </a:prstGeom>
-          <a:ln w="31750" cap="rnd">
-            <a:solidFill>
-              <a:schemeClr val="accent2"/>
-            </a:solidFill>
-            <a:round/>
-            <a:tailEnd type="arrow" w="med" len="med"/>
-          </a:ln>
-        </p:spPr>
-        <p:style>
-          <a:lnRef idx="0">
-            <a:srgbClr val="FFFFFF"/>
-          </a:lnRef>
-          <a:fillRef idx="0">
-            <a:srgbClr val="FFFFFF"/>
-          </a:fillRef>
-          <a:effectRef idx="0">
-            <a:srgbClr val="FFFFFF"/>
-          </a:effectRef>
-          <a:fontRef idx="minor">
-            <a:schemeClr val="tx1"/>
-          </a:fontRef>
-        </p:style>
-      </p:cxnSp>
-      <p:sp>
-        <p:nvSpPr>
-          <p:cNvPr id="26" name="矩形 25">
-            <a:extLst>
-              <a:ext uri="{FF2B5EF4-FFF2-40B4-BE49-F238E27FC236}">
-                <a16:creationId xmlns:a16="http://schemas.microsoft.com/office/drawing/2014/main" id="{5D04D9EF-2EDD-45DF-91B9-C6029878E3B9}"/>
-              </a:ext>
-            </a:extLst>
-          </p:cNvPr>
-          <p:cNvSpPr/>
-          <p:nvPr/>
-        </p:nvSpPr>
-        <p:spPr>
-          <a:xfrm>
-            <a:off x="3986193" y="3883025"/>
-            <a:ext cx="4342439" cy="2354580"/>
-          </a:xfrm>
-          <a:prstGeom prst="rect">
-            <a:avLst/>
-          </a:prstGeom>
-          <a:solidFill>
-            <a:schemeClr val="accent4">
-              <a:lumMod val="40000"/>
-              <a:lumOff val="60000"/>
-            </a:schemeClr>
-          </a:solidFill>
-          <a:ln w="28575">
-            <a:prstDash val="sysDash"/>
-          </a:ln>
-        </p:spPr>
-        <p:style>
-          <a:lnRef idx="2">
-            <a:schemeClr val="accent1">
-              <a:shade val="50000"/>
-            </a:schemeClr>
-          </a:lnRef>
-          <a:fillRef idx="1">
-            <a:schemeClr val="accent1"/>
-          </a:fillRef>
-          <a:effectRef idx="0">
-            <a:schemeClr val="accent1"/>
-          </a:effectRef>
-          <a:fontRef idx="minor">
-            <a:schemeClr val="lt1"/>
-          </a:fontRef>
-        </p:style>
-        <p:txBody>
-          <a:bodyPr rtlCol="0" anchor="ctr"/>
-          <a:lstStyle/>
-          <a:p>
-            <a:pPr algn="ctr"/>
-            <a:endParaRPr lang="zh-CN" altLang="en-US"/>
-          </a:p>
-        </p:txBody>
-      </p:sp>
-      <p:cxnSp>
-        <p:nvCxnSpPr>
-          <p:cNvPr id="67" name="直接箭头连接符 66">
-            <a:extLst>
-              <a:ext uri="{FF2B5EF4-FFF2-40B4-BE49-F238E27FC236}">
-                <a16:creationId xmlns:a16="http://schemas.microsoft.com/office/drawing/2014/main" id="{53B64B04-346D-4852-B8E6-8586779D9EC1}"/>
-              </a:ext>
-            </a:extLst>
-          </p:cNvPr>
-          <p:cNvCxnSpPr>
-            <a:cxnSpLocks/>
-          </p:cNvCxnSpPr>
-          <p:nvPr/>
-        </p:nvCxnSpPr>
-        <p:spPr>
-          <a:xfrm flipH="1" flipV="1">
-            <a:off x="6157413" y="3753674"/>
-            <a:ext cx="11429" cy="527935"/>
-          </a:xfrm>
-          <a:prstGeom prst="straightConnector1">
-            <a:avLst/>
-          </a:prstGeom>
-          <a:ln w="31750" cap="rnd">
-            <a:solidFill>
-              <a:schemeClr val="accent2"/>
-            </a:solidFill>
-            <a:round/>
-            <a:tailEnd type="arrow" w="med" len="med"/>
-          </a:ln>
-        </p:spPr>
-        <p:style>
-          <a:lnRef idx="0">
-            <a:srgbClr val="FFFFFF"/>
-          </a:lnRef>
-          <a:fillRef idx="0">
-            <a:srgbClr val="FFFFFF"/>
-          </a:fillRef>
-          <a:effectRef idx="0">
-            <a:srgbClr val="FFFFFF"/>
-          </a:effectRef>
-          <a:fontRef idx="minor">
-            <a:schemeClr val="tx1"/>
-          </a:fontRef>
-        </p:style>
-      </p:cxnSp>
-      <p:cxnSp>
-        <p:nvCxnSpPr>
-          <p:cNvPr id="66" name="直接箭头连接符 65">
-            <a:extLst>
-              <a:ext uri="{FF2B5EF4-FFF2-40B4-BE49-F238E27FC236}">
-                <a16:creationId xmlns:a16="http://schemas.microsoft.com/office/drawing/2014/main" id="{D183DBDC-2D58-4807-95BB-B8C58BC014FB}"/>
-              </a:ext>
-            </a:extLst>
-          </p:cNvPr>
-          <p:cNvCxnSpPr>
-            <a:cxnSpLocks/>
-          </p:cNvCxnSpPr>
-          <p:nvPr/>
-        </p:nvCxnSpPr>
-        <p:spPr>
-          <a:xfrm flipH="1" flipV="1">
-            <a:off x="6157413" y="4568732"/>
-            <a:ext cx="11429" cy="527935"/>
-          </a:xfrm>
-          <a:prstGeom prst="straightConnector1">
-            <a:avLst/>
-          </a:prstGeom>
-          <a:ln w="31750" cap="rnd">
-            <a:solidFill>
-              <a:schemeClr val="accent2"/>
-            </a:solidFill>
-            <a:round/>
-            <a:tailEnd type="arrow" w="med" len="med"/>
-          </a:ln>
-        </p:spPr>
-        <p:style>
-          <a:lnRef idx="0">
-            <a:srgbClr val="FFFFFF"/>
-          </a:lnRef>
-          <a:fillRef idx="0">
-            <a:srgbClr val="FFFFFF"/>
-          </a:fillRef>
-          <a:effectRef idx="0">
-            <a:srgbClr val="FFFFFF"/>
-          </a:effectRef>
-          <a:fontRef idx="minor">
-            <a:schemeClr val="tx1"/>
-          </a:fontRef>
-        </p:style>
-      </p:cxnSp>
-      <p:cxnSp>
-        <p:nvCxnSpPr>
-          <p:cNvPr id="65" name="直接箭头连接符 64">
-            <a:extLst>
-              <a:ext uri="{FF2B5EF4-FFF2-40B4-BE49-F238E27FC236}">
-                <a16:creationId xmlns:a16="http://schemas.microsoft.com/office/drawing/2014/main" id="{BB57F74A-A697-4B3C-8AFB-E6CD892C1755}"/>
-              </a:ext>
-            </a:extLst>
-          </p:cNvPr>
-          <p:cNvCxnSpPr>
-            <a:cxnSpLocks/>
-          </p:cNvCxnSpPr>
-          <p:nvPr/>
-        </p:nvCxnSpPr>
-        <p:spPr>
-          <a:xfrm flipH="1" flipV="1">
-            <a:off x="6157413" y="5241732"/>
-            <a:ext cx="11429" cy="527935"/>
-          </a:xfrm>
-          <a:prstGeom prst="straightConnector1">
-            <a:avLst/>
-          </a:prstGeom>
-          <a:ln w="31750" cap="rnd">
-            <a:solidFill>
-              <a:schemeClr val="accent2"/>
-            </a:solidFill>
-            <a:round/>
-            <a:tailEnd type="arrow" w="med" len="med"/>
-          </a:ln>
-        </p:spPr>
-        <p:style>
-          <a:lnRef idx="0">
-            <a:srgbClr val="FFFFFF"/>
-          </a:lnRef>
-          <a:fillRef idx="0">
-            <a:srgbClr val="FFFFFF"/>
-          </a:fillRef>
-          <a:effectRef idx="0">
-            <a:srgbClr val="FFFFFF"/>
-          </a:effectRef>
-          <a:fontRef idx="minor">
-            <a:schemeClr val="tx1"/>
-          </a:fontRef>
-        </p:style>
-      </p:cxnSp>
-      <p:sp>
-        <p:nvSpPr>
-          <p:cNvPr id="2" name="文本框 1"/>
-          <p:cNvSpPr txBox="1"/>
-          <p:nvPr/>
-        </p:nvSpPr>
-        <p:spPr>
-          <a:xfrm>
-            <a:off x="4881381" y="5592445"/>
-            <a:ext cx="2552065" cy="368300"/>
-          </a:xfrm>
-          <a:prstGeom prst="rect">
-            <a:avLst/>
-          </a:prstGeom>
-          <a:solidFill>
-            <a:schemeClr val="accent3">
-              <a:lumMod val="60000"/>
-              <a:lumOff val="40000"/>
-            </a:schemeClr>
-          </a:solidFill>
-        </p:spPr>
-        <p:txBody>
-          <a:bodyPr wrap="square">
-            <a:spAutoFit/>
-            <a:extLst>
-              <a:ext uri="{4A0BC546-FE56-4ADE-93B0-CB8AF2F6F144}">
-                <wpsdc:textFrameExt xmlns:wpsdc="http://www.wps.cn/officeDocument/2022/drawingmlCustomData" xmlns="" type="text"/>
-              </a:ext>
-            </a:extLst>
-          </a:bodyPr>
-          <a:lstStyle/>
-          <a:p>
-            <a:pPr algn="ctr"/>
-            <a:r>
-              <a:rPr lang="en-US" altLang="zh-CN" sz="1800" dirty="0">
-                <a:latin typeface="Arial" panose="020B0604020202020204" pitchFamily="34" charset="0"/>
-                <a:ea typeface="微软雅黑" panose="020B0503020204020204" charset="-122"/>
-              </a:rPr>
-              <a:t>Channel Independence</a:t>
-            </a:r>
-          </a:p>
-        </p:txBody>
-      </p:sp>
-      <p:sp>
-        <p:nvSpPr>
-          <p:cNvPr id="5" name="文本框 4"/>
-          <p:cNvSpPr txBox="1"/>
-          <p:nvPr/>
-        </p:nvSpPr>
-        <p:spPr>
-          <a:xfrm>
-            <a:off x="4881381" y="4886325"/>
-            <a:ext cx="2552065" cy="368300"/>
-          </a:xfrm>
-          <a:prstGeom prst="rect">
-            <a:avLst/>
-          </a:prstGeom>
-          <a:solidFill>
-            <a:schemeClr val="accent2">
-              <a:lumMod val="60000"/>
-              <a:lumOff val="40000"/>
-            </a:schemeClr>
-          </a:solidFill>
-        </p:spPr>
-        <p:txBody>
-          <a:bodyPr wrap="square">
-            <a:spAutoFit/>
-            <a:extLst>
-              <a:ext uri="{4A0BC546-FE56-4ADE-93B0-CB8AF2F6F144}">
-                <wpsdc:textFrameExt xmlns:wpsdc="http://www.wps.cn/officeDocument/2022/drawingmlCustomData" xmlns="" type="text"/>
-              </a:ext>
-            </a:extLst>
-          </a:bodyPr>
-          <a:lstStyle/>
-          <a:p>
-            <a:pPr algn="ctr"/>
-            <a:r>
-              <a:rPr lang="en-US" altLang="zh-CN" sz="1800">
-                <a:latin typeface="Arial" panose="020B0604020202020204" pitchFamily="34" charset="0"/>
-                <a:ea typeface="微软雅黑" panose="020B0503020204020204" charset="-122"/>
-              </a:rPr>
-              <a:t>FTT</a:t>
-            </a:r>
-          </a:p>
-        </p:txBody>
-      </p:sp>
-      <p:sp>
-        <p:nvSpPr>
-          <p:cNvPr id="6" name="文本框 5"/>
-          <p:cNvSpPr txBox="1"/>
-          <p:nvPr/>
-        </p:nvSpPr>
-        <p:spPr>
-          <a:xfrm>
-            <a:off x="4892810" y="4214987"/>
-            <a:ext cx="2552065" cy="368300"/>
-          </a:xfrm>
-          <a:prstGeom prst="rect">
-            <a:avLst/>
-          </a:prstGeom>
-          <a:solidFill>
-            <a:schemeClr val="accent5">
-              <a:lumMod val="60000"/>
-              <a:lumOff val="40000"/>
-            </a:schemeClr>
-          </a:solidFill>
-        </p:spPr>
-        <p:txBody>
-          <a:bodyPr wrap="square">
-            <a:spAutoFit/>
-            <a:extLst>
-              <a:ext uri="{4A0BC546-FE56-4ADE-93B0-CB8AF2F6F144}">
-                <wpsdc:textFrameExt xmlns:wpsdc="http://www.wps.cn/officeDocument/2022/drawingmlCustomData" xmlns="" type="text"/>
-              </a:ext>
-            </a:extLst>
-          </a:bodyPr>
-          <a:lstStyle/>
-          <a:p>
-            <a:pPr algn="ctr"/>
-            <a:r>
-              <a:rPr lang="en-US" altLang="zh-CN" sz="1800" dirty="0">
-                <a:latin typeface="Arial" panose="020B0604020202020204" pitchFamily="34" charset="0"/>
-                <a:ea typeface="微软雅黑" panose="020B0503020204020204" charset="-122"/>
-              </a:rPr>
-              <a:t>Dominant Period Mask</a:t>
-            </a:r>
-          </a:p>
-        </p:txBody>
-      </p:sp>
-      <p:sp>
-        <p:nvSpPr>
-          <p:cNvPr id="7" name="文本框 6"/>
-          <p:cNvSpPr txBox="1"/>
-          <p:nvPr/>
-        </p:nvSpPr>
-        <p:spPr>
-          <a:xfrm>
-            <a:off x="4892810" y="3145503"/>
-            <a:ext cx="2552065" cy="645160"/>
-          </a:xfrm>
-          <a:prstGeom prst="rect">
-            <a:avLst/>
-          </a:prstGeom>
-          <a:solidFill>
-            <a:schemeClr val="accent6">
-              <a:lumMod val="60000"/>
-              <a:lumOff val="40000"/>
-            </a:schemeClr>
-          </a:solidFill>
-        </p:spPr>
-        <p:txBody>
-          <a:bodyPr wrap="square">
-            <a:spAutoFit/>
-            <a:extLst>
-              <a:ext uri="{4A0BC546-FE56-4ADE-93B0-CB8AF2F6F144}">
-                <wpsdc:textFrameExt xmlns:wpsdc="http://www.wps.cn/officeDocument/2022/drawingmlCustomData" xmlns="" type="text"/>
-              </a:ext>
-            </a:extLst>
-          </a:bodyPr>
-          <a:lstStyle/>
-          <a:p>
-            <a:pPr algn="ctr"/>
-            <a:r>
-              <a:rPr lang="en-US" altLang="zh-CN" sz="1800" dirty="0">
-                <a:latin typeface="Arial" panose="020B0604020202020204" pitchFamily="34" charset="0"/>
-                <a:ea typeface="微软雅黑" panose="020B0503020204020204" charset="-122"/>
-              </a:rPr>
-              <a:t>Multi-Scale Subsequence Division</a:t>
-            </a:r>
-          </a:p>
-        </p:txBody>
-      </p:sp>
-      <p:sp>
-        <p:nvSpPr>
-          <p:cNvPr id="44" name="文本框 43"/>
-          <p:cNvSpPr txBox="1"/>
-          <p:nvPr/>
-        </p:nvSpPr>
-        <p:spPr>
-          <a:xfrm>
-            <a:off x="6439036" y="3823335"/>
-            <a:ext cx="1391285" cy="340360"/>
-          </a:xfrm>
-          <a:prstGeom prst="rect">
-            <a:avLst/>
-          </a:prstGeom>
-          <a:noFill/>
-        </p:spPr>
-        <p:txBody>
-          <a:bodyPr wrap="square">
-            <a:noAutofit/>
-            <a:extLst>
-              <a:ext uri="{4A0BC546-FE56-4ADE-93B0-CB8AF2F6F144}">
-                <wpsdc:textFrameExt xmlns:wpsdc="http://www.wps.cn/officeDocument/2022/drawingmlCustomData" xmlns="" type="text"/>
-              </a:ext>
-            </a:extLst>
-          </a:bodyPr>
-          <a:lstStyle/>
-          <a:p>
-            <a:pPr algn="ctr"/>
-            <a:r>
-              <a:rPr lang="en-US" altLang="zh-CN" sz="1800" dirty="0">
-                <a:latin typeface="Arial" panose="020B0604020202020204" pitchFamily="34" charset="0"/>
-                <a:ea typeface="微软雅黑" panose="020B0503020204020204" charset="-122"/>
-              </a:rPr>
-              <a:t>Embedding</a:t>
-            </a:r>
-          </a:p>
-        </p:txBody>
-      </p:sp>
-      <p:sp>
-        <p:nvSpPr>
-          <p:cNvPr id="45" name="文本框 44"/>
-          <p:cNvSpPr txBox="1"/>
-          <p:nvPr/>
-        </p:nvSpPr>
-        <p:spPr>
-          <a:xfrm>
-            <a:off x="4892810" y="2593053"/>
-            <a:ext cx="2552065" cy="368300"/>
-          </a:xfrm>
-          <a:prstGeom prst="rect">
-            <a:avLst/>
-          </a:prstGeom>
-          <a:solidFill>
-            <a:schemeClr val="bg2">
-              <a:lumMod val="75000"/>
-            </a:schemeClr>
-          </a:solidFill>
-        </p:spPr>
-        <p:txBody>
-          <a:bodyPr wrap="square">
-            <a:spAutoFit/>
-            <a:extLst>
-              <a:ext uri="{4A0BC546-FE56-4ADE-93B0-CB8AF2F6F144}">
-                <wpsdc:textFrameExt xmlns:wpsdc="http://www.wps.cn/officeDocument/2022/drawingmlCustomData" xmlns="" type="text"/>
-              </a:ext>
-            </a:extLst>
-          </a:bodyPr>
-          <a:lstStyle/>
-          <a:p>
-            <a:pPr algn="ctr"/>
-            <a:r>
-              <a:rPr lang="en-US" altLang="zh-CN" dirty="0">
-                <a:latin typeface="Arial" panose="020B0604020202020204" pitchFamily="34" charset="0"/>
-                <a:ea typeface="微软雅黑" panose="020B0503020204020204" charset="-122"/>
-                <a:sym typeface="+mn-ea"/>
-              </a:rPr>
-              <a:t>Multi-Scale Encoder</a:t>
-            </a:r>
-            <a:endParaRPr lang="en-US" altLang="zh-CN" sz="1800" dirty="0">
-              <a:latin typeface="Arial" panose="020B0604020202020204" pitchFamily="34" charset="0"/>
-              <a:ea typeface="微软雅黑" panose="020B0503020204020204" charset="-122"/>
-            </a:endParaRPr>
-          </a:p>
-        </p:txBody>
-      </p:sp>
-      <p:sp>
-        <p:nvSpPr>
-          <p:cNvPr id="46" name="文本框 45"/>
-          <p:cNvSpPr txBox="1"/>
-          <p:nvPr/>
-        </p:nvSpPr>
-        <p:spPr>
-          <a:xfrm>
-            <a:off x="4808855" y="112395"/>
-            <a:ext cx="2552065" cy="368300"/>
-          </a:xfrm>
-          <a:prstGeom prst="rect">
-            <a:avLst/>
-          </a:prstGeom>
-          <a:solidFill>
-            <a:schemeClr val="accent6">
-              <a:lumMod val="75000"/>
-            </a:schemeClr>
-          </a:solidFill>
-        </p:spPr>
-        <p:txBody>
-          <a:bodyPr wrap="square">
-            <a:spAutoFit/>
-            <a:extLst>
-              <a:ext uri="{4A0BC546-FE56-4ADE-93B0-CB8AF2F6F144}">
-                <wpsdc:textFrameExt xmlns:wpsdc="http://www.wps.cn/officeDocument/2022/drawingmlCustomData" xmlns="" type="text"/>
-              </a:ext>
-            </a:extLst>
-          </a:bodyPr>
-          <a:lstStyle/>
-          <a:p>
-            <a:pPr algn="ctr"/>
-            <a:r>
-              <a:rPr lang="en-US" altLang="zh-CN" sz="1800">
-                <a:latin typeface="Arial" panose="020B0604020202020204" pitchFamily="34" charset="0"/>
-                <a:ea typeface="微软雅黑" panose="020B0503020204020204" charset="-122"/>
-              </a:rPr>
-              <a:t>Anomaly Prediction</a:t>
-            </a:r>
-          </a:p>
-        </p:txBody>
-      </p:sp>
-      <p:sp>
-        <p:nvSpPr>
-          <p:cNvPr id="47" name="文本框 46"/>
-          <p:cNvSpPr txBox="1"/>
-          <p:nvPr/>
-        </p:nvSpPr>
-        <p:spPr>
-          <a:xfrm>
-            <a:off x="3004185" y="1074420"/>
-            <a:ext cx="2552065" cy="645160"/>
-          </a:xfrm>
-          <a:prstGeom prst="rect">
-            <a:avLst/>
-          </a:prstGeom>
-          <a:solidFill>
-            <a:srgbClr val="00B0F0"/>
-          </a:solidFill>
-        </p:spPr>
-        <p:txBody>
-          <a:bodyPr wrap="square">
-            <a:spAutoFit/>
-            <a:extLst>
-              <a:ext uri="{4A0BC546-FE56-4ADE-93B0-CB8AF2F6F144}">
-                <wpsdc:textFrameExt xmlns:wpsdc="http://www.wps.cn/officeDocument/2022/drawingmlCustomData" xmlns="" type="text"/>
-              </a:ext>
-            </a:extLst>
-          </a:bodyPr>
-          <a:lstStyle/>
-          <a:p>
-            <a:pPr algn="ctr"/>
-            <a:r>
-              <a:rPr lang="en-US" altLang="zh-CN" sz="1800">
-                <a:latin typeface="Arial" panose="020B0604020202020204" pitchFamily="34" charset="0"/>
-                <a:ea typeface="微软雅黑" panose="020B0503020204020204" charset="-122"/>
-              </a:rPr>
-              <a:t>MLP-based Reconstruction</a:t>
-            </a:r>
-          </a:p>
-        </p:txBody>
-      </p:sp>
-      <p:sp>
-        <p:nvSpPr>
-          <p:cNvPr id="48" name="文本框 47"/>
-          <p:cNvSpPr txBox="1"/>
-          <p:nvPr/>
-        </p:nvSpPr>
-        <p:spPr>
-          <a:xfrm>
-            <a:off x="6691630" y="1074420"/>
-            <a:ext cx="3156585" cy="645160"/>
-          </a:xfrm>
-          <a:prstGeom prst="rect">
-            <a:avLst/>
-          </a:prstGeom>
-          <a:solidFill>
-            <a:srgbClr val="00B0F0"/>
-          </a:solidFill>
-        </p:spPr>
-        <p:txBody>
-          <a:bodyPr wrap="square">
-            <a:spAutoFit/>
-            <a:extLst>
-              <a:ext uri="{4A0BC546-FE56-4ADE-93B0-CB8AF2F6F144}">
-                <wpsdc:textFrameExt xmlns:wpsdc="http://www.wps.cn/officeDocument/2022/drawingmlCustomData" xmlns="" type="text"/>
-              </a:ext>
-            </a:extLst>
-          </a:bodyPr>
-          <a:lstStyle/>
-          <a:p>
-            <a:pPr algn="ctr"/>
-            <a:r>
-              <a:rPr lang="en-US" altLang="zh-CN" sz="1800">
-                <a:latin typeface="Arial" panose="020B0604020202020204" pitchFamily="34" charset="0"/>
-                <a:ea typeface="微软雅黑" panose="020B0503020204020204" charset="-122"/>
-              </a:rPr>
-              <a:t>Similarities Between Multi-Scale Features</a:t>
-            </a:r>
-          </a:p>
-        </p:txBody>
-      </p:sp>
-      <p:pic>
-        <p:nvPicPr>
-          <p:cNvPr id="3" name="图片 2"/>
-          <p:cNvPicPr>
-            <a:picLocks noChangeAspect="1"/>
-          </p:cNvPicPr>
-          <p:nvPr/>
-        </p:nvPicPr>
-        <p:blipFill>
-          <a:blip r:embed="rId2"/>
-          <a:stretch>
-            <a:fillRect/>
-          </a:stretch>
-        </p:blipFill>
-        <p:spPr>
-          <a:xfrm>
-            <a:off x="1330441" y="3042015"/>
-            <a:ext cx="1852120" cy="868315"/>
-          </a:xfrm>
-          <a:prstGeom prst="rect">
-            <a:avLst/>
-          </a:prstGeom>
-        </p:spPr>
-      </p:pic>
-      <p:pic>
-        <p:nvPicPr>
-          <p:cNvPr id="4" name="图片 3"/>
-          <p:cNvPicPr>
-            <a:picLocks noChangeAspect="1"/>
-          </p:cNvPicPr>
-          <p:nvPr/>
-        </p:nvPicPr>
-        <p:blipFill>
-          <a:blip r:embed="rId3"/>
-          <a:stretch>
-            <a:fillRect/>
-          </a:stretch>
-        </p:blipFill>
-        <p:spPr>
-          <a:xfrm>
-            <a:off x="1309720" y="5155438"/>
-            <a:ext cx="1852118" cy="351282"/>
-          </a:xfrm>
-          <a:prstGeom prst="rect">
-            <a:avLst/>
-          </a:prstGeom>
-        </p:spPr>
-      </p:pic>
-      <p:cxnSp>
-        <p:nvCxnSpPr>
-          <p:cNvPr id="21" name="直接箭头连接符 20"/>
-          <p:cNvCxnSpPr>
-            <a:cxnSpLocks/>
-          </p:cNvCxnSpPr>
-          <p:nvPr/>
-        </p:nvCxnSpPr>
-        <p:spPr>
-          <a:xfrm flipH="1" flipV="1">
-            <a:off x="7198995" y="1736725"/>
-            <a:ext cx="1906" cy="405751"/>
-          </a:xfrm>
-          <a:prstGeom prst="straightConnector1">
-            <a:avLst/>
-          </a:prstGeom>
-          <a:ln w="31750" cap="rnd">
-            <a:solidFill>
-              <a:schemeClr val="accent2"/>
-            </a:solidFill>
-            <a:round/>
-            <a:tailEnd type="arrow" w="med" len="med"/>
-          </a:ln>
-        </p:spPr>
-        <p:style>
-          <a:lnRef idx="0">
-            <a:srgbClr val="FFFFFF"/>
-          </a:lnRef>
-          <a:fillRef idx="0">
-            <a:srgbClr val="FFFFFF"/>
-          </a:fillRef>
-          <a:effectRef idx="0">
-            <a:srgbClr val="FFFFFF"/>
-          </a:effectRef>
-          <a:fontRef idx="minor">
-            <a:schemeClr val="tx1"/>
-          </a:fontRef>
-        </p:style>
-      </p:cxnSp>
-      <p:cxnSp>
-        <p:nvCxnSpPr>
-          <p:cNvPr id="22" name="直接箭头连接符 21"/>
-          <p:cNvCxnSpPr/>
-          <p:nvPr/>
-        </p:nvCxnSpPr>
-        <p:spPr>
-          <a:xfrm flipV="1">
-            <a:off x="5208905" y="576580"/>
-            <a:ext cx="0" cy="337820"/>
-          </a:xfrm>
-          <a:prstGeom prst="straightConnector1">
-            <a:avLst/>
-          </a:prstGeom>
-          <a:ln w="31750" cap="rnd">
-            <a:solidFill>
-              <a:schemeClr val="accent2"/>
-            </a:solidFill>
-            <a:round/>
-            <a:tailEnd type="arrow" w="med" len="med"/>
-          </a:ln>
-        </p:spPr>
-        <p:style>
-          <a:lnRef idx="0">
-            <a:srgbClr val="FFFFFF"/>
-          </a:lnRef>
-          <a:fillRef idx="0">
-            <a:srgbClr val="FFFFFF"/>
-          </a:fillRef>
-          <a:effectRef idx="0">
-            <a:srgbClr val="FFFFFF"/>
-          </a:effectRef>
-          <a:fontRef idx="minor">
-            <a:schemeClr val="tx1"/>
-          </a:fontRef>
-        </p:style>
-      </p:cxnSp>
-      <p:cxnSp>
-        <p:nvCxnSpPr>
-          <p:cNvPr id="23" name="直接箭头连接符 22"/>
-          <p:cNvCxnSpPr/>
-          <p:nvPr/>
-        </p:nvCxnSpPr>
-        <p:spPr>
-          <a:xfrm flipV="1">
-            <a:off x="7198995" y="576580"/>
-            <a:ext cx="0" cy="337820"/>
-          </a:xfrm>
-          <a:prstGeom prst="straightConnector1">
-            <a:avLst/>
-          </a:prstGeom>
-          <a:ln w="31750" cap="rnd">
-            <a:solidFill>
-              <a:schemeClr val="accent2"/>
-            </a:solidFill>
-            <a:round/>
-            <a:tailEnd type="arrow" w="med" len="med"/>
-          </a:ln>
-        </p:spPr>
-        <p:style>
-          <a:lnRef idx="0">
-            <a:srgbClr val="FFFFFF"/>
-          </a:lnRef>
-          <a:fillRef idx="0">
-            <a:srgbClr val="FFFFFF"/>
-          </a:fillRef>
-          <a:effectRef idx="0">
-            <a:srgbClr val="FFFFFF"/>
-          </a:effectRef>
-          <a:fontRef idx="minor">
-            <a:schemeClr val="tx1"/>
-          </a:fontRef>
-        </p:style>
-      </p:cxnSp>
-      <p:cxnSp>
-        <p:nvCxnSpPr>
-          <p:cNvPr id="27" name="直接箭头连接符 26"/>
-          <p:cNvCxnSpPr>
-            <a:cxnSpLocks/>
-          </p:cNvCxnSpPr>
-          <p:nvPr/>
-        </p:nvCxnSpPr>
-        <p:spPr>
-          <a:xfrm flipH="1" flipV="1">
-            <a:off x="5208904" y="1745357"/>
-            <a:ext cx="1" cy="370781"/>
-          </a:xfrm>
-          <a:prstGeom prst="straightConnector1">
-            <a:avLst/>
-          </a:prstGeom>
-          <a:ln w="31750" cap="rnd">
-            <a:solidFill>
-              <a:schemeClr val="accent2"/>
-            </a:solidFill>
-            <a:round/>
-            <a:tailEnd type="arrow" w="med" len="med"/>
-          </a:ln>
-        </p:spPr>
-        <p:style>
-          <a:lnRef idx="0">
-            <a:srgbClr val="FFFFFF"/>
-          </a:lnRef>
-          <a:fillRef idx="0">
-            <a:srgbClr val="FFFFFF"/>
-          </a:fillRef>
-          <a:effectRef idx="0">
-            <a:srgbClr val="FFFFFF"/>
-          </a:effectRef>
-          <a:fontRef idx="minor">
-            <a:schemeClr val="tx1"/>
-          </a:fontRef>
-        </p:style>
-      </p:cxnSp>
-      <p:sp>
-        <p:nvSpPr>
-          <p:cNvPr id="28" name="文本框 27"/>
-          <p:cNvSpPr txBox="1"/>
-          <p:nvPr/>
-        </p:nvSpPr>
-        <p:spPr>
-          <a:xfrm>
-            <a:off x="5491932" y="6425565"/>
-            <a:ext cx="1353820" cy="368300"/>
-          </a:xfrm>
-          <a:prstGeom prst="rect">
-            <a:avLst/>
-          </a:prstGeom>
-          <a:solidFill>
-            <a:schemeClr val="bg1"/>
-          </a:solidFill>
-        </p:spPr>
-        <p:txBody>
-          <a:bodyPr wrap="square">
-            <a:spAutoFit/>
-            <a:extLst>
-              <a:ext uri="{4A0BC546-FE56-4ADE-93B0-CB8AF2F6F144}">
-                <wpsdc:textFrameExt xmlns:wpsdc="http://www.wps.cn/officeDocument/2022/drawingmlCustomData" xmlns="" type="text"/>
-              </a:ext>
-            </a:extLst>
-          </a:bodyPr>
-          <a:lstStyle/>
-          <a:p>
-            <a:pPr algn="ctr"/>
-            <a:r>
-              <a:rPr lang="en-US" altLang="zh-CN" sz="1800" dirty="0">
-                <a:latin typeface="Arial" panose="020B0604020202020204" pitchFamily="34" charset="0"/>
-                <a:ea typeface="微软雅黑" panose="020B0503020204020204" charset="-122"/>
-              </a:rPr>
-              <a:t>Input MTS</a:t>
-            </a:r>
-          </a:p>
-        </p:txBody>
-      </p:sp>
-      <p:cxnSp>
-        <p:nvCxnSpPr>
-          <p:cNvPr id="49" name="直接箭头连接符 48"/>
-          <p:cNvCxnSpPr>
-            <a:cxnSpLocks/>
-            <a:stCxn id="6" idx="1"/>
-            <a:endCxn id="4" idx="3"/>
-          </p:cNvCxnSpPr>
-          <p:nvPr/>
-        </p:nvCxnSpPr>
-        <p:spPr>
-          <a:xfrm flipH="1">
-            <a:off x="3161838" y="4399137"/>
-            <a:ext cx="1730972" cy="931942"/>
-          </a:xfrm>
-          <a:prstGeom prst="straightConnector1">
-            <a:avLst/>
-          </a:prstGeom>
-          <a:ln w="12700" cap="flat" cmpd="sng" algn="ctr">
-            <a:solidFill>
-              <a:schemeClr val="accent2"/>
-            </a:solidFill>
-            <a:prstDash val="dash"/>
-            <a:miter lim="800000"/>
-            <a:tailEnd type="arrow" w="med" len="med"/>
-          </a:ln>
-        </p:spPr>
-        <p:style>
-          <a:lnRef idx="0">
-            <a:schemeClr val="accent1"/>
-          </a:lnRef>
-          <a:fillRef idx="0">
-            <a:srgbClr val="FFFFFF"/>
-          </a:fillRef>
-          <a:effectRef idx="0">
-            <a:srgbClr val="FFFFFF"/>
-          </a:effectRef>
-          <a:fontRef idx="minor">
-            <a:schemeClr val="tx1"/>
-          </a:fontRef>
-        </p:style>
-      </p:cxnSp>
-      <p:cxnSp>
-        <p:nvCxnSpPr>
-          <p:cNvPr id="50" name="直接箭头连接符 49"/>
-          <p:cNvCxnSpPr>
-            <a:cxnSpLocks/>
-            <a:stCxn id="7" idx="1"/>
-            <a:endCxn id="3" idx="3"/>
-          </p:cNvCxnSpPr>
-          <p:nvPr/>
-        </p:nvCxnSpPr>
-        <p:spPr>
-          <a:xfrm flipH="1">
-            <a:off x="3182561" y="3468083"/>
-            <a:ext cx="1710249" cy="8090"/>
-          </a:xfrm>
-          <a:prstGeom prst="straightConnector1">
-            <a:avLst/>
-          </a:prstGeom>
-          <a:ln w="12700" cap="flat" cmpd="sng" algn="ctr">
-            <a:solidFill>
-              <a:schemeClr val="accent2"/>
-            </a:solidFill>
-            <a:prstDash val="dash"/>
-            <a:miter lim="800000"/>
-            <a:tailEnd type="arrow" w="med" len="med"/>
-          </a:ln>
-        </p:spPr>
-        <p:style>
-          <a:lnRef idx="0">
-            <a:schemeClr val="accent1"/>
-          </a:lnRef>
-          <a:fillRef idx="0">
-            <a:srgbClr val="FFFFFF"/>
-          </a:fillRef>
-          <a:effectRef idx="0">
-            <a:srgbClr val="FFFFFF"/>
-          </a:effectRef>
-          <a:fontRef idx="minor">
-            <a:schemeClr val="tx1"/>
-          </a:fontRef>
-        </p:style>
-      </p:cxnSp>
-      <p:sp>
-        <p:nvSpPr>
-          <p:cNvPr id="51" name="文本框 50"/>
-          <p:cNvSpPr txBox="1"/>
-          <p:nvPr/>
-        </p:nvSpPr>
-        <p:spPr>
-          <a:xfrm>
-            <a:off x="7442200" y="571500"/>
-            <a:ext cx="2339975" cy="368300"/>
-          </a:xfrm>
-          <a:prstGeom prst="rect">
-            <a:avLst/>
-          </a:prstGeom>
-          <a:noFill/>
-        </p:spPr>
-        <p:txBody>
-          <a:bodyPr wrap="square" rtlCol="0" anchor="t">
-            <a:spAutoFit/>
-          </a:bodyPr>
-          <a:lstStyle/>
-          <a:p>
-            <a:r>
-              <a:rPr lang="en-US" altLang="zh-CN">
-                <a:latin typeface="Arial" panose="020B0604020202020204" pitchFamily="34" charset="0"/>
-                <a:ea typeface="微软雅黑" panose="020B0503020204020204" charset="-122"/>
-                <a:sym typeface="+mn-ea"/>
-              </a:rPr>
-              <a:t>Euclidean Distance</a:t>
-            </a:r>
-          </a:p>
-        </p:txBody>
-      </p:sp>
-      <p:sp>
-        <p:nvSpPr>
-          <p:cNvPr id="52" name="文本框 51"/>
-          <p:cNvSpPr txBox="1"/>
-          <p:nvPr/>
-        </p:nvSpPr>
-        <p:spPr>
-          <a:xfrm>
-            <a:off x="2691765" y="546100"/>
-            <a:ext cx="2299970" cy="368300"/>
-          </a:xfrm>
-          <a:prstGeom prst="rect">
-            <a:avLst/>
-          </a:prstGeom>
-          <a:noFill/>
-        </p:spPr>
-        <p:txBody>
-          <a:bodyPr wrap="square" rtlCol="0" anchor="t">
-            <a:spAutoFit/>
-          </a:bodyPr>
-          <a:lstStyle/>
-          <a:p>
-            <a:pPr algn="ctr"/>
-            <a:r>
-              <a:rPr lang="en-US" altLang="zh-CN">
-                <a:latin typeface="Arial" panose="020B0604020202020204" pitchFamily="34" charset="0"/>
-                <a:ea typeface="微软雅黑" panose="020B0503020204020204" charset="-122"/>
-                <a:sym typeface="+mn-ea"/>
-              </a:rPr>
-              <a:t>Reconstruction Error</a:t>
-            </a:r>
-          </a:p>
-        </p:txBody>
-      </p:sp>
-      <p:pic>
-        <p:nvPicPr>
-          <p:cNvPr id="53" name="图片 52"/>
-          <p:cNvPicPr>
-            <a:picLocks noChangeAspect="1"/>
-          </p:cNvPicPr>
-          <p:nvPr/>
-        </p:nvPicPr>
-        <p:blipFill>
-          <a:blip r:embed="rId4"/>
-          <a:stretch>
-            <a:fillRect/>
-          </a:stretch>
-        </p:blipFill>
-        <p:spPr>
-          <a:xfrm>
-            <a:off x="8501062" y="2180109"/>
-            <a:ext cx="3154045" cy="1055061"/>
-          </a:xfrm>
-          <a:prstGeom prst="rect">
-            <a:avLst/>
-          </a:prstGeom>
-        </p:spPr>
-      </p:pic>
-      <p:cxnSp>
-        <p:nvCxnSpPr>
-          <p:cNvPr id="54" name="直接箭头连接符 53"/>
-          <p:cNvCxnSpPr>
-            <a:cxnSpLocks/>
-            <a:stCxn id="45" idx="3"/>
-          </p:cNvCxnSpPr>
-          <p:nvPr/>
-        </p:nvCxnSpPr>
-        <p:spPr>
-          <a:xfrm>
-            <a:off x="7444875" y="2777203"/>
-            <a:ext cx="1045527" cy="459105"/>
-          </a:xfrm>
-          <a:prstGeom prst="straightConnector1">
-            <a:avLst/>
-          </a:prstGeom>
-          <a:ln w="12700" cap="flat" cmpd="sng" algn="ctr">
-            <a:solidFill>
-              <a:schemeClr val="accent2"/>
-            </a:solidFill>
-            <a:prstDash val="dash"/>
-            <a:miter lim="800000"/>
-            <a:tailEnd type="arrow" w="med" len="med"/>
-          </a:ln>
-        </p:spPr>
-        <p:style>
-          <a:lnRef idx="0">
-            <a:schemeClr val="accent1"/>
-          </a:lnRef>
-          <a:fillRef idx="0">
-            <a:srgbClr val="FFFFFF"/>
-          </a:fillRef>
-          <a:effectRef idx="0">
-            <a:srgbClr val="FFFFFF"/>
-          </a:effectRef>
-          <a:fontRef idx="minor">
-            <a:schemeClr val="tx1"/>
-          </a:fontRef>
-        </p:style>
-      </p:cxnSp>
-      <p:sp>
-        <p:nvSpPr>
-          <p:cNvPr id="55" name="文本框 54"/>
-          <p:cNvSpPr txBox="1"/>
-          <p:nvPr/>
-        </p:nvSpPr>
-        <p:spPr>
-          <a:xfrm>
-            <a:off x="9649750" y="3352800"/>
-            <a:ext cx="1353820" cy="368300"/>
-          </a:xfrm>
-          <a:prstGeom prst="rect">
-            <a:avLst/>
-          </a:prstGeom>
-          <a:solidFill>
-            <a:schemeClr val="bg1"/>
-          </a:solidFill>
-        </p:spPr>
-        <p:txBody>
-          <a:bodyPr wrap="square">
-            <a:spAutoFit/>
-            <a:extLst>
-              <a:ext uri="{4A0BC546-FE56-4ADE-93B0-CB8AF2F6F144}">
-                <wpsdc:textFrameExt xmlns:wpsdc="http://www.wps.cn/officeDocument/2022/drawingmlCustomData" xmlns="" type="text"/>
-              </a:ext>
-            </a:extLst>
-          </a:bodyPr>
-          <a:lstStyle/>
-          <a:p>
-            <a:pPr algn="ctr"/>
-            <a:r>
-              <a:rPr lang="en-US" altLang="zh-CN" sz="1800" dirty="0">
-                <a:latin typeface="Arial" panose="020B0604020202020204" pitchFamily="34" charset="0"/>
-                <a:ea typeface="微软雅黑" panose="020B0503020204020204" charset="-122"/>
-              </a:rPr>
-              <a:t>Nx</a:t>
-            </a:r>
-          </a:p>
-        </p:txBody>
-      </p:sp>
-      <p:cxnSp>
-        <p:nvCxnSpPr>
-          <p:cNvPr id="8" name="直接箭头连接符 7"/>
-          <p:cNvCxnSpPr>
-            <a:cxnSpLocks/>
-          </p:cNvCxnSpPr>
-          <p:nvPr/>
-        </p:nvCxnSpPr>
-        <p:spPr>
-          <a:xfrm flipH="1" flipV="1">
-            <a:off x="6168842" y="5996793"/>
-            <a:ext cx="11429" cy="527935"/>
-          </a:xfrm>
-          <a:prstGeom prst="straightConnector1">
-            <a:avLst/>
-          </a:prstGeom>
-          <a:ln w="31750" cap="rnd">
-            <a:solidFill>
-              <a:schemeClr val="accent2"/>
-            </a:solidFill>
-            <a:round/>
-            <a:tailEnd type="arrow" w="med" len="med"/>
-          </a:ln>
-        </p:spPr>
-        <p:style>
-          <a:lnRef idx="0">
-            <a:srgbClr val="FFFFFF"/>
-          </a:lnRef>
-          <a:fillRef idx="0">
-            <a:srgbClr val="FFFFFF"/>
-          </a:fillRef>
-          <a:effectRef idx="0">
-            <a:srgbClr val="FFFFFF"/>
-          </a:effectRef>
-          <a:fontRef idx="minor">
-            <a:schemeClr val="tx1"/>
-          </a:fontRef>
-        </p:style>
-      </p:cxnSp>
-      <p:sp>
-        <p:nvSpPr>
-          <p:cNvPr id="43" name="文本框 42"/>
-          <p:cNvSpPr txBox="1"/>
-          <p:nvPr/>
-        </p:nvSpPr>
-        <p:spPr>
-          <a:xfrm>
-            <a:off x="6295526" y="4535805"/>
-            <a:ext cx="2081530" cy="340360"/>
-          </a:xfrm>
-          <a:prstGeom prst="rect">
-            <a:avLst/>
-          </a:prstGeom>
-          <a:noFill/>
-        </p:spPr>
-        <p:txBody>
-          <a:bodyPr wrap="square">
-            <a:noAutofit/>
-            <a:extLst>
-              <a:ext uri="{4A0BC546-FE56-4ADE-93B0-CB8AF2F6F144}">
-                <wpsdc:textFrameExt xmlns:wpsdc="http://www.wps.cn/officeDocument/2022/drawingmlCustomData" xmlns="" type="text"/>
-              </a:ext>
-            </a:extLst>
-          </a:bodyPr>
-          <a:lstStyle/>
-          <a:p>
-            <a:pPr algn="ctr"/>
-            <a:r>
-              <a:rPr lang="en-US" altLang="zh-CN" sz="1800" dirty="0">
-                <a:latin typeface="Arial" panose="020B0604020202020204" pitchFamily="34" charset="0"/>
-                <a:ea typeface="微软雅黑" panose="020B0503020204020204" charset="-122"/>
-              </a:rPr>
-              <a:t>TopK Frequencies</a:t>
-            </a:r>
-          </a:p>
-        </p:txBody>
-      </p:sp>
-      <p:sp>
-        <p:nvSpPr>
-          <p:cNvPr id="56" name="文本框 55">
-            <a:extLst>
-              <a:ext uri="{FF2B5EF4-FFF2-40B4-BE49-F238E27FC236}">
-                <a16:creationId xmlns:a16="http://schemas.microsoft.com/office/drawing/2014/main" id="{83489BBB-E727-4EA6-8947-856E37A63292}"/>
-              </a:ext>
-            </a:extLst>
-          </p:cNvPr>
-          <p:cNvSpPr txBox="1"/>
-          <p:nvPr/>
-        </p:nvSpPr>
-        <p:spPr>
-          <a:xfrm>
-            <a:off x="8501062" y="4419390"/>
-            <a:ext cx="2286185" cy="646331"/>
-          </a:xfrm>
-          <a:prstGeom prst="rect">
-            <a:avLst/>
-          </a:prstGeom>
-          <a:solidFill>
-            <a:schemeClr val="bg1"/>
-          </a:solidFill>
-        </p:spPr>
-        <p:txBody>
-          <a:bodyPr wrap="square">
-            <a:spAutoFit/>
-            <a:extLst>
-              <a:ext uri="{4A0BC546-FE56-4ADE-93B0-CB8AF2F6F144}">
-                <wpsdc:textFrameExt xmlns:wpsdc="http://www.wps.cn/officeDocument/2022/drawingmlCustomData" xmlns="" type="text"/>
-              </a:ext>
-            </a:extLst>
-          </a:bodyPr>
-          <a:lstStyle/>
-          <a:p>
-            <a:pPr algn="ctr"/>
-            <a:r>
-              <a:rPr lang="en-US" altLang="zh-CN" b="1" dirty="0">
-                <a:latin typeface="Arial" panose="020B0604020202020204" pitchFamily="34" charset="0"/>
-                <a:ea typeface="微软雅黑" panose="020B0503020204020204" charset="-122"/>
-              </a:rPr>
-              <a:t>Frequency Domain Analysis Module</a:t>
-            </a:r>
-            <a:endParaRPr lang="en-US" altLang="zh-CN" sz="1800" b="1" dirty="0">
-              <a:latin typeface="Arial" panose="020B0604020202020204" pitchFamily="34" charset="0"/>
-              <a:ea typeface="微软雅黑" panose="020B0503020204020204" charset="-122"/>
-            </a:endParaRPr>
-          </a:p>
-        </p:txBody>
-      </p:sp>
-      <p:sp>
-        <p:nvSpPr>
-          <p:cNvPr id="57" name="文本框 56">
-            <a:extLst>
-              <a:ext uri="{FF2B5EF4-FFF2-40B4-BE49-F238E27FC236}">
-                <a16:creationId xmlns:a16="http://schemas.microsoft.com/office/drawing/2014/main" id="{A4888740-58F9-4AE8-8602-82CE95AA2BC0}"/>
-              </a:ext>
-            </a:extLst>
-          </p:cNvPr>
-          <p:cNvSpPr txBox="1"/>
-          <p:nvPr/>
-        </p:nvSpPr>
-        <p:spPr>
-          <a:xfrm>
-            <a:off x="1626925" y="2264729"/>
-            <a:ext cx="2286185" cy="646331"/>
-          </a:xfrm>
-          <a:prstGeom prst="rect">
-            <a:avLst/>
-          </a:prstGeom>
-          <a:solidFill>
-            <a:schemeClr val="bg1"/>
-          </a:solidFill>
-        </p:spPr>
-        <p:txBody>
-          <a:bodyPr wrap="square">
-            <a:spAutoFit/>
-            <a:extLst>
-              <a:ext uri="{4A0BC546-FE56-4ADE-93B0-CB8AF2F6F144}">
-                <wpsdc:textFrameExt xmlns:wpsdc="http://www.wps.cn/officeDocument/2022/drawingmlCustomData" xmlns="" type="text"/>
-              </a:ext>
-            </a:extLst>
-          </a:bodyPr>
-          <a:lstStyle/>
-          <a:p>
-            <a:pPr algn="ctr"/>
-            <a:r>
-              <a:rPr lang="en-US" altLang="zh-CN" b="1" dirty="0">
-                <a:latin typeface="Arial" panose="020B0604020202020204" pitchFamily="34" charset="0"/>
-                <a:ea typeface="微软雅黑" panose="020B0503020204020204" charset="-122"/>
-              </a:rPr>
-              <a:t>Multi-Scale Learning Module</a:t>
-            </a:r>
-            <a:endParaRPr lang="en-US" altLang="zh-CN" sz="1800" b="1" dirty="0">
-              <a:latin typeface="Arial" panose="020B0604020202020204" pitchFamily="34" charset="0"/>
-              <a:ea typeface="微软雅黑" panose="020B0503020204020204" charset="-122"/>
-            </a:endParaRPr>
-          </a:p>
-        </p:txBody>
-      </p:sp>
-      <p:sp>
-        <p:nvSpPr>
-          <p:cNvPr id="58" name="文本框 57">
-            <a:extLst>
-              <a:ext uri="{FF2B5EF4-FFF2-40B4-BE49-F238E27FC236}">
-                <a16:creationId xmlns:a16="http://schemas.microsoft.com/office/drawing/2014/main" id="{33568BAC-9AAB-4EAD-8520-5E3DB8811DAA}"/>
-              </a:ext>
-            </a:extLst>
-          </p:cNvPr>
-          <p:cNvSpPr txBox="1"/>
-          <p:nvPr/>
-        </p:nvSpPr>
-        <p:spPr>
-          <a:xfrm>
-            <a:off x="313227" y="591234"/>
-            <a:ext cx="2179262" cy="646331"/>
-          </a:xfrm>
-          <a:prstGeom prst="rect">
-            <a:avLst/>
-          </a:prstGeom>
-          <a:solidFill>
-            <a:schemeClr val="bg1"/>
-          </a:solidFill>
-        </p:spPr>
-        <p:txBody>
-          <a:bodyPr wrap="square">
-            <a:spAutoFit/>
-            <a:extLst>
-              <a:ext uri="{4A0BC546-FE56-4ADE-93B0-CB8AF2F6F144}">
-                <wpsdc:textFrameExt xmlns:wpsdc="http://www.wps.cn/officeDocument/2022/drawingmlCustomData" xmlns="" type="text"/>
-              </a:ext>
-            </a:extLst>
-          </a:bodyPr>
-          <a:lstStyle/>
-          <a:p>
-            <a:pPr algn="ctr"/>
-            <a:r>
-              <a:rPr lang="en-US" altLang="zh-CN" b="1" dirty="0">
-                <a:latin typeface="Arial" panose="020B0604020202020204" pitchFamily="34" charset="0"/>
-                <a:ea typeface="微软雅黑" panose="020B0503020204020204" charset="-122"/>
-              </a:rPr>
-              <a:t>Anomaly Prediction Module</a:t>
-            </a:r>
-            <a:endParaRPr lang="en-US" altLang="zh-CN" sz="1800" b="1" dirty="0">
-              <a:latin typeface="Arial" panose="020B0604020202020204" pitchFamily="34" charset="0"/>
-              <a:ea typeface="微软雅黑" panose="020B0503020204020204" charset="-122"/>
-            </a:endParaRPr>
-          </a:p>
-        </p:txBody>
-      </p:sp>
-      <p:sp>
-        <p:nvSpPr>
-          <p:cNvPr id="59" name="文本框 58">
-            <a:extLst>
-              <a:ext uri="{FF2B5EF4-FFF2-40B4-BE49-F238E27FC236}">
-                <a16:creationId xmlns:a16="http://schemas.microsoft.com/office/drawing/2014/main" id="{9FF7AEE1-8034-412E-8FD5-02FDEF595F28}"/>
-              </a:ext>
-            </a:extLst>
-          </p:cNvPr>
-          <p:cNvSpPr txBox="1"/>
-          <p:nvPr/>
-        </p:nvSpPr>
-        <p:spPr>
-          <a:xfrm>
-            <a:off x="4892810" y="2054782"/>
-            <a:ext cx="2552065" cy="368300"/>
-          </a:xfrm>
-          <a:prstGeom prst="rect">
-            <a:avLst/>
-          </a:prstGeom>
-          <a:solidFill>
-            <a:srgbClr val="00B050"/>
-          </a:solidFill>
-        </p:spPr>
-        <p:txBody>
-          <a:bodyPr wrap="square">
-            <a:spAutoFit/>
-            <a:extLst>
-              <a:ext uri="{4A0BC546-FE56-4ADE-93B0-CB8AF2F6F144}">
-                <wpsdc:textFrameExt xmlns:wpsdc="http://www.wps.cn/officeDocument/2022/drawingmlCustomData" xmlns="" type="text"/>
-              </a:ext>
-            </a:extLst>
-          </a:bodyPr>
-          <a:lstStyle/>
-          <a:p>
-            <a:pPr algn="ctr"/>
-            <a:r>
-              <a:rPr lang="en-US" altLang="zh-CN" dirty="0">
-                <a:latin typeface="Arial" panose="020B0604020202020204" pitchFamily="34" charset="0"/>
-                <a:ea typeface="微软雅黑" panose="020B0503020204020204" charset="-122"/>
-                <a:sym typeface="+mn-ea"/>
-              </a:rPr>
-              <a:t>Decoder</a:t>
-            </a:r>
-            <a:endParaRPr lang="en-US" altLang="zh-CN" sz="1800" dirty="0">
-              <a:latin typeface="Arial" panose="020B0604020202020204" pitchFamily="34" charset="0"/>
-              <a:ea typeface="微软雅黑" panose="020B0503020204020204" charset="-122"/>
-            </a:endParaRPr>
           </a:p>
         </p:txBody>
       </p:sp>

--- a/论文插图.pptx
+++ b/论文插图.pptx
@@ -44257,7 +44257,7 @@
         </p:blipFill>
         <p:spPr>
           <a:xfrm>
-            <a:off x="3080619" y="3711178"/>
+            <a:off x="1422148" y="3639460"/>
             <a:ext cx="7390157" cy="2091941"/>
           </a:xfrm>
           <a:prstGeom prst="rect">
@@ -44407,7 +44407,7 @@
         </p:blipFill>
         <p:spPr>
           <a:xfrm>
-            <a:off x="6096000" y="-89647"/>
+            <a:off x="4482353" y="107577"/>
             <a:ext cx="6208115" cy="6858000"/>
           </a:xfrm>
           <a:prstGeom prst="rect">

--- a/论文插图.pptx
+++ b/论文插图.pptx
@@ -5,7 +5,7 @@
     <p:sldMasterId id="2147483648" r:id="rId1"/>
   </p:sldMasterIdLst>
   <p:notesMasterIdLst>
-    <p:notesMasterId r:id="rId42"/>
+    <p:notesMasterId r:id="rId46"/>
   </p:notesMasterIdLst>
   <p:sldIdLst>
     <p:sldId id="256" r:id="rId2"/>
@@ -21,38 +21,42 @@
     <p:sldId id="308" r:id="rId12"/>
     <p:sldId id="263" r:id="rId13"/>
     <p:sldId id="260" r:id="rId14"/>
-    <p:sldId id="257" r:id="rId15"/>
-    <p:sldId id="258" r:id="rId16"/>
-    <p:sldId id="259" r:id="rId17"/>
-    <p:sldId id="261" r:id="rId18"/>
-    <p:sldId id="270" r:id="rId19"/>
-    <p:sldId id="273" r:id="rId20"/>
-    <p:sldId id="272" r:id="rId21"/>
-    <p:sldId id="275" r:id="rId22"/>
-    <p:sldId id="279" r:id="rId23"/>
-    <p:sldId id="281" r:id="rId24"/>
-    <p:sldId id="280" r:id="rId25"/>
-    <p:sldId id="282" r:id="rId26"/>
-    <p:sldId id="288" r:id="rId27"/>
-    <p:sldId id="277" r:id="rId28"/>
-    <p:sldId id="284" r:id="rId29"/>
-    <p:sldId id="283" r:id="rId30"/>
-    <p:sldId id="286" r:id="rId31"/>
-    <p:sldId id="289" r:id="rId32"/>
-    <p:sldId id="290" r:id="rId33"/>
-    <p:sldId id="291" r:id="rId34"/>
-    <p:sldId id="292" r:id="rId35"/>
-    <p:sldId id="293" r:id="rId36"/>
-    <p:sldId id="294" r:id="rId37"/>
-    <p:sldId id="295" r:id="rId38"/>
-    <p:sldId id="296" r:id="rId39"/>
-    <p:sldId id="297" r:id="rId40"/>
-    <p:sldId id="298" r:id="rId41"/>
+    <p:sldId id="310" r:id="rId15"/>
+    <p:sldId id="257" r:id="rId16"/>
+    <p:sldId id="258" r:id="rId17"/>
+    <p:sldId id="309" r:id="rId18"/>
+    <p:sldId id="259" r:id="rId19"/>
+    <p:sldId id="261" r:id="rId20"/>
+    <p:sldId id="312" r:id="rId21"/>
+    <p:sldId id="311" r:id="rId22"/>
+    <p:sldId id="270" r:id="rId23"/>
+    <p:sldId id="273" r:id="rId24"/>
+    <p:sldId id="272" r:id="rId25"/>
+    <p:sldId id="275" r:id="rId26"/>
+    <p:sldId id="279" r:id="rId27"/>
+    <p:sldId id="281" r:id="rId28"/>
+    <p:sldId id="280" r:id="rId29"/>
+    <p:sldId id="282" r:id="rId30"/>
+    <p:sldId id="288" r:id="rId31"/>
+    <p:sldId id="277" r:id="rId32"/>
+    <p:sldId id="284" r:id="rId33"/>
+    <p:sldId id="283" r:id="rId34"/>
+    <p:sldId id="286" r:id="rId35"/>
+    <p:sldId id="289" r:id="rId36"/>
+    <p:sldId id="290" r:id="rId37"/>
+    <p:sldId id="291" r:id="rId38"/>
+    <p:sldId id="292" r:id="rId39"/>
+    <p:sldId id="293" r:id="rId40"/>
+    <p:sldId id="294" r:id="rId41"/>
+    <p:sldId id="295" r:id="rId42"/>
+    <p:sldId id="296" r:id="rId43"/>
+    <p:sldId id="297" r:id="rId44"/>
+    <p:sldId id="298" r:id="rId45"/>
   </p:sldIdLst>
   <p:sldSz cx="12192000" cy="6858000"/>
   <p:notesSz cx="6858000" cy="9144000"/>
   <p:custDataLst>
-    <p:tags r:id="rId43"/>
+    <p:tags r:id="rId47"/>
   </p:custDataLst>
   <p:defaultTextStyle>
     <a:defPPr>
@@ -1149,7 +1153,7 @@
           <a:p>
             <a:fld id="{D2A48B96-639E-45A3-A0BA-2464DFDB1FAA}" type="datetimeFigureOut">
               <a:rPr lang="zh-CN" altLang="en-US" smtClean="0"/>
-              <a:t>2025/2/9</a:t>
+              <a:t>2025/3/13</a:t>
             </a:fld>
             <a:endParaRPr lang="zh-CN" altLang="en-US"/>
           </a:p>
@@ -2673,7 +2677,7 @@
           <a:p>
             <a:fld id="{D997B5FA-0921-464F-AAE1-844C04324D75}" type="datetimeFigureOut">
               <a:rPr lang="zh-CN" altLang="en-US" smtClean="0"/>
-              <a:t>2025/2/9</a:t>
+              <a:t>2025/3/13</a:t>
             </a:fld>
             <a:endParaRPr lang="zh-CN" altLang="en-US"/>
           </a:p>
@@ -2836,7 +2840,7 @@
           <a:p>
             <a:fld id="{D997B5FA-0921-464F-AAE1-844C04324D75}" type="datetimeFigureOut">
               <a:rPr lang="zh-CN" altLang="en-US" smtClean="0"/>
-              <a:t>2025/2/9</a:t>
+              <a:t>2025/3/13</a:t>
             </a:fld>
             <a:endParaRPr lang="zh-CN" altLang="en-US"/>
           </a:p>
@@ -3009,7 +3013,7 @@
           <a:p>
             <a:fld id="{D997B5FA-0921-464F-AAE1-844C04324D75}" type="datetimeFigureOut">
               <a:rPr lang="zh-CN" altLang="en-US" smtClean="0"/>
-              <a:t>2025/2/9</a:t>
+              <a:t>2025/3/13</a:t>
             </a:fld>
             <a:endParaRPr lang="zh-CN" altLang="en-US"/>
           </a:p>
@@ -3172,7 +3176,7 @@
           <a:p>
             <a:fld id="{D997B5FA-0921-464F-AAE1-844C04324D75}" type="datetimeFigureOut">
               <a:rPr lang="zh-CN" altLang="en-US" smtClean="0"/>
-              <a:t>2025/2/9</a:t>
+              <a:t>2025/3/13</a:t>
             </a:fld>
             <a:endParaRPr lang="zh-CN" altLang="en-US"/>
           </a:p>
@@ -3412,7 +3416,7 @@
           <a:p>
             <a:fld id="{D997B5FA-0921-464F-AAE1-844C04324D75}" type="datetimeFigureOut">
               <a:rPr lang="zh-CN" altLang="en-US" smtClean="0"/>
-              <a:t>2025/2/9</a:t>
+              <a:t>2025/3/13</a:t>
             </a:fld>
             <a:endParaRPr lang="zh-CN" altLang="en-US"/>
           </a:p>
@@ -3636,7 +3640,7 @@
           <a:p>
             <a:fld id="{D997B5FA-0921-464F-AAE1-844C04324D75}" type="datetimeFigureOut">
               <a:rPr lang="zh-CN" altLang="en-US" smtClean="0"/>
-              <a:t>2025/2/9</a:t>
+              <a:t>2025/3/13</a:t>
             </a:fld>
             <a:endParaRPr lang="zh-CN" altLang="en-US"/>
           </a:p>
@@ -3995,7 +3999,7 @@
           <a:p>
             <a:fld id="{D997B5FA-0921-464F-AAE1-844C04324D75}" type="datetimeFigureOut">
               <a:rPr lang="zh-CN" altLang="en-US" smtClean="0"/>
-              <a:t>2025/2/9</a:t>
+              <a:t>2025/3/13</a:t>
             </a:fld>
             <a:endParaRPr lang="zh-CN" altLang="en-US"/>
           </a:p>
@@ -4107,7 +4111,7 @@
           <a:p>
             <a:fld id="{D997B5FA-0921-464F-AAE1-844C04324D75}" type="datetimeFigureOut">
               <a:rPr lang="zh-CN" altLang="en-US" smtClean="0"/>
-              <a:t>2025/2/9</a:t>
+              <a:t>2025/3/13</a:t>
             </a:fld>
             <a:endParaRPr lang="zh-CN" altLang="en-US"/>
           </a:p>
@@ -4197,7 +4201,7 @@
           <a:p>
             <a:fld id="{D997B5FA-0921-464F-AAE1-844C04324D75}" type="datetimeFigureOut">
               <a:rPr lang="zh-CN" altLang="en-US" smtClean="0"/>
-              <a:t>2025/2/9</a:t>
+              <a:t>2025/3/13</a:t>
             </a:fld>
             <a:endParaRPr lang="zh-CN" altLang="en-US"/>
           </a:p>
@@ -4467,7 +4471,7 @@
           <a:p>
             <a:fld id="{D997B5FA-0921-464F-AAE1-844C04324D75}" type="datetimeFigureOut">
               <a:rPr lang="zh-CN" altLang="en-US" smtClean="0"/>
-              <a:t>2025/2/9</a:t>
+              <a:t>2025/3/13</a:t>
             </a:fld>
             <a:endParaRPr lang="zh-CN" altLang="en-US"/>
           </a:p>
@@ -4714,7 +4718,7 @@
           <a:p>
             <a:fld id="{D997B5FA-0921-464F-AAE1-844C04324D75}" type="datetimeFigureOut">
               <a:rPr lang="zh-CN" altLang="en-US" smtClean="0"/>
-              <a:t>2025/2/9</a:t>
+              <a:t>2025/3/13</a:t>
             </a:fld>
             <a:endParaRPr lang="zh-CN" altLang="en-US"/>
           </a:p>
@@ -4920,7 +4924,7 @@
           <a:p>
             <a:fld id="{D997B5FA-0921-464F-AAE1-844C04324D75}" type="datetimeFigureOut">
               <a:rPr lang="zh-CN" altLang="en-US" smtClean="0"/>
-              <a:t>2025/2/9</a:t>
+              <a:t>2025/3/13</a:t>
             </a:fld>
             <a:endParaRPr lang="zh-CN" altLang="en-US"/>
           </a:p>
@@ -5328,8 +5332,8 @@
         </p:nvSpPr>
         <p:spPr>
           <a:xfrm>
-            <a:off x="1785620" y="1139190"/>
-            <a:ext cx="5250815" cy="2692400"/>
+            <a:off x="1760142" y="1139190"/>
+            <a:ext cx="5053034" cy="2106034"/>
           </a:xfrm>
           <a:prstGeom prst="roundRect">
             <a:avLst/>
@@ -5376,8 +5380,8 @@
         </p:nvSpPr>
         <p:spPr>
           <a:xfrm>
-            <a:off x="3464560" y="1767205"/>
-            <a:ext cx="3060065" cy="210185"/>
+            <a:off x="3464561" y="1816100"/>
+            <a:ext cx="2281816" cy="161290"/>
           </a:xfrm>
           <a:custGeom>
             <a:avLst/>
@@ -5912,8 +5916,8 @@
         </p:nvSpPr>
         <p:spPr>
           <a:xfrm>
-            <a:off x="3501390" y="2164715"/>
-            <a:ext cx="3023235" cy="259080"/>
+            <a:off x="3463924" y="2025538"/>
+            <a:ext cx="2281817" cy="274955"/>
           </a:xfrm>
           <a:custGeom>
             <a:avLst/>
@@ -6488,8 +6492,8 @@
         </p:nvSpPr>
         <p:spPr>
           <a:xfrm>
-            <a:off x="3463925" y="3198495"/>
-            <a:ext cx="3060700" cy="377825"/>
+            <a:off x="3463925" y="2709398"/>
+            <a:ext cx="2281816" cy="368300"/>
           </a:xfrm>
           <a:custGeom>
             <a:avLst/>
@@ -7204,8 +7208,8 @@
         </p:nvSpPr>
         <p:spPr>
           <a:xfrm>
-            <a:off x="4689475" y="2404110"/>
-            <a:ext cx="283210" cy="368300"/>
+            <a:off x="4437483" y="2242569"/>
+            <a:ext cx="251992" cy="276999"/>
           </a:xfrm>
           <a:prstGeom prst="rect">
             <a:avLst/>
@@ -7219,7 +7223,7 @@
           <a:lstStyle/>
           <a:p>
             <a:r>
-              <a:rPr lang="zh-CN" altLang="en-US">
+              <a:rPr lang="zh-CN" altLang="en-US" sz="1200" dirty="0">
                 <a:latin typeface="微软雅黑" panose="020B0503020204020204" charset="-122"/>
                 <a:ea typeface="微软雅黑" panose="020B0503020204020204" charset="-122"/>
               </a:rPr>
@@ -7236,8 +7240,8 @@
         </p:nvSpPr>
         <p:spPr>
           <a:xfrm>
-            <a:off x="4689475" y="2611120"/>
-            <a:ext cx="283210" cy="368300"/>
+            <a:off x="4438907" y="2368480"/>
+            <a:ext cx="251992" cy="276999"/>
           </a:xfrm>
           <a:prstGeom prst="rect">
             <a:avLst/>
@@ -7251,7 +7255,7 @@
           <a:lstStyle/>
           <a:p>
             <a:r>
-              <a:rPr lang="zh-CN" altLang="en-US">
+              <a:rPr lang="zh-CN" altLang="en-US" sz="1200" dirty="0">
                 <a:latin typeface="微软雅黑" panose="020B0503020204020204" charset="-122"/>
                 <a:ea typeface="微软雅黑" panose="020B0503020204020204" charset="-122"/>
               </a:rPr>
@@ -7268,8 +7272,8 @@
         </p:nvSpPr>
         <p:spPr>
           <a:xfrm>
-            <a:off x="4689475" y="2830195"/>
-            <a:ext cx="283210" cy="368300"/>
+            <a:off x="4437483" y="2481892"/>
+            <a:ext cx="251992" cy="276999"/>
           </a:xfrm>
           <a:prstGeom prst="rect">
             <a:avLst/>
@@ -7283,7 +7287,7 @@
           <a:lstStyle/>
           <a:p>
             <a:r>
-              <a:rPr lang="zh-CN" altLang="en-US">
+              <a:rPr lang="zh-CN" altLang="en-US" sz="1200" dirty="0">
                 <a:latin typeface="微软雅黑" panose="020B0503020204020204" charset="-122"/>
                 <a:ea typeface="微软雅黑" panose="020B0503020204020204" charset="-122"/>
               </a:rPr>
@@ -7300,8 +7304,8 @@
         </p:nvSpPr>
         <p:spPr>
           <a:xfrm>
-            <a:off x="3002280" y="1961515"/>
-            <a:ext cx="386715" cy="1350645"/>
+            <a:off x="3002280" y="1961516"/>
+            <a:ext cx="378937" cy="916156"/>
           </a:xfrm>
           <a:prstGeom prst="leftBrace">
             <a:avLst/>
@@ -7338,8 +7342,8 @@
         </p:nvSpPr>
         <p:spPr>
           <a:xfrm>
-            <a:off x="3185795" y="1211580"/>
-            <a:ext cx="3440430" cy="368300"/>
+            <a:off x="1919805" y="1256732"/>
+            <a:ext cx="5287347" cy="523220"/>
           </a:xfrm>
           <a:prstGeom prst="rect">
             <a:avLst/>
@@ -7350,7 +7354,7 @@
             <a:spAutoFit/>
             <a:extLst>
               <a:ext uri="{4A0BC546-FE56-4ADE-93B0-CB8AF2F6F144}">
-                <wpsdc:textFrameExt xmlns="" xmlns:wpsdc="http://www.wps.cn/officeDocument/2022/drawingmlCustomData" type="text"/>
+                <wpsdc:textFrameExt xmlns:wpsdc="http://www.wps.cn/officeDocument/2022/drawingmlCustomData" xmlns="" type="text"/>
               </a:ext>
             </a:extLst>
           </a:bodyPr>
@@ -7358,9 +7362,10 @@
           <a:p>
             <a:pPr algn="l"/>
             <a:r>
-              <a:rPr lang="en-US" altLang="zh-CN" b="1">
-                <a:latin typeface="Arial" panose="020B0604020202020204" pitchFamily="34" charset="0"/>
+              <a:rPr lang="en-US" altLang="zh-CN" sz="2800" b="1" dirty="0">
+                <a:latin typeface="Times New Roman" panose="02020603050405020304" pitchFamily="18" charset="0"/>
                 <a:ea typeface="微软雅黑" panose="020B0503020204020204" charset="-122"/>
+                <a:cs typeface="Times New Roman" panose="02020603050405020304" pitchFamily="18" charset="0"/>
               </a:rPr>
               <a:t>Input Multivariate Time Series</a:t>
             </a:r>
@@ -7375,8 +7380,8 @@
         </p:nvSpPr>
         <p:spPr>
           <a:xfrm>
-            <a:off x="1754505" y="2423795"/>
-            <a:ext cx="1135380" cy="368300"/>
+            <a:off x="1703486" y="2137647"/>
+            <a:ext cx="1404399" cy="461665"/>
           </a:xfrm>
           <a:prstGeom prst="rect">
             <a:avLst/>
@@ -7387,7 +7392,7 @@
             <a:spAutoFit/>
             <a:extLst>
               <a:ext uri="{4A0BC546-FE56-4ADE-93B0-CB8AF2F6F144}">
-                <wpsdc:textFrameExt xmlns="" xmlns:wpsdc="http://www.wps.cn/officeDocument/2022/drawingmlCustomData" type="text"/>
+                <wpsdc:textFrameExt xmlns:wpsdc="http://www.wps.cn/officeDocument/2022/drawingmlCustomData" xmlns="" type="text"/>
               </a:ext>
             </a:extLst>
           </a:bodyPr>
@@ -7395,15 +7400,59 @@
           <a:p>
             <a:pPr algn="l"/>
             <a:r>
-              <a:rPr lang="en-US" altLang="zh-CN" sz="1800">
-                <a:latin typeface="Arial" panose="020B0604020202020204" pitchFamily="34" charset="0"/>
+              <a:rPr lang="en-US" altLang="zh-CN" sz="2400" dirty="0">
+                <a:latin typeface="Times New Roman" panose="02020603050405020304" pitchFamily="18" charset="0"/>
                 <a:ea typeface="微软雅黑" panose="020B0503020204020204" charset="-122"/>
+                <a:cs typeface="Times New Roman" panose="02020603050405020304" pitchFamily="18" charset="0"/>
               </a:rPr>
-              <a:t>N Senors</a:t>
+              <a:t>N </a:t>
             </a:r>
+            <a:r>
+              <a:rPr lang="en-US" altLang="zh-CN" sz="2400" dirty="0" err="1">
+                <a:latin typeface="Times New Roman" panose="02020603050405020304" pitchFamily="18" charset="0"/>
+                <a:ea typeface="微软雅黑" panose="020B0503020204020204" charset="-122"/>
+                <a:cs typeface="Times New Roman" panose="02020603050405020304" pitchFamily="18" charset="0"/>
+              </a:rPr>
+              <a:t>Senors</a:t>
+            </a:r>
+            <a:endParaRPr lang="en-US" altLang="zh-CN" sz="2400" dirty="0">
+              <a:latin typeface="Times New Roman" panose="02020603050405020304" pitchFamily="18" charset="0"/>
+              <a:ea typeface="微软雅黑" panose="020B0503020204020204" charset="-122"/>
+              <a:cs typeface="Times New Roman" panose="02020603050405020304" pitchFamily="18" charset="0"/>
+            </a:endParaRPr>
           </a:p>
         </p:txBody>
       </p:sp>
+      <p:pic>
+        <p:nvPicPr>
+          <p:cNvPr id="7" name="图片 6">
+            <a:extLst>
+              <a:ext uri="{FF2B5EF4-FFF2-40B4-BE49-F238E27FC236}">
+                <a16:creationId xmlns:a16="http://schemas.microsoft.com/office/drawing/2014/main" id="{896439BC-27AE-41D4-ACC5-A2B1A2294432}"/>
+              </a:ext>
+            </a:extLst>
+          </p:cNvPr>
+          <p:cNvPicPr>
+            <a:picLocks noChangeAspect="1"/>
+          </p:cNvPicPr>
+          <p:nvPr/>
+        </p:nvPicPr>
+        <p:blipFill>
+          <a:blip r:embed="rId2"/>
+          <a:stretch>
+            <a:fillRect/>
+          </a:stretch>
+        </p:blipFill>
+        <p:spPr>
+          <a:xfrm>
+            <a:off x="2701633" y="3598770"/>
+            <a:ext cx="5515745" cy="2295845"/>
+          </a:xfrm>
+          <a:prstGeom prst="rect">
+            <a:avLst/>
+          </a:prstGeom>
+        </p:spPr>
+      </p:pic>
     </p:spTree>
   </p:cSld>
   <p:clrMapOvr>
@@ -7632,7 +7681,7 @@
         <p:spPr>
           <a:xfrm>
             <a:off x="2211705" y="1156335"/>
-            <a:ext cx="4845050" cy="3541395"/>
+            <a:ext cx="4816624" cy="3447737"/>
           </a:xfrm>
           <a:prstGeom prst="roundRect">
             <a:avLst/>
@@ -7680,7 +7729,7 @@
         <p:spPr>
           <a:xfrm>
             <a:off x="3971925" y="1623695"/>
-            <a:ext cx="2658745" cy="368300"/>
+            <a:ext cx="2658745" cy="461665"/>
           </a:xfrm>
           <a:prstGeom prst="rect">
             <a:avLst/>
@@ -7697,7 +7746,7 @@
             <a:spAutoFit/>
             <a:extLst>
               <a:ext uri="{4A0BC546-FE56-4ADE-93B0-CB8AF2F6F144}">
-                <wpsdc:textFrameExt xmlns="" xmlns:wpsdc="http://www.wps.cn/officeDocument/2022/drawingmlCustomData" type="text"/>
+                <wpsdc:textFrameExt xmlns:wpsdc="http://www.wps.cn/officeDocument/2022/drawingmlCustomData" xmlns="" type="text"/>
               </a:ext>
             </a:extLst>
           </a:bodyPr>
@@ -7705,19 +7754,21 @@
           <a:p>
             <a:pPr algn="ctr"/>
             <a:r>
-              <a:rPr lang="en-US" altLang="zh-CN">
+              <a:rPr lang="en-US" altLang="zh-CN" sz="2400" dirty="0">
                 <a:solidFill>
                   <a:schemeClr val="tx2"/>
                 </a:solidFill>
-                <a:latin typeface="Arial" panose="020B0604020202020204" pitchFamily="34" charset="0"/>
+                <a:latin typeface="Times New Roman" panose="02020603050405020304" pitchFamily="18" charset="0"/>
                 <a:ea typeface="微软雅黑" panose="020B0503020204020204" charset="-122"/>
+                <a:cs typeface="Times New Roman" panose="02020603050405020304" pitchFamily="18" charset="0"/>
                 <a:sym typeface="+mn-ea"/>
               </a:rPr>
               <a:t>Anomaly Scoring</a:t>
             </a:r>
-            <a:endParaRPr lang="en-US" altLang="zh-CN" sz="1800">
-              <a:latin typeface="Arial" panose="020B0604020202020204" pitchFamily="34" charset="0"/>
+            <a:endParaRPr lang="en-US" altLang="zh-CN" sz="2400" dirty="0">
+              <a:latin typeface="Times New Roman" panose="02020603050405020304" pitchFamily="18" charset="0"/>
               <a:ea typeface="微软雅黑" panose="020B0503020204020204" charset="-122"/>
+              <a:cs typeface="Times New Roman" panose="02020603050405020304" pitchFamily="18" charset="0"/>
             </a:endParaRPr>
           </a:p>
         </p:txBody>
@@ -7731,7 +7782,7 @@
         <p:spPr>
           <a:xfrm>
             <a:off x="3971925" y="2546985"/>
-            <a:ext cx="2658745" cy="368300"/>
+            <a:ext cx="2658745" cy="461665"/>
           </a:xfrm>
           <a:prstGeom prst="rect">
             <a:avLst/>
@@ -7748,7 +7799,7 @@
             <a:spAutoFit/>
             <a:extLst>
               <a:ext uri="{4A0BC546-FE56-4ADE-93B0-CB8AF2F6F144}">
-                <wpsdc:textFrameExt xmlns="" xmlns:wpsdc="http://www.wps.cn/officeDocument/2022/drawingmlCustomData" type="text"/>
+                <wpsdc:textFrameExt xmlns:wpsdc="http://www.wps.cn/officeDocument/2022/drawingmlCustomData" xmlns="" type="text"/>
               </a:ext>
             </a:extLst>
           </a:bodyPr>
@@ -7756,19 +7807,21 @@
           <a:p>
             <a:pPr algn="ctr"/>
             <a:r>
-              <a:rPr lang="en-US" altLang="zh-CN">
+              <a:rPr lang="en-US" altLang="zh-CN" sz="2400" dirty="0">
                 <a:solidFill>
                   <a:schemeClr val="tx2"/>
                 </a:solidFill>
-                <a:latin typeface="Arial" panose="020B0604020202020204" pitchFamily="34" charset="0"/>
+                <a:latin typeface="Times New Roman" panose="02020603050405020304" pitchFamily="18" charset="0"/>
                 <a:ea typeface="微软雅黑" panose="020B0503020204020204" charset="-122"/>
+                <a:cs typeface="Times New Roman" panose="02020603050405020304" pitchFamily="18" charset="0"/>
                 <a:sym typeface="+mn-ea"/>
               </a:rPr>
               <a:t>Thresholding</a:t>
             </a:r>
-            <a:endParaRPr lang="en-US" altLang="zh-CN" sz="1800">
-              <a:latin typeface="Arial" panose="020B0604020202020204" pitchFamily="34" charset="0"/>
+            <a:endParaRPr lang="en-US" altLang="zh-CN" sz="2400" dirty="0">
+              <a:latin typeface="Times New Roman" panose="02020603050405020304" pitchFamily="18" charset="0"/>
               <a:ea typeface="微软雅黑" panose="020B0503020204020204" charset="-122"/>
+              <a:cs typeface="Times New Roman" panose="02020603050405020304" pitchFamily="18" charset="0"/>
             </a:endParaRPr>
           </a:p>
         </p:txBody>
@@ -7782,7 +7835,7 @@
         <p:spPr>
           <a:xfrm>
             <a:off x="3971925" y="3454400"/>
-            <a:ext cx="2658745" cy="368300"/>
+            <a:ext cx="2658745" cy="461665"/>
           </a:xfrm>
           <a:prstGeom prst="rect">
             <a:avLst/>
@@ -7799,7 +7852,7 @@
             <a:spAutoFit/>
             <a:extLst>
               <a:ext uri="{4A0BC546-FE56-4ADE-93B0-CB8AF2F6F144}">
-                <wpsdc:textFrameExt xmlns="" xmlns:wpsdc="http://www.wps.cn/officeDocument/2022/drawingmlCustomData" type="text"/>
+                <wpsdc:textFrameExt xmlns:wpsdc="http://www.wps.cn/officeDocument/2022/drawingmlCustomData" xmlns="" type="text"/>
               </a:ext>
             </a:extLst>
           </a:bodyPr>
@@ -7807,19 +7860,21 @@
           <a:p>
             <a:pPr algn="ctr"/>
             <a:r>
-              <a:rPr lang="en-US" altLang="zh-CN">
+              <a:rPr lang="en-US" altLang="zh-CN" sz="2400" dirty="0">
                 <a:solidFill>
                   <a:schemeClr val="tx2"/>
                 </a:solidFill>
-                <a:latin typeface="Arial" panose="020B0604020202020204" pitchFamily="34" charset="0"/>
+                <a:latin typeface="Times New Roman" panose="02020603050405020304" pitchFamily="18" charset="0"/>
                 <a:ea typeface="微软雅黑" panose="020B0503020204020204" charset="-122"/>
+                <a:cs typeface="Times New Roman" panose="02020603050405020304" pitchFamily="18" charset="0"/>
                 <a:sym typeface="+mn-ea"/>
               </a:rPr>
               <a:t>Anomaly Detection</a:t>
             </a:r>
-            <a:endParaRPr lang="en-US" altLang="zh-CN" sz="1800">
-              <a:latin typeface="Arial" panose="020B0604020202020204" pitchFamily="34" charset="0"/>
+            <a:endParaRPr lang="en-US" altLang="zh-CN" sz="2400" dirty="0">
+              <a:latin typeface="Times New Roman" panose="02020603050405020304" pitchFamily="18" charset="0"/>
               <a:ea typeface="微软雅黑" panose="020B0503020204020204" charset="-122"/>
+              <a:cs typeface="Times New Roman" panose="02020603050405020304" pitchFamily="18" charset="0"/>
             </a:endParaRPr>
           </a:p>
         </p:txBody>
@@ -7835,8 +7890,8 @@
         </p:nvCxnSpPr>
         <p:spPr>
           <a:xfrm>
-            <a:off x="5301615" y="1991995"/>
-            <a:ext cx="0" cy="554990"/>
+            <a:off x="5301298" y="2085360"/>
+            <a:ext cx="0" cy="461625"/>
           </a:xfrm>
           <a:prstGeom prst="straightConnector1">
             <a:avLst/>
@@ -7871,8 +7926,8 @@
         </p:nvCxnSpPr>
         <p:spPr>
           <a:xfrm>
-            <a:off x="5301615" y="2915285"/>
-            <a:ext cx="0" cy="539115"/>
+            <a:off x="5301298" y="3008650"/>
+            <a:ext cx="0" cy="445750"/>
           </a:xfrm>
           <a:prstGeom prst="straightConnector1">
             <a:avLst/>
@@ -7904,8 +7959,8 @@
         </p:nvSpPr>
         <p:spPr>
           <a:xfrm rot="5400000">
-            <a:off x="2041525" y="1912620"/>
-            <a:ext cx="1636395" cy="368300"/>
+            <a:off x="1907773" y="1999689"/>
+            <a:ext cx="1903898" cy="461665"/>
           </a:xfrm>
           <a:prstGeom prst="rect">
             <a:avLst/>
@@ -7922,7 +7977,7 @@
             <a:spAutoFit/>
             <a:extLst>
               <a:ext uri="{4A0BC546-FE56-4ADE-93B0-CB8AF2F6F144}">
-                <wpsdc:textFrameExt xmlns="" xmlns:wpsdc="http://www.wps.cn/officeDocument/2022/drawingmlCustomData" type="text"/>
+                <wpsdc:textFrameExt xmlns:wpsdc="http://www.wps.cn/officeDocument/2022/drawingmlCustomData" xmlns="" type="text"/>
               </a:ext>
             </a:extLst>
           </a:bodyPr>
@@ -7930,19 +7985,21 @@
           <a:p>
             <a:pPr algn="ctr"/>
             <a:r>
-              <a:rPr lang="en-US" altLang="zh-CN">
+              <a:rPr lang="en-US" altLang="zh-CN" sz="2400" dirty="0">
                 <a:solidFill>
                   <a:schemeClr val="tx2"/>
                 </a:solidFill>
-                <a:latin typeface="Arial" panose="020B0604020202020204" pitchFamily="34" charset="0"/>
+                <a:latin typeface="Times New Roman" panose="02020603050405020304" pitchFamily="18" charset="0"/>
                 <a:ea typeface="微软雅黑" panose="020B0503020204020204" charset="-122"/>
+                <a:cs typeface="Times New Roman" panose="02020603050405020304" pitchFamily="18" charset="0"/>
                 <a:sym typeface="+mn-ea"/>
               </a:rPr>
               <a:t>Output Layer</a:t>
             </a:r>
-            <a:endParaRPr lang="en-US" altLang="zh-CN" sz="1800">
-              <a:latin typeface="Arial" panose="020B0604020202020204" pitchFamily="34" charset="0"/>
+            <a:endParaRPr lang="en-US" altLang="zh-CN" sz="2400" dirty="0">
+              <a:latin typeface="Times New Roman" panose="02020603050405020304" pitchFamily="18" charset="0"/>
               <a:ea typeface="微软雅黑" panose="020B0503020204020204" charset="-122"/>
+              <a:cs typeface="Times New Roman" panose="02020603050405020304" pitchFamily="18" charset="0"/>
             </a:endParaRPr>
           </a:p>
         </p:txBody>
@@ -7955,8 +8012,8 @@
         </p:nvSpPr>
         <p:spPr>
           <a:xfrm>
-            <a:off x="2877185" y="4107815"/>
-            <a:ext cx="3514725" cy="398780"/>
+            <a:off x="2509632" y="4080852"/>
+            <a:ext cx="4438015" cy="523220"/>
           </a:xfrm>
           <a:prstGeom prst="rect">
             <a:avLst/>
@@ -7967,7 +8024,7 @@
             <a:spAutoFit/>
             <a:extLst>
               <a:ext uri="{4A0BC546-FE56-4ADE-93B0-CB8AF2F6F144}">
-                <wpsdc:textFrameExt xmlns="" xmlns:wpsdc="http://www.wps.cn/officeDocument/2022/drawingmlCustomData" type="text"/>
+                <wpsdc:textFrameExt xmlns:wpsdc="http://www.wps.cn/officeDocument/2022/drawingmlCustomData" xmlns="" type="text"/>
               </a:ext>
             </a:extLst>
           </a:bodyPr>
@@ -7975,9 +8032,10 @@
           <a:p>
             <a:pPr algn="l"/>
             <a:r>
-              <a:rPr lang="en-US" altLang="zh-CN" sz="2000" b="1">
-                <a:latin typeface="Arial" panose="020B0604020202020204" pitchFamily="34" charset="0"/>
+              <a:rPr lang="en-US" altLang="zh-CN" sz="2800" b="1" dirty="0">
+                <a:latin typeface="Times New Roman" panose="02020603050405020304" pitchFamily="18" charset="0"/>
                 <a:ea typeface="微软雅黑" panose="020B0503020204020204" charset="-122"/>
+                <a:cs typeface="Times New Roman" panose="02020603050405020304" pitchFamily="18" charset="0"/>
               </a:rPr>
               <a:t>Anomaly Detection Module</a:t>
             </a:r>
@@ -7988,14 +8046,14 @@
         <p:nvCxnSpPr>
           <p:cNvPr id="9" name="直接箭头连接符 8"/>
           <p:cNvCxnSpPr>
-            <a:endCxn id="58" idx="1"/>
+            <a:cxnSpLocks/>
           </p:cNvCxnSpPr>
           <p:nvPr/>
         </p:nvCxnSpPr>
         <p:spPr>
           <a:xfrm>
-            <a:off x="3054350" y="1801495"/>
-            <a:ext cx="917575" cy="6350"/>
+            <a:off x="3090555" y="1881043"/>
+            <a:ext cx="875971" cy="0"/>
           </a:xfrm>
           <a:prstGeom prst="straightConnector1">
             <a:avLst/>
@@ -8019,6 +8077,36 @@
           </a:fontRef>
         </p:style>
       </p:cxnSp>
+      <p:pic>
+        <p:nvPicPr>
+          <p:cNvPr id="10" name="图片 9">
+            <a:extLst>
+              <a:ext uri="{FF2B5EF4-FFF2-40B4-BE49-F238E27FC236}">
+                <a16:creationId xmlns:a16="http://schemas.microsoft.com/office/drawing/2014/main" id="{04C767E7-954C-4128-84CA-CABF67C02B88}"/>
+              </a:ext>
+            </a:extLst>
+          </p:cNvPr>
+          <p:cNvPicPr>
+            <a:picLocks noChangeAspect="1"/>
+          </p:cNvPicPr>
+          <p:nvPr/>
+        </p:nvPicPr>
+        <p:blipFill>
+          <a:blip r:embed="rId2"/>
+          <a:stretch>
+            <a:fillRect/>
+          </a:stretch>
+        </p:blipFill>
+        <p:spPr>
+          <a:xfrm>
+            <a:off x="6524704" y="1595979"/>
+            <a:ext cx="4828450" cy="3615241"/>
+          </a:xfrm>
+          <a:prstGeom prst="rect">
+            <a:avLst/>
+          </a:prstGeom>
+        </p:spPr>
+      </p:pic>
     </p:spTree>
   </p:cSld>
   <p:clrMapOvr>
@@ -8348,8 +8436,8 @@
         </p:nvSpPr>
         <p:spPr>
           <a:xfrm>
-            <a:off x="331470" y="1735455"/>
-            <a:ext cx="3060065" cy="210185"/>
+            <a:off x="368300" y="1685633"/>
+            <a:ext cx="2239418" cy="161290"/>
           </a:xfrm>
           <a:custGeom>
             <a:avLst/>
@@ -8884,8 +8972,8 @@
         </p:nvSpPr>
         <p:spPr>
           <a:xfrm>
-            <a:off x="368300" y="2029460"/>
-            <a:ext cx="3023235" cy="259080"/>
+            <a:off x="368300" y="1917765"/>
+            <a:ext cx="2202589" cy="292735"/>
           </a:xfrm>
           <a:custGeom>
             <a:avLst/>
@@ -9460,8 +9548,8 @@
         </p:nvSpPr>
         <p:spPr>
           <a:xfrm>
-            <a:off x="331470" y="2903220"/>
-            <a:ext cx="3060700" cy="377825"/>
+            <a:off x="368300" y="2575387"/>
+            <a:ext cx="2239418" cy="368935"/>
           </a:xfrm>
           <a:custGeom>
             <a:avLst/>
@@ -10176,8 +10264,8 @@
         </p:nvSpPr>
         <p:spPr>
           <a:xfrm>
-            <a:off x="1556385" y="2165350"/>
-            <a:ext cx="283210" cy="368300"/>
+            <a:off x="1556385" y="2158719"/>
+            <a:ext cx="251992" cy="276999"/>
           </a:xfrm>
           <a:prstGeom prst="rect">
             <a:avLst/>
@@ -10191,7 +10279,7 @@
           <a:lstStyle/>
           <a:p>
             <a:r>
-              <a:rPr lang="zh-CN" altLang="en-US">
+              <a:rPr lang="zh-CN" altLang="en-US" sz="1200" dirty="0">
                 <a:latin typeface="微软雅黑" panose="020B0503020204020204" charset="-122"/>
                 <a:ea typeface="微软雅黑" panose="020B0503020204020204" charset="-122"/>
               </a:rPr>
@@ -10208,7 +10296,7 @@
         </p:nvSpPr>
         <p:spPr>
           <a:xfrm>
-            <a:off x="1556385" y="2583815"/>
+            <a:off x="1556385" y="2415650"/>
             <a:ext cx="283210" cy="363855"/>
           </a:xfrm>
           <a:prstGeom prst="rect">
@@ -10223,7 +10311,7 @@
           <a:lstStyle/>
           <a:p>
             <a:r>
-              <a:rPr lang="zh-CN" altLang="en-US">
+              <a:rPr lang="zh-CN" altLang="en-US" sz="1200" dirty="0">
                 <a:latin typeface="微软雅黑" panose="020B0503020204020204" charset="-122"/>
                 <a:ea typeface="微软雅黑" panose="020B0503020204020204" charset="-122"/>
               </a:rPr>
@@ -10240,8 +10328,8 @@
         </p:nvSpPr>
         <p:spPr>
           <a:xfrm>
-            <a:off x="1556385" y="2372360"/>
-            <a:ext cx="283210" cy="368300"/>
+            <a:off x="1556385" y="2281342"/>
+            <a:ext cx="251992" cy="276999"/>
           </a:xfrm>
           <a:prstGeom prst="rect">
             <a:avLst/>
@@ -10255,7 +10343,7 @@
           <a:lstStyle/>
           <a:p>
             <a:r>
-              <a:rPr lang="zh-CN" altLang="en-US">
+              <a:rPr lang="zh-CN" altLang="en-US" sz="1200" dirty="0">
                 <a:latin typeface="微软雅黑" panose="020B0503020204020204" charset="-122"/>
                 <a:ea typeface="微软雅黑" panose="020B0503020204020204" charset="-122"/>
               </a:rPr>
@@ -10284,7 +10372,7 @@
             <a:spAutoFit/>
             <a:extLst>
               <a:ext uri="{4A0BC546-FE56-4ADE-93B0-CB8AF2F6F144}">
-                <wpsdc:textFrameExt xmlns="" xmlns:wpsdc="http://www.wps.cn/officeDocument/2022/drawingmlCustomData" type="text"/>
+                <wpsdc:textFrameExt xmlns:wpsdc="http://www.wps.cn/officeDocument/2022/drawingmlCustomData" xmlns="" type="text"/>
               </a:ext>
             </a:extLst>
           </a:bodyPr>
@@ -10309,8 +10397,8 @@
         </p:nvSpPr>
         <p:spPr>
           <a:xfrm>
-            <a:off x="3595597" y="1685633"/>
-            <a:ext cx="2239418" cy="369332"/>
+            <a:off x="2900159" y="1550282"/>
+            <a:ext cx="2781072" cy="461665"/>
           </a:xfrm>
           <a:prstGeom prst="rect">
             <a:avLst/>
@@ -10321,7 +10409,7 @@
             <a:spAutoFit/>
             <a:extLst>
               <a:ext uri="{4A0BC546-FE56-4ADE-93B0-CB8AF2F6F144}">
-                <wpsdc:textFrameExt xmlns="" xmlns:wpsdc="http://www.wps.cn/officeDocument/2022/drawingmlCustomData" type="text"/>
+                <wpsdc:textFrameExt xmlns:wpsdc="http://www.wps.cn/officeDocument/2022/drawingmlCustomData" xmlns="" type="text"/>
               </a:ext>
             </a:extLst>
           </a:bodyPr>
@@ -10329,9 +10417,10 @@
           <a:p>
             <a:pPr algn="l"/>
             <a:r>
-              <a:rPr lang="en-US" altLang="zh-CN" dirty="0">
-                <a:latin typeface="Arial" panose="020B0604020202020204" pitchFamily="34" charset="0"/>
+              <a:rPr lang="en-US" altLang="zh-CN" sz="2400" dirty="0">
+                <a:latin typeface="Times New Roman" panose="02020603050405020304" pitchFamily="18" charset="0"/>
                 <a:ea typeface="微软雅黑" panose="020B0503020204020204" charset="-122"/>
+                <a:cs typeface="Times New Roman" panose="02020603050405020304" pitchFamily="18" charset="0"/>
               </a:rPr>
               <a:t>Univariate Attention</a:t>
             </a:r>
@@ -10346,7 +10435,7 @@
         </p:nvSpPr>
         <p:spPr>
           <a:xfrm>
-            <a:off x="6303010" y="1945640"/>
+            <a:off x="6221115" y="1982788"/>
             <a:ext cx="2938145" cy="210185"/>
           </a:xfrm>
           <a:custGeom>
@@ -10882,8 +10971,8 @@
         </p:nvSpPr>
         <p:spPr>
           <a:xfrm>
-            <a:off x="5414645" y="3583940"/>
-            <a:ext cx="2216785" cy="436880"/>
+            <a:off x="5112384" y="3573313"/>
+            <a:ext cx="2656205" cy="436880"/>
           </a:xfrm>
           <a:prstGeom prst="rect">
             <a:avLst/>
@@ -10894,7 +10983,7 @@
             <a:noAutofit/>
             <a:extLst>
               <a:ext uri="{4A0BC546-FE56-4ADE-93B0-CB8AF2F6F144}">
-                <wpsdc:textFrameExt xmlns="" xmlns:wpsdc="http://www.wps.cn/officeDocument/2022/drawingmlCustomData" type="text"/>
+                <wpsdc:textFrameExt xmlns:wpsdc="http://www.wps.cn/officeDocument/2022/drawingmlCustomData" xmlns="" type="text"/>
               </a:ext>
             </a:extLst>
           </a:bodyPr>
@@ -10902,16 +10991,17 @@
           <a:p>
             <a:pPr algn="l"/>
             <a:r>
-              <a:rPr lang="en-US" altLang="zh-CN">
-                <a:latin typeface="Arial" panose="020B0604020202020204" pitchFamily="34" charset="0"/>
+              <a:rPr lang="en-US" altLang="zh-CN" sz="2400" dirty="0">
+                <a:latin typeface="Times New Roman" panose="02020603050405020304" pitchFamily="18" charset="0"/>
                 <a:ea typeface="微软雅黑" panose="020B0503020204020204" charset="-122"/>
+                <a:cs typeface="Times New Roman" panose="02020603050405020304" pitchFamily="18" charset="0"/>
               </a:rPr>
               <a:t>Time2vec Encoding</a:t>
             </a:r>
           </a:p>
           <a:p>
             <a:pPr algn="l"/>
-            <a:endParaRPr lang="en-US" altLang="zh-CN">
+            <a:endParaRPr lang="en-US" altLang="zh-CN" dirty="0">
               <a:latin typeface="Arial" panose="020B0604020202020204" pitchFamily="34" charset="0"/>
               <a:ea typeface="微软雅黑" panose="020B0503020204020204" charset="-122"/>
             </a:endParaRPr>
@@ -10927,7 +11017,7 @@
         <p:spPr>
           <a:xfrm>
             <a:off x="6379210" y="4180840"/>
-            <a:ext cx="2658745" cy="368300"/>
+            <a:ext cx="2658745" cy="461665"/>
           </a:xfrm>
           <a:prstGeom prst="rect">
             <a:avLst/>
@@ -10944,7 +11034,7 @@
             <a:spAutoFit/>
             <a:extLst>
               <a:ext uri="{4A0BC546-FE56-4ADE-93B0-CB8AF2F6F144}">
-                <wpsdc:textFrameExt xmlns="" xmlns:wpsdc="http://www.wps.cn/officeDocument/2022/drawingmlCustomData" type="text"/>
+                <wpsdc:textFrameExt xmlns:wpsdc="http://www.wps.cn/officeDocument/2022/drawingmlCustomData" xmlns="" type="text"/>
               </a:ext>
             </a:extLst>
           </a:bodyPr>
@@ -10952,19 +11042,21 @@
           <a:p>
             <a:pPr algn="ctr"/>
             <a:r>
-              <a:rPr lang="en-US" altLang="zh-CN" sz="1800" dirty="0">
+              <a:rPr lang="en-US" altLang="zh-CN" sz="2400" dirty="0">
                 <a:solidFill>
                   <a:schemeClr val="tx2"/>
                 </a:solidFill>
-                <a:latin typeface="Arial" panose="020B0604020202020204" pitchFamily="34" charset="0"/>
+                <a:latin typeface="Times New Roman" panose="02020603050405020304" pitchFamily="18" charset="0"/>
                 <a:ea typeface="微软雅黑" panose="020B0503020204020204" charset="-122"/>
+                <a:cs typeface="Times New Roman" panose="02020603050405020304" pitchFamily="18" charset="0"/>
                 <a:sym typeface="+mn-ea"/>
               </a:rPr>
               <a:t>Uaformer Layer</a:t>
             </a:r>
-            <a:endParaRPr lang="en-US" altLang="zh-CN" sz="1800" dirty="0">
-              <a:latin typeface="Arial" panose="020B0604020202020204" pitchFamily="34" charset="0"/>
+            <a:endParaRPr lang="en-US" altLang="zh-CN" sz="2400" dirty="0">
+              <a:latin typeface="Times New Roman" panose="02020603050405020304" pitchFamily="18" charset="0"/>
               <a:ea typeface="微软雅黑" panose="020B0503020204020204" charset="-122"/>
+              <a:cs typeface="Times New Roman" panose="02020603050405020304" pitchFamily="18" charset="0"/>
             </a:endParaRPr>
           </a:p>
         </p:txBody>
@@ -10972,13 +11064,15 @@
       <p:cxnSp>
         <p:nvCxnSpPr>
           <p:cNvPr id="28" name="直接箭头连接符 27"/>
-          <p:cNvCxnSpPr/>
+          <p:cNvCxnSpPr>
+            <a:cxnSpLocks/>
+          </p:cNvCxnSpPr>
           <p:nvPr/>
         </p:nvCxnSpPr>
         <p:spPr>
           <a:xfrm>
-            <a:off x="3755390" y="2144395"/>
-            <a:ext cx="1820545" cy="8255"/>
+            <a:off x="2999943" y="2155825"/>
+            <a:ext cx="2502761" cy="0"/>
           </a:xfrm>
           <a:prstGeom prst="straightConnector1">
             <a:avLst/>
@@ -11088,8 +11182,8 @@
         </p:nvSpPr>
         <p:spPr>
           <a:xfrm>
-            <a:off x="9037955" y="3812540"/>
-            <a:ext cx="2161540" cy="368300"/>
+            <a:off x="8880644" y="3791257"/>
+            <a:ext cx="2643504" cy="461665"/>
           </a:xfrm>
           <a:prstGeom prst="rect">
             <a:avLst/>
@@ -11100,7 +11194,7 @@
             <a:spAutoFit/>
             <a:extLst>
               <a:ext uri="{4A0BC546-FE56-4ADE-93B0-CB8AF2F6F144}">
-                <wpsdc:textFrameExt xmlns="" xmlns:wpsdc="http://www.wps.cn/officeDocument/2022/drawingmlCustomData" type="text"/>
+                <wpsdc:textFrameExt xmlns:wpsdc="http://www.wps.cn/officeDocument/2022/drawingmlCustomData" xmlns="" type="text"/>
               </a:ext>
             </a:extLst>
           </a:bodyPr>
@@ -11108,12 +11202,13 @@
           <a:p>
             <a:pPr algn="l"/>
             <a:r>
-              <a:rPr lang="en-US" altLang="zh-CN" sz="1800">
+              <a:rPr lang="en-US" altLang="zh-CN" sz="2400" dirty="0">
                 <a:solidFill>
                   <a:schemeClr val="accent6"/>
                 </a:solidFill>
-                <a:latin typeface="Arial" panose="020B0604020202020204" pitchFamily="34" charset="0"/>
+                <a:latin typeface="Times New Roman" panose="02020603050405020304" pitchFamily="18" charset="0"/>
                 <a:ea typeface="微软雅黑" panose="020B0503020204020204" charset="-122"/>
+                <a:cs typeface="Times New Roman" panose="02020603050405020304" pitchFamily="18" charset="0"/>
               </a:rPr>
               <a:t>Temporal Features</a:t>
             </a:r>
@@ -11129,7 +11224,7 @@
         <p:spPr>
           <a:xfrm>
             <a:off x="3543935" y="4840605"/>
-            <a:ext cx="4582160" cy="398780"/>
+            <a:ext cx="5819140" cy="523220"/>
           </a:xfrm>
           <a:prstGeom prst="rect">
             <a:avLst/>
@@ -11140,7 +11235,7 @@
             <a:spAutoFit/>
             <a:extLst>
               <a:ext uri="{4A0BC546-FE56-4ADE-93B0-CB8AF2F6F144}">
-                <wpsdc:textFrameExt xmlns="" xmlns:wpsdc="http://www.wps.cn/officeDocument/2022/drawingmlCustomData" type="text"/>
+                <wpsdc:textFrameExt xmlns:wpsdc="http://www.wps.cn/officeDocument/2022/drawingmlCustomData" xmlns="" type="text"/>
               </a:ext>
             </a:extLst>
           </a:bodyPr>
@@ -11148,9 +11243,10 @@
           <a:p>
             <a:pPr algn="l"/>
             <a:r>
-              <a:rPr lang="en-US" altLang="zh-CN" sz="2000" b="1">
-                <a:latin typeface="Arial" panose="020B0604020202020204" pitchFamily="34" charset="0"/>
+              <a:rPr lang="en-US" altLang="zh-CN" sz="2800" b="1" dirty="0">
+                <a:latin typeface="Times New Roman" panose="02020603050405020304" pitchFamily="18" charset="0"/>
                 <a:ea typeface="微软雅黑" panose="020B0503020204020204" charset="-122"/>
+                <a:cs typeface="Times New Roman" panose="02020603050405020304" pitchFamily="18" charset="0"/>
               </a:rPr>
               <a:t>Temporal Features Exactor Module</a:t>
             </a:r>
@@ -11870,7 +11966,7 @@
         </p:nvCxnSpPr>
         <p:spPr>
           <a:xfrm>
-            <a:off x="7770495" y="2051050"/>
+            <a:off x="7768589" y="2104427"/>
             <a:ext cx="2540" cy="771525"/>
           </a:xfrm>
           <a:prstGeom prst="straightConnector1">
@@ -11908,7 +12004,7 @@
         <p:spPr>
           <a:xfrm>
             <a:off x="7899400" y="2315845"/>
-            <a:ext cx="2472055" cy="436880"/>
+            <a:ext cx="2999142" cy="436880"/>
           </a:xfrm>
           <a:prstGeom prst="rect">
             <a:avLst/>
@@ -11919,7 +12015,7 @@
             <a:noAutofit/>
             <a:extLst>
               <a:ext uri="{4A0BC546-FE56-4ADE-93B0-CB8AF2F6F144}">
-                <wpsdc:textFrameExt xmlns="" xmlns:wpsdc="http://www.wps.cn/officeDocument/2022/drawingmlCustomData" type="text"/>
+                <wpsdc:textFrameExt xmlns:wpsdc="http://www.wps.cn/officeDocument/2022/drawingmlCustomData" xmlns="" type="text"/>
               </a:ext>
             </a:extLst>
           </a:bodyPr>
@@ -11927,9 +12023,10 @@
           <a:p>
             <a:pPr algn="l"/>
             <a:r>
-              <a:rPr lang="en-US" altLang="zh-CN">
-                <a:latin typeface="Arial" panose="020B0604020202020204" pitchFamily="34" charset="0"/>
+              <a:rPr lang="en-US" altLang="zh-CN" sz="2400" dirty="0">
+                <a:latin typeface="Times New Roman" panose="02020603050405020304" pitchFamily="18" charset="0"/>
                 <a:ea typeface="微软雅黑" panose="020B0503020204020204" charset="-122"/>
+                <a:cs typeface="Times New Roman" panose="02020603050405020304" pitchFamily="18" charset="0"/>
               </a:rPr>
               <a:t>Subsequence Division</a:t>
             </a:r>
@@ -11961,1400 +12058,42 @@
           <a:chExt cx="0" cy="0"/>
         </a:xfrm>
       </p:grpSpPr>
-      <p:sp>
-        <p:nvSpPr>
-          <p:cNvPr id="4" name="圆角矩形 3"/>
-          <p:cNvSpPr/>
-          <p:nvPr/>
-        </p:nvSpPr>
-        <p:spPr>
-          <a:xfrm>
-            <a:off x="2374900" y="1139190"/>
-            <a:ext cx="5250815" cy="2692400"/>
-          </a:xfrm>
-          <a:prstGeom prst="roundRect">
-            <a:avLst/>
-          </a:prstGeom>
-          <a:solidFill>
-            <a:schemeClr val="bg1"/>
-          </a:solidFill>
-          <a:ln>
-            <a:solidFill>
-              <a:schemeClr val="tx1"/>
-            </a:solidFill>
-          </a:ln>
-        </p:spPr>
-        <p:style>
-          <a:lnRef idx="2">
-            <a:schemeClr val="accent1">
-              <a:lumMod val="75000"/>
-            </a:schemeClr>
-          </a:lnRef>
-          <a:fillRef idx="1">
-            <a:schemeClr val="accent1"/>
-          </a:fillRef>
-          <a:effectRef idx="0">
-            <a:srgbClr val="FFFFFF"/>
-          </a:effectRef>
-          <a:fontRef idx="minor">
-            <a:schemeClr val="lt1"/>
-          </a:fontRef>
-        </p:style>
-        <p:txBody>
-          <a:bodyPr rtlCol="0" anchor="ctr"/>
-          <a:lstStyle/>
-          <a:p>
-            <a:pPr algn="ctr"/>
-            <a:endParaRPr lang="zh-CN" altLang="en-US"/>
-          </a:p>
-        </p:txBody>
-      </p:sp>
-      <p:sp>
-        <p:nvSpPr>
-          <p:cNvPr id="13" name="文本框 12"/>
-          <p:cNvSpPr txBox="1"/>
-          <p:nvPr/>
-        </p:nvSpPr>
-        <p:spPr>
-          <a:xfrm>
-            <a:off x="4689475" y="2404110"/>
-            <a:ext cx="283210" cy="368300"/>
-          </a:xfrm>
-          <a:prstGeom prst="rect">
-            <a:avLst/>
-          </a:prstGeom>
-          <a:noFill/>
-        </p:spPr>
-        <p:txBody>
-          <a:bodyPr wrap="none" rtlCol="0" anchor="t">
-            <a:spAutoFit/>
-          </a:bodyPr>
-          <a:lstStyle/>
-          <a:p>
-            <a:r>
-              <a:rPr lang="zh-CN" altLang="en-US">
-                <a:latin typeface="微软雅黑" panose="020B0503020204020204" charset="-122"/>
-                <a:ea typeface="微软雅黑" panose="020B0503020204020204" charset="-122"/>
-              </a:rPr>
-              <a:t>•</a:t>
-            </a:r>
-          </a:p>
-        </p:txBody>
-      </p:sp>
-      <p:sp>
-        <p:nvSpPr>
-          <p:cNvPr id="14" name="文本框 13"/>
-          <p:cNvSpPr txBox="1"/>
-          <p:nvPr/>
-        </p:nvSpPr>
-        <p:spPr>
-          <a:xfrm>
-            <a:off x="4689475" y="2611120"/>
-            <a:ext cx="283210" cy="368300"/>
-          </a:xfrm>
-          <a:prstGeom prst="rect">
-            <a:avLst/>
-          </a:prstGeom>
-          <a:noFill/>
-        </p:spPr>
-        <p:txBody>
-          <a:bodyPr wrap="none" rtlCol="0" anchor="t">
-            <a:spAutoFit/>
-          </a:bodyPr>
-          <a:lstStyle/>
-          <a:p>
-            <a:r>
-              <a:rPr lang="zh-CN" altLang="en-US">
-                <a:latin typeface="微软雅黑" panose="020B0503020204020204" charset="-122"/>
-                <a:ea typeface="微软雅黑" panose="020B0503020204020204" charset="-122"/>
-              </a:rPr>
-              <a:t>•</a:t>
-            </a:r>
-          </a:p>
-        </p:txBody>
-      </p:sp>
-      <p:sp>
-        <p:nvSpPr>
-          <p:cNvPr id="15" name="文本框 14"/>
-          <p:cNvSpPr txBox="1"/>
-          <p:nvPr/>
-        </p:nvSpPr>
-        <p:spPr>
-          <a:xfrm>
-            <a:off x="4689475" y="2830195"/>
-            <a:ext cx="283210" cy="368300"/>
-          </a:xfrm>
-          <a:prstGeom prst="rect">
-            <a:avLst/>
-          </a:prstGeom>
-          <a:noFill/>
-        </p:spPr>
-        <p:txBody>
-          <a:bodyPr wrap="none" rtlCol="0" anchor="t">
-            <a:spAutoFit/>
-          </a:bodyPr>
-          <a:lstStyle/>
-          <a:p>
-            <a:r>
-              <a:rPr lang="zh-CN" altLang="en-US">
-                <a:latin typeface="微软雅黑" panose="020B0503020204020204" charset="-122"/>
-                <a:ea typeface="微软雅黑" panose="020B0503020204020204" charset="-122"/>
-              </a:rPr>
-              <a:t>•</a:t>
-            </a:r>
-          </a:p>
-        </p:txBody>
-      </p:sp>
-      <p:sp>
-        <p:nvSpPr>
-          <p:cNvPr id="17" name="文本框 16"/>
-          <p:cNvSpPr txBox="1"/>
-          <p:nvPr/>
-        </p:nvSpPr>
-        <p:spPr>
-          <a:xfrm>
-            <a:off x="3185795" y="1211580"/>
-            <a:ext cx="3440430" cy="368300"/>
-          </a:xfrm>
-          <a:prstGeom prst="rect">
-            <a:avLst/>
-          </a:prstGeom>
-        </p:spPr>
-        <p:txBody>
-          <a:bodyPr wrap="square">
-            <a:spAutoFit/>
+      <p:pic>
+        <p:nvPicPr>
+          <p:cNvPr id="6" name="图片 5">
             <a:extLst>
-              <a:ext uri="{4A0BC546-FE56-4ADE-93B0-CB8AF2F6F144}">
-                <wpsdc:textFrameExt xmlns="" xmlns:wpsdc="http://www.wps.cn/officeDocument/2022/drawingmlCustomData" type="text"/>
+              <a:ext uri="{FF2B5EF4-FFF2-40B4-BE49-F238E27FC236}">
+                <a16:creationId xmlns:a16="http://schemas.microsoft.com/office/drawing/2014/main" id="{C9350900-B087-47FF-8CF1-1AEBE6988B0D}"/>
               </a:ext>
             </a:extLst>
-          </a:bodyPr>
-          <a:lstStyle/>
-          <a:p>
-            <a:pPr algn="l"/>
-            <a:r>
-              <a:rPr lang="en-US" altLang="zh-CN" sz="1800">
-                <a:latin typeface="Arial" panose="020B0604020202020204" pitchFamily="34" charset="0"/>
-                <a:ea typeface="微软雅黑" panose="020B0503020204020204" charset="-122"/>
-              </a:rPr>
-              <a:t>Input Multivariate Time Series</a:t>
-            </a:r>
-          </a:p>
-        </p:txBody>
-      </p:sp>
-      <p:sp>
-        <p:nvSpPr>
-          <p:cNvPr id="18" name="文本框 17"/>
-          <p:cNvSpPr txBox="1"/>
-          <p:nvPr/>
-        </p:nvSpPr>
+          </p:cNvPr>
+          <p:cNvPicPr>
+            <a:picLocks noChangeAspect="1"/>
+          </p:cNvPicPr>
+          <p:nvPr/>
+        </p:nvPicPr>
+        <p:blipFill>
+          <a:blip r:embed="rId2"/>
+          <a:stretch>
+            <a:fillRect/>
+          </a:stretch>
+        </p:blipFill>
         <p:spPr>
           <a:xfrm>
-            <a:off x="3501390" y="1541780"/>
-            <a:ext cx="1763395" cy="368300"/>
+            <a:off x="2715184" y="546848"/>
+            <a:ext cx="8631953" cy="3132068"/>
           </a:xfrm>
           <a:prstGeom prst="rect">
             <a:avLst/>
           </a:prstGeom>
         </p:spPr>
-        <p:txBody>
-          <a:bodyPr wrap="square">
-            <a:spAutoFit/>
-            <a:extLst>
-              <a:ext uri="{4A0BC546-FE56-4ADE-93B0-CB8AF2F6F144}">
-                <wpsdc:textFrameExt xmlns="" xmlns:wpsdc="http://www.wps.cn/officeDocument/2022/drawingmlCustomData" type="text"/>
-              </a:ext>
-            </a:extLst>
-          </a:bodyPr>
-          <a:lstStyle/>
-          <a:p>
-            <a:pPr algn="l"/>
-            <a:r>
-              <a:rPr lang="en-US" altLang="zh-CN" sz="1800">
-                <a:latin typeface="Arial" panose="020B0604020202020204" pitchFamily="34" charset="0"/>
-                <a:ea typeface="微软雅黑" panose="020B0503020204020204" charset="-122"/>
-              </a:rPr>
-              <a:t>N Embeddings</a:t>
-            </a:r>
-          </a:p>
-        </p:txBody>
-      </p:sp>
-      <p:sp>
-        <p:nvSpPr>
-          <p:cNvPr id="2" name="矩形 1"/>
-          <p:cNvSpPr/>
-          <p:nvPr/>
-        </p:nvSpPr>
-        <p:spPr>
-          <a:xfrm>
-            <a:off x="3501390" y="2058035"/>
-            <a:ext cx="1596390" cy="198120"/>
-          </a:xfrm>
-          <a:prstGeom prst="rect">
-            <a:avLst/>
-          </a:prstGeom>
-          <a:solidFill>
-            <a:schemeClr val="accent5">
-              <a:lumMod val="40000"/>
-              <a:lumOff val="60000"/>
-            </a:schemeClr>
-          </a:solidFill>
-        </p:spPr>
-        <p:style>
-          <a:lnRef idx="2">
-            <a:schemeClr val="accent1">
-              <a:lumMod val="75000"/>
-            </a:schemeClr>
-          </a:lnRef>
-          <a:fillRef idx="1">
-            <a:schemeClr val="accent1"/>
-          </a:fillRef>
-          <a:effectRef idx="0">
-            <a:srgbClr val="FFFFFF"/>
-          </a:effectRef>
-          <a:fontRef idx="minor">
-            <a:schemeClr val="lt1"/>
-          </a:fontRef>
-        </p:style>
-        <p:txBody>
-          <a:bodyPr rtlCol="0" anchor="ctr"/>
-          <a:lstStyle/>
-          <a:p>
-            <a:pPr algn="ctr"/>
-            <a:endParaRPr lang="zh-CN" altLang="en-US"/>
-          </a:p>
-        </p:txBody>
-      </p:sp>
-      <p:sp>
-        <p:nvSpPr>
-          <p:cNvPr id="3" name="矩形 2"/>
-          <p:cNvSpPr/>
-          <p:nvPr/>
-        </p:nvSpPr>
-        <p:spPr>
-          <a:xfrm>
-            <a:off x="3501390" y="2256155"/>
-            <a:ext cx="1596390" cy="198120"/>
-          </a:xfrm>
-          <a:prstGeom prst="rect">
-            <a:avLst/>
-          </a:prstGeom>
-          <a:solidFill>
-            <a:schemeClr val="accent6">
-              <a:lumMod val="40000"/>
-              <a:lumOff val="60000"/>
-            </a:schemeClr>
-          </a:solidFill>
-        </p:spPr>
-        <p:style>
-          <a:lnRef idx="2">
-            <a:schemeClr val="accent1">
-              <a:lumMod val="75000"/>
-            </a:schemeClr>
-          </a:lnRef>
-          <a:fillRef idx="1">
-            <a:schemeClr val="accent1"/>
-          </a:fillRef>
-          <a:effectRef idx="0">
-            <a:srgbClr val="FFFFFF"/>
-          </a:effectRef>
-          <a:fontRef idx="minor">
-            <a:schemeClr val="lt1"/>
-          </a:fontRef>
-        </p:style>
-        <p:txBody>
-          <a:bodyPr rtlCol="0" anchor="ctr"/>
-          <a:lstStyle/>
-          <a:p>
-            <a:pPr algn="ctr"/>
-            <a:endParaRPr lang="zh-CN" altLang="en-US"/>
-          </a:p>
-        </p:txBody>
-      </p:sp>
-      <p:sp>
-        <p:nvSpPr>
-          <p:cNvPr id="5" name="矩形 4"/>
-          <p:cNvSpPr/>
-          <p:nvPr/>
-        </p:nvSpPr>
-        <p:spPr>
-          <a:xfrm>
-            <a:off x="3501390" y="3018155"/>
-            <a:ext cx="1596390" cy="198120"/>
-          </a:xfrm>
-          <a:prstGeom prst="rect">
-            <a:avLst/>
-          </a:prstGeom>
-          <a:solidFill>
-            <a:schemeClr val="accent3">
-              <a:lumMod val="75000"/>
-            </a:schemeClr>
-          </a:solidFill>
-        </p:spPr>
-        <p:style>
-          <a:lnRef idx="2">
-            <a:schemeClr val="accent1">
-              <a:lumMod val="75000"/>
-            </a:schemeClr>
-          </a:lnRef>
-          <a:fillRef idx="1">
-            <a:schemeClr val="accent1"/>
-          </a:fillRef>
-          <a:effectRef idx="0">
-            <a:srgbClr val="FFFFFF"/>
-          </a:effectRef>
-          <a:fontRef idx="minor">
-            <a:schemeClr val="lt1"/>
-          </a:fontRef>
-        </p:style>
-        <p:txBody>
-          <a:bodyPr rtlCol="0" anchor="ctr"/>
-          <a:lstStyle/>
-          <a:p>
-            <a:pPr algn="ctr"/>
-            <a:endParaRPr lang="zh-CN" altLang="en-US"/>
-          </a:p>
-        </p:txBody>
-      </p:sp>
-      <p:sp>
-        <p:nvSpPr>
-          <p:cNvPr id="6" name="矩形 5"/>
-          <p:cNvSpPr/>
-          <p:nvPr/>
-        </p:nvSpPr>
-        <p:spPr>
-          <a:xfrm>
-            <a:off x="3501390" y="2461895"/>
-            <a:ext cx="1596390" cy="545465"/>
-          </a:xfrm>
-          <a:prstGeom prst="rect">
-            <a:avLst/>
-          </a:prstGeom>
-          <a:solidFill>
-            <a:schemeClr val="bg1"/>
-          </a:solidFill>
-        </p:spPr>
-        <p:style>
-          <a:lnRef idx="2">
-            <a:schemeClr val="accent1">
-              <a:lumMod val="75000"/>
-            </a:schemeClr>
-          </a:lnRef>
-          <a:fillRef idx="1">
-            <a:schemeClr val="accent1"/>
-          </a:fillRef>
-          <a:effectRef idx="0">
-            <a:srgbClr val="FFFFFF"/>
-          </a:effectRef>
-          <a:fontRef idx="minor">
-            <a:schemeClr val="lt1"/>
-          </a:fontRef>
-        </p:style>
-        <p:txBody>
-          <a:bodyPr rtlCol="0" anchor="ctr"/>
-          <a:lstStyle/>
-          <a:p>
-            <a:pPr algn="ctr"/>
-            <a:endParaRPr lang="zh-CN" altLang="en-US"/>
-          </a:p>
-        </p:txBody>
-      </p:sp>
-      <p:sp>
-        <p:nvSpPr>
-          <p:cNvPr id="9" name="文本框 8"/>
-          <p:cNvSpPr txBox="1"/>
-          <p:nvPr/>
-        </p:nvSpPr>
-        <p:spPr>
-          <a:xfrm>
-            <a:off x="4157980" y="2404110"/>
-            <a:ext cx="283210" cy="368300"/>
-          </a:xfrm>
-          <a:prstGeom prst="rect">
-            <a:avLst/>
-          </a:prstGeom>
-          <a:noFill/>
-        </p:spPr>
-        <p:txBody>
-          <a:bodyPr wrap="none" rtlCol="0" anchor="t">
-            <a:spAutoFit/>
-          </a:bodyPr>
-          <a:lstStyle/>
-          <a:p>
-            <a:r>
-              <a:rPr lang="zh-CN" altLang="en-US">
-                <a:latin typeface="微软雅黑" panose="020B0503020204020204" charset="-122"/>
-                <a:ea typeface="微软雅黑" panose="020B0503020204020204" charset="-122"/>
-              </a:rPr>
-              <a:t>•</a:t>
-            </a:r>
-          </a:p>
-        </p:txBody>
-      </p:sp>
-      <p:sp>
-        <p:nvSpPr>
-          <p:cNvPr id="11" name="文本框 10"/>
-          <p:cNvSpPr txBox="1"/>
-          <p:nvPr/>
-        </p:nvSpPr>
-        <p:spPr>
-          <a:xfrm>
-            <a:off x="4157980" y="2531110"/>
-            <a:ext cx="283210" cy="368300"/>
-          </a:xfrm>
-          <a:prstGeom prst="rect">
-            <a:avLst/>
-          </a:prstGeom>
-          <a:noFill/>
-        </p:spPr>
-        <p:txBody>
-          <a:bodyPr wrap="none" rtlCol="0" anchor="t">
-            <a:spAutoFit/>
-          </a:bodyPr>
-          <a:lstStyle/>
-          <a:p>
-            <a:r>
-              <a:rPr lang="zh-CN" altLang="en-US">
-                <a:latin typeface="微软雅黑" panose="020B0503020204020204" charset="-122"/>
-                <a:ea typeface="微软雅黑" panose="020B0503020204020204" charset="-122"/>
-              </a:rPr>
-              <a:t>•</a:t>
-            </a:r>
-          </a:p>
-        </p:txBody>
-      </p:sp>
-      <p:sp>
-        <p:nvSpPr>
-          <p:cNvPr id="19" name="文本框 18"/>
-          <p:cNvSpPr txBox="1"/>
-          <p:nvPr/>
-        </p:nvSpPr>
-        <p:spPr>
-          <a:xfrm>
-            <a:off x="4157980" y="2686685"/>
-            <a:ext cx="283210" cy="368300"/>
-          </a:xfrm>
-          <a:prstGeom prst="rect">
-            <a:avLst/>
-          </a:prstGeom>
-          <a:noFill/>
-        </p:spPr>
-        <p:txBody>
-          <a:bodyPr wrap="none" rtlCol="0" anchor="t">
-            <a:spAutoFit/>
-          </a:bodyPr>
-          <a:lstStyle/>
-          <a:p>
-            <a:r>
-              <a:rPr lang="zh-CN" altLang="en-US">
-                <a:latin typeface="微软雅黑" panose="020B0503020204020204" charset="-122"/>
-                <a:ea typeface="微软雅黑" panose="020B0503020204020204" charset="-122"/>
-              </a:rPr>
-              <a:t>•</a:t>
-            </a:r>
-          </a:p>
-        </p:txBody>
-      </p:sp>
-      <p:sp>
-        <p:nvSpPr>
-          <p:cNvPr id="20" name="椭圆 19"/>
-          <p:cNvSpPr/>
-          <p:nvPr/>
-        </p:nvSpPr>
-        <p:spPr>
-          <a:xfrm>
-            <a:off x="2708910" y="4759960"/>
-            <a:ext cx="180975" cy="188595"/>
-          </a:xfrm>
-          <a:prstGeom prst="ellipse">
-            <a:avLst/>
-          </a:prstGeom>
-          <a:solidFill>
-            <a:schemeClr val="accent5">
-              <a:lumMod val="40000"/>
-              <a:lumOff val="60000"/>
-            </a:schemeClr>
-          </a:solidFill>
-        </p:spPr>
-        <p:style>
-          <a:lnRef idx="2">
-            <a:schemeClr val="accent1">
-              <a:lumMod val="75000"/>
-            </a:schemeClr>
-          </a:lnRef>
-          <a:fillRef idx="1">
-            <a:schemeClr val="accent1"/>
-          </a:fillRef>
-          <a:effectRef idx="0">
-            <a:srgbClr val="FFFFFF"/>
-          </a:effectRef>
-          <a:fontRef idx="minor">
-            <a:schemeClr val="lt1"/>
-          </a:fontRef>
-        </p:style>
-        <p:txBody>
-          <a:bodyPr rtlCol="0" anchor="ctr"/>
-          <a:lstStyle/>
-          <a:p>
-            <a:pPr algn="ctr"/>
-            <a:endParaRPr lang="zh-CN" altLang="en-US"/>
-          </a:p>
-        </p:txBody>
-      </p:sp>
-      <p:sp>
-        <p:nvSpPr>
-          <p:cNvPr id="21" name="椭圆 20"/>
-          <p:cNvSpPr/>
-          <p:nvPr/>
-        </p:nvSpPr>
-        <p:spPr>
-          <a:xfrm>
-            <a:off x="2193925" y="5236210"/>
-            <a:ext cx="180975" cy="188595"/>
-          </a:xfrm>
-          <a:prstGeom prst="ellipse">
-            <a:avLst/>
-          </a:prstGeom>
-          <a:solidFill>
-            <a:schemeClr val="accent6">
-              <a:lumMod val="40000"/>
-              <a:lumOff val="60000"/>
-            </a:schemeClr>
-          </a:solidFill>
-        </p:spPr>
-        <p:style>
-          <a:lnRef idx="2">
-            <a:schemeClr val="accent1">
-              <a:lumMod val="75000"/>
-            </a:schemeClr>
-          </a:lnRef>
-          <a:fillRef idx="1">
-            <a:schemeClr val="accent1"/>
-          </a:fillRef>
-          <a:effectRef idx="0">
-            <a:srgbClr val="FFFFFF"/>
-          </a:effectRef>
-          <a:fontRef idx="minor">
-            <a:schemeClr val="lt1"/>
-          </a:fontRef>
-        </p:style>
-        <p:txBody>
-          <a:bodyPr rtlCol="0" anchor="ctr"/>
-          <a:lstStyle/>
-          <a:p>
-            <a:pPr algn="ctr"/>
-            <a:endParaRPr lang="zh-CN" altLang="en-US"/>
-          </a:p>
-        </p:txBody>
-      </p:sp>
-      <p:sp>
-        <p:nvSpPr>
-          <p:cNvPr id="22" name="椭圆 21"/>
-          <p:cNvSpPr/>
-          <p:nvPr/>
-        </p:nvSpPr>
-        <p:spPr>
-          <a:xfrm>
-            <a:off x="2527935" y="5727700"/>
-            <a:ext cx="180975" cy="188595"/>
-          </a:xfrm>
-          <a:prstGeom prst="ellipse">
-            <a:avLst/>
-          </a:prstGeom>
-          <a:solidFill>
-            <a:schemeClr val="accent6"/>
-          </a:solidFill>
-        </p:spPr>
-        <p:style>
-          <a:lnRef idx="2">
-            <a:schemeClr val="accent1">
-              <a:lumMod val="75000"/>
-            </a:schemeClr>
-          </a:lnRef>
-          <a:fillRef idx="1">
-            <a:schemeClr val="accent1"/>
-          </a:fillRef>
-          <a:effectRef idx="0">
-            <a:srgbClr val="FFFFFF"/>
-          </a:effectRef>
-          <a:fontRef idx="minor">
-            <a:schemeClr val="lt1"/>
-          </a:fontRef>
-        </p:style>
-        <p:txBody>
-          <a:bodyPr rtlCol="0" anchor="ctr"/>
-          <a:lstStyle/>
-          <a:p>
-            <a:pPr algn="ctr"/>
-            <a:endParaRPr lang="zh-CN" altLang="en-US"/>
-          </a:p>
-        </p:txBody>
-      </p:sp>
-      <p:sp>
-        <p:nvSpPr>
-          <p:cNvPr id="23" name="椭圆 22"/>
-          <p:cNvSpPr/>
-          <p:nvPr/>
-        </p:nvSpPr>
-        <p:spPr>
-          <a:xfrm>
-            <a:off x="3004820" y="5340350"/>
-            <a:ext cx="180975" cy="188595"/>
-          </a:xfrm>
-          <a:prstGeom prst="ellipse">
-            <a:avLst/>
-          </a:prstGeom>
-          <a:solidFill>
-            <a:schemeClr val="accent3">
-              <a:lumMod val="60000"/>
-              <a:lumOff val="40000"/>
-            </a:schemeClr>
-          </a:solidFill>
-        </p:spPr>
-        <p:style>
-          <a:lnRef idx="2">
-            <a:schemeClr val="accent1">
-              <a:lumMod val="75000"/>
-            </a:schemeClr>
-          </a:lnRef>
-          <a:fillRef idx="1">
-            <a:schemeClr val="accent1"/>
-          </a:fillRef>
-          <a:effectRef idx="0">
-            <a:srgbClr val="FFFFFF"/>
-          </a:effectRef>
-          <a:fontRef idx="minor">
-            <a:schemeClr val="lt1"/>
-          </a:fontRef>
-        </p:style>
-        <p:txBody>
-          <a:bodyPr rtlCol="0" anchor="ctr"/>
-          <a:lstStyle/>
-          <a:p>
-            <a:pPr algn="ctr"/>
-            <a:endParaRPr lang="zh-CN" altLang="en-US"/>
-          </a:p>
-        </p:txBody>
-      </p:sp>
-      <p:cxnSp>
-        <p:nvCxnSpPr>
-          <p:cNvPr id="24" name="直接连接符 23"/>
-          <p:cNvCxnSpPr>
-            <a:stCxn id="20" idx="3"/>
-            <a:endCxn id="21" idx="7"/>
-          </p:cNvCxnSpPr>
-          <p:nvPr/>
-        </p:nvCxnSpPr>
-        <p:spPr>
-          <a:xfrm flipH="1">
-            <a:off x="2348230" y="4921250"/>
-            <a:ext cx="387350" cy="342265"/>
-          </a:xfrm>
-          <a:prstGeom prst="line">
-            <a:avLst/>
-          </a:prstGeom>
-          <a:ln w="31750" cap="rnd">
-            <a:solidFill>
-              <a:schemeClr val="tx1"/>
-            </a:solidFill>
-            <a:round/>
-          </a:ln>
-        </p:spPr>
-        <p:style>
-          <a:lnRef idx="0">
-            <a:srgbClr val="FFFFFF"/>
-          </a:lnRef>
-          <a:fillRef idx="0">
-            <a:srgbClr val="FFFFFF"/>
-          </a:fillRef>
-          <a:effectRef idx="0">
-            <a:srgbClr val="FFFFFF"/>
-          </a:effectRef>
-          <a:fontRef idx="minor">
-            <a:schemeClr val="tx1"/>
-          </a:fontRef>
-        </p:style>
-      </p:cxnSp>
-      <p:cxnSp>
-        <p:nvCxnSpPr>
-          <p:cNvPr id="25" name="直接连接符 24"/>
-          <p:cNvCxnSpPr/>
-          <p:nvPr/>
-        </p:nvCxnSpPr>
-        <p:spPr>
-          <a:xfrm>
-            <a:off x="2359025" y="5411470"/>
-            <a:ext cx="198755" cy="340360"/>
-          </a:xfrm>
-          <a:prstGeom prst="line">
-            <a:avLst/>
-          </a:prstGeom>
-          <a:ln w="31750" cap="rnd">
-            <a:solidFill>
-              <a:schemeClr val="tx1"/>
-            </a:solidFill>
-            <a:round/>
-          </a:ln>
-        </p:spPr>
-        <p:style>
-          <a:lnRef idx="0">
-            <a:srgbClr val="FFFFFF"/>
-          </a:lnRef>
-          <a:fillRef idx="0">
-            <a:srgbClr val="FFFFFF"/>
-          </a:fillRef>
-          <a:effectRef idx="0">
-            <a:srgbClr val="FFFFFF"/>
-          </a:effectRef>
-          <a:fontRef idx="minor">
-            <a:schemeClr val="tx1"/>
-          </a:fontRef>
-        </p:style>
-      </p:cxnSp>
-      <p:cxnSp>
-        <p:nvCxnSpPr>
-          <p:cNvPr id="26" name="直接连接符 25"/>
-          <p:cNvCxnSpPr>
-            <a:endCxn id="22" idx="0"/>
-          </p:cNvCxnSpPr>
-          <p:nvPr/>
-        </p:nvCxnSpPr>
-        <p:spPr>
-          <a:xfrm flipH="1">
-            <a:off x="2618740" y="4958080"/>
-            <a:ext cx="175260" cy="769620"/>
-          </a:xfrm>
-          <a:prstGeom prst="line">
-            <a:avLst/>
-          </a:prstGeom>
-          <a:ln w="31750" cap="rnd">
-            <a:solidFill>
-              <a:schemeClr val="tx1"/>
-            </a:solidFill>
-            <a:round/>
-          </a:ln>
-        </p:spPr>
-        <p:style>
-          <a:lnRef idx="0">
-            <a:srgbClr val="FFFFFF"/>
-          </a:lnRef>
-          <a:fillRef idx="0">
-            <a:srgbClr val="FFFFFF"/>
-          </a:fillRef>
-          <a:effectRef idx="0">
-            <a:srgbClr val="FFFFFF"/>
-          </a:effectRef>
-          <a:fontRef idx="minor">
-            <a:schemeClr val="tx1"/>
-          </a:fontRef>
-        </p:style>
-      </p:cxnSp>
-      <p:cxnSp>
-        <p:nvCxnSpPr>
-          <p:cNvPr id="27" name="直接连接符 26"/>
-          <p:cNvCxnSpPr>
-            <a:stCxn id="20" idx="5"/>
-          </p:cNvCxnSpPr>
-          <p:nvPr/>
-        </p:nvCxnSpPr>
-        <p:spPr>
-          <a:xfrm>
-            <a:off x="2863215" y="4921250"/>
-            <a:ext cx="175895" cy="414655"/>
-          </a:xfrm>
-          <a:prstGeom prst="line">
-            <a:avLst/>
-          </a:prstGeom>
-          <a:ln w="31750" cap="rnd">
-            <a:solidFill>
-              <a:schemeClr val="tx1"/>
-            </a:solidFill>
-            <a:round/>
-          </a:ln>
-        </p:spPr>
-        <p:style>
-          <a:lnRef idx="0">
-            <a:srgbClr val="FFFFFF"/>
-          </a:lnRef>
-          <a:fillRef idx="0">
-            <a:srgbClr val="FFFFFF"/>
-          </a:fillRef>
-          <a:effectRef idx="0">
-            <a:srgbClr val="FFFFFF"/>
-          </a:effectRef>
-          <a:fontRef idx="minor">
-            <a:schemeClr val="tx1"/>
-          </a:fontRef>
-        </p:style>
-      </p:cxnSp>
-      <p:cxnSp>
-        <p:nvCxnSpPr>
-          <p:cNvPr id="28" name="直接连接符 27"/>
-          <p:cNvCxnSpPr>
-            <a:endCxn id="23" idx="3"/>
-          </p:cNvCxnSpPr>
-          <p:nvPr/>
-        </p:nvCxnSpPr>
-        <p:spPr>
-          <a:xfrm flipV="1">
-            <a:off x="2699385" y="5501640"/>
-            <a:ext cx="332105" cy="278765"/>
-          </a:xfrm>
-          <a:prstGeom prst="line">
-            <a:avLst/>
-          </a:prstGeom>
-          <a:ln w="31750" cap="rnd">
-            <a:solidFill>
-              <a:schemeClr val="tx1"/>
-            </a:solidFill>
-            <a:round/>
-          </a:ln>
-        </p:spPr>
-        <p:style>
-          <a:lnRef idx="0">
-            <a:srgbClr val="FFFFFF"/>
-          </a:lnRef>
-          <a:fillRef idx="0">
-            <a:srgbClr val="FFFFFF"/>
-          </a:fillRef>
-          <a:effectRef idx="0">
-            <a:srgbClr val="FFFFFF"/>
-          </a:effectRef>
-          <a:fontRef idx="minor">
-            <a:schemeClr val="tx1"/>
-          </a:fontRef>
-        </p:style>
-      </p:cxnSp>
-      <p:sp>
-        <p:nvSpPr>
-          <p:cNvPr id="29" name="文本框 28"/>
-          <p:cNvSpPr txBox="1"/>
-          <p:nvPr/>
-        </p:nvSpPr>
-        <p:spPr>
-          <a:xfrm>
-            <a:off x="1249045" y="6184265"/>
-            <a:ext cx="2816860" cy="368300"/>
-          </a:xfrm>
-          <a:prstGeom prst="rect">
-            <a:avLst/>
-          </a:prstGeom>
-        </p:spPr>
-        <p:txBody>
-          <a:bodyPr wrap="square">
-            <a:spAutoFit/>
-            <a:extLst>
-              <a:ext uri="{4A0BC546-FE56-4ADE-93B0-CB8AF2F6F144}">
-                <wpsdc:textFrameExt xmlns="" xmlns:wpsdc="http://www.wps.cn/officeDocument/2022/drawingmlCustomData" type="text"/>
-              </a:ext>
-            </a:extLst>
-          </a:bodyPr>
-          <a:lstStyle/>
-          <a:p>
-            <a:pPr algn="l"/>
-            <a:r>
-              <a:rPr lang="en-US" altLang="zh-CN" sz="1800">
-                <a:latin typeface="Arial" panose="020B0604020202020204" pitchFamily="34" charset="0"/>
-                <a:ea typeface="微软雅黑" panose="020B0503020204020204" charset="-122"/>
-              </a:rPr>
-              <a:t>Graph Structure Learning</a:t>
-            </a:r>
-          </a:p>
-        </p:txBody>
-      </p:sp>
-      <p:sp>
-        <p:nvSpPr>
-          <p:cNvPr id="30" name="椭圆 29"/>
-          <p:cNvSpPr/>
-          <p:nvPr/>
-        </p:nvSpPr>
-        <p:spPr>
-          <a:xfrm>
-            <a:off x="7190740" y="5075555"/>
-            <a:ext cx="180975" cy="188595"/>
-          </a:xfrm>
-          <a:prstGeom prst="ellipse">
-            <a:avLst/>
-          </a:prstGeom>
-          <a:solidFill>
-            <a:schemeClr val="accent5">
-              <a:lumMod val="40000"/>
-              <a:lumOff val="60000"/>
-            </a:schemeClr>
-          </a:solidFill>
-        </p:spPr>
-        <p:style>
-          <a:lnRef idx="2">
-            <a:schemeClr val="accent1">
-              <a:lumMod val="75000"/>
-            </a:schemeClr>
-          </a:lnRef>
-          <a:fillRef idx="1">
-            <a:schemeClr val="accent1"/>
-          </a:fillRef>
-          <a:effectRef idx="0">
-            <a:srgbClr val="FFFFFF"/>
-          </a:effectRef>
-          <a:fontRef idx="minor">
-            <a:schemeClr val="lt1"/>
-          </a:fontRef>
-        </p:style>
-        <p:txBody>
-          <a:bodyPr rtlCol="0" anchor="ctr"/>
-          <a:lstStyle/>
-          <a:p>
-            <a:pPr algn="ctr"/>
-            <a:endParaRPr lang="zh-CN" altLang="en-US"/>
-          </a:p>
-        </p:txBody>
-      </p:sp>
-      <p:sp>
-        <p:nvSpPr>
-          <p:cNvPr id="31" name="椭圆 30"/>
-          <p:cNvSpPr/>
-          <p:nvPr/>
-        </p:nvSpPr>
-        <p:spPr>
-          <a:xfrm>
-            <a:off x="6626225" y="4571365"/>
-            <a:ext cx="180975" cy="188595"/>
-          </a:xfrm>
-          <a:prstGeom prst="ellipse">
-            <a:avLst/>
-          </a:prstGeom>
-          <a:solidFill>
-            <a:schemeClr val="accent6">
-              <a:lumMod val="40000"/>
-              <a:lumOff val="60000"/>
-            </a:schemeClr>
-          </a:solidFill>
-        </p:spPr>
-        <p:style>
-          <a:lnRef idx="2">
-            <a:schemeClr val="accent1">
-              <a:lumMod val="75000"/>
-            </a:schemeClr>
-          </a:lnRef>
-          <a:fillRef idx="1">
-            <a:schemeClr val="accent1"/>
-          </a:fillRef>
-          <a:effectRef idx="0">
-            <a:srgbClr val="FFFFFF"/>
-          </a:effectRef>
-          <a:fontRef idx="minor">
-            <a:schemeClr val="lt1"/>
-          </a:fontRef>
-        </p:style>
-        <p:txBody>
-          <a:bodyPr rtlCol="0" anchor="ctr"/>
-          <a:lstStyle/>
-          <a:p>
-            <a:pPr algn="ctr"/>
-            <a:endParaRPr lang="zh-CN" altLang="en-US"/>
-          </a:p>
-        </p:txBody>
-      </p:sp>
-      <p:sp>
-        <p:nvSpPr>
-          <p:cNvPr id="32" name="椭圆 31"/>
-          <p:cNvSpPr/>
-          <p:nvPr/>
-        </p:nvSpPr>
-        <p:spPr>
-          <a:xfrm>
-            <a:off x="6626225" y="5563235"/>
-            <a:ext cx="180975" cy="188595"/>
-          </a:xfrm>
-          <a:prstGeom prst="ellipse">
-            <a:avLst/>
-          </a:prstGeom>
-          <a:solidFill>
-            <a:schemeClr val="accent6"/>
-          </a:solidFill>
-        </p:spPr>
-        <p:style>
-          <a:lnRef idx="2">
-            <a:schemeClr val="accent1">
-              <a:lumMod val="75000"/>
-            </a:schemeClr>
-          </a:lnRef>
-          <a:fillRef idx="1">
-            <a:schemeClr val="accent1"/>
-          </a:fillRef>
-          <a:effectRef idx="0">
-            <a:srgbClr val="FFFFFF"/>
-          </a:effectRef>
-          <a:fontRef idx="minor">
-            <a:schemeClr val="lt1"/>
-          </a:fontRef>
-        </p:style>
-        <p:txBody>
-          <a:bodyPr rtlCol="0" anchor="ctr"/>
-          <a:lstStyle/>
-          <a:p>
-            <a:pPr algn="ctr"/>
-            <a:endParaRPr lang="zh-CN" altLang="en-US"/>
-          </a:p>
-        </p:txBody>
-      </p:sp>
-      <p:sp>
-        <p:nvSpPr>
-          <p:cNvPr id="33" name="椭圆 32"/>
-          <p:cNvSpPr/>
-          <p:nvPr/>
-        </p:nvSpPr>
-        <p:spPr>
-          <a:xfrm>
-            <a:off x="7880985" y="5075555"/>
-            <a:ext cx="180975" cy="188595"/>
-          </a:xfrm>
-          <a:prstGeom prst="ellipse">
-            <a:avLst/>
-          </a:prstGeom>
-          <a:solidFill>
-            <a:schemeClr val="accent3">
-              <a:lumMod val="60000"/>
-              <a:lumOff val="40000"/>
-            </a:schemeClr>
-          </a:solidFill>
-        </p:spPr>
-        <p:style>
-          <a:lnRef idx="2">
-            <a:schemeClr val="accent1">
-              <a:lumMod val="75000"/>
-            </a:schemeClr>
-          </a:lnRef>
-          <a:fillRef idx="1">
-            <a:schemeClr val="accent1"/>
-          </a:fillRef>
-          <a:effectRef idx="0">
-            <a:srgbClr val="FFFFFF"/>
-          </a:effectRef>
-          <a:fontRef idx="minor">
-            <a:schemeClr val="lt1"/>
-          </a:fontRef>
-        </p:style>
-        <p:txBody>
-          <a:bodyPr rtlCol="0" anchor="ctr"/>
-          <a:lstStyle/>
-          <a:p>
-            <a:pPr algn="ctr"/>
-            <a:endParaRPr lang="zh-CN" altLang="en-US"/>
-          </a:p>
-        </p:txBody>
-      </p:sp>
-      <p:cxnSp>
-        <p:nvCxnSpPr>
-          <p:cNvPr id="34" name="直接箭头连接符 33"/>
-          <p:cNvCxnSpPr>
-            <a:stCxn id="31" idx="5"/>
-            <a:endCxn id="30" idx="1"/>
-          </p:cNvCxnSpPr>
-          <p:nvPr/>
-        </p:nvCxnSpPr>
-        <p:spPr>
-          <a:xfrm>
-            <a:off x="6780530" y="4732655"/>
-            <a:ext cx="436880" cy="370205"/>
-          </a:xfrm>
-          <a:prstGeom prst="straightConnector1">
-            <a:avLst/>
-          </a:prstGeom>
-          <a:ln>
-            <a:solidFill>
-              <a:schemeClr val="tx1"/>
-            </a:solidFill>
-            <a:tailEnd type="arrow"/>
-          </a:ln>
-        </p:spPr>
-        <p:style>
-          <a:lnRef idx="2">
-            <a:schemeClr val="accent1"/>
-          </a:lnRef>
-          <a:fillRef idx="0">
-            <a:srgbClr val="FFFFFF"/>
-          </a:fillRef>
-          <a:effectRef idx="0">
-            <a:srgbClr val="FFFFFF"/>
-          </a:effectRef>
-          <a:fontRef idx="minor">
-            <a:schemeClr val="tx1"/>
-          </a:fontRef>
-        </p:style>
-      </p:cxnSp>
-      <p:cxnSp>
-        <p:nvCxnSpPr>
-          <p:cNvPr id="35" name="直接箭头连接符 34"/>
-          <p:cNvCxnSpPr>
-            <a:stCxn id="32" idx="6"/>
-            <a:endCxn id="30" idx="4"/>
-          </p:cNvCxnSpPr>
-          <p:nvPr/>
-        </p:nvCxnSpPr>
-        <p:spPr>
-          <a:xfrm flipV="1">
-            <a:off x="6807200" y="5264150"/>
-            <a:ext cx="474345" cy="393700"/>
-          </a:xfrm>
-          <a:prstGeom prst="straightConnector1">
-            <a:avLst/>
-          </a:prstGeom>
-          <a:ln>
-            <a:solidFill>
-              <a:schemeClr val="tx1"/>
-            </a:solidFill>
-            <a:tailEnd type="arrow"/>
-          </a:ln>
-        </p:spPr>
-        <p:style>
-          <a:lnRef idx="2">
-            <a:schemeClr val="accent1"/>
-          </a:lnRef>
-          <a:fillRef idx="0">
-            <a:srgbClr val="FFFFFF"/>
-          </a:fillRef>
-          <a:effectRef idx="0">
-            <a:srgbClr val="FFFFFF"/>
-          </a:effectRef>
-          <a:fontRef idx="minor">
-            <a:schemeClr val="tx1"/>
-          </a:fontRef>
-        </p:style>
-      </p:cxnSp>
-      <p:cxnSp>
-        <p:nvCxnSpPr>
-          <p:cNvPr id="39" name="直接箭头连接符 38"/>
-          <p:cNvCxnSpPr>
-            <a:endCxn id="32" idx="2"/>
-          </p:cNvCxnSpPr>
-          <p:nvPr/>
-        </p:nvCxnSpPr>
-        <p:spPr>
-          <a:xfrm flipV="1">
-            <a:off x="5920740" y="5657850"/>
-            <a:ext cx="705485" cy="27940"/>
-          </a:xfrm>
-          <a:prstGeom prst="straightConnector1">
-            <a:avLst/>
-          </a:prstGeom>
-          <a:ln w="12700" cap="flat" cmpd="sng" algn="ctr">
-            <a:solidFill>
-              <a:schemeClr val="tx1"/>
-            </a:solidFill>
-            <a:prstDash val="dash"/>
-            <a:miter lim="800000"/>
-            <a:tailEnd type="arrow" w="med" len="med"/>
-          </a:ln>
-        </p:spPr>
-        <p:style>
-          <a:lnRef idx="0">
-            <a:schemeClr val="accent1"/>
-          </a:lnRef>
-          <a:fillRef idx="0">
-            <a:srgbClr val="FFFFFF"/>
-          </a:fillRef>
-          <a:effectRef idx="0">
-            <a:srgbClr val="FFFFFF"/>
-          </a:effectRef>
-          <a:fontRef idx="minor">
-            <a:schemeClr val="tx1"/>
-          </a:fontRef>
-        </p:style>
-      </p:cxnSp>
-      <p:cxnSp>
-        <p:nvCxnSpPr>
-          <p:cNvPr id="40" name="直接箭头连接符 39"/>
-          <p:cNvCxnSpPr/>
-          <p:nvPr/>
-        </p:nvCxnSpPr>
-        <p:spPr>
-          <a:xfrm flipV="1">
-            <a:off x="6494145" y="5179060"/>
-            <a:ext cx="696595" cy="8890"/>
-          </a:xfrm>
-          <a:prstGeom prst="straightConnector1">
-            <a:avLst/>
-          </a:prstGeom>
-          <a:ln w="12700" cap="flat" cmpd="sng" algn="ctr">
-            <a:solidFill>
-              <a:schemeClr val="tx1"/>
-            </a:solidFill>
-            <a:prstDash val="dash"/>
-            <a:miter lim="800000"/>
-            <a:tailEnd type="arrow" w="med" len="med"/>
-          </a:ln>
-        </p:spPr>
-        <p:style>
-          <a:lnRef idx="0">
-            <a:schemeClr val="accent1"/>
-          </a:lnRef>
-          <a:fillRef idx="0">
-            <a:srgbClr val="FFFFFF"/>
-          </a:fillRef>
-          <a:effectRef idx="0">
-            <a:srgbClr val="FFFFFF"/>
-          </a:effectRef>
-          <a:fontRef idx="minor">
-            <a:schemeClr val="tx1"/>
-          </a:fontRef>
-        </p:style>
-      </p:cxnSp>
-      <p:cxnSp>
-        <p:nvCxnSpPr>
-          <p:cNvPr id="41" name="直接箭头连接符 40"/>
-          <p:cNvCxnSpPr/>
-          <p:nvPr/>
-        </p:nvCxnSpPr>
-        <p:spPr>
-          <a:xfrm flipV="1">
-            <a:off x="5929630" y="4660900"/>
-            <a:ext cx="696595" cy="8890"/>
-          </a:xfrm>
-          <a:prstGeom prst="straightConnector1">
-            <a:avLst/>
-          </a:prstGeom>
-          <a:ln w="12700" cap="flat" cmpd="sng" algn="ctr">
-            <a:solidFill>
-              <a:schemeClr val="tx1"/>
-            </a:solidFill>
-            <a:prstDash val="dash"/>
-            <a:miter lim="800000"/>
-            <a:tailEnd type="arrow" w="med" len="med"/>
-          </a:ln>
-        </p:spPr>
-        <p:style>
-          <a:lnRef idx="0">
-            <a:schemeClr val="accent1"/>
-          </a:lnRef>
-          <a:fillRef idx="0">
-            <a:srgbClr val="FFFFFF"/>
-          </a:fillRef>
-          <a:effectRef idx="0">
-            <a:srgbClr val="FFFFFF"/>
-          </a:effectRef>
-          <a:fontRef idx="minor">
-            <a:schemeClr val="tx1"/>
-          </a:fontRef>
-        </p:style>
-      </p:cxnSp>
-      <p:cxnSp>
-        <p:nvCxnSpPr>
-          <p:cNvPr id="42" name="直接箭头连接符 41"/>
-          <p:cNvCxnSpPr>
-            <a:stCxn id="30" idx="6"/>
-          </p:cNvCxnSpPr>
-          <p:nvPr/>
-        </p:nvCxnSpPr>
-        <p:spPr>
-          <a:xfrm>
-            <a:off x="7371715" y="5170170"/>
-            <a:ext cx="504190" cy="5715"/>
-          </a:xfrm>
-          <a:prstGeom prst="straightConnector1">
-            <a:avLst/>
-          </a:prstGeom>
-          <a:ln>
-            <a:solidFill>
-              <a:schemeClr val="tx1"/>
-            </a:solidFill>
-            <a:tailEnd type="arrow"/>
-          </a:ln>
-        </p:spPr>
-        <p:style>
-          <a:lnRef idx="2">
-            <a:schemeClr val="accent1"/>
-          </a:lnRef>
-          <a:fillRef idx="0">
-            <a:srgbClr val="FFFFFF"/>
-          </a:fillRef>
-          <a:effectRef idx="0">
-            <a:srgbClr val="FFFFFF"/>
-          </a:effectRef>
-          <a:fontRef idx="minor">
-            <a:schemeClr val="tx1"/>
-          </a:fontRef>
-        </p:style>
-      </p:cxnSp>
-      <p:cxnSp>
-        <p:nvCxnSpPr>
-          <p:cNvPr id="44" name="曲线连接符 43"/>
-          <p:cNvCxnSpPr>
-            <a:stCxn id="30" idx="6"/>
-            <a:endCxn id="30" idx="0"/>
-          </p:cNvCxnSpPr>
-          <p:nvPr/>
-        </p:nvCxnSpPr>
-        <p:spPr>
-          <a:xfrm flipH="1" flipV="1">
-            <a:off x="7281545" y="5075555"/>
-            <a:ext cx="90170" cy="94615"/>
-          </a:xfrm>
-          <a:prstGeom prst="curvedConnector4">
-            <a:avLst>
-              <a:gd name="adj1" fmla="val -264085"/>
-              <a:gd name="adj2" fmla="val 351678"/>
-            </a:avLst>
-          </a:prstGeom>
-          <a:ln>
-            <a:solidFill>
-              <a:schemeClr val="tx1"/>
-            </a:solidFill>
-            <a:tailEnd type="arrow"/>
-          </a:ln>
-        </p:spPr>
-        <p:style>
-          <a:lnRef idx="2">
-            <a:schemeClr val="accent1"/>
-          </a:lnRef>
-          <a:fillRef idx="0">
-            <a:srgbClr val="FFFFFF"/>
-          </a:fillRef>
-          <a:effectRef idx="0">
-            <a:srgbClr val="FFFFFF"/>
-          </a:effectRef>
-          <a:fontRef idx="minor">
-            <a:schemeClr val="tx1"/>
-          </a:fontRef>
-        </p:style>
-      </p:cxnSp>
-      <p:sp>
-        <p:nvSpPr>
-          <p:cNvPr id="45" name="文本框 44"/>
-          <p:cNvSpPr txBox="1"/>
-          <p:nvPr/>
-        </p:nvSpPr>
-        <p:spPr>
-          <a:xfrm>
-            <a:off x="5372100" y="6179185"/>
-            <a:ext cx="3721735" cy="368300"/>
-          </a:xfrm>
-          <a:prstGeom prst="rect">
-            <a:avLst/>
-          </a:prstGeom>
-        </p:spPr>
-        <p:txBody>
-          <a:bodyPr wrap="square">
-            <a:spAutoFit/>
-            <a:extLst>
-              <a:ext uri="{4A0BC546-FE56-4ADE-93B0-CB8AF2F6F144}">
-                <wpsdc:textFrameExt xmlns="" xmlns:wpsdc="http://www.wps.cn/officeDocument/2022/drawingmlCustomData" type="text"/>
-              </a:ext>
-            </a:extLst>
-          </a:bodyPr>
-          <a:lstStyle/>
-          <a:p>
-            <a:pPr algn="l"/>
-            <a:r>
-              <a:rPr lang="en-US" altLang="zh-CN" sz="1800">
-                <a:latin typeface="Arial" panose="020B0604020202020204" pitchFamily="34" charset="0"/>
-                <a:ea typeface="微软雅黑" panose="020B0503020204020204" charset="-122"/>
-              </a:rPr>
-              <a:t>Graph Attention-Based Features</a:t>
-            </a:r>
-          </a:p>
-        </p:txBody>
-      </p:sp>
+      </p:pic>
     </p:spTree>
+    <p:extLst>
+      <p:ext uri="{BB962C8B-B14F-4D97-AF65-F5344CB8AC3E}">
+        <p14:creationId xmlns:p14="http://schemas.microsoft.com/office/powerpoint/2010/main" val="391023496"/>
+      </p:ext>
+    </p:extLst>
   </p:cSld>
   <p:clrMapOvr>
     <a:masterClrMapping/>
@@ -13387,8 +12126,8 @@
         </p:nvSpPr>
         <p:spPr>
           <a:xfrm>
-            <a:off x="1110615" y="527685"/>
-            <a:ext cx="10814050" cy="5273040"/>
+            <a:off x="2374900" y="1139190"/>
+            <a:ext cx="5250815" cy="2692400"/>
           </a:xfrm>
           <a:prstGeom prst="roundRect">
             <a:avLst/>
@@ -13423,14 +12162,6 @@
           <a:lstStyle/>
           <a:p>
             <a:pPr algn="ctr"/>
-            <a:r>
-              <a:rPr lang="en-US" altLang="zh-CN">
-                <a:latin typeface="Arial" panose="020B0604020202020204" pitchFamily="34" charset="0"/>
-                <a:ea typeface="微软雅黑" panose="020B0503020204020204" charset="-122"/>
-                <a:sym typeface="+mn-ea"/>
-              </a:rPr>
-              <a:t>Spatial Features</a:t>
-            </a:r>
             <a:endParaRPr lang="zh-CN" altLang="en-US"/>
           </a:p>
         </p:txBody>
@@ -13443,7 +12174,7 @@
         </p:nvSpPr>
         <p:spPr>
           <a:xfrm>
-            <a:off x="2868930" y="3572510"/>
+            <a:off x="4689475" y="2404110"/>
             <a:ext cx="283210" cy="368300"/>
           </a:xfrm>
           <a:prstGeom prst="rect">
@@ -13475,7 +12206,7 @@
         </p:nvSpPr>
         <p:spPr>
           <a:xfrm>
-            <a:off x="2868930" y="3779520"/>
+            <a:off x="4689475" y="2611120"/>
             <a:ext cx="283210" cy="368300"/>
           </a:xfrm>
           <a:prstGeom prst="rect">
@@ -13507,7 +12238,7 @@
         </p:nvSpPr>
         <p:spPr>
           <a:xfrm>
-            <a:off x="2868930" y="3998595"/>
+            <a:off x="4689475" y="2830195"/>
             <a:ext cx="283210" cy="368300"/>
           </a:xfrm>
           <a:prstGeom prst="rect">
@@ -13539,8 +12270,8 @@
         </p:nvSpPr>
         <p:spPr>
           <a:xfrm>
-            <a:off x="4779010" y="5078730"/>
-            <a:ext cx="4175760" cy="398780"/>
+            <a:off x="3185795" y="1211580"/>
+            <a:ext cx="3440430" cy="368300"/>
           </a:xfrm>
           <a:prstGeom prst="rect">
             <a:avLst/>
@@ -13551,7 +12282,7 @@
             <a:spAutoFit/>
             <a:extLst>
               <a:ext uri="{4A0BC546-FE56-4ADE-93B0-CB8AF2F6F144}">
-                <wpsdc:textFrameExt xmlns="" xmlns:wpsdc="http://www.wps.cn/officeDocument/2022/drawingmlCustomData" type="text"/>
+                <wpsdc:textFrameExt xmlns:wpsdc="http://www.wps.cn/officeDocument/2022/drawingmlCustomData" xmlns="" type="text"/>
               </a:ext>
             </a:extLst>
           </a:bodyPr>
@@ -13559,11 +12290,11 @@
           <a:p>
             <a:pPr algn="l"/>
             <a:r>
-              <a:rPr lang="en-US" altLang="zh-CN" sz="2000" b="1">
+              <a:rPr lang="en-US" altLang="zh-CN" sz="1800">
                 <a:latin typeface="Arial" panose="020B0604020202020204" pitchFamily="34" charset="0"/>
                 <a:ea typeface="微软雅黑" panose="020B0503020204020204" charset="-122"/>
               </a:rPr>
-              <a:t>Spatial Features Exactor Module</a:t>
+              <a:t>Input Multivariate Time Series</a:t>
             </a:r>
           </a:p>
         </p:txBody>
@@ -13576,7 +12307,7 @@
         </p:nvSpPr>
         <p:spPr>
           <a:xfrm>
-            <a:off x="1597025" y="4653915"/>
+            <a:off x="3501390" y="1541780"/>
             <a:ext cx="1763395" cy="368300"/>
           </a:xfrm>
           <a:prstGeom prst="rect">
@@ -13588,7 +12319,7 @@
             <a:spAutoFit/>
             <a:extLst>
               <a:ext uri="{4A0BC546-FE56-4ADE-93B0-CB8AF2F6F144}">
-                <wpsdc:textFrameExt xmlns="" xmlns:wpsdc="http://www.wps.cn/officeDocument/2022/drawingmlCustomData" type="text"/>
+                <wpsdc:textFrameExt xmlns:wpsdc="http://www.wps.cn/officeDocument/2022/drawingmlCustomData" xmlns="" type="text"/>
               </a:ext>
             </a:extLst>
           </a:bodyPr>
@@ -13613,7 +12344,7 @@
         </p:nvSpPr>
         <p:spPr>
           <a:xfrm>
-            <a:off x="1680845" y="3226435"/>
+            <a:off x="3501390" y="2058035"/>
             <a:ext cx="1596390" cy="198120"/>
           </a:xfrm>
           <a:prstGeom prst="rect">
@@ -13659,7 +12390,7 @@
         </p:nvSpPr>
         <p:spPr>
           <a:xfrm>
-            <a:off x="1680845" y="3424555"/>
+            <a:off x="3501390" y="2256155"/>
             <a:ext cx="1596390" cy="198120"/>
           </a:xfrm>
           <a:prstGeom prst="rect">
@@ -13705,7 +12436,7 @@
         </p:nvSpPr>
         <p:spPr>
           <a:xfrm>
-            <a:off x="1680845" y="4168140"/>
+            <a:off x="3501390" y="3018155"/>
             <a:ext cx="1596390" cy="198120"/>
           </a:xfrm>
           <a:prstGeom prst="rect">
@@ -13750,7 +12481,7 @@
         </p:nvSpPr>
         <p:spPr>
           <a:xfrm>
-            <a:off x="1680845" y="3630295"/>
+            <a:off x="3501390" y="2461895"/>
             <a:ext cx="1596390" cy="545465"/>
           </a:xfrm>
           <a:prstGeom prst="rect">
@@ -13793,7 +12524,7 @@
         </p:nvSpPr>
         <p:spPr>
           <a:xfrm>
-            <a:off x="2337435" y="3572510"/>
+            <a:off x="4157980" y="2404110"/>
             <a:ext cx="283210" cy="368300"/>
           </a:xfrm>
           <a:prstGeom prst="rect">
@@ -13825,7 +12556,7 @@
         </p:nvSpPr>
         <p:spPr>
           <a:xfrm>
-            <a:off x="2337435" y="3699510"/>
+            <a:off x="4157980" y="2531110"/>
             <a:ext cx="283210" cy="368300"/>
           </a:xfrm>
           <a:prstGeom prst="rect">
@@ -13857,7 +12588,7 @@
         </p:nvSpPr>
         <p:spPr>
           <a:xfrm>
-            <a:off x="2337435" y="3855085"/>
+            <a:off x="4157980" y="2686685"/>
             <a:ext cx="283210" cy="368300"/>
           </a:xfrm>
           <a:prstGeom prst="rect">
@@ -13889,7 +12620,7 @@
         </p:nvSpPr>
         <p:spPr>
           <a:xfrm>
-            <a:off x="4448810" y="1649730"/>
+            <a:off x="2708910" y="4759960"/>
             <a:ext cx="180975" cy="188595"/>
           </a:xfrm>
           <a:prstGeom prst="ellipse">
@@ -13935,7 +12666,7 @@
         </p:nvSpPr>
         <p:spPr>
           <a:xfrm>
-            <a:off x="3933825" y="2125980"/>
+            <a:off x="2193925" y="5236210"/>
             <a:ext cx="180975" cy="188595"/>
           </a:xfrm>
           <a:prstGeom prst="ellipse">
@@ -13981,7 +12712,7 @@
         </p:nvSpPr>
         <p:spPr>
           <a:xfrm>
-            <a:off x="4267835" y="2617470"/>
+            <a:off x="2527935" y="5727700"/>
             <a:ext cx="180975" cy="188595"/>
           </a:xfrm>
           <a:prstGeom prst="ellipse">
@@ -14024,7 +12755,7 @@
         </p:nvSpPr>
         <p:spPr>
           <a:xfrm>
-            <a:off x="4744720" y="2230120"/>
+            <a:off x="3004820" y="5340350"/>
             <a:ext cx="180975" cy="188595"/>
           </a:xfrm>
           <a:prstGeom prst="ellipse">
@@ -14073,7 +12804,7 @@
         </p:nvCxnSpPr>
         <p:spPr>
           <a:xfrm flipH="1">
-            <a:off x="4088130" y="1811020"/>
+            <a:off x="2348230" y="4921250"/>
             <a:ext cx="387350" cy="342265"/>
           </a:xfrm>
           <a:prstGeom prst="line">
@@ -14109,7 +12840,7 @@
         </p:nvCxnSpPr>
         <p:spPr>
           <a:xfrm>
-            <a:off x="4098925" y="2301240"/>
+            <a:off x="2359025" y="5411470"/>
             <a:ext cx="198755" cy="340360"/>
           </a:xfrm>
           <a:prstGeom prst="line">
@@ -14140,12 +12871,14 @@
       <p:cxnSp>
         <p:nvCxnSpPr>
           <p:cNvPr id="26" name="直接连接符 25"/>
-          <p:cNvCxnSpPr/>
+          <p:cNvCxnSpPr>
+            <a:endCxn id="22" idx="0"/>
+          </p:cNvCxnSpPr>
           <p:nvPr/>
         </p:nvCxnSpPr>
         <p:spPr>
           <a:xfrm flipH="1">
-            <a:off x="4358640" y="1847850"/>
+            <a:off x="2618740" y="4958080"/>
             <a:ext cx="175260" cy="769620"/>
           </a:xfrm>
           <a:prstGeom prst="line">
@@ -14183,7 +12916,7 @@
         </p:nvCxnSpPr>
         <p:spPr>
           <a:xfrm>
-            <a:off x="4603115" y="1811020"/>
+            <a:off x="2863215" y="4921250"/>
             <a:ext cx="175895" cy="414655"/>
           </a:xfrm>
           <a:prstGeom prst="line">
@@ -14221,7 +12954,7 @@
         </p:nvCxnSpPr>
         <p:spPr>
           <a:xfrm flipV="1">
-            <a:off x="4439285" y="2391410"/>
+            <a:off x="2699385" y="5501640"/>
             <a:ext cx="332105" cy="278765"/>
           </a:xfrm>
           <a:prstGeom prst="line">
@@ -14257,7 +12990,7 @@
         </p:nvSpPr>
         <p:spPr>
           <a:xfrm>
-            <a:off x="3037840" y="1169670"/>
+            <a:off x="1249045" y="6184265"/>
             <a:ext cx="2816860" cy="368300"/>
           </a:xfrm>
           <a:prstGeom prst="rect">
@@ -14269,7 +13002,7 @@
             <a:spAutoFit/>
             <a:extLst>
               <a:ext uri="{4A0BC546-FE56-4ADE-93B0-CB8AF2F6F144}">
-                <wpsdc:textFrameExt xmlns="" xmlns:wpsdc="http://www.wps.cn/officeDocument/2022/drawingmlCustomData" type="text"/>
+                <wpsdc:textFrameExt xmlns:wpsdc="http://www.wps.cn/officeDocument/2022/drawingmlCustomData" xmlns="" type="text"/>
               </a:ext>
             </a:extLst>
           </a:bodyPr>
@@ -14294,7 +13027,7 @@
         </p:nvSpPr>
         <p:spPr>
           <a:xfrm>
-            <a:off x="8529320" y="2050415"/>
+            <a:off x="7190740" y="5075555"/>
             <a:ext cx="180975" cy="188595"/>
           </a:xfrm>
           <a:prstGeom prst="ellipse">
@@ -14340,7 +13073,7 @@
         </p:nvSpPr>
         <p:spPr>
           <a:xfrm>
-            <a:off x="7964805" y="1546225"/>
+            <a:off x="6626225" y="4571365"/>
             <a:ext cx="180975" cy="188595"/>
           </a:xfrm>
           <a:prstGeom prst="ellipse">
@@ -14386,7 +13119,7 @@
         </p:nvSpPr>
         <p:spPr>
           <a:xfrm>
-            <a:off x="7964805" y="2538095"/>
+            <a:off x="6626225" y="5563235"/>
             <a:ext cx="180975" cy="188595"/>
           </a:xfrm>
           <a:prstGeom prst="ellipse">
@@ -14429,7 +13162,7 @@
         </p:nvSpPr>
         <p:spPr>
           <a:xfrm>
-            <a:off x="9219565" y="2050415"/>
+            <a:off x="7880985" y="5075555"/>
             <a:ext cx="180975" cy="188595"/>
           </a:xfrm>
           <a:prstGeom prst="ellipse">
@@ -14478,7 +13211,7 @@
         </p:nvCxnSpPr>
         <p:spPr>
           <a:xfrm>
-            <a:off x="8119110" y="1707515"/>
+            <a:off x="6780530" y="4732655"/>
             <a:ext cx="436880" cy="370205"/>
           </a:xfrm>
           <a:prstGeom prst="straightConnector1">
@@ -14510,13 +13243,14 @@
         <p:nvCxnSpPr>
           <p:cNvPr id="35" name="直接箭头连接符 34"/>
           <p:cNvCxnSpPr>
+            <a:stCxn id="32" idx="6"/>
             <a:endCxn id="30" idx="4"/>
           </p:cNvCxnSpPr>
           <p:nvPr/>
         </p:nvCxnSpPr>
         <p:spPr>
           <a:xfrm flipV="1">
-            <a:off x="8145780" y="2239010"/>
+            <a:off x="6807200" y="5264150"/>
             <a:ext cx="474345" cy="393700"/>
           </a:xfrm>
           <a:prstGeom prst="straightConnector1">
@@ -14531,6 +13265,46 @@
         </p:spPr>
         <p:style>
           <a:lnRef idx="2">
+            <a:schemeClr val="accent1"/>
+          </a:lnRef>
+          <a:fillRef idx="0">
+            <a:srgbClr val="FFFFFF"/>
+          </a:fillRef>
+          <a:effectRef idx="0">
+            <a:srgbClr val="FFFFFF"/>
+          </a:effectRef>
+          <a:fontRef idx="minor">
+            <a:schemeClr val="tx1"/>
+          </a:fontRef>
+        </p:style>
+      </p:cxnSp>
+      <p:cxnSp>
+        <p:nvCxnSpPr>
+          <p:cNvPr id="39" name="直接箭头连接符 38"/>
+          <p:cNvCxnSpPr>
+            <a:endCxn id="32" idx="2"/>
+          </p:cNvCxnSpPr>
+          <p:nvPr/>
+        </p:nvCxnSpPr>
+        <p:spPr>
+          <a:xfrm flipV="1">
+            <a:off x="5920740" y="5657850"/>
+            <a:ext cx="705485" cy="27940"/>
+          </a:xfrm>
+          <a:prstGeom prst="straightConnector1">
+            <a:avLst/>
+          </a:prstGeom>
+          <a:ln w="12700" cap="flat" cmpd="sng" algn="ctr">
+            <a:solidFill>
+              <a:schemeClr val="tx1"/>
+            </a:solidFill>
+            <a:prstDash val="dash"/>
+            <a:miter lim="800000"/>
+            <a:tailEnd type="arrow" w="med" len="med"/>
+          </a:ln>
+        </p:spPr>
+        <p:style>
+          <a:lnRef idx="0">
             <a:schemeClr val="accent1"/>
           </a:lnRef>
           <a:fillRef idx="0">
@@ -14552,7 +13326,45 @@
         </p:nvCxnSpPr>
         <p:spPr>
           <a:xfrm flipV="1">
-            <a:off x="7832725" y="2153920"/>
+            <a:off x="6494145" y="5179060"/>
+            <a:ext cx="696595" cy="8890"/>
+          </a:xfrm>
+          <a:prstGeom prst="straightConnector1">
+            <a:avLst/>
+          </a:prstGeom>
+          <a:ln w="12700" cap="flat" cmpd="sng" algn="ctr">
+            <a:solidFill>
+              <a:schemeClr val="tx1"/>
+            </a:solidFill>
+            <a:prstDash val="dash"/>
+            <a:miter lim="800000"/>
+            <a:tailEnd type="arrow" w="med" len="med"/>
+          </a:ln>
+        </p:spPr>
+        <p:style>
+          <a:lnRef idx="0">
+            <a:schemeClr val="accent1"/>
+          </a:lnRef>
+          <a:fillRef idx="0">
+            <a:srgbClr val="FFFFFF"/>
+          </a:fillRef>
+          <a:effectRef idx="0">
+            <a:srgbClr val="FFFFFF"/>
+          </a:effectRef>
+          <a:fontRef idx="minor">
+            <a:schemeClr val="tx1"/>
+          </a:fontRef>
+        </p:style>
+      </p:cxnSp>
+      <p:cxnSp>
+        <p:nvCxnSpPr>
+          <p:cNvPr id="41" name="直接箭头连接符 40"/>
+          <p:cNvCxnSpPr/>
+          <p:nvPr/>
+        </p:nvCxnSpPr>
+        <p:spPr>
+          <a:xfrm flipV="1">
+            <a:off x="5929630" y="4660900"/>
             <a:ext cx="696595" cy="8890"/>
           </a:xfrm>
           <a:prstGeom prst="straightConnector1">
@@ -14592,7 +13404,7 @@
         </p:nvCxnSpPr>
         <p:spPr>
           <a:xfrm>
-            <a:off x="8710295" y="2145030"/>
+            <a:off x="7371715" y="5170170"/>
             <a:ext cx="504190" cy="5715"/>
           </a:xfrm>
           <a:prstGeom prst="straightConnector1">
@@ -14631,7 +13443,7 @@
         </p:nvCxnSpPr>
         <p:spPr>
           <a:xfrm flipH="1" flipV="1">
-            <a:off x="8620125" y="2050415"/>
+            <a:off x="7281545" y="5075555"/>
             <a:ext cx="90170" cy="94615"/>
           </a:xfrm>
           <a:prstGeom prst="curvedConnector4">
@@ -14670,8 +13482,8 @@
         </p:nvSpPr>
         <p:spPr>
           <a:xfrm>
-            <a:off x="7268210" y="1169670"/>
-            <a:ext cx="2787015" cy="368300"/>
+            <a:off x="5372100" y="6179185"/>
+            <a:ext cx="3721735" cy="368300"/>
           </a:xfrm>
           <a:prstGeom prst="rect">
             <a:avLst/>
@@ -14682,7 +13494,7 @@
             <a:spAutoFit/>
             <a:extLst>
               <a:ext uri="{4A0BC546-FE56-4ADE-93B0-CB8AF2F6F144}">
-                <wpsdc:textFrameExt xmlns="" xmlns:wpsdc="http://www.wps.cn/officeDocument/2022/drawingmlCustomData" type="text"/>
+                <wpsdc:textFrameExt xmlns:wpsdc="http://www.wps.cn/officeDocument/2022/drawingmlCustomData" xmlns="" type="text"/>
               </a:ext>
             </a:extLst>
           </a:bodyPr>
@@ -14694,539 +13506,7 @@
                 <a:latin typeface="Arial" panose="020B0604020202020204" pitchFamily="34" charset="0"/>
                 <a:ea typeface="微软雅黑" panose="020B0503020204020204" charset="-122"/>
               </a:rPr>
-              <a:t>Graph Attention Network</a:t>
-            </a:r>
-          </a:p>
-        </p:txBody>
-      </p:sp>
-      <p:cxnSp>
-        <p:nvCxnSpPr>
-          <p:cNvPr id="8" name="直接箭头连接符 7"/>
-          <p:cNvCxnSpPr/>
-          <p:nvPr/>
-        </p:nvCxnSpPr>
-        <p:spPr>
-          <a:xfrm>
-            <a:off x="1318895" y="2223135"/>
-            <a:ext cx="2525395" cy="0"/>
-          </a:xfrm>
-          <a:prstGeom prst="straightConnector1">
-            <a:avLst/>
-          </a:prstGeom>
-          <a:ln w="31750" cap="rnd">
-            <a:solidFill>
-              <a:schemeClr val="accent1"/>
-            </a:solidFill>
-            <a:round/>
-            <a:tailEnd type="arrow" w="med" len="med"/>
-          </a:ln>
-        </p:spPr>
-        <p:style>
-          <a:lnRef idx="0">
-            <a:srgbClr val="FFFFFF"/>
-          </a:lnRef>
-          <a:fillRef idx="0">
-            <a:srgbClr val="FFFFFF"/>
-          </a:fillRef>
-          <a:effectRef idx="0">
-            <a:srgbClr val="FFFFFF"/>
-          </a:effectRef>
-          <a:fontRef idx="minor">
-            <a:schemeClr val="tx1"/>
-          </a:fontRef>
-        </p:style>
-      </p:cxnSp>
-      <p:cxnSp>
-        <p:nvCxnSpPr>
-          <p:cNvPr id="10" name="直接箭头连接符 9"/>
-          <p:cNvCxnSpPr>
-            <a:stCxn id="2" idx="0"/>
-          </p:cNvCxnSpPr>
-          <p:nvPr/>
-        </p:nvCxnSpPr>
-        <p:spPr>
-          <a:xfrm flipV="1">
-            <a:off x="2479040" y="2256790"/>
-            <a:ext cx="9525" cy="969645"/>
-          </a:xfrm>
-          <a:prstGeom prst="straightConnector1">
-            <a:avLst/>
-          </a:prstGeom>
-          <a:ln w="31750" cap="rnd">
-            <a:solidFill>
-              <a:schemeClr val="accent1"/>
-            </a:solidFill>
-            <a:round/>
-            <a:tailEnd type="arrow" w="med" len="med"/>
-          </a:ln>
-        </p:spPr>
-        <p:style>
-          <a:lnRef idx="0">
-            <a:srgbClr val="FFFFFF"/>
-          </a:lnRef>
-          <a:fillRef idx="0">
-            <a:srgbClr val="FFFFFF"/>
-          </a:fillRef>
-          <a:effectRef idx="0">
-            <a:srgbClr val="FFFFFF"/>
-          </a:effectRef>
-          <a:fontRef idx="minor">
-            <a:schemeClr val="tx1"/>
-          </a:fontRef>
-        </p:style>
-      </p:cxnSp>
-      <p:cxnSp>
-        <p:nvCxnSpPr>
-          <p:cNvPr id="16" name="直接箭头连接符 15"/>
-          <p:cNvCxnSpPr/>
-          <p:nvPr/>
-        </p:nvCxnSpPr>
-        <p:spPr>
-          <a:xfrm>
-            <a:off x="5048250" y="2208530"/>
-            <a:ext cx="2279650" cy="10160"/>
-          </a:xfrm>
-          <a:prstGeom prst="straightConnector1">
-            <a:avLst/>
-          </a:prstGeom>
-          <a:ln w="31750" cap="rnd">
-            <a:solidFill>
-              <a:schemeClr val="accent1"/>
-            </a:solidFill>
-            <a:round/>
-            <a:tailEnd type="arrow" w="med" len="med"/>
-          </a:ln>
-        </p:spPr>
-        <p:style>
-          <a:lnRef idx="0">
-            <a:srgbClr val="FFFFFF"/>
-          </a:lnRef>
-          <a:fillRef idx="0">
-            <a:srgbClr val="FFFFFF"/>
-          </a:fillRef>
-          <a:effectRef idx="0">
-            <a:srgbClr val="FFFFFF"/>
-          </a:effectRef>
-          <a:fontRef idx="minor">
-            <a:schemeClr val="tx1"/>
-          </a:fontRef>
-        </p:style>
-      </p:cxnSp>
-      <p:cxnSp>
-        <p:nvCxnSpPr>
-          <p:cNvPr id="46" name="直接箭头连接符 45"/>
-          <p:cNvCxnSpPr/>
-          <p:nvPr/>
-        </p:nvCxnSpPr>
-        <p:spPr>
-          <a:xfrm>
-            <a:off x="8786495" y="2434590"/>
-            <a:ext cx="10160" cy="1137920"/>
-          </a:xfrm>
-          <a:prstGeom prst="straightConnector1">
-            <a:avLst/>
-          </a:prstGeom>
-          <a:ln w="31750" cap="rnd">
-            <a:solidFill>
-              <a:schemeClr val="accent1"/>
-            </a:solidFill>
-            <a:round/>
-            <a:tailEnd type="arrow" w="med" len="med"/>
-          </a:ln>
-        </p:spPr>
-        <p:style>
-          <a:lnRef idx="0">
-            <a:srgbClr val="FFFFFF"/>
-          </a:lnRef>
-          <a:fillRef idx="0">
-            <a:srgbClr val="FFFFFF"/>
-          </a:fillRef>
-          <a:effectRef idx="0">
-            <a:srgbClr val="FFFFFF"/>
-          </a:effectRef>
-          <a:fontRef idx="minor">
-            <a:schemeClr val="tx1"/>
-          </a:fontRef>
-        </p:style>
-      </p:cxnSp>
-      <p:sp>
-        <p:nvSpPr>
-          <p:cNvPr id="48" name="文本框 47"/>
-          <p:cNvSpPr txBox="1"/>
-          <p:nvPr/>
-        </p:nvSpPr>
-        <p:spPr>
-          <a:xfrm>
-            <a:off x="5048250" y="2434590"/>
-            <a:ext cx="2420620" cy="368300"/>
-          </a:xfrm>
-          <a:prstGeom prst="rect">
-            <a:avLst/>
-          </a:prstGeom>
-        </p:spPr>
-        <p:txBody>
-          <a:bodyPr wrap="square">
-            <a:spAutoFit/>
-            <a:extLst>
-              <a:ext uri="{4A0BC546-FE56-4ADE-93B0-CB8AF2F6F144}">
-                <wpsdc:textFrameExt xmlns="" xmlns:wpsdc="http://www.wps.cn/officeDocument/2022/drawingmlCustomData" type="text"/>
-              </a:ext>
-            </a:extLst>
-          </a:bodyPr>
-          <a:lstStyle/>
-          <a:p>
-            <a:pPr algn="l"/>
-            <a:r>
-              <a:rPr lang="en-US" altLang="zh-CN" sz="1800">
-                <a:latin typeface="Arial" panose="020B0604020202020204" pitchFamily="34" charset="0"/>
-                <a:ea typeface="微软雅黑" panose="020B0503020204020204" charset="-122"/>
-              </a:rPr>
-              <a:t>Learned Relations</a:t>
-            </a:r>
-          </a:p>
-        </p:txBody>
-      </p:sp>
-      <p:sp>
-        <p:nvSpPr>
-          <p:cNvPr id="49" name="文本框 48"/>
-          <p:cNvSpPr txBox="1"/>
-          <p:nvPr/>
-        </p:nvSpPr>
-        <p:spPr>
-          <a:xfrm>
-            <a:off x="4533900" y="3997960"/>
-            <a:ext cx="2686685" cy="368300"/>
-          </a:xfrm>
-          <a:prstGeom prst="rect">
-            <a:avLst/>
-          </a:prstGeom>
-        </p:spPr>
-        <p:txBody>
-          <a:bodyPr wrap="square">
-            <a:spAutoFit/>
-            <a:extLst>
-              <a:ext uri="{4A0BC546-FE56-4ADE-93B0-CB8AF2F6F144}">
-                <wpsdc:textFrameExt xmlns="" xmlns:wpsdc="http://www.wps.cn/officeDocument/2022/drawingmlCustomData" type="text"/>
-              </a:ext>
-            </a:extLst>
-          </a:bodyPr>
-          <a:lstStyle/>
-          <a:p>
-            <a:pPr algn="ctr"/>
-            <a:r>
-              <a:rPr lang="en-US" altLang="zh-CN" sz="1800">
-                <a:latin typeface="Arial" panose="020B0604020202020204" pitchFamily="34" charset="0"/>
-                <a:ea typeface="微软雅黑" panose="020B0503020204020204" charset="-122"/>
-              </a:rPr>
-              <a:t>Learned Embeddings</a:t>
-            </a:r>
-          </a:p>
-        </p:txBody>
-      </p:sp>
-      <p:sp>
-        <p:nvSpPr>
-          <p:cNvPr id="50" name="文本框 49"/>
-          <p:cNvSpPr txBox="1"/>
-          <p:nvPr/>
-        </p:nvSpPr>
-        <p:spPr>
-          <a:xfrm>
-            <a:off x="8870315" y="2434590"/>
-            <a:ext cx="1831975" cy="922020"/>
-          </a:xfrm>
-          <a:prstGeom prst="rect">
-            <a:avLst/>
-          </a:prstGeom>
-        </p:spPr>
-        <p:txBody>
-          <a:bodyPr wrap="square">
-            <a:spAutoFit/>
-            <a:extLst>
-              <a:ext uri="{4A0BC546-FE56-4ADE-93B0-CB8AF2F6F144}">
-                <wpsdc:textFrameExt xmlns="" xmlns:wpsdc="http://www.wps.cn/officeDocument/2022/drawingmlCustomData" type="text"/>
-              </a:ext>
-            </a:extLst>
-          </a:bodyPr>
-          <a:lstStyle/>
-          <a:p>
-            <a:pPr algn="ctr"/>
-            <a:r>
-              <a:rPr lang="en-US" altLang="zh-CN" sz="1800">
-                <a:latin typeface="Arial" panose="020B0604020202020204" pitchFamily="34" charset="0"/>
-                <a:ea typeface="微软雅黑" panose="020B0503020204020204" charset="-122"/>
-              </a:rPr>
               <a:t>Graph Attention-Based Features</a:t>
-            </a:r>
-          </a:p>
-        </p:txBody>
-      </p:sp>
-      <p:cxnSp>
-        <p:nvCxnSpPr>
-          <p:cNvPr id="51" name="直接箭头连接符 50"/>
-          <p:cNvCxnSpPr/>
-          <p:nvPr/>
-        </p:nvCxnSpPr>
-        <p:spPr>
-          <a:xfrm flipV="1">
-            <a:off x="7263130" y="2650490"/>
-            <a:ext cx="696595" cy="8890"/>
-          </a:xfrm>
-          <a:prstGeom prst="straightConnector1">
-            <a:avLst/>
-          </a:prstGeom>
-          <a:ln w="12700" cap="flat" cmpd="sng" algn="ctr">
-            <a:solidFill>
-              <a:schemeClr val="tx1"/>
-            </a:solidFill>
-            <a:prstDash val="dash"/>
-            <a:miter lim="800000"/>
-            <a:tailEnd type="arrow" w="med" len="med"/>
-          </a:ln>
-        </p:spPr>
-        <p:style>
-          <a:lnRef idx="0">
-            <a:schemeClr val="accent1"/>
-          </a:lnRef>
-          <a:fillRef idx="0">
-            <a:srgbClr val="FFFFFF"/>
-          </a:fillRef>
-          <a:effectRef idx="0">
-            <a:srgbClr val="FFFFFF"/>
-          </a:effectRef>
-          <a:fontRef idx="minor">
-            <a:schemeClr val="tx1"/>
-          </a:fontRef>
-        </p:style>
-      </p:cxnSp>
-      <p:cxnSp>
-        <p:nvCxnSpPr>
-          <p:cNvPr id="52" name="直接箭头连接符 51"/>
-          <p:cNvCxnSpPr/>
-          <p:nvPr/>
-        </p:nvCxnSpPr>
-        <p:spPr>
-          <a:xfrm flipV="1">
-            <a:off x="7263130" y="1640840"/>
-            <a:ext cx="696595" cy="8890"/>
-          </a:xfrm>
-          <a:prstGeom prst="straightConnector1">
-            <a:avLst/>
-          </a:prstGeom>
-          <a:ln w="12700" cap="flat" cmpd="sng" algn="ctr">
-            <a:solidFill>
-              <a:schemeClr val="tx1"/>
-            </a:solidFill>
-            <a:prstDash val="dash"/>
-            <a:miter lim="800000"/>
-            <a:tailEnd type="arrow" w="med" len="med"/>
-          </a:ln>
-        </p:spPr>
-        <p:style>
-          <a:lnRef idx="0">
-            <a:schemeClr val="accent1"/>
-          </a:lnRef>
-          <a:fillRef idx="0">
-            <a:srgbClr val="FFFFFF"/>
-          </a:fillRef>
-          <a:effectRef idx="0">
-            <a:srgbClr val="FFFFFF"/>
-          </a:effectRef>
-          <a:fontRef idx="minor">
-            <a:schemeClr val="tx1"/>
-          </a:fontRef>
-        </p:style>
-      </p:cxnSp>
-      <p:cxnSp>
-        <p:nvCxnSpPr>
-          <p:cNvPr id="56" name="直接连接符 55"/>
-          <p:cNvCxnSpPr/>
-          <p:nvPr/>
-        </p:nvCxnSpPr>
-        <p:spPr>
-          <a:xfrm flipH="1">
-            <a:off x="4333240" y="2908300"/>
-            <a:ext cx="19050" cy="944880"/>
-          </a:xfrm>
-          <a:prstGeom prst="line">
-            <a:avLst/>
-          </a:prstGeom>
-          <a:ln w="31750" cap="rnd">
-            <a:solidFill>
-              <a:schemeClr val="accent1"/>
-            </a:solidFill>
-            <a:round/>
-          </a:ln>
-        </p:spPr>
-        <p:style>
-          <a:lnRef idx="0">
-            <a:srgbClr val="FFFFFF"/>
-          </a:lnRef>
-          <a:fillRef idx="0">
-            <a:srgbClr val="FFFFFF"/>
-          </a:fillRef>
-          <a:effectRef idx="0">
-            <a:srgbClr val="FFFFFF"/>
-          </a:effectRef>
-          <a:fontRef idx="minor">
-            <a:schemeClr val="tx1"/>
-          </a:fontRef>
-        </p:style>
-      </p:cxnSp>
-      <p:cxnSp>
-        <p:nvCxnSpPr>
-          <p:cNvPr id="57" name="直接箭头连接符 56"/>
-          <p:cNvCxnSpPr/>
-          <p:nvPr/>
-        </p:nvCxnSpPr>
-        <p:spPr>
-          <a:xfrm flipV="1">
-            <a:off x="4342765" y="3836670"/>
-            <a:ext cx="3552190" cy="18415"/>
-          </a:xfrm>
-          <a:prstGeom prst="straightConnector1">
-            <a:avLst/>
-          </a:prstGeom>
-          <a:ln w="31750" cap="rnd">
-            <a:solidFill>
-              <a:schemeClr val="accent1"/>
-            </a:solidFill>
-            <a:round/>
-            <a:tailEnd type="arrow" w="med" len="med"/>
-          </a:ln>
-        </p:spPr>
-        <p:style>
-          <a:lnRef idx="0">
-            <a:srgbClr val="FFFFFF"/>
-          </a:lnRef>
-          <a:fillRef idx="0">
-            <a:srgbClr val="FFFFFF"/>
-          </a:fillRef>
-          <a:effectRef idx="0">
-            <a:srgbClr val="FFFFFF"/>
-          </a:effectRef>
-          <a:fontRef idx="minor">
-            <a:schemeClr val="tx1"/>
-          </a:fontRef>
-        </p:style>
-      </p:cxnSp>
-      <p:sp>
-        <p:nvSpPr>
-          <p:cNvPr id="58" name="文本框 57"/>
-          <p:cNvSpPr txBox="1"/>
-          <p:nvPr/>
-        </p:nvSpPr>
-        <p:spPr>
-          <a:xfrm>
-            <a:off x="7894955" y="3530600"/>
-            <a:ext cx="1723390" cy="645160"/>
-          </a:xfrm>
-          <a:prstGeom prst="rect">
-            <a:avLst/>
-          </a:prstGeom>
-          <a:solidFill>
-            <a:schemeClr val="accent4">
-              <a:lumMod val="60000"/>
-              <a:lumOff val="40000"/>
-            </a:schemeClr>
-          </a:solidFill>
-        </p:spPr>
-        <p:txBody>
-          <a:bodyPr wrap="square">
-            <a:spAutoFit/>
-            <a:extLst>
-              <a:ext uri="{4A0BC546-FE56-4ADE-93B0-CB8AF2F6F144}">
-                <wpsdc:textFrameExt xmlns="" xmlns:wpsdc="http://www.wps.cn/officeDocument/2022/drawingmlCustomData" type="text"/>
-              </a:ext>
-            </a:extLst>
-          </a:bodyPr>
-          <a:lstStyle/>
-          <a:p>
-            <a:pPr algn="ctr"/>
-            <a:r>
-              <a:rPr lang="en-US" altLang="zh-CN" sz="1800">
-                <a:latin typeface="Arial" panose="020B0604020202020204" pitchFamily="34" charset="0"/>
-                <a:ea typeface="微软雅黑" panose="020B0503020204020204" charset="-122"/>
-              </a:rPr>
-              <a:t>element-wise multiply</a:t>
-            </a:r>
-          </a:p>
-        </p:txBody>
-      </p:sp>
-      <p:cxnSp>
-        <p:nvCxnSpPr>
-          <p:cNvPr id="59" name="直接箭头连接符 58"/>
-          <p:cNvCxnSpPr>
-            <a:stCxn id="58" idx="3"/>
-          </p:cNvCxnSpPr>
-          <p:nvPr/>
-        </p:nvCxnSpPr>
-        <p:spPr>
-          <a:xfrm flipV="1">
-            <a:off x="9618345" y="3824605"/>
-            <a:ext cx="2239010" cy="28575"/>
-          </a:xfrm>
-          <a:prstGeom prst="straightConnector1">
-            <a:avLst/>
-          </a:prstGeom>
-          <a:ln w="31750" cap="rnd">
-            <a:solidFill>
-              <a:schemeClr val="accent1"/>
-            </a:solidFill>
-            <a:round/>
-            <a:tailEnd type="arrow" w="med" len="med"/>
-          </a:ln>
-        </p:spPr>
-        <p:style>
-          <a:lnRef idx="0">
-            <a:srgbClr val="FFFFFF"/>
-          </a:lnRef>
-          <a:fillRef idx="0">
-            <a:srgbClr val="FFFFFF"/>
-          </a:fillRef>
-          <a:effectRef idx="0">
-            <a:srgbClr val="FFFFFF"/>
-          </a:effectRef>
-          <a:fontRef idx="minor">
-            <a:schemeClr val="tx1"/>
-          </a:fontRef>
-        </p:style>
-      </p:cxnSp>
-      <p:sp>
-        <p:nvSpPr>
-          <p:cNvPr id="60" name="文本框 59"/>
-          <p:cNvSpPr txBox="1"/>
-          <p:nvPr/>
-        </p:nvSpPr>
-        <p:spPr>
-          <a:xfrm>
-            <a:off x="9892665" y="3998595"/>
-            <a:ext cx="1850390" cy="368300"/>
-          </a:xfrm>
-          <a:prstGeom prst="rect">
-            <a:avLst/>
-          </a:prstGeom>
-        </p:spPr>
-        <p:txBody>
-          <a:bodyPr wrap="square">
-            <a:spAutoFit/>
-            <a:extLst>
-              <a:ext uri="{4A0BC546-FE56-4ADE-93B0-CB8AF2F6F144}">
-                <wpsdc:textFrameExt xmlns="" xmlns:wpsdc="http://www.wps.cn/officeDocument/2022/drawingmlCustomData" type="text"/>
-              </a:ext>
-            </a:extLst>
-          </a:bodyPr>
-          <a:lstStyle/>
-          <a:p>
-            <a:pPr algn="l"/>
-            <a:r>
-              <a:rPr lang="en-US" altLang="zh-CN" sz="1800">
-                <a:solidFill>
-                  <a:schemeClr val="accent6"/>
-                </a:solidFill>
-                <a:latin typeface="Arial" panose="020B0604020202020204" pitchFamily="34" charset="0"/>
-                <a:ea typeface="微软雅黑" panose="020B0503020204020204" charset="-122"/>
-              </a:rPr>
-              <a:t>Spatial Features</a:t>
             </a:r>
           </a:p>
         </p:txBody>
@@ -15264,7 +13544,7 @@
         </p:nvSpPr>
         <p:spPr>
           <a:xfrm>
-            <a:off x="1110615" y="527685"/>
+            <a:off x="1101965" y="629067"/>
             <a:ext cx="10814050" cy="5273040"/>
           </a:xfrm>
           <a:prstGeom prst="roundRect">
@@ -15301,14 +13581,14 @@
           <a:p>
             <a:pPr algn="ctr"/>
             <a:r>
-              <a:rPr lang="en-US" altLang="zh-CN">
+              <a:rPr lang="en-US" altLang="zh-CN" dirty="0">
                 <a:latin typeface="Arial" panose="020B0604020202020204" pitchFamily="34" charset="0"/>
                 <a:ea typeface="微软雅黑" panose="020B0503020204020204" charset="-122"/>
                 <a:sym typeface="+mn-ea"/>
               </a:rPr>
               <a:t>Spatial Features</a:t>
             </a:r>
-            <a:endParaRPr lang="zh-CN" altLang="en-US"/>
+            <a:endParaRPr lang="zh-CN" altLang="en-US" dirty="0"/>
           </a:p>
         </p:txBody>
       </p:sp>
@@ -15416,8 +13696,8 @@
         </p:nvSpPr>
         <p:spPr>
           <a:xfrm>
-            <a:off x="4779010" y="5078730"/>
-            <a:ext cx="4175760" cy="398780"/>
+            <a:off x="4375337" y="5115580"/>
+            <a:ext cx="5431790" cy="523220"/>
           </a:xfrm>
           <a:prstGeom prst="rect">
             <a:avLst/>
@@ -15428,7 +13708,7 @@
             <a:spAutoFit/>
             <a:extLst>
               <a:ext uri="{4A0BC546-FE56-4ADE-93B0-CB8AF2F6F144}">
-                <wpsdc:textFrameExt xmlns="" xmlns:wpsdc="http://www.wps.cn/officeDocument/2022/drawingmlCustomData" type="text"/>
+                <wpsdc:textFrameExt xmlns:wpsdc="http://www.wps.cn/officeDocument/2022/drawingmlCustomData" xmlns="" type="text"/>
               </a:ext>
             </a:extLst>
           </a:bodyPr>
@@ -15436,9 +13716,10 @@
           <a:p>
             <a:pPr algn="l"/>
             <a:r>
-              <a:rPr lang="en-US" altLang="zh-CN" sz="2000" b="1">
-                <a:latin typeface="Arial" panose="020B0604020202020204" pitchFamily="34" charset="0"/>
+              <a:rPr lang="en-US" altLang="zh-CN" sz="2800" b="1" dirty="0">
+                <a:latin typeface="Times New Roman" panose="02020603050405020304" pitchFamily="18" charset="0"/>
                 <a:ea typeface="微软雅黑" panose="020B0503020204020204" charset="-122"/>
+                <a:cs typeface="Times New Roman" panose="02020603050405020304" pitchFamily="18" charset="0"/>
               </a:rPr>
               <a:t>Spatial Features Exactor Module</a:t>
             </a:r>
@@ -15454,7 +13735,7 @@
         <p:spPr>
           <a:xfrm>
             <a:off x="1597025" y="4653915"/>
-            <a:ext cx="1763395" cy="368300"/>
+            <a:ext cx="2024716" cy="461665"/>
           </a:xfrm>
           <a:prstGeom prst="rect">
             <a:avLst/>
@@ -15465,7 +13746,7 @@
             <a:spAutoFit/>
             <a:extLst>
               <a:ext uri="{4A0BC546-FE56-4ADE-93B0-CB8AF2F6F144}">
-                <wpsdc:textFrameExt xmlns="" xmlns:wpsdc="http://www.wps.cn/officeDocument/2022/drawingmlCustomData" type="text"/>
+                <wpsdc:textFrameExt xmlns:wpsdc="http://www.wps.cn/officeDocument/2022/drawingmlCustomData" xmlns="" type="text"/>
               </a:ext>
             </a:extLst>
           </a:bodyPr>
@@ -15473,9 +13754,10 @@
           <a:p>
             <a:pPr algn="l"/>
             <a:r>
-              <a:rPr lang="en-US" altLang="zh-CN" sz="1800">
-                <a:latin typeface="Arial" panose="020B0604020202020204" pitchFamily="34" charset="0"/>
+              <a:rPr lang="en-US" altLang="zh-CN" sz="2400" dirty="0">
+                <a:latin typeface="Times New Roman" panose="02020603050405020304" pitchFamily="18" charset="0"/>
                 <a:ea typeface="微软雅黑" panose="020B0503020204020204" charset="-122"/>
+                <a:cs typeface="Times New Roman" panose="02020603050405020304" pitchFamily="18" charset="0"/>
               </a:rPr>
               <a:t>N Embeddings</a:t>
             </a:r>
@@ -16135,7 +14417,7 @@
         <p:spPr>
           <a:xfrm>
             <a:off x="3037840" y="1169670"/>
-            <a:ext cx="2816860" cy="368300"/>
+            <a:ext cx="3371838" cy="461665"/>
           </a:xfrm>
           <a:prstGeom prst="rect">
             <a:avLst/>
@@ -16146,7 +14428,7 @@
             <a:spAutoFit/>
             <a:extLst>
               <a:ext uri="{4A0BC546-FE56-4ADE-93B0-CB8AF2F6F144}">
-                <wpsdc:textFrameExt xmlns="" xmlns:wpsdc="http://www.wps.cn/officeDocument/2022/drawingmlCustomData" type="text"/>
+                <wpsdc:textFrameExt xmlns:wpsdc="http://www.wps.cn/officeDocument/2022/drawingmlCustomData" xmlns="" type="text"/>
               </a:ext>
             </a:extLst>
           </a:bodyPr>
@@ -16154,9 +14436,10 @@
           <a:p>
             <a:pPr algn="l"/>
             <a:r>
-              <a:rPr lang="en-US" altLang="zh-CN" sz="1800">
-                <a:latin typeface="Arial" panose="020B0604020202020204" pitchFamily="34" charset="0"/>
+              <a:rPr lang="en-US" altLang="zh-CN" sz="2400" dirty="0">
+                <a:latin typeface="Times New Roman" panose="02020603050405020304" pitchFamily="18" charset="0"/>
                 <a:ea typeface="微软雅黑" panose="020B0503020204020204" charset="-122"/>
+                <a:cs typeface="Times New Roman" panose="02020603050405020304" pitchFamily="18" charset="0"/>
               </a:rPr>
               <a:t>Graph Structure Learning</a:t>
             </a:r>
@@ -16547,8 +14830,8 @@
         </p:nvSpPr>
         <p:spPr>
           <a:xfrm>
-            <a:off x="7268210" y="1169670"/>
-            <a:ext cx="2787015" cy="368300"/>
+            <a:off x="8337550" y="1329680"/>
+            <a:ext cx="3324860" cy="461665"/>
           </a:xfrm>
           <a:prstGeom prst="rect">
             <a:avLst/>
@@ -16559,7 +14842,7 @@
             <a:spAutoFit/>
             <a:extLst>
               <a:ext uri="{4A0BC546-FE56-4ADE-93B0-CB8AF2F6F144}">
-                <wpsdc:textFrameExt xmlns="" xmlns:wpsdc="http://www.wps.cn/officeDocument/2022/drawingmlCustomData" type="text"/>
+                <wpsdc:textFrameExt xmlns:wpsdc="http://www.wps.cn/officeDocument/2022/drawingmlCustomData" xmlns="" type="text"/>
               </a:ext>
             </a:extLst>
           </a:bodyPr>
@@ -16567,9 +14850,10 @@
           <a:p>
             <a:pPr algn="l"/>
             <a:r>
-              <a:rPr lang="en-US" altLang="zh-CN" sz="1800">
-                <a:latin typeface="Arial" panose="020B0604020202020204" pitchFamily="34" charset="0"/>
+              <a:rPr lang="en-US" altLang="zh-CN" sz="2400" dirty="0">
+                <a:latin typeface="Times New Roman" panose="02020603050405020304" pitchFamily="18" charset="0"/>
                 <a:ea typeface="微软雅黑" panose="020B0503020204020204" charset="-122"/>
+                <a:cs typeface="Times New Roman" panose="02020603050405020304" pitchFamily="18" charset="0"/>
               </a:rPr>
               <a:t>Graph Attention Network</a:t>
             </a:r>
@@ -16692,13 +14976,15 @@
       <p:cxnSp>
         <p:nvCxnSpPr>
           <p:cNvPr id="46" name="直接箭头连接符 45"/>
-          <p:cNvCxnSpPr/>
+          <p:cNvCxnSpPr>
+            <a:cxnSpLocks/>
+          </p:cNvCxnSpPr>
           <p:nvPr/>
         </p:nvCxnSpPr>
         <p:spPr>
           <a:xfrm>
-            <a:off x="8786495" y="2434590"/>
-            <a:ext cx="10160" cy="1137920"/>
+            <a:off x="8675594" y="2434590"/>
+            <a:ext cx="0" cy="967830"/>
           </a:xfrm>
           <a:prstGeom prst="straightConnector1">
             <a:avLst/>
@@ -16734,8 +15020,8 @@
         </p:nvSpPr>
         <p:spPr>
           <a:xfrm>
-            <a:off x="5048250" y="2434590"/>
-            <a:ext cx="2420620" cy="368300"/>
+            <a:off x="4980299" y="2256790"/>
+            <a:ext cx="2420620" cy="461665"/>
           </a:xfrm>
           <a:prstGeom prst="rect">
             <a:avLst/>
@@ -16746,7 +15032,7 @@
             <a:spAutoFit/>
             <a:extLst>
               <a:ext uri="{4A0BC546-FE56-4ADE-93B0-CB8AF2F6F144}">
-                <wpsdc:textFrameExt xmlns="" xmlns:wpsdc="http://www.wps.cn/officeDocument/2022/drawingmlCustomData" type="text"/>
+                <wpsdc:textFrameExt xmlns:wpsdc="http://www.wps.cn/officeDocument/2022/drawingmlCustomData" xmlns="" type="text"/>
               </a:ext>
             </a:extLst>
           </a:bodyPr>
@@ -16754,9 +15040,10 @@
           <a:p>
             <a:pPr algn="l"/>
             <a:r>
-              <a:rPr lang="en-US" altLang="zh-CN" sz="1800">
-                <a:latin typeface="Arial" panose="020B0604020202020204" pitchFamily="34" charset="0"/>
+              <a:rPr lang="en-US" altLang="zh-CN" sz="2400" dirty="0">
+                <a:latin typeface="Times New Roman" panose="02020603050405020304" pitchFamily="18" charset="0"/>
                 <a:ea typeface="微软雅黑" panose="020B0503020204020204" charset="-122"/>
+                <a:cs typeface="Times New Roman" panose="02020603050405020304" pitchFamily="18" charset="0"/>
               </a:rPr>
               <a:t>Learned Relations</a:t>
             </a:r>
@@ -16772,7 +15059,7 @@
         <p:spPr>
           <a:xfrm>
             <a:off x="4533900" y="3997960"/>
-            <a:ext cx="2686685" cy="368300"/>
+            <a:ext cx="2902271" cy="461665"/>
           </a:xfrm>
           <a:prstGeom prst="rect">
             <a:avLst/>
@@ -16783,7 +15070,7 @@
             <a:spAutoFit/>
             <a:extLst>
               <a:ext uri="{4A0BC546-FE56-4ADE-93B0-CB8AF2F6F144}">
-                <wpsdc:textFrameExt xmlns="" xmlns:wpsdc="http://www.wps.cn/officeDocument/2022/drawingmlCustomData" type="text"/>
+                <wpsdc:textFrameExt xmlns:wpsdc="http://www.wps.cn/officeDocument/2022/drawingmlCustomData" xmlns="" type="text"/>
               </a:ext>
             </a:extLst>
           </a:bodyPr>
@@ -16791,9 +15078,10 @@
           <a:p>
             <a:pPr algn="ctr"/>
             <a:r>
-              <a:rPr lang="en-US" altLang="zh-CN" sz="1800">
-                <a:latin typeface="Arial" panose="020B0604020202020204" pitchFamily="34" charset="0"/>
+              <a:rPr lang="en-US" altLang="zh-CN" sz="2400" dirty="0">
+                <a:latin typeface="Times New Roman" panose="02020603050405020304" pitchFamily="18" charset="0"/>
                 <a:ea typeface="微软雅黑" panose="020B0503020204020204" charset="-122"/>
+                <a:cs typeface="Times New Roman" panose="02020603050405020304" pitchFamily="18" charset="0"/>
               </a:rPr>
               <a:t>Learned Embeddings</a:t>
             </a:r>
@@ -16809,7 +15097,7 @@
         <p:spPr>
           <a:xfrm>
             <a:off x="8870315" y="2434590"/>
-            <a:ext cx="1831975" cy="922020"/>
+            <a:ext cx="2279015" cy="830997"/>
           </a:xfrm>
           <a:prstGeom prst="rect">
             <a:avLst/>
@@ -16820,7 +15108,7 @@
             <a:spAutoFit/>
             <a:extLst>
               <a:ext uri="{4A0BC546-FE56-4ADE-93B0-CB8AF2F6F144}">
-                <wpsdc:textFrameExt xmlns="" xmlns:wpsdc="http://www.wps.cn/officeDocument/2022/drawingmlCustomData" type="text"/>
+                <wpsdc:textFrameExt xmlns:wpsdc="http://www.wps.cn/officeDocument/2022/drawingmlCustomData" xmlns="" type="text"/>
               </a:ext>
             </a:extLst>
           </a:bodyPr>
@@ -16828,9 +15116,10 @@
           <a:p>
             <a:pPr algn="ctr"/>
             <a:r>
-              <a:rPr lang="en-US" altLang="zh-CN" sz="1800">
-                <a:latin typeface="Arial" panose="020B0604020202020204" pitchFamily="34" charset="0"/>
+              <a:rPr lang="en-US" altLang="zh-CN" sz="2400" dirty="0">
+                <a:latin typeface="Times New Roman" panose="02020603050405020304" pitchFamily="18" charset="0"/>
                 <a:ea typeface="微软雅黑" panose="020B0503020204020204" charset="-122"/>
+                <a:cs typeface="Times New Roman" panose="02020603050405020304" pitchFamily="18" charset="0"/>
               </a:rPr>
               <a:t>Graph Attention-Based Features</a:t>
             </a:r>
@@ -16952,13 +15241,15 @@
       <p:cxnSp>
         <p:nvCxnSpPr>
           <p:cNvPr id="57" name="直接箭头连接符 56"/>
-          <p:cNvCxnSpPr/>
+          <p:cNvCxnSpPr>
+            <a:cxnSpLocks/>
+          </p:cNvCxnSpPr>
           <p:nvPr/>
         </p:nvCxnSpPr>
         <p:spPr>
-          <a:xfrm flipV="1">
-            <a:off x="4342765" y="3836670"/>
-            <a:ext cx="3552190" cy="18415"/>
+          <a:xfrm>
+            <a:off x="4342765" y="3855086"/>
+            <a:ext cx="3371215" cy="0"/>
           </a:xfrm>
           <a:prstGeom prst="straightConnector1">
             <a:avLst/>
@@ -16994,8 +15285,8 @@
         </p:nvSpPr>
         <p:spPr>
           <a:xfrm>
-            <a:off x="7894955" y="3530600"/>
-            <a:ext cx="1723390" cy="645160"/>
+            <a:off x="7713980" y="3461167"/>
+            <a:ext cx="1917663" cy="830997"/>
           </a:xfrm>
           <a:prstGeom prst="rect">
             <a:avLst/>
@@ -17012,7 +15303,7 @@
             <a:spAutoFit/>
             <a:extLst>
               <a:ext uri="{4A0BC546-FE56-4ADE-93B0-CB8AF2F6F144}">
-                <wpsdc:textFrameExt xmlns="" xmlns:wpsdc="http://www.wps.cn/officeDocument/2022/drawingmlCustomData" type="text"/>
+                <wpsdc:textFrameExt xmlns:wpsdc="http://www.wps.cn/officeDocument/2022/drawingmlCustomData" xmlns="" type="text"/>
               </a:ext>
             </a:extLst>
           </a:bodyPr>
@@ -17020,9 +15311,10 @@
           <a:p>
             <a:pPr algn="ctr"/>
             <a:r>
-              <a:rPr lang="en-US" altLang="zh-CN" sz="1800">
-                <a:latin typeface="Arial" panose="020B0604020202020204" pitchFamily="34" charset="0"/>
+              <a:rPr lang="en-US" altLang="zh-CN" sz="2400" dirty="0">
+                <a:latin typeface="Times New Roman" panose="02020603050405020304" pitchFamily="18" charset="0"/>
                 <a:ea typeface="微软雅黑" panose="020B0503020204020204" charset="-122"/>
+                <a:cs typeface="Times New Roman" panose="02020603050405020304" pitchFamily="18" charset="0"/>
               </a:rPr>
               <a:t>element-wise multiply</a:t>
             </a:r>
@@ -17033,14 +15325,14 @@
         <p:nvCxnSpPr>
           <p:cNvPr id="59" name="直接箭头连接符 58"/>
           <p:cNvCxnSpPr>
-            <a:stCxn id="58" idx="3"/>
+            <a:cxnSpLocks/>
           </p:cNvCxnSpPr>
           <p:nvPr/>
         </p:nvCxnSpPr>
         <p:spPr>
           <a:xfrm flipV="1">
-            <a:off x="9618345" y="3824605"/>
-            <a:ext cx="2239010" cy="28575"/>
+            <a:off x="9909452" y="3841007"/>
+            <a:ext cx="2016088" cy="24346"/>
           </a:xfrm>
           <a:prstGeom prst="straightConnector1">
             <a:avLst/>
@@ -17076,8 +15368,8 @@
         </p:nvSpPr>
         <p:spPr>
           <a:xfrm>
-            <a:off x="9892665" y="3998595"/>
-            <a:ext cx="1850390" cy="368300"/>
+            <a:off x="9755584" y="3979108"/>
+            <a:ext cx="2299335" cy="461665"/>
           </a:xfrm>
           <a:prstGeom prst="rect">
             <a:avLst/>
@@ -17088,7 +15380,7 @@
             <a:spAutoFit/>
             <a:extLst>
               <a:ext uri="{4A0BC546-FE56-4ADE-93B0-CB8AF2F6F144}">
-                <wpsdc:textFrameExt xmlns="" xmlns:wpsdc="http://www.wps.cn/officeDocument/2022/drawingmlCustomData" type="text"/>
+                <wpsdc:textFrameExt xmlns:wpsdc="http://www.wps.cn/officeDocument/2022/drawingmlCustomData" xmlns="" type="text"/>
               </a:ext>
             </a:extLst>
           </a:bodyPr>
@@ -17096,12 +15388,13 @@
           <a:p>
             <a:pPr algn="l"/>
             <a:r>
-              <a:rPr lang="en-US" altLang="zh-CN" sz="1800">
+              <a:rPr lang="en-US" altLang="zh-CN" sz="2400" dirty="0">
                 <a:solidFill>
                   <a:schemeClr val="accent6"/>
                 </a:solidFill>
-                <a:latin typeface="Arial" panose="020B0604020202020204" pitchFamily="34" charset="0"/>
+                <a:latin typeface="Times New Roman" panose="02020603050405020304" pitchFamily="18" charset="0"/>
                 <a:ea typeface="微软雅黑" panose="020B0503020204020204" charset="-122"/>
+                <a:cs typeface="Times New Roman" panose="02020603050405020304" pitchFamily="18" charset="0"/>
               </a:rPr>
               <a:t>Spatial Features</a:t>
             </a:r>
@@ -17135,7 +15428,13 @@
       </p:grpSpPr>
       <p:pic>
         <p:nvPicPr>
-          <p:cNvPr id="12" name="图片 11"/>
+          <p:cNvPr id="7" name="图片 6">
+            <a:extLst>
+              <a:ext uri="{FF2B5EF4-FFF2-40B4-BE49-F238E27FC236}">
+                <a16:creationId xmlns:a16="http://schemas.microsoft.com/office/drawing/2014/main" id="{1CC3C9DC-DF53-4A28-93D1-1E45648079BC}"/>
+              </a:ext>
+            </a:extLst>
+          </p:cNvPr>
           <p:cNvPicPr>
             <a:picLocks noChangeAspect="1"/>
           </p:cNvPicPr>
@@ -17149,14 +15448,2899 @@
         </p:blipFill>
         <p:spPr>
           <a:xfrm>
-            <a:off x="181610" y="2343150"/>
-            <a:ext cx="2515235" cy="1310005"/>
+            <a:off x="2993737" y="517214"/>
+            <a:ext cx="5137251" cy="2474442"/>
           </a:xfrm>
           <a:prstGeom prst="rect">
             <a:avLst/>
           </a:prstGeom>
         </p:spPr>
       </p:pic>
+    </p:spTree>
+    <p:extLst>
+      <p:ext uri="{BB962C8B-B14F-4D97-AF65-F5344CB8AC3E}">
+        <p14:creationId xmlns:p14="http://schemas.microsoft.com/office/powerpoint/2010/main" val="591070444"/>
+      </p:ext>
+    </p:extLst>
+  </p:cSld>
+  <p:clrMapOvr>
+    <a:masterClrMapping/>
+  </p:clrMapOvr>
+</p:sld>
+</file>
+
+<file path=ppt/slides/slide18.xml><?xml version="1.0" encoding="utf-8"?>
+<p:sld xmlns:a="http://schemas.openxmlformats.org/drawingml/2006/main" xmlns:r="http://schemas.openxmlformats.org/officeDocument/2006/relationships" xmlns:p="http://schemas.openxmlformats.org/presentationml/2006/main">
+  <p:cSld>
+    <p:spTree>
+      <p:nvGrpSpPr>
+        <p:cNvPr id="1" name=""/>
+        <p:cNvGrpSpPr/>
+        <p:nvPr/>
+      </p:nvGrpSpPr>
+      <p:grpSpPr>
+        <a:xfrm>
+          <a:off x="0" y="0"/>
+          <a:ext cx="0" cy="0"/>
+          <a:chOff x="0" y="0"/>
+          <a:chExt cx="0" cy="0"/>
+        </a:xfrm>
+      </p:grpSpPr>
+      <p:sp>
+        <p:nvSpPr>
+          <p:cNvPr id="4" name="圆角矩形 3"/>
+          <p:cNvSpPr/>
+          <p:nvPr/>
+        </p:nvSpPr>
+        <p:spPr>
+          <a:xfrm>
+            <a:off x="1110615" y="527685"/>
+            <a:ext cx="10814050" cy="5273040"/>
+          </a:xfrm>
+          <a:prstGeom prst="roundRect">
+            <a:avLst/>
+          </a:prstGeom>
+          <a:solidFill>
+            <a:schemeClr val="bg1"/>
+          </a:solidFill>
+          <a:ln>
+            <a:solidFill>
+              <a:schemeClr val="tx1"/>
+            </a:solidFill>
+          </a:ln>
+        </p:spPr>
+        <p:style>
+          <a:lnRef idx="2">
+            <a:schemeClr val="accent1">
+              <a:lumMod val="75000"/>
+            </a:schemeClr>
+          </a:lnRef>
+          <a:fillRef idx="1">
+            <a:schemeClr val="accent1"/>
+          </a:fillRef>
+          <a:effectRef idx="0">
+            <a:srgbClr val="FFFFFF"/>
+          </a:effectRef>
+          <a:fontRef idx="minor">
+            <a:schemeClr val="lt1"/>
+          </a:fontRef>
+        </p:style>
+        <p:txBody>
+          <a:bodyPr rtlCol="0" anchor="ctr"/>
+          <a:lstStyle/>
+          <a:p>
+            <a:pPr algn="ctr"/>
+            <a:r>
+              <a:rPr lang="en-US" altLang="zh-CN">
+                <a:latin typeface="Arial" panose="020B0604020202020204" pitchFamily="34" charset="0"/>
+                <a:ea typeface="微软雅黑" panose="020B0503020204020204" charset="-122"/>
+                <a:sym typeface="+mn-ea"/>
+              </a:rPr>
+              <a:t>Spatial Features</a:t>
+            </a:r>
+            <a:endParaRPr lang="zh-CN" altLang="en-US"/>
+          </a:p>
+        </p:txBody>
+      </p:sp>
+      <p:sp>
+        <p:nvSpPr>
+          <p:cNvPr id="13" name="文本框 12"/>
+          <p:cNvSpPr txBox="1"/>
+          <p:nvPr/>
+        </p:nvSpPr>
+        <p:spPr>
+          <a:xfrm>
+            <a:off x="2868930" y="3572510"/>
+            <a:ext cx="283210" cy="368300"/>
+          </a:xfrm>
+          <a:prstGeom prst="rect">
+            <a:avLst/>
+          </a:prstGeom>
+          <a:noFill/>
+        </p:spPr>
+        <p:txBody>
+          <a:bodyPr wrap="none" rtlCol="0" anchor="t">
+            <a:spAutoFit/>
+          </a:bodyPr>
+          <a:lstStyle/>
+          <a:p>
+            <a:r>
+              <a:rPr lang="zh-CN" altLang="en-US">
+                <a:latin typeface="微软雅黑" panose="020B0503020204020204" charset="-122"/>
+                <a:ea typeface="微软雅黑" panose="020B0503020204020204" charset="-122"/>
+              </a:rPr>
+              <a:t>•</a:t>
+            </a:r>
+          </a:p>
+        </p:txBody>
+      </p:sp>
+      <p:sp>
+        <p:nvSpPr>
+          <p:cNvPr id="14" name="文本框 13"/>
+          <p:cNvSpPr txBox="1"/>
+          <p:nvPr/>
+        </p:nvSpPr>
+        <p:spPr>
+          <a:xfrm>
+            <a:off x="2868930" y="3779520"/>
+            <a:ext cx="283210" cy="368300"/>
+          </a:xfrm>
+          <a:prstGeom prst="rect">
+            <a:avLst/>
+          </a:prstGeom>
+          <a:noFill/>
+        </p:spPr>
+        <p:txBody>
+          <a:bodyPr wrap="none" rtlCol="0" anchor="t">
+            <a:spAutoFit/>
+          </a:bodyPr>
+          <a:lstStyle/>
+          <a:p>
+            <a:r>
+              <a:rPr lang="zh-CN" altLang="en-US">
+                <a:latin typeface="微软雅黑" panose="020B0503020204020204" charset="-122"/>
+                <a:ea typeface="微软雅黑" panose="020B0503020204020204" charset="-122"/>
+              </a:rPr>
+              <a:t>•</a:t>
+            </a:r>
+          </a:p>
+        </p:txBody>
+      </p:sp>
+      <p:sp>
+        <p:nvSpPr>
+          <p:cNvPr id="15" name="文本框 14"/>
+          <p:cNvSpPr txBox="1"/>
+          <p:nvPr/>
+        </p:nvSpPr>
+        <p:spPr>
+          <a:xfrm>
+            <a:off x="2868930" y="3998595"/>
+            <a:ext cx="283210" cy="368300"/>
+          </a:xfrm>
+          <a:prstGeom prst="rect">
+            <a:avLst/>
+          </a:prstGeom>
+          <a:noFill/>
+        </p:spPr>
+        <p:txBody>
+          <a:bodyPr wrap="none" rtlCol="0" anchor="t">
+            <a:spAutoFit/>
+          </a:bodyPr>
+          <a:lstStyle/>
+          <a:p>
+            <a:r>
+              <a:rPr lang="zh-CN" altLang="en-US">
+                <a:latin typeface="微软雅黑" panose="020B0503020204020204" charset="-122"/>
+                <a:ea typeface="微软雅黑" panose="020B0503020204020204" charset="-122"/>
+              </a:rPr>
+              <a:t>•</a:t>
+            </a:r>
+          </a:p>
+        </p:txBody>
+      </p:sp>
+      <p:sp>
+        <p:nvSpPr>
+          <p:cNvPr id="17" name="文本框 16"/>
+          <p:cNvSpPr txBox="1"/>
+          <p:nvPr/>
+        </p:nvSpPr>
+        <p:spPr>
+          <a:xfrm>
+            <a:off x="4779010" y="5078730"/>
+            <a:ext cx="4175760" cy="398780"/>
+          </a:xfrm>
+          <a:prstGeom prst="rect">
+            <a:avLst/>
+          </a:prstGeom>
+        </p:spPr>
+        <p:txBody>
+          <a:bodyPr wrap="square">
+            <a:spAutoFit/>
+            <a:extLst>
+              <a:ext uri="{4A0BC546-FE56-4ADE-93B0-CB8AF2F6F144}">
+                <wpsdc:textFrameExt xmlns:wpsdc="http://www.wps.cn/officeDocument/2022/drawingmlCustomData" xmlns="" type="text"/>
+              </a:ext>
+            </a:extLst>
+          </a:bodyPr>
+          <a:lstStyle/>
+          <a:p>
+            <a:pPr algn="l"/>
+            <a:r>
+              <a:rPr lang="en-US" altLang="zh-CN" sz="2000" b="1">
+                <a:latin typeface="Arial" panose="020B0604020202020204" pitchFamily="34" charset="0"/>
+                <a:ea typeface="微软雅黑" panose="020B0503020204020204" charset="-122"/>
+              </a:rPr>
+              <a:t>Spatial Features Exactor Module</a:t>
+            </a:r>
+          </a:p>
+        </p:txBody>
+      </p:sp>
+      <p:sp>
+        <p:nvSpPr>
+          <p:cNvPr id="18" name="文本框 17"/>
+          <p:cNvSpPr txBox="1"/>
+          <p:nvPr/>
+        </p:nvSpPr>
+        <p:spPr>
+          <a:xfrm>
+            <a:off x="1597025" y="4653915"/>
+            <a:ext cx="1763395" cy="368300"/>
+          </a:xfrm>
+          <a:prstGeom prst="rect">
+            <a:avLst/>
+          </a:prstGeom>
+        </p:spPr>
+        <p:txBody>
+          <a:bodyPr wrap="square">
+            <a:spAutoFit/>
+            <a:extLst>
+              <a:ext uri="{4A0BC546-FE56-4ADE-93B0-CB8AF2F6F144}">
+                <wpsdc:textFrameExt xmlns:wpsdc="http://www.wps.cn/officeDocument/2022/drawingmlCustomData" xmlns="" type="text"/>
+              </a:ext>
+            </a:extLst>
+          </a:bodyPr>
+          <a:lstStyle/>
+          <a:p>
+            <a:pPr algn="l"/>
+            <a:r>
+              <a:rPr lang="en-US" altLang="zh-CN" sz="1800">
+                <a:latin typeface="Arial" panose="020B0604020202020204" pitchFamily="34" charset="0"/>
+                <a:ea typeface="微软雅黑" panose="020B0503020204020204" charset="-122"/>
+              </a:rPr>
+              <a:t>N Embeddings</a:t>
+            </a:r>
+          </a:p>
+        </p:txBody>
+      </p:sp>
+      <p:sp>
+        <p:nvSpPr>
+          <p:cNvPr id="2" name="矩形 1"/>
+          <p:cNvSpPr/>
+          <p:nvPr/>
+        </p:nvSpPr>
+        <p:spPr>
+          <a:xfrm>
+            <a:off x="1680845" y="3226435"/>
+            <a:ext cx="1596390" cy="198120"/>
+          </a:xfrm>
+          <a:prstGeom prst="rect">
+            <a:avLst/>
+          </a:prstGeom>
+          <a:solidFill>
+            <a:schemeClr val="accent5">
+              <a:lumMod val="40000"/>
+              <a:lumOff val="60000"/>
+            </a:schemeClr>
+          </a:solidFill>
+        </p:spPr>
+        <p:style>
+          <a:lnRef idx="2">
+            <a:schemeClr val="accent1">
+              <a:lumMod val="75000"/>
+            </a:schemeClr>
+          </a:lnRef>
+          <a:fillRef idx="1">
+            <a:schemeClr val="accent1"/>
+          </a:fillRef>
+          <a:effectRef idx="0">
+            <a:srgbClr val="FFFFFF"/>
+          </a:effectRef>
+          <a:fontRef idx="minor">
+            <a:schemeClr val="lt1"/>
+          </a:fontRef>
+        </p:style>
+        <p:txBody>
+          <a:bodyPr rtlCol="0" anchor="ctr"/>
+          <a:lstStyle/>
+          <a:p>
+            <a:pPr algn="ctr"/>
+            <a:endParaRPr lang="zh-CN" altLang="en-US"/>
+          </a:p>
+        </p:txBody>
+      </p:sp>
+      <p:sp>
+        <p:nvSpPr>
+          <p:cNvPr id="3" name="矩形 2"/>
+          <p:cNvSpPr/>
+          <p:nvPr/>
+        </p:nvSpPr>
+        <p:spPr>
+          <a:xfrm>
+            <a:off x="1680845" y="3424555"/>
+            <a:ext cx="1596390" cy="198120"/>
+          </a:xfrm>
+          <a:prstGeom prst="rect">
+            <a:avLst/>
+          </a:prstGeom>
+          <a:solidFill>
+            <a:schemeClr val="accent6">
+              <a:lumMod val="40000"/>
+              <a:lumOff val="60000"/>
+            </a:schemeClr>
+          </a:solidFill>
+        </p:spPr>
+        <p:style>
+          <a:lnRef idx="2">
+            <a:schemeClr val="accent1">
+              <a:lumMod val="75000"/>
+            </a:schemeClr>
+          </a:lnRef>
+          <a:fillRef idx="1">
+            <a:schemeClr val="accent1"/>
+          </a:fillRef>
+          <a:effectRef idx="0">
+            <a:srgbClr val="FFFFFF"/>
+          </a:effectRef>
+          <a:fontRef idx="minor">
+            <a:schemeClr val="lt1"/>
+          </a:fontRef>
+        </p:style>
+        <p:txBody>
+          <a:bodyPr rtlCol="0" anchor="ctr"/>
+          <a:lstStyle/>
+          <a:p>
+            <a:pPr algn="ctr"/>
+            <a:endParaRPr lang="zh-CN" altLang="en-US"/>
+          </a:p>
+        </p:txBody>
+      </p:sp>
+      <p:sp>
+        <p:nvSpPr>
+          <p:cNvPr id="5" name="矩形 4"/>
+          <p:cNvSpPr/>
+          <p:nvPr/>
+        </p:nvSpPr>
+        <p:spPr>
+          <a:xfrm>
+            <a:off x="1680845" y="4168140"/>
+            <a:ext cx="1596390" cy="198120"/>
+          </a:xfrm>
+          <a:prstGeom prst="rect">
+            <a:avLst/>
+          </a:prstGeom>
+          <a:solidFill>
+            <a:schemeClr val="accent3">
+              <a:lumMod val="75000"/>
+            </a:schemeClr>
+          </a:solidFill>
+        </p:spPr>
+        <p:style>
+          <a:lnRef idx="2">
+            <a:schemeClr val="accent1">
+              <a:lumMod val="75000"/>
+            </a:schemeClr>
+          </a:lnRef>
+          <a:fillRef idx="1">
+            <a:schemeClr val="accent1"/>
+          </a:fillRef>
+          <a:effectRef idx="0">
+            <a:srgbClr val="FFFFFF"/>
+          </a:effectRef>
+          <a:fontRef idx="minor">
+            <a:schemeClr val="lt1"/>
+          </a:fontRef>
+        </p:style>
+        <p:txBody>
+          <a:bodyPr rtlCol="0" anchor="ctr"/>
+          <a:lstStyle/>
+          <a:p>
+            <a:pPr algn="ctr"/>
+            <a:endParaRPr lang="zh-CN" altLang="en-US"/>
+          </a:p>
+        </p:txBody>
+      </p:sp>
+      <p:sp>
+        <p:nvSpPr>
+          <p:cNvPr id="6" name="矩形 5"/>
+          <p:cNvSpPr/>
+          <p:nvPr/>
+        </p:nvSpPr>
+        <p:spPr>
+          <a:xfrm>
+            <a:off x="1680845" y="3630295"/>
+            <a:ext cx="1596390" cy="545465"/>
+          </a:xfrm>
+          <a:prstGeom prst="rect">
+            <a:avLst/>
+          </a:prstGeom>
+          <a:solidFill>
+            <a:schemeClr val="bg1"/>
+          </a:solidFill>
+        </p:spPr>
+        <p:style>
+          <a:lnRef idx="2">
+            <a:schemeClr val="accent1">
+              <a:lumMod val="75000"/>
+            </a:schemeClr>
+          </a:lnRef>
+          <a:fillRef idx="1">
+            <a:schemeClr val="accent1"/>
+          </a:fillRef>
+          <a:effectRef idx="0">
+            <a:srgbClr val="FFFFFF"/>
+          </a:effectRef>
+          <a:fontRef idx="minor">
+            <a:schemeClr val="lt1"/>
+          </a:fontRef>
+        </p:style>
+        <p:txBody>
+          <a:bodyPr rtlCol="0" anchor="ctr"/>
+          <a:lstStyle/>
+          <a:p>
+            <a:pPr algn="ctr"/>
+            <a:endParaRPr lang="zh-CN" altLang="en-US"/>
+          </a:p>
+        </p:txBody>
+      </p:sp>
+      <p:sp>
+        <p:nvSpPr>
+          <p:cNvPr id="9" name="文本框 8"/>
+          <p:cNvSpPr txBox="1"/>
+          <p:nvPr/>
+        </p:nvSpPr>
+        <p:spPr>
+          <a:xfrm>
+            <a:off x="2337435" y="3572510"/>
+            <a:ext cx="283210" cy="368300"/>
+          </a:xfrm>
+          <a:prstGeom prst="rect">
+            <a:avLst/>
+          </a:prstGeom>
+          <a:noFill/>
+        </p:spPr>
+        <p:txBody>
+          <a:bodyPr wrap="none" rtlCol="0" anchor="t">
+            <a:spAutoFit/>
+          </a:bodyPr>
+          <a:lstStyle/>
+          <a:p>
+            <a:r>
+              <a:rPr lang="zh-CN" altLang="en-US">
+                <a:latin typeface="微软雅黑" panose="020B0503020204020204" charset="-122"/>
+                <a:ea typeface="微软雅黑" panose="020B0503020204020204" charset="-122"/>
+              </a:rPr>
+              <a:t>•</a:t>
+            </a:r>
+          </a:p>
+        </p:txBody>
+      </p:sp>
+      <p:sp>
+        <p:nvSpPr>
+          <p:cNvPr id="11" name="文本框 10"/>
+          <p:cNvSpPr txBox="1"/>
+          <p:nvPr/>
+        </p:nvSpPr>
+        <p:spPr>
+          <a:xfrm>
+            <a:off x="2337435" y="3699510"/>
+            <a:ext cx="283210" cy="368300"/>
+          </a:xfrm>
+          <a:prstGeom prst="rect">
+            <a:avLst/>
+          </a:prstGeom>
+          <a:noFill/>
+        </p:spPr>
+        <p:txBody>
+          <a:bodyPr wrap="none" rtlCol="0" anchor="t">
+            <a:spAutoFit/>
+          </a:bodyPr>
+          <a:lstStyle/>
+          <a:p>
+            <a:r>
+              <a:rPr lang="zh-CN" altLang="en-US">
+                <a:latin typeface="微软雅黑" panose="020B0503020204020204" charset="-122"/>
+                <a:ea typeface="微软雅黑" panose="020B0503020204020204" charset="-122"/>
+              </a:rPr>
+              <a:t>•</a:t>
+            </a:r>
+          </a:p>
+        </p:txBody>
+      </p:sp>
+      <p:sp>
+        <p:nvSpPr>
+          <p:cNvPr id="19" name="文本框 18"/>
+          <p:cNvSpPr txBox="1"/>
+          <p:nvPr/>
+        </p:nvSpPr>
+        <p:spPr>
+          <a:xfrm>
+            <a:off x="2337435" y="3855085"/>
+            <a:ext cx="283210" cy="368300"/>
+          </a:xfrm>
+          <a:prstGeom prst="rect">
+            <a:avLst/>
+          </a:prstGeom>
+          <a:noFill/>
+        </p:spPr>
+        <p:txBody>
+          <a:bodyPr wrap="none" rtlCol="0" anchor="t">
+            <a:spAutoFit/>
+          </a:bodyPr>
+          <a:lstStyle/>
+          <a:p>
+            <a:r>
+              <a:rPr lang="zh-CN" altLang="en-US">
+                <a:latin typeface="微软雅黑" panose="020B0503020204020204" charset="-122"/>
+                <a:ea typeface="微软雅黑" panose="020B0503020204020204" charset="-122"/>
+              </a:rPr>
+              <a:t>•</a:t>
+            </a:r>
+          </a:p>
+        </p:txBody>
+      </p:sp>
+      <p:sp>
+        <p:nvSpPr>
+          <p:cNvPr id="20" name="椭圆 19"/>
+          <p:cNvSpPr/>
+          <p:nvPr/>
+        </p:nvSpPr>
+        <p:spPr>
+          <a:xfrm>
+            <a:off x="4448810" y="1649730"/>
+            <a:ext cx="180975" cy="188595"/>
+          </a:xfrm>
+          <a:prstGeom prst="ellipse">
+            <a:avLst/>
+          </a:prstGeom>
+          <a:solidFill>
+            <a:schemeClr val="accent5">
+              <a:lumMod val="40000"/>
+              <a:lumOff val="60000"/>
+            </a:schemeClr>
+          </a:solidFill>
+        </p:spPr>
+        <p:style>
+          <a:lnRef idx="2">
+            <a:schemeClr val="accent1">
+              <a:lumMod val="75000"/>
+            </a:schemeClr>
+          </a:lnRef>
+          <a:fillRef idx="1">
+            <a:schemeClr val="accent1"/>
+          </a:fillRef>
+          <a:effectRef idx="0">
+            <a:srgbClr val="FFFFFF"/>
+          </a:effectRef>
+          <a:fontRef idx="minor">
+            <a:schemeClr val="lt1"/>
+          </a:fontRef>
+        </p:style>
+        <p:txBody>
+          <a:bodyPr rtlCol="0" anchor="ctr"/>
+          <a:lstStyle/>
+          <a:p>
+            <a:pPr algn="ctr"/>
+            <a:endParaRPr lang="zh-CN" altLang="en-US"/>
+          </a:p>
+        </p:txBody>
+      </p:sp>
+      <p:sp>
+        <p:nvSpPr>
+          <p:cNvPr id="21" name="椭圆 20"/>
+          <p:cNvSpPr/>
+          <p:nvPr/>
+        </p:nvSpPr>
+        <p:spPr>
+          <a:xfrm>
+            <a:off x="3933825" y="2125980"/>
+            <a:ext cx="180975" cy="188595"/>
+          </a:xfrm>
+          <a:prstGeom prst="ellipse">
+            <a:avLst/>
+          </a:prstGeom>
+          <a:solidFill>
+            <a:schemeClr val="accent6">
+              <a:lumMod val="40000"/>
+              <a:lumOff val="60000"/>
+            </a:schemeClr>
+          </a:solidFill>
+        </p:spPr>
+        <p:style>
+          <a:lnRef idx="2">
+            <a:schemeClr val="accent1">
+              <a:lumMod val="75000"/>
+            </a:schemeClr>
+          </a:lnRef>
+          <a:fillRef idx="1">
+            <a:schemeClr val="accent1"/>
+          </a:fillRef>
+          <a:effectRef idx="0">
+            <a:srgbClr val="FFFFFF"/>
+          </a:effectRef>
+          <a:fontRef idx="minor">
+            <a:schemeClr val="lt1"/>
+          </a:fontRef>
+        </p:style>
+        <p:txBody>
+          <a:bodyPr rtlCol="0" anchor="ctr"/>
+          <a:lstStyle/>
+          <a:p>
+            <a:pPr algn="ctr"/>
+            <a:endParaRPr lang="zh-CN" altLang="en-US"/>
+          </a:p>
+        </p:txBody>
+      </p:sp>
+      <p:sp>
+        <p:nvSpPr>
+          <p:cNvPr id="22" name="椭圆 21"/>
+          <p:cNvSpPr/>
+          <p:nvPr/>
+        </p:nvSpPr>
+        <p:spPr>
+          <a:xfrm>
+            <a:off x="4267835" y="2617470"/>
+            <a:ext cx="180975" cy="188595"/>
+          </a:xfrm>
+          <a:prstGeom prst="ellipse">
+            <a:avLst/>
+          </a:prstGeom>
+          <a:solidFill>
+            <a:schemeClr val="accent6"/>
+          </a:solidFill>
+        </p:spPr>
+        <p:style>
+          <a:lnRef idx="2">
+            <a:schemeClr val="accent1">
+              <a:lumMod val="75000"/>
+            </a:schemeClr>
+          </a:lnRef>
+          <a:fillRef idx="1">
+            <a:schemeClr val="accent1"/>
+          </a:fillRef>
+          <a:effectRef idx="0">
+            <a:srgbClr val="FFFFFF"/>
+          </a:effectRef>
+          <a:fontRef idx="minor">
+            <a:schemeClr val="lt1"/>
+          </a:fontRef>
+        </p:style>
+        <p:txBody>
+          <a:bodyPr rtlCol="0" anchor="ctr"/>
+          <a:lstStyle/>
+          <a:p>
+            <a:pPr algn="ctr"/>
+            <a:endParaRPr lang="zh-CN" altLang="en-US"/>
+          </a:p>
+        </p:txBody>
+      </p:sp>
+      <p:sp>
+        <p:nvSpPr>
+          <p:cNvPr id="23" name="椭圆 22"/>
+          <p:cNvSpPr/>
+          <p:nvPr/>
+        </p:nvSpPr>
+        <p:spPr>
+          <a:xfrm>
+            <a:off x="4744720" y="2230120"/>
+            <a:ext cx="180975" cy="188595"/>
+          </a:xfrm>
+          <a:prstGeom prst="ellipse">
+            <a:avLst/>
+          </a:prstGeom>
+          <a:solidFill>
+            <a:schemeClr val="accent3">
+              <a:lumMod val="60000"/>
+              <a:lumOff val="40000"/>
+            </a:schemeClr>
+          </a:solidFill>
+        </p:spPr>
+        <p:style>
+          <a:lnRef idx="2">
+            <a:schemeClr val="accent1">
+              <a:lumMod val="75000"/>
+            </a:schemeClr>
+          </a:lnRef>
+          <a:fillRef idx="1">
+            <a:schemeClr val="accent1"/>
+          </a:fillRef>
+          <a:effectRef idx="0">
+            <a:srgbClr val="FFFFFF"/>
+          </a:effectRef>
+          <a:fontRef idx="minor">
+            <a:schemeClr val="lt1"/>
+          </a:fontRef>
+        </p:style>
+        <p:txBody>
+          <a:bodyPr rtlCol="0" anchor="ctr"/>
+          <a:lstStyle/>
+          <a:p>
+            <a:pPr algn="ctr"/>
+            <a:endParaRPr lang="zh-CN" altLang="en-US"/>
+          </a:p>
+        </p:txBody>
+      </p:sp>
+      <p:cxnSp>
+        <p:nvCxnSpPr>
+          <p:cNvPr id="24" name="直接连接符 23"/>
+          <p:cNvCxnSpPr>
+            <a:stCxn id="20" idx="3"/>
+            <a:endCxn id="21" idx="7"/>
+          </p:cNvCxnSpPr>
+          <p:nvPr/>
+        </p:nvCxnSpPr>
+        <p:spPr>
+          <a:xfrm flipH="1">
+            <a:off x="4088130" y="1811020"/>
+            <a:ext cx="387350" cy="342265"/>
+          </a:xfrm>
+          <a:prstGeom prst="line">
+            <a:avLst/>
+          </a:prstGeom>
+          <a:ln w="31750" cap="rnd">
+            <a:solidFill>
+              <a:schemeClr val="tx1"/>
+            </a:solidFill>
+            <a:round/>
+          </a:ln>
+        </p:spPr>
+        <p:style>
+          <a:lnRef idx="0">
+            <a:srgbClr val="FFFFFF"/>
+          </a:lnRef>
+          <a:fillRef idx="0">
+            <a:srgbClr val="FFFFFF"/>
+          </a:fillRef>
+          <a:effectRef idx="0">
+            <a:srgbClr val="FFFFFF"/>
+          </a:effectRef>
+          <a:fontRef idx="minor">
+            <a:schemeClr val="tx1"/>
+          </a:fontRef>
+        </p:style>
+      </p:cxnSp>
+      <p:cxnSp>
+        <p:nvCxnSpPr>
+          <p:cNvPr id="25" name="直接连接符 24"/>
+          <p:cNvCxnSpPr/>
+          <p:nvPr/>
+        </p:nvCxnSpPr>
+        <p:spPr>
+          <a:xfrm>
+            <a:off x="4098925" y="2301240"/>
+            <a:ext cx="198755" cy="340360"/>
+          </a:xfrm>
+          <a:prstGeom prst="line">
+            <a:avLst/>
+          </a:prstGeom>
+          <a:ln w="31750" cap="rnd">
+            <a:solidFill>
+              <a:schemeClr val="tx1"/>
+            </a:solidFill>
+            <a:round/>
+          </a:ln>
+        </p:spPr>
+        <p:style>
+          <a:lnRef idx="0">
+            <a:srgbClr val="FFFFFF"/>
+          </a:lnRef>
+          <a:fillRef idx="0">
+            <a:srgbClr val="FFFFFF"/>
+          </a:fillRef>
+          <a:effectRef idx="0">
+            <a:srgbClr val="FFFFFF"/>
+          </a:effectRef>
+          <a:fontRef idx="minor">
+            <a:schemeClr val="tx1"/>
+          </a:fontRef>
+        </p:style>
+      </p:cxnSp>
+      <p:cxnSp>
+        <p:nvCxnSpPr>
+          <p:cNvPr id="26" name="直接连接符 25"/>
+          <p:cNvCxnSpPr/>
+          <p:nvPr/>
+        </p:nvCxnSpPr>
+        <p:spPr>
+          <a:xfrm flipH="1">
+            <a:off x="4358640" y="1847850"/>
+            <a:ext cx="175260" cy="769620"/>
+          </a:xfrm>
+          <a:prstGeom prst="line">
+            <a:avLst/>
+          </a:prstGeom>
+          <a:ln w="31750" cap="rnd">
+            <a:solidFill>
+              <a:schemeClr val="tx1"/>
+            </a:solidFill>
+            <a:round/>
+          </a:ln>
+        </p:spPr>
+        <p:style>
+          <a:lnRef idx="0">
+            <a:srgbClr val="FFFFFF"/>
+          </a:lnRef>
+          <a:fillRef idx="0">
+            <a:srgbClr val="FFFFFF"/>
+          </a:fillRef>
+          <a:effectRef idx="0">
+            <a:srgbClr val="FFFFFF"/>
+          </a:effectRef>
+          <a:fontRef idx="minor">
+            <a:schemeClr val="tx1"/>
+          </a:fontRef>
+        </p:style>
+      </p:cxnSp>
+      <p:cxnSp>
+        <p:nvCxnSpPr>
+          <p:cNvPr id="27" name="直接连接符 26"/>
+          <p:cNvCxnSpPr>
+            <a:stCxn id="20" idx="5"/>
+          </p:cNvCxnSpPr>
+          <p:nvPr/>
+        </p:nvCxnSpPr>
+        <p:spPr>
+          <a:xfrm>
+            <a:off x="4603115" y="1811020"/>
+            <a:ext cx="175895" cy="414655"/>
+          </a:xfrm>
+          <a:prstGeom prst="line">
+            <a:avLst/>
+          </a:prstGeom>
+          <a:ln w="31750" cap="rnd">
+            <a:solidFill>
+              <a:schemeClr val="tx1"/>
+            </a:solidFill>
+            <a:round/>
+          </a:ln>
+        </p:spPr>
+        <p:style>
+          <a:lnRef idx="0">
+            <a:srgbClr val="FFFFFF"/>
+          </a:lnRef>
+          <a:fillRef idx="0">
+            <a:srgbClr val="FFFFFF"/>
+          </a:fillRef>
+          <a:effectRef idx="0">
+            <a:srgbClr val="FFFFFF"/>
+          </a:effectRef>
+          <a:fontRef idx="minor">
+            <a:schemeClr val="tx1"/>
+          </a:fontRef>
+        </p:style>
+      </p:cxnSp>
+      <p:cxnSp>
+        <p:nvCxnSpPr>
+          <p:cNvPr id="28" name="直接连接符 27"/>
+          <p:cNvCxnSpPr>
+            <a:endCxn id="23" idx="3"/>
+          </p:cNvCxnSpPr>
+          <p:nvPr/>
+        </p:nvCxnSpPr>
+        <p:spPr>
+          <a:xfrm flipV="1">
+            <a:off x="4439285" y="2391410"/>
+            <a:ext cx="332105" cy="278765"/>
+          </a:xfrm>
+          <a:prstGeom prst="line">
+            <a:avLst/>
+          </a:prstGeom>
+          <a:ln w="31750" cap="rnd">
+            <a:solidFill>
+              <a:schemeClr val="tx1"/>
+            </a:solidFill>
+            <a:round/>
+          </a:ln>
+        </p:spPr>
+        <p:style>
+          <a:lnRef idx="0">
+            <a:srgbClr val="FFFFFF"/>
+          </a:lnRef>
+          <a:fillRef idx="0">
+            <a:srgbClr val="FFFFFF"/>
+          </a:fillRef>
+          <a:effectRef idx="0">
+            <a:srgbClr val="FFFFFF"/>
+          </a:effectRef>
+          <a:fontRef idx="minor">
+            <a:schemeClr val="tx1"/>
+          </a:fontRef>
+        </p:style>
+      </p:cxnSp>
+      <p:sp>
+        <p:nvSpPr>
+          <p:cNvPr id="29" name="文本框 28"/>
+          <p:cNvSpPr txBox="1"/>
+          <p:nvPr/>
+        </p:nvSpPr>
+        <p:spPr>
+          <a:xfrm>
+            <a:off x="3037840" y="1169670"/>
+            <a:ext cx="2816860" cy="368300"/>
+          </a:xfrm>
+          <a:prstGeom prst="rect">
+            <a:avLst/>
+          </a:prstGeom>
+        </p:spPr>
+        <p:txBody>
+          <a:bodyPr wrap="square">
+            <a:spAutoFit/>
+            <a:extLst>
+              <a:ext uri="{4A0BC546-FE56-4ADE-93B0-CB8AF2F6F144}">
+                <wpsdc:textFrameExt xmlns:wpsdc="http://www.wps.cn/officeDocument/2022/drawingmlCustomData" xmlns="" type="text"/>
+              </a:ext>
+            </a:extLst>
+          </a:bodyPr>
+          <a:lstStyle/>
+          <a:p>
+            <a:pPr algn="l"/>
+            <a:r>
+              <a:rPr lang="en-US" altLang="zh-CN" sz="1800">
+                <a:latin typeface="Arial" panose="020B0604020202020204" pitchFamily="34" charset="0"/>
+                <a:ea typeface="微软雅黑" panose="020B0503020204020204" charset="-122"/>
+              </a:rPr>
+              <a:t>Graph Structure Learning</a:t>
+            </a:r>
+          </a:p>
+        </p:txBody>
+      </p:sp>
+      <p:sp>
+        <p:nvSpPr>
+          <p:cNvPr id="30" name="椭圆 29"/>
+          <p:cNvSpPr/>
+          <p:nvPr/>
+        </p:nvSpPr>
+        <p:spPr>
+          <a:xfrm>
+            <a:off x="8529320" y="2050415"/>
+            <a:ext cx="180975" cy="188595"/>
+          </a:xfrm>
+          <a:prstGeom prst="ellipse">
+            <a:avLst/>
+          </a:prstGeom>
+          <a:solidFill>
+            <a:schemeClr val="accent5">
+              <a:lumMod val="40000"/>
+              <a:lumOff val="60000"/>
+            </a:schemeClr>
+          </a:solidFill>
+        </p:spPr>
+        <p:style>
+          <a:lnRef idx="2">
+            <a:schemeClr val="accent1">
+              <a:lumMod val="75000"/>
+            </a:schemeClr>
+          </a:lnRef>
+          <a:fillRef idx="1">
+            <a:schemeClr val="accent1"/>
+          </a:fillRef>
+          <a:effectRef idx="0">
+            <a:srgbClr val="FFFFFF"/>
+          </a:effectRef>
+          <a:fontRef idx="minor">
+            <a:schemeClr val="lt1"/>
+          </a:fontRef>
+        </p:style>
+        <p:txBody>
+          <a:bodyPr rtlCol="0" anchor="ctr"/>
+          <a:lstStyle/>
+          <a:p>
+            <a:pPr algn="ctr"/>
+            <a:endParaRPr lang="zh-CN" altLang="en-US"/>
+          </a:p>
+        </p:txBody>
+      </p:sp>
+      <p:sp>
+        <p:nvSpPr>
+          <p:cNvPr id="31" name="椭圆 30"/>
+          <p:cNvSpPr/>
+          <p:nvPr/>
+        </p:nvSpPr>
+        <p:spPr>
+          <a:xfrm>
+            <a:off x="7964805" y="1546225"/>
+            <a:ext cx="180975" cy="188595"/>
+          </a:xfrm>
+          <a:prstGeom prst="ellipse">
+            <a:avLst/>
+          </a:prstGeom>
+          <a:solidFill>
+            <a:schemeClr val="accent6">
+              <a:lumMod val="40000"/>
+              <a:lumOff val="60000"/>
+            </a:schemeClr>
+          </a:solidFill>
+        </p:spPr>
+        <p:style>
+          <a:lnRef idx="2">
+            <a:schemeClr val="accent1">
+              <a:lumMod val="75000"/>
+            </a:schemeClr>
+          </a:lnRef>
+          <a:fillRef idx="1">
+            <a:schemeClr val="accent1"/>
+          </a:fillRef>
+          <a:effectRef idx="0">
+            <a:srgbClr val="FFFFFF"/>
+          </a:effectRef>
+          <a:fontRef idx="minor">
+            <a:schemeClr val="lt1"/>
+          </a:fontRef>
+        </p:style>
+        <p:txBody>
+          <a:bodyPr rtlCol="0" anchor="ctr"/>
+          <a:lstStyle/>
+          <a:p>
+            <a:pPr algn="ctr"/>
+            <a:endParaRPr lang="zh-CN" altLang="en-US"/>
+          </a:p>
+        </p:txBody>
+      </p:sp>
+      <p:sp>
+        <p:nvSpPr>
+          <p:cNvPr id="32" name="椭圆 31"/>
+          <p:cNvSpPr/>
+          <p:nvPr/>
+        </p:nvSpPr>
+        <p:spPr>
+          <a:xfrm>
+            <a:off x="7964805" y="2538095"/>
+            <a:ext cx="180975" cy="188595"/>
+          </a:xfrm>
+          <a:prstGeom prst="ellipse">
+            <a:avLst/>
+          </a:prstGeom>
+          <a:solidFill>
+            <a:schemeClr val="accent6"/>
+          </a:solidFill>
+        </p:spPr>
+        <p:style>
+          <a:lnRef idx="2">
+            <a:schemeClr val="accent1">
+              <a:lumMod val="75000"/>
+            </a:schemeClr>
+          </a:lnRef>
+          <a:fillRef idx="1">
+            <a:schemeClr val="accent1"/>
+          </a:fillRef>
+          <a:effectRef idx="0">
+            <a:srgbClr val="FFFFFF"/>
+          </a:effectRef>
+          <a:fontRef idx="minor">
+            <a:schemeClr val="lt1"/>
+          </a:fontRef>
+        </p:style>
+        <p:txBody>
+          <a:bodyPr rtlCol="0" anchor="ctr"/>
+          <a:lstStyle/>
+          <a:p>
+            <a:pPr algn="ctr"/>
+            <a:endParaRPr lang="zh-CN" altLang="en-US"/>
+          </a:p>
+        </p:txBody>
+      </p:sp>
+      <p:sp>
+        <p:nvSpPr>
+          <p:cNvPr id="33" name="椭圆 32"/>
+          <p:cNvSpPr/>
+          <p:nvPr/>
+        </p:nvSpPr>
+        <p:spPr>
+          <a:xfrm>
+            <a:off x="9219565" y="2050415"/>
+            <a:ext cx="180975" cy="188595"/>
+          </a:xfrm>
+          <a:prstGeom prst="ellipse">
+            <a:avLst/>
+          </a:prstGeom>
+          <a:solidFill>
+            <a:schemeClr val="accent3">
+              <a:lumMod val="60000"/>
+              <a:lumOff val="40000"/>
+            </a:schemeClr>
+          </a:solidFill>
+        </p:spPr>
+        <p:style>
+          <a:lnRef idx="2">
+            <a:schemeClr val="accent1">
+              <a:lumMod val="75000"/>
+            </a:schemeClr>
+          </a:lnRef>
+          <a:fillRef idx="1">
+            <a:schemeClr val="accent1"/>
+          </a:fillRef>
+          <a:effectRef idx="0">
+            <a:srgbClr val="FFFFFF"/>
+          </a:effectRef>
+          <a:fontRef idx="minor">
+            <a:schemeClr val="lt1"/>
+          </a:fontRef>
+        </p:style>
+        <p:txBody>
+          <a:bodyPr rtlCol="0" anchor="ctr"/>
+          <a:lstStyle/>
+          <a:p>
+            <a:pPr algn="ctr"/>
+            <a:endParaRPr lang="zh-CN" altLang="en-US"/>
+          </a:p>
+        </p:txBody>
+      </p:sp>
+      <p:cxnSp>
+        <p:nvCxnSpPr>
+          <p:cNvPr id="34" name="直接箭头连接符 33"/>
+          <p:cNvCxnSpPr>
+            <a:stCxn id="31" idx="5"/>
+            <a:endCxn id="30" idx="1"/>
+          </p:cNvCxnSpPr>
+          <p:nvPr/>
+        </p:nvCxnSpPr>
+        <p:spPr>
+          <a:xfrm>
+            <a:off x="8119110" y="1707515"/>
+            <a:ext cx="436880" cy="370205"/>
+          </a:xfrm>
+          <a:prstGeom prst="straightConnector1">
+            <a:avLst/>
+          </a:prstGeom>
+          <a:ln>
+            <a:solidFill>
+              <a:schemeClr val="tx1"/>
+            </a:solidFill>
+            <a:tailEnd type="arrow"/>
+          </a:ln>
+        </p:spPr>
+        <p:style>
+          <a:lnRef idx="2">
+            <a:schemeClr val="accent1"/>
+          </a:lnRef>
+          <a:fillRef idx="0">
+            <a:srgbClr val="FFFFFF"/>
+          </a:fillRef>
+          <a:effectRef idx="0">
+            <a:srgbClr val="FFFFFF"/>
+          </a:effectRef>
+          <a:fontRef idx="minor">
+            <a:schemeClr val="tx1"/>
+          </a:fontRef>
+        </p:style>
+      </p:cxnSp>
+      <p:cxnSp>
+        <p:nvCxnSpPr>
+          <p:cNvPr id="35" name="直接箭头连接符 34"/>
+          <p:cNvCxnSpPr>
+            <a:endCxn id="30" idx="4"/>
+          </p:cNvCxnSpPr>
+          <p:nvPr/>
+        </p:nvCxnSpPr>
+        <p:spPr>
+          <a:xfrm flipV="1">
+            <a:off x="8145780" y="2239010"/>
+            <a:ext cx="474345" cy="393700"/>
+          </a:xfrm>
+          <a:prstGeom prst="straightConnector1">
+            <a:avLst/>
+          </a:prstGeom>
+          <a:ln>
+            <a:solidFill>
+              <a:schemeClr val="tx1"/>
+            </a:solidFill>
+            <a:tailEnd type="arrow"/>
+          </a:ln>
+        </p:spPr>
+        <p:style>
+          <a:lnRef idx="2">
+            <a:schemeClr val="accent1"/>
+          </a:lnRef>
+          <a:fillRef idx="0">
+            <a:srgbClr val="FFFFFF"/>
+          </a:fillRef>
+          <a:effectRef idx="0">
+            <a:srgbClr val="FFFFFF"/>
+          </a:effectRef>
+          <a:fontRef idx="minor">
+            <a:schemeClr val="tx1"/>
+          </a:fontRef>
+        </p:style>
+      </p:cxnSp>
+      <p:cxnSp>
+        <p:nvCxnSpPr>
+          <p:cNvPr id="40" name="直接箭头连接符 39"/>
+          <p:cNvCxnSpPr/>
+          <p:nvPr/>
+        </p:nvCxnSpPr>
+        <p:spPr>
+          <a:xfrm flipV="1">
+            <a:off x="7832725" y="2153920"/>
+            <a:ext cx="696595" cy="8890"/>
+          </a:xfrm>
+          <a:prstGeom prst="straightConnector1">
+            <a:avLst/>
+          </a:prstGeom>
+          <a:ln w="12700" cap="flat" cmpd="sng" algn="ctr">
+            <a:solidFill>
+              <a:schemeClr val="tx1"/>
+            </a:solidFill>
+            <a:prstDash val="dash"/>
+            <a:miter lim="800000"/>
+            <a:tailEnd type="arrow" w="med" len="med"/>
+          </a:ln>
+        </p:spPr>
+        <p:style>
+          <a:lnRef idx="0">
+            <a:schemeClr val="accent1"/>
+          </a:lnRef>
+          <a:fillRef idx="0">
+            <a:srgbClr val="FFFFFF"/>
+          </a:fillRef>
+          <a:effectRef idx="0">
+            <a:srgbClr val="FFFFFF"/>
+          </a:effectRef>
+          <a:fontRef idx="minor">
+            <a:schemeClr val="tx1"/>
+          </a:fontRef>
+        </p:style>
+      </p:cxnSp>
+      <p:cxnSp>
+        <p:nvCxnSpPr>
+          <p:cNvPr id="42" name="直接箭头连接符 41"/>
+          <p:cNvCxnSpPr>
+            <a:stCxn id="30" idx="6"/>
+          </p:cNvCxnSpPr>
+          <p:nvPr/>
+        </p:nvCxnSpPr>
+        <p:spPr>
+          <a:xfrm>
+            <a:off x="8710295" y="2145030"/>
+            <a:ext cx="504190" cy="5715"/>
+          </a:xfrm>
+          <a:prstGeom prst="straightConnector1">
+            <a:avLst/>
+          </a:prstGeom>
+          <a:ln>
+            <a:solidFill>
+              <a:schemeClr val="tx1"/>
+            </a:solidFill>
+            <a:tailEnd type="arrow"/>
+          </a:ln>
+        </p:spPr>
+        <p:style>
+          <a:lnRef idx="2">
+            <a:schemeClr val="accent1"/>
+          </a:lnRef>
+          <a:fillRef idx="0">
+            <a:srgbClr val="FFFFFF"/>
+          </a:fillRef>
+          <a:effectRef idx="0">
+            <a:srgbClr val="FFFFFF"/>
+          </a:effectRef>
+          <a:fontRef idx="minor">
+            <a:schemeClr val="tx1"/>
+          </a:fontRef>
+        </p:style>
+      </p:cxnSp>
+      <p:cxnSp>
+        <p:nvCxnSpPr>
+          <p:cNvPr id="44" name="曲线连接符 43"/>
+          <p:cNvCxnSpPr>
+            <a:stCxn id="30" idx="6"/>
+            <a:endCxn id="30" idx="0"/>
+          </p:cNvCxnSpPr>
+          <p:nvPr/>
+        </p:nvCxnSpPr>
+        <p:spPr>
+          <a:xfrm flipH="1" flipV="1">
+            <a:off x="8620125" y="2050415"/>
+            <a:ext cx="90170" cy="94615"/>
+          </a:xfrm>
+          <a:prstGeom prst="curvedConnector4">
+            <a:avLst>
+              <a:gd name="adj1" fmla="val -264085"/>
+              <a:gd name="adj2" fmla="val 351678"/>
+            </a:avLst>
+          </a:prstGeom>
+          <a:ln>
+            <a:solidFill>
+              <a:schemeClr val="tx1"/>
+            </a:solidFill>
+            <a:tailEnd type="arrow"/>
+          </a:ln>
+        </p:spPr>
+        <p:style>
+          <a:lnRef idx="2">
+            <a:schemeClr val="accent1"/>
+          </a:lnRef>
+          <a:fillRef idx="0">
+            <a:srgbClr val="FFFFFF"/>
+          </a:fillRef>
+          <a:effectRef idx="0">
+            <a:srgbClr val="FFFFFF"/>
+          </a:effectRef>
+          <a:fontRef idx="minor">
+            <a:schemeClr val="tx1"/>
+          </a:fontRef>
+        </p:style>
+      </p:cxnSp>
+      <p:sp>
+        <p:nvSpPr>
+          <p:cNvPr id="45" name="文本框 44"/>
+          <p:cNvSpPr txBox="1"/>
+          <p:nvPr/>
+        </p:nvSpPr>
+        <p:spPr>
+          <a:xfrm>
+            <a:off x="7268210" y="1169670"/>
+            <a:ext cx="2787015" cy="368300"/>
+          </a:xfrm>
+          <a:prstGeom prst="rect">
+            <a:avLst/>
+          </a:prstGeom>
+        </p:spPr>
+        <p:txBody>
+          <a:bodyPr wrap="square">
+            <a:spAutoFit/>
+            <a:extLst>
+              <a:ext uri="{4A0BC546-FE56-4ADE-93B0-CB8AF2F6F144}">
+                <wpsdc:textFrameExt xmlns:wpsdc="http://www.wps.cn/officeDocument/2022/drawingmlCustomData" xmlns="" type="text"/>
+              </a:ext>
+            </a:extLst>
+          </a:bodyPr>
+          <a:lstStyle/>
+          <a:p>
+            <a:pPr algn="l"/>
+            <a:r>
+              <a:rPr lang="en-US" altLang="zh-CN" sz="1800">
+                <a:latin typeface="Arial" panose="020B0604020202020204" pitchFamily="34" charset="0"/>
+                <a:ea typeface="微软雅黑" panose="020B0503020204020204" charset="-122"/>
+              </a:rPr>
+              <a:t>Graph Attention Network</a:t>
+            </a:r>
+          </a:p>
+        </p:txBody>
+      </p:sp>
+      <p:cxnSp>
+        <p:nvCxnSpPr>
+          <p:cNvPr id="8" name="直接箭头连接符 7"/>
+          <p:cNvCxnSpPr/>
+          <p:nvPr/>
+        </p:nvCxnSpPr>
+        <p:spPr>
+          <a:xfrm>
+            <a:off x="1318895" y="2223135"/>
+            <a:ext cx="2525395" cy="0"/>
+          </a:xfrm>
+          <a:prstGeom prst="straightConnector1">
+            <a:avLst/>
+          </a:prstGeom>
+          <a:ln w="31750" cap="rnd">
+            <a:solidFill>
+              <a:schemeClr val="accent1"/>
+            </a:solidFill>
+            <a:round/>
+            <a:tailEnd type="arrow" w="med" len="med"/>
+          </a:ln>
+        </p:spPr>
+        <p:style>
+          <a:lnRef idx="0">
+            <a:srgbClr val="FFFFFF"/>
+          </a:lnRef>
+          <a:fillRef idx="0">
+            <a:srgbClr val="FFFFFF"/>
+          </a:fillRef>
+          <a:effectRef idx="0">
+            <a:srgbClr val="FFFFFF"/>
+          </a:effectRef>
+          <a:fontRef idx="minor">
+            <a:schemeClr val="tx1"/>
+          </a:fontRef>
+        </p:style>
+      </p:cxnSp>
+      <p:cxnSp>
+        <p:nvCxnSpPr>
+          <p:cNvPr id="10" name="直接箭头连接符 9"/>
+          <p:cNvCxnSpPr>
+            <a:stCxn id="2" idx="0"/>
+          </p:cNvCxnSpPr>
+          <p:nvPr/>
+        </p:nvCxnSpPr>
+        <p:spPr>
+          <a:xfrm flipV="1">
+            <a:off x="2479040" y="2256790"/>
+            <a:ext cx="9525" cy="969645"/>
+          </a:xfrm>
+          <a:prstGeom prst="straightConnector1">
+            <a:avLst/>
+          </a:prstGeom>
+          <a:ln w="31750" cap="rnd">
+            <a:solidFill>
+              <a:schemeClr val="accent1"/>
+            </a:solidFill>
+            <a:round/>
+            <a:tailEnd type="arrow" w="med" len="med"/>
+          </a:ln>
+        </p:spPr>
+        <p:style>
+          <a:lnRef idx="0">
+            <a:srgbClr val="FFFFFF"/>
+          </a:lnRef>
+          <a:fillRef idx="0">
+            <a:srgbClr val="FFFFFF"/>
+          </a:fillRef>
+          <a:effectRef idx="0">
+            <a:srgbClr val="FFFFFF"/>
+          </a:effectRef>
+          <a:fontRef idx="minor">
+            <a:schemeClr val="tx1"/>
+          </a:fontRef>
+        </p:style>
+      </p:cxnSp>
+      <p:cxnSp>
+        <p:nvCxnSpPr>
+          <p:cNvPr id="16" name="直接箭头连接符 15"/>
+          <p:cNvCxnSpPr/>
+          <p:nvPr/>
+        </p:nvCxnSpPr>
+        <p:spPr>
+          <a:xfrm>
+            <a:off x="5048250" y="2208530"/>
+            <a:ext cx="2279650" cy="10160"/>
+          </a:xfrm>
+          <a:prstGeom prst="straightConnector1">
+            <a:avLst/>
+          </a:prstGeom>
+          <a:ln w="31750" cap="rnd">
+            <a:solidFill>
+              <a:schemeClr val="accent1"/>
+            </a:solidFill>
+            <a:round/>
+            <a:tailEnd type="arrow" w="med" len="med"/>
+          </a:ln>
+        </p:spPr>
+        <p:style>
+          <a:lnRef idx="0">
+            <a:srgbClr val="FFFFFF"/>
+          </a:lnRef>
+          <a:fillRef idx="0">
+            <a:srgbClr val="FFFFFF"/>
+          </a:fillRef>
+          <a:effectRef idx="0">
+            <a:srgbClr val="FFFFFF"/>
+          </a:effectRef>
+          <a:fontRef idx="minor">
+            <a:schemeClr val="tx1"/>
+          </a:fontRef>
+        </p:style>
+      </p:cxnSp>
+      <p:cxnSp>
+        <p:nvCxnSpPr>
+          <p:cNvPr id="46" name="直接箭头连接符 45"/>
+          <p:cNvCxnSpPr/>
+          <p:nvPr/>
+        </p:nvCxnSpPr>
+        <p:spPr>
+          <a:xfrm>
+            <a:off x="8786495" y="2434590"/>
+            <a:ext cx="10160" cy="1137920"/>
+          </a:xfrm>
+          <a:prstGeom prst="straightConnector1">
+            <a:avLst/>
+          </a:prstGeom>
+          <a:ln w="31750" cap="rnd">
+            <a:solidFill>
+              <a:schemeClr val="accent1"/>
+            </a:solidFill>
+            <a:round/>
+            <a:tailEnd type="arrow" w="med" len="med"/>
+          </a:ln>
+        </p:spPr>
+        <p:style>
+          <a:lnRef idx="0">
+            <a:srgbClr val="FFFFFF"/>
+          </a:lnRef>
+          <a:fillRef idx="0">
+            <a:srgbClr val="FFFFFF"/>
+          </a:fillRef>
+          <a:effectRef idx="0">
+            <a:srgbClr val="FFFFFF"/>
+          </a:effectRef>
+          <a:fontRef idx="minor">
+            <a:schemeClr val="tx1"/>
+          </a:fontRef>
+        </p:style>
+      </p:cxnSp>
+      <p:sp>
+        <p:nvSpPr>
+          <p:cNvPr id="48" name="文本框 47"/>
+          <p:cNvSpPr txBox="1"/>
+          <p:nvPr/>
+        </p:nvSpPr>
+        <p:spPr>
+          <a:xfrm>
+            <a:off x="5048250" y="2434590"/>
+            <a:ext cx="2420620" cy="368300"/>
+          </a:xfrm>
+          <a:prstGeom prst="rect">
+            <a:avLst/>
+          </a:prstGeom>
+        </p:spPr>
+        <p:txBody>
+          <a:bodyPr wrap="square">
+            <a:spAutoFit/>
+            <a:extLst>
+              <a:ext uri="{4A0BC546-FE56-4ADE-93B0-CB8AF2F6F144}">
+                <wpsdc:textFrameExt xmlns:wpsdc="http://www.wps.cn/officeDocument/2022/drawingmlCustomData" xmlns="" type="text"/>
+              </a:ext>
+            </a:extLst>
+          </a:bodyPr>
+          <a:lstStyle/>
+          <a:p>
+            <a:pPr algn="l"/>
+            <a:r>
+              <a:rPr lang="en-US" altLang="zh-CN" sz="1800">
+                <a:latin typeface="Arial" panose="020B0604020202020204" pitchFamily="34" charset="0"/>
+                <a:ea typeface="微软雅黑" panose="020B0503020204020204" charset="-122"/>
+              </a:rPr>
+              <a:t>Learned Relations</a:t>
+            </a:r>
+          </a:p>
+        </p:txBody>
+      </p:sp>
+      <p:sp>
+        <p:nvSpPr>
+          <p:cNvPr id="49" name="文本框 48"/>
+          <p:cNvSpPr txBox="1"/>
+          <p:nvPr/>
+        </p:nvSpPr>
+        <p:spPr>
+          <a:xfrm>
+            <a:off x="4533900" y="3997960"/>
+            <a:ext cx="2686685" cy="368300"/>
+          </a:xfrm>
+          <a:prstGeom prst="rect">
+            <a:avLst/>
+          </a:prstGeom>
+        </p:spPr>
+        <p:txBody>
+          <a:bodyPr wrap="square">
+            <a:spAutoFit/>
+            <a:extLst>
+              <a:ext uri="{4A0BC546-FE56-4ADE-93B0-CB8AF2F6F144}">
+                <wpsdc:textFrameExt xmlns:wpsdc="http://www.wps.cn/officeDocument/2022/drawingmlCustomData" xmlns="" type="text"/>
+              </a:ext>
+            </a:extLst>
+          </a:bodyPr>
+          <a:lstStyle/>
+          <a:p>
+            <a:pPr algn="ctr"/>
+            <a:r>
+              <a:rPr lang="en-US" altLang="zh-CN" sz="1800">
+                <a:latin typeface="Arial" panose="020B0604020202020204" pitchFamily="34" charset="0"/>
+                <a:ea typeface="微软雅黑" panose="020B0503020204020204" charset="-122"/>
+              </a:rPr>
+              <a:t>Learned Embeddings</a:t>
+            </a:r>
+          </a:p>
+        </p:txBody>
+      </p:sp>
+      <p:sp>
+        <p:nvSpPr>
+          <p:cNvPr id="50" name="文本框 49"/>
+          <p:cNvSpPr txBox="1"/>
+          <p:nvPr/>
+        </p:nvSpPr>
+        <p:spPr>
+          <a:xfrm>
+            <a:off x="8870315" y="2434590"/>
+            <a:ext cx="1831975" cy="922020"/>
+          </a:xfrm>
+          <a:prstGeom prst="rect">
+            <a:avLst/>
+          </a:prstGeom>
+        </p:spPr>
+        <p:txBody>
+          <a:bodyPr wrap="square">
+            <a:spAutoFit/>
+            <a:extLst>
+              <a:ext uri="{4A0BC546-FE56-4ADE-93B0-CB8AF2F6F144}">
+                <wpsdc:textFrameExt xmlns:wpsdc="http://www.wps.cn/officeDocument/2022/drawingmlCustomData" xmlns="" type="text"/>
+              </a:ext>
+            </a:extLst>
+          </a:bodyPr>
+          <a:lstStyle/>
+          <a:p>
+            <a:pPr algn="ctr"/>
+            <a:r>
+              <a:rPr lang="en-US" altLang="zh-CN" sz="1800">
+                <a:latin typeface="Arial" panose="020B0604020202020204" pitchFamily="34" charset="0"/>
+                <a:ea typeface="微软雅黑" panose="020B0503020204020204" charset="-122"/>
+              </a:rPr>
+              <a:t>Graph Attention-Based Features</a:t>
+            </a:r>
+          </a:p>
+        </p:txBody>
+      </p:sp>
+      <p:cxnSp>
+        <p:nvCxnSpPr>
+          <p:cNvPr id="51" name="直接箭头连接符 50"/>
+          <p:cNvCxnSpPr/>
+          <p:nvPr/>
+        </p:nvCxnSpPr>
+        <p:spPr>
+          <a:xfrm flipV="1">
+            <a:off x="7263130" y="2650490"/>
+            <a:ext cx="696595" cy="8890"/>
+          </a:xfrm>
+          <a:prstGeom prst="straightConnector1">
+            <a:avLst/>
+          </a:prstGeom>
+          <a:ln w="12700" cap="flat" cmpd="sng" algn="ctr">
+            <a:solidFill>
+              <a:schemeClr val="tx1"/>
+            </a:solidFill>
+            <a:prstDash val="dash"/>
+            <a:miter lim="800000"/>
+            <a:tailEnd type="arrow" w="med" len="med"/>
+          </a:ln>
+        </p:spPr>
+        <p:style>
+          <a:lnRef idx="0">
+            <a:schemeClr val="accent1"/>
+          </a:lnRef>
+          <a:fillRef idx="0">
+            <a:srgbClr val="FFFFFF"/>
+          </a:fillRef>
+          <a:effectRef idx="0">
+            <a:srgbClr val="FFFFFF"/>
+          </a:effectRef>
+          <a:fontRef idx="minor">
+            <a:schemeClr val="tx1"/>
+          </a:fontRef>
+        </p:style>
+      </p:cxnSp>
+      <p:cxnSp>
+        <p:nvCxnSpPr>
+          <p:cNvPr id="52" name="直接箭头连接符 51"/>
+          <p:cNvCxnSpPr/>
+          <p:nvPr/>
+        </p:nvCxnSpPr>
+        <p:spPr>
+          <a:xfrm flipV="1">
+            <a:off x="7263130" y="1640840"/>
+            <a:ext cx="696595" cy="8890"/>
+          </a:xfrm>
+          <a:prstGeom prst="straightConnector1">
+            <a:avLst/>
+          </a:prstGeom>
+          <a:ln w="12700" cap="flat" cmpd="sng" algn="ctr">
+            <a:solidFill>
+              <a:schemeClr val="tx1"/>
+            </a:solidFill>
+            <a:prstDash val="dash"/>
+            <a:miter lim="800000"/>
+            <a:tailEnd type="arrow" w="med" len="med"/>
+          </a:ln>
+        </p:spPr>
+        <p:style>
+          <a:lnRef idx="0">
+            <a:schemeClr val="accent1"/>
+          </a:lnRef>
+          <a:fillRef idx="0">
+            <a:srgbClr val="FFFFFF"/>
+          </a:fillRef>
+          <a:effectRef idx="0">
+            <a:srgbClr val="FFFFFF"/>
+          </a:effectRef>
+          <a:fontRef idx="minor">
+            <a:schemeClr val="tx1"/>
+          </a:fontRef>
+        </p:style>
+      </p:cxnSp>
+      <p:cxnSp>
+        <p:nvCxnSpPr>
+          <p:cNvPr id="56" name="直接连接符 55"/>
+          <p:cNvCxnSpPr/>
+          <p:nvPr/>
+        </p:nvCxnSpPr>
+        <p:spPr>
+          <a:xfrm flipH="1">
+            <a:off x="4333240" y="2908300"/>
+            <a:ext cx="19050" cy="944880"/>
+          </a:xfrm>
+          <a:prstGeom prst="line">
+            <a:avLst/>
+          </a:prstGeom>
+          <a:ln w="31750" cap="rnd">
+            <a:solidFill>
+              <a:schemeClr val="accent1"/>
+            </a:solidFill>
+            <a:round/>
+          </a:ln>
+        </p:spPr>
+        <p:style>
+          <a:lnRef idx="0">
+            <a:srgbClr val="FFFFFF"/>
+          </a:lnRef>
+          <a:fillRef idx="0">
+            <a:srgbClr val="FFFFFF"/>
+          </a:fillRef>
+          <a:effectRef idx="0">
+            <a:srgbClr val="FFFFFF"/>
+          </a:effectRef>
+          <a:fontRef idx="minor">
+            <a:schemeClr val="tx1"/>
+          </a:fontRef>
+        </p:style>
+      </p:cxnSp>
+      <p:cxnSp>
+        <p:nvCxnSpPr>
+          <p:cNvPr id="57" name="直接箭头连接符 56"/>
+          <p:cNvCxnSpPr/>
+          <p:nvPr/>
+        </p:nvCxnSpPr>
+        <p:spPr>
+          <a:xfrm flipV="1">
+            <a:off x="4342765" y="3836670"/>
+            <a:ext cx="3552190" cy="18415"/>
+          </a:xfrm>
+          <a:prstGeom prst="straightConnector1">
+            <a:avLst/>
+          </a:prstGeom>
+          <a:ln w="31750" cap="rnd">
+            <a:solidFill>
+              <a:schemeClr val="accent1"/>
+            </a:solidFill>
+            <a:round/>
+            <a:tailEnd type="arrow" w="med" len="med"/>
+          </a:ln>
+        </p:spPr>
+        <p:style>
+          <a:lnRef idx="0">
+            <a:srgbClr val="FFFFFF"/>
+          </a:lnRef>
+          <a:fillRef idx="0">
+            <a:srgbClr val="FFFFFF"/>
+          </a:fillRef>
+          <a:effectRef idx="0">
+            <a:srgbClr val="FFFFFF"/>
+          </a:effectRef>
+          <a:fontRef idx="minor">
+            <a:schemeClr val="tx1"/>
+          </a:fontRef>
+        </p:style>
+      </p:cxnSp>
+      <p:sp>
+        <p:nvSpPr>
+          <p:cNvPr id="58" name="文本框 57"/>
+          <p:cNvSpPr txBox="1"/>
+          <p:nvPr/>
+        </p:nvSpPr>
+        <p:spPr>
+          <a:xfrm>
+            <a:off x="7894955" y="3530600"/>
+            <a:ext cx="1723390" cy="645160"/>
+          </a:xfrm>
+          <a:prstGeom prst="rect">
+            <a:avLst/>
+          </a:prstGeom>
+          <a:solidFill>
+            <a:schemeClr val="accent4">
+              <a:lumMod val="60000"/>
+              <a:lumOff val="40000"/>
+            </a:schemeClr>
+          </a:solidFill>
+        </p:spPr>
+        <p:txBody>
+          <a:bodyPr wrap="square">
+            <a:spAutoFit/>
+            <a:extLst>
+              <a:ext uri="{4A0BC546-FE56-4ADE-93B0-CB8AF2F6F144}">
+                <wpsdc:textFrameExt xmlns:wpsdc="http://www.wps.cn/officeDocument/2022/drawingmlCustomData" xmlns="" type="text"/>
+              </a:ext>
+            </a:extLst>
+          </a:bodyPr>
+          <a:lstStyle/>
+          <a:p>
+            <a:pPr algn="ctr"/>
+            <a:r>
+              <a:rPr lang="en-US" altLang="zh-CN" sz="1800">
+                <a:latin typeface="Arial" panose="020B0604020202020204" pitchFamily="34" charset="0"/>
+                <a:ea typeface="微软雅黑" panose="020B0503020204020204" charset="-122"/>
+              </a:rPr>
+              <a:t>element-wise multiply</a:t>
+            </a:r>
+          </a:p>
+        </p:txBody>
+      </p:sp>
+      <p:cxnSp>
+        <p:nvCxnSpPr>
+          <p:cNvPr id="59" name="直接箭头连接符 58"/>
+          <p:cNvCxnSpPr>
+            <a:stCxn id="58" idx="3"/>
+          </p:cNvCxnSpPr>
+          <p:nvPr/>
+        </p:nvCxnSpPr>
+        <p:spPr>
+          <a:xfrm flipV="1">
+            <a:off x="9618345" y="3824605"/>
+            <a:ext cx="2239010" cy="28575"/>
+          </a:xfrm>
+          <a:prstGeom prst="straightConnector1">
+            <a:avLst/>
+          </a:prstGeom>
+          <a:ln w="31750" cap="rnd">
+            <a:solidFill>
+              <a:schemeClr val="accent1"/>
+            </a:solidFill>
+            <a:round/>
+            <a:tailEnd type="arrow" w="med" len="med"/>
+          </a:ln>
+        </p:spPr>
+        <p:style>
+          <a:lnRef idx="0">
+            <a:srgbClr val="FFFFFF"/>
+          </a:lnRef>
+          <a:fillRef idx="0">
+            <a:srgbClr val="FFFFFF"/>
+          </a:fillRef>
+          <a:effectRef idx="0">
+            <a:srgbClr val="FFFFFF"/>
+          </a:effectRef>
+          <a:fontRef idx="minor">
+            <a:schemeClr val="tx1"/>
+          </a:fontRef>
+        </p:style>
+      </p:cxnSp>
+      <p:sp>
+        <p:nvSpPr>
+          <p:cNvPr id="60" name="文本框 59"/>
+          <p:cNvSpPr txBox="1"/>
+          <p:nvPr/>
+        </p:nvSpPr>
+        <p:spPr>
+          <a:xfrm>
+            <a:off x="9892665" y="3998595"/>
+            <a:ext cx="1850390" cy="368300"/>
+          </a:xfrm>
+          <a:prstGeom prst="rect">
+            <a:avLst/>
+          </a:prstGeom>
+        </p:spPr>
+        <p:txBody>
+          <a:bodyPr wrap="square">
+            <a:spAutoFit/>
+            <a:extLst>
+              <a:ext uri="{4A0BC546-FE56-4ADE-93B0-CB8AF2F6F144}">
+                <wpsdc:textFrameExt xmlns:wpsdc="http://www.wps.cn/officeDocument/2022/drawingmlCustomData" xmlns="" type="text"/>
+              </a:ext>
+            </a:extLst>
+          </a:bodyPr>
+          <a:lstStyle/>
+          <a:p>
+            <a:pPr algn="l"/>
+            <a:r>
+              <a:rPr lang="en-US" altLang="zh-CN" sz="1800">
+                <a:solidFill>
+                  <a:schemeClr val="accent6"/>
+                </a:solidFill>
+                <a:latin typeface="Arial" panose="020B0604020202020204" pitchFamily="34" charset="0"/>
+                <a:ea typeface="微软雅黑" panose="020B0503020204020204" charset="-122"/>
+              </a:rPr>
+              <a:t>Spatial Features</a:t>
+            </a:r>
+          </a:p>
+        </p:txBody>
+      </p:sp>
+    </p:spTree>
+  </p:cSld>
+  <p:clrMapOvr>
+    <a:masterClrMapping/>
+  </p:clrMapOvr>
+</p:sld>
+</file>
+
+<file path=ppt/slides/slide19.xml><?xml version="1.0" encoding="utf-8"?>
+<p:sld xmlns:a="http://schemas.openxmlformats.org/drawingml/2006/main" xmlns:r="http://schemas.openxmlformats.org/officeDocument/2006/relationships" xmlns:p="http://schemas.openxmlformats.org/presentationml/2006/main">
+  <p:cSld>
+    <p:spTree>
+      <p:nvGrpSpPr>
+        <p:cNvPr id="1" name=""/>
+        <p:cNvGrpSpPr/>
+        <p:nvPr/>
+      </p:nvGrpSpPr>
+      <p:grpSpPr>
+        <a:xfrm>
+          <a:off x="0" y="0"/>
+          <a:ext cx="0" cy="0"/>
+          <a:chOff x="0" y="0"/>
+          <a:chExt cx="0" cy="0"/>
+        </a:xfrm>
+      </p:grpSpPr>
+      <p:pic>
+        <p:nvPicPr>
+          <p:cNvPr id="12" name="图片 11"/>
+          <p:cNvPicPr>
+            <a:picLocks noChangeAspect="1"/>
+          </p:cNvPicPr>
+          <p:nvPr/>
+        </p:nvPicPr>
+        <p:blipFill>
+          <a:blip r:embed="rId2"/>
+          <a:stretch>
+            <a:fillRect/>
+          </a:stretch>
+        </p:blipFill>
+        <p:spPr>
+          <a:xfrm>
+            <a:off x="0" y="2762659"/>
+            <a:ext cx="3313748" cy="1725893"/>
+          </a:xfrm>
+          <a:prstGeom prst="rect">
+            <a:avLst/>
+          </a:prstGeom>
+        </p:spPr>
+      </p:pic>
+      <p:sp>
+        <p:nvSpPr>
+          <p:cNvPr id="53" name="文本框 52"/>
+          <p:cNvSpPr txBox="1"/>
+          <p:nvPr/>
+        </p:nvSpPr>
+        <p:spPr>
+          <a:xfrm>
+            <a:off x="5947273" y="3564892"/>
+            <a:ext cx="452368" cy="461665"/>
+          </a:xfrm>
+          <a:prstGeom prst="rect">
+            <a:avLst/>
+          </a:prstGeom>
+          <a:noFill/>
+        </p:spPr>
+        <p:txBody>
+          <a:bodyPr wrap="square" rtlCol="0" anchor="t">
+            <a:spAutoFit/>
+          </a:bodyPr>
+          <a:lstStyle/>
+          <a:p>
+            <a:r>
+              <a:rPr lang="zh-CN" altLang="en-US" sz="2400" dirty="0">
+                <a:latin typeface="微软雅黑" panose="020B0503020204020204" charset="-122"/>
+                <a:ea typeface="微软雅黑" panose="020B0503020204020204" charset="-122"/>
+              </a:rPr>
+              <a:t>⨁</a:t>
+            </a:r>
+          </a:p>
+        </p:txBody>
+      </p:sp>
+      <p:sp>
+        <p:nvSpPr>
+          <p:cNvPr id="54" name="文本框 53"/>
+          <p:cNvSpPr txBox="1"/>
+          <p:nvPr/>
+        </p:nvSpPr>
+        <p:spPr>
+          <a:xfrm>
+            <a:off x="4329318" y="3626447"/>
+            <a:ext cx="1951715" cy="338554"/>
+          </a:xfrm>
+          <a:prstGeom prst="rect">
+            <a:avLst/>
+          </a:prstGeom>
+        </p:spPr>
+        <p:txBody>
+          <a:bodyPr wrap="square">
+            <a:spAutoFit/>
+            <a:extLst>
+              <a:ext uri="{4A0BC546-FE56-4ADE-93B0-CB8AF2F6F144}">
+                <wpsdc:textFrameExt xmlns:wpsdc="http://www.wps.cn/officeDocument/2022/drawingmlCustomData" xmlns="" type="text"/>
+              </a:ext>
+            </a:extLst>
+          </a:bodyPr>
+          <a:lstStyle/>
+          <a:p>
+            <a:pPr algn="l"/>
+            <a:r>
+              <a:rPr lang="en-US" altLang="zh-CN" sz="1600" dirty="0">
+                <a:latin typeface="Arial" panose="020B0604020202020204" pitchFamily="34" charset="0"/>
+                <a:ea typeface="微软雅黑" panose="020B0503020204020204" charset="-122"/>
+              </a:rPr>
+              <a:t>Concat Features</a:t>
+            </a:r>
+          </a:p>
+        </p:txBody>
+      </p:sp>
+      <p:pic>
+        <p:nvPicPr>
+          <p:cNvPr id="13" name="图片 12">
+            <a:extLst>
+              <a:ext uri="{FF2B5EF4-FFF2-40B4-BE49-F238E27FC236}">
+                <a16:creationId xmlns:a16="http://schemas.microsoft.com/office/drawing/2014/main" id="{4C22B661-40C3-47C1-8D4E-B0A9ADE21B87}"/>
+              </a:ext>
+            </a:extLst>
+          </p:cNvPr>
+          <p:cNvPicPr>
+            <a:picLocks noChangeAspect="1"/>
+          </p:cNvPicPr>
+          <p:nvPr/>
+        </p:nvPicPr>
+        <p:blipFill>
+          <a:blip r:embed="rId3"/>
+          <a:stretch>
+            <a:fillRect/>
+          </a:stretch>
+        </p:blipFill>
+        <p:spPr>
+          <a:xfrm>
+            <a:off x="3244731" y="154942"/>
+            <a:ext cx="5857452" cy="2821339"/>
+          </a:xfrm>
+          <a:prstGeom prst="rect">
+            <a:avLst/>
+          </a:prstGeom>
+        </p:spPr>
+      </p:pic>
+      <p:pic>
+        <p:nvPicPr>
+          <p:cNvPr id="17" name="图片 16">
+            <a:extLst>
+              <a:ext uri="{FF2B5EF4-FFF2-40B4-BE49-F238E27FC236}">
+                <a16:creationId xmlns:a16="http://schemas.microsoft.com/office/drawing/2014/main" id="{74CFEB18-5EF5-49AE-B3F6-27ACD3429FA4}"/>
+              </a:ext>
+            </a:extLst>
+          </p:cNvPr>
+          <p:cNvPicPr>
+            <a:picLocks noChangeAspect="1"/>
+          </p:cNvPicPr>
+          <p:nvPr/>
+        </p:nvPicPr>
+        <p:blipFill>
+          <a:blip r:embed="rId4"/>
+          <a:stretch>
+            <a:fillRect/>
+          </a:stretch>
+        </p:blipFill>
+        <p:spPr>
+          <a:xfrm>
+            <a:off x="9421132" y="2776148"/>
+            <a:ext cx="2723453" cy="2039151"/>
+          </a:xfrm>
+          <a:prstGeom prst="rect">
+            <a:avLst/>
+          </a:prstGeom>
+        </p:spPr>
+      </p:pic>
+      <p:cxnSp>
+        <p:nvCxnSpPr>
+          <p:cNvPr id="16" name="连接符: 肘形 15">
+            <a:extLst>
+              <a:ext uri="{FF2B5EF4-FFF2-40B4-BE49-F238E27FC236}">
+                <a16:creationId xmlns:a16="http://schemas.microsoft.com/office/drawing/2014/main" id="{B7BE1DE3-7802-40DF-9595-AF04235C6BF4}"/>
+              </a:ext>
+            </a:extLst>
+          </p:cNvPr>
+          <p:cNvCxnSpPr>
+            <a:stCxn id="12" idx="0"/>
+            <a:endCxn id="13" idx="1"/>
+          </p:cNvCxnSpPr>
+          <p:nvPr/>
+        </p:nvCxnSpPr>
+        <p:spPr>
+          <a:xfrm rot="5400000" flipH="1" flipV="1">
+            <a:off x="1852279" y="1370208"/>
+            <a:ext cx="1197047" cy="1587857"/>
+          </a:xfrm>
+          <a:prstGeom prst="bentConnector2">
+            <a:avLst/>
+          </a:prstGeom>
+          <a:ln w="28575">
+            <a:tailEnd type="triangle"/>
+          </a:ln>
+        </p:spPr>
+        <p:style>
+          <a:lnRef idx="1">
+            <a:schemeClr val="accent1"/>
+          </a:lnRef>
+          <a:fillRef idx="0">
+            <a:schemeClr val="accent1"/>
+          </a:fillRef>
+          <a:effectRef idx="0">
+            <a:schemeClr val="accent1"/>
+          </a:effectRef>
+          <a:fontRef idx="minor">
+            <a:schemeClr val="tx1"/>
+          </a:fontRef>
+        </p:style>
+      </p:cxnSp>
+      <p:cxnSp>
+        <p:nvCxnSpPr>
+          <p:cNvPr id="19" name="连接符: 肘形 18">
+            <a:extLst>
+              <a:ext uri="{FF2B5EF4-FFF2-40B4-BE49-F238E27FC236}">
+                <a16:creationId xmlns:a16="http://schemas.microsoft.com/office/drawing/2014/main" id="{3C013995-08CD-404F-9A56-37C83B373D93}"/>
+              </a:ext>
+            </a:extLst>
+          </p:cNvPr>
+          <p:cNvCxnSpPr>
+            <a:cxnSpLocks/>
+            <a:stCxn id="12" idx="2"/>
+            <a:endCxn id="44" idx="1"/>
+          </p:cNvCxnSpPr>
+          <p:nvPr/>
+        </p:nvCxnSpPr>
+        <p:spPr>
+          <a:xfrm rot="16200000" flipH="1">
+            <a:off x="1720709" y="4424716"/>
+            <a:ext cx="1166416" cy="1294087"/>
+          </a:xfrm>
+          <a:prstGeom prst="bentConnector2">
+            <a:avLst/>
+          </a:prstGeom>
+          <a:ln w="28575">
+            <a:solidFill>
+              <a:schemeClr val="accent1"/>
+            </a:solidFill>
+            <a:tailEnd type="triangle"/>
+          </a:ln>
+        </p:spPr>
+        <p:style>
+          <a:lnRef idx="1">
+            <a:schemeClr val="accent1"/>
+          </a:lnRef>
+          <a:fillRef idx="0">
+            <a:schemeClr val="accent1"/>
+          </a:fillRef>
+          <a:effectRef idx="0">
+            <a:schemeClr val="accent1"/>
+          </a:effectRef>
+          <a:fontRef idx="minor">
+            <a:schemeClr val="tx1"/>
+          </a:fontRef>
+        </p:style>
+      </p:cxnSp>
+      <p:cxnSp>
+        <p:nvCxnSpPr>
+          <p:cNvPr id="25" name="直接箭头连接符 24">
+            <a:extLst>
+              <a:ext uri="{FF2B5EF4-FFF2-40B4-BE49-F238E27FC236}">
+                <a16:creationId xmlns:a16="http://schemas.microsoft.com/office/drawing/2014/main" id="{C4B27A7A-0A24-4446-BF7F-C0D20E9D5412}"/>
+              </a:ext>
+            </a:extLst>
+          </p:cNvPr>
+          <p:cNvCxnSpPr>
+            <a:cxnSpLocks/>
+            <a:stCxn id="13" idx="2"/>
+            <a:endCxn id="53" idx="0"/>
+          </p:cNvCxnSpPr>
+          <p:nvPr/>
+        </p:nvCxnSpPr>
+        <p:spPr>
+          <a:xfrm>
+            <a:off x="6173457" y="2976281"/>
+            <a:ext cx="0" cy="588611"/>
+          </a:xfrm>
+          <a:prstGeom prst="straightConnector1">
+            <a:avLst/>
+          </a:prstGeom>
+          <a:ln w="28575">
+            <a:solidFill>
+              <a:schemeClr val="accent1"/>
+            </a:solidFill>
+            <a:tailEnd type="triangle"/>
+          </a:ln>
+        </p:spPr>
+        <p:style>
+          <a:lnRef idx="1">
+            <a:schemeClr val="accent1"/>
+          </a:lnRef>
+          <a:fillRef idx="0">
+            <a:schemeClr val="accent1"/>
+          </a:fillRef>
+          <a:effectRef idx="0">
+            <a:schemeClr val="accent1"/>
+          </a:effectRef>
+          <a:fontRef idx="minor">
+            <a:schemeClr val="tx1"/>
+          </a:fontRef>
+        </p:style>
+      </p:cxnSp>
+      <p:cxnSp>
+        <p:nvCxnSpPr>
+          <p:cNvPr id="29" name="直接箭头连接符 28">
+            <a:extLst>
+              <a:ext uri="{FF2B5EF4-FFF2-40B4-BE49-F238E27FC236}">
+                <a16:creationId xmlns:a16="http://schemas.microsoft.com/office/drawing/2014/main" id="{196E43A7-ADE8-4939-A794-EBC46E9A4A9B}"/>
+              </a:ext>
+            </a:extLst>
+          </p:cNvPr>
+          <p:cNvCxnSpPr>
+            <a:cxnSpLocks/>
+            <a:stCxn id="44" idx="0"/>
+            <a:endCxn id="53" idx="2"/>
+          </p:cNvCxnSpPr>
+          <p:nvPr/>
+        </p:nvCxnSpPr>
+        <p:spPr>
+          <a:xfrm flipV="1">
+            <a:off x="6173457" y="4026557"/>
+            <a:ext cx="0" cy="459142"/>
+          </a:xfrm>
+          <a:prstGeom prst="straightConnector1">
+            <a:avLst/>
+          </a:prstGeom>
+          <a:ln w="28575">
+            <a:tailEnd type="triangle"/>
+          </a:ln>
+        </p:spPr>
+        <p:style>
+          <a:lnRef idx="1">
+            <a:schemeClr val="accent1"/>
+          </a:lnRef>
+          <a:fillRef idx="0">
+            <a:schemeClr val="accent1"/>
+          </a:fillRef>
+          <a:effectRef idx="0">
+            <a:schemeClr val="accent1"/>
+          </a:effectRef>
+          <a:fontRef idx="minor">
+            <a:schemeClr val="tx1"/>
+          </a:fontRef>
+        </p:style>
+      </p:cxnSp>
+      <p:cxnSp>
+        <p:nvCxnSpPr>
+          <p:cNvPr id="33" name="直接箭头连接符 32">
+            <a:extLst>
+              <a:ext uri="{FF2B5EF4-FFF2-40B4-BE49-F238E27FC236}">
+                <a16:creationId xmlns:a16="http://schemas.microsoft.com/office/drawing/2014/main" id="{063BB3B5-4166-44BB-991D-2C077F39D665}"/>
+              </a:ext>
+            </a:extLst>
+          </p:cNvPr>
+          <p:cNvCxnSpPr>
+            <a:stCxn id="53" idx="3"/>
+            <a:endCxn id="17" idx="1"/>
+          </p:cNvCxnSpPr>
+          <p:nvPr/>
+        </p:nvCxnSpPr>
+        <p:spPr>
+          <a:xfrm flipV="1">
+            <a:off x="6399641" y="3795724"/>
+            <a:ext cx="3021491" cy="1"/>
+          </a:xfrm>
+          <a:prstGeom prst="straightConnector1">
+            <a:avLst/>
+          </a:prstGeom>
+          <a:ln w="28575">
+            <a:tailEnd type="triangle"/>
+          </a:ln>
+        </p:spPr>
+        <p:style>
+          <a:lnRef idx="1">
+            <a:schemeClr val="accent1"/>
+          </a:lnRef>
+          <a:fillRef idx="0">
+            <a:schemeClr val="accent1"/>
+          </a:fillRef>
+          <a:effectRef idx="0">
+            <a:schemeClr val="accent1"/>
+          </a:effectRef>
+          <a:fontRef idx="minor">
+            <a:schemeClr val="tx1"/>
+          </a:fontRef>
+        </p:style>
+      </p:cxnSp>
+      <p:pic>
+        <p:nvPicPr>
+          <p:cNvPr id="44" name="图片 43">
+            <a:extLst>
+              <a:ext uri="{FF2B5EF4-FFF2-40B4-BE49-F238E27FC236}">
+                <a16:creationId xmlns:a16="http://schemas.microsoft.com/office/drawing/2014/main" id="{7E8CC187-4ACF-48F5-B857-1022336F059B}"/>
+              </a:ext>
+            </a:extLst>
+          </p:cNvPr>
+          <p:cNvPicPr>
+            <a:picLocks noChangeAspect="1"/>
+          </p:cNvPicPr>
+          <p:nvPr/>
+        </p:nvPicPr>
+        <p:blipFill>
+          <a:blip r:embed="rId5"/>
+          <a:stretch>
+            <a:fillRect/>
+          </a:stretch>
+        </p:blipFill>
+        <p:spPr>
+          <a:xfrm>
+            <a:off x="2950961" y="4485699"/>
+            <a:ext cx="6444992" cy="2338538"/>
+          </a:xfrm>
+          <a:prstGeom prst="rect">
+            <a:avLst/>
+          </a:prstGeom>
+        </p:spPr>
+      </p:pic>
+    </p:spTree>
+  </p:cSld>
+  <p:clrMapOvr>
+    <a:masterClrMapping/>
+  </p:clrMapOvr>
+</p:sld>
+</file>
+
+<file path=ppt/slides/slide2.xml><?xml version="1.0" encoding="utf-8"?>
+<p:sld xmlns:a="http://schemas.openxmlformats.org/drawingml/2006/main" xmlns:r="http://schemas.openxmlformats.org/officeDocument/2006/relationships" xmlns:p="http://schemas.openxmlformats.org/presentationml/2006/main">
+  <p:cSld>
+    <p:spTree>
+      <p:nvGrpSpPr>
+        <p:cNvPr id="1" name=""/>
+        <p:cNvGrpSpPr/>
+        <p:nvPr/>
+      </p:nvGrpSpPr>
+      <p:grpSpPr>
+        <a:xfrm>
+          <a:off x="0" y="0"/>
+          <a:ext cx="0" cy="0"/>
+          <a:chOff x="0" y="0"/>
+          <a:chExt cx="0" cy="0"/>
+        </a:xfrm>
+      </p:grpSpPr>
+      <p:sp>
+        <p:nvSpPr>
+          <p:cNvPr id="2" name="矩形 1">
+            <a:extLst>
+              <a:ext uri="{FF2B5EF4-FFF2-40B4-BE49-F238E27FC236}">
+                <a16:creationId xmlns:a16="http://schemas.microsoft.com/office/drawing/2014/main" id="{B7CF5B09-6CE6-40CA-A273-DC160BFA844F}"/>
+              </a:ext>
+            </a:extLst>
+          </p:cNvPr>
+          <p:cNvSpPr/>
+          <p:nvPr/>
+        </p:nvSpPr>
+        <p:spPr>
+          <a:xfrm>
+            <a:off x="1039906" y="878541"/>
+            <a:ext cx="896470" cy="358588"/>
+          </a:xfrm>
+          <a:prstGeom prst="rect">
+            <a:avLst/>
+          </a:prstGeom>
+          <a:noFill/>
+          <a:ln w="19050">
+            <a:solidFill>
+              <a:schemeClr val="tx1"/>
+            </a:solidFill>
+          </a:ln>
+        </p:spPr>
+        <p:style>
+          <a:lnRef idx="2">
+            <a:schemeClr val="accent1">
+              <a:shade val="50000"/>
+            </a:schemeClr>
+          </a:lnRef>
+          <a:fillRef idx="1">
+            <a:schemeClr val="accent1"/>
+          </a:fillRef>
+          <a:effectRef idx="0">
+            <a:schemeClr val="accent1"/>
+          </a:effectRef>
+          <a:fontRef idx="minor">
+            <a:schemeClr val="lt1"/>
+          </a:fontRef>
+        </p:style>
+        <p:txBody>
+          <a:bodyPr rtlCol="0" anchor="ctr"/>
+          <a:lstStyle/>
+          <a:p>
+            <a:pPr algn="ctr"/>
+            <a:r>
+              <a:rPr lang="zh-CN" altLang="en-US" dirty="0">
+                <a:solidFill>
+                  <a:schemeClr val="tx1"/>
+                </a:solidFill>
+              </a:rPr>
+              <a:t>绪论</a:t>
+            </a:r>
+          </a:p>
+        </p:txBody>
+      </p:sp>
+      <p:sp>
+        <p:nvSpPr>
+          <p:cNvPr id="19" name="矩形 18">
+            <a:extLst>
+              <a:ext uri="{FF2B5EF4-FFF2-40B4-BE49-F238E27FC236}">
+                <a16:creationId xmlns:a16="http://schemas.microsoft.com/office/drawing/2014/main" id="{15B6D782-12B2-4DE7-9C86-773F88904A82}"/>
+              </a:ext>
+            </a:extLst>
+          </p:cNvPr>
+          <p:cNvSpPr/>
+          <p:nvPr/>
+        </p:nvSpPr>
+        <p:spPr>
+          <a:xfrm>
+            <a:off x="900953" y="1237129"/>
+            <a:ext cx="1174376" cy="358588"/>
+          </a:xfrm>
+          <a:prstGeom prst="rect">
+            <a:avLst/>
+          </a:prstGeom>
+          <a:noFill/>
+          <a:ln w="19050">
+            <a:solidFill>
+              <a:schemeClr val="tx1"/>
+            </a:solidFill>
+          </a:ln>
+        </p:spPr>
+        <p:style>
+          <a:lnRef idx="2">
+            <a:schemeClr val="accent1">
+              <a:shade val="50000"/>
+            </a:schemeClr>
+          </a:lnRef>
+          <a:fillRef idx="1">
+            <a:schemeClr val="accent1"/>
+          </a:fillRef>
+          <a:effectRef idx="0">
+            <a:schemeClr val="accent1"/>
+          </a:effectRef>
+          <a:fontRef idx="minor">
+            <a:schemeClr val="lt1"/>
+          </a:fontRef>
+        </p:style>
+        <p:txBody>
+          <a:bodyPr rtlCol="0" anchor="ctr"/>
+          <a:lstStyle/>
+          <a:p>
+            <a:pPr algn="ctr"/>
+            <a:r>
+              <a:rPr lang="zh-CN" altLang="en-US" dirty="0">
+                <a:solidFill>
+                  <a:schemeClr val="tx1"/>
+                </a:solidFill>
+              </a:rPr>
+              <a:t>相关理论</a:t>
+            </a:r>
+          </a:p>
+        </p:txBody>
+      </p:sp>
+      <p:sp>
+        <p:nvSpPr>
+          <p:cNvPr id="3" name="矩形 2">
+            <a:extLst>
+              <a:ext uri="{FF2B5EF4-FFF2-40B4-BE49-F238E27FC236}">
+                <a16:creationId xmlns:a16="http://schemas.microsoft.com/office/drawing/2014/main" id="{C42DA1A4-907E-4948-A6A9-B85518D62BFE}"/>
+              </a:ext>
+            </a:extLst>
+          </p:cNvPr>
+          <p:cNvSpPr/>
+          <p:nvPr/>
+        </p:nvSpPr>
+        <p:spPr>
+          <a:xfrm>
+            <a:off x="2187388" y="2321859"/>
+            <a:ext cx="2958353" cy="1107141"/>
+          </a:xfrm>
+          <a:prstGeom prst="rect">
+            <a:avLst/>
+          </a:prstGeom>
+          <a:solidFill>
+            <a:schemeClr val="bg2">
+              <a:lumMod val="90000"/>
+            </a:schemeClr>
+          </a:solidFill>
+        </p:spPr>
+        <p:style>
+          <a:lnRef idx="2">
+            <a:schemeClr val="accent1">
+              <a:shade val="50000"/>
+            </a:schemeClr>
+          </a:lnRef>
+          <a:fillRef idx="1">
+            <a:schemeClr val="accent1"/>
+          </a:fillRef>
+          <a:effectRef idx="0">
+            <a:schemeClr val="accent1"/>
+          </a:effectRef>
+          <a:fontRef idx="minor">
+            <a:schemeClr val="lt1"/>
+          </a:fontRef>
+        </p:style>
+        <p:txBody>
+          <a:bodyPr rtlCol="0" anchor="ctr"/>
+          <a:lstStyle/>
+          <a:p>
+            <a:pPr algn="ctr"/>
+            <a:r>
+              <a:rPr lang="zh-CN" altLang="en-US" dirty="0">
+                <a:solidFill>
+                  <a:schemeClr val="accent6"/>
+                </a:solidFill>
+              </a:rPr>
+              <a:t>测试集总点数：</a:t>
+            </a:r>
+            <a:r>
+              <a:rPr lang="en-US" altLang="zh-CN" dirty="0">
+                <a:solidFill>
+                  <a:schemeClr val="accent6"/>
+                </a:solidFill>
+              </a:rPr>
+              <a:t>74876</a:t>
+            </a:r>
+          </a:p>
+          <a:p>
+            <a:pPr algn="ctr"/>
+            <a:r>
+              <a:rPr lang="zh-CN" altLang="en-US" dirty="0">
+                <a:solidFill>
+                  <a:schemeClr val="accent6"/>
+                </a:solidFill>
+              </a:rPr>
+              <a:t>异常点数：</a:t>
+            </a:r>
+            <a:r>
+              <a:rPr lang="en-US" altLang="zh-CN" dirty="0">
+                <a:solidFill>
+                  <a:schemeClr val="accent6"/>
+                </a:solidFill>
+              </a:rPr>
+              <a:t>3561</a:t>
+            </a:r>
+          </a:p>
+          <a:p>
+            <a:pPr algn="ctr"/>
+            <a:r>
+              <a:rPr lang="zh-CN" altLang="en-US" dirty="0">
+                <a:solidFill>
+                  <a:schemeClr val="accent6"/>
+                </a:solidFill>
+              </a:rPr>
+              <a:t>正常点数：</a:t>
+            </a:r>
+            <a:r>
+              <a:rPr lang="en-US" altLang="zh-CN" dirty="0">
+                <a:solidFill>
+                  <a:schemeClr val="accent6"/>
+                </a:solidFill>
+              </a:rPr>
+              <a:t>71315</a:t>
+            </a:r>
+          </a:p>
+        </p:txBody>
+      </p:sp>
+      <p:sp>
+        <p:nvSpPr>
+          <p:cNvPr id="5" name="矩形 4">
+            <a:extLst>
+              <a:ext uri="{FF2B5EF4-FFF2-40B4-BE49-F238E27FC236}">
+                <a16:creationId xmlns:a16="http://schemas.microsoft.com/office/drawing/2014/main" id="{A066A2F9-D7D2-485C-87BA-82C1CCA648D3}"/>
+              </a:ext>
+            </a:extLst>
+          </p:cNvPr>
+          <p:cNvSpPr/>
+          <p:nvPr/>
+        </p:nvSpPr>
+        <p:spPr>
+          <a:xfrm>
+            <a:off x="6015317" y="2321858"/>
+            <a:ext cx="2958353" cy="1107141"/>
+          </a:xfrm>
+          <a:prstGeom prst="rect">
+            <a:avLst/>
+          </a:prstGeom>
+          <a:solidFill>
+            <a:schemeClr val="bg2">
+              <a:lumMod val="90000"/>
+            </a:schemeClr>
+          </a:solidFill>
+        </p:spPr>
+        <p:style>
+          <a:lnRef idx="2">
+            <a:schemeClr val="accent1">
+              <a:shade val="50000"/>
+            </a:schemeClr>
+          </a:lnRef>
+          <a:fillRef idx="1">
+            <a:schemeClr val="accent1"/>
+          </a:fillRef>
+          <a:effectRef idx="0">
+            <a:schemeClr val="accent1"/>
+          </a:effectRef>
+          <a:fontRef idx="minor">
+            <a:schemeClr val="lt1"/>
+          </a:fontRef>
+        </p:style>
+        <p:txBody>
+          <a:bodyPr rtlCol="0" anchor="ctr"/>
+          <a:lstStyle/>
+          <a:p>
+            <a:pPr algn="ctr"/>
+            <a:r>
+              <a:rPr lang="en-US" altLang="zh-CN" dirty="0">
+                <a:solidFill>
+                  <a:schemeClr val="accent6"/>
+                </a:solidFill>
+              </a:rPr>
+              <a:t>Precision</a:t>
+            </a:r>
+            <a:r>
+              <a:rPr lang="zh-CN" altLang="en-US" dirty="0">
+                <a:solidFill>
+                  <a:schemeClr val="accent6"/>
+                </a:solidFill>
+              </a:rPr>
+              <a:t>：</a:t>
+            </a:r>
+            <a:r>
+              <a:rPr lang="en-US" altLang="zh-CN" dirty="0">
+                <a:solidFill>
+                  <a:schemeClr val="accent6"/>
+                </a:solidFill>
+              </a:rPr>
+              <a:t>86.59</a:t>
+            </a:r>
+          </a:p>
+          <a:p>
+            <a:pPr algn="ctr"/>
+            <a:r>
+              <a:rPr lang="en-US" altLang="zh-CN" dirty="0">
+                <a:solidFill>
+                  <a:schemeClr val="accent6"/>
+                </a:solidFill>
+              </a:rPr>
+              <a:t>Recall</a:t>
+            </a:r>
+            <a:r>
+              <a:rPr lang="zh-CN" altLang="en-US" dirty="0">
+                <a:solidFill>
+                  <a:schemeClr val="accent6"/>
+                </a:solidFill>
+              </a:rPr>
+              <a:t>：</a:t>
+            </a:r>
+            <a:r>
+              <a:rPr lang="en-US" altLang="zh-CN" dirty="0">
+                <a:solidFill>
+                  <a:schemeClr val="accent6"/>
+                </a:solidFill>
+              </a:rPr>
+              <a:t>88.47</a:t>
+            </a:r>
+          </a:p>
+          <a:p>
+            <a:pPr algn="ctr"/>
+            <a:r>
+              <a:rPr lang="en-US" altLang="zh-CN" dirty="0">
+                <a:solidFill>
+                  <a:schemeClr val="accent6"/>
+                </a:solidFill>
+              </a:rPr>
+              <a:t>F1-Score</a:t>
+            </a:r>
+            <a:r>
+              <a:rPr lang="zh-CN" altLang="en-US" dirty="0">
+                <a:solidFill>
+                  <a:schemeClr val="accent6"/>
+                </a:solidFill>
+              </a:rPr>
+              <a:t>：</a:t>
+            </a:r>
+            <a:r>
+              <a:rPr lang="en-US" altLang="zh-CN" dirty="0">
+                <a:solidFill>
+                  <a:schemeClr val="accent6"/>
+                </a:solidFill>
+              </a:rPr>
+              <a:t>87.52</a:t>
+            </a:r>
+          </a:p>
+        </p:txBody>
+      </p:sp>
+      <p:sp>
+        <p:nvSpPr>
+          <p:cNvPr id="6" name="矩形 5">
+            <a:extLst>
+              <a:ext uri="{FF2B5EF4-FFF2-40B4-BE49-F238E27FC236}">
+                <a16:creationId xmlns:a16="http://schemas.microsoft.com/office/drawing/2014/main" id="{348D9AB9-58A1-4E44-A64E-99C525370726}"/>
+              </a:ext>
+            </a:extLst>
+          </p:cNvPr>
+          <p:cNvSpPr/>
+          <p:nvPr/>
+        </p:nvSpPr>
+        <p:spPr>
+          <a:xfrm>
+            <a:off x="2187388" y="4222376"/>
+            <a:ext cx="7817224" cy="1497106"/>
+          </a:xfrm>
+          <a:prstGeom prst="rect">
+            <a:avLst/>
+          </a:prstGeom>
+          <a:solidFill>
+            <a:schemeClr val="bg2">
+              <a:lumMod val="90000"/>
+            </a:schemeClr>
+          </a:solidFill>
+        </p:spPr>
+        <p:style>
+          <a:lnRef idx="2">
+            <a:schemeClr val="accent1">
+              <a:shade val="50000"/>
+            </a:schemeClr>
+          </a:lnRef>
+          <a:fillRef idx="1">
+            <a:schemeClr val="accent1"/>
+          </a:fillRef>
+          <a:effectRef idx="0">
+            <a:schemeClr val="accent1"/>
+          </a:effectRef>
+          <a:fontRef idx="minor">
+            <a:schemeClr val="lt1"/>
+          </a:fontRef>
+        </p:style>
+        <p:txBody>
+          <a:bodyPr rtlCol="0" anchor="ctr"/>
+          <a:lstStyle/>
+          <a:p>
+            <a:pPr algn="ctr"/>
+            <a:r>
+              <a:rPr lang="zh-CN" altLang="en-US" dirty="0">
+                <a:solidFill>
+                  <a:schemeClr val="accent6"/>
+                </a:solidFill>
+              </a:rPr>
+              <a:t>三天内是否会出现异常：否</a:t>
+            </a:r>
+            <a:endParaRPr lang="en-US" altLang="zh-CN" dirty="0">
+              <a:solidFill>
+                <a:schemeClr val="accent6"/>
+              </a:solidFill>
+            </a:endParaRPr>
+          </a:p>
+          <a:p>
+            <a:pPr algn="ctr"/>
+            <a:r>
+              <a:rPr lang="zh-CN" altLang="en-US" dirty="0">
+                <a:solidFill>
+                  <a:schemeClr val="accent6"/>
+                </a:solidFill>
+              </a:rPr>
+              <a:t>五天内是否会出现异常：否</a:t>
+            </a:r>
+            <a:endParaRPr lang="en-US" altLang="zh-CN" dirty="0">
+              <a:solidFill>
+                <a:schemeClr val="accent6"/>
+              </a:solidFill>
+            </a:endParaRPr>
+          </a:p>
+          <a:p>
+            <a:pPr algn="ctr"/>
+            <a:r>
+              <a:rPr lang="zh-CN" altLang="en-US" dirty="0">
+                <a:solidFill>
+                  <a:schemeClr val="accent6"/>
+                </a:solidFill>
+              </a:rPr>
+              <a:t>七天内是否会出现异常：是</a:t>
+            </a:r>
+            <a:endParaRPr lang="en-US" altLang="zh-CN" dirty="0">
+              <a:solidFill>
+                <a:schemeClr val="accent6"/>
+              </a:solidFill>
+            </a:endParaRPr>
+          </a:p>
+          <a:p>
+            <a:pPr algn="ctr"/>
+            <a:r>
+              <a:rPr lang="zh-CN" altLang="en-US" dirty="0">
+                <a:solidFill>
+                  <a:schemeClr val="accent6"/>
+                </a:solidFill>
+              </a:rPr>
+              <a:t>十天内是否会出现异常：是</a:t>
+            </a:r>
+            <a:endParaRPr lang="en-US" altLang="zh-CN" dirty="0">
+              <a:solidFill>
+                <a:schemeClr val="accent6"/>
+              </a:solidFill>
+            </a:endParaRPr>
+          </a:p>
+        </p:txBody>
+      </p:sp>
+    </p:spTree>
+    <p:extLst>
+      <p:ext uri="{BB962C8B-B14F-4D97-AF65-F5344CB8AC3E}">
+        <p14:creationId xmlns:p14="http://schemas.microsoft.com/office/powerpoint/2010/main" val="1461949996"/>
+      </p:ext>
+    </p:extLst>
+  </p:cSld>
+  <p:clrMapOvr>
+    <a:masterClrMapping/>
+  </p:clrMapOvr>
+</p:sld>
+</file>
+
+<file path=ppt/slides/slide20.xml><?xml version="1.0" encoding="utf-8"?>
+<p:sld xmlns:a="http://schemas.openxmlformats.org/drawingml/2006/main" xmlns:r="http://schemas.openxmlformats.org/officeDocument/2006/relationships" xmlns:p="http://schemas.openxmlformats.org/presentationml/2006/main">
+  <p:cSld>
+    <p:spTree>
+      <p:nvGrpSpPr>
+        <p:cNvPr id="1" name=""/>
+        <p:cNvGrpSpPr/>
+        <p:nvPr/>
+      </p:nvGrpSpPr>
+      <p:grpSpPr>
+        <a:xfrm>
+          <a:off x="0" y="0"/>
+          <a:ext cx="0" cy="0"/>
+          <a:chOff x="0" y="0"/>
+          <a:chExt cx="0" cy="0"/>
+        </a:xfrm>
+      </p:grpSpPr>
+      <p:pic>
+        <p:nvPicPr>
+          <p:cNvPr id="4" name="图片 3">
+            <a:extLst>
+              <a:ext uri="{FF2B5EF4-FFF2-40B4-BE49-F238E27FC236}">
+                <a16:creationId xmlns:a16="http://schemas.microsoft.com/office/drawing/2014/main" id="{CA2AAAD0-0F4E-46D2-848A-3090FD403316}"/>
+              </a:ext>
+            </a:extLst>
+          </p:cNvPr>
+          <p:cNvPicPr>
+            <a:picLocks noChangeAspect="1"/>
+          </p:cNvPicPr>
+          <p:nvPr/>
+        </p:nvPicPr>
+        <p:blipFill>
+          <a:blip r:embed="rId2"/>
+          <a:stretch>
+            <a:fillRect/>
+          </a:stretch>
+        </p:blipFill>
+        <p:spPr>
+          <a:xfrm>
+            <a:off x="714139" y="840925"/>
+            <a:ext cx="9998685" cy="5491245"/>
+          </a:xfrm>
+          <a:prstGeom prst="rect">
+            <a:avLst/>
+          </a:prstGeom>
+        </p:spPr>
+      </p:pic>
+    </p:spTree>
+    <p:extLst>
+      <p:ext uri="{BB962C8B-B14F-4D97-AF65-F5344CB8AC3E}">
+        <p14:creationId xmlns:p14="http://schemas.microsoft.com/office/powerpoint/2010/main" val="441951656"/>
+      </p:ext>
+    </p:extLst>
+  </p:cSld>
+  <p:clrMapOvr>
+    <a:masterClrMapping/>
+  </p:clrMapOvr>
+</p:sld>
+</file>
+
+<file path=ppt/slides/slide21.xml><?xml version="1.0" encoding="utf-8"?>
+<p:sld xmlns:a="http://schemas.openxmlformats.org/drawingml/2006/main" xmlns:r="http://schemas.openxmlformats.org/officeDocument/2006/relationships" xmlns:p="http://schemas.openxmlformats.org/presentationml/2006/main">
+  <p:cSld>
+    <p:spTree>
+      <p:nvGrpSpPr>
+        <p:cNvPr id="1" name=""/>
+        <p:cNvGrpSpPr/>
+        <p:nvPr/>
+      </p:nvGrpSpPr>
+      <p:grpSpPr>
+        <a:xfrm>
+          <a:off x="0" y="0"/>
+          <a:ext cx="0" cy="0"/>
+          <a:chOff x="0" y="0"/>
+          <a:chExt cx="0" cy="0"/>
+        </a:xfrm>
+      </p:grpSpPr>
       <p:pic>
         <p:nvPicPr>
           <p:cNvPr id="36" name="图片 35"/>
@@ -17166,7 +18350,7 @@
           <p:nvPr/>
         </p:nvPicPr>
         <p:blipFill>
-          <a:blip r:embed="rId3"/>
+          <a:blip r:embed="rId2"/>
           <a:stretch>
             <a:fillRect/>
           </a:stretch>
@@ -17329,7 +18513,7 @@
           <p:nvPr/>
         </p:nvPicPr>
         <p:blipFill>
-          <a:blip r:embed="rId4"/>
+          <a:blip r:embed="rId3"/>
           <a:stretch>
             <a:fillRect/>
           </a:stretch>
@@ -17383,7 +18567,7 @@
         <p:nvCxnSpPr>
           <p:cNvPr id="63" name="曲线连接符 62"/>
           <p:cNvCxnSpPr>
-            <a:stCxn id="12" idx="0"/>
+            <a:cxnSpLocks/>
           </p:cNvCxnSpPr>
           <p:nvPr/>
         </p:nvCxnSpPr>
@@ -17418,7 +18602,7 @@
         <p:nvCxnSpPr>
           <p:cNvPr id="64" name="曲线连接符 63"/>
           <p:cNvCxnSpPr>
-            <a:stCxn id="12" idx="2"/>
+            <a:cxnSpLocks/>
             <a:endCxn id="2" idx="1"/>
           </p:cNvCxnSpPr>
           <p:nvPr/>
@@ -17465,6 +18649,36 @@
           <p:nvPr/>
         </p:nvPicPr>
         <p:blipFill>
+          <a:blip r:embed="rId4"/>
+          <a:stretch>
+            <a:fillRect/>
+          </a:stretch>
+        </p:blipFill>
+        <p:spPr>
+          <a:xfrm>
+            <a:off x="3491231" y="3256915"/>
+            <a:ext cx="4699000" cy="2299334"/>
+          </a:xfrm>
+          <a:prstGeom prst="rect">
+            <a:avLst/>
+          </a:prstGeom>
+        </p:spPr>
+      </p:pic>
+      <p:pic>
+        <p:nvPicPr>
+          <p:cNvPr id="13" name="图片 12">
+            <a:extLst>
+              <a:ext uri="{FF2B5EF4-FFF2-40B4-BE49-F238E27FC236}">
+                <a16:creationId xmlns:a16="http://schemas.microsoft.com/office/drawing/2014/main" id="{24D52585-A422-4B75-A71B-88EB4B00C715}"/>
+              </a:ext>
+            </a:extLst>
+          </p:cNvPr>
+          <p:cNvPicPr>
+            <a:picLocks noChangeAspect="1"/>
+          </p:cNvPicPr>
+          <p:nvPr/>
+        </p:nvPicPr>
+        <p:blipFill>
           <a:blip r:embed="rId5"/>
           <a:stretch>
             <a:fillRect/>
@@ -17472,8 +18686,8 @@
         </p:blipFill>
         <p:spPr>
           <a:xfrm>
-            <a:off x="3491231" y="3256915"/>
-            <a:ext cx="4699000" cy="2299334"/>
+            <a:off x="141605" y="2348246"/>
+            <a:ext cx="2965652" cy="1234408"/>
           </a:xfrm>
           <a:prstGeom prst="rect">
             <a:avLst/>
@@ -17481,6 +18695,11 @@
         </p:spPr>
       </p:pic>
     </p:spTree>
+    <p:extLst>
+      <p:ext uri="{BB962C8B-B14F-4D97-AF65-F5344CB8AC3E}">
+        <p14:creationId xmlns:p14="http://schemas.microsoft.com/office/powerpoint/2010/main" val="2180947409"/>
+      </p:ext>
+    </p:extLst>
   </p:cSld>
   <p:clrMapOvr>
     <a:masterClrMapping/>
@@ -17488,7 +18707,7 @@
 </p:sld>
 </file>
 
-<file path=ppt/slides/slide18.xml><?xml version="1.0" encoding="utf-8"?>
+<file path=ppt/slides/slide22.xml><?xml version="1.0" encoding="utf-8"?>
 <p:sld xmlns:a="http://schemas.openxmlformats.org/drawingml/2006/main" xmlns:r="http://schemas.openxmlformats.org/officeDocument/2006/relationships" xmlns:p="http://schemas.openxmlformats.org/presentationml/2006/main">
   <p:cSld>
     <p:spTree>
@@ -19462,7 +20681,7 @@
             <a:spAutoFit/>
             <a:extLst>
               <a:ext uri="{4A0BC546-FE56-4ADE-93B0-CB8AF2F6F144}">
-                <wpsdc:textFrameExt xmlns="" xmlns:wpsdc="http://www.wps.cn/officeDocument/2022/drawingmlCustomData" type="text"/>
+                <wpsdc:textFrameExt xmlns:wpsdc="http://www.wps.cn/officeDocument/2022/drawingmlCustomData" xmlns="" type="text"/>
               </a:ext>
             </a:extLst>
           </a:bodyPr>
@@ -19505,7 +20724,7 @@
             <a:spAutoFit/>
             <a:extLst>
               <a:ext uri="{4A0BC546-FE56-4ADE-93B0-CB8AF2F6F144}">
-                <wpsdc:textFrameExt xmlns="" xmlns:wpsdc="http://www.wps.cn/officeDocument/2022/drawingmlCustomData" type="text"/>
+                <wpsdc:textFrameExt xmlns:wpsdc="http://www.wps.cn/officeDocument/2022/drawingmlCustomData" xmlns="" type="text"/>
               </a:ext>
             </a:extLst>
           </a:bodyPr>
@@ -19548,7 +20767,7 @@
             <a:spAutoFit/>
             <a:extLst>
               <a:ext uri="{4A0BC546-FE56-4ADE-93B0-CB8AF2F6F144}">
-                <wpsdc:textFrameExt xmlns="" xmlns:wpsdc="http://www.wps.cn/officeDocument/2022/drawingmlCustomData" type="text"/>
+                <wpsdc:textFrameExt xmlns:wpsdc="http://www.wps.cn/officeDocument/2022/drawingmlCustomData" xmlns="" type="text"/>
               </a:ext>
             </a:extLst>
           </a:bodyPr>
@@ -19591,7 +20810,7 @@
             <a:spAutoFit/>
             <a:extLst>
               <a:ext uri="{4A0BC546-FE56-4ADE-93B0-CB8AF2F6F144}">
-                <wpsdc:textFrameExt xmlns="" xmlns:wpsdc="http://www.wps.cn/officeDocument/2022/drawingmlCustomData" type="text"/>
+                <wpsdc:textFrameExt xmlns:wpsdc="http://www.wps.cn/officeDocument/2022/drawingmlCustomData" xmlns="" type="text"/>
               </a:ext>
             </a:extLst>
           </a:bodyPr>
@@ -22339,7 +23558,7 @@
             <a:spAutoFit/>
             <a:extLst>
               <a:ext uri="{4A0BC546-FE56-4ADE-93B0-CB8AF2F6F144}">
-                <wpsdc:textFrameExt xmlns="" xmlns:wpsdc="http://www.wps.cn/officeDocument/2022/drawingmlCustomData" type="text"/>
+                <wpsdc:textFrameExt xmlns:wpsdc="http://www.wps.cn/officeDocument/2022/drawingmlCustomData" xmlns="" type="text"/>
               </a:ext>
             </a:extLst>
           </a:bodyPr>
@@ -22382,7 +23601,7 @@
             <a:spAutoFit/>
             <a:extLst>
               <a:ext uri="{4A0BC546-FE56-4ADE-93B0-CB8AF2F6F144}">
-                <wpsdc:textFrameExt xmlns="" xmlns:wpsdc="http://www.wps.cn/officeDocument/2022/drawingmlCustomData" type="text"/>
+                <wpsdc:textFrameExt xmlns:wpsdc="http://www.wps.cn/officeDocument/2022/drawingmlCustomData" xmlns="" type="text"/>
               </a:ext>
             </a:extLst>
           </a:bodyPr>
@@ -22430,7 +23649,7 @@
             <a:spAutoFit/>
             <a:extLst>
               <a:ext uri="{4A0BC546-FE56-4ADE-93B0-CB8AF2F6F144}">
-                <wpsdc:textFrameExt xmlns="" xmlns:wpsdc="http://www.wps.cn/officeDocument/2022/drawingmlCustomData" type="text"/>
+                <wpsdc:textFrameExt xmlns:wpsdc="http://www.wps.cn/officeDocument/2022/drawingmlCustomData" xmlns="" type="text"/>
               </a:ext>
             </a:extLst>
           </a:bodyPr>
@@ -22473,7 +23692,7 @@
             <a:spAutoFit/>
             <a:extLst>
               <a:ext uri="{4A0BC546-FE56-4ADE-93B0-CB8AF2F6F144}">
-                <wpsdc:textFrameExt xmlns="" xmlns:wpsdc="http://www.wps.cn/officeDocument/2022/drawingmlCustomData" type="text"/>
+                <wpsdc:textFrameExt xmlns:wpsdc="http://www.wps.cn/officeDocument/2022/drawingmlCustomData" xmlns="" type="text"/>
               </a:ext>
             </a:extLst>
           </a:bodyPr>
@@ -22516,7 +23735,7 @@
             <a:spAutoFit/>
             <a:extLst>
               <a:ext uri="{4A0BC546-FE56-4ADE-93B0-CB8AF2F6F144}">
-                <wpsdc:textFrameExt xmlns="" xmlns:wpsdc="http://www.wps.cn/officeDocument/2022/drawingmlCustomData" type="text"/>
+                <wpsdc:textFrameExt xmlns:wpsdc="http://www.wps.cn/officeDocument/2022/drawingmlCustomData" xmlns="" type="text"/>
               </a:ext>
             </a:extLst>
           </a:bodyPr>
@@ -22541,7 +23760,7 @@
 </p:sld>
 </file>
 
-<file path=ppt/slides/slide19.xml><?xml version="1.0" encoding="utf-8"?>
+<file path=ppt/slides/slide23.xml><?xml version="1.0" encoding="utf-8"?>
 <p:sld xmlns:a="http://schemas.openxmlformats.org/drawingml/2006/main" xmlns:r="http://schemas.openxmlformats.org/officeDocument/2006/relationships" xmlns:p="http://schemas.openxmlformats.org/presentationml/2006/main">
   <p:cSld>
     <p:spTree>
@@ -22970,7 +24189,7 @@
             <a:spAutoFit/>
             <a:extLst>
               <a:ext uri="{4A0BC546-FE56-4ADE-93B0-CB8AF2F6F144}">
-                <wpsdc:textFrameExt xmlns="" xmlns:wpsdc="http://www.wps.cn/officeDocument/2022/drawingmlCustomData" type="text"/>
+                <wpsdc:textFrameExt xmlns:wpsdc="http://www.wps.cn/officeDocument/2022/drawingmlCustomData" xmlns="" type="text"/>
               </a:ext>
             </a:extLst>
           </a:bodyPr>
@@ -23013,7 +24232,7 @@
             <a:spAutoFit/>
             <a:extLst>
               <a:ext uri="{4A0BC546-FE56-4ADE-93B0-CB8AF2F6F144}">
-                <wpsdc:textFrameExt xmlns="" xmlns:wpsdc="http://www.wps.cn/officeDocument/2022/drawingmlCustomData" type="text"/>
+                <wpsdc:textFrameExt xmlns:wpsdc="http://www.wps.cn/officeDocument/2022/drawingmlCustomData" xmlns="" type="text"/>
               </a:ext>
             </a:extLst>
           </a:bodyPr>
@@ -23056,7 +24275,7 @@
             <a:spAutoFit/>
             <a:extLst>
               <a:ext uri="{4A0BC546-FE56-4ADE-93B0-CB8AF2F6F144}">
-                <wpsdc:textFrameExt xmlns="" xmlns:wpsdc="http://www.wps.cn/officeDocument/2022/drawingmlCustomData" type="text"/>
+                <wpsdc:textFrameExt xmlns:wpsdc="http://www.wps.cn/officeDocument/2022/drawingmlCustomData" xmlns="" type="text"/>
               </a:ext>
             </a:extLst>
           </a:bodyPr>
@@ -23099,7 +24318,7 @@
             <a:spAutoFit/>
             <a:extLst>
               <a:ext uri="{4A0BC546-FE56-4ADE-93B0-CB8AF2F6F144}">
-                <wpsdc:textFrameExt xmlns="" xmlns:wpsdc="http://www.wps.cn/officeDocument/2022/drawingmlCustomData" type="text"/>
+                <wpsdc:textFrameExt xmlns:wpsdc="http://www.wps.cn/officeDocument/2022/drawingmlCustomData" xmlns="" type="text"/>
               </a:ext>
             </a:extLst>
           </a:bodyPr>
@@ -23137,7 +24356,7 @@
             <a:noAutofit/>
             <a:extLst>
               <a:ext uri="{4A0BC546-FE56-4ADE-93B0-CB8AF2F6F144}">
-                <wpsdc:textFrameExt xmlns="" xmlns:wpsdc="http://www.wps.cn/officeDocument/2022/drawingmlCustomData" type="text"/>
+                <wpsdc:textFrameExt xmlns:wpsdc="http://www.wps.cn/officeDocument/2022/drawingmlCustomData" xmlns="" type="text"/>
               </a:ext>
             </a:extLst>
           </a:bodyPr>
@@ -23179,7 +24398,7 @@
             <a:spAutoFit/>
             <a:extLst>
               <a:ext uri="{4A0BC546-FE56-4ADE-93B0-CB8AF2F6F144}">
-                <wpsdc:textFrameExt xmlns="" xmlns:wpsdc="http://www.wps.cn/officeDocument/2022/drawingmlCustomData" type="text"/>
+                <wpsdc:textFrameExt xmlns:wpsdc="http://www.wps.cn/officeDocument/2022/drawingmlCustomData" xmlns="" type="text"/>
               </a:ext>
             </a:extLst>
           </a:bodyPr>
@@ -23226,7 +24445,7 @@
             <a:spAutoFit/>
             <a:extLst>
               <a:ext uri="{4A0BC546-FE56-4ADE-93B0-CB8AF2F6F144}">
-                <wpsdc:textFrameExt xmlns="" xmlns:wpsdc="http://www.wps.cn/officeDocument/2022/drawingmlCustomData" type="text"/>
+                <wpsdc:textFrameExt xmlns:wpsdc="http://www.wps.cn/officeDocument/2022/drawingmlCustomData" xmlns="" type="text"/>
               </a:ext>
             </a:extLst>
           </a:bodyPr>
@@ -23266,7 +24485,7 @@
             <a:spAutoFit/>
             <a:extLst>
               <a:ext uri="{4A0BC546-FE56-4ADE-93B0-CB8AF2F6F144}">
-                <wpsdc:textFrameExt xmlns="" xmlns:wpsdc="http://www.wps.cn/officeDocument/2022/drawingmlCustomData" type="text"/>
+                <wpsdc:textFrameExt xmlns:wpsdc="http://www.wps.cn/officeDocument/2022/drawingmlCustomData" xmlns="" type="text"/>
               </a:ext>
             </a:extLst>
           </a:bodyPr>
@@ -23306,7 +24525,7 @@
             <a:spAutoFit/>
             <a:extLst>
               <a:ext uri="{4A0BC546-FE56-4ADE-93B0-CB8AF2F6F144}">
-                <wpsdc:textFrameExt xmlns="" xmlns:wpsdc="http://www.wps.cn/officeDocument/2022/drawingmlCustomData" type="text"/>
+                <wpsdc:textFrameExt xmlns:wpsdc="http://www.wps.cn/officeDocument/2022/drawingmlCustomData" xmlns="" type="text"/>
               </a:ext>
             </a:extLst>
           </a:bodyPr>
@@ -23546,7 +24765,7 @@
             <a:spAutoFit/>
             <a:extLst>
               <a:ext uri="{4A0BC546-FE56-4ADE-93B0-CB8AF2F6F144}">
-                <wpsdc:textFrameExt xmlns="" xmlns:wpsdc="http://www.wps.cn/officeDocument/2022/drawingmlCustomData" type="text"/>
+                <wpsdc:textFrameExt xmlns:wpsdc="http://www.wps.cn/officeDocument/2022/drawingmlCustomData" xmlns="" type="text"/>
               </a:ext>
             </a:extLst>
           </a:bodyPr>
@@ -23802,7 +25021,7 @@
             <a:spAutoFit/>
             <a:extLst>
               <a:ext uri="{4A0BC546-FE56-4ADE-93B0-CB8AF2F6F144}">
-                <wpsdc:textFrameExt xmlns="" xmlns:wpsdc="http://www.wps.cn/officeDocument/2022/drawingmlCustomData" type="text"/>
+                <wpsdc:textFrameExt xmlns:wpsdc="http://www.wps.cn/officeDocument/2022/drawingmlCustomData" xmlns="" type="text"/>
               </a:ext>
             </a:extLst>
           </a:bodyPr>
@@ -23879,7 +25098,7 @@
             <a:noAutofit/>
             <a:extLst>
               <a:ext uri="{4A0BC546-FE56-4ADE-93B0-CB8AF2F6F144}">
-                <wpsdc:textFrameExt xmlns="" xmlns:wpsdc="http://www.wps.cn/officeDocument/2022/drawingmlCustomData" type="text"/>
+                <wpsdc:textFrameExt xmlns:wpsdc="http://www.wps.cn/officeDocument/2022/drawingmlCustomData" xmlns="" type="text"/>
               </a:ext>
             </a:extLst>
           </a:bodyPr>
@@ -23925,7 +25144,7 @@
             <a:spAutoFit/>
             <a:extLst>
               <a:ext uri="{4A0BC546-FE56-4ADE-93B0-CB8AF2F6F144}">
-                <wpsdc:textFrameExt xmlns="" xmlns:wpsdc="http://www.wps.cn/officeDocument/2022/drawingmlCustomData" type="text"/>
+                <wpsdc:textFrameExt xmlns:wpsdc="http://www.wps.cn/officeDocument/2022/drawingmlCustomData" xmlns="" type="text"/>
               </a:ext>
             </a:extLst>
           </a:bodyPr>
@@ -23975,7 +25194,7 @@
             <a:spAutoFit/>
             <a:extLst>
               <a:ext uri="{4A0BC546-FE56-4ADE-93B0-CB8AF2F6F144}">
-                <wpsdc:textFrameExt xmlns="" xmlns:wpsdc="http://www.wps.cn/officeDocument/2022/drawingmlCustomData" type="text"/>
+                <wpsdc:textFrameExt xmlns:wpsdc="http://www.wps.cn/officeDocument/2022/drawingmlCustomData" xmlns="" type="text"/>
               </a:ext>
             </a:extLst>
           </a:bodyPr>
@@ -24025,7 +25244,7 @@
             <a:spAutoFit/>
             <a:extLst>
               <a:ext uri="{4A0BC546-FE56-4ADE-93B0-CB8AF2F6F144}">
-                <wpsdc:textFrameExt xmlns="" xmlns:wpsdc="http://www.wps.cn/officeDocument/2022/drawingmlCustomData" type="text"/>
+                <wpsdc:textFrameExt xmlns:wpsdc="http://www.wps.cn/officeDocument/2022/drawingmlCustomData" xmlns="" type="text"/>
               </a:ext>
             </a:extLst>
           </a:bodyPr>
@@ -24075,7 +25294,7 @@
             <a:spAutoFit/>
             <a:extLst>
               <a:ext uri="{4A0BC546-FE56-4ADE-93B0-CB8AF2F6F144}">
-                <wpsdc:textFrameExt xmlns="" xmlns:wpsdc="http://www.wps.cn/officeDocument/2022/drawingmlCustomData" type="text"/>
+                <wpsdc:textFrameExt xmlns:wpsdc="http://www.wps.cn/officeDocument/2022/drawingmlCustomData" xmlns="" type="text"/>
               </a:ext>
             </a:extLst>
           </a:bodyPr>
@@ -24105,498 +25324,7 @@
 </p:sld>
 </file>
 
-<file path=ppt/slides/slide2.xml><?xml version="1.0" encoding="utf-8"?>
-<p:sld xmlns:a="http://schemas.openxmlformats.org/drawingml/2006/main" xmlns:r="http://schemas.openxmlformats.org/officeDocument/2006/relationships" xmlns:p="http://schemas.openxmlformats.org/presentationml/2006/main">
-  <p:cSld>
-    <p:spTree>
-      <p:nvGrpSpPr>
-        <p:cNvPr id="1" name=""/>
-        <p:cNvGrpSpPr/>
-        <p:nvPr/>
-      </p:nvGrpSpPr>
-      <p:grpSpPr>
-        <a:xfrm>
-          <a:off x="0" y="0"/>
-          <a:ext cx="0" cy="0"/>
-          <a:chOff x="0" y="0"/>
-          <a:chExt cx="0" cy="0"/>
-        </a:xfrm>
-      </p:grpSpPr>
-      <p:sp>
-        <p:nvSpPr>
-          <p:cNvPr id="2" name="矩形 1">
-            <a:extLst>
-              <a:ext uri="{FF2B5EF4-FFF2-40B4-BE49-F238E27FC236}">
-                <a16:creationId xmlns:a16="http://schemas.microsoft.com/office/drawing/2014/main" id="{B7CF5B09-6CE6-40CA-A273-DC160BFA844F}"/>
-              </a:ext>
-            </a:extLst>
-          </p:cNvPr>
-          <p:cNvSpPr/>
-          <p:nvPr/>
-        </p:nvSpPr>
-        <p:spPr>
-          <a:xfrm>
-            <a:off x="1039906" y="878541"/>
-            <a:ext cx="896470" cy="358588"/>
-          </a:xfrm>
-          <a:prstGeom prst="rect">
-            <a:avLst/>
-          </a:prstGeom>
-          <a:noFill/>
-          <a:ln w="19050">
-            <a:solidFill>
-              <a:schemeClr val="tx1"/>
-            </a:solidFill>
-          </a:ln>
-        </p:spPr>
-        <p:style>
-          <a:lnRef idx="2">
-            <a:schemeClr val="accent1">
-              <a:shade val="50000"/>
-            </a:schemeClr>
-          </a:lnRef>
-          <a:fillRef idx="1">
-            <a:schemeClr val="accent1"/>
-          </a:fillRef>
-          <a:effectRef idx="0">
-            <a:schemeClr val="accent1"/>
-          </a:effectRef>
-          <a:fontRef idx="minor">
-            <a:schemeClr val="lt1"/>
-          </a:fontRef>
-        </p:style>
-        <p:txBody>
-          <a:bodyPr rtlCol="0" anchor="ctr"/>
-          <a:lstStyle/>
-          <a:p>
-            <a:pPr algn="ctr"/>
-            <a:r>
-              <a:rPr lang="zh-CN" altLang="en-US" dirty="0">
-                <a:solidFill>
-                  <a:schemeClr val="tx1"/>
-                </a:solidFill>
-              </a:rPr>
-              <a:t>绪论</a:t>
-            </a:r>
-          </a:p>
-        </p:txBody>
-      </p:sp>
-      <p:sp>
-        <p:nvSpPr>
-          <p:cNvPr id="19" name="矩形 18">
-            <a:extLst>
-              <a:ext uri="{FF2B5EF4-FFF2-40B4-BE49-F238E27FC236}">
-                <a16:creationId xmlns:a16="http://schemas.microsoft.com/office/drawing/2014/main" id="{15B6D782-12B2-4DE7-9C86-773F88904A82}"/>
-              </a:ext>
-            </a:extLst>
-          </p:cNvPr>
-          <p:cNvSpPr/>
-          <p:nvPr/>
-        </p:nvSpPr>
-        <p:spPr>
-          <a:xfrm>
-            <a:off x="900953" y="1237129"/>
-            <a:ext cx="1174376" cy="358588"/>
-          </a:xfrm>
-          <a:prstGeom prst="rect">
-            <a:avLst/>
-          </a:prstGeom>
-          <a:noFill/>
-          <a:ln w="19050">
-            <a:solidFill>
-              <a:schemeClr val="tx1"/>
-            </a:solidFill>
-          </a:ln>
-        </p:spPr>
-        <p:style>
-          <a:lnRef idx="2">
-            <a:schemeClr val="accent1">
-              <a:shade val="50000"/>
-            </a:schemeClr>
-          </a:lnRef>
-          <a:fillRef idx="1">
-            <a:schemeClr val="accent1"/>
-          </a:fillRef>
-          <a:effectRef idx="0">
-            <a:schemeClr val="accent1"/>
-          </a:effectRef>
-          <a:fontRef idx="minor">
-            <a:schemeClr val="lt1"/>
-          </a:fontRef>
-        </p:style>
-        <p:txBody>
-          <a:bodyPr rtlCol="0" anchor="ctr"/>
-          <a:lstStyle/>
-          <a:p>
-            <a:pPr algn="ctr"/>
-            <a:r>
-              <a:rPr lang="zh-CN" altLang="en-US" dirty="0">
-                <a:solidFill>
-                  <a:schemeClr val="tx1"/>
-                </a:solidFill>
-              </a:rPr>
-              <a:t>相关理论</a:t>
-            </a:r>
-          </a:p>
-        </p:txBody>
-      </p:sp>
-      <p:sp>
-        <p:nvSpPr>
-          <p:cNvPr id="3" name="矩形 2">
-            <a:extLst>
-              <a:ext uri="{FF2B5EF4-FFF2-40B4-BE49-F238E27FC236}">
-                <a16:creationId xmlns:a16="http://schemas.microsoft.com/office/drawing/2014/main" id="{C42DA1A4-907E-4948-A6A9-B85518D62BFE}"/>
-              </a:ext>
-            </a:extLst>
-          </p:cNvPr>
-          <p:cNvSpPr/>
-          <p:nvPr/>
-        </p:nvSpPr>
-        <p:spPr>
-          <a:xfrm>
-            <a:off x="2187388" y="2321859"/>
-            <a:ext cx="2958353" cy="1107141"/>
-          </a:xfrm>
-          <a:prstGeom prst="rect">
-            <a:avLst/>
-          </a:prstGeom>
-          <a:solidFill>
-            <a:schemeClr val="bg2">
-              <a:lumMod val="90000"/>
-            </a:schemeClr>
-          </a:solidFill>
-        </p:spPr>
-        <p:style>
-          <a:lnRef idx="2">
-            <a:schemeClr val="accent1">
-              <a:shade val="50000"/>
-            </a:schemeClr>
-          </a:lnRef>
-          <a:fillRef idx="1">
-            <a:schemeClr val="accent1"/>
-          </a:fillRef>
-          <a:effectRef idx="0">
-            <a:schemeClr val="accent1"/>
-          </a:effectRef>
-          <a:fontRef idx="minor">
-            <a:schemeClr val="lt1"/>
-          </a:fontRef>
-        </p:style>
-        <p:txBody>
-          <a:bodyPr rtlCol="0" anchor="ctr"/>
-          <a:lstStyle/>
-          <a:p>
-            <a:pPr algn="ctr"/>
-            <a:r>
-              <a:rPr lang="zh-CN" altLang="en-US" dirty="0">
-                <a:solidFill>
-                  <a:schemeClr val="accent6"/>
-                </a:solidFill>
-              </a:rPr>
-              <a:t>测试集总点数：</a:t>
-            </a:r>
-            <a:r>
-              <a:rPr lang="en-US" altLang="zh-CN" dirty="0">
-                <a:solidFill>
-                  <a:schemeClr val="accent6"/>
-                </a:solidFill>
-              </a:rPr>
-              <a:t>74876</a:t>
-            </a:r>
-          </a:p>
-          <a:p>
-            <a:pPr algn="ctr"/>
-            <a:r>
-              <a:rPr lang="zh-CN" altLang="en-US" dirty="0">
-                <a:solidFill>
-                  <a:schemeClr val="accent6"/>
-                </a:solidFill>
-              </a:rPr>
-              <a:t>异常点数：</a:t>
-            </a:r>
-            <a:r>
-              <a:rPr lang="en-US" altLang="zh-CN" dirty="0">
-                <a:solidFill>
-                  <a:schemeClr val="accent6"/>
-                </a:solidFill>
-              </a:rPr>
-              <a:t>3561</a:t>
-            </a:r>
-          </a:p>
-          <a:p>
-            <a:pPr algn="ctr"/>
-            <a:r>
-              <a:rPr lang="zh-CN" altLang="en-US" dirty="0">
-                <a:solidFill>
-                  <a:schemeClr val="accent6"/>
-                </a:solidFill>
-              </a:rPr>
-              <a:t>正常点数：</a:t>
-            </a:r>
-            <a:r>
-              <a:rPr lang="en-US" altLang="zh-CN" dirty="0">
-                <a:solidFill>
-                  <a:schemeClr val="accent6"/>
-                </a:solidFill>
-              </a:rPr>
-              <a:t>71315</a:t>
-            </a:r>
-          </a:p>
-        </p:txBody>
-      </p:sp>
-      <p:sp>
-        <p:nvSpPr>
-          <p:cNvPr id="5" name="矩形 4">
-            <a:extLst>
-              <a:ext uri="{FF2B5EF4-FFF2-40B4-BE49-F238E27FC236}">
-                <a16:creationId xmlns:a16="http://schemas.microsoft.com/office/drawing/2014/main" id="{A066A2F9-D7D2-485C-87BA-82C1CCA648D3}"/>
-              </a:ext>
-            </a:extLst>
-          </p:cNvPr>
-          <p:cNvSpPr/>
-          <p:nvPr/>
-        </p:nvSpPr>
-        <p:spPr>
-          <a:xfrm>
-            <a:off x="6015317" y="2321858"/>
-            <a:ext cx="2958353" cy="1107141"/>
-          </a:xfrm>
-          <a:prstGeom prst="rect">
-            <a:avLst/>
-          </a:prstGeom>
-          <a:solidFill>
-            <a:schemeClr val="bg2">
-              <a:lumMod val="90000"/>
-            </a:schemeClr>
-          </a:solidFill>
-        </p:spPr>
-        <p:style>
-          <a:lnRef idx="2">
-            <a:schemeClr val="accent1">
-              <a:shade val="50000"/>
-            </a:schemeClr>
-          </a:lnRef>
-          <a:fillRef idx="1">
-            <a:schemeClr val="accent1"/>
-          </a:fillRef>
-          <a:effectRef idx="0">
-            <a:schemeClr val="accent1"/>
-          </a:effectRef>
-          <a:fontRef idx="minor">
-            <a:schemeClr val="lt1"/>
-          </a:fontRef>
-        </p:style>
-        <p:txBody>
-          <a:bodyPr rtlCol="0" anchor="ctr"/>
-          <a:lstStyle/>
-          <a:p>
-            <a:pPr algn="ctr"/>
-            <a:r>
-              <a:rPr lang="en-US" altLang="zh-CN" dirty="0">
-                <a:solidFill>
-                  <a:schemeClr val="accent6"/>
-                </a:solidFill>
-              </a:rPr>
-              <a:t>Precision</a:t>
-            </a:r>
-            <a:r>
-              <a:rPr lang="zh-CN" altLang="en-US" dirty="0">
-                <a:solidFill>
-                  <a:schemeClr val="accent6"/>
-                </a:solidFill>
-              </a:rPr>
-              <a:t>：</a:t>
-            </a:r>
-            <a:r>
-              <a:rPr lang="en-US" altLang="zh-CN" dirty="0">
-                <a:solidFill>
-                  <a:schemeClr val="accent6"/>
-                </a:solidFill>
-              </a:rPr>
-              <a:t>86.59</a:t>
-            </a:r>
-          </a:p>
-          <a:p>
-            <a:pPr algn="ctr"/>
-            <a:r>
-              <a:rPr lang="en-US" altLang="zh-CN" dirty="0">
-                <a:solidFill>
-                  <a:schemeClr val="accent6"/>
-                </a:solidFill>
-              </a:rPr>
-              <a:t>Recall</a:t>
-            </a:r>
-            <a:r>
-              <a:rPr lang="zh-CN" altLang="en-US" dirty="0">
-                <a:solidFill>
-                  <a:schemeClr val="accent6"/>
-                </a:solidFill>
-              </a:rPr>
-              <a:t>：</a:t>
-            </a:r>
-            <a:r>
-              <a:rPr lang="en-US" altLang="zh-CN" dirty="0">
-                <a:solidFill>
-                  <a:schemeClr val="accent6"/>
-                </a:solidFill>
-              </a:rPr>
-              <a:t>88.47</a:t>
-            </a:r>
-          </a:p>
-          <a:p>
-            <a:pPr algn="ctr"/>
-            <a:r>
-              <a:rPr lang="en-US" altLang="zh-CN" dirty="0">
-                <a:solidFill>
-                  <a:schemeClr val="accent6"/>
-                </a:solidFill>
-              </a:rPr>
-              <a:t>F1-Score</a:t>
-            </a:r>
-            <a:r>
-              <a:rPr lang="zh-CN" altLang="en-US" dirty="0">
-                <a:solidFill>
-                  <a:schemeClr val="accent6"/>
-                </a:solidFill>
-              </a:rPr>
-              <a:t>：</a:t>
-            </a:r>
-            <a:r>
-              <a:rPr lang="en-US" altLang="zh-CN" dirty="0">
-                <a:solidFill>
-                  <a:schemeClr val="accent6"/>
-                </a:solidFill>
-              </a:rPr>
-              <a:t>87.52</a:t>
-            </a:r>
-          </a:p>
-        </p:txBody>
-      </p:sp>
-      <p:sp>
-        <p:nvSpPr>
-          <p:cNvPr id="6" name="矩形 5">
-            <a:extLst>
-              <a:ext uri="{FF2B5EF4-FFF2-40B4-BE49-F238E27FC236}">
-                <a16:creationId xmlns:a16="http://schemas.microsoft.com/office/drawing/2014/main" id="{348D9AB9-58A1-4E44-A64E-99C525370726}"/>
-              </a:ext>
-            </a:extLst>
-          </p:cNvPr>
-          <p:cNvSpPr/>
-          <p:nvPr/>
-        </p:nvSpPr>
-        <p:spPr>
-          <a:xfrm>
-            <a:off x="2187388" y="4222376"/>
-            <a:ext cx="7817224" cy="1497106"/>
-          </a:xfrm>
-          <a:prstGeom prst="rect">
-            <a:avLst/>
-          </a:prstGeom>
-          <a:solidFill>
-            <a:schemeClr val="bg2">
-              <a:lumMod val="90000"/>
-            </a:schemeClr>
-          </a:solidFill>
-        </p:spPr>
-        <p:style>
-          <a:lnRef idx="2">
-            <a:schemeClr val="accent1">
-              <a:shade val="50000"/>
-            </a:schemeClr>
-          </a:lnRef>
-          <a:fillRef idx="1">
-            <a:schemeClr val="accent1"/>
-          </a:fillRef>
-          <a:effectRef idx="0">
-            <a:schemeClr val="accent1"/>
-          </a:effectRef>
-          <a:fontRef idx="minor">
-            <a:schemeClr val="lt1"/>
-          </a:fontRef>
-        </p:style>
-        <p:txBody>
-          <a:bodyPr rtlCol="0" anchor="ctr"/>
-          <a:lstStyle/>
-          <a:p>
-            <a:pPr algn="ctr"/>
-            <a:r>
-              <a:rPr lang="zh-CN" altLang="en-US" dirty="0">
-                <a:solidFill>
-                  <a:schemeClr val="accent6"/>
-                </a:solidFill>
-              </a:rPr>
-              <a:t>三天内是否会出现异常：否</a:t>
-            </a:r>
-            <a:endParaRPr lang="en-US" altLang="zh-CN" dirty="0">
-              <a:solidFill>
-                <a:schemeClr val="accent6"/>
-              </a:solidFill>
-            </a:endParaRPr>
-          </a:p>
-          <a:p>
-            <a:pPr algn="ctr"/>
-            <a:r>
-              <a:rPr lang="zh-CN" altLang="en-US" dirty="0">
-                <a:solidFill>
-                  <a:schemeClr val="accent6"/>
-                </a:solidFill>
-              </a:rPr>
-              <a:t>五天内是否会出现异常：否</a:t>
-            </a:r>
-            <a:endParaRPr lang="en-US" altLang="zh-CN" dirty="0">
-              <a:solidFill>
-                <a:schemeClr val="accent6"/>
-              </a:solidFill>
-            </a:endParaRPr>
-          </a:p>
-          <a:p>
-            <a:pPr algn="ctr"/>
-            <a:r>
-              <a:rPr lang="zh-CN" altLang="en-US" dirty="0">
-                <a:solidFill>
-                  <a:schemeClr val="accent6"/>
-                </a:solidFill>
-              </a:rPr>
-              <a:t>七天内是否会出现异常：是</a:t>
-            </a:r>
-            <a:endParaRPr lang="en-US" altLang="zh-CN" dirty="0">
-              <a:solidFill>
-                <a:schemeClr val="accent6"/>
-              </a:solidFill>
-            </a:endParaRPr>
-          </a:p>
-          <a:p>
-            <a:pPr algn="ctr"/>
-            <a:r>
-              <a:rPr lang="zh-CN" altLang="en-US" dirty="0">
-                <a:solidFill>
-                  <a:schemeClr val="accent6"/>
-                </a:solidFill>
-              </a:rPr>
-              <a:t>十天内是否会出现异常：是</a:t>
-            </a:r>
-            <a:endParaRPr lang="en-US" altLang="zh-CN" dirty="0">
-              <a:solidFill>
-                <a:schemeClr val="accent6"/>
-              </a:solidFill>
-            </a:endParaRPr>
-          </a:p>
-        </p:txBody>
-      </p:sp>
-    </p:spTree>
-    <p:extLst>
-      <p:ext uri="{BB962C8B-B14F-4D97-AF65-F5344CB8AC3E}">
-        <p14:creationId xmlns:p14="http://schemas.microsoft.com/office/powerpoint/2010/main" val="1461949996"/>
-      </p:ext>
-    </p:extLst>
-  </p:cSld>
-  <p:clrMapOvr>
-    <a:masterClrMapping/>
-  </p:clrMapOvr>
-</p:sld>
-</file>
-
-<file path=ppt/slides/slide20.xml><?xml version="1.0" encoding="utf-8"?>
+<file path=ppt/slides/slide24.xml><?xml version="1.0" encoding="utf-8"?>
 <p:sld xmlns:a="http://schemas.openxmlformats.org/drawingml/2006/main" xmlns:r="http://schemas.openxmlformats.org/officeDocument/2006/relationships" xmlns:p="http://schemas.openxmlformats.org/presentationml/2006/main">
   <p:cSld>
     <p:spTree>
@@ -24717,7 +25445,7 @@
 </p:sld>
 </file>
 
-<file path=ppt/slides/slide21.xml><?xml version="1.0" encoding="utf-8"?>
+<file path=ppt/slides/slide25.xml><?xml version="1.0" encoding="utf-8"?>
 <p:sld xmlns:a="http://schemas.openxmlformats.org/drawingml/2006/main" xmlns:r="http://schemas.openxmlformats.org/officeDocument/2006/relationships" xmlns:p="http://schemas.openxmlformats.org/presentationml/2006/main">
   <p:cSld>
     <p:spTree>
@@ -25076,7 +25804,7 @@
 </p:sld>
 </file>
 
-<file path=ppt/slides/slide22.xml><?xml version="1.0" encoding="utf-8"?>
+<file path=ppt/slides/slide26.xml><?xml version="1.0" encoding="utf-8"?>
 <p:sld xmlns:a="http://schemas.openxmlformats.org/drawingml/2006/main" xmlns:r="http://schemas.openxmlformats.org/officeDocument/2006/relationships" xmlns:p="http://schemas.openxmlformats.org/presentationml/2006/main">
   <p:cSld>
     <p:spTree>
@@ -25342,7 +26070,7 @@
 </p:sld>
 </file>
 
-<file path=ppt/slides/slide23.xml><?xml version="1.0" encoding="utf-8"?>
+<file path=ppt/slides/slide27.xml><?xml version="1.0" encoding="utf-8"?>
 <p:sld xmlns:a="http://schemas.openxmlformats.org/drawingml/2006/main" xmlns:r="http://schemas.openxmlformats.org/officeDocument/2006/relationships" xmlns:p="http://schemas.openxmlformats.org/presentationml/2006/main">
   <p:cSld>
     <p:spTree>
@@ -25514,7 +26242,7 @@
 </p:sld>
 </file>
 
-<file path=ppt/slides/slide24.xml><?xml version="1.0" encoding="utf-8"?>
+<file path=ppt/slides/slide28.xml><?xml version="1.0" encoding="utf-8"?>
 <p:sld xmlns:a="http://schemas.openxmlformats.org/drawingml/2006/main" xmlns:r="http://schemas.openxmlformats.org/officeDocument/2006/relationships" xmlns:p="http://schemas.openxmlformats.org/presentationml/2006/main">
   <p:cSld>
     <p:spTree>
@@ -25894,7 +26622,7 @@
 </p:sld>
 </file>
 
-<file path=ppt/slides/slide25.xml><?xml version="1.0" encoding="utf-8"?>
+<file path=ppt/slides/slide29.xml><?xml version="1.0" encoding="utf-8"?>
 <p:sld xmlns:a="http://schemas.openxmlformats.org/drawingml/2006/main" xmlns:r="http://schemas.openxmlformats.org/officeDocument/2006/relationships" xmlns:p="http://schemas.openxmlformats.org/presentationml/2006/main">
   <p:cSld>
     <p:spTree>
@@ -26136,7 +26864,97 @@
 </p:sld>
 </file>
 
-<file path=ppt/slides/slide26.xml><?xml version="1.0" encoding="utf-8"?>
+<file path=ppt/slides/slide3.xml><?xml version="1.0" encoding="utf-8"?>
+<p:sld xmlns:a="http://schemas.openxmlformats.org/drawingml/2006/main" xmlns:r="http://schemas.openxmlformats.org/officeDocument/2006/relationships" xmlns:p="http://schemas.openxmlformats.org/presentationml/2006/main">
+  <p:cSld>
+    <p:spTree>
+      <p:nvGrpSpPr>
+        <p:cNvPr id="1" name=""/>
+        <p:cNvGrpSpPr/>
+        <p:nvPr/>
+      </p:nvGrpSpPr>
+      <p:grpSpPr>
+        <a:xfrm>
+          <a:off x="0" y="0"/>
+          <a:ext cx="0" cy="0"/>
+          <a:chOff x="0" y="0"/>
+          <a:chExt cx="0" cy="0"/>
+        </a:xfrm>
+      </p:grpSpPr>
+      <p:pic>
+        <p:nvPicPr>
+          <p:cNvPr id="7" name="图片 6">
+            <a:extLst>
+              <a:ext uri="{FF2B5EF4-FFF2-40B4-BE49-F238E27FC236}">
+                <a16:creationId xmlns:a16="http://schemas.microsoft.com/office/drawing/2014/main" id="{B0DB03C0-EC5A-41B9-B12F-D15BC18EAF83}"/>
+              </a:ext>
+            </a:extLst>
+          </p:cNvPr>
+          <p:cNvPicPr>
+            <a:picLocks noChangeAspect="1"/>
+          </p:cNvPicPr>
+          <p:nvPr/>
+        </p:nvPicPr>
+        <p:blipFill>
+          <a:blip r:embed="rId2"/>
+          <a:stretch>
+            <a:fillRect/>
+          </a:stretch>
+        </p:blipFill>
+        <p:spPr>
+          <a:xfrm>
+            <a:off x="857927" y="421590"/>
+            <a:ext cx="7269500" cy="4440139"/>
+          </a:xfrm>
+          <a:prstGeom prst="rect">
+            <a:avLst/>
+          </a:prstGeom>
+        </p:spPr>
+      </p:pic>
+      <p:pic>
+        <p:nvPicPr>
+          <p:cNvPr id="9" name="图片 8">
+            <a:extLst>
+              <a:ext uri="{FF2B5EF4-FFF2-40B4-BE49-F238E27FC236}">
+                <a16:creationId xmlns:a16="http://schemas.microsoft.com/office/drawing/2014/main" id="{A7786525-6E12-4478-93F0-E5B71CC59F1B}"/>
+              </a:ext>
+            </a:extLst>
+          </p:cNvPr>
+          <p:cNvPicPr>
+            <a:picLocks noChangeAspect="1"/>
+          </p:cNvPicPr>
+          <p:nvPr/>
+        </p:nvPicPr>
+        <p:blipFill>
+          <a:blip r:embed="rId3"/>
+          <a:stretch>
+            <a:fillRect/>
+          </a:stretch>
+        </p:blipFill>
+        <p:spPr>
+          <a:xfrm>
+            <a:off x="7699324" y="1300469"/>
+            <a:ext cx="3391373" cy="3629532"/>
+          </a:xfrm>
+          <a:prstGeom prst="rect">
+            <a:avLst/>
+          </a:prstGeom>
+        </p:spPr>
+      </p:pic>
+    </p:spTree>
+    <p:extLst>
+      <p:ext uri="{BB962C8B-B14F-4D97-AF65-F5344CB8AC3E}">
+        <p14:creationId xmlns:p14="http://schemas.microsoft.com/office/powerpoint/2010/main" val="1296620647"/>
+      </p:ext>
+    </p:extLst>
+  </p:cSld>
+  <p:clrMapOvr>
+    <a:masterClrMapping/>
+  </p:clrMapOvr>
+</p:sld>
+</file>
+
+<file path=ppt/slides/slide30.xml><?xml version="1.0" encoding="utf-8"?>
 <p:sld xmlns:a="http://schemas.openxmlformats.org/drawingml/2006/main" xmlns:r="http://schemas.openxmlformats.org/officeDocument/2006/relationships" xmlns:p="http://schemas.openxmlformats.org/presentationml/2006/main">
   <p:cSld>
     <p:spTree>
@@ -26421,7 +27239,7 @@
 </p:sld>
 </file>
 
-<file path=ppt/slides/slide27.xml><?xml version="1.0" encoding="utf-8"?>
+<file path=ppt/slides/slide31.xml><?xml version="1.0" encoding="utf-8"?>
 <p:sld xmlns:a="http://schemas.openxmlformats.org/drawingml/2006/main" xmlns:r="http://schemas.openxmlformats.org/officeDocument/2006/relationships" xmlns:p="http://schemas.openxmlformats.org/presentationml/2006/main">
   <p:cSld>
     <p:spTree>
@@ -26675,7 +27493,7 @@
 </p:sld>
 </file>
 
-<file path=ppt/slides/slide28.xml><?xml version="1.0" encoding="utf-8"?>
+<file path=ppt/slides/slide32.xml><?xml version="1.0" encoding="utf-8"?>
 <p:sld xmlns:a="http://schemas.openxmlformats.org/drawingml/2006/main" xmlns:r="http://schemas.openxmlformats.org/officeDocument/2006/relationships" xmlns:p="http://schemas.openxmlformats.org/presentationml/2006/main">
   <p:cSld>
     <p:spTree>
@@ -26925,7 +27743,7 @@
 </p:sld>
 </file>
 
-<file path=ppt/slides/slide29.xml><?xml version="1.0" encoding="utf-8"?>
+<file path=ppt/slides/slide33.xml><?xml version="1.0" encoding="utf-8"?>
 <p:sld xmlns:a="http://schemas.openxmlformats.org/drawingml/2006/main" xmlns:r="http://schemas.openxmlformats.org/officeDocument/2006/relationships" xmlns:p="http://schemas.openxmlformats.org/presentationml/2006/main">
   <p:cSld>
     <p:spTree>
@@ -27097,97 +27915,7 @@
 </p:sld>
 </file>
 
-<file path=ppt/slides/slide3.xml><?xml version="1.0" encoding="utf-8"?>
-<p:sld xmlns:a="http://schemas.openxmlformats.org/drawingml/2006/main" xmlns:r="http://schemas.openxmlformats.org/officeDocument/2006/relationships" xmlns:p="http://schemas.openxmlformats.org/presentationml/2006/main">
-  <p:cSld>
-    <p:spTree>
-      <p:nvGrpSpPr>
-        <p:cNvPr id="1" name=""/>
-        <p:cNvGrpSpPr/>
-        <p:nvPr/>
-      </p:nvGrpSpPr>
-      <p:grpSpPr>
-        <a:xfrm>
-          <a:off x="0" y="0"/>
-          <a:ext cx="0" cy="0"/>
-          <a:chOff x="0" y="0"/>
-          <a:chExt cx="0" cy="0"/>
-        </a:xfrm>
-      </p:grpSpPr>
-      <p:pic>
-        <p:nvPicPr>
-          <p:cNvPr id="7" name="图片 6">
-            <a:extLst>
-              <a:ext uri="{FF2B5EF4-FFF2-40B4-BE49-F238E27FC236}">
-                <a16:creationId xmlns:a16="http://schemas.microsoft.com/office/drawing/2014/main" id="{B0DB03C0-EC5A-41B9-B12F-D15BC18EAF83}"/>
-              </a:ext>
-            </a:extLst>
-          </p:cNvPr>
-          <p:cNvPicPr>
-            <a:picLocks noChangeAspect="1"/>
-          </p:cNvPicPr>
-          <p:nvPr/>
-        </p:nvPicPr>
-        <p:blipFill>
-          <a:blip r:embed="rId2"/>
-          <a:stretch>
-            <a:fillRect/>
-          </a:stretch>
-        </p:blipFill>
-        <p:spPr>
-          <a:xfrm>
-            <a:off x="857927" y="421590"/>
-            <a:ext cx="7269500" cy="4440139"/>
-          </a:xfrm>
-          <a:prstGeom prst="rect">
-            <a:avLst/>
-          </a:prstGeom>
-        </p:spPr>
-      </p:pic>
-      <p:pic>
-        <p:nvPicPr>
-          <p:cNvPr id="9" name="图片 8">
-            <a:extLst>
-              <a:ext uri="{FF2B5EF4-FFF2-40B4-BE49-F238E27FC236}">
-                <a16:creationId xmlns:a16="http://schemas.microsoft.com/office/drawing/2014/main" id="{A7786525-6E12-4478-93F0-E5B71CC59F1B}"/>
-              </a:ext>
-            </a:extLst>
-          </p:cNvPr>
-          <p:cNvPicPr>
-            <a:picLocks noChangeAspect="1"/>
-          </p:cNvPicPr>
-          <p:nvPr/>
-        </p:nvPicPr>
-        <p:blipFill>
-          <a:blip r:embed="rId3"/>
-          <a:stretch>
-            <a:fillRect/>
-          </a:stretch>
-        </p:blipFill>
-        <p:spPr>
-          <a:xfrm>
-            <a:off x="7699324" y="1300469"/>
-            <a:ext cx="3391373" cy="3629532"/>
-          </a:xfrm>
-          <a:prstGeom prst="rect">
-            <a:avLst/>
-          </a:prstGeom>
-        </p:spPr>
-      </p:pic>
-    </p:spTree>
-    <p:extLst>
-      <p:ext uri="{BB962C8B-B14F-4D97-AF65-F5344CB8AC3E}">
-        <p14:creationId xmlns:p14="http://schemas.microsoft.com/office/powerpoint/2010/main" val="1296620647"/>
-      </p:ext>
-    </p:extLst>
-  </p:cSld>
-  <p:clrMapOvr>
-    <a:masterClrMapping/>
-  </p:clrMapOvr>
-</p:sld>
-</file>
-
-<file path=ppt/slides/slide30.xml><?xml version="1.0" encoding="utf-8"?>
+<file path=ppt/slides/slide34.xml><?xml version="1.0" encoding="utf-8"?>
 <p:sld xmlns:a="http://schemas.openxmlformats.org/drawingml/2006/main" xmlns:r="http://schemas.openxmlformats.org/officeDocument/2006/relationships" xmlns:p="http://schemas.openxmlformats.org/presentationml/2006/main">
   <p:cSld>
     <p:spTree>
@@ -27519,7 +28247,7 @@
 </p:sld>
 </file>
 
-<file path=ppt/slides/slide31.xml><?xml version="1.0" encoding="utf-8"?>
+<file path=ppt/slides/slide35.xml><?xml version="1.0" encoding="utf-8"?>
 <p:sld xmlns:a="http://schemas.openxmlformats.org/drawingml/2006/main" xmlns:r="http://schemas.openxmlformats.org/officeDocument/2006/relationships" xmlns:p="http://schemas.openxmlformats.org/presentationml/2006/main">
   <p:cSld>
     <p:spTree>
@@ -27796,7 +28524,7 @@
 </p:sld>
 </file>
 
-<file path=ppt/slides/slide32.xml><?xml version="1.0" encoding="utf-8"?>
+<file path=ppt/slides/slide36.xml><?xml version="1.0" encoding="utf-8"?>
 <p:sld xmlns:a="http://schemas.openxmlformats.org/drawingml/2006/main" xmlns:r="http://schemas.openxmlformats.org/officeDocument/2006/relationships" xmlns:p="http://schemas.openxmlformats.org/presentationml/2006/main">
   <p:cSld>
     <p:spTree>
@@ -36981,7 +37709,7 @@
             <p:spPr>
               <a:xfrm>
                 <a:off x="6074854" y="1173908"/>
-                <a:ext cx="323358" cy="276999"/>
+                <a:ext cx="345671" cy="276999"/>
               </a:xfrm>
               <a:prstGeom prst="rect">
                 <a:avLst/>
@@ -37001,14 +37729,14 @@
                       <m:jc m:val="centerGroup"/>
                     </m:oMathParaPr>
                     <m:oMath xmlns:m="http://schemas.openxmlformats.org/officeDocument/2006/math">
-                      <m:sSub>
-                        <m:sSubPr>
+                      <m:sSup>
+                        <m:sSupPr>
                           <m:ctrlPr>
-                            <a:rPr lang="en-US" altLang="zh-CN" i="1" smtClean="0">
+                            <a:rPr lang="en-US" altLang="zh-CN" b="0" i="1" smtClean="0">
                               <a:latin typeface="Cambria Math" panose="02040503050406030204" pitchFamily="18" charset="0"/>
                             </a:rPr>
                           </m:ctrlPr>
-                        </m:sSubPr>
+                        </m:sSupPr>
                         <m:e>
                           <m:r>
                             <a:rPr lang="en-US" altLang="zh-CN" b="0" i="1" smtClean="0">
@@ -37017,15 +37745,15 @@
                             <m:t>𝐾</m:t>
                           </m:r>
                         </m:e>
-                        <m:sub>
+                        <m:sup>
                           <m:r>
                             <a:rPr lang="en-US" altLang="zh-CN" b="0" i="1" smtClean="0">
                               <a:latin typeface="Cambria Math" panose="02040503050406030204" pitchFamily="18" charset="0"/>
                             </a:rPr>
                             <m:t>𝑇</m:t>
                           </m:r>
-                        </m:sub>
-                      </m:sSub>
+                        </m:sup>
+                      </m:sSup>
                     </m:oMath>
                   </m:oMathPara>
                 </a14:m>
@@ -37052,7 +37780,7 @@
             <p:spPr>
               <a:xfrm>
                 <a:off x="6074854" y="1173908"/>
-                <a:ext cx="323358" cy="276999"/>
+                <a:ext cx="345671" cy="276999"/>
               </a:xfrm>
               <a:prstGeom prst="rect">
                 <a:avLst/>
@@ -37060,7 +37788,7 @@
               <a:blipFill>
                 <a:blip r:embed="rId5"/>
                 <a:stretch>
-                  <a:fillRect l="-18868" r="-3774" b="-15556"/>
+                  <a:fillRect l="-17857" t="-4444" r="-5357" b="-6667"/>
                 </a:stretch>
               </a:blipFill>
             </p:spPr>
@@ -37874,7 +38602,7 @@
 </p:sld>
 </file>
 
-<file path=ppt/slides/slide33.xml><?xml version="1.0" encoding="utf-8"?>
+<file path=ppt/slides/slide37.xml><?xml version="1.0" encoding="utf-8"?>
 <p:sld xmlns:a="http://schemas.openxmlformats.org/drawingml/2006/main" xmlns:r="http://schemas.openxmlformats.org/officeDocument/2006/relationships" xmlns:p="http://schemas.openxmlformats.org/presentationml/2006/main">
   <p:cSld>
     <p:spTree>
@@ -38010,10 +38738,10 @@
       </p:pic>
       <p:pic>
         <p:nvPicPr>
-          <p:cNvPr id="3" name="图片 2">
+          <p:cNvPr id="4" name="图片 3">
             <a:extLst>
               <a:ext uri="{FF2B5EF4-FFF2-40B4-BE49-F238E27FC236}">
-                <a16:creationId xmlns:a16="http://schemas.microsoft.com/office/drawing/2014/main" id="{B7866782-7330-4A01-85C3-BF372CAC69BB}"/>
+                <a16:creationId xmlns:a16="http://schemas.microsoft.com/office/drawing/2014/main" id="{E0547D03-5AF1-4019-9A12-294CE826D7AC}"/>
               </a:ext>
             </a:extLst>
           </p:cNvPr>
@@ -38030,8 +38758,8 @@
         </p:blipFill>
         <p:spPr>
           <a:xfrm>
-            <a:off x="2948664" y="1854469"/>
-            <a:ext cx="6294665" cy="4320914"/>
+            <a:off x="2152100" y="1795608"/>
+            <a:ext cx="6308320" cy="4357921"/>
           </a:xfrm>
           <a:prstGeom prst="rect">
             <a:avLst/>
@@ -38051,7 +38779,7 @@
 </p:sld>
 </file>
 
-<file path=ppt/slides/slide34.xml><?xml version="1.0" encoding="utf-8"?>
+<file path=ppt/slides/slide38.xml><?xml version="1.0" encoding="utf-8"?>
 <p:sld xmlns:a="http://schemas.openxmlformats.org/drawingml/2006/main" xmlns:r="http://schemas.openxmlformats.org/officeDocument/2006/relationships" xmlns:p="http://schemas.openxmlformats.org/presentationml/2006/main">
   <p:cSld>
     <p:spTree>
@@ -38331,17 +39059,21 @@
           <a:p>
             <a:pPr algn="ctr"/>
             <a:r>
-              <a:rPr lang="en-US" altLang="zh-CN" dirty="0">
+              <a:rPr lang="en-US" altLang="zh-CN" sz="1600" dirty="0">
                 <a:solidFill>
                   <a:schemeClr val="tx1"/>
                 </a:solidFill>
+                <a:latin typeface="Times New Roman" panose="02020603050405020304" pitchFamily="18" charset="0"/>
+                <a:cs typeface="Times New Roman" panose="02020603050405020304" pitchFamily="18" charset="0"/>
               </a:rPr>
               <a:t>Variate Separation</a:t>
             </a:r>
-            <a:endParaRPr lang="zh-CN" altLang="en-US" dirty="0">
+            <a:endParaRPr lang="zh-CN" altLang="en-US" sz="1600" dirty="0">
               <a:solidFill>
                 <a:schemeClr val="tx1"/>
               </a:solidFill>
+              <a:latin typeface="Times New Roman" panose="02020603050405020304" pitchFamily="18" charset="0"/>
+              <a:cs typeface="Times New Roman" panose="02020603050405020304" pitchFamily="18" charset="0"/>
             </a:endParaRPr>
           </a:p>
         </p:txBody>
@@ -38395,17 +39127,21 @@
           <a:p>
             <a:pPr algn="ctr"/>
             <a:r>
-              <a:rPr lang="en-US" altLang="zh-CN" dirty="0">
+              <a:rPr lang="en-US" altLang="zh-CN" sz="1600" dirty="0">
                 <a:solidFill>
                   <a:schemeClr val="tx1"/>
                 </a:solidFill>
+                <a:latin typeface="Times New Roman" panose="02020603050405020304" pitchFamily="18" charset="0"/>
+                <a:cs typeface="Times New Roman" panose="02020603050405020304" pitchFamily="18" charset="0"/>
               </a:rPr>
               <a:t>Scaled Dot-Product Attention</a:t>
             </a:r>
-            <a:endParaRPr lang="zh-CN" altLang="en-US" dirty="0">
+            <a:endParaRPr lang="zh-CN" altLang="en-US" sz="1600" dirty="0">
               <a:solidFill>
                 <a:schemeClr val="tx1"/>
               </a:solidFill>
+              <a:latin typeface="Times New Roman" panose="02020603050405020304" pitchFamily="18" charset="0"/>
+              <a:cs typeface="Times New Roman" panose="02020603050405020304" pitchFamily="18" charset="0"/>
             </a:endParaRPr>
           </a:p>
         </p:txBody>
@@ -38458,17 +39194,21 @@
           <a:p>
             <a:pPr algn="ctr"/>
             <a:r>
-              <a:rPr lang="en-US" altLang="zh-CN" dirty="0">
+              <a:rPr lang="en-US" altLang="zh-CN" sz="1600" dirty="0">
                 <a:solidFill>
                   <a:schemeClr val="tx1"/>
                 </a:solidFill>
+                <a:latin typeface="Times New Roman" panose="02020603050405020304" pitchFamily="18" charset="0"/>
+                <a:cs typeface="Times New Roman" panose="02020603050405020304" pitchFamily="18" charset="0"/>
               </a:rPr>
               <a:t>Concat</a:t>
             </a:r>
-            <a:endParaRPr lang="zh-CN" altLang="en-US" dirty="0">
+            <a:endParaRPr lang="zh-CN" altLang="en-US" sz="1600" dirty="0">
               <a:solidFill>
                 <a:schemeClr val="tx1"/>
               </a:solidFill>
+              <a:latin typeface="Times New Roman" panose="02020603050405020304" pitchFamily="18" charset="0"/>
+              <a:cs typeface="Times New Roman" panose="02020603050405020304" pitchFamily="18" charset="0"/>
             </a:endParaRPr>
           </a:p>
         </p:txBody>
@@ -38490,7 +39230,7 @@
             <p:spPr>
               <a:xfrm>
                 <a:off x="5066723" y="5152117"/>
-                <a:ext cx="215122" cy="276999"/>
+                <a:ext cx="191976" cy="246221"/>
               </a:xfrm>
               <a:prstGeom prst="rect">
                 <a:avLst/>
@@ -38511,7 +39251,7 @@
                     </m:oMathParaPr>
                     <m:oMath xmlns:m="http://schemas.openxmlformats.org/officeDocument/2006/math">
                       <m:r>
-                        <a:rPr lang="en-US" altLang="zh-CN" b="0" i="1" smtClean="0">
+                        <a:rPr lang="en-US" altLang="zh-CN" sz="1600" b="0" i="1" smtClean="0">
                           <a:latin typeface="Cambria Math" panose="02040503050406030204" pitchFamily="18" charset="0"/>
                         </a:rPr>
                         <m:t>𝑄</m:t>
@@ -38519,7 +39259,7 @@
                     </m:oMath>
                   </m:oMathPara>
                 </a14:m>
-                <a:endParaRPr lang="zh-CN" altLang="en-US" dirty="0"/>
+                <a:endParaRPr lang="zh-CN" altLang="en-US" sz="1600" dirty="0"/>
               </a:p>
             </p:txBody>
           </p:sp>
@@ -38542,7 +39282,7 @@
             <p:spPr>
               <a:xfrm>
                 <a:off x="5066723" y="5152117"/>
-                <a:ext cx="215122" cy="276999"/>
+                <a:ext cx="191976" cy="246221"/>
               </a:xfrm>
               <a:prstGeom prst="rect">
                 <a:avLst/>
@@ -38550,7 +39290,7 @@
               <a:blipFill>
                 <a:blip r:embed="rId4"/>
                 <a:stretch>
-                  <a:fillRect l="-37143" r="-34286" b="-28261"/>
+                  <a:fillRect l="-31250" r="-28125" b="-26829"/>
                 </a:stretch>
               </a:blipFill>
             </p:spPr>
@@ -38586,7 +39326,7 @@
             <p:spPr>
               <a:xfrm>
                 <a:off x="5788196" y="5152117"/>
-                <a:ext cx="221791" cy="276999"/>
+                <a:ext cx="195375" cy="246221"/>
               </a:xfrm>
               <a:prstGeom prst="rect">
                 <a:avLst/>
@@ -38607,7 +39347,7 @@
                     </m:oMathParaPr>
                     <m:oMath xmlns:m="http://schemas.openxmlformats.org/officeDocument/2006/math">
                       <m:r>
-                        <a:rPr lang="en-US" altLang="zh-CN" b="0" i="1" smtClean="0">
+                        <a:rPr lang="en-US" altLang="zh-CN" sz="1600" b="0" i="1" smtClean="0">
                           <a:latin typeface="Cambria Math" panose="02040503050406030204" pitchFamily="18" charset="0"/>
                         </a:rPr>
                         <m:t>𝐾</m:t>
@@ -38615,7 +39355,7 @@
                     </m:oMath>
                   </m:oMathPara>
                 </a14:m>
-                <a:endParaRPr lang="zh-CN" altLang="en-US" dirty="0"/>
+                <a:endParaRPr lang="zh-CN" altLang="en-US" sz="1600" dirty="0"/>
               </a:p>
             </p:txBody>
           </p:sp>
@@ -38638,7 +39378,7 @@
             <p:spPr>
               <a:xfrm>
                 <a:off x="5788196" y="5152117"/>
-                <a:ext cx="221791" cy="276999"/>
+                <a:ext cx="195375" cy="246221"/>
               </a:xfrm>
               <a:prstGeom prst="rect">
                 <a:avLst/>
@@ -38646,7 +39386,7 @@
               <a:blipFill>
                 <a:blip r:embed="rId5"/>
                 <a:stretch>
-                  <a:fillRect l="-27778" r="-22222" b="-6522"/>
+                  <a:fillRect l="-25000" r="-18750" b="-4878"/>
                 </a:stretch>
               </a:blipFill>
             </p:spPr>
@@ -38682,7 +39422,7 @@
             <p:spPr>
               <a:xfrm>
                 <a:off x="6516338" y="5152117"/>
-                <a:ext cx="204480" cy="276999"/>
+                <a:ext cx="181267" cy="246221"/>
               </a:xfrm>
               <a:prstGeom prst="rect">
                 <a:avLst/>
@@ -38703,7 +39443,7 @@
                     </m:oMathParaPr>
                     <m:oMath xmlns:m="http://schemas.openxmlformats.org/officeDocument/2006/math">
                       <m:r>
-                        <a:rPr lang="en-US" altLang="zh-CN" b="0" i="1" smtClean="0">
+                        <a:rPr lang="en-US" altLang="zh-CN" sz="1600" b="0" i="1" smtClean="0">
                           <a:latin typeface="Cambria Math" panose="02040503050406030204" pitchFamily="18" charset="0"/>
                         </a:rPr>
                         <m:t>𝑉</m:t>
@@ -38711,7 +39451,7 @@
                     </m:oMath>
                   </m:oMathPara>
                 </a14:m>
-                <a:endParaRPr lang="zh-CN" altLang="en-US" dirty="0"/>
+                <a:endParaRPr lang="zh-CN" altLang="en-US" sz="1600" dirty="0"/>
               </a:p>
             </p:txBody>
           </p:sp>
@@ -38734,7 +39474,7 @@
             <p:spPr>
               <a:xfrm>
                 <a:off x="6516338" y="5152117"/>
-                <a:ext cx="204480" cy="276999"/>
+                <a:ext cx="181267" cy="246221"/>
               </a:xfrm>
               <a:prstGeom prst="rect">
                 <a:avLst/>
@@ -38742,7 +39482,7 @@
               <a:blipFill>
                 <a:blip r:embed="rId6"/>
                 <a:stretch>
-                  <a:fillRect l="-30303" r="-24242" b="-6522"/>
+                  <a:fillRect l="-26667" r="-20000" b="-4878"/>
                 </a:stretch>
               </a:blipFill>
             </p:spPr>
@@ -38777,8 +39517,8 @@
         </p:nvCxnSpPr>
         <p:spPr>
           <a:xfrm flipV="1">
-            <a:off x="5174284" y="4749553"/>
-            <a:ext cx="0" cy="402564"/>
+            <a:off x="5162711" y="4749553"/>
+            <a:ext cx="11573" cy="402564"/>
           </a:xfrm>
           <a:prstGeom prst="straightConnector1">
             <a:avLst/>
@@ -39220,7 +39960,7 @@
         </p:nvSpPr>
         <p:spPr>
           <a:xfrm>
-            <a:off x="7182035" y="2855494"/>
+            <a:off x="7120694" y="2855494"/>
             <a:ext cx="319596" cy="794266"/>
           </a:xfrm>
           <a:prstGeom prst="rightBrace">
@@ -39277,8 +40017,8 @@
             </p:nvSpPr>
             <p:spPr>
               <a:xfrm>
-                <a:off x="7743752" y="3114127"/>
-                <a:ext cx="419217" cy="276999"/>
+                <a:off x="7621070" y="3129516"/>
+                <a:ext cx="370486" cy="246221"/>
               </a:xfrm>
               <a:prstGeom prst="rect">
                 <a:avLst/>
@@ -39299,13 +40039,13 @@
                     </m:oMathParaPr>
                     <m:oMath xmlns:m="http://schemas.openxmlformats.org/officeDocument/2006/math">
                       <m:r>
-                        <a:rPr lang="en-US" altLang="zh-CN" b="0" i="1" smtClean="0">
+                        <a:rPr lang="en-US" altLang="zh-CN" sz="1600" b="0" i="1" smtClean="0">
                           <a:latin typeface="Cambria Math" panose="02040503050406030204" pitchFamily="18" charset="0"/>
                         </a:rPr>
                         <m:t>𝑀</m:t>
                       </m:r>
                       <m:r>
-                        <a:rPr lang="en-US" altLang="zh-CN" b="0" i="1" smtClean="0">
+                        <a:rPr lang="en-US" altLang="zh-CN" sz="1600" b="0" i="1" smtClean="0">
                           <a:latin typeface="Cambria Math" panose="02040503050406030204" pitchFamily="18" charset="0"/>
                         </a:rPr>
                         <m:t> </m:t>
@@ -39314,7 +40054,7 @@
                         <m:rPr>
                           <m:sty m:val="p"/>
                         </m:rPr>
-                        <a:rPr lang="en-US" altLang="zh-CN" i="1">
+                        <a:rPr lang="en-US" altLang="zh-CN" sz="1600" i="1">
                           <a:latin typeface="Cambria Math" panose="02040503050406030204" pitchFamily="18" charset="0"/>
                         </a:rPr>
                         <m:t>x</m:t>
@@ -39322,7 +40062,7 @@
                     </m:oMath>
                   </m:oMathPara>
                 </a14:m>
-                <a:endParaRPr lang="zh-CN" altLang="en-US" dirty="0"/>
+                <a:endParaRPr lang="zh-CN" altLang="en-US" sz="1600" dirty="0"/>
               </a:p>
             </p:txBody>
           </p:sp>
@@ -39344,8 +40084,8 @@
             </p:nvSpPr>
             <p:spPr>
               <a:xfrm>
-                <a:off x="7743752" y="3114127"/>
-                <a:ext cx="419217" cy="276999"/>
+                <a:off x="7621070" y="3129516"/>
+                <a:ext cx="370486" cy="246221"/>
               </a:xfrm>
               <a:prstGeom prst="rect">
                 <a:avLst/>
@@ -39353,7 +40093,7 @@
               <a:blipFill>
                 <a:blip r:embed="rId7"/>
                 <a:stretch>
-                  <a:fillRect l="-11594" r="-7246" b="-6667"/>
+                  <a:fillRect l="-11475" r="-8197" b="-4878"/>
                 </a:stretch>
               </a:blipFill>
             </p:spPr>
@@ -39385,7 +40125,7 @@
 </p:sld>
 </file>
 
-<file path=ppt/slides/slide35.xml><?xml version="1.0" encoding="utf-8"?>
+<file path=ppt/slides/slide39.xml><?xml version="1.0" encoding="utf-8"?>
 <p:sld xmlns:a="http://schemas.openxmlformats.org/drawingml/2006/main" xmlns:r="http://schemas.openxmlformats.org/officeDocument/2006/relationships" xmlns:p="http://schemas.openxmlformats.org/presentationml/2006/main">
   <p:cSld>
     <p:spTree>
@@ -39549,6 +40289,66 @@
           </a:prstGeom>
         </p:spPr>
       </p:pic>
+      <p:pic>
+        <p:nvPicPr>
+          <p:cNvPr id="3" name="图片 2">
+            <a:extLst>
+              <a:ext uri="{FF2B5EF4-FFF2-40B4-BE49-F238E27FC236}">
+                <a16:creationId xmlns:a16="http://schemas.microsoft.com/office/drawing/2014/main" id="{AA64B951-4C50-474B-BB07-3F44E39844F0}"/>
+              </a:ext>
+            </a:extLst>
+          </p:cNvPr>
+          <p:cNvPicPr>
+            <a:picLocks noChangeAspect="1"/>
+          </p:cNvPicPr>
+          <p:nvPr/>
+        </p:nvPicPr>
+        <p:blipFill>
+          <a:blip r:embed="rId5"/>
+          <a:stretch>
+            <a:fillRect/>
+          </a:stretch>
+        </p:blipFill>
+        <p:spPr>
+          <a:xfrm>
+            <a:off x="745457" y="1459304"/>
+            <a:ext cx="4210638" cy="4467849"/>
+          </a:xfrm>
+          <a:prstGeom prst="rect">
+            <a:avLst/>
+          </a:prstGeom>
+        </p:spPr>
+      </p:pic>
+      <p:pic>
+        <p:nvPicPr>
+          <p:cNvPr id="6" name="图片 5">
+            <a:extLst>
+              <a:ext uri="{FF2B5EF4-FFF2-40B4-BE49-F238E27FC236}">
+                <a16:creationId xmlns:a16="http://schemas.microsoft.com/office/drawing/2014/main" id="{B133360D-4B8D-41D6-8A1B-D0B145FD6DFE}"/>
+              </a:ext>
+            </a:extLst>
+          </p:cNvPr>
+          <p:cNvPicPr>
+            <a:picLocks noChangeAspect="1"/>
+          </p:cNvPicPr>
+          <p:nvPr/>
+        </p:nvPicPr>
+        <p:blipFill>
+          <a:blip r:embed="rId6"/>
+          <a:stretch>
+            <a:fillRect/>
+          </a:stretch>
+        </p:blipFill>
+        <p:spPr>
+          <a:xfrm>
+            <a:off x="2587736" y="1491280"/>
+            <a:ext cx="3753374" cy="4305901"/>
+          </a:xfrm>
+          <a:prstGeom prst="rect">
+            <a:avLst/>
+          </a:prstGeom>
+        </p:spPr>
+      </p:pic>
     </p:spTree>
     <p:extLst>
       <p:ext uri="{BB962C8B-B14F-4D97-AF65-F5344CB8AC3E}">
@@ -39562,7 +40362,97 @@
 </p:sld>
 </file>
 
-<file path=ppt/slides/slide36.xml><?xml version="1.0" encoding="utf-8"?>
+<file path=ppt/slides/slide4.xml><?xml version="1.0" encoding="utf-8"?>
+<p:sld xmlns:a="http://schemas.openxmlformats.org/drawingml/2006/main" xmlns:r="http://schemas.openxmlformats.org/officeDocument/2006/relationships" xmlns:p="http://schemas.openxmlformats.org/presentationml/2006/main">
+  <p:cSld>
+    <p:spTree>
+      <p:nvGrpSpPr>
+        <p:cNvPr id="1" name=""/>
+        <p:cNvGrpSpPr/>
+        <p:nvPr/>
+      </p:nvGrpSpPr>
+      <p:grpSpPr>
+        <a:xfrm>
+          <a:off x="0" y="0"/>
+          <a:ext cx="0" cy="0"/>
+          <a:chOff x="0" y="0"/>
+          <a:chExt cx="0" cy="0"/>
+        </a:xfrm>
+      </p:grpSpPr>
+      <p:pic>
+        <p:nvPicPr>
+          <p:cNvPr id="3" name="图片 2">
+            <a:extLst>
+              <a:ext uri="{FF2B5EF4-FFF2-40B4-BE49-F238E27FC236}">
+                <a16:creationId xmlns:a16="http://schemas.microsoft.com/office/drawing/2014/main" id="{C9E52B63-0901-4F8D-9564-9525871E97DC}"/>
+              </a:ext>
+            </a:extLst>
+          </p:cNvPr>
+          <p:cNvPicPr>
+            <a:picLocks noChangeAspect="1"/>
+          </p:cNvPicPr>
+          <p:nvPr/>
+        </p:nvPicPr>
+        <p:blipFill>
+          <a:blip r:embed="rId2"/>
+          <a:stretch>
+            <a:fillRect/>
+          </a:stretch>
+        </p:blipFill>
+        <p:spPr>
+          <a:xfrm>
+            <a:off x="3827929" y="250931"/>
+            <a:ext cx="6069106" cy="2895892"/>
+          </a:xfrm>
+          <a:prstGeom prst="rect">
+            <a:avLst/>
+          </a:prstGeom>
+        </p:spPr>
+      </p:pic>
+      <p:pic>
+        <p:nvPicPr>
+          <p:cNvPr id="5" name="图片 4">
+            <a:extLst>
+              <a:ext uri="{FF2B5EF4-FFF2-40B4-BE49-F238E27FC236}">
+                <a16:creationId xmlns:a16="http://schemas.microsoft.com/office/drawing/2014/main" id="{2435FA68-1B34-43E0-8D95-AFD10BF53E19}"/>
+              </a:ext>
+            </a:extLst>
+          </p:cNvPr>
+          <p:cNvPicPr>
+            <a:picLocks noChangeAspect="1"/>
+          </p:cNvPicPr>
+          <p:nvPr/>
+        </p:nvPicPr>
+        <p:blipFill>
+          <a:blip r:embed="rId3"/>
+          <a:stretch>
+            <a:fillRect/>
+          </a:stretch>
+        </p:blipFill>
+        <p:spPr>
+          <a:xfrm>
+            <a:off x="1422148" y="3639460"/>
+            <a:ext cx="7390157" cy="2091941"/>
+          </a:xfrm>
+          <a:prstGeom prst="rect">
+            <a:avLst/>
+          </a:prstGeom>
+        </p:spPr>
+      </p:pic>
+    </p:spTree>
+    <p:extLst>
+      <p:ext uri="{BB962C8B-B14F-4D97-AF65-F5344CB8AC3E}">
+        <p14:creationId xmlns:p14="http://schemas.microsoft.com/office/powerpoint/2010/main" val="2707179593"/>
+      </p:ext>
+    </p:extLst>
+  </p:cSld>
+  <p:clrMapOvr>
+    <a:masterClrMapping/>
+  </p:clrMapOvr>
+</p:sld>
+</file>
+
+<file path=ppt/slides/slide40.xml><?xml version="1.0" encoding="utf-8"?>
 <p:sld xmlns:a="http://schemas.openxmlformats.org/drawingml/2006/main" xmlns:r="http://schemas.openxmlformats.org/officeDocument/2006/relationships" xmlns:p="http://schemas.openxmlformats.org/presentationml/2006/main">
   <p:cSld>
     <p:spTree>
@@ -39742,12 +40632,12 @@
           <a:p>
             <a:pPr algn="ctr"/>
             <a:r>
-              <a:rPr lang="zh-CN" altLang="en-US" dirty="0">
+              <a:rPr lang="zh-CN" altLang="en-US" sz="1400" dirty="0">
                 <a:solidFill>
                   <a:schemeClr val="tx1"/>
                 </a:solidFill>
               </a:rPr>
-              <a:t>输入的时间序列</a:t>
+              <a:t>输入时间序列</a:t>
             </a:r>
           </a:p>
         </p:txBody>
@@ -39800,7 +40690,7 @@
           <a:p>
             <a:pPr algn="ctr"/>
             <a:r>
-              <a:rPr lang="zh-CN" altLang="en-US" dirty="0">
+              <a:rPr lang="zh-CN" altLang="en-US" sz="1400" dirty="0">
                 <a:solidFill>
                   <a:schemeClr val="tx1"/>
                 </a:solidFill>
@@ -40020,8 +40910,8 @@
         </p:nvSpPr>
         <p:spPr>
           <a:xfrm>
-            <a:off x="4905982" y="3135796"/>
-            <a:ext cx="2370338" cy="838030"/>
+            <a:off x="4905982" y="3216704"/>
+            <a:ext cx="2370338" cy="701098"/>
           </a:xfrm>
           <a:prstGeom prst="rect">
             <a:avLst/>
@@ -40055,26 +40945,29 @@
           <a:p>
             <a:pPr algn="ctr"/>
             <a:r>
-              <a:rPr lang="zh-CN" altLang="en-US" dirty="0">
+              <a:rPr lang="zh-CN" altLang="en-US" sz="1400" dirty="0">
                 <a:solidFill>
                   <a:schemeClr val="tx1"/>
                 </a:solidFill>
+                <a:latin typeface="+mn-ea"/>
               </a:rPr>
-              <a:t>将分段后的时间序列投影到</a:t>
+              <a:t>将分段时间序列投影到</a:t>
             </a:r>
             <a:r>
-              <a:rPr lang="en-US" altLang="zh-CN" dirty="0">
+              <a:rPr lang="en-US" altLang="zh-CN" sz="1400" dirty="0">
                 <a:solidFill>
                   <a:schemeClr val="tx1"/>
                 </a:solidFill>
+                <a:latin typeface="+mn-ea"/>
               </a:rPr>
               <a:t>Transformer</a:t>
             </a:r>
             <a:r>
-              <a:rPr lang="zh-CN" altLang="en-US" dirty="0">
+              <a:rPr lang="zh-CN" altLang="en-US" sz="1400" dirty="0">
                 <a:solidFill>
                   <a:schemeClr val="tx1"/>
                 </a:solidFill>
+                <a:latin typeface="+mn-ea"/>
               </a:rPr>
               <a:t>隐藏空间</a:t>
             </a:r>
@@ -40127,12 +41020,12 @@
           <a:p>
             <a:pPr algn="ctr"/>
             <a:r>
-              <a:rPr lang="zh-CN" altLang="en-US" dirty="0">
+              <a:rPr lang="zh-CN" altLang="en-US" sz="1400" dirty="0">
                 <a:solidFill>
                   <a:schemeClr val="tx1"/>
                 </a:solidFill>
               </a:rPr>
-              <a:t>对投影后的向量进行位置编码</a:t>
+              <a:t>对投影向量进行位置编码</a:t>
             </a:r>
           </a:p>
         </p:txBody>
@@ -40183,17 +41076,21 @@
           <a:p>
             <a:pPr algn="ctr"/>
             <a:r>
-              <a:rPr lang="en-US" altLang="zh-CN" dirty="0">
+              <a:rPr lang="en-US" altLang="zh-CN" sz="1400" dirty="0">
                 <a:solidFill>
                   <a:schemeClr val="tx1"/>
                 </a:solidFill>
+                <a:latin typeface="Times New Roman" panose="02020603050405020304" pitchFamily="18" charset="0"/>
+                <a:cs typeface="Times New Roman" panose="02020603050405020304" pitchFamily="18" charset="0"/>
               </a:rPr>
               <a:t>Transformer Backbone</a:t>
             </a:r>
-            <a:endParaRPr lang="zh-CN" altLang="en-US" dirty="0">
+            <a:endParaRPr lang="zh-CN" altLang="en-US" sz="1400" dirty="0">
               <a:solidFill>
                 <a:schemeClr val="tx1"/>
               </a:solidFill>
+              <a:latin typeface="Times New Roman" panose="02020603050405020304" pitchFamily="18" charset="0"/>
+              <a:cs typeface="Times New Roman" panose="02020603050405020304" pitchFamily="18" charset="0"/>
             </a:endParaRPr>
           </a:p>
         </p:txBody>
@@ -40265,7 +41162,7 @@
 </p:sld>
 </file>
 
-<file path=ppt/slides/slide37.xml><?xml version="1.0" encoding="utf-8"?>
+<file path=ppt/slides/slide41.xml><?xml version="1.0" encoding="utf-8"?>
 <p:sld xmlns:a="http://schemas.openxmlformats.org/drawingml/2006/main" xmlns:r="http://schemas.openxmlformats.org/officeDocument/2006/relationships" xmlns:p="http://schemas.openxmlformats.org/presentationml/2006/main">
   <p:cSld>
     <p:spTree>
@@ -40429,6 +41326,66 @@
           </a:prstGeom>
         </p:spPr>
       </p:pic>
+      <p:pic>
+        <p:nvPicPr>
+          <p:cNvPr id="3" name="图片 2">
+            <a:extLst>
+              <a:ext uri="{FF2B5EF4-FFF2-40B4-BE49-F238E27FC236}">
+                <a16:creationId xmlns:a16="http://schemas.microsoft.com/office/drawing/2014/main" id="{9851EBDF-F10F-4475-BB82-CA0302FFDE0C}"/>
+              </a:ext>
+            </a:extLst>
+          </p:cNvPr>
+          <p:cNvPicPr>
+            <a:picLocks noChangeAspect="1"/>
+          </p:cNvPicPr>
+          <p:nvPr/>
+        </p:nvPicPr>
+        <p:blipFill>
+          <a:blip r:embed="rId5"/>
+          <a:stretch>
+            <a:fillRect/>
+          </a:stretch>
+        </p:blipFill>
+        <p:spPr>
+          <a:xfrm>
+            <a:off x="482424" y="1003935"/>
+            <a:ext cx="3858163" cy="4858428"/>
+          </a:xfrm>
+          <a:prstGeom prst="rect">
+            <a:avLst/>
+          </a:prstGeom>
+        </p:spPr>
+      </p:pic>
+      <p:pic>
+        <p:nvPicPr>
+          <p:cNvPr id="5" name="图片 4">
+            <a:extLst>
+              <a:ext uri="{FF2B5EF4-FFF2-40B4-BE49-F238E27FC236}">
+                <a16:creationId xmlns:a16="http://schemas.microsoft.com/office/drawing/2014/main" id="{916CC5B1-6FAB-42E6-9C40-29FD6BE0AE9C}"/>
+              </a:ext>
+            </a:extLst>
+          </p:cNvPr>
+          <p:cNvPicPr>
+            <a:picLocks noChangeAspect="1"/>
+          </p:cNvPicPr>
+          <p:nvPr/>
+        </p:nvPicPr>
+        <p:blipFill>
+          <a:blip r:embed="rId6"/>
+          <a:stretch>
+            <a:fillRect/>
+          </a:stretch>
+        </p:blipFill>
+        <p:spPr>
+          <a:xfrm>
+            <a:off x="3462805" y="1324164"/>
+            <a:ext cx="3477110" cy="4867954"/>
+          </a:xfrm>
+          <a:prstGeom prst="rect">
+            <a:avLst/>
+          </a:prstGeom>
+        </p:spPr>
+      </p:pic>
     </p:spTree>
     <p:extLst>
       <p:ext uri="{BB962C8B-B14F-4D97-AF65-F5344CB8AC3E}">
@@ -40442,7 +41399,7 @@
 </p:sld>
 </file>
 
-<file path=ppt/slides/slide38.xml><?xml version="1.0" encoding="utf-8"?>
+<file path=ppt/slides/slide42.xml><?xml version="1.0" encoding="utf-8"?>
 <p:sld xmlns:a="http://schemas.openxmlformats.org/drawingml/2006/main" xmlns:r="http://schemas.openxmlformats.org/officeDocument/2006/relationships" xmlns:p="http://schemas.openxmlformats.org/presentationml/2006/main">
   <p:cSld>
     <p:spTree>
@@ -41533,7 +42490,7 @@
 </p:sld>
 </file>
 
-<file path=ppt/slides/slide39.xml><?xml version="1.0" encoding="utf-8"?>
+<file path=ppt/slides/slide43.xml><?xml version="1.0" encoding="utf-8"?>
 <p:sld xmlns:a="http://schemas.openxmlformats.org/drawingml/2006/main" xmlns:r="http://schemas.openxmlformats.org/officeDocument/2006/relationships" xmlns:p="http://schemas.openxmlformats.org/presentationml/2006/main">
   <p:cSld>
     <p:spTree>
@@ -44188,97 +45145,7 @@
 </p:sld>
 </file>
 
-<file path=ppt/slides/slide4.xml><?xml version="1.0" encoding="utf-8"?>
-<p:sld xmlns:a="http://schemas.openxmlformats.org/drawingml/2006/main" xmlns:r="http://schemas.openxmlformats.org/officeDocument/2006/relationships" xmlns:p="http://schemas.openxmlformats.org/presentationml/2006/main">
-  <p:cSld>
-    <p:spTree>
-      <p:nvGrpSpPr>
-        <p:cNvPr id="1" name=""/>
-        <p:cNvGrpSpPr/>
-        <p:nvPr/>
-      </p:nvGrpSpPr>
-      <p:grpSpPr>
-        <a:xfrm>
-          <a:off x="0" y="0"/>
-          <a:ext cx="0" cy="0"/>
-          <a:chOff x="0" y="0"/>
-          <a:chExt cx="0" cy="0"/>
-        </a:xfrm>
-      </p:grpSpPr>
-      <p:pic>
-        <p:nvPicPr>
-          <p:cNvPr id="3" name="图片 2">
-            <a:extLst>
-              <a:ext uri="{FF2B5EF4-FFF2-40B4-BE49-F238E27FC236}">
-                <a16:creationId xmlns:a16="http://schemas.microsoft.com/office/drawing/2014/main" id="{C9E52B63-0901-4F8D-9564-9525871E97DC}"/>
-              </a:ext>
-            </a:extLst>
-          </p:cNvPr>
-          <p:cNvPicPr>
-            <a:picLocks noChangeAspect="1"/>
-          </p:cNvPicPr>
-          <p:nvPr/>
-        </p:nvPicPr>
-        <p:blipFill>
-          <a:blip r:embed="rId2"/>
-          <a:stretch>
-            <a:fillRect/>
-          </a:stretch>
-        </p:blipFill>
-        <p:spPr>
-          <a:xfrm>
-            <a:off x="3827929" y="250931"/>
-            <a:ext cx="6069106" cy="2895892"/>
-          </a:xfrm>
-          <a:prstGeom prst="rect">
-            <a:avLst/>
-          </a:prstGeom>
-        </p:spPr>
-      </p:pic>
-      <p:pic>
-        <p:nvPicPr>
-          <p:cNvPr id="5" name="图片 4">
-            <a:extLst>
-              <a:ext uri="{FF2B5EF4-FFF2-40B4-BE49-F238E27FC236}">
-                <a16:creationId xmlns:a16="http://schemas.microsoft.com/office/drawing/2014/main" id="{2435FA68-1B34-43E0-8D95-AFD10BF53E19}"/>
-              </a:ext>
-            </a:extLst>
-          </p:cNvPr>
-          <p:cNvPicPr>
-            <a:picLocks noChangeAspect="1"/>
-          </p:cNvPicPr>
-          <p:nvPr/>
-        </p:nvPicPr>
-        <p:blipFill>
-          <a:blip r:embed="rId3"/>
-          <a:stretch>
-            <a:fillRect/>
-          </a:stretch>
-        </p:blipFill>
-        <p:spPr>
-          <a:xfrm>
-            <a:off x="1422148" y="3639460"/>
-            <a:ext cx="7390157" cy="2091941"/>
-          </a:xfrm>
-          <a:prstGeom prst="rect">
-            <a:avLst/>
-          </a:prstGeom>
-        </p:spPr>
-      </p:pic>
-    </p:spTree>
-    <p:extLst>
-      <p:ext uri="{BB962C8B-B14F-4D97-AF65-F5344CB8AC3E}">
-        <p14:creationId xmlns:p14="http://schemas.microsoft.com/office/powerpoint/2010/main" val="2707179593"/>
-      </p:ext>
-    </p:extLst>
-  </p:cSld>
-  <p:clrMapOvr>
-    <a:masterClrMapping/>
-  </p:clrMapOvr>
-</p:sld>
-</file>
-
-<file path=ppt/slides/slide40.xml><?xml version="1.0" encoding="utf-8"?>
+<file path=ppt/slides/slide44.xml><?xml version="1.0" encoding="utf-8"?>
 <p:sld xmlns:a="http://schemas.openxmlformats.org/drawingml/2006/main" xmlns:r="http://schemas.openxmlformats.org/officeDocument/2006/relationships" xmlns:p="http://schemas.openxmlformats.org/presentationml/2006/main">
   <p:cSld>
     <p:spTree>

--- a/论文插图.pptx
+++ b/论文插图.pptx
@@ -8,17 +8,17 @@
     <p:notesMasterId r:id="rId46"/>
   </p:notesMasterIdLst>
   <p:sldIdLst>
-    <p:sldId id="256" r:id="rId2"/>
-    <p:sldId id="299" r:id="rId3"/>
-    <p:sldId id="300" r:id="rId4"/>
-    <p:sldId id="301" r:id="rId5"/>
-    <p:sldId id="302" r:id="rId6"/>
-    <p:sldId id="303" r:id="rId7"/>
-    <p:sldId id="304" r:id="rId8"/>
-    <p:sldId id="305" r:id="rId9"/>
-    <p:sldId id="306" r:id="rId10"/>
-    <p:sldId id="307" r:id="rId11"/>
-    <p:sldId id="308" r:id="rId12"/>
+    <p:sldId id="299" r:id="rId2"/>
+    <p:sldId id="300" r:id="rId3"/>
+    <p:sldId id="301" r:id="rId4"/>
+    <p:sldId id="302" r:id="rId5"/>
+    <p:sldId id="303" r:id="rId6"/>
+    <p:sldId id="304" r:id="rId7"/>
+    <p:sldId id="305" r:id="rId8"/>
+    <p:sldId id="306" r:id="rId9"/>
+    <p:sldId id="307" r:id="rId10"/>
+    <p:sldId id="308" r:id="rId11"/>
+    <p:sldId id="256" r:id="rId12"/>
     <p:sldId id="263" r:id="rId13"/>
     <p:sldId id="260" r:id="rId14"/>
     <p:sldId id="310" r:id="rId15"/>
@@ -1153,7 +1153,7 @@
           <a:p>
             <a:fld id="{D2A48B96-639E-45A3-A0BA-2464DFDB1FAA}" type="datetimeFigureOut">
               <a:rPr lang="zh-CN" altLang="en-US" smtClean="0"/>
-              <a:t>2025/3/13</a:t>
+              <a:t>2025/3/14</a:t>
             </a:fld>
             <a:endParaRPr lang="zh-CN" altLang="en-US"/>
           </a:p>
@@ -2677,7 +2677,7 @@
           <a:p>
             <a:fld id="{D997B5FA-0921-464F-AAE1-844C04324D75}" type="datetimeFigureOut">
               <a:rPr lang="zh-CN" altLang="en-US" smtClean="0"/>
-              <a:t>2025/3/13</a:t>
+              <a:t>2025/3/14</a:t>
             </a:fld>
             <a:endParaRPr lang="zh-CN" altLang="en-US"/>
           </a:p>
@@ -2840,7 +2840,7 @@
           <a:p>
             <a:fld id="{D997B5FA-0921-464F-AAE1-844C04324D75}" type="datetimeFigureOut">
               <a:rPr lang="zh-CN" altLang="en-US" smtClean="0"/>
-              <a:t>2025/3/13</a:t>
+              <a:t>2025/3/14</a:t>
             </a:fld>
             <a:endParaRPr lang="zh-CN" altLang="en-US"/>
           </a:p>
@@ -3013,7 +3013,7 @@
           <a:p>
             <a:fld id="{D997B5FA-0921-464F-AAE1-844C04324D75}" type="datetimeFigureOut">
               <a:rPr lang="zh-CN" altLang="en-US" smtClean="0"/>
-              <a:t>2025/3/13</a:t>
+              <a:t>2025/3/14</a:t>
             </a:fld>
             <a:endParaRPr lang="zh-CN" altLang="en-US"/>
           </a:p>
@@ -3176,7 +3176,7 @@
           <a:p>
             <a:fld id="{D997B5FA-0921-464F-AAE1-844C04324D75}" type="datetimeFigureOut">
               <a:rPr lang="zh-CN" altLang="en-US" smtClean="0"/>
-              <a:t>2025/3/13</a:t>
+              <a:t>2025/3/14</a:t>
             </a:fld>
             <a:endParaRPr lang="zh-CN" altLang="en-US"/>
           </a:p>
@@ -3416,7 +3416,7 @@
           <a:p>
             <a:fld id="{D997B5FA-0921-464F-AAE1-844C04324D75}" type="datetimeFigureOut">
               <a:rPr lang="zh-CN" altLang="en-US" smtClean="0"/>
-              <a:t>2025/3/13</a:t>
+              <a:t>2025/3/14</a:t>
             </a:fld>
             <a:endParaRPr lang="zh-CN" altLang="en-US"/>
           </a:p>
@@ -3640,7 +3640,7 @@
           <a:p>
             <a:fld id="{D997B5FA-0921-464F-AAE1-844C04324D75}" type="datetimeFigureOut">
               <a:rPr lang="zh-CN" altLang="en-US" smtClean="0"/>
-              <a:t>2025/3/13</a:t>
+              <a:t>2025/3/14</a:t>
             </a:fld>
             <a:endParaRPr lang="zh-CN" altLang="en-US"/>
           </a:p>
@@ -3999,7 +3999,7 @@
           <a:p>
             <a:fld id="{D997B5FA-0921-464F-AAE1-844C04324D75}" type="datetimeFigureOut">
               <a:rPr lang="zh-CN" altLang="en-US" smtClean="0"/>
-              <a:t>2025/3/13</a:t>
+              <a:t>2025/3/14</a:t>
             </a:fld>
             <a:endParaRPr lang="zh-CN" altLang="en-US"/>
           </a:p>
@@ -4111,7 +4111,7 @@
           <a:p>
             <a:fld id="{D997B5FA-0921-464F-AAE1-844C04324D75}" type="datetimeFigureOut">
               <a:rPr lang="zh-CN" altLang="en-US" smtClean="0"/>
-              <a:t>2025/3/13</a:t>
+              <a:t>2025/3/14</a:t>
             </a:fld>
             <a:endParaRPr lang="zh-CN" altLang="en-US"/>
           </a:p>
@@ -4201,7 +4201,7 @@
           <a:p>
             <a:fld id="{D997B5FA-0921-464F-AAE1-844C04324D75}" type="datetimeFigureOut">
               <a:rPr lang="zh-CN" altLang="en-US" smtClean="0"/>
-              <a:t>2025/3/13</a:t>
+              <a:t>2025/3/14</a:t>
             </a:fld>
             <a:endParaRPr lang="zh-CN" altLang="en-US"/>
           </a:p>
@@ -4471,7 +4471,7 @@
           <a:p>
             <a:fld id="{D997B5FA-0921-464F-AAE1-844C04324D75}" type="datetimeFigureOut">
               <a:rPr lang="zh-CN" altLang="en-US" smtClean="0"/>
-              <a:t>2025/3/13</a:t>
+              <a:t>2025/3/14</a:t>
             </a:fld>
             <a:endParaRPr lang="zh-CN" altLang="en-US"/>
           </a:p>
@@ -4718,7 +4718,7 @@
           <a:p>
             <a:fld id="{D997B5FA-0921-464F-AAE1-844C04324D75}" type="datetimeFigureOut">
               <a:rPr lang="zh-CN" altLang="en-US" smtClean="0"/>
-              <a:t>2025/3/13</a:t>
+              <a:t>2025/3/14</a:t>
             </a:fld>
             <a:endParaRPr lang="zh-CN" altLang="en-US"/>
           </a:p>
@@ -4924,7 +4924,7 @@
           <a:p>
             <a:fld id="{D997B5FA-0921-464F-AAE1-844C04324D75}" type="datetimeFigureOut">
               <a:rPr lang="zh-CN" altLang="en-US" smtClean="0"/>
-              <a:t>2025/3/13</a:t>
+              <a:t>2025/3/14</a:t>
             </a:fld>
             <a:endParaRPr lang="zh-CN" altLang="en-US"/>
           </a:p>
@@ -5326,14 +5326,615 @@
       </p:grpSpPr>
       <p:sp>
         <p:nvSpPr>
+          <p:cNvPr id="2" name="矩形 1">
+            <a:extLst>
+              <a:ext uri="{FF2B5EF4-FFF2-40B4-BE49-F238E27FC236}">
+                <a16:creationId xmlns:a16="http://schemas.microsoft.com/office/drawing/2014/main" id="{B7CF5B09-6CE6-40CA-A273-DC160BFA844F}"/>
+              </a:ext>
+            </a:extLst>
+          </p:cNvPr>
+          <p:cNvSpPr/>
+          <p:nvPr/>
+        </p:nvSpPr>
+        <p:spPr>
+          <a:xfrm>
+            <a:off x="1039906" y="878541"/>
+            <a:ext cx="896470" cy="358588"/>
+          </a:xfrm>
+          <a:prstGeom prst="rect">
+            <a:avLst/>
+          </a:prstGeom>
+          <a:noFill/>
+          <a:ln w="19050">
+            <a:solidFill>
+              <a:schemeClr val="tx1"/>
+            </a:solidFill>
+          </a:ln>
+        </p:spPr>
+        <p:style>
+          <a:lnRef idx="2">
+            <a:schemeClr val="accent1">
+              <a:shade val="50000"/>
+            </a:schemeClr>
+          </a:lnRef>
+          <a:fillRef idx="1">
+            <a:schemeClr val="accent1"/>
+          </a:fillRef>
+          <a:effectRef idx="0">
+            <a:schemeClr val="accent1"/>
+          </a:effectRef>
+          <a:fontRef idx="minor">
+            <a:schemeClr val="lt1"/>
+          </a:fontRef>
+        </p:style>
+        <p:txBody>
+          <a:bodyPr rtlCol="0" anchor="ctr"/>
+          <a:lstStyle/>
+          <a:p>
+            <a:pPr algn="ctr"/>
+            <a:r>
+              <a:rPr lang="zh-CN" altLang="en-US" dirty="0">
+                <a:solidFill>
+                  <a:schemeClr val="tx1"/>
+                </a:solidFill>
+              </a:rPr>
+              <a:t>绪论</a:t>
+            </a:r>
+          </a:p>
+        </p:txBody>
+      </p:sp>
+      <p:sp>
+        <p:nvSpPr>
+          <p:cNvPr id="19" name="矩形 18">
+            <a:extLst>
+              <a:ext uri="{FF2B5EF4-FFF2-40B4-BE49-F238E27FC236}">
+                <a16:creationId xmlns:a16="http://schemas.microsoft.com/office/drawing/2014/main" id="{15B6D782-12B2-4DE7-9C86-773F88904A82}"/>
+              </a:ext>
+            </a:extLst>
+          </p:cNvPr>
+          <p:cNvSpPr/>
+          <p:nvPr/>
+        </p:nvSpPr>
+        <p:spPr>
+          <a:xfrm>
+            <a:off x="900953" y="1237129"/>
+            <a:ext cx="1174376" cy="358588"/>
+          </a:xfrm>
+          <a:prstGeom prst="rect">
+            <a:avLst/>
+          </a:prstGeom>
+          <a:noFill/>
+          <a:ln w="19050">
+            <a:solidFill>
+              <a:schemeClr val="tx1"/>
+            </a:solidFill>
+          </a:ln>
+        </p:spPr>
+        <p:style>
+          <a:lnRef idx="2">
+            <a:schemeClr val="accent1">
+              <a:shade val="50000"/>
+            </a:schemeClr>
+          </a:lnRef>
+          <a:fillRef idx="1">
+            <a:schemeClr val="accent1"/>
+          </a:fillRef>
+          <a:effectRef idx="0">
+            <a:schemeClr val="accent1"/>
+          </a:effectRef>
+          <a:fontRef idx="minor">
+            <a:schemeClr val="lt1"/>
+          </a:fontRef>
+        </p:style>
+        <p:txBody>
+          <a:bodyPr rtlCol="0" anchor="ctr"/>
+          <a:lstStyle/>
+          <a:p>
+            <a:pPr algn="ctr"/>
+            <a:r>
+              <a:rPr lang="zh-CN" altLang="en-US" dirty="0">
+                <a:solidFill>
+                  <a:schemeClr val="tx1"/>
+                </a:solidFill>
+              </a:rPr>
+              <a:t>相关理论</a:t>
+            </a:r>
+          </a:p>
+        </p:txBody>
+      </p:sp>
+      <p:sp>
+        <p:nvSpPr>
+          <p:cNvPr id="3" name="矩形 2">
+            <a:extLst>
+              <a:ext uri="{FF2B5EF4-FFF2-40B4-BE49-F238E27FC236}">
+                <a16:creationId xmlns:a16="http://schemas.microsoft.com/office/drawing/2014/main" id="{C42DA1A4-907E-4948-A6A9-B85518D62BFE}"/>
+              </a:ext>
+            </a:extLst>
+          </p:cNvPr>
+          <p:cNvSpPr/>
+          <p:nvPr/>
+        </p:nvSpPr>
+        <p:spPr>
+          <a:xfrm>
+            <a:off x="2187388" y="2321859"/>
+            <a:ext cx="2958353" cy="1107141"/>
+          </a:xfrm>
+          <a:prstGeom prst="rect">
+            <a:avLst/>
+          </a:prstGeom>
+          <a:solidFill>
+            <a:schemeClr val="bg2">
+              <a:lumMod val="90000"/>
+            </a:schemeClr>
+          </a:solidFill>
+        </p:spPr>
+        <p:style>
+          <a:lnRef idx="2">
+            <a:schemeClr val="accent1">
+              <a:shade val="50000"/>
+            </a:schemeClr>
+          </a:lnRef>
+          <a:fillRef idx="1">
+            <a:schemeClr val="accent1"/>
+          </a:fillRef>
+          <a:effectRef idx="0">
+            <a:schemeClr val="accent1"/>
+          </a:effectRef>
+          <a:fontRef idx="minor">
+            <a:schemeClr val="lt1"/>
+          </a:fontRef>
+        </p:style>
+        <p:txBody>
+          <a:bodyPr rtlCol="0" anchor="ctr"/>
+          <a:lstStyle/>
+          <a:p>
+            <a:pPr algn="ctr"/>
+            <a:r>
+              <a:rPr lang="zh-CN" altLang="en-US" dirty="0">
+                <a:solidFill>
+                  <a:schemeClr val="accent6"/>
+                </a:solidFill>
+              </a:rPr>
+              <a:t>测试集总点数：</a:t>
+            </a:r>
+            <a:r>
+              <a:rPr lang="en-US" altLang="zh-CN" dirty="0">
+                <a:solidFill>
+                  <a:schemeClr val="accent6"/>
+                </a:solidFill>
+              </a:rPr>
+              <a:t>74876</a:t>
+            </a:r>
+          </a:p>
+          <a:p>
+            <a:pPr algn="ctr"/>
+            <a:r>
+              <a:rPr lang="zh-CN" altLang="en-US" dirty="0">
+                <a:solidFill>
+                  <a:schemeClr val="accent6"/>
+                </a:solidFill>
+              </a:rPr>
+              <a:t>异常点数：</a:t>
+            </a:r>
+            <a:r>
+              <a:rPr lang="en-US" altLang="zh-CN" dirty="0">
+                <a:solidFill>
+                  <a:schemeClr val="accent6"/>
+                </a:solidFill>
+              </a:rPr>
+              <a:t>3561</a:t>
+            </a:r>
+          </a:p>
+          <a:p>
+            <a:pPr algn="ctr"/>
+            <a:r>
+              <a:rPr lang="zh-CN" altLang="en-US" dirty="0">
+                <a:solidFill>
+                  <a:schemeClr val="accent6"/>
+                </a:solidFill>
+              </a:rPr>
+              <a:t>正常点数：</a:t>
+            </a:r>
+            <a:r>
+              <a:rPr lang="en-US" altLang="zh-CN" dirty="0">
+                <a:solidFill>
+                  <a:schemeClr val="accent6"/>
+                </a:solidFill>
+              </a:rPr>
+              <a:t>71315</a:t>
+            </a:r>
+          </a:p>
+        </p:txBody>
+      </p:sp>
+      <p:sp>
+        <p:nvSpPr>
+          <p:cNvPr id="5" name="矩形 4">
+            <a:extLst>
+              <a:ext uri="{FF2B5EF4-FFF2-40B4-BE49-F238E27FC236}">
+                <a16:creationId xmlns:a16="http://schemas.microsoft.com/office/drawing/2014/main" id="{A066A2F9-D7D2-485C-87BA-82C1CCA648D3}"/>
+              </a:ext>
+            </a:extLst>
+          </p:cNvPr>
+          <p:cNvSpPr/>
+          <p:nvPr/>
+        </p:nvSpPr>
+        <p:spPr>
+          <a:xfrm>
+            <a:off x="6015317" y="2321858"/>
+            <a:ext cx="2958353" cy="1107141"/>
+          </a:xfrm>
+          <a:prstGeom prst="rect">
+            <a:avLst/>
+          </a:prstGeom>
+          <a:solidFill>
+            <a:schemeClr val="bg2">
+              <a:lumMod val="90000"/>
+            </a:schemeClr>
+          </a:solidFill>
+        </p:spPr>
+        <p:style>
+          <a:lnRef idx="2">
+            <a:schemeClr val="accent1">
+              <a:shade val="50000"/>
+            </a:schemeClr>
+          </a:lnRef>
+          <a:fillRef idx="1">
+            <a:schemeClr val="accent1"/>
+          </a:fillRef>
+          <a:effectRef idx="0">
+            <a:schemeClr val="accent1"/>
+          </a:effectRef>
+          <a:fontRef idx="minor">
+            <a:schemeClr val="lt1"/>
+          </a:fontRef>
+        </p:style>
+        <p:txBody>
+          <a:bodyPr rtlCol="0" anchor="ctr"/>
+          <a:lstStyle/>
+          <a:p>
+            <a:pPr algn="ctr"/>
+            <a:r>
+              <a:rPr lang="en-US" altLang="zh-CN" dirty="0">
+                <a:solidFill>
+                  <a:schemeClr val="accent6"/>
+                </a:solidFill>
+              </a:rPr>
+              <a:t>Precision</a:t>
+            </a:r>
+            <a:r>
+              <a:rPr lang="zh-CN" altLang="en-US" dirty="0">
+                <a:solidFill>
+                  <a:schemeClr val="accent6"/>
+                </a:solidFill>
+              </a:rPr>
+              <a:t>：</a:t>
+            </a:r>
+            <a:r>
+              <a:rPr lang="en-US" altLang="zh-CN" dirty="0">
+                <a:solidFill>
+                  <a:schemeClr val="accent6"/>
+                </a:solidFill>
+              </a:rPr>
+              <a:t>86.59</a:t>
+            </a:r>
+          </a:p>
+          <a:p>
+            <a:pPr algn="ctr"/>
+            <a:r>
+              <a:rPr lang="en-US" altLang="zh-CN" dirty="0">
+                <a:solidFill>
+                  <a:schemeClr val="accent6"/>
+                </a:solidFill>
+              </a:rPr>
+              <a:t>Recall</a:t>
+            </a:r>
+            <a:r>
+              <a:rPr lang="zh-CN" altLang="en-US" dirty="0">
+                <a:solidFill>
+                  <a:schemeClr val="accent6"/>
+                </a:solidFill>
+              </a:rPr>
+              <a:t>：</a:t>
+            </a:r>
+            <a:r>
+              <a:rPr lang="en-US" altLang="zh-CN" dirty="0">
+                <a:solidFill>
+                  <a:schemeClr val="accent6"/>
+                </a:solidFill>
+              </a:rPr>
+              <a:t>88.47</a:t>
+            </a:r>
+          </a:p>
+          <a:p>
+            <a:pPr algn="ctr"/>
+            <a:r>
+              <a:rPr lang="en-US" altLang="zh-CN" dirty="0">
+                <a:solidFill>
+                  <a:schemeClr val="accent6"/>
+                </a:solidFill>
+              </a:rPr>
+              <a:t>F1-Score</a:t>
+            </a:r>
+            <a:r>
+              <a:rPr lang="zh-CN" altLang="en-US" dirty="0">
+                <a:solidFill>
+                  <a:schemeClr val="accent6"/>
+                </a:solidFill>
+              </a:rPr>
+              <a:t>：</a:t>
+            </a:r>
+            <a:r>
+              <a:rPr lang="en-US" altLang="zh-CN" dirty="0">
+                <a:solidFill>
+                  <a:schemeClr val="accent6"/>
+                </a:solidFill>
+              </a:rPr>
+              <a:t>87.52</a:t>
+            </a:r>
+          </a:p>
+        </p:txBody>
+      </p:sp>
+      <p:sp>
+        <p:nvSpPr>
+          <p:cNvPr id="6" name="矩形 5">
+            <a:extLst>
+              <a:ext uri="{FF2B5EF4-FFF2-40B4-BE49-F238E27FC236}">
+                <a16:creationId xmlns:a16="http://schemas.microsoft.com/office/drawing/2014/main" id="{348D9AB9-58A1-4E44-A64E-99C525370726}"/>
+              </a:ext>
+            </a:extLst>
+          </p:cNvPr>
+          <p:cNvSpPr/>
+          <p:nvPr/>
+        </p:nvSpPr>
+        <p:spPr>
+          <a:xfrm>
+            <a:off x="2187388" y="4222376"/>
+            <a:ext cx="7817224" cy="1497106"/>
+          </a:xfrm>
+          <a:prstGeom prst="rect">
+            <a:avLst/>
+          </a:prstGeom>
+          <a:solidFill>
+            <a:schemeClr val="bg2">
+              <a:lumMod val="90000"/>
+            </a:schemeClr>
+          </a:solidFill>
+        </p:spPr>
+        <p:style>
+          <a:lnRef idx="2">
+            <a:schemeClr val="accent1">
+              <a:shade val="50000"/>
+            </a:schemeClr>
+          </a:lnRef>
+          <a:fillRef idx="1">
+            <a:schemeClr val="accent1"/>
+          </a:fillRef>
+          <a:effectRef idx="0">
+            <a:schemeClr val="accent1"/>
+          </a:effectRef>
+          <a:fontRef idx="minor">
+            <a:schemeClr val="lt1"/>
+          </a:fontRef>
+        </p:style>
+        <p:txBody>
+          <a:bodyPr rtlCol="0" anchor="ctr"/>
+          <a:lstStyle/>
+          <a:p>
+            <a:pPr algn="ctr"/>
+            <a:r>
+              <a:rPr lang="zh-CN" altLang="en-US" dirty="0">
+                <a:solidFill>
+                  <a:schemeClr val="accent6"/>
+                </a:solidFill>
+              </a:rPr>
+              <a:t>三天内是否会出现异常：否</a:t>
+            </a:r>
+            <a:endParaRPr lang="en-US" altLang="zh-CN" dirty="0">
+              <a:solidFill>
+                <a:schemeClr val="accent6"/>
+              </a:solidFill>
+            </a:endParaRPr>
+          </a:p>
+          <a:p>
+            <a:pPr algn="ctr"/>
+            <a:r>
+              <a:rPr lang="zh-CN" altLang="en-US" dirty="0">
+                <a:solidFill>
+                  <a:schemeClr val="accent6"/>
+                </a:solidFill>
+              </a:rPr>
+              <a:t>五天内是否会出现异常：否</a:t>
+            </a:r>
+            <a:endParaRPr lang="en-US" altLang="zh-CN" dirty="0">
+              <a:solidFill>
+                <a:schemeClr val="accent6"/>
+              </a:solidFill>
+            </a:endParaRPr>
+          </a:p>
+          <a:p>
+            <a:pPr algn="ctr"/>
+            <a:r>
+              <a:rPr lang="zh-CN" altLang="en-US" dirty="0">
+                <a:solidFill>
+                  <a:schemeClr val="accent6"/>
+                </a:solidFill>
+              </a:rPr>
+              <a:t>七天内是否会出现异常：是</a:t>
+            </a:r>
+            <a:endParaRPr lang="en-US" altLang="zh-CN" dirty="0">
+              <a:solidFill>
+                <a:schemeClr val="accent6"/>
+              </a:solidFill>
+            </a:endParaRPr>
+          </a:p>
+          <a:p>
+            <a:pPr algn="ctr"/>
+            <a:r>
+              <a:rPr lang="zh-CN" altLang="en-US" dirty="0">
+                <a:solidFill>
+                  <a:schemeClr val="accent6"/>
+                </a:solidFill>
+              </a:rPr>
+              <a:t>十天内是否会出现异常：是</a:t>
+            </a:r>
+            <a:endParaRPr lang="en-US" altLang="zh-CN" dirty="0">
+              <a:solidFill>
+                <a:schemeClr val="accent6"/>
+              </a:solidFill>
+            </a:endParaRPr>
+          </a:p>
+        </p:txBody>
+      </p:sp>
+    </p:spTree>
+    <p:extLst>
+      <p:ext uri="{BB962C8B-B14F-4D97-AF65-F5344CB8AC3E}">
+        <p14:creationId xmlns:p14="http://schemas.microsoft.com/office/powerpoint/2010/main" val="1461949996"/>
+      </p:ext>
+    </p:extLst>
+  </p:cSld>
+  <p:clrMapOvr>
+    <a:masterClrMapping/>
+  </p:clrMapOvr>
+</p:sld>
+</file>
+
+<file path=ppt/slides/slide10.xml><?xml version="1.0" encoding="utf-8"?>
+<p:sld xmlns:a="http://schemas.openxmlformats.org/drawingml/2006/main" xmlns:r="http://schemas.openxmlformats.org/officeDocument/2006/relationships" xmlns:p="http://schemas.openxmlformats.org/presentationml/2006/main">
+  <p:cSld>
+    <p:spTree>
+      <p:nvGrpSpPr>
+        <p:cNvPr id="1" name=""/>
+        <p:cNvGrpSpPr/>
+        <p:nvPr/>
+      </p:nvGrpSpPr>
+      <p:grpSpPr>
+        <a:xfrm>
+          <a:off x="0" y="0"/>
+          <a:ext cx="0" cy="0"/>
+          <a:chOff x="0" y="0"/>
+          <a:chExt cx="0" cy="0"/>
+        </a:xfrm>
+      </p:grpSpPr>
+      <p:sp>
+        <p:nvSpPr>
+          <p:cNvPr id="2" name="标题 1">
+            <a:extLst>
+              <a:ext uri="{FF2B5EF4-FFF2-40B4-BE49-F238E27FC236}">
+                <a16:creationId xmlns:a16="http://schemas.microsoft.com/office/drawing/2014/main" id="{0D3CAF08-4F02-4C25-BB92-2BBF47CCAC30}"/>
+              </a:ext>
+            </a:extLst>
+          </p:cNvPr>
+          <p:cNvSpPr>
+            <a:spLocks noGrp="1"/>
+          </p:cNvSpPr>
+          <p:nvPr>
+            <p:ph type="title"/>
+          </p:nvPr>
+        </p:nvSpPr>
+        <p:spPr/>
+        <p:txBody>
+          <a:bodyPr/>
+          <a:lstStyle/>
+          <a:p>
+            <a:endParaRPr lang="zh-CN" altLang="en-US"/>
+          </a:p>
+        </p:txBody>
+      </p:sp>
+      <p:sp>
+        <p:nvSpPr>
+          <p:cNvPr id="4" name="内容占位符 3">
+            <a:extLst>
+              <a:ext uri="{FF2B5EF4-FFF2-40B4-BE49-F238E27FC236}">
+                <a16:creationId xmlns:a16="http://schemas.microsoft.com/office/drawing/2014/main" id="{0768B268-37F0-4C37-A1A4-E3431EABD82E}"/>
+              </a:ext>
+            </a:extLst>
+          </p:cNvPr>
+          <p:cNvSpPr>
+            <a:spLocks noGrp="1"/>
+          </p:cNvSpPr>
+          <p:nvPr>
+            <p:ph idx="1"/>
+          </p:nvPr>
+        </p:nvSpPr>
+        <p:spPr/>
+        <p:txBody>
+          <a:bodyPr/>
+          <a:lstStyle/>
+          <a:p>
+            <a:endParaRPr lang="zh-CN" altLang="en-US"/>
+          </a:p>
+        </p:txBody>
+      </p:sp>
+      <p:pic>
+        <p:nvPicPr>
+          <p:cNvPr id="7" name="图片 6">
+            <a:extLst>
+              <a:ext uri="{FF2B5EF4-FFF2-40B4-BE49-F238E27FC236}">
+                <a16:creationId xmlns:a16="http://schemas.microsoft.com/office/drawing/2014/main" id="{501BBDF6-9DEE-430C-815A-DEBFCE3CFC23}"/>
+              </a:ext>
+            </a:extLst>
+          </p:cNvPr>
+          <p:cNvPicPr>
+            <a:picLocks noChangeAspect="1"/>
+          </p:cNvPicPr>
+          <p:nvPr/>
+        </p:nvPicPr>
+        <p:blipFill>
+          <a:blip r:embed="rId2"/>
+          <a:stretch>
+            <a:fillRect/>
+          </a:stretch>
+        </p:blipFill>
+        <p:spPr>
+          <a:xfrm>
+            <a:off x="384965" y="728285"/>
+            <a:ext cx="11422069" cy="5401429"/>
+          </a:xfrm>
+          <a:prstGeom prst="rect">
+            <a:avLst/>
+          </a:prstGeom>
+        </p:spPr>
+      </p:pic>
+    </p:spTree>
+    <p:extLst>
+      <p:ext uri="{BB962C8B-B14F-4D97-AF65-F5344CB8AC3E}">
+        <p14:creationId xmlns:p14="http://schemas.microsoft.com/office/powerpoint/2010/main" val="1772232461"/>
+      </p:ext>
+    </p:extLst>
+  </p:cSld>
+  <p:clrMapOvr>
+    <a:masterClrMapping/>
+  </p:clrMapOvr>
+</p:sld>
+</file>
+
+<file path=ppt/slides/slide11.xml><?xml version="1.0" encoding="utf-8"?>
+<p:sld xmlns:a="http://schemas.openxmlformats.org/drawingml/2006/main" xmlns:r="http://schemas.openxmlformats.org/officeDocument/2006/relationships" xmlns:p="http://schemas.openxmlformats.org/presentationml/2006/main">
+  <p:cSld>
+    <p:spTree>
+      <p:nvGrpSpPr>
+        <p:cNvPr id="1" name=""/>
+        <p:cNvGrpSpPr/>
+        <p:nvPr/>
+      </p:nvGrpSpPr>
+      <p:grpSpPr>
+        <a:xfrm>
+          <a:off x="0" y="0"/>
+          <a:ext cx="0" cy="0"/>
+          <a:chOff x="0" y="0"/>
+          <a:chExt cx="0" cy="0"/>
+        </a:xfrm>
+      </p:grpSpPr>
+      <p:sp>
+        <p:nvSpPr>
           <p:cNvPr id="4" name="圆角矩形 3"/>
           <p:cNvSpPr/>
           <p:nvPr/>
         </p:nvSpPr>
         <p:spPr>
           <a:xfrm>
-            <a:off x="1760142" y="1139190"/>
-            <a:ext cx="5053034" cy="2106034"/>
+            <a:off x="1778071" y="1225832"/>
+            <a:ext cx="4102776" cy="1938508"/>
           </a:xfrm>
           <a:prstGeom prst="roundRect">
             <a:avLst/>
@@ -7342,8 +7943,8 @@
         </p:nvSpPr>
         <p:spPr>
           <a:xfrm>
-            <a:off x="1919805" y="1256732"/>
-            <a:ext cx="5287347" cy="523220"/>
+            <a:off x="2880353" y="1250830"/>
+            <a:ext cx="2281815" cy="584775"/>
           </a:xfrm>
           <a:prstGeom prst="rect">
             <a:avLst/>
@@ -7354,7 +7955,7 @@
             <a:spAutoFit/>
             <a:extLst>
               <a:ext uri="{4A0BC546-FE56-4ADE-93B0-CB8AF2F6F144}">
-                <wpsdc:textFrameExt xmlns:wpsdc="http://www.wps.cn/officeDocument/2022/drawingmlCustomData" xmlns="" type="text"/>
+                <wpsdc:textFrameExt xmlns="" xmlns:wpsdc="http://www.wps.cn/officeDocument/2022/drawingmlCustomData" type="text"/>
               </a:ext>
             </a:extLst>
           </a:bodyPr>
@@ -7362,12 +7963,12 @@
           <a:p>
             <a:pPr algn="l"/>
             <a:r>
-              <a:rPr lang="en-US" altLang="zh-CN" sz="2800" b="1" dirty="0">
+              <a:rPr lang="en-US" altLang="zh-CN" sz="3200" b="1" dirty="0">
                 <a:latin typeface="Times New Roman" panose="02020603050405020304" pitchFamily="18" charset="0"/>
                 <a:ea typeface="微软雅黑" panose="020B0503020204020204" charset="-122"/>
                 <a:cs typeface="Times New Roman" panose="02020603050405020304" pitchFamily="18" charset="0"/>
               </a:rPr>
-              <a:t>Input Multivariate Time Series</a:t>
+              <a:t>Input MTS</a:t>
             </a:r>
           </a:p>
         </p:txBody>
@@ -7392,7 +7993,7 @@
             <a:spAutoFit/>
             <a:extLst>
               <a:ext uri="{4A0BC546-FE56-4ADE-93B0-CB8AF2F6F144}">
-                <wpsdc:textFrameExt xmlns:wpsdc="http://www.wps.cn/officeDocument/2022/drawingmlCustomData" xmlns="" type="text"/>
+                <wpsdc:textFrameExt xmlns="" xmlns:wpsdc="http://www.wps.cn/officeDocument/2022/drawingmlCustomData" type="text"/>
               </a:ext>
             </a:extLst>
           </a:bodyPr>
@@ -7425,10 +8026,10 @@
       </p:sp>
       <p:pic>
         <p:nvPicPr>
-          <p:cNvPr id="7" name="图片 6">
+          <p:cNvPr id="3" name="图片 2">
             <a:extLst>
               <a:ext uri="{FF2B5EF4-FFF2-40B4-BE49-F238E27FC236}">
-                <a16:creationId xmlns:a16="http://schemas.microsoft.com/office/drawing/2014/main" id="{896439BC-27AE-41D4-ACC5-A2B1A2294432}"/>
+                <a16:creationId xmlns:a16="http://schemas.microsoft.com/office/drawing/2014/main" id="{618BB4C7-3DC1-4732-ABEA-8F1F9E4CC117}"/>
               </a:ext>
             </a:extLst>
           </p:cNvPr>
@@ -7445,8 +8046,8 @@
         </p:blipFill>
         <p:spPr>
           <a:xfrm>
-            <a:off x="2701633" y="3598770"/>
-            <a:ext cx="5515745" cy="2295845"/>
+            <a:off x="3400865" y="3476655"/>
+            <a:ext cx="4279763" cy="2005758"/>
           </a:xfrm>
           <a:prstGeom prst="rect">
             <a:avLst/>
@@ -7454,200 +8055,6 @@
         </p:spPr>
       </p:pic>
     </p:spTree>
-  </p:cSld>
-  <p:clrMapOvr>
-    <a:masterClrMapping/>
-  </p:clrMapOvr>
-</p:sld>
-</file>
-
-<file path=ppt/slides/slide10.xml><?xml version="1.0" encoding="utf-8"?>
-<p:sld xmlns:a="http://schemas.openxmlformats.org/drawingml/2006/main" xmlns:r="http://schemas.openxmlformats.org/officeDocument/2006/relationships" xmlns:p="http://schemas.openxmlformats.org/presentationml/2006/main">
-  <p:cSld>
-    <p:spTree>
-      <p:nvGrpSpPr>
-        <p:cNvPr id="1" name=""/>
-        <p:cNvGrpSpPr/>
-        <p:nvPr/>
-      </p:nvGrpSpPr>
-      <p:grpSpPr>
-        <a:xfrm>
-          <a:off x="0" y="0"/>
-          <a:ext cx="0" cy="0"/>
-          <a:chOff x="0" y="0"/>
-          <a:chExt cx="0" cy="0"/>
-        </a:xfrm>
-      </p:grpSpPr>
-      <p:sp>
-        <p:nvSpPr>
-          <p:cNvPr id="2" name="标题 1">
-            <a:extLst>
-              <a:ext uri="{FF2B5EF4-FFF2-40B4-BE49-F238E27FC236}">
-                <a16:creationId xmlns:a16="http://schemas.microsoft.com/office/drawing/2014/main" id="{0D3CAF08-4F02-4C25-BB92-2BBF47CCAC30}"/>
-              </a:ext>
-            </a:extLst>
-          </p:cNvPr>
-          <p:cNvSpPr>
-            <a:spLocks noGrp="1"/>
-          </p:cNvSpPr>
-          <p:nvPr>
-            <p:ph type="title"/>
-          </p:nvPr>
-        </p:nvSpPr>
-        <p:spPr/>
-        <p:txBody>
-          <a:bodyPr/>
-          <a:lstStyle/>
-          <a:p>
-            <a:endParaRPr lang="zh-CN" altLang="en-US"/>
-          </a:p>
-        </p:txBody>
-      </p:sp>
-      <p:pic>
-        <p:nvPicPr>
-          <p:cNvPr id="5" name="内容占位符 4">
-            <a:extLst>
-              <a:ext uri="{FF2B5EF4-FFF2-40B4-BE49-F238E27FC236}">
-                <a16:creationId xmlns:a16="http://schemas.microsoft.com/office/drawing/2014/main" id="{DDB5448D-2F0F-4A94-AC8C-F550F194DBD1}"/>
-              </a:ext>
-            </a:extLst>
-          </p:cNvPr>
-          <p:cNvPicPr>
-            <a:picLocks noGrp="1" noChangeAspect="1"/>
-          </p:cNvPicPr>
-          <p:nvPr>
-            <p:ph idx="1"/>
-          </p:nvPr>
-        </p:nvPicPr>
-        <p:blipFill>
-          <a:blip r:embed="rId2"/>
-          <a:stretch>
-            <a:fillRect/>
-          </a:stretch>
-        </p:blipFill>
-        <p:spPr>
-          <a:xfrm>
-            <a:off x="1574392" y="1825625"/>
-            <a:ext cx="9043216" cy="4351338"/>
-          </a:xfrm>
-        </p:spPr>
-      </p:pic>
-    </p:spTree>
-    <p:extLst>
-      <p:ext uri="{BB962C8B-B14F-4D97-AF65-F5344CB8AC3E}">
-        <p14:creationId xmlns:p14="http://schemas.microsoft.com/office/powerpoint/2010/main" val="1829795709"/>
-      </p:ext>
-    </p:extLst>
-  </p:cSld>
-  <p:clrMapOvr>
-    <a:masterClrMapping/>
-  </p:clrMapOvr>
-</p:sld>
-</file>
-
-<file path=ppt/slides/slide11.xml><?xml version="1.0" encoding="utf-8"?>
-<p:sld xmlns:a="http://schemas.openxmlformats.org/drawingml/2006/main" xmlns:r="http://schemas.openxmlformats.org/officeDocument/2006/relationships" xmlns:p="http://schemas.openxmlformats.org/presentationml/2006/main">
-  <p:cSld>
-    <p:spTree>
-      <p:nvGrpSpPr>
-        <p:cNvPr id="1" name=""/>
-        <p:cNvGrpSpPr/>
-        <p:nvPr/>
-      </p:nvGrpSpPr>
-      <p:grpSpPr>
-        <a:xfrm>
-          <a:off x="0" y="0"/>
-          <a:ext cx="0" cy="0"/>
-          <a:chOff x="0" y="0"/>
-          <a:chExt cx="0" cy="0"/>
-        </a:xfrm>
-      </p:grpSpPr>
-      <p:sp>
-        <p:nvSpPr>
-          <p:cNvPr id="2" name="标题 1">
-            <a:extLst>
-              <a:ext uri="{FF2B5EF4-FFF2-40B4-BE49-F238E27FC236}">
-                <a16:creationId xmlns:a16="http://schemas.microsoft.com/office/drawing/2014/main" id="{0D3CAF08-4F02-4C25-BB92-2BBF47CCAC30}"/>
-              </a:ext>
-            </a:extLst>
-          </p:cNvPr>
-          <p:cNvSpPr>
-            <a:spLocks noGrp="1"/>
-          </p:cNvSpPr>
-          <p:nvPr>
-            <p:ph type="title"/>
-          </p:nvPr>
-        </p:nvSpPr>
-        <p:spPr/>
-        <p:txBody>
-          <a:bodyPr/>
-          <a:lstStyle/>
-          <a:p>
-            <a:endParaRPr lang="zh-CN" altLang="en-US"/>
-          </a:p>
-        </p:txBody>
-      </p:sp>
-      <p:sp>
-        <p:nvSpPr>
-          <p:cNvPr id="4" name="内容占位符 3">
-            <a:extLst>
-              <a:ext uri="{FF2B5EF4-FFF2-40B4-BE49-F238E27FC236}">
-                <a16:creationId xmlns:a16="http://schemas.microsoft.com/office/drawing/2014/main" id="{0768B268-37F0-4C37-A1A4-E3431EABD82E}"/>
-              </a:ext>
-            </a:extLst>
-          </p:cNvPr>
-          <p:cNvSpPr>
-            <a:spLocks noGrp="1"/>
-          </p:cNvSpPr>
-          <p:nvPr>
-            <p:ph idx="1"/>
-          </p:nvPr>
-        </p:nvSpPr>
-        <p:spPr/>
-        <p:txBody>
-          <a:bodyPr/>
-          <a:lstStyle/>
-          <a:p>
-            <a:endParaRPr lang="zh-CN" altLang="en-US"/>
-          </a:p>
-        </p:txBody>
-      </p:sp>
-      <p:pic>
-        <p:nvPicPr>
-          <p:cNvPr id="7" name="图片 6">
-            <a:extLst>
-              <a:ext uri="{FF2B5EF4-FFF2-40B4-BE49-F238E27FC236}">
-                <a16:creationId xmlns:a16="http://schemas.microsoft.com/office/drawing/2014/main" id="{501BBDF6-9DEE-430C-815A-DEBFCE3CFC23}"/>
-              </a:ext>
-            </a:extLst>
-          </p:cNvPr>
-          <p:cNvPicPr>
-            <a:picLocks noChangeAspect="1"/>
-          </p:cNvPicPr>
-          <p:nvPr/>
-        </p:nvPicPr>
-        <p:blipFill>
-          <a:blip r:embed="rId2"/>
-          <a:stretch>
-            <a:fillRect/>
-          </a:stretch>
-        </p:blipFill>
-        <p:spPr>
-          <a:xfrm>
-            <a:off x="384965" y="728285"/>
-            <a:ext cx="11422069" cy="5401429"/>
-          </a:xfrm>
-          <a:prstGeom prst="rect">
-            <a:avLst/>
-          </a:prstGeom>
-        </p:spPr>
-      </p:pic>
-    </p:spTree>
-    <p:extLst>
-      <p:ext uri="{BB962C8B-B14F-4D97-AF65-F5344CB8AC3E}">
-        <p14:creationId xmlns:p14="http://schemas.microsoft.com/office/powerpoint/2010/main" val="1772232461"/>
-      </p:ext>
-    </p:extLst>
   </p:cSld>
   <p:clrMapOvr>
     <a:masterClrMapping/>
@@ -7680,8 +8087,8 @@
         </p:nvSpPr>
         <p:spPr>
           <a:xfrm>
-            <a:off x="2211705" y="1156335"/>
-            <a:ext cx="4816624" cy="3447737"/>
+            <a:off x="2312893" y="1156335"/>
+            <a:ext cx="5205507" cy="3382509"/>
           </a:xfrm>
           <a:prstGeom prst="roundRect">
             <a:avLst/>
@@ -7728,8 +8135,8 @@
         </p:nvSpPr>
         <p:spPr>
           <a:xfrm>
-            <a:off x="3971925" y="1623695"/>
-            <a:ext cx="2658745" cy="461665"/>
+            <a:off x="3845630" y="1644741"/>
+            <a:ext cx="2975722" cy="523220"/>
           </a:xfrm>
           <a:prstGeom prst="rect">
             <a:avLst/>
@@ -7746,7 +8153,7 @@
             <a:spAutoFit/>
             <a:extLst>
               <a:ext uri="{4A0BC546-FE56-4ADE-93B0-CB8AF2F6F144}">
-                <wpsdc:textFrameExt xmlns:wpsdc="http://www.wps.cn/officeDocument/2022/drawingmlCustomData" xmlns="" type="text"/>
+                <wpsdc:textFrameExt xmlns="" xmlns:wpsdc="http://www.wps.cn/officeDocument/2022/drawingmlCustomData" type="text"/>
               </a:ext>
             </a:extLst>
           </a:bodyPr>
@@ -7754,7 +8161,7 @@
           <a:p>
             <a:pPr algn="ctr"/>
             <a:r>
-              <a:rPr lang="en-US" altLang="zh-CN" sz="2400" dirty="0">
+              <a:rPr lang="en-US" altLang="zh-CN" sz="2800" dirty="0">
                 <a:solidFill>
                   <a:schemeClr val="tx2"/>
                 </a:solidFill>
@@ -7765,7 +8172,7 @@
               </a:rPr>
               <a:t>Anomaly Scoring</a:t>
             </a:r>
-            <a:endParaRPr lang="en-US" altLang="zh-CN" sz="2400" dirty="0">
+            <a:endParaRPr lang="en-US" altLang="zh-CN" sz="2800" dirty="0">
               <a:latin typeface="Times New Roman" panose="02020603050405020304" pitchFamily="18" charset="0"/>
               <a:ea typeface="微软雅黑" panose="020B0503020204020204" charset="-122"/>
               <a:cs typeface="Times New Roman" panose="02020603050405020304" pitchFamily="18" charset="0"/>
@@ -7781,8 +8188,8 @@
         </p:nvSpPr>
         <p:spPr>
           <a:xfrm>
-            <a:off x="3971925" y="2546985"/>
-            <a:ext cx="2658745" cy="461665"/>
+            <a:off x="3845630" y="2518868"/>
+            <a:ext cx="2975722" cy="523220"/>
           </a:xfrm>
           <a:prstGeom prst="rect">
             <a:avLst/>
@@ -7799,7 +8206,7 @@
             <a:spAutoFit/>
             <a:extLst>
               <a:ext uri="{4A0BC546-FE56-4ADE-93B0-CB8AF2F6F144}">
-                <wpsdc:textFrameExt xmlns:wpsdc="http://www.wps.cn/officeDocument/2022/drawingmlCustomData" xmlns="" type="text"/>
+                <wpsdc:textFrameExt xmlns="" xmlns:wpsdc="http://www.wps.cn/officeDocument/2022/drawingmlCustomData" type="text"/>
               </a:ext>
             </a:extLst>
           </a:bodyPr>
@@ -7807,7 +8214,7 @@
           <a:p>
             <a:pPr algn="ctr"/>
             <a:r>
-              <a:rPr lang="en-US" altLang="zh-CN" sz="2400" dirty="0">
+              <a:rPr lang="en-US" altLang="zh-CN" sz="2800" dirty="0">
                 <a:solidFill>
                   <a:schemeClr val="tx2"/>
                 </a:solidFill>
@@ -7818,7 +8225,7 @@
               </a:rPr>
               <a:t>Thresholding</a:t>
             </a:r>
-            <a:endParaRPr lang="en-US" altLang="zh-CN" sz="2400" dirty="0">
+            <a:endParaRPr lang="en-US" altLang="zh-CN" sz="2800" dirty="0">
               <a:latin typeface="Times New Roman" panose="02020603050405020304" pitchFamily="18" charset="0"/>
               <a:ea typeface="微软雅黑" panose="020B0503020204020204" charset="-122"/>
               <a:cs typeface="Times New Roman" panose="02020603050405020304" pitchFamily="18" charset="0"/>
@@ -7834,8 +8241,8 @@
         </p:nvSpPr>
         <p:spPr>
           <a:xfrm>
-            <a:off x="3971925" y="3454400"/>
-            <a:ext cx="2658745" cy="461665"/>
+            <a:off x="3845630" y="3392995"/>
+            <a:ext cx="2975722" cy="523220"/>
           </a:xfrm>
           <a:prstGeom prst="rect">
             <a:avLst/>
@@ -7852,7 +8259,7 @@
             <a:spAutoFit/>
             <a:extLst>
               <a:ext uri="{4A0BC546-FE56-4ADE-93B0-CB8AF2F6F144}">
-                <wpsdc:textFrameExt xmlns:wpsdc="http://www.wps.cn/officeDocument/2022/drawingmlCustomData" xmlns="" type="text"/>
+                <wpsdc:textFrameExt xmlns="" xmlns:wpsdc="http://www.wps.cn/officeDocument/2022/drawingmlCustomData" type="text"/>
               </a:ext>
             </a:extLst>
           </a:bodyPr>
@@ -7860,7 +8267,7 @@
           <a:p>
             <a:pPr algn="ctr"/>
             <a:r>
-              <a:rPr lang="en-US" altLang="zh-CN" sz="2400" dirty="0">
+              <a:rPr lang="en-US" altLang="zh-CN" sz="2800" dirty="0">
                 <a:solidFill>
                   <a:schemeClr val="tx2"/>
                 </a:solidFill>
@@ -7871,7 +8278,7 @@
               </a:rPr>
               <a:t>Anomaly Detection</a:t>
             </a:r>
-            <a:endParaRPr lang="en-US" altLang="zh-CN" sz="2400" dirty="0">
+            <a:endParaRPr lang="en-US" altLang="zh-CN" sz="2800" dirty="0">
               <a:latin typeface="Times New Roman" panose="02020603050405020304" pitchFamily="18" charset="0"/>
               <a:ea typeface="微软雅黑" panose="020B0503020204020204" charset="-122"/>
               <a:cs typeface="Times New Roman" panose="02020603050405020304" pitchFamily="18" charset="0"/>
@@ -7883,6 +8290,7 @@
         <p:nvCxnSpPr>
           <p:cNvPr id="5" name="直接箭头连接符 4"/>
           <p:cNvCxnSpPr>
+            <a:cxnSpLocks/>
             <a:stCxn id="58" idx="2"/>
             <a:endCxn id="2" idx="0"/>
           </p:cNvCxnSpPr>
@@ -7890,8 +8298,8 @@
         </p:nvCxnSpPr>
         <p:spPr>
           <a:xfrm>
-            <a:off x="5301298" y="2085360"/>
-            <a:ext cx="0" cy="461625"/>
+            <a:off x="5333491" y="2167961"/>
+            <a:ext cx="0" cy="350907"/>
           </a:xfrm>
           <a:prstGeom prst="straightConnector1">
             <a:avLst/>
@@ -7919,6 +8327,7 @@
         <p:nvCxnSpPr>
           <p:cNvPr id="6" name="直接箭头连接符 5"/>
           <p:cNvCxnSpPr>
+            <a:cxnSpLocks/>
             <a:stCxn id="2" idx="2"/>
             <a:endCxn id="3" idx="0"/>
           </p:cNvCxnSpPr>
@@ -7926,8 +8335,8 @@
         </p:nvCxnSpPr>
         <p:spPr>
           <a:xfrm>
-            <a:off x="5301298" y="3008650"/>
-            <a:ext cx="0" cy="445750"/>
+            <a:off x="5333491" y="3042088"/>
+            <a:ext cx="0" cy="350907"/>
           </a:xfrm>
           <a:prstGeom prst="straightConnector1">
             <a:avLst/>
@@ -7959,8 +8368,8 @@
         </p:nvSpPr>
         <p:spPr>
           <a:xfrm rot="5400000">
-            <a:off x="1907773" y="1999689"/>
-            <a:ext cx="1903898" cy="461665"/>
+            <a:off x="1771807" y="2104876"/>
+            <a:ext cx="2175829" cy="523220"/>
           </a:xfrm>
           <a:prstGeom prst="rect">
             <a:avLst/>
@@ -7977,7 +8386,7 @@
             <a:spAutoFit/>
             <a:extLst>
               <a:ext uri="{4A0BC546-FE56-4ADE-93B0-CB8AF2F6F144}">
-                <wpsdc:textFrameExt xmlns:wpsdc="http://www.wps.cn/officeDocument/2022/drawingmlCustomData" xmlns="" type="text"/>
+                <wpsdc:textFrameExt xmlns="" xmlns:wpsdc="http://www.wps.cn/officeDocument/2022/drawingmlCustomData" type="text"/>
               </a:ext>
             </a:extLst>
           </a:bodyPr>
@@ -7985,7 +8394,7 @@
           <a:p>
             <a:pPr algn="ctr"/>
             <a:r>
-              <a:rPr lang="en-US" altLang="zh-CN" sz="2400" dirty="0">
+              <a:rPr lang="en-US" altLang="zh-CN" sz="2800" dirty="0">
                 <a:solidFill>
                   <a:schemeClr val="tx2"/>
                 </a:solidFill>
@@ -7996,7 +8405,7 @@
               </a:rPr>
               <a:t>Output Layer</a:t>
             </a:r>
-            <a:endParaRPr lang="en-US" altLang="zh-CN" sz="2400" dirty="0">
+            <a:endParaRPr lang="en-US" altLang="zh-CN" sz="2800" dirty="0">
               <a:latin typeface="Times New Roman" panose="02020603050405020304" pitchFamily="18" charset="0"/>
               <a:ea typeface="微软雅黑" panose="020B0503020204020204" charset="-122"/>
               <a:cs typeface="Times New Roman" panose="02020603050405020304" pitchFamily="18" charset="0"/>
@@ -8012,8 +8421,8 @@
         </p:nvSpPr>
         <p:spPr>
           <a:xfrm>
-            <a:off x="2509632" y="4080852"/>
-            <a:ext cx="4438015" cy="523220"/>
+            <a:off x="2417268" y="3954069"/>
+            <a:ext cx="5008768" cy="584775"/>
           </a:xfrm>
           <a:prstGeom prst="rect">
             <a:avLst/>
@@ -8024,7 +8433,7 @@
             <a:spAutoFit/>
             <a:extLst>
               <a:ext uri="{4A0BC546-FE56-4ADE-93B0-CB8AF2F6F144}">
-                <wpsdc:textFrameExt xmlns:wpsdc="http://www.wps.cn/officeDocument/2022/drawingmlCustomData" xmlns="" type="text"/>
+                <wpsdc:textFrameExt xmlns="" xmlns:wpsdc="http://www.wps.cn/officeDocument/2022/drawingmlCustomData" type="text"/>
               </a:ext>
             </a:extLst>
           </a:bodyPr>
@@ -8032,7 +8441,7 @@
           <a:p>
             <a:pPr algn="l"/>
             <a:r>
-              <a:rPr lang="en-US" altLang="zh-CN" sz="2800" b="1" dirty="0">
+              <a:rPr lang="en-US" altLang="zh-CN" sz="3200" b="1" dirty="0">
                 <a:latin typeface="Times New Roman" panose="02020603050405020304" pitchFamily="18" charset="0"/>
                 <a:ea typeface="微软雅黑" panose="020B0503020204020204" charset="-122"/>
                 <a:cs typeface="Times New Roman" panose="02020603050405020304" pitchFamily="18" charset="0"/>
@@ -8047,13 +8456,14 @@
           <p:cNvPr id="9" name="直接箭头连接符 8"/>
           <p:cNvCxnSpPr>
             <a:cxnSpLocks/>
+            <a:endCxn id="58" idx="1"/>
           </p:cNvCxnSpPr>
           <p:nvPr/>
         </p:nvCxnSpPr>
         <p:spPr>
           <a:xfrm>
-            <a:off x="3090555" y="1881043"/>
-            <a:ext cx="875971" cy="0"/>
+            <a:off x="3121332" y="1906351"/>
+            <a:ext cx="724298" cy="0"/>
           </a:xfrm>
           <a:prstGeom prst="straightConnector1">
             <a:avLst/>
@@ -8079,10 +8489,10 @@
       </p:cxnSp>
       <p:pic>
         <p:nvPicPr>
-          <p:cNvPr id="10" name="图片 9">
+          <p:cNvPr id="33" name="图片 32">
             <a:extLst>
               <a:ext uri="{FF2B5EF4-FFF2-40B4-BE49-F238E27FC236}">
-                <a16:creationId xmlns:a16="http://schemas.microsoft.com/office/drawing/2014/main" id="{04C767E7-954C-4128-84CA-CABF67C02B88}"/>
+                <a16:creationId xmlns:a16="http://schemas.microsoft.com/office/drawing/2014/main" id="{141E575D-6685-45FA-A5E2-12397418377A}"/>
               </a:ext>
             </a:extLst>
           </p:cNvPr>
@@ -8099,8 +8509,8 @@
         </p:blipFill>
         <p:spPr>
           <a:xfrm>
-            <a:off x="6524704" y="1595979"/>
-            <a:ext cx="4828450" cy="3615241"/>
+            <a:off x="5401935" y="2457125"/>
+            <a:ext cx="5267401" cy="3578662"/>
           </a:xfrm>
           <a:prstGeom prst="rect">
             <a:avLst/>
@@ -8388,8 +8798,8 @@
         </p:nvSpPr>
         <p:spPr>
           <a:xfrm>
-            <a:off x="113030" y="1356360"/>
-            <a:ext cx="11186795" cy="3998595"/>
+            <a:off x="113031" y="1494175"/>
+            <a:ext cx="10379478" cy="3869650"/>
           </a:xfrm>
           <a:prstGeom prst="roundRect">
             <a:avLst/>
@@ -8424,6 +8834,14 @@
           <a:lstStyle/>
           <a:p>
             <a:pPr algn="ctr"/>
+            <a:r>
+              <a:rPr lang="en-US" altLang="zh-CN" sz="1800">
+                <a:latin typeface="Times New Roman" panose="02020603050405020304" pitchFamily="18" charset="0"/>
+                <a:ea typeface="微软雅黑" panose="020B0503020204020204" charset="-122"/>
+                <a:cs typeface="Times New Roman" panose="02020603050405020304" pitchFamily="18" charset="0"/>
+              </a:rPr>
+              <a:t>Univariate</a:t>
+            </a:r>
             <a:endParaRPr lang="zh-CN" altLang="en-US"/>
           </a:p>
         </p:txBody>
@@ -8972,7 +9390,7 @@
         </p:nvSpPr>
         <p:spPr>
           <a:xfrm>
-            <a:off x="368300" y="1917765"/>
+            <a:off x="368300" y="1845796"/>
             <a:ext cx="2202589" cy="292735"/>
           </a:xfrm>
           <a:custGeom>
@@ -9548,7 +9966,7 @@
         </p:nvSpPr>
         <p:spPr>
           <a:xfrm>
-            <a:off x="368300" y="2575387"/>
+            <a:off x="368300" y="2357191"/>
             <a:ext cx="2239418" cy="368935"/>
           </a:xfrm>
           <a:custGeom>
@@ -10264,7 +10682,7 @@
         </p:nvSpPr>
         <p:spPr>
           <a:xfrm>
-            <a:off x="1556385" y="2158719"/>
+            <a:off x="1556385" y="2059415"/>
             <a:ext cx="251992" cy="276999"/>
           </a:xfrm>
           <a:prstGeom prst="rect">
@@ -10296,7 +10714,7 @@
         </p:nvSpPr>
         <p:spPr>
           <a:xfrm>
-            <a:off x="1556385" y="2415650"/>
+            <a:off x="1556385" y="2249131"/>
             <a:ext cx="283210" cy="363855"/>
           </a:xfrm>
           <a:prstGeom prst="rect">
@@ -10328,7 +10746,7 @@
         </p:nvSpPr>
         <p:spPr>
           <a:xfrm>
-            <a:off x="1556385" y="2281342"/>
+            <a:off x="1556385" y="2154060"/>
             <a:ext cx="251992" cy="276999"/>
           </a:xfrm>
           <a:prstGeom prst="rect">
@@ -10354,14 +10772,14 @@
       </p:sp>
       <p:sp>
         <p:nvSpPr>
-          <p:cNvPr id="17" name="文本框 16"/>
+          <p:cNvPr id="18" name="文本框 17"/>
           <p:cNvSpPr txBox="1"/>
           <p:nvPr/>
         </p:nvSpPr>
         <p:spPr>
           <a:xfrm>
-            <a:off x="3015615" y="115570"/>
-            <a:ext cx="3440430" cy="368300"/>
+            <a:off x="2826159" y="1958921"/>
+            <a:ext cx="1763707" cy="523220"/>
           </a:xfrm>
           <a:prstGeom prst="rect">
             <a:avLst/>
@@ -10372,7 +10790,7 @@
             <a:spAutoFit/>
             <a:extLst>
               <a:ext uri="{4A0BC546-FE56-4ADE-93B0-CB8AF2F6F144}">
-                <wpsdc:textFrameExt xmlns:wpsdc="http://www.wps.cn/officeDocument/2022/drawingmlCustomData" xmlns="" type="text"/>
+                <wpsdc:textFrameExt xmlns="" xmlns:wpsdc="http://www.wps.cn/officeDocument/2022/drawingmlCustomData" type="text"/>
               </a:ext>
             </a:extLst>
           </a:bodyPr>
@@ -10380,49 +10798,12 @@
           <a:p>
             <a:pPr algn="l"/>
             <a:r>
-              <a:rPr lang="en-US" altLang="zh-CN" b="1">
-                <a:latin typeface="Arial" panose="020B0604020202020204" pitchFamily="34" charset="0"/>
-                <a:ea typeface="微软雅黑" panose="020B0503020204020204" charset="-122"/>
-              </a:rPr>
-              <a:t>Input Multivariate Time Series</a:t>
-            </a:r>
-          </a:p>
-        </p:txBody>
-      </p:sp>
-      <p:sp>
-        <p:nvSpPr>
-          <p:cNvPr id="18" name="文本框 17"/>
-          <p:cNvSpPr txBox="1"/>
-          <p:nvPr/>
-        </p:nvSpPr>
-        <p:spPr>
-          <a:xfrm>
-            <a:off x="2900159" y="1550282"/>
-            <a:ext cx="2781072" cy="461665"/>
-          </a:xfrm>
-          <a:prstGeom prst="rect">
-            <a:avLst/>
-          </a:prstGeom>
-        </p:spPr>
-        <p:txBody>
-          <a:bodyPr wrap="square">
-            <a:spAutoFit/>
-            <a:extLst>
-              <a:ext uri="{4A0BC546-FE56-4ADE-93B0-CB8AF2F6F144}">
-                <wpsdc:textFrameExt xmlns:wpsdc="http://www.wps.cn/officeDocument/2022/drawingmlCustomData" xmlns="" type="text"/>
-              </a:ext>
-            </a:extLst>
-          </a:bodyPr>
-          <a:lstStyle/>
-          <a:p>
-            <a:pPr algn="l"/>
-            <a:r>
-              <a:rPr lang="en-US" altLang="zh-CN" sz="2400" dirty="0">
+              <a:rPr lang="en-US" altLang="zh-CN" sz="2800" dirty="0">
                 <a:latin typeface="Times New Roman" panose="02020603050405020304" pitchFamily="18" charset="0"/>
                 <a:ea typeface="微软雅黑" panose="020B0503020204020204" charset="-122"/>
                 <a:cs typeface="Times New Roman" panose="02020603050405020304" pitchFamily="18" charset="0"/>
               </a:rPr>
-              <a:t>Univariate Attention</a:t>
+              <a:t> Attention</a:t>
             </a:r>
           </a:p>
         </p:txBody>
@@ -10435,7 +10816,7 @@
         </p:nvSpPr>
         <p:spPr>
           <a:xfrm>
-            <a:off x="6221115" y="1982788"/>
+            <a:off x="4865852" y="1848149"/>
             <a:ext cx="2938145" cy="210185"/>
           </a:xfrm>
           <a:custGeom>
@@ -10971,8 +11352,8 @@
         </p:nvSpPr>
         <p:spPr>
           <a:xfrm>
-            <a:off x="5112384" y="3573313"/>
-            <a:ext cx="2656205" cy="436880"/>
+            <a:off x="3221606" y="3442933"/>
+            <a:ext cx="3119351" cy="436880"/>
           </a:xfrm>
           <a:prstGeom prst="rect">
             <a:avLst/>
@@ -10983,7 +11364,7 @@
             <a:noAutofit/>
             <a:extLst>
               <a:ext uri="{4A0BC546-FE56-4ADE-93B0-CB8AF2F6F144}">
-                <wpsdc:textFrameExt xmlns:wpsdc="http://www.wps.cn/officeDocument/2022/drawingmlCustomData" xmlns="" type="text"/>
+                <wpsdc:textFrameExt xmlns="" xmlns:wpsdc="http://www.wps.cn/officeDocument/2022/drawingmlCustomData" type="text"/>
               </a:ext>
             </a:extLst>
           </a:bodyPr>
@@ -10991,7 +11372,7 @@
           <a:p>
             <a:pPr algn="l"/>
             <a:r>
-              <a:rPr lang="en-US" altLang="zh-CN" sz="2400" dirty="0">
+              <a:rPr lang="en-US" altLang="zh-CN" sz="2800" dirty="0">
                 <a:latin typeface="Times New Roman" panose="02020603050405020304" pitchFamily="18" charset="0"/>
                 <a:ea typeface="微软雅黑" panose="020B0503020204020204" charset="-122"/>
                 <a:cs typeface="Times New Roman" panose="02020603050405020304" pitchFamily="18" charset="0"/>
@@ -11016,8 +11397,8 @@
         </p:nvSpPr>
         <p:spPr>
           <a:xfrm>
-            <a:off x="6379210" y="4180840"/>
-            <a:ext cx="2658745" cy="461665"/>
+            <a:off x="5124132" y="4233210"/>
+            <a:ext cx="2658745" cy="523220"/>
           </a:xfrm>
           <a:prstGeom prst="rect">
             <a:avLst/>
@@ -11034,7 +11415,7 @@
             <a:spAutoFit/>
             <a:extLst>
               <a:ext uri="{4A0BC546-FE56-4ADE-93B0-CB8AF2F6F144}">
-                <wpsdc:textFrameExt xmlns:wpsdc="http://www.wps.cn/officeDocument/2022/drawingmlCustomData" xmlns="" type="text"/>
+                <wpsdc:textFrameExt xmlns="" xmlns:wpsdc="http://www.wps.cn/officeDocument/2022/drawingmlCustomData" type="text"/>
               </a:ext>
             </a:extLst>
           </a:bodyPr>
@@ -11042,7 +11423,7 @@
           <a:p>
             <a:pPr algn="ctr"/>
             <a:r>
-              <a:rPr lang="en-US" altLang="zh-CN" sz="2400" dirty="0">
+              <a:rPr lang="en-US" altLang="zh-CN" sz="2800" dirty="0">
                 <a:solidFill>
                   <a:schemeClr val="tx2"/>
                 </a:solidFill>
@@ -11053,7 +11434,7 @@
               </a:rPr>
               <a:t>Uaformer Layer</a:t>
             </a:r>
-            <a:endParaRPr lang="en-US" altLang="zh-CN" sz="2400" dirty="0">
+            <a:endParaRPr lang="en-US" altLang="zh-CN" sz="2800" dirty="0">
               <a:latin typeface="Times New Roman" panose="02020603050405020304" pitchFamily="18" charset="0"/>
               <a:ea typeface="微软雅黑" panose="020B0503020204020204" charset="-122"/>
               <a:cs typeface="Times New Roman" panose="02020603050405020304" pitchFamily="18" charset="0"/>
@@ -11071,8 +11452,8 @@
         </p:nvCxnSpPr>
         <p:spPr>
           <a:xfrm>
-            <a:off x="2999943" y="2155825"/>
-            <a:ext cx="2502761" cy="0"/>
+            <a:off x="2805442" y="1972048"/>
+            <a:ext cx="1805140" cy="10740"/>
           </a:xfrm>
           <a:prstGeom prst="straightConnector1">
             <a:avLst/>
@@ -11103,13 +11484,15 @@
       <p:cxnSp>
         <p:nvCxnSpPr>
           <p:cNvPr id="29" name="直接箭头连接符 28"/>
-          <p:cNvCxnSpPr/>
+          <p:cNvCxnSpPr>
+            <a:cxnSpLocks/>
+          </p:cNvCxnSpPr>
           <p:nvPr/>
         </p:nvCxnSpPr>
         <p:spPr>
           <a:xfrm>
-            <a:off x="7779385" y="3371215"/>
-            <a:ext cx="2540" cy="771525"/>
+            <a:off x="6328892" y="3316605"/>
+            <a:ext cx="12065" cy="820047"/>
           </a:xfrm>
           <a:prstGeom prst="straightConnector1">
             <a:avLst/>
@@ -11145,7 +11528,7 @@
         </p:nvCxnSpPr>
         <p:spPr>
           <a:xfrm flipV="1">
-            <a:off x="9137650" y="4351655"/>
+            <a:off x="7884324" y="4489105"/>
             <a:ext cx="2038985" cy="11430"/>
           </a:xfrm>
           <a:prstGeom prst="straightConnector1">
@@ -11182,8 +11565,8 @@
         </p:nvSpPr>
         <p:spPr>
           <a:xfrm>
-            <a:off x="8880644" y="3791257"/>
-            <a:ext cx="2643504" cy="461665"/>
+            <a:off x="7718070" y="4004600"/>
+            <a:ext cx="2945398" cy="523220"/>
           </a:xfrm>
           <a:prstGeom prst="rect">
             <a:avLst/>
@@ -11194,7 +11577,7 @@
             <a:spAutoFit/>
             <a:extLst>
               <a:ext uri="{4A0BC546-FE56-4ADE-93B0-CB8AF2F6F144}">
-                <wpsdc:textFrameExt xmlns:wpsdc="http://www.wps.cn/officeDocument/2022/drawingmlCustomData" xmlns="" type="text"/>
+                <wpsdc:textFrameExt xmlns="" xmlns:wpsdc="http://www.wps.cn/officeDocument/2022/drawingmlCustomData" type="text"/>
               </a:ext>
             </a:extLst>
           </a:bodyPr>
@@ -11202,7 +11585,7 @@
           <a:p>
             <a:pPr algn="l"/>
             <a:r>
-              <a:rPr lang="en-US" altLang="zh-CN" sz="2400" dirty="0">
+              <a:rPr lang="en-US" altLang="zh-CN" sz="2800" dirty="0">
                 <a:solidFill>
                   <a:schemeClr val="accent6"/>
                 </a:solidFill>
@@ -11223,8 +11606,8 @@
         </p:nvSpPr>
         <p:spPr>
           <a:xfrm>
-            <a:off x="3543935" y="4840605"/>
-            <a:ext cx="5819140" cy="523220"/>
+            <a:off x="2393200" y="4815044"/>
+            <a:ext cx="6436764" cy="584775"/>
           </a:xfrm>
           <a:prstGeom prst="rect">
             <a:avLst/>
@@ -11235,7 +11618,7 @@
             <a:spAutoFit/>
             <a:extLst>
               <a:ext uri="{4A0BC546-FE56-4ADE-93B0-CB8AF2F6F144}">
-                <wpsdc:textFrameExt xmlns:wpsdc="http://www.wps.cn/officeDocument/2022/drawingmlCustomData" xmlns="" type="text"/>
+                <wpsdc:textFrameExt xmlns="" xmlns:wpsdc="http://www.wps.cn/officeDocument/2022/drawingmlCustomData" type="text"/>
               </a:ext>
             </a:extLst>
           </a:bodyPr>
@@ -11243,7 +11626,7 @@
           <a:p>
             <a:pPr algn="l"/>
             <a:r>
-              <a:rPr lang="en-US" altLang="zh-CN" sz="2800" b="1" dirty="0">
+              <a:rPr lang="en-US" altLang="zh-CN" sz="3200" b="1" dirty="0">
                 <a:latin typeface="Times New Roman" panose="02020603050405020304" pitchFamily="18" charset="0"/>
                 <a:ea typeface="微软雅黑" panose="020B0503020204020204" charset="-122"/>
                 <a:cs typeface="Times New Roman" panose="02020603050405020304" pitchFamily="18" charset="0"/>
@@ -11261,7 +11644,7 @@
         </p:nvSpPr>
         <p:spPr>
           <a:xfrm>
-            <a:off x="6309995" y="2912110"/>
+            <a:off x="4865852" y="2875952"/>
             <a:ext cx="1463040" cy="368935"/>
           </a:xfrm>
           <a:prstGeom prst="rect">
@@ -11309,7 +11692,7 @@
         </p:nvSpPr>
         <p:spPr>
           <a:xfrm>
-            <a:off x="7773035" y="2912110"/>
+            <a:off x="6328892" y="2875952"/>
             <a:ext cx="1463040" cy="368935"/>
           </a:xfrm>
           <a:prstGeom prst="rect">
@@ -11357,7 +11740,7 @@
         </p:nvSpPr>
         <p:spPr>
           <a:xfrm>
-            <a:off x="6309995" y="2987040"/>
+            <a:off x="4877917" y="2922307"/>
             <a:ext cx="2926080" cy="219710"/>
           </a:xfrm>
           <a:custGeom>
@@ -11896,7 +12279,7 @@
         </p:nvCxnSpPr>
         <p:spPr>
           <a:xfrm>
-            <a:off x="7041515" y="2912110"/>
+            <a:off x="5597372" y="2875952"/>
             <a:ext cx="0" cy="368935"/>
           </a:xfrm>
           <a:prstGeom prst="line">
@@ -11931,7 +12314,7 @@
         </p:nvCxnSpPr>
         <p:spPr>
           <a:xfrm>
-            <a:off x="8504555" y="2912110"/>
+            <a:off x="7060412" y="2875951"/>
             <a:ext cx="0" cy="368935"/>
           </a:xfrm>
           <a:prstGeom prst="line">
@@ -11966,7 +12349,7 @@
         </p:nvCxnSpPr>
         <p:spPr>
           <a:xfrm>
-            <a:off x="7768589" y="2104427"/>
+            <a:off x="6314382" y="2058334"/>
             <a:ext cx="2540" cy="771525"/>
           </a:xfrm>
           <a:prstGeom prst="straightConnector1">
@@ -12003,8 +12386,8 @@
         </p:nvSpPr>
         <p:spPr>
           <a:xfrm>
-            <a:off x="7899400" y="2315845"/>
-            <a:ext cx="2999142" cy="436880"/>
+            <a:off x="6453505" y="2203823"/>
+            <a:ext cx="3400425" cy="436880"/>
           </a:xfrm>
           <a:prstGeom prst="rect">
             <a:avLst/>
@@ -12015,7 +12398,7 @@
             <a:noAutofit/>
             <a:extLst>
               <a:ext uri="{4A0BC546-FE56-4ADE-93B0-CB8AF2F6F144}">
-                <wpsdc:textFrameExt xmlns:wpsdc="http://www.wps.cn/officeDocument/2022/drawingmlCustomData" xmlns="" type="text"/>
+                <wpsdc:textFrameExt xmlns="" xmlns:wpsdc="http://www.wps.cn/officeDocument/2022/drawingmlCustomData" type="text"/>
               </a:ext>
             </a:extLst>
           </a:bodyPr>
@@ -12023,12 +12406,56 @@
           <a:p>
             <a:pPr algn="l"/>
             <a:r>
-              <a:rPr lang="en-US" altLang="zh-CN" sz="2400" dirty="0">
+              <a:rPr lang="en-US" altLang="zh-CN" sz="2800" dirty="0">
                 <a:latin typeface="Times New Roman" panose="02020603050405020304" pitchFamily="18" charset="0"/>
                 <a:ea typeface="微软雅黑" panose="020B0503020204020204" charset="-122"/>
                 <a:cs typeface="Times New Roman" panose="02020603050405020304" pitchFamily="18" charset="0"/>
               </a:rPr>
               <a:t>Subsequence Division</a:t>
+            </a:r>
+          </a:p>
+        </p:txBody>
+      </p:sp>
+      <p:sp>
+        <p:nvSpPr>
+          <p:cNvPr id="36" name="文本框 35">
+            <a:extLst>
+              <a:ext uri="{FF2B5EF4-FFF2-40B4-BE49-F238E27FC236}">
+                <a16:creationId xmlns:a16="http://schemas.microsoft.com/office/drawing/2014/main" id="{23ED506E-3492-4733-811D-8BC5F4105AE7}"/>
+              </a:ext>
+            </a:extLst>
+          </p:cNvPr>
+          <p:cNvSpPr txBox="1"/>
+          <p:nvPr/>
+        </p:nvSpPr>
+        <p:spPr>
+          <a:xfrm>
+            <a:off x="2826159" y="1459568"/>
+            <a:ext cx="1763707" cy="523220"/>
+          </a:xfrm>
+          <a:prstGeom prst="rect">
+            <a:avLst/>
+          </a:prstGeom>
+        </p:spPr>
+        <p:txBody>
+          <a:bodyPr wrap="square">
+            <a:spAutoFit/>
+            <a:extLst>
+              <a:ext uri="{4A0BC546-FE56-4ADE-93B0-CB8AF2F6F144}">
+                <wpsdc:textFrameExt xmlns="" xmlns:wpsdc="http://www.wps.cn/officeDocument/2022/drawingmlCustomData" type="text"/>
+              </a:ext>
+            </a:extLst>
+          </a:bodyPr>
+          <a:lstStyle/>
+          <a:p>
+            <a:pPr algn="l"/>
+            <a:r>
+              <a:rPr lang="en-US" altLang="zh-CN" sz="2800" dirty="0">
+                <a:latin typeface="Times New Roman" panose="02020603050405020304" pitchFamily="18" charset="0"/>
+                <a:ea typeface="微软雅黑" panose="020B0503020204020204" charset="-122"/>
+                <a:cs typeface="Times New Roman" panose="02020603050405020304" pitchFamily="18" charset="0"/>
+              </a:rPr>
+              <a:t>Univariate </a:t>
             </a:r>
           </a:p>
         </p:txBody>
@@ -12060,10 +12487,10 @@
       </p:grpSpPr>
       <p:pic>
         <p:nvPicPr>
-          <p:cNvPr id="6" name="图片 5">
+          <p:cNvPr id="2" name="图片 1">
             <a:extLst>
               <a:ext uri="{FF2B5EF4-FFF2-40B4-BE49-F238E27FC236}">
-                <a16:creationId xmlns:a16="http://schemas.microsoft.com/office/drawing/2014/main" id="{C9350900-B087-47FF-8CF1-1AEBE6988B0D}"/>
+                <a16:creationId xmlns:a16="http://schemas.microsoft.com/office/drawing/2014/main" id="{19DB62AE-90E9-4C98-BFD6-28F661806CFA}"/>
               </a:ext>
             </a:extLst>
           </p:cNvPr>
@@ -12080,8 +12507,8 @@
         </p:blipFill>
         <p:spPr>
           <a:xfrm>
-            <a:off x="2715184" y="546848"/>
-            <a:ext cx="8631953" cy="3132068"/>
+            <a:off x="1142726" y="990049"/>
+            <a:ext cx="8703237" cy="3459172"/>
           </a:xfrm>
           <a:prstGeom prst="rect">
             <a:avLst/>
@@ -12282,7 +12709,7 @@
             <a:spAutoFit/>
             <a:extLst>
               <a:ext uri="{4A0BC546-FE56-4ADE-93B0-CB8AF2F6F144}">
-                <wpsdc:textFrameExt xmlns:wpsdc="http://www.wps.cn/officeDocument/2022/drawingmlCustomData" xmlns="" type="text"/>
+                <wpsdc:textFrameExt xmlns="" xmlns:wpsdc="http://www.wps.cn/officeDocument/2022/drawingmlCustomData" type="text"/>
               </a:ext>
             </a:extLst>
           </a:bodyPr>
@@ -12319,7 +12746,7 @@
             <a:spAutoFit/>
             <a:extLst>
               <a:ext uri="{4A0BC546-FE56-4ADE-93B0-CB8AF2F6F144}">
-                <wpsdc:textFrameExt xmlns:wpsdc="http://www.wps.cn/officeDocument/2022/drawingmlCustomData" xmlns="" type="text"/>
+                <wpsdc:textFrameExt xmlns="" xmlns:wpsdc="http://www.wps.cn/officeDocument/2022/drawingmlCustomData" type="text"/>
               </a:ext>
             </a:extLst>
           </a:bodyPr>
@@ -13002,7 +13429,7 @@
             <a:spAutoFit/>
             <a:extLst>
               <a:ext uri="{4A0BC546-FE56-4ADE-93B0-CB8AF2F6F144}">
-                <wpsdc:textFrameExt xmlns:wpsdc="http://www.wps.cn/officeDocument/2022/drawingmlCustomData" xmlns="" type="text"/>
+                <wpsdc:textFrameExt xmlns="" xmlns:wpsdc="http://www.wps.cn/officeDocument/2022/drawingmlCustomData" type="text"/>
               </a:ext>
             </a:extLst>
           </a:bodyPr>
@@ -13494,7 +13921,7 @@
             <a:spAutoFit/>
             <a:extLst>
               <a:ext uri="{4A0BC546-FE56-4ADE-93B0-CB8AF2F6F144}">
-                <wpsdc:textFrameExt xmlns:wpsdc="http://www.wps.cn/officeDocument/2022/drawingmlCustomData" xmlns="" type="text"/>
+                <wpsdc:textFrameExt xmlns="" xmlns:wpsdc="http://www.wps.cn/officeDocument/2022/drawingmlCustomData" type="text"/>
               </a:ext>
             </a:extLst>
           </a:bodyPr>
@@ -13544,8 +13971,8 @@
         </p:nvSpPr>
         <p:spPr>
           <a:xfrm>
-            <a:off x="1101965" y="629067"/>
-            <a:ext cx="10814050" cy="5273040"/>
+            <a:off x="1210235" y="977153"/>
+            <a:ext cx="10705780" cy="4498047"/>
           </a:xfrm>
           <a:prstGeom prst="roundRect">
             <a:avLst/>
@@ -13696,8 +14123,8 @@
         </p:nvSpPr>
         <p:spPr>
           <a:xfrm>
-            <a:off x="4375337" y="5115580"/>
-            <a:ext cx="5431790" cy="523220"/>
+            <a:off x="3933825" y="4890425"/>
+            <a:ext cx="5943039" cy="584775"/>
           </a:xfrm>
           <a:prstGeom prst="rect">
             <a:avLst/>
@@ -13708,7 +14135,7 @@
             <a:spAutoFit/>
             <a:extLst>
               <a:ext uri="{4A0BC546-FE56-4ADE-93B0-CB8AF2F6F144}">
-                <wpsdc:textFrameExt xmlns:wpsdc="http://www.wps.cn/officeDocument/2022/drawingmlCustomData" xmlns="" type="text"/>
+                <wpsdc:textFrameExt xmlns="" xmlns:wpsdc="http://www.wps.cn/officeDocument/2022/drawingmlCustomData" type="text"/>
               </a:ext>
             </a:extLst>
           </a:bodyPr>
@@ -13716,7 +14143,7 @@
           <a:p>
             <a:pPr algn="l"/>
             <a:r>
-              <a:rPr lang="en-US" altLang="zh-CN" sz="2800" b="1" dirty="0">
+              <a:rPr lang="en-US" altLang="zh-CN" sz="3200" b="1" dirty="0">
                 <a:latin typeface="Times New Roman" panose="02020603050405020304" pitchFamily="18" charset="0"/>
                 <a:ea typeface="微软雅黑" panose="020B0503020204020204" charset="-122"/>
                 <a:cs typeface="Times New Roman" panose="02020603050405020304" pitchFamily="18" charset="0"/>
@@ -13734,8 +14161,8 @@
         </p:nvSpPr>
         <p:spPr>
           <a:xfrm>
-            <a:off x="1597025" y="4653915"/>
-            <a:ext cx="2024716" cy="461665"/>
+            <a:off x="1452245" y="4499620"/>
+            <a:ext cx="2336800" cy="523220"/>
           </a:xfrm>
           <a:prstGeom prst="rect">
             <a:avLst/>
@@ -13746,7 +14173,7 @@
             <a:spAutoFit/>
             <a:extLst>
               <a:ext uri="{4A0BC546-FE56-4ADE-93B0-CB8AF2F6F144}">
-                <wpsdc:textFrameExt xmlns:wpsdc="http://www.wps.cn/officeDocument/2022/drawingmlCustomData" xmlns="" type="text"/>
+                <wpsdc:textFrameExt xmlns="" xmlns:wpsdc="http://www.wps.cn/officeDocument/2022/drawingmlCustomData" type="text"/>
               </a:ext>
             </a:extLst>
           </a:bodyPr>
@@ -13754,7 +14181,7 @@
           <a:p>
             <a:pPr algn="l"/>
             <a:r>
-              <a:rPr lang="en-US" altLang="zh-CN" sz="2400" dirty="0">
+              <a:rPr lang="en-US" altLang="zh-CN" sz="2800" dirty="0">
                 <a:latin typeface="Times New Roman" panose="02020603050405020304" pitchFamily="18" charset="0"/>
                 <a:ea typeface="微软雅黑" panose="020B0503020204020204" charset="-122"/>
                 <a:cs typeface="Times New Roman" panose="02020603050405020304" pitchFamily="18" charset="0"/>
@@ -14416,8 +14843,8 @@
         </p:nvSpPr>
         <p:spPr>
           <a:xfrm>
-            <a:off x="3037840" y="1169670"/>
-            <a:ext cx="3371838" cy="461665"/>
+            <a:off x="2643942" y="1133454"/>
+            <a:ext cx="3971685" cy="523220"/>
           </a:xfrm>
           <a:prstGeom prst="rect">
             <a:avLst/>
@@ -14428,7 +14855,7 @@
             <a:spAutoFit/>
             <a:extLst>
               <a:ext uri="{4A0BC546-FE56-4ADE-93B0-CB8AF2F6F144}">
-                <wpsdc:textFrameExt xmlns:wpsdc="http://www.wps.cn/officeDocument/2022/drawingmlCustomData" xmlns="" type="text"/>
+                <wpsdc:textFrameExt xmlns="" xmlns:wpsdc="http://www.wps.cn/officeDocument/2022/drawingmlCustomData" type="text"/>
               </a:ext>
             </a:extLst>
           </a:bodyPr>
@@ -14436,7 +14863,7 @@
           <a:p>
             <a:pPr algn="l"/>
             <a:r>
-              <a:rPr lang="en-US" altLang="zh-CN" sz="2400" dirty="0">
+              <a:rPr lang="en-US" altLang="zh-CN" sz="2800" dirty="0">
                 <a:latin typeface="Times New Roman" panose="02020603050405020304" pitchFamily="18" charset="0"/>
                 <a:ea typeface="微软雅黑" panose="020B0503020204020204" charset="-122"/>
                 <a:cs typeface="Times New Roman" panose="02020603050405020304" pitchFamily="18" charset="0"/>
@@ -14830,8 +15257,8 @@
         </p:nvSpPr>
         <p:spPr>
           <a:xfrm>
-            <a:off x="8337550" y="1329680"/>
-            <a:ext cx="3324860" cy="461665"/>
+            <a:off x="8029575" y="1159301"/>
+            <a:ext cx="3847705" cy="523220"/>
           </a:xfrm>
           <a:prstGeom prst="rect">
             <a:avLst/>
@@ -14842,7 +15269,7 @@
             <a:spAutoFit/>
             <a:extLst>
               <a:ext uri="{4A0BC546-FE56-4ADE-93B0-CB8AF2F6F144}">
-                <wpsdc:textFrameExt xmlns:wpsdc="http://www.wps.cn/officeDocument/2022/drawingmlCustomData" xmlns="" type="text"/>
+                <wpsdc:textFrameExt xmlns="" xmlns:wpsdc="http://www.wps.cn/officeDocument/2022/drawingmlCustomData" type="text"/>
               </a:ext>
             </a:extLst>
           </a:bodyPr>
@@ -14850,7 +15277,7 @@
           <a:p>
             <a:pPr algn="l"/>
             <a:r>
-              <a:rPr lang="en-US" altLang="zh-CN" sz="2400" dirty="0">
+              <a:rPr lang="en-US" altLang="zh-CN" sz="2800" dirty="0">
                 <a:latin typeface="Times New Roman" panose="02020603050405020304" pitchFamily="18" charset="0"/>
                 <a:ea typeface="微软雅黑" panose="020B0503020204020204" charset="-122"/>
                 <a:cs typeface="Times New Roman" panose="02020603050405020304" pitchFamily="18" charset="0"/>
@@ -14863,7 +15290,9 @@
       <p:cxnSp>
         <p:nvCxnSpPr>
           <p:cNvPr id="8" name="直接箭头连接符 7"/>
-          <p:cNvCxnSpPr/>
+          <p:cNvCxnSpPr>
+            <a:cxnSpLocks/>
+          </p:cNvCxnSpPr>
           <p:nvPr/>
         </p:nvCxnSpPr>
         <p:spPr>
@@ -14901,6 +15330,7 @@
         <p:nvCxnSpPr>
           <p:cNvPr id="10" name="直接箭头连接符 9"/>
           <p:cNvCxnSpPr>
+            <a:cxnSpLocks/>
             <a:stCxn id="2" idx="0"/>
           </p:cNvCxnSpPr>
           <p:nvPr/>
@@ -14983,7 +15413,7 @@
         </p:nvCxnSpPr>
         <p:spPr>
           <a:xfrm>
-            <a:off x="8675594" y="2434590"/>
+            <a:off x="8626530" y="2424385"/>
             <a:ext cx="0" cy="967830"/>
           </a:xfrm>
           <a:prstGeom prst="straightConnector1">
@@ -15020,8 +15450,8 @@
         </p:nvSpPr>
         <p:spPr>
           <a:xfrm>
-            <a:off x="4980299" y="2256790"/>
-            <a:ext cx="2420620" cy="461665"/>
+            <a:off x="4864115" y="2492701"/>
+            <a:ext cx="2979426" cy="523220"/>
           </a:xfrm>
           <a:prstGeom prst="rect">
             <a:avLst/>
@@ -15032,7 +15462,7 @@
             <a:spAutoFit/>
             <a:extLst>
               <a:ext uri="{4A0BC546-FE56-4ADE-93B0-CB8AF2F6F144}">
-                <wpsdc:textFrameExt xmlns:wpsdc="http://www.wps.cn/officeDocument/2022/drawingmlCustomData" xmlns="" type="text"/>
+                <wpsdc:textFrameExt xmlns="" xmlns:wpsdc="http://www.wps.cn/officeDocument/2022/drawingmlCustomData" type="text"/>
               </a:ext>
             </a:extLst>
           </a:bodyPr>
@@ -15040,7 +15470,7 @@
           <a:p>
             <a:pPr algn="l"/>
             <a:r>
-              <a:rPr lang="en-US" altLang="zh-CN" sz="2400" dirty="0">
+              <a:rPr lang="en-US" altLang="zh-CN" sz="2800" dirty="0">
                 <a:latin typeface="Times New Roman" panose="02020603050405020304" pitchFamily="18" charset="0"/>
                 <a:ea typeface="微软雅黑" panose="020B0503020204020204" charset="-122"/>
                 <a:cs typeface="Times New Roman" panose="02020603050405020304" pitchFamily="18" charset="0"/>
@@ -15058,8 +15488,8 @@
         </p:nvSpPr>
         <p:spPr>
           <a:xfrm>
-            <a:off x="4533900" y="3997960"/>
-            <a:ext cx="2902271" cy="461665"/>
+            <a:off x="4198302" y="3955415"/>
+            <a:ext cx="3298825" cy="523220"/>
           </a:xfrm>
           <a:prstGeom prst="rect">
             <a:avLst/>
@@ -15070,7 +15500,7 @@
             <a:spAutoFit/>
             <a:extLst>
               <a:ext uri="{4A0BC546-FE56-4ADE-93B0-CB8AF2F6F144}">
-                <wpsdc:textFrameExt xmlns:wpsdc="http://www.wps.cn/officeDocument/2022/drawingmlCustomData" xmlns="" type="text"/>
+                <wpsdc:textFrameExt xmlns="" xmlns:wpsdc="http://www.wps.cn/officeDocument/2022/drawingmlCustomData" type="text"/>
               </a:ext>
             </a:extLst>
           </a:bodyPr>
@@ -15078,7 +15508,7 @@
           <a:p>
             <a:pPr algn="ctr"/>
             <a:r>
-              <a:rPr lang="en-US" altLang="zh-CN" sz="2400" dirty="0">
+              <a:rPr lang="en-US" altLang="zh-CN" sz="2800" dirty="0">
                 <a:latin typeface="Times New Roman" panose="02020603050405020304" pitchFamily="18" charset="0"/>
                 <a:ea typeface="微软雅黑" panose="020B0503020204020204" charset="-122"/>
                 <a:cs typeface="Times New Roman" panose="02020603050405020304" pitchFamily="18" charset="0"/>
@@ -15096,8 +15526,8 @@
         </p:nvSpPr>
         <p:spPr>
           <a:xfrm>
-            <a:off x="8870315" y="2434590"/>
-            <a:ext cx="2279015" cy="830997"/>
+            <a:off x="8731064" y="2388126"/>
+            <a:ext cx="2676224" cy="954107"/>
           </a:xfrm>
           <a:prstGeom prst="rect">
             <a:avLst/>
@@ -15108,7 +15538,7 @@
             <a:spAutoFit/>
             <a:extLst>
               <a:ext uri="{4A0BC546-FE56-4ADE-93B0-CB8AF2F6F144}">
-                <wpsdc:textFrameExt xmlns:wpsdc="http://www.wps.cn/officeDocument/2022/drawingmlCustomData" xmlns="" type="text"/>
+                <wpsdc:textFrameExt xmlns="" xmlns:wpsdc="http://www.wps.cn/officeDocument/2022/drawingmlCustomData" type="text"/>
               </a:ext>
             </a:extLst>
           </a:bodyPr>
@@ -15116,7 +15546,7 @@
           <a:p>
             <a:pPr algn="ctr"/>
             <a:r>
-              <a:rPr lang="en-US" altLang="zh-CN" sz="2400" dirty="0">
+              <a:rPr lang="en-US" altLang="zh-CN" sz="2800" dirty="0">
                 <a:latin typeface="Times New Roman" panose="02020603050405020304" pitchFamily="18" charset="0"/>
                 <a:ea typeface="微软雅黑" panose="020B0503020204020204" charset="-122"/>
                 <a:cs typeface="Times New Roman" panose="02020603050405020304" pitchFamily="18" charset="0"/>
@@ -15249,7 +15679,7 @@
         <p:spPr>
           <a:xfrm>
             <a:off x="4342765" y="3855086"/>
-            <a:ext cx="3371215" cy="0"/>
+            <a:ext cx="3097941" cy="10267"/>
           </a:xfrm>
           <a:prstGeom prst="straightConnector1">
             <a:avLst/>
@@ -15285,8 +15715,8 @@
         </p:nvSpPr>
         <p:spPr>
           <a:xfrm>
-            <a:off x="7713980" y="3461167"/>
-            <a:ext cx="1917663" cy="830997"/>
+            <a:off x="7489906" y="3432295"/>
+            <a:ext cx="2140583" cy="954107"/>
           </a:xfrm>
           <a:prstGeom prst="rect">
             <a:avLst/>
@@ -15303,7 +15733,7 @@
             <a:spAutoFit/>
             <a:extLst>
               <a:ext uri="{4A0BC546-FE56-4ADE-93B0-CB8AF2F6F144}">
-                <wpsdc:textFrameExt xmlns:wpsdc="http://www.wps.cn/officeDocument/2022/drawingmlCustomData" xmlns="" type="text"/>
+                <wpsdc:textFrameExt xmlns="" xmlns:wpsdc="http://www.wps.cn/officeDocument/2022/drawingmlCustomData" type="text"/>
               </a:ext>
             </a:extLst>
           </a:bodyPr>
@@ -15311,7 +15741,7 @@
           <a:p>
             <a:pPr algn="ctr"/>
             <a:r>
-              <a:rPr lang="en-US" altLang="zh-CN" sz="2400" dirty="0">
+              <a:rPr lang="en-US" altLang="zh-CN" sz="2800" dirty="0">
                 <a:latin typeface="Times New Roman" panose="02020603050405020304" pitchFamily="18" charset="0"/>
                 <a:ea typeface="微软雅黑" panose="020B0503020204020204" charset="-122"/>
                 <a:cs typeface="Times New Roman" panose="02020603050405020304" pitchFamily="18" charset="0"/>
@@ -15331,7 +15761,7 @@
         </p:nvCxnSpPr>
         <p:spPr>
           <a:xfrm flipV="1">
-            <a:off x="9909452" y="3841007"/>
+            <a:off x="9724266" y="3834229"/>
             <a:ext cx="2016088" cy="24346"/>
           </a:xfrm>
           <a:prstGeom prst="straightConnector1">
@@ -15368,8 +15798,8 @@
         </p:nvSpPr>
         <p:spPr>
           <a:xfrm>
-            <a:off x="9755584" y="3979108"/>
-            <a:ext cx="2299335" cy="461665"/>
+            <a:off x="9540360" y="3873096"/>
+            <a:ext cx="2655491" cy="523220"/>
           </a:xfrm>
           <a:prstGeom prst="rect">
             <a:avLst/>
@@ -15380,7 +15810,7 @@
             <a:spAutoFit/>
             <a:extLst>
               <a:ext uri="{4A0BC546-FE56-4ADE-93B0-CB8AF2F6F144}">
-                <wpsdc:textFrameExt xmlns:wpsdc="http://www.wps.cn/officeDocument/2022/drawingmlCustomData" xmlns="" type="text"/>
+                <wpsdc:textFrameExt xmlns="" xmlns:wpsdc="http://www.wps.cn/officeDocument/2022/drawingmlCustomData" type="text"/>
               </a:ext>
             </a:extLst>
           </a:bodyPr>
@@ -15388,7 +15818,7 @@
           <a:p>
             <a:pPr algn="l"/>
             <a:r>
-              <a:rPr lang="en-US" altLang="zh-CN" sz="2400" dirty="0">
+              <a:rPr lang="en-US" altLang="zh-CN" sz="2800" dirty="0">
                 <a:solidFill>
                   <a:schemeClr val="accent6"/>
                 </a:solidFill>
@@ -15428,10 +15858,10 @@
       </p:grpSpPr>
       <p:pic>
         <p:nvPicPr>
-          <p:cNvPr id="7" name="图片 6">
+          <p:cNvPr id="2" name="图片 1">
             <a:extLst>
               <a:ext uri="{FF2B5EF4-FFF2-40B4-BE49-F238E27FC236}">
-                <a16:creationId xmlns:a16="http://schemas.microsoft.com/office/drawing/2014/main" id="{1CC3C9DC-DF53-4A28-93D1-1E45648079BC}"/>
+                <a16:creationId xmlns:a16="http://schemas.microsoft.com/office/drawing/2014/main" id="{0AD9F7E9-06F2-4C69-A05E-9DC9DA918BD5}"/>
               </a:ext>
             </a:extLst>
           </p:cNvPr>
@@ -15448,8 +15878,8 @@
         </p:blipFill>
         <p:spPr>
           <a:xfrm>
-            <a:off x="2993737" y="517214"/>
-            <a:ext cx="5137251" cy="2474442"/>
+            <a:off x="2608074" y="2991656"/>
+            <a:ext cx="7154492" cy="3055440"/>
           </a:xfrm>
           <a:prstGeom prst="rect">
             <a:avLst/>
@@ -15658,7 +16088,7 @@
             <a:spAutoFit/>
             <a:extLst>
               <a:ext uri="{4A0BC546-FE56-4ADE-93B0-CB8AF2F6F144}">
-                <wpsdc:textFrameExt xmlns:wpsdc="http://www.wps.cn/officeDocument/2022/drawingmlCustomData" xmlns="" type="text"/>
+                <wpsdc:textFrameExt xmlns="" xmlns:wpsdc="http://www.wps.cn/officeDocument/2022/drawingmlCustomData" type="text"/>
               </a:ext>
             </a:extLst>
           </a:bodyPr>
@@ -15695,7 +16125,7 @@
             <a:spAutoFit/>
             <a:extLst>
               <a:ext uri="{4A0BC546-FE56-4ADE-93B0-CB8AF2F6F144}">
-                <wpsdc:textFrameExt xmlns:wpsdc="http://www.wps.cn/officeDocument/2022/drawingmlCustomData" xmlns="" type="text"/>
+                <wpsdc:textFrameExt xmlns="" xmlns:wpsdc="http://www.wps.cn/officeDocument/2022/drawingmlCustomData" type="text"/>
               </a:ext>
             </a:extLst>
           </a:bodyPr>
@@ -16376,7 +16806,7 @@
             <a:spAutoFit/>
             <a:extLst>
               <a:ext uri="{4A0BC546-FE56-4ADE-93B0-CB8AF2F6F144}">
-                <wpsdc:textFrameExt xmlns:wpsdc="http://www.wps.cn/officeDocument/2022/drawingmlCustomData" xmlns="" type="text"/>
+                <wpsdc:textFrameExt xmlns="" xmlns:wpsdc="http://www.wps.cn/officeDocument/2022/drawingmlCustomData" type="text"/>
               </a:ext>
             </a:extLst>
           </a:bodyPr>
@@ -16789,7 +17219,7 @@
             <a:spAutoFit/>
             <a:extLst>
               <a:ext uri="{4A0BC546-FE56-4ADE-93B0-CB8AF2F6F144}">
-                <wpsdc:textFrameExt xmlns:wpsdc="http://www.wps.cn/officeDocument/2022/drawingmlCustomData" xmlns="" type="text"/>
+                <wpsdc:textFrameExt xmlns="" xmlns:wpsdc="http://www.wps.cn/officeDocument/2022/drawingmlCustomData" type="text"/>
               </a:ext>
             </a:extLst>
           </a:bodyPr>
@@ -16976,7 +17406,7 @@
             <a:spAutoFit/>
             <a:extLst>
               <a:ext uri="{4A0BC546-FE56-4ADE-93B0-CB8AF2F6F144}">
-                <wpsdc:textFrameExt xmlns:wpsdc="http://www.wps.cn/officeDocument/2022/drawingmlCustomData" xmlns="" type="text"/>
+                <wpsdc:textFrameExt xmlns="" xmlns:wpsdc="http://www.wps.cn/officeDocument/2022/drawingmlCustomData" type="text"/>
               </a:ext>
             </a:extLst>
           </a:bodyPr>
@@ -17013,7 +17443,7 @@
             <a:spAutoFit/>
             <a:extLst>
               <a:ext uri="{4A0BC546-FE56-4ADE-93B0-CB8AF2F6F144}">
-                <wpsdc:textFrameExt xmlns:wpsdc="http://www.wps.cn/officeDocument/2022/drawingmlCustomData" xmlns="" type="text"/>
+                <wpsdc:textFrameExt xmlns="" xmlns:wpsdc="http://www.wps.cn/officeDocument/2022/drawingmlCustomData" type="text"/>
               </a:ext>
             </a:extLst>
           </a:bodyPr>
@@ -17050,7 +17480,7 @@
             <a:spAutoFit/>
             <a:extLst>
               <a:ext uri="{4A0BC546-FE56-4ADE-93B0-CB8AF2F6F144}">
-                <wpsdc:textFrameExt xmlns:wpsdc="http://www.wps.cn/officeDocument/2022/drawingmlCustomData" xmlns="" type="text"/>
+                <wpsdc:textFrameExt xmlns="" xmlns:wpsdc="http://www.wps.cn/officeDocument/2022/drawingmlCustomData" type="text"/>
               </a:ext>
             </a:extLst>
           </a:bodyPr>
@@ -17242,7 +17672,7 @@
             <a:spAutoFit/>
             <a:extLst>
               <a:ext uri="{4A0BC546-FE56-4ADE-93B0-CB8AF2F6F144}">
-                <wpsdc:textFrameExt xmlns:wpsdc="http://www.wps.cn/officeDocument/2022/drawingmlCustomData" xmlns="" type="text"/>
+                <wpsdc:textFrameExt xmlns="" xmlns:wpsdc="http://www.wps.cn/officeDocument/2022/drawingmlCustomData" type="text"/>
               </a:ext>
             </a:extLst>
           </a:bodyPr>
@@ -17318,7 +17748,7 @@
             <a:spAutoFit/>
             <a:extLst>
               <a:ext uri="{4A0BC546-FE56-4ADE-93B0-CB8AF2F6F144}">
-                <wpsdc:textFrameExt xmlns:wpsdc="http://www.wps.cn/officeDocument/2022/drawingmlCustomData" xmlns="" type="text"/>
+                <wpsdc:textFrameExt xmlns="" xmlns:wpsdc="http://www.wps.cn/officeDocument/2022/drawingmlCustomData" type="text"/>
               </a:ext>
             </a:extLst>
           </a:bodyPr>
@@ -17363,30 +17793,6 @@
           <a:chExt cx="0" cy="0"/>
         </a:xfrm>
       </p:grpSpPr>
-      <p:pic>
-        <p:nvPicPr>
-          <p:cNvPr id="12" name="图片 11"/>
-          <p:cNvPicPr>
-            <a:picLocks noChangeAspect="1"/>
-          </p:cNvPicPr>
-          <p:nvPr/>
-        </p:nvPicPr>
-        <p:blipFill>
-          <a:blip r:embed="rId2"/>
-          <a:stretch>
-            <a:fillRect/>
-          </a:stretch>
-        </p:blipFill>
-        <p:spPr>
-          <a:xfrm>
-            <a:off x="0" y="2762659"/>
-            <a:ext cx="3313748" cy="1725893"/>
-          </a:xfrm>
-          <a:prstGeom prst="rect">
-            <a:avLst/>
-          </a:prstGeom>
-        </p:spPr>
-      </p:pic>
       <p:sp>
         <p:nvSpPr>
           <p:cNvPr id="53" name="文本框 52"/>
@@ -17395,8 +17801,8 @@
         </p:nvSpPr>
         <p:spPr>
           <a:xfrm>
-            <a:off x="5947273" y="3564892"/>
-            <a:ext cx="452368" cy="461665"/>
+            <a:off x="4869895" y="3371870"/>
+            <a:ext cx="452368" cy="523220"/>
           </a:xfrm>
           <a:prstGeom prst="rect">
             <a:avLst/>
@@ -17410,7 +17816,7 @@
           <a:lstStyle/>
           <a:p>
             <a:r>
-              <a:rPr lang="zh-CN" altLang="en-US" sz="2400" dirty="0">
+              <a:rPr lang="zh-CN" altLang="en-US" sz="2800" dirty="0">
                 <a:latin typeface="微软雅黑" panose="020B0503020204020204" charset="-122"/>
                 <a:ea typeface="微软雅黑" panose="020B0503020204020204" charset="-122"/>
               </a:rPr>
@@ -17427,8 +17833,8 @@
         </p:nvSpPr>
         <p:spPr>
           <a:xfrm>
-            <a:off x="4329318" y="3626447"/>
-            <a:ext cx="1951715" cy="338554"/>
+            <a:off x="2858650" y="3402647"/>
+            <a:ext cx="2237429" cy="461665"/>
           </a:xfrm>
           <a:prstGeom prst="rect">
             <a:avLst/>
@@ -17439,7 +17845,7 @@
             <a:spAutoFit/>
             <a:extLst>
               <a:ext uri="{4A0BC546-FE56-4ADE-93B0-CB8AF2F6F144}">
-                <wpsdc:textFrameExt xmlns:wpsdc="http://www.wps.cn/officeDocument/2022/drawingmlCustomData" xmlns="" type="text"/>
+                <wpsdc:textFrameExt xmlns="" xmlns:wpsdc="http://www.wps.cn/officeDocument/2022/drawingmlCustomData" type="text"/>
               </a:ext>
             </a:extLst>
           </a:bodyPr>
@@ -17447,75 +17853,16 @@
           <a:p>
             <a:pPr algn="l"/>
             <a:r>
-              <a:rPr lang="en-US" altLang="zh-CN" sz="1600" dirty="0">
-                <a:latin typeface="Arial" panose="020B0604020202020204" pitchFamily="34" charset="0"/>
+              <a:rPr lang="en-US" altLang="zh-CN" sz="2400" dirty="0">
+                <a:latin typeface="Times New Roman" panose="02020603050405020304" pitchFamily="18" charset="0"/>
                 <a:ea typeface="微软雅黑" panose="020B0503020204020204" charset="-122"/>
+                <a:cs typeface="Times New Roman" panose="02020603050405020304" pitchFamily="18" charset="0"/>
               </a:rPr>
               <a:t>Concat Features</a:t>
             </a:r>
           </a:p>
         </p:txBody>
       </p:sp>
-      <p:pic>
-        <p:nvPicPr>
-          <p:cNvPr id="13" name="图片 12">
-            <a:extLst>
-              <a:ext uri="{FF2B5EF4-FFF2-40B4-BE49-F238E27FC236}">
-                <a16:creationId xmlns:a16="http://schemas.microsoft.com/office/drawing/2014/main" id="{4C22B661-40C3-47C1-8D4E-B0A9ADE21B87}"/>
-              </a:ext>
-            </a:extLst>
-          </p:cNvPr>
-          <p:cNvPicPr>
-            <a:picLocks noChangeAspect="1"/>
-          </p:cNvPicPr>
-          <p:nvPr/>
-        </p:nvPicPr>
-        <p:blipFill>
-          <a:blip r:embed="rId3"/>
-          <a:stretch>
-            <a:fillRect/>
-          </a:stretch>
-        </p:blipFill>
-        <p:spPr>
-          <a:xfrm>
-            <a:off x="3244731" y="154942"/>
-            <a:ext cx="5857452" cy="2821339"/>
-          </a:xfrm>
-          <a:prstGeom prst="rect">
-            <a:avLst/>
-          </a:prstGeom>
-        </p:spPr>
-      </p:pic>
-      <p:pic>
-        <p:nvPicPr>
-          <p:cNvPr id="17" name="图片 16">
-            <a:extLst>
-              <a:ext uri="{FF2B5EF4-FFF2-40B4-BE49-F238E27FC236}">
-                <a16:creationId xmlns:a16="http://schemas.microsoft.com/office/drawing/2014/main" id="{74CFEB18-5EF5-49AE-B3F6-27ACD3429FA4}"/>
-              </a:ext>
-            </a:extLst>
-          </p:cNvPr>
-          <p:cNvPicPr>
-            <a:picLocks noChangeAspect="1"/>
-          </p:cNvPicPr>
-          <p:nvPr/>
-        </p:nvPicPr>
-        <p:blipFill>
-          <a:blip r:embed="rId4"/>
-          <a:stretch>
-            <a:fillRect/>
-          </a:stretch>
-        </p:blipFill>
-        <p:spPr>
-          <a:xfrm>
-            <a:off x="9421132" y="2776148"/>
-            <a:ext cx="2723453" cy="2039151"/>
-          </a:xfrm>
-          <a:prstGeom prst="rect">
-            <a:avLst/>
-          </a:prstGeom>
-        </p:spPr>
-      </p:pic>
       <p:cxnSp>
         <p:nvCxnSpPr>
           <p:cNvPr id="16" name="连接符: 肘形 15">
@@ -17526,15 +17873,15 @@
             </a:extLst>
           </p:cNvPr>
           <p:cNvCxnSpPr>
-            <a:stCxn id="12" idx="0"/>
-            <a:endCxn id="13" idx="1"/>
+            <a:cxnSpLocks/>
+            <a:endCxn id="15" idx="1"/>
           </p:cNvCxnSpPr>
           <p:nvPr/>
         </p:nvCxnSpPr>
         <p:spPr>
           <a:xfrm rot="5400000" flipH="1" flipV="1">
-            <a:off x="1852279" y="1370208"/>
-            <a:ext cx="1197047" cy="1587857"/>
+            <a:off x="1064492" y="1653341"/>
+            <a:ext cx="1387647" cy="1105349"/>
           </a:xfrm>
           <a:prstGeom prst="bentConnector2">
             <a:avLst/>
@@ -17569,15 +17916,13 @@
           </p:cNvPr>
           <p:cNvCxnSpPr>
             <a:cxnSpLocks/>
-            <a:stCxn id="12" idx="2"/>
-            <a:endCxn id="44" idx="1"/>
           </p:cNvCxnSpPr>
           <p:nvPr/>
         </p:nvCxnSpPr>
         <p:spPr>
           <a:xfrm rot="16200000" flipH="1">
-            <a:off x="1720709" y="4424716"/>
-            <a:ext cx="1166416" cy="1294087"/>
+            <a:off x="965380" y="4361098"/>
+            <a:ext cx="1328198" cy="876178"/>
           </a:xfrm>
           <a:prstGeom prst="bentConnector2">
             <a:avLst/>
@@ -17615,14 +17960,12 @@
           </p:cNvPr>
           <p:cNvCxnSpPr>
             <a:cxnSpLocks/>
-            <a:stCxn id="13" idx="2"/>
-            <a:endCxn id="53" idx="0"/>
           </p:cNvCxnSpPr>
           <p:nvPr/>
         </p:nvCxnSpPr>
         <p:spPr>
           <a:xfrm>
-            <a:off x="6173457" y="2976281"/>
+            <a:off x="5133551" y="2840389"/>
             <a:ext cx="0" cy="588611"/>
           </a:xfrm>
           <a:prstGeom prst="straightConnector1">
@@ -17661,14 +18004,12 @@
           </p:cNvPr>
           <p:cNvCxnSpPr>
             <a:cxnSpLocks/>
-            <a:stCxn id="44" idx="0"/>
-            <a:endCxn id="53" idx="2"/>
           </p:cNvCxnSpPr>
           <p:nvPr/>
         </p:nvCxnSpPr>
         <p:spPr>
           <a:xfrm flipV="1">
-            <a:off x="6173457" y="4026557"/>
+            <a:off x="5158316" y="3813716"/>
             <a:ext cx="0" cy="459142"/>
           </a:xfrm>
           <a:prstGeom prst="straightConnector1">
@@ -17703,15 +18044,15 @@
             </a:extLst>
           </p:cNvPr>
           <p:cNvCxnSpPr>
+            <a:cxnSpLocks/>
             <a:stCxn id="53" idx="3"/>
-            <a:endCxn id="17" idx="1"/>
           </p:cNvCxnSpPr>
           <p:nvPr/>
         </p:nvCxnSpPr>
         <p:spPr>
-          <a:xfrm flipV="1">
-            <a:off x="6399641" y="3795724"/>
-            <a:ext cx="3021491" cy="1"/>
+          <a:xfrm>
+            <a:off x="5322263" y="3633480"/>
+            <a:ext cx="3245506" cy="0"/>
           </a:xfrm>
           <a:prstGeom prst="straightConnector1">
             <a:avLst/>
@@ -17737,10 +18078,100 @@
       </p:cxnSp>
       <p:pic>
         <p:nvPicPr>
-          <p:cNvPr id="44" name="图片 43">
+          <p:cNvPr id="14" name="图片 13">
             <a:extLst>
               <a:ext uri="{FF2B5EF4-FFF2-40B4-BE49-F238E27FC236}">
-                <a16:creationId xmlns:a16="http://schemas.microsoft.com/office/drawing/2014/main" id="{7E8CC187-4ACF-48F5-B857-1022336F059B}"/>
+                <a16:creationId xmlns:a16="http://schemas.microsoft.com/office/drawing/2014/main" id="{8E03B91B-BAE1-4468-9955-F16E15F8950D}"/>
+              </a:ext>
+            </a:extLst>
+          </p:cNvPr>
+          <p:cNvPicPr>
+            <a:picLocks noChangeAspect="1"/>
+          </p:cNvPicPr>
+          <p:nvPr/>
+        </p:nvPicPr>
+        <p:blipFill>
+          <a:blip r:embed="rId2"/>
+          <a:stretch>
+            <a:fillRect/>
+          </a:stretch>
+        </p:blipFill>
+        <p:spPr>
+          <a:xfrm>
+            <a:off x="-44348" y="2887705"/>
+            <a:ext cx="2590324" cy="1213984"/>
+          </a:xfrm>
+          <a:prstGeom prst="rect">
+            <a:avLst/>
+          </a:prstGeom>
+        </p:spPr>
+      </p:pic>
+      <p:pic>
+        <p:nvPicPr>
+          <p:cNvPr id="15" name="图片 14">
+            <a:extLst>
+              <a:ext uri="{FF2B5EF4-FFF2-40B4-BE49-F238E27FC236}">
+                <a16:creationId xmlns:a16="http://schemas.microsoft.com/office/drawing/2014/main" id="{499B7F13-D9DC-4694-8E0B-84B284CD2BCD}"/>
+              </a:ext>
+            </a:extLst>
+          </p:cNvPr>
+          <p:cNvPicPr>
+            <a:picLocks noChangeAspect="1"/>
+          </p:cNvPicPr>
+          <p:nvPr/>
+        </p:nvPicPr>
+        <p:blipFill>
+          <a:blip r:embed="rId3"/>
+          <a:stretch>
+            <a:fillRect/>
+          </a:stretch>
+        </p:blipFill>
+        <p:spPr>
+          <a:xfrm>
+            <a:off x="2310990" y="170076"/>
+            <a:ext cx="6285282" cy="2684230"/>
+          </a:xfrm>
+          <a:prstGeom prst="rect">
+            <a:avLst/>
+          </a:prstGeom>
+        </p:spPr>
+      </p:pic>
+      <p:pic>
+        <p:nvPicPr>
+          <p:cNvPr id="18" name="图片 17">
+            <a:extLst>
+              <a:ext uri="{FF2B5EF4-FFF2-40B4-BE49-F238E27FC236}">
+                <a16:creationId xmlns:a16="http://schemas.microsoft.com/office/drawing/2014/main" id="{D7D6A32B-0196-44E0-9568-222392F040EB}"/>
+              </a:ext>
+            </a:extLst>
+          </p:cNvPr>
+          <p:cNvPicPr>
+            <a:picLocks noChangeAspect="1"/>
+          </p:cNvPicPr>
+          <p:nvPr/>
+        </p:nvPicPr>
+        <p:blipFill>
+          <a:blip r:embed="rId4"/>
+          <a:stretch>
+            <a:fillRect/>
+          </a:stretch>
+        </p:blipFill>
+        <p:spPr>
+          <a:xfrm>
+            <a:off x="2081819" y="4201604"/>
+            <a:ext cx="6683462" cy="2656396"/>
+          </a:xfrm>
+          <a:prstGeom prst="rect">
+            <a:avLst/>
+          </a:prstGeom>
+        </p:spPr>
+      </p:pic>
+      <p:pic>
+        <p:nvPicPr>
+          <p:cNvPr id="20" name="图片 19">
+            <a:extLst>
+              <a:ext uri="{FF2B5EF4-FFF2-40B4-BE49-F238E27FC236}">
+                <a16:creationId xmlns:a16="http://schemas.microsoft.com/office/drawing/2014/main" id="{958FC55E-D5F3-4152-BDE4-D50E8978B297}"/>
               </a:ext>
             </a:extLst>
           </p:cNvPr>
@@ -17757,8 +18188,8 @@
         </p:blipFill>
         <p:spPr>
           <a:xfrm>
-            <a:off x="2950961" y="4485699"/>
-            <a:ext cx="6444992" cy="2338538"/>
+            <a:off x="8596272" y="2423670"/>
+            <a:ext cx="3245506" cy="2204991"/>
           </a:xfrm>
           <a:prstGeom prst="rect">
             <a:avLst/>
@@ -17790,471 +18221,70 @@
           <a:chExt cx="0" cy="0"/>
         </a:xfrm>
       </p:grpSpPr>
-      <p:sp>
-        <p:nvSpPr>
-          <p:cNvPr id="2" name="矩形 1">
+      <p:pic>
+        <p:nvPicPr>
+          <p:cNvPr id="7" name="图片 6">
             <a:extLst>
               <a:ext uri="{FF2B5EF4-FFF2-40B4-BE49-F238E27FC236}">
-                <a16:creationId xmlns:a16="http://schemas.microsoft.com/office/drawing/2014/main" id="{B7CF5B09-6CE6-40CA-A273-DC160BFA844F}"/>
+                <a16:creationId xmlns:a16="http://schemas.microsoft.com/office/drawing/2014/main" id="{B0DB03C0-EC5A-41B9-B12F-D15BC18EAF83}"/>
               </a:ext>
             </a:extLst>
           </p:cNvPr>
-          <p:cNvSpPr/>
-          <p:nvPr/>
-        </p:nvSpPr>
+          <p:cNvPicPr>
+            <a:picLocks noChangeAspect="1"/>
+          </p:cNvPicPr>
+          <p:nvPr/>
+        </p:nvPicPr>
+        <p:blipFill>
+          <a:blip r:embed="rId2"/>
+          <a:stretch>
+            <a:fillRect/>
+          </a:stretch>
+        </p:blipFill>
         <p:spPr>
           <a:xfrm>
-            <a:off x="1039906" y="878541"/>
-            <a:ext cx="896470" cy="358588"/>
+            <a:off x="857927" y="421590"/>
+            <a:ext cx="7269500" cy="4440139"/>
           </a:xfrm>
           <a:prstGeom prst="rect">
             <a:avLst/>
           </a:prstGeom>
-          <a:noFill/>
-          <a:ln w="19050">
-            <a:solidFill>
-              <a:schemeClr val="tx1"/>
-            </a:solidFill>
-          </a:ln>
-        </p:spPr>
-        <p:style>
-          <a:lnRef idx="2">
-            <a:schemeClr val="accent1">
-              <a:shade val="50000"/>
-            </a:schemeClr>
-          </a:lnRef>
-          <a:fillRef idx="1">
-            <a:schemeClr val="accent1"/>
-          </a:fillRef>
-          <a:effectRef idx="0">
-            <a:schemeClr val="accent1"/>
-          </a:effectRef>
-          <a:fontRef idx="minor">
-            <a:schemeClr val="lt1"/>
-          </a:fontRef>
-        </p:style>
-        <p:txBody>
-          <a:bodyPr rtlCol="0" anchor="ctr"/>
-          <a:lstStyle/>
-          <a:p>
-            <a:pPr algn="ctr"/>
-            <a:r>
-              <a:rPr lang="zh-CN" altLang="en-US" dirty="0">
-                <a:solidFill>
-                  <a:schemeClr val="tx1"/>
-                </a:solidFill>
-              </a:rPr>
-              <a:t>绪论</a:t>
-            </a:r>
-          </a:p>
-        </p:txBody>
-      </p:sp>
-      <p:sp>
-        <p:nvSpPr>
-          <p:cNvPr id="19" name="矩形 18">
+        </p:spPr>
+      </p:pic>
+      <p:pic>
+        <p:nvPicPr>
+          <p:cNvPr id="9" name="图片 8">
             <a:extLst>
               <a:ext uri="{FF2B5EF4-FFF2-40B4-BE49-F238E27FC236}">
-                <a16:creationId xmlns:a16="http://schemas.microsoft.com/office/drawing/2014/main" id="{15B6D782-12B2-4DE7-9C86-773F88904A82}"/>
+                <a16:creationId xmlns:a16="http://schemas.microsoft.com/office/drawing/2014/main" id="{A7786525-6E12-4478-93F0-E5B71CC59F1B}"/>
               </a:ext>
             </a:extLst>
           </p:cNvPr>
-          <p:cNvSpPr/>
-          <p:nvPr/>
-        </p:nvSpPr>
+          <p:cNvPicPr>
+            <a:picLocks noChangeAspect="1"/>
+          </p:cNvPicPr>
+          <p:nvPr/>
+        </p:nvPicPr>
+        <p:blipFill>
+          <a:blip r:embed="rId3"/>
+          <a:stretch>
+            <a:fillRect/>
+          </a:stretch>
+        </p:blipFill>
         <p:spPr>
           <a:xfrm>
-            <a:off x="900953" y="1237129"/>
-            <a:ext cx="1174376" cy="358588"/>
+            <a:off x="7699324" y="1300469"/>
+            <a:ext cx="3391373" cy="3629532"/>
           </a:xfrm>
           <a:prstGeom prst="rect">
             <a:avLst/>
           </a:prstGeom>
-          <a:noFill/>
-          <a:ln w="19050">
-            <a:solidFill>
-              <a:schemeClr val="tx1"/>
-            </a:solidFill>
-          </a:ln>
-        </p:spPr>
-        <p:style>
-          <a:lnRef idx="2">
-            <a:schemeClr val="accent1">
-              <a:shade val="50000"/>
-            </a:schemeClr>
-          </a:lnRef>
-          <a:fillRef idx="1">
-            <a:schemeClr val="accent1"/>
-          </a:fillRef>
-          <a:effectRef idx="0">
-            <a:schemeClr val="accent1"/>
-          </a:effectRef>
-          <a:fontRef idx="minor">
-            <a:schemeClr val="lt1"/>
-          </a:fontRef>
-        </p:style>
-        <p:txBody>
-          <a:bodyPr rtlCol="0" anchor="ctr"/>
-          <a:lstStyle/>
-          <a:p>
-            <a:pPr algn="ctr"/>
-            <a:r>
-              <a:rPr lang="zh-CN" altLang="en-US" dirty="0">
-                <a:solidFill>
-                  <a:schemeClr val="tx1"/>
-                </a:solidFill>
-              </a:rPr>
-              <a:t>相关理论</a:t>
-            </a:r>
-          </a:p>
-        </p:txBody>
-      </p:sp>
-      <p:sp>
-        <p:nvSpPr>
-          <p:cNvPr id="3" name="矩形 2">
-            <a:extLst>
-              <a:ext uri="{FF2B5EF4-FFF2-40B4-BE49-F238E27FC236}">
-                <a16:creationId xmlns:a16="http://schemas.microsoft.com/office/drawing/2014/main" id="{C42DA1A4-907E-4948-A6A9-B85518D62BFE}"/>
-              </a:ext>
-            </a:extLst>
-          </p:cNvPr>
-          <p:cNvSpPr/>
-          <p:nvPr/>
-        </p:nvSpPr>
-        <p:spPr>
-          <a:xfrm>
-            <a:off x="2187388" y="2321859"/>
-            <a:ext cx="2958353" cy="1107141"/>
-          </a:xfrm>
-          <a:prstGeom prst="rect">
-            <a:avLst/>
-          </a:prstGeom>
-          <a:solidFill>
-            <a:schemeClr val="bg2">
-              <a:lumMod val="90000"/>
-            </a:schemeClr>
-          </a:solidFill>
-        </p:spPr>
-        <p:style>
-          <a:lnRef idx="2">
-            <a:schemeClr val="accent1">
-              <a:shade val="50000"/>
-            </a:schemeClr>
-          </a:lnRef>
-          <a:fillRef idx="1">
-            <a:schemeClr val="accent1"/>
-          </a:fillRef>
-          <a:effectRef idx="0">
-            <a:schemeClr val="accent1"/>
-          </a:effectRef>
-          <a:fontRef idx="minor">
-            <a:schemeClr val="lt1"/>
-          </a:fontRef>
-        </p:style>
-        <p:txBody>
-          <a:bodyPr rtlCol="0" anchor="ctr"/>
-          <a:lstStyle/>
-          <a:p>
-            <a:pPr algn="ctr"/>
-            <a:r>
-              <a:rPr lang="zh-CN" altLang="en-US" dirty="0">
-                <a:solidFill>
-                  <a:schemeClr val="accent6"/>
-                </a:solidFill>
-              </a:rPr>
-              <a:t>测试集总点数：</a:t>
-            </a:r>
-            <a:r>
-              <a:rPr lang="en-US" altLang="zh-CN" dirty="0">
-                <a:solidFill>
-                  <a:schemeClr val="accent6"/>
-                </a:solidFill>
-              </a:rPr>
-              <a:t>74876</a:t>
-            </a:r>
-          </a:p>
-          <a:p>
-            <a:pPr algn="ctr"/>
-            <a:r>
-              <a:rPr lang="zh-CN" altLang="en-US" dirty="0">
-                <a:solidFill>
-                  <a:schemeClr val="accent6"/>
-                </a:solidFill>
-              </a:rPr>
-              <a:t>异常点数：</a:t>
-            </a:r>
-            <a:r>
-              <a:rPr lang="en-US" altLang="zh-CN" dirty="0">
-                <a:solidFill>
-                  <a:schemeClr val="accent6"/>
-                </a:solidFill>
-              </a:rPr>
-              <a:t>3561</a:t>
-            </a:r>
-          </a:p>
-          <a:p>
-            <a:pPr algn="ctr"/>
-            <a:r>
-              <a:rPr lang="zh-CN" altLang="en-US" dirty="0">
-                <a:solidFill>
-                  <a:schemeClr val="accent6"/>
-                </a:solidFill>
-              </a:rPr>
-              <a:t>正常点数：</a:t>
-            </a:r>
-            <a:r>
-              <a:rPr lang="en-US" altLang="zh-CN" dirty="0">
-                <a:solidFill>
-                  <a:schemeClr val="accent6"/>
-                </a:solidFill>
-              </a:rPr>
-              <a:t>71315</a:t>
-            </a:r>
-          </a:p>
-        </p:txBody>
-      </p:sp>
-      <p:sp>
-        <p:nvSpPr>
-          <p:cNvPr id="5" name="矩形 4">
-            <a:extLst>
-              <a:ext uri="{FF2B5EF4-FFF2-40B4-BE49-F238E27FC236}">
-                <a16:creationId xmlns:a16="http://schemas.microsoft.com/office/drawing/2014/main" id="{A066A2F9-D7D2-485C-87BA-82C1CCA648D3}"/>
-              </a:ext>
-            </a:extLst>
-          </p:cNvPr>
-          <p:cNvSpPr/>
-          <p:nvPr/>
-        </p:nvSpPr>
-        <p:spPr>
-          <a:xfrm>
-            <a:off x="6015317" y="2321858"/>
-            <a:ext cx="2958353" cy="1107141"/>
-          </a:xfrm>
-          <a:prstGeom prst="rect">
-            <a:avLst/>
-          </a:prstGeom>
-          <a:solidFill>
-            <a:schemeClr val="bg2">
-              <a:lumMod val="90000"/>
-            </a:schemeClr>
-          </a:solidFill>
-        </p:spPr>
-        <p:style>
-          <a:lnRef idx="2">
-            <a:schemeClr val="accent1">
-              <a:shade val="50000"/>
-            </a:schemeClr>
-          </a:lnRef>
-          <a:fillRef idx="1">
-            <a:schemeClr val="accent1"/>
-          </a:fillRef>
-          <a:effectRef idx="0">
-            <a:schemeClr val="accent1"/>
-          </a:effectRef>
-          <a:fontRef idx="minor">
-            <a:schemeClr val="lt1"/>
-          </a:fontRef>
-        </p:style>
-        <p:txBody>
-          <a:bodyPr rtlCol="0" anchor="ctr"/>
-          <a:lstStyle/>
-          <a:p>
-            <a:pPr algn="ctr"/>
-            <a:r>
-              <a:rPr lang="en-US" altLang="zh-CN" dirty="0">
-                <a:solidFill>
-                  <a:schemeClr val="accent6"/>
-                </a:solidFill>
-              </a:rPr>
-              <a:t>Precision</a:t>
-            </a:r>
-            <a:r>
-              <a:rPr lang="zh-CN" altLang="en-US" dirty="0">
-                <a:solidFill>
-                  <a:schemeClr val="accent6"/>
-                </a:solidFill>
-              </a:rPr>
-              <a:t>：</a:t>
-            </a:r>
-            <a:r>
-              <a:rPr lang="en-US" altLang="zh-CN" dirty="0">
-                <a:solidFill>
-                  <a:schemeClr val="accent6"/>
-                </a:solidFill>
-              </a:rPr>
-              <a:t>86.59</a:t>
-            </a:r>
-          </a:p>
-          <a:p>
-            <a:pPr algn="ctr"/>
-            <a:r>
-              <a:rPr lang="en-US" altLang="zh-CN" dirty="0">
-                <a:solidFill>
-                  <a:schemeClr val="accent6"/>
-                </a:solidFill>
-              </a:rPr>
-              <a:t>Recall</a:t>
-            </a:r>
-            <a:r>
-              <a:rPr lang="zh-CN" altLang="en-US" dirty="0">
-                <a:solidFill>
-                  <a:schemeClr val="accent6"/>
-                </a:solidFill>
-              </a:rPr>
-              <a:t>：</a:t>
-            </a:r>
-            <a:r>
-              <a:rPr lang="en-US" altLang="zh-CN" dirty="0">
-                <a:solidFill>
-                  <a:schemeClr val="accent6"/>
-                </a:solidFill>
-              </a:rPr>
-              <a:t>88.47</a:t>
-            </a:r>
-          </a:p>
-          <a:p>
-            <a:pPr algn="ctr"/>
-            <a:r>
-              <a:rPr lang="en-US" altLang="zh-CN" dirty="0">
-                <a:solidFill>
-                  <a:schemeClr val="accent6"/>
-                </a:solidFill>
-              </a:rPr>
-              <a:t>F1-Score</a:t>
-            </a:r>
-            <a:r>
-              <a:rPr lang="zh-CN" altLang="en-US" dirty="0">
-                <a:solidFill>
-                  <a:schemeClr val="accent6"/>
-                </a:solidFill>
-              </a:rPr>
-              <a:t>：</a:t>
-            </a:r>
-            <a:r>
-              <a:rPr lang="en-US" altLang="zh-CN" dirty="0">
-                <a:solidFill>
-                  <a:schemeClr val="accent6"/>
-                </a:solidFill>
-              </a:rPr>
-              <a:t>87.52</a:t>
-            </a:r>
-          </a:p>
-        </p:txBody>
-      </p:sp>
-      <p:sp>
-        <p:nvSpPr>
-          <p:cNvPr id="6" name="矩形 5">
-            <a:extLst>
-              <a:ext uri="{FF2B5EF4-FFF2-40B4-BE49-F238E27FC236}">
-                <a16:creationId xmlns:a16="http://schemas.microsoft.com/office/drawing/2014/main" id="{348D9AB9-58A1-4E44-A64E-99C525370726}"/>
-              </a:ext>
-            </a:extLst>
-          </p:cNvPr>
-          <p:cNvSpPr/>
-          <p:nvPr/>
-        </p:nvSpPr>
-        <p:spPr>
-          <a:xfrm>
-            <a:off x="2187388" y="4222376"/>
-            <a:ext cx="7817224" cy="1497106"/>
-          </a:xfrm>
-          <a:prstGeom prst="rect">
-            <a:avLst/>
-          </a:prstGeom>
-          <a:solidFill>
-            <a:schemeClr val="bg2">
-              <a:lumMod val="90000"/>
-            </a:schemeClr>
-          </a:solidFill>
-        </p:spPr>
-        <p:style>
-          <a:lnRef idx="2">
-            <a:schemeClr val="accent1">
-              <a:shade val="50000"/>
-            </a:schemeClr>
-          </a:lnRef>
-          <a:fillRef idx="1">
-            <a:schemeClr val="accent1"/>
-          </a:fillRef>
-          <a:effectRef idx="0">
-            <a:schemeClr val="accent1"/>
-          </a:effectRef>
-          <a:fontRef idx="minor">
-            <a:schemeClr val="lt1"/>
-          </a:fontRef>
-        </p:style>
-        <p:txBody>
-          <a:bodyPr rtlCol="0" anchor="ctr"/>
-          <a:lstStyle/>
-          <a:p>
-            <a:pPr algn="ctr"/>
-            <a:r>
-              <a:rPr lang="zh-CN" altLang="en-US" dirty="0">
-                <a:solidFill>
-                  <a:schemeClr val="accent6"/>
-                </a:solidFill>
-              </a:rPr>
-              <a:t>三天内是否会出现异常：否</a:t>
-            </a:r>
-            <a:endParaRPr lang="en-US" altLang="zh-CN" dirty="0">
-              <a:solidFill>
-                <a:schemeClr val="accent6"/>
-              </a:solidFill>
-            </a:endParaRPr>
-          </a:p>
-          <a:p>
-            <a:pPr algn="ctr"/>
-            <a:r>
-              <a:rPr lang="zh-CN" altLang="en-US" dirty="0">
-                <a:solidFill>
-                  <a:schemeClr val="accent6"/>
-                </a:solidFill>
-              </a:rPr>
-              <a:t>五天内是否会出现异常：否</a:t>
-            </a:r>
-            <a:endParaRPr lang="en-US" altLang="zh-CN" dirty="0">
-              <a:solidFill>
-                <a:schemeClr val="accent6"/>
-              </a:solidFill>
-            </a:endParaRPr>
-          </a:p>
-          <a:p>
-            <a:pPr algn="ctr"/>
-            <a:r>
-              <a:rPr lang="zh-CN" altLang="en-US" dirty="0">
-                <a:solidFill>
-                  <a:schemeClr val="accent6"/>
-                </a:solidFill>
-              </a:rPr>
-              <a:t>七天内是否会出现异常：是</a:t>
-            </a:r>
-            <a:endParaRPr lang="en-US" altLang="zh-CN" dirty="0">
-              <a:solidFill>
-                <a:schemeClr val="accent6"/>
-              </a:solidFill>
-            </a:endParaRPr>
-          </a:p>
-          <a:p>
-            <a:pPr algn="ctr"/>
-            <a:r>
-              <a:rPr lang="zh-CN" altLang="en-US" dirty="0">
-                <a:solidFill>
-                  <a:schemeClr val="accent6"/>
-                </a:solidFill>
-              </a:rPr>
-              <a:t>十天内是否会出现异常：是</a:t>
-            </a:r>
-            <a:endParaRPr lang="en-US" altLang="zh-CN" dirty="0">
-              <a:solidFill>
-                <a:schemeClr val="accent6"/>
-              </a:solidFill>
-            </a:endParaRPr>
-          </a:p>
-        </p:txBody>
-      </p:sp>
+        </p:spPr>
+      </p:pic>
     </p:spTree>
     <p:extLst>
       <p:ext uri="{BB962C8B-B14F-4D97-AF65-F5344CB8AC3E}">
-        <p14:creationId xmlns:p14="http://schemas.microsoft.com/office/powerpoint/2010/main" val="1461949996"/>
+        <p14:creationId xmlns:p14="http://schemas.microsoft.com/office/powerpoint/2010/main" val="1296620647"/>
       </p:ext>
     </p:extLst>
   </p:cSld>
@@ -18283,10 +18313,10 @@
       </p:grpSpPr>
       <p:pic>
         <p:nvPicPr>
-          <p:cNvPr id="4" name="图片 3">
+          <p:cNvPr id="2" name="图片 1">
             <a:extLst>
               <a:ext uri="{FF2B5EF4-FFF2-40B4-BE49-F238E27FC236}">
-                <a16:creationId xmlns:a16="http://schemas.microsoft.com/office/drawing/2014/main" id="{CA2AAAD0-0F4E-46D2-848A-3090FD403316}"/>
+                <a16:creationId xmlns:a16="http://schemas.microsoft.com/office/drawing/2014/main" id="{F2DAD555-CEE9-444B-9307-E86C425EA6CD}"/>
               </a:ext>
             </a:extLst>
           </p:cNvPr>
@@ -18303,8 +18333,8 @@
         </p:blipFill>
         <p:spPr>
           <a:xfrm>
-            <a:off x="714139" y="840925"/>
-            <a:ext cx="9998685" cy="5491245"/>
+            <a:off x="1290403" y="560183"/>
+            <a:ext cx="9261056" cy="5209938"/>
           </a:xfrm>
           <a:prstGeom prst="rect">
             <a:avLst/>
@@ -18487,7 +18517,7 @@
             <a:spAutoFit/>
             <a:extLst>
               <a:ext uri="{4A0BC546-FE56-4ADE-93B0-CB8AF2F6F144}">
-                <wpsdc:textFrameExt xmlns="" xmlns:wpsdc="http://www.wps.cn/officeDocument/2022/drawingmlCustomData" type="text"/>
+                <wpsdc:textFrameExt xmlns:wpsdc="http://www.wps.cn/officeDocument/2022/drawingmlCustomData" xmlns="" type="text"/>
               </a:ext>
             </a:extLst>
           </a:bodyPr>
@@ -20681,7 +20711,7 @@
             <a:spAutoFit/>
             <a:extLst>
               <a:ext uri="{4A0BC546-FE56-4ADE-93B0-CB8AF2F6F144}">
-                <wpsdc:textFrameExt xmlns:wpsdc="http://www.wps.cn/officeDocument/2022/drawingmlCustomData" xmlns="" type="text"/>
+                <wpsdc:textFrameExt xmlns="" xmlns:wpsdc="http://www.wps.cn/officeDocument/2022/drawingmlCustomData" type="text"/>
               </a:ext>
             </a:extLst>
           </a:bodyPr>
@@ -20724,7 +20754,7 @@
             <a:spAutoFit/>
             <a:extLst>
               <a:ext uri="{4A0BC546-FE56-4ADE-93B0-CB8AF2F6F144}">
-                <wpsdc:textFrameExt xmlns:wpsdc="http://www.wps.cn/officeDocument/2022/drawingmlCustomData" xmlns="" type="text"/>
+                <wpsdc:textFrameExt xmlns="" xmlns:wpsdc="http://www.wps.cn/officeDocument/2022/drawingmlCustomData" type="text"/>
               </a:ext>
             </a:extLst>
           </a:bodyPr>
@@ -20767,7 +20797,7 @@
             <a:spAutoFit/>
             <a:extLst>
               <a:ext uri="{4A0BC546-FE56-4ADE-93B0-CB8AF2F6F144}">
-                <wpsdc:textFrameExt xmlns:wpsdc="http://www.wps.cn/officeDocument/2022/drawingmlCustomData" xmlns="" type="text"/>
+                <wpsdc:textFrameExt xmlns="" xmlns:wpsdc="http://www.wps.cn/officeDocument/2022/drawingmlCustomData" type="text"/>
               </a:ext>
             </a:extLst>
           </a:bodyPr>
@@ -20810,7 +20840,7 @@
             <a:spAutoFit/>
             <a:extLst>
               <a:ext uri="{4A0BC546-FE56-4ADE-93B0-CB8AF2F6F144}">
-                <wpsdc:textFrameExt xmlns:wpsdc="http://www.wps.cn/officeDocument/2022/drawingmlCustomData" xmlns="" type="text"/>
+                <wpsdc:textFrameExt xmlns="" xmlns:wpsdc="http://www.wps.cn/officeDocument/2022/drawingmlCustomData" type="text"/>
               </a:ext>
             </a:extLst>
           </a:bodyPr>
@@ -23558,7 +23588,7 @@
             <a:spAutoFit/>
             <a:extLst>
               <a:ext uri="{4A0BC546-FE56-4ADE-93B0-CB8AF2F6F144}">
-                <wpsdc:textFrameExt xmlns:wpsdc="http://www.wps.cn/officeDocument/2022/drawingmlCustomData" xmlns="" type="text"/>
+                <wpsdc:textFrameExt xmlns="" xmlns:wpsdc="http://www.wps.cn/officeDocument/2022/drawingmlCustomData" type="text"/>
               </a:ext>
             </a:extLst>
           </a:bodyPr>
@@ -23601,7 +23631,7 @@
             <a:spAutoFit/>
             <a:extLst>
               <a:ext uri="{4A0BC546-FE56-4ADE-93B0-CB8AF2F6F144}">
-                <wpsdc:textFrameExt xmlns:wpsdc="http://www.wps.cn/officeDocument/2022/drawingmlCustomData" xmlns="" type="text"/>
+                <wpsdc:textFrameExt xmlns="" xmlns:wpsdc="http://www.wps.cn/officeDocument/2022/drawingmlCustomData" type="text"/>
               </a:ext>
             </a:extLst>
           </a:bodyPr>
@@ -23649,7 +23679,7 @@
             <a:spAutoFit/>
             <a:extLst>
               <a:ext uri="{4A0BC546-FE56-4ADE-93B0-CB8AF2F6F144}">
-                <wpsdc:textFrameExt xmlns:wpsdc="http://www.wps.cn/officeDocument/2022/drawingmlCustomData" xmlns="" type="text"/>
+                <wpsdc:textFrameExt xmlns="" xmlns:wpsdc="http://www.wps.cn/officeDocument/2022/drawingmlCustomData" type="text"/>
               </a:ext>
             </a:extLst>
           </a:bodyPr>
@@ -23692,7 +23722,7 @@
             <a:spAutoFit/>
             <a:extLst>
               <a:ext uri="{4A0BC546-FE56-4ADE-93B0-CB8AF2F6F144}">
-                <wpsdc:textFrameExt xmlns:wpsdc="http://www.wps.cn/officeDocument/2022/drawingmlCustomData" xmlns="" type="text"/>
+                <wpsdc:textFrameExt xmlns="" xmlns:wpsdc="http://www.wps.cn/officeDocument/2022/drawingmlCustomData" type="text"/>
               </a:ext>
             </a:extLst>
           </a:bodyPr>
@@ -23735,7 +23765,7 @@
             <a:spAutoFit/>
             <a:extLst>
               <a:ext uri="{4A0BC546-FE56-4ADE-93B0-CB8AF2F6F144}">
-                <wpsdc:textFrameExt xmlns:wpsdc="http://www.wps.cn/officeDocument/2022/drawingmlCustomData" xmlns="" type="text"/>
+                <wpsdc:textFrameExt xmlns="" xmlns:wpsdc="http://www.wps.cn/officeDocument/2022/drawingmlCustomData" type="text"/>
               </a:ext>
             </a:extLst>
           </a:bodyPr>
@@ -24189,7 +24219,7 @@
             <a:spAutoFit/>
             <a:extLst>
               <a:ext uri="{4A0BC546-FE56-4ADE-93B0-CB8AF2F6F144}">
-                <wpsdc:textFrameExt xmlns:wpsdc="http://www.wps.cn/officeDocument/2022/drawingmlCustomData" xmlns="" type="text"/>
+                <wpsdc:textFrameExt xmlns="" xmlns:wpsdc="http://www.wps.cn/officeDocument/2022/drawingmlCustomData" type="text"/>
               </a:ext>
             </a:extLst>
           </a:bodyPr>
@@ -24232,7 +24262,7 @@
             <a:spAutoFit/>
             <a:extLst>
               <a:ext uri="{4A0BC546-FE56-4ADE-93B0-CB8AF2F6F144}">
-                <wpsdc:textFrameExt xmlns:wpsdc="http://www.wps.cn/officeDocument/2022/drawingmlCustomData" xmlns="" type="text"/>
+                <wpsdc:textFrameExt xmlns="" xmlns:wpsdc="http://www.wps.cn/officeDocument/2022/drawingmlCustomData" type="text"/>
               </a:ext>
             </a:extLst>
           </a:bodyPr>
@@ -24275,7 +24305,7 @@
             <a:spAutoFit/>
             <a:extLst>
               <a:ext uri="{4A0BC546-FE56-4ADE-93B0-CB8AF2F6F144}">
-                <wpsdc:textFrameExt xmlns:wpsdc="http://www.wps.cn/officeDocument/2022/drawingmlCustomData" xmlns="" type="text"/>
+                <wpsdc:textFrameExt xmlns="" xmlns:wpsdc="http://www.wps.cn/officeDocument/2022/drawingmlCustomData" type="text"/>
               </a:ext>
             </a:extLst>
           </a:bodyPr>
@@ -24318,7 +24348,7 @@
             <a:spAutoFit/>
             <a:extLst>
               <a:ext uri="{4A0BC546-FE56-4ADE-93B0-CB8AF2F6F144}">
-                <wpsdc:textFrameExt xmlns:wpsdc="http://www.wps.cn/officeDocument/2022/drawingmlCustomData" xmlns="" type="text"/>
+                <wpsdc:textFrameExt xmlns="" xmlns:wpsdc="http://www.wps.cn/officeDocument/2022/drawingmlCustomData" type="text"/>
               </a:ext>
             </a:extLst>
           </a:bodyPr>
@@ -24356,7 +24386,7 @@
             <a:noAutofit/>
             <a:extLst>
               <a:ext uri="{4A0BC546-FE56-4ADE-93B0-CB8AF2F6F144}">
-                <wpsdc:textFrameExt xmlns:wpsdc="http://www.wps.cn/officeDocument/2022/drawingmlCustomData" xmlns="" type="text"/>
+                <wpsdc:textFrameExt xmlns="" xmlns:wpsdc="http://www.wps.cn/officeDocument/2022/drawingmlCustomData" type="text"/>
               </a:ext>
             </a:extLst>
           </a:bodyPr>
@@ -24398,7 +24428,7 @@
             <a:spAutoFit/>
             <a:extLst>
               <a:ext uri="{4A0BC546-FE56-4ADE-93B0-CB8AF2F6F144}">
-                <wpsdc:textFrameExt xmlns:wpsdc="http://www.wps.cn/officeDocument/2022/drawingmlCustomData" xmlns="" type="text"/>
+                <wpsdc:textFrameExt xmlns="" xmlns:wpsdc="http://www.wps.cn/officeDocument/2022/drawingmlCustomData" type="text"/>
               </a:ext>
             </a:extLst>
           </a:bodyPr>
@@ -24445,7 +24475,7 @@
             <a:spAutoFit/>
             <a:extLst>
               <a:ext uri="{4A0BC546-FE56-4ADE-93B0-CB8AF2F6F144}">
-                <wpsdc:textFrameExt xmlns:wpsdc="http://www.wps.cn/officeDocument/2022/drawingmlCustomData" xmlns="" type="text"/>
+                <wpsdc:textFrameExt xmlns="" xmlns:wpsdc="http://www.wps.cn/officeDocument/2022/drawingmlCustomData" type="text"/>
               </a:ext>
             </a:extLst>
           </a:bodyPr>
@@ -24485,7 +24515,7 @@
             <a:spAutoFit/>
             <a:extLst>
               <a:ext uri="{4A0BC546-FE56-4ADE-93B0-CB8AF2F6F144}">
-                <wpsdc:textFrameExt xmlns:wpsdc="http://www.wps.cn/officeDocument/2022/drawingmlCustomData" xmlns="" type="text"/>
+                <wpsdc:textFrameExt xmlns="" xmlns:wpsdc="http://www.wps.cn/officeDocument/2022/drawingmlCustomData" type="text"/>
               </a:ext>
             </a:extLst>
           </a:bodyPr>
@@ -24525,7 +24555,7 @@
             <a:spAutoFit/>
             <a:extLst>
               <a:ext uri="{4A0BC546-FE56-4ADE-93B0-CB8AF2F6F144}">
-                <wpsdc:textFrameExt xmlns:wpsdc="http://www.wps.cn/officeDocument/2022/drawingmlCustomData" xmlns="" type="text"/>
+                <wpsdc:textFrameExt xmlns="" xmlns:wpsdc="http://www.wps.cn/officeDocument/2022/drawingmlCustomData" type="text"/>
               </a:ext>
             </a:extLst>
           </a:bodyPr>
@@ -24765,7 +24795,7 @@
             <a:spAutoFit/>
             <a:extLst>
               <a:ext uri="{4A0BC546-FE56-4ADE-93B0-CB8AF2F6F144}">
-                <wpsdc:textFrameExt xmlns:wpsdc="http://www.wps.cn/officeDocument/2022/drawingmlCustomData" xmlns="" type="text"/>
+                <wpsdc:textFrameExt xmlns="" xmlns:wpsdc="http://www.wps.cn/officeDocument/2022/drawingmlCustomData" type="text"/>
               </a:ext>
             </a:extLst>
           </a:bodyPr>
@@ -25021,7 +25051,7 @@
             <a:spAutoFit/>
             <a:extLst>
               <a:ext uri="{4A0BC546-FE56-4ADE-93B0-CB8AF2F6F144}">
-                <wpsdc:textFrameExt xmlns:wpsdc="http://www.wps.cn/officeDocument/2022/drawingmlCustomData" xmlns="" type="text"/>
+                <wpsdc:textFrameExt xmlns="" xmlns:wpsdc="http://www.wps.cn/officeDocument/2022/drawingmlCustomData" type="text"/>
               </a:ext>
             </a:extLst>
           </a:bodyPr>
@@ -25098,7 +25128,7 @@
             <a:noAutofit/>
             <a:extLst>
               <a:ext uri="{4A0BC546-FE56-4ADE-93B0-CB8AF2F6F144}">
-                <wpsdc:textFrameExt xmlns:wpsdc="http://www.wps.cn/officeDocument/2022/drawingmlCustomData" xmlns="" type="text"/>
+                <wpsdc:textFrameExt xmlns="" xmlns:wpsdc="http://www.wps.cn/officeDocument/2022/drawingmlCustomData" type="text"/>
               </a:ext>
             </a:extLst>
           </a:bodyPr>
@@ -25144,7 +25174,7 @@
             <a:spAutoFit/>
             <a:extLst>
               <a:ext uri="{4A0BC546-FE56-4ADE-93B0-CB8AF2F6F144}">
-                <wpsdc:textFrameExt xmlns:wpsdc="http://www.wps.cn/officeDocument/2022/drawingmlCustomData" xmlns="" type="text"/>
+                <wpsdc:textFrameExt xmlns="" xmlns:wpsdc="http://www.wps.cn/officeDocument/2022/drawingmlCustomData" type="text"/>
               </a:ext>
             </a:extLst>
           </a:bodyPr>
@@ -25194,7 +25224,7 @@
             <a:spAutoFit/>
             <a:extLst>
               <a:ext uri="{4A0BC546-FE56-4ADE-93B0-CB8AF2F6F144}">
-                <wpsdc:textFrameExt xmlns:wpsdc="http://www.wps.cn/officeDocument/2022/drawingmlCustomData" xmlns="" type="text"/>
+                <wpsdc:textFrameExt xmlns="" xmlns:wpsdc="http://www.wps.cn/officeDocument/2022/drawingmlCustomData" type="text"/>
               </a:ext>
             </a:extLst>
           </a:bodyPr>
@@ -25244,7 +25274,7 @@
             <a:spAutoFit/>
             <a:extLst>
               <a:ext uri="{4A0BC546-FE56-4ADE-93B0-CB8AF2F6F144}">
-                <wpsdc:textFrameExt xmlns:wpsdc="http://www.wps.cn/officeDocument/2022/drawingmlCustomData" xmlns="" type="text"/>
+                <wpsdc:textFrameExt xmlns="" xmlns:wpsdc="http://www.wps.cn/officeDocument/2022/drawingmlCustomData" type="text"/>
               </a:ext>
             </a:extLst>
           </a:bodyPr>
@@ -25294,7 +25324,7 @@
             <a:spAutoFit/>
             <a:extLst>
               <a:ext uri="{4A0BC546-FE56-4ADE-93B0-CB8AF2F6F144}">
-                <wpsdc:textFrameExt xmlns:wpsdc="http://www.wps.cn/officeDocument/2022/drawingmlCustomData" xmlns="" type="text"/>
+                <wpsdc:textFrameExt xmlns="" xmlns:wpsdc="http://www.wps.cn/officeDocument/2022/drawingmlCustomData" type="text"/>
               </a:ext>
             </a:extLst>
           </a:bodyPr>
@@ -26883,10 +26913,10 @@
       </p:grpSpPr>
       <p:pic>
         <p:nvPicPr>
-          <p:cNvPr id="7" name="图片 6">
+          <p:cNvPr id="3" name="图片 2">
             <a:extLst>
               <a:ext uri="{FF2B5EF4-FFF2-40B4-BE49-F238E27FC236}">
-                <a16:creationId xmlns:a16="http://schemas.microsoft.com/office/drawing/2014/main" id="{B0DB03C0-EC5A-41B9-B12F-D15BC18EAF83}"/>
+                <a16:creationId xmlns:a16="http://schemas.microsoft.com/office/drawing/2014/main" id="{C9E52B63-0901-4F8D-9564-9525871E97DC}"/>
               </a:ext>
             </a:extLst>
           </p:cNvPr>
@@ -26903,8 +26933,8 @@
         </p:blipFill>
         <p:spPr>
           <a:xfrm>
-            <a:off x="857927" y="421590"/>
-            <a:ext cx="7269500" cy="4440139"/>
+            <a:off x="3827929" y="250931"/>
+            <a:ext cx="6069106" cy="2895892"/>
           </a:xfrm>
           <a:prstGeom prst="rect">
             <a:avLst/>
@@ -26913,10 +26943,10 @@
       </p:pic>
       <p:pic>
         <p:nvPicPr>
-          <p:cNvPr id="9" name="图片 8">
+          <p:cNvPr id="5" name="图片 4">
             <a:extLst>
               <a:ext uri="{FF2B5EF4-FFF2-40B4-BE49-F238E27FC236}">
-                <a16:creationId xmlns:a16="http://schemas.microsoft.com/office/drawing/2014/main" id="{A7786525-6E12-4478-93F0-E5B71CC59F1B}"/>
+                <a16:creationId xmlns:a16="http://schemas.microsoft.com/office/drawing/2014/main" id="{2435FA68-1B34-43E0-8D95-AFD10BF53E19}"/>
               </a:ext>
             </a:extLst>
           </p:cNvPr>
@@ -26933,8 +26963,8 @@
         </p:blipFill>
         <p:spPr>
           <a:xfrm>
-            <a:off x="7699324" y="1300469"/>
-            <a:ext cx="3391373" cy="3629532"/>
+            <a:off x="1422148" y="3639460"/>
+            <a:ext cx="7390157" cy="2091941"/>
           </a:xfrm>
           <a:prstGeom prst="rect">
             <a:avLst/>
@@ -26944,7 +26974,7 @@
     </p:spTree>
     <p:extLst>
       <p:ext uri="{BB962C8B-B14F-4D97-AF65-F5344CB8AC3E}">
-        <p14:creationId xmlns:p14="http://schemas.microsoft.com/office/powerpoint/2010/main" val="1296620647"/>
+        <p14:creationId xmlns:p14="http://schemas.microsoft.com/office/powerpoint/2010/main" val="2707179593"/>
       </p:ext>
     </p:extLst>
   </p:cSld>
@@ -40381,10 +40411,10 @@
       </p:grpSpPr>
       <p:pic>
         <p:nvPicPr>
-          <p:cNvPr id="3" name="图片 2">
+          <p:cNvPr id="4" name="图片 3">
             <a:extLst>
               <a:ext uri="{FF2B5EF4-FFF2-40B4-BE49-F238E27FC236}">
-                <a16:creationId xmlns:a16="http://schemas.microsoft.com/office/drawing/2014/main" id="{C9E52B63-0901-4F8D-9564-9525871E97DC}"/>
+                <a16:creationId xmlns:a16="http://schemas.microsoft.com/office/drawing/2014/main" id="{B1D02CF5-493B-47BD-A35C-5AB631A3BD24}"/>
               </a:ext>
             </a:extLst>
           </p:cNvPr>
@@ -40401,8 +40431,8 @@
         </p:blipFill>
         <p:spPr>
           <a:xfrm>
-            <a:off x="3827929" y="250931"/>
-            <a:ext cx="6069106" cy="2895892"/>
+            <a:off x="558458" y="1281953"/>
+            <a:ext cx="8094102" cy="2993915"/>
           </a:xfrm>
           <a:prstGeom prst="rect">
             <a:avLst/>
@@ -40411,10 +40441,10 @@
       </p:pic>
       <p:pic>
         <p:nvPicPr>
-          <p:cNvPr id="5" name="图片 4">
+          <p:cNvPr id="7" name="图片 6">
             <a:extLst>
               <a:ext uri="{FF2B5EF4-FFF2-40B4-BE49-F238E27FC236}">
-                <a16:creationId xmlns:a16="http://schemas.microsoft.com/office/drawing/2014/main" id="{2435FA68-1B34-43E0-8D95-AFD10BF53E19}"/>
+                <a16:creationId xmlns:a16="http://schemas.microsoft.com/office/drawing/2014/main" id="{B06C8CD0-344F-46FB-811F-596B9C0EB429}"/>
               </a:ext>
             </a:extLst>
           </p:cNvPr>
@@ -40431,8 +40461,38 @@
         </p:blipFill>
         <p:spPr>
           <a:xfrm>
-            <a:off x="1422148" y="3639460"/>
-            <a:ext cx="7390157" cy="2091941"/>
+            <a:off x="4482353" y="107577"/>
+            <a:ext cx="6208115" cy="6858000"/>
+          </a:xfrm>
+          <a:prstGeom prst="rect">
+            <a:avLst/>
+          </a:prstGeom>
+        </p:spPr>
+      </p:pic>
+      <p:pic>
+        <p:nvPicPr>
+          <p:cNvPr id="9" name="图片 8">
+            <a:extLst>
+              <a:ext uri="{FF2B5EF4-FFF2-40B4-BE49-F238E27FC236}">
+                <a16:creationId xmlns:a16="http://schemas.microsoft.com/office/drawing/2014/main" id="{3686BC94-B03F-4A72-A3D0-B304DEC7A62C}"/>
+              </a:ext>
+            </a:extLst>
+          </p:cNvPr>
+          <p:cNvPicPr>
+            <a:picLocks noChangeAspect="1"/>
+          </p:cNvPicPr>
+          <p:nvPr/>
+        </p:nvPicPr>
+        <p:blipFill>
+          <a:blip r:embed="rId4"/>
+          <a:stretch>
+            <a:fillRect/>
+          </a:stretch>
+        </p:blipFill>
+        <p:spPr>
+          <a:xfrm>
+            <a:off x="558458" y="3881718"/>
+            <a:ext cx="8455056" cy="2687637"/>
           </a:xfrm>
           <a:prstGeom prst="rect">
             <a:avLst/>
@@ -40442,7 +40502,7 @@
     </p:spTree>
     <p:extLst>
       <p:ext uri="{BB962C8B-B14F-4D97-AF65-F5344CB8AC3E}">
-        <p14:creationId xmlns:p14="http://schemas.microsoft.com/office/powerpoint/2010/main" val="2707179593"/>
+        <p14:creationId xmlns:p14="http://schemas.microsoft.com/office/powerpoint/2010/main" val="1300653289"/>
       </p:ext>
     </p:extLst>
   </p:cSld>
@@ -45224,126 +45284,6 @@
       </p:grpSpPr>
       <p:pic>
         <p:nvPicPr>
-          <p:cNvPr id="4" name="图片 3">
-            <a:extLst>
-              <a:ext uri="{FF2B5EF4-FFF2-40B4-BE49-F238E27FC236}">
-                <a16:creationId xmlns:a16="http://schemas.microsoft.com/office/drawing/2014/main" id="{B1D02CF5-493B-47BD-A35C-5AB631A3BD24}"/>
-              </a:ext>
-            </a:extLst>
-          </p:cNvPr>
-          <p:cNvPicPr>
-            <a:picLocks noChangeAspect="1"/>
-          </p:cNvPicPr>
-          <p:nvPr/>
-        </p:nvPicPr>
-        <p:blipFill>
-          <a:blip r:embed="rId2"/>
-          <a:stretch>
-            <a:fillRect/>
-          </a:stretch>
-        </p:blipFill>
-        <p:spPr>
-          <a:xfrm>
-            <a:off x="558458" y="1281953"/>
-            <a:ext cx="8094102" cy="2993915"/>
-          </a:xfrm>
-          <a:prstGeom prst="rect">
-            <a:avLst/>
-          </a:prstGeom>
-        </p:spPr>
-      </p:pic>
-      <p:pic>
-        <p:nvPicPr>
-          <p:cNvPr id="7" name="图片 6">
-            <a:extLst>
-              <a:ext uri="{FF2B5EF4-FFF2-40B4-BE49-F238E27FC236}">
-                <a16:creationId xmlns:a16="http://schemas.microsoft.com/office/drawing/2014/main" id="{B06C8CD0-344F-46FB-811F-596B9C0EB429}"/>
-              </a:ext>
-            </a:extLst>
-          </p:cNvPr>
-          <p:cNvPicPr>
-            <a:picLocks noChangeAspect="1"/>
-          </p:cNvPicPr>
-          <p:nvPr/>
-        </p:nvPicPr>
-        <p:blipFill>
-          <a:blip r:embed="rId3"/>
-          <a:stretch>
-            <a:fillRect/>
-          </a:stretch>
-        </p:blipFill>
-        <p:spPr>
-          <a:xfrm>
-            <a:off x="4482353" y="107577"/>
-            <a:ext cx="6208115" cy="6858000"/>
-          </a:xfrm>
-          <a:prstGeom prst="rect">
-            <a:avLst/>
-          </a:prstGeom>
-        </p:spPr>
-      </p:pic>
-      <p:pic>
-        <p:nvPicPr>
-          <p:cNvPr id="9" name="图片 8">
-            <a:extLst>
-              <a:ext uri="{FF2B5EF4-FFF2-40B4-BE49-F238E27FC236}">
-                <a16:creationId xmlns:a16="http://schemas.microsoft.com/office/drawing/2014/main" id="{3686BC94-B03F-4A72-A3D0-B304DEC7A62C}"/>
-              </a:ext>
-            </a:extLst>
-          </p:cNvPr>
-          <p:cNvPicPr>
-            <a:picLocks noChangeAspect="1"/>
-          </p:cNvPicPr>
-          <p:nvPr/>
-        </p:nvPicPr>
-        <p:blipFill>
-          <a:blip r:embed="rId4"/>
-          <a:stretch>
-            <a:fillRect/>
-          </a:stretch>
-        </p:blipFill>
-        <p:spPr>
-          <a:xfrm>
-            <a:off x="558458" y="3881718"/>
-            <a:ext cx="8455056" cy="2687637"/>
-          </a:xfrm>
-          <a:prstGeom prst="rect">
-            <a:avLst/>
-          </a:prstGeom>
-        </p:spPr>
-      </p:pic>
-    </p:spTree>
-    <p:extLst>
-      <p:ext uri="{BB962C8B-B14F-4D97-AF65-F5344CB8AC3E}">
-        <p14:creationId xmlns:p14="http://schemas.microsoft.com/office/powerpoint/2010/main" val="1300653289"/>
-      </p:ext>
-    </p:extLst>
-  </p:cSld>
-  <p:clrMapOvr>
-    <a:masterClrMapping/>
-  </p:clrMapOvr>
-</p:sld>
-</file>
-
-<file path=ppt/slides/slide6.xml><?xml version="1.0" encoding="utf-8"?>
-<p:sld xmlns:a="http://schemas.openxmlformats.org/drawingml/2006/main" xmlns:r="http://schemas.openxmlformats.org/officeDocument/2006/relationships" xmlns:p="http://schemas.openxmlformats.org/presentationml/2006/main">
-  <p:cSld>
-    <p:spTree>
-      <p:nvGrpSpPr>
-        <p:cNvPr id="1" name=""/>
-        <p:cNvGrpSpPr/>
-        <p:nvPr/>
-      </p:nvGrpSpPr>
-      <p:grpSpPr>
-        <a:xfrm>
-          <a:off x="0" y="0"/>
-          <a:ext cx="0" cy="0"/>
-          <a:chOff x="0" y="0"/>
-          <a:chExt cx="0" cy="0"/>
-        </a:xfrm>
-      </p:grpSpPr>
-      <p:pic>
-        <p:nvPicPr>
           <p:cNvPr id="3" name="图片 2">
             <a:extLst>
               <a:ext uri="{FF2B5EF4-FFF2-40B4-BE49-F238E27FC236}">
@@ -45415,7 +45355,7 @@
 </p:sld>
 </file>
 
-<file path=ppt/slides/slide7.xml><?xml version="1.0" encoding="utf-8"?>
+<file path=ppt/slides/slide6.xml><?xml version="1.0" encoding="utf-8"?>
 <p:sld xmlns:a="http://schemas.openxmlformats.org/drawingml/2006/main" xmlns:r="http://schemas.openxmlformats.org/officeDocument/2006/relationships" xmlns:p="http://schemas.openxmlformats.org/presentationml/2006/main">
   <p:cSld>
     <p:spTree>
@@ -45705,7 +45645,7 @@
 </p:sld>
 </file>
 
-<file path=ppt/slides/slide8.xml><?xml version="1.0" encoding="utf-8"?>
+<file path=ppt/slides/slide7.xml><?xml version="1.0" encoding="utf-8"?>
 <p:sld xmlns:a="http://schemas.openxmlformats.org/drawingml/2006/main" xmlns:r="http://schemas.openxmlformats.org/officeDocument/2006/relationships" xmlns:p="http://schemas.openxmlformats.org/presentationml/2006/main">
   <p:cSld>
     <p:spTree>
@@ -45765,7 +45705,7 @@
 </p:sld>
 </file>
 
-<file path=ppt/slides/slide9.xml><?xml version="1.0" encoding="utf-8"?>
+<file path=ppt/slides/slide8.xml><?xml version="1.0" encoding="utf-8"?>
 <p:sld xmlns:a="http://schemas.openxmlformats.org/drawingml/2006/main" xmlns:r="http://schemas.openxmlformats.org/officeDocument/2006/relationships" xmlns:p="http://schemas.openxmlformats.org/presentationml/2006/main">
   <p:cSld>
     <p:spTree>
@@ -47077,6 +47017,90 @@
     <p:extLst>
       <p:ext uri="{BB962C8B-B14F-4D97-AF65-F5344CB8AC3E}">
         <p14:creationId xmlns:p14="http://schemas.microsoft.com/office/powerpoint/2010/main" val="2976045413"/>
+      </p:ext>
+    </p:extLst>
+  </p:cSld>
+  <p:clrMapOvr>
+    <a:masterClrMapping/>
+  </p:clrMapOvr>
+</p:sld>
+</file>
+
+<file path=ppt/slides/slide9.xml><?xml version="1.0" encoding="utf-8"?>
+<p:sld xmlns:a="http://schemas.openxmlformats.org/drawingml/2006/main" xmlns:r="http://schemas.openxmlformats.org/officeDocument/2006/relationships" xmlns:p="http://schemas.openxmlformats.org/presentationml/2006/main">
+  <p:cSld>
+    <p:spTree>
+      <p:nvGrpSpPr>
+        <p:cNvPr id="1" name=""/>
+        <p:cNvGrpSpPr/>
+        <p:nvPr/>
+      </p:nvGrpSpPr>
+      <p:grpSpPr>
+        <a:xfrm>
+          <a:off x="0" y="0"/>
+          <a:ext cx="0" cy="0"/>
+          <a:chOff x="0" y="0"/>
+          <a:chExt cx="0" cy="0"/>
+        </a:xfrm>
+      </p:grpSpPr>
+      <p:sp>
+        <p:nvSpPr>
+          <p:cNvPr id="2" name="标题 1">
+            <a:extLst>
+              <a:ext uri="{FF2B5EF4-FFF2-40B4-BE49-F238E27FC236}">
+                <a16:creationId xmlns:a16="http://schemas.microsoft.com/office/drawing/2014/main" id="{0D3CAF08-4F02-4C25-BB92-2BBF47CCAC30}"/>
+              </a:ext>
+            </a:extLst>
+          </p:cNvPr>
+          <p:cNvSpPr>
+            <a:spLocks noGrp="1"/>
+          </p:cNvSpPr>
+          <p:nvPr>
+            <p:ph type="title"/>
+          </p:nvPr>
+        </p:nvSpPr>
+        <p:spPr/>
+        <p:txBody>
+          <a:bodyPr/>
+          <a:lstStyle/>
+          <a:p>
+            <a:endParaRPr lang="zh-CN" altLang="en-US"/>
+          </a:p>
+        </p:txBody>
+      </p:sp>
+      <p:pic>
+        <p:nvPicPr>
+          <p:cNvPr id="5" name="内容占位符 4">
+            <a:extLst>
+              <a:ext uri="{FF2B5EF4-FFF2-40B4-BE49-F238E27FC236}">
+                <a16:creationId xmlns:a16="http://schemas.microsoft.com/office/drawing/2014/main" id="{DDB5448D-2F0F-4A94-AC8C-F550F194DBD1}"/>
+              </a:ext>
+            </a:extLst>
+          </p:cNvPr>
+          <p:cNvPicPr>
+            <a:picLocks noGrp="1" noChangeAspect="1"/>
+          </p:cNvPicPr>
+          <p:nvPr>
+            <p:ph idx="1"/>
+          </p:nvPr>
+        </p:nvPicPr>
+        <p:blipFill>
+          <a:blip r:embed="rId2"/>
+          <a:stretch>
+            <a:fillRect/>
+          </a:stretch>
+        </p:blipFill>
+        <p:spPr>
+          <a:xfrm>
+            <a:off x="1574392" y="1825625"/>
+            <a:ext cx="9043216" cy="4351338"/>
+          </a:xfrm>
+        </p:spPr>
+      </p:pic>
+    </p:spTree>
+    <p:extLst>
+      <p:ext uri="{BB962C8B-B14F-4D97-AF65-F5344CB8AC3E}">
+        <p14:creationId xmlns:p14="http://schemas.microsoft.com/office/powerpoint/2010/main" val="1829795709"/>
       </p:ext>
     </p:extLst>
   </p:cSld>
